--- a/study/5_Dynamic Programming.pptx
+++ b/study/5_Dynamic Programming.pptx
@@ -17,26 +17,27 @@
     <p:sldId id="283" r:id="rId11"/>
     <p:sldId id="277" r:id="rId12"/>
     <p:sldId id="278" r:id="rId13"/>
-    <p:sldId id="323" r:id="rId14"/>
-    <p:sldId id="324" r:id="rId15"/>
-    <p:sldId id="327" r:id="rId16"/>
-    <p:sldId id="328" r:id="rId17"/>
-    <p:sldId id="280" r:id="rId18"/>
-    <p:sldId id="281" r:id="rId19"/>
-    <p:sldId id="329" r:id="rId20"/>
-    <p:sldId id="330" r:id="rId21"/>
-    <p:sldId id="331" r:id="rId22"/>
-    <p:sldId id="303" r:id="rId23"/>
-    <p:sldId id="332" r:id="rId24"/>
-    <p:sldId id="284" r:id="rId25"/>
-    <p:sldId id="333" r:id="rId26"/>
-    <p:sldId id="334" r:id="rId27"/>
-    <p:sldId id="335" r:id="rId28"/>
-    <p:sldId id="287" r:id="rId29"/>
-    <p:sldId id="316" r:id="rId30"/>
-    <p:sldId id="288" r:id="rId31"/>
-    <p:sldId id="304" r:id="rId32"/>
-    <p:sldId id="298" r:id="rId33"/>
+    <p:sldId id="337" r:id="rId14"/>
+    <p:sldId id="323" r:id="rId15"/>
+    <p:sldId id="324" r:id="rId16"/>
+    <p:sldId id="327" r:id="rId17"/>
+    <p:sldId id="328" r:id="rId18"/>
+    <p:sldId id="280" r:id="rId19"/>
+    <p:sldId id="281" r:id="rId20"/>
+    <p:sldId id="329" r:id="rId21"/>
+    <p:sldId id="330" r:id="rId22"/>
+    <p:sldId id="331" r:id="rId23"/>
+    <p:sldId id="303" r:id="rId24"/>
+    <p:sldId id="332" r:id="rId25"/>
+    <p:sldId id="284" r:id="rId26"/>
+    <p:sldId id="333" r:id="rId27"/>
+    <p:sldId id="334" r:id="rId28"/>
+    <p:sldId id="335" r:id="rId29"/>
+    <p:sldId id="287" r:id="rId30"/>
+    <p:sldId id="316" r:id="rId31"/>
+    <p:sldId id="288" r:id="rId32"/>
+    <p:sldId id="304" r:id="rId33"/>
+    <p:sldId id="298" r:id="rId34"/>
   </p:sldIdLst>
   <p:sldSz cx="12192000" cy="6858000"/>
   <p:notesSz cx="6858000" cy="9144000"/>
@@ -3669,10 +3670,10 @@
       </p:sp>
       <p:sp>
         <p:nvSpPr>
-          <p:cNvPr id="3" name="TextBox 2">
-            <a:extLst>
-              <a:ext uri="{FF2B5EF4-FFF2-40B4-BE49-F238E27FC236}">
-                <a16:creationId xmlns:a16="http://schemas.microsoft.com/office/drawing/2014/main" id="{0FF97825-CCEC-6322-30A2-13F29D517588}"/>
+          <p:cNvPr id="8" name="TextBox 7">
+            <a:extLst>
+              <a:ext uri="{FF2B5EF4-FFF2-40B4-BE49-F238E27FC236}">
+                <a16:creationId xmlns:a16="http://schemas.microsoft.com/office/drawing/2014/main" id="{D42B802A-5340-D04D-C71A-486704330340}"/>
               </a:ext>
             </a:extLst>
           </p:cNvPr>
@@ -3682,7 +3683,7 @@
         <p:spPr>
           <a:xfrm>
             <a:off x="331694" y="177505"/>
-            <a:ext cx="4457054" cy="523220"/>
+            <a:ext cx="6497997" cy="523220"/>
           </a:xfrm>
           <a:prstGeom prst="rect">
             <a:avLst/>
@@ -3700,742 +3701,15 @@
                 <a:latin typeface="나눔스퀘어 Bold" panose="020B0600000101010101" pitchFamily="50" charset="-127"/>
                 <a:ea typeface="나눔스퀘어 Bold" panose="020B0600000101010101" pitchFamily="50" charset="-127"/>
               </a:rPr>
-              <a:t>Sorting – 2750 </a:t>
-            </a:r>
-            <a:r>
-              <a:rPr lang="ko-KR" altLang="en-US" sz="2800" dirty="0">
-                <a:latin typeface="나눔스퀘어 Bold" panose="020B0600000101010101" pitchFamily="50" charset="-127"/>
-                <a:ea typeface="나눔스퀘어 Bold" panose="020B0600000101010101" pitchFamily="50" charset="-127"/>
-              </a:rPr>
-              <a:t>수 정렬하기</a:t>
-            </a:r>
-          </a:p>
-        </p:txBody>
-      </p:sp>
-      <mc:AlternateContent xmlns:mc="http://schemas.openxmlformats.org/markup-compatibility/2006" xmlns:a14="http://schemas.microsoft.com/office/drawing/2010/main">
-        <mc:Choice Requires="a14">
-          <p:sp>
-            <p:nvSpPr>
-              <p:cNvPr id="2" name="TextBox 1">
-                <a:extLst>
-                  <a:ext uri="{FF2B5EF4-FFF2-40B4-BE49-F238E27FC236}">
-                    <a16:creationId xmlns:a16="http://schemas.microsoft.com/office/drawing/2014/main" id="{62830A6D-CD5E-0FFF-B45C-76880B58DEBB}"/>
-                  </a:ext>
-                </a:extLst>
-              </p:cNvPr>
-              <p:cNvSpPr txBox="1"/>
-              <p:nvPr/>
-            </p:nvSpPr>
-            <p:spPr>
-              <a:xfrm>
-                <a:off x="942387" y="1861874"/>
-                <a:ext cx="8553305" cy="369332"/>
-              </a:xfrm>
-              <a:prstGeom prst="rect">
-                <a:avLst/>
-              </a:prstGeom>
-              <a:noFill/>
-            </p:spPr>
-            <p:txBody>
-              <a:bodyPr wrap="square" rtlCol="0">
-                <a:spAutoFit/>
-              </a:bodyPr>
-              <a:lstStyle/>
-              <a:p>
-                <a:r>
-                  <a:rPr lang="ko-KR" altLang="en-US" dirty="0">
-                    <a:latin typeface="나눔스퀘어 Light" panose="020B0600000101010101" pitchFamily="50" charset="-127"/>
-                    <a:ea typeface="나눔스퀘어 Light" panose="020B0600000101010101" pitchFamily="50" charset="-127"/>
-                  </a:rPr>
-                  <a:t>이 문제의 경우</a:t>
-                </a:r>
-                <a:r>
-                  <a:rPr lang="en-US" altLang="ko-KR" dirty="0">
-                    <a:latin typeface="나눔스퀘어 Light" panose="020B0600000101010101" pitchFamily="50" charset="-127"/>
-                    <a:ea typeface="나눔스퀘어 Light" panose="020B0600000101010101" pitchFamily="50" charset="-127"/>
-                  </a:rPr>
-                  <a:t>, </a:t>
-                </a:r>
-                <a:r>
-                  <a:rPr lang="ko-KR" altLang="en-US" dirty="0">
-                    <a:latin typeface="나눔스퀘어 Light" panose="020B0600000101010101" pitchFamily="50" charset="-127"/>
-                    <a:ea typeface="나눔스퀘어 Light" panose="020B0600000101010101" pitchFamily="50" charset="-127"/>
-                  </a:rPr>
-                  <a:t>입력의 크기</a:t>
-                </a:r>
-                <a:r>
-                  <a:rPr lang="en-US" altLang="ko-KR" dirty="0">
-                    <a:latin typeface="나눔스퀘어 Light" panose="020B0600000101010101" pitchFamily="50" charset="-127"/>
-                    <a:ea typeface="나눔스퀘어 Light" panose="020B0600000101010101" pitchFamily="50" charset="-127"/>
-                  </a:rPr>
-                  <a:t>(</a:t>
-                </a:r>
-                <a14:m>
-                  <m:oMath xmlns:m="http://schemas.openxmlformats.org/officeDocument/2006/math">
-                    <m:r>
-                      <a:rPr lang="en-US" altLang="ko-KR" b="0" i="1" smtClean="0">
-                        <a:latin typeface="Cambria Math" panose="02040503050406030204" pitchFamily="18" charset="0"/>
-                        <a:ea typeface="나눔스퀘어 Light" panose="020B0600000101010101" pitchFamily="50" charset="-127"/>
-                      </a:rPr>
-                      <m:t>𝑁</m:t>
-                    </m:r>
-                  </m:oMath>
-                </a14:m>
-                <a:r>
-                  <a:rPr lang="en-US" altLang="ko-KR" dirty="0">
-                    <a:latin typeface="나눔스퀘어 Light" panose="020B0600000101010101" pitchFamily="50" charset="-127"/>
-                    <a:ea typeface="나눔스퀘어 Light" panose="020B0600000101010101" pitchFamily="50" charset="-127"/>
-                  </a:rPr>
-                  <a:t>)</a:t>
-                </a:r>
-                <a:r>
-                  <a:rPr lang="ko-KR" altLang="en-US" dirty="0">
-                    <a:latin typeface="나눔스퀘어 Light" panose="020B0600000101010101" pitchFamily="50" charset="-127"/>
-                    <a:ea typeface="나눔스퀘어 Light" panose="020B0600000101010101" pitchFamily="50" charset="-127"/>
-                  </a:rPr>
-                  <a:t>가 최대 </a:t>
-                </a:r>
-                <a:r>
-                  <a:rPr lang="en-US" altLang="ko-KR" dirty="0">
-                    <a:latin typeface="나눔스퀘어 Light" panose="020B0600000101010101" pitchFamily="50" charset="-127"/>
-                    <a:ea typeface="나눔스퀘어 Light" panose="020B0600000101010101" pitchFamily="50" charset="-127"/>
-                  </a:rPr>
-                  <a:t>1,000 </a:t>
-                </a:r>
-                <a:r>
-                  <a:rPr lang="ko-KR" altLang="en-US" dirty="0">
-                    <a:latin typeface="나눔스퀘어 Light" panose="020B0600000101010101" pitchFamily="50" charset="-127"/>
-                    <a:ea typeface="나눔스퀘어 Light" panose="020B0600000101010101" pitchFamily="50" charset="-127"/>
-                  </a:rPr>
-                  <a:t>입니다</a:t>
-                </a:r>
-                <a:r>
-                  <a:rPr lang="en-US" altLang="ko-KR" dirty="0">
-                    <a:latin typeface="나눔스퀘어 Light" panose="020B0600000101010101" pitchFamily="50" charset="-127"/>
-                    <a:ea typeface="나눔스퀘어 Light" panose="020B0600000101010101" pitchFamily="50" charset="-127"/>
-                  </a:rPr>
-                  <a:t>.</a:t>
-                </a:r>
-                <a:endParaRPr lang="ko-KR" altLang="en-US" dirty="0">
-                  <a:latin typeface="나눔스퀘어 Light" panose="020B0600000101010101" pitchFamily="50" charset="-127"/>
-                  <a:ea typeface="나눔스퀘어 Light" panose="020B0600000101010101" pitchFamily="50" charset="-127"/>
-                </a:endParaRPr>
-              </a:p>
-            </p:txBody>
-          </p:sp>
-        </mc:Choice>
-        <mc:Fallback xmlns="">
-          <p:sp>
-            <p:nvSpPr>
-              <p:cNvPr id="2" name="TextBox 1">
-                <a:extLst>
-                  <a:ext uri="{FF2B5EF4-FFF2-40B4-BE49-F238E27FC236}">
-                    <a16:creationId xmlns:a16="http://schemas.microsoft.com/office/drawing/2014/main" id="{62830A6D-CD5E-0FFF-B45C-76880B58DEBB}"/>
-                  </a:ext>
-                </a:extLst>
-              </p:cNvPr>
-              <p:cNvSpPr txBox="1">
-                <a:spLocks noRot="1" noChangeAspect="1" noMove="1" noResize="1" noEditPoints="1" noAdjustHandles="1" noChangeArrowheads="1" noChangeShapeType="1" noTextEdit="1"/>
-              </p:cNvSpPr>
-              <p:nvPr/>
-            </p:nvSpPr>
-            <p:spPr>
-              <a:xfrm>
-                <a:off x="942387" y="1861874"/>
-                <a:ext cx="8553305" cy="369332"/>
-              </a:xfrm>
-              <a:prstGeom prst="rect">
-                <a:avLst/>
-              </a:prstGeom>
-              <a:blipFill>
-                <a:blip r:embed="rId2"/>
-                <a:stretch>
-                  <a:fillRect l="-641" t="-6557" b="-26230"/>
-                </a:stretch>
-              </a:blipFill>
-            </p:spPr>
-            <p:txBody>
-              <a:bodyPr/>
-              <a:lstStyle/>
-              <a:p>
-                <a:r>
-                  <a:rPr lang="ko-KR" altLang="en-US">
-                    <a:noFill/>
-                  </a:rPr>
-                  <a:t> </a:t>
-                </a:r>
-              </a:p>
-            </p:txBody>
-          </p:sp>
-        </mc:Fallback>
-      </mc:AlternateContent>
-      <mc:AlternateContent xmlns:mc="http://schemas.openxmlformats.org/markup-compatibility/2006" xmlns:a14="http://schemas.microsoft.com/office/drawing/2010/main">
-        <mc:Choice Requires="a14">
-          <p:sp>
-            <p:nvSpPr>
-              <p:cNvPr id="4" name="TextBox 3">
-                <a:extLst>
-                  <a:ext uri="{FF2B5EF4-FFF2-40B4-BE49-F238E27FC236}">
-                    <a16:creationId xmlns:a16="http://schemas.microsoft.com/office/drawing/2014/main" id="{CDACD4F9-8BB6-E581-71DF-65FD07836BF8}"/>
-                  </a:ext>
-                </a:extLst>
-              </p:cNvPr>
-              <p:cNvSpPr txBox="1"/>
-              <p:nvPr/>
-            </p:nvSpPr>
-            <p:spPr>
-              <a:xfrm>
-                <a:off x="942387" y="2231206"/>
-                <a:ext cx="10237694" cy="369332"/>
-              </a:xfrm>
-              <a:prstGeom prst="rect">
-                <a:avLst/>
-              </a:prstGeom>
-              <a:noFill/>
-            </p:spPr>
-            <p:txBody>
-              <a:bodyPr wrap="square" rtlCol="0">
-                <a:spAutoFit/>
-              </a:bodyPr>
-              <a:lstStyle/>
-              <a:p>
-                <a14:m>
-                  <m:oMath xmlns:m="http://schemas.openxmlformats.org/officeDocument/2006/math">
-                    <m:r>
-                      <a:rPr lang="en-US" altLang="ko-KR" b="0" i="1" smtClean="0">
-                        <a:latin typeface="Cambria Math" panose="02040503050406030204" pitchFamily="18" charset="0"/>
-                        <a:ea typeface="나눔스퀘어 Light" panose="020B0600000101010101" pitchFamily="50" charset="-127"/>
-                      </a:rPr>
-                      <m:t>𝑂</m:t>
-                    </m:r>
-                    <m:r>
-                      <a:rPr lang="en-US" altLang="ko-KR" b="0" i="1" smtClean="0">
-                        <a:latin typeface="Cambria Math" panose="02040503050406030204" pitchFamily="18" charset="0"/>
-                        <a:ea typeface="나눔스퀘어 Light" panose="020B0600000101010101" pitchFamily="50" charset="-127"/>
-                      </a:rPr>
-                      <m:t>(</m:t>
-                    </m:r>
-                    <m:sSup>
-                      <m:sSupPr>
-                        <m:ctrlPr>
-                          <a:rPr lang="en-US" altLang="ko-KR" i="1" smtClean="0">
-                            <a:latin typeface="Cambria Math" panose="02040503050406030204" pitchFamily="18" charset="0"/>
-                            <a:ea typeface="나눔스퀘어 Light" panose="020B0600000101010101" pitchFamily="50" charset="-127"/>
-                          </a:rPr>
-                        </m:ctrlPr>
-                      </m:sSupPr>
-                      <m:e>
-                        <m:r>
-                          <a:rPr lang="en-US" altLang="ko-KR" b="0" i="1" smtClean="0">
-                            <a:latin typeface="Cambria Math" panose="02040503050406030204" pitchFamily="18" charset="0"/>
-                            <a:ea typeface="나눔스퀘어 Light" panose="020B0600000101010101" pitchFamily="50" charset="-127"/>
-                          </a:rPr>
-                          <m:t>𝑁</m:t>
-                        </m:r>
-                      </m:e>
-                      <m:sup>
-                        <m:r>
-                          <a:rPr lang="en-US" altLang="ko-KR" i="1" smtClean="0">
-                            <a:latin typeface="Cambria Math" panose="02040503050406030204" pitchFamily="18" charset="0"/>
-                            <a:ea typeface="나눔스퀘어 Light" panose="020B0600000101010101" pitchFamily="50" charset="-127"/>
-                          </a:rPr>
-                          <m:t>2</m:t>
-                        </m:r>
-                      </m:sup>
-                    </m:sSup>
-                    <m:r>
-                      <a:rPr lang="en-US" altLang="ko-KR" b="0" i="1" smtClean="0">
-                        <a:latin typeface="Cambria Math" panose="02040503050406030204" pitchFamily="18" charset="0"/>
-                        <a:ea typeface="나눔스퀘어 Light" panose="020B0600000101010101" pitchFamily="50" charset="-127"/>
-                      </a:rPr>
-                      <m:t>)</m:t>
-                    </m:r>
-                  </m:oMath>
-                </a14:m>
-                <a:r>
-                  <a:rPr lang="ko-KR" altLang="en-US" dirty="0">
-                    <a:latin typeface="나눔스퀘어 Light" panose="020B0600000101010101" pitchFamily="50" charset="-127"/>
-                    <a:ea typeface="나눔스퀘어 Light" panose="020B0600000101010101" pitchFamily="50" charset="-127"/>
-                  </a:rPr>
-                  <a:t>정렬 알고리즘</a:t>
-                </a:r>
-                <a:r>
-                  <a:rPr lang="en-US" altLang="ko-KR" dirty="0">
-                    <a:latin typeface="나눔스퀘어 Light" panose="020B0600000101010101" pitchFamily="50" charset="-127"/>
-                    <a:ea typeface="나눔스퀘어 Light" panose="020B0600000101010101" pitchFamily="50" charset="-127"/>
-                  </a:rPr>
-                  <a:t>(Bubble / Insertion / Selection Sort)</a:t>
-                </a:r>
-                <a:r>
-                  <a:rPr lang="ko-KR" altLang="en-US" dirty="0">
-                    <a:latin typeface="나눔스퀘어 Light" panose="020B0600000101010101" pitchFamily="50" charset="-127"/>
-                    <a:ea typeface="나눔스퀘어 Light" panose="020B0600000101010101" pitchFamily="50" charset="-127"/>
-                  </a:rPr>
-                  <a:t>을 사용할 경우</a:t>
-                </a:r>
-                <a:r>
-                  <a:rPr lang="en-US" altLang="ko-KR" dirty="0">
-                    <a:latin typeface="나눔스퀘어 Light" panose="020B0600000101010101" pitchFamily="50" charset="-127"/>
-                    <a:ea typeface="나눔스퀘어 Light" panose="020B0600000101010101" pitchFamily="50" charset="-127"/>
-                  </a:rPr>
-                  <a:t>,</a:t>
-                </a:r>
-                <a:endParaRPr lang="ko-KR" altLang="en-US" dirty="0">
-                  <a:latin typeface="나눔스퀘어 Light" panose="020B0600000101010101" pitchFamily="50" charset="-127"/>
-                  <a:ea typeface="나눔스퀘어 Light" panose="020B0600000101010101" pitchFamily="50" charset="-127"/>
-                </a:endParaRPr>
-              </a:p>
-            </p:txBody>
-          </p:sp>
-        </mc:Choice>
-        <mc:Fallback xmlns="">
-          <p:sp>
-            <p:nvSpPr>
-              <p:cNvPr id="4" name="TextBox 3">
-                <a:extLst>
-                  <a:ext uri="{FF2B5EF4-FFF2-40B4-BE49-F238E27FC236}">
-                    <a16:creationId xmlns:a16="http://schemas.microsoft.com/office/drawing/2014/main" id="{CDACD4F9-8BB6-E581-71DF-65FD07836BF8}"/>
-                  </a:ext>
-                </a:extLst>
-              </p:cNvPr>
-              <p:cNvSpPr txBox="1">
-                <a:spLocks noRot="1" noChangeAspect="1" noMove="1" noResize="1" noEditPoints="1" noAdjustHandles="1" noChangeArrowheads="1" noChangeShapeType="1" noTextEdit="1"/>
-              </p:cNvSpPr>
-              <p:nvPr/>
-            </p:nvSpPr>
-            <p:spPr>
-              <a:xfrm>
-                <a:off x="942387" y="2231206"/>
-                <a:ext cx="10237694" cy="369332"/>
-              </a:xfrm>
-              <a:prstGeom prst="rect">
-                <a:avLst/>
-              </a:prstGeom>
-              <a:blipFill>
-                <a:blip r:embed="rId3"/>
-                <a:stretch>
-                  <a:fillRect t="-6557" b="-26230"/>
-                </a:stretch>
-              </a:blipFill>
-            </p:spPr>
-            <p:txBody>
-              <a:bodyPr/>
-              <a:lstStyle/>
-              <a:p>
-                <a:r>
-                  <a:rPr lang="ko-KR" altLang="en-US">
-                    <a:noFill/>
-                  </a:rPr>
-                  <a:t> </a:t>
-                </a:r>
-              </a:p>
-            </p:txBody>
-          </p:sp>
-        </mc:Fallback>
-      </mc:AlternateContent>
-      <mc:AlternateContent xmlns:mc="http://schemas.openxmlformats.org/markup-compatibility/2006" xmlns:a14="http://schemas.microsoft.com/office/drawing/2010/main">
-        <mc:Choice Requires="a14">
-          <p:sp>
-            <p:nvSpPr>
-              <p:cNvPr id="9" name="TextBox 8">
-                <a:extLst>
-                  <a:ext uri="{FF2B5EF4-FFF2-40B4-BE49-F238E27FC236}">
-                    <a16:creationId xmlns:a16="http://schemas.microsoft.com/office/drawing/2014/main" id="{28AE14C7-D478-E07F-133D-B972072CC195}"/>
-                  </a:ext>
-                </a:extLst>
-              </p:cNvPr>
-              <p:cNvSpPr txBox="1"/>
-              <p:nvPr/>
-            </p:nvSpPr>
-            <p:spPr>
-              <a:xfrm>
-                <a:off x="942387" y="2600538"/>
-                <a:ext cx="10237694" cy="369332"/>
-              </a:xfrm>
-              <a:prstGeom prst="rect">
-                <a:avLst/>
-              </a:prstGeom>
-              <a:noFill/>
-            </p:spPr>
-            <p:txBody>
-              <a:bodyPr wrap="square" rtlCol="0">
-                <a:spAutoFit/>
-              </a:bodyPr>
-              <a:lstStyle/>
-              <a:p>
-                <a:r>
-                  <a:rPr lang="ko-KR" altLang="en-US" dirty="0">
-                    <a:latin typeface="나눔스퀘어 Light" panose="020B0600000101010101" pitchFamily="50" charset="-127"/>
-                    <a:ea typeface="나눔스퀘어 Light" panose="020B0600000101010101" pitchFamily="50" charset="-127"/>
-                  </a:rPr>
-                  <a:t>연산의 횟수는 대략 </a:t>
-                </a:r>
-                <a14:m>
-                  <m:oMath xmlns:m="http://schemas.openxmlformats.org/officeDocument/2006/math">
-                    <m:sSup>
-                      <m:sSupPr>
-                        <m:ctrlPr>
-                          <a:rPr lang="en-US" altLang="ko-KR" i="1" smtClean="0">
-                            <a:latin typeface="Cambria Math" panose="02040503050406030204" pitchFamily="18" charset="0"/>
-                            <a:ea typeface="나눔스퀘어 Light" panose="020B0600000101010101" pitchFamily="50" charset="-127"/>
-                          </a:rPr>
-                        </m:ctrlPr>
-                      </m:sSupPr>
-                      <m:e>
-                        <m:r>
-                          <a:rPr lang="en-US" altLang="ko-KR" b="0" i="1" smtClean="0">
-                            <a:latin typeface="Cambria Math" panose="02040503050406030204" pitchFamily="18" charset="0"/>
-                            <a:ea typeface="나눔스퀘어 Light" panose="020B0600000101010101" pitchFamily="50" charset="-127"/>
-                          </a:rPr>
-                          <m:t>1,000</m:t>
-                        </m:r>
-                      </m:e>
-                      <m:sup>
-                        <m:r>
-                          <a:rPr lang="en-US" altLang="ko-KR" b="0" i="1" smtClean="0">
-                            <a:latin typeface="Cambria Math" panose="02040503050406030204" pitchFamily="18" charset="0"/>
-                            <a:ea typeface="나눔스퀘어 Light" panose="020B0600000101010101" pitchFamily="50" charset="-127"/>
-                          </a:rPr>
-                          <m:t>2</m:t>
-                        </m:r>
-                      </m:sup>
-                    </m:sSup>
-                    <m:r>
-                      <a:rPr lang="en-US" altLang="ko-KR" b="0" i="1" smtClean="0">
-                        <a:latin typeface="Cambria Math" panose="02040503050406030204" pitchFamily="18" charset="0"/>
-                        <a:ea typeface="나눔스퀘어 Light" panose="020B0600000101010101" pitchFamily="50" charset="-127"/>
-                      </a:rPr>
-                      <m:t>=1,000,000</m:t>
-                    </m:r>
-                  </m:oMath>
-                </a14:m>
-                <a:r>
-                  <a:rPr lang="ko-KR" altLang="en-US" dirty="0">
-                    <a:latin typeface="나눔스퀘어 Light" panose="020B0600000101010101" pitchFamily="50" charset="-127"/>
-                    <a:ea typeface="나눔스퀘어 Light" panose="020B0600000101010101" pitchFamily="50" charset="-127"/>
-                  </a:rPr>
-                  <a:t> 번으로 예측할 수 있고</a:t>
-                </a:r>
-                <a:r>
-                  <a:rPr lang="en-US" altLang="ko-KR" dirty="0">
-                    <a:latin typeface="나눔스퀘어 Light" panose="020B0600000101010101" pitchFamily="50" charset="-127"/>
-                    <a:ea typeface="나눔스퀘어 Light" panose="020B0600000101010101" pitchFamily="50" charset="-127"/>
-                  </a:rPr>
-                  <a:t>, </a:t>
-                </a:r>
-                <a:r>
-                  <a:rPr lang="ko-KR" altLang="en-US" dirty="0">
-                    <a:latin typeface="나눔스퀘어 Light" panose="020B0600000101010101" pitchFamily="50" charset="-127"/>
-                    <a:ea typeface="나눔스퀘어 Light" panose="020B0600000101010101" pitchFamily="50" charset="-127"/>
-                  </a:rPr>
-                  <a:t>이는 </a:t>
-                </a:r>
-                <a:r>
-                  <a:rPr lang="en-US" altLang="ko-KR" dirty="0">
-                    <a:latin typeface="나눔스퀘어 Light" panose="020B0600000101010101" pitchFamily="50" charset="-127"/>
-                    <a:ea typeface="나눔스퀘어 Light" panose="020B0600000101010101" pitchFamily="50" charset="-127"/>
-                  </a:rPr>
-                  <a:t>1</a:t>
-                </a:r>
-                <a:r>
-                  <a:rPr lang="ko-KR" altLang="en-US" dirty="0">
-                    <a:latin typeface="나눔스퀘어 Light" panose="020B0600000101010101" pitchFamily="50" charset="-127"/>
-                    <a:ea typeface="나눔스퀘어 Light" panose="020B0600000101010101" pitchFamily="50" charset="-127"/>
-                  </a:rPr>
-                  <a:t>억 보다 충분히 작기 때문에</a:t>
-                </a:r>
-              </a:p>
-            </p:txBody>
-          </p:sp>
-        </mc:Choice>
-        <mc:Fallback xmlns="">
-          <p:sp>
-            <p:nvSpPr>
-              <p:cNvPr id="9" name="TextBox 8">
-                <a:extLst>
-                  <a:ext uri="{FF2B5EF4-FFF2-40B4-BE49-F238E27FC236}">
-                    <a16:creationId xmlns:a16="http://schemas.microsoft.com/office/drawing/2014/main" id="{28AE14C7-D478-E07F-133D-B972072CC195}"/>
-                  </a:ext>
-                </a:extLst>
-              </p:cNvPr>
-              <p:cNvSpPr txBox="1">
-                <a:spLocks noRot="1" noChangeAspect="1" noMove="1" noResize="1" noEditPoints="1" noAdjustHandles="1" noChangeArrowheads="1" noChangeShapeType="1" noTextEdit="1"/>
-              </p:cNvSpPr>
-              <p:nvPr/>
-            </p:nvSpPr>
-            <p:spPr>
-              <a:xfrm>
-                <a:off x="942387" y="2600538"/>
-                <a:ext cx="10237694" cy="369332"/>
-              </a:xfrm>
-              <a:prstGeom prst="rect">
-                <a:avLst/>
-              </a:prstGeom>
-              <a:blipFill>
-                <a:blip r:embed="rId4"/>
-                <a:stretch>
-                  <a:fillRect l="-536" t="-8333" b="-28333"/>
-                </a:stretch>
-              </a:blipFill>
-            </p:spPr>
-            <p:txBody>
-              <a:bodyPr/>
-              <a:lstStyle/>
-              <a:p>
-                <a:r>
-                  <a:rPr lang="ko-KR" altLang="en-US">
-                    <a:noFill/>
-                  </a:rPr>
-                  <a:t> </a:t>
-                </a:r>
-              </a:p>
-            </p:txBody>
-          </p:sp>
-        </mc:Fallback>
-      </mc:AlternateContent>
-      <mc:AlternateContent xmlns:mc="http://schemas.openxmlformats.org/markup-compatibility/2006" xmlns:a14="http://schemas.microsoft.com/office/drawing/2010/main">
-        <mc:Choice Requires="a14">
-          <p:sp>
-            <p:nvSpPr>
-              <p:cNvPr id="10" name="TextBox 9">
-                <a:extLst>
-                  <a:ext uri="{FF2B5EF4-FFF2-40B4-BE49-F238E27FC236}">
-                    <a16:creationId xmlns:a16="http://schemas.microsoft.com/office/drawing/2014/main" id="{1A3FAA8B-F7B8-BC64-8F6C-917970E56EB4}"/>
-                  </a:ext>
-                </a:extLst>
-              </p:cNvPr>
-              <p:cNvSpPr txBox="1"/>
-              <p:nvPr/>
-            </p:nvSpPr>
-            <p:spPr>
-              <a:xfrm>
-                <a:off x="942387" y="2969870"/>
-                <a:ext cx="10237694" cy="369332"/>
-              </a:xfrm>
-              <a:prstGeom prst="rect">
-                <a:avLst/>
-              </a:prstGeom>
-              <a:noFill/>
-            </p:spPr>
-            <p:txBody>
-              <a:bodyPr wrap="square" rtlCol="0">
-                <a:spAutoFit/>
-              </a:bodyPr>
-              <a:lstStyle/>
-              <a:p>
-                <a:r>
-                  <a:rPr lang="ko-KR" altLang="en-US" dirty="0">
-                    <a:latin typeface="나눔스퀘어 Light" panose="020B0600000101010101" pitchFamily="50" charset="-127"/>
-                    <a:ea typeface="나눔스퀘어 Light" panose="020B0600000101010101" pitchFamily="50" charset="-127"/>
-                  </a:rPr>
-                  <a:t>이 문제를 풀기 위한 알고리즘으로 </a:t>
-                </a:r>
-                <a14:m>
-                  <m:oMath xmlns:m="http://schemas.openxmlformats.org/officeDocument/2006/math">
-                    <m:r>
-                      <a:rPr lang="en-US" altLang="ko-KR" b="0" i="1" smtClean="0">
-                        <a:latin typeface="Cambria Math" panose="02040503050406030204" pitchFamily="18" charset="0"/>
-                        <a:ea typeface="나눔스퀘어 Light" panose="020B0600000101010101" pitchFamily="50" charset="-127"/>
-                      </a:rPr>
-                      <m:t>𝑂</m:t>
-                    </m:r>
-                    <m:r>
-                      <a:rPr lang="en-US" altLang="ko-KR" b="0" i="1" smtClean="0">
-                        <a:latin typeface="Cambria Math" panose="02040503050406030204" pitchFamily="18" charset="0"/>
-                        <a:ea typeface="나눔스퀘어 Light" panose="020B0600000101010101" pitchFamily="50" charset="-127"/>
-                      </a:rPr>
-                      <m:t>(</m:t>
-                    </m:r>
-                    <m:sSup>
-                      <m:sSupPr>
-                        <m:ctrlPr>
-                          <a:rPr lang="en-US" altLang="ko-KR" i="1" smtClean="0">
-                            <a:latin typeface="Cambria Math" panose="02040503050406030204" pitchFamily="18" charset="0"/>
-                            <a:ea typeface="나눔스퀘어 Light" panose="020B0600000101010101" pitchFamily="50" charset="-127"/>
-                          </a:rPr>
-                        </m:ctrlPr>
-                      </m:sSupPr>
-                      <m:e>
-                        <m:r>
-                          <a:rPr lang="en-US" altLang="ko-KR" b="0" i="1" smtClean="0">
-                            <a:latin typeface="Cambria Math" panose="02040503050406030204" pitchFamily="18" charset="0"/>
-                            <a:ea typeface="나눔스퀘어 Light" panose="020B0600000101010101" pitchFamily="50" charset="-127"/>
-                          </a:rPr>
-                          <m:t>𝑁</m:t>
-                        </m:r>
-                      </m:e>
-                      <m:sup>
-                        <m:r>
-                          <a:rPr lang="en-US" altLang="ko-KR" i="1" smtClean="0">
-                            <a:latin typeface="Cambria Math" panose="02040503050406030204" pitchFamily="18" charset="0"/>
-                            <a:ea typeface="나눔스퀘어 Light" panose="020B0600000101010101" pitchFamily="50" charset="-127"/>
-                          </a:rPr>
-                          <m:t>2</m:t>
-                        </m:r>
-                      </m:sup>
-                    </m:sSup>
-                    <m:r>
-                      <a:rPr lang="en-US" altLang="ko-KR" b="0" i="1" smtClean="0">
-                        <a:latin typeface="Cambria Math" panose="02040503050406030204" pitchFamily="18" charset="0"/>
-                        <a:ea typeface="나눔스퀘어 Light" panose="020B0600000101010101" pitchFamily="50" charset="-127"/>
-                      </a:rPr>
-                      <m:t>)</m:t>
-                    </m:r>
-                  </m:oMath>
-                </a14:m>
-                <a:r>
-                  <a:rPr lang="ko-KR" altLang="en-US" dirty="0">
-                    <a:latin typeface="나눔스퀘어 Light" panose="020B0600000101010101" pitchFamily="50" charset="-127"/>
-                    <a:ea typeface="나눔스퀘어 Light" panose="020B0600000101010101" pitchFamily="50" charset="-127"/>
-                  </a:rPr>
-                  <a:t>정렬 알고리즘들을 선택할 수 있습니다</a:t>
-                </a:r>
-                <a:r>
-                  <a:rPr lang="en-US" altLang="ko-KR" dirty="0">
-                    <a:latin typeface="나눔스퀘어 Light" panose="020B0600000101010101" pitchFamily="50" charset="-127"/>
-                    <a:ea typeface="나눔스퀘어 Light" panose="020B0600000101010101" pitchFamily="50" charset="-127"/>
-                  </a:rPr>
-                  <a:t>.</a:t>
-                </a:r>
-                <a:endParaRPr lang="ko-KR" altLang="en-US" dirty="0">
-                  <a:latin typeface="나눔스퀘어 Light" panose="020B0600000101010101" pitchFamily="50" charset="-127"/>
-                  <a:ea typeface="나눔스퀘어 Light" panose="020B0600000101010101" pitchFamily="50" charset="-127"/>
-                </a:endParaRPr>
-              </a:p>
-            </p:txBody>
-          </p:sp>
-        </mc:Choice>
-        <mc:Fallback xmlns="">
-          <p:sp>
-            <p:nvSpPr>
-              <p:cNvPr id="10" name="TextBox 9">
-                <a:extLst>
-                  <a:ext uri="{FF2B5EF4-FFF2-40B4-BE49-F238E27FC236}">
-                    <a16:creationId xmlns:a16="http://schemas.microsoft.com/office/drawing/2014/main" id="{1A3FAA8B-F7B8-BC64-8F6C-917970E56EB4}"/>
-                  </a:ext>
-                </a:extLst>
-              </p:cNvPr>
-              <p:cNvSpPr txBox="1">
-                <a:spLocks noRot="1" noChangeAspect="1" noMove="1" noResize="1" noEditPoints="1" noAdjustHandles="1" noChangeArrowheads="1" noChangeShapeType="1" noTextEdit="1"/>
-              </p:cNvSpPr>
-              <p:nvPr/>
-            </p:nvSpPr>
-            <p:spPr>
-              <a:xfrm>
-                <a:off x="942387" y="2969870"/>
-                <a:ext cx="10237694" cy="369332"/>
-              </a:xfrm>
-              <a:prstGeom prst="rect">
-                <a:avLst/>
-              </a:prstGeom>
-              <a:blipFill>
-                <a:blip r:embed="rId5"/>
-                <a:stretch>
-                  <a:fillRect l="-536" t="-6557" b="-26230"/>
-                </a:stretch>
-              </a:blipFill>
-            </p:spPr>
-            <p:txBody>
-              <a:bodyPr/>
-              <a:lstStyle/>
-              <a:p>
-                <a:r>
-                  <a:rPr lang="ko-KR" altLang="en-US">
-                    <a:noFill/>
-                  </a:rPr>
-                  <a:t> </a:t>
-                </a:r>
-              </a:p>
-            </p:txBody>
-          </p:sp>
-        </mc:Fallback>
-      </mc:AlternateContent>
-      <p:sp>
-        <p:nvSpPr>
-          <p:cNvPr id="13" name="TextBox 12">
-            <a:extLst>
-              <a:ext uri="{FF2B5EF4-FFF2-40B4-BE49-F238E27FC236}">
-                <a16:creationId xmlns:a16="http://schemas.microsoft.com/office/drawing/2014/main" id="{2FA44CFB-68BC-F47D-0C1D-2D86E676C54D}"/>
-              </a:ext>
-            </a:extLst>
-          </p:cNvPr>
-          <p:cNvSpPr txBox="1"/>
-          <p:nvPr/>
-        </p:nvSpPr>
-        <p:spPr>
-          <a:xfrm>
-            <a:off x="942387" y="3334133"/>
-            <a:ext cx="10237694" cy="369332"/>
-          </a:xfrm>
-          <a:prstGeom prst="rect">
-            <a:avLst/>
-          </a:prstGeom>
-          <a:noFill/>
-        </p:spPr>
-        <p:txBody>
-          <a:bodyPr wrap="square" rtlCol="0">
-            <a:spAutoFit/>
-          </a:bodyPr>
-          <a:lstStyle/>
-          <a:p>
-            <a:r>
-              <a:rPr lang="en-US" altLang="ko-KR" dirty="0">
-                <a:latin typeface="나눔스퀘어 Light" panose="020B0600000101010101" pitchFamily="50" charset="-127"/>
-                <a:ea typeface="나눔스퀘어 Light" panose="020B0600000101010101" pitchFamily="50" charset="-127"/>
-              </a:rPr>
-              <a:t>(</a:t>
-            </a:r>
-            <a:r>
-              <a:rPr lang="ko-KR" altLang="en-US" dirty="0">
-                <a:latin typeface="나눔스퀘어 Light" panose="020B0600000101010101" pitchFamily="50" charset="-127"/>
-                <a:ea typeface="나눔스퀘어 Light" panose="020B0600000101010101" pitchFamily="50" charset="-127"/>
-              </a:rPr>
-              <a:t>당연히 더 빠른 알고리즘을 사용해도 좋습니다</a:t>
-            </a:r>
-            <a:r>
-              <a:rPr lang="en-US" altLang="ko-KR" dirty="0">
-                <a:latin typeface="나눔스퀘어 Light" panose="020B0600000101010101" pitchFamily="50" charset="-127"/>
-                <a:ea typeface="나눔스퀘어 Light" panose="020B0600000101010101" pitchFamily="50" charset="-127"/>
-              </a:rPr>
-              <a:t>.)</a:t>
-            </a:r>
-            <a:endParaRPr lang="ko-KR" altLang="en-US" dirty="0">
-              <a:latin typeface="나눔스퀘어 Light" panose="020B0600000101010101" pitchFamily="50" charset="-127"/>
-              <a:ea typeface="나눔스퀘어 Light" panose="020B0600000101010101" pitchFamily="50" charset="-127"/>
+              <a:t>Dynamic Programming – 9625 BABBA</a:t>
+            </a:r>
+            <a:endParaRPr lang="ko-KR" altLang="en-US" sz="2800" dirty="0">
+              <a:latin typeface="나눔스퀘어 Bold" panose="020B0600000101010101" pitchFamily="50" charset="-127"/>
+              <a:ea typeface="나눔스퀘어 Bold" panose="020B0600000101010101" pitchFamily="50" charset="-127"/>
             </a:endParaRPr>
           </a:p>
         </p:txBody>
       </p:sp>
-      <p:pic>
-        <p:nvPicPr>
-          <p:cNvPr id="15" name="그림 14">
-            <a:extLst>
-              <a:ext uri="{FF2B5EF4-FFF2-40B4-BE49-F238E27FC236}">
-                <a16:creationId xmlns:a16="http://schemas.microsoft.com/office/drawing/2014/main" id="{B74041E3-5F49-C0B2-D477-3AAE69B5A5DF}"/>
-              </a:ext>
-            </a:extLst>
-          </p:cNvPr>
-          <p:cNvPicPr>
-            <a:picLocks noChangeAspect="1"/>
-          </p:cNvPicPr>
-          <p:nvPr/>
-        </p:nvPicPr>
-        <p:blipFill>
-          <a:blip r:embed="rId6"/>
-          <a:stretch>
-            <a:fillRect/>
-          </a:stretch>
-        </p:blipFill>
-        <p:spPr>
-          <a:xfrm>
-            <a:off x="942387" y="3849608"/>
-            <a:ext cx="7390908" cy="2694938"/>
-          </a:xfrm>
-          <a:prstGeom prst="rect">
-            <a:avLst/>
-          </a:prstGeom>
-        </p:spPr>
-      </p:pic>
     </p:spTree>
     <p:extLst>
       <p:ext uri="{BB962C8B-B14F-4D97-AF65-F5344CB8AC3E}">
@@ -4512,10 +3786,10 @@
       </p:cxnSp>
       <p:sp>
         <p:nvSpPr>
-          <p:cNvPr id="2" name="TextBox 1">
-            <a:extLst>
-              <a:ext uri="{FF2B5EF4-FFF2-40B4-BE49-F238E27FC236}">
-                <a16:creationId xmlns:a16="http://schemas.microsoft.com/office/drawing/2014/main" id="{C2092951-CE96-46D4-DB40-FCB4ED0997A4}"/>
+          <p:cNvPr id="4" name="TextBox 3">
+            <a:extLst>
+              <a:ext uri="{FF2B5EF4-FFF2-40B4-BE49-F238E27FC236}">
+                <a16:creationId xmlns:a16="http://schemas.microsoft.com/office/drawing/2014/main" id="{3BA3893E-8838-67DD-E302-84B4D56BDEAF}"/>
               </a:ext>
             </a:extLst>
           </p:cNvPr>
@@ -4525,7 +3799,7 @@
         <p:spPr>
           <a:xfrm>
             <a:off x="331694" y="177505"/>
-            <a:ext cx="4766433" cy="523220"/>
+            <a:ext cx="7275453" cy="523220"/>
           </a:xfrm>
           <a:prstGeom prst="rect">
             <a:avLst/>
@@ -4543,35 +3817,24 @@
                 <a:latin typeface="나눔스퀘어 Bold" panose="020B0600000101010101" pitchFamily="50" charset="-127"/>
                 <a:ea typeface="나눔스퀘어 Bold" panose="020B0600000101010101" pitchFamily="50" charset="-127"/>
               </a:rPr>
-              <a:t>Sorting – 2751 </a:t>
+              <a:t>Dynamic Programming – 13301 </a:t>
             </a:r>
             <a:r>
               <a:rPr lang="ko-KR" altLang="en-US" sz="2800" dirty="0">
                 <a:latin typeface="나눔스퀘어 Bold" panose="020B0600000101010101" pitchFamily="50" charset="-127"/>
                 <a:ea typeface="나눔스퀘어 Bold" panose="020B0600000101010101" pitchFamily="50" charset="-127"/>
               </a:rPr>
-              <a:t>수 정렬하기 </a:t>
-            </a:r>
-            <a:r>
-              <a:rPr lang="en-US" altLang="ko-KR" sz="2800" dirty="0">
-                <a:latin typeface="나눔스퀘어 Bold" panose="020B0600000101010101" pitchFamily="50" charset="-127"/>
-                <a:ea typeface="나눔스퀘어 Bold" panose="020B0600000101010101" pitchFamily="50" charset="-127"/>
-              </a:rPr>
-              <a:t>2</a:t>
-            </a:r>
-            <a:endParaRPr lang="ko-KR" altLang="en-US" sz="2800" dirty="0">
-              <a:latin typeface="나눔스퀘어 Bold" panose="020B0600000101010101" pitchFamily="50" charset="-127"/>
-              <a:ea typeface="나눔스퀘어 Bold" panose="020B0600000101010101" pitchFamily="50" charset="-127"/>
-            </a:endParaRPr>
+              <a:t>타일 장식물</a:t>
+            </a:r>
           </a:p>
         </p:txBody>
       </p:sp>
       <p:pic>
         <p:nvPicPr>
-          <p:cNvPr id="7" name="그림 6">
-            <a:extLst>
-              <a:ext uri="{FF2B5EF4-FFF2-40B4-BE49-F238E27FC236}">
-                <a16:creationId xmlns:a16="http://schemas.microsoft.com/office/drawing/2014/main" id="{B4924D7D-EFCE-251F-1346-DBEB8DE3F98F}"/>
+          <p:cNvPr id="8" name="그림 7">
+            <a:extLst>
+              <a:ext uri="{FF2B5EF4-FFF2-40B4-BE49-F238E27FC236}">
+                <a16:creationId xmlns:a16="http://schemas.microsoft.com/office/drawing/2014/main" id="{326C187F-D647-8789-D093-010B5C9630B1}"/>
               </a:ext>
             </a:extLst>
           </p:cNvPr>
@@ -4588,8 +3851,8 @@
         </p:blipFill>
         <p:spPr>
           <a:xfrm>
-            <a:off x="331694" y="926637"/>
-            <a:ext cx="10840825" cy="5717317"/>
+            <a:off x="331694" y="931256"/>
+            <a:ext cx="7385832" cy="5926743"/>
           </a:xfrm>
           <a:prstGeom prst="rect">
             <a:avLst/>
@@ -4670,155 +3933,12 @@
           </a:fontRef>
         </p:style>
       </p:cxnSp>
-      <mc:AlternateContent xmlns:mc="http://schemas.openxmlformats.org/markup-compatibility/2006" xmlns:a14="http://schemas.microsoft.com/office/drawing/2010/main">
-        <mc:Choice Requires="a14">
-          <p:sp>
-            <p:nvSpPr>
-              <p:cNvPr id="7" name="TextBox 6">
-                <a:extLst>
-                  <a:ext uri="{FF2B5EF4-FFF2-40B4-BE49-F238E27FC236}">
-                    <a16:creationId xmlns:a16="http://schemas.microsoft.com/office/drawing/2014/main" id="{BA807B7E-C360-F76C-0439-EE24526A4473}"/>
-                  </a:ext>
-                </a:extLst>
-              </p:cNvPr>
-              <p:cNvSpPr txBox="1"/>
-              <p:nvPr/>
-            </p:nvSpPr>
-            <p:spPr>
-              <a:xfrm>
-                <a:off x="942387" y="1190024"/>
-                <a:ext cx="8553305" cy="369332"/>
-              </a:xfrm>
-              <a:prstGeom prst="rect">
-                <a:avLst/>
-              </a:prstGeom>
-              <a:noFill/>
-            </p:spPr>
-            <p:txBody>
-              <a:bodyPr wrap="square" rtlCol="0">
-                <a:spAutoFit/>
-              </a:bodyPr>
-              <a:lstStyle/>
-              <a:p>
-                <a:r>
-                  <a:rPr lang="ko-KR" altLang="en-US" dirty="0">
-                    <a:latin typeface="나눔스퀘어 Light" panose="020B0600000101010101" pitchFamily="50" charset="-127"/>
-                    <a:ea typeface="나눔스퀘어 Light" panose="020B0600000101010101" pitchFamily="50" charset="-127"/>
-                  </a:rPr>
-                  <a:t>앞의 </a:t>
-                </a:r>
-                <a:r>
-                  <a:rPr lang="en-US" altLang="ko-KR" dirty="0">
-                    <a:latin typeface="나눔스퀘어 Light" panose="020B0600000101010101" pitchFamily="50" charset="-127"/>
-                    <a:ea typeface="나눔스퀘어 Light" panose="020B0600000101010101" pitchFamily="50" charset="-127"/>
-                  </a:rPr>
-                  <a:t>“2750 </a:t>
-                </a:r>
-                <a:r>
-                  <a:rPr lang="ko-KR" altLang="en-US" dirty="0">
-                    <a:latin typeface="나눔스퀘어 Light" panose="020B0600000101010101" pitchFamily="50" charset="-127"/>
-                    <a:ea typeface="나눔스퀘어 Light" panose="020B0600000101010101" pitchFamily="50" charset="-127"/>
-                  </a:rPr>
-                  <a:t>수 정렬하기</a:t>
-                </a:r>
-                <a:r>
-                  <a:rPr lang="en-US" altLang="ko-KR" dirty="0">
-                    <a:latin typeface="나눔스퀘어 Light" panose="020B0600000101010101" pitchFamily="50" charset="-127"/>
-                    <a:ea typeface="나눔스퀘어 Light" panose="020B0600000101010101" pitchFamily="50" charset="-127"/>
-                  </a:rPr>
-                  <a:t>”</a:t>
-                </a:r>
-                <a:r>
-                  <a:rPr lang="ko-KR" altLang="en-US" dirty="0">
-                    <a:latin typeface="나눔스퀘어 Light" panose="020B0600000101010101" pitchFamily="50" charset="-127"/>
-                    <a:ea typeface="나눔스퀘어 Light" panose="020B0600000101010101" pitchFamily="50" charset="-127"/>
-                  </a:rPr>
-                  <a:t> 문제와 입력 크기인 </a:t>
-                </a:r>
-                <a14:m>
-                  <m:oMath xmlns:m="http://schemas.openxmlformats.org/officeDocument/2006/math">
-                    <m:r>
-                      <a:rPr lang="en-US" altLang="ko-KR" b="0" i="1" smtClean="0">
-                        <a:latin typeface="Cambria Math" panose="02040503050406030204" pitchFamily="18" charset="0"/>
-                        <a:ea typeface="나눔스퀘어 Light" panose="020B0600000101010101" pitchFamily="50" charset="-127"/>
-                      </a:rPr>
-                      <m:t>𝑁</m:t>
-                    </m:r>
-                  </m:oMath>
-                </a14:m>
-                <a:r>
-                  <a:rPr lang="ko-KR" altLang="en-US" dirty="0">
-                    <a:latin typeface="나눔스퀘어 Light" panose="020B0600000101010101" pitchFamily="50" charset="-127"/>
-                    <a:ea typeface="나눔스퀘어 Light" panose="020B0600000101010101" pitchFamily="50" charset="-127"/>
-                  </a:rPr>
-                  <a:t> 빼고 완전히 동일한 문제입니다</a:t>
-                </a:r>
-                <a:r>
-                  <a:rPr lang="en-US" altLang="ko-KR" dirty="0">
-                    <a:latin typeface="나눔스퀘어 Light" panose="020B0600000101010101" pitchFamily="50" charset="-127"/>
-                    <a:ea typeface="나눔스퀘어 Light" panose="020B0600000101010101" pitchFamily="50" charset="-127"/>
-                  </a:rPr>
-                  <a:t>.</a:t>
-                </a:r>
-                <a:endParaRPr lang="ko-KR" altLang="en-US" dirty="0">
-                  <a:latin typeface="나눔스퀘어 Light" panose="020B0600000101010101" pitchFamily="50" charset="-127"/>
-                  <a:ea typeface="나눔스퀘어 Light" panose="020B0600000101010101" pitchFamily="50" charset="-127"/>
-                </a:endParaRPr>
-              </a:p>
-            </p:txBody>
-          </p:sp>
-        </mc:Choice>
-        <mc:Fallback xmlns="">
-          <p:sp>
-            <p:nvSpPr>
-              <p:cNvPr id="7" name="TextBox 6">
-                <a:extLst>
-                  <a:ext uri="{FF2B5EF4-FFF2-40B4-BE49-F238E27FC236}">
-                    <a16:creationId xmlns:a16="http://schemas.microsoft.com/office/drawing/2014/main" id="{BA807B7E-C360-F76C-0439-EE24526A4473}"/>
-                  </a:ext>
-                </a:extLst>
-              </p:cNvPr>
-              <p:cNvSpPr txBox="1">
-                <a:spLocks noRot="1" noChangeAspect="1" noMove="1" noResize="1" noEditPoints="1" noAdjustHandles="1" noChangeArrowheads="1" noChangeShapeType="1" noTextEdit="1"/>
-              </p:cNvSpPr>
-              <p:nvPr/>
-            </p:nvSpPr>
-            <p:spPr>
-              <a:xfrm>
-                <a:off x="942387" y="1190024"/>
-                <a:ext cx="8553305" cy="369332"/>
-              </a:xfrm>
-              <a:prstGeom prst="rect">
-                <a:avLst/>
-              </a:prstGeom>
-              <a:blipFill>
-                <a:blip r:embed="rId2"/>
-                <a:stretch>
-                  <a:fillRect l="-641" t="-6557" b="-26230"/>
-                </a:stretch>
-              </a:blipFill>
-            </p:spPr>
-            <p:txBody>
-              <a:bodyPr/>
-              <a:lstStyle/>
-              <a:p>
-                <a:r>
-                  <a:rPr lang="ko-KR" altLang="en-US">
-                    <a:noFill/>
-                  </a:rPr>
-                  <a:t> </a:t>
-                </a:r>
-              </a:p>
-            </p:txBody>
-          </p:sp>
-        </mc:Fallback>
-      </mc:AlternateContent>
-      <p:sp>
-        <p:nvSpPr>
-          <p:cNvPr id="2" name="TextBox 1">
-            <a:extLst>
-              <a:ext uri="{FF2B5EF4-FFF2-40B4-BE49-F238E27FC236}">
-                <a16:creationId xmlns:a16="http://schemas.microsoft.com/office/drawing/2014/main" id="{36C34C5E-E5F9-69ED-D513-D040F616EDA9}"/>
+      <p:sp>
+        <p:nvSpPr>
+          <p:cNvPr id="12" name="TextBox 11">
+            <a:extLst>
+              <a:ext uri="{FF2B5EF4-FFF2-40B4-BE49-F238E27FC236}">
+                <a16:creationId xmlns:a16="http://schemas.microsoft.com/office/drawing/2014/main" id="{E1A241AA-2EA5-B09B-4225-40225B2ED3D3}"/>
               </a:ext>
             </a:extLst>
           </p:cNvPr>
@@ -4828,7 +3948,7 @@
         <p:spPr>
           <a:xfrm>
             <a:off x="331694" y="177505"/>
-            <a:ext cx="4766433" cy="523220"/>
+            <a:ext cx="7275453" cy="523220"/>
           </a:xfrm>
           <a:prstGeom prst="rect">
             <a:avLst/>
@@ -4846,1094 +3966,71 @@
                 <a:latin typeface="나눔스퀘어 Bold" panose="020B0600000101010101" pitchFamily="50" charset="-127"/>
                 <a:ea typeface="나눔스퀘어 Bold" panose="020B0600000101010101" pitchFamily="50" charset="-127"/>
               </a:rPr>
-              <a:t>Sorting – 2751 </a:t>
+              <a:t>Dynamic Programming – 13301 </a:t>
             </a:r>
             <a:r>
               <a:rPr lang="ko-KR" altLang="en-US" sz="2800" dirty="0">
                 <a:latin typeface="나눔스퀘어 Bold" panose="020B0600000101010101" pitchFamily="50" charset="-127"/>
                 <a:ea typeface="나눔스퀘어 Bold" panose="020B0600000101010101" pitchFamily="50" charset="-127"/>
               </a:rPr>
-              <a:t>수 정렬하기 </a:t>
-            </a:r>
-            <a:r>
-              <a:rPr lang="en-US" altLang="ko-KR" sz="2800" dirty="0">
-                <a:latin typeface="나눔스퀘어 Bold" panose="020B0600000101010101" pitchFamily="50" charset="-127"/>
-                <a:ea typeface="나눔스퀘어 Bold" panose="020B0600000101010101" pitchFamily="50" charset="-127"/>
-              </a:rPr>
-              <a:t>2</a:t>
-            </a:r>
-            <a:endParaRPr lang="ko-KR" altLang="en-US" sz="2800" dirty="0">
-              <a:latin typeface="나눔스퀘어 Bold" panose="020B0600000101010101" pitchFamily="50" charset="-127"/>
-              <a:ea typeface="나눔스퀘어 Bold" panose="020B0600000101010101" pitchFamily="50" charset="-127"/>
-            </a:endParaRPr>
-          </a:p>
-        </p:txBody>
-      </p:sp>
-      <mc:AlternateContent xmlns:mc="http://schemas.openxmlformats.org/markup-compatibility/2006" xmlns:a14="http://schemas.microsoft.com/office/drawing/2010/main">
-        <mc:Choice Requires="a14">
-          <p:sp>
-            <p:nvSpPr>
-              <p:cNvPr id="4" name="TextBox 3">
-                <a:extLst>
-                  <a:ext uri="{FF2B5EF4-FFF2-40B4-BE49-F238E27FC236}">
-                    <a16:creationId xmlns:a16="http://schemas.microsoft.com/office/drawing/2014/main" id="{2E6F0650-5B7C-F4DB-0E05-BC27D1D63F65}"/>
-                  </a:ext>
-                </a:extLst>
-              </p:cNvPr>
-              <p:cNvSpPr txBox="1"/>
-              <p:nvPr/>
-            </p:nvSpPr>
-            <p:spPr>
-              <a:xfrm>
-                <a:off x="942387" y="1861874"/>
-                <a:ext cx="8553305" cy="369332"/>
-              </a:xfrm>
-              <a:prstGeom prst="rect">
-                <a:avLst/>
-              </a:prstGeom>
-              <a:noFill/>
-            </p:spPr>
-            <p:txBody>
-              <a:bodyPr wrap="square" rtlCol="0">
-                <a:spAutoFit/>
-              </a:bodyPr>
-              <a:lstStyle/>
-              <a:p>
-                <a:r>
-                  <a:rPr lang="ko-KR" altLang="en-US" dirty="0">
-                    <a:latin typeface="나눔스퀘어 Light" panose="020B0600000101010101" pitchFamily="50" charset="-127"/>
-                    <a:ea typeface="나눔스퀘어 Light" panose="020B0600000101010101" pitchFamily="50" charset="-127"/>
-                  </a:rPr>
-                  <a:t>이 문제의 경우</a:t>
-                </a:r>
-                <a:r>
-                  <a:rPr lang="en-US" altLang="ko-KR" dirty="0">
-                    <a:latin typeface="나눔스퀘어 Light" panose="020B0600000101010101" pitchFamily="50" charset="-127"/>
-                    <a:ea typeface="나눔스퀘어 Light" panose="020B0600000101010101" pitchFamily="50" charset="-127"/>
-                  </a:rPr>
-                  <a:t>, </a:t>
-                </a:r>
-                <a:r>
-                  <a:rPr lang="ko-KR" altLang="en-US" dirty="0">
-                    <a:latin typeface="나눔스퀘어 Light" panose="020B0600000101010101" pitchFamily="50" charset="-127"/>
-                    <a:ea typeface="나눔스퀘어 Light" panose="020B0600000101010101" pitchFamily="50" charset="-127"/>
-                  </a:rPr>
-                  <a:t>입력의 크기</a:t>
-                </a:r>
-                <a:r>
-                  <a:rPr lang="en-US" altLang="ko-KR" dirty="0">
-                    <a:latin typeface="나눔스퀘어 Light" panose="020B0600000101010101" pitchFamily="50" charset="-127"/>
-                    <a:ea typeface="나눔스퀘어 Light" panose="020B0600000101010101" pitchFamily="50" charset="-127"/>
-                  </a:rPr>
-                  <a:t>(</a:t>
-                </a:r>
-                <a14:m>
-                  <m:oMath xmlns:m="http://schemas.openxmlformats.org/officeDocument/2006/math">
-                    <m:r>
-                      <a:rPr lang="en-US" altLang="ko-KR" b="0" i="1" smtClean="0">
-                        <a:latin typeface="Cambria Math" panose="02040503050406030204" pitchFamily="18" charset="0"/>
-                        <a:ea typeface="나눔스퀘어 Light" panose="020B0600000101010101" pitchFamily="50" charset="-127"/>
-                      </a:rPr>
-                      <m:t>𝑁</m:t>
-                    </m:r>
-                  </m:oMath>
-                </a14:m>
-                <a:r>
-                  <a:rPr lang="en-US" altLang="ko-KR" dirty="0">
-                    <a:latin typeface="나눔스퀘어 Light" panose="020B0600000101010101" pitchFamily="50" charset="-127"/>
-                    <a:ea typeface="나눔스퀘어 Light" panose="020B0600000101010101" pitchFamily="50" charset="-127"/>
-                  </a:rPr>
-                  <a:t>)</a:t>
-                </a:r>
-                <a:r>
-                  <a:rPr lang="ko-KR" altLang="en-US" dirty="0">
-                    <a:latin typeface="나눔스퀘어 Light" panose="020B0600000101010101" pitchFamily="50" charset="-127"/>
-                    <a:ea typeface="나눔스퀘어 Light" panose="020B0600000101010101" pitchFamily="50" charset="-127"/>
-                  </a:rPr>
-                  <a:t>가 최대 </a:t>
-                </a:r>
-                <a:r>
-                  <a:rPr lang="en-US" altLang="ko-KR" dirty="0">
-                    <a:latin typeface="나눔스퀘어 Light" panose="020B0600000101010101" pitchFamily="50" charset="-127"/>
-                    <a:ea typeface="나눔스퀘어 Light" panose="020B0600000101010101" pitchFamily="50" charset="-127"/>
-                  </a:rPr>
-                  <a:t>1,000,000 </a:t>
-                </a:r>
-                <a:r>
-                  <a:rPr lang="ko-KR" altLang="en-US" dirty="0">
-                    <a:latin typeface="나눔스퀘어 Light" panose="020B0600000101010101" pitchFamily="50" charset="-127"/>
-                    <a:ea typeface="나눔스퀘어 Light" panose="020B0600000101010101" pitchFamily="50" charset="-127"/>
-                  </a:rPr>
-                  <a:t>입니다</a:t>
-                </a:r>
-                <a:r>
-                  <a:rPr lang="en-US" altLang="ko-KR" dirty="0">
-                    <a:latin typeface="나눔스퀘어 Light" panose="020B0600000101010101" pitchFamily="50" charset="-127"/>
-                    <a:ea typeface="나눔스퀘어 Light" panose="020B0600000101010101" pitchFamily="50" charset="-127"/>
-                  </a:rPr>
-                  <a:t>.</a:t>
-                </a:r>
-                <a:endParaRPr lang="ko-KR" altLang="en-US" dirty="0">
-                  <a:latin typeface="나눔스퀘어 Light" panose="020B0600000101010101" pitchFamily="50" charset="-127"/>
-                  <a:ea typeface="나눔스퀘어 Light" panose="020B0600000101010101" pitchFamily="50" charset="-127"/>
-                </a:endParaRPr>
-              </a:p>
-            </p:txBody>
-          </p:sp>
-        </mc:Choice>
-        <mc:Fallback xmlns="">
-          <p:sp>
-            <p:nvSpPr>
-              <p:cNvPr id="4" name="TextBox 3">
-                <a:extLst>
-                  <a:ext uri="{FF2B5EF4-FFF2-40B4-BE49-F238E27FC236}">
-                    <a16:creationId xmlns:a16="http://schemas.microsoft.com/office/drawing/2014/main" id="{2E6F0650-5B7C-F4DB-0E05-BC27D1D63F65}"/>
-                  </a:ext>
-                </a:extLst>
-              </p:cNvPr>
-              <p:cNvSpPr txBox="1">
-                <a:spLocks noRot="1" noChangeAspect="1" noMove="1" noResize="1" noEditPoints="1" noAdjustHandles="1" noChangeArrowheads="1" noChangeShapeType="1" noTextEdit="1"/>
-              </p:cNvSpPr>
-              <p:nvPr/>
-            </p:nvSpPr>
-            <p:spPr>
-              <a:xfrm>
-                <a:off x="942387" y="1861874"/>
-                <a:ext cx="8553305" cy="369332"/>
-              </a:xfrm>
-              <a:prstGeom prst="rect">
-                <a:avLst/>
-              </a:prstGeom>
-              <a:blipFill>
-                <a:blip r:embed="rId3"/>
-                <a:stretch>
-                  <a:fillRect l="-641" t="-6557" b="-26230"/>
-                </a:stretch>
-              </a:blipFill>
-            </p:spPr>
-            <p:txBody>
-              <a:bodyPr/>
-              <a:lstStyle/>
-              <a:p>
-                <a:r>
-                  <a:rPr lang="ko-KR" altLang="en-US">
-                    <a:noFill/>
-                  </a:rPr>
-                  <a:t> </a:t>
-                </a:r>
-              </a:p>
-            </p:txBody>
-          </p:sp>
-        </mc:Fallback>
-      </mc:AlternateContent>
-      <mc:AlternateContent xmlns:mc="http://schemas.openxmlformats.org/markup-compatibility/2006" xmlns:a14="http://schemas.microsoft.com/office/drawing/2010/main">
-        <mc:Choice Requires="a14">
-          <p:sp>
-            <p:nvSpPr>
-              <p:cNvPr id="6" name="TextBox 5">
-                <a:extLst>
-                  <a:ext uri="{FF2B5EF4-FFF2-40B4-BE49-F238E27FC236}">
-                    <a16:creationId xmlns:a16="http://schemas.microsoft.com/office/drawing/2014/main" id="{29FDC720-A31C-8EBF-290F-AC461AFA9BF1}"/>
-                  </a:ext>
-                </a:extLst>
-              </p:cNvPr>
-              <p:cNvSpPr txBox="1"/>
-              <p:nvPr/>
-            </p:nvSpPr>
-            <p:spPr>
-              <a:xfrm>
-                <a:off x="942387" y="2231206"/>
-                <a:ext cx="10237694" cy="369332"/>
-              </a:xfrm>
-              <a:prstGeom prst="rect">
-                <a:avLst/>
-              </a:prstGeom>
-              <a:noFill/>
-            </p:spPr>
-            <p:txBody>
-              <a:bodyPr wrap="square" rtlCol="0">
-                <a:spAutoFit/>
-              </a:bodyPr>
-              <a:lstStyle/>
-              <a:p>
-                <a14:m>
-                  <m:oMath xmlns:m="http://schemas.openxmlformats.org/officeDocument/2006/math">
-                    <m:r>
-                      <a:rPr lang="en-US" altLang="ko-KR" b="0" i="1" smtClean="0">
-                        <a:latin typeface="Cambria Math" panose="02040503050406030204" pitchFamily="18" charset="0"/>
-                        <a:ea typeface="나눔스퀘어 Light" panose="020B0600000101010101" pitchFamily="50" charset="-127"/>
-                      </a:rPr>
-                      <m:t>𝑂</m:t>
-                    </m:r>
-                    <m:r>
-                      <a:rPr lang="en-US" altLang="ko-KR" b="0" i="1" smtClean="0">
-                        <a:latin typeface="Cambria Math" panose="02040503050406030204" pitchFamily="18" charset="0"/>
-                        <a:ea typeface="나눔스퀘어 Light" panose="020B0600000101010101" pitchFamily="50" charset="-127"/>
-                      </a:rPr>
-                      <m:t>(</m:t>
-                    </m:r>
-                    <m:sSup>
-                      <m:sSupPr>
-                        <m:ctrlPr>
-                          <a:rPr lang="en-US" altLang="ko-KR" i="1" smtClean="0">
-                            <a:latin typeface="Cambria Math" panose="02040503050406030204" pitchFamily="18" charset="0"/>
-                            <a:ea typeface="나눔스퀘어 Light" panose="020B0600000101010101" pitchFamily="50" charset="-127"/>
-                          </a:rPr>
-                        </m:ctrlPr>
-                      </m:sSupPr>
-                      <m:e>
-                        <m:r>
-                          <a:rPr lang="en-US" altLang="ko-KR" b="0" i="1" smtClean="0">
-                            <a:latin typeface="Cambria Math" panose="02040503050406030204" pitchFamily="18" charset="0"/>
-                            <a:ea typeface="나눔스퀘어 Light" panose="020B0600000101010101" pitchFamily="50" charset="-127"/>
-                          </a:rPr>
-                          <m:t>𝑁</m:t>
-                        </m:r>
-                      </m:e>
-                      <m:sup>
-                        <m:r>
-                          <a:rPr lang="en-US" altLang="ko-KR" i="1" smtClean="0">
-                            <a:latin typeface="Cambria Math" panose="02040503050406030204" pitchFamily="18" charset="0"/>
-                            <a:ea typeface="나눔스퀘어 Light" panose="020B0600000101010101" pitchFamily="50" charset="-127"/>
-                          </a:rPr>
-                          <m:t>2</m:t>
-                        </m:r>
-                      </m:sup>
-                    </m:sSup>
-                    <m:r>
-                      <a:rPr lang="en-US" altLang="ko-KR" b="0" i="1" smtClean="0">
-                        <a:latin typeface="Cambria Math" panose="02040503050406030204" pitchFamily="18" charset="0"/>
-                        <a:ea typeface="나눔스퀘어 Light" panose="020B0600000101010101" pitchFamily="50" charset="-127"/>
-                      </a:rPr>
-                      <m:t>)</m:t>
-                    </m:r>
-                  </m:oMath>
-                </a14:m>
-                <a:r>
-                  <a:rPr lang="ko-KR" altLang="en-US" dirty="0">
-                    <a:latin typeface="나눔스퀘어 Light" panose="020B0600000101010101" pitchFamily="50" charset="-127"/>
-                    <a:ea typeface="나눔스퀘어 Light" panose="020B0600000101010101" pitchFamily="50" charset="-127"/>
-                  </a:rPr>
-                  <a:t>정렬 알고리즘</a:t>
-                </a:r>
-                <a:r>
-                  <a:rPr lang="en-US" altLang="ko-KR" dirty="0">
-                    <a:latin typeface="나눔스퀘어 Light" panose="020B0600000101010101" pitchFamily="50" charset="-127"/>
-                    <a:ea typeface="나눔스퀘어 Light" panose="020B0600000101010101" pitchFamily="50" charset="-127"/>
-                  </a:rPr>
-                  <a:t>(Bubble / Insertion / Selection Sort)</a:t>
-                </a:r>
-                <a:r>
-                  <a:rPr lang="ko-KR" altLang="en-US" dirty="0">
-                    <a:latin typeface="나눔스퀘어 Light" panose="020B0600000101010101" pitchFamily="50" charset="-127"/>
-                    <a:ea typeface="나눔스퀘어 Light" panose="020B0600000101010101" pitchFamily="50" charset="-127"/>
-                  </a:rPr>
-                  <a:t>을 사용할 경우</a:t>
-                </a:r>
-                <a:r>
-                  <a:rPr lang="en-US" altLang="ko-KR" dirty="0">
-                    <a:latin typeface="나눔스퀘어 Light" panose="020B0600000101010101" pitchFamily="50" charset="-127"/>
-                    <a:ea typeface="나눔스퀘어 Light" panose="020B0600000101010101" pitchFamily="50" charset="-127"/>
-                  </a:rPr>
-                  <a:t>,</a:t>
-                </a:r>
-                <a:endParaRPr lang="ko-KR" altLang="en-US" dirty="0">
-                  <a:latin typeface="나눔스퀘어 Light" panose="020B0600000101010101" pitchFamily="50" charset="-127"/>
-                  <a:ea typeface="나눔스퀘어 Light" panose="020B0600000101010101" pitchFamily="50" charset="-127"/>
-                </a:endParaRPr>
-              </a:p>
-            </p:txBody>
-          </p:sp>
-        </mc:Choice>
-        <mc:Fallback xmlns="">
-          <p:sp>
-            <p:nvSpPr>
-              <p:cNvPr id="6" name="TextBox 5">
-                <a:extLst>
-                  <a:ext uri="{FF2B5EF4-FFF2-40B4-BE49-F238E27FC236}">
-                    <a16:creationId xmlns:a16="http://schemas.microsoft.com/office/drawing/2014/main" id="{29FDC720-A31C-8EBF-290F-AC461AFA9BF1}"/>
-                  </a:ext>
-                </a:extLst>
-              </p:cNvPr>
-              <p:cNvSpPr txBox="1">
-                <a:spLocks noRot="1" noChangeAspect="1" noMove="1" noResize="1" noEditPoints="1" noAdjustHandles="1" noChangeArrowheads="1" noChangeShapeType="1" noTextEdit="1"/>
-              </p:cNvSpPr>
-              <p:nvPr/>
-            </p:nvSpPr>
-            <p:spPr>
-              <a:xfrm>
-                <a:off x="942387" y="2231206"/>
-                <a:ext cx="10237694" cy="369332"/>
-              </a:xfrm>
-              <a:prstGeom prst="rect">
-                <a:avLst/>
-              </a:prstGeom>
-              <a:blipFill>
-                <a:blip r:embed="rId4"/>
-                <a:stretch>
-                  <a:fillRect t="-6557" b="-26230"/>
-                </a:stretch>
-              </a:blipFill>
-            </p:spPr>
-            <p:txBody>
-              <a:bodyPr/>
-              <a:lstStyle/>
-              <a:p>
-                <a:r>
-                  <a:rPr lang="ko-KR" altLang="en-US">
-                    <a:noFill/>
-                  </a:rPr>
-                  <a:t> </a:t>
-                </a:r>
-              </a:p>
-            </p:txBody>
-          </p:sp>
-        </mc:Fallback>
-      </mc:AlternateContent>
-      <mc:AlternateContent xmlns:mc="http://schemas.openxmlformats.org/markup-compatibility/2006" xmlns:a14="http://schemas.microsoft.com/office/drawing/2010/main">
-        <mc:Choice Requires="a14">
-          <p:sp>
-            <p:nvSpPr>
-              <p:cNvPr id="9" name="TextBox 8">
-                <a:extLst>
-                  <a:ext uri="{FF2B5EF4-FFF2-40B4-BE49-F238E27FC236}">
-                    <a16:creationId xmlns:a16="http://schemas.microsoft.com/office/drawing/2014/main" id="{B6B5F236-4A78-3549-6E47-66EDE429BC81}"/>
-                  </a:ext>
-                </a:extLst>
-              </p:cNvPr>
-              <p:cNvSpPr txBox="1"/>
-              <p:nvPr/>
-            </p:nvSpPr>
-            <p:spPr>
-              <a:xfrm>
-                <a:off x="942387" y="2600538"/>
-                <a:ext cx="10237694" cy="369332"/>
-              </a:xfrm>
-              <a:prstGeom prst="rect">
-                <a:avLst/>
-              </a:prstGeom>
-              <a:noFill/>
-            </p:spPr>
-            <p:txBody>
-              <a:bodyPr wrap="square" rtlCol="0">
-                <a:spAutoFit/>
-              </a:bodyPr>
-              <a:lstStyle/>
-              <a:p>
-                <a:r>
-                  <a:rPr lang="ko-KR" altLang="en-US" dirty="0">
-                    <a:latin typeface="나눔스퀘어 Light" panose="020B0600000101010101" pitchFamily="50" charset="-127"/>
-                    <a:ea typeface="나눔스퀘어 Light" panose="020B0600000101010101" pitchFamily="50" charset="-127"/>
-                  </a:rPr>
-                  <a:t>연산의 횟수는 대략 </a:t>
-                </a:r>
-                <a14:m>
-                  <m:oMath xmlns:m="http://schemas.openxmlformats.org/officeDocument/2006/math">
-                    <m:sSup>
-                      <m:sSupPr>
-                        <m:ctrlPr>
-                          <a:rPr lang="en-US" altLang="ko-KR" i="1" smtClean="0">
-                            <a:latin typeface="Cambria Math" panose="02040503050406030204" pitchFamily="18" charset="0"/>
-                            <a:ea typeface="나눔스퀘어 Light" panose="020B0600000101010101" pitchFamily="50" charset="-127"/>
-                          </a:rPr>
-                        </m:ctrlPr>
-                      </m:sSupPr>
-                      <m:e>
-                        <m:r>
-                          <a:rPr lang="en-US" altLang="ko-KR" b="0" i="1" smtClean="0">
-                            <a:latin typeface="Cambria Math" panose="02040503050406030204" pitchFamily="18" charset="0"/>
-                            <a:ea typeface="나눔스퀘어 Light" panose="020B0600000101010101" pitchFamily="50" charset="-127"/>
-                          </a:rPr>
-                          <m:t>1,000,000</m:t>
-                        </m:r>
-                      </m:e>
-                      <m:sup>
-                        <m:r>
-                          <a:rPr lang="en-US" altLang="ko-KR" b="0" i="1" smtClean="0">
-                            <a:latin typeface="Cambria Math" panose="02040503050406030204" pitchFamily="18" charset="0"/>
-                            <a:ea typeface="나눔스퀘어 Light" panose="020B0600000101010101" pitchFamily="50" charset="-127"/>
-                          </a:rPr>
-                          <m:t>2</m:t>
-                        </m:r>
-                      </m:sup>
-                    </m:sSup>
-                    <m:r>
-                      <a:rPr lang="en-US" altLang="ko-KR" b="0" i="1" smtClean="0">
-                        <a:latin typeface="Cambria Math" panose="02040503050406030204" pitchFamily="18" charset="0"/>
-                        <a:ea typeface="나눔스퀘어 Light" panose="020B0600000101010101" pitchFamily="50" charset="-127"/>
-                      </a:rPr>
-                      <m:t>=1,000,000,000,000</m:t>
-                    </m:r>
-                  </m:oMath>
-                </a14:m>
-                <a:r>
-                  <a:rPr lang="ko-KR" altLang="en-US" dirty="0">
-                    <a:latin typeface="나눔스퀘어 Light" panose="020B0600000101010101" pitchFamily="50" charset="-127"/>
-                    <a:ea typeface="나눔스퀘어 Light" panose="020B0600000101010101" pitchFamily="50" charset="-127"/>
-                  </a:rPr>
-                  <a:t> 번으로 예측할 수 있고</a:t>
-                </a:r>
-                <a:r>
-                  <a:rPr lang="en-US" altLang="ko-KR" dirty="0">
-                    <a:latin typeface="나눔스퀘어 Light" panose="020B0600000101010101" pitchFamily="50" charset="-127"/>
-                    <a:ea typeface="나눔스퀘어 Light" panose="020B0600000101010101" pitchFamily="50" charset="-127"/>
-                  </a:rPr>
-                  <a:t>,</a:t>
-                </a:r>
-                <a:endParaRPr lang="ko-KR" altLang="en-US" dirty="0">
-                  <a:latin typeface="나눔스퀘어 Light" panose="020B0600000101010101" pitchFamily="50" charset="-127"/>
-                  <a:ea typeface="나눔스퀘어 Light" panose="020B0600000101010101" pitchFamily="50" charset="-127"/>
-                </a:endParaRPr>
-              </a:p>
-            </p:txBody>
-          </p:sp>
-        </mc:Choice>
-        <mc:Fallback xmlns="">
-          <p:sp>
-            <p:nvSpPr>
-              <p:cNvPr id="9" name="TextBox 8">
-                <a:extLst>
-                  <a:ext uri="{FF2B5EF4-FFF2-40B4-BE49-F238E27FC236}">
-                    <a16:creationId xmlns:a16="http://schemas.microsoft.com/office/drawing/2014/main" id="{B6B5F236-4A78-3549-6E47-66EDE429BC81}"/>
-                  </a:ext>
-                </a:extLst>
-              </p:cNvPr>
-              <p:cNvSpPr txBox="1">
-                <a:spLocks noRot="1" noChangeAspect="1" noMove="1" noResize="1" noEditPoints="1" noAdjustHandles="1" noChangeArrowheads="1" noChangeShapeType="1" noTextEdit="1"/>
-              </p:cNvSpPr>
-              <p:nvPr/>
-            </p:nvSpPr>
-            <p:spPr>
-              <a:xfrm>
-                <a:off x="942387" y="2600538"/>
-                <a:ext cx="10237694" cy="369332"/>
-              </a:xfrm>
-              <a:prstGeom prst="rect">
-                <a:avLst/>
-              </a:prstGeom>
-              <a:blipFill>
-                <a:blip r:embed="rId5"/>
-                <a:stretch>
-                  <a:fillRect l="-536" t="-8333" b="-28333"/>
-                </a:stretch>
-              </a:blipFill>
-            </p:spPr>
-            <p:txBody>
-              <a:bodyPr/>
-              <a:lstStyle/>
-              <a:p>
-                <a:r>
-                  <a:rPr lang="ko-KR" altLang="en-US">
-                    <a:noFill/>
-                  </a:rPr>
-                  <a:t> </a:t>
-                </a:r>
-              </a:p>
-            </p:txBody>
-          </p:sp>
-        </mc:Fallback>
-      </mc:AlternateContent>
-      <mc:AlternateContent xmlns:mc="http://schemas.openxmlformats.org/markup-compatibility/2006" xmlns:a14="http://schemas.microsoft.com/office/drawing/2010/main">
-        <mc:Choice Requires="a14">
-          <p:sp>
-            <p:nvSpPr>
-              <p:cNvPr id="10" name="TextBox 9">
-                <a:extLst>
-                  <a:ext uri="{FF2B5EF4-FFF2-40B4-BE49-F238E27FC236}">
-                    <a16:creationId xmlns:a16="http://schemas.microsoft.com/office/drawing/2014/main" id="{96137689-0775-B120-2F26-0F6E39F047D4}"/>
-                  </a:ext>
-                </a:extLst>
-              </p:cNvPr>
-              <p:cNvSpPr txBox="1"/>
-              <p:nvPr/>
-            </p:nvSpPr>
-            <p:spPr>
-              <a:xfrm>
-                <a:off x="942387" y="2969870"/>
-                <a:ext cx="10237694" cy="369332"/>
-              </a:xfrm>
-              <a:prstGeom prst="rect">
-                <a:avLst/>
-              </a:prstGeom>
-              <a:noFill/>
-            </p:spPr>
-            <p:txBody>
-              <a:bodyPr wrap="square" rtlCol="0">
-                <a:spAutoFit/>
-              </a:bodyPr>
-              <a:lstStyle/>
-              <a:p>
-                <a14:m>
-                  <m:oMath xmlns:m="http://schemas.openxmlformats.org/officeDocument/2006/math">
-                    <m:r>
-                      <a:rPr lang="en-US" altLang="ko-KR" b="0" i="1" smtClean="0">
-                        <a:latin typeface="Cambria Math" panose="02040503050406030204" pitchFamily="18" charset="0"/>
-                        <a:ea typeface="나눔스퀘어 Light" panose="020B0600000101010101" pitchFamily="50" charset="-127"/>
-                      </a:rPr>
-                      <m:t>1,000,000,000,000 &gt; 200,000,000</m:t>
-                    </m:r>
-                  </m:oMath>
-                </a14:m>
-                <a:r>
-                  <a:rPr lang="en-US" altLang="ko-KR" dirty="0">
-                    <a:latin typeface="나눔스퀘어 Light" panose="020B0600000101010101" pitchFamily="50" charset="-127"/>
-                    <a:ea typeface="나눔스퀘어 Light" panose="020B0600000101010101" pitchFamily="50" charset="-127"/>
-                  </a:rPr>
-                  <a:t>(1</a:t>
-                </a:r>
-                <a:r>
-                  <a:rPr lang="ko-KR" altLang="en-US" dirty="0">
-                    <a:latin typeface="나눔스퀘어 Light" panose="020B0600000101010101" pitchFamily="50" charset="-127"/>
-                    <a:ea typeface="나눔스퀘어 Light" panose="020B0600000101010101" pitchFamily="50" charset="-127"/>
-                  </a:rPr>
-                  <a:t>억 </a:t>
-                </a:r>
-                <a:r>
-                  <a:rPr lang="en-US" altLang="ko-KR" dirty="0">
-                    <a:latin typeface="나눔스퀘어 Light" panose="020B0600000101010101" pitchFamily="50" charset="-127"/>
-                    <a:ea typeface="나눔스퀘어 Light" panose="020B0600000101010101" pitchFamily="50" charset="-127"/>
-                  </a:rPr>
-                  <a:t>× 2</a:t>
-                </a:r>
-                <a:r>
-                  <a:rPr lang="ko-KR" altLang="en-US" dirty="0">
-                    <a:latin typeface="나눔스퀘어 Light" panose="020B0600000101010101" pitchFamily="50" charset="-127"/>
-                    <a:ea typeface="나눔스퀘어 Light" panose="020B0600000101010101" pitchFamily="50" charset="-127"/>
-                  </a:rPr>
-                  <a:t>초</a:t>
-                </a:r>
-                <a:r>
-                  <a:rPr lang="en-US" altLang="ko-KR" dirty="0">
-                    <a:latin typeface="나눔스퀘어 Light" panose="020B0600000101010101" pitchFamily="50" charset="-127"/>
-                    <a:ea typeface="나눔스퀘어 Light" panose="020B0600000101010101" pitchFamily="50" charset="-127"/>
-                  </a:rPr>
-                  <a:t>)</a:t>
-                </a:r>
-                <a:r>
-                  <a:rPr lang="ko-KR" altLang="en-US" dirty="0">
-                    <a:latin typeface="나눔스퀘어 Light" panose="020B0600000101010101" pitchFamily="50" charset="-127"/>
-                    <a:ea typeface="나눔스퀘어 Light" panose="020B0600000101010101" pitchFamily="50" charset="-127"/>
-                  </a:rPr>
-                  <a:t> 이기 때문에 </a:t>
-                </a:r>
-                <a:r>
-                  <a:rPr lang="ko-KR" altLang="en-US" dirty="0">
-                    <a:latin typeface="나눔스퀘어 Bold" panose="020B0600000101010101" pitchFamily="50" charset="-127"/>
-                    <a:ea typeface="나눔스퀘어 Bold" panose="020B0600000101010101" pitchFamily="50" charset="-127"/>
-                  </a:rPr>
-                  <a:t>시간 내에 해결할 수 없을 것</a:t>
-                </a:r>
-                <a:r>
-                  <a:rPr lang="ko-KR" altLang="en-US" dirty="0">
-                    <a:latin typeface="나눔스퀘어 Light" panose="020B0600000101010101" pitchFamily="50" charset="-127"/>
-                    <a:ea typeface="나눔스퀘어 Light" panose="020B0600000101010101" pitchFamily="50" charset="-127"/>
-                  </a:rPr>
-                  <a:t>으로 보입니다</a:t>
-                </a:r>
-                <a:r>
-                  <a:rPr lang="en-US" altLang="ko-KR" dirty="0">
-                    <a:latin typeface="나눔스퀘어 Light" panose="020B0600000101010101" pitchFamily="50" charset="-127"/>
-                    <a:ea typeface="나눔스퀘어 Light" panose="020B0600000101010101" pitchFamily="50" charset="-127"/>
-                  </a:rPr>
-                  <a:t>.</a:t>
-                </a:r>
-                <a:endParaRPr lang="ko-KR" altLang="en-US" dirty="0">
-                  <a:latin typeface="나눔스퀘어 Light" panose="020B0600000101010101" pitchFamily="50" charset="-127"/>
-                  <a:ea typeface="나눔스퀘어 Light" panose="020B0600000101010101" pitchFamily="50" charset="-127"/>
-                </a:endParaRPr>
-              </a:p>
-            </p:txBody>
-          </p:sp>
-        </mc:Choice>
-        <mc:Fallback xmlns="">
-          <p:sp>
-            <p:nvSpPr>
-              <p:cNvPr id="10" name="TextBox 9">
-                <a:extLst>
-                  <a:ext uri="{FF2B5EF4-FFF2-40B4-BE49-F238E27FC236}">
-                    <a16:creationId xmlns:a16="http://schemas.microsoft.com/office/drawing/2014/main" id="{96137689-0775-B120-2F26-0F6E39F047D4}"/>
-                  </a:ext>
-                </a:extLst>
-              </p:cNvPr>
-              <p:cNvSpPr txBox="1">
-                <a:spLocks noRot="1" noChangeAspect="1" noMove="1" noResize="1" noEditPoints="1" noAdjustHandles="1" noChangeArrowheads="1" noChangeShapeType="1" noTextEdit="1"/>
-              </p:cNvSpPr>
-              <p:nvPr/>
-            </p:nvSpPr>
-            <p:spPr>
-              <a:xfrm>
-                <a:off x="942387" y="2969870"/>
-                <a:ext cx="10237694" cy="369332"/>
-              </a:xfrm>
-              <a:prstGeom prst="rect">
-                <a:avLst/>
-              </a:prstGeom>
-              <a:blipFill>
-                <a:blip r:embed="rId6"/>
-                <a:stretch>
-                  <a:fillRect t="-6557" b="-26230"/>
-                </a:stretch>
-              </a:blipFill>
-            </p:spPr>
-            <p:txBody>
-              <a:bodyPr/>
-              <a:lstStyle/>
-              <a:p>
-                <a:r>
-                  <a:rPr lang="ko-KR" altLang="en-US">
-                    <a:noFill/>
-                  </a:rPr>
-                  <a:t> </a:t>
-                </a:r>
-              </a:p>
-            </p:txBody>
-          </p:sp>
-        </mc:Fallback>
-      </mc:AlternateContent>
-      <mc:AlternateContent xmlns:mc="http://schemas.openxmlformats.org/markup-compatibility/2006" xmlns:a14="http://schemas.microsoft.com/office/drawing/2010/main">
-        <mc:Choice Requires="a14">
-          <p:sp>
-            <p:nvSpPr>
-              <p:cNvPr id="18" name="TextBox 17">
-                <a:extLst>
-                  <a:ext uri="{FF2B5EF4-FFF2-40B4-BE49-F238E27FC236}">
-                    <a16:creationId xmlns:a16="http://schemas.microsoft.com/office/drawing/2014/main" id="{D7051241-18BC-563B-00B4-A6BFD702BB09}"/>
-                  </a:ext>
-                </a:extLst>
-              </p:cNvPr>
-              <p:cNvSpPr txBox="1"/>
-              <p:nvPr/>
-            </p:nvSpPr>
-            <p:spPr>
-              <a:xfrm>
-                <a:off x="942387" y="3703465"/>
-                <a:ext cx="10237694" cy="369332"/>
-              </a:xfrm>
-              <a:prstGeom prst="rect">
-                <a:avLst/>
-              </a:prstGeom>
-              <a:noFill/>
-            </p:spPr>
-            <p:txBody>
-              <a:bodyPr wrap="square" rtlCol="0">
-                <a:spAutoFit/>
-              </a:bodyPr>
-              <a:lstStyle/>
-              <a:p>
-                <a14:m>
-                  <m:oMath xmlns:m="http://schemas.openxmlformats.org/officeDocument/2006/math">
-                    <m:r>
-                      <a:rPr lang="en-US" altLang="ko-KR" b="0" i="1" smtClean="0">
-                        <a:latin typeface="Cambria Math" panose="02040503050406030204" pitchFamily="18" charset="0"/>
-                        <a:ea typeface="나눔스퀘어 Light" panose="020B0600000101010101" pitchFamily="50" charset="-127"/>
-                      </a:rPr>
-                      <m:t>𝑂</m:t>
-                    </m:r>
-                    <m:r>
-                      <a:rPr lang="en-US" altLang="ko-KR" b="0" i="1" smtClean="0">
-                        <a:latin typeface="Cambria Math" panose="02040503050406030204" pitchFamily="18" charset="0"/>
-                        <a:ea typeface="나눔스퀘어 Light" panose="020B0600000101010101" pitchFamily="50" charset="-127"/>
-                      </a:rPr>
-                      <m:t>(</m:t>
-                    </m:r>
-                    <m:r>
-                      <a:rPr lang="en-US" altLang="ko-KR" b="0" i="1" smtClean="0">
-                        <a:latin typeface="Cambria Math" panose="02040503050406030204" pitchFamily="18" charset="0"/>
-                        <a:ea typeface="나눔스퀘어 Light" panose="020B0600000101010101" pitchFamily="50" charset="-127"/>
-                      </a:rPr>
-                      <m:t>𝑁𝑙𝑜𝑔𝑁</m:t>
-                    </m:r>
-                    <m:r>
-                      <a:rPr lang="en-US" altLang="ko-KR" b="0" i="1" smtClean="0">
-                        <a:latin typeface="Cambria Math" panose="02040503050406030204" pitchFamily="18" charset="0"/>
-                        <a:ea typeface="나눔스퀘어 Light" panose="020B0600000101010101" pitchFamily="50" charset="-127"/>
-                      </a:rPr>
-                      <m:t>)</m:t>
-                    </m:r>
-                  </m:oMath>
-                </a14:m>
-                <a:r>
-                  <a:rPr lang="ko-KR" altLang="en-US" dirty="0">
-                    <a:latin typeface="나눔스퀘어 Light" panose="020B0600000101010101" pitchFamily="50" charset="-127"/>
-                    <a:ea typeface="나눔스퀘어 Light" panose="020B0600000101010101" pitchFamily="50" charset="-127"/>
-                  </a:rPr>
-                  <a:t>정렬 알고리즘</a:t>
-                </a:r>
-                <a:r>
-                  <a:rPr lang="en-US" altLang="ko-KR" dirty="0">
-                    <a:latin typeface="나눔스퀘어 Light" panose="020B0600000101010101" pitchFamily="50" charset="-127"/>
-                    <a:ea typeface="나눔스퀘어 Light" panose="020B0600000101010101" pitchFamily="50" charset="-127"/>
-                  </a:rPr>
-                  <a:t>(</a:t>
-                </a:r>
-                <a:r>
-                  <a:rPr lang="ko-KR" altLang="en-US" dirty="0">
-                    <a:latin typeface="나눔스퀘어 Light" panose="020B0600000101010101" pitchFamily="50" charset="-127"/>
-                    <a:ea typeface="나눔스퀘어 Light" panose="020B0600000101010101" pitchFamily="50" charset="-127"/>
-                  </a:rPr>
-                  <a:t>내장 </a:t>
-                </a:r>
-                <a:r>
-                  <a:rPr lang="en-US" altLang="ko-KR" dirty="0">
-                    <a:latin typeface="나눔스퀘어 Light" panose="020B0600000101010101" pitchFamily="50" charset="-127"/>
-                    <a:ea typeface="나눔스퀘어 Light" panose="020B0600000101010101" pitchFamily="50" charset="-127"/>
-                  </a:rPr>
-                  <a:t>Quick / Merge / Heap Sort)</a:t>
-                </a:r>
-                <a:r>
-                  <a:rPr lang="ko-KR" altLang="en-US" dirty="0">
-                    <a:latin typeface="나눔스퀘어 Light" panose="020B0600000101010101" pitchFamily="50" charset="-127"/>
-                    <a:ea typeface="나눔스퀘어 Light" panose="020B0600000101010101" pitchFamily="50" charset="-127"/>
-                  </a:rPr>
-                  <a:t>을 사용할 경우</a:t>
-                </a:r>
-                <a:r>
-                  <a:rPr lang="en-US" altLang="ko-KR" dirty="0">
-                    <a:latin typeface="나눔스퀘어 Light" panose="020B0600000101010101" pitchFamily="50" charset="-127"/>
-                    <a:ea typeface="나눔스퀘어 Light" panose="020B0600000101010101" pitchFamily="50" charset="-127"/>
-                  </a:rPr>
-                  <a:t>,</a:t>
-                </a:r>
-                <a:endParaRPr lang="ko-KR" altLang="en-US" dirty="0">
-                  <a:latin typeface="나눔스퀘어 Light" panose="020B0600000101010101" pitchFamily="50" charset="-127"/>
-                  <a:ea typeface="나눔스퀘어 Light" panose="020B0600000101010101" pitchFamily="50" charset="-127"/>
-                </a:endParaRPr>
-              </a:p>
-            </p:txBody>
-          </p:sp>
-        </mc:Choice>
-        <mc:Fallback xmlns="">
-          <p:sp>
-            <p:nvSpPr>
-              <p:cNvPr id="18" name="TextBox 17">
-                <a:extLst>
-                  <a:ext uri="{FF2B5EF4-FFF2-40B4-BE49-F238E27FC236}">
-                    <a16:creationId xmlns:a16="http://schemas.microsoft.com/office/drawing/2014/main" id="{D7051241-18BC-563B-00B4-A6BFD702BB09}"/>
-                  </a:ext>
-                </a:extLst>
-              </p:cNvPr>
-              <p:cNvSpPr txBox="1">
-                <a:spLocks noRot="1" noChangeAspect="1" noMove="1" noResize="1" noEditPoints="1" noAdjustHandles="1" noChangeArrowheads="1" noChangeShapeType="1" noTextEdit="1"/>
-              </p:cNvSpPr>
-              <p:nvPr/>
-            </p:nvSpPr>
-            <p:spPr>
-              <a:xfrm>
-                <a:off x="942387" y="3703465"/>
-                <a:ext cx="10237694" cy="369332"/>
-              </a:xfrm>
-              <a:prstGeom prst="rect">
-                <a:avLst/>
-              </a:prstGeom>
-              <a:blipFill>
-                <a:blip r:embed="rId7"/>
-                <a:stretch>
-                  <a:fillRect t="-8333" b="-28333"/>
-                </a:stretch>
-              </a:blipFill>
-            </p:spPr>
-            <p:txBody>
-              <a:bodyPr/>
-              <a:lstStyle/>
-              <a:p>
-                <a:r>
-                  <a:rPr lang="ko-KR" altLang="en-US">
-                    <a:noFill/>
-                  </a:rPr>
-                  <a:t> </a:t>
-                </a:r>
-              </a:p>
-            </p:txBody>
-          </p:sp>
-        </mc:Fallback>
-      </mc:AlternateContent>
-      <mc:AlternateContent xmlns:mc="http://schemas.openxmlformats.org/markup-compatibility/2006" xmlns:a14="http://schemas.microsoft.com/office/drawing/2010/main">
-        <mc:Choice Requires="a14">
-          <p:sp>
-            <p:nvSpPr>
-              <p:cNvPr id="19" name="TextBox 18">
-                <a:extLst>
-                  <a:ext uri="{FF2B5EF4-FFF2-40B4-BE49-F238E27FC236}">
-                    <a16:creationId xmlns:a16="http://schemas.microsoft.com/office/drawing/2014/main" id="{FDA27818-616B-93EE-7B1C-050626896035}"/>
-                  </a:ext>
-                </a:extLst>
-              </p:cNvPr>
-              <p:cNvSpPr txBox="1"/>
-              <p:nvPr/>
-            </p:nvSpPr>
-            <p:spPr>
-              <a:xfrm>
-                <a:off x="942387" y="4067728"/>
-                <a:ext cx="10237694" cy="369332"/>
-              </a:xfrm>
-              <a:prstGeom prst="rect">
-                <a:avLst/>
-              </a:prstGeom>
-              <a:noFill/>
-            </p:spPr>
-            <p:txBody>
-              <a:bodyPr wrap="square" rtlCol="0">
-                <a:spAutoFit/>
-              </a:bodyPr>
-              <a:lstStyle/>
-              <a:p>
-                <a:r>
-                  <a:rPr lang="ko-KR" altLang="en-US" dirty="0">
-                    <a:latin typeface="나눔스퀘어 Light" panose="020B0600000101010101" pitchFamily="50" charset="-127"/>
-                    <a:ea typeface="나눔스퀘어 Light" panose="020B0600000101010101" pitchFamily="50" charset="-127"/>
-                  </a:rPr>
-                  <a:t>연산의 횟수는 대략 </a:t>
-                </a:r>
-                <a14:m>
-                  <m:oMath xmlns:m="http://schemas.openxmlformats.org/officeDocument/2006/math">
-                    <m:r>
-                      <a:rPr lang="en-US" altLang="ko-KR" b="0" i="0" smtClean="0">
-                        <a:latin typeface="Cambria Math" panose="02040503050406030204" pitchFamily="18" charset="0"/>
-                        <a:ea typeface="나눔스퀘어 Light" panose="020B0600000101010101" pitchFamily="50" charset="-127"/>
-                      </a:rPr>
-                      <m:t>1</m:t>
-                    </m:r>
-                    <m:r>
-                      <a:rPr lang="en-US" altLang="ko-KR" b="0" i="1" smtClean="0">
-                        <a:latin typeface="Cambria Math" panose="02040503050406030204" pitchFamily="18" charset="0"/>
-                        <a:ea typeface="나눔스퀘어 Light" panose="020B0600000101010101" pitchFamily="50" charset="-127"/>
-                      </a:rPr>
-                      <m:t>,000,000 </m:t>
-                    </m:r>
-                    <m:r>
-                      <a:rPr lang="en-US" altLang="ko-KR" b="0" i="1" smtClean="0">
-                        <a:latin typeface="Cambria Math" panose="02040503050406030204" pitchFamily="18" charset="0"/>
-                        <a:ea typeface="Cambria Math" panose="02040503050406030204" pitchFamily="18" charset="0"/>
-                      </a:rPr>
-                      <m:t>× 6</m:t>
-                    </m:r>
-                  </m:oMath>
-                </a14:m>
-                <a:r>
-                  <a:rPr lang="ko-KR" altLang="en-US" dirty="0">
-                    <a:latin typeface="나눔스퀘어 Light" panose="020B0600000101010101" pitchFamily="50" charset="-127"/>
-                    <a:ea typeface="나눔스퀘어 Light" panose="020B0600000101010101" pitchFamily="50" charset="-127"/>
-                  </a:rPr>
-                  <a:t> 번으로 예측할 수 있고</a:t>
-                </a:r>
-                <a:r>
-                  <a:rPr lang="en-US" altLang="ko-KR" dirty="0">
-                    <a:latin typeface="나눔스퀘어 Light" panose="020B0600000101010101" pitchFamily="50" charset="-127"/>
-                    <a:ea typeface="나눔스퀘어 Light" panose="020B0600000101010101" pitchFamily="50" charset="-127"/>
-                  </a:rPr>
-                  <a:t>,</a:t>
-                </a:r>
-                <a:endParaRPr lang="ko-KR" altLang="en-US" dirty="0">
-                  <a:latin typeface="나눔스퀘어 Light" panose="020B0600000101010101" pitchFamily="50" charset="-127"/>
-                  <a:ea typeface="나눔스퀘어 Light" panose="020B0600000101010101" pitchFamily="50" charset="-127"/>
-                </a:endParaRPr>
-              </a:p>
-            </p:txBody>
-          </p:sp>
-        </mc:Choice>
-        <mc:Fallback xmlns="">
-          <p:sp>
-            <p:nvSpPr>
-              <p:cNvPr id="19" name="TextBox 18">
-                <a:extLst>
-                  <a:ext uri="{FF2B5EF4-FFF2-40B4-BE49-F238E27FC236}">
-                    <a16:creationId xmlns:a16="http://schemas.microsoft.com/office/drawing/2014/main" id="{FDA27818-616B-93EE-7B1C-050626896035}"/>
-                  </a:ext>
-                </a:extLst>
-              </p:cNvPr>
-              <p:cNvSpPr txBox="1">
-                <a:spLocks noRot="1" noChangeAspect="1" noMove="1" noResize="1" noEditPoints="1" noAdjustHandles="1" noChangeArrowheads="1" noChangeShapeType="1" noTextEdit="1"/>
-              </p:cNvSpPr>
-              <p:nvPr/>
-            </p:nvSpPr>
-            <p:spPr>
-              <a:xfrm>
-                <a:off x="942387" y="4067728"/>
-                <a:ext cx="10237694" cy="369332"/>
-              </a:xfrm>
-              <a:prstGeom prst="rect">
-                <a:avLst/>
-              </a:prstGeom>
-              <a:blipFill>
-                <a:blip r:embed="rId8"/>
-                <a:stretch>
-                  <a:fillRect l="-536" t="-6557" b="-26230"/>
-                </a:stretch>
-              </a:blipFill>
-            </p:spPr>
-            <p:txBody>
-              <a:bodyPr/>
-              <a:lstStyle/>
-              <a:p>
-                <a:r>
-                  <a:rPr lang="ko-KR" altLang="en-US">
-                    <a:noFill/>
-                  </a:rPr>
-                  <a:t> </a:t>
-                </a:r>
-              </a:p>
-            </p:txBody>
-          </p:sp>
-        </mc:Fallback>
-      </mc:AlternateContent>
-      <mc:AlternateContent xmlns:mc="http://schemas.openxmlformats.org/markup-compatibility/2006" xmlns:a14="http://schemas.microsoft.com/office/drawing/2010/main">
-        <mc:Choice Requires="a14">
-          <p:sp>
-            <p:nvSpPr>
-              <p:cNvPr id="20" name="TextBox 19">
-                <a:extLst>
-                  <a:ext uri="{FF2B5EF4-FFF2-40B4-BE49-F238E27FC236}">
-                    <a16:creationId xmlns:a16="http://schemas.microsoft.com/office/drawing/2014/main" id="{C87AB4EC-B388-1A94-8F63-764283A76243}"/>
-                  </a:ext>
-                </a:extLst>
-              </p:cNvPr>
-              <p:cNvSpPr txBox="1"/>
-              <p:nvPr/>
-            </p:nvSpPr>
-            <p:spPr>
-              <a:xfrm>
-                <a:off x="942387" y="4437060"/>
-                <a:ext cx="10237694" cy="369332"/>
-              </a:xfrm>
-              <a:prstGeom prst="rect">
-                <a:avLst/>
-              </a:prstGeom>
-              <a:noFill/>
-            </p:spPr>
-            <p:txBody>
-              <a:bodyPr wrap="square" rtlCol="0">
-                <a:spAutoFit/>
-              </a:bodyPr>
-              <a:lstStyle/>
-              <a:p>
-                <a14:m>
-                  <m:oMath xmlns:m="http://schemas.openxmlformats.org/officeDocument/2006/math">
-                    <m:r>
-                      <a:rPr lang="en-US" altLang="ko-KR" b="0" i="1" smtClean="0">
-                        <a:latin typeface="Cambria Math" panose="02040503050406030204" pitchFamily="18" charset="0"/>
-                        <a:ea typeface="나눔스퀘어 Light" panose="020B0600000101010101" pitchFamily="50" charset="-127"/>
-                      </a:rPr>
-                      <m:t>6,000,000 </m:t>
-                    </m:r>
-                    <m:r>
-                      <a:rPr lang="en-US" altLang="ko-KR" b="0" i="1" smtClean="0">
-                        <a:latin typeface="Cambria Math" panose="02040503050406030204" pitchFamily="18" charset="0"/>
-                        <a:ea typeface="Cambria Math" panose="02040503050406030204" pitchFamily="18" charset="0"/>
-                      </a:rPr>
-                      <m:t>&lt; </m:t>
-                    </m:r>
-                    <m:r>
-                      <a:rPr lang="en-US" altLang="ko-KR" b="0" i="1" smtClean="0">
-                        <a:latin typeface="Cambria Math" panose="02040503050406030204" pitchFamily="18" charset="0"/>
-                        <a:ea typeface="나눔스퀘어 Light" panose="020B0600000101010101" pitchFamily="50" charset="-127"/>
-                      </a:rPr>
-                      <m:t>200,000,000</m:t>
-                    </m:r>
-                  </m:oMath>
-                </a14:m>
-                <a:r>
-                  <a:rPr lang="ko-KR" altLang="en-US" dirty="0">
-                    <a:latin typeface="나눔스퀘어 Light" panose="020B0600000101010101" pitchFamily="50" charset="-127"/>
-                    <a:ea typeface="나눔스퀘어 Light" panose="020B0600000101010101" pitchFamily="50" charset="-127"/>
-                  </a:rPr>
-                  <a:t> 이기 때문에 시간 내에 해결할 수 있을 것으로 보입니다</a:t>
-                </a:r>
-                <a:r>
-                  <a:rPr lang="en-US" altLang="ko-KR" dirty="0">
-                    <a:latin typeface="나눔스퀘어 Light" panose="020B0600000101010101" pitchFamily="50" charset="-127"/>
-                    <a:ea typeface="나눔스퀘어 Light" panose="020B0600000101010101" pitchFamily="50" charset="-127"/>
-                  </a:rPr>
-                  <a:t>.</a:t>
-                </a:r>
-                <a:endParaRPr lang="ko-KR" altLang="en-US" dirty="0">
-                  <a:latin typeface="나눔스퀘어 Light" panose="020B0600000101010101" pitchFamily="50" charset="-127"/>
-                  <a:ea typeface="나눔스퀘어 Light" panose="020B0600000101010101" pitchFamily="50" charset="-127"/>
-                </a:endParaRPr>
-              </a:p>
-            </p:txBody>
-          </p:sp>
-        </mc:Choice>
-        <mc:Fallback xmlns="">
-          <p:sp>
-            <p:nvSpPr>
-              <p:cNvPr id="20" name="TextBox 19">
-                <a:extLst>
-                  <a:ext uri="{FF2B5EF4-FFF2-40B4-BE49-F238E27FC236}">
-                    <a16:creationId xmlns:a16="http://schemas.microsoft.com/office/drawing/2014/main" id="{C87AB4EC-B388-1A94-8F63-764283A76243}"/>
-                  </a:ext>
-                </a:extLst>
-              </p:cNvPr>
-              <p:cNvSpPr txBox="1">
-                <a:spLocks noRot="1" noChangeAspect="1" noMove="1" noResize="1" noEditPoints="1" noAdjustHandles="1" noChangeArrowheads="1" noChangeShapeType="1" noTextEdit="1"/>
-              </p:cNvSpPr>
-              <p:nvPr/>
-            </p:nvSpPr>
-            <p:spPr>
-              <a:xfrm>
-                <a:off x="942387" y="4437060"/>
-                <a:ext cx="10237694" cy="369332"/>
-              </a:xfrm>
-              <a:prstGeom prst="rect">
-                <a:avLst/>
-              </a:prstGeom>
-              <a:blipFill>
-                <a:blip r:embed="rId9"/>
-                <a:stretch>
-                  <a:fillRect t="-8333" b="-28333"/>
-                </a:stretch>
-              </a:blipFill>
-            </p:spPr>
-            <p:txBody>
-              <a:bodyPr/>
-              <a:lstStyle/>
-              <a:p>
-                <a:r>
-                  <a:rPr lang="ko-KR" altLang="en-US">
-                    <a:noFill/>
-                  </a:rPr>
-                  <a:t> </a:t>
-                </a:r>
-              </a:p>
-            </p:txBody>
-          </p:sp>
-        </mc:Fallback>
-      </mc:AlternateContent>
+              <a:t>타일 장식물</a:t>
+            </a:r>
+          </a:p>
+        </p:txBody>
+      </p:sp>
       <p:pic>
         <p:nvPicPr>
-          <p:cNvPr id="22" name="그림 21">
-            <a:extLst>
-              <a:ext uri="{FF2B5EF4-FFF2-40B4-BE49-F238E27FC236}">
-                <a16:creationId xmlns:a16="http://schemas.microsoft.com/office/drawing/2014/main" id="{4B4A344C-445A-F99F-599F-8996C42F816D}"/>
+          <p:cNvPr id="1026" name="Picture 2">
+            <a:extLst>
+              <a:ext uri="{FF2B5EF4-FFF2-40B4-BE49-F238E27FC236}">
+                <a16:creationId xmlns:a16="http://schemas.microsoft.com/office/drawing/2014/main" id="{FDD9B749-D26C-9649-18C5-9698BFA6F53F}"/>
               </a:ext>
             </a:extLst>
           </p:cNvPr>
           <p:cNvPicPr>
-            <a:picLocks noChangeAspect="1"/>
+            <a:picLocks noChangeAspect="1" noChangeArrowheads="1"/>
           </p:cNvPicPr>
           <p:nvPr/>
         </p:nvPicPr>
         <p:blipFill>
-          <a:blip r:embed="rId10"/>
+          <a:blip r:embed="rId2">
+            <a:extLst>
+              <a:ext uri="{28A0092B-C50C-407E-A947-70E740481C1C}">
+                <a14:useLocalDpi xmlns:a14="http://schemas.microsoft.com/office/drawing/2010/main" val="0"/>
+              </a:ext>
+            </a:extLst>
+          </a:blip>
+          <a:srcRect/>
           <a:stretch>
             <a:fillRect/>
           </a:stretch>
         </p:blipFill>
-        <p:spPr>
-          <a:xfrm>
-            <a:off x="942387" y="5071069"/>
-            <a:ext cx="7662992" cy="1193813"/>
+        <p:spPr bwMode="auto">
+          <a:xfrm>
+            <a:off x="397452" y="991159"/>
+            <a:ext cx="1901161" cy="3055793"/>
           </a:xfrm>
           <a:prstGeom prst="rect">
             <a:avLst/>
           </a:prstGeom>
+          <a:noFill/>
+          <a:extLst>
+            <a:ext uri="{909E8E84-426E-40DD-AFC4-6F175D3DCCD1}">
+              <a14:hiddenFill xmlns:a14="http://schemas.microsoft.com/office/drawing/2010/main">
+                <a:solidFill>
+                  <a:srgbClr val="FFFFFF"/>
+                </a:solidFill>
+              </a14:hiddenFill>
+            </a:ext>
+          </a:extLst>
         </p:spPr>
       </p:pic>
       <p:sp>
         <p:nvSpPr>
-          <p:cNvPr id="3" name="TextBox 2">
-            <a:extLst>
-              <a:ext uri="{FF2B5EF4-FFF2-40B4-BE49-F238E27FC236}">
-                <a16:creationId xmlns:a16="http://schemas.microsoft.com/office/drawing/2014/main" id="{B131AABF-DAA2-35C1-1EEC-F4510F6168A5}"/>
+          <p:cNvPr id="16" name="TextBox 15">
+            <a:extLst>
+              <a:ext uri="{FF2B5EF4-FFF2-40B4-BE49-F238E27FC236}">
+                <a16:creationId xmlns:a16="http://schemas.microsoft.com/office/drawing/2014/main" id="{8A7FBD92-359A-8499-2793-0F4FD4EFBE93}"/>
               </a:ext>
             </a:extLst>
           </p:cNvPr>
@@ -5942,8 +4039,8 @@
         </p:nvSpPr>
         <p:spPr>
           <a:xfrm>
-            <a:off x="7578857" y="3272388"/>
-            <a:ext cx="613036" cy="369332"/>
+            <a:off x="2817091" y="1327256"/>
+            <a:ext cx="8362990" cy="369332"/>
           </a:xfrm>
           <a:prstGeom prst="rect">
             <a:avLst/>
@@ -5956,13 +4053,19 @@
           </a:bodyPr>
           <a:lstStyle/>
           <a:p>
-            <a:pPr algn="ctr"/>
-            <a:r>
-              <a:rPr lang="en-US" altLang="ko-KR" dirty="0">
-                <a:latin typeface="나눔스퀘어 Light" panose="020B0600000101010101" pitchFamily="50" charset="-127"/>
-                <a:ea typeface="나눔스퀘어 Light" panose="020B0600000101010101" pitchFamily="50" charset="-127"/>
-              </a:rPr>
-              <a:t>TLE</a:t>
+            <a:r>
+              <a:rPr lang="ko-KR" altLang="en-US" dirty="0">
+                <a:latin typeface="나눔스퀘어 Light" panose="020B0600000101010101" pitchFamily="50" charset="-127"/>
+                <a:ea typeface="나눔스퀘어 Light" panose="020B0600000101010101" pitchFamily="50" charset="-127"/>
+              </a:rPr>
+              <a:t>어디서 많이 본 그림 같습니다</a:t>
+            </a:r>
+            <a:r>
+              <a:rPr lang="en-US" altLang="ko-KR" dirty="0">
+                <a:latin typeface="나눔스퀘어 Light" panose="020B0600000101010101" pitchFamily="50" charset="-127"/>
+                <a:ea typeface="나눔스퀘어 Light" panose="020B0600000101010101" pitchFamily="50" charset="-127"/>
+              </a:rPr>
+              <a:t>.</a:t>
             </a:r>
             <a:endParaRPr lang="ko-KR" altLang="en-US" dirty="0">
               <a:latin typeface="나눔스퀘어 Light" panose="020B0600000101010101" pitchFamily="50" charset="-127"/>
@@ -5973,34 +4076,166 @@
       </p:sp>
       <p:pic>
         <p:nvPicPr>
-          <p:cNvPr id="11" name="그림 10">
-            <a:extLst>
-              <a:ext uri="{FF2B5EF4-FFF2-40B4-BE49-F238E27FC236}">
-                <a16:creationId xmlns:a16="http://schemas.microsoft.com/office/drawing/2014/main" id="{4A686F41-ABE2-1148-4C1E-BC37DE8BFEB4}"/>
+          <p:cNvPr id="21" name="Picture 4" descr="피보나치 수열 - 황금비율 - 황금나선 : 네이버 블로그">
+            <a:extLst>
+              <a:ext uri="{FF2B5EF4-FFF2-40B4-BE49-F238E27FC236}">
+                <a16:creationId xmlns:a16="http://schemas.microsoft.com/office/drawing/2014/main" id="{8AA73AA6-43D0-7197-DDA3-7D7D6874D0AB}"/>
               </a:ext>
             </a:extLst>
           </p:cNvPr>
           <p:cNvPicPr>
-            <a:picLocks noChangeAspect="1"/>
+            <a:picLocks noChangeAspect="1" noChangeArrowheads="1"/>
           </p:cNvPicPr>
           <p:nvPr/>
         </p:nvPicPr>
         <p:blipFill>
-          <a:blip r:embed="rId11"/>
+          <a:blip r:embed="rId3">
+            <a:extLst>
+              <a:ext uri="{28A0092B-C50C-407E-A947-70E740481C1C}">
+                <a14:useLocalDpi xmlns:a14="http://schemas.microsoft.com/office/drawing/2010/main" val="0"/>
+              </a:ext>
+            </a:extLst>
+          </a:blip>
+          <a:srcRect/>
           <a:stretch>
             <a:fillRect/>
           </a:stretch>
         </p:blipFill>
-        <p:spPr>
-          <a:xfrm>
-            <a:off x="8198178" y="3309648"/>
-            <a:ext cx="638264" cy="295316"/>
+        <p:spPr bwMode="auto">
+          <a:xfrm>
+            <a:off x="397452" y="4486702"/>
+            <a:ext cx="3136289" cy="2082644"/>
           </a:xfrm>
           <a:prstGeom prst="rect">
             <a:avLst/>
           </a:prstGeom>
+          <a:noFill/>
+          <a:extLst>
+            <a:ext uri="{909E8E84-426E-40DD-AFC4-6F175D3DCCD1}">
+              <a14:hiddenFill xmlns:a14="http://schemas.microsoft.com/office/drawing/2010/main">
+                <a:solidFill>
+                  <a:srgbClr val="FFFFFF"/>
+                </a:solidFill>
+              </a14:hiddenFill>
+            </a:ext>
+          </a:extLst>
         </p:spPr>
       </p:pic>
+      <p:sp>
+        <p:nvSpPr>
+          <p:cNvPr id="24" name="TextBox 23">
+            <a:extLst>
+              <a:ext uri="{FF2B5EF4-FFF2-40B4-BE49-F238E27FC236}">
+                <a16:creationId xmlns:a16="http://schemas.microsoft.com/office/drawing/2014/main" id="{F43CAD70-2630-10F5-CDE8-F87FD189D185}"/>
+              </a:ext>
+            </a:extLst>
+          </p:cNvPr>
+          <p:cNvSpPr txBox="1"/>
+          <p:nvPr/>
+        </p:nvSpPr>
+        <p:spPr>
+          <a:xfrm>
+            <a:off x="2817091" y="2065920"/>
+            <a:ext cx="8362990" cy="369332"/>
+          </a:xfrm>
+          <a:prstGeom prst="rect">
+            <a:avLst/>
+          </a:prstGeom>
+          <a:noFill/>
+        </p:spPr>
+        <p:txBody>
+          <a:bodyPr wrap="square" rtlCol="0">
+            <a:spAutoFit/>
+          </a:bodyPr>
+          <a:lstStyle/>
+          <a:p>
+            <a:r>
+              <a:rPr lang="ko-KR" altLang="en-US" dirty="0">
+                <a:latin typeface="나눔스퀘어 Light" panose="020B0600000101010101" pitchFamily="50" charset="-127"/>
+                <a:ea typeface="나눔스퀘어 Light" panose="020B0600000101010101" pitchFamily="50" charset="-127"/>
+              </a:rPr>
+              <a:t>현재 항 </a:t>
+            </a:r>
+            <a:r>
+              <a:rPr lang="en-US" altLang="ko-KR" dirty="0">
+                <a:latin typeface="나눔스퀘어 Light" panose="020B0600000101010101" pitchFamily="50" charset="-127"/>
+                <a:ea typeface="나눔스퀘어 Light" panose="020B0600000101010101" pitchFamily="50" charset="-127"/>
+              </a:rPr>
+              <a:t>= </a:t>
+            </a:r>
+            <a:r>
+              <a:rPr lang="ko-KR" altLang="en-US" dirty="0">
+                <a:latin typeface="나눔스퀘어 Light" panose="020B0600000101010101" pitchFamily="50" charset="-127"/>
+                <a:ea typeface="나눔스퀘어 Light" panose="020B0600000101010101" pitchFamily="50" charset="-127"/>
+              </a:rPr>
+              <a:t>전 항 </a:t>
+            </a:r>
+            <a:r>
+              <a:rPr lang="en-US" altLang="ko-KR" dirty="0">
+                <a:latin typeface="나눔스퀘어 Light" panose="020B0600000101010101" pitchFamily="50" charset="-127"/>
+                <a:ea typeface="나눔스퀘어 Light" panose="020B0600000101010101" pitchFamily="50" charset="-127"/>
+              </a:rPr>
+              <a:t>+ </a:t>
+            </a:r>
+            <a:r>
+              <a:rPr lang="ko-KR" altLang="en-US" dirty="0">
+                <a:latin typeface="나눔스퀘어 Light" panose="020B0600000101010101" pitchFamily="50" charset="-127"/>
+                <a:ea typeface="나눔스퀘어 Light" panose="020B0600000101010101" pitchFamily="50" charset="-127"/>
+              </a:rPr>
+              <a:t>전전 항</a:t>
+            </a:r>
+          </a:p>
+        </p:txBody>
+      </p:sp>
+      <p:sp>
+        <p:nvSpPr>
+          <p:cNvPr id="25" name="TextBox 24">
+            <a:extLst>
+              <a:ext uri="{FF2B5EF4-FFF2-40B4-BE49-F238E27FC236}">
+                <a16:creationId xmlns:a16="http://schemas.microsoft.com/office/drawing/2014/main" id="{9DB83503-2EEC-B18D-BCAF-A0ABC64C7FD6}"/>
+              </a:ext>
+            </a:extLst>
+          </p:cNvPr>
+          <p:cNvSpPr txBox="1"/>
+          <p:nvPr/>
+        </p:nvSpPr>
+        <p:spPr>
+          <a:xfrm>
+            <a:off x="2817091" y="2519055"/>
+            <a:ext cx="8362990" cy="369332"/>
+          </a:xfrm>
+          <a:prstGeom prst="rect">
+            <a:avLst/>
+          </a:prstGeom>
+          <a:noFill/>
+        </p:spPr>
+        <p:txBody>
+          <a:bodyPr wrap="square" rtlCol="0">
+            <a:spAutoFit/>
+          </a:bodyPr>
+          <a:lstStyle/>
+          <a:p>
+            <a:r>
+              <a:rPr lang="ko-KR" altLang="en-US" dirty="0">
+                <a:latin typeface="나눔스퀘어 Light" panose="020B0600000101010101" pitchFamily="50" charset="-127"/>
+                <a:ea typeface="나눔스퀘어 Light" panose="020B0600000101010101" pitchFamily="50" charset="-127"/>
+              </a:rPr>
+              <a:t>피보나치 수열의 그림과 똑같음을 알 수 있습니다</a:t>
+            </a:r>
+            <a:r>
+              <a:rPr lang="en-US" altLang="ko-KR" dirty="0">
+                <a:latin typeface="나눔스퀘어 Light" panose="020B0600000101010101" pitchFamily="50" charset="-127"/>
+                <a:ea typeface="나눔스퀘어 Light" panose="020B0600000101010101" pitchFamily="50" charset="-127"/>
+              </a:rPr>
+              <a:t>.</a:t>
+            </a:r>
+            <a:endParaRPr lang="ko-KR" altLang="en-US" dirty="0">
+              <a:latin typeface="나눔스퀘어 Light" panose="020B0600000101010101" pitchFamily="50" charset="-127"/>
+              <a:ea typeface="나눔스퀘어 Light" panose="020B0600000101010101" pitchFamily="50" charset="-127"/>
+            </a:endParaRPr>
+          </a:p>
+        </p:txBody>
+      </p:sp>
     </p:spTree>
     <p:extLst>
       <p:ext uri="{BB962C8B-B14F-4D97-AF65-F5344CB8AC3E}">
@@ -6077,10 +4312,10 @@
       </p:cxnSp>
       <p:sp>
         <p:nvSpPr>
-          <p:cNvPr id="2" name="TextBox 1">
-            <a:extLst>
-              <a:ext uri="{FF2B5EF4-FFF2-40B4-BE49-F238E27FC236}">
-                <a16:creationId xmlns:a16="http://schemas.microsoft.com/office/drawing/2014/main" id="{F879F515-CF83-D84E-0479-BDBB211233A4}"/>
+          <p:cNvPr id="12" name="TextBox 11">
+            <a:extLst>
+              <a:ext uri="{FF2B5EF4-FFF2-40B4-BE49-F238E27FC236}">
+                <a16:creationId xmlns:a16="http://schemas.microsoft.com/office/drawing/2014/main" id="{E1A241AA-2EA5-B09B-4225-40225B2ED3D3}"/>
               </a:ext>
             </a:extLst>
           </p:cNvPr>
@@ -6090,7 +4325,7 @@
         <p:spPr>
           <a:xfrm>
             <a:off x="331694" y="177505"/>
-            <a:ext cx="4694298" cy="523220"/>
+            <a:ext cx="7275453" cy="523220"/>
           </a:xfrm>
           <a:prstGeom prst="rect">
             <a:avLst/>
@@ -6108,296 +4343,22 @@
                 <a:latin typeface="나눔스퀘어 Bold" panose="020B0600000101010101" pitchFamily="50" charset="-127"/>
                 <a:ea typeface="나눔스퀘어 Bold" panose="020B0600000101010101" pitchFamily="50" charset="-127"/>
               </a:rPr>
-              <a:t>Sorting – 1427 </a:t>
-            </a:r>
-            <a:r>
-              <a:rPr lang="ko-KR" altLang="en-US" sz="2800" dirty="0" err="1">
+              <a:t>Dynamic Programming – 13301 </a:t>
+            </a:r>
+            <a:r>
+              <a:rPr lang="ko-KR" altLang="en-US" sz="2800" dirty="0">
                 <a:latin typeface="나눔스퀘어 Bold" panose="020B0600000101010101" pitchFamily="50" charset="-127"/>
                 <a:ea typeface="나눔스퀘어 Bold" panose="020B0600000101010101" pitchFamily="50" charset="-127"/>
               </a:rPr>
-              <a:t>소트인사이드</a:t>
-            </a:r>
-            <a:endParaRPr lang="ko-KR" altLang="en-US" sz="2800" dirty="0">
-              <a:latin typeface="나눔스퀘어 Bold" panose="020B0600000101010101" pitchFamily="50" charset="-127"/>
-              <a:ea typeface="나눔스퀘어 Bold" panose="020B0600000101010101" pitchFamily="50" charset="-127"/>
-            </a:endParaRPr>
-          </a:p>
-        </p:txBody>
-      </p:sp>
-      <p:pic>
-        <p:nvPicPr>
-          <p:cNvPr id="7" name="그림 6">
-            <a:extLst>
-              <a:ext uri="{FF2B5EF4-FFF2-40B4-BE49-F238E27FC236}">
-                <a16:creationId xmlns:a16="http://schemas.microsoft.com/office/drawing/2014/main" id="{9E452538-A597-79E1-9275-7A3209BDB5A2}"/>
-              </a:ext>
-            </a:extLst>
-          </p:cNvPr>
-          <p:cNvPicPr>
-            <a:picLocks noChangeAspect="1"/>
-          </p:cNvPicPr>
-          <p:nvPr/>
-        </p:nvPicPr>
-        <p:blipFill>
-          <a:blip r:embed="rId2"/>
-          <a:stretch>
-            <a:fillRect/>
-          </a:stretch>
-        </p:blipFill>
-        <p:spPr>
-          <a:xfrm>
-            <a:off x="331694" y="962790"/>
-            <a:ext cx="6125667" cy="3113298"/>
-          </a:xfrm>
-          <a:prstGeom prst="rect">
-            <a:avLst/>
-          </a:prstGeom>
-        </p:spPr>
-      </p:pic>
-      <p:pic>
-        <p:nvPicPr>
-          <p:cNvPr id="10" name="그림 9">
-            <a:extLst>
-              <a:ext uri="{FF2B5EF4-FFF2-40B4-BE49-F238E27FC236}">
-                <a16:creationId xmlns:a16="http://schemas.microsoft.com/office/drawing/2014/main" id="{A8FDE59C-E43B-DC9C-B9ED-07BD463C907C}"/>
-              </a:ext>
-            </a:extLst>
-          </p:cNvPr>
-          <p:cNvPicPr>
-            <a:picLocks noChangeAspect="1"/>
-          </p:cNvPicPr>
-          <p:nvPr/>
-        </p:nvPicPr>
-        <p:blipFill>
-          <a:blip r:embed="rId3"/>
-          <a:stretch>
-            <a:fillRect/>
-          </a:stretch>
-        </p:blipFill>
-        <p:spPr>
-          <a:xfrm>
-            <a:off x="331694" y="4180758"/>
-            <a:ext cx="1308570" cy="959122"/>
-          </a:xfrm>
-          <a:prstGeom prst="rect">
-            <a:avLst/>
-          </a:prstGeom>
-        </p:spPr>
-      </p:pic>
-      <p:pic>
-        <p:nvPicPr>
-          <p:cNvPr id="14" name="그림 13">
-            <a:extLst>
-              <a:ext uri="{FF2B5EF4-FFF2-40B4-BE49-F238E27FC236}">
-                <a16:creationId xmlns:a16="http://schemas.microsoft.com/office/drawing/2014/main" id="{3EBD7406-CE2F-38B3-6F40-0467EE11A0CE}"/>
-              </a:ext>
-            </a:extLst>
-          </p:cNvPr>
-          <p:cNvPicPr>
-            <a:picLocks noChangeAspect="1"/>
-          </p:cNvPicPr>
-          <p:nvPr/>
-        </p:nvPicPr>
-        <p:blipFill>
-          <a:blip r:embed="rId4"/>
-          <a:stretch>
-            <a:fillRect/>
-          </a:stretch>
-        </p:blipFill>
-        <p:spPr>
-          <a:xfrm>
-            <a:off x="1793406" y="4180758"/>
-            <a:ext cx="1308570" cy="957125"/>
-          </a:xfrm>
-          <a:prstGeom prst="rect">
-            <a:avLst/>
-          </a:prstGeom>
-        </p:spPr>
-      </p:pic>
-      <p:pic>
-        <p:nvPicPr>
-          <p:cNvPr id="17" name="그림 16">
-            <a:extLst>
-              <a:ext uri="{FF2B5EF4-FFF2-40B4-BE49-F238E27FC236}">
-                <a16:creationId xmlns:a16="http://schemas.microsoft.com/office/drawing/2014/main" id="{F808C611-1C24-55AA-6DF1-4E1980E316EA}"/>
-              </a:ext>
-            </a:extLst>
-          </p:cNvPr>
-          <p:cNvPicPr>
-            <a:picLocks noChangeAspect="1"/>
-          </p:cNvPicPr>
-          <p:nvPr/>
-        </p:nvPicPr>
-        <p:blipFill>
-          <a:blip r:embed="rId5"/>
-          <a:stretch>
-            <a:fillRect/>
-          </a:stretch>
-        </p:blipFill>
-        <p:spPr>
-          <a:xfrm>
-            <a:off x="3681162" y="4180758"/>
-            <a:ext cx="1344830" cy="1014386"/>
-          </a:xfrm>
-          <a:prstGeom prst="rect">
-            <a:avLst/>
-          </a:prstGeom>
-        </p:spPr>
-      </p:pic>
-      <p:pic>
-        <p:nvPicPr>
-          <p:cNvPr id="20" name="그림 19">
-            <a:extLst>
-              <a:ext uri="{FF2B5EF4-FFF2-40B4-BE49-F238E27FC236}">
-                <a16:creationId xmlns:a16="http://schemas.microsoft.com/office/drawing/2014/main" id="{9D5F1C80-7B55-1418-0A0A-AE839FEF778A}"/>
-              </a:ext>
-            </a:extLst>
-          </p:cNvPr>
-          <p:cNvPicPr>
-            <a:picLocks noChangeAspect="1"/>
-          </p:cNvPicPr>
-          <p:nvPr/>
-        </p:nvPicPr>
-        <p:blipFill>
-          <a:blip r:embed="rId6"/>
-          <a:stretch>
-            <a:fillRect/>
-          </a:stretch>
-        </p:blipFill>
-        <p:spPr>
-          <a:xfrm>
-            <a:off x="5157826" y="4180758"/>
-            <a:ext cx="1376106" cy="1014386"/>
-          </a:xfrm>
-          <a:prstGeom prst="rect">
-            <a:avLst/>
-          </a:prstGeom>
-        </p:spPr>
-      </p:pic>
-      <p:pic>
-        <p:nvPicPr>
-          <p:cNvPr id="22" name="그림 21">
-            <a:extLst>
-              <a:ext uri="{FF2B5EF4-FFF2-40B4-BE49-F238E27FC236}">
-                <a16:creationId xmlns:a16="http://schemas.microsoft.com/office/drawing/2014/main" id="{D09E1E79-C29D-96BB-5B69-8B381340E81E}"/>
-              </a:ext>
-            </a:extLst>
-          </p:cNvPr>
-          <p:cNvPicPr>
-            <a:picLocks noChangeAspect="1"/>
-          </p:cNvPicPr>
-          <p:nvPr/>
-        </p:nvPicPr>
-        <p:blipFill>
-          <a:blip r:embed="rId7"/>
-          <a:stretch>
-            <a:fillRect/>
-          </a:stretch>
-        </p:blipFill>
-        <p:spPr>
-          <a:xfrm>
-            <a:off x="331694" y="5430519"/>
-            <a:ext cx="1308570" cy="929382"/>
-          </a:xfrm>
-          <a:prstGeom prst="rect">
-            <a:avLst/>
-          </a:prstGeom>
-        </p:spPr>
-      </p:pic>
-      <p:pic>
-        <p:nvPicPr>
-          <p:cNvPr id="24" name="그림 23">
-            <a:extLst>
-              <a:ext uri="{FF2B5EF4-FFF2-40B4-BE49-F238E27FC236}">
-                <a16:creationId xmlns:a16="http://schemas.microsoft.com/office/drawing/2014/main" id="{9C727D04-12D8-E870-5C5F-FBCC6A840325}"/>
-              </a:ext>
-            </a:extLst>
-          </p:cNvPr>
-          <p:cNvPicPr>
-            <a:picLocks noChangeAspect="1"/>
-          </p:cNvPicPr>
-          <p:nvPr/>
-        </p:nvPicPr>
-        <p:blipFill>
-          <a:blip r:embed="rId8"/>
-          <a:stretch>
-            <a:fillRect/>
-          </a:stretch>
-        </p:blipFill>
-        <p:spPr>
-          <a:xfrm>
-            <a:off x="1793406" y="5430519"/>
-            <a:ext cx="1242025" cy="922647"/>
-          </a:xfrm>
-          <a:prstGeom prst="rect">
-            <a:avLst/>
-          </a:prstGeom>
-        </p:spPr>
-      </p:pic>
-      <p:pic>
-        <p:nvPicPr>
-          <p:cNvPr id="26" name="그림 25">
-            <a:extLst>
-              <a:ext uri="{FF2B5EF4-FFF2-40B4-BE49-F238E27FC236}">
-                <a16:creationId xmlns:a16="http://schemas.microsoft.com/office/drawing/2014/main" id="{6BA0B311-431F-09AC-2681-A0DB9009A4EA}"/>
-              </a:ext>
-            </a:extLst>
-          </p:cNvPr>
-          <p:cNvPicPr>
-            <a:picLocks noChangeAspect="1"/>
-          </p:cNvPicPr>
-          <p:nvPr/>
-        </p:nvPicPr>
-        <p:blipFill>
-          <a:blip r:embed="rId9"/>
-          <a:stretch>
-            <a:fillRect/>
-          </a:stretch>
-        </p:blipFill>
-        <p:spPr>
-          <a:xfrm>
-            <a:off x="3681162" y="5432546"/>
-            <a:ext cx="1267149" cy="927355"/>
-          </a:xfrm>
-          <a:prstGeom prst="rect">
-            <a:avLst/>
-          </a:prstGeom>
-        </p:spPr>
-      </p:pic>
-      <p:pic>
-        <p:nvPicPr>
-          <p:cNvPr id="28" name="그림 27">
-            <a:extLst>
-              <a:ext uri="{FF2B5EF4-FFF2-40B4-BE49-F238E27FC236}">
-                <a16:creationId xmlns:a16="http://schemas.microsoft.com/office/drawing/2014/main" id="{A885BC2E-2B05-3CCC-7C7A-1EAA7B8552E4}"/>
-              </a:ext>
-            </a:extLst>
-          </p:cNvPr>
-          <p:cNvPicPr>
-            <a:picLocks noChangeAspect="1"/>
-          </p:cNvPicPr>
-          <p:nvPr/>
-        </p:nvPicPr>
-        <p:blipFill>
-          <a:blip r:embed="rId10"/>
-          <a:stretch>
-            <a:fillRect/>
-          </a:stretch>
-        </p:blipFill>
-        <p:spPr>
-          <a:xfrm>
-            <a:off x="5157826" y="5430519"/>
-            <a:ext cx="1308571" cy="933643"/>
-          </a:xfrm>
-          <a:prstGeom prst="rect">
-            <a:avLst/>
-          </a:prstGeom>
-        </p:spPr>
-      </p:pic>
+              <a:t>타일 장식물</a:t>
+            </a:r>
+          </a:p>
+        </p:txBody>
+      </p:sp>
     </p:spTree>
     <p:extLst>
       <p:ext uri="{BB962C8B-B14F-4D97-AF65-F5344CB8AC3E}">
-        <p14:creationId xmlns:p14="http://schemas.microsoft.com/office/powerpoint/2010/main" val="2844651400"/>
+        <p14:creationId xmlns:p14="http://schemas.microsoft.com/office/powerpoint/2010/main" val="2207547446"/>
       </p:ext>
     </p:extLst>
   </p:cSld>
@@ -6470,153 +4431,10 @@
       </p:cxnSp>
       <p:sp>
         <p:nvSpPr>
-          <p:cNvPr id="7" name="TextBox 6">
-            <a:extLst>
-              <a:ext uri="{FF2B5EF4-FFF2-40B4-BE49-F238E27FC236}">
-                <a16:creationId xmlns:a16="http://schemas.microsoft.com/office/drawing/2014/main" id="{BA807B7E-C360-F76C-0439-EE24526A4473}"/>
-              </a:ext>
-            </a:extLst>
-          </p:cNvPr>
-          <p:cNvSpPr txBox="1"/>
-          <p:nvPr/>
-        </p:nvSpPr>
-        <p:spPr>
-          <a:xfrm>
-            <a:off x="942387" y="1190024"/>
-            <a:ext cx="10313217" cy="369332"/>
-          </a:xfrm>
-          <a:prstGeom prst="rect">
-            <a:avLst/>
-          </a:prstGeom>
-          <a:noFill/>
-        </p:spPr>
-        <p:txBody>
-          <a:bodyPr wrap="square" rtlCol="0">
-            <a:spAutoFit/>
-          </a:bodyPr>
-          <a:lstStyle/>
-          <a:p>
-            <a:r>
-              <a:rPr lang="ko-KR" altLang="en-US" dirty="0">
-                <a:latin typeface="나눔스퀘어 Light" panose="020B0600000101010101" pitchFamily="50" charset="-127"/>
-                <a:ea typeface="나눔스퀘어 Light" panose="020B0600000101010101" pitchFamily="50" charset="-127"/>
-              </a:rPr>
-              <a:t>입력 되는 수들이 붙어있으므로</a:t>
-            </a:r>
-            <a:r>
-              <a:rPr lang="en-US" altLang="ko-KR" dirty="0">
-                <a:latin typeface="나눔스퀘어 Light" panose="020B0600000101010101" pitchFamily="50" charset="-127"/>
-                <a:ea typeface="나눔스퀘어 Light" panose="020B0600000101010101" pitchFamily="50" charset="-127"/>
-              </a:rPr>
-              <a:t>(</a:t>
-            </a:r>
-            <a:r>
-              <a:rPr lang="ko-KR" altLang="en-US" dirty="0">
-                <a:latin typeface="나눔스퀘어 Light" panose="020B0600000101010101" pitchFamily="50" charset="-127"/>
-                <a:ea typeface="나눔스퀘어 Light" panose="020B0600000101010101" pitchFamily="50" charset="-127"/>
-              </a:rPr>
-              <a:t>공백이 없으므로</a:t>
-            </a:r>
-            <a:r>
-              <a:rPr lang="en-US" altLang="ko-KR" dirty="0">
-                <a:latin typeface="나눔스퀘어 Light" panose="020B0600000101010101" pitchFamily="50" charset="-127"/>
-                <a:ea typeface="나눔스퀘어 Light" panose="020B0600000101010101" pitchFamily="50" charset="-127"/>
-              </a:rPr>
-              <a:t>), </a:t>
-            </a:r>
-            <a:r>
-              <a:rPr lang="ko-KR" altLang="en-US" dirty="0">
-                <a:latin typeface="나눔스퀘어 Light" panose="020B0600000101010101" pitchFamily="50" charset="-127"/>
-                <a:ea typeface="나눔스퀘어 Light" panose="020B0600000101010101" pitchFamily="50" charset="-127"/>
-              </a:rPr>
-              <a:t>문자열로 입력 받는게 편합니다</a:t>
-            </a:r>
-            <a:r>
-              <a:rPr lang="en-US" altLang="ko-KR" dirty="0">
-                <a:latin typeface="나눔스퀘어 Light" panose="020B0600000101010101" pitchFamily="50" charset="-127"/>
-                <a:ea typeface="나눔스퀘어 Light" panose="020B0600000101010101" pitchFamily="50" charset="-127"/>
-              </a:rPr>
-              <a:t>.</a:t>
-            </a:r>
-            <a:endParaRPr lang="ko-KR" altLang="en-US" dirty="0">
-              <a:latin typeface="나눔스퀘어 Light" panose="020B0600000101010101" pitchFamily="50" charset="-127"/>
-              <a:ea typeface="나눔스퀘어 Light" panose="020B0600000101010101" pitchFamily="50" charset="-127"/>
-            </a:endParaRPr>
-          </a:p>
-        </p:txBody>
-      </p:sp>
-      <p:sp>
-        <p:nvSpPr>
-          <p:cNvPr id="4" name="TextBox 3">
-            <a:extLst>
-              <a:ext uri="{FF2B5EF4-FFF2-40B4-BE49-F238E27FC236}">
-                <a16:creationId xmlns:a16="http://schemas.microsoft.com/office/drawing/2014/main" id="{3ACF7C16-60D3-F360-CF11-046EB5D90252}"/>
-              </a:ext>
-            </a:extLst>
-          </p:cNvPr>
-          <p:cNvSpPr txBox="1"/>
-          <p:nvPr/>
-        </p:nvSpPr>
-        <p:spPr>
-          <a:xfrm>
-            <a:off x="942387" y="1799352"/>
-            <a:ext cx="10313217" cy="369332"/>
-          </a:xfrm>
-          <a:prstGeom prst="rect">
-            <a:avLst/>
-          </a:prstGeom>
-          <a:noFill/>
-        </p:spPr>
-        <p:txBody>
-          <a:bodyPr wrap="square" rtlCol="0">
-            <a:spAutoFit/>
-          </a:bodyPr>
-          <a:lstStyle/>
-          <a:p>
-            <a:r>
-              <a:rPr lang="ko-KR" altLang="en-US" dirty="0">
-                <a:latin typeface="나눔스퀘어 Light" panose="020B0600000101010101" pitchFamily="50" charset="-127"/>
-                <a:ea typeface="나눔스퀘어 Light" panose="020B0600000101010101" pitchFamily="50" charset="-127"/>
-              </a:rPr>
-              <a:t>문자열</a:t>
-            </a:r>
-            <a:r>
-              <a:rPr lang="en-US" altLang="ko-KR" dirty="0">
-                <a:latin typeface="나눔스퀘어 Light" panose="020B0600000101010101" pitchFamily="50" charset="-127"/>
-                <a:ea typeface="나눔스퀘어 Light" panose="020B0600000101010101" pitchFamily="50" charset="-127"/>
-              </a:rPr>
-              <a:t>(</a:t>
-            </a:r>
-            <a:r>
-              <a:rPr lang="ko-KR" altLang="en-US" dirty="0">
-                <a:latin typeface="나눔스퀘어 Light" panose="020B0600000101010101" pitchFamily="50" charset="-127"/>
-                <a:ea typeface="나눔스퀘어 Light" panose="020B0600000101010101" pitchFamily="50" charset="-127"/>
-              </a:rPr>
-              <a:t>문자 배열</a:t>
-            </a:r>
-            <a:r>
-              <a:rPr lang="en-US" altLang="ko-KR" dirty="0">
-                <a:latin typeface="나눔스퀘어 Light" panose="020B0600000101010101" pitchFamily="50" charset="-127"/>
-                <a:ea typeface="나눔스퀘어 Light" panose="020B0600000101010101" pitchFamily="50" charset="-127"/>
-              </a:rPr>
-              <a:t>)</a:t>
-            </a:r>
-            <a:r>
-              <a:rPr lang="ko-KR" altLang="en-US" dirty="0">
-                <a:latin typeface="나눔스퀘어 Light" panose="020B0600000101010101" pitchFamily="50" charset="-127"/>
-                <a:ea typeface="나눔스퀘어 Light" panose="020B0600000101010101" pitchFamily="50" charset="-127"/>
-              </a:rPr>
-              <a:t>로 입력 받아서 내림차순 정렬을 하는 문제</a:t>
-            </a:r>
-          </a:p>
-        </p:txBody>
-      </p:sp>
-      <p:sp>
-        <p:nvSpPr>
-          <p:cNvPr id="3" name="TextBox 2">
-            <a:extLst>
-              <a:ext uri="{FF2B5EF4-FFF2-40B4-BE49-F238E27FC236}">
-                <a16:creationId xmlns:a16="http://schemas.microsoft.com/office/drawing/2014/main" id="{96B82EBF-DD56-3EFF-F2FA-9DB8CC59ACEF}"/>
+          <p:cNvPr id="2" name="TextBox 1">
+            <a:extLst>
+              <a:ext uri="{FF2B5EF4-FFF2-40B4-BE49-F238E27FC236}">
+                <a16:creationId xmlns:a16="http://schemas.microsoft.com/office/drawing/2014/main" id="{F879F515-CF83-D84E-0479-BDBB211233A4}"/>
               </a:ext>
             </a:extLst>
           </p:cNvPr>
@@ -6660,92 +4478,12 @@
           </a:p>
         </p:txBody>
       </p:sp>
-      <p:sp>
-        <p:nvSpPr>
-          <p:cNvPr id="6" name="TextBox 5">
-            <a:extLst>
-              <a:ext uri="{FF2B5EF4-FFF2-40B4-BE49-F238E27FC236}">
-                <a16:creationId xmlns:a16="http://schemas.microsoft.com/office/drawing/2014/main" id="{FF56433C-6E00-0A3E-213F-60CD4F28FD54}"/>
-              </a:ext>
-            </a:extLst>
-          </p:cNvPr>
-          <p:cNvSpPr txBox="1"/>
-          <p:nvPr/>
-        </p:nvSpPr>
-        <p:spPr>
-          <a:xfrm>
-            <a:off x="942387" y="2609702"/>
-            <a:ext cx="10313217" cy="369332"/>
-          </a:xfrm>
-          <a:prstGeom prst="rect">
-            <a:avLst/>
-          </a:prstGeom>
-          <a:noFill/>
-        </p:spPr>
-        <p:txBody>
-          <a:bodyPr wrap="square" rtlCol="0">
-            <a:spAutoFit/>
-          </a:bodyPr>
-          <a:lstStyle/>
-          <a:p>
-            <a:r>
-              <a:rPr lang="en-US" altLang="ko-KR" dirty="0">
-                <a:latin typeface="나눔스퀘어 Bold" panose="020B0600000101010101" pitchFamily="50" charset="-127"/>
-                <a:ea typeface="나눔스퀘어 Bold" panose="020B0600000101010101" pitchFamily="50" charset="-127"/>
-              </a:rPr>
-              <a:t>C</a:t>
-            </a:r>
-            <a:r>
-              <a:rPr lang="ko-KR" altLang="en-US" dirty="0">
-                <a:latin typeface="나눔스퀘어 Bold" panose="020B0600000101010101" pitchFamily="50" charset="-127"/>
-                <a:ea typeface="나눔스퀘어 Bold" panose="020B0600000101010101" pitchFamily="50" charset="-127"/>
-              </a:rPr>
-              <a:t>언어</a:t>
-            </a:r>
-            <a:r>
-              <a:rPr lang="ko-KR" altLang="en-US" dirty="0">
-                <a:latin typeface="나눔스퀘어 Light" panose="020B0600000101010101" pitchFamily="50" charset="-127"/>
-                <a:ea typeface="나눔스퀘어 Light" panose="020B0600000101010101" pitchFamily="50" charset="-127"/>
-              </a:rPr>
-              <a:t>의 경우</a:t>
-            </a:r>
-            <a:r>
-              <a:rPr lang="en-US" altLang="ko-KR" dirty="0">
-                <a:latin typeface="나눔스퀘어 Light" panose="020B0600000101010101" pitchFamily="50" charset="-127"/>
-                <a:ea typeface="나눔스퀘어 Light" panose="020B0600000101010101" pitchFamily="50" charset="-127"/>
-              </a:rPr>
-              <a:t>, </a:t>
-            </a:r>
-            <a:r>
-              <a:rPr lang="en-US" altLang="ko-KR" dirty="0" err="1">
-                <a:latin typeface="나눔스퀘어 Light" panose="020B0600000101010101" pitchFamily="50" charset="-127"/>
-                <a:ea typeface="나눔스퀘어 Light" panose="020B0600000101010101" pitchFamily="50" charset="-127"/>
-              </a:rPr>
-              <a:t>strcmp</a:t>
-            </a:r>
-            <a:r>
-              <a:rPr lang="en-US" altLang="ko-KR" dirty="0">
-                <a:latin typeface="나눔스퀘어 Light" panose="020B0600000101010101" pitchFamily="50" charset="-127"/>
-                <a:ea typeface="나눔스퀘어 Light" panose="020B0600000101010101" pitchFamily="50" charset="-127"/>
-              </a:rPr>
-              <a:t>() </a:t>
-            </a:r>
-            <a:r>
-              <a:rPr lang="ko-KR" altLang="en-US" dirty="0">
-                <a:latin typeface="나눔스퀘어 Light" panose="020B0600000101010101" pitchFamily="50" charset="-127"/>
-                <a:ea typeface="나눔스퀘어 Light" panose="020B0600000101010101" pitchFamily="50" charset="-127"/>
-              </a:rPr>
-              <a:t>라는 문자열 비교 함수를 제공</a:t>
-            </a:r>
-          </a:p>
-        </p:txBody>
-      </p:sp>
       <p:pic>
         <p:nvPicPr>
-          <p:cNvPr id="10" name="그림 9">
-            <a:extLst>
-              <a:ext uri="{FF2B5EF4-FFF2-40B4-BE49-F238E27FC236}">
-                <a16:creationId xmlns:a16="http://schemas.microsoft.com/office/drawing/2014/main" id="{D3EAA8E4-AFB6-DF62-074F-046A238206CC}"/>
+          <p:cNvPr id="7" name="그림 6">
+            <a:extLst>
+              <a:ext uri="{FF2B5EF4-FFF2-40B4-BE49-F238E27FC236}">
+                <a16:creationId xmlns:a16="http://schemas.microsoft.com/office/drawing/2014/main" id="{9E452538-A597-79E1-9275-7A3209BDB5A2}"/>
               </a:ext>
             </a:extLst>
           </p:cNvPr>
@@ -6762,8 +4500,248 @@
         </p:blipFill>
         <p:spPr>
           <a:xfrm>
-            <a:off x="942386" y="3267337"/>
-            <a:ext cx="9295307" cy="1814799"/>
+            <a:off x="331694" y="962790"/>
+            <a:ext cx="6125667" cy="3113298"/>
+          </a:xfrm>
+          <a:prstGeom prst="rect">
+            <a:avLst/>
+          </a:prstGeom>
+        </p:spPr>
+      </p:pic>
+      <p:pic>
+        <p:nvPicPr>
+          <p:cNvPr id="10" name="그림 9">
+            <a:extLst>
+              <a:ext uri="{FF2B5EF4-FFF2-40B4-BE49-F238E27FC236}">
+                <a16:creationId xmlns:a16="http://schemas.microsoft.com/office/drawing/2014/main" id="{A8FDE59C-E43B-DC9C-B9ED-07BD463C907C}"/>
+              </a:ext>
+            </a:extLst>
+          </p:cNvPr>
+          <p:cNvPicPr>
+            <a:picLocks noChangeAspect="1"/>
+          </p:cNvPicPr>
+          <p:nvPr/>
+        </p:nvPicPr>
+        <p:blipFill>
+          <a:blip r:embed="rId3"/>
+          <a:stretch>
+            <a:fillRect/>
+          </a:stretch>
+        </p:blipFill>
+        <p:spPr>
+          <a:xfrm>
+            <a:off x="331694" y="4180758"/>
+            <a:ext cx="1308570" cy="959122"/>
+          </a:xfrm>
+          <a:prstGeom prst="rect">
+            <a:avLst/>
+          </a:prstGeom>
+        </p:spPr>
+      </p:pic>
+      <p:pic>
+        <p:nvPicPr>
+          <p:cNvPr id="14" name="그림 13">
+            <a:extLst>
+              <a:ext uri="{FF2B5EF4-FFF2-40B4-BE49-F238E27FC236}">
+                <a16:creationId xmlns:a16="http://schemas.microsoft.com/office/drawing/2014/main" id="{3EBD7406-CE2F-38B3-6F40-0467EE11A0CE}"/>
+              </a:ext>
+            </a:extLst>
+          </p:cNvPr>
+          <p:cNvPicPr>
+            <a:picLocks noChangeAspect="1"/>
+          </p:cNvPicPr>
+          <p:nvPr/>
+        </p:nvPicPr>
+        <p:blipFill>
+          <a:blip r:embed="rId4"/>
+          <a:stretch>
+            <a:fillRect/>
+          </a:stretch>
+        </p:blipFill>
+        <p:spPr>
+          <a:xfrm>
+            <a:off x="1793406" y="4180758"/>
+            <a:ext cx="1308570" cy="957125"/>
+          </a:xfrm>
+          <a:prstGeom prst="rect">
+            <a:avLst/>
+          </a:prstGeom>
+        </p:spPr>
+      </p:pic>
+      <p:pic>
+        <p:nvPicPr>
+          <p:cNvPr id="17" name="그림 16">
+            <a:extLst>
+              <a:ext uri="{FF2B5EF4-FFF2-40B4-BE49-F238E27FC236}">
+                <a16:creationId xmlns:a16="http://schemas.microsoft.com/office/drawing/2014/main" id="{F808C611-1C24-55AA-6DF1-4E1980E316EA}"/>
+              </a:ext>
+            </a:extLst>
+          </p:cNvPr>
+          <p:cNvPicPr>
+            <a:picLocks noChangeAspect="1"/>
+          </p:cNvPicPr>
+          <p:nvPr/>
+        </p:nvPicPr>
+        <p:blipFill>
+          <a:blip r:embed="rId5"/>
+          <a:stretch>
+            <a:fillRect/>
+          </a:stretch>
+        </p:blipFill>
+        <p:spPr>
+          <a:xfrm>
+            <a:off x="3681162" y="4180758"/>
+            <a:ext cx="1344830" cy="1014386"/>
+          </a:xfrm>
+          <a:prstGeom prst="rect">
+            <a:avLst/>
+          </a:prstGeom>
+        </p:spPr>
+      </p:pic>
+      <p:pic>
+        <p:nvPicPr>
+          <p:cNvPr id="20" name="그림 19">
+            <a:extLst>
+              <a:ext uri="{FF2B5EF4-FFF2-40B4-BE49-F238E27FC236}">
+                <a16:creationId xmlns:a16="http://schemas.microsoft.com/office/drawing/2014/main" id="{9D5F1C80-7B55-1418-0A0A-AE839FEF778A}"/>
+              </a:ext>
+            </a:extLst>
+          </p:cNvPr>
+          <p:cNvPicPr>
+            <a:picLocks noChangeAspect="1"/>
+          </p:cNvPicPr>
+          <p:nvPr/>
+        </p:nvPicPr>
+        <p:blipFill>
+          <a:blip r:embed="rId6"/>
+          <a:stretch>
+            <a:fillRect/>
+          </a:stretch>
+        </p:blipFill>
+        <p:spPr>
+          <a:xfrm>
+            <a:off x="5157826" y="4180758"/>
+            <a:ext cx="1376106" cy="1014386"/>
+          </a:xfrm>
+          <a:prstGeom prst="rect">
+            <a:avLst/>
+          </a:prstGeom>
+        </p:spPr>
+      </p:pic>
+      <p:pic>
+        <p:nvPicPr>
+          <p:cNvPr id="22" name="그림 21">
+            <a:extLst>
+              <a:ext uri="{FF2B5EF4-FFF2-40B4-BE49-F238E27FC236}">
+                <a16:creationId xmlns:a16="http://schemas.microsoft.com/office/drawing/2014/main" id="{D09E1E79-C29D-96BB-5B69-8B381340E81E}"/>
+              </a:ext>
+            </a:extLst>
+          </p:cNvPr>
+          <p:cNvPicPr>
+            <a:picLocks noChangeAspect="1"/>
+          </p:cNvPicPr>
+          <p:nvPr/>
+        </p:nvPicPr>
+        <p:blipFill>
+          <a:blip r:embed="rId7"/>
+          <a:stretch>
+            <a:fillRect/>
+          </a:stretch>
+        </p:blipFill>
+        <p:spPr>
+          <a:xfrm>
+            <a:off x="331694" y="5430519"/>
+            <a:ext cx="1308570" cy="929382"/>
+          </a:xfrm>
+          <a:prstGeom prst="rect">
+            <a:avLst/>
+          </a:prstGeom>
+        </p:spPr>
+      </p:pic>
+      <p:pic>
+        <p:nvPicPr>
+          <p:cNvPr id="24" name="그림 23">
+            <a:extLst>
+              <a:ext uri="{FF2B5EF4-FFF2-40B4-BE49-F238E27FC236}">
+                <a16:creationId xmlns:a16="http://schemas.microsoft.com/office/drawing/2014/main" id="{9C727D04-12D8-E870-5C5F-FBCC6A840325}"/>
+              </a:ext>
+            </a:extLst>
+          </p:cNvPr>
+          <p:cNvPicPr>
+            <a:picLocks noChangeAspect="1"/>
+          </p:cNvPicPr>
+          <p:nvPr/>
+        </p:nvPicPr>
+        <p:blipFill>
+          <a:blip r:embed="rId8"/>
+          <a:stretch>
+            <a:fillRect/>
+          </a:stretch>
+        </p:blipFill>
+        <p:spPr>
+          <a:xfrm>
+            <a:off x="1793406" y="5430519"/>
+            <a:ext cx="1242025" cy="922647"/>
+          </a:xfrm>
+          <a:prstGeom prst="rect">
+            <a:avLst/>
+          </a:prstGeom>
+        </p:spPr>
+      </p:pic>
+      <p:pic>
+        <p:nvPicPr>
+          <p:cNvPr id="26" name="그림 25">
+            <a:extLst>
+              <a:ext uri="{FF2B5EF4-FFF2-40B4-BE49-F238E27FC236}">
+                <a16:creationId xmlns:a16="http://schemas.microsoft.com/office/drawing/2014/main" id="{6BA0B311-431F-09AC-2681-A0DB9009A4EA}"/>
+              </a:ext>
+            </a:extLst>
+          </p:cNvPr>
+          <p:cNvPicPr>
+            <a:picLocks noChangeAspect="1"/>
+          </p:cNvPicPr>
+          <p:nvPr/>
+        </p:nvPicPr>
+        <p:blipFill>
+          <a:blip r:embed="rId9"/>
+          <a:stretch>
+            <a:fillRect/>
+          </a:stretch>
+        </p:blipFill>
+        <p:spPr>
+          <a:xfrm>
+            <a:off x="3681162" y="5432546"/>
+            <a:ext cx="1267149" cy="927355"/>
+          </a:xfrm>
+          <a:prstGeom prst="rect">
+            <a:avLst/>
+          </a:prstGeom>
+        </p:spPr>
+      </p:pic>
+      <p:pic>
+        <p:nvPicPr>
+          <p:cNvPr id="28" name="그림 27">
+            <a:extLst>
+              <a:ext uri="{FF2B5EF4-FFF2-40B4-BE49-F238E27FC236}">
+                <a16:creationId xmlns:a16="http://schemas.microsoft.com/office/drawing/2014/main" id="{A885BC2E-2B05-3CCC-7C7A-1EAA7B8552E4}"/>
+              </a:ext>
+            </a:extLst>
+          </p:cNvPr>
+          <p:cNvPicPr>
+            <a:picLocks noChangeAspect="1"/>
+          </p:cNvPicPr>
+          <p:nvPr/>
+        </p:nvPicPr>
+        <p:blipFill>
+          <a:blip r:embed="rId10"/>
+          <a:stretch>
+            <a:fillRect/>
+          </a:stretch>
+        </p:blipFill>
+        <p:spPr>
+          <a:xfrm>
+            <a:off x="5157826" y="5430519"/>
+            <a:ext cx="1308571" cy="933643"/>
           </a:xfrm>
           <a:prstGeom prst="rect">
             <a:avLst/>
@@ -6773,7 +4751,7 @@
     </p:spTree>
     <p:extLst>
       <p:ext uri="{BB962C8B-B14F-4D97-AF65-F5344CB8AC3E}">
-        <p14:creationId xmlns:p14="http://schemas.microsoft.com/office/powerpoint/2010/main" val="3447165345"/>
+        <p14:creationId xmlns:p14="http://schemas.microsoft.com/office/powerpoint/2010/main" val="2844651400"/>
       </p:ext>
     </p:extLst>
   </p:cSld>
@@ -6846,6 +4824,149 @@
       </p:cxnSp>
       <p:sp>
         <p:nvSpPr>
+          <p:cNvPr id="7" name="TextBox 6">
+            <a:extLst>
+              <a:ext uri="{FF2B5EF4-FFF2-40B4-BE49-F238E27FC236}">
+                <a16:creationId xmlns:a16="http://schemas.microsoft.com/office/drawing/2014/main" id="{BA807B7E-C360-F76C-0439-EE24526A4473}"/>
+              </a:ext>
+            </a:extLst>
+          </p:cNvPr>
+          <p:cNvSpPr txBox="1"/>
+          <p:nvPr/>
+        </p:nvSpPr>
+        <p:spPr>
+          <a:xfrm>
+            <a:off x="942387" y="1190024"/>
+            <a:ext cx="10313217" cy="369332"/>
+          </a:xfrm>
+          <a:prstGeom prst="rect">
+            <a:avLst/>
+          </a:prstGeom>
+          <a:noFill/>
+        </p:spPr>
+        <p:txBody>
+          <a:bodyPr wrap="square" rtlCol="0">
+            <a:spAutoFit/>
+          </a:bodyPr>
+          <a:lstStyle/>
+          <a:p>
+            <a:r>
+              <a:rPr lang="ko-KR" altLang="en-US" dirty="0">
+                <a:latin typeface="나눔스퀘어 Light" panose="020B0600000101010101" pitchFamily="50" charset="-127"/>
+                <a:ea typeface="나눔스퀘어 Light" panose="020B0600000101010101" pitchFamily="50" charset="-127"/>
+              </a:rPr>
+              <a:t>입력 되는 수들이 붙어있으므로</a:t>
+            </a:r>
+            <a:r>
+              <a:rPr lang="en-US" altLang="ko-KR" dirty="0">
+                <a:latin typeface="나눔스퀘어 Light" panose="020B0600000101010101" pitchFamily="50" charset="-127"/>
+                <a:ea typeface="나눔스퀘어 Light" panose="020B0600000101010101" pitchFamily="50" charset="-127"/>
+              </a:rPr>
+              <a:t>(</a:t>
+            </a:r>
+            <a:r>
+              <a:rPr lang="ko-KR" altLang="en-US" dirty="0">
+                <a:latin typeface="나눔스퀘어 Light" panose="020B0600000101010101" pitchFamily="50" charset="-127"/>
+                <a:ea typeface="나눔스퀘어 Light" panose="020B0600000101010101" pitchFamily="50" charset="-127"/>
+              </a:rPr>
+              <a:t>공백이 없으므로</a:t>
+            </a:r>
+            <a:r>
+              <a:rPr lang="en-US" altLang="ko-KR" dirty="0">
+                <a:latin typeface="나눔스퀘어 Light" panose="020B0600000101010101" pitchFamily="50" charset="-127"/>
+                <a:ea typeface="나눔스퀘어 Light" panose="020B0600000101010101" pitchFamily="50" charset="-127"/>
+              </a:rPr>
+              <a:t>), </a:t>
+            </a:r>
+            <a:r>
+              <a:rPr lang="ko-KR" altLang="en-US" dirty="0">
+                <a:latin typeface="나눔스퀘어 Light" panose="020B0600000101010101" pitchFamily="50" charset="-127"/>
+                <a:ea typeface="나눔스퀘어 Light" panose="020B0600000101010101" pitchFamily="50" charset="-127"/>
+              </a:rPr>
+              <a:t>문자열로 입력 받는게 편합니다</a:t>
+            </a:r>
+            <a:r>
+              <a:rPr lang="en-US" altLang="ko-KR" dirty="0">
+                <a:latin typeface="나눔스퀘어 Light" panose="020B0600000101010101" pitchFamily="50" charset="-127"/>
+                <a:ea typeface="나눔스퀘어 Light" panose="020B0600000101010101" pitchFamily="50" charset="-127"/>
+              </a:rPr>
+              <a:t>.</a:t>
+            </a:r>
+            <a:endParaRPr lang="ko-KR" altLang="en-US" dirty="0">
+              <a:latin typeface="나눔스퀘어 Light" panose="020B0600000101010101" pitchFamily="50" charset="-127"/>
+              <a:ea typeface="나눔스퀘어 Light" panose="020B0600000101010101" pitchFamily="50" charset="-127"/>
+            </a:endParaRPr>
+          </a:p>
+        </p:txBody>
+      </p:sp>
+      <p:sp>
+        <p:nvSpPr>
+          <p:cNvPr id="4" name="TextBox 3">
+            <a:extLst>
+              <a:ext uri="{FF2B5EF4-FFF2-40B4-BE49-F238E27FC236}">
+                <a16:creationId xmlns:a16="http://schemas.microsoft.com/office/drawing/2014/main" id="{3ACF7C16-60D3-F360-CF11-046EB5D90252}"/>
+              </a:ext>
+            </a:extLst>
+          </p:cNvPr>
+          <p:cNvSpPr txBox="1"/>
+          <p:nvPr/>
+        </p:nvSpPr>
+        <p:spPr>
+          <a:xfrm>
+            <a:off x="942387" y="1799352"/>
+            <a:ext cx="10313217" cy="369332"/>
+          </a:xfrm>
+          <a:prstGeom prst="rect">
+            <a:avLst/>
+          </a:prstGeom>
+          <a:noFill/>
+        </p:spPr>
+        <p:txBody>
+          <a:bodyPr wrap="square" rtlCol="0">
+            <a:spAutoFit/>
+          </a:bodyPr>
+          <a:lstStyle/>
+          <a:p>
+            <a:r>
+              <a:rPr lang="ko-KR" altLang="en-US" dirty="0">
+                <a:latin typeface="나눔스퀘어 Light" panose="020B0600000101010101" pitchFamily="50" charset="-127"/>
+                <a:ea typeface="나눔스퀘어 Light" panose="020B0600000101010101" pitchFamily="50" charset="-127"/>
+              </a:rPr>
+              <a:t>문자열</a:t>
+            </a:r>
+            <a:r>
+              <a:rPr lang="en-US" altLang="ko-KR" dirty="0">
+                <a:latin typeface="나눔스퀘어 Light" panose="020B0600000101010101" pitchFamily="50" charset="-127"/>
+                <a:ea typeface="나눔스퀘어 Light" panose="020B0600000101010101" pitchFamily="50" charset="-127"/>
+              </a:rPr>
+              <a:t>(</a:t>
+            </a:r>
+            <a:r>
+              <a:rPr lang="ko-KR" altLang="en-US" dirty="0">
+                <a:latin typeface="나눔스퀘어 Light" panose="020B0600000101010101" pitchFamily="50" charset="-127"/>
+                <a:ea typeface="나눔스퀘어 Light" panose="020B0600000101010101" pitchFamily="50" charset="-127"/>
+              </a:rPr>
+              <a:t>문자 배열</a:t>
+            </a:r>
+            <a:r>
+              <a:rPr lang="en-US" altLang="ko-KR" dirty="0">
+                <a:latin typeface="나눔스퀘어 Light" panose="020B0600000101010101" pitchFamily="50" charset="-127"/>
+                <a:ea typeface="나눔스퀘어 Light" panose="020B0600000101010101" pitchFamily="50" charset="-127"/>
+              </a:rPr>
+              <a:t>)</a:t>
+            </a:r>
+            <a:r>
+              <a:rPr lang="ko-KR" altLang="en-US" dirty="0">
+                <a:latin typeface="나눔스퀘어 Light" panose="020B0600000101010101" pitchFamily="50" charset="-127"/>
+                <a:ea typeface="나눔스퀘어 Light" panose="020B0600000101010101" pitchFamily="50" charset="-127"/>
+              </a:rPr>
+              <a:t>로 입력 받아서 내림차순 정렬을 하는 문제</a:t>
+            </a:r>
+          </a:p>
+        </p:txBody>
+      </p:sp>
+      <p:sp>
+        <p:nvSpPr>
           <p:cNvPr id="3" name="TextBox 2">
             <a:extLst>
               <a:ext uri="{FF2B5EF4-FFF2-40B4-BE49-F238E27FC236}">
@@ -6907,7 +5028,7 @@
         </p:nvSpPr>
         <p:spPr>
           <a:xfrm>
-            <a:off x="942387" y="1190024"/>
+            <a:off x="942387" y="2609702"/>
             <a:ext cx="10313217" cy="369332"/>
           </a:xfrm>
           <a:prstGeom prst="rect">
@@ -6926,49 +5047,59 @@
                 <a:latin typeface="나눔스퀘어 Bold" panose="020B0600000101010101" pitchFamily="50" charset="-127"/>
                 <a:ea typeface="나눔스퀘어 Bold" panose="020B0600000101010101" pitchFamily="50" charset="-127"/>
               </a:rPr>
-              <a:t>Python</a:t>
-            </a:r>
-            <a:r>
-              <a:rPr lang="ko-KR" altLang="en-US" dirty="0">
-                <a:latin typeface="나눔스퀘어 Light" panose="020B0600000101010101" pitchFamily="50" charset="-127"/>
-                <a:ea typeface="나눔스퀘어 Light" panose="020B0600000101010101" pitchFamily="50" charset="-127"/>
-              </a:rPr>
-              <a:t>도</a:t>
+              <a:t>C</a:t>
             </a:r>
             <a:r>
               <a:rPr lang="ko-KR" altLang="en-US" dirty="0">
                 <a:latin typeface="나눔스퀘어 Bold" panose="020B0600000101010101" pitchFamily="50" charset="-127"/>
                 <a:ea typeface="나눔스퀘어 Bold" panose="020B0600000101010101" pitchFamily="50" charset="-127"/>
               </a:rPr>
-              <a:t> </a:t>
-            </a:r>
-            <a:r>
-              <a:rPr lang="ko-KR" altLang="en-US" dirty="0">
-                <a:latin typeface="나눔스퀘어 Light" panose="020B0600000101010101" pitchFamily="50" charset="-127"/>
-                <a:ea typeface="나눔스퀘어 Light" panose="020B0600000101010101" pitchFamily="50" charset="-127"/>
-              </a:rPr>
-              <a:t>큰 틀은 비슷합니다</a:t>
-            </a:r>
-            <a:r>
-              <a:rPr lang="en-US" altLang="ko-KR" dirty="0">
-                <a:latin typeface="나눔스퀘어 Light" panose="020B0600000101010101" pitchFamily="50" charset="-127"/>
-                <a:ea typeface="나눔스퀘어 Light" panose="020B0600000101010101" pitchFamily="50" charset="-127"/>
-              </a:rPr>
-              <a:t>.</a:t>
-            </a:r>
-            <a:endParaRPr lang="ko-KR" altLang="en-US" dirty="0">
-              <a:latin typeface="나눔스퀘어 Light" panose="020B0600000101010101" pitchFamily="50" charset="-127"/>
-              <a:ea typeface="나눔스퀘어 Light" panose="020B0600000101010101" pitchFamily="50" charset="-127"/>
-            </a:endParaRPr>
+              <a:t>언어</a:t>
+            </a:r>
+            <a:r>
+              <a:rPr lang="ko-KR" altLang="en-US" dirty="0">
+                <a:latin typeface="나눔스퀘어 Light" panose="020B0600000101010101" pitchFamily="50" charset="-127"/>
+                <a:ea typeface="나눔스퀘어 Light" panose="020B0600000101010101" pitchFamily="50" charset="-127"/>
+              </a:rPr>
+              <a:t>의 경우</a:t>
+            </a:r>
+            <a:r>
+              <a:rPr lang="en-US" altLang="ko-KR" dirty="0">
+                <a:latin typeface="나눔스퀘어 Light" panose="020B0600000101010101" pitchFamily="50" charset="-127"/>
+                <a:ea typeface="나눔스퀘어 Light" panose="020B0600000101010101" pitchFamily="50" charset="-127"/>
+              </a:rPr>
+              <a:t>, </a:t>
+            </a:r>
+            <a:r>
+              <a:rPr lang="en-US" altLang="ko-KR" dirty="0" err="1">
+                <a:latin typeface="나눔스퀘어 Light" panose="020B0600000101010101" pitchFamily="50" charset="-127"/>
+                <a:ea typeface="나눔스퀘어 Light" panose="020B0600000101010101" pitchFamily="50" charset="-127"/>
+              </a:rPr>
+              <a:t>strcmp</a:t>
+            </a:r>
+            <a:r>
+              <a:rPr lang="en-US" altLang="ko-KR" dirty="0">
+                <a:latin typeface="나눔스퀘어 Light" panose="020B0600000101010101" pitchFamily="50" charset="-127"/>
+                <a:ea typeface="나눔스퀘어 Light" panose="020B0600000101010101" pitchFamily="50" charset="-127"/>
+              </a:rPr>
+              <a:t>() </a:t>
+            </a:r>
+            <a:r>
+              <a:rPr lang="ko-KR" altLang="en-US" dirty="0">
+                <a:latin typeface="나눔스퀘어 Light" panose="020B0600000101010101" pitchFamily="50" charset="-127"/>
+                <a:ea typeface="나눔스퀘어 Light" panose="020B0600000101010101" pitchFamily="50" charset="-127"/>
+              </a:rPr>
+              <a:t>라는 문자열 비교 함수를 제공</a:t>
+            </a:r>
           </a:p>
         </p:txBody>
       </p:sp>
       <p:pic>
         <p:nvPicPr>
-          <p:cNvPr id="8" name="그림 7">
-            <a:extLst>
-              <a:ext uri="{FF2B5EF4-FFF2-40B4-BE49-F238E27FC236}">
-                <a16:creationId xmlns:a16="http://schemas.microsoft.com/office/drawing/2014/main" id="{BCF83413-B793-6FA7-CB7B-B14B9F0D2C14}"/>
+          <p:cNvPr id="10" name="그림 9">
+            <a:extLst>
+              <a:ext uri="{FF2B5EF4-FFF2-40B4-BE49-F238E27FC236}">
+                <a16:creationId xmlns:a16="http://schemas.microsoft.com/office/drawing/2014/main" id="{D3EAA8E4-AFB6-DF62-074F-046A238206CC}"/>
               </a:ext>
             </a:extLst>
           </p:cNvPr>
@@ -6985,185 +5116,18 @@
         </p:blipFill>
         <p:spPr>
           <a:xfrm>
-            <a:off x="942387" y="2736210"/>
-            <a:ext cx="4887320" cy="692790"/>
+            <a:off x="942386" y="3267337"/>
+            <a:ext cx="9295307" cy="1814799"/>
           </a:xfrm>
           <a:prstGeom prst="rect">
             <a:avLst/>
           </a:prstGeom>
         </p:spPr>
       </p:pic>
-      <p:sp>
-        <p:nvSpPr>
-          <p:cNvPr id="9" name="TextBox 8">
-            <a:extLst>
-              <a:ext uri="{FF2B5EF4-FFF2-40B4-BE49-F238E27FC236}">
-                <a16:creationId xmlns:a16="http://schemas.microsoft.com/office/drawing/2014/main" id="{8F8BA0AA-AE65-5424-36C7-3AF220B3AAF0}"/>
-              </a:ext>
-            </a:extLst>
-          </p:cNvPr>
-          <p:cNvSpPr txBox="1"/>
-          <p:nvPr/>
-        </p:nvSpPr>
-        <p:spPr>
-          <a:xfrm>
-            <a:off x="942387" y="1861874"/>
-            <a:ext cx="10313217" cy="369332"/>
-          </a:xfrm>
-          <a:prstGeom prst="rect">
-            <a:avLst/>
-          </a:prstGeom>
-          <a:noFill/>
-        </p:spPr>
-        <p:txBody>
-          <a:bodyPr wrap="square" rtlCol="0">
-            <a:spAutoFit/>
-          </a:bodyPr>
-          <a:lstStyle/>
-          <a:p>
-            <a:r>
-              <a:rPr lang="en-US" altLang="ko-KR" dirty="0">
-                <a:latin typeface="나눔스퀘어 Light" panose="020B0600000101010101" pitchFamily="50" charset="-127"/>
-                <a:ea typeface="나눔스퀘어 Light" panose="020B0600000101010101" pitchFamily="50" charset="-127"/>
-              </a:rPr>
-              <a:t>Python</a:t>
-            </a:r>
-            <a:r>
-              <a:rPr lang="ko-KR" altLang="en-US" dirty="0">
-                <a:latin typeface="나눔스퀘어 Light" panose="020B0600000101010101" pitchFamily="50" charset="-127"/>
-                <a:ea typeface="나눔스퀘어 Light" panose="020B0600000101010101" pitchFamily="50" charset="-127"/>
-              </a:rPr>
-              <a:t>의 </a:t>
-            </a:r>
-            <a:r>
-              <a:rPr lang="en-US" altLang="ko-KR" dirty="0">
-                <a:latin typeface="나눔스퀘어 Light" panose="020B0600000101010101" pitchFamily="50" charset="-127"/>
-                <a:ea typeface="나눔스퀘어 Light" panose="020B0600000101010101" pitchFamily="50" charset="-127"/>
-              </a:rPr>
-              <a:t>str</a:t>
-            </a:r>
-            <a:r>
-              <a:rPr lang="ko-KR" altLang="en-US" dirty="0">
-                <a:latin typeface="나눔스퀘어 Light" panose="020B0600000101010101" pitchFamily="50" charset="-127"/>
-                <a:ea typeface="나눔스퀘어 Light" panose="020B0600000101010101" pitchFamily="50" charset="-127"/>
-              </a:rPr>
-              <a:t>은 </a:t>
-            </a:r>
-            <a:r>
-              <a:rPr lang="en-US" altLang="ko-KR" dirty="0" err="1">
-                <a:latin typeface="나눔스퀘어 Light" panose="020B0600000101010101" pitchFamily="50" charset="-127"/>
-                <a:ea typeface="나눔스퀘어 Light" panose="020B0600000101010101" pitchFamily="50" charset="-127"/>
-              </a:rPr>
-              <a:t>Iterable</a:t>
-            </a:r>
-            <a:r>
-              <a:rPr lang="ko-KR" altLang="en-US" dirty="0">
-                <a:latin typeface="나눔스퀘어 Light" panose="020B0600000101010101" pitchFamily="50" charset="-127"/>
-                <a:ea typeface="나눔스퀘어 Light" panose="020B0600000101010101" pitchFamily="50" charset="-127"/>
-              </a:rPr>
-              <a:t>입니다</a:t>
-            </a:r>
-            <a:r>
-              <a:rPr lang="en-US" altLang="ko-KR" dirty="0">
-                <a:latin typeface="나눔스퀘어 Light" panose="020B0600000101010101" pitchFamily="50" charset="-127"/>
-                <a:ea typeface="나눔스퀘어 Light" panose="020B0600000101010101" pitchFamily="50" charset="-127"/>
-              </a:rPr>
-              <a:t>. </a:t>
-            </a:r>
-            <a:r>
-              <a:rPr lang="ko-KR" altLang="en-US" dirty="0">
-                <a:latin typeface="나눔스퀘어 Light" panose="020B0600000101010101" pitchFamily="50" charset="-127"/>
-                <a:ea typeface="나눔스퀘어 Light" panose="020B0600000101010101" pitchFamily="50" charset="-127"/>
-              </a:rPr>
-              <a:t>따라서 </a:t>
-            </a:r>
-            <a:r>
-              <a:rPr lang="en-US" altLang="ko-KR" dirty="0">
-                <a:latin typeface="나눔스퀘어 Light" panose="020B0600000101010101" pitchFamily="50" charset="-127"/>
-                <a:ea typeface="나눔스퀘어 Light" panose="020B0600000101010101" pitchFamily="50" charset="-127"/>
-              </a:rPr>
-              <a:t>sorted </a:t>
-            </a:r>
-            <a:r>
-              <a:rPr lang="ko-KR" altLang="en-US" dirty="0">
-                <a:latin typeface="나눔스퀘어 Light" panose="020B0600000101010101" pitchFamily="50" charset="-127"/>
-                <a:ea typeface="나눔스퀘어 Light" panose="020B0600000101010101" pitchFamily="50" charset="-127"/>
-              </a:rPr>
-              <a:t>함수를 사용해 정렬된 리스트 형태로 만들고</a:t>
-            </a:r>
-            <a:r>
-              <a:rPr lang="en-US" altLang="ko-KR" dirty="0">
-                <a:latin typeface="나눔스퀘어 Light" panose="020B0600000101010101" pitchFamily="50" charset="-127"/>
-                <a:ea typeface="나눔스퀘어 Light" panose="020B0600000101010101" pitchFamily="50" charset="-127"/>
-              </a:rPr>
-              <a:t>,</a:t>
-            </a:r>
-          </a:p>
-        </p:txBody>
-      </p:sp>
-      <p:sp>
-        <p:nvSpPr>
-          <p:cNvPr id="11" name="TextBox 10">
-            <a:extLst>
-              <a:ext uri="{FF2B5EF4-FFF2-40B4-BE49-F238E27FC236}">
-                <a16:creationId xmlns:a16="http://schemas.microsoft.com/office/drawing/2014/main" id="{8FBDFCAA-3754-0904-7F5C-6FC2B823238F}"/>
-              </a:ext>
-            </a:extLst>
-          </p:cNvPr>
-          <p:cNvSpPr txBox="1"/>
-          <p:nvPr/>
-        </p:nvSpPr>
-        <p:spPr>
-          <a:xfrm>
-            <a:off x="942387" y="2231206"/>
-            <a:ext cx="10313217" cy="369332"/>
-          </a:xfrm>
-          <a:prstGeom prst="rect">
-            <a:avLst/>
-          </a:prstGeom>
-          <a:noFill/>
-        </p:spPr>
-        <p:txBody>
-          <a:bodyPr wrap="square" rtlCol="0">
-            <a:spAutoFit/>
-          </a:bodyPr>
-          <a:lstStyle/>
-          <a:p>
-            <a:r>
-              <a:rPr lang="en-US" altLang="ko-KR" dirty="0" err="1">
-                <a:latin typeface="나눔스퀘어 Light" panose="020B0600000101010101" pitchFamily="50" charset="-127"/>
-                <a:ea typeface="나눔스퀘어 Light" panose="020B0600000101010101" pitchFamily="50" charset="-127"/>
-              </a:rPr>
-              <a:t>str.join</a:t>
-            </a:r>
-            <a:r>
-              <a:rPr lang="en-US" altLang="ko-KR" dirty="0">
-                <a:latin typeface="나눔스퀘어 Light" panose="020B0600000101010101" pitchFamily="50" charset="-127"/>
-                <a:ea typeface="나눔스퀘어 Light" panose="020B0600000101010101" pitchFamily="50" charset="-127"/>
-              </a:rPr>
-              <a:t>() </a:t>
-            </a:r>
-            <a:r>
-              <a:rPr lang="ko-KR" altLang="en-US" dirty="0">
-                <a:latin typeface="나눔스퀘어 Light" panose="020B0600000101010101" pitchFamily="50" charset="-127"/>
-                <a:ea typeface="나눔스퀘어 Light" panose="020B0600000101010101" pitchFamily="50" charset="-127"/>
-              </a:rPr>
-              <a:t>함수를 이용해 리스트를 문자열로 합칠 수 있습니다</a:t>
-            </a:r>
-            <a:r>
-              <a:rPr lang="en-US" altLang="ko-KR" dirty="0">
-                <a:latin typeface="나눔스퀘어 Light" panose="020B0600000101010101" pitchFamily="50" charset="-127"/>
-                <a:ea typeface="나눔스퀘어 Light" panose="020B0600000101010101" pitchFamily="50" charset="-127"/>
-              </a:rPr>
-              <a:t>.</a:t>
-            </a:r>
-          </a:p>
-        </p:txBody>
-      </p:sp>
     </p:spTree>
     <p:extLst>
       <p:ext uri="{BB962C8B-B14F-4D97-AF65-F5344CB8AC3E}">
-        <p14:creationId xmlns:p14="http://schemas.microsoft.com/office/powerpoint/2010/main" val="1800497389"/>
+        <p14:creationId xmlns:p14="http://schemas.microsoft.com/office/powerpoint/2010/main" val="3447165345"/>
       </p:ext>
     </p:extLst>
   </p:cSld>
@@ -7316,14 +5280,14 @@
                 <a:latin typeface="나눔스퀘어 Bold" panose="020B0600000101010101" pitchFamily="50" charset="-127"/>
                 <a:ea typeface="나눔스퀘어 Bold" panose="020B0600000101010101" pitchFamily="50" charset="-127"/>
               </a:rPr>
-              <a:t>Java</a:t>
-            </a:r>
-            <a:r>
-              <a:rPr lang="ko-KR" altLang="en-US" dirty="0">
-                <a:latin typeface="나눔스퀘어 Light" panose="020B0600000101010101" pitchFamily="50" charset="-127"/>
-                <a:ea typeface="나눔스퀘어 Light" panose="020B0600000101010101" pitchFamily="50" charset="-127"/>
-              </a:rPr>
-              <a:t>역시</a:t>
+              <a:t>Python</a:t>
+            </a:r>
+            <a:r>
+              <a:rPr lang="ko-KR" altLang="en-US" dirty="0">
+                <a:latin typeface="나눔스퀘어 Light" panose="020B0600000101010101" pitchFamily="50" charset="-127"/>
+                <a:ea typeface="나눔스퀘어 Light" panose="020B0600000101010101" pitchFamily="50" charset="-127"/>
+              </a:rPr>
+              <a:t>도</a:t>
             </a:r>
             <a:r>
               <a:rPr lang="ko-KR" altLang="en-US" dirty="0">
@@ -7337,143 +5301,28 @@
                 <a:latin typeface="나눔스퀘어 Light" panose="020B0600000101010101" pitchFamily="50" charset="-127"/>
                 <a:ea typeface="나눔스퀘어 Light" panose="020B0600000101010101" pitchFamily="50" charset="-127"/>
               </a:rPr>
-              <a:t>마찬가지</a:t>
-            </a:r>
-          </a:p>
-        </p:txBody>
-      </p:sp>
-      <p:sp>
-        <p:nvSpPr>
-          <p:cNvPr id="9" name="TextBox 8">
-            <a:extLst>
-              <a:ext uri="{FF2B5EF4-FFF2-40B4-BE49-F238E27FC236}">
-                <a16:creationId xmlns:a16="http://schemas.microsoft.com/office/drawing/2014/main" id="{8F8BA0AA-AE65-5424-36C7-3AF220B3AAF0}"/>
-              </a:ext>
-            </a:extLst>
-          </p:cNvPr>
-          <p:cNvSpPr txBox="1"/>
-          <p:nvPr/>
-        </p:nvSpPr>
-        <p:spPr>
-          <a:xfrm>
-            <a:off x="942387" y="1861874"/>
-            <a:ext cx="10313217" cy="369332"/>
-          </a:xfrm>
-          <a:prstGeom prst="rect">
-            <a:avLst/>
-          </a:prstGeom>
-          <a:noFill/>
-        </p:spPr>
-        <p:txBody>
-          <a:bodyPr wrap="square" rtlCol="0">
-            <a:spAutoFit/>
-          </a:bodyPr>
-          <a:lstStyle/>
-          <a:p>
-            <a:r>
-              <a:rPr lang="en-US" altLang="ko-KR" dirty="0" err="1">
-                <a:latin typeface="나눔스퀘어 Light" panose="020B0600000101010101" pitchFamily="50" charset="-127"/>
-                <a:ea typeface="나눔스퀘어 Light" panose="020B0600000101010101" pitchFamily="50" charset="-127"/>
-              </a:rPr>
-              <a:t>String.split</a:t>
-            </a:r>
-            <a:r>
-              <a:rPr lang="en-US" altLang="ko-KR" dirty="0">
-                <a:latin typeface="나눔스퀘어 Light" panose="020B0600000101010101" pitchFamily="50" charset="-127"/>
-                <a:ea typeface="나눔스퀘어 Light" panose="020B0600000101010101" pitchFamily="50" charset="-127"/>
-              </a:rPr>
-              <a:t>()</a:t>
-            </a:r>
-            <a:r>
-              <a:rPr lang="ko-KR" altLang="en-US" dirty="0">
-                <a:latin typeface="나눔스퀘어 Light" panose="020B0600000101010101" pitchFamily="50" charset="-127"/>
-                <a:ea typeface="나눔스퀘어 Light" panose="020B0600000101010101" pitchFamily="50" charset="-127"/>
-              </a:rPr>
-              <a:t>을 통해 </a:t>
-            </a:r>
-            <a:r>
-              <a:rPr lang="en-US" altLang="ko-KR" dirty="0">
-                <a:latin typeface="나눔스퀘어 Light" panose="020B0600000101010101" pitchFamily="50" charset="-127"/>
-                <a:ea typeface="나눔스퀘어 Light" panose="020B0600000101010101" pitchFamily="50" charset="-127"/>
-              </a:rPr>
-              <a:t>String[] </a:t>
-            </a:r>
-            <a:r>
-              <a:rPr lang="ko-KR" altLang="en-US" dirty="0">
-                <a:latin typeface="나눔스퀘어 Light" panose="020B0600000101010101" pitchFamily="50" charset="-127"/>
-                <a:ea typeface="나눔스퀘어 Light" panose="020B0600000101010101" pitchFamily="50" charset="-127"/>
-              </a:rPr>
-              <a:t>배열을 만들고</a:t>
-            </a:r>
-            <a:r>
-              <a:rPr lang="en-US" altLang="ko-KR" dirty="0">
-                <a:latin typeface="나눔스퀘어 Light" panose="020B0600000101010101" pitchFamily="50" charset="-127"/>
-                <a:ea typeface="나눔스퀘어 Light" panose="020B0600000101010101" pitchFamily="50" charset="-127"/>
-              </a:rPr>
-              <a:t>, </a:t>
-            </a:r>
-            <a:r>
-              <a:rPr lang="ko-KR" altLang="en-US" dirty="0">
-                <a:latin typeface="나눔스퀘어 Light" panose="020B0600000101010101" pitchFamily="50" charset="-127"/>
-                <a:ea typeface="나눔스퀘어 Light" panose="020B0600000101010101" pitchFamily="50" charset="-127"/>
-              </a:rPr>
-              <a:t>내림차순으로 정렬하여</a:t>
-            </a:r>
-            <a:endParaRPr lang="en-US" altLang="ko-KR" dirty="0">
+              <a:t>큰 틀은 비슷합니다</a:t>
+            </a:r>
+            <a:r>
+              <a:rPr lang="en-US" altLang="ko-KR" dirty="0">
+                <a:latin typeface="나눔스퀘어 Light" panose="020B0600000101010101" pitchFamily="50" charset="-127"/>
+                <a:ea typeface="나눔스퀘어 Light" panose="020B0600000101010101" pitchFamily="50" charset="-127"/>
+              </a:rPr>
+              <a:t>.</a:t>
+            </a:r>
+            <a:endParaRPr lang="ko-KR" altLang="en-US" dirty="0">
               <a:latin typeface="나눔스퀘어 Light" panose="020B0600000101010101" pitchFamily="50" charset="-127"/>
               <a:ea typeface="나눔스퀘어 Light" panose="020B0600000101010101" pitchFamily="50" charset="-127"/>
             </a:endParaRPr>
           </a:p>
         </p:txBody>
       </p:sp>
-      <p:sp>
-        <p:nvSpPr>
-          <p:cNvPr id="11" name="TextBox 10">
-            <a:extLst>
-              <a:ext uri="{FF2B5EF4-FFF2-40B4-BE49-F238E27FC236}">
-                <a16:creationId xmlns:a16="http://schemas.microsoft.com/office/drawing/2014/main" id="{8FBDFCAA-3754-0904-7F5C-6FC2B823238F}"/>
-              </a:ext>
-            </a:extLst>
-          </p:cNvPr>
-          <p:cNvSpPr txBox="1"/>
-          <p:nvPr/>
-        </p:nvSpPr>
-        <p:spPr>
-          <a:xfrm>
-            <a:off x="942387" y="2231206"/>
-            <a:ext cx="10313217" cy="369332"/>
-          </a:xfrm>
-          <a:prstGeom prst="rect">
-            <a:avLst/>
-          </a:prstGeom>
-          <a:noFill/>
-        </p:spPr>
-        <p:txBody>
-          <a:bodyPr wrap="square" rtlCol="0">
-            <a:spAutoFit/>
-          </a:bodyPr>
-          <a:lstStyle/>
-          <a:p>
-            <a:r>
-              <a:rPr lang="ko-KR" altLang="en-US" dirty="0">
-                <a:latin typeface="나눔스퀘어 Light" panose="020B0600000101010101" pitchFamily="50" charset="-127"/>
-                <a:ea typeface="나눔스퀘어 Light" panose="020B0600000101010101" pitchFamily="50" charset="-127"/>
-              </a:rPr>
-              <a:t>배열의 원소들을 출력</a:t>
-            </a:r>
-            <a:endParaRPr lang="en-US" altLang="ko-KR" dirty="0">
-              <a:latin typeface="나눔스퀘어 Light" panose="020B0600000101010101" pitchFamily="50" charset="-127"/>
-              <a:ea typeface="나눔스퀘어 Light" panose="020B0600000101010101" pitchFamily="50" charset="-127"/>
-            </a:endParaRPr>
-          </a:p>
-        </p:txBody>
-      </p:sp>
       <p:pic>
         <p:nvPicPr>
-          <p:cNvPr id="4" name="그림 3">
-            <a:extLst>
-              <a:ext uri="{FF2B5EF4-FFF2-40B4-BE49-F238E27FC236}">
-                <a16:creationId xmlns:a16="http://schemas.microsoft.com/office/drawing/2014/main" id="{5C014F27-6CAA-5B86-7EE5-1046C7E470EC}"/>
+          <p:cNvPr id="8" name="그림 7">
+            <a:extLst>
+              <a:ext uri="{FF2B5EF4-FFF2-40B4-BE49-F238E27FC236}">
+                <a16:creationId xmlns:a16="http://schemas.microsoft.com/office/drawing/2014/main" id="{BCF83413-B793-6FA7-CB7B-B14B9F0D2C14}"/>
               </a:ext>
             </a:extLst>
           </p:cNvPr>
@@ -7490,18 +5339,185 @@
         </p:blipFill>
         <p:spPr>
           <a:xfrm>
-            <a:off x="942387" y="2684283"/>
-            <a:ext cx="6943850" cy="2238976"/>
+            <a:off x="942387" y="2736210"/>
+            <a:ext cx="4887320" cy="692790"/>
           </a:xfrm>
           <a:prstGeom prst="rect">
             <a:avLst/>
           </a:prstGeom>
         </p:spPr>
       </p:pic>
+      <p:sp>
+        <p:nvSpPr>
+          <p:cNvPr id="9" name="TextBox 8">
+            <a:extLst>
+              <a:ext uri="{FF2B5EF4-FFF2-40B4-BE49-F238E27FC236}">
+                <a16:creationId xmlns:a16="http://schemas.microsoft.com/office/drawing/2014/main" id="{8F8BA0AA-AE65-5424-36C7-3AF220B3AAF0}"/>
+              </a:ext>
+            </a:extLst>
+          </p:cNvPr>
+          <p:cNvSpPr txBox="1"/>
+          <p:nvPr/>
+        </p:nvSpPr>
+        <p:spPr>
+          <a:xfrm>
+            <a:off x="942387" y="1861874"/>
+            <a:ext cx="10313217" cy="369332"/>
+          </a:xfrm>
+          <a:prstGeom prst="rect">
+            <a:avLst/>
+          </a:prstGeom>
+          <a:noFill/>
+        </p:spPr>
+        <p:txBody>
+          <a:bodyPr wrap="square" rtlCol="0">
+            <a:spAutoFit/>
+          </a:bodyPr>
+          <a:lstStyle/>
+          <a:p>
+            <a:r>
+              <a:rPr lang="en-US" altLang="ko-KR" dirty="0">
+                <a:latin typeface="나눔스퀘어 Light" panose="020B0600000101010101" pitchFamily="50" charset="-127"/>
+                <a:ea typeface="나눔스퀘어 Light" panose="020B0600000101010101" pitchFamily="50" charset="-127"/>
+              </a:rPr>
+              <a:t>Python</a:t>
+            </a:r>
+            <a:r>
+              <a:rPr lang="ko-KR" altLang="en-US" dirty="0">
+                <a:latin typeface="나눔스퀘어 Light" panose="020B0600000101010101" pitchFamily="50" charset="-127"/>
+                <a:ea typeface="나눔스퀘어 Light" panose="020B0600000101010101" pitchFamily="50" charset="-127"/>
+              </a:rPr>
+              <a:t>의 </a:t>
+            </a:r>
+            <a:r>
+              <a:rPr lang="en-US" altLang="ko-KR" dirty="0">
+                <a:latin typeface="나눔스퀘어 Light" panose="020B0600000101010101" pitchFamily="50" charset="-127"/>
+                <a:ea typeface="나눔스퀘어 Light" panose="020B0600000101010101" pitchFamily="50" charset="-127"/>
+              </a:rPr>
+              <a:t>str</a:t>
+            </a:r>
+            <a:r>
+              <a:rPr lang="ko-KR" altLang="en-US" dirty="0">
+                <a:latin typeface="나눔스퀘어 Light" panose="020B0600000101010101" pitchFamily="50" charset="-127"/>
+                <a:ea typeface="나눔스퀘어 Light" panose="020B0600000101010101" pitchFamily="50" charset="-127"/>
+              </a:rPr>
+              <a:t>은 </a:t>
+            </a:r>
+            <a:r>
+              <a:rPr lang="en-US" altLang="ko-KR" dirty="0" err="1">
+                <a:latin typeface="나눔스퀘어 Light" panose="020B0600000101010101" pitchFamily="50" charset="-127"/>
+                <a:ea typeface="나눔스퀘어 Light" panose="020B0600000101010101" pitchFamily="50" charset="-127"/>
+              </a:rPr>
+              <a:t>Iterable</a:t>
+            </a:r>
+            <a:r>
+              <a:rPr lang="ko-KR" altLang="en-US" dirty="0">
+                <a:latin typeface="나눔스퀘어 Light" panose="020B0600000101010101" pitchFamily="50" charset="-127"/>
+                <a:ea typeface="나눔스퀘어 Light" panose="020B0600000101010101" pitchFamily="50" charset="-127"/>
+              </a:rPr>
+              <a:t>입니다</a:t>
+            </a:r>
+            <a:r>
+              <a:rPr lang="en-US" altLang="ko-KR" dirty="0">
+                <a:latin typeface="나눔스퀘어 Light" panose="020B0600000101010101" pitchFamily="50" charset="-127"/>
+                <a:ea typeface="나눔스퀘어 Light" panose="020B0600000101010101" pitchFamily="50" charset="-127"/>
+              </a:rPr>
+              <a:t>. </a:t>
+            </a:r>
+            <a:r>
+              <a:rPr lang="ko-KR" altLang="en-US" dirty="0">
+                <a:latin typeface="나눔스퀘어 Light" panose="020B0600000101010101" pitchFamily="50" charset="-127"/>
+                <a:ea typeface="나눔스퀘어 Light" panose="020B0600000101010101" pitchFamily="50" charset="-127"/>
+              </a:rPr>
+              <a:t>따라서 </a:t>
+            </a:r>
+            <a:r>
+              <a:rPr lang="en-US" altLang="ko-KR" dirty="0">
+                <a:latin typeface="나눔스퀘어 Light" panose="020B0600000101010101" pitchFamily="50" charset="-127"/>
+                <a:ea typeface="나눔스퀘어 Light" panose="020B0600000101010101" pitchFamily="50" charset="-127"/>
+              </a:rPr>
+              <a:t>sorted </a:t>
+            </a:r>
+            <a:r>
+              <a:rPr lang="ko-KR" altLang="en-US" dirty="0">
+                <a:latin typeface="나눔스퀘어 Light" panose="020B0600000101010101" pitchFamily="50" charset="-127"/>
+                <a:ea typeface="나눔스퀘어 Light" panose="020B0600000101010101" pitchFamily="50" charset="-127"/>
+              </a:rPr>
+              <a:t>함수를 사용해 정렬된 리스트 형태로 만들고</a:t>
+            </a:r>
+            <a:r>
+              <a:rPr lang="en-US" altLang="ko-KR" dirty="0">
+                <a:latin typeface="나눔스퀘어 Light" panose="020B0600000101010101" pitchFamily="50" charset="-127"/>
+                <a:ea typeface="나눔스퀘어 Light" panose="020B0600000101010101" pitchFamily="50" charset="-127"/>
+              </a:rPr>
+              <a:t>,</a:t>
+            </a:r>
+          </a:p>
+        </p:txBody>
+      </p:sp>
+      <p:sp>
+        <p:nvSpPr>
+          <p:cNvPr id="11" name="TextBox 10">
+            <a:extLst>
+              <a:ext uri="{FF2B5EF4-FFF2-40B4-BE49-F238E27FC236}">
+                <a16:creationId xmlns:a16="http://schemas.microsoft.com/office/drawing/2014/main" id="{8FBDFCAA-3754-0904-7F5C-6FC2B823238F}"/>
+              </a:ext>
+            </a:extLst>
+          </p:cNvPr>
+          <p:cNvSpPr txBox="1"/>
+          <p:nvPr/>
+        </p:nvSpPr>
+        <p:spPr>
+          <a:xfrm>
+            <a:off x="942387" y="2231206"/>
+            <a:ext cx="10313217" cy="369332"/>
+          </a:xfrm>
+          <a:prstGeom prst="rect">
+            <a:avLst/>
+          </a:prstGeom>
+          <a:noFill/>
+        </p:spPr>
+        <p:txBody>
+          <a:bodyPr wrap="square" rtlCol="0">
+            <a:spAutoFit/>
+          </a:bodyPr>
+          <a:lstStyle/>
+          <a:p>
+            <a:r>
+              <a:rPr lang="en-US" altLang="ko-KR" dirty="0" err="1">
+                <a:latin typeface="나눔스퀘어 Light" panose="020B0600000101010101" pitchFamily="50" charset="-127"/>
+                <a:ea typeface="나눔스퀘어 Light" panose="020B0600000101010101" pitchFamily="50" charset="-127"/>
+              </a:rPr>
+              <a:t>str.join</a:t>
+            </a:r>
+            <a:r>
+              <a:rPr lang="en-US" altLang="ko-KR" dirty="0">
+                <a:latin typeface="나눔스퀘어 Light" panose="020B0600000101010101" pitchFamily="50" charset="-127"/>
+                <a:ea typeface="나눔스퀘어 Light" panose="020B0600000101010101" pitchFamily="50" charset="-127"/>
+              </a:rPr>
+              <a:t>() </a:t>
+            </a:r>
+            <a:r>
+              <a:rPr lang="ko-KR" altLang="en-US" dirty="0">
+                <a:latin typeface="나눔스퀘어 Light" panose="020B0600000101010101" pitchFamily="50" charset="-127"/>
+                <a:ea typeface="나눔스퀘어 Light" panose="020B0600000101010101" pitchFamily="50" charset="-127"/>
+              </a:rPr>
+              <a:t>함수를 이용해 리스트를 문자열로 합칠 수 있습니다</a:t>
+            </a:r>
+            <a:r>
+              <a:rPr lang="en-US" altLang="ko-KR" dirty="0">
+                <a:latin typeface="나눔스퀘어 Light" panose="020B0600000101010101" pitchFamily="50" charset="-127"/>
+                <a:ea typeface="나눔스퀘어 Light" panose="020B0600000101010101" pitchFamily="50" charset="-127"/>
+              </a:rPr>
+              <a:t>.</a:t>
+            </a:r>
+          </a:p>
+        </p:txBody>
+      </p:sp>
     </p:spTree>
     <p:extLst>
       <p:ext uri="{BB962C8B-B14F-4D97-AF65-F5344CB8AC3E}">
-        <p14:creationId xmlns:p14="http://schemas.microsoft.com/office/powerpoint/2010/main" val="230151946"/>
+        <p14:creationId xmlns:p14="http://schemas.microsoft.com/office/powerpoint/2010/main" val="1800497389"/>
       </p:ext>
     </p:extLst>
   </p:cSld>
@@ -7577,7 +5593,7 @@
           <p:cNvPr id="3" name="TextBox 2">
             <a:extLst>
               <a:ext uri="{FF2B5EF4-FFF2-40B4-BE49-F238E27FC236}">
-                <a16:creationId xmlns:a16="http://schemas.microsoft.com/office/drawing/2014/main" id="{CB3F23CA-1584-EA9A-C387-4EC16C7AD051}"/>
+                <a16:creationId xmlns:a16="http://schemas.microsoft.com/office/drawing/2014/main" id="{96B82EBF-DD56-3EFF-F2FA-9DB8CC59ACEF}"/>
               </a:ext>
             </a:extLst>
           </p:cNvPr>
@@ -7587,7 +5603,7 @@
         <p:spPr>
           <a:xfrm>
             <a:off x="331694" y="177505"/>
-            <a:ext cx="5313058" cy="523220"/>
+            <a:ext cx="4694298" cy="523220"/>
           </a:xfrm>
           <a:prstGeom prst="rect">
             <a:avLst/>
@@ -7605,21 +5621,14 @@
                 <a:latin typeface="나눔스퀘어 Bold" panose="020B0600000101010101" pitchFamily="50" charset="-127"/>
                 <a:ea typeface="나눔스퀘어 Bold" panose="020B0600000101010101" pitchFamily="50" charset="-127"/>
               </a:rPr>
-              <a:t>Sorting – 11651 </a:t>
-            </a:r>
-            <a:r>
-              <a:rPr lang="ko-KR" altLang="en-US" sz="2800" dirty="0">
+              <a:t>Sorting – 1427 </a:t>
+            </a:r>
+            <a:r>
+              <a:rPr lang="ko-KR" altLang="en-US" sz="2800" dirty="0" err="1">
                 <a:latin typeface="나눔스퀘어 Bold" panose="020B0600000101010101" pitchFamily="50" charset="-127"/>
                 <a:ea typeface="나눔스퀘어 Bold" panose="020B0600000101010101" pitchFamily="50" charset="-127"/>
               </a:rPr>
-              <a:t>좌표 정렬하기 </a:t>
-            </a:r>
-            <a:r>
-              <a:rPr lang="en-US" altLang="ko-KR" sz="2800" dirty="0">
-                <a:latin typeface="나눔스퀘어 Bold" panose="020B0600000101010101" pitchFamily="50" charset="-127"/>
-                <a:ea typeface="나눔스퀘어 Bold" panose="020B0600000101010101" pitchFamily="50" charset="-127"/>
-              </a:rPr>
-              <a:t>2</a:t>
+              <a:t>소트인사이드</a:t>
             </a:r>
             <a:endParaRPr lang="ko-KR" altLang="en-US" sz="2800" dirty="0">
               <a:latin typeface="나눔스퀘어 Bold" panose="020B0600000101010101" pitchFamily="50" charset="-127"/>
@@ -7628,12 +5637,197 @@
           </a:p>
         </p:txBody>
       </p:sp>
+      <p:sp>
+        <p:nvSpPr>
+          <p:cNvPr id="6" name="TextBox 5">
+            <a:extLst>
+              <a:ext uri="{FF2B5EF4-FFF2-40B4-BE49-F238E27FC236}">
+                <a16:creationId xmlns:a16="http://schemas.microsoft.com/office/drawing/2014/main" id="{FF56433C-6E00-0A3E-213F-60CD4F28FD54}"/>
+              </a:ext>
+            </a:extLst>
+          </p:cNvPr>
+          <p:cNvSpPr txBox="1"/>
+          <p:nvPr/>
+        </p:nvSpPr>
+        <p:spPr>
+          <a:xfrm>
+            <a:off x="942387" y="1190024"/>
+            <a:ext cx="10313217" cy="369332"/>
+          </a:xfrm>
+          <a:prstGeom prst="rect">
+            <a:avLst/>
+          </a:prstGeom>
+          <a:noFill/>
+        </p:spPr>
+        <p:txBody>
+          <a:bodyPr wrap="square" rtlCol="0">
+            <a:spAutoFit/>
+          </a:bodyPr>
+          <a:lstStyle/>
+          <a:p>
+            <a:r>
+              <a:rPr lang="en-US" altLang="ko-KR" dirty="0">
+                <a:latin typeface="나눔스퀘어 Bold" panose="020B0600000101010101" pitchFamily="50" charset="-127"/>
+                <a:ea typeface="나눔스퀘어 Bold" panose="020B0600000101010101" pitchFamily="50" charset="-127"/>
+              </a:rPr>
+              <a:t>Java</a:t>
+            </a:r>
+            <a:r>
+              <a:rPr lang="ko-KR" altLang="en-US" dirty="0">
+                <a:latin typeface="나눔스퀘어 Light" panose="020B0600000101010101" pitchFamily="50" charset="-127"/>
+                <a:ea typeface="나눔스퀘어 Light" panose="020B0600000101010101" pitchFamily="50" charset="-127"/>
+              </a:rPr>
+              <a:t>역시</a:t>
+            </a:r>
+            <a:r>
+              <a:rPr lang="ko-KR" altLang="en-US" dirty="0">
+                <a:latin typeface="나눔스퀘어 Bold" panose="020B0600000101010101" pitchFamily="50" charset="-127"/>
+                <a:ea typeface="나눔스퀘어 Bold" panose="020B0600000101010101" pitchFamily="50" charset="-127"/>
+              </a:rPr>
+              <a:t> </a:t>
+            </a:r>
+            <a:r>
+              <a:rPr lang="ko-KR" altLang="en-US" dirty="0">
+                <a:latin typeface="나눔스퀘어 Light" panose="020B0600000101010101" pitchFamily="50" charset="-127"/>
+                <a:ea typeface="나눔스퀘어 Light" panose="020B0600000101010101" pitchFamily="50" charset="-127"/>
+              </a:rPr>
+              <a:t>마찬가지</a:t>
+            </a:r>
+          </a:p>
+        </p:txBody>
+      </p:sp>
+      <p:sp>
+        <p:nvSpPr>
+          <p:cNvPr id="9" name="TextBox 8">
+            <a:extLst>
+              <a:ext uri="{FF2B5EF4-FFF2-40B4-BE49-F238E27FC236}">
+                <a16:creationId xmlns:a16="http://schemas.microsoft.com/office/drawing/2014/main" id="{8F8BA0AA-AE65-5424-36C7-3AF220B3AAF0}"/>
+              </a:ext>
+            </a:extLst>
+          </p:cNvPr>
+          <p:cNvSpPr txBox="1"/>
+          <p:nvPr/>
+        </p:nvSpPr>
+        <p:spPr>
+          <a:xfrm>
+            <a:off x="942387" y="1861874"/>
+            <a:ext cx="10313217" cy="369332"/>
+          </a:xfrm>
+          <a:prstGeom prst="rect">
+            <a:avLst/>
+          </a:prstGeom>
+          <a:noFill/>
+        </p:spPr>
+        <p:txBody>
+          <a:bodyPr wrap="square" rtlCol="0">
+            <a:spAutoFit/>
+          </a:bodyPr>
+          <a:lstStyle/>
+          <a:p>
+            <a:r>
+              <a:rPr lang="en-US" altLang="ko-KR" dirty="0" err="1">
+                <a:latin typeface="나눔스퀘어 Light" panose="020B0600000101010101" pitchFamily="50" charset="-127"/>
+                <a:ea typeface="나눔스퀘어 Light" panose="020B0600000101010101" pitchFamily="50" charset="-127"/>
+              </a:rPr>
+              <a:t>String.split</a:t>
+            </a:r>
+            <a:r>
+              <a:rPr lang="en-US" altLang="ko-KR" dirty="0">
+                <a:latin typeface="나눔스퀘어 Light" panose="020B0600000101010101" pitchFamily="50" charset="-127"/>
+                <a:ea typeface="나눔스퀘어 Light" panose="020B0600000101010101" pitchFamily="50" charset="-127"/>
+              </a:rPr>
+              <a:t>()</a:t>
+            </a:r>
+            <a:r>
+              <a:rPr lang="ko-KR" altLang="en-US" dirty="0">
+                <a:latin typeface="나눔스퀘어 Light" panose="020B0600000101010101" pitchFamily="50" charset="-127"/>
+                <a:ea typeface="나눔스퀘어 Light" panose="020B0600000101010101" pitchFamily="50" charset="-127"/>
+              </a:rPr>
+              <a:t>을 통해 </a:t>
+            </a:r>
+            <a:r>
+              <a:rPr lang="en-US" altLang="ko-KR" dirty="0">
+                <a:latin typeface="나눔스퀘어 Light" panose="020B0600000101010101" pitchFamily="50" charset="-127"/>
+                <a:ea typeface="나눔스퀘어 Light" panose="020B0600000101010101" pitchFamily="50" charset="-127"/>
+              </a:rPr>
+              <a:t>String[] </a:t>
+            </a:r>
+            <a:r>
+              <a:rPr lang="ko-KR" altLang="en-US" dirty="0">
+                <a:latin typeface="나눔스퀘어 Light" panose="020B0600000101010101" pitchFamily="50" charset="-127"/>
+                <a:ea typeface="나눔스퀘어 Light" panose="020B0600000101010101" pitchFamily="50" charset="-127"/>
+              </a:rPr>
+              <a:t>배열을 만들고</a:t>
+            </a:r>
+            <a:r>
+              <a:rPr lang="en-US" altLang="ko-KR" dirty="0">
+                <a:latin typeface="나눔스퀘어 Light" panose="020B0600000101010101" pitchFamily="50" charset="-127"/>
+                <a:ea typeface="나눔스퀘어 Light" panose="020B0600000101010101" pitchFamily="50" charset="-127"/>
+              </a:rPr>
+              <a:t>, </a:t>
+            </a:r>
+            <a:r>
+              <a:rPr lang="ko-KR" altLang="en-US" dirty="0">
+                <a:latin typeface="나눔스퀘어 Light" panose="020B0600000101010101" pitchFamily="50" charset="-127"/>
+                <a:ea typeface="나눔스퀘어 Light" panose="020B0600000101010101" pitchFamily="50" charset="-127"/>
+              </a:rPr>
+              <a:t>내림차순으로 정렬하여</a:t>
+            </a:r>
+            <a:endParaRPr lang="en-US" altLang="ko-KR" dirty="0">
+              <a:latin typeface="나눔스퀘어 Light" panose="020B0600000101010101" pitchFamily="50" charset="-127"/>
+              <a:ea typeface="나눔스퀘어 Light" panose="020B0600000101010101" pitchFamily="50" charset="-127"/>
+            </a:endParaRPr>
+          </a:p>
+        </p:txBody>
+      </p:sp>
+      <p:sp>
+        <p:nvSpPr>
+          <p:cNvPr id="11" name="TextBox 10">
+            <a:extLst>
+              <a:ext uri="{FF2B5EF4-FFF2-40B4-BE49-F238E27FC236}">
+                <a16:creationId xmlns:a16="http://schemas.microsoft.com/office/drawing/2014/main" id="{8FBDFCAA-3754-0904-7F5C-6FC2B823238F}"/>
+              </a:ext>
+            </a:extLst>
+          </p:cNvPr>
+          <p:cNvSpPr txBox="1"/>
+          <p:nvPr/>
+        </p:nvSpPr>
+        <p:spPr>
+          <a:xfrm>
+            <a:off x="942387" y="2231206"/>
+            <a:ext cx="10313217" cy="369332"/>
+          </a:xfrm>
+          <a:prstGeom prst="rect">
+            <a:avLst/>
+          </a:prstGeom>
+          <a:noFill/>
+        </p:spPr>
+        <p:txBody>
+          <a:bodyPr wrap="square" rtlCol="0">
+            <a:spAutoFit/>
+          </a:bodyPr>
+          <a:lstStyle/>
+          <a:p>
+            <a:r>
+              <a:rPr lang="ko-KR" altLang="en-US" dirty="0">
+                <a:latin typeface="나눔스퀘어 Light" panose="020B0600000101010101" pitchFamily="50" charset="-127"/>
+                <a:ea typeface="나눔스퀘어 Light" panose="020B0600000101010101" pitchFamily="50" charset="-127"/>
+              </a:rPr>
+              <a:t>배열의 원소들을 출력</a:t>
+            </a:r>
+            <a:endParaRPr lang="en-US" altLang="ko-KR" dirty="0">
+              <a:latin typeface="나눔스퀘어 Light" panose="020B0600000101010101" pitchFamily="50" charset="-127"/>
+              <a:ea typeface="나눔스퀘어 Light" panose="020B0600000101010101" pitchFamily="50" charset="-127"/>
+            </a:endParaRPr>
+          </a:p>
+        </p:txBody>
+      </p:sp>
       <p:pic>
         <p:nvPicPr>
-          <p:cNvPr id="6" name="그림 5">
-            <a:extLst>
-              <a:ext uri="{FF2B5EF4-FFF2-40B4-BE49-F238E27FC236}">
-                <a16:creationId xmlns:a16="http://schemas.microsoft.com/office/drawing/2014/main" id="{E0AF4F51-F6F1-9B1C-C012-D1F3DE872EB4}"/>
+          <p:cNvPr id="4" name="그림 3">
+            <a:extLst>
+              <a:ext uri="{FF2B5EF4-FFF2-40B4-BE49-F238E27FC236}">
+                <a16:creationId xmlns:a16="http://schemas.microsoft.com/office/drawing/2014/main" id="{5C014F27-6CAA-5B86-7EE5-1046C7E470EC}"/>
               </a:ext>
             </a:extLst>
           </p:cNvPr>
@@ -7650,8 +5844,8 @@
         </p:blipFill>
         <p:spPr>
           <a:xfrm>
-            <a:off x="331694" y="924282"/>
-            <a:ext cx="11048214" cy="5756213"/>
+            <a:off x="942387" y="2684283"/>
+            <a:ext cx="6943850" cy="2238976"/>
           </a:xfrm>
           <a:prstGeom prst="rect">
             <a:avLst/>
@@ -7661,7 +5855,7 @@
     </p:spTree>
     <p:extLst>
       <p:ext uri="{BB962C8B-B14F-4D97-AF65-F5344CB8AC3E}">
-        <p14:creationId xmlns:p14="http://schemas.microsoft.com/office/powerpoint/2010/main" val="1662062427"/>
+        <p14:creationId xmlns:p14="http://schemas.microsoft.com/office/powerpoint/2010/main" val="230151946"/>
       </p:ext>
     </p:extLst>
   </p:cSld>
@@ -7734,48 +5928,10 @@
       </p:cxnSp>
       <p:sp>
         <p:nvSpPr>
-          <p:cNvPr id="7" name="TextBox 6">
-            <a:extLst>
-              <a:ext uri="{FF2B5EF4-FFF2-40B4-BE49-F238E27FC236}">
-                <a16:creationId xmlns:a16="http://schemas.microsoft.com/office/drawing/2014/main" id="{5B474655-BD78-E334-950C-B8C17B96E7D6}"/>
-              </a:ext>
-            </a:extLst>
-          </p:cNvPr>
-          <p:cNvSpPr txBox="1"/>
-          <p:nvPr/>
-        </p:nvSpPr>
-        <p:spPr>
-          <a:xfrm>
-            <a:off x="942387" y="1190024"/>
-            <a:ext cx="10237694" cy="369332"/>
-          </a:xfrm>
-          <a:prstGeom prst="rect">
-            <a:avLst/>
-          </a:prstGeom>
-          <a:noFill/>
-        </p:spPr>
-        <p:txBody>
-          <a:bodyPr wrap="square" rtlCol="0">
-            <a:spAutoFit/>
-          </a:bodyPr>
-          <a:lstStyle/>
-          <a:p>
-            <a:r>
-              <a:rPr lang="ko-KR" altLang="en-US" dirty="0">
-                <a:latin typeface="나눔스퀘어 Light" panose="020B0600000101010101" pitchFamily="50" charset="-127"/>
-                <a:ea typeface="나눔스퀘어 Light" panose="020B0600000101010101" pitchFamily="50" charset="-127"/>
-              </a:rPr>
-              <a:t>정렬 기준을 구현해 정렬을 커스터마이징 하는 문제</a:t>
-            </a:r>
-          </a:p>
-        </p:txBody>
-      </p:sp>
-      <p:sp>
-        <p:nvSpPr>
-          <p:cNvPr id="2" name="TextBox 1">
-            <a:extLst>
-              <a:ext uri="{FF2B5EF4-FFF2-40B4-BE49-F238E27FC236}">
-                <a16:creationId xmlns:a16="http://schemas.microsoft.com/office/drawing/2014/main" id="{BCBFF5DA-AA20-569C-7838-639F00DB03EA}"/>
+          <p:cNvPr id="3" name="TextBox 2">
+            <a:extLst>
+              <a:ext uri="{FF2B5EF4-FFF2-40B4-BE49-F238E27FC236}">
+                <a16:creationId xmlns:a16="http://schemas.microsoft.com/office/drawing/2014/main" id="{CB3F23CA-1584-EA9A-C387-4EC16C7AD051}"/>
               </a:ext>
             </a:extLst>
           </p:cNvPr>
@@ -7826,89 +5982,12 @@
           </a:p>
         </p:txBody>
       </p:sp>
-      <p:sp>
-        <p:nvSpPr>
-          <p:cNvPr id="3" name="TextBox 2">
-            <a:extLst>
-              <a:ext uri="{FF2B5EF4-FFF2-40B4-BE49-F238E27FC236}">
-                <a16:creationId xmlns:a16="http://schemas.microsoft.com/office/drawing/2014/main" id="{C30AD21D-C43D-9725-E85D-77F535B02DC9}"/>
-              </a:ext>
-            </a:extLst>
-          </p:cNvPr>
-          <p:cNvSpPr txBox="1"/>
-          <p:nvPr/>
-        </p:nvSpPr>
-        <p:spPr>
-          <a:xfrm>
-            <a:off x="942387" y="1845267"/>
-            <a:ext cx="10237694" cy="369332"/>
-          </a:xfrm>
-          <a:prstGeom prst="rect">
-            <a:avLst/>
-          </a:prstGeom>
-          <a:noFill/>
-        </p:spPr>
-        <p:txBody>
-          <a:bodyPr wrap="square" rtlCol="0">
-            <a:spAutoFit/>
-          </a:bodyPr>
-          <a:lstStyle/>
-          <a:p>
-            <a:r>
-              <a:rPr lang="en-US" altLang="ko-KR" dirty="0">
-                <a:latin typeface="나눔스퀘어 Bold" panose="020B0600000101010101" pitchFamily="50" charset="-127"/>
-                <a:ea typeface="나눔스퀘어 Bold" panose="020B0600000101010101" pitchFamily="50" charset="-127"/>
-              </a:rPr>
-              <a:t>C</a:t>
-            </a:r>
-            <a:r>
-              <a:rPr lang="ko-KR" altLang="en-US" dirty="0">
-                <a:latin typeface="나눔스퀘어 Bold" panose="020B0600000101010101" pitchFamily="50" charset="-127"/>
-                <a:ea typeface="나눔스퀘어 Bold" panose="020B0600000101010101" pitchFamily="50" charset="-127"/>
-              </a:rPr>
-              <a:t>언어</a:t>
-            </a:r>
-            <a:r>
-              <a:rPr lang="ko-KR" altLang="en-US" dirty="0">
-                <a:latin typeface="나눔스퀘어 Light" panose="020B0600000101010101" pitchFamily="50" charset="-127"/>
-                <a:ea typeface="나눔스퀘어 Light" panose="020B0600000101010101" pitchFamily="50" charset="-127"/>
-              </a:rPr>
-              <a:t> 기준으로</a:t>
-            </a:r>
-            <a:r>
-              <a:rPr lang="en-US" altLang="ko-KR" dirty="0">
-                <a:latin typeface="나눔스퀘어 Light" panose="020B0600000101010101" pitchFamily="50" charset="-127"/>
-                <a:ea typeface="나눔스퀘어 Light" panose="020B0600000101010101" pitchFamily="50" charset="-127"/>
-              </a:rPr>
-              <a:t>, struct</a:t>
-            </a:r>
-            <a:r>
-              <a:rPr lang="ko-KR" altLang="en-US" dirty="0">
-                <a:latin typeface="나눔스퀘어 Light" panose="020B0600000101010101" pitchFamily="50" charset="-127"/>
-                <a:ea typeface="나눔스퀘어 Light" panose="020B0600000101010101" pitchFamily="50" charset="-127"/>
-              </a:rPr>
-              <a:t> 선언으로 서로 연관된 변수들을 묶어 하나의 타입으로 사용할 수 있습니다</a:t>
-            </a:r>
-            <a:r>
-              <a:rPr lang="en-US" altLang="ko-KR" dirty="0">
-                <a:latin typeface="나눔스퀘어 Light" panose="020B0600000101010101" pitchFamily="50" charset="-127"/>
-                <a:ea typeface="나눔스퀘어 Light" panose="020B0600000101010101" pitchFamily="50" charset="-127"/>
-              </a:rPr>
-              <a:t>.</a:t>
-            </a:r>
-            <a:endParaRPr lang="ko-KR" altLang="en-US" dirty="0">
-              <a:latin typeface="나눔스퀘어 Light" panose="020B0600000101010101" pitchFamily="50" charset="-127"/>
-              <a:ea typeface="나눔스퀘어 Light" panose="020B0600000101010101" pitchFamily="50" charset="-127"/>
-            </a:endParaRPr>
-          </a:p>
-        </p:txBody>
-      </p:sp>
       <p:pic>
         <p:nvPicPr>
-          <p:cNvPr id="10" name="그림 9">
-            <a:extLst>
-              <a:ext uri="{FF2B5EF4-FFF2-40B4-BE49-F238E27FC236}">
-                <a16:creationId xmlns:a16="http://schemas.microsoft.com/office/drawing/2014/main" id="{40C8A113-FAFB-4F19-4122-4764606A3326}"/>
+          <p:cNvPr id="6" name="그림 5">
+            <a:extLst>
+              <a:ext uri="{FF2B5EF4-FFF2-40B4-BE49-F238E27FC236}">
+                <a16:creationId xmlns:a16="http://schemas.microsoft.com/office/drawing/2014/main" id="{E0AF4F51-F6F1-9B1C-C012-D1F3DE872EB4}"/>
               </a:ext>
             </a:extLst>
           </p:cNvPr>
@@ -7925,8 +6004,8 @@
         </p:blipFill>
         <p:spPr>
           <a:xfrm>
-            <a:off x="942387" y="2214599"/>
-            <a:ext cx="4440318" cy="4597697"/>
+            <a:off x="331694" y="924282"/>
+            <a:ext cx="11048214" cy="5756213"/>
           </a:xfrm>
           <a:prstGeom prst="rect">
             <a:avLst/>
@@ -7936,7 +6015,7 @@
     </p:spTree>
     <p:extLst>
       <p:ext uri="{BB962C8B-B14F-4D97-AF65-F5344CB8AC3E}">
-        <p14:creationId xmlns:p14="http://schemas.microsoft.com/office/powerpoint/2010/main" val="2620397563"/>
+        <p14:creationId xmlns:p14="http://schemas.microsoft.com/office/powerpoint/2010/main" val="1662062427"/>
       </p:ext>
     </p:extLst>
   </p:cSld>
@@ -8036,39 +6115,133 @@
           <a:lstStyle/>
           <a:p>
             <a:r>
-              <a:rPr lang="en-US" altLang="ko-KR" dirty="0" err="1">
-                <a:latin typeface="나눔스퀘어 Light" panose="020B0600000101010101" pitchFamily="50" charset="-127"/>
-                <a:ea typeface="나눔스퀘어 Light" panose="020B0600000101010101" pitchFamily="50" charset="-127"/>
-              </a:rPr>
-              <a:t>qsort</a:t>
-            </a:r>
-            <a:r>
-              <a:rPr lang="en-US" altLang="ko-KR" dirty="0">
-                <a:latin typeface="나눔스퀘어 Light" panose="020B0600000101010101" pitchFamily="50" charset="-127"/>
-                <a:ea typeface="나눔스퀘어 Light" panose="020B0600000101010101" pitchFamily="50" charset="-127"/>
-              </a:rPr>
-              <a:t>() </a:t>
-            </a:r>
-            <a:r>
-              <a:rPr lang="ko-KR" altLang="en-US" dirty="0">
-                <a:latin typeface="나눔스퀘어 Light" panose="020B0600000101010101" pitchFamily="50" charset="-127"/>
-                <a:ea typeface="나눔스퀘어 Light" panose="020B0600000101010101" pitchFamily="50" charset="-127"/>
-              </a:rPr>
-              <a:t>함수를 사용할 줄 알고</a:t>
-            </a:r>
-            <a:r>
-              <a:rPr lang="en-US" altLang="ko-KR" dirty="0">
-                <a:latin typeface="나눔스퀘어 Light" panose="020B0600000101010101" pitchFamily="50" charset="-127"/>
-                <a:ea typeface="나눔스퀘어 Light" panose="020B0600000101010101" pitchFamily="50" charset="-127"/>
-              </a:rPr>
-              <a:t>, </a:t>
-            </a:r>
-            <a:r>
-              <a:rPr lang="ko-KR" altLang="en-US" dirty="0">
-                <a:latin typeface="나눔스퀘어 Light" panose="020B0600000101010101" pitchFamily="50" charset="-127"/>
-                <a:ea typeface="나눔스퀘어 Light" panose="020B0600000101010101" pitchFamily="50" charset="-127"/>
-              </a:rPr>
-              <a:t>정렬 기준 함수만 구현되면 크게 어려운 것은 없습니다</a:t>
+              <a:rPr lang="ko-KR" altLang="en-US" dirty="0">
+                <a:latin typeface="나눔스퀘어 Light" panose="020B0600000101010101" pitchFamily="50" charset="-127"/>
+                <a:ea typeface="나눔스퀘어 Light" panose="020B0600000101010101" pitchFamily="50" charset="-127"/>
+              </a:rPr>
+              <a:t>정렬 기준을 구현해 정렬을 커스터마이징 하는 문제</a:t>
+            </a:r>
+          </a:p>
+        </p:txBody>
+      </p:sp>
+      <p:sp>
+        <p:nvSpPr>
+          <p:cNvPr id="2" name="TextBox 1">
+            <a:extLst>
+              <a:ext uri="{FF2B5EF4-FFF2-40B4-BE49-F238E27FC236}">
+                <a16:creationId xmlns:a16="http://schemas.microsoft.com/office/drawing/2014/main" id="{BCBFF5DA-AA20-569C-7838-639F00DB03EA}"/>
+              </a:ext>
+            </a:extLst>
+          </p:cNvPr>
+          <p:cNvSpPr txBox="1"/>
+          <p:nvPr/>
+        </p:nvSpPr>
+        <p:spPr>
+          <a:xfrm>
+            <a:off x="331694" y="177505"/>
+            <a:ext cx="5313058" cy="523220"/>
+          </a:xfrm>
+          <a:prstGeom prst="rect">
+            <a:avLst/>
+          </a:prstGeom>
+          <a:noFill/>
+        </p:spPr>
+        <p:txBody>
+          <a:bodyPr wrap="none" rtlCol="0">
+            <a:spAutoFit/>
+          </a:bodyPr>
+          <a:lstStyle/>
+          <a:p>
+            <a:r>
+              <a:rPr lang="en-US" altLang="ko-KR" sz="2800" dirty="0">
+                <a:latin typeface="나눔스퀘어 Bold" panose="020B0600000101010101" pitchFamily="50" charset="-127"/>
+                <a:ea typeface="나눔스퀘어 Bold" panose="020B0600000101010101" pitchFamily="50" charset="-127"/>
+              </a:rPr>
+              <a:t>Sorting – 11651 </a:t>
+            </a:r>
+            <a:r>
+              <a:rPr lang="ko-KR" altLang="en-US" sz="2800" dirty="0">
+                <a:latin typeface="나눔스퀘어 Bold" panose="020B0600000101010101" pitchFamily="50" charset="-127"/>
+                <a:ea typeface="나눔스퀘어 Bold" panose="020B0600000101010101" pitchFamily="50" charset="-127"/>
+              </a:rPr>
+              <a:t>좌표 정렬하기 </a:t>
+            </a:r>
+            <a:r>
+              <a:rPr lang="en-US" altLang="ko-KR" sz="2800" dirty="0">
+                <a:latin typeface="나눔스퀘어 Bold" panose="020B0600000101010101" pitchFamily="50" charset="-127"/>
+                <a:ea typeface="나눔스퀘어 Bold" panose="020B0600000101010101" pitchFamily="50" charset="-127"/>
+              </a:rPr>
+              <a:t>2</a:t>
+            </a:r>
+            <a:endParaRPr lang="ko-KR" altLang="en-US" sz="2800" dirty="0">
+              <a:latin typeface="나눔스퀘어 Bold" panose="020B0600000101010101" pitchFamily="50" charset="-127"/>
+              <a:ea typeface="나눔스퀘어 Bold" panose="020B0600000101010101" pitchFamily="50" charset="-127"/>
+            </a:endParaRPr>
+          </a:p>
+        </p:txBody>
+      </p:sp>
+      <p:sp>
+        <p:nvSpPr>
+          <p:cNvPr id="3" name="TextBox 2">
+            <a:extLst>
+              <a:ext uri="{FF2B5EF4-FFF2-40B4-BE49-F238E27FC236}">
+                <a16:creationId xmlns:a16="http://schemas.microsoft.com/office/drawing/2014/main" id="{C30AD21D-C43D-9725-E85D-77F535B02DC9}"/>
+              </a:ext>
+            </a:extLst>
+          </p:cNvPr>
+          <p:cNvSpPr txBox="1"/>
+          <p:nvPr/>
+        </p:nvSpPr>
+        <p:spPr>
+          <a:xfrm>
+            <a:off x="942387" y="1845267"/>
+            <a:ext cx="10237694" cy="369332"/>
+          </a:xfrm>
+          <a:prstGeom prst="rect">
+            <a:avLst/>
+          </a:prstGeom>
+          <a:noFill/>
+        </p:spPr>
+        <p:txBody>
+          <a:bodyPr wrap="square" rtlCol="0">
+            <a:spAutoFit/>
+          </a:bodyPr>
+          <a:lstStyle/>
+          <a:p>
+            <a:r>
+              <a:rPr lang="en-US" altLang="ko-KR" dirty="0">
+                <a:latin typeface="나눔스퀘어 Bold" panose="020B0600000101010101" pitchFamily="50" charset="-127"/>
+                <a:ea typeface="나눔스퀘어 Bold" panose="020B0600000101010101" pitchFamily="50" charset="-127"/>
+              </a:rPr>
+              <a:t>C</a:t>
+            </a:r>
+            <a:r>
+              <a:rPr lang="ko-KR" altLang="en-US" dirty="0">
+                <a:latin typeface="나눔스퀘어 Bold" panose="020B0600000101010101" pitchFamily="50" charset="-127"/>
+                <a:ea typeface="나눔스퀘어 Bold" panose="020B0600000101010101" pitchFamily="50" charset="-127"/>
+              </a:rPr>
+              <a:t>언어</a:t>
+            </a:r>
+            <a:r>
+              <a:rPr lang="ko-KR" altLang="en-US" dirty="0">
+                <a:latin typeface="나눔스퀘어 Light" panose="020B0600000101010101" pitchFamily="50" charset="-127"/>
+                <a:ea typeface="나눔스퀘어 Light" panose="020B0600000101010101" pitchFamily="50" charset="-127"/>
+              </a:rPr>
+              <a:t> 기준으로</a:t>
+            </a:r>
+            <a:r>
+              <a:rPr lang="en-US" altLang="ko-KR" dirty="0">
+                <a:latin typeface="나눔스퀘어 Light" panose="020B0600000101010101" pitchFamily="50" charset="-127"/>
+                <a:ea typeface="나눔스퀘어 Light" panose="020B0600000101010101" pitchFamily="50" charset="-127"/>
+              </a:rPr>
+              <a:t>, struct</a:t>
+            </a:r>
+            <a:r>
+              <a:rPr lang="ko-KR" altLang="en-US" dirty="0">
+                <a:latin typeface="나눔스퀘어 Light" panose="020B0600000101010101" pitchFamily="50" charset="-127"/>
+                <a:ea typeface="나눔스퀘어 Light" panose="020B0600000101010101" pitchFamily="50" charset="-127"/>
+              </a:rPr>
+              <a:t> 선언으로 서로 연관된 변수들을 묶어 하나의 타입으로 사용할 수 있습니다</a:t>
             </a:r>
             <a:r>
               <a:rPr lang="en-US" altLang="ko-KR" dirty="0">
@@ -8084,68 +6257,12 @@
           </a:p>
         </p:txBody>
       </p:sp>
-      <p:sp>
-        <p:nvSpPr>
-          <p:cNvPr id="2" name="TextBox 1">
-            <a:extLst>
-              <a:ext uri="{FF2B5EF4-FFF2-40B4-BE49-F238E27FC236}">
-                <a16:creationId xmlns:a16="http://schemas.microsoft.com/office/drawing/2014/main" id="{BCBFF5DA-AA20-569C-7838-639F00DB03EA}"/>
-              </a:ext>
-            </a:extLst>
-          </p:cNvPr>
-          <p:cNvSpPr txBox="1"/>
-          <p:nvPr/>
-        </p:nvSpPr>
-        <p:spPr>
-          <a:xfrm>
-            <a:off x="331694" y="177505"/>
-            <a:ext cx="5313058" cy="523220"/>
-          </a:xfrm>
-          <a:prstGeom prst="rect">
-            <a:avLst/>
-          </a:prstGeom>
-          <a:noFill/>
-        </p:spPr>
-        <p:txBody>
-          <a:bodyPr wrap="none" rtlCol="0">
-            <a:spAutoFit/>
-          </a:bodyPr>
-          <a:lstStyle/>
-          <a:p>
-            <a:r>
-              <a:rPr lang="en-US" altLang="ko-KR" sz="2800" dirty="0">
-                <a:latin typeface="나눔스퀘어 Bold" panose="020B0600000101010101" pitchFamily="50" charset="-127"/>
-                <a:ea typeface="나눔스퀘어 Bold" panose="020B0600000101010101" pitchFamily="50" charset="-127"/>
-              </a:rPr>
-              <a:t>Sorting – 11651 </a:t>
-            </a:r>
-            <a:r>
-              <a:rPr lang="ko-KR" altLang="en-US" sz="2800" dirty="0">
-                <a:latin typeface="나눔스퀘어 Bold" panose="020B0600000101010101" pitchFamily="50" charset="-127"/>
-                <a:ea typeface="나눔스퀘어 Bold" panose="020B0600000101010101" pitchFamily="50" charset="-127"/>
-              </a:rPr>
-              <a:t>좌표 정렬하기 </a:t>
-            </a:r>
-            <a:r>
-              <a:rPr lang="en-US" altLang="ko-KR" sz="2800" dirty="0">
-                <a:latin typeface="나눔스퀘어 Bold" panose="020B0600000101010101" pitchFamily="50" charset="-127"/>
-                <a:ea typeface="나눔스퀘어 Bold" panose="020B0600000101010101" pitchFamily="50" charset="-127"/>
-              </a:rPr>
-              <a:t>2</a:t>
-            </a:r>
-            <a:endParaRPr lang="ko-KR" altLang="en-US" sz="2800" dirty="0">
-              <a:latin typeface="나눔스퀘어 Bold" panose="020B0600000101010101" pitchFamily="50" charset="-127"/>
-              <a:ea typeface="나눔스퀘어 Bold" panose="020B0600000101010101" pitchFamily="50" charset="-127"/>
-            </a:endParaRPr>
-          </a:p>
-        </p:txBody>
-      </p:sp>
       <p:pic>
         <p:nvPicPr>
-          <p:cNvPr id="6" name="그림 5">
-            <a:extLst>
-              <a:ext uri="{FF2B5EF4-FFF2-40B4-BE49-F238E27FC236}">
-                <a16:creationId xmlns:a16="http://schemas.microsoft.com/office/drawing/2014/main" id="{58A00C2C-5591-0F77-734E-E77A90D2D6EF}"/>
+          <p:cNvPr id="10" name="그림 9">
+            <a:extLst>
+              <a:ext uri="{FF2B5EF4-FFF2-40B4-BE49-F238E27FC236}">
+                <a16:creationId xmlns:a16="http://schemas.microsoft.com/office/drawing/2014/main" id="{40C8A113-FAFB-4F19-4122-4764606A3326}"/>
               </a:ext>
             </a:extLst>
           </p:cNvPr>
@@ -8162,8 +6279,8 @@
         </p:blipFill>
         <p:spPr>
           <a:xfrm>
-            <a:off x="942387" y="1861874"/>
-            <a:ext cx="9551376" cy="2832674"/>
+            <a:off x="942387" y="2214599"/>
+            <a:ext cx="4440318" cy="4597697"/>
           </a:xfrm>
           <a:prstGeom prst="rect">
             <a:avLst/>
@@ -8173,7 +6290,7 @@
     </p:spTree>
     <p:extLst>
       <p:ext uri="{BB962C8B-B14F-4D97-AF65-F5344CB8AC3E}">
-        <p14:creationId xmlns:p14="http://schemas.microsoft.com/office/powerpoint/2010/main" val="1772749009"/>
+        <p14:creationId xmlns:p14="http://schemas.microsoft.com/office/powerpoint/2010/main" val="2620397563"/>
       </p:ext>
     </p:extLst>
   </p:cSld>
@@ -10068,6 +8185,83 @@
       </p:cxnSp>
       <p:sp>
         <p:nvSpPr>
+          <p:cNvPr id="7" name="TextBox 6">
+            <a:extLst>
+              <a:ext uri="{FF2B5EF4-FFF2-40B4-BE49-F238E27FC236}">
+                <a16:creationId xmlns:a16="http://schemas.microsoft.com/office/drawing/2014/main" id="{5B474655-BD78-E334-950C-B8C17B96E7D6}"/>
+              </a:ext>
+            </a:extLst>
+          </p:cNvPr>
+          <p:cNvSpPr txBox="1"/>
+          <p:nvPr/>
+        </p:nvSpPr>
+        <p:spPr>
+          <a:xfrm>
+            <a:off x="942387" y="1190024"/>
+            <a:ext cx="10237694" cy="369332"/>
+          </a:xfrm>
+          <a:prstGeom prst="rect">
+            <a:avLst/>
+          </a:prstGeom>
+          <a:noFill/>
+        </p:spPr>
+        <p:txBody>
+          <a:bodyPr wrap="square" rtlCol="0">
+            <a:spAutoFit/>
+          </a:bodyPr>
+          <a:lstStyle/>
+          <a:p>
+            <a:r>
+              <a:rPr lang="en-US" altLang="ko-KR" dirty="0" err="1">
+                <a:latin typeface="나눔스퀘어 Light" panose="020B0600000101010101" pitchFamily="50" charset="-127"/>
+                <a:ea typeface="나눔스퀘어 Light" panose="020B0600000101010101" pitchFamily="50" charset="-127"/>
+              </a:rPr>
+              <a:t>qsort</a:t>
+            </a:r>
+            <a:r>
+              <a:rPr lang="en-US" altLang="ko-KR" dirty="0">
+                <a:latin typeface="나눔스퀘어 Light" panose="020B0600000101010101" pitchFamily="50" charset="-127"/>
+                <a:ea typeface="나눔스퀘어 Light" panose="020B0600000101010101" pitchFamily="50" charset="-127"/>
+              </a:rPr>
+              <a:t>() </a:t>
+            </a:r>
+            <a:r>
+              <a:rPr lang="ko-KR" altLang="en-US" dirty="0">
+                <a:latin typeface="나눔스퀘어 Light" panose="020B0600000101010101" pitchFamily="50" charset="-127"/>
+                <a:ea typeface="나눔스퀘어 Light" panose="020B0600000101010101" pitchFamily="50" charset="-127"/>
+              </a:rPr>
+              <a:t>함수를 사용할 줄 알고</a:t>
+            </a:r>
+            <a:r>
+              <a:rPr lang="en-US" altLang="ko-KR" dirty="0">
+                <a:latin typeface="나눔스퀘어 Light" panose="020B0600000101010101" pitchFamily="50" charset="-127"/>
+                <a:ea typeface="나눔스퀘어 Light" panose="020B0600000101010101" pitchFamily="50" charset="-127"/>
+              </a:rPr>
+              <a:t>, </a:t>
+            </a:r>
+            <a:r>
+              <a:rPr lang="ko-KR" altLang="en-US" dirty="0">
+                <a:latin typeface="나눔스퀘어 Light" panose="020B0600000101010101" pitchFamily="50" charset="-127"/>
+                <a:ea typeface="나눔스퀘어 Light" panose="020B0600000101010101" pitchFamily="50" charset="-127"/>
+              </a:rPr>
+              <a:t>정렬 기준 함수만 구현되면 크게 어려운 것은 없습니다</a:t>
+            </a:r>
+            <a:r>
+              <a:rPr lang="en-US" altLang="ko-KR" dirty="0">
+                <a:latin typeface="나눔스퀘어 Light" panose="020B0600000101010101" pitchFamily="50" charset="-127"/>
+                <a:ea typeface="나눔스퀘어 Light" panose="020B0600000101010101" pitchFamily="50" charset="-127"/>
+              </a:rPr>
+              <a:t>.</a:t>
+            </a:r>
+            <a:endParaRPr lang="ko-KR" altLang="en-US" dirty="0">
+              <a:latin typeface="나눔스퀘어 Light" panose="020B0600000101010101" pitchFamily="50" charset="-127"/>
+              <a:ea typeface="나눔스퀘어 Light" panose="020B0600000101010101" pitchFamily="50" charset="-127"/>
+            </a:endParaRPr>
+          </a:p>
+        </p:txBody>
+      </p:sp>
+      <p:sp>
+        <p:nvSpPr>
           <p:cNvPr id="2" name="TextBox 1">
             <a:extLst>
               <a:ext uri="{FF2B5EF4-FFF2-40B4-BE49-F238E27FC236}">
@@ -10122,176 +8316,12 @@
           </a:p>
         </p:txBody>
       </p:sp>
-      <p:sp>
-        <p:nvSpPr>
-          <p:cNvPr id="3" name="TextBox 2">
-            <a:extLst>
-              <a:ext uri="{FF2B5EF4-FFF2-40B4-BE49-F238E27FC236}">
-                <a16:creationId xmlns:a16="http://schemas.microsoft.com/office/drawing/2014/main" id="{C30AD21D-C43D-9725-E85D-77F535B02DC9}"/>
-              </a:ext>
-            </a:extLst>
-          </p:cNvPr>
-          <p:cNvSpPr txBox="1"/>
-          <p:nvPr/>
-        </p:nvSpPr>
-        <p:spPr>
-          <a:xfrm>
-            <a:off x="942387" y="1167792"/>
-            <a:ext cx="10237694" cy="369332"/>
-          </a:xfrm>
-          <a:prstGeom prst="rect">
-            <a:avLst/>
-          </a:prstGeom>
-          <a:noFill/>
-        </p:spPr>
-        <p:txBody>
-          <a:bodyPr wrap="square" rtlCol="0">
-            <a:spAutoFit/>
-          </a:bodyPr>
-          <a:lstStyle/>
-          <a:p>
-            <a:r>
-              <a:rPr lang="en-US" altLang="ko-KR" dirty="0">
-                <a:latin typeface="나눔스퀘어 Bold" panose="020B0600000101010101" pitchFamily="50" charset="-127"/>
-                <a:ea typeface="나눔스퀘어 Bold" panose="020B0600000101010101" pitchFamily="50" charset="-127"/>
-              </a:rPr>
-              <a:t>C++</a:t>
-            </a:r>
-            <a:r>
-              <a:rPr lang="ko-KR" altLang="en-US" dirty="0">
-                <a:latin typeface="나눔스퀘어 Light" panose="020B0600000101010101" pitchFamily="50" charset="-127"/>
-                <a:ea typeface="나눔스퀘어 Light" panose="020B0600000101010101" pitchFamily="50" charset="-127"/>
-              </a:rPr>
-              <a:t>은</a:t>
-            </a:r>
-            <a:r>
-              <a:rPr lang="en-US" altLang="ko-KR" dirty="0">
-                <a:latin typeface="나눔스퀘어 Light" panose="020B0600000101010101" pitchFamily="50" charset="-127"/>
-                <a:ea typeface="나눔스퀘어 Light" panose="020B0600000101010101" pitchFamily="50" charset="-127"/>
-              </a:rPr>
-              <a:t> C</a:t>
-            </a:r>
-            <a:r>
-              <a:rPr lang="ko-KR" altLang="en-US" dirty="0">
-                <a:latin typeface="나눔스퀘어 Light" panose="020B0600000101010101" pitchFamily="50" charset="-127"/>
-                <a:ea typeface="나눔스퀘어 Light" panose="020B0600000101010101" pitchFamily="50" charset="-127"/>
-              </a:rPr>
-              <a:t>와 마찬가지 입니다</a:t>
-            </a:r>
-            <a:r>
-              <a:rPr lang="en-US" altLang="ko-KR" dirty="0">
-                <a:latin typeface="나눔스퀘어 Light" panose="020B0600000101010101" pitchFamily="50" charset="-127"/>
-                <a:ea typeface="나눔스퀘어 Light" panose="020B0600000101010101" pitchFamily="50" charset="-127"/>
-              </a:rPr>
-              <a:t>. &lt;utility&gt; </a:t>
-            </a:r>
-            <a:r>
-              <a:rPr lang="ko-KR" altLang="en-US" dirty="0">
-                <a:latin typeface="나눔스퀘어 Light" panose="020B0600000101010101" pitchFamily="50" charset="-127"/>
-                <a:ea typeface="나눔스퀘어 Light" panose="020B0600000101010101" pitchFamily="50" charset="-127"/>
-              </a:rPr>
-              <a:t>헤더파일에 </a:t>
-            </a:r>
-            <a:r>
-              <a:rPr lang="en-US" altLang="ko-KR" dirty="0">
-                <a:latin typeface="나눔스퀘어 Light" panose="020B0600000101010101" pitchFamily="50" charset="-127"/>
-                <a:ea typeface="나눔스퀘어 Light" panose="020B0600000101010101" pitchFamily="50" charset="-127"/>
-              </a:rPr>
-              <a:t>pair</a:t>
-            </a:r>
-            <a:r>
-              <a:rPr lang="ko-KR" altLang="en-US" dirty="0">
-                <a:latin typeface="나눔스퀘어 Light" panose="020B0600000101010101" pitchFamily="50" charset="-127"/>
-                <a:ea typeface="나눔스퀘어 Light" panose="020B0600000101010101" pitchFamily="50" charset="-127"/>
-              </a:rPr>
-              <a:t>가 존재하는데</a:t>
-            </a:r>
-            <a:r>
-              <a:rPr lang="en-US" altLang="ko-KR" dirty="0">
-                <a:latin typeface="나눔스퀘어 Light" panose="020B0600000101010101" pitchFamily="50" charset="-127"/>
-                <a:ea typeface="나눔스퀘어 Light" panose="020B0600000101010101" pitchFamily="50" charset="-127"/>
-              </a:rPr>
-              <a:t>, </a:t>
-            </a:r>
-            <a:r>
-              <a:rPr lang="ko-KR" altLang="en-US" dirty="0">
-                <a:latin typeface="나눔스퀘어 Light" panose="020B0600000101010101" pitchFamily="50" charset="-127"/>
-                <a:ea typeface="나눔스퀘어 Light" panose="020B0600000101010101" pitchFamily="50" charset="-127"/>
-              </a:rPr>
-              <a:t>이는 방금 </a:t>
-            </a:r>
-            <a:r>
-              <a:rPr lang="en-US" altLang="ko-KR" dirty="0">
-                <a:latin typeface="나눔스퀘어 Light" panose="020B0600000101010101" pitchFamily="50" charset="-127"/>
-                <a:ea typeface="나눔스퀘어 Light" panose="020B0600000101010101" pitchFamily="50" charset="-127"/>
-              </a:rPr>
-              <a:t>C</a:t>
-            </a:r>
-            <a:r>
-              <a:rPr lang="ko-KR" altLang="en-US" dirty="0">
-                <a:latin typeface="나눔스퀘어 Light" panose="020B0600000101010101" pitchFamily="50" charset="-127"/>
-                <a:ea typeface="나눔스퀘어 Light" panose="020B0600000101010101" pitchFamily="50" charset="-127"/>
-              </a:rPr>
-              <a:t>에서 구현한</a:t>
-            </a:r>
-          </a:p>
-        </p:txBody>
-      </p:sp>
-      <p:sp>
-        <p:nvSpPr>
-          <p:cNvPr id="4" name="TextBox 3">
-            <a:extLst>
-              <a:ext uri="{FF2B5EF4-FFF2-40B4-BE49-F238E27FC236}">
-                <a16:creationId xmlns:a16="http://schemas.microsoft.com/office/drawing/2014/main" id="{08CF584C-3D0B-3175-3D9A-AEEE8806388E}"/>
-              </a:ext>
-            </a:extLst>
-          </p:cNvPr>
-          <p:cNvSpPr txBox="1"/>
-          <p:nvPr/>
-        </p:nvSpPr>
-        <p:spPr>
-          <a:xfrm>
-            <a:off x="942387" y="1537124"/>
-            <a:ext cx="10237694" cy="369332"/>
-          </a:xfrm>
-          <a:prstGeom prst="rect">
-            <a:avLst/>
-          </a:prstGeom>
-          <a:noFill/>
-        </p:spPr>
-        <p:txBody>
-          <a:bodyPr wrap="square" rtlCol="0">
-            <a:spAutoFit/>
-          </a:bodyPr>
-          <a:lstStyle/>
-          <a:p>
-            <a:r>
-              <a:rPr lang="ko-KR" altLang="en-US" dirty="0">
-                <a:latin typeface="나눔스퀘어 Light" panose="020B0600000101010101" pitchFamily="50" charset="-127"/>
-                <a:ea typeface="나눔스퀘어 Light" panose="020B0600000101010101" pitchFamily="50" charset="-127"/>
-              </a:rPr>
-              <a:t>두 개의 변수를 가지는 구조체와 유사합니다</a:t>
-            </a:r>
-            <a:r>
-              <a:rPr lang="en-US" altLang="ko-KR" dirty="0">
-                <a:latin typeface="나눔스퀘어 Light" panose="020B0600000101010101" pitchFamily="50" charset="-127"/>
-                <a:ea typeface="나눔스퀘어 Light" panose="020B0600000101010101" pitchFamily="50" charset="-127"/>
-              </a:rPr>
-              <a:t>.</a:t>
-            </a:r>
-            <a:endParaRPr lang="ko-KR" altLang="en-US" dirty="0">
-              <a:latin typeface="나눔스퀘어 Light" panose="020B0600000101010101" pitchFamily="50" charset="-127"/>
-              <a:ea typeface="나눔스퀘어 Light" panose="020B0600000101010101" pitchFamily="50" charset="-127"/>
-            </a:endParaRPr>
-          </a:p>
-        </p:txBody>
-      </p:sp>
       <p:pic>
         <p:nvPicPr>
-          <p:cNvPr id="8" name="그림 7">
-            <a:extLst>
-              <a:ext uri="{FF2B5EF4-FFF2-40B4-BE49-F238E27FC236}">
-                <a16:creationId xmlns:a16="http://schemas.microsoft.com/office/drawing/2014/main" id="{574BD0A9-4737-1892-0474-B60315782A90}"/>
+          <p:cNvPr id="6" name="그림 5">
+            <a:extLst>
+              <a:ext uri="{FF2B5EF4-FFF2-40B4-BE49-F238E27FC236}">
+                <a16:creationId xmlns:a16="http://schemas.microsoft.com/office/drawing/2014/main" id="{58A00C2C-5591-0F77-734E-E77A90D2D6EF}"/>
               </a:ext>
             </a:extLst>
           </p:cNvPr>
@@ -10308,8 +8338,8 @@
         </p:blipFill>
         <p:spPr>
           <a:xfrm>
-            <a:off x="942387" y="2100977"/>
-            <a:ext cx="7344108" cy="4243262"/>
+            <a:off x="942387" y="1861874"/>
+            <a:ext cx="9551376" cy="2832674"/>
           </a:xfrm>
           <a:prstGeom prst="rect">
             <a:avLst/>
@@ -10319,7 +8349,7 @@
     </p:spTree>
     <p:extLst>
       <p:ext uri="{BB962C8B-B14F-4D97-AF65-F5344CB8AC3E}">
-        <p14:creationId xmlns:p14="http://schemas.microsoft.com/office/powerpoint/2010/main" val="2841914457"/>
+        <p14:creationId xmlns:p14="http://schemas.microsoft.com/office/powerpoint/2010/main" val="1772749009"/>
       </p:ext>
     </p:extLst>
   </p:cSld>
@@ -10479,6 +8509,330 @@
                 <a:latin typeface="나눔스퀘어 Bold" panose="020B0600000101010101" pitchFamily="50" charset="-127"/>
                 <a:ea typeface="나눔스퀘어 Bold" panose="020B0600000101010101" pitchFamily="50" charset="-127"/>
               </a:rPr>
+              <a:t>C++</a:t>
+            </a:r>
+            <a:r>
+              <a:rPr lang="ko-KR" altLang="en-US" dirty="0">
+                <a:latin typeface="나눔스퀘어 Light" panose="020B0600000101010101" pitchFamily="50" charset="-127"/>
+                <a:ea typeface="나눔스퀘어 Light" panose="020B0600000101010101" pitchFamily="50" charset="-127"/>
+              </a:rPr>
+              <a:t>은</a:t>
+            </a:r>
+            <a:r>
+              <a:rPr lang="en-US" altLang="ko-KR" dirty="0">
+                <a:latin typeface="나눔스퀘어 Light" panose="020B0600000101010101" pitchFamily="50" charset="-127"/>
+                <a:ea typeface="나눔스퀘어 Light" panose="020B0600000101010101" pitchFamily="50" charset="-127"/>
+              </a:rPr>
+              <a:t> C</a:t>
+            </a:r>
+            <a:r>
+              <a:rPr lang="ko-KR" altLang="en-US" dirty="0">
+                <a:latin typeface="나눔스퀘어 Light" panose="020B0600000101010101" pitchFamily="50" charset="-127"/>
+                <a:ea typeface="나눔스퀘어 Light" panose="020B0600000101010101" pitchFamily="50" charset="-127"/>
+              </a:rPr>
+              <a:t>와 마찬가지 입니다</a:t>
+            </a:r>
+            <a:r>
+              <a:rPr lang="en-US" altLang="ko-KR" dirty="0">
+                <a:latin typeface="나눔스퀘어 Light" panose="020B0600000101010101" pitchFamily="50" charset="-127"/>
+                <a:ea typeface="나눔스퀘어 Light" panose="020B0600000101010101" pitchFamily="50" charset="-127"/>
+              </a:rPr>
+              <a:t>. &lt;utility&gt; </a:t>
+            </a:r>
+            <a:r>
+              <a:rPr lang="ko-KR" altLang="en-US" dirty="0">
+                <a:latin typeface="나눔스퀘어 Light" panose="020B0600000101010101" pitchFamily="50" charset="-127"/>
+                <a:ea typeface="나눔스퀘어 Light" panose="020B0600000101010101" pitchFamily="50" charset="-127"/>
+              </a:rPr>
+              <a:t>헤더파일에 </a:t>
+            </a:r>
+            <a:r>
+              <a:rPr lang="en-US" altLang="ko-KR" dirty="0">
+                <a:latin typeface="나눔스퀘어 Light" panose="020B0600000101010101" pitchFamily="50" charset="-127"/>
+                <a:ea typeface="나눔스퀘어 Light" panose="020B0600000101010101" pitchFamily="50" charset="-127"/>
+              </a:rPr>
+              <a:t>pair</a:t>
+            </a:r>
+            <a:r>
+              <a:rPr lang="ko-KR" altLang="en-US" dirty="0">
+                <a:latin typeface="나눔스퀘어 Light" panose="020B0600000101010101" pitchFamily="50" charset="-127"/>
+                <a:ea typeface="나눔스퀘어 Light" panose="020B0600000101010101" pitchFamily="50" charset="-127"/>
+              </a:rPr>
+              <a:t>가 존재하는데</a:t>
+            </a:r>
+            <a:r>
+              <a:rPr lang="en-US" altLang="ko-KR" dirty="0">
+                <a:latin typeface="나눔스퀘어 Light" panose="020B0600000101010101" pitchFamily="50" charset="-127"/>
+                <a:ea typeface="나눔스퀘어 Light" panose="020B0600000101010101" pitchFamily="50" charset="-127"/>
+              </a:rPr>
+              <a:t>, </a:t>
+            </a:r>
+            <a:r>
+              <a:rPr lang="ko-KR" altLang="en-US" dirty="0">
+                <a:latin typeface="나눔스퀘어 Light" panose="020B0600000101010101" pitchFamily="50" charset="-127"/>
+                <a:ea typeface="나눔스퀘어 Light" panose="020B0600000101010101" pitchFamily="50" charset="-127"/>
+              </a:rPr>
+              <a:t>이는 방금 </a:t>
+            </a:r>
+            <a:r>
+              <a:rPr lang="en-US" altLang="ko-KR" dirty="0">
+                <a:latin typeface="나눔스퀘어 Light" panose="020B0600000101010101" pitchFamily="50" charset="-127"/>
+                <a:ea typeface="나눔스퀘어 Light" panose="020B0600000101010101" pitchFamily="50" charset="-127"/>
+              </a:rPr>
+              <a:t>C</a:t>
+            </a:r>
+            <a:r>
+              <a:rPr lang="ko-KR" altLang="en-US" dirty="0">
+                <a:latin typeface="나눔스퀘어 Light" panose="020B0600000101010101" pitchFamily="50" charset="-127"/>
+                <a:ea typeface="나눔스퀘어 Light" panose="020B0600000101010101" pitchFamily="50" charset="-127"/>
+              </a:rPr>
+              <a:t>에서 구현한</a:t>
+            </a:r>
+          </a:p>
+        </p:txBody>
+      </p:sp>
+      <p:sp>
+        <p:nvSpPr>
+          <p:cNvPr id="4" name="TextBox 3">
+            <a:extLst>
+              <a:ext uri="{FF2B5EF4-FFF2-40B4-BE49-F238E27FC236}">
+                <a16:creationId xmlns:a16="http://schemas.microsoft.com/office/drawing/2014/main" id="{08CF584C-3D0B-3175-3D9A-AEEE8806388E}"/>
+              </a:ext>
+            </a:extLst>
+          </p:cNvPr>
+          <p:cNvSpPr txBox="1"/>
+          <p:nvPr/>
+        </p:nvSpPr>
+        <p:spPr>
+          <a:xfrm>
+            <a:off x="942387" y="1537124"/>
+            <a:ext cx="10237694" cy="369332"/>
+          </a:xfrm>
+          <a:prstGeom prst="rect">
+            <a:avLst/>
+          </a:prstGeom>
+          <a:noFill/>
+        </p:spPr>
+        <p:txBody>
+          <a:bodyPr wrap="square" rtlCol="0">
+            <a:spAutoFit/>
+          </a:bodyPr>
+          <a:lstStyle/>
+          <a:p>
+            <a:r>
+              <a:rPr lang="ko-KR" altLang="en-US" dirty="0">
+                <a:latin typeface="나눔스퀘어 Light" panose="020B0600000101010101" pitchFamily="50" charset="-127"/>
+                <a:ea typeface="나눔스퀘어 Light" panose="020B0600000101010101" pitchFamily="50" charset="-127"/>
+              </a:rPr>
+              <a:t>두 개의 변수를 가지는 구조체와 유사합니다</a:t>
+            </a:r>
+            <a:r>
+              <a:rPr lang="en-US" altLang="ko-KR" dirty="0">
+                <a:latin typeface="나눔스퀘어 Light" panose="020B0600000101010101" pitchFamily="50" charset="-127"/>
+                <a:ea typeface="나눔스퀘어 Light" panose="020B0600000101010101" pitchFamily="50" charset="-127"/>
+              </a:rPr>
+              <a:t>.</a:t>
+            </a:r>
+            <a:endParaRPr lang="ko-KR" altLang="en-US" dirty="0">
+              <a:latin typeface="나눔스퀘어 Light" panose="020B0600000101010101" pitchFamily="50" charset="-127"/>
+              <a:ea typeface="나눔스퀘어 Light" panose="020B0600000101010101" pitchFamily="50" charset="-127"/>
+            </a:endParaRPr>
+          </a:p>
+        </p:txBody>
+      </p:sp>
+      <p:pic>
+        <p:nvPicPr>
+          <p:cNvPr id="8" name="그림 7">
+            <a:extLst>
+              <a:ext uri="{FF2B5EF4-FFF2-40B4-BE49-F238E27FC236}">
+                <a16:creationId xmlns:a16="http://schemas.microsoft.com/office/drawing/2014/main" id="{574BD0A9-4737-1892-0474-B60315782A90}"/>
+              </a:ext>
+            </a:extLst>
+          </p:cNvPr>
+          <p:cNvPicPr>
+            <a:picLocks noChangeAspect="1"/>
+          </p:cNvPicPr>
+          <p:nvPr/>
+        </p:nvPicPr>
+        <p:blipFill>
+          <a:blip r:embed="rId2"/>
+          <a:stretch>
+            <a:fillRect/>
+          </a:stretch>
+        </p:blipFill>
+        <p:spPr>
+          <a:xfrm>
+            <a:off x="942387" y="2100977"/>
+            <a:ext cx="7344108" cy="4243262"/>
+          </a:xfrm>
+          <a:prstGeom prst="rect">
+            <a:avLst/>
+          </a:prstGeom>
+        </p:spPr>
+      </p:pic>
+    </p:spTree>
+    <p:extLst>
+      <p:ext uri="{BB962C8B-B14F-4D97-AF65-F5344CB8AC3E}">
+        <p14:creationId xmlns:p14="http://schemas.microsoft.com/office/powerpoint/2010/main" val="2841914457"/>
+      </p:ext>
+    </p:extLst>
+  </p:cSld>
+  <p:clrMapOvr>
+    <a:masterClrMapping/>
+  </p:clrMapOvr>
+</p:sld>
+</file>
+
+<file path=ppt/slides/slide22.xml><?xml version="1.0" encoding="utf-8"?>
+<p:sld xmlns:a="http://schemas.openxmlformats.org/drawingml/2006/main" xmlns:r="http://schemas.openxmlformats.org/officeDocument/2006/relationships" xmlns:p="http://schemas.openxmlformats.org/presentationml/2006/main">
+  <p:cSld>
+    <p:spTree>
+      <p:nvGrpSpPr>
+        <p:cNvPr id="1" name=""/>
+        <p:cNvGrpSpPr/>
+        <p:nvPr/>
+      </p:nvGrpSpPr>
+      <p:grpSpPr>
+        <a:xfrm>
+          <a:off x="0" y="0"/>
+          <a:ext cx="0" cy="0"/>
+          <a:chOff x="0" y="0"/>
+          <a:chExt cx="0" cy="0"/>
+        </a:xfrm>
+      </p:grpSpPr>
+      <p:cxnSp>
+        <p:nvCxnSpPr>
+          <p:cNvPr id="5" name="직선 연결선 4">
+            <a:extLst>
+              <a:ext uri="{FF2B5EF4-FFF2-40B4-BE49-F238E27FC236}">
+                <a16:creationId xmlns:a16="http://schemas.microsoft.com/office/drawing/2014/main" id="{164C2827-EFCE-69A4-D037-1A218415F568}"/>
+              </a:ext>
+            </a:extLst>
+          </p:cNvPr>
+          <p:cNvCxnSpPr/>
+          <p:nvPr/>
+        </p:nvCxnSpPr>
+        <p:spPr>
+          <a:xfrm>
+            <a:off x="0" y="887505"/>
+            <a:ext cx="10237694" cy="0"/>
+          </a:xfrm>
+          <a:prstGeom prst="line">
+            <a:avLst/>
+          </a:prstGeom>
+          <a:ln w="76200">
+            <a:solidFill>
+              <a:schemeClr val="tx1">
+                <a:lumMod val="75000"/>
+                <a:lumOff val="25000"/>
+              </a:schemeClr>
+            </a:solidFill>
+          </a:ln>
+        </p:spPr>
+        <p:style>
+          <a:lnRef idx="1">
+            <a:schemeClr val="accent1"/>
+          </a:lnRef>
+          <a:fillRef idx="0">
+            <a:schemeClr val="accent1"/>
+          </a:fillRef>
+          <a:effectRef idx="0">
+            <a:schemeClr val="accent1"/>
+          </a:effectRef>
+          <a:fontRef idx="minor">
+            <a:schemeClr val="tx1"/>
+          </a:fontRef>
+        </p:style>
+      </p:cxnSp>
+      <p:sp>
+        <p:nvSpPr>
+          <p:cNvPr id="2" name="TextBox 1">
+            <a:extLst>
+              <a:ext uri="{FF2B5EF4-FFF2-40B4-BE49-F238E27FC236}">
+                <a16:creationId xmlns:a16="http://schemas.microsoft.com/office/drawing/2014/main" id="{BCBFF5DA-AA20-569C-7838-639F00DB03EA}"/>
+              </a:ext>
+            </a:extLst>
+          </p:cNvPr>
+          <p:cNvSpPr txBox="1"/>
+          <p:nvPr/>
+        </p:nvSpPr>
+        <p:spPr>
+          <a:xfrm>
+            <a:off x="331694" y="177505"/>
+            <a:ext cx="5313058" cy="523220"/>
+          </a:xfrm>
+          <a:prstGeom prst="rect">
+            <a:avLst/>
+          </a:prstGeom>
+          <a:noFill/>
+        </p:spPr>
+        <p:txBody>
+          <a:bodyPr wrap="none" rtlCol="0">
+            <a:spAutoFit/>
+          </a:bodyPr>
+          <a:lstStyle/>
+          <a:p>
+            <a:r>
+              <a:rPr lang="en-US" altLang="ko-KR" sz="2800" dirty="0">
+                <a:latin typeface="나눔스퀘어 Bold" panose="020B0600000101010101" pitchFamily="50" charset="-127"/>
+                <a:ea typeface="나눔스퀘어 Bold" panose="020B0600000101010101" pitchFamily="50" charset="-127"/>
+              </a:rPr>
+              <a:t>Sorting – 11651 </a:t>
+            </a:r>
+            <a:r>
+              <a:rPr lang="ko-KR" altLang="en-US" sz="2800" dirty="0">
+                <a:latin typeface="나눔스퀘어 Bold" panose="020B0600000101010101" pitchFamily="50" charset="-127"/>
+                <a:ea typeface="나눔스퀘어 Bold" panose="020B0600000101010101" pitchFamily="50" charset="-127"/>
+              </a:rPr>
+              <a:t>좌표 정렬하기 </a:t>
+            </a:r>
+            <a:r>
+              <a:rPr lang="en-US" altLang="ko-KR" sz="2800" dirty="0">
+                <a:latin typeface="나눔스퀘어 Bold" panose="020B0600000101010101" pitchFamily="50" charset="-127"/>
+                <a:ea typeface="나눔스퀘어 Bold" panose="020B0600000101010101" pitchFamily="50" charset="-127"/>
+              </a:rPr>
+              <a:t>2</a:t>
+            </a:r>
+            <a:endParaRPr lang="ko-KR" altLang="en-US" sz="2800" dirty="0">
+              <a:latin typeface="나눔스퀘어 Bold" panose="020B0600000101010101" pitchFamily="50" charset="-127"/>
+              <a:ea typeface="나눔스퀘어 Bold" panose="020B0600000101010101" pitchFamily="50" charset="-127"/>
+            </a:endParaRPr>
+          </a:p>
+        </p:txBody>
+      </p:sp>
+      <p:sp>
+        <p:nvSpPr>
+          <p:cNvPr id="3" name="TextBox 2">
+            <a:extLst>
+              <a:ext uri="{FF2B5EF4-FFF2-40B4-BE49-F238E27FC236}">
+                <a16:creationId xmlns:a16="http://schemas.microsoft.com/office/drawing/2014/main" id="{C30AD21D-C43D-9725-E85D-77F535B02DC9}"/>
+              </a:ext>
+            </a:extLst>
+          </p:cNvPr>
+          <p:cNvSpPr txBox="1"/>
+          <p:nvPr/>
+        </p:nvSpPr>
+        <p:spPr>
+          <a:xfrm>
+            <a:off x="942387" y="1167792"/>
+            <a:ext cx="10237694" cy="369332"/>
+          </a:xfrm>
+          <a:prstGeom prst="rect">
+            <a:avLst/>
+          </a:prstGeom>
+          <a:noFill/>
+        </p:spPr>
+        <p:txBody>
+          <a:bodyPr wrap="square" rtlCol="0">
+            <a:spAutoFit/>
+          </a:bodyPr>
+          <a:lstStyle/>
+          <a:p>
+            <a:r>
+              <a:rPr lang="en-US" altLang="ko-KR" dirty="0">
+                <a:latin typeface="나눔스퀘어 Bold" panose="020B0600000101010101" pitchFamily="50" charset="-127"/>
+                <a:ea typeface="나눔스퀘어 Bold" panose="020B0600000101010101" pitchFamily="50" charset="-127"/>
+              </a:rPr>
               <a:t>Python</a:t>
             </a:r>
             <a:r>
@@ -10931,7 +9285,7 @@
 </p:sld>
 </file>
 
-<file path=ppt/slides/slide22.xml><?xml version="1.0" encoding="utf-8"?>
+<file path=ppt/slides/slide23.xml><?xml version="1.0" encoding="utf-8"?>
 <p:sld xmlns:a="http://schemas.openxmlformats.org/drawingml/2006/main" xmlns:r="http://schemas.openxmlformats.org/officeDocument/2006/relationships" xmlns:p="http://schemas.openxmlformats.org/presentationml/2006/main">
   <p:cSld>
     <p:spTree>
@@ -12370,7 +10724,7 @@
 </p:sld>
 </file>
 
-<file path=ppt/slides/slide23.xml><?xml version="1.0" encoding="utf-8"?>
+<file path=ppt/slides/slide24.xml><?xml version="1.0" encoding="utf-8"?>
 <p:sld xmlns:a="http://schemas.openxmlformats.org/drawingml/2006/main" xmlns:r="http://schemas.openxmlformats.org/officeDocument/2006/relationships" xmlns:p="http://schemas.openxmlformats.org/presentationml/2006/main">
   <p:cSld>
     <p:spTree>
@@ -13300,7 +11654,7 @@
 </p:sld>
 </file>
 
-<file path=ppt/slides/slide24.xml><?xml version="1.0" encoding="utf-8"?>
+<file path=ppt/slides/slide25.xml><?xml version="1.0" encoding="utf-8"?>
 <p:sld xmlns:a="http://schemas.openxmlformats.org/drawingml/2006/main" xmlns:r="http://schemas.openxmlformats.org/officeDocument/2006/relationships" xmlns:p="http://schemas.openxmlformats.org/presentationml/2006/main">
   <p:cSld>
     <p:spTree>
@@ -13759,522 +12113,6 @@
 </p:sld>
 </file>
 
-<file path=ppt/slides/slide25.xml><?xml version="1.0" encoding="utf-8"?>
-<p:sld xmlns:a="http://schemas.openxmlformats.org/drawingml/2006/main" xmlns:r="http://schemas.openxmlformats.org/officeDocument/2006/relationships" xmlns:p="http://schemas.openxmlformats.org/presentationml/2006/main">
-  <p:cSld>
-    <p:spTree>
-      <p:nvGrpSpPr>
-        <p:cNvPr id="1" name=""/>
-        <p:cNvGrpSpPr/>
-        <p:nvPr/>
-      </p:nvGrpSpPr>
-      <p:grpSpPr>
-        <a:xfrm>
-          <a:off x="0" y="0"/>
-          <a:ext cx="0" cy="0"/>
-          <a:chOff x="0" y="0"/>
-          <a:chExt cx="0" cy="0"/>
-        </a:xfrm>
-      </p:grpSpPr>
-      <p:cxnSp>
-        <p:nvCxnSpPr>
-          <p:cNvPr id="5" name="직선 연결선 4">
-            <a:extLst>
-              <a:ext uri="{FF2B5EF4-FFF2-40B4-BE49-F238E27FC236}">
-                <a16:creationId xmlns:a16="http://schemas.microsoft.com/office/drawing/2014/main" id="{164C2827-EFCE-69A4-D037-1A218415F568}"/>
-              </a:ext>
-            </a:extLst>
-          </p:cNvPr>
-          <p:cNvCxnSpPr/>
-          <p:nvPr/>
-        </p:nvCxnSpPr>
-        <p:spPr>
-          <a:xfrm>
-            <a:off x="0" y="887505"/>
-            <a:ext cx="10237694" cy="0"/>
-          </a:xfrm>
-          <a:prstGeom prst="line">
-            <a:avLst/>
-          </a:prstGeom>
-          <a:ln w="76200">
-            <a:solidFill>
-              <a:schemeClr val="tx1">
-                <a:lumMod val="75000"/>
-                <a:lumOff val="25000"/>
-              </a:schemeClr>
-            </a:solidFill>
-          </a:ln>
-        </p:spPr>
-        <p:style>
-          <a:lnRef idx="1">
-            <a:schemeClr val="accent1"/>
-          </a:lnRef>
-          <a:fillRef idx="0">
-            <a:schemeClr val="accent1"/>
-          </a:fillRef>
-          <a:effectRef idx="0">
-            <a:schemeClr val="accent1"/>
-          </a:effectRef>
-          <a:fontRef idx="minor">
-            <a:schemeClr val="tx1"/>
-          </a:fontRef>
-        </p:style>
-      </p:cxnSp>
-      <p:sp>
-        <p:nvSpPr>
-          <p:cNvPr id="2" name="TextBox 1">
-            <a:extLst>
-              <a:ext uri="{FF2B5EF4-FFF2-40B4-BE49-F238E27FC236}">
-                <a16:creationId xmlns:a16="http://schemas.microsoft.com/office/drawing/2014/main" id="{42928CCE-6E6A-5C16-746E-BAD660A9BBF3}"/>
-              </a:ext>
-            </a:extLst>
-          </p:cNvPr>
-          <p:cNvSpPr txBox="1"/>
-          <p:nvPr/>
-        </p:nvSpPr>
-        <p:spPr>
-          <a:xfrm>
-            <a:off x="331694" y="177505"/>
-            <a:ext cx="2514343" cy="523220"/>
-          </a:xfrm>
-          <a:prstGeom prst="rect">
-            <a:avLst/>
-          </a:prstGeom>
-          <a:noFill/>
-        </p:spPr>
-        <p:txBody>
-          <a:bodyPr wrap="none" rtlCol="0">
-            <a:spAutoFit/>
-          </a:bodyPr>
-          <a:lstStyle/>
-          <a:p>
-            <a:r>
-              <a:rPr lang="en-US" altLang="ko-KR" sz="2800" dirty="0">
-                <a:latin typeface="나눔스퀘어 Bold" panose="020B0600000101010101" pitchFamily="50" charset="-127"/>
-                <a:ea typeface="나눔스퀘어 Bold" panose="020B0600000101010101" pitchFamily="50" charset="-127"/>
-              </a:rPr>
-              <a:t>Binary Search</a:t>
-            </a:r>
-            <a:endParaRPr lang="ko-KR" altLang="en-US" sz="2800" dirty="0">
-              <a:latin typeface="나눔스퀘어 Bold" panose="020B0600000101010101" pitchFamily="50" charset="-127"/>
-              <a:ea typeface="나눔스퀘어 Bold" panose="020B0600000101010101" pitchFamily="50" charset="-127"/>
-            </a:endParaRPr>
-          </a:p>
-        </p:txBody>
-      </p:sp>
-      <p:sp>
-        <p:nvSpPr>
-          <p:cNvPr id="3" name="TextBox 2">
-            <a:extLst>
-              <a:ext uri="{FF2B5EF4-FFF2-40B4-BE49-F238E27FC236}">
-                <a16:creationId xmlns:a16="http://schemas.microsoft.com/office/drawing/2014/main" id="{405C1E2A-5E8B-9374-4FB2-9976572CC222}"/>
-              </a:ext>
-            </a:extLst>
-          </p:cNvPr>
-          <p:cNvSpPr txBox="1"/>
-          <p:nvPr/>
-        </p:nvSpPr>
-        <p:spPr>
-          <a:xfrm>
-            <a:off x="942387" y="1074286"/>
-            <a:ext cx="8542272" cy="369332"/>
-          </a:xfrm>
-          <a:prstGeom prst="rect">
-            <a:avLst/>
-          </a:prstGeom>
-          <a:noFill/>
-        </p:spPr>
-        <p:txBody>
-          <a:bodyPr wrap="square" rtlCol="0">
-            <a:spAutoFit/>
-          </a:bodyPr>
-          <a:lstStyle/>
-          <a:p>
-            <a:r>
-              <a:rPr lang="ko-KR" altLang="en-US" dirty="0">
-                <a:latin typeface="나눔스퀘어 Bold" panose="020B0600000101010101" pitchFamily="50" charset="-127"/>
-                <a:ea typeface="나눔스퀘어 Bold" panose="020B0600000101010101" pitchFamily="50" charset="-127"/>
-              </a:rPr>
-              <a:t>내장 이진탐색 함수</a:t>
-            </a:r>
-          </a:p>
-        </p:txBody>
-      </p:sp>
-      <p:sp>
-        <p:nvSpPr>
-          <p:cNvPr id="4" name="TextBox 3">
-            <a:extLst>
-              <a:ext uri="{FF2B5EF4-FFF2-40B4-BE49-F238E27FC236}">
-                <a16:creationId xmlns:a16="http://schemas.microsoft.com/office/drawing/2014/main" id="{E866CD16-7CB6-E15D-46A4-64BC82AA86EC}"/>
-              </a:ext>
-            </a:extLst>
-          </p:cNvPr>
-          <p:cNvSpPr txBox="1"/>
-          <p:nvPr/>
-        </p:nvSpPr>
-        <p:spPr>
-          <a:xfrm>
-            <a:off x="942387" y="1443618"/>
-            <a:ext cx="10237694" cy="369332"/>
-          </a:xfrm>
-          <a:prstGeom prst="rect">
-            <a:avLst/>
-          </a:prstGeom>
-          <a:noFill/>
-        </p:spPr>
-        <p:txBody>
-          <a:bodyPr wrap="square" rtlCol="0">
-            <a:spAutoFit/>
-          </a:bodyPr>
-          <a:lstStyle/>
-          <a:p>
-            <a:r>
-              <a:rPr lang="ko-KR" altLang="en-US" dirty="0">
-                <a:latin typeface="나눔스퀘어 Light" panose="020B0600000101010101" pitchFamily="50" charset="-127"/>
-                <a:ea typeface="나눔스퀘어 Light" panose="020B0600000101010101" pitchFamily="50" charset="-127"/>
-              </a:rPr>
-              <a:t>정렬 함수와 마찬가지로</a:t>
-            </a:r>
-            <a:r>
-              <a:rPr lang="en-US" altLang="ko-KR" dirty="0">
-                <a:latin typeface="나눔스퀘어 Light" panose="020B0600000101010101" pitchFamily="50" charset="-127"/>
-                <a:ea typeface="나눔스퀘어 Light" panose="020B0600000101010101" pitchFamily="50" charset="-127"/>
-              </a:rPr>
-              <a:t>, </a:t>
-            </a:r>
-            <a:r>
-              <a:rPr lang="ko-KR" altLang="en-US" dirty="0">
-                <a:latin typeface="나눔스퀘어 Light" panose="020B0600000101010101" pitchFamily="50" charset="-127"/>
-                <a:ea typeface="나눔스퀘어 Light" panose="020B0600000101010101" pitchFamily="50" charset="-127"/>
-              </a:rPr>
-              <a:t>이진 탐색 함수를 직접 구현해 사용하는 것은 굉장히 비효율적입니다</a:t>
-            </a:r>
-            <a:r>
-              <a:rPr lang="en-US" altLang="ko-KR" dirty="0">
-                <a:latin typeface="나눔스퀘어 Light" panose="020B0600000101010101" pitchFamily="50" charset="-127"/>
-                <a:ea typeface="나눔스퀘어 Light" panose="020B0600000101010101" pitchFamily="50" charset="-127"/>
-              </a:rPr>
-              <a:t>.</a:t>
-            </a:r>
-            <a:endParaRPr lang="ko-KR" altLang="en-US" dirty="0">
-              <a:latin typeface="나눔스퀘어 Light" panose="020B0600000101010101" pitchFamily="50" charset="-127"/>
-              <a:ea typeface="나눔스퀘어 Light" panose="020B0600000101010101" pitchFamily="50" charset="-127"/>
-            </a:endParaRPr>
-          </a:p>
-        </p:txBody>
-      </p:sp>
-      <p:sp>
-        <p:nvSpPr>
-          <p:cNvPr id="11" name="TextBox 10">
-            <a:extLst>
-              <a:ext uri="{FF2B5EF4-FFF2-40B4-BE49-F238E27FC236}">
-                <a16:creationId xmlns:a16="http://schemas.microsoft.com/office/drawing/2014/main" id="{A0258E0C-DA7F-3C13-D12F-10E7910EE4A9}"/>
-              </a:ext>
-            </a:extLst>
-          </p:cNvPr>
-          <p:cNvSpPr txBox="1"/>
-          <p:nvPr/>
-        </p:nvSpPr>
-        <p:spPr>
-          <a:xfrm>
-            <a:off x="942387" y="1815064"/>
-            <a:ext cx="7601249" cy="369332"/>
-          </a:xfrm>
-          <a:prstGeom prst="rect">
-            <a:avLst/>
-          </a:prstGeom>
-          <a:noFill/>
-        </p:spPr>
-        <p:txBody>
-          <a:bodyPr wrap="square" rtlCol="0">
-            <a:spAutoFit/>
-          </a:bodyPr>
-          <a:lstStyle/>
-          <a:p>
-            <a:r>
-              <a:rPr lang="ko-KR" altLang="en-US" dirty="0">
-                <a:latin typeface="나눔스퀘어 Light" panose="020B0600000101010101" pitchFamily="50" charset="-127"/>
-                <a:ea typeface="나눔스퀘어 Light" panose="020B0600000101010101" pitchFamily="50" charset="-127"/>
-              </a:rPr>
-              <a:t>이에 언어별 내장 이진탐색 함수를 사용합니다</a:t>
-            </a:r>
-            <a:r>
-              <a:rPr lang="en-US" altLang="ko-KR" dirty="0">
-                <a:latin typeface="나눔스퀘어 Light" panose="020B0600000101010101" pitchFamily="50" charset="-127"/>
-                <a:ea typeface="나눔스퀘어 Light" panose="020B0600000101010101" pitchFamily="50" charset="-127"/>
-              </a:rPr>
-              <a:t>.</a:t>
-            </a:r>
-            <a:endParaRPr lang="ko-KR" altLang="en-US" dirty="0">
-              <a:latin typeface="나눔스퀘어 Light" panose="020B0600000101010101" pitchFamily="50" charset="-127"/>
-              <a:ea typeface="나눔스퀘어 Light" panose="020B0600000101010101" pitchFamily="50" charset="-127"/>
-            </a:endParaRPr>
-          </a:p>
-        </p:txBody>
-      </p:sp>
-      <p:sp>
-        <p:nvSpPr>
-          <p:cNvPr id="14" name="TextBox 13">
-            <a:extLst>
-              <a:ext uri="{FF2B5EF4-FFF2-40B4-BE49-F238E27FC236}">
-                <a16:creationId xmlns:a16="http://schemas.microsoft.com/office/drawing/2014/main" id="{1E50CBBD-0B41-9959-FE23-4646D2B64EFD}"/>
-              </a:ext>
-            </a:extLst>
-          </p:cNvPr>
-          <p:cNvSpPr txBox="1"/>
-          <p:nvPr/>
-        </p:nvSpPr>
-        <p:spPr>
-          <a:xfrm>
-            <a:off x="942387" y="3059668"/>
-            <a:ext cx="8542272" cy="369332"/>
-          </a:xfrm>
-          <a:prstGeom prst="rect">
-            <a:avLst/>
-          </a:prstGeom>
-          <a:noFill/>
-        </p:spPr>
-        <p:txBody>
-          <a:bodyPr wrap="square" rtlCol="0">
-            <a:spAutoFit/>
-          </a:bodyPr>
-          <a:lstStyle/>
-          <a:p>
-            <a:r>
-              <a:rPr lang="en-US" altLang="ko-KR" dirty="0">
-                <a:latin typeface="나눔스퀘어 Bold" panose="020B0600000101010101" pitchFamily="50" charset="-127"/>
-                <a:ea typeface="나눔스퀘어 Bold" panose="020B0600000101010101" pitchFamily="50" charset="-127"/>
-              </a:rPr>
-              <a:t>C</a:t>
-            </a:r>
-            <a:r>
-              <a:rPr lang="en-US" altLang="ko-KR" dirty="0">
-                <a:latin typeface="나눔스퀘어 Light" panose="020B0600000101010101" pitchFamily="50" charset="-127"/>
-                <a:ea typeface="나눔스퀘어 Light" panose="020B0600000101010101" pitchFamily="50" charset="-127"/>
-              </a:rPr>
-              <a:t> : </a:t>
-            </a:r>
-            <a:r>
-              <a:rPr lang="en-US" altLang="ko-KR" dirty="0" err="1">
-                <a:latin typeface="나눔스퀘어 Light" panose="020B0600000101010101" pitchFamily="50" charset="-127"/>
-                <a:ea typeface="나눔스퀘어 Light" panose="020B0600000101010101" pitchFamily="50" charset="-127"/>
-              </a:rPr>
-              <a:t>bsearch</a:t>
-            </a:r>
-            <a:r>
-              <a:rPr lang="en-US" altLang="ko-KR" dirty="0">
-                <a:latin typeface="나눔스퀘어 Light" panose="020B0600000101010101" pitchFamily="50" charset="-127"/>
-                <a:ea typeface="나눔스퀘어 Light" panose="020B0600000101010101" pitchFamily="50" charset="-127"/>
-              </a:rPr>
-              <a:t>()</a:t>
-            </a:r>
-            <a:endParaRPr lang="ko-KR" altLang="en-US" dirty="0">
-              <a:latin typeface="나눔스퀘어 Bold" panose="020B0600000101010101" pitchFamily="50" charset="-127"/>
-              <a:ea typeface="나눔스퀘어 Bold" panose="020B0600000101010101" pitchFamily="50" charset="-127"/>
-            </a:endParaRPr>
-          </a:p>
-        </p:txBody>
-      </p:sp>
-      <p:pic>
-        <p:nvPicPr>
-          <p:cNvPr id="16" name="그림 15">
-            <a:extLst>
-              <a:ext uri="{FF2B5EF4-FFF2-40B4-BE49-F238E27FC236}">
-                <a16:creationId xmlns:a16="http://schemas.microsoft.com/office/drawing/2014/main" id="{DE14884E-7978-B57E-3B28-A1B0B558851E}"/>
-              </a:ext>
-            </a:extLst>
-          </p:cNvPr>
-          <p:cNvPicPr>
-            <a:picLocks noChangeAspect="1"/>
-          </p:cNvPicPr>
-          <p:nvPr/>
-        </p:nvPicPr>
-        <p:blipFill>
-          <a:blip r:embed="rId2"/>
-          <a:stretch>
-            <a:fillRect/>
-          </a:stretch>
-        </p:blipFill>
-        <p:spPr>
-          <a:xfrm>
-            <a:off x="942387" y="3494453"/>
-            <a:ext cx="10237694" cy="1582886"/>
-          </a:xfrm>
-          <a:prstGeom prst="rect">
-            <a:avLst/>
-          </a:prstGeom>
-        </p:spPr>
-      </p:pic>
-      <p:sp>
-        <p:nvSpPr>
-          <p:cNvPr id="18" name="TextBox 17">
-            <a:extLst>
-              <a:ext uri="{FF2B5EF4-FFF2-40B4-BE49-F238E27FC236}">
-                <a16:creationId xmlns:a16="http://schemas.microsoft.com/office/drawing/2014/main" id="{5D347B0F-84F4-050D-4A52-94BEE92EBA9E}"/>
-              </a:ext>
-            </a:extLst>
-          </p:cNvPr>
-          <p:cNvSpPr txBox="1"/>
-          <p:nvPr/>
-        </p:nvSpPr>
-        <p:spPr>
-          <a:xfrm>
-            <a:off x="942387" y="5229716"/>
-            <a:ext cx="10237694" cy="369332"/>
-          </a:xfrm>
-          <a:prstGeom prst="rect">
-            <a:avLst/>
-          </a:prstGeom>
-          <a:noFill/>
-        </p:spPr>
-        <p:txBody>
-          <a:bodyPr wrap="square" rtlCol="0">
-            <a:spAutoFit/>
-          </a:bodyPr>
-          <a:lstStyle/>
-          <a:p>
-            <a:r>
-              <a:rPr lang="en-US" altLang="ko-KR" dirty="0">
-                <a:latin typeface="나눔스퀘어 Light" panose="020B0600000101010101" pitchFamily="50" charset="-127"/>
-                <a:ea typeface="나눔스퀘어 Light" panose="020B0600000101010101" pitchFamily="50" charset="-127"/>
-              </a:rPr>
-              <a:t>C</a:t>
-            </a:r>
-            <a:r>
-              <a:rPr lang="ko-KR" altLang="en-US" dirty="0">
-                <a:latin typeface="나눔스퀘어 Light" panose="020B0600000101010101" pitchFamily="50" charset="-127"/>
-                <a:ea typeface="나눔스퀘어 Light" panose="020B0600000101010101" pitchFamily="50" charset="-127"/>
-              </a:rPr>
-              <a:t>언어의 </a:t>
-            </a:r>
-            <a:r>
-              <a:rPr lang="en-US" altLang="ko-KR" dirty="0" err="1">
-                <a:latin typeface="나눔스퀘어 Light" panose="020B0600000101010101" pitchFamily="50" charset="-127"/>
-                <a:ea typeface="나눔스퀘어 Light" panose="020B0600000101010101" pitchFamily="50" charset="-127"/>
-              </a:rPr>
-              <a:t>bsearch</a:t>
-            </a:r>
-            <a:r>
-              <a:rPr lang="en-US" altLang="ko-KR" dirty="0">
-                <a:latin typeface="나눔스퀘어 Light" panose="020B0600000101010101" pitchFamily="50" charset="-127"/>
-                <a:ea typeface="나눔스퀘어 Light" panose="020B0600000101010101" pitchFamily="50" charset="-127"/>
-              </a:rPr>
-              <a:t>() </a:t>
-            </a:r>
-            <a:r>
-              <a:rPr lang="ko-KR" altLang="en-US" dirty="0">
-                <a:latin typeface="나눔스퀘어 Light" panose="020B0600000101010101" pitchFamily="50" charset="-127"/>
-                <a:ea typeface="나눔스퀘어 Light" panose="020B0600000101010101" pitchFamily="50" charset="-127"/>
-              </a:rPr>
-              <a:t>함수는 </a:t>
-            </a:r>
-            <a:r>
-              <a:rPr lang="en-US" altLang="ko-KR" dirty="0">
-                <a:latin typeface="나눔스퀘어 Light" panose="020B0600000101010101" pitchFamily="50" charset="-127"/>
-                <a:ea typeface="나눔스퀘어 Light" panose="020B0600000101010101" pitchFamily="50" charset="-127"/>
-              </a:rPr>
-              <a:t>key</a:t>
-            </a:r>
-            <a:r>
-              <a:rPr lang="ko-KR" altLang="en-US" dirty="0">
-                <a:latin typeface="나눔스퀘어 Light" panose="020B0600000101010101" pitchFamily="50" charset="-127"/>
-                <a:ea typeface="나눔스퀘어 Light" panose="020B0600000101010101" pitchFamily="50" charset="-127"/>
-              </a:rPr>
-              <a:t>로 들어간 값이 배열에 있는지 탐색하여 탐색에 성공할 경우 그 값의</a:t>
-            </a:r>
-          </a:p>
-        </p:txBody>
-      </p:sp>
-      <p:sp>
-        <p:nvSpPr>
-          <p:cNvPr id="19" name="TextBox 18">
-            <a:extLst>
-              <a:ext uri="{FF2B5EF4-FFF2-40B4-BE49-F238E27FC236}">
-                <a16:creationId xmlns:a16="http://schemas.microsoft.com/office/drawing/2014/main" id="{C498B104-4317-7CA9-1CAD-144BB832B559}"/>
-              </a:ext>
-            </a:extLst>
-          </p:cNvPr>
-          <p:cNvSpPr txBox="1"/>
-          <p:nvPr/>
-        </p:nvSpPr>
-        <p:spPr>
-          <a:xfrm>
-            <a:off x="942387" y="5610116"/>
-            <a:ext cx="10237694" cy="369332"/>
-          </a:xfrm>
-          <a:prstGeom prst="rect">
-            <a:avLst/>
-          </a:prstGeom>
-          <a:noFill/>
-        </p:spPr>
-        <p:txBody>
-          <a:bodyPr wrap="square" rtlCol="0">
-            <a:spAutoFit/>
-          </a:bodyPr>
-          <a:lstStyle/>
-          <a:p>
-            <a:r>
-              <a:rPr lang="ko-KR" altLang="en-US" dirty="0">
-                <a:latin typeface="나눔스퀘어 Light" panose="020B0600000101010101" pitchFamily="50" charset="-127"/>
-                <a:ea typeface="나눔스퀘어 Light" panose="020B0600000101010101" pitchFamily="50" charset="-127"/>
-              </a:rPr>
-              <a:t>포인터를 반환하고</a:t>
-            </a:r>
-            <a:r>
-              <a:rPr lang="en-US" altLang="ko-KR" dirty="0">
-                <a:latin typeface="나눔스퀘어 Light" panose="020B0600000101010101" pitchFamily="50" charset="-127"/>
-                <a:ea typeface="나눔스퀘어 Light" panose="020B0600000101010101" pitchFamily="50" charset="-127"/>
-              </a:rPr>
-              <a:t>, </a:t>
-            </a:r>
-            <a:r>
-              <a:rPr lang="ko-KR" altLang="en-US" dirty="0">
-                <a:latin typeface="나눔스퀘어 Light" panose="020B0600000101010101" pitchFamily="50" charset="-127"/>
-                <a:ea typeface="나눔스퀘어 Light" panose="020B0600000101010101" pitchFamily="50" charset="-127"/>
-              </a:rPr>
-              <a:t>실패할 경우 </a:t>
-            </a:r>
-            <a:r>
-              <a:rPr lang="en-US" altLang="ko-KR" dirty="0">
-                <a:latin typeface="나눔스퀘어 Light" panose="020B0600000101010101" pitchFamily="50" charset="-127"/>
-                <a:ea typeface="나눔스퀘어 Light" panose="020B0600000101010101" pitchFamily="50" charset="-127"/>
-              </a:rPr>
-              <a:t>NULL </a:t>
-            </a:r>
-            <a:r>
-              <a:rPr lang="ko-KR" altLang="en-US" dirty="0">
-                <a:latin typeface="나눔스퀘어 Light" panose="020B0600000101010101" pitchFamily="50" charset="-127"/>
-                <a:ea typeface="나눔스퀘어 Light" panose="020B0600000101010101" pitchFamily="50" charset="-127"/>
-              </a:rPr>
-              <a:t>포인터를 반환합니다</a:t>
-            </a:r>
-            <a:r>
-              <a:rPr lang="en-US" altLang="ko-KR" dirty="0">
-                <a:latin typeface="나눔스퀘어 Light" panose="020B0600000101010101" pitchFamily="50" charset="-127"/>
-                <a:ea typeface="나눔스퀘어 Light" panose="020B0600000101010101" pitchFamily="50" charset="-127"/>
-              </a:rPr>
-              <a:t>.</a:t>
-            </a:r>
-            <a:endParaRPr lang="ko-KR" altLang="en-US" dirty="0">
-              <a:latin typeface="나눔스퀘어 Light" panose="020B0600000101010101" pitchFamily="50" charset="-127"/>
-              <a:ea typeface="나눔스퀘어 Light" panose="020B0600000101010101" pitchFamily="50" charset="-127"/>
-            </a:endParaRPr>
-          </a:p>
-        </p:txBody>
-      </p:sp>
-    </p:spTree>
-    <p:extLst>
-      <p:ext uri="{BB962C8B-B14F-4D97-AF65-F5344CB8AC3E}">
-        <p14:creationId xmlns:p14="http://schemas.microsoft.com/office/powerpoint/2010/main" val="2399906574"/>
-      </p:ext>
-    </p:extLst>
-  </p:cSld>
-  <p:clrMapOvr>
-    <a:masterClrMapping/>
-  </p:clrMapOvr>
-</p:sld>
-</file>
-
 <file path=ppt/slides/slide26.xml><?xml version="1.0" encoding="utf-8"?>
 <p:sld xmlns:a="http://schemas.openxmlformats.org/drawingml/2006/main" xmlns:r="http://schemas.openxmlformats.org/officeDocument/2006/relationships" xmlns:p="http://schemas.openxmlformats.org/presentationml/2006/main">
   <p:cSld>
@@ -14380,10 +12218,10 @@
       </p:sp>
       <p:sp>
         <p:nvSpPr>
-          <p:cNvPr id="14" name="TextBox 13">
-            <a:extLst>
-              <a:ext uri="{FF2B5EF4-FFF2-40B4-BE49-F238E27FC236}">
-                <a16:creationId xmlns:a16="http://schemas.microsoft.com/office/drawing/2014/main" id="{1E50CBBD-0B41-9959-FE23-4646D2B64EFD}"/>
+          <p:cNvPr id="3" name="TextBox 2">
+            <a:extLst>
+              <a:ext uri="{FF2B5EF4-FFF2-40B4-BE49-F238E27FC236}">
+                <a16:creationId xmlns:a16="http://schemas.microsoft.com/office/drawing/2014/main" id="{405C1E2A-5E8B-9374-4FB2-9976572CC222}"/>
               </a:ext>
             </a:extLst>
           </p:cNvPr>
@@ -14407,11 +12245,161 @@
           <a:lstStyle/>
           <a:p>
             <a:r>
-              <a:rPr lang="en-US" altLang="ko-KR" dirty="0">
+              <a:rPr lang="ko-KR" altLang="en-US" dirty="0">
                 <a:latin typeface="나눔스퀘어 Bold" panose="020B0600000101010101" pitchFamily="50" charset="-127"/>
                 <a:ea typeface="나눔스퀘어 Bold" panose="020B0600000101010101" pitchFamily="50" charset="-127"/>
               </a:rPr>
-              <a:t>Java</a:t>
+              <a:t>내장 이진탐색 함수</a:t>
+            </a:r>
+          </a:p>
+        </p:txBody>
+      </p:sp>
+      <p:sp>
+        <p:nvSpPr>
+          <p:cNvPr id="4" name="TextBox 3">
+            <a:extLst>
+              <a:ext uri="{FF2B5EF4-FFF2-40B4-BE49-F238E27FC236}">
+                <a16:creationId xmlns:a16="http://schemas.microsoft.com/office/drawing/2014/main" id="{E866CD16-7CB6-E15D-46A4-64BC82AA86EC}"/>
+              </a:ext>
+            </a:extLst>
+          </p:cNvPr>
+          <p:cNvSpPr txBox="1"/>
+          <p:nvPr/>
+        </p:nvSpPr>
+        <p:spPr>
+          <a:xfrm>
+            <a:off x="942387" y="1443618"/>
+            <a:ext cx="10237694" cy="369332"/>
+          </a:xfrm>
+          <a:prstGeom prst="rect">
+            <a:avLst/>
+          </a:prstGeom>
+          <a:noFill/>
+        </p:spPr>
+        <p:txBody>
+          <a:bodyPr wrap="square" rtlCol="0">
+            <a:spAutoFit/>
+          </a:bodyPr>
+          <a:lstStyle/>
+          <a:p>
+            <a:r>
+              <a:rPr lang="ko-KR" altLang="en-US" dirty="0">
+                <a:latin typeface="나눔스퀘어 Light" panose="020B0600000101010101" pitchFamily="50" charset="-127"/>
+                <a:ea typeface="나눔스퀘어 Light" panose="020B0600000101010101" pitchFamily="50" charset="-127"/>
+              </a:rPr>
+              <a:t>정렬 함수와 마찬가지로</a:t>
+            </a:r>
+            <a:r>
+              <a:rPr lang="en-US" altLang="ko-KR" dirty="0">
+                <a:latin typeface="나눔스퀘어 Light" panose="020B0600000101010101" pitchFamily="50" charset="-127"/>
+                <a:ea typeface="나눔스퀘어 Light" panose="020B0600000101010101" pitchFamily="50" charset="-127"/>
+              </a:rPr>
+              <a:t>, </a:t>
+            </a:r>
+            <a:r>
+              <a:rPr lang="ko-KR" altLang="en-US" dirty="0">
+                <a:latin typeface="나눔스퀘어 Light" panose="020B0600000101010101" pitchFamily="50" charset="-127"/>
+                <a:ea typeface="나눔스퀘어 Light" panose="020B0600000101010101" pitchFamily="50" charset="-127"/>
+              </a:rPr>
+              <a:t>이진 탐색 함수를 직접 구현해 사용하는 것은 굉장히 비효율적입니다</a:t>
+            </a:r>
+            <a:r>
+              <a:rPr lang="en-US" altLang="ko-KR" dirty="0">
+                <a:latin typeface="나눔스퀘어 Light" panose="020B0600000101010101" pitchFamily="50" charset="-127"/>
+                <a:ea typeface="나눔스퀘어 Light" panose="020B0600000101010101" pitchFamily="50" charset="-127"/>
+              </a:rPr>
+              <a:t>.</a:t>
+            </a:r>
+            <a:endParaRPr lang="ko-KR" altLang="en-US" dirty="0">
+              <a:latin typeface="나눔스퀘어 Light" panose="020B0600000101010101" pitchFamily="50" charset="-127"/>
+              <a:ea typeface="나눔스퀘어 Light" panose="020B0600000101010101" pitchFamily="50" charset="-127"/>
+            </a:endParaRPr>
+          </a:p>
+        </p:txBody>
+      </p:sp>
+      <p:sp>
+        <p:nvSpPr>
+          <p:cNvPr id="11" name="TextBox 10">
+            <a:extLst>
+              <a:ext uri="{FF2B5EF4-FFF2-40B4-BE49-F238E27FC236}">
+                <a16:creationId xmlns:a16="http://schemas.microsoft.com/office/drawing/2014/main" id="{A0258E0C-DA7F-3C13-D12F-10E7910EE4A9}"/>
+              </a:ext>
+            </a:extLst>
+          </p:cNvPr>
+          <p:cNvSpPr txBox="1"/>
+          <p:nvPr/>
+        </p:nvSpPr>
+        <p:spPr>
+          <a:xfrm>
+            <a:off x="942387" y="1815064"/>
+            <a:ext cx="7601249" cy="369332"/>
+          </a:xfrm>
+          <a:prstGeom prst="rect">
+            <a:avLst/>
+          </a:prstGeom>
+          <a:noFill/>
+        </p:spPr>
+        <p:txBody>
+          <a:bodyPr wrap="square" rtlCol="0">
+            <a:spAutoFit/>
+          </a:bodyPr>
+          <a:lstStyle/>
+          <a:p>
+            <a:r>
+              <a:rPr lang="ko-KR" altLang="en-US" dirty="0">
+                <a:latin typeface="나눔스퀘어 Light" panose="020B0600000101010101" pitchFamily="50" charset="-127"/>
+                <a:ea typeface="나눔스퀘어 Light" panose="020B0600000101010101" pitchFamily="50" charset="-127"/>
+              </a:rPr>
+              <a:t>이에 언어별 내장 이진탐색 함수를 사용합니다</a:t>
+            </a:r>
+            <a:r>
+              <a:rPr lang="en-US" altLang="ko-KR" dirty="0">
+                <a:latin typeface="나눔스퀘어 Light" panose="020B0600000101010101" pitchFamily="50" charset="-127"/>
+                <a:ea typeface="나눔스퀘어 Light" panose="020B0600000101010101" pitchFamily="50" charset="-127"/>
+              </a:rPr>
+              <a:t>.</a:t>
+            </a:r>
+            <a:endParaRPr lang="ko-KR" altLang="en-US" dirty="0">
+              <a:latin typeface="나눔스퀘어 Light" panose="020B0600000101010101" pitchFamily="50" charset="-127"/>
+              <a:ea typeface="나눔스퀘어 Light" panose="020B0600000101010101" pitchFamily="50" charset="-127"/>
+            </a:endParaRPr>
+          </a:p>
+        </p:txBody>
+      </p:sp>
+      <p:sp>
+        <p:nvSpPr>
+          <p:cNvPr id="14" name="TextBox 13">
+            <a:extLst>
+              <a:ext uri="{FF2B5EF4-FFF2-40B4-BE49-F238E27FC236}">
+                <a16:creationId xmlns:a16="http://schemas.microsoft.com/office/drawing/2014/main" id="{1E50CBBD-0B41-9959-FE23-4646D2B64EFD}"/>
+              </a:ext>
+            </a:extLst>
+          </p:cNvPr>
+          <p:cNvSpPr txBox="1"/>
+          <p:nvPr/>
+        </p:nvSpPr>
+        <p:spPr>
+          <a:xfrm>
+            <a:off x="942387" y="3059668"/>
+            <a:ext cx="8542272" cy="369332"/>
+          </a:xfrm>
+          <a:prstGeom prst="rect">
+            <a:avLst/>
+          </a:prstGeom>
+          <a:noFill/>
+        </p:spPr>
+        <p:txBody>
+          <a:bodyPr wrap="square" rtlCol="0">
+            <a:spAutoFit/>
+          </a:bodyPr>
+          <a:lstStyle/>
+          <a:p>
+            <a:r>
+              <a:rPr lang="en-US" altLang="ko-KR" dirty="0">
+                <a:latin typeface="나눔스퀘어 Bold" panose="020B0600000101010101" pitchFamily="50" charset="-127"/>
+                <a:ea typeface="나눔스퀘어 Bold" panose="020B0600000101010101" pitchFamily="50" charset="-127"/>
+              </a:rPr>
+              <a:t>C</a:t>
             </a:r>
             <a:r>
               <a:rPr lang="en-US" altLang="ko-KR" dirty="0">
@@ -14425,7 +12413,7 @@
                 <a:latin typeface="나눔스퀘어 Light" panose="020B0600000101010101" pitchFamily="50" charset="-127"/>
                 <a:ea typeface="나눔스퀘어 Light" panose="020B0600000101010101" pitchFamily="50" charset="-127"/>
               </a:rPr>
-              <a:t>Arrays.binarySearch</a:t>
+              <a:t>bsearch</a:t>
             </a:r>
             <a:r>
               <a:rPr lang="en-US" altLang="ko-KR" dirty="0">
@@ -14441,197 +12429,12 @@
           </a:p>
         </p:txBody>
       </p:sp>
-      <p:sp>
-        <p:nvSpPr>
-          <p:cNvPr id="18" name="TextBox 17">
-            <a:extLst>
-              <a:ext uri="{FF2B5EF4-FFF2-40B4-BE49-F238E27FC236}">
-                <a16:creationId xmlns:a16="http://schemas.microsoft.com/office/drawing/2014/main" id="{5D347B0F-84F4-050D-4A52-94BEE92EBA9E}"/>
-              </a:ext>
-            </a:extLst>
-          </p:cNvPr>
-          <p:cNvSpPr txBox="1"/>
-          <p:nvPr/>
-        </p:nvSpPr>
-        <p:spPr>
-          <a:xfrm>
-            <a:off x="942387" y="3244334"/>
-            <a:ext cx="10237694" cy="369332"/>
-          </a:xfrm>
-          <a:prstGeom prst="rect">
-            <a:avLst/>
-          </a:prstGeom>
-          <a:noFill/>
-        </p:spPr>
-        <p:txBody>
-          <a:bodyPr wrap="square" rtlCol="0">
-            <a:spAutoFit/>
-          </a:bodyPr>
-          <a:lstStyle/>
-          <a:p>
-            <a:r>
-              <a:rPr lang="en-US" altLang="ko-KR" dirty="0">
-                <a:latin typeface="나눔스퀘어 Light" panose="020B0600000101010101" pitchFamily="50" charset="-127"/>
-                <a:ea typeface="나눔스퀘어 Light" panose="020B0600000101010101" pitchFamily="50" charset="-127"/>
-              </a:rPr>
-              <a:t>Java</a:t>
-            </a:r>
-            <a:r>
-              <a:rPr lang="ko-KR" altLang="en-US" dirty="0">
-                <a:latin typeface="나눔스퀘어 Light" panose="020B0600000101010101" pitchFamily="50" charset="-127"/>
-                <a:ea typeface="나눔스퀘어 Light" panose="020B0600000101010101" pitchFamily="50" charset="-127"/>
-              </a:rPr>
-              <a:t>의 </a:t>
-            </a:r>
-            <a:r>
-              <a:rPr lang="en-US" altLang="ko-KR" dirty="0" err="1">
-                <a:latin typeface="나눔스퀘어 Light" panose="020B0600000101010101" pitchFamily="50" charset="-127"/>
-                <a:ea typeface="나눔스퀘어 Light" panose="020B0600000101010101" pitchFamily="50" charset="-127"/>
-              </a:rPr>
-              <a:t>Arrays.binarySearch</a:t>
-            </a:r>
-            <a:r>
-              <a:rPr lang="en-US" altLang="ko-KR" dirty="0">
-                <a:latin typeface="나눔스퀘어 Light" panose="020B0600000101010101" pitchFamily="50" charset="-127"/>
-                <a:ea typeface="나눔스퀘어 Light" panose="020B0600000101010101" pitchFamily="50" charset="-127"/>
-              </a:rPr>
-              <a:t>() </a:t>
-            </a:r>
-            <a:r>
-              <a:rPr lang="ko-KR" altLang="en-US" dirty="0">
-                <a:latin typeface="나눔스퀘어 Light" panose="020B0600000101010101" pitchFamily="50" charset="-127"/>
-                <a:ea typeface="나눔스퀘어 Light" panose="020B0600000101010101" pitchFamily="50" charset="-127"/>
-              </a:rPr>
-              <a:t>메서드는 </a:t>
-            </a:r>
-            <a:r>
-              <a:rPr lang="en-US" altLang="ko-KR" dirty="0">
-                <a:latin typeface="나눔스퀘어 Light" panose="020B0600000101010101" pitchFamily="50" charset="-127"/>
-                <a:ea typeface="나눔스퀘어 Light" panose="020B0600000101010101" pitchFamily="50" charset="-127"/>
-              </a:rPr>
-              <a:t>key</a:t>
-            </a:r>
-            <a:r>
-              <a:rPr lang="ko-KR" altLang="en-US" dirty="0">
-                <a:latin typeface="나눔스퀘어 Light" panose="020B0600000101010101" pitchFamily="50" charset="-127"/>
-                <a:ea typeface="나눔스퀘어 Light" panose="020B0600000101010101" pitchFamily="50" charset="-127"/>
-              </a:rPr>
-              <a:t>로 들어간 값이 배열에 있는지 탐색하여 값을 찾을 경우</a:t>
-            </a:r>
-          </a:p>
-        </p:txBody>
-      </p:sp>
-      <p:sp>
-        <p:nvSpPr>
-          <p:cNvPr id="19" name="TextBox 18">
-            <a:extLst>
-              <a:ext uri="{FF2B5EF4-FFF2-40B4-BE49-F238E27FC236}">
-                <a16:creationId xmlns:a16="http://schemas.microsoft.com/office/drawing/2014/main" id="{C498B104-4317-7CA9-1CAD-144BB832B559}"/>
-              </a:ext>
-            </a:extLst>
-          </p:cNvPr>
-          <p:cNvSpPr txBox="1"/>
-          <p:nvPr/>
-        </p:nvSpPr>
-        <p:spPr>
-          <a:xfrm>
-            <a:off x="942387" y="3624734"/>
-            <a:ext cx="10237694" cy="369332"/>
-          </a:xfrm>
-          <a:prstGeom prst="rect">
-            <a:avLst/>
-          </a:prstGeom>
-          <a:noFill/>
-        </p:spPr>
-        <p:txBody>
-          <a:bodyPr wrap="square" rtlCol="0">
-            <a:spAutoFit/>
-          </a:bodyPr>
-          <a:lstStyle/>
-          <a:p>
-            <a:r>
-              <a:rPr lang="ko-KR" altLang="en-US" dirty="0">
-                <a:latin typeface="나눔스퀘어 Light" panose="020B0600000101010101" pitchFamily="50" charset="-127"/>
-                <a:ea typeface="나눔스퀘어 Light" panose="020B0600000101010101" pitchFamily="50" charset="-127"/>
-              </a:rPr>
-              <a:t>위치를 반환하고</a:t>
-            </a:r>
-            <a:r>
-              <a:rPr lang="en-US" altLang="ko-KR" dirty="0">
-                <a:latin typeface="나눔스퀘어 Light" panose="020B0600000101010101" pitchFamily="50" charset="-127"/>
-                <a:ea typeface="나눔스퀘어 Light" panose="020B0600000101010101" pitchFamily="50" charset="-127"/>
-              </a:rPr>
-              <a:t>, </a:t>
-            </a:r>
-            <a:r>
-              <a:rPr lang="ko-KR" altLang="en-US" dirty="0">
-                <a:latin typeface="나눔스퀘어 Light" panose="020B0600000101010101" pitchFamily="50" charset="-127"/>
-                <a:ea typeface="나눔스퀘어 Light" panose="020B0600000101010101" pitchFamily="50" charset="-127"/>
-              </a:rPr>
-              <a:t>찾지 못할 경우에는 </a:t>
-            </a:r>
-            <a:r>
-              <a:rPr lang="en-US" altLang="ko-KR" dirty="0">
-                <a:latin typeface="나눔스퀘어 Light" panose="020B0600000101010101" pitchFamily="50" charset="-127"/>
-                <a:ea typeface="나눔스퀘어 Light" panose="020B0600000101010101" pitchFamily="50" charset="-127"/>
-              </a:rPr>
-              <a:t>(</a:t>
-            </a:r>
-            <a:r>
-              <a:rPr lang="ko-KR" altLang="en-US" dirty="0">
-                <a:latin typeface="나눔스퀘어 Light" panose="020B0600000101010101" pitchFamily="50" charset="-127"/>
-                <a:ea typeface="나눔스퀘어 Light" panose="020B0600000101010101" pitchFamily="50" charset="-127"/>
-              </a:rPr>
-              <a:t>들어갈 자리 </a:t>
-            </a:r>
-            <a:r>
-              <a:rPr lang="en-US" altLang="ko-KR" dirty="0">
-                <a:latin typeface="나눔스퀘어 Light" panose="020B0600000101010101" pitchFamily="50" charset="-127"/>
-                <a:ea typeface="나눔스퀘어 Light" panose="020B0600000101010101" pitchFamily="50" charset="-127"/>
-              </a:rPr>
-              <a:t>× -1 – 1) (</a:t>
-            </a:r>
-            <a:r>
-              <a:rPr lang="en-US" altLang="ko-KR" dirty="0" err="1">
-                <a:latin typeface="나눔스퀘어 Light" panose="020B0600000101010101" pitchFamily="50" charset="-127"/>
-                <a:ea typeface="나눔스퀘어 Light" panose="020B0600000101010101" pitchFamily="50" charset="-127"/>
-              </a:rPr>
-              <a:t>lower_bound</a:t>
-            </a:r>
-            <a:r>
-              <a:rPr lang="en-US" altLang="ko-KR" dirty="0">
-                <a:latin typeface="나눔스퀘어 Light" panose="020B0600000101010101" pitchFamily="50" charset="-127"/>
-                <a:ea typeface="나눔스퀘어 Light" panose="020B0600000101010101" pitchFamily="50" charset="-127"/>
-              </a:rPr>
-              <a:t>) </a:t>
-            </a:r>
-            <a:r>
-              <a:rPr lang="ko-KR" altLang="en-US" dirty="0">
-                <a:latin typeface="나눔스퀘어 Light" panose="020B0600000101010101" pitchFamily="50" charset="-127"/>
-                <a:ea typeface="나눔스퀘어 Light" panose="020B0600000101010101" pitchFamily="50" charset="-127"/>
-              </a:rPr>
-              <a:t>을 반환합니다</a:t>
-            </a:r>
-            <a:r>
-              <a:rPr lang="en-US" altLang="ko-KR" dirty="0">
-                <a:latin typeface="나눔스퀘어 Light" panose="020B0600000101010101" pitchFamily="50" charset="-127"/>
-                <a:ea typeface="나눔스퀘어 Light" panose="020B0600000101010101" pitchFamily="50" charset="-127"/>
-              </a:rPr>
-              <a:t>.</a:t>
-            </a:r>
-            <a:endParaRPr lang="ko-KR" altLang="en-US" dirty="0">
-              <a:latin typeface="나눔스퀘어 Light" panose="020B0600000101010101" pitchFamily="50" charset="-127"/>
-              <a:ea typeface="나눔스퀘어 Light" panose="020B0600000101010101" pitchFamily="50" charset="-127"/>
-            </a:endParaRPr>
-          </a:p>
-        </p:txBody>
-      </p:sp>
       <p:pic>
         <p:nvPicPr>
-          <p:cNvPr id="7" name="그림 6">
-            <a:extLst>
-              <a:ext uri="{FF2B5EF4-FFF2-40B4-BE49-F238E27FC236}">
-                <a16:creationId xmlns:a16="http://schemas.microsoft.com/office/drawing/2014/main" id="{C63CF80A-531D-10F9-FB64-C6A4C1D31E72}"/>
+          <p:cNvPr id="16" name="그림 15">
+            <a:extLst>
+              <a:ext uri="{FF2B5EF4-FFF2-40B4-BE49-F238E27FC236}">
+                <a16:creationId xmlns:a16="http://schemas.microsoft.com/office/drawing/2014/main" id="{DE14884E-7978-B57E-3B28-A1B0B558851E}"/>
               </a:ext>
             </a:extLst>
           </p:cNvPr>
@@ -14648,18 +12451,175 @@
         </p:blipFill>
         <p:spPr>
           <a:xfrm>
-            <a:off x="942387" y="1480610"/>
-            <a:ext cx="6818392" cy="1422846"/>
+            <a:off x="942387" y="3494453"/>
+            <a:ext cx="10237694" cy="1582886"/>
           </a:xfrm>
           <a:prstGeom prst="rect">
             <a:avLst/>
           </a:prstGeom>
         </p:spPr>
       </p:pic>
+      <p:sp>
+        <p:nvSpPr>
+          <p:cNvPr id="18" name="TextBox 17">
+            <a:extLst>
+              <a:ext uri="{FF2B5EF4-FFF2-40B4-BE49-F238E27FC236}">
+                <a16:creationId xmlns:a16="http://schemas.microsoft.com/office/drawing/2014/main" id="{5D347B0F-84F4-050D-4A52-94BEE92EBA9E}"/>
+              </a:ext>
+            </a:extLst>
+          </p:cNvPr>
+          <p:cNvSpPr txBox="1"/>
+          <p:nvPr/>
+        </p:nvSpPr>
+        <p:spPr>
+          <a:xfrm>
+            <a:off x="942387" y="5229716"/>
+            <a:ext cx="10237694" cy="369332"/>
+          </a:xfrm>
+          <a:prstGeom prst="rect">
+            <a:avLst/>
+          </a:prstGeom>
+          <a:noFill/>
+        </p:spPr>
+        <p:txBody>
+          <a:bodyPr wrap="square" rtlCol="0">
+            <a:spAutoFit/>
+          </a:bodyPr>
+          <a:lstStyle/>
+          <a:p>
+            <a:r>
+              <a:rPr lang="en-US" altLang="ko-KR" dirty="0">
+                <a:latin typeface="나눔스퀘어 Light" panose="020B0600000101010101" pitchFamily="50" charset="-127"/>
+                <a:ea typeface="나눔스퀘어 Light" panose="020B0600000101010101" pitchFamily="50" charset="-127"/>
+              </a:rPr>
+              <a:t>C</a:t>
+            </a:r>
+            <a:r>
+              <a:rPr lang="ko-KR" altLang="en-US" dirty="0">
+                <a:latin typeface="나눔스퀘어 Light" panose="020B0600000101010101" pitchFamily="50" charset="-127"/>
+                <a:ea typeface="나눔스퀘어 Light" panose="020B0600000101010101" pitchFamily="50" charset="-127"/>
+              </a:rPr>
+              <a:t>언어의 </a:t>
+            </a:r>
+            <a:r>
+              <a:rPr lang="en-US" altLang="ko-KR" dirty="0" err="1">
+                <a:latin typeface="나눔스퀘어 Light" panose="020B0600000101010101" pitchFamily="50" charset="-127"/>
+                <a:ea typeface="나눔스퀘어 Light" panose="020B0600000101010101" pitchFamily="50" charset="-127"/>
+              </a:rPr>
+              <a:t>bsearch</a:t>
+            </a:r>
+            <a:r>
+              <a:rPr lang="en-US" altLang="ko-KR" dirty="0">
+                <a:latin typeface="나눔스퀘어 Light" panose="020B0600000101010101" pitchFamily="50" charset="-127"/>
+                <a:ea typeface="나눔스퀘어 Light" panose="020B0600000101010101" pitchFamily="50" charset="-127"/>
+              </a:rPr>
+              <a:t>() </a:t>
+            </a:r>
+            <a:r>
+              <a:rPr lang="ko-KR" altLang="en-US" dirty="0">
+                <a:latin typeface="나눔스퀘어 Light" panose="020B0600000101010101" pitchFamily="50" charset="-127"/>
+                <a:ea typeface="나눔스퀘어 Light" panose="020B0600000101010101" pitchFamily="50" charset="-127"/>
+              </a:rPr>
+              <a:t>함수는 </a:t>
+            </a:r>
+            <a:r>
+              <a:rPr lang="en-US" altLang="ko-KR" dirty="0">
+                <a:latin typeface="나눔스퀘어 Light" panose="020B0600000101010101" pitchFamily="50" charset="-127"/>
+                <a:ea typeface="나눔스퀘어 Light" panose="020B0600000101010101" pitchFamily="50" charset="-127"/>
+              </a:rPr>
+              <a:t>key</a:t>
+            </a:r>
+            <a:r>
+              <a:rPr lang="ko-KR" altLang="en-US" dirty="0">
+                <a:latin typeface="나눔스퀘어 Light" panose="020B0600000101010101" pitchFamily="50" charset="-127"/>
+                <a:ea typeface="나눔스퀘어 Light" panose="020B0600000101010101" pitchFamily="50" charset="-127"/>
+              </a:rPr>
+              <a:t>로 들어간 값이 배열에 있는지 탐색하여 탐색에 성공할 경우 그 값의</a:t>
+            </a:r>
+          </a:p>
+        </p:txBody>
+      </p:sp>
+      <p:sp>
+        <p:nvSpPr>
+          <p:cNvPr id="19" name="TextBox 18">
+            <a:extLst>
+              <a:ext uri="{FF2B5EF4-FFF2-40B4-BE49-F238E27FC236}">
+                <a16:creationId xmlns:a16="http://schemas.microsoft.com/office/drawing/2014/main" id="{C498B104-4317-7CA9-1CAD-144BB832B559}"/>
+              </a:ext>
+            </a:extLst>
+          </p:cNvPr>
+          <p:cNvSpPr txBox="1"/>
+          <p:nvPr/>
+        </p:nvSpPr>
+        <p:spPr>
+          <a:xfrm>
+            <a:off x="942387" y="5610116"/>
+            <a:ext cx="10237694" cy="369332"/>
+          </a:xfrm>
+          <a:prstGeom prst="rect">
+            <a:avLst/>
+          </a:prstGeom>
+          <a:noFill/>
+        </p:spPr>
+        <p:txBody>
+          <a:bodyPr wrap="square" rtlCol="0">
+            <a:spAutoFit/>
+          </a:bodyPr>
+          <a:lstStyle/>
+          <a:p>
+            <a:r>
+              <a:rPr lang="ko-KR" altLang="en-US" dirty="0">
+                <a:latin typeface="나눔스퀘어 Light" panose="020B0600000101010101" pitchFamily="50" charset="-127"/>
+                <a:ea typeface="나눔스퀘어 Light" panose="020B0600000101010101" pitchFamily="50" charset="-127"/>
+              </a:rPr>
+              <a:t>포인터를 반환하고</a:t>
+            </a:r>
+            <a:r>
+              <a:rPr lang="en-US" altLang="ko-KR" dirty="0">
+                <a:latin typeface="나눔스퀘어 Light" panose="020B0600000101010101" pitchFamily="50" charset="-127"/>
+                <a:ea typeface="나눔스퀘어 Light" panose="020B0600000101010101" pitchFamily="50" charset="-127"/>
+              </a:rPr>
+              <a:t>, </a:t>
+            </a:r>
+            <a:r>
+              <a:rPr lang="ko-KR" altLang="en-US" dirty="0">
+                <a:latin typeface="나눔스퀘어 Light" panose="020B0600000101010101" pitchFamily="50" charset="-127"/>
+                <a:ea typeface="나눔스퀘어 Light" panose="020B0600000101010101" pitchFamily="50" charset="-127"/>
+              </a:rPr>
+              <a:t>실패할 경우 </a:t>
+            </a:r>
+            <a:r>
+              <a:rPr lang="en-US" altLang="ko-KR" dirty="0">
+                <a:latin typeface="나눔스퀘어 Light" panose="020B0600000101010101" pitchFamily="50" charset="-127"/>
+                <a:ea typeface="나눔스퀘어 Light" panose="020B0600000101010101" pitchFamily="50" charset="-127"/>
+              </a:rPr>
+              <a:t>NULL </a:t>
+            </a:r>
+            <a:r>
+              <a:rPr lang="ko-KR" altLang="en-US" dirty="0">
+                <a:latin typeface="나눔스퀘어 Light" panose="020B0600000101010101" pitchFamily="50" charset="-127"/>
+                <a:ea typeface="나눔스퀘어 Light" panose="020B0600000101010101" pitchFamily="50" charset="-127"/>
+              </a:rPr>
+              <a:t>포인터를 반환합니다</a:t>
+            </a:r>
+            <a:r>
+              <a:rPr lang="en-US" altLang="ko-KR" dirty="0">
+                <a:latin typeface="나눔스퀘어 Light" panose="020B0600000101010101" pitchFamily="50" charset="-127"/>
+                <a:ea typeface="나눔스퀘어 Light" panose="020B0600000101010101" pitchFamily="50" charset="-127"/>
+              </a:rPr>
+              <a:t>.</a:t>
+            </a:r>
+            <a:endParaRPr lang="ko-KR" altLang="en-US" dirty="0">
+              <a:latin typeface="나눔스퀘어 Light" panose="020B0600000101010101" pitchFamily="50" charset="-127"/>
+              <a:ea typeface="나눔스퀘어 Light" panose="020B0600000101010101" pitchFamily="50" charset="-127"/>
+            </a:endParaRPr>
+          </a:p>
+        </p:txBody>
+      </p:sp>
     </p:spTree>
     <p:extLst>
       <p:ext uri="{BB962C8B-B14F-4D97-AF65-F5344CB8AC3E}">
-        <p14:creationId xmlns:p14="http://schemas.microsoft.com/office/powerpoint/2010/main" val="2783726095"/>
+        <p14:creationId xmlns:p14="http://schemas.microsoft.com/office/powerpoint/2010/main" val="2399906574"/>
       </p:ext>
     </p:extLst>
   </p:cSld>
@@ -14805,7 +12765,7 @@
                 <a:latin typeface="나눔스퀘어 Bold" panose="020B0600000101010101" pitchFamily="50" charset="-127"/>
                 <a:ea typeface="나눔스퀘어 Bold" panose="020B0600000101010101" pitchFamily="50" charset="-127"/>
               </a:rPr>
-              <a:t>Python</a:t>
+              <a:t>Java</a:t>
             </a:r>
             <a:r>
               <a:rPr lang="en-US" altLang="ko-KR" dirty="0">
@@ -14819,7 +12779,7 @@
                 <a:latin typeface="나눔스퀘어 Light" panose="020B0600000101010101" pitchFamily="50" charset="-127"/>
                 <a:ea typeface="나눔스퀘어 Light" panose="020B0600000101010101" pitchFamily="50" charset="-127"/>
               </a:rPr>
-              <a:t>bisect.bisect_left</a:t>
+              <a:t>Arrays.binarySearch</a:t>
             </a:r>
             <a:r>
               <a:rPr lang="en-US" altLang="ko-KR" dirty="0">
@@ -14849,7 +12809,7 @@
         </p:nvSpPr>
         <p:spPr>
           <a:xfrm>
-            <a:off x="942387" y="4562449"/>
+            <a:off x="942387" y="3244334"/>
             <a:ext cx="10237694" cy="369332"/>
           </a:xfrm>
           <a:prstGeom prst="rect">
@@ -14868,7 +12828,7 @@
                 <a:latin typeface="나눔스퀘어 Light" panose="020B0600000101010101" pitchFamily="50" charset="-127"/>
                 <a:ea typeface="나눔스퀘어 Light" panose="020B0600000101010101" pitchFamily="50" charset="-127"/>
               </a:rPr>
-              <a:t>Python</a:t>
+              <a:t>Java</a:t>
             </a:r>
             <a:r>
               <a:rPr lang="ko-KR" altLang="en-US" dirty="0">
@@ -14882,7 +12842,7 @@
                 <a:latin typeface="나눔스퀘어 Light" panose="020B0600000101010101" pitchFamily="50" charset="-127"/>
                 <a:ea typeface="나눔스퀘어 Light" panose="020B0600000101010101" pitchFamily="50" charset="-127"/>
               </a:rPr>
-              <a:t>bisect.bisect_left</a:t>
+              <a:t>Arrays.binarySearch</a:t>
             </a:r>
             <a:r>
               <a:rPr lang="en-US" altLang="ko-KR" dirty="0">
@@ -14896,7 +12856,7 @@
                 <a:latin typeface="나눔스퀘어 Light" panose="020B0600000101010101" pitchFamily="50" charset="-127"/>
                 <a:ea typeface="나눔스퀘어 Light" panose="020B0600000101010101" pitchFamily="50" charset="-127"/>
               </a:rPr>
-              <a:t>함수는 </a:t>
+              <a:t>메서드는 </a:t>
             </a:r>
             <a:r>
               <a:rPr lang="en-US" altLang="ko-KR" dirty="0">
@@ -14910,21 +12870,7 @@
                 <a:latin typeface="나눔스퀘어 Light" panose="020B0600000101010101" pitchFamily="50" charset="-127"/>
                 <a:ea typeface="나눔스퀘어 Light" panose="020B0600000101010101" pitchFamily="50" charset="-127"/>
               </a:rPr>
-              <a:t>로 들어간 값이 </a:t>
-            </a:r>
-            <a:r>
-              <a:rPr lang="en-US" altLang="ko-KR" dirty="0" err="1">
-                <a:latin typeface="나눔스퀘어 Light" panose="020B0600000101010101" pitchFamily="50" charset="-127"/>
-                <a:ea typeface="나눔스퀘어 Light" panose="020B0600000101010101" pitchFamily="50" charset="-127"/>
-              </a:rPr>
-              <a:t>Iterable</a:t>
-            </a:r>
-            <a:r>
-              <a:rPr lang="ko-KR" altLang="en-US" dirty="0">
-                <a:latin typeface="나눔스퀘어 Light" panose="020B0600000101010101" pitchFamily="50" charset="-127"/>
-                <a:ea typeface="나눔스퀘어 Light" panose="020B0600000101010101" pitchFamily="50" charset="-127"/>
-              </a:rPr>
-              <a:t>에 있는지 탐색하여</a:t>
+              <a:t>로 들어간 값이 배열에 있는지 탐색하여 값을 찾을 경우</a:t>
             </a:r>
           </a:p>
         </p:txBody>
@@ -14943,7 +12889,7 @@
         </p:nvSpPr>
         <p:spPr>
           <a:xfrm>
-            <a:off x="942387" y="4933894"/>
+            <a:off x="942387" y="3624734"/>
             <a:ext cx="10237694" cy="369332"/>
           </a:xfrm>
           <a:prstGeom prst="rect">
@@ -14958,18 +12904,67 @@
           <a:lstStyle/>
           <a:p>
             <a:r>
-              <a:rPr lang="en-US" altLang="ko-KR" dirty="0">
-                <a:latin typeface="나눔스퀘어 Light" panose="020B0600000101010101" pitchFamily="50" charset="-127"/>
-                <a:ea typeface="나눔스퀘어 Light" panose="020B0600000101010101" pitchFamily="50" charset="-127"/>
-              </a:rPr>
-              <a:t>key</a:t>
-            </a:r>
-            <a:r>
-              <a:rPr lang="ko-KR" altLang="en-US" dirty="0">
-                <a:latin typeface="나눔스퀘어 Light" panose="020B0600000101010101" pitchFamily="50" charset="-127"/>
-                <a:ea typeface="나눔스퀘어 Light" panose="020B0600000101010101" pitchFamily="50" charset="-127"/>
-              </a:rPr>
-              <a:t>가 들어갈 자리를 찾습니다</a:t>
+              <a:rPr lang="ko-KR" altLang="en-US" dirty="0">
+                <a:latin typeface="나눔스퀘어 Light" panose="020B0600000101010101" pitchFamily="50" charset="-127"/>
+                <a:ea typeface="나눔스퀘어 Light" panose="020B0600000101010101" pitchFamily="50" charset="-127"/>
+              </a:rPr>
+              <a:t>위치를 반환하고</a:t>
+            </a:r>
+            <a:r>
+              <a:rPr lang="en-US" altLang="ko-KR" dirty="0">
+                <a:latin typeface="나눔스퀘어 Light" panose="020B0600000101010101" pitchFamily="50" charset="-127"/>
+                <a:ea typeface="나눔스퀘어 Light" panose="020B0600000101010101" pitchFamily="50" charset="-127"/>
+              </a:rPr>
+              <a:t>, </a:t>
+            </a:r>
+            <a:r>
+              <a:rPr lang="ko-KR" altLang="en-US" dirty="0">
+                <a:latin typeface="나눔스퀘어 Light" panose="020B0600000101010101" pitchFamily="50" charset="-127"/>
+                <a:ea typeface="나눔스퀘어 Light" panose="020B0600000101010101" pitchFamily="50" charset="-127"/>
+              </a:rPr>
+              <a:t>찾지 못할 경우에는 </a:t>
+            </a:r>
+            <a:r>
+              <a:rPr lang="en-US" altLang="ko-KR" dirty="0">
+                <a:latin typeface="나눔스퀘어 Light" panose="020B0600000101010101" pitchFamily="50" charset="-127"/>
+                <a:ea typeface="나눔스퀘어 Light" panose="020B0600000101010101" pitchFamily="50" charset="-127"/>
+              </a:rPr>
+              <a:t>(</a:t>
+            </a:r>
+            <a:r>
+              <a:rPr lang="ko-KR" altLang="en-US" dirty="0">
+                <a:latin typeface="나눔스퀘어 Light" panose="020B0600000101010101" pitchFamily="50" charset="-127"/>
+                <a:ea typeface="나눔스퀘어 Light" panose="020B0600000101010101" pitchFamily="50" charset="-127"/>
+              </a:rPr>
+              <a:t>들어갈 자리 </a:t>
+            </a:r>
+            <a:r>
+              <a:rPr lang="en-US" altLang="ko-KR" dirty="0">
+                <a:latin typeface="나눔스퀘어 Light" panose="020B0600000101010101" pitchFamily="50" charset="-127"/>
+                <a:ea typeface="나눔스퀘어 Light" panose="020B0600000101010101" pitchFamily="50" charset="-127"/>
+              </a:rPr>
+              <a:t>× -1 – 1) (</a:t>
+            </a:r>
+            <a:r>
+              <a:rPr lang="en-US" altLang="ko-KR" dirty="0" err="1">
+                <a:latin typeface="나눔스퀘어 Light" panose="020B0600000101010101" pitchFamily="50" charset="-127"/>
+                <a:ea typeface="나눔스퀘어 Light" panose="020B0600000101010101" pitchFamily="50" charset="-127"/>
+              </a:rPr>
+              <a:t>lower_bound</a:t>
+            </a:r>
+            <a:r>
+              <a:rPr lang="en-US" altLang="ko-KR" dirty="0">
+                <a:latin typeface="나눔스퀘어 Light" panose="020B0600000101010101" pitchFamily="50" charset="-127"/>
+                <a:ea typeface="나눔스퀘어 Light" panose="020B0600000101010101" pitchFamily="50" charset="-127"/>
+              </a:rPr>
+              <a:t>) </a:t>
+            </a:r>
+            <a:r>
+              <a:rPr lang="ko-KR" altLang="en-US" dirty="0">
+                <a:latin typeface="나눔스퀘어 Light" panose="020B0600000101010101" pitchFamily="50" charset="-127"/>
+                <a:ea typeface="나눔스퀘어 Light" panose="020B0600000101010101" pitchFamily="50" charset="-127"/>
+              </a:rPr>
+              <a:t>을 반환합니다</a:t>
             </a:r>
             <a:r>
               <a:rPr lang="en-US" altLang="ko-KR" dirty="0">
@@ -14987,10 +12982,10 @@
       </p:sp>
       <p:pic>
         <p:nvPicPr>
-          <p:cNvPr id="9" name="그림 8">
-            <a:extLst>
-              <a:ext uri="{FF2B5EF4-FFF2-40B4-BE49-F238E27FC236}">
-                <a16:creationId xmlns:a16="http://schemas.microsoft.com/office/drawing/2014/main" id="{BA1B2D1C-DEF5-725B-606F-8A602E8CFB5C}"/>
+          <p:cNvPr id="7" name="그림 6">
+            <a:extLst>
+              <a:ext uri="{FF2B5EF4-FFF2-40B4-BE49-F238E27FC236}">
+                <a16:creationId xmlns:a16="http://schemas.microsoft.com/office/drawing/2014/main" id="{C63CF80A-531D-10F9-FB64-C6A4C1D31E72}"/>
               </a:ext>
             </a:extLst>
           </p:cNvPr>
@@ -15007,8 +13002,8 @@
         </p:blipFill>
         <p:spPr>
           <a:xfrm>
-            <a:off x="942387" y="1443618"/>
-            <a:ext cx="4876522" cy="3024679"/>
+            <a:off x="942387" y="1480610"/>
+            <a:ext cx="6818392" cy="1422846"/>
           </a:xfrm>
           <a:prstGeom prst="rect">
             <a:avLst/>
@@ -15018,7 +13013,7 @@
     </p:spTree>
     <p:extLst>
       <p:ext uri="{BB962C8B-B14F-4D97-AF65-F5344CB8AC3E}">
-        <p14:creationId xmlns:p14="http://schemas.microsoft.com/office/powerpoint/2010/main" val="3577711057"/>
+        <p14:creationId xmlns:p14="http://schemas.microsoft.com/office/powerpoint/2010/main" val="2783726095"/>
       </p:ext>
     </p:extLst>
   </p:cSld>
@@ -15091,6 +13086,365 @@
       </p:cxnSp>
       <p:sp>
         <p:nvSpPr>
+          <p:cNvPr id="2" name="TextBox 1">
+            <a:extLst>
+              <a:ext uri="{FF2B5EF4-FFF2-40B4-BE49-F238E27FC236}">
+                <a16:creationId xmlns:a16="http://schemas.microsoft.com/office/drawing/2014/main" id="{42928CCE-6E6A-5C16-746E-BAD660A9BBF3}"/>
+              </a:ext>
+            </a:extLst>
+          </p:cNvPr>
+          <p:cNvSpPr txBox="1"/>
+          <p:nvPr/>
+        </p:nvSpPr>
+        <p:spPr>
+          <a:xfrm>
+            <a:off x="331694" y="177505"/>
+            <a:ext cx="2514343" cy="523220"/>
+          </a:xfrm>
+          <a:prstGeom prst="rect">
+            <a:avLst/>
+          </a:prstGeom>
+          <a:noFill/>
+        </p:spPr>
+        <p:txBody>
+          <a:bodyPr wrap="none" rtlCol="0">
+            <a:spAutoFit/>
+          </a:bodyPr>
+          <a:lstStyle/>
+          <a:p>
+            <a:r>
+              <a:rPr lang="en-US" altLang="ko-KR" sz="2800" dirty="0">
+                <a:latin typeface="나눔스퀘어 Bold" panose="020B0600000101010101" pitchFamily="50" charset="-127"/>
+                <a:ea typeface="나눔스퀘어 Bold" panose="020B0600000101010101" pitchFamily="50" charset="-127"/>
+              </a:rPr>
+              <a:t>Binary Search</a:t>
+            </a:r>
+            <a:endParaRPr lang="ko-KR" altLang="en-US" sz="2800" dirty="0">
+              <a:latin typeface="나눔스퀘어 Bold" panose="020B0600000101010101" pitchFamily="50" charset="-127"/>
+              <a:ea typeface="나눔스퀘어 Bold" panose="020B0600000101010101" pitchFamily="50" charset="-127"/>
+            </a:endParaRPr>
+          </a:p>
+        </p:txBody>
+      </p:sp>
+      <p:sp>
+        <p:nvSpPr>
+          <p:cNvPr id="14" name="TextBox 13">
+            <a:extLst>
+              <a:ext uri="{FF2B5EF4-FFF2-40B4-BE49-F238E27FC236}">
+                <a16:creationId xmlns:a16="http://schemas.microsoft.com/office/drawing/2014/main" id="{1E50CBBD-0B41-9959-FE23-4646D2B64EFD}"/>
+              </a:ext>
+            </a:extLst>
+          </p:cNvPr>
+          <p:cNvSpPr txBox="1"/>
+          <p:nvPr/>
+        </p:nvSpPr>
+        <p:spPr>
+          <a:xfrm>
+            <a:off x="942387" y="1074286"/>
+            <a:ext cx="8542272" cy="369332"/>
+          </a:xfrm>
+          <a:prstGeom prst="rect">
+            <a:avLst/>
+          </a:prstGeom>
+          <a:noFill/>
+        </p:spPr>
+        <p:txBody>
+          <a:bodyPr wrap="square" rtlCol="0">
+            <a:spAutoFit/>
+          </a:bodyPr>
+          <a:lstStyle/>
+          <a:p>
+            <a:r>
+              <a:rPr lang="en-US" altLang="ko-KR" dirty="0">
+                <a:latin typeface="나눔스퀘어 Bold" panose="020B0600000101010101" pitchFamily="50" charset="-127"/>
+                <a:ea typeface="나눔스퀘어 Bold" panose="020B0600000101010101" pitchFamily="50" charset="-127"/>
+              </a:rPr>
+              <a:t>Python</a:t>
+            </a:r>
+            <a:r>
+              <a:rPr lang="en-US" altLang="ko-KR" dirty="0">
+                <a:latin typeface="나눔스퀘어 Light" panose="020B0600000101010101" pitchFamily="50" charset="-127"/>
+                <a:ea typeface="나눔스퀘어 Light" panose="020B0600000101010101" pitchFamily="50" charset="-127"/>
+              </a:rPr>
+              <a:t> : </a:t>
+            </a:r>
+            <a:r>
+              <a:rPr lang="en-US" altLang="ko-KR" dirty="0" err="1">
+                <a:latin typeface="나눔스퀘어 Light" panose="020B0600000101010101" pitchFamily="50" charset="-127"/>
+                <a:ea typeface="나눔스퀘어 Light" panose="020B0600000101010101" pitchFamily="50" charset="-127"/>
+              </a:rPr>
+              <a:t>bisect.bisect_left</a:t>
+            </a:r>
+            <a:r>
+              <a:rPr lang="en-US" altLang="ko-KR" dirty="0">
+                <a:latin typeface="나눔스퀘어 Light" panose="020B0600000101010101" pitchFamily="50" charset="-127"/>
+                <a:ea typeface="나눔스퀘어 Light" panose="020B0600000101010101" pitchFamily="50" charset="-127"/>
+              </a:rPr>
+              <a:t>()</a:t>
+            </a:r>
+            <a:endParaRPr lang="ko-KR" altLang="en-US" dirty="0">
+              <a:latin typeface="나눔스퀘어 Bold" panose="020B0600000101010101" pitchFamily="50" charset="-127"/>
+              <a:ea typeface="나눔스퀘어 Bold" panose="020B0600000101010101" pitchFamily="50" charset="-127"/>
+            </a:endParaRPr>
+          </a:p>
+        </p:txBody>
+      </p:sp>
+      <p:sp>
+        <p:nvSpPr>
+          <p:cNvPr id="18" name="TextBox 17">
+            <a:extLst>
+              <a:ext uri="{FF2B5EF4-FFF2-40B4-BE49-F238E27FC236}">
+                <a16:creationId xmlns:a16="http://schemas.microsoft.com/office/drawing/2014/main" id="{5D347B0F-84F4-050D-4A52-94BEE92EBA9E}"/>
+              </a:ext>
+            </a:extLst>
+          </p:cNvPr>
+          <p:cNvSpPr txBox="1"/>
+          <p:nvPr/>
+        </p:nvSpPr>
+        <p:spPr>
+          <a:xfrm>
+            <a:off x="942387" y="4562449"/>
+            <a:ext cx="10237694" cy="369332"/>
+          </a:xfrm>
+          <a:prstGeom prst="rect">
+            <a:avLst/>
+          </a:prstGeom>
+          <a:noFill/>
+        </p:spPr>
+        <p:txBody>
+          <a:bodyPr wrap="square" rtlCol="0">
+            <a:spAutoFit/>
+          </a:bodyPr>
+          <a:lstStyle/>
+          <a:p>
+            <a:r>
+              <a:rPr lang="en-US" altLang="ko-KR" dirty="0">
+                <a:latin typeface="나눔스퀘어 Light" panose="020B0600000101010101" pitchFamily="50" charset="-127"/>
+                <a:ea typeface="나눔스퀘어 Light" panose="020B0600000101010101" pitchFamily="50" charset="-127"/>
+              </a:rPr>
+              <a:t>Python</a:t>
+            </a:r>
+            <a:r>
+              <a:rPr lang="ko-KR" altLang="en-US" dirty="0">
+                <a:latin typeface="나눔스퀘어 Light" panose="020B0600000101010101" pitchFamily="50" charset="-127"/>
+                <a:ea typeface="나눔스퀘어 Light" panose="020B0600000101010101" pitchFamily="50" charset="-127"/>
+              </a:rPr>
+              <a:t>의 </a:t>
+            </a:r>
+            <a:r>
+              <a:rPr lang="en-US" altLang="ko-KR" dirty="0" err="1">
+                <a:latin typeface="나눔스퀘어 Light" panose="020B0600000101010101" pitchFamily="50" charset="-127"/>
+                <a:ea typeface="나눔스퀘어 Light" panose="020B0600000101010101" pitchFamily="50" charset="-127"/>
+              </a:rPr>
+              <a:t>bisect.bisect_left</a:t>
+            </a:r>
+            <a:r>
+              <a:rPr lang="en-US" altLang="ko-KR" dirty="0">
+                <a:latin typeface="나눔스퀘어 Light" panose="020B0600000101010101" pitchFamily="50" charset="-127"/>
+                <a:ea typeface="나눔스퀘어 Light" panose="020B0600000101010101" pitchFamily="50" charset="-127"/>
+              </a:rPr>
+              <a:t>() </a:t>
+            </a:r>
+            <a:r>
+              <a:rPr lang="ko-KR" altLang="en-US" dirty="0">
+                <a:latin typeface="나눔스퀘어 Light" panose="020B0600000101010101" pitchFamily="50" charset="-127"/>
+                <a:ea typeface="나눔스퀘어 Light" panose="020B0600000101010101" pitchFamily="50" charset="-127"/>
+              </a:rPr>
+              <a:t>함수는 </a:t>
+            </a:r>
+            <a:r>
+              <a:rPr lang="en-US" altLang="ko-KR" dirty="0">
+                <a:latin typeface="나눔스퀘어 Light" panose="020B0600000101010101" pitchFamily="50" charset="-127"/>
+                <a:ea typeface="나눔스퀘어 Light" panose="020B0600000101010101" pitchFamily="50" charset="-127"/>
+              </a:rPr>
+              <a:t>key</a:t>
+            </a:r>
+            <a:r>
+              <a:rPr lang="ko-KR" altLang="en-US" dirty="0">
+                <a:latin typeface="나눔스퀘어 Light" panose="020B0600000101010101" pitchFamily="50" charset="-127"/>
+                <a:ea typeface="나눔스퀘어 Light" panose="020B0600000101010101" pitchFamily="50" charset="-127"/>
+              </a:rPr>
+              <a:t>로 들어간 값이 </a:t>
+            </a:r>
+            <a:r>
+              <a:rPr lang="en-US" altLang="ko-KR" dirty="0" err="1">
+                <a:latin typeface="나눔스퀘어 Light" panose="020B0600000101010101" pitchFamily="50" charset="-127"/>
+                <a:ea typeface="나눔스퀘어 Light" panose="020B0600000101010101" pitchFamily="50" charset="-127"/>
+              </a:rPr>
+              <a:t>Iterable</a:t>
+            </a:r>
+            <a:r>
+              <a:rPr lang="ko-KR" altLang="en-US" dirty="0">
+                <a:latin typeface="나눔스퀘어 Light" panose="020B0600000101010101" pitchFamily="50" charset="-127"/>
+                <a:ea typeface="나눔스퀘어 Light" panose="020B0600000101010101" pitchFamily="50" charset="-127"/>
+              </a:rPr>
+              <a:t>에 있는지 탐색하여</a:t>
+            </a:r>
+          </a:p>
+        </p:txBody>
+      </p:sp>
+      <p:sp>
+        <p:nvSpPr>
+          <p:cNvPr id="19" name="TextBox 18">
+            <a:extLst>
+              <a:ext uri="{FF2B5EF4-FFF2-40B4-BE49-F238E27FC236}">
+                <a16:creationId xmlns:a16="http://schemas.microsoft.com/office/drawing/2014/main" id="{C498B104-4317-7CA9-1CAD-144BB832B559}"/>
+              </a:ext>
+            </a:extLst>
+          </p:cNvPr>
+          <p:cNvSpPr txBox="1"/>
+          <p:nvPr/>
+        </p:nvSpPr>
+        <p:spPr>
+          <a:xfrm>
+            <a:off x="942387" y="4933894"/>
+            <a:ext cx="10237694" cy="369332"/>
+          </a:xfrm>
+          <a:prstGeom prst="rect">
+            <a:avLst/>
+          </a:prstGeom>
+          <a:noFill/>
+        </p:spPr>
+        <p:txBody>
+          <a:bodyPr wrap="square" rtlCol="0">
+            <a:spAutoFit/>
+          </a:bodyPr>
+          <a:lstStyle/>
+          <a:p>
+            <a:r>
+              <a:rPr lang="en-US" altLang="ko-KR" dirty="0">
+                <a:latin typeface="나눔스퀘어 Light" panose="020B0600000101010101" pitchFamily="50" charset="-127"/>
+                <a:ea typeface="나눔스퀘어 Light" panose="020B0600000101010101" pitchFamily="50" charset="-127"/>
+              </a:rPr>
+              <a:t>key</a:t>
+            </a:r>
+            <a:r>
+              <a:rPr lang="ko-KR" altLang="en-US" dirty="0">
+                <a:latin typeface="나눔스퀘어 Light" panose="020B0600000101010101" pitchFamily="50" charset="-127"/>
+                <a:ea typeface="나눔스퀘어 Light" panose="020B0600000101010101" pitchFamily="50" charset="-127"/>
+              </a:rPr>
+              <a:t>가 들어갈 자리를 찾습니다</a:t>
+            </a:r>
+            <a:r>
+              <a:rPr lang="en-US" altLang="ko-KR" dirty="0">
+                <a:latin typeface="나눔스퀘어 Light" panose="020B0600000101010101" pitchFamily="50" charset="-127"/>
+                <a:ea typeface="나눔스퀘어 Light" panose="020B0600000101010101" pitchFamily="50" charset="-127"/>
+              </a:rPr>
+              <a:t>.</a:t>
+            </a:r>
+            <a:endParaRPr lang="ko-KR" altLang="en-US" dirty="0">
+              <a:latin typeface="나눔스퀘어 Light" panose="020B0600000101010101" pitchFamily="50" charset="-127"/>
+              <a:ea typeface="나눔스퀘어 Light" panose="020B0600000101010101" pitchFamily="50" charset="-127"/>
+            </a:endParaRPr>
+          </a:p>
+        </p:txBody>
+      </p:sp>
+      <p:pic>
+        <p:nvPicPr>
+          <p:cNvPr id="9" name="그림 8">
+            <a:extLst>
+              <a:ext uri="{FF2B5EF4-FFF2-40B4-BE49-F238E27FC236}">
+                <a16:creationId xmlns:a16="http://schemas.microsoft.com/office/drawing/2014/main" id="{BA1B2D1C-DEF5-725B-606F-8A602E8CFB5C}"/>
+              </a:ext>
+            </a:extLst>
+          </p:cNvPr>
+          <p:cNvPicPr>
+            <a:picLocks noChangeAspect="1"/>
+          </p:cNvPicPr>
+          <p:nvPr/>
+        </p:nvPicPr>
+        <p:blipFill>
+          <a:blip r:embed="rId2"/>
+          <a:stretch>
+            <a:fillRect/>
+          </a:stretch>
+        </p:blipFill>
+        <p:spPr>
+          <a:xfrm>
+            <a:off x="942387" y="1443618"/>
+            <a:ext cx="4876522" cy="3024679"/>
+          </a:xfrm>
+          <a:prstGeom prst="rect">
+            <a:avLst/>
+          </a:prstGeom>
+        </p:spPr>
+      </p:pic>
+    </p:spTree>
+    <p:extLst>
+      <p:ext uri="{BB962C8B-B14F-4D97-AF65-F5344CB8AC3E}">
+        <p14:creationId xmlns:p14="http://schemas.microsoft.com/office/powerpoint/2010/main" val="3577711057"/>
+      </p:ext>
+    </p:extLst>
+  </p:cSld>
+  <p:clrMapOvr>
+    <a:masterClrMapping/>
+  </p:clrMapOvr>
+</p:sld>
+</file>
+
+<file path=ppt/slides/slide29.xml><?xml version="1.0" encoding="utf-8"?>
+<p:sld xmlns:a="http://schemas.openxmlformats.org/drawingml/2006/main" xmlns:r="http://schemas.openxmlformats.org/officeDocument/2006/relationships" xmlns:p="http://schemas.openxmlformats.org/presentationml/2006/main">
+  <p:cSld>
+    <p:spTree>
+      <p:nvGrpSpPr>
+        <p:cNvPr id="1" name=""/>
+        <p:cNvGrpSpPr/>
+        <p:nvPr/>
+      </p:nvGrpSpPr>
+      <p:grpSpPr>
+        <a:xfrm>
+          <a:off x="0" y="0"/>
+          <a:ext cx="0" cy="0"/>
+          <a:chOff x="0" y="0"/>
+          <a:chExt cx="0" cy="0"/>
+        </a:xfrm>
+      </p:grpSpPr>
+      <p:cxnSp>
+        <p:nvCxnSpPr>
+          <p:cNvPr id="5" name="직선 연결선 4">
+            <a:extLst>
+              <a:ext uri="{FF2B5EF4-FFF2-40B4-BE49-F238E27FC236}">
+                <a16:creationId xmlns:a16="http://schemas.microsoft.com/office/drawing/2014/main" id="{164C2827-EFCE-69A4-D037-1A218415F568}"/>
+              </a:ext>
+            </a:extLst>
+          </p:cNvPr>
+          <p:cNvCxnSpPr/>
+          <p:nvPr/>
+        </p:nvCxnSpPr>
+        <p:spPr>
+          <a:xfrm>
+            <a:off x="0" y="887505"/>
+            <a:ext cx="10237694" cy="0"/>
+          </a:xfrm>
+          <a:prstGeom prst="line">
+            <a:avLst/>
+          </a:prstGeom>
+          <a:ln w="76200">
+            <a:solidFill>
+              <a:schemeClr val="tx1">
+                <a:lumMod val="75000"/>
+                <a:lumOff val="25000"/>
+              </a:schemeClr>
+            </a:solidFill>
+          </a:ln>
+        </p:spPr>
+        <p:style>
+          <a:lnRef idx="1">
+            <a:schemeClr val="accent1"/>
+          </a:lnRef>
+          <a:fillRef idx="0">
+            <a:schemeClr val="accent1"/>
+          </a:fillRef>
+          <a:effectRef idx="0">
+            <a:schemeClr val="accent1"/>
+          </a:effectRef>
+          <a:fontRef idx="minor">
+            <a:schemeClr val="tx1"/>
+          </a:fontRef>
+        </p:style>
+      </p:cxnSp>
+      <p:sp>
+        <p:nvSpPr>
           <p:cNvPr id="3" name="TextBox 2">
             <a:extLst>
               <a:ext uri="{FF2B5EF4-FFF2-40B4-BE49-F238E27FC236}">
@@ -15177,7 +13531,263 @@
 </p:sld>
 </file>
 
-<file path=ppt/slides/slide29.xml><?xml version="1.0" encoding="utf-8"?>
+<file path=ppt/slides/slide3.xml><?xml version="1.0" encoding="utf-8"?>
+<p:sld xmlns:a="http://schemas.openxmlformats.org/drawingml/2006/main" xmlns:r="http://schemas.openxmlformats.org/officeDocument/2006/relationships" xmlns:p="http://schemas.openxmlformats.org/presentationml/2006/main">
+  <p:cSld>
+    <p:spTree>
+      <p:nvGrpSpPr>
+        <p:cNvPr id="1" name=""/>
+        <p:cNvGrpSpPr/>
+        <p:nvPr/>
+      </p:nvGrpSpPr>
+      <p:grpSpPr>
+        <a:xfrm>
+          <a:off x="0" y="0"/>
+          <a:ext cx="0" cy="0"/>
+          <a:chOff x="0" y="0"/>
+          <a:chExt cx="0" cy="0"/>
+        </a:xfrm>
+      </p:grpSpPr>
+      <p:cxnSp>
+        <p:nvCxnSpPr>
+          <p:cNvPr id="5" name="직선 연결선 4">
+            <a:extLst>
+              <a:ext uri="{FF2B5EF4-FFF2-40B4-BE49-F238E27FC236}">
+                <a16:creationId xmlns:a16="http://schemas.microsoft.com/office/drawing/2014/main" id="{164C2827-EFCE-69A4-D037-1A218415F568}"/>
+              </a:ext>
+            </a:extLst>
+          </p:cNvPr>
+          <p:cNvCxnSpPr/>
+          <p:nvPr/>
+        </p:nvCxnSpPr>
+        <p:spPr>
+          <a:xfrm>
+            <a:off x="0" y="887505"/>
+            <a:ext cx="10237694" cy="0"/>
+          </a:xfrm>
+          <a:prstGeom prst="line">
+            <a:avLst/>
+          </a:prstGeom>
+          <a:ln w="76200">
+            <a:solidFill>
+              <a:schemeClr val="tx1">
+                <a:lumMod val="75000"/>
+                <a:lumOff val="25000"/>
+              </a:schemeClr>
+            </a:solidFill>
+          </a:ln>
+        </p:spPr>
+        <p:style>
+          <a:lnRef idx="1">
+            <a:schemeClr val="accent1"/>
+          </a:lnRef>
+          <a:fillRef idx="0">
+            <a:schemeClr val="accent1"/>
+          </a:fillRef>
+          <a:effectRef idx="0">
+            <a:schemeClr val="accent1"/>
+          </a:effectRef>
+          <a:fontRef idx="minor">
+            <a:schemeClr val="tx1"/>
+          </a:fontRef>
+        </p:style>
+      </p:cxnSp>
+      <p:sp>
+        <p:nvSpPr>
+          <p:cNvPr id="6" name="TextBox 5">
+            <a:extLst>
+              <a:ext uri="{FF2B5EF4-FFF2-40B4-BE49-F238E27FC236}">
+                <a16:creationId xmlns:a16="http://schemas.microsoft.com/office/drawing/2014/main" id="{908ED9B9-09D3-CFA8-625A-6F9BB9B6BD23}"/>
+              </a:ext>
+            </a:extLst>
+          </p:cNvPr>
+          <p:cNvSpPr txBox="1"/>
+          <p:nvPr/>
+        </p:nvSpPr>
+        <p:spPr>
+          <a:xfrm>
+            <a:off x="331694" y="177505"/>
+            <a:ext cx="3929024" cy="523220"/>
+          </a:xfrm>
+          <a:prstGeom prst="rect">
+            <a:avLst/>
+          </a:prstGeom>
+          <a:noFill/>
+        </p:spPr>
+        <p:txBody>
+          <a:bodyPr wrap="none" rtlCol="0">
+            <a:spAutoFit/>
+          </a:bodyPr>
+          <a:lstStyle/>
+          <a:p>
+            <a:r>
+              <a:rPr lang="en-US" altLang="ko-KR" sz="2800" dirty="0">
+                <a:latin typeface="나눔스퀘어 Bold" panose="020B0600000101010101" pitchFamily="50" charset="-127"/>
+                <a:ea typeface="나눔스퀘어 Bold" panose="020B0600000101010101" pitchFamily="50" charset="-127"/>
+              </a:rPr>
+              <a:t>Dynamic Programming</a:t>
+            </a:r>
+            <a:endParaRPr lang="ko-KR" altLang="en-US" sz="2800" dirty="0">
+              <a:latin typeface="나눔스퀘어 Bold" panose="020B0600000101010101" pitchFamily="50" charset="-127"/>
+              <a:ea typeface="나눔스퀘어 Bold" panose="020B0600000101010101" pitchFamily="50" charset="-127"/>
+            </a:endParaRPr>
+          </a:p>
+        </p:txBody>
+      </p:sp>
+      <p:sp>
+        <p:nvSpPr>
+          <p:cNvPr id="3" name="TextBox 2">
+            <a:extLst>
+              <a:ext uri="{FF2B5EF4-FFF2-40B4-BE49-F238E27FC236}">
+                <a16:creationId xmlns:a16="http://schemas.microsoft.com/office/drawing/2014/main" id="{D54471A0-9E82-57E4-CB63-5D6EE4E26A1A}"/>
+              </a:ext>
+            </a:extLst>
+          </p:cNvPr>
+          <p:cNvSpPr txBox="1"/>
+          <p:nvPr/>
+        </p:nvSpPr>
+        <p:spPr>
+          <a:xfrm>
+            <a:off x="942387" y="1352030"/>
+            <a:ext cx="8542272" cy="369332"/>
+          </a:xfrm>
+          <a:prstGeom prst="rect">
+            <a:avLst/>
+          </a:prstGeom>
+          <a:noFill/>
+        </p:spPr>
+        <p:txBody>
+          <a:bodyPr wrap="square" rtlCol="0">
+            <a:spAutoFit/>
+          </a:bodyPr>
+          <a:lstStyle/>
+          <a:p>
+            <a:r>
+              <a:rPr lang="ko-KR" altLang="en-US" dirty="0">
+                <a:latin typeface="나눔스퀘어 Light" panose="020B0600000101010101" pitchFamily="50" charset="-127"/>
+                <a:ea typeface="나눔스퀘어 Light" panose="020B0600000101010101" pitchFamily="50" charset="-127"/>
+              </a:rPr>
+              <a:t>피보나치 수를 다음과 같이 재귀 함수로 구할 경우</a:t>
+            </a:r>
+            <a:r>
+              <a:rPr lang="en-US" altLang="ko-KR" dirty="0">
+                <a:latin typeface="나눔스퀘어 Light" panose="020B0600000101010101" pitchFamily="50" charset="-127"/>
+                <a:ea typeface="나눔스퀘어 Light" panose="020B0600000101010101" pitchFamily="50" charset="-127"/>
+              </a:rPr>
+              <a:t>, </a:t>
+            </a:r>
+            <a:r>
+              <a:rPr lang="ko-KR" altLang="en-US" dirty="0">
+                <a:latin typeface="나눔스퀘어 Light" panose="020B0600000101010101" pitchFamily="50" charset="-127"/>
+                <a:ea typeface="나눔스퀘어 Light" panose="020B0600000101010101" pitchFamily="50" charset="-127"/>
+              </a:rPr>
+              <a:t>시간 복잡도가 어떻게 될까요</a:t>
+            </a:r>
+            <a:r>
+              <a:rPr lang="en-US" altLang="ko-KR" dirty="0">
+                <a:latin typeface="나눔스퀘어 Light" panose="020B0600000101010101" pitchFamily="50" charset="-127"/>
+                <a:ea typeface="나눔스퀘어 Light" panose="020B0600000101010101" pitchFamily="50" charset="-127"/>
+              </a:rPr>
+              <a:t>?</a:t>
+            </a:r>
+            <a:endParaRPr lang="ko-KR" altLang="en-US" dirty="0">
+              <a:latin typeface="나눔스퀘어 Light" panose="020B0600000101010101" pitchFamily="50" charset="-127"/>
+              <a:ea typeface="나눔스퀘어 Light" panose="020B0600000101010101" pitchFamily="50" charset="-127"/>
+            </a:endParaRPr>
+          </a:p>
+        </p:txBody>
+      </p:sp>
+      <p:pic>
+        <p:nvPicPr>
+          <p:cNvPr id="8" name="그림 7">
+            <a:extLst>
+              <a:ext uri="{FF2B5EF4-FFF2-40B4-BE49-F238E27FC236}">
+                <a16:creationId xmlns:a16="http://schemas.microsoft.com/office/drawing/2014/main" id="{CB0C9D1E-FE4C-47F3-A822-B4F06A5B884B}"/>
+              </a:ext>
+            </a:extLst>
+          </p:cNvPr>
+          <p:cNvPicPr>
+            <a:picLocks noChangeAspect="1"/>
+          </p:cNvPicPr>
+          <p:nvPr/>
+        </p:nvPicPr>
+        <p:blipFill>
+          <a:blip r:embed="rId2"/>
+          <a:stretch>
+            <a:fillRect/>
+          </a:stretch>
+        </p:blipFill>
+        <p:spPr>
+          <a:xfrm>
+            <a:off x="942386" y="1916728"/>
+            <a:ext cx="4950413" cy="2304501"/>
+          </a:xfrm>
+          <a:prstGeom prst="rect">
+            <a:avLst/>
+          </a:prstGeom>
+        </p:spPr>
+      </p:pic>
+      <p:pic>
+        <p:nvPicPr>
+          <p:cNvPr id="4" name="Picture 4" descr="피보나치 수열 - 황금비율 - 황금나선 : 네이버 블로그">
+            <a:extLst>
+              <a:ext uri="{FF2B5EF4-FFF2-40B4-BE49-F238E27FC236}">
+                <a16:creationId xmlns:a16="http://schemas.microsoft.com/office/drawing/2014/main" id="{4211874F-AB58-876D-D286-0A56FD19A53E}"/>
+              </a:ext>
+            </a:extLst>
+          </p:cNvPr>
+          <p:cNvPicPr>
+            <a:picLocks noChangeAspect="1" noChangeArrowheads="1"/>
+          </p:cNvPicPr>
+          <p:nvPr/>
+        </p:nvPicPr>
+        <p:blipFill>
+          <a:blip r:embed="rId3">
+            <a:extLst>
+              <a:ext uri="{28A0092B-C50C-407E-A947-70E740481C1C}">
+                <a14:useLocalDpi xmlns:a14="http://schemas.microsoft.com/office/drawing/2010/main" val="0"/>
+              </a:ext>
+            </a:extLst>
+          </a:blip>
+          <a:srcRect/>
+          <a:stretch>
+            <a:fillRect/>
+          </a:stretch>
+        </p:blipFill>
+        <p:spPr bwMode="auto">
+          <a:xfrm>
+            <a:off x="942386" y="4391980"/>
+            <a:ext cx="3503789" cy="2326681"/>
+          </a:xfrm>
+          <a:prstGeom prst="rect">
+            <a:avLst/>
+          </a:prstGeom>
+          <a:noFill/>
+          <a:extLst>
+            <a:ext uri="{909E8E84-426E-40DD-AFC4-6F175D3DCCD1}">
+              <a14:hiddenFill xmlns:a14="http://schemas.microsoft.com/office/drawing/2010/main">
+                <a:solidFill>
+                  <a:srgbClr val="FFFFFF"/>
+                </a:solidFill>
+              </a14:hiddenFill>
+            </a:ext>
+          </a:extLst>
+        </p:spPr>
+      </p:pic>
+    </p:spTree>
+    <p:extLst>
+      <p:ext uri="{BB962C8B-B14F-4D97-AF65-F5344CB8AC3E}">
+        <p14:creationId xmlns:p14="http://schemas.microsoft.com/office/powerpoint/2010/main" val="637452048"/>
+      </p:ext>
+    </p:extLst>
+  </p:cSld>
+  <p:clrMapOvr>
+    <a:masterClrMapping/>
+  </p:clrMapOvr>
+</p:sld>
+</file>
+
+<file path=ppt/slides/slide30.xml><?xml version="1.0" encoding="utf-8"?>
 <p:sld xmlns:a="http://schemas.openxmlformats.org/drawingml/2006/main" xmlns:r="http://schemas.openxmlformats.org/officeDocument/2006/relationships" xmlns:p="http://schemas.openxmlformats.org/presentationml/2006/main">
   <p:cSld>
     <p:spTree>
@@ -16358,7 +14968,156 @@
 </p:sld>
 </file>
 
-<file path=ppt/slides/slide3.xml><?xml version="1.0" encoding="utf-8"?>
+<file path=ppt/slides/slide31.xml><?xml version="1.0" encoding="utf-8"?>
+<p:sld xmlns:a="http://schemas.openxmlformats.org/drawingml/2006/main" xmlns:r="http://schemas.openxmlformats.org/officeDocument/2006/relationships" xmlns:p="http://schemas.openxmlformats.org/presentationml/2006/main">
+  <p:cSld>
+    <p:spTree>
+      <p:nvGrpSpPr>
+        <p:cNvPr id="1" name=""/>
+        <p:cNvGrpSpPr/>
+        <p:nvPr/>
+      </p:nvGrpSpPr>
+      <p:grpSpPr>
+        <a:xfrm>
+          <a:off x="0" y="0"/>
+          <a:ext cx="0" cy="0"/>
+          <a:chOff x="0" y="0"/>
+          <a:chExt cx="0" cy="0"/>
+        </a:xfrm>
+      </p:grpSpPr>
+      <p:cxnSp>
+        <p:nvCxnSpPr>
+          <p:cNvPr id="26" name="직선 연결선 25">
+            <a:extLst>
+              <a:ext uri="{FF2B5EF4-FFF2-40B4-BE49-F238E27FC236}">
+                <a16:creationId xmlns:a16="http://schemas.microsoft.com/office/drawing/2014/main" id="{679B38A3-B196-3741-D6D3-0CA8FB95B91A}"/>
+              </a:ext>
+            </a:extLst>
+          </p:cNvPr>
+          <p:cNvCxnSpPr/>
+          <p:nvPr/>
+        </p:nvCxnSpPr>
+        <p:spPr>
+          <a:xfrm>
+            <a:off x="0" y="887505"/>
+            <a:ext cx="10237694" cy="0"/>
+          </a:xfrm>
+          <a:prstGeom prst="line">
+            <a:avLst/>
+          </a:prstGeom>
+          <a:ln w="76200">
+            <a:solidFill>
+              <a:schemeClr val="tx1">
+                <a:lumMod val="75000"/>
+                <a:lumOff val="25000"/>
+              </a:schemeClr>
+            </a:solidFill>
+          </a:ln>
+        </p:spPr>
+        <p:style>
+          <a:lnRef idx="1">
+            <a:schemeClr val="accent1"/>
+          </a:lnRef>
+          <a:fillRef idx="0">
+            <a:schemeClr val="accent1"/>
+          </a:fillRef>
+          <a:effectRef idx="0">
+            <a:schemeClr val="accent1"/>
+          </a:effectRef>
+          <a:fontRef idx="minor">
+            <a:schemeClr val="tx1"/>
+          </a:fontRef>
+        </p:style>
+      </p:cxnSp>
+      <p:sp>
+        <p:nvSpPr>
+          <p:cNvPr id="2" name="TextBox 1">
+            <a:extLst>
+              <a:ext uri="{FF2B5EF4-FFF2-40B4-BE49-F238E27FC236}">
+                <a16:creationId xmlns:a16="http://schemas.microsoft.com/office/drawing/2014/main" id="{0BDD82D2-1A63-7327-3944-E9BC6D48A73A}"/>
+              </a:ext>
+            </a:extLst>
+          </p:cNvPr>
+          <p:cNvSpPr txBox="1"/>
+          <p:nvPr/>
+        </p:nvSpPr>
+        <p:spPr>
+          <a:xfrm>
+            <a:off x="331694" y="177505"/>
+            <a:ext cx="5431808" cy="523220"/>
+          </a:xfrm>
+          <a:prstGeom prst="rect">
+            <a:avLst/>
+          </a:prstGeom>
+          <a:noFill/>
+        </p:spPr>
+        <p:txBody>
+          <a:bodyPr wrap="none" rtlCol="0">
+            <a:spAutoFit/>
+          </a:bodyPr>
+          <a:lstStyle/>
+          <a:p>
+            <a:r>
+              <a:rPr lang="en-US" altLang="ko-KR" sz="2800" dirty="0">
+                <a:latin typeface="나눔스퀘어 Bold" panose="020B0600000101010101" pitchFamily="50" charset="-127"/>
+                <a:ea typeface="나눔스퀘어 Bold" panose="020B0600000101010101" pitchFamily="50" charset="-127"/>
+              </a:rPr>
+              <a:t>Binary Search – 10815 </a:t>
+            </a:r>
+            <a:r>
+              <a:rPr lang="ko-KR" altLang="en-US" sz="2800" dirty="0">
+                <a:latin typeface="나눔스퀘어 Bold" panose="020B0600000101010101" pitchFamily="50" charset="-127"/>
+                <a:ea typeface="나눔스퀘어 Bold" panose="020B0600000101010101" pitchFamily="50" charset="-127"/>
+              </a:rPr>
+              <a:t>숫자 카드</a:t>
+            </a:r>
+          </a:p>
+        </p:txBody>
+      </p:sp>
+      <p:pic>
+        <p:nvPicPr>
+          <p:cNvPr id="5" name="그림 4">
+            <a:extLst>
+              <a:ext uri="{FF2B5EF4-FFF2-40B4-BE49-F238E27FC236}">
+                <a16:creationId xmlns:a16="http://schemas.microsoft.com/office/drawing/2014/main" id="{CDB09F23-4E69-8C85-AEDB-87F16CFE42A5}"/>
+              </a:ext>
+            </a:extLst>
+          </p:cNvPr>
+          <p:cNvPicPr>
+            <a:picLocks noChangeAspect="1"/>
+          </p:cNvPicPr>
+          <p:nvPr/>
+        </p:nvPicPr>
+        <p:blipFill>
+          <a:blip r:embed="rId2"/>
+          <a:stretch>
+            <a:fillRect/>
+          </a:stretch>
+        </p:blipFill>
+        <p:spPr>
+          <a:xfrm>
+            <a:off x="331694" y="1000395"/>
+            <a:ext cx="10237694" cy="5770986"/>
+          </a:xfrm>
+          <a:prstGeom prst="rect">
+            <a:avLst/>
+          </a:prstGeom>
+        </p:spPr>
+      </p:pic>
+    </p:spTree>
+    <p:extLst>
+      <p:ext uri="{BB962C8B-B14F-4D97-AF65-F5344CB8AC3E}">
+        <p14:creationId xmlns:p14="http://schemas.microsoft.com/office/powerpoint/2010/main" val="4191193854"/>
+      </p:ext>
+    </p:extLst>
+  </p:cSld>
+  <p:clrMapOvr>
+    <a:masterClrMapping/>
+  </p:clrMapOvr>
+</p:sld>
+</file>
+
+<file path=ppt/slides/slide32.xml><?xml version="1.0" encoding="utf-8"?>
 <p:sld xmlns:a="http://schemas.openxmlformats.org/drawingml/2006/main" xmlns:r="http://schemas.openxmlformats.org/officeDocument/2006/relationships" xmlns:p="http://schemas.openxmlformats.org/presentationml/2006/main">
   <p:cSld>
     <p:spTree>
@@ -16421,364 +15180,6 @@
       </p:cxnSp>
       <p:sp>
         <p:nvSpPr>
-          <p:cNvPr id="6" name="TextBox 5">
-            <a:extLst>
-              <a:ext uri="{FF2B5EF4-FFF2-40B4-BE49-F238E27FC236}">
-                <a16:creationId xmlns:a16="http://schemas.microsoft.com/office/drawing/2014/main" id="{908ED9B9-09D3-CFA8-625A-6F9BB9B6BD23}"/>
-              </a:ext>
-            </a:extLst>
-          </p:cNvPr>
-          <p:cNvSpPr txBox="1"/>
-          <p:nvPr/>
-        </p:nvSpPr>
-        <p:spPr>
-          <a:xfrm>
-            <a:off x="331694" y="177505"/>
-            <a:ext cx="3929024" cy="523220"/>
-          </a:xfrm>
-          <a:prstGeom prst="rect">
-            <a:avLst/>
-          </a:prstGeom>
-          <a:noFill/>
-        </p:spPr>
-        <p:txBody>
-          <a:bodyPr wrap="none" rtlCol="0">
-            <a:spAutoFit/>
-          </a:bodyPr>
-          <a:lstStyle/>
-          <a:p>
-            <a:r>
-              <a:rPr lang="en-US" altLang="ko-KR" sz="2800" dirty="0">
-                <a:latin typeface="나눔스퀘어 Bold" panose="020B0600000101010101" pitchFamily="50" charset="-127"/>
-                <a:ea typeface="나눔스퀘어 Bold" panose="020B0600000101010101" pitchFamily="50" charset="-127"/>
-              </a:rPr>
-              <a:t>Dynamic Programming</a:t>
-            </a:r>
-            <a:endParaRPr lang="ko-KR" altLang="en-US" sz="2800" dirty="0">
-              <a:latin typeface="나눔스퀘어 Bold" panose="020B0600000101010101" pitchFamily="50" charset="-127"/>
-              <a:ea typeface="나눔스퀘어 Bold" panose="020B0600000101010101" pitchFamily="50" charset="-127"/>
-            </a:endParaRPr>
-          </a:p>
-        </p:txBody>
-      </p:sp>
-      <p:sp>
-        <p:nvSpPr>
-          <p:cNvPr id="3" name="TextBox 2">
-            <a:extLst>
-              <a:ext uri="{FF2B5EF4-FFF2-40B4-BE49-F238E27FC236}">
-                <a16:creationId xmlns:a16="http://schemas.microsoft.com/office/drawing/2014/main" id="{D54471A0-9E82-57E4-CB63-5D6EE4E26A1A}"/>
-              </a:ext>
-            </a:extLst>
-          </p:cNvPr>
-          <p:cNvSpPr txBox="1"/>
-          <p:nvPr/>
-        </p:nvSpPr>
-        <p:spPr>
-          <a:xfrm>
-            <a:off x="942387" y="1352030"/>
-            <a:ext cx="8542272" cy="369332"/>
-          </a:xfrm>
-          <a:prstGeom prst="rect">
-            <a:avLst/>
-          </a:prstGeom>
-          <a:noFill/>
-        </p:spPr>
-        <p:txBody>
-          <a:bodyPr wrap="square" rtlCol="0">
-            <a:spAutoFit/>
-          </a:bodyPr>
-          <a:lstStyle/>
-          <a:p>
-            <a:r>
-              <a:rPr lang="ko-KR" altLang="en-US" dirty="0">
-                <a:latin typeface="나눔스퀘어 Bold" panose="020B0600000101010101" pitchFamily="50" charset="-127"/>
-                <a:ea typeface="나눔스퀘어 Bold" panose="020B0600000101010101" pitchFamily="50" charset="-127"/>
-              </a:rPr>
-              <a:t>피보나치 수를 다음과 같이 재귀 함수로 구할 경우</a:t>
-            </a:r>
-            <a:r>
-              <a:rPr lang="en-US" altLang="ko-KR" dirty="0">
-                <a:latin typeface="나눔스퀘어 Bold" panose="020B0600000101010101" pitchFamily="50" charset="-127"/>
-                <a:ea typeface="나눔스퀘어 Bold" panose="020B0600000101010101" pitchFamily="50" charset="-127"/>
-              </a:rPr>
-              <a:t>, </a:t>
-            </a:r>
-            <a:r>
-              <a:rPr lang="ko-KR" altLang="en-US" dirty="0">
-                <a:latin typeface="나눔스퀘어 Bold" panose="020B0600000101010101" pitchFamily="50" charset="-127"/>
-                <a:ea typeface="나눔스퀘어 Bold" panose="020B0600000101010101" pitchFamily="50" charset="-127"/>
-              </a:rPr>
-              <a:t>시간 복잡도가 어떻게 될까요</a:t>
-            </a:r>
-            <a:r>
-              <a:rPr lang="en-US" altLang="ko-KR" dirty="0">
-                <a:latin typeface="나눔스퀘어 Bold" panose="020B0600000101010101" pitchFamily="50" charset="-127"/>
-                <a:ea typeface="나눔스퀘어 Bold" panose="020B0600000101010101" pitchFamily="50" charset="-127"/>
-              </a:rPr>
-              <a:t>?</a:t>
-            </a:r>
-            <a:endParaRPr lang="ko-KR" altLang="en-US" dirty="0">
-              <a:latin typeface="나눔스퀘어 Bold" panose="020B0600000101010101" pitchFamily="50" charset="-127"/>
-              <a:ea typeface="나눔스퀘어 Bold" panose="020B0600000101010101" pitchFamily="50" charset="-127"/>
-            </a:endParaRPr>
-          </a:p>
-        </p:txBody>
-      </p:sp>
-      <p:pic>
-        <p:nvPicPr>
-          <p:cNvPr id="8" name="그림 7">
-            <a:extLst>
-              <a:ext uri="{FF2B5EF4-FFF2-40B4-BE49-F238E27FC236}">
-                <a16:creationId xmlns:a16="http://schemas.microsoft.com/office/drawing/2014/main" id="{CB0C9D1E-FE4C-47F3-A822-B4F06A5B884B}"/>
-              </a:ext>
-            </a:extLst>
-          </p:cNvPr>
-          <p:cNvPicPr>
-            <a:picLocks noChangeAspect="1"/>
-          </p:cNvPicPr>
-          <p:nvPr/>
-        </p:nvPicPr>
-        <p:blipFill>
-          <a:blip r:embed="rId2"/>
-          <a:stretch>
-            <a:fillRect/>
-          </a:stretch>
-        </p:blipFill>
-        <p:spPr>
-          <a:xfrm>
-            <a:off x="942386" y="1916728"/>
-            <a:ext cx="4950413" cy="2304501"/>
-          </a:xfrm>
-          <a:prstGeom prst="rect">
-            <a:avLst/>
-          </a:prstGeom>
-        </p:spPr>
-      </p:pic>
-    </p:spTree>
-    <p:extLst>
-      <p:ext uri="{BB962C8B-B14F-4D97-AF65-F5344CB8AC3E}">
-        <p14:creationId xmlns:p14="http://schemas.microsoft.com/office/powerpoint/2010/main" val="637452048"/>
-      </p:ext>
-    </p:extLst>
-  </p:cSld>
-  <p:clrMapOvr>
-    <a:masterClrMapping/>
-  </p:clrMapOvr>
-</p:sld>
-</file>
-
-<file path=ppt/slides/slide30.xml><?xml version="1.0" encoding="utf-8"?>
-<p:sld xmlns:a="http://schemas.openxmlformats.org/drawingml/2006/main" xmlns:r="http://schemas.openxmlformats.org/officeDocument/2006/relationships" xmlns:p="http://schemas.openxmlformats.org/presentationml/2006/main">
-  <p:cSld>
-    <p:spTree>
-      <p:nvGrpSpPr>
-        <p:cNvPr id="1" name=""/>
-        <p:cNvGrpSpPr/>
-        <p:nvPr/>
-      </p:nvGrpSpPr>
-      <p:grpSpPr>
-        <a:xfrm>
-          <a:off x="0" y="0"/>
-          <a:ext cx="0" cy="0"/>
-          <a:chOff x="0" y="0"/>
-          <a:chExt cx="0" cy="0"/>
-        </a:xfrm>
-      </p:grpSpPr>
-      <p:cxnSp>
-        <p:nvCxnSpPr>
-          <p:cNvPr id="26" name="직선 연결선 25">
-            <a:extLst>
-              <a:ext uri="{FF2B5EF4-FFF2-40B4-BE49-F238E27FC236}">
-                <a16:creationId xmlns:a16="http://schemas.microsoft.com/office/drawing/2014/main" id="{679B38A3-B196-3741-D6D3-0CA8FB95B91A}"/>
-              </a:ext>
-            </a:extLst>
-          </p:cNvPr>
-          <p:cNvCxnSpPr/>
-          <p:nvPr/>
-        </p:nvCxnSpPr>
-        <p:spPr>
-          <a:xfrm>
-            <a:off x="0" y="887505"/>
-            <a:ext cx="10237694" cy="0"/>
-          </a:xfrm>
-          <a:prstGeom prst="line">
-            <a:avLst/>
-          </a:prstGeom>
-          <a:ln w="76200">
-            <a:solidFill>
-              <a:schemeClr val="tx1">
-                <a:lumMod val="75000"/>
-                <a:lumOff val="25000"/>
-              </a:schemeClr>
-            </a:solidFill>
-          </a:ln>
-        </p:spPr>
-        <p:style>
-          <a:lnRef idx="1">
-            <a:schemeClr val="accent1"/>
-          </a:lnRef>
-          <a:fillRef idx="0">
-            <a:schemeClr val="accent1"/>
-          </a:fillRef>
-          <a:effectRef idx="0">
-            <a:schemeClr val="accent1"/>
-          </a:effectRef>
-          <a:fontRef idx="minor">
-            <a:schemeClr val="tx1"/>
-          </a:fontRef>
-        </p:style>
-      </p:cxnSp>
-      <p:sp>
-        <p:nvSpPr>
-          <p:cNvPr id="2" name="TextBox 1">
-            <a:extLst>
-              <a:ext uri="{FF2B5EF4-FFF2-40B4-BE49-F238E27FC236}">
-                <a16:creationId xmlns:a16="http://schemas.microsoft.com/office/drawing/2014/main" id="{0BDD82D2-1A63-7327-3944-E9BC6D48A73A}"/>
-              </a:ext>
-            </a:extLst>
-          </p:cNvPr>
-          <p:cNvSpPr txBox="1"/>
-          <p:nvPr/>
-        </p:nvSpPr>
-        <p:spPr>
-          <a:xfrm>
-            <a:off x="331694" y="177505"/>
-            <a:ext cx="5431808" cy="523220"/>
-          </a:xfrm>
-          <a:prstGeom prst="rect">
-            <a:avLst/>
-          </a:prstGeom>
-          <a:noFill/>
-        </p:spPr>
-        <p:txBody>
-          <a:bodyPr wrap="none" rtlCol="0">
-            <a:spAutoFit/>
-          </a:bodyPr>
-          <a:lstStyle/>
-          <a:p>
-            <a:r>
-              <a:rPr lang="en-US" altLang="ko-KR" sz="2800" dirty="0">
-                <a:latin typeface="나눔스퀘어 Bold" panose="020B0600000101010101" pitchFamily="50" charset="-127"/>
-                <a:ea typeface="나눔스퀘어 Bold" panose="020B0600000101010101" pitchFamily="50" charset="-127"/>
-              </a:rPr>
-              <a:t>Binary Search – 10815 </a:t>
-            </a:r>
-            <a:r>
-              <a:rPr lang="ko-KR" altLang="en-US" sz="2800" dirty="0">
-                <a:latin typeface="나눔스퀘어 Bold" panose="020B0600000101010101" pitchFamily="50" charset="-127"/>
-                <a:ea typeface="나눔스퀘어 Bold" panose="020B0600000101010101" pitchFamily="50" charset="-127"/>
-              </a:rPr>
-              <a:t>숫자 카드</a:t>
-            </a:r>
-          </a:p>
-        </p:txBody>
-      </p:sp>
-      <p:pic>
-        <p:nvPicPr>
-          <p:cNvPr id="5" name="그림 4">
-            <a:extLst>
-              <a:ext uri="{FF2B5EF4-FFF2-40B4-BE49-F238E27FC236}">
-                <a16:creationId xmlns:a16="http://schemas.microsoft.com/office/drawing/2014/main" id="{CDB09F23-4E69-8C85-AEDB-87F16CFE42A5}"/>
-              </a:ext>
-            </a:extLst>
-          </p:cNvPr>
-          <p:cNvPicPr>
-            <a:picLocks noChangeAspect="1"/>
-          </p:cNvPicPr>
-          <p:nvPr/>
-        </p:nvPicPr>
-        <p:blipFill>
-          <a:blip r:embed="rId2"/>
-          <a:stretch>
-            <a:fillRect/>
-          </a:stretch>
-        </p:blipFill>
-        <p:spPr>
-          <a:xfrm>
-            <a:off x="331694" y="1000395"/>
-            <a:ext cx="10237694" cy="5770986"/>
-          </a:xfrm>
-          <a:prstGeom prst="rect">
-            <a:avLst/>
-          </a:prstGeom>
-        </p:spPr>
-      </p:pic>
-    </p:spTree>
-    <p:extLst>
-      <p:ext uri="{BB962C8B-B14F-4D97-AF65-F5344CB8AC3E}">
-        <p14:creationId xmlns:p14="http://schemas.microsoft.com/office/powerpoint/2010/main" val="4191193854"/>
-      </p:ext>
-    </p:extLst>
-  </p:cSld>
-  <p:clrMapOvr>
-    <a:masterClrMapping/>
-  </p:clrMapOvr>
-</p:sld>
-</file>
-
-<file path=ppt/slides/slide31.xml><?xml version="1.0" encoding="utf-8"?>
-<p:sld xmlns:a="http://schemas.openxmlformats.org/drawingml/2006/main" xmlns:r="http://schemas.openxmlformats.org/officeDocument/2006/relationships" xmlns:p="http://schemas.openxmlformats.org/presentationml/2006/main">
-  <p:cSld>
-    <p:spTree>
-      <p:nvGrpSpPr>
-        <p:cNvPr id="1" name=""/>
-        <p:cNvGrpSpPr/>
-        <p:nvPr/>
-      </p:nvGrpSpPr>
-      <p:grpSpPr>
-        <a:xfrm>
-          <a:off x="0" y="0"/>
-          <a:ext cx="0" cy="0"/>
-          <a:chOff x="0" y="0"/>
-          <a:chExt cx="0" cy="0"/>
-        </a:xfrm>
-      </p:grpSpPr>
-      <p:cxnSp>
-        <p:nvCxnSpPr>
-          <p:cNvPr id="5" name="직선 연결선 4">
-            <a:extLst>
-              <a:ext uri="{FF2B5EF4-FFF2-40B4-BE49-F238E27FC236}">
-                <a16:creationId xmlns:a16="http://schemas.microsoft.com/office/drawing/2014/main" id="{164C2827-EFCE-69A4-D037-1A218415F568}"/>
-              </a:ext>
-            </a:extLst>
-          </p:cNvPr>
-          <p:cNvCxnSpPr/>
-          <p:nvPr/>
-        </p:nvCxnSpPr>
-        <p:spPr>
-          <a:xfrm>
-            <a:off x="0" y="887505"/>
-            <a:ext cx="10237694" cy="0"/>
-          </a:xfrm>
-          <a:prstGeom prst="line">
-            <a:avLst/>
-          </a:prstGeom>
-          <a:ln w="76200">
-            <a:solidFill>
-              <a:schemeClr val="tx1">
-                <a:lumMod val="75000"/>
-                <a:lumOff val="25000"/>
-              </a:schemeClr>
-            </a:solidFill>
-          </a:ln>
-        </p:spPr>
-        <p:style>
-          <a:lnRef idx="1">
-            <a:schemeClr val="accent1"/>
-          </a:lnRef>
-          <a:fillRef idx="0">
-            <a:schemeClr val="accent1"/>
-          </a:fillRef>
-          <a:effectRef idx="0">
-            <a:schemeClr val="accent1"/>
-          </a:effectRef>
-          <a:fontRef idx="minor">
-            <a:schemeClr val="tx1"/>
-          </a:fontRef>
-        </p:style>
-      </p:cxnSp>
-      <p:sp>
-        <p:nvSpPr>
           <p:cNvPr id="7" name="TextBox 6">
             <a:extLst>
               <a:ext uri="{FF2B5EF4-FFF2-40B4-BE49-F238E27FC236}">
@@ -16954,7 +15355,7 @@
 </p:sld>
 </file>
 
-<file path=ppt/slides/slide32.xml><?xml version="1.0" encoding="utf-8"?>
+<file path=ppt/slides/slide33.xml><?xml version="1.0" encoding="utf-8"?>
 <p:sld xmlns:a="http://schemas.openxmlformats.org/drawingml/2006/main" xmlns:r="http://schemas.openxmlformats.org/officeDocument/2006/relationships" xmlns:p="http://schemas.openxmlformats.org/presentationml/2006/main">
   <p:cSld>
     <p:spTree>
@@ -17642,29 +16043,29 @@
           <a:p>
             <a:r>
               <a:rPr lang="en-US" altLang="ko-KR" dirty="0" err="1">
-                <a:latin typeface="나눔스퀘어 Bold" panose="020B0600000101010101" pitchFamily="50" charset="-127"/>
-                <a:ea typeface="나눔스퀘어 Bold" panose="020B0600000101010101" pitchFamily="50" charset="-127"/>
+                <a:latin typeface="나눔스퀘어 Light" panose="020B0600000101010101" pitchFamily="50" charset="-127"/>
+                <a:ea typeface="나눔스퀘어 Light" panose="020B0600000101010101" pitchFamily="50" charset="-127"/>
               </a:rPr>
               <a:t>fibo</a:t>
             </a:r>
             <a:r>
               <a:rPr lang="en-US" altLang="ko-KR" dirty="0">
-                <a:latin typeface="나눔스퀘어 Bold" panose="020B0600000101010101" pitchFamily="50" charset="-127"/>
-                <a:ea typeface="나눔스퀘어 Bold" panose="020B0600000101010101" pitchFamily="50" charset="-127"/>
+                <a:latin typeface="나눔스퀘어 Light" panose="020B0600000101010101" pitchFamily="50" charset="-127"/>
+                <a:ea typeface="나눔스퀘어 Light" panose="020B0600000101010101" pitchFamily="50" charset="-127"/>
               </a:rPr>
               <a:t>(5)</a:t>
             </a:r>
             <a:r>
               <a:rPr lang="ko-KR" altLang="en-US" dirty="0">
-                <a:latin typeface="나눔스퀘어 Bold" panose="020B0600000101010101" pitchFamily="50" charset="-127"/>
-                <a:ea typeface="나눔스퀘어 Bold" panose="020B0600000101010101" pitchFamily="50" charset="-127"/>
+                <a:latin typeface="나눔스퀘어 Light" panose="020B0600000101010101" pitchFamily="50" charset="-127"/>
+                <a:ea typeface="나눔스퀘어 Light" panose="020B0600000101010101" pitchFamily="50" charset="-127"/>
               </a:rPr>
               <a:t>를 구하려면</a:t>
             </a:r>
             <a:r>
               <a:rPr lang="en-US" altLang="ko-KR" dirty="0">
-                <a:latin typeface="나눔스퀘어 Bold" panose="020B0600000101010101" pitchFamily="50" charset="-127"/>
-                <a:ea typeface="나눔스퀘어 Bold" panose="020B0600000101010101" pitchFamily="50" charset="-127"/>
+                <a:latin typeface="나눔스퀘어 Light" panose="020B0600000101010101" pitchFamily="50" charset="-127"/>
+                <a:ea typeface="나눔스퀘어 Light" panose="020B0600000101010101" pitchFamily="50" charset="-127"/>
               </a:rPr>
               <a:t>, </a:t>
             </a:r>
@@ -17673,28 +16074,28 @@
                 <a:solidFill>
                   <a:srgbClr val="FF0000"/>
                 </a:solidFill>
-                <a:latin typeface="나눔스퀘어 ExtraBold"/>
-                <a:ea typeface="나눔스퀘어 Bold" panose="020B0600000101010101" pitchFamily="50" charset="-127"/>
-              </a:rPr>
-              <a:t>중복된 연산</a:t>
-            </a:r>
-            <a:r>
-              <a:rPr lang="ko-KR" altLang="en-US" dirty="0">
                 <a:latin typeface="나눔스퀘어 Bold" panose="020B0600000101010101" pitchFamily="50" charset="-127"/>
                 <a:ea typeface="나눔스퀘어 Bold" panose="020B0600000101010101" pitchFamily="50" charset="-127"/>
               </a:rPr>
+              <a:t>중복된 연산</a:t>
+            </a:r>
+            <a:r>
+              <a:rPr lang="ko-KR" altLang="en-US" dirty="0">
+                <a:latin typeface="나눔스퀘어 Light" panose="020B0600000101010101" pitchFamily="50" charset="-127"/>
+                <a:ea typeface="나눔스퀘어 Light" panose="020B0600000101010101" pitchFamily="50" charset="-127"/>
+              </a:rPr>
               <a:t>을 꽤 수행하는 것을 볼 수 있습니다</a:t>
             </a:r>
             <a:r>
               <a:rPr lang="en-US" altLang="ko-KR" dirty="0">
-                <a:latin typeface="나눔스퀘어 Bold" panose="020B0600000101010101" pitchFamily="50" charset="-127"/>
-                <a:ea typeface="나눔스퀘어 Bold" panose="020B0600000101010101" pitchFamily="50" charset="-127"/>
+                <a:latin typeface="나눔스퀘어 Light" panose="020B0600000101010101" pitchFamily="50" charset="-127"/>
+                <a:ea typeface="나눔스퀘어 Light" panose="020B0600000101010101" pitchFamily="50" charset="-127"/>
               </a:rPr>
               <a:t>.</a:t>
             </a:r>
             <a:endParaRPr lang="ko-KR" altLang="en-US" dirty="0">
-              <a:latin typeface="나눔스퀘어 Bold" panose="020B0600000101010101" pitchFamily="50" charset="-127"/>
-              <a:ea typeface="나눔스퀘어 Bold" panose="020B0600000101010101" pitchFamily="50" charset="-127"/>
+              <a:latin typeface="나눔스퀘어 Light" panose="020B0600000101010101" pitchFamily="50" charset="-127"/>
+              <a:ea typeface="나눔스퀘어 Light" panose="020B0600000101010101" pitchFamily="50" charset="-127"/>
             </a:endParaRPr>
           </a:p>
         </p:txBody>
@@ -17801,49 +16202,49 @@
           <a:p>
             <a:r>
               <a:rPr lang="en-US" altLang="ko-KR" dirty="0" err="1">
-                <a:latin typeface="나눔스퀘어 Bold" panose="020B0600000101010101" pitchFamily="50" charset="-127"/>
-                <a:ea typeface="나눔스퀘어 Bold" panose="020B0600000101010101" pitchFamily="50" charset="-127"/>
+                <a:latin typeface="나눔스퀘어 Light" panose="020B0600000101010101" pitchFamily="50" charset="-127"/>
+                <a:ea typeface="나눔스퀘어 Light" panose="020B0600000101010101" pitchFamily="50" charset="-127"/>
               </a:rPr>
               <a:t>fibo</a:t>
             </a:r>
             <a:r>
               <a:rPr lang="en-US" altLang="ko-KR" dirty="0">
-                <a:latin typeface="나눔스퀘어 Bold" panose="020B0600000101010101" pitchFamily="50" charset="-127"/>
-                <a:ea typeface="나눔스퀘어 Bold" panose="020B0600000101010101" pitchFamily="50" charset="-127"/>
+                <a:latin typeface="나눔스퀘어 Light" panose="020B0600000101010101" pitchFamily="50" charset="-127"/>
+                <a:ea typeface="나눔스퀘어 Light" panose="020B0600000101010101" pitchFamily="50" charset="-127"/>
               </a:rPr>
               <a:t>(1)</a:t>
             </a:r>
             <a:r>
               <a:rPr lang="ko-KR" altLang="en-US" dirty="0">
-                <a:latin typeface="나눔스퀘어 Bold" panose="020B0600000101010101" pitchFamily="50" charset="-127"/>
-                <a:ea typeface="나눔스퀘어 Bold" panose="020B0600000101010101" pitchFamily="50" charset="-127"/>
+                <a:latin typeface="나눔스퀘어 Light" panose="020B0600000101010101" pitchFamily="50" charset="-127"/>
+                <a:ea typeface="나눔스퀘어 Light" panose="020B0600000101010101" pitchFamily="50" charset="-127"/>
               </a:rPr>
               <a:t>을 벌써 </a:t>
             </a:r>
             <a:r>
               <a:rPr lang="en-US" altLang="ko-KR" dirty="0">
-                <a:latin typeface="나눔스퀘어 Bold" panose="020B0600000101010101" pitchFamily="50" charset="-127"/>
-                <a:ea typeface="나눔스퀘어 Bold" panose="020B0600000101010101" pitchFamily="50" charset="-127"/>
+                <a:latin typeface="나눔스퀘어 Light" panose="020B0600000101010101" pitchFamily="50" charset="-127"/>
+                <a:ea typeface="나눔스퀘어 Light" panose="020B0600000101010101" pitchFamily="50" charset="-127"/>
               </a:rPr>
               <a:t>5</a:t>
             </a:r>
             <a:r>
               <a:rPr lang="ko-KR" altLang="en-US" dirty="0">
-                <a:latin typeface="나눔스퀘어 Bold" panose="020B0600000101010101" pitchFamily="50" charset="-127"/>
-                <a:ea typeface="나눔스퀘어 Bold" panose="020B0600000101010101" pitchFamily="50" charset="-127"/>
+                <a:latin typeface="나눔스퀘어 Light" panose="020B0600000101010101" pitchFamily="50" charset="-127"/>
+                <a:ea typeface="나눔스퀘어 Light" panose="020B0600000101010101" pitchFamily="50" charset="-127"/>
               </a:rPr>
               <a:t>번이나 구하고 있네요</a:t>
             </a:r>
             <a:r>
               <a:rPr lang="en-US" altLang="ko-KR" dirty="0">
-                <a:latin typeface="나눔스퀘어 Bold" panose="020B0600000101010101" pitchFamily="50" charset="-127"/>
-                <a:ea typeface="나눔스퀘어 Bold" panose="020B0600000101010101" pitchFamily="50" charset="-127"/>
+                <a:latin typeface="나눔스퀘어 Light" panose="020B0600000101010101" pitchFamily="50" charset="-127"/>
+                <a:ea typeface="나눔스퀘어 Light" panose="020B0600000101010101" pitchFamily="50" charset="-127"/>
               </a:rPr>
               <a:t>.</a:t>
             </a:r>
             <a:endParaRPr lang="ko-KR" altLang="en-US" dirty="0">
-              <a:latin typeface="나눔스퀘어 Bold" panose="020B0600000101010101" pitchFamily="50" charset="-127"/>
-              <a:ea typeface="나눔스퀘어 Bold" panose="020B0600000101010101" pitchFamily="50" charset="-127"/>
+              <a:latin typeface="나눔스퀘어 Light" panose="020B0600000101010101" pitchFamily="50" charset="-127"/>
+              <a:ea typeface="나눔스퀘어 Light" panose="020B0600000101010101" pitchFamily="50" charset="-127"/>
             </a:endParaRPr>
           </a:p>
         </p:txBody>
@@ -17952,57 +16353,57 @@
           <a:p>
             <a:r>
               <a:rPr lang="en-US" altLang="ko-KR" dirty="0" err="1">
-                <a:latin typeface="나눔스퀘어 Bold" panose="020B0600000101010101" pitchFamily="50" charset="-127"/>
-                <a:ea typeface="나눔스퀘어 Bold" panose="020B0600000101010101" pitchFamily="50" charset="-127"/>
+                <a:latin typeface="나눔스퀘어 Light" panose="020B0600000101010101" pitchFamily="50" charset="-127"/>
+                <a:ea typeface="나눔스퀘어 Light" panose="020B0600000101010101" pitchFamily="50" charset="-127"/>
               </a:rPr>
               <a:t>fibo</a:t>
             </a:r>
             <a:r>
               <a:rPr lang="en-US" altLang="ko-KR" dirty="0">
-                <a:latin typeface="나눔스퀘어 Bold" panose="020B0600000101010101" pitchFamily="50" charset="-127"/>
-                <a:ea typeface="나눔스퀘어 Bold" panose="020B0600000101010101" pitchFamily="50" charset="-127"/>
+                <a:latin typeface="나눔스퀘어 Light" panose="020B0600000101010101" pitchFamily="50" charset="-127"/>
+                <a:ea typeface="나눔스퀘어 Light" panose="020B0600000101010101" pitchFamily="50" charset="-127"/>
               </a:rPr>
               <a:t>(6)</a:t>
             </a:r>
             <a:r>
               <a:rPr lang="ko-KR" altLang="en-US" dirty="0">
-                <a:latin typeface="나눔스퀘어 Bold" panose="020B0600000101010101" pitchFamily="50" charset="-127"/>
-                <a:ea typeface="나눔스퀘어 Bold" panose="020B0600000101010101" pitchFamily="50" charset="-127"/>
+                <a:latin typeface="나눔스퀘어 Light" panose="020B0600000101010101" pitchFamily="50" charset="-127"/>
+                <a:ea typeface="나눔스퀘어 Light" panose="020B0600000101010101" pitchFamily="50" charset="-127"/>
               </a:rPr>
               <a:t>을 구하게 되면</a:t>
             </a:r>
             <a:r>
               <a:rPr lang="en-US" altLang="ko-KR" dirty="0">
-                <a:latin typeface="나눔스퀘어 Bold" panose="020B0600000101010101" pitchFamily="50" charset="-127"/>
-                <a:ea typeface="나눔스퀘어 Bold" panose="020B0600000101010101" pitchFamily="50" charset="-127"/>
+                <a:latin typeface="나눔스퀘어 Light" panose="020B0600000101010101" pitchFamily="50" charset="-127"/>
+                <a:ea typeface="나눔스퀘어 Light" panose="020B0600000101010101" pitchFamily="50" charset="-127"/>
               </a:rPr>
               <a:t>, </a:t>
             </a:r>
             <a:r>
               <a:rPr lang="ko-KR" altLang="en-US" dirty="0">
-                <a:latin typeface="나눔스퀘어 Bold" panose="020B0600000101010101" pitchFamily="50" charset="-127"/>
-                <a:ea typeface="나눔스퀘어 Bold" panose="020B0600000101010101" pitchFamily="50" charset="-127"/>
+                <a:latin typeface="나눔스퀘어 Light" panose="020B0600000101010101" pitchFamily="50" charset="-127"/>
+                <a:ea typeface="나눔스퀘어 Light" panose="020B0600000101010101" pitchFamily="50" charset="-127"/>
               </a:rPr>
               <a:t>방금 본 </a:t>
             </a:r>
             <a:r>
               <a:rPr lang="en-US" altLang="ko-KR" dirty="0" err="1">
-                <a:latin typeface="나눔스퀘어 Bold" panose="020B0600000101010101" pitchFamily="50" charset="-127"/>
-                <a:ea typeface="나눔스퀘어 Bold" panose="020B0600000101010101" pitchFamily="50" charset="-127"/>
+                <a:latin typeface="나눔스퀘어 Light" panose="020B0600000101010101" pitchFamily="50" charset="-127"/>
+                <a:ea typeface="나눔스퀘어 Light" panose="020B0600000101010101" pitchFamily="50" charset="-127"/>
               </a:rPr>
               <a:t>fibo</a:t>
             </a:r>
             <a:r>
               <a:rPr lang="en-US" altLang="ko-KR" dirty="0">
-                <a:latin typeface="나눔스퀘어 Bold" panose="020B0600000101010101" pitchFamily="50" charset="-127"/>
-                <a:ea typeface="나눔스퀘어 Bold" panose="020B0600000101010101" pitchFamily="50" charset="-127"/>
+                <a:latin typeface="나눔스퀘어 Light" panose="020B0600000101010101" pitchFamily="50" charset="-127"/>
+                <a:ea typeface="나눔스퀘어 Light" panose="020B0600000101010101" pitchFamily="50" charset="-127"/>
               </a:rPr>
               <a:t>(5)</a:t>
             </a:r>
             <a:r>
               <a:rPr lang="ko-KR" altLang="en-US" dirty="0">
-                <a:latin typeface="나눔스퀘어 Bold" panose="020B0600000101010101" pitchFamily="50" charset="-127"/>
-                <a:ea typeface="나눔스퀘어 Bold" panose="020B0600000101010101" pitchFamily="50" charset="-127"/>
+                <a:latin typeface="나눔스퀘어 Light" panose="020B0600000101010101" pitchFamily="50" charset="-127"/>
+                <a:ea typeface="나눔스퀘어 Light" panose="020B0600000101010101" pitchFamily="50" charset="-127"/>
               </a:rPr>
               <a:t>가 </a:t>
             </a:r>
@@ -18018,15 +16419,15 @@
             </a:r>
             <a:r>
               <a:rPr lang="ko-KR" altLang="en-US" dirty="0">
-                <a:latin typeface="나눔스퀘어 Bold" panose="020B0600000101010101" pitchFamily="50" charset="-127"/>
-                <a:ea typeface="나눔스퀘어 Bold" panose="020B0600000101010101" pitchFamily="50" charset="-127"/>
+                <a:latin typeface="나눔스퀘어 Light" panose="020B0600000101010101" pitchFamily="50" charset="-127"/>
+                <a:ea typeface="나눔스퀘어 Light" panose="020B0600000101010101" pitchFamily="50" charset="-127"/>
               </a:rPr>
               <a:t>가 되는 것을 볼 수 있습니다</a:t>
             </a:r>
             <a:r>
               <a:rPr lang="en-US" altLang="ko-KR" dirty="0">
-                <a:latin typeface="나눔스퀘어 Bold" panose="020B0600000101010101" pitchFamily="50" charset="-127"/>
-                <a:ea typeface="나눔스퀘어 Bold" panose="020B0600000101010101" pitchFamily="50" charset="-127"/>
+                <a:latin typeface="나눔스퀘어 Light" panose="020B0600000101010101" pitchFamily="50" charset="-127"/>
+                <a:ea typeface="나눔스퀘어 Light" panose="020B0600000101010101" pitchFamily="50" charset="-127"/>
               </a:rPr>
               <a:t>.</a:t>
             </a:r>
@@ -18109,8 +16510,8 @@
           <a:p>
             <a:r>
               <a:rPr lang="en-US" altLang="ko-KR" dirty="0">
-                <a:latin typeface="나눔스퀘어 Bold" panose="020B0600000101010101" pitchFamily="50" charset="-127"/>
-                <a:ea typeface="나눔스퀘어 Bold" panose="020B0600000101010101" pitchFamily="50" charset="-127"/>
+                <a:latin typeface="나눔스퀘어 Light" panose="020B0600000101010101" pitchFamily="50" charset="-127"/>
+                <a:ea typeface="나눔스퀘어 Light" panose="020B0600000101010101" pitchFamily="50" charset="-127"/>
               </a:rPr>
               <a:t>(</a:t>
             </a:r>
@@ -18126,8 +16527,8 @@
             </a:r>
             <a:r>
               <a:rPr lang="ko-KR" altLang="en-US" dirty="0">
-                <a:latin typeface="나눔스퀘어 Bold" panose="020B0600000101010101" pitchFamily="50" charset="-127"/>
-                <a:ea typeface="나눔스퀘어 Bold" panose="020B0600000101010101" pitchFamily="50" charset="-127"/>
+                <a:latin typeface="나눔스퀘어 Light" panose="020B0600000101010101" pitchFamily="50" charset="-127"/>
+                <a:ea typeface="나눔스퀘어 Light" panose="020B0600000101010101" pitchFamily="50" charset="-127"/>
               </a:rPr>
               <a:t>가 약 </a:t>
             </a:r>
@@ -18153,8 +16554,8 @@
             </a:r>
             <a:r>
               <a:rPr lang="en-US" altLang="ko-KR" dirty="0">
-                <a:latin typeface="나눔스퀘어 Bold" panose="020B0600000101010101" pitchFamily="50" charset="-127"/>
-                <a:ea typeface="나눔스퀘어 Bold" panose="020B0600000101010101" pitchFamily="50" charset="-127"/>
+                <a:latin typeface="나눔스퀘어 Light" panose="020B0600000101010101" pitchFamily="50" charset="-127"/>
+                <a:ea typeface="나눔스퀘어 Light" panose="020B0600000101010101" pitchFamily="50" charset="-127"/>
               </a:rPr>
               <a:t>)</a:t>
             </a:r>
@@ -18277,29 +16678,25 @@
           <a:p>
             <a:r>
               <a:rPr lang="ko-KR" altLang="en-US" dirty="0">
-                <a:latin typeface="나눔스퀘어 Bold" panose="020B0600000101010101" pitchFamily="50" charset="-127"/>
-                <a:ea typeface="나눔스퀘어 Bold" panose="020B0600000101010101" pitchFamily="50" charset="-127"/>
+                <a:latin typeface="나눔스퀘어 Light" panose="020B0600000101010101" pitchFamily="50" charset="-127"/>
+                <a:ea typeface="나눔스퀘어 Light" panose="020B0600000101010101" pitchFamily="50" charset="-127"/>
               </a:rPr>
               <a:t>이렇게 연산 횟수가 </a:t>
             </a:r>
             <a:r>
               <a:rPr lang="en-US" altLang="ko-KR" dirty="0">
-                <a:latin typeface="나눔스퀘어 Bold" panose="020B0600000101010101" pitchFamily="50" charset="-127"/>
-                <a:ea typeface="나눔스퀘어 Bold" panose="020B0600000101010101" pitchFamily="50" charset="-127"/>
+                <a:latin typeface="나눔스퀘어 Light" panose="020B0600000101010101" pitchFamily="50" charset="-127"/>
+                <a:ea typeface="나눔스퀘어 Light" panose="020B0600000101010101" pitchFamily="50" charset="-127"/>
               </a:rPr>
               <a:t>N</a:t>
             </a:r>
             <a:r>
               <a:rPr lang="ko-KR" altLang="en-US" dirty="0">
-                <a:latin typeface="나눔스퀘어 Bold" panose="020B0600000101010101" pitchFamily="50" charset="-127"/>
-                <a:ea typeface="나눔스퀘어 Bold" panose="020B0600000101010101" pitchFamily="50" charset="-127"/>
+                <a:latin typeface="나눔스퀘어 Light" panose="020B0600000101010101" pitchFamily="50" charset="-127"/>
+                <a:ea typeface="나눔스퀘어 Light" panose="020B0600000101010101" pitchFamily="50" charset="-127"/>
               </a:rPr>
               <a:t>이 증가하면</a:t>
             </a:r>
-            <a:endParaRPr lang="ko-KR" altLang="en-US" dirty="0">
-              <a:latin typeface="나눔스퀘어 Light" panose="020B0600000101010101" pitchFamily="50" charset="-127"/>
-              <a:ea typeface="나눔스퀘어 Light" panose="020B0600000101010101" pitchFamily="50" charset="-127"/>
-            </a:endParaRPr>
           </a:p>
         </p:txBody>
       </p:sp>
@@ -18333,20 +16730,16 @@
           <a:p>
             <a:r>
               <a:rPr lang="ko-KR" altLang="en-US" dirty="0">
-                <a:latin typeface="나눔스퀘어 Bold" panose="020B0600000101010101" pitchFamily="50" charset="-127"/>
-                <a:ea typeface="나눔스퀘어 Bold" panose="020B0600000101010101" pitchFamily="50" charset="-127"/>
+                <a:latin typeface="나눔스퀘어 Light" panose="020B0600000101010101" pitchFamily="50" charset="-127"/>
+                <a:ea typeface="나눔스퀘어 Light" panose="020B0600000101010101" pitchFamily="50" charset="-127"/>
               </a:rPr>
               <a:t>연산 횟수가 두 배가 되는</a:t>
             </a:r>
-            <a:endParaRPr lang="ko-KR" altLang="en-US" dirty="0">
-              <a:latin typeface="나눔스퀘어 Light" panose="020B0600000101010101" pitchFamily="50" charset="-127"/>
-              <a:ea typeface="나눔스퀘어 Light" panose="020B0600000101010101" pitchFamily="50" charset="-127"/>
-            </a:endParaRPr>
-          </a:p>
-        </p:txBody>
-      </p:sp>
-      <mc:AlternateContent xmlns:mc="http://schemas.openxmlformats.org/markup-compatibility/2006" xmlns:a14="http://schemas.microsoft.com/office/drawing/2010/main">
-        <mc:Choice Requires="a14">
+          </a:p>
+        </p:txBody>
+      </p:sp>
+      <mc:AlternateContent xmlns:mc="http://schemas.openxmlformats.org/markup-compatibility/2006">
+        <mc:Choice xmlns:a14="http://schemas.microsoft.com/office/drawing/2010/main" Requires="a14">
           <p:sp>
             <p:nvSpPr>
               <p:cNvPr id="20" name="TextBox 19">
@@ -18377,8 +16770,8 @@
               <a:p>
                 <a:r>
                   <a:rPr lang="ko-KR" altLang="en-US" dirty="0">
-                    <a:latin typeface="나눔스퀘어 Bold" panose="020B0600000101010101" pitchFamily="50" charset="-127"/>
-                    <a:ea typeface="나눔스퀘어 Bold" panose="020B0600000101010101" pitchFamily="50" charset="-127"/>
+                    <a:latin typeface="나눔스퀘어 Light" panose="020B0600000101010101" pitchFamily="50" charset="-127"/>
+                    <a:ea typeface="나눔스퀘어 Light" panose="020B0600000101010101" pitchFamily="50" charset="-127"/>
                   </a:rPr>
                   <a:t>시간 복잡도는 </a:t>
                 </a:r>
@@ -18431,13 +16824,6 @@
                         </m:sSup>
                       </m:e>
                     </m:d>
-                    <m:r>
-                      <a:rPr lang="ko-KR" altLang="en-US" i="1">
-                        <a:latin typeface="Cambria Math" panose="02040503050406030204" pitchFamily="18" charset="0"/>
-                        <a:ea typeface="나눔스퀘어 Bold" panose="020B0600000101010101" pitchFamily="50" charset="-127"/>
-                      </a:rPr>
-                      <m:t>입</m:t>
-                    </m:r>
                   </m:oMath>
                 </a14:m>
                 <a:r>
@@ -18445,7 +16831,7 @@
                     <a:latin typeface="나눔스퀘어 Light" panose="020B0600000101010101" pitchFamily="50" charset="-127"/>
                     <a:ea typeface="나눔스퀘어 Light" panose="020B0600000101010101" pitchFamily="50" charset="-127"/>
                   </a:rPr>
-                  <a:t>니다</a:t>
+                  <a:t>입니다</a:t>
                 </a:r>
                 <a:r>
                   <a:rPr lang="en-US" altLang="ko-KR" dirty="0">
@@ -18462,7 +16848,7 @@
             </p:txBody>
           </p:sp>
         </mc:Choice>
-        <mc:Fallback xmlns="">
+        <mc:Fallback>
           <p:sp>
             <p:nvSpPr>
               <p:cNvPr id="20" name="TextBox 19">
@@ -18618,8 +17004,8 @@
           </p:sp>
         </mc:Fallback>
       </mc:AlternateContent>
-      <mc:AlternateContent xmlns:mc="http://schemas.openxmlformats.org/markup-compatibility/2006" xmlns:a14="http://schemas.microsoft.com/office/drawing/2010/main">
-        <mc:Choice Requires="a14">
+      <mc:AlternateContent xmlns:mc="http://schemas.openxmlformats.org/markup-compatibility/2006">
+        <mc:Choice xmlns:a14="http://schemas.microsoft.com/office/drawing/2010/main" Requires="a14">
           <p:sp>
             <p:nvSpPr>
               <p:cNvPr id="22" name="TextBox 21">
@@ -18635,7 +17021,7 @@
             <p:spPr>
               <a:xfrm>
                 <a:off x="6248166" y="4715792"/>
-                <a:ext cx="5054442" cy="374526"/>
+                <a:ext cx="5054442" cy="369332"/>
               </a:xfrm>
               <a:prstGeom prst="rect">
                 <a:avLst/>
@@ -18651,9 +17037,9 @@
                 <a14:m>
                   <m:oMath xmlns:m="http://schemas.openxmlformats.org/officeDocument/2006/math">
                     <m:r>
-                      <a:rPr lang="ko-KR" altLang="en-US" b="0" i="1" smtClean="0">
+                      <a:rPr lang="ko-KR" altLang="en-US" i="1">
                         <a:latin typeface="Cambria Math" panose="02040503050406030204" pitchFamily="18" charset="0"/>
-                        <a:ea typeface="나눔스퀘어 Light" panose="020B0600000101010101" pitchFamily="50" charset="-127"/>
+                        <a:ea typeface="나눔스퀘어 Bold" panose="020B0600000101010101" pitchFamily="50" charset="-127"/>
                       </a:rPr>
                       <m:t>기</m:t>
                     </m:r>
@@ -18661,10 +17047,17 @@
                 </a14:m>
                 <a:r>
                   <a:rPr lang="ko-KR" altLang="en-US" dirty="0">
+                    <a:latin typeface="나눔스퀘어 Bold" panose="020B0600000101010101" pitchFamily="50" charset="-127"/>
+                    <a:ea typeface="나눔스퀘어 Bold" panose="020B0600000101010101" pitchFamily="50" charset="-127"/>
+                  </a:rPr>
+                  <a:t>하급수</a:t>
+                </a:r>
+                <a:r>
+                  <a:rPr lang="ko-KR" altLang="en-US" dirty="0">
                     <a:latin typeface="나눔스퀘어 Light" panose="020B0600000101010101" pitchFamily="50" charset="-127"/>
                     <a:ea typeface="나눔스퀘어 Light" panose="020B0600000101010101" pitchFamily="50" charset="-127"/>
                   </a:rPr>
-                  <a:t>하급수적으로 늘어납니다</a:t>
+                  <a:t>적으로 늘어납니다</a:t>
                 </a:r>
                 <a:r>
                   <a:rPr lang="en-US" altLang="ko-KR" dirty="0">
@@ -18681,7 +17074,7 @@
             </p:txBody>
           </p:sp>
         </mc:Choice>
-        <mc:Fallback xmlns="">
+        <mc:Fallback>
           <p:sp>
             <p:nvSpPr>
               <p:cNvPr id="22" name="TextBox 21">
@@ -18699,7 +17092,7 @@
             <p:spPr>
               <a:xfrm>
                 <a:off x="6248166" y="4715792"/>
-                <a:ext cx="5054442" cy="374526"/>
+                <a:ext cx="5054442" cy="369332"/>
               </a:xfrm>
               <a:prstGeom prst="rect">
                 <a:avLst/>
@@ -18707,7 +17100,7 @@
               <a:blipFill>
                 <a:blip r:embed="rId5"/>
                 <a:stretch>
-                  <a:fillRect l="-362" t="-8197" b="-26230"/>
+                  <a:fillRect l="-483" t="-8333" b="-28333"/>
                 </a:stretch>
               </a:blipFill>
             </p:spPr>
@@ -20546,10 +18939,10 @@
       </p:cxnSp>
       <p:sp>
         <p:nvSpPr>
-          <p:cNvPr id="2" name="TextBox 1">
-            <a:extLst>
-              <a:ext uri="{FF2B5EF4-FFF2-40B4-BE49-F238E27FC236}">
-                <a16:creationId xmlns:a16="http://schemas.microsoft.com/office/drawing/2014/main" id="{22E576E2-83E5-560F-E0E2-B76734A9DF62}"/>
+          <p:cNvPr id="4" name="TextBox 3">
+            <a:extLst>
+              <a:ext uri="{FF2B5EF4-FFF2-40B4-BE49-F238E27FC236}">
+                <a16:creationId xmlns:a16="http://schemas.microsoft.com/office/drawing/2014/main" id="{346A4227-C27D-50F4-7699-BBE332703F0D}"/>
               </a:ext>
             </a:extLst>
           </p:cNvPr>
@@ -20559,7 +18952,7 @@
         <p:spPr>
           <a:xfrm>
             <a:off x="331694" y="177505"/>
-            <a:ext cx="4457054" cy="523220"/>
+            <a:ext cx="6497997" cy="523220"/>
           </a:xfrm>
           <a:prstGeom prst="rect">
             <a:avLst/>
@@ -20577,24 +18970,21 @@
                 <a:latin typeface="나눔스퀘어 Bold" panose="020B0600000101010101" pitchFamily="50" charset="-127"/>
                 <a:ea typeface="나눔스퀘어 Bold" panose="020B0600000101010101" pitchFamily="50" charset="-127"/>
               </a:rPr>
-              <a:t>Sorting – 2750 </a:t>
-            </a:r>
-            <a:r>
-              <a:rPr lang="ko-KR" altLang="en-US" sz="2800" dirty="0">
-                <a:latin typeface="나눔스퀘어 Bold" panose="020B0600000101010101" pitchFamily="50" charset="-127"/>
-                <a:ea typeface="나눔스퀘어 Bold" panose="020B0600000101010101" pitchFamily="50" charset="-127"/>
-              </a:rPr>
-              <a:t>수 정렬하기</a:t>
-            </a:r>
+              <a:t>Dynamic Programming – 9625 BABBA</a:t>
+            </a:r>
+            <a:endParaRPr lang="ko-KR" altLang="en-US" sz="2800" dirty="0">
+              <a:latin typeface="나눔스퀘어 Bold" panose="020B0600000101010101" pitchFamily="50" charset="-127"/>
+              <a:ea typeface="나눔스퀘어 Bold" panose="020B0600000101010101" pitchFamily="50" charset="-127"/>
+            </a:endParaRPr>
           </a:p>
         </p:txBody>
       </p:sp>
       <p:pic>
         <p:nvPicPr>
-          <p:cNvPr id="7" name="그림 6">
-            <a:extLst>
-              <a:ext uri="{FF2B5EF4-FFF2-40B4-BE49-F238E27FC236}">
-                <a16:creationId xmlns:a16="http://schemas.microsoft.com/office/drawing/2014/main" id="{E4C3A3C7-068A-B799-A696-5CCF4B93D313}"/>
+          <p:cNvPr id="8" name="그림 7">
+            <a:extLst>
+              <a:ext uri="{FF2B5EF4-FFF2-40B4-BE49-F238E27FC236}">
+                <a16:creationId xmlns:a16="http://schemas.microsoft.com/office/drawing/2014/main" id="{F84A5538-07DC-CE15-79D2-2BFEFE8756B5}"/>
               </a:ext>
             </a:extLst>
           </p:cNvPr>
@@ -20611,8 +19001,188 @@
         </p:blipFill>
         <p:spPr>
           <a:xfrm>
-            <a:off x="331694" y="953135"/>
-            <a:ext cx="11208470" cy="5857858"/>
+            <a:off x="331694" y="979492"/>
+            <a:ext cx="10802858" cy="4067743"/>
+          </a:xfrm>
+          <a:prstGeom prst="rect">
+            <a:avLst/>
+          </a:prstGeom>
+        </p:spPr>
+      </p:pic>
+      <p:pic>
+        <p:nvPicPr>
+          <p:cNvPr id="10" name="그림 9">
+            <a:extLst>
+              <a:ext uri="{FF2B5EF4-FFF2-40B4-BE49-F238E27FC236}">
+                <a16:creationId xmlns:a16="http://schemas.microsoft.com/office/drawing/2014/main" id="{E0C14B38-6E6C-88CF-CFAD-1C5F52682D7B}"/>
+              </a:ext>
+            </a:extLst>
+          </p:cNvPr>
+          <p:cNvPicPr>
+            <a:picLocks noChangeAspect="1"/>
+          </p:cNvPicPr>
+          <p:nvPr/>
+        </p:nvPicPr>
+        <p:blipFill>
+          <a:blip r:embed="rId3"/>
+          <a:stretch>
+            <a:fillRect/>
+          </a:stretch>
+        </p:blipFill>
+        <p:spPr>
+          <a:xfrm>
+            <a:off x="331694" y="5139221"/>
+            <a:ext cx="1343212" cy="952633"/>
+          </a:xfrm>
+          <a:prstGeom prst="rect">
+            <a:avLst/>
+          </a:prstGeom>
+        </p:spPr>
+      </p:pic>
+      <p:pic>
+        <p:nvPicPr>
+          <p:cNvPr id="12" name="그림 11">
+            <a:extLst>
+              <a:ext uri="{FF2B5EF4-FFF2-40B4-BE49-F238E27FC236}">
+                <a16:creationId xmlns:a16="http://schemas.microsoft.com/office/drawing/2014/main" id="{DF5DF0C4-8773-1FEA-EA1D-D97512E93619}"/>
+              </a:ext>
+            </a:extLst>
+          </p:cNvPr>
+          <p:cNvPicPr>
+            <a:picLocks noChangeAspect="1"/>
+          </p:cNvPicPr>
+          <p:nvPr/>
+        </p:nvPicPr>
+        <p:blipFill>
+          <a:blip r:embed="rId4"/>
+          <a:stretch>
+            <a:fillRect/>
+          </a:stretch>
+        </p:blipFill>
+        <p:spPr>
+          <a:xfrm>
+            <a:off x="1799266" y="5148457"/>
+            <a:ext cx="1333686" cy="990738"/>
+          </a:xfrm>
+          <a:prstGeom prst="rect">
+            <a:avLst/>
+          </a:prstGeom>
+        </p:spPr>
+      </p:pic>
+      <p:pic>
+        <p:nvPicPr>
+          <p:cNvPr id="14" name="그림 13">
+            <a:extLst>
+              <a:ext uri="{FF2B5EF4-FFF2-40B4-BE49-F238E27FC236}">
+                <a16:creationId xmlns:a16="http://schemas.microsoft.com/office/drawing/2014/main" id="{14BEB1EB-FFB0-4B92-3893-E15D95D949FF}"/>
+              </a:ext>
+            </a:extLst>
+          </p:cNvPr>
+          <p:cNvPicPr>
+            <a:picLocks noChangeAspect="1"/>
+          </p:cNvPicPr>
+          <p:nvPr/>
+        </p:nvPicPr>
+        <p:blipFill>
+          <a:blip r:embed="rId5"/>
+          <a:stretch>
+            <a:fillRect/>
+          </a:stretch>
+        </p:blipFill>
+        <p:spPr>
+          <a:xfrm>
+            <a:off x="3659668" y="5148457"/>
+            <a:ext cx="1381318" cy="1009791"/>
+          </a:xfrm>
+          <a:prstGeom prst="rect">
+            <a:avLst/>
+          </a:prstGeom>
+        </p:spPr>
+      </p:pic>
+      <p:pic>
+        <p:nvPicPr>
+          <p:cNvPr id="16" name="그림 15">
+            <a:extLst>
+              <a:ext uri="{FF2B5EF4-FFF2-40B4-BE49-F238E27FC236}">
+                <a16:creationId xmlns:a16="http://schemas.microsoft.com/office/drawing/2014/main" id="{24FB8E9A-DD22-2CDB-457B-C70D39C94CB2}"/>
+              </a:ext>
+            </a:extLst>
+          </p:cNvPr>
+          <p:cNvPicPr>
+            <a:picLocks noChangeAspect="1"/>
+          </p:cNvPicPr>
+          <p:nvPr/>
+        </p:nvPicPr>
+        <p:blipFill>
+          <a:blip r:embed="rId6"/>
+          <a:stretch>
+            <a:fillRect/>
+          </a:stretch>
+        </p:blipFill>
+        <p:spPr>
+          <a:xfrm>
+            <a:off x="5118847" y="5143693"/>
+            <a:ext cx="1371791" cy="1000265"/>
+          </a:xfrm>
+          <a:prstGeom prst="rect">
+            <a:avLst/>
+          </a:prstGeom>
+        </p:spPr>
+      </p:pic>
+      <p:pic>
+        <p:nvPicPr>
+          <p:cNvPr id="18" name="그림 17">
+            <a:extLst>
+              <a:ext uri="{FF2B5EF4-FFF2-40B4-BE49-F238E27FC236}">
+                <a16:creationId xmlns:a16="http://schemas.microsoft.com/office/drawing/2014/main" id="{08867FBD-6D69-B850-F137-606C06A6E5AE}"/>
+              </a:ext>
+            </a:extLst>
+          </p:cNvPr>
+          <p:cNvPicPr>
+            <a:picLocks noChangeAspect="1"/>
+          </p:cNvPicPr>
+          <p:nvPr/>
+        </p:nvPicPr>
+        <p:blipFill>
+          <a:blip r:embed="rId7"/>
+          <a:stretch>
+            <a:fillRect/>
+          </a:stretch>
+        </p:blipFill>
+        <p:spPr>
+          <a:xfrm>
+            <a:off x="7026881" y="5139221"/>
+            <a:ext cx="1352739" cy="971686"/>
+          </a:xfrm>
+          <a:prstGeom prst="rect">
+            <a:avLst/>
+          </a:prstGeom>
+        </p:spPr>
+      </p:pic>
+      <p:pic>
+        <p:nvPicPr>
+          <p:cNvPr id="20" name="그림 19">
+            <a:extLst>
+              <a:ext uri="{FF2B5EF4-FFF2-40B4-BE49-F238E27FC236}">
+                <a16:creationId xmlns:a16="http://schemas.microsoft.com/office/drawing/2014/main" id="{98E156B1-E411-E3AB-F253-48EC1F9D980E}"/>
+              </a:ext>
+            </a:extLst>
+          </p:cNvPr>
+          <p:cNvPicPr>
+            <a:picLocks noChangeAspect="1"/>
+          </p:cNvPicPr>
+          <p:nvPr/>
+        </p:nvPicPr>
+        <p:blipFill>
+          <a:blip r:embed="rId8"/>
+          <a:stretch>
+            <a:fillRect/>
+          </a:stretch>
+        </p:blipFill>
+        <p:spPr>
+          <a:xfrm>
+            <a:off x="8476533" y="5144273"/>
+            <a:ext cx="1352739" cy="962159"/>
           </a:xfrm>
           <a:prstGeom prst="rect">
             <a:avLst/>

--- a/study/5_Dynamic Programming.pptx
+++ b/study/5_Dynamic Programming.pptx
@@ -291,7 +291,7 @@
           <a:p>
             <a:fld id="{33C37291-AA83-40C0-9297-8F7F3693F6CC}" type="datetimeFigureOut">
               <a:rPr lang="ko-KR" altLang="en-US" smtClean="0"/>
-              <a:t>2022-08-31</a:t>
+              <a:t>2022-09-02</a:t>
             </a:fld>
             <a:endParaRPr lang="ko-KR" altLang="en-US"/>
           </a:p>
@@ -489,7 +489,7 @@
           <a:p>
             <a:fld id="{33C37291-AA83-40C0-9297-8F7F3693F6CC}" type="datetimeFigureOut">
               <a:rPr lang="ko-KR" altLang="en-US" smtClean="0"/>
-              <a:t>2022-08-31</a:t>
+              <a:t>2022-09-02</a:t>
             </a:fld>
             <a:endParaRPr lang="ko-KR" altLang="en-US"/>
           </a:p>
@@ -697,7 +697,7 @@
           <a:p>
             <a:fld id="{33C37291-AA83-40C0-9297-8F7F3693F6CC}" type="datetimeFigureOut">
               <a:rPr lang="ko-KR" altLang="en-US" smtClean="0"/>
-              <a:t>2022-08-31</a:t>
+              <a:t>2022-09-02</a:t>
             </a:fld>
             <a:endParaRPr lang="ko-KR" altLang="en-US"/>
           </a:p>
@@ -895,7 +895,7 @@
           <a:p>
             <a:fld id="{33C37291-AA83-40C0-9297-8F7F3693F6CC}" type="datetimeFigureOut">
               <a:rPr lang="ko-KR" altLang="en-US" smtClean="0"/>
-              <a:t>2022-08-31</a:t>
+              <a:t>2022-09-02</a:t>
             </a:fld>
             <a:endParaRPr lang="ko-KR" altLang="en-US"/>
           </a:p>
@@ -1170,7 +1170,7 @@
           <a:p>
             <a:fld id="{33C37291-AA83-40C0-9297-8F7F3693F6CC}" type="datetimeFigureOut">
               <a:rPr lang="ko-KR" altLang="en-US" smtClean="0"/>
-              <a:t>2022-08-31</a:t>
+              <a:t>2022-09-02</a:t>
             </a:fld>
             <a:endParaRPr lang="ko-KR" altLang="en-US"/>
           </a:p>
@@ -1435,7 +1435,7 @@
           <a:p>
             <a:fld id="{33C37291-AA83-40C0-9297-8F7F3693F6CC}" type="datetimeFigureOut">
               <a:rPr lang="ko-KR" altLang="en-US" smtClean="0"/>
-              <a:t>2022-08-31</a:t>
+              <a:t>2022-09-02</a:t>
             </a:fld>
             <a:endParaRPr lang="ko-KR" altLang="en-US"/>
           </a:p>
@@ -1847,7 +1847,7 @@
           <a:p>
             <a:fld id="{33C37291-AA83-40C0-9297-8F7F3693F6CC}" type="datetimeFigureOut">
               <a:rPr lang="ko-KR" altLang="en-US" smtClean="0"/>
-              <a:t>2022-08-31</a:t>
+              <a:t>2022-09-02</a:t>
             </a:fld>
             <a:endParaRPr lang="ko-KR" altLang="en-US"/>
           </a:p>
@@ -1988,7 +1988,7 @@
           <a:p>
             <a:fld id="{33C37291-AA83-40C0-9297-8F7F3693F6CC}" type="datetimeFigureOut">
               <a:rPr lang="ko-KR" altLang="en-US" smtClean="0"/>
-              <a:t>2022-08-31</a:t>
+              <a:t>2022-09-02</a:t>
             </a:fld>
             <a:endParaRPr lang="ko-KR" altLang="en-US"/>
           </a:p>
@@ -2101,7 +2101,7 @@
           <a:p>
             <a:fld id="{33C37291-AA83-40C0-9297-8F7F3693F6CC}" type="datetimeFigureOut">
               <a:rPr lang="ko-KR" altLang="en-US" smtClean="0"/>
-              <a:t>2022-08-31</a:t>
+              <a:t>2022-09-02</a:t>
             </a:fld>
             <a:endParaRPr lang="ko-KR" altLang="en-US"/>
           </a:p>
@@ -2412,7 +2412,7 @@
           <a:p>
             <a:fld id="{33C37291-AA83-40C0-9297-8F7F3693F6CC}" type="datetimeFigureOut">
               <a:rPr lang="ko-KR" altLang="en-US" smtClean="0"/>
-              <a:t>2022-08-31</a:t>
+              <a:t>2022-09-02</a:t>
             </a:fld>
             <a:endParaRPr lang="ko-KR" altLang="en-US"/>
           </a:p>
@@ -2700,7 +2700,7 @@
           <a:p>
             <a:fld id="{33C37291-AA83-40C0-9297-8F7F3693F6CC}" type="datetimeFigureOut">
               <a:rPr lang="ko-KR" altLang="en-US" smtClean="0"/>
-              <a:t>2022-08-31</a:t>
+              <a:t>2022-09-02</a:t>
             </a:fld>
             <a:endParaRPr lang="ko-KR" altLang="en-US"/>
           </a:p>
@@ -2941,7 +2941,7 @@
           <a:p>
             <a:fld id="{33C37291-AA83-40C0-9297-8F7F3693F6CC}" type="datetimeFigureOut">
               <a:rPr lang="ko-KR" altLang="en-US" smtClean="0"/>
-              <a:t>2022-08-31</a:t>
+              <a:t>2022-09-02</a:t>
             </a:fld>
             <a:endParaRPr lang="ko-KR" altLang="en-US"/>
           </a:p>
@@ -3585,7 +3585,7 @@
         <p:spPr>
           <a:xfrm>
             <a:off x="942387" y="1190024"/>
-            <a:ext cx="8553305" cy="369332"/>
+            <a:ext cx="10237694" cy="369332"/>
           </a:xfrm>
           <a:prstGeom prst="rect">
             <a:avLst/>
@@ -3599,11 +3599,32 @@
           <a:lstStyle/>
           <a:p>
             <a:r>
-              <a:rPr lang="en-US" altLang="ko-KR" dirty="0">
-                <a:latin typeface="나눔스퀘어 Light" panose="020B0600000101010101" pitchFamily="50" charset="-127"/>
-                <a:ea typeface="나눔스퀘어 Light" panose="020B0600000101010101" pitchFamily="50" charset="-127"/>
-              </a:rPr>
-              <a:t>CPU</a:t>
+              <a:rPr lang="ko-KR" altLang="en-US" dirty="0">
+                <a:latin typeface="나눔스퀘어 Light" panose="020B0600000101010101" pitchFamily="50" charset="-127"/>
+                <a:ea typeface="나눔스퀘어 Light" panose="020B0600000101010101" pitchFamily="50" charset="-127"/>
+              </a:rPr>
+              <a:t>버튼을 누를 때 마다 </a:t>
+            </a:r>
+            <a:r>
+              <a:rPr lang="en-US" altLang="ko-KR" dirty="0">
+                <a:latin typeface="나눔스퀘어 Light" panose="020B0600000101010101" pitchFamily="50" charset="-127"/>
+                <a:ea typeface="나눔스퀘어 Light" panose="020B0600000101010101" pitchFamily="50" charset="-127"/>
+              </a:rPr>
+              <a:t>“</a:t>
+            </a:r>
+            <a:r>
+              <a:rPr lang="ko-KR" altLang="en-US" dirty="0">
+                <a:latin typeface="나눔스퀘어 Light" panose="020B0600000101010101" pitchFamily="50" charset="-127"/>
+                <a:ea typeface="나눔스퀘어 Light" panose="020B0600000101010101" pitchFamily="50" charset="-127"/>
+              </a:rPr>
+              <a:t>화면의 모든 </a:t>
+            </a:r>
+            <a:r>
+              <a:rPr lang="en-US" altLang="ko-KR" dirty="0">
+                <a:latin typeface="나눔스퀘어 Light" panose="020B0600000101010101" pitchFamily="50" charset="-127"/>
+                <a:ea typeface="나눔스퀘어 Light" panose="020B0600000101010101" pitchFamily="50" charset="-127"/>
+              </a:rPr>
+              <a:t>B</a:t>
             </a:r>
             <a:r>
               <a:rPr lang="ko-KR" altLang="en-US" dirty="0">
@@ -3614,45 +3635,59 @@
             </a:r>
             <a:r>
               <a:rPr lang="en-US" altLang="ko-KR" dirty="0">
-                <a:latin typeface="나눔스퀘어 Bold" panose="020B0600000101010101" pitchFamily="50" charset="-127"/>
-                <a:ea typeface="나눔스퀘어 Bold" panose="020B0600000101010101" pitchFamily="50" charset="-127"/>
-              </a:rPr>
-              <a:t>1</a:t>
-            </a:r>
-            <a:r>
-              <a:rPr lang="ko-KR" altLang="en-US" dirty="0">
-                <a:latin typeface="나눔스퀘어 Bold" panose="020B0600000101010101" pitchFamily="50" charset="-127"/>
-                <a:ea typeface="나눔스퀘어 Bold" panose="020B0600000101010101" pitchFamily="50" charset="-127"/>
-              </a:rPr>
-              <a:t>초</a:t>
-            </a:r>
-            <a:r>
-              <a:rPr lang="ko-KR" altLang="en-US" dirty="0">
-                <a:latin typeface="나눔스퀘어 Light" panose="020B0600000101010101" pitchFamily="50" charset="-127"/>
-                <a:ea typeface="나눔스퀘어 Light" panose="020B0600000101010101" pitchFamily="50" charset="-127"/>
-              </a:rPr>
-              <a:t>에 약 </a:t>
-            </a:r>
-            <a:r>
-              <a:rPr lang="en-US" altLang="ko-KR" dirty="0">
-                <a:latin typeface="나눔스퀘어 Bold" panose="020B0600000101010101" pitchFamily="50" charset="-127"/>
-                <a:ea typeface="나눔스퀘어 Bold" panose="020B0600000101010101" pitchFamily="50" charset="-127"/>
-              </a:rPr>
-              <a:t>1</a:t>
-            </a:r>
-            <a:r>
-              <a:rPr lang="ko-KR" altLang="en-US" dirty="0" err="1">
-                <a:latin typeface="나눔스퀘어 Bold" panose="020B0600000101010101" pitchFamily="50" charset="-127"/>
-                <a:ea typeface="나눔스퀘어 Bold" panose="020B0600000101010101" pitchFamily="50" charset="-127"/>
-              </a:rPr>
-              <a:t>억번</a:t>
-            </a:r>
-            <a:r>
-              <a:rPr lang="ko-KR" altLang="en-US" dirty="0">
-                <a:latin typeface="나눔스퀘어 Light" panose="020B0600000101010101" pitchFamily="50" charset="-127"/>
-                <a:ea typeface="나눔스퀘어 Light" panose="020B0600000101010101" pitchFamily="50" charset="-127"/>
-              </a:rPr>
-              <a:t> 정도의 연산을 할 수 있습니다</a:t>
+                <a:latin typeface="나눔스퀘어 Light" panose="020B0600000101010101" pitchFamily="50" charset="-127"/>
+                <a:ea typeface="나눔스퀘어 Light" panose="020B0600000101010101" pitchFamily="50" charset="-127"/>
+              </a:rPr>
+              <a:t>BA</a:t>
+            </a:r>
+            <a:r>
+              <a:rPr lang="ko-KR" altLang="en-US" dirty="0">
+                <a:latin typeface="나눔스퀘어 Light" panose="020B0600000101010101" pitchFamily="50" charset="-127"/>
+                <a:ea typeface="나눔스퀘어 Light" panose="020B0600000101010101" pitchFamily="50" charset="-127"/>
+              </a:rPr>
+              <a:t>로 바뀌고</a:t>
+            </a:r>
+            <a:r>
+              <a:rPr lang="en-US" altLang="ko-KR" dirty="0">
+                <a:latin typeface="나눔스퀘어 Light" panose="020B0600000101010101" pitchFamily="50" charset="-127"/>
+                <a:ea typeface="나눔스퀘어 Light" panose="020B0600000101010101" pitchFamily="50" charset="-127"/>
+              </a:rPr>
+              <a:t>, A</a:t>
+            </a:r>
+            <a:r>
+              <a:rPr lang="ko-KR" altLang="en-US" dirty="0">
+                <a:latin typeface="나눔스퀘어 Light" panose="020B0600000101010101" pitchFamily="50" charset="-127"/>
+                <a:ea typeface="나눔스퀘어 Light" panose="020B0600000101010101" pitchFamily="50" charset="-127"/>
+              </a:rPr>
+              <a:t>는 </a:t>
+            </a:r>
+            <a:r>
+              <a:rPr lang="en-US" altLang="ko-KR" dirty="0">
+                <a:latin typeface="나눔스퀘어 Light" panose="020B0600000101010101" pitchFamily="50" charset="-127"/>
+                <a:ea typeface="나눔스퀘어 Light" panose="020B0600000101010101" pitchFamily="50" charset="-127"/>
+              </a:rPr>
+              <a:t>B</a:t>
+            </a:r>
+            <a:r>
+              <a:rPr lang="ko-KR" altLang="en-US" dirty="0">
+                <a:latin typeface="나눔스퀘어 Light" panose="020B0600000101010101" pitchFamily="50" charset="-127"/>
+                <a:ea typeface="나눔스퀘어 Light" panose="020B0600000101010101" pitchFamily="50" charset="-127"/>
+              </a:rPr>
+              <a:t>로 바뀐다</a:t>
+            </a:r>
+            <a:r>
+              <a:rPr lang="en-US" altLang="ko-KR" dirty="0">
+                <a:latin typeface="나눔스퀘어 Light" panose="020B0600000101010101" pitchFamily="50" charset="-127"/>
+                <a:ea typeface="나눔스퀘어 Light" panose="020B0600000101010101" pitchFamily="50" charset="-127"/>
+              </a:rPr>
+              <a:t>” </a:t>
+            </a:r>
+            <a:r>
+              <a:rPr lang="ko-KR" altLang="en-US" dirty="0">
+                <a:latin typeface="나눔스퀘어 Light" panose="020B0600000101010101" pitchFamily="50" charset="-127"/>
+                <a:ea typeface="나눔스퀘어 Light" panose="020B0600000101010101" pitchFamily="50" charset="-127"/>
+              </a:rPr>
+              <a:t>라는 조건이 있습니다</a:t>
             </a:r>
             <a:r>
               <a:rPr lang="en-US" altLang="ko-KR" dirty="0">
@@ -3710,6 +3745,634 @@
           </a:p>
         </p:txBody>
       </p:sp>
+      <p:sp>
+        <p:nvSpPr>
+          <p:cNvPr id="2" name="TextBox 1">
+            <a:extLst>
+              <a:ext uri="{FF2B5EF4-FFF2-40B4-BE49-F238E27FC236}">
+                <a16:creationId xmlns:a16="http://schemas.microsoft.com/office/drawing/2014/main" id="{204D8522-59A4-E507-812E-20778F63FE67}"/>
+              </a:ext>
+            </a:extLst>
+          </p:cNvPr>
+          <p:cNvSpPr txBox="1"/>
+          <p:nvPr/>
+        </p:nvSpPr>
+        <p:spPr>
+          <a:xfrm>
+            <a:off x="942387" y="1861874"/>
+            <a:ext cx="10237694" cy="369332"/>
+          </a:xfrm>
+          <a:prstGeom prst="rect">
+            <a:avLst/>
+          </a:prstGeom>
+          <a:noFill/>
+        </p:spPr>
+        <p:txBody>
+          <a:bodyPr wrap="square" rtlCol="0">
+            <a:spAutoFit/>
+          </a:bodyPr>
+          <a:lstStyle/>
+          <a:p>
+            <a:r>
+              <a:rPr lang="ko-KR" altLang="en-US" dirty="0">
+                <a:latin typeface="나눔스퀘어 Light" panose="020B0600000101010101" pitchFamily="50" charset="-127"/>
+                <a:ea typeface="나눔스퀘어 Light" panose="020B0600000101010101" pitchFamily="50" charset="-127"/>
+              </a:rPr>
+              <a:t>이 조건을 분석해보면</a:t>
+            </a:r>
+          </a:p>
+        </p:txBody>
+      </p:sp>
+      <p:sp>
+        <p:nvSpPr>
+          <p:cNvPr id="3" name="TextBox 2">
+            <a:extLst>
+              <a:ext uri="{FF2B5EF4-FFF2-40B4-BE49-F238E27FC236}">
+                <a16:creationId xmlns:a16="http://schemas.microsoft.com/office/drawing/2014/main" id="{04979A16-6A9C-7587-4487-3DBA288B0B87}"/>
+              </a:ext>
+            </a:extLst>
+          </p:cNvPr>
+          <p:cNvSpPr txBox="1"/>
+          <p:nvPr/>
+        </p:nvSpPr>
+        <p:spPr>
+          <a:xfrm>
+            <a:off x="942387" y="2231206"/>
+            <a:ext cx="10237694" cy="369332"/>
+          </a:xfrm>
+          <a:prstGeom prst="rect">
+            <a:avLst/>
+          </a:prstGeom>
+          <a:noFill/>
+        </p:spPr>
+        <p:txBody>
+          <a:bodyPr wrap="square" rtlCol="0">
+            <a:spAutoFit/>
+          </a:bodyPr>
+          <a:lstStyle/>
+          <a:p>
+            <a:r>
+              <a:rPr lang="en-US" altLang="ko-KR" dirty="0" err="1">
+                <a:latin typeface="나눔스퀘어 Light" panose="020B0600000101010101" pitchFamily="50" charset="-127"/>
+                <a:ea typeface="나눔스퀘어 Light" panose="020B0600000101010101" pitchFamily="50" charset="-127"/>
+              </a:rPr>
+              <a:t>i</a:t>
+            </a:r>
+            <a:r>
+              <a:rPr lang="ko-KR" altLang="en-US" dirty="0">
+                <a:latin typeface="나눔스퀘어 Light" panose="020B0600000101010101" pitchFamily="50" charset="-127"/>
+                <a:ea typeface="나눔스퀘어 Light" panose="020B0600000101010101" pitchFamily="50" charset="-127"/>
+              </a:rPr>
+              <a:t>번 버튼을 눌렀을 때의 </a:t>
+            </a:r>
+            <a:r>
+              <a:rPr lang="en-US" altLang="ko-KR" dirty="0">
+                <a:latin typeface="나눔스퀘어 Light" panose="020B0600000101010101" pitchFamily="50" charset="-127"/>
+                <a:ea typeface="나눔스퀘어 Light" panose="020B0600000101010101" pitchFamily="50" charset="-127"/>
+              </a:rPr>
+              <a:t>A</a:t>
+            </a:r>
+            <a:r>
+              <a:rPr lang="ko-KR" altLang="en-US" dirty="0">
+                <a:latin typeface="나눔스퀘어 Light" panose="020B0600000101010101" pitchFamily="50" charset="-127"/>
+                <a:ea typeface="나눔스퀘어 Light" panose="020B0600000101010101" pitchFamily="50" charset="-127"/>
+              </a:rPr>
+              <a:t>의 개수는 </a:t>
+            </a:r>
+            <a:r>
+              <a:rPr lang="en-US" altLang="ko-KR" dirty="0">
+                <a:latin typeface="나눔스퀘어 Light" panose="020B0600000101010101" pitchFamily="50" charset="-127"/>
+                <a:ea typeface="나눔스퀘어 Light" panose="020B0600000101010101" pitchFamily="50" charset="-127"/>
+              </a:rPr>
+              <a:t>A[</a:t>
+            </a:r>
+            <a:r>
+              <a:rPr lang="en-US" altLang="ko-KR" dirty="0" err="1">
+                <a:latin typeface="나눔스퀘어 Light" panose="020B0600000101010101" pitchFamily="50" charset="-127"/>
+                <a:ea typeface="나눔스퀘어 Light" panose="020B0600000101010101" pitchFamily="50" charset="-127"/>
+              </a:rPr>
+              <a:t>i</a:t>
+            </a:r>
+            <a:r>
+              <a:rPr lang="en-US" altLang="ko-KR" dirty="0">
+                <a:latin typeface="나눔스퀘어 Light" panose="020B0600000101010101" pitchFamily="50" charset="-127"/>
+                <a:ea typeface="나눔스퀘어 Light" panose="020B0600000101010101" pitchFamily="50" charset="-127"/>
+              </a:rPr>
+              <a:t>] = B[</a:t>
+            </a:r>
+            <a:r>
+              <a:rPr lang="en-US" altLang="ko-KR" dirty="0" err="1">
+                <a:latin typeface="나눔스퀘어 Light" panose="020B0600000101010101" pitchFamily="50" charset="-127"/>
+                <a:ea typeface="나눔스퀘어 Light" panose="020B0600000101010101" pitchFamily="50" charset="-127"/>
+              </a:rPr>
+              <a:t>i</a:t>
+            </a:r>
+            <a:r>
+              <a:rPr lang="en-US" altLang="ko-KR" dirty="0">
+                <a:latin typeface="나눔스퀘어 Light" panose="020B0600000101010101" pitchFamily="50" charset="-127"/>
+                <a:ea typeface="나눔스퀘어 Light" panose="020B0600000101010101" pitchFamily="50" charset="-127"/>
+              </a:rPr>
+              <a:t> - 1] </a:t>
+            </a:r>
+            <a:r>
+              <a:rPr lang="ko-KR" altLang="en-US" dirty="0">
+                <a:latin typeface="나눔스퀘어 Light" panose="020B0600000101010101" pitchFamily="50" charset="-127"/>
+                <a:ea typeface="나눔스퀘어 Light" panose="020B0600000101010101" pitchFamily="50" charset="-127"/>
+              </a:rPr>
+              <a:t>이고    </a:t>
+            </a:r>
+            <a:r>
+              <a:rPr lang="en-US" altLang="ko-KR" dirty="0">
+                <a:latin typeface="나눔스퀘어 Light" panose="020B0600000101010101" pitchFamily="50" charset="-127"/>
+                <a:ea typeface="나눔스퀘어 Light" panose="020B0600000101010101" pitchFamily="50" charset="-127"/>
+              </a:rPr>
+              <a:t>(</a:t>
+            </a:r>
+            <a:r>
+              <a:rPr lang="ko-KR" altLang="en-US" dirty="0">
+                <a:latin typeface="나눔스퀘어 Light" panose="020B0600000101010101" pitchFamily="50" charset="-127"/>
+                <a:ea typeface="나눔스퀘어 Light" panose="020B0600000101010101" pitchFamily="50" charset="-127"/>
+              </a:rPr>
+              <a:t>화면의 모든 </a:t>
+            </a:r>
+            <a:r>
+              <a:rPr lang="en-US" altLang="ko-KR" dirty="0">
+                <a:latin typeface="나눔스퀘어 Light" panose="020B0600000101010101" pitchFamily="50" charset="-127"/>
+                <a:ea typeface="나눔스퀘어 Light" panose="020B0600000101010101" pitchFamily="50" charset="-127"/>
+              </a:rPr>
+              <a:t>B</a:t>
+            </a:r>
+            <a:r>
+              <a:rPr lang="ko-KR" altLang="en-US" dirty="0">
+                <a:latin typeface="나눔스퀘어 Light" panose="020B0600000101010101" pitchFamily="50" charset="-127"/>
+                <a:ea typeface="나눔스퀘어 Light" panose="020B0600000101010101" pitchFamily="50" charset="-127"/>
+              </a:rPr>
+              <a:t>는 </a:t>
+            </a:r>
+            <a:r>
+              <a:rPr lang="en-US" altLang="ko-KR" dirty="0">
+                <a:latin typeface="나눔스퀘어 Light" panose="020B0600000101010101" pitchFamily="50" charset="-127"/>
+                <a:ea typeface="나눔스퀘어 Light" panose="020B0600000101010101" pitchFamily="50" charset="-127"/>
+              </a:rPr>
+              <a:t>BA</a:t>
+            </a:r>
+            <a:r>
+              <a:rPr lang="ko-KR" altLang="en-US" dirty="0">
+                <a:latin typeface="나눔스퀘어 Light" panose="020B0600000101010101" pitchFamily="50" charset="-127"/>
+                <a:ea typeface="나눔스퀘어 Light" panose="020B0600000101010101" pitchFamily="50" charset="-127"/>
+              </a:rPr>
+              <a:t>로 바뀜</a:t>
+            </a:r>
+            <a:r>
+              <a:rPr lang="en-US" altLang="ko-KR" dirty="0">
+                <a:latin typeface="나눔스퀘어 Light" panose="020B0600000101010101" pitchFamily="50" charset="-127"/>
+                <a:ea typeface="나눔스퀘어 Light" panose="020B0600000101010101" pitchFamily="50" charset="-127"/>
+              </a:rPr>
+              <a:t>)</a:t>
+            </a:r>
+            <a:endParaRPr lang="ko-KR" altLang="en-US" dirty="0">
+              <a:latin typeface="나눔스퀘어 Light" panose="020B0600000101010101" pitchFamily="50" charset="-127"/>
+              <a:ea typeface="나눔스퀘어 Light" panose="020B0600000101010101" pitchFamily="50" charset="-127"/>
+            </a:endParaRPr>
+          </a:p>
+        </p:txBody>
+      </p:sp>
+      <p:sp>
+        <p:nvSpPr>
+          <p:cNvPr id="4" name="TextBox 3">
+            <a:extLst>
+              <a:ext uri="{FF2B5EF4-FFF2-40B4-BE49-F238E27FC236}">
+                <a16:creationId xmlns:a16="http://schemas.microsoft.com/office/drawing/2014/main" id="{314132CB-9B99-30DE-82F5-82EAF56298A6}"/>
+              </a:ext>
+            </a:extLst>
+          </p:cNvPr>
+          <p:cNvSpPr txBox="1"/>
+          <p:nvPr/>
+        </p:nvSpPr>
+        <p:spPr>
+          <a:xfrm>
+            <a:off x="942386" y="2600538"/>
+            <a:ext cx="11249613" cy="369332"/>
+          </a:xfrm>
+          <a:prstGeom prst="rect">
+            <a:avLst/>
+          </a:prstGeom>
+          <a:noFill/>
+        </p:spPr>
+        <p:txBody>
+          <a:bodyPr wrap="square" rtlCol="0">
+            <a:spAutoFit/>
+          </a:bodyPr>
+          <a:lstStyle/>
+          <a:p>
+            <a:r>
+              <a:rPr lang="en-US" altLang="ko-KR" dirty="0" err="1">
+                <a:latin typeface="나눔스퀘어 Light" panose="020B0600000101010101" pitchFamily="50" charset="-127"/>
+                <a:ea typeface="나눔스퀘어 Light" panose="020B0600000101010101" pitchFamily="50" charset="-127"/>
+              </a:rPr>
+              <a:t>i</a:t>
+            </a:r>
+            <a:r>
+              <a:rPr lang="ko-KR" altLang="en-US" dirty="0">
+                <a:latin typeface="나눔스퀘어 Light" panose="020B0600000101010101" pitchFamily="50" charset="-127"/>
+                <a:ea typeface="나눔스퀘어 Light" panose="020B0600000101010101" pitchFamily="50" charset="-127"/>
+              </a:rPr>
+              <a:t>번 버튼을 눌렀을 때의 </a:t>
+            </a:r>
+            <a:r>
+              <a:rPr lang="en-US" altLang="ko-KR" dirty="0">
+                <a:latin typeface="나눔스퀘어 Light" panose="020B0600000101010101" pitchFamily="50" charset="-127"/>
+                <a:ea typeface="나눔스퀘어 Light" panose="020B0600000101010101" pitchFamily="50" charset="-127"/>
+              </a:rPr>
+              <a:t>B</a:t>
+            </a:r>
+            <a:r>
+              <a:rPr lang="ko-KR" altLang="en-US" dirty="0">
+                <a:latin typeface="나눔스퀘어 Light" panose="020B0600000101010101" pitchFamily="50" charset="-127"/>
+                <a:ea typeface="나눔스퀘어 Light" panose="020B0600000101010101" pitchFamily="50" charset="-127"/>
+              </a:rPr>
+              <a:t>의 개수는 </a:t>
+            </a:r>
+            <a:r>
+              <a:rPr lang="en-US" altLang="ko-KR" dirty="0">
+                <a:latin typeface="나눔스퀘어 Light" panose="020B0600000101010101" pitchFamily="50" charset="-127"/>
+                <a:ea typeface="나눔스퀘어 Light" panose="020B0600000101010101" pitchFamily="50" charset="-127"/>
+              </a:rPr>
+              <a:t>B[</a:t>
+            </a:r>
+            <a:r>
+              <a:rPr lang="en-US" altLang="ko-KR" dirty="0" err="1">
+                <a:latin typeface="나눔스퀘어 Light" panose="020B0600000101010101" pitchFamily="50" charset="-127"/>
+                <a:ea typeface="나눔스퀘어 Light" panose="020B0600000101010101" pitchFamily="50" charset="-127"/>
+              </a:rPr>
+              <a:t>i</a:t>
+            </a:r>
+            <a:r>
+              <a:rPr lang="en-US" altLang="ko-KR" dirty="0">
+                <a:latin typeface="나눔스퀘어 Light" panose="020B0600000101010101" pitchFamily="50" charset="-127"/>
+                <a:ea typeface="나눔스퀘어 Light" panose="020B0600000101010101" pitchFamily="50" charset="-127"/>
+              </a:rPr>
+              <a:t>] = B[</a:t>
+            </a:r>
+            <a:r>
+              <a:rPr lang="en-US" altLang="ko-KR" dirty="0" err="1">
+                <a:latin typeface="나눔스퀘어 Light" panose="020B0600000101010101" pitchFamily="50" charset="-127"/>
+                <a:ea typeface="나눔스퀘어 Light" panose="020B0600000101010101" pitchFamily="50" charset="-127"/>
+              </a:rPr>
+              <a:t>i</a:t>
+            </a:r>
+            <a:r>
+              <a:rPr lang="en-US" altLang="ko-KR" dirty="0">
+                <a:latin typeface="나눔스퀘어 Light" panose="020B0600000101010101" pitchFamily="50" charset="-127"/>
+                <a:ea typeface="나눔스퀘어 Light" panose="020B0600000101010101" pitchFamily="50" charset="-127"/>
+              </a:rPr>
+              <a:t> - 1] + A[</a:t>
+            </a:r>
+            <a:r>
+              <a:rPr lang="en-US" altLang="ko-KR" dirty="0" err="1">
+                <a:latin typeface="나눔스퀘어 Light" panose="020B0600000101010101" pitchFamily="50" charset="-127"/>
+                <a:ea typeface="나눔스퀘어 Light" panose="020B0600000101010101" pitchFamily="50" charset="-127"/>
+              </a:rPr>
+              <a:t>i</a:t>
+            </a:r>
+            <a:r>
+              <a:rPr lang="en-US" altLang="ko-KR" dirty="0">
+                <a:latin typeface="나눔스퀘어 Light" panose="020B0600000101010101" pitchFamily="50" charset="-127"/>
+                <a:ea typeface="나눔스퀘어 Light" panose="020B0600000101010101" pitchFamily="50" charset="-127"/>
+              </a:rPr>
+              <a:t> - 1] </a:t>
+            </a:r>
+            <a:r>
+              <a:rPr lang="ko-KR" altLang="en-US" dirty="0">
+                <a:latin typeface="나눔스퀘어 Light" panose="020B0600000101010101" pitchFamily="50" charset="-127"/>
+                <a:ea typeface="나눔스퀘어 Light" panose="020B0600000101010101" pitchFamily="50" charset="-127"/>
+              </a:rPr>
+              <a:t>입니다</a:t>
+            </a:r>
+            <a:r>
+              <a:rPr lang="en-US" altLang="ko-KR" dirty="0">
+                <a:latin typeface="나눔스퀘어 Light" panose="020B0600000101010101" pitchFamily="50" charset="-127"/>
+                <a:ea typeface="나눔스퀘어 Light" panose="020B0600000101010101" pitchFamily="50" charset="-127"/>
+              </a:rPr>
+              <a:t>.</a:t>
+            </a:r>
+            <a:r>
+              <a:rPr lang="ko-KR" altLang="en-US" dirty="0">
+                <a:latin typeface="나눔스퀘어 Light" panose="020B0600000101010101" pitchFamily="50" charset="-127"/>
+                <a:ea typeface="나눔스퀘어 Light" panose="020B0600000101010101" pitchFamily="50" charset="-127"/>
+              </a:rPr>
+              <a:t>    </a:t>
+            </a:r>
+            <a:r>
+              <a:rPr lang="en-US" altLang="ko-KR" dirty="0">
+                <a:latin typeface="나눔스퀘어 Light" panose="020B0600000101010101" pitchFamily="50" charset="-127"/>
+                <a:ea typeface="나눔스퀘어 Light" panose="020B0600000101010101" pitchFamily="50" charset="-127"/>
+              </a:rPr>
+              <a:t>(</a:t>
+            </a:r>
+            <a:r>
+              <a:rPr lang="ko-KR" altLang="en-US" dirty="0">
+                <a:latin typeface="나눔스퀘어 Light" panose="020B0600000101010101" pitchFamily="50" charset="-127"/>
+                <a:ea typeface="나눔스퀘어 Light" panose="020B0600000101010101" pitchFamily="50" charset="-127"/>
+              </a:rPr>
+              <a:t>화면의 모든 </a:t>
+            </a:r>
+            <a:r>
+              <a:rPr lang="en-US" altLang="ko-KR" dirty="0">
+                <a:latin typeface="나눔스퀘어 Light" panose="020B0600000101010101" pitchFamily="50" charset="-127"/>
+                <a:ea typeface="나눔스퀘어 Light" panose="020B0600000101010101" pitchFamily="50" charset="-127"/>
+              </a:rPr>
+              <a:t>B</a:t>
+            </a:r>
+            <a:r>
+              <a:rPr lang="ko-KR" altLang="en-US" dirty="0">
+                <a:latin typeface="나눔스퀘어 Light" panose="020B0600000101010101" pitchFamily="50" charset="-127"/>
+                <a:ea typeface="나눔스퀘어 Light" panose="020B0600000101010101" pitchFamily="50" charset="-127"/>
+              </a:rPr>
+              <a:t>는 </a:t>
+            </a:r>
+            <a:r>
+              <a:rPr lang="en-US" altLang="ko-KR" dirty="0">
+                <a:latin typeface="나눔스퀘어 Light" panose="020B0600000101010101" pitchFamily="50" charset="-127"/>
+                <a:ea typeface="나눔스퀘어 Light" panose="020B0600000101010101" pitchFamily="50" charset="-127"/>
+              </a:rPr>
+              <a:t>BA</a:t>
+            </a:r>
+            <a:r>
+              <a:rPr lang="ko-KR" altLang="en-US" dirty="0">
+                <a:latin typeface="나눔스퀘어 Light" panose="020B0600000101010101" pitchFamily="50" charset="-127"/>
+                <a:ea typeface="나눔스퀘어 Light" panose="020B0600000101010101" pitchFamily="50" charset="-127"/>
+              </a:rPr>
+              <a:t>로 바뀜</a:t>
+            </a:r>
+            <a:r>
+              <a:rPr lang="en-US" altLang="ko-KR" dirty="0">
+                <a:latin typeface="나눔스퀘어 Light" panose="020B0600000101010101" pitchFamily="50" charset="-127"/>
+                <a:ea typeface="나눔스퀘어 Light" panose="020B0600000101010101" pitchFamily="50" charset="-127"/>
+              </a:rPr>
+              <a:t>, A</a:t>
+            </a:r>
+            <a:r>
+              <a:rPr lang="ko-KR" altLang="en-US" dirty="0">
+                <a:latin typeface="나눔스퀘어 Light" panose="020B0600000101010101" pitchFamily="50" charset="-127"/>
+                <a:ea typeface="나눔스퀘어 Light" panose="020B0600000101010101" pitchFamily="50" charset="-127"/>
+              </a:rPr>
+              <a:t>는 </a:t>
+            </a:r>
+            <a:r>
+              <a:rPr lang="en-US" altLang="ko-KR" dirty="0">
+                <a:latin typeface="나눔스퀘어 Light" panose="020B0600000101010101" pitchFamily="50" charset="-127"/>
+                <a:ea typeface="나눔스퀘어 Light" panose="020B0600000101010101" pitchFamily="50" charset="-127"/>
+              </a:rPr>
+              <a:t>B</a:t>
+            </a:r>
+            <a:r>
+              <a:rPr lang="ko-KR" altLang="en-US" dirty="0">
+                <a:latin typeface="나눔스퀘어 Light" panose="020B0600000101010101" pitchFamily="50" charset="-127"/>
+                <a:ea typeface="나눔스퀘어 Light" panose="020B0600000101010101" pitchFamily="50" charset="-127"/>
+              </a:rPr>
+              <a:t>로 바뀜</a:t>
+            </a:r>
+            <a:r>
+              <a:rPr lang="en-US" altLang="ko-KR" dirty="0">
+                <a:latin typeface="나눔스퀘어 Light" panose="020B0600000101010101" pitchFamily="50" charset="-127"/>
+                <a:ea typeface="나눔스퀘어 Light" panose="020B0600000101010101" pitchFamily="50" charset="-127"/>
+              </a:rPr>
+              <a:t>)</a:t>
+            </a:r>
+            <a:endParaRPr lang="ko-KR" altLang="en-US" dirty="0">
+              <a:latin typeface="나눔스퀘어 Light" panose="020B0600000101010101" pitchFamily="50" charset="-127"/>
+              <a:ea typeface="나눔스퀘어 Light" panose="020B0600000101010101" pitchFamily="50" charset="-127"/>
+            </a:endParaRPr>
+          </a:p>
+        </p:txBody>
+      </p:sp>
+      <p:sp>
+        <p:nvSpPr>
+          <p:cNvPr id="6" name="TextBox 5">
+            <a:extLst>
+              <a:ext uri="{FF2B5EF4-FFF2-40B4-BE49-F238E27FC236}">
+                <a16:creationId xmlns:a16="http://schemas.microsoft.com/office/drawing/2014/main" id="{DAB56B84-A22B-C757-9F27-0D99A8D1F1B4}"/>
+              </a:ext>
+            </a:extLst>
+          </p:cNvPr>
+          <p:cNvSpPr txBox="1"/>
+          <p:nvPr/>
+        </p:nvSpPr>
+        <p:spPr>
+          <a:xfrm>
+            <a:off x="942387" y="3339202"/>
+            <a:ext cx="10237694" cy="369332"/>
+          </a:xfrm>
+          <a:prstGeom prst="rect">
+            <a:avLst/>
+          </a:prstGeom>
+          <a:noFill/>
+        </p:spPr>
+        <p:txBody>
+          <a:bodyPr wrap="square" rtlCol="0">
+            <a:spAutoFit/>
+          </a:bodyPr>
+          <a:lstStyle/>
+          <a:p>
+            <a:r>
+              <a:rPr lang="ko-KR" altLang="en-US" dirty="0">
+                <a:latin typeface="나눔스퀘어 Light" panose="020B0600000101010101" pitchFamily="50" charset="-127"/>
+                <a:ea typeface="나눔스퀘어 Light" panose="020B0600000101010101" pitchFamily="50" charset="-127"/>
+              </a:rPr>
+              <a:t>버튼을 </a:t>
+            </a:r>
+            <a:r>
+              <a:rPr lang="en-US" altLang="ko-KR" dirty="0" err="1">
+                <a:latin typeface="나눔스퀘어 Light" panose="020B0600000101010101" pitchFamily="50" charset="-127"/>
+                <a:ea typeface="나눔스퀘어 Light" panose="020B0600000101010101" pitchFamily="50" charset="-127"/>
+              </a:rPr>
+              <a:t>i</a:t>
+            </a:r>
+            <a:r>
+              <a:rPr lang="ko-KR" altLang="en-US" dirty="0">
+                <a:latin typeface="나눔스퀘어 Light" panose="020B0600000101010101" pitchFamily="50" charset="-127"/>
+                <a:ea typeface="나눔스퀘어 Light" panose="020B0600000101010101" pitchFamily="50" charset="-127"/>
+              </a:rPr>
+              <a:t>번 눌렀을 때의 </a:t>
+            </a:r>
+            <a:r>
+              <a:rPr lang="en-US" altLang="ko-KR" dirty="0">
+                <a:latin typeface="나눔스퀘어 Light" panose="020B0600000101010101" pitchFamily="50" charset="-127"/>
+                <a:ea typeface="나눔스퀘어 Light" panose="020B0600000101010101" pitchFamily="50" charset="-127"/>
+              </a:rPr>
+              <a:t>A</a:t>
+            </a:r>
+            <a:r>
+              <a:rPr lang="ko-KR" altLang="en-US" dirty="0">
+                <a:latin typeface="나눔스퀘어 Light" panose="020B0600000101010101" pitchFamily="50" charset="-127"/>
+                <a:ea typeface="나눔스퀘어 Light" panose="020B0600000101010101" pitchFamily="50" charset="-127"/>
+              </a:rPr>
+              <a:t>와 </a:t>
+            </a:r>
+            <a:r>
+              <a:rPr lang="en-US" altLang="ko-KR" dirty="0">
+                <a:latin typeface="나눔스퀘어 Light" panose="020B0600000101010101" pitchFamily="50" charset="-127"/>
+                <a:ea typeface="나눔스퀘어 Light" panose="020B0600000101010101" pitchFamily="50" charset="-127"/>
+              </a:rPr>
+              <a:t>B</a:t>
+            </a:r>
+            <a:r>
+              <a:rPr lang="ko-KR" altLang="en-US" dirty="0">
+                <a:latin typeface="나눔스퀘어 Light" panose="020B0600000101010101" pitchFamily="50" charset="-127"/>
+                <a:ea typeface="나눔스퀘어 Light" panose="020B0600000101010101" pitchFamily="50" charset="-127"/>
+              </a:rPr>
+              <a:t>의 개수에 대한 점화식을 세웠으므로</a:t>
+            </a:r>
+            <a:r>
+              <a:rPr lang="en-US" altLang="ko-KR" dirty="0">
+                <a:latin typeface="나눔스퀘어 Light" panose="020B0600000101010101" pitchFamily="50" charset="-127"/>
+                <a:ea typeface="나눔스퀘어 Light" panose="020B0600000101010101" pitchFamily="50" charset="-127"/>
+              </a:rPr>
+              <a:t>,</a:t>
+            </a:r>
+            <a:endParaRPr lang="ko-KR" altLang="en-US" dirty="0">
+              <a:latin typeface="나눔스퀘어 Light" panose="020B0600000101010101" pitchFamily="50" charset="-127"/>
+              <a:ea typeface="나눔스퀘어 Light" panose="020B0600000101010101" pitchFamily="50" charset="-127"/>
+            </a:endParaRPr>
+          </a:p>
+        </p:txBody>
+      </p:sp>
+      <p:sp>
+        <p:nvSpPr>
+          <p:cNvPr id="9" name="TextBox 8">
+            <a:extLst>
+              <a:ext uri="{FF2B5EF4-FFF2-40B4-BE49-F238E27FC236}">
+                <a16:creationId xmlns:a16="http://schemas.microsoft.com/office/drawing/2014/main" id="{AA790BDC-3212-0B04-5009-2C2092D3F01A}"/>
+              </a:ext>
+            </a:extLst>
+          </p:cNvPr>
+          <p:cNvSpPr txBox="1"/>
+          <p:nvPr/>
+        </p:nvSpPr>
+        <p:spPr>
+          <a:xfrm>
+            <a:off x="942387" y="3708534"/>
+            <a:ext cx="10237694" cy="369332"/>
+          </a:xfrm>
+          <a:prstGeom prst="rect">
+            <a:avLst/>
+          </a:prstGeom>
+          <a:noFill/>
+        </p:spPr>
+        <p:txBody>
+          <a:bodyPr wrap="square" rtlCol="0">
+            <a:spAutoFit/>
+          </a:bodyPr>
+          <a:lstStyle/>
+          <a:p>
+            <a:r>
+              <a:rPr lang="ko-KR" altLang="en-US" dirty="0">
+                <a:latin typeface="나눔스퀘어 Light" panose="020B0600000101010101" pitchFamily="50" charset="-127"/>
+                <a:ea typeface="나눔스퀘어 Light" panose="020B0600000101010101" pitchFamily="50" charset="-127"/>
+              </a:rPr>
+              <a:t>이제 점화식을 이용해 </a:t>
+            </a:r>
+            <a:r>
+              <a:rPr lang="ko-KR" altLang="en-US" dirty="0" err="1">
+                <a:latin typeface="나눔스퀘어 Light" panose="020B0600000101010101" pitchFamily="50" charset="-127"/>
+                <a:ea typeface="나눔스퀘어 Light" panose="020B0600000101010101" pitchFamily="50" charset="-127"/>
+              </a:rPr>
+              <a:t>바텀</a:t>
+            </a:r>
+            <a:r>
+              <a:rPr lang="ko-KR" altLang="en-US" dirty="0">
+                <a:latin typeface="나눔스퀘어 Light" panose="020B0600000101010101" pitchFamily="50" charset="-127"/>
+                <a:ea typeface="나눔스퀘어 Light" panose="020B0600000101010101" pitchFamily="50" charset="-127"/>
+              </a:rPr>
+              <a:t> 업 방식으로 </a:t>
+            </a:r>
+            <a:r>
+              <a:rPr lang="en-US" altLang="ko-KR" dirty="0">
+                <a:latin typeface="나눔스퀘어 Light" panose="020B0600000101010101" pitchFamily="50" charset="-127"/>
+                <a:ea typeface="나눔스퀘어 Light" panose="020B0600000101010101" pitchFamily="50" charset="-127"/>
+              </a:rPr>
+              <a:t>K</a:t>
+            </a:r>
+            <a:r>
+              <a:rPr lang="ko-KR" altLang="en-US" dirty="0">
+                <a:latin typeface="나눔스퀘어 Light" panose="020B0600000101010101" pitchFamily="50" charset="-127"/>
+                <a:ea typeface="나눔스퀘어 Light" panose="020B0600000101010101" pitchFamily="50" charset="-127"/>
+              </a:rPr>
+              <a:t>번 눌렀을 때의 </a:t>
+            </a:r>
+            <a:r>
+              <a:rPr lang="en-US" altLang="ko-KR" dirty="0">
+                <a:latin typeface="나눔스퀘어 Light" panose="020B0600000101010101" pitchFamily="50" charset="-127"/>
+                <a:ea typeface="나눔스퀘어 Light" panose="020B0600000101010101" pitchFamily="50" charset="-127"/>
+              </a:rPr>
+              <a:t>A</a:t>
+            </a:r>
+            <a:r>
+              <a:rPr lang="ko-KR" altLang="en-US" dirty="0">
+                <a:latin typeface="나눔스퀘어 Light" panose="020B0600000101010101" pitchFamily="50" charset="-127"/>
+                <a:ea typeface="나눔스퀘어 Light" panose="020B0600000101010101" pitchFamily="50" charset="-127"/>
+              </a:rPr>
+              <a:t>와 </a:t>
+            </a:r>
+            <a:r>
+              <a:rPr lang="en-US" altLang="ko-KR" dirty="0">
+                <a:latin typeface="나눔스퀘어 Light" panose="020B0600000101010101" pitchFamily="50" charset="-127"/>
+                <a:ea typeface="나눔스퀘어 Light" panose="020B0600000101010101" pitchFamily="50" charset="-127"/>
+              </a:rPr>
+              <a:t>B</a:t>
+            </a:r>
+            <a:r>
+              <a:rPr lang="ko-KR" altLang="en-US" dirty="0">
+                <a:latin typeface="나눔스퀘어 Light" panose="020B0600000101010101" pitchFamily="50" charset="-127"/>
+                <a:ea typeface="나눔스퀘어 Light" panose="020B0600000101010101" pitchFamily="50" charset="-127"/>
+              </a:rPr>
+              <a:t>의 개수를 구할 수 있습니다</a:t>
+            </a:r>
+            <a:r>
+              <a:rPr lang="en-US" altLang="ko-KR" dirty="0">
+                <a:latin typeface="나눔스퀘어 Light" panose="020B0600000101010101" pitchFamily="50" charset="-127"/>
+                <a:ea typeface="나눔스퀘어 Light" panose="020B0600000101010101" pitchFamily="50" charset="-127"/>
+              </a:rPr>
+              <a:t>.</a:t>
+            </a:r>
+            <a:endParaRPr lang="ko-KR" altLang="en-US" dirty="0">
+              <a:latin typeface="나눔스퀘어 Light" panose="020B0600000101010101" pitchFamily="50" charset="-127"/>
+              <a:ea typeface="나눔스퀘어 Light" panose="020B0600000101010101" pitchFamily="50" charset="-127"/>
+            </a:endParaRPr>
+          </a:p>
+        </p:txBody>
+      </p:sp>
+      <p:pic>
+        <p:nvPicPr>
+          <p:cNvPr id="11" name="그림 10">
+            <a:extLst>
+              <a:ext uri="{FF2B5EF4-FFF2-40B4-BE49-F238E27FC236}">
+                <a16:creationId xmlns:a16="http://schemas.microsoft.com/office/drawing/2014/main" id="{45A457FF-E297-BCC4-349B-9A89885A67A2}"/>
+              </a:ext>
+            </a:extLst>
+          </p:cNvPr>
+          <p:cNvPicPr>
+            <a:picLocks noChangeAspect="1"/>
+          </p:cNvPicPr>
+          <p:nvPr/>
+        </p:nvPicPr>
+        <p:blipFill>
+          <a:blip r:embed="rId2"/>
+          <a:stretch>
+            <a:fillRect/>
+          </a:stretch>
+        </p:blipFill>
+        <p:spPr>
+          <a:xfrm>
+            <a:off x="942386" y="4306926"/>
+            <a:ext cx="3740450" cy="2026698"/>
+          </a:xfrm>
+          <a:prstGeom prst="rect">
+            <a:avLst/>
+          </a:prstGeom>
+        </p:spPr>
+      </p:pic>
     </p:spTree>
     <p:extLst>
       <p:ext uri="{BB962C8B-B14F-4D97-AF65-F5344CB8AC3E}">
@@ -16738,8 +17401,8 @@
           </a:p>
         </p:txBody>
       </p:sp>
-      <mc:AlternateContent xmlns:mc="http://schemas.openxmlformats.org/markup-compatibility/2006">
-        <mc:Choice xmlns:a14="http://schemas.microsoft.com/office/drawing/2010/main" Requires="a14">
+      <mc:AlternateContent xmlns:mc="http://schemas.openxmlformats.org/markup-compatibility/2006" xmlns:a14="http://schemas.microsoft.com/office/drawing/2010/main">
+        <mc:Choice Requires="a14">
           <p:sp>
             <p:nvSpPr>
               <p:cNvPr id="20" name="TextBox 19">
@@ -16848,7 +17511,7 @@
             </p:txBody>
           </p:sp>
         </mc:Choice>
-        <mc:Fallback>
+        <mc:Fallback xmlns="">
           <p:sp>
             <p:nvSpPr>
               <p:cNvPr id="20" name="TextBox 19">
@@ -17004,8 +17667,8 @@
           </p:sp>
         </mc:Fallback>
       </mc:AlternateContent>
-      <mc:AlternateContent xmlns:mc="http://schemas.openxmlformats.org/markup-compatibility/2006">
-        <mc:Choice xmlns:a14="http://schemas.microsoft.com/office/drawing/2010/main" Requires="a14">
+      <mc:AlternateContent xmlns:mc="http://schemas.openxmlformats.org/markup-compatibility/2006" xmlns:a14="http://schemas.microsoft.com/office/drawing/2010/main">
+        <mc:Choice Requires="a14">
           <p:sp>
             <p:nvSpPr>
               <p:cNvPr id="22" name="TextBox 21">
@@ -17074,7 +17737,7 @@
             </p:txBody>
           </p:sp>
         </mc:Choice>
-        <mc:Fallback>
+        <mc:Fallback xmlns="">
           <p:sp>
             <p:nvSpPr>
               <p:cNvPr id="22" name="TextBox 21">

--- a/study/5_Dynamic Programming.pptx
+++ b/study/5_Dynamic Programming.pptx
@@ -21,23 +21,12 @@
     <p:sldId id="323" r:id="rId15"/>
     <p:sldId id="324" r:id="rId16"/>
     <p:sldId id="327" r:id="rId17"/>
-    <p:sldId id="328" r:id="rId18"/>
-    <p:sldId id="280" r:id="rId19"/>
-    <p:sldId id="281" r:id="rId20"/>
-    <p:sldId id="329" r:id="rId21"/>
-    <p:sldId id="330" r:id="rId22"/>
-    <p:sldId id="331" r:id="rId23"/>
-    <p:sldId id="303" r:id="rId24"/>
-    <p:sldId id="332" r:id="rId25"/>
-    <p:sldId id="284" r:id="rId26"/>
-    <p:sldId id="333" r:id="rId27"/>
-    <p:sldId id="334" r:id="rId28"/>
-    <p:sldId id="335" r:id="rId29"/>
-    <p:sldId id="287" r:id="rId30"/>
-    <p:sldId id="316" r:id="rId31"/>
-    <p:sldId id="288" r:id="rId32"/>
-    <p:sldId id="304" r:id="rId33"/>
-    <p:sldId id="298" r:id="rId34"/>
+    <p:sldId id="338" r:id="rId18"/>
+    <p:sldId id="339" r:id="rId19"/>
+    <p:sldId id="340" r:id="rId20"/>
+    <p:sldId id="341" r:id="rId21"/>
+    <p:sldId id="342" r:id="rId22"/>
+    <p:sldId id="298" r:id="rId23"/>
   </p:sldIdLst>
   <p:sldSz cx="12192000" cy="6858000"/>
   <p:notesSz cx="6858000" cy="9144000"/>
@@ -291,7 +280,7 @@
           <a:p>
             <a:fld id="{33C37291-AA83-40C0-9297-8F7F3693F6CC}" type="datetimeFigureOut">
               <a:rPr lang="ko-KR" altLang="en-US" smtClean="0"/>
-              <a:t>2022-09-02</a:t>
+              <a:t>2022-09-03</a:t>
             </a:fld>
             <a:endParaRPr lang="ko-KR" altLang="en-US"/>
           </a:p>
@@ -489,7 +478,7 @@
           <a:p>
             <a:fld id="{33C37291-AA83-40C0-9297-8F7F3693F6CC}" type="datetimeFigureOut">
               <a:rPr lang="ko-KR" altLang="en-US" smtClean="0"/>
-              <a:t>2022-09-02</a:t>
+              <a:t>2022-09-03</a:t>
             </a:fld>
             <a:endParaRPr lang="ko-KR" altLang="en-US"/>
           </a:p>
@@ -697,7 +686,7 @@
           <a:p>
             <a:fld id="{33C37291-AA83-40C0-9297-8F7F3693F6CC}" type="datetimeFigureOut">
               <a:rPr lang="ko-KR" altLang="en-US" smtClean="0"/>
-              <a:t>2022-09-02</a:t>
+              <a:t>2022-09-03</a:t>
             </a:fld>
             <a:endParaRPr lang="ko-KR" altLang="en-US"/>
           </a:p>
@@ -895,7 +884,7 @@
           <a:p>
             <a:fld id="{33C37291-AA83-40C0-9297-8F7F3693F6CC}" type="datetimeFigureOut">
               <a:rPr lang="ko-KR" altLang="en-US" smtClean="0"/>
-              <a:t>2022-09-02</a:t>
+              <a:t>2022-09-03</a:t>
             </a:fld>
             <a:endParaRPr lang="ko-KR" altLang="en-US"/>
           </a:p>
@@ -1170,7 +1159,7 @@
           <a:p>
             <a:fld id="{33C37291-AA83-40C0-9297-8F7F3693F6CC}" type="datetimeFigureOut">
               <a:rPr lang="ko-KR" altLang="en-US" smtClean="0"/>
-              <a:t>2022-09-02</a:t>
+              <a:t>2022-09-03</a:t>
             </a:fld>
             <a:endParaRPr lang="ko-KR" altLang="en-US"/>
           </a:p>
@@ -1435,7 +1424,7 @@
           <a:p>
             <a:fld id="{33C37291-AA83-40C0-9297-8F7F3693F6CC}" type="datetimeFigureOut">
               <a:rPr lang="ko-KR" altLang="en-US" smtClean="0"/>
-              <a:t>2022-09-02</a:t>
+              <a:t>2022-09-03</a:t>
             </a:fld>
             <a:endParaRPr lang="ko-KR" altLang="en-US"/>
           </a:p>
@@ -1847,7 +1836,7 @@
           <a:p>
             <a:fld id="{33C37291-AA83-40C0-9297-8F7F3693F6CC}" type="datetimeFigureOut">
               <a:rPr lang="ko-KR" altLang="en-US" smtClean="0"/>
-              <a:t>2022-09-02</a:t>
+              <a:t>2022-09-03</a:t>
             </a:fld>
             <a:endParaRPr lang="ko-KR" altLang="en-US"/>
           </a:p>
@@ -1988,7 +1977,7 @@
           <a:p>
             <a:fld id="{33C37291-AA83-40C0-9297-8F7F3693F6CC}" type="datetimeFigureOut">
               <a:rPr lang="ko-KR" altLang="en-US" smtClean="0"/>
-              <a:t>2022-09-02</a:t>
+              <a:t>2022-09-03</a:t>
             </a:fld>
             <a:endParaRPr lang="ko-KR" altLang="en-US"/>
           </a:p>
@@ -2101,7 +2090,7 @@
           <a:p>
             <a:fld id="{33C37291-AA83-40C0-9297-8F7F3693F6CC}" type="datetimeFigureOut">
               <a:rPr lang="ko-KR" altLang="en-US" smtClean="0"/>
-              <a:t>2022-09-02</a:t>
+              <a:t>2022-09-03</a:t>
             </a:fld>
             <a:endParaRPr lang="ko-KR" altLang="en-US"/>
           </a:p>
@@ -2412,7 +2401,7 @@
           <a:p>
             <a:fld id="{33C37291-AA83-40C0-9297-8F7F3693F6CC}" type="datetimeFigureOut">
               <a:rPr lang="ko-KR" altLang="en-US" smtClean="0"/>
-              <a:t>2022-09-02</a:t>
+              <a:t>2022-09-03</a:t>
             </a:fld>
             <a:endParaRPr lang="ko-KR" altLang="en-US"/>
           </a:p>
@@ -2700,7 +2689,7 @@
           <a:p>
             <a:fld id="{33C37291-AA83-40C0-9297-8F7F3693F6CC}" type="datetimeFigureOut">
               <a:rPr lang="ko-KR" altLang="en-US" smtClean="0"/>
-              <a:t>2022-09-02</a:t>
+              <a:t>2022-09-03</a:t>
             </a:fld>
             <a:endParaRPr lang="ko-KR" altLang="en-US"/>
           </a:p>
@@ -2941,7 +2930,7 @@
           <a:p>
             <a:fld id="{33C37291-AA83-40C0-9297-8F7F3693F6CC}" type="datetimeFigureOut">
               <a:rPr lang="ko-KR" altLang="en-US" smtClean="0"/>
-              <a:t>2022-09-02</a:t>
+              <a:t>2022-09-03</a:t>
             </a:fld>
             <a:endParaRPr lang="ko-KR" altLang="en-US"/>
           </a:p>
@@ -5094,10 +5083,10 @@
       </p:cxnSp>
       <p:sp>
         <p:nvSpPr>
-          <p:cNvPr id="2" name="TextBox 1">
-            <a:extLst>
-              <a:ext uri="{FF2B5EF4-FFF2-40B4-BE49-F238E27FC236}">
-                <a16:creationId xmlns:a16="http://schemas.microsoft.com/office/drawing/2014/main" id="{F879F515-CF83-D84E-0479-BDBB211233A4}"/>
+          <p:cNvPr id="4" name="TextBox 3">
+            <a:extLst>
+              <a:ext uri="{FF2B5EF4-FFF2-40B4-BE49-F238E27FC236}">
+                <a16:creationId xmlns:a16="http://schemas.microsoft.com/office/drawing/2014/main" id="{A1AAD516-1371-9D1B-1C2C-9225A505A883}"/>
               </a:ext>
             </a:extLst>
           </p:cNvPr>
@@ -5106,8 +5095,8 @@
         </p:nvSpPr>
         <p:spPr>
           <a:xfrm>
-            <a:off x="331694" y="177505"/>
-            <a:ext cx="4694298" cy="523220"/>
+            <a:off x="331694" y="184775"/>
+            <a:ext cx="7055842" cy="523220"/>
           </a:xfrm>
           <a:prstGeom prst="rect">
             <a:avLst/>
@@ -5125,28 +5114,31 @@
                 <a:latin typeface="나눔스퀘어 Bold" panose="020B0600000101010101" pitchFamily="50" charset="-127"/>
                 <a:ea typeface="나눔스퀘어 Bold" panose="020B0600000101010101" pitchFamily="50" charset="-127"/>
               </a:rPr>
-              <a:t>Sorting – 1427 </a:t>
+              <a:t>Dynamic Programming – 9461 </a:t>
             </a:r>
             <a:r>
               <a:rPr lang="ko-KR" altLang="en-US" sz="2800" dirty="0" err="1">
                 <a:latin typeface="나눔스퀘어 Bold" panose="020B0600000101010101" pitchFamily="50" charset="-127"/>
                 <a:ea typeface="나눔스퀘어 Bold" panose="020B0600000101010101" pitchFamily="50" charset="-127"/>
               </a:rPr>
-              <a:t>소트인사이드</a:t>
-            </a:r>
-            <a:endParaRPr lang="ko-KR" altLang="en-US" sz="2800" dirty="0">
-              <a:latin typeface="나눔스퀘어 Bold" panose="020B0600000101010101" pitchFamily="50" charset="-127"/>
-              <a:ea typeface="나눔스퀘어 Bold" panose="020B0600000101010101" pitchFamily="50" charset="-127"/>
-            </a:endParaRPr>
+              <a:t>파도반</a:t>
+            </a:r>
+            <a:r>
+              <a:rPr lang="ko-KR" altLang="en-US" sz="2800" dirty="0">
+                <a:latin typeface="나눔스퀘어 Bold" panose="020B0600000101010101" pitchFamily="50" charset="-127"/>
+                <a:ea typeface="나눔스퀘어 Bold" panose="020B0600000101010101" pitchFamily="50" charset="-127"/>
+              </a:rPr>
+              <a:t> 수열</a:t>
+            </a:r>
           </a:p>
         </p:txBody>
       </p:sp>
       <p:pic>
         <p:nvPicPr>
-          <p:cNvPr id="7" name="그림 6">
-            <a:extLst>
-              <a:ext uri="{FF2B5EF4-FFF2-40B4-BE49-F238E27FC236}">
-                <a16:creationId xmlns:a16="http://schemas.microsoft.com/office/drawing/2014/main" id="{9E452538-A597-79E1-9275-7A3209BDB5A2}"/>
+          <p:cNvPr id="8" name="그림 7">
+            <a:extLst>
+              <a:ext uri="{FF2B5EF4-FFF2-40B4-BE49-F238E27FC236}">
+                <a16:creationId xmlns:a16="http://schemas.microsoft.com/office/drawing/2014/main" id="{86C12BD6-15CA-769B-226E-DE78C08F52A1}"/>
               </a:ext>
             </a:extLst>
           </p:cNvPr>
@@ -5163,248 +5155,8 @@
         </p:blipFill>
         <p:spPr>
           <a:xfrm>
-            <a:off x="331694" y="962790"/>
-            <a:ext cx="6125667" cy="3113298"/>
-          </a:xfrm>
-          <a:prstGeom prst="rect">
-            <a:avLst/>
-          </a:prstGeom>
-        </p:spPr>
-      </p:pic>
-      <p:pic>
-        <p:nvPicPr>
-          <p:cNvPr id="10" name="그림 9">
-            <a:extLst>
-              <a:ext uri="{FF2B5EF4-FFF2-40B4-BE49-F238E27FC236}">
-                <a16:creationId xmlns:a16="http://schemas.microsoft.com/office/drawing/2014/main" id="{A8FDE59C-E43B-DC9C-B9ED-07BD463C907C}"/>
-              </a:ext>
-            </a:extLst>
-          </p:cNvPr>
-          <p:cNvPicPr>
-            <a:picLocks noChangeAspect="1"/>
-          </p:cNvPicPr>
-          <p:nvPr/>
-        </p:nvPicPr>
-        <p:blipFill>
-          <a:blip r:embed="rId3"/>
-          <a:stretch>
-            <a:fillRect/>
-          </a:stretch>
-        </p:blipFill>
-        <p:spPr>
-          <a:xfrm>
-            <a:off x="331694" y="4180758"/>
-            <a:ext cx="1308570" cy="959122"/>
-          </a:xfrm>
-          <a:prstGeom prst="rect">
-            <a:avLst/>
-          </a:prstGeom>
-        </p:spPr>
-      </p:pic>
-      <p:pic>
-        <p:nvPicPr>
-          <p:cNvPr id="14" name="그림 13">
-            <a:extLst>
-              <a:ext uri="{FF2B5EF4-FFF2-40B4-BE49-F238E27FC236}">
-                <a16:creationId xmlns:a16="http://schemas.microsoft.com/office/drawing/2014/main" id="{3EBD7406-CE2F-38B3-6F40-0467EE11A0CE}"/>
-              </a:ext>
-            </a:extLst>
-          </p:cNvPr>
-          <p:cNvPicPr>
-            <a:picLocks noChangeAspect="1"/>
-          </p:cNvPicPr>
-          <p:nvPr/>
-        </p:nvPicPr>
-        <p:blipFill>
-          <a:blip r:embed="rId4"/>
-          <a:stretch>
-            <a:fillRect/>
-          </a:stretch>
-        </p:blipFill>
-        <p:spPr>
-          <a:xfrm>
-            <a:off x="1793406" y="4180758"/>
-            <a:ext cx="1308570" cy="957125"/>
-          </a:xfrm>
-          <a:prstGeom prst="rect">
-            <a:avLst/>
-          </a:prstGeom>
-        </p:spPr>
-      </p:pic>
-      <p:pic>
-        <p:nvPicPr>
-          <p:cNvPr id="17" name="그림 16">
-            <a:extLst>
-              <a:ext uri="{FF2B5EF4-FFF2-40B4-BE49-F238E27FC236}">
-                <a16:creationId xmlns:a16="http://schemas.microsoft.com/office/drawing/2014/main" id="{F808C611-1C24-55AA-6DF1-4E1980E316EA}"/>
-              </a:ext>
-            </a:extLst>
-          </p:cNvPr>
-          <p:cNvPicPr>
-            <a:picLocks noChangeAspect="1"/>
-          </p:cNvPicPr>
-          <p:nvPr/>
-        </p:nvPicPr>
-        <p:blipFill>
-          <a:blip r:embed="rId5"/>
-          <a:stretch>
-            <a:fillRect/>
-          </a:stretch>
-        </p:blipFill>
-        <p:spPr>
-          <a:xfrm>
-            <a:off x="3681162" y="4180758"/>
-            <a:ext cx="1344830" cy="1014386"/>
-          </a:xfrm>
-          <a:prstGeom prst="rect">
-            <a:avLst/>
-          </a:prstGeom>
-        </p:spPr>
-      </p:pic>
-      <p:pic>
-        <p:nvPicPr>
-          <p:cNvPr id="20" name="그림 19">
-            <a:extLst>
-              <a:ext uri="{FF2B5EF4-FFF2-40B4-BE49-F238E27FC236}">
-                <a16:creationId xmlns:a16="http://schemas.microsoft.com/office/drawing/2014/main" id="{9D5F1C80-7B55-1418-0A0A-AE839FEF778A}"/>
-              </a:ext>
-            </a:extLst>
-          </p:cNvPr>
-          <p:cNvPicPr>
-            <a:picLocks noChangeAspect="1"/>
-          </p:cNvPicPr>
-          <p:nvPr/>
-        </p:nvPicPr>
-        <p:blipFill>
-          <a:blip r:embed="rId6"/>
-          <a:stretch>
-            <a:fillRect/>
-          </a:stretch>
-        </p:blipFill>
-        <p:spPr>
-          <a:xfrm>
-            <a:off x="5157826" y="4180758"/>
-            <a:ext cx="1376106" cy="1014386"/>
-          </a:xfrm>
-          <a:prstGeom prst="rect">
-            <a:avLst/>
-          </a:prstGeom>
-        </p:spPr>
-      </p:pic>
-      <p:pic>
-        <p:nvPicPr>
-          <p:cNvPr id="22" name="그림 21">
-            <a:extLst>
-              <a:ext uri="{FF2B5EF4-FFF2-40B4-BE49-F238E27FC236}">
-                <a16:creationId xmlns:a16="http://schemas.microsoft.com/office/drawing/2014/main" id="{D09E1E79-C29D-96BB-5B69-8B381340E81E}"/>
-              </a:ext>
-            </a:extLst>
-          </p:cNvPr>
-          <p:cNvPicPr>
-            <a:picLocks noChangeAspect="1"/>
-          </p:cNvPicPr>
-          <p:nvPr/>
-        </p:nvPicPr>
-        <p:blipFill>
-          <a:blip r:embed="rId7"/>
-          <a:stretch>
-            <a:fillRect/>
-          </a:stretch>
-        </p:blipFill>
-        <p:spPr>
-          <a:xfrm>
-            <a:off x="331694" y="5430519"/>
-            <a:ext cx="1308570" cy="929382"/>
-          </a:xfrm>
-          <a:prstGeom prst="rect">
-            <a:avLst/>
-          </a:prstGeom>
-        </p:spPr>
-      </p:pic>
-      <p:pic>
-        <p:nvPicPr>
-          <p:cNvPr id="24" name="그림 23">
-            <a:extLst>
-              <a:ext uri="{FF2B5EF4-FFF2-40B4-BE49-F238E27FC236}">
-                <a16:creationId xmlns:a16="http://schemas.microsoft.com/office/drawing/2014/main" id="{9C727D04-12D8-E870-5C5F-FBCC6A840325}"/>
-              </a:ext>
-            </a:extLst>
-          </p:cNvPr>
-          <p:cNvPicPr>
-            <a:picLocks noChangeAspect="1"/>
-          </p:cNvPicPr>
-          <p:nvPr/>
-        </p:nvPicPr>
-        <p:blipFill>
-          <a:blip r:embed="rId8"/>
-          <a:stretch>
-            <a:fillRect/>
-          </a:stretch>
-        </p:blipFill>
-        <p:spPr>
-          <a:xfrm>
-            <a:off x="1793406" y="5430519"/>
-            <a:ext cx="1242025" cy="922647"/>
-          </a:xfrm>
-          <a:prstGeom prst="rect">
-            <a:avLst/>
-          </a:prstGeom>
-        </p:spPr>
-      </p:pic>
-      <p:pic>
-        <p:nvPicPr>
-          <p:cNvPr id="26" name="그림 25">
-            <a:extLst>
-              <a:ext uri="{FF2B5EF4-FFF2-40B4-BE49-F238E27FC236}">
-                <a16:creationId xmlns:a16="http://schemas.microsoft.com/office/drawing/2014/main" id="{6BA0B311-431F-09AC-2681-A0DB9009A4EA}"/>
-              </a:ext>
-            </a:extLst>
-          </p:cNvPr>
-          <p:cNvPicPr>
-            <a:picLocks noChangeAspect="1"/>
-          </p:cNvPicPr>
-          <p:nvPr/>
-        </p:nvPicPr>
-        <p:blipFill>
-          <a:blip r:embed="rId9"/>
-          <a:stretch>
-            <a:fillRect/>
-          </a:stretch>
-        </p:blipFill>
-        <p:spPr>
-          <a:xfrm>
-            <a:off x="3681162" y="5432546"/>
-            <a:ext cx="1267149" cy="927355"/>
-          </a:xfrm>
-          <a:prstGeom prst="rect">
-            <a:avLst/>
-          </a:prstGeom>
-        </p:spPr>
-      </p:pic>
-      <p:pic>
-        <p:nvPicPr>
-          <p:cNvPr id="28" name="그림 27">
-            <a:extLst>
-              <a:ext uri="{FF2B5EF4-FFF2-40B4-BE49-F238E27FC236}">
-                <a16:creationId xmlns:a16="http://schemas.microsoft.com/office/drawing/2014/main" id="{A885BC2E-2B05-3CCC-7C7A-1EAA7B8552E4}"/>
-              </a:ext>
-            </a:extLst>
-          </p:cNvPr>
-          <p:cNvPicPr>
-            <a:picLocks noChangeAspect="1"/>
-          </p:cNvPicPr>
-          <p:nvPr/>
-        </p:nvPicPr>
-        <p:blipFill>
-          <a:blip r:embed="rId10"/>
-          <a:stretch>
-            <a:fillRect/>
-          </a:stretch>
-        </p:blipFill>
-        <p:spPr>
-          <a:xfrm>
-            <a:off x="5157826" y="5430519"/>
-            <a:ext cx="1308571" cy="933643"/>
+            <a:off x="329753" y="951151"/>
+            <a:ext cx="10567447" cy="5855941"/>
           </a:xfrm>
           <a:prstGeom prst="rect">
             <a:avLst/>
@@ -5518,35 +5270,49 @@
                 <a:latin typeface="나눔스퀘어 Light" panose="020B0600000101010101" pitchFamily="50" charset="-127"/>
                 <a:ea typeface="나눔스퀘어 Light" panose="020B0600000101010101" pitchFamily="50" charset="-127"/>
               </a:rPr>
-              <a:t>입력 되는 수들이 붙어있으므로</a:t>
+              <a:t>그림 </a:t>
             </a:r>
             <a:r>
               <a:rPr lang="en-US" altLang="ko-KR" dirty="0">
                 <a:latin typeface="나눔스퀘어 Light" panose="020B0600000101010101" pitchFamily="50" charset="-127"/>
                 <a:ea typeface="나눔스퀘어 Light" panose="020B0600000101010101" pitchFamily="50" charset="-127"/>
               </a:rPr>
-              <a:t>(</a:t>
+              <a:t>or </a:t>
             </a:r>
             <a:r>
               <a:rPr lang="ko-KR" altLang="en-US" dirty="0">
                 <a:latin typeface="나눔스퀘어 Light" panose="020B0600000101010101" pitchFamily="50" charset="-127"/>
                 <a:ea typeface="나눔스퀘어 Light" panose="020B0600000101010101" pitchFamily="50" charset="-127"/>
               </a:rPr>
-              <a:t>공백이 없으므로</a:t>
+              <a:t>수열을 분석해보면</a:t>
             </a:r>
             <a:r>
               <a:rPr lang="en-US" altLang="ko-KR" dirty="0">
                 <a:latin typeface="나눔스퀘어 Light" panose="020B0600000101010101" pitchFamily="50" charset="-127"/>
                 <a:ea typeface="나눔스퀘어 Light" panose="020B0600000101010101" pitchFamily="50" charset="-127"/>
               </a:rPr>
-              <a:t>), </a:t>
+              <a:t>, P(n)</a:t>
             </a:r>
             <a:r>
               <a:rPr lang="ko-KR" altLang="en-US" dirty="0">
                 <a:latin typeface="나눔스퀘어 Light" panose="020B0600000101010101" pitchFamily="50" charset="-127"/>
                 <a:ea typeface="나눔스퀘어 Light" panose="020B0600000101010101" pitchFamily="50" charset="-127"/>
               </a:rPr>
-              <a:t>문자열로 입력 받는게 편합니다</a:t>
+              <a:t>을 만드는 점화식은 </a:t>
+            </a:r>
+            <a:r>
+              <a:rPr lang="en-US" altLang="ko-KR" dirty="0">
+                <a:latin typeface="나눔스퀘어 Light" panose="020B0600000101010101" pitchFamily="50" charset="-127"/>
+                <a:ea typeface="나눔스퀘어 Light" panose="020B0600000101010101" pitchFamily="50" charset="-127"/>
+              </a:rPr>
+              <a:t>P(n – 3) + P(n – 2) </a:t>
+            </a:r>
+            <a:r>
+              <a:rPr lang="ko-KR" altLang="en-US" dirty="0">
+                <a:latin typeface="나눔스퀘어 Light" panose="020B0600000101010101" pitchFamily="50" charset="-127"/>
+                <a:ea typeface="나눔스퀘어 Light" panose="020B0600000101010101" pitchFamily="50" charset="-127"/>
+              </a:rPr>
+              <a:t>임을 찾을 수 있습니다</a:t>
             </a:r>
             <a:r>
               <a:rPr lang="en-US" altLang="ko-KR" dirty="0">
@@ -5595,174 +5361,56 @@
                 <a:latin typeface="나눔스퀘어 Light" panose="020B0600000101010101" pitchFamily="50" charset="-127"/>
                 <a:ea typeface="나눔스퀘어 Light" panose="020B0600000101010101" pitchFamily="50" charset="-127"/>
               </a:rPr>
-              <a:t>문자열</a:t>
+              <a:t>점화식을 찾았으니</a:t>
             </a:r>
             <a:r>
               <a:rPr lang="en-US" altLang="ko-KR" dirty="0">
                 <a:latin typeface="나눔스퀘어 Light" panose="020B0600000101010101" pitchFamily="50" charset="-127"/>
                 <a:ea typeface="나눔스퀘어 Light" panose="020B0600000101010101" pitchFamily="50" charset="-127"/>
               </a:rPr>
-              <a:t>(</a:t>
+              <a:t>, </a:t>
             </a:r>
             <a:r>
               <a:rPr lang="ko-KR" altLang="en-US" dirty="0">
                 <a:latin typeface="나눔스퀘어 Light" panose="020B0600000101010101" pitchFamily="50" charset="-127"/>
                 <a:ea typeface="나눔스퀘어 Light" panose="020B0600000101010101" pitchFamily="50" charset="-127"/>
               </a:rPr>
-              <a:t>문자 배열</a:t>
+              <a:t>피보나치 문제를 풀 때 처럼 </a:t>
+            </a:r>
+            <a:r>
+              <a:rPr lang="ko-KR" altLang="en-US" dirty="0" err="1">
+                <a:latin typeface="나눔스퀘어 Light" panose="020B0600000101010101" pitchFamily="50" charset="-127"/>
+                <a:ea typeface="나눔스퀘어 Light" panose="020B0600000101010101" pitchFamily="50" charset="-127"/>
+              </a:rPr>
+              <a:t>바텀</a:t>
+            </a:r>
+            <a:r>
+              <a:rPr lang="ko-KR" altLang="en-US" dirty="0">
+                <a:latin typeface="나눔스퀘어 Light" panose="020B0600000101010101" pitchFamily="50" charset="-127"/>
+                <a:ea typeface="나눔스퀘어 Light" panose="020B0600000101010101" pitchFamily="50" charset="-127"/>
+              </a:rPr>
+              <a:t> 업 방식으로 접근하면 됩니다</a:t>
             </a:r>
             <a:r>
               <a:rPr lang="en-US" altLang="ko-KR" dirty="0">
                 <a:latin typeface="나눔스퀘어 Light" panose="020B0600000101010101" pitchFamily="50" charset="-127"/>
                 <a:ea typeface="나눔스퀘어 Light" panose="020B0600000101010101" pitchFamily="50" charset="-127"/>
               </a:rPr>
-              <a:t>)</a:t>
-            </a:r>
-            <a:r>
-              <a:rPr lang="ko-KR" altLang="en-US" dirty="0">
-                <a:latin typeface="나눔스퀘어 Light" panose="020B0600000101010101" pitchFamily="50" charset="-127"/>
-                <a:ea typeface="나눔스퀘어 Light" panose="020B0600000101010101" pitchFamily="50" charset="-127"/>
-              </a:rPr>
-              <a:t>로 입력 받아서 내림차순 정렬을 하는 문제</a:t>
-            </a:r>
-          </a:p>
-        </p:txBody>
-      </p:sp>
-      <p:sp>
-        <p:nvSpPr>
-          <p:cNvPr id="3" name="TextBox 2">
-            <a:extLst>
-              <a:ext uri="{FF2B5EF4-FFF2-40B4-BE49-F238E27FC236}">
-                <a16:creationId xmlns:a16="http://schemas.microsoft.com/office/drawing/2014/main" id="{96B82EBF-DD56-3EFF-F2FA-9DB8CC59ACEF}"/>
-              </a:ext>
-            </a:extLst>
-          </p:cNvPr>
-          <p:cNvSpPr txBox="1"/>
-          <p:nvPr/>
-        </p:nvSpPr>
-        <p:spPr>
-          <a:xfrm>
-            <a:off x="331694" y="177505"/>
-            <a:ext cx="4694298" cy="523220"/>
-          </a:xfrm>
-          <a:prstGeom prst="rect">
-            <a:avLst/>
-          </a:prstGeom>
-          <a:noFill/>
-        </p:spPr>
-        <p:txBody>
-          <a:bodyPr wrap="none" rtlCol="0">
-            <a:spAutoFit/>
-          </a:bodyPr>
-          <a:lstStyle/>
-          <a:p>
-            <a:r>
-              <a:rPr lang="en-US" altLang="ko-KR" sz="2800" dirty="0">
-                <a:latin typeface="나눔스퀘어 Bold" panose="020B0600000101010101" pitchFamily="50" charset="-127"/>
-                <a:ea typeface="나눔스퀘어 Bold" panose="020B0600000101010101" pitchFamily="50" charset="-127"/>
-              </a:rPr>
-              <a:t>Sorting – 1427 </a:t>
-            </a:r>
-            <a:r>
-              <a:rPr lang="ko-KR" altLang="en-US" sz="2800" dirty="0" err="1">
-                <a:latin typeface="나눔스퀘어 Bold" panose="020B0600000101010101" pitchFamily="50" charset="-127"/>
-                <a:ea typeface="나눔스퀘어 Bold" panose="020B0600000101010101" pitchFamily="50" charset="-127"/>
-              </a:rPr>
-              <a:t>소트인사이드</a:t>
-            </a:r>
-            <a:endParaRPr lang="ko-KR" altLang="en-US" sz="2800" dirty="0">
-              <a:latin typeface="나눔스퀘어 Bold" panose="020B0600000101010101" pitchFamily="50" charset="-127"/>
-              <a:ea typeface="나눔스퀘어 Bold" panose="020B0600000101010101" pitchFamily="50" charset="-127"/>
+              <a:t>.</a:t>
+            </a:r>
+            <a:endParaRPr lang="ko-KR" altLang="en-US" dirty="0">
+              <a:latin typeface="나눔스퀘어 Light" panose="020B0600000101010101" pitchFamily="50" charset="-127"/>
+              <a:ea typeface="나눔스퀘어 Light" panose="020B0600000101010101" pitchFamily="50" charset="-127"/>
             </a:endParaRPr>
-          </a:p>
-        </p:txBody>
-      </p:sp>
-      <p:sp>
-        <p:nvSpPr>
-          <p:cNvPr id="6" name="TextBox 5">
-            <a:extLst>
-              <a:ext uri="{FF2B5EF4-FFF2-40B4-BE49-F238E27FC236}">
-                <a16:creationId xmlns:a16="http://schemas.microsoft.com/office/drawing/2014/main" id="{FF56433C-6E00-0A3E-213F-60CD4F28FD54}"/>
-              </a:ext>
-            </a:extLst>
-          </p:cNvPr>
-          <p:cNvSpPr txBox="1"/>
-          <p:nvPr/>
-        </p:nvSpPr>
-        <p:spPr>
-          <a:xfrm>
-            <a:off x="942387" y="2609702"/>
-            <a:ext cx="10313217" cy="369332"/>
-          </a:xfrm>
-          <a:prstGeom prst="rect">
-            <a:avLst/>
-          </a:prstGeom>
-          <a:noFill/>
-        </p:spPr>
-        <p:txBody>
-          <a:bodyPr wrap="square" rtlCol="0">
-            <a:spAutoFit/>
-          </a:bodyPr>
-          <a:lstStyle/>
-          <a:p>
-            <a:r>
-              <a:rPr lang="en-US" altLang="ko-KR" dirty="0">
-                <a:latin typeface="나눔스퀘어 Bold" panose="020B0600000101010101" pitchFamily="50" charset="-127"/>
-                <a:ea typeface="나눔스퀘어 Bold" panose="020B0600000101010101" pitchFamily="50" charset="-127"/>
-              </a:rPr>
-              <a:t>C</a:t>
-            </a:r>
-            <a:r>
-              <a:rPr lang="ko-KR" altLang="en-US" dirty="0">
-                <a:latin typeface="나눔스퀘어 Bold" panose="020B0600000101010101" pitchFamily="50" charset="-127"/>
-                <a:ea typeface="나눔스퀘어 Bold" panose="020B0600000101010101" pitchFamily="50" charset="-127"/>
-              </a:rPr>
-              <a:t>언어</a:t>
-            </a:r>
-            <a:r>
-              <a:rPr lang="ko-KR" altLang="en-US" dirty="0">
-                <a:latin typeface="나눔스퀘어 Light" panose="020B0600000101010101" pitchFamily="50" charset="-127"/>
-                <a:ea typeface="나눔스퀘어 Light" panose="020B0600000101010101" pitchFamily="50" charset="-127"/>
-              </a:rPr>
-              <a:t>의 경우</a:t>
-            </a:r>
-            <a:r>
-              <a:rPr lang="en-US" altLang="ko-KR" dirty="0">
-                <a:latin typeface="나눔스퀘어 Light" panose="020B0600000101010101" pitchFamily="50" charset="-127"/>
-                <a:ea typeface="나눔스퀘어 Light" panose="020B0600000101010101" pitchFamily="50" charset="-127"/>
-              </a:rPr>
-              <a:t>, </a:t>
-            </a:r>
-            <a:r>
-              <a:rPr lang="en-US" altLang="ko-KR" dirty="0" err="1">
-                <a:latin typeface="나눔스퀘어 Light" panose="020B0600000101010101" pitchFamily="50" charset="-127"/>
-                <a:ea typeface="나눔스퀘어 Light" panose="020B0600000101010101" pitchFamily="50" charset="-127"/>
-              </a:rPr>
-              <a:t>strcmp</a:t>
-            </a:r>
-            <a:r>
-              <a:rPr lang="en-US" altLang="ko-KR" dirty="0">
-                <a:latin typeface="나눔스퀘어 Light" panose="020B0600000101010101" pitchFamily="50" charset="-127"/>
-                <a:ea typeface="나눔스퀘어 Light" panose="020B0600000101010101" pitchFamily="50" charset="-127"/>
-              </a:rPr>
-              <a:t>() </a:t>
-            </a:r>
-            <a:r>
-              <a:rPr lang="ko-KR" altLang="en-US" dirty="0">
-                <a:latin typeface="나눔스퀘어 Light" panose="020B0600000101010101" pitchFamily="50" charset="-127"/>
-                <a:ea typeface="나눔스퀘어 Light" panose="020B0600000101010101" pitchFamily="50" charset="-127"/>
-              </a:rPr>
-              <a:t>라는 문자열 비교 함수를 제공</a:t>
-            </a:r>
           </a:p>
         </p:txBody>
       </p:sp>
       <p:pic>
         <p:nvPicPr>
-          <p:cNvPr id="10" name="그림 9">
-            <a:extLst>
-              <a:ext uri="{FF2B5EF4-FFF2-40B4-BE49-F238E27FC236}">
-                <a16:creationId xmlns:a16="http://schemas.microsoft.com/office/drawing/2014/main" id="{D3EAA8E4-AFB6-DF62-074F-046A238206CC}"/>
+          <p:cNvPr id="11" name="그림 10">
+            <a:extLst>
+              <a:ext uri="{FF2B5EF4-FFF2-40B4-BE49-F238E27FC236}">
+                <a16:creationId xmlns:a16="http://schemas.microsoft.com/office/drawing/2014/main" id="{3CF1EAFE-098F-5AC3-AFE4-F50C0AD031EB}"/>
               </a:ext>
             </a:extLst>
           </p:cNvPr>
@@ -5779,14 +5427,66 @@
         </p:blipFill>
         <p:spPr>
           <a:xfrm>
-            <a:off x="942386" y="3267337"/>
-            <a:ext cx="9295307" cy="1814799"/>
+            <a:off x="942387" y="2600422"/>
+            <a:ext cx="6767400" cy="1405970"/>
           </a:xfrm>
           <a:prstGeom prst="rect">
             <a:avLst/>
           </a:prstGeom>
         </p:spPr>
       </p:pic>
+      <p:sp>
+        <p:nvSpPr>
+          <p:cNvPr id="13" name="TextBox 12">
+            <a:extLst>
+              <a:ext uri="{FF2B5EF4-FFF2-40B4-BE49-F238E27FC236}">
+                <a16:creationId xmlns:a16="http://schemas.microsoft.com/office/drawing/2014/main" id="{D6892D08-842B-9012-D96F-4271073A0286}"/>
+              </a:ext>
+            </a:extLst>
+          </p:cNvPr>
+          <p:cNvSpPr txBox="1"/>
+          <p:nvPr/>
+        </p:nvSpPr>
+        <p:spPr>
+          <a:xfrm>
+            <a:off x="331694" y="184775"/>
+            <a:ext cx="7055842" cy="523220"/>
+          </a:xfrm>
+          <a:prstGeom prst="rect">
+            <a:avLst/>
+          </a:prstGeom>
+          <a:noFill/>
+        </p:spPr>
+        <p:txBody>
+          <a:bodyPr wrap="none" rtlCol="0">
+            <a:spAutoFit/>
+          </a:bodyPr>
+          <a:lstStyle/>
+          <a:p>
+            <a:r>
+              <a:rPr lang="en-US" altLang="ko-KR" sz="2800" dirty="0">
+                <a:latin typeface="나눔스퀘어 Bold" panose="020B0600000101010101" pitchFamily="50" charset="-127"/>
+                <a:ea typeface="나눔스퀘어 Bold" panose="020B0600000101010101" pitchFamily="50" charset="-127"/>
+              </a:rPr>
+              <a:t>Dynamic Programming – 9461 </a:t>
+            </a:r>
+            <a:r>
+              <a:rPr lang="ko-KR" altLang="en-US" sz="2800" dirty="0" err="1">
+                <a:latin typeface="나눔스퀘어 Bold" panose="020B0600000101010101" pitchFamily="50" charset="-127"/>
+                <a:ea typeface="나눔스퀘어 Bold" panose="020B0600000101010101" pitchFamily="50" charset="-127"/>
+              </a:rPr>
+              <a:t>파도반</a:t>
+            </a:r>
+            <a:r>
+              <a:rPr lang="ko-KR" altLang="en-US" sz="2800" dirty="0">
+                <a:latin typeface="나눔스퀘어 Bold" panose="020B0600000101010101" pitchFamily="50" charset="-127"/>
+                <a:ea typeface="나눔스퀘어 Bold" panose="020B0600000101010101" pitchFamily="50" charset="-127"/>
+              </a:rPr>
+              <a:t> 수열</a:t>
+            </a:r>
+          </a:p>
+        </p:txBody>
+      </p:sp>
     </p:spTree>
     <p:extLst>
       <p:ext uri="{BB962C8B-B14F-4D97-AF65-F5344CB8AC3E}">
@@ -5863,10 +5563,10 @@
       </p:cxnSp>
       <p:sp>
         <p:nvSpPr>
-          <p:cNvPr id="3" name="TextBox 2">
-            <a:extLst>
-              <a:ext uri="{FF2B5EF4-FFF2-40B4-BE49-F238E27FC236}">
-                <a16:creationId xmlns:a16="http://schemas.microsoft.com/office/drawing/2014/main" id="{96B82EBF-DD56-3EFF-F2FA-9DB8CC59ACEF}"/>
+          <p:cNvPr id="4" name="TextBox 3">
+            <a:extLst>
+              <a:ext uri="{FF2B5EF4-FFF2-40B4-BE49-F238E27FC236}">
+                <a16:creationId xmlns:a16="http://schemas.microsoft.com/office/drawing/2014/main" id="{59D13859-3C4A-53F0-C48F-C6B9095BD065}"/>
               </a:ext>
             </a:extLst>
           </p:cNvPr>
@@ -5875,8 +5575,8 @@
         </p:nvSpPr>
         <p:spPr>
           <a:xfrm>
-            <a:off x="331694" y="177505"/>
-            <a:ext cx="4694298" cy="523220"/>
+            <a:off x="331694" y="179902"/>
+            <a:ext cx="6948441" cy="523220"/>
           </a:xfrm>
           <a:prstGeom prst="rect">
             <a:avLst/>
@@ -5894,98 +5594,24 @@
                 <a:latin typeface="나눔스퀘어 Bold" panose="020B0600000101010101" pitchFamily="50" charset="-127"/>
                 <a:ea typeface="나눔스퀘어 Bold" panose="020B0600000101010101" pitchFamily="50" charset="-127"/>
               </a:rPr>
-              <a:t>Sorting – 1427 </a:t>
-            </a:r>
-            <a:r>
-              <a:rPr lang="ko-KR" altLang="en-US" sz="2800" dirty="0" err="1">
+              <a:t>Dynamic Programming – 14430 </a:t>
+            </a:r>
+            <a:r>
+              <a:rPr lang="ko-KR" altLang="en-US" sz="2800" dirty="0">
                 <a:latin typeface="나눔스퀘어 Bold" panose="020B0600000101010101" pitchFamily="50" charset="-127"/>
                 <a:ea typeface="나눔스퀘어 Bold" panose="020B0600000101010101" pitchFamily="50" charset="-127"/>
               </a:rPr>
-              <a:t>소트인사이드</a:t>
-            </a:r>
-            <a:endParaRPr lang="ko-KR" altLang="en-US" sz="2800" dirty="0">
-              <a:latin typeface="나눔스퀘어 Bold" panose="020B0600000101010101" pitchFamily="50" charset="-127"/>
-              <a:ea typeface="나눔스퀘어 Bold" panose="020B0600000101010101" pitchFamily="50" charset="-127"/>
-            </a:endParaRPr>
-          </a:p>
-        </p:txBody>
-      </p:sp>
-      <p:sp>
-        <p:nvSpPr>
-          <p:cNvPr id="6" name="TextBox 5">
-            <a:extLst>
-              <a:ext uri="{FF2B5EF4-FFF2-40B4-BE49-F238E27FC236}">
-                <a16:creationId xmlns:a16="http://schemas.microsoft.com/office/drawing/2014/main" id="{FF56433C-6E00-0A3E-213F-60CD4F28FD54}"/>
-              </a:ext>
-            </a:extLst>
-          </p:cNvPr>
-          <p:cNvSpPr txBox="1"/>
-          <p:nvPr/>
-        </p:nvSpPr>
-        <p:spPr>
-          <a:xfrm>
-            <a:off x="942387" y="1190024"/>
-            <a:ext cx="10313217" cy="369332"/>
-          </a:xfrm>
-          <a:prstGeom prst="rect">
-            <a:avLst/>
-          </a:prstGeom>
-          <a:noFill/>
-        </p:spPr>
-        <p:txBody>
-          <a:bodyPr wrap="square" rtlCol="0">
-            <a:spAutoFit/>
-          </a:bodyPr>
-          <a:lstStyle/>
-          <a:p>
-            <a:r>
-              <a:rPr lang="en-US" altLang="ko-KR" dirty="0">
-                <a:latin typeface="나눔스퀘어 Bold" panose="020B0600000101010101" pitchFamily="50" charset="-127"/>
-                <a:ea typeface="나눔스퀘어 Bold" panose="020B0600000101010101" pitchFamily="50" charset="-127"/>
-              </a:rPr>
-              <a:t>Python</a:t>
-            </a:r>
-            <a:r>
-              <a:rPr lang="ko-KR" altLang="en-US" dirty="0">
-                <a:latin typeface="나눔스퀘어 Light" panose="020B0600000101010101" pitchFamily="50" charset="-127"/>
-                <a:ea typeface="나눔스퀘어 Light" panose="020B0600000101010101" pitchFamily="50" charset="-127"/>
-              </a:rPr>
-              <a:t>도</a:t>
-            </a:r>
-            <a:r>
-              <a:rPr lang="ko-KR" altLang="en-US" dirty="0">
-                <a:latin typeface="나눔스퀘어 Bold" panose="020B0600000101010101" pitchFamily="50" charset="-127"/>
-                <a:ea typeface="나눔스퀘어 Bold" panose="020B0600000101010101" pitchFamily="50" charset="-127"/>
-              </a:rPr>
-              <a:t> </a:t>
-            </a:r>
-            <a:r>
-              <a:rPr lang="ko-KR" altLang="en-US" dirty="0">
-                <a:latin typeface="나눔스퀘어 Light" panose="020B0600000101010101" pitchFamily="50" charset="-127"/>
-                <a:ea typeface="나눔스퀘어 Light" panose="020B0600000101010101" pitchFamily="50" charset="-127"/>
-              </a:rPr>
-              <a:t>큰 틀은 비슷합니다</a:t>
-            </a:r>
-            <a:r>
-              <a:rPr lang="en-US" altLang="ko-KR" dirty="0">
-                <a:latin typeface="나눔스퀘어 Light" panose="020B0600000101010101" pitchFamily="50" charset="-127"/>
-                <a:ea typeface="나눔스퀘어 Light" panose="020B0600000101010101" pitchFamily="50" charset="-127"/>
-              </a:rPr>
-              <a:t>.</a:t>
-            </a:r>
-            <a:endParaRPr lang="ko-KR" altLang="en-US" dirty="0">
-              <a:latin typeface="나눔스퀘어 Light" panose="020B0600000101010101" pitchFamily="50" charset="-127"/>
-              <a:ea typeface="나눔스퀘어 Light" panose="020B0600000101010101" pitchFamily="50" charset="-127"/>
-            </a:endParaRPr>
+              <a:t>자원 캐기</a:t>
+            </a:r>
           </a:p>
         </p:txBody>
       </p:sp>
       <p:pic>
         <p:nvPicPr>
-          <p:cNvPr id="8" name="그림 7">
-            <a:extLst>
-              <a:ext uri="{FF2B5EF4-FFF2-40B4-BE49-F238E27FC236}">
-                <a16:creationId xmlns:a16="http://schemas.microsoft.com/office/drawing/2014/main" id="{BCF83413-B793-6FA7-CB7B-B14B9F0D2C14}"/>
+          <p:cNvPr id="10" name="그림 9">
+            <a:extLst>
+              <a:ext uri="{FF2B5EF4-FFF2-40B4-BE49-F238E27FC236}">
+                <a16:creationId xmlns:a16="http://schemas.microsoft.com/office/drawing/2014/main" id="{448DDED3-AB5B-B2CC-8392-880C2194C743}"/>
               </a:ext>
             </a:extLst>
           </p:cNvPr>
@@ -6002,181 +5628,14 @@
         </p:blipFill>
         <p:spPr>
           <a:xfrm>
-            <a:off x="942387" y="2736210"/>
-            <a:ext cx="4887320" cy="692790"/>
+            <a:off x="331694" y="951638"/>
+            <a:ext cx="10237694" cy="5906361"/>
           </a:xfrm>
           <a:prstGeom prst="rect">
             <a:avLst/>
           </a:prstGeom>
         </p:spPr>
       </p:pic>
-      <p:sp>
-        <p:nvSpPr>
-          <p:cNvPr id="9" name="TextBox 8">
-            <a:extLst>
-              <a:ext uri="{FF2B5EF4-FFF2-40B4-BE49-F238E27FC236}">
-                <a16:creationId xmlns:a16="http://schemas.microsoft.com/office/drawing/2014/main" id="{8F8BA0AA-AE65-5424-36C7-3AF220B3AAF0}"/>
-              </a:ext>
-            </a:extLst>
-          </p:cNvPr>
-          <p:cNvSpPr txBox="1"/>
-          <p:nvPr/>
-        </p:nvSpPr>
-        <p:spPr>
-          <a:xfrm>
-            <a:off x="942387" y="1861874"/>
-            <a:ext cx="10313217" cy="369332"/>
-          </a:xfrm>
-          <a:prstGeom prst="rect">
-            <a:avLst/>
-          </a:prstGeom>
-          <a:noFill/>
-        </p:spPr>
-        <p:txBody>
-          <a:bodyPr wrap="square" rtlCol="0">
-            <a:spAutoFit/>
-          </a:bodyPr>
-          <a:lstStyle/>
-          <a:p>
-            <a:r>
-              <a:rPr lang="en-US" altLang="ko-KR" dirty="0">
-                <a:latin typeface="나눔스퀘어 Light" panose="020B0600000101010101" pitchFamily="50" charset="-127"/>
-                <a:ea typeface="나눔스퀘어 Light" panose="020B0600000101010101" pitchFamily="50" charset="-127"/>
-              </a:rPr>
-              <a:t>Python</a:t>
-            </a:r>
-            <a:r>
-              <a:rPr lang="ko-KR" altLang="en-US" dirty="0">
-                <a:latin typeface="나눔스퀘어 Light" panose="020B0600000101010101" pitchFamily="50" charset="-127"/>
-                <a:ea typeface="나눔스퀘어 Light" panose="020B0600000101010101" pitchFamily="50" charset="-127"/>
-              </a:rPr>
-              <a:t>의 </a:t>
-            </a:r>
-            <a:r>
-              <a:rPr lang="en-US" altLang="ko-KR" dirty="0">
-                <a:latin typeface="나눔스퀘어 Light" panose="020B0600000101010101" pitchFamily="50" charset="-127"/>
-                <a:ea typeface="나눔스퀘어 Light" panose="020B0600000101010101" pitchFamily="50" charset="-127"/>
-              </a:rPr>
-              <a:t>str</a:t>
-            </a:r>
-            <a:r>
-              <a:rPr lang="ko-KR" altLang="en-US" dirty="0">
-                <a:latin typeface="나눔스퀘어 Light" panose="020B0600000101010101" pitchFamily="50" charset="-127"/>
-                <a:ea typeface="나눔스퀘어 Light" panose="020B0600000101010101" pitchFamily="50" charset="-127"/>
-              </a:rPr>
-              <a:t>은 </a:t>
-            </a:r>
-            <a:r>
-              <a:rPr lang="en-US" altLang="ko-KR" dirty="0" err="1">
-                <a:latin typeface="나눔스퀘어 Light" panose="020B0600000101010101" pitchFamily="50" charset="-127"/>
-                <a:ea typeface="나눔스퀘어 Light" panose="020B0600000101010101" pitchFamily="50" charset="-127"/>
-              </a:rPr>
-              <a:t>Iterable</a:t>
-            </a:r>
-            <a:r>
-              <a:rPr lang="ko-KR" altLang="en-US" dirty="0">
-                <a:latin typeface="나눔스퀘어 Light" panose="020B0600000101010101" pitchFamily="50" charset="-127"/>
-                <a:ea typeface="나눔스퀘어 Light" panose="020B0600000101010101" pitchFamily="50" charset="-127"/>
-              </a:rPr>
-              <a:t>입니다</a:t>
-            </a:r>
-            <a:r>
-              <a:rPr lang="en-US" altLang="ko-KR" dirty="0">
-                <a:latin typeface="나눔스퀘어 Light" panose="020B0600000101010101" pitchFamily="50" charset="-127"/>
-                <a:ea typeface="나눔스퀘어 Light" panose="020B0600000101010101" pitchFamily="50" charset="-127"/>
-              </a:rPr>
-              <a:t>. </a:t>
-            </a:r>
-            <a:r>
-              <a:rPr lang="ko-KR" altLang="en-US" dirty="0">
-                <a:latin typeface="나눔스퀘어 Light" panose="020B0600000101010101" pitchFamily="50" charset="-127"/>
-                <a:ea typeface="나눔스퀘어 Light" panose="020B0600000101010101" pitchFamily="50" charset="-127"/>
-              </a:rPr>
-              <a:t>따라서 </a:t>
-            </a:r>
-            <a:r>
-              <a:rPr lang="en-US" altLang="ko-KR" dirty="0">
-                <a:latin typeface="나눔스퀘어 Light" panose="020B0600000101010101" pitchFamily="50" charset="-127"/>
-                <a:ea typeface="나눔스퀘어 Light" panose="020B0600000101010101" pitchFamily="50" charset="-127"/>
-              </a:rPr>
-              <a:t>sorted </a:t>
-            </a:r>
-            <a:r>
-              <a:rPr lang="ko-KR" altLang="en-US" dirty="0">
-                <a:latin typeface="나눔스퀘어 Light" panose="020B0600000101010101" pitchFamily="50" charset="-127"/>
-                <a:ea typeface="나눔스퀘어 Light" panose="020B0600000101010101" pitchFamily="50" charset="-127"/>
-              </a:rPr>
-              <a:t>함수를 사용해 정렬된 리스트 형태로 만들고</a:t>
-            </a:r>
-            <a:r>
-              <a:rPr lang="en-US" altLang="ko-KR" dirty="0">
-                <a:latin typeface="나눔스퀘어 Light" panose="020B0600000101010101" pitchFamily="50" charset="-127"/>
-                <a:ea typeface="나눔스퀘어 Light" panose="020B0600000101010101" pitchFamily="50" charset="-127"/>
-              </a:rPr>
-              <a:t>,</a:t>
-            </a:r>
-          </a:p>
-        </p:txBody>
-      </p:sp>
-      <p:sp>
-        <p:nvSpPr>
-          <p:cNvPr id="11" name="TextBox 10">
-            <a:extLst>
-              <a:ext uri="{FF2B5EF4-FFF2-40B4-BE49-F238E27FC236}">
-                <a16:creationId xmlns:a16="http://schemas.microsoft.com/office/drawing/2014/main" id="{8FBDFCAA-3754-0904-7F5C-6FC2B823238F}"/>
-              </a:ext>
-            </a:extLst>
-          </p:cNvPr>
-          <p:cNvSpPr txBox="1"/>
-          <p:nvPr/>
-        </p:nvSpPr>
-        <p:spPr>
-          <a:xfrm>
-            <a:off x="942387" y="2231206"/>
-            <a:ext cx="10313217" cy="369332"/>
-          </a:xfrm>
-          <a:prstGeom prst="rect">
-            <a:avLst/>
-          </a:prstGeom>
-          <a:noFill/>
-        </p:spPr>
-        <p:txBody>
-          <a:bodyPr wrap="square" rtlCol="0">
-            <a:spAutoFit/>
-          </a:bodyPr>
-          <a:lstStyle/>
-          <a:p>
-            <a:r>
-              <a:rPr lang="en-US" altLang="ko-KR" dirty="0" err="1">
-                <a:latin typeface="나눔스퀘어 Light" panose="020B0600000101010101" pitchFamily="50" charset="-127"/>
-                <a:ea typeface="나눔스퀘어 Light" panose="020B0600000101010101" pitchFamily="50" charset="-127"/>
-              </a:rPr>
-              <a:t>str.join</a:t>
-            </a:r>
-            <a:r>
-              <a:rPr lang="en-US" altLang="ko-KR" dirty="0">
-                <a:latin typeface="나눔스퀘어 Light" panose="020B0600000101010101" pitchFamily="50" charset="-127"/>
-                <a:ea typeface="나눔스퀘어 Light" panose="020B0600000101010101" pitchFamily="50" charset="-127"/>
-              </a:rPr>
-              <a:t>() </a:t>
-            </a:r>
-            <a:r>
-              <a:rPr lang="ko-KR" altLang="en-US" dirty="0">
-                <a:latin typeface="나눔스퀘어 Light" panose="020B0600000101010101" pitchFamily="50" charset="-127"/>
-                <a:ea typeface="나눔스퀘어 Light" panose="020B0600000101010101" pitchFamily="50" charset="-127"/>
-              </a:rPr>
-              <a:t>함수를 이용해 리스트를 문자열로 합칠 수 있습니다</a:t>
-            </a:r>
-            <a:r>
-              <a:rPr lang="en-US" altLang="ko-KR" dirty="0">
-                <a:latin typeface="나눔스퀘어 Light" panose="020B0600000101010101" pitchFamily="50" charset="-127"/>
-                <a:ea typeface="나눔스퀘어 Light" panose="020B0600000101010101" pitchFamily="50" charset="-127"/>
-              </a:rPr>
-              <a:t>.</a:t>
-            </a:r>
-          </a:p>
-        </p:txBody>
-      </p:sp>
     </p:spTree>
     <p:extLst>
       <p:ext uri="{BB962C8B-B14F-4D97-AF65-F5344CB8AC3E}">
@@ -6253,10 +5712,10 @@
       </p:cxnSp>
       <p:sp>
         <p:nvSpPr>
-          <p:cNvPr id="3" name="TextBox 2">
-            <a:extLst>
-              <a:ext uri="{FF2B5EF4-FFF2-40B4-BE49-F238E27FC236}">
-                <a16:creationId xmlns:a16="http://schemas.microsoft.com/office/drawing/2014/main" id="{96B82EBF-DD56-3EFF-F2FA-9DB8CC59ACEF}"/>
+          <p:cNvPr id="4" name="TextBox 3">
+            <a:extLst>
+              <a:ext uri="{FF2B5EF4-FFF2-40B4-BE49-F238E27FC236}">
+                <a16:creationId xmlns:a16="http://schemas.microsoft.com/office/drawing/2014/main" id="{59D13859-3C4A-53F0-C48F-C6B9095BD065}"/>
               </a:ext>
             </a:extLst>
           </p:cNvPr>
@@ -6265,8 +5724,8 @@
         </p:nvSpPr>
         <p:spPr>
           <a:xfrm>
-            <a:off x="331694" y="177505"/>
-            <a:ext cx="4694298" cy="523220"/>
+            <a:off x="331694" y="179902"/>
+            <a:ext cx="6948441" cy="523220"/>
           </a:xfrm>
           <a:prstGeom prst="rect">
             <a:avLst/>
@@ -6284,241 +5743,22 @@
                 <a:latin typeface="나눔스퀘어 Bold" panose="020B0600000101010101" pitchFamily="50" charset="-127"/>
                 <a:ea typeface="나눔스퀘어 Bold" panose="020B0600000101010101" pitchFamily="50" charset="-127"/>
               </a:rPr>
-              <a:t>Sorting – 1427 </a:t>
-            </a:r>
-            <a:r>
-              <a:rPr lang="ko-KR" altLang="en-US" sz="2800" dirty="0" err="1">
+              <a:t>Dynamic Programming – 14430 </a:t>
+            </a:r>
+            <a:r>
+              <a:rPr lang="ko-KR" altLang="en-US" sz="2800" dirty="0">
                 <a:latin typeface="나눔스퀘어 Bold" panose="020B0600000101010101" pitchFamily="50" charset="-127"/>
                 <a:ea typeface="나눔스퀘어 Bold" panose="020B0600000101010101" pitchFamily="50" charset="-127"/>
               </a:rPr>
-              <a:t>소트인사이드</a:t>
-            </a:r>
-            <a:endParaRPr lang="ko-KR" altLang="en-US" sz="2800" dirty="0">
-              <a:latin typeface="나눔스퀘어 Bold" panose="020B0600000101010101" pitchFamily="50" charset="-127"/>
-              <a:ea typeface="나눔스퀘어 Bold" panose="020B0600000101010101" pitchFamily="50" charset="-127"/>
-            </a:endParaRPr>
-          </a:p>
-        </p:txBody>
-      </p:sp>
-      <p:sp>
-        <p:nvSpPr>
-          <p:cNvPr id="6" name="TextBox 5">
-            <a:extLst>
-              <a:ext uri="{FF2B5EF4-FFF2-40B4-BE49-F238E27FC236}">
-                <a16:creationId xmlns:a16="http://schemas.microsoft.com/office/drawing/2014/main" id="{FF56433C-6E00-0A3E-213F-60CD4F28FD54}"/>
-              </a:ext>
-            </a:extLst>
-          </p:cNvPr>
-          <p:cNvSpPr txBox="1"/>
-          <p:nvPr/>
-        </p:nvSpPr>
-        <p:spPr>
-          <a:xfrm>
-            <a:off x="942387" y="1190024"/>
-            <a:ext cx="10313217" cy="369332"/>
-          </a:xfrm>
-          <a:prstGeom prst="rect">
-            <a:avLst/>
-          </a:prstGeom>
-          <a:noFill/>
-        </p:spPr>
-        <p:txBody>
-          <a:bodyPr wrap="square" rtlCol="0">
-            <a:spAutoFit/>
-          </a:bodyPr>
-          <a:lstStyle/>
-          <a:p>
-            <a:r>
-              <a:rPr lang="en-US" altLang="ko-KR" dirty="0">
-                <a:latin typeface="나눔스퀘어 Bold" panose="020B0600000101010101" pitchFamily="50" charset="-127"/>
-                <a:ea typeface="나눔스퀘어 Bold" panose="020B0600000101010101" pitchFamily="50" charset="-127"/>
-              </a:rPr>
-              <a:t>Java</a:t>
-            </a:r>
-            <a:r>
-              <a:rPr lang="ko-KR" altLang="en-US" dirty="0">
-                <a:latin typeface="나눔스퀘어 Light" panose="020B0600000101010101" pitchFamily="50" charset="-127"/>
-                <a:ea typeface="나눔스퀘어 Light" panose="020B0600000101010101" pitchFamily="50" charset="-127"/>
-              </a:rPr>
-              <a:t>역시</a:t>
-            </a:r>
-            <a:r>
-              <a:rPr lang="ko-KR" altLang="en-US" dirty="0">
-                <a:latin typeface="나눔스퀘어 Bold" panose="020B0600000101010101" pitchFamily="50" charset="-127"/>
-                <a:ea typeface="나눔스퀘어 Bold" panose="020B0600000101010101" pitchFamily="50" charset="-127"/>
-              </a:rPr>
-              <a:t> </a:t>
-            </a:r>
-            <a:r>
-              <a:rPr lang="ko-KR" altLang="en-US" dirty="0">
-                <a:latin typeface="나눔스퀘어 Light" panose="020B0600000101010101" pitchFamily="50" charset="-127"/>
-                <a:ea typeface="나눔스퀘어 Light" panose="020B0600000101010101" pitchFamily="50" charset="-127"/>
-              </a:rPr>
-              <a:t>마찬가지</a:t>
-            </a:r>
-          </a:p>
-        </p:txBody>
-      </p:sp>
-      <p:sp>
-        <p:nvSpPr>
-          <p:cNvPr id="9" name="TextBox 8">
-            <a:extLst>
-              <a:ext uri="{FF2B5EF4-FFF2-40B4-BE49-F238E27FC236}">
-                <a16:creationId xmlns:a16="http://schemas.microsoft.com/office/drawing/2014/main" id="{8F8BA0AA-AE65-5424-36C7-3AF220B3AAF0}"/>
-              </a:ext>
-            </a:extLst>
-          </p:cNvPr>
-          <p:cNvSpPr txBox="1"/>
-          <p:nvPr/>
-        </p:nvSpPr>
-        <p:spPr>
-          <a:xfrm>
-            <a:off x="942387" y="1861874"/>
-            <a:ext cx="10313217" cy="369332"/>
-          </a:xfrm>
-          <a:prstGeom prst="rect">
-            <a:avLst/>
-          </a:prstGeom>
-          <a:noFill/>
-        </p:spPr>
-        <p:txBody>
-          <a:bodyPr wrap="square" rtlCol="0">
-            <a:spAutoFit/>
-          </a:bodyPr>
-          <a:lstStyle/>
-          <a:p>
-            <a:r>
-              <a:rPr lang="en-US" altLang="ko-KR" dirty="0" err="1">
-                <a:latin typeface="나눔스퀘어 Light" panose="020B0600000101010101" pitchFamily="50" charset="-127"/>
-                <a:ea typeface="나눔스퀘어 Light" panose="020B0600000101010101" pitchFamily="50" charset="-127"/>
-              </a:rPr>
-              <a:t>String.split</a:t>
-            </a:r>
-            <a:r>
-              <a:rPr lang="en-US" altLang="ko-KR" dirty="0">
-                <a:latin typeface="나눔스퀘어 Light" panose="020B0600000101010101" pitchFamily="50" charset="-127"/>
-                <a:ea typeface="나눔스퀘어 Light" panose="020B0600000101010101" pitchFamily="50" charset="-127"/>
-              </a:rPr>
-              <a:t>()</a:t>
-            </a:r>
-            <a:r>
-              <a:rPr lang="ko-KR" altLang="en-US" dirty="0">
-                <a:latin typeface="나눔스퀘어 Light" panose="020B0600000101010101" pitchFamily="50" charset="-127"/>
-                <a:ea typeface="나눔스퀘어 Light" panose="020B0600000101010101" pitchFamily="50" charset="-127"/>
-              </a:rPr>
-              <a:t>을 통해 </a:t>
-            </a:r>
-            <a:r>
-              <a:rPr lang="en-US" altLang="ko-KR" dirty="0">
-                <a:latin typeface="나눔스퀘어 Light" panose="020B0600000101010101" pitchFamily="50" charset="-127"/>
-                <a:ea typeface="나눔스퀘어 Light" panose="020B0600000101010101" pitchFamily="50" charset="-127"/>
-              </a:rPr>
-              <a:t>String[] </a:t>
-            </a:r>
-            <a:r>
-              <a:rPr lang="ko-KR" altLang="en-US" dirty="0">
-                <a:latin typeface="나눔스퀘어 Light" panose="020B0600000101010101" pitchFamily="50" charset="-127"/>
-                <a:ea typeface="나눔스퀘어 Light" panose="020B0600000101010101" pitchFamily="50" charset="-127"/>
-              </a:rPr>
-              <a:t>배열을 만들고</a:t>
-            </a:r>
-            <a:r>
-              <a:rPr lang="en-US" altLang="ko-KR" dirty="0">
-                <a:latin typeface="나눔스퀘어 Light" panose="020B0600000101010101" pitchFamily="50" charset="-127"/>
-                <a:ea typeface="나눔스퀘어 Light" panose="020B0600000101010101" pitchFamily="50" charset="-127"/>
-              </a:rPr>
-              <a:t>, </a:t>
-            </a:r>
-            <a:r>
-              <a:rPr lang="ko-KR" altLang="en-US" dirty="0">
-                <a:latin typeface="나눔스퀘어 Light" panose="020B0600000101010101" pitchFamily="50" charset="-127"/>
-                <a:ea typeface="나눔스퀘어 Light" panose="020B0600000101010101" pitchFamily="50" charset="-127"/>
-              </a:rPr>
-              <a:t>내림차순으로 정렬하여</a:t>
-            </a:r>
-            <a:endParaRPr lang="en-US" altLang="ko-KR" dirty="0">
-              <a:latin typeface="나눔스퀘어 Light" panose="020B0600000101010101" pitchFamily="50" charset="-127"/>
-              <a:ea typeface="나눔스퀘어 Light" panose="020B0600000101010101" pitchFamily="50" charset="-127"/>
-            </a:endParaRPr>
-          </a:p>
-        </p:txBody>
-      </p:sp>
-      <p:sp>
-        <p:nvSpPr>
-          <p:cNvPr id="11" name="TextBox 10">
-            <a:extLst>
-              <a:ext uri="{FF2B5EF4-FFF2-40B4-BE49-F238E27FC236}">
-                <a16:creationId xmlns:a16="http://schemas.microsoft.com/office/drawing/2014/main" id="{8FBDFCAA-3754-0904-7F5C-6FC2B823238F}"/>
-              </a:ext>
-            </a:extLst>
-          </p:cNvPr>
-          <p:cNvSpPr txBox="1"/>
-          <p:nvPr/>
-        </p:nvSpPr>
-        <p:spPr>
-          <a:xfrm>
-            <a:off x="942387" y="2231206"/>
-            <a:ext cx="10313217" cy="369332"/>
-          </a:xfrm>
-          <a:prstGeom prst="rect">
-            <a:avLst/>
-          </a:prstGeom>
-          <a:noFill/>
-        </p:spPr>
-        <p:txBody>
-          <a:bodyPr wrap="square" rtlCol="0">
-            <a:spAutoFit/>
-          </a:bodyPr>
-          <a:lstStyle/>
-          <a:p>
-            <a:r>
-              <a:rPr lang="ko-KR" altLang="en-US" dirty="0">
-                <a:latin typeface="나눔스퀘어 Light" panose="020B0600000101010101" pitchFamily="50" charset="-127"/>
-                <a:ea typeface="나눔스퀘어 Light" panose="020B0600000101010101" pitchFamily="50" charset="-127"/>
-              </a:rPr>
-              <a:t>배열의 원소들을 출력</a:t>
-            </a:r>
-            <a:endParaRPr lang="en-US" altLang="ko-KR" dirty="0">
-              <a:latin typeface="나눔스퀘어 Light" panose="020B0600000101010101" pitchFamily="50" charset="-127"/>
-              <a:ea typeface="나눔스퀘어 Light" panose="020B0600000101010101" pitchFamily="50" charset="-127"/>
-            </a:endParaRPr>
-          </a:p>
-        </p:txBody>
-      </p:sp>
-      <p:pic>
-        <p:nvPicPr>
-          <p:cNvPr id="4" name="그림 3">
-            <a:extLst>
-              <a:ext uri="{FF2B5EF4-FFF2-40B4-BE49-F238E27FC236}">
-                <a16:creationId xmlns:a16="http://schemas.microsoft.com/office/drawing/2014/main" id="{5C014F27-6CAA-5B86-7EE5-1046C7E470EC}"/>
-              </a:ext>
-            </a:extLst>
-          </p:cNvPr>
-          <p:cNvPicPr>
-            <a:picLocks noChangeAspect="1"/>
-          </p:cNvPicPr>
-          <p:nvPr/>
-        </p:nvPicPr>
-        <p:blipFill>
-          <a:blip r:embed="rId2"/>
-          <a:stretch>
-            <a:fillRect/>
-          </a:stretch>
-        </p:blipFill>
-        <p:spPr>
-          <a:xfrm>
-            <a:off x="942387" y="2684283"/>
-            <a:ext cx="6943850" cy="2238976"/>
-          </a:xfrm>
-          <a:prstGeom prst="rect">
-            <a:avLst/>
-          </a:prstGeom>
-        </p:spPr>
-      </p:pic>
+              <a:t>자원 캐기</a:t>
+            </a:r>
+          </a:p>
+        </p:txBody>
+      </p:sp>
     </p:spTree>
     <p:extLst>
       <p:ext uri="{BB962C8B-B14F-4D97-AF65-F5344CB8AC3E}">
-        <p14:creationId xmlns:p14="http://schemas.microsoft.com/office/powerpoint/2010/main" val="230151946"/>
+        <p14:creationId xmlns:p14="http://schemas.microsoft.com/office/powerpoint/2010/main" val="1114338411"/>
       </p:ext>
     </p:extLst>
   </p:cSld>
@@ -6591,10 +5831,10 @@
       </p:cxnSp>
       <p:sp>
         <p:nvSpPr>
-          <p:cNvPr id="3" name="TextBox 2">
-            <a:extLst>
-              <a:ext uri="{FF2B5EF4-FFF2-40B4-BE49-F238E27FC236}">
-                <a16:creationId xmlns:a16="http://schemas.microsoft.com/office/drawing/2014/main" id="{CB3F23CA-1584-EA9A-C387-4EC16C7AD051}"/>
+          <p:cNvPr id="4" name="TextBox 3">
+            <a:extLst>
+              <a:ext uri="{FF2B5EF4-FFF2-40B4-BE49-F238E27FC236}">
+                <a16:creationId xmlns:a16="http://schemas.microsoft.com/office/drawing/2014/main" id="{59D13859-3C4A-53F0-C48F-C6B9095BD065}"/>
               </a:ext>
             </a:extLst>
           </p:cNvPr>
@@ -6603,8 +5843,8 @@
         </p:nvSpPr>
         <p:spPr>
           <a:xfrm>
-            <a:off x="331694" y="177505"/>
-            <a:ext cx="5313058" cy="523220"/>
+            <a:off x="331694" y="179902"/>
+            <a:ext cx="6948441" cy="523220"/>
           </a:xfrm>
           <a:prstGeom prst="rect">
             <a:avLst/>
@@ -6622,35 +5862,24 @@
                 <a:latin typeface="나눔스퀘어 Bold" panose="020B0600000101010101" pitchFamily="50" charset="-127"/>
                 <a:ea typeface="나눔스퀘어 Bold" panose="020B0600000101010101" pitchFamily="50" charset="-127"/>
               </a:rPr>
-              <a:t>Sorting – 11651 </a:t>
+              <a:t>Dynamic Programming – 14916 </a:t>
             </a:r>
             <a:r>
               <a:rPr lang="ko-KR" altLang="en-US" sz="2800" dirty="0">
                 <a:latin typeface="나눔스퀘어 Bold" panose="020B0600000101010101" pitchFamily="50" charset="-127"/>
                 <a:ea typeface="나눔스퀘어 Bold" panose="020B0600000101010101" pitchFamily="50" charset="-127"/>
               </a:rPr>
-              <a:t>좌표 정렬하기 </a:t>
-            </a:r>
-            <a:r>
-              <a:rPr lang="en-US" altLang="ko-KR" sz="2800" dirty="0">
-                <a:latin typeface="나눔스퀘어 Bold" panose="020B0600000101010101" pitchFamily="50" charset="-127"/>
-                <a:ea typeface="나눔스퀘어 Bold" panose="020B0600000101010101" pitchFamily="50" charset="-127"/>
-              </a:rPr>
-              <a:t>2</a:t>
-            </a:r>
-            <a:endParaRPr lang="ko-KR" altLang="en-US" sz="2800" dirty="0">
-              <a:latin typeface="나눔스퀘어 Bold" panose="020B0600000101010101" pitchFamily="50" charset="-127"/>
-              <a:ea typeface="나눔스퀘어 Bold" panose="020B0600000101010101" pitchFamily="50" charset="-127"/>
-            </a:endParaRPr>
+              <a:t>거스름돈</a:t>
+            </a:r>
           </a:p>
         </p:txBody>
       </p:sp>
       <p:pic>
         <p:nvPicPr>
-          <p:cNvPr id="6" name="그림 5">
-            <a:extLst>
-              <a:ext uri="{FF2B5EF4-FFF2-40B4-BE49-F238E27FC236}">
-                <a16:creationId xmlns:a16="http://schemas.microsoft.com/office/drawing/2014/main" id="{E0AF4F51-F6F1-9B1C-C012-D1F3DE872EB4}"/>
+          <p:cNvPr id="3" name="그림 2">
+            <a:extLst>
+              <a:ext uri="{FF2B5EF4-FFF2-40B4-BE49-F238E27FC236}">
+                <a16:creationId xmlns:a16="http://schemas.microsoft.com/office/drawing/2014/main" id="{AFD233B6-4CE0-4B26-7BD7-0C2D24025EA1}"/>
               </a:ext>
             </a:extLst>
           </p:cNvPr>
@@ -6667,8 +5896,8 @@
         </p:blipFill>
         <p:spPr>
           <a:xfrm>
-            <a:off x="331694" y="924282"/>
-            <a:ext cx="11048214" cy="5756213"/>
+            <a:off x="331694" y="963268"/>
+            <a:ext cx="9247400" cy="5894731"/>
           </a:xfrm>
           <a:prstGeom prst="rect">
             <a:avLst/>
@@ -6678,7 +5907,7 @@
     </p:spTree>
     <p:extLst>
       <p:ext uri="{BB962C8B-B14F-4D97-AF65-F5344CB8AC3E}">
-        <p14:creationId xmlns:p14="http://schemas.microsoft.com/office/powerpoint/2010/main" val="1662062427"/>
+        <p14:creationId xmlns:p14="http://schemas.microsoft.com/office/powerpoint/2010/main" val="458905345"/>
       </p:ext>
     </p:extLst>
   </p:cSld>
@@ -6751,10 +5980,10 @@
       </p:cxnSp>
       <p:sp>
         <p:nvSpPr>
-          <p:cNvPr id="7" name="TextBox 6">
-            <a:extLst>
-              <a:ext uri="{FF2B5EF4-FFF2-40B4-BE49-F238E27FC236}">
-                <a16:creationId xmlns:a16="http://schemas.microsoft.com/office/drawing/2014/main" id="{5B474655-BD78-E334-950C-B8C17B96E7D6}"/>
+          <p:cNvPr id="4" name="TextBox 3">
+            <a:extLst>
+              <a:ext uri="{FF2B5EF4-FFF2-40B4-BE49-F238E27FC236}">
+                <a16:creationId xmlns:a16="http://schemas.microsoft.com/office/drawing/2014/main" id="{59D13859-3C4A-53F0-C48F-C6B9095BD065}"/>
               </a:ext>
             </a:extLst>
           </p:cNvPr>
@@ -6763,46 +5992,8 @@
         </p:nvSpPr>
         <p:spPr>
           <a:xfrm>
-            <a:off x="942387" y="1190024"/>
-            <a:ext cx="10237694" cy="369332"/>
-          </a:xfrm>
-          <a:prstGeom prst="rect">
-            <a:avLst/>
-          </a:prstGeom>
-          <a:noFill/>
-        </p:spPr>
-        <p:txBody>
-          <a:bodyPr wrap="square" rtlCol="0">
-            <a:spAutoFit/>
-          </a:bodyPr>
-          <a:lstStyle/>
-          <a:p>
-            <a:r>
-              <a:rPr lang="ko-KR" altLang="en-US" dirty="0">
-                <a:latin typeface="나눔스퀘어 Light" panose="020B0600000101010101" pitchFamily="50" charset="-127"/>
-                <a:ea typeface="나눔스퀘어 Light" panose="020B0600000101010101" pitchFamily="50" charset="-127"/>
-              </a:rPr>
-              <a:t>정렬 기준을 구현해 정렬을 커스터마이징 하는 문제</a:t>
-            </a:r>
-          </a:p>
-        </p:txBody>
-      </p:sp>
-      <p:sp>
-        <p:nvSpPr>
-          <p:cNvPr id="2" name="TextBox 1">
-            <a:extLst>
-              <a:ext uri="{FF2B5EF4-FFF2-40B4-BE49-F238E27FC236}">
-                <a16:creationId xmlns:a16="http://schemas.microsoft.com/office/drawing/2014/main" id="{BCBFF5DA-AA20-569C-7838-639F00DB03EA}"/>
-              </a:ext>
-            </a:extLst>
-          </p:cNvPr>
-          <p:cNvSpPr txBox="1"/>
-          <p:nvPr/>
-        </p:nvSpPr>
-        <p:spPr>
-          <a:xfrm>
-            <a:off x="331694" y="177505"/>
-            <a:ext cx="5313058" cy="523220"/>
+            <a:off x="331694" y="179902"/>
+            <a:ext cx="6948441" cy="523220"/>
           </a:xfrm>
           <a:prstGeom prst="rect">
             <a:avLst/>
@@ -6820,140 +6011,22 @@
                 <a:latin typeface="나눔스퀘어 Bold" panose="020B0600000101010101" pitchFamily="50" charset="-127"/>
                 <a:ea typeface="나눔스퀘어 Bold" panose="020B0600000101010101" pitchFamily="50" charset="-127"/>
               </a:rPr>
-              <a:t>Sorting – 11651 </a:t>
+              <a:t>Dynamic Programming – 14916 </a:t>
             </a:r>
             <a:r>
               <a:rPr lang="ko-KR" altLang="en-US" sz="2800" dirty="0">
                 <a:latin typeface="나눔스퀘어 Bold" panose="020B0600000101010101" pitchFamily="50" charset="-127"/>
                 <a:ea typeface="나눔스퀘어 Bold" panose="020B0600000101010101" pitchFamily="50" charset="-127"/>
               </a:rPr>
-              <a:t>좌표 정렬하기 </a:t>
-            </a:r>
-            <a:r>
-              <a:rPr lang="en-US" altLang="ko-KR" sz="2800" dirty="0">
-                <a:latin typeface="나눔스퀘어 Bold" panose="020B0600000101010101" pitchFamily="50" charset="-127"/>
-                <a:ea typeface="나눔스퀘어 Bold" panose="020B0600000101010101" pitchFamily="50" charset="-127"/>
-              </a:rPr>
-              <a:t>2</a:t>
-            </a:r>
-            <a:endParaRPr lang="ko-KR" altLang="en-US" sz="2800" dirty="0">
-              <a:latin typeface="나눔스퀘어 Bold" panose="020B0600000101010101" pitchFamily="50" charset="-127"/>
-              <a:ea typeface="나눔스퀘어 Bold" panose="020B0600000101010101" pitchFamily="50" charset="-127"/>
-            </a:endParaRPr>
-          </a:p>
-        </p:txBody>
-      </p:sp>
-      <p:sp>
-        <p:nvSpPr>
-          <p:cNvPr id="3" name="TextBox 2">
-            <a:extLst>
-              <a:ext uri="{FF2B5EF4-FFF2-40B4-BE49-F238E27FC236}">
-                <a16:creationId xmlns:a16="http://schemas.microsoft.com/office/drawing/2014/main" id="{C30AD21D-C43D-9725-E85D-77F535B02DC9}"/>
-              </a:ext>
-            </a:extLst>
-          </p:cNvPr>
-          <p:cNvSpPr txBox="1"/>
-          <p:nvPr/>
-        </p:nvSpPr>
-        <p:spPr>
-          <a:xfrm>
-            <a:off x="942387" y="1845267"/>
-            <a:ext cx="10237694" cy="369332"/>
-          </a:xfrm>
-          <a:prstGeom prst="rect">
-            <a:avLst/>
-          </a:prstGeom>
-          <a:noFill/>
-        </p:spPr>
-        <p:txBody>
-          <a:bodyPr wrap="square" rtlCol="0">
-            <a:spAutoFit/>
-          </a:bodyPr>
-          <a:lstStyle/>
-          <a:p>
-            <a:r>
-              <a:rPr lang="en-US" altLang="ko-KR" dirty="0">
-                <a:latin typeface="나눔스퀘어 Bold" panose="020B0600000101010101" pitchFamily="50" charset="-127"/>
-                <a:ea typeface="나눔스퀘어 Bold" panose="020B0600000101010101" pitchFamily="50" charset="-127"/>
-              </a:rPr>
-              <a:t>C</a:t>
-            </a:r>
-            <a:r>
-              <a:rPr lang="ko-KR" altLang="en-US" dirty="0">
-                <a:latin typeface="나눔스퀘어 Bold" panose="020B0600000101010101" pitchFamily="50" charset="-127"/>
-                <a:ea typeface="나눔스퀘어 Bold" panose="020B0600000101010101" pitchFamily="50" charset="-127"/>
-              </a:rPr>
-              <a:t>언어</a:t>
-            </a:r>
-            <a:r>
-              <a:rPr lang="ko-KR" altLang="en-US" dirty="0">
-                <a:latin typeface="나눔스퀘어 Light" panose="020B0600000101010101" pitchFamily="50" charset="-127"/>
-                <a:ea typeface="나눔스퀘어 Light" panose="020B0600000101010101" pitchFamily="50" charset="-127"/>
-              </a:rPr>
-              <a:t> 기준으로</a:t>
-            </a:r>
-            <a:r>
-              <a:rPr lang="en-US" altLang="ko-KR" dirty="0">
-                <a:latin typeface="나눔스퀘어 Light" panose="020B0600000101010101" pitchFamily="50" charset="-127"/>
-                <a:ea typeface="나눔스퀘어 Light" panose="020B0600000101010101" pitchFamily="50" charset="-127"/>
-              </a:rPr>
-              <a:t>, struct</a:t>
-            </a:r>
-            <a:r>
-              <a:rPr lang="ko-KR" altLang="en-US" dirty="0">
-                <a:latin typeface="나눔스퀘어 Light" panose="020B0600000101010101" pitchFamily="50" charset="-127"/>
-                <a:ea typeface="나눔스퀘어 Light" panose="020B0600000101010101" pitchFamily="50" charset="-127"/>
-              </a:rPr>
-              <a:t> 선언으로 서로 연관된 변수들을 묶어 하나의 타입으로 사용할 수 있습니다</a:t>
-            </a:r>
-            <a:r>
-              <a:rPr lang="en-US" altLang="ko-KR" dirty="0">
-                <a:latin typeface="나눔스퀘어 Light" panose="020B0600000101010101" pitchFamily="50" charset="-127"/>
-                <a:ea typeface="나눔스퀘어 Light" panose="020B0600000101010101" pitchFamily="50" charset="-127"/>
-              </a:rPr>
-              <a:t>.</a:t>
-            </a:r>
-            <a:endParaRPr lang="ko-KR" altLang="en-US" dirty="0">
-              <a:latin typeface="나눔스퀘어 Light" panose="020B0600000101010101" pitchFamily="50" charset="-127"/>
-              <a:ea typeface="나눔스퀘어 Light" panose="020B0600000101010101" pitchFamily="50" charset="-127"/>
-            </a:endParaRPr>
-          </a:p>
-        </p:txBody>
-      </p:sp>
-      <p:pic>
-        <p:nvPicPr>
-          <p:cNvPr id="10" name="그림 9">
-            <a:extLst>
-              <a:ext uri="{FF2B5EF4-FFF2-40B4-BE49-F238E27FC236}">
-                <a16:creationId xmlns:a16="http://schemas.microsoft.com/office/drawing/2014/main" id="{40C8A113-FAFB-4F19-4122-4764606A3326}"/>
-              </a:ext>
-            </a:extLst>
-          </p:cNvPr>
-          <p:cNvPicPr>
-            <a:picLocks noChangeAspect="1"/>
-          </p:cNvPicPr>
-          <p:nvPr/>
-        </p:nvPicPr>
-        <p:blipFill>
-          <a:blip r:embed="rId2"/>
-          <a:stretch>
-            <a:fillRect/>
-          </a:stretch>
-        </p:blipFill>
-        <p:spPr>
-          <a:xfrm>
-            <a:off x="942387" y="2214599"/>
-            <a:ext cx="4440318" cy="4597697"/>
-          </a:xfrm>
-          <a:prstGeom prst="rect">
-            <a:avLst/>
-          </a:prstGeom>
-        </p:spPr>
-      </p:pic>
+              <a:t>거스름돈</a:t>
+            </a:r>
+          </a:p>
+        </p:txBody>
+      </p:sp>
     </p:spTree>
     <p:extLst>
       <p:ext uri="{BB962C8B-B14F-4D97-AF65-F5344CB8AC3E}">
-        <p14:creationId xmlns:p14="http://schemas.microsoft.com/office/powerpoint/2010/main" val="2620397563"/>
+        <p14:creationId xmlns:p14="http://schemas.microsoft.com/office/powerpoint/2010/main" val="3209148614"/>
       </p:ext>
     </p:extLst>
   </p:cSld>
@@ -8848,10 +7921,10 @@
       </p:cxnSp>
       <p:sp>
         <p:nvSpPr>
-          <p:cNvPr id="7" name="TextBox 6">
-            <a:extLst>
-              <a:ext uri="{FF2B5EF4-FFF2-40B4-BE49-F238E27FC236}">
-                <a16:creationId xmlns:a16="http://schemas.microsoft.com/office/drawing/2014/main" id="{5B474655-BD78-E334-950C-B8C17B96E7D6}"/>
+          <p:cNvPr id="4" name="TextBox 3">
+            <a:extLst>
+              <a:ext uri="{FF2B5EF4-FFF2-40B4-BE49-F238E27FC236}">
+                <a16:creationId xmlns:a16="http://schemas.microsoft.com/office/drawing/2014/main" id="{59D13859-3C4A-53F0-C48F-C6B9095BD065}"/>
               </a:ext>
             </a:extLst>
           </p:cNvPr>
@@ -8860,85 +7933,8 @@
         </p:nvSpPr>
         <p:spPr>
           <a:xfrm>
-            <a:off x="942387" y="1190024"/>
-            <a:ext cx="10237694" cy="369332"/>
-          </a:xfrm>
-          <a:prstGeom prst="rect">
-            <a:avLst/>
-          </a:prstGeom>
-          <a:noFill/>
-        </p:spPr>
-        <p:txBody>
-          <a:bodyPr wrap="square" rtlCol="0">
-            <a:spAutoFit/>
-          </a:bodyPr>
-          <a:lstStyle/>
-          <a:p>
-            <a:r>
-              <a:rPr lang="en-US" altLang="ko-KR" dirty="0" err="1">
-                <a:latin typeface="나눔스퀘어 Light" panose="020B0600000101010101" pitchFamily="50" charset="-127"/>
-                <a:ea typeface="나눔스퀘어 Light" panose="020B0600000101010101" pitchFamily="50" charset="-127"/>
-              </a:rPr>
-              <a:t>qsort</a:t>
-            </a:r>
-            <a:r>
-              <a:rPr lang="en-US" altLang="ko-KR" dirty="0">
-                <a:latin typeface="나눔스퀘어 Light" panose="020B0600000101010101" pitchFamily="50" charset="-127"/>
-                <a:ea typeface="나눔스퀘어 Light" panose="020B0600000101010101" pitchFamily="50" charset="-127"/>
-              </a:rPr>
-              <a:t>() </a:t>
-            </a:r>
-            <a:r>
-              <a:rPr lang="ko-KR" altLang="en-US" dirty="0">
-                <a:latin typeface="나눔스퀘어 Light" panose="020B0600000101010101" pitchFamily="50" charset="-127"/>
-                <a:ea typeface="나눔스퀘어 Light" panose="020B0600000101010101" pitchFamily="50" charset="-127"/>
-              </a:rPr>
-              <a:t>함수를 사용할 줄 알고</a:t>
-            </a:r>
-            <a:r>
-              <a:rPr lang="en-US" altLang="ko-KR" dirty="0">
-                <a:latin typeface="나눔스퀘어 Light" panose="020B0600000101010101" pitchFamily="50" charset="-127"/>
-                <a:ea typeface="나눔스퀘어 Light" panose="020B0600000101010101" pitchFamily="50" charset="-127"/>
-              </a:rPr>
-              <a:t>, </a:t>
-            </a:r>
-            <a:r>
-              <a:rPr lang="ko-KR" altLang="en-US" dirty="0">
-                <a:latin typeface="나눔스퀘어 Light" panose="020B0600000101010101" pitchFamily="50" charset="-127"/>
-                <a:ea typeface="나눔스퀘어 Light" panose="020B0600000101010101" pitchFamily="50" charset="-127"/>
-              </a:rPr>
-              <a:t>정렬 기준 함수만 구현되면 크게 어려운 것은 없습니다</a:t>
-            </a:r>
-            <a:r>
-              <a:rPr lang="en-US" altLang="ko-KR" dirty="0">
-                <a:latin typeface="나눔스퀘어 Light" panose="020B0600000101010101" pitchFamily="50" charset="-127"/>
-                <a:ea typeface="나눔스퀘어 Light" panose="020B0600000101010101" pitchFamily="50" charset="-127"/>
-              </a:rPr>
-              <a:t>.</a:t>
-            </a:r>
-            <a:endParaRPr lang="ko-KR" altLang="en-US" dirty="0">
-              <a:latin typeface="나눔스퀘어 Light" panose="020B0600000101010101" pitchFamily="50" charset="-127"/>
-              <a:ea typeface="나눔스퀘어 Light" panose="020B0600000101010101" pitchFamily="50" charset="-127"/>
-            </a:endParaRPr>
-          </a:p>
-        </p:txBody>
-      </p:sp>
-      <p:sp>
-        <p:nvSpPr>
-          <p:cNvPr id="2" name="TextBox 1">
-            <a:extLst>
-              <a:ext uri="{FF2B5EF4-FFF2-40B4-BE49-F238E27FC236}">
-                <a16:creationId xmlns:a16="http://schemas.microsoft.com/office/drawing/2014/main" id="{BCBFF5DA-AA20-569C-7838-639F00DB03EA}"/>
-              </a:ext>
-            </a:extLst>
-          </p:cNvPr>
-          <p:cNvSpPr txBox="1"/>
-          <p:nvPr/>
-        </p:nvSpPr>
-        <p:spPr>
-          <a:xfrm>
-            <a:off x="331694" y="177505"/>
-            <a:ext cx="5313058" cy="523220"/>
+            <a:off x="331694" y="179902"/>
+            <a:ext cx="9506833" cy="523220"/>
           </a:xfrm>
           <a:prstGeom prst="rect">
             <a:avLst/>
@@ -8956,35 +7952,24 @@
                 <a:latin typeface="나눔스퀘어 Bold" panose="020B0600000101010101" pitchFamily="50" charset="-127"/>
                 <a:ea typeface="나눔스퀘어 Bold" panose="020B0600000101010101" pitchFamily="50" charset="-127"/>
               </a:rPr>
-              <a:t>Sorting – 11651 </a:t>
+              <a:t>Dynamic Programming – 11053 </a:t>
             </a:r>
             <a:r>
               <a:rPr lang="ko-KR" altLang="en-US" sz="2800" dirty="0">
                 <a:latin typeface="나눔스퀘어 Bold" panose="020B0600000101010101" pitchFamily="50" charset="-127"/>
                 <a:ea typeface="나눔스퀘어 Bold" panose="020B0600000101010101" pitchFamily="50" charset="-127"/>
               </a:rPr>
-              <a:t>좌표 정렬하기 </a:t>
-            </a:r>
-            <a:r>
-              <a:rPr lang="en-US" altLang="ko-KR" sz="2800" dirty="0">
-                <a:latin typeface="나눔스퀘어 Bold" panose="020B0600000101010101" pitchFamily="50" charset="-127"/>
-                <a:ea typeface="나눔스퀘어 Bold" panose="020B0600000101010101" pitchFamily="50" charset="-127"/>
-              </a:rPr>
-              <a:t>2</a:t>
-            </a:r>
-            <a:endParaRPr lang="ko-KR" altLang="en-US" sz="2800" dirty="0">
-              <a:latin typeface="나눔스퀘어 Bold" panose="020B0600000101010101" pitchFamily="50" charset="-127"/>
-              <a:ea typeface="나눔스퀘어 Bold" panose="020B0600000101010101" pitchFamily="50" charset="-127"/>
-            </a:endParaRPr>
+              <a:t>가장 긴 증가하는 부분 수열</a:t>
+            </a:r>
           </a:p>
         </p:txBody>
       </p:sp>
       <p:pic>
         <p:nvPicPr>
-          <p:cNvPr id="6" name="그림 5">
-            <a:extLst>
-              <a:ext uri="{FF2B5EF4-FFF2-40B4-BE49-F238E27FC236}">
-                <a16:creationId xmlns:a16="http://schemas.microsoft.com/office/drawing/2014/main" id="{58A00C2C-5591-0F77-734E-E77A90D2D6EF}"/>
+          <p:cNvPr id="3" name="그림 2">
+            <a:extLst>
+              <a:ext uri="{FF2B5EF4-FFF2-40B4-BE49-F238E27FC236}">
+                <a16:creationId xmlns:a16="http://schemas.microsoft.com/office/drawing/2014/main" id="{169B8E43-5AC5-E906-1298-4019C3E4AB35}"/>
               </a:ext>
             </a:extLst>
           </p:cNvPr>
@@ -9001,8 +7986,8 @@
         </p:blipFill>
         <p:spPr>
           <a:xfrm>
-            <a:off x="942387" y="1861874"/>
-            <a:ext cx="9551376" cy="2832674"/>
+            <a:off x="331694" y="971543"/>
+            <a:ext cx="9325226" cy="5715461"/>
           </a:xfrm>
           <a:prstGeom prst="rect">
             <a:avLst/>
@@ -9012,7 +7997,7 @@
     </p:spTree>
     <p:extLst>
       <p:ext uri="{BB962C8B-B14F-4D97-AF65-F5344CB8AC3E}">
-        <p14:creationId xmlns:p14="http://schemas.microsoft.com/office/powerpoint/2010/main" val="1772749009"/>
+        <p14:creationId xmlns:p14="http://schemas.microsoft.com/office/powerpoint/2010/main" val="3855707884"/>
       </p:ext>
     </p:extLst>
   </p:cSld>
@@ -9085,10 +8070,10 @@
       </p:cxnSp>
       <p:sp>
         <p:nvSpPr>
-          <p:cNvPr id="2" name="TextBox 1">
-            <a:extLst>
-              <a:ext uri="{FF2B5EF4-FFF2-40B4-BE49-F238E27FC236}">
-                <a16:creationId xmlns:a16="http://schemas.microsoft.com/office/drawing/2014/main" id="{BCBFF5DA-AA20-569C-7838-639F00DB03EA}"/>
+          <p:cNvPr id="4" name="TextBox 3">
+            <a:extLst>
+              <a:ext uri="{FF2B5EF4-FFF2-40B4-BE49-F238E27FC236}">
+                <a16:creationId xmlns:a16="http://schemas.microsoft.com/office/drawing/2014/main" id="{59D13859-3C4A-53F0-C48F-C6B9095BD065}"/>
               </a:ext>
             </a:extLst>
           </p:cNvPr>
@@ -9097,8 +8082,8 @@
         </p:nvSpPr>
         <p:spPr>
           <a:xfrm>
-            <a:off x="331694" y="177505"/>
-            <a:ext cx="5313058" cy="523220"/>
+            <a:off x="331694" y="179902"/>
+            <a:ext cx="9506833" cy="523220"/>
           </a:xfrm>
           <a:prstGeom prst="rect">
             <a:avLst/>
@@ -9116,227 +8101,22 @@
                 <a:latin typeface="나눔스퀘어 Bold" panose="020B0600000101010101" pitchFamily="50" charset="-127"/>
                 <a:ea typeface="나눔스퀘어 Bold" panose="020B0600000101010101" pitchFamily="50" charset="-127"/>
               </a:rPr>
-              <a:t>Sorting – 11651 </a:t>
+              <a:t>Dynamic Programming – 11053 </a:t>
             </a:r>
             <a:r>
               <a:rPr lang="ko-KR" altLang="en-US" sz="2800" dirty="0">
                 <a:latin typeface="나눔스퀘어 Bold" panose="020B0600000101010101" pitchFamily="50" charset="-127"/>
                 <a:ea typeface="나눔스퀘어 Bold" panose="020B0600000101010101" pitchFamily="50" charset="-127"/>
               </a:rPr>
-              <a:t>좌표 정렬하기 </a:t>
-            </a:r>
-            <a:r>
-              <a:rPr lang="en-US" altLang="ko-KR" sz="2800" dirty="0">
-                <a:latin typeface="나눔스퀘어 Bold" panose="020B0600000101010101" pitchFamily="50" charset="-127"/>
-                <a:ea typeface="나눔스퀘어 Bold" panose="020B0600000101010101" pitchFamily="50" charset="-127"/>
-              </a:rPr>
-              <a:t>2</a:t>
-            </a:r>
-            <a:endParaRPr lang="ko-KR" altLang="en-US" sz="2800" dirty="0">
-              <a:latin typeface="나눔스퀘어 Bold" panose="020B0600000101010101" pitchFamily="50" charset="-127"/>
-              <a:ea typeface="나눔스퀘어 Bold" panose="020B0600000101010101" pitchFamily="50" charset="-127"/>
-            </a:endParaRPr>
-          </a:p>
-        </p:txBody>
-      </p:sp>
-      <p:sp>
-        <p:nvSpPr>
-          <p:cNvPr id="3" name="TextBox 2">
-            <a:extLst>
-              <a:ext uri="{FF2B5EF4-FFF2-40B4-BE49-F238E27FC236}">
-                <a16:creationId xmlns:a16="http://schemas.microsoft.com/office/drawing/2014/main" id="{C30AD21D-C43D-9725-E85D-77F535B02DC9}"/>
-              </a:ext>
-            </a:extLst>
-          </p:cNvPr>
-          <p:cNvSpPr txBox="1"/>
-          <p:nvPr/>
-        </p:nvSpPr>
-        <p:spPr>
-          <a:xfrm>
-            <a:off x="942387" y="1167792"/>
-            <a:ext cx="10237694" cy="369332"/>
-          </a:xfrm>
-          <a:prstGeom prst="rect">
-            <a:avLst/>
-          </a:prstGeom>
-          <a:noFill/>
-        </p:spPr>
-        <p:txBody>
-          <a:bodyPr wrap="square" rtlCol="0">
-            <a:spAutoFit/>
-          </a:bodyPr>
-          <a:lstStyle/>
-          <a:p>
-            <a:r>
-              <a:rPr lang="en-US" altLang="ko-KR" dirty="0">
-                <a:latin typeface="나눔스퀘어 Bold" panose="020B0600000101010101" pitchFamily="50" charset="-127"/>
-                <a:ea typeface="나눔스퀘어 Bold" panose="020B0600000101010101" pitchFamily="50" charset="-127"/>
-              </a:rPr>
-              <a:t>C++</a:t>
-            </a:r>
-            <a:r>
-              <a:rPr lang="ko-KR" altLang="en-US" dirty="0">
-                <a:latin typeface="나눔스퀘어 Light" panose="020B0600000101010101" pitchFamily="50" charset="-127"/>
-                <a:ea typeface="나눔스퀘어 Light" panose="020B0600000101010101" pitchFamily="50" charset="-127"/>
-              </a:rPr>
-              <a:t>은</a:t>
-            </a:r>
-            <a:r>
-              <a:rPr lang="en-US" altLang="ko-KR" dirty="0">
-                <a:latin typeface="나눔스퀘어 Light" panose="020B0600000101010101" pitchFamily="50" charset="-127"/>
-                <a:ea typeface="나눔스퀘어 Light" panose="020B0600000101010101" pitchFamily="50" charset="-127"/>
-              </a:rPr>
-              <a:t> C</a:t>
-            </a:r>
-            <a:r>
-              <a:rPr lang="ko-KR" altLang="en-US" dirty="0">
-                <a:latin typeface="나눔스퀘어 Light" panose="020B0600000101010101" pitchFamily="50" charset="-127"/>
-                <a:ea typeface="나눔스퀘어 Light" panose="020B0600000101010101" pitchFamily="50" charset="-127"/>
-              </a:rPr>
-              <a:t>와 마찬가지 입니다</a:t>
-            </a:r>
-            <a:r>
-              <a:rPr lang="en-US" altLang="ko-KR" dirty="0">
-                <a:latin typeface="나눔스퀘어 Light" panose="020B0600000101010101" pitchFamily="50" charset="-127"/>
-                <a:ea typeface="나눔스퀘어 Light" panose="020B0600000101010101" pitchFamily="50" charset="-127"/>
-              </a:rPr>
-              <a:t>. &lt;utility&gt; </a:t>
-            </a:r>
-            <a:r>
-              <a:rPr lang="ko-KR" altLang="en-US" dirty="0">
-                <a:latin typeface="나눔스퀘어 Light" panose="020B0600000101010101" pitchFamily="50" charset="-127"/>
-                <a:ea typeface="나눔스퀘어 Light" panose="020B0600000101010101" pitchFamily="50" charset="-127"/>
-              </a:rPr>
-              <a:t>헤더파일에 </a:t>
-            </a:r>
-            <a:r>
-              <a:rPr lang="en-US" altLang="ko-KR" dirty="0">
-                <a:latin typeface="나눔스퀘어 Light" panose="020B0600000101010101" pitchFamily="50" charset="-127"/>
-                <a:ea typeface="나눔스퀘어 Light" panose="020B0600000101010101" pitchFamily="50" charset="-127"/>
-              </a:rPr>
-              <a:t>pair</a:t>
-            </a:r>
-            <a:r>
-              <a:rPr lang="ko-KR" altLang="en-US" dirty="0">
-                <a:latin typeface="나눔스퀘어 Light" panose="020B0600000101010101" pitchFamily="50" charset="-127"/>
-                <a:ea typeface="나눔스퀘어 Light" panose="020B0600000101010101" pitchFamily="50" charset="-127"/>
-              </a:rPr>
-              <a:t>가 존재하는데</a:t>
-            </a:r>
-            <a:r>
-              <a:rPr lang="en-US" altLang="ko-KR" dirty="0">
-                <a:latin typeface="나눔스퀘어 Light" panose="020B0600000101010101" pitchFamily="50" charset="-127"/>
-                <a:ea typeface="나눔스퀘어 Light" panose="020B0600000101010101" pitchFamily="50" charset="-127"/>
-              </a:rPr>
-              <a:t>, </a:t>
-            </a:r>
-            <a:r>
-              <a:rPr lang="ko-KR" altLang="en-US" dirty="0">
-                <a:latin typeface="나눔스퀘어 Light" panose="020B0600000101010101" pitchFamily="50" charset="-127"/>
-                <a:ea typeface="나눔스퀘어 Light" panose="020B0600000101010101" pitchFamily="50" charset="-127"/>
-              </a:rPr>
-              <a:t>이는 방금 </a:t>
-            </a:r>
-            <a:r>
-              <a:rPr lang="en-US" altLang="ko-KR" dirty="0">
-                <a:latin typeface="나눔스퀘어 Light" panose="020B0600000101010101" pitchFamily="50" charset="-127"/>
-                <a:ea typeface="나눔스퀘어 Light" panose="020B0600000101010101" pitchFamily="50" charset="-127"/>
-              </a:rPr>
-              <a:t>C</a:t>
-            </a:r>
-            <a:r>
-              <a:rPr lang="ko-KR" altLang="en-US" dirty="0">
-                <a:latin typeface="나눔스퀘어 Light" panose="020B0600000101010101" pitchFamily="50" charset="-127"/>
-                <a:ea typeface="나눔스퀘어 Light" panose="020B0600000101010101" pitchFamily="50" charset="-127"/>
-              </a:rPr>
-              <a:t>에서 구현한</a:t>
-            </a:r>
-          </a:p>
-        </p:txBody>
-      </p:sp>
-      <p:sp>
-        <p:nvSpPr>
-          <p:cNvPr id="4" name="TextBox 3">
-            <a:extLst>
-              <a:ext uri="{FF2B5EF4-FFF2-40B4-BE49-F238E27FC236}">
-                <a16:creationId xmlns:a16="http://schemas.microsoft.com/office/drawing/2014/main" id="{08CF584C-3D0B-3175-3D9A-AEEE8806388E}"/>
-              </a:ext>
-            </a:extLst>
-          </p:cNvPr>
-          <p:cNvSpPr txBox="1"/>
-          <p:nvPr/>
-        </p:nvSpPr>
-        <p:spPr>
-          <a:xfrm>
-            <a:off x="942387" y="1537124"/>
-            <a:ext cx="10237694" cy="369332"/>
-          </a:xfrm>
-          <a:prstGeom prst="rect">
-            <a:avLst/>
-          </a:prstGeom>
-          <a:noFill/>
-        </p:spPr>
-        <p:txBody>
-          <a:bodyPr wrap="square" rtlCol="0">
-            <a:spAutoFit/>
-          </a:bodyPr>
-          <a:lstStyle/>
-          <a:p>
-            <a:r>
-              <a:rPr lang="ko-KR" altLang="en-US" dirty="0">
-                <a:latin typeface="나눔스퀘어 Light" panose="020B0600000101010101" pitchFamily="50" charset="-127"/>
-                <a:ea typeface="나눔스퀘어 Light" panose="020B0600000101010101" pitchFamily="50" charset="-127"/>
-              </a:rPr>
-              <a:t>두 개의 변수를 가지는 구조체와 유사합니다</a:t>
-            </a:r>
-            <a:r>
-              <a:rPr lang="en-US" altLang="ko-KR" dirty="0">
-                <a:latin typeface="나눔스퀘어 Light" panose="020B0600000101010101" pitchFamily="50" charset="-127"/>
-                <a:ea typeface="나눔스퀘어 Light" panose="020B0600000101010101" pitchFamily="50" charset="-127"/>
-              </a:rPr>
-              <a:t>.</a:t>
-            </a:r>
-            <a:endParaRPr lang="ko-KR" altLang="en-US" dirty="0">
-              <a:latin typeface="나눔스퀘어 Light" panose="020B0600000101010101" pitchFamily="50" charset="-127"/>
-              <a:ea typeface="나눔스퀘어 Light" panose="020B0600000101010101" pitchFamily="50" charset="-127"/>
-            </a:endParaRPr>
-          </a:p>
-        </p:txBody>
-      </p:sp>
-      <p:pic>
-        <p:nvPicPr>
-          <p:cNvPr id="8" name="그림 7">
-            <a:extLst>
-              <a:ext uri="{FF2B5EF4-FFF2-40B4-BE49-F238E27FC236}">
-                <a16:creationId xmlns:a16="http://schemas.microsoft.com/office/drawing/2014/main" id="{574BD0A9-4737-1892-0474-B60315782A90}"/>
-              </a:ext>
-            </a:extLst>
-          </p:cNvPr>
-          <p:cNvPicPr>
-            <a:picLocks noChangeAspect="1"/>
-          </p:cNvPicPr>
-          <p:nvPr/>
-        </p:nvPicPr>
-        <p:blipFill>
-          <a:blip r:embed="rId2"/>
-          <a:stretch>
-            <a:fillRect/>
-          </a:stretch>
-        </p:blipFill>
-        <p:spPr>
-          <a:xfrm>
-            <a:off x="942387" y="2100977"/>
-            <a:ext cx="7344108" cy="4243262"/>
-          </a:xfrm>
-          <a:prstGeom prst="rect">
-            <a:avLst/>
-          </a:prstGeom>
-        </p:spPr>
-      </p:pic>
+              <a:t>가장 긴 증가하는 부분 수열</a:t>
+            </a:r>
+          </a:p>
+        </p:txBody>
+      </p:sp>
     </p:spTree>
     <p:extLst>
       <p:ext uri="{BB962C8B-B14F-4D97-AF65-F5344CB8AC3E}">
-        <p14:creationId xmlns:p14="http://schemas.microsoft.com/office/powerpoint/2010/main" val="2841914457"/>
+        <p14:creationId xmlns:p14="http://schemas.microsoft.com/office/powerpoint/2010/main" val="2543614075"/>
       </p:ext>
     </p:extLst>
   </p:cSld>
@@ -9409,10 +8189,10 @@
       </p:cxnSp>
       <p:sp>
         <p:nvSpPr>
-          <p:cNvPr id="2" name="TextBox 1">
-            <a:extLst>
-              <a:ext uri="{FF2B5EF4-FFF2-40B4-BE49-F238E27FC236}">
-                <a16:creationId xmlns:a16="http://schemas.microsoft.com/office/drawing/2014/main" id="{BCBFF5DA-AA20-569C-7838-639F00DB03EA}"/>
+          <p:cNvPr id="6" name="TextBox 5">
+            <a:extLst>
+              <a:ext uri="{FF2B5EF4-FFF2-40B4-BE49-F238E27FC236}">
+                <a16:creationId xmlns:a16="http://schemas.microsoft.com/office/drawing/2014/main" id="{908ED9B9-09D3-CFA8-625A-6F9BB9B6BD23}"/>
               </a:ext>
             </a:extLst>
           </p:cNvPr>
@@ -9422,7 +8202,7 @@
         <p:spPr>
           <a:xfrm>
             <a:off x="331694" y="177505"/>
-            <a:ext cx="5313058" cy="523220"/>
+            <a:ext cx="2006190" cy="523220"/>
           </a:xfrm>
           <a:prstGeom prst="rect">
             <a:avLst/>
@@ -9440,21 +8220,7 @@
                 <a:latin typeface="나눔스퀘어 Bold" panose="020B0600000101010101" pitchFamily="50" charset="-127"/>
                 <a:ea typeface="나눔스퀘어 Bold" panose="020B0600000101010101" pitchFamily="50" charset="-127"/>
               </a:rPr>
-              <a:t>Sorting – 11651 </a:t>
-            </a:r>
-            <a:r>
-              <a:rPr lang="ko-KR" altLang="en-US" sz="2800" dirty="0">
-                <a:latin typeface="나눔스퀘어 Bold" panose="020B0600000101010101" pitchFamily="50" charset="-127"/>
-                <a:ea typeface="나눔스퀘어 Bold" panose="020B0600000101010101" pitchFamily="50" charset="-127"/>
-              </a:rPr>
-              <a:t>좌표 정렬하기 </a:t>
-            </a:r>
-            <a:r>
-              <a:rPr lang="en-US" altLang="ko-KR" sz="2800" dirty="0">
-                <a:latin typeface="나눔스퀘어 Bold" panose="020B0600000101010101" pitchFamily="50" charset="-127"/>
-                <a:ea typeface="나눔스퀘어 Bold" panose="020B0600000101010101" pitchFamily="50" charset="-127"/>
-              </a:rPr>
-              <a:t>2</a:t>
+              <a:t>Homework</a:t>
             </a:r>
             <a:endParaRPr lang="ko-KR" altLang="en-US" sz="2800" dirty="0">
               <a:latin typeface="나눔스퀘어 Bold" panose="020B0600000101010101" pitchFamily="50" charset="-127"/>
@@ -9465,10 +8231,10 @@
       </p:sp>
       <p:sp>
         <p:nvSpPr>
-          <p:cNvPr id="3" name="TextBox 2">
-            <a:extLst>
-              <a:ext uri="{FF2B5EF4-FFF2-40B4-BE49-F238E27FC236}">
-                <a16:creationId xmlns:a16="http://schemas.microsoft.com/office/drawing/2014/main" id="{C30AD21D-C43D-9725-E85D-77F535B02DC9}"/>
+          <p:cNvPr id="7" name="TextBox 6">
+            <a:extLst>
+              <a:ext uri="{FF2B5EF4-FFF2-40B4-BE49-F238E27FC236}">
+                <a16:creationId xmlns:a16="http://schemas.microsoft.com/office/drawing/2014/main" id="{DD092523-43DA-0A5F-0C04-8239F4BF07FC}"/>
               </a:ext>
             </a:extLst>
           </p:cNvPr>
@@ -9477,8 +8243,8 @@
         </p:nvSpPr>
         <p:spPr>
           <a:xfrm>
-            <a:off x="942387" y="1167792"/>
-            <a:ext cx="10237694" cy="369332"/>
+            <a:off x="942387" y="1661364"/>
+            <a:ext cx="8553305" cy="369332"/>
           </a:xfrm>
           <a:prstGeom prst="rect">
             <a:avLst/>
@@ -9493,38 +8259,393 @@
           <a:p>
             <a:r>
               <a:rPr lang="en-US" altLang="ko-KR" dirty="0">
+                <a:latin typeface="나눔스퀘어 Light" panose="020B0600000101010101" pitchFamily="50" charset="-127"/>
+                <a:ea typeface="나눔스퀘어 Light" panose="020B0600000101010101" pitchFamily="50" charset="-127"/>
+              </a:rPr>
+              <a:t>1. 16395 </a:t>
+            </a:r>
+            <a:r>
+              <a:rPr lang="ko-KR" altLang="en-US" dirty="0">
+                <a:latin typeface="나눔스퀘어 Light" panose="020B0600000101010101" pitchFamily="50" charset="-127"/>
+                <a:ea typeface="나눔스퀘어 Light" panose="020B0600000101010101" pitchFamily="50" charset="-127"/>
+              </a:rPr>
+              <a:t>파스칼의 삼각형</a:t>
+            </a:r>
+          </a:p>
+        </p:txBody>
+      </p:sp>
+      <p:sp>
+        <p:nvSpPr>
+          <p:cNvPr id="8" name="TextBox 7">
+            <a:extLst>
+              <a:ext uri="{FF2B5EF4-FFF2-40B4-BE49-F238E27FC236}">
+                <a16:creationId xmlns:a16="http://schemas.microsoft.com/office/drawing/2014/main" id="{80045CCB-6E92-45F3-05E2-D9718BBAEE86}"/>
+              </a:ext>
+            </a:extLst>
+          </p:cNvPr>
+          <p:cNvSpPr txBox="1"/>
+          <p:nvPr/>
+        </p:nvSpPr>
+        <p:spPr>
+          <a:xfrm>
+            <a:off x="942387" y="2030696"/>
+            <a:ext cx="8553305" cy="369332"/>
+          </a:xfrm>
+          <a:prstGeom prst="rect">
+            <a:avLst/>
+          </a:prstGeom>
+          <a:noFill/>
+        </p:spPr>
+        <p:txBody>
+          <a:bodyPr wrap="square" rtlCol="0">
+            <a:spAutoFit/>
+          </a:bodyPr>
+          <a:lstStyle/>
+          <a:p>
+            <a:r>
+              <a:rPr lang="en-US" altLang="ko-KR" dirty="0">
+                <a:latin typeface="나눔스퀘어 Light" panose="020B0600000101010101" pitchFamily="50" charset="-127"/>
+                <a:ea typeface="나눔스퀘어 Light" panose="020B0600000101010101" pitchFamily="50" charset="-127"/>
+              </a:rPr>
+              <a:t>2. 2491 </a:t>
+            </a:r>
+            <a:r>
+              <a:rPr lang="ko-KR" altLang="en-US" dirty="0">
+                <a:latin typeface="나눔스퀘어 Light" panose="020B0600000101010101" pitchFamily="50" charset="-127"/>
+                <a:ea typeface="나눔스퀘어 Light" panose="020B0600000101010101" pitchFamily="50" charset="-127"/>
+              </a:rPr>
+              <a:t>수열</a:t>
+            </a:r>
+          </a:p>
+        </p:txBody>
+      </p:sp>
+      <p:sp>
+        <p:nvSpPr>
+          <p:cNvPr id="9" name="TextBox 8">
+            <a:extLst>
+              <a:ext uri="{FF2B5EF4-FFF2-40B4-BE49-F238E27FC236}">
+                <a16:creationId xmlns:a16="http://schemas.microsoft.com/office/drawing/2014/main" id="{F3F091EF-3E70-16E8-983D-D9C14C2EAD61}"/>
+              </a:ext>
+            </a:extLst>
+          </p:cNvPr>
+          <p:cNvSpPr txBox="1"/>
+          <p:nvPr/>
+        </p:nvSpPr>
+        <p:spPr>
+          <a:xfrm>
+            <a:off x="942387" y="1190024"/>
+            <a:ext cx="8553305" cy="369332"/>
+          </a:xfrm>
+          <a:prstGeom prst="rect">
+            <a:avLst/>
+          </a:prstGeom>
+          <a:noFill/>
+        </p:spPr>
+        <p:txBody>
+          <a:bodyPr wrap="square" rtlCol="0">
+            <a:spAutoFit/>
+          </a:bodyPr>
+          <a:lstStyle/>
+          <a:p>
+            <a:r>
+              <a:rPr lang="ko-KR" altLang="en-US" dirty="0">
                 <a:latin typeface="나눔스퀘어 Bold" panose="020B0600000101010101" pitchFamily="50" charset="-127"/>
                 <a:ea typeface="나눔스퀘어 Bold" panose="020B0600000101010101" pitchFamily="50" charset="-127"/>
               </a:rPr>
-              <a:t>Python</a:t>
+              <a:t>아래 문제들에 대해 스스로 생각하고 풀어보세요</a:t>
+            </a:r>
+            <a:r>
+              <a:rPr lang="en-US" altLang="ko-KR" dirty="0">
+                <a:latin typeface="나눔스퀘어 Bold" panose="020B0600000101010101" pitchFamily="50" charset="-127"/>
+                <a:ea typeface="나눔스퀘어 Bold" panose="020B0600000101010101" pitchFamily="50" charset="-127"/>
+              </a:rPr>
+              <a:t>.</a:t>
             </a:r>
             <a:r>
               <a:rPr lang="ko-KR" altLang="en-US" dirty="0">
-                <a:latin typeface="나눔스퀘어 Light" panose="020B0600000101010101" pitchFamily="50" charset="-127"/>
-                <a:ea typeface="나눔스퀘어 Light" panose="020B0600000101010101" pitchFamily="50" charset="-127"/>
-              </a:rPr>
-              <a:t>도 큰 틀은 비슷합니다</a:t>
+                <a:latin typeface="나눔스퀘어 Bold" panose="020B0600000101010101" pitchFamily="50" charset="-127"/>
+                <a:ea typeface="나눔스퀘어 Bold" panose="020B0600000101010101" pitchFamily="50" charset="-127"/>
+              </a:rPr>
+              <a:t> </a:t>
             </a:r>
             <a:r>
               <a:rPr lang="en-US" altLang="ko-KR" dirty="0">
-                <a:latin typeface="나눔스퀘어 Light" panose="020B0600000101010101" pitchFamily="50" charset="-127"/>
-                <a:ea typeface="나눔스퀘어 Light" panose="020B0600000101010101" pitchFamily="50" charset="-127"/>
-              </a:rPr>
-              <a:t>. </a:t>
+                <a:latin typeface="나눔스퀘어 Bold" panose="020B0600000101010101" pitchFamily="50" charset="-127"/>
+                <a:ea typeface="나눔스퀘어 Bold" panose="020B0600000101010101" pitchFamily="50" charset="-127"/>
+              </a:rPr>
+              <a:t>(</a:t>
             </a:r>
             <a:r>
               <a:rPr lang="ko-KR" altLang="en-US" dirty="0">
-                <a:latin typeface="나눔스퀘어 Light" panose="020B0600000101010101" pitchFamily="50" charset="-127"/>
-                <a:ea typeface="나눔스퀘어 Light" panose="020B0600000101010101" pitchFamily="50" charset="-127"/>
-              </a:rPr>
-              <a:t>리스트 안에 리스트로 좌표 형식을 받고</a:t>
+                <a:latin typeface="나눔스퀘어 Bold" panose="020B0600000101010101" pitchFamily="50" charset="-127"/>
+                <a:ea typeface="나눔스퀘어 Bold" panose="020B0600000101010101" pitchFamily="50" charset="-127"/>
+              </a:rPr>
+              <a:t>해설은 따로 진행하진 않겠습니다</a:t>
             </a:r>
             <a:r>
               <a:rPr lang="en-US" altLang="ko-KR" dirty="0">
-                <a:latin typeface="나눔스퀘어 Light" panose="020B0600000101010101" pitchFamily="50" charset="-127"/>
-                <a:ea typeface="나눔스퀘어 Light" panose="020B0600000101010101" pitchFamily="50" charset="-127"/>
-              </a:rPr>
-              <a:t>,</a:t>
+                <a:latin typeface="나눔스퀘어 Bold" panose="020B0600000101010101" pitchFamily="50" charset="-127"/>
+                <a:ea typeface="나눔스퀘어 Bold" panose="020B0600000101010101" pitchFamily="50" charset="-127"/>
+              </a:rPr>
+              <a:t>.)</a:t>
+            </a:r>
+            <a:endParaRPr lang="ko-KR" altLang="en-US" dirty="0">
+              <a:latin typeface="나눔스퀘어 Bold" panose="020B0600000101010101" pitchFamily="50" charset="-127"/>
+              <a:ea typeface="나눔스퀘어 Bold" panose="020B0600000101010101" pitchFamily="50" charset="-127"/>
+            </a:endParaRPr>
+          </a:p>
+        </p:txBody>
+      </p:sp>
+      <p:sp>
+        <p:nvSpPr>
+          <p:cNvPr id="11" name="TextBox 10">
+            <a:extLst>
+              <a:ext uri="{FF2B5EF4-FFF2-40B4-BE49-F238E27FC236}">
+                <a16:creationId xmlns:a16="http://schemas.microsoft.com/office/drawing/2014/main" id="{CDF0922C-4F6F-DB5B-EC8F-F56AF894275F}"/>
+              </a:ext>
+            </a:extLst>
+          </p:cNvPr>
+          <p:cNvSpPr txBox="1"/>
+          <p:nvPr/>
+        </p:nvSpPr>
+        <p:spPr>
+          <a:xfrm>
+            <a:off x="942387" y="5196636"/>
+            <a:ext cx="8553305" cy="369332"/>
+          </a:xfrm>
+          <a:prstGeom prst="rect">
+            <a:avLst/>
+          </a:prstGeom>
+          <a:noFill/>
+        </p:spPr>
+        <p:txBody>
+          <a:bodyPr wrap="square" rtlCol="0">
+            <a:spAutoFit/>
+          </a:bodyPr>
+          <a:lstStyle/>
+          <a:p>
+            <a:r>
+              <a:rPr lang="ko-KR" altLang="en-US" dirty="0">
+                <a:latin typeface="나눔스퀘어 Bold" panose="020B0600000101010101" pitchFamily="50" charset="-127"/>
+                <a:ea typeface="나눔스퀘어 Bold" panose="020B0600000101010101" pitchFamily="50" charset="-127"/>
+              </a:rPr>
+              <a:t>프로그래밍 언어로 피보나치 수를 구하려면 어떻게 해야 할까요</a:t>
+            </a:r>
+            <a:r>
+              <a:rPr lang="en-US" altLang="ko-KR" dirty="0">
+                <a:latin typeface="나눔스퀘어 Bold" panose="020B0600000101010101" pitchFamily="50" charset="-127"/>
+                <a:ea typeface="나눔스퀘어 Bold" panose="020B0600000101010101" pitchFamily="50" charset="-127"/>
+              </a:rPr>
+              <a:t>?</a:t>
+            </a:r>
+            <a:endParaRPr lang="ko-KR" altLang="en-US" dirty="0">
+              <a:latin typeface="나눔스퀘어 Bold" panose="020B0600000101010101" pitchFamily="50" charset="-127"/>
+              <a:ea typeface="나눔스퀘어 Bold" panose="020B0600000101010101" pitchFamily="50" charset="-127"/>
+            </a:endParaRPr>
+          </a:p>
+        </p:txBody>
+      </p:sp>
+      <p:sp>
+        <p:nvSpPr>
+          <p:cNvPr id="12" name="TextBox 11">
+            <a:extLst>
+              <a:ext uri="{FF2B5EF4-FFF2-40B4-BE49-F238E27FC236}">
+                <a16:creationId xmlns:a16="http://schemas.microsoft.com/office/drawing/2014/main" id="{1D90656A-EA8C-C93D-45FA-EC08FF6F6A51}"/>
+              </a:ext>
+            </a:extLst>
+          </p:cNvPr>
+          <p:cNvSpPr txBox="1"/>
+          <p:nvPr/>
+        </p:nvSpPr>
+        <p:spPr>
+          <a:xfrm>
+            <a:off x="942387" y="5716797"/>
+            <a:ext cx="10237694" cy="369332"/>
+          </a:xfrm>
+          <a:prstGeom prst="rect">
+            <a:avLst/>
+          </a:prstGeom>
+          <a:noFill/>
+        </p:spPr>
+        <p:txBody>
+          <a:bodyPr wrap="square" rtlCol="0">
+            <a:spAutoFit/>
+          </a:bodyPr>
+          <a:lstStyle/>
+          <a:p>
+            <a:r>
+              <a:rPr lang="en-US" altLang="ko-KR" dirty="0">
+                <a:latin typeface="나눔스퀘어 Light" panose="020B0600000101010101" pitchFamily="50" charset="-127"/>
+                <a:ea typeface="나눔스퀘어 Light" panose="020B0600000101010101" pitchFamily="50" charset="-127"/>
+              </a:rPr>
+              <a:t>2747 </a:t>
+            </a:r>
+            <a:r>
+              <a:rPr lang="ko-KR" altLang="en-US" dirty="0">
+                <a:latin typeface="나눔스퀘어 Light" panose="020B0600000101010101" pitchFamily="50" charset="-127"/>
+                <a:ea typeface="나눔스퀘어 Light" panose="020B0600000101010101" pitchFamily="50" charset="-127"/>
+              </a:rPr>
+              <a:t>피보나치 수 </a:t>
+            </a:r>
+            <a:r>
+              <a:rPr lang="en-US" altLang="ko-KR" dirty="0">
+                <a:latin typeface="나눔스퀘어 Light" panose="020B0600000101010101" pitchFamily="50" charset="-127"/>
+                <a:ea typeface="나눔스퀘어 Light" panose="020B0600000101010101" pitchFamily="50" charset="-127"/>
+              </a:rPr>
+              <a:t>/ 2748 </a:t>
+            </a:r>
+            <a:r>
+              <a:rPr lang="ko-KR" altLang="en-US" dirty="0">
+                <a:latin typeface="나눔스퀘어 Light" panose="020B0600000101010101" pitchFamily="50" charset="-127"/>
+                <a:ea typeface="나눔스퀘어 Light" panose="020B0600000101010101" pitchFamily="50" charset="-127"/>
+              </a:rPr>
+              <a:t>피보나치 수 </a:t>
+            </a:r>
+            <a:r>
+              <a:rPr lang="en-US" altLang="ko-KR" dirty="0">
+                <a:latin typeface="나눔스퀘어 Light" panose="020B0600000101010101" pitchFamily="50" charset="-127"/>
+                <a:ea typeface="나눔스퀘어 Light" panose="020B0600000101010101" pitchFamily="50" charset="-127"/>
+              </a:rPr>
+              <a:t>2 </a:t>
+            </a:r>
+            <a:r>
+              <a:rPr lang="ko-KR" altLang="en-US" dirty="0">
+                <a:latin typeface="나눔스퀘어 Light" panose="020B0600000101010101" pitchFamily="50" charset="-127"/>
+                <a:ea typeface="나눔스퀘어 Light" panose="020B0600000101010101" pitchFamily="50" charset="-127"/>
+              </a:rPr>
+              <a:t>문제를 풀며 피보나치 수를 구하는 방법을 </a:t>
+            </a:r>
+            <a:r>
+              <a:rPr lang="en-US" altLang="ko-KR" dirty="0">
+                <a:latin typeface="나눔스퀘어 Light" panose="020B0600000101010101" pitchFamily="50" charset="-127"/>
+                <a:ea typeface="나눔스퀘어 Light" panose="020B0600000101010101" pitchFamily="50" charset="-127"/>
+              </a:rPr>
+              <a:t>(</a:t>
+            </a:r>
+            <a:r>
+              <a:rPr lang="ko-KR" altLang="en-US" dirty="0">
+                <a:latin typeface="나눔스퀘어 Light" panose="020B0600000101010101" pitchFamily="50" charset="-127"/>
+                <a:ea typeface="나눔스퀘어 Light" panose="020B0600000101010101" pitchFamily="50" charset="-127"/>
+              </a:rPr>
+              <a:t>슈도</a:t>
+            </a:r>
+            <a:r>
+              <a:rPr lang="en-US" altLang="ko-KR" dirty="0">
+                <a:latin typeface="나눔스퀘어 Light" panose="020B0600000101010101" pitchFamily="50" charset="-127"/>
+                <a:ea typeface="나눔스퀘어 Light" panose="020B0600000101010101" pitchFamily="50" charset="-127"/>
+              </a:rPr>
+              <a:t>) </a:t>
+            </a:r>
+            <a:r>
+              <a:rPr lang="ko-KR" altLang="en-US" dirty="0">
+                <a:latin typeface="나눔스퀘어 Light" panose="020B0600000101010101" pitchFamily="50" charset="-127"/>
+                <a:ea typeface="나눔스퀘어 Light" panose="020B0600000101010101" pitchFamily="50" charset="-127"/>
+              </a:rPr>
+              <a:t>코드로 </a:t>
+            </a:r>
+          </a:p>
+        </p:txBody>
+      </p:sp>
+      <p:sp>
+        <p:nvSpPr>
+          <p:cNvPr id="2" name="TextBox 1">
+            <a:extLst>
+              <a:ext uri="{FF2B5EF4-FFF2-40B4-BE49-F238E27FC236}">
+                <a16:creationId xmlns:a16="http://schemas.microsoft.com/office/drawing/2014/main" id="{807C3CD1-8E1B-427F-230D-9C7C2837C1F2}"/>
+              </a:ext>
+            </a:extLst>
+          </p:cNvPr>
+          <p:cNvSpPr txBox="1"/>
+          <p:nvPr/>
+        </p:nvSpPr>
+        <p:spPr>
+          <a:xfrm>
+            <a:off x="942387" y="2400024"/>
+            <a:ext cx="8553305" cy="369332"/>
+          </a:xfrm>
+          <a:prstGeom prst="rect">
+            <a:avLst/>
+          </a:prstGeom>
+          <a:noFill/>
+        </p:spPr>
+        <p:txBody>
+          <a:bodyPr wrap="square" rtlCol="0">
+            <a:spAutoFit/>
+          </a:bodyPr>
+          <a:lstStyle/>
+          <a:p>
+            <a:r>
+              <a:rPr lang="en-US" altLang="ko-KR" dirty="0">
+                <a:latin typeface="나눔스퀘어 Light" panose="020B0600000101010101" pitchFamily="50" charset="-127"/>
+                <a:ea typeface="나눔스퀘어 Light" panose="020B0600000101010101" pitchFamily="50" charset="-127"/>
+              </a:rPr>
+              <a:t>3. 11048 </a:t>
+            </a:r>
+            <a:r>
+              <a:rPr lang="ko-KR" altLang="en-US" dirty="0">
+                <a:latin typeface="나눔스퀘어 Light" panose="020B0600000101010101" pitchFamily="50" charset="-127"/>
+                <a:ea typeface="나눔스퀘어 Light" panose="020B0600000101010101" pitchFamily="50" charset="-127"/>
+              </a:rPr>
+              <a:t>이동하기</a:t>
+            </a:r>
+          </a:p>
+        </p:txBody>
+      </p:sp>
+      <p:sp>
+        <p:nvSpPr>
+          <p:cNvPr id="10" name="TextBox 9">
+            <a:extLst>
+              <a:ext uri="{FF2B5EF4-FFF2-40B4-BE49-F238E27FC236}">
+                <a16:creationId xmlns:a16="http://schemas.microsoft.com/office/drawing/2014/main" id="{C572282D-23DE-9D59-D1DB-6011A80C631D}"/>
+              </a:ext>
+            </a:extLst>
+          </p:cNvPr>
+          <p:cNvSpPr txBox="1"/>
+          <p:nvPr/>
+        </p:nvSpPr>
+        <p:spPr>
+          <a:xfrm>
+            <a:off x="942387" y="6086129"/>
+            <a:ext cx="8553305" cy="369332"/>
+          </a:xfrm>
+          <a:prstGeom prst="rect">
+            <a:avLst/>
+          </a:prstGeom>
+          <a:noFill/>
+        </p:spPr>
+        <p:txBody>
+          <a:bodyPr wrap="square" rtlCol="0">
+            <a:spAutoFit/>
+          </a:bodyPr>
+          <a:lstStyle/>
+          <a:p>
+            <a:r>
+              <a:rPr lang="ko-KR" altLang="en-US" dirty="0">
+                <a:latin typeface="나눔스퀘어 Light" panose="020B0600000101010101" pitchFamily="50" charset="-127"/>
+                <a:ea typeface="나눔스퀘어 Light" panose="020B0600000101010101" pitchFamily="50" charset="-127"/>
+              </a:rPr>
+              <a:t>작성해 보시고</a:t>
+            </a:r>
+            <a:r>
+              <a:rPr lang="en-US" altLang="ko-KR" dirty="0">
+                <a:latin typeface="나눔스퀘어 Light" panose="020B0600000101010101" pitchFamily="50" charset="-127"/>
+                <a:ea typeface="나눔스퀘어 Light" panose="020B0600000101010101" pitchFamily="50" charset="-127"/>
+              </a:rPr>
+              <a:t>, </a:t>
+            </a:r>
+            <a:r>
+              <a:rPr lang="ko-KR" altLang="en-US" dirty="0">
+                <a:latin typeface="나눔스퀘어 Light" panose="020B0600000101010101" pitchFamily="50" charset="-127"/>
+                <a:ea typeface="나눔스퀘어 Light" panose="020B0600000101010101" pitchFamily="50" charset="-127"/>
+              </a:rPr>
+              <a:t>효율적인 방법에 대해서 고민해보세요</a:t>
+            </a:r>
+            <a:r>
+              <a:rPr lang="en-US" altLang="ko-KR" dirty="0">
+                <a:latin typeface="나눔스퀘어 Light" panose="020B0600000101010101" pitchFamily="50" charset="-127"/>
+                <a:ea typeface="나눔스퀘어 Light" panose="020B0600000101010101" pitchFamily="50" charset="-127"/>
+              </a:rPr>
+              <a:t>.</a:t>
             </a:r>
             <a:endParaRPr lang="ko-KR" altLang="en-US" dirty="0">
               <a:latin typeface="나눔스퀘어 Light" panose="020B0600000101010101" pitchFamily="50" charset="-127"/>
@@ -9538,7 +8659,7 @@
           <p:cNvPr id="4" name="TextBox 3">
             <a:extLst>
               <a:ext uri="{FF2B5EF4-FFF2-40B4-BE49-F238E27FC236}">
-                <a16:creationId xmlns:a16="http://schemas.microsoft.com/office/drawing/2014/main" id="{08CF584C-3D0B-3175-3D9A-AEEE8806388E}"/>
+                <a16:creationId xmlns:a16="http://schemas.microsoft.com/office/drawing/2014/main" id="{1FFB0E97-045D-CAE2-D4D4-F6AFF27F568B}"/>
               </a:ext>
             </a:extLst>
           </p:cNvPr>
@@ -9547,8 +8668,8 @@
         </p:nvSpPr>
         <p:spPr>
           <a:xfrm>
-            <a:off x="942387" y="1537124"/>
-            <a:ext cx="10237694" cy="369332"/>
+            <a:off x="942387" y="2775391"/>
+            <a:ext cx="8553305" cy="369332"/>
           </a:xfrm>
           <a:prstGeom prst="rect">
             <a:avLst/>
@@ -9562,4629 +8683,40 @@
           <a:lstStyle/>
           <a:p>
             <a:r>
+              <a:rPr lang="en-US" altLang="ko-KR" dirty="0">
+                <a:latin typeface="나눔스퀘어 Light" panose="020B0600000101010101" pitchFamily="50" charset="-127"/>
+                <a:ea typeface="나눔스퀘어 Light" panose="020B0600000101010101" pitchFamily="50" charset="-127"/>
+              </a:rPr>
+              <a:t>4. 14495 </a:t>
+            </a:r>
+            <a:r>
               <a:rPr lang="ko-KR" altLang="en-US" dirty="0">
                 <a:latin typeface="나눔스퀘어 Light" panose="020B0600000101010101" pitchFamily="50" charset="-127"/>
                 <a:ea typeface="나눔스퀘어 Light" panose="020B0600000101010101" pitchFamily="50" charset="-127"/>
               </a:rPr>
-              <a:t>정렬 함수에 정렬 기준을 람다 함수로 넣어줍니다</a:t>
-            </a:r>
-            <a:r>
-              <a:rPr lang="en-US" altLang="ko-KR" dirty="0">
-                <a:latin typeface="나눔스퀘어 Light" panose="020B0600000101010101" pitchFamily="50" charset="-127"/>
-                <a:ea typeface="나눔스퀘어 Light" panose="020B0600000101010101" pitchFamily="50" charset="-127"/>
-              </a:rPr>
-              <a:t>.</a:t>
-            </a:r>
-            <a:endParaRPr lang="ko-KR" altLang="en-US" dirty="0">
-              <a:latin typeface="나눔스퀘어 Light" panose="020B0600000101010101" pitchFamily="50" charset="-127"/>
-              <a:ea typeface="나눔스퀘어 Light" panose="020B0600000101010101" pitchFamily="50" charset="-127"/>
-            </a:endParaRPr>
-          </a:p>
-        </p:txBody>
-      </p:sp>
-      <p:pic>
-        <p:nvPicPr>
-          <p:cNvPr id="7" name="그림 6">
-            <a:extLst>
-              <a:ext uri="{FF2B5EF4-FFF2-40B4-BE49-F238E27FC236}">
-                <a16:creationId xmlns:a16="http://schemas.microsoft.com/office/drawing/2014/main" id="{FC4D233B-0362-C4FA-937D-BFED01FD43F7}"/>
-              </a:ext>
-            </a:extLst>
-          </p:cNvPr>
-          <p:cNvPicPr>
-            <a:picLocks noChangeAspect="1"/>
-          </p:cNvPicPr>
-          <p:nvPr/>
-        </p:nvPicPr>
-        <p:blipFill>
-          <a:blip r:embed="rId2"/>
-          <a:stretch>
-            <a:fillRect/>
-          </a:stretch>
-        </p:blipFill>
-        <p:spPr>
-          <a:xfrm>
-            <a:off x="942387" y="1906456"/>
-            <a:ext cx="5071914" cy="2085240"/>
-          </a:xfrm>
-          <a:prstGeom prst="rect">
-            <a:avLst/>
-          </a:prstGeom>
-        </p:spPr>
-      </p:pic>
-      <p:sp>
-        <p:nvSpPr>
-          <p:cNvPr id="9" name="TextBox 8">
-            <a:extLst>
-              <a:ext uri="{FF2B5EF4-FFF2-40B4-BE49-F238E27FC236}">
-                <a16:creationId xmlns:a16="http://schemas.microsoft.com/office/drawing/2014/main" id="{39BFA2D8-782C-01AE-2E80-F9CC6B9BF9FC}"/>
-              </a:ext>
-            </a:extLst>
-          </p:cNvPr>
-          <p:cNvSpPr txBox="1"/>
-          <p:nvPr/>
-        </p:nvSpPr>
-        <p:spPr>
-          <a:xfrm>
-            <a:off x="942387" y="4176362"/>
-            <a:ext cx="10237694" cy="369332"/>
-          </a:xfrm>
-          <a:prstGeom prst="rect">
-            <a:avLst/>
-          </a:prstGeom>
-          <a:noFill/>
-        </p:spPr>
-        <p:txBody>
-          <a:bodyPr wrap="square" rtlCol="0">
-            <a:spAutoFit/>
-          </a:bodyPr>
-          <a:lstStyle/>
-          <a:p>
+              <a:t>피보나치 </a:t>
+            </a:r>
+            <a:r>
+              <a:rPr lang="ko-KR" altLang="en-US" dirty="0" err="1">
+                <a:latin typeface="나눔스퀘어 Light" panose="020B0600000101010101" pitchFamily="50" charset="-127"/>
+                <a:ea typeface="나눔스퀘어 Light" panose="020B0600000101010101" pitchFamily="50" charset="-127"/>
+              </a:rPr>
+              <a:t>비스무리한</a:t>
+            </a:r>
             <a:r>
               <a:rPr lang="ko-KR" altLang="en-US" dirty="0">
                 <a:latin typeface="나눔스퀘어 Light" panose="020B0600000101010101" pitchFamily="50" charset="-127"/>
                 <a:ea typeface="나눔스퀘어 Light" panose="020B0600000101010101" pitchFamily="50" charset="-127"/>
               </a:rPr>
-              <a:t>주의할 점은 </a:t>
-            </a:r>
-            <a:r>
-              <a:rPr lang="en-US" altLang="ko-KR" dirty="0">
-                <a:latin typeface="나눔스퀘어 Light" panose="020B0600000101010101" pitchFamily="50" charset="-127"/>
-                <a:ea typeface="나눔스퀘어 Light" panose="020B0600000101010101" pitchFamily="50" charset="-127"/>
-              </a:rPr>
-              <a:t>Python </a:t>
-            </a:r>
-            <a:r>
-              <a:rPr lang="ko-KR" altLang="en-US" dirty="0">
-                <a:latin typeface="나눔스퀘어 Light" panose="020B0600000101010101" pitchFamily="50" charset="-127"/>
-                <a:ea typeface="나눔스퀘어 Light" panose="020B0600000101010101" pitchFamily="50" charset="-127"/>
-              </a:rPr>
-              <a:t>자체가 굉장히 느린 언어입니다</a:t>
-            </a:r>
-            <a:r>
-              <a:rPr lang="en-US" altLang="ko-KR" dirty="0">
-                <a:latin typeface="나눔스퀘어 Light" panose="020B0600000101010101" pitchFamily="50" charset="-127"/>
-                <a:ea typeface="나눔스퀘어 Light" panose="020B0600000101010101" pitchFamily="50" charset="-127"/>
-              </a:rPr>
-              <a:t>. </a:t>
-            </a:r>
-            <a:r>
-              <a:rPr lang="ko-KR" altLang="en-US" dirty="0">
-                <a:latin typeface="나눔스퀘어 Light" panose="020B0600000101010101" pitchFamily="50" charset="-127"/>
-                <a:ea typeface="나눔스퀘어 Light" panose="020B0600000101010101" pitchFamily="50" charset="-127"/>
-              </a:rPr>
-              <a:t>따라서 정렬 </a:t>
-            </a:r>
-            <a:r>
-              <a:rPr lang="en-US" altLang="ko-KR" dirty="0">
-                <a:latin typeface="나눔스퀘어 Light" panose="020B0600000101010101" pitchFamily="50" charset="-127"/>
-                <a:ea typeface="나눔스퀘어 Light" panose="020B0600000101010101" pitchFamily="50" charset="-127"/>
-              </a:rPr>
-              <a:t>/ </a:t>
-            </a:r>
-            <a:r>
-              <a:rPr lang="ko-KR" altLang="en-US" dirty="0">
-                <a:latin typeface="나눔스퀘어 Light" panose="020B0600000101010101" pitchFamily="50" charset="-127"/>
-                <a:ea typeface="나눔스퀘어 Light" panose="020B0600000101010101" pitchFamily="50" charset="-127"/>
-              </a:rPr>
-              <a:t>입출력 </a:t>
-            </a:r>
-            <a:r>
-              <a:rPr lang="en-US" altLang="ko-KR" dirty="0">
-                <a:latin typeface="나눔스퀘어 Light" panose="020B0600000101010101" pitchFamily="50" charset="-127"/>
-                <a:ea typeface="나눔스퀘어 Light" panose="020B0600000101010101" pitchFamily="50" charset="-127"/>
-              </a:rPr>
-              <a:t>/ </a:t>
-            </a:r>
-            <a:r>
-              <a:rPr lang="ko-KR" altLang="en-US" dirty="0">
-                <a:latin typeface="나눔스퀘어 Light" panose="020B0600000101010101" pitchFamily="50" charset="-127"/>
-                <a:ea typeface="나눔스퀘어 Light" panose="020B0600000101010101" pitchFamily="50" charset="-127"/>
-              </a:rPr>
-              <a:t>연산 자체가 굉장히 느린 편이라</a:t>
-            </a:r>
-          </a:p>
-        </p:txBody>
-      </p:sp>
-      <p:sp>
-        <p:nvSpPr>
-          <p:cNvPr id="10" name="TextBox 9">
-            <a:extLst>
-              <a:ext uri="{FF2B5EF4-FFF2-40B4-BE49-F238E27FC236}">
-                <a16:creationId xmlns:a16="http://schemas.microsoft.com/office/drawing/2014/main" id="{F5E2DCDE-A5A4-F17F-6F1D-1095F9624922}"/>
-              </a:ext>
-            </a:extLst>
-          </p:cNvPr>
-          <p:cNvSpPr txBox="1"/>
-          <p:nvPr/>
-        </p:nvSpPr>
-        <p:spPr>
-          <a:xfrm>
-            <a:off x="942387" y="4545694"/>
-            <a:ext cx="11076788" cy="369332"/>
-          </a:xfrm>
-          <a:prstGeom prst="rect">
-            <a:avLst/>
-          </a:prstGeom>
-          <a:noFill/>
-        </p:spPr>
-        <p:txBody>
-          <a:bodyPr wrap="square" rtlCol="0">
-            <a:spAutoFit/>
-          </a:bodyPr>
-          <a:lstStyle/>
-          <a:p>
-            <a:r>
-              <a:rPr lang="ko-KR" altLang="en-US" dirty="0">
-                <a:latin typeface="나눔스퀘어 Light" panose="020B0600000101010101" pitchFamily="50" charset="-127"/>
-                <a:ea typeface="나눔스퀘어 Light" panose="020B0600000101010101" pitchFamily="50" charset="-127"/>
-              </a:rPr>
-              <a:t>저렇게 제출해도 </a:t>
-            </a:r>
-            <a:r>
-              <a:rPr lang="en-US" altLang="ko-KR" dirty="0">
-                <a:latin typeface="나눔스퀘어 Light" panose="020B0600000101010101" pitchFamily="50" charset="-127"/>
-                <a:ea typeface="나눔스퀘어 Light" panose="020B0600000101010101" pitchFamily="50" charset="-127"/>
-              </a:rPr>
-              <a:t>TLE</a:t>
-            </a:r>
-            <a:r>
-              <a:rPr lang="ko-KR" altLang="en-US" dirty="0">
-                <a:latin typeface="나눔스퀘어 Light" panose="020B0600000101010101" pitchFamily="50" charset="-127"/>
-                <a:ea typeface="나눔스퀘어 Light" panose="020B0600000101010101" pitchFamily="50" charset="-127"/>
-              </a:rPr>
-              <a:t>가 날 수 있는데</a:t>
-            </a:r>
-            <a:r>
-              <a:rPr lang="en-US" altLang="ko-KR" dirty="0">
-                <a:latin typeface="나눔스퀘어 Light" panose="020B0600000101010101" pitchFamily="50" charset="-127"/>
-                <a:ea typeface="나눔스퀘어 Light" panose="020B0600000101010101" pitchFamily="50" charset="-127"/>
-              </a:rPr>
-              <a:t>, </a:t>
-            </a:r>
-            <a:r>
-              <a:rPr lang="ko-KR" altLang="en-US" dirty="0">
-                <a:latin typeface="나눔스퀘어 Light" panose="020B0600000101010101" pitchFamily="50" charset="-127"/>
-                <a:ea typeface="나눔스퀘어 Light" panose="020B0600000101010101" pitchFamily="50" charset="-127"/>
-              </a:rPr>
-              <a:t>이 때는 </a:t>
-            </a:r>
-            <a:r>
-              <a:rPr lang="en-US" altLang="ko-KR" dirty="0" err="1">
-                <a:latin typeface="나눔스퀘어 Light" panose="020B0600000101010101" pitchFamily="50" charset="-127"/>
-                <a:ea typeface="나눔스퀘어 Light" panose="020B0600000101010101" pitchFamily="50" charset="-127"/>
-              </a:rPr>
-              <a:t>Pypy</a:t>
-            </a:r>
-            <a:r>
-              <a:rPr lang="ko-KR" altLang="en-US" dirty="0">
-                <a:latin typeface="나눔스퀘어 Light" panose="020B0600000101010101" pitchFamily="50" charset="-127"/>
-                <a:ea typeface="나눔스퀘어 Light" panose="020B0600000101010101" pitchFamily="50" charset="-127"/>
-              </a:rPr>
-              <a:t>로 제출하거나</a:t>
-            </a:r>
-            <a:r>
-              <a:rPr lang="en-US" altLang="ko-KR" dirty="0">
-                <a:latin typeface="나눔스퀘어 Light" panose="020B0600000101010101" pitchFamily="50" charset="-127"/>
-                <a:ea typeface="나눔스퀘어 Light" panose="020B0600000101010101" pitchFamily="50" charset="-127"/>
-              </a:rPr>
-              <a:t>, </a:t>
-            </a:r>
-            <a:r>
-              <a:rPr lang="ko-KR" altLang="en-US" dirty="0">
-                <a:latin typeface="나눔스퀘어 Light" panose="020B0600000101010101" pitchFamily="50" charset="-127"/>
-                <a:ea typeface="나눔스퀘어 Light" panose="020B0600000101010101" pitchFamily="50" charset="-127"/>
-              </a:rPr>
-              <a:t>입력을 한꺼번에 받는 방식으로 해결합니다</a:t>
-            </a:r>
-            <a:r>
-              <a:rPr lang="en-US" altLang="ko-KR" dirty="0">
-                <a:latin typeface="나눔스퀘어 Light" panose="020B0600000101010101" pitchFamily="50" charset="-127"/>
-                <a:ea typeface="나눔스퀘어 Light" panose="020B0600000101010101" pitchFamily="50" charset="-127"/>
-              </a:rPr>
-              <a:t>.</a:t>
-            </a:r>
-            <a:endParaRPr lang="ko-KR" altLang="en-US" dirty="0">
-              <a:latin typeface="나눔스퀘어 Light" panose="020B0600000101010101" pitchFamily="50" charset="-127"/>
-              <a:ea typeface="나눔스퀘어 Light" panose="020B0600000101010101" pitchFamily="50" charset="-127"/>
-            </a:endParaRPr>
-          </a:p>
-        </p:txBody>
-      </p:sp>
-      <p:pic>
-        <p:nvPicPr>
-          <p:cNvPr id="12" name="그림 11">
-            <a:extLst>
-              <a:ext uri="{FF2B5EF4-FFF2-40B4-BE49-F238E27FC236}">
-                <a16:creationId xmlns:a16="http://schemas.microsoft.com/office/drawing/2014/main" id="{68D7503E-8277-1DEA-00FA-21063E6E5DF1}"/>
-              </a:ext>
-            </a:extLst>
-          </p:cNvPr>
-          <p:cNvPicPr>
-            <a:picLocks noChangeAspect="1"/>
-          </p:cNvPicPr>
-          <p:nvPr/>
-        </p:nvPicPr>
-        <p:blipFill>
-          <a:blip r:embed="rId3"/>
-          <a:stretch>
-            <a:fillRect/>
-          </a:stretch>
-        </p:blipFill>
-        <p:spPr>
-          <a:xfrm>
-            <a:off x="941402" y="4951545"/>
-            <a:ext cx="10427323" cy="1782180"/>
-          </a:xfrm>
-          <a:prstGeom prst="rect">
-            <a:avLst/>
-          </a:prstGeom>
-        </p:spPr>
-      </p:pic>
-      <p:sp>
-        <p:nvSpPr>
-          <p:cNvPr id="13" name="직사각형 12">
-            <a:extLst>
-              <a:ext uri="{FF2B5EF4-FFF2-40B4-BE49-F238E27FC236}">
-                <a16:creationId xmlns:a16="http://schemas.microsoft.com/office/drawing/2014/main" id="{6908FEC4-96EB-5BDB-EAE1-93DF9E13D613}"/>
-              </a:ext>
-            </a:extLst>
-          </p:cNvPr>
-          <p:cNvSpPr/>
-          <p:nvPr/>
-        </p:nvSpPr>
-        <p:spPr>
-          <a:xfrm>
-            <a:off x="941402" y="5297864"/>
-            <a:ext cx="10427323" cy="744717"/>
-          </a:xfrm>
-          <a:prstGeom prst="rect">
-            <a:avLst/>
-          </a:prstGeom>
-          <a:noFill/>
-          <a:ln w="19050">
-            <a:solidFill>
-              <a:srgbClr val="FF0000"/>
-            </a:solidFill>
-          </a:ln>
-        </p:spPr>
-        <p:style>
-          <a:lnRef idx="2">
-            <a:schemeClr val="accent1">
-              <a:shade val="50000"/>
-            </a:schemeClr>
-          </a:lnRef>
-          <a:fillRef idx="1">
-            <a:schemeClr val="accent1"/>
-          </a:fillRef>
-          <a:effectRef idx="0">
-            <a:schemeClr val="accent1"/>
-          </a:effectRef>
-          <a:fontRef idx="minor">
-            <a:schemeClr val="lt1"/>
-          </a:fontRef>
-        </p:style>
-        <p:txBody>
-          <a:bodyPr rtlCol="0" anchor="ctr"/>
-          <a:lstStyle/>
-          <a:p>
-            <a:pPr algn="ctr"/>
-            <a:endParaRPr lang="ko-KR" altLang="en-US"/>
-          </a:p>
-        </p:txBody>
-      </p:sp>
-      <p:sp>
-        <p:nvSpPr>
-          <p:cNvPr id="14" name="TextBox 13">
-            <a:extLst>
-              <a:ext uri="{FF2B5EF4-FFF2-40B4-BE49-F238E27FC236}">
-                <a16:creationId xmlns:a16="http://schemas.microsoft.com/office/drawing/2014/main" id="{EFE615EA-0A17-E5AC-181C-45A0E0F1A703}"/>
-              </a:ext>
-            </a:extLst>
-          </p:cNvPr>
-          <p:cNvSpPr txBox="1"/>
-          <p:nvPr/>
-        </p:nvSpPr>
-        <p:spPr>
-          <a:xfrm>
-            <a:off x="4515146" y="5485556"/>
-            <a:ext cx="1433167" cy="369332"/>
-          </a:xfrm>
-          <a:prstGeom prst="rect">
-            <a:avLst/>
-          </a:prstGeom>
-          <a:noFill/>
-        </p:spPr>
-        <p:txBody>
-          <a:bodyPr wrap="square" rtlCol="0">
-            <a:spAutoFit/>
-          </a:bodyPr>
-          <a:lstStyle/>
-          <a:p>
-            <a:r>
-              <a:rPr lang="ko-KR" altLang="en-US">
-                <a:latin typeface="나눔스퀘어 Light" panose="020B0600000101010101" pitchFamily="50" charset="-127"/>
-                <a:ea typeface="나눔스퀘어 Light" panose="020B0600000101010101" pitchFamily="50" charset="-127"/>
-              </a:rPr>
-              <a:t>같은 코드임</a:t>
-            </a:r>
-            <a:endParaRPr lang="ko-KR" altLang="en-US" dirty="0">
-              <a:latin typeface="나눔스퀘어 Light" panose="020B0600000101010101" pitchFamily="50" charset="-127"/>
-              <a:ea typeface="나눔스퀘어 Light" panose="020B0600000101010101" pitchFamily="50" charset="-127"/>
-            </a:endParaRPr>
+              <a:t> 수열</a:t>
+            </a:r>
           </a:p>
         </p:txBody>
       </p:sp>
     </p:spTree>
     <p:extLst>
       <p:ext uri="{BB962C8B-B14F-4D97-AF65-F5344CB8AC3E}">
-        <p14:creationId xmlns:p14="http://schemas.microsoft.com/office/powerpoint/2010/main" val="3475170948"/>
-      </p:ext>
-    </p:extLst>
-  </p:cSld>
-  <p:clrMapOvr>
-    <a:masterClrMapping/>
-  </p:clrMapOvr>
-</p:sld>
-</file>
-
-<file path=ppt/slides/slide23.xml><?xml version="1.0" encoding="utf-8"?>
-<p:sld xmlns:a="http://schemas.openxmlformats.org/drawingml/2006/main" xmlns:r="http://schemas.openxmlformats.org/officeDocument/2006/relationships" xmlns:p="http://schemas.openxmlformats.org/presentationml/2006/main">
-  <p:cSld>
-    <p:spTree>
-      <p:nvGrpSpPr>
-        <p:cNvPr id="1" name=""/>
-        <p:cNvGrpSpPr/>
-        <p:nvPr/>
-      </p:nvGrpSpPr>
-      <p:grpSpPr>
-        <a:xfrm>
-          <a:off x="0" y="0"/>
-          <a:ext cx="0" cy="0"/>
-          <a:chOff x="0" y="0"/>
-          <a:chExt cx="0" cy="0"/>
-        </a:xfrm>
-      </p:grpSpPr>
-      <p:cxnSp>
-        <p:nvCxnSpPr>
-          <p:cNvPr id="5" name="직선 연결선 4">
-            <a:extLst>
-              <a:ext uri="{FF2B5EF4-FFF2-40B4-BE49-F238E27FC236}">
-                <a16:creationId xmlns:a16="http://schemas.microsoft.com/office/drawing/2014/main" id="{164C2827-EFCE-69A4-D037-1A218415F568}"/>
-              </a:ext>
-            </a:extLst>
-          </p:cNvPr>
-          <p:cNvCxnSpPr/>
-          <p:nvPr/>
-        </p:nvCxnSpPr>
-        <p:spPr>
-          <a:xfrm>
-            <a:off x="0" y="887505"/>
-            <a:ext cx="10237694" cy="0"/>
-          </a:xfrm>
-          <a:prstGeom prst="line">
-            <a:avLst/>
-          </a:prstGeom>
-          <a:ln w="76200">
-            <a:solidFill>
-              <a:schemeClr val="tx1">
-                <a:lumMod val="75000"/>
-                <a:lumOff val="25000"/>
-              </a:schemeClr>
-            </a:solidFill>
-          </a:ln>
-        </p:spPr>
-        <p:style>
-          <a:lnRef idx="1">
-            <a:schemeClr val="accent1"/>
-          </a:lnRef>
-          <a:fillRef idx="0">
-            <a:schemeClr val="accent1"/>
-          </a:fillRef>
-          <a:effectRef idx="0">
-            <a:schemeClr val="accent1"/>
-          </a:effectRef>
-          <a:fontRef idx="minor">
-            <a:schemeClr val="tx1"/>
-          </a:fontRef>
-        </p:style>
-      </p:cxnSp>
-      <p:sp>
-        <p:nvSpPr>
-          <p:cNvPr id="3" name="TextBox 2">
-            <a:extLst>
-              <a:ext uri="{FF2B5EF4-FFF2-40B4-BE49-F238E27FC236}">
-                <a16:creationId xmlns:a16="http://schemas.microsoft.com/office/drawing/2014/main" id="{0D1FDD07-DE53-C453-2D4F-9520D87387DF}"/>
-              </a:ext>
-            </a:extLst>
-          </p:cNvPr>
-          <p:cNvSpPr txBox="1"/>
-          <p:nvPr/>
-        </p:nvSpPr>
-        <p:spPr>
-          <a:xfrm>
-            <a:off x="331694" y="177505"/>
-            <a:ext cx="2514343" cy="523220"/>
-          </a:xfrm>
-          <a:prstGeom prst="rect">
-            <a:avLst/>
-          </a:prstGeom>
-          <a:noFill/>
-        </p:spPr>
-        <p:txBody>
-          <a:bodyPr wrap="none" rtlCol="0">
-            <a:spAutoFit/>
-          </a:bodyPr>
-          <a:lstStyle/>
-          <a:p>
-            <a:r>
-              <a:rPr lang="en-US" altLang="ko-KR" sz="2800" dirty="0">
-                <a:latin typeface="나눔스퀘어 Bold" panose="020B0600000101010101" pitchFamily="50" charset="-127"/>
-                <a:ea typeface="나눔스퀘어 Bold" panose="020B0600000101010101" pitchFamily="50" charset="-127"/>
-              </a:rPr>
-              <a:t>Binary Search</a:t>
-            </a:r>
-            <a:endParaRPr lang="ko-KR" altLang="en-US" sz="2800" dirty="0">
-              <a:latin typeface="나눔스퀘어 Bold" panose="020B0600000101010101" pitchFamily="50" charset="-127"/>
-              <a:ea typeface="나눔스퀘어 Bold" panose="020B0600000101010101" pitchFamily="50" charset="-127"/>
-            </a:endParaRPr>
-          </a:p>
-        </p:txBody>
-      </p:sp>
-      <p:sp>
-        <p:nvSpPr>
-          <p:cNvPr id="2" name="TextBox 1">
-            <a:extLst>
-              <a:ext uri="{FF2B5EF4-FFF2-40B4-BE49-F238E27FC236}">
-                <a16:creationId xmlns:a16="http://schemas.microsoft.com/office/drawing/2014/main" id="{0D5A1FED-DD55-D5B7-E313-9A0B3CB9308A}"/>
-              </a:ext>
-            </a:extLst>
-          </p:cNvPr>
-          <p:cNvSpPr txBox="1"/>
-          <p:nvPr/>
-        </p:nvSpPr>
-        <p:spPr>
-          <a:xfrm>
-            <a:off x="942387" y="1074286"/>
-            <a:ext cx="7601249" cy="369332"/>
-          </a:xfrm>
-          <a:prstGeom prst="rect">
-            <a:avLst/>
-          </a:prstGeom>
-          <a:noFill/>
-        </p:spPr>
-        <p:txBody>
-          <a:bodyPr wrap="square" rtlCol="0">
-            <a:spAutoFit/>
-          </a:bodyPr>
-          <a:lstStyle/>
-          <a:p>
-            <a:r>
-              <a:rPr lang="ko-KR" altLang="en-US" dirty="0">
-                <a:latin typeface="나눔스퀘어 Light" panose="020B0600000101010101" pitchFamily="50" charset="-127"/>
-                <a:ea typeface="나눔스퀘어 Light" panose="020B0600000101010101" pitchFamily="50" charset="-127"/>
-              </a:rPr>
-              <a:t>그렇다면</a:t>
-            </a:r>
-            <a:r>
-              <a:rPr lang="en-US" altLang="ko-KR" dirty="0">
-                <a:latin typeface="나눔스퀘어 Light" panose="020B0600000101010101" pitchFamily="50" charset="-127"/>
-                <a:ea typeface="나눔스퀘어 Light" panose="020B0600000101010101" pitchFamily="50" charset="-127"/>
-              </a:rPr>
-              <a:t>, </a:t>
-            </a:r>
-            <a:r>
-              <a:rPr lang="ko-KR" altLang="en-US" dirty="0">
-                <a:latin typeface="나눔스퀘어 Light" panose="020B0600000101010101" pitchFamily="50" charset="-127"/>
-                <a:ea typeface="나눔스퀘어 Light" panose="020B0600000101010101" pitchFamily="50" charset="-127"/>
-              </a:rPr>
-              <a:t>정렬은 왜 할까요</a:t>
-            </a:r>
-            <a:r>
-              <a:rPr lang="en-US" altLang="ko-KR" dirty="0">
-                <a:latin typeface="나눔스퀘어 Light" panose="020B0600000101010101" pitchFamily="50" charset="-127"/>
-                <a:ea typeface="나눔스퀘어 Light" panose="020B0600000101010101" pitchFamily="50" charset="-127"/>
-              </a:rPr>
-              <a:t>? </a:t>
-            </a:r>
-            <a:r>
-              <a:rPr lang="ko-KR" altLang="en-US" dirty="0">
-                <a:latin typeface="나눔스퀘어 Light" panose="020B0600000101010101" pitchFamily="50" charset="-127"/>
-                <a:ea typeface="나눔스퀘어 Light" panose="020B0600000101010101" pitchFamily="50" charset="-127"/>
-              </a:rPr>
-              <a:t>깔끔하게 출력하기 위해서</a:t>
-            </a:r>
-            <a:r>
-              <a:rPr lang="en-US" altLang="ko-KR" dirty="0">
-                <a:latin typeface="나눔스퀘어 Light" panose="020B0600000101010101" pitchFamily="50" charset="-127"/>
-                <a:ea typeface="나눔스퀘어 Light" panose="020B0600000101010101" pitchFamily="50" charset="-127"/>
-              </a:rPr>
-              <a:t>?</a:t>
-            </a:r>
-            <a:endParaRPr lang="ko-KR" altLang="en-US" dirty="0">
-              <a:latin typeface="나눔스퀘어 Light" panose="020B0600000101010101" pitchFamily="50" charset="-127"/>
-              <a:ea typeface="나눔스퀘어 Light" panose="020B0600000101010101" pitchFamily="50" charset="-127"/>
-            </a:endParaRPr>
-          </a:p>
-        </p:txBody>
-      </p:sp>
-      <p:sp>
-        <p:nvSpPr>
-          <p:cNvPr id="4" name="TextBox 3">
-            <a:extLst>
-              <a:ext uri="{FF2B5EF4-FFF2-40B4-BE49-F238E27FC236}">
-                <a16:creationId xmlns:a16="http://schemas.microsoft.com/office/drawing/2014/main" id="{51422546-2ABF-06F7-1709-A797CE5B32C1}"/>
-              </a:ext>
-            </a:extLst>
-          </p:cNvPr>
-          <p:cNvSpPr txBox="1"/>
-          <p:nvPr/>
-        </p:nvSpPr>
-        <p:spPr>
-          <a:xfrm>
-            <a:off x="942387" y="1445732"/>
-            <a:ext cx="10237694" cy="369332"/>
-          </a:xfrm>
-          <a:prstGeom prst="rect">
-            <a:avLst/>
-          </a:prstGeom>
-          <a:noFill/>
-        </p:spPr>
-        <p:txBody>
-          <a:bodyPr wrap="square" rtlCol="0">
-            <a:spAutoFit/>
-          </a:bodyPr>
-          <a:lstStyle/>
-          <a:p>
-            <a:r>
-              <a:rPr lang="ko-KR" altLang="en-US" dirty="0">
-                <a:latin typeface="나눔스퀘어 Light" panose="020B0600000101010101" pitchFamily="50" charset="-127"/>
-                <a:ea typeface="나눔스퀘어 Light" panose="020B0600000101010101" pitchFamily="50" charset="-127"/>
-              </a:rPr>
-              <a:t>도 틀린 말은 아니지만</a:t>
-            </a:r>
-            <a:r>
-              <a:rPr lang="en-US" altLang="ko-KR" dirty="0">
-                <a:latin typeface="나눔스퀘어 Light" panose="020B0600000101010101" pitchFamily="50" charset="-127"/>
-                <a:ea typeface="나눔스퀘어 Light" panose="020B0600000101010101" pitchFamily="50" charset="-127"/>
-              </a:rPr>
-              <a:t>, </a:t>
-            </a:r>
-            <a:r>
-              <a:rPr lang="ko-KR" altLang="en-US" dirty="0">
-                <a:latin typeface="나눔스퀘어 Light" panose="020B0600000101010101" pitchFamily="50" charset="-127"/>
-                <a:ea typeface="나눔스퀘어 Light" panose="020B0600000101010101" pitchFamily="50" charset="-127"/>
-              </a:rPr>
-              <a:t>제 개인적인 생각으론 탐색</a:t>
-            </a:r>
-            <a:r>
-              <a:rPr lang="en-US" altLang="ko-KR" dirty="0">
-                <a:latin typeface="나눔스퀘어 Light" panose="020B0600000101010101" pitchFamily="50" charset="-127"/>
-                <a:ea typeface="나눔스퀘어 Light" panose="020B0600000101010101" pitchFamily="50" charset="-127"/>
-              </a:rPr>
-              <a:t>(Searching)</a:t>
-            </a:r>
-            <a:r>
-              <a:rPr lang="ko-KR" altLang="en-US" dirty="0">
-                <a:latin typeface="나눔스퀘어 Light" panose="020B0600000101010101" pitchFamily="50" charset="-127"/>
-                <a:ea typeface="나눔스퀘어 Light" panose="020B0600000101010101" pitchFamily="50" charset="-127"/>
-              </a:rPr>
-              <a:t>하기 위해서 라고 생각합니다</a:t>
-            </a:r>
-            <a:r>
-              <a:rPr lang="en-US" altLang="ko-KR" dirty="0">
-                <a:latin typeface="나눔스퀘어 Light" panose="020B0600000101010101" pitchFamily="50" charset="-127"/>
-                <a:ea typeface="나눔스퀘어 Light" panose="020B0600000101010101" pitchFamily="50" charset="-127"/>
-              </a:rPr>
-              <a:t>.</a:t>
-            </a:r>
-            <a:endParaRPr lang="ko-KR" altLang="en-US" dirty="0">
-              <a:latin typeface="나눔스퀘어 Light" panose="020B0600000101010101" pitchFamily="50" charset="-127"/>
-              <a:ea typeface="나눔스퀘어 Light" panose="020B0600000101010101" pitchFamily="50" charset="-127"/>
-            </a:endParaRPr>
-          </a:p>
-        </p:txBody>
-      </p:sp>
-      <p:sp>
-        <p:nvSpPr>
-          <p:cNvPr id="6" name="TextBox 5">
-            <a:extLst>
-              <a:ext uri="{FF2B5EF4-FFF2-40B4-BE49-F238E27FC236}">
-                <a16:creationId xmlns:a16="http://schemas.microsoft.com/office/drawing/2014/main" id="{267CCEAC-D913-D83A-3755-41A6568284C8}"/>
-              </a:ext>
-            </a:extLst>
-          </p:cNvPr>
-          <p:cNvSpPr txBox="1"/>
-          <p:nvPr/>
-        </p:nvSpPr>
-        <p:spPr>
-          <a:xfrm>
-            <a:off x="942387" y="2373290"/>
-            <a:ext cx="10237694" cy="369332"/>
-          </a:xfrm>
-          <a:prstGeom prst="rect">
-            <a:avLst/>
-          </a:prstGeom>
-          <a:noFill/>
-        </p:spPr>
-        <p:txBody>
-          <a:bodyPr wrap="square" rtlCol="0">
-            <a:spAutoFit/>
-          </a:bodyPr>
-          <a:lstStyle/>
-          <a:p>
-            <a:r>
-              <a:rPr lang="ko-KR" altLang="en-US" dirty="0">
-                <a:latin typeface="나눔스퀘어 Light" panose="020B0600000101010101" pitchFamily="50" charset="-127"/>
-                <a:ea typeface="나눔스퀘어 Light" panose="020B0600000101010101" pitchFamily="50" charset="-127"/>
-              </a:rPr>
-              <a:t>아래 그림과 같이 원소</a:t>
-            </a:r>
-            <a:r>
-              <a:rPr lang="en-US" altLang="ko-KR" dirty="0">
-                <a:latin typeface="나눔스퀘어 Light" panose="020B0600000101010101" pitchFamily="50" charset="-127"/>
-                <a:ea typeface="나눔스퀘어 Light" panose="020B0600000101010101" pitchFamily="50" charset="-127"/>
-              </a:rPr>
-              <a:t>(</a:t>
-            </a:r>
-            <a:r>
-              <a:rPr lang="ko-KR" altLang="en-US" dirty="0">
-                <a:latin typeface="나눔스퀘어 Light" panose="020B0600000101010101" pitchFamily="50" charset="-127"/>
-                <a:ea typeface="나눔스퀘어 Light" panose="020B0600000101010101" pitchFamily="50" charset="-127"/>
-              </a:rPr>
-              <a:t>아무런 자연수</a:t>
-            </a:r>
-            <a:r>
-              <a:rPr lang="en-US" altLang="ko-KR" dirty="0">
-                <a:latin typeface="나눔스퀘어 Light" panose="020B0600000101010101" pitchFamily="50" charset="-127"/>
-                <a:ea typeface="나눔스퀘어 Light" panose="020B0600000101010101" pitchFamily="50" charset="-127"/>
-              </a:rPr>
-              <a:t>)</a:t>
-            </a:r>
-            <a:r>
-              <a:rPr lang="ko-KR" altLang="en-US" dirty="0">
-                <a:latin typeface="나눔스퀘어 Light" panose="020B0600000101010101" pitchFamily="50" charset="-127"/>
-                <a:ea typeface="나눔스퀘어 Light" panose="020B0600000101010101" pitchFamily="50" charset="-127"/>
-              </a:rPr>
-              <a:t> </a:t>
-            </a:r>
-            <a:r>
-              <a:rPr lang="en-US" altLang="ko-KR" dirty="0">
-                <a:latin typeface="나눔스퀘어 Light" panose="020B0600000101010101" pitchFamily="50" charset="-127"/>
-                <a:ea typeface="나눔스퀘어 Light" panose="020B0600000101010101" pitchFamily="50" charset="-127"/>
-              </a:rPr>
-              <a:t>100(N)</a:t>
-            </a:r>
-            <a:r>
-              <a:rPr lang="ko-KR" altLang="en-US" dirty="0">
-                <a:latin typeface="나눔스퀘어 Light" panose="020B0600000101010101" pitchFamily="50" charset="-127"/>
-                <a:ea typeface="나눔스퀘어 Light" panose="020B0600000101010101" pitchFamily="50" charset="-127"/>
-              </a:rPr>
-              <a:t>개를 가진 배열이 있다고 가정합니다</a:t>
-            </a:r>
-            <a:r>
-              <a:rPr lang="en-US" altLang="ko-KR" dirty="0">
-                <a:latin typeface="나눔스퀘어 Light" panose="020B0600000101010101" pitchFamily="50" charset="-127"/>
-                <a:ea typeface="나눔스퀘어 Light" panose="020B0600000101010101" pitchFamily="50" charset="-127"/>
-              </a:rPr>
-              <a:t>.</a:t>
-            </a:r>
-            <a:endParaRPr lang="ko-KR" altLang="en-US" dirty="0">
-              <a:latin typeface="나눔스퀘어 Light" panose="020B0600000101010101" pitchFamily="50" charset="-127"/>
-              <a:ea typeface="나눔스퀘어 Light" panose="020B0600000101010101" pitchFamily="50" charset="-127"/>
-            </a:endParaRPr>
-          </a:p>
-        </p:txBody>
-      </p:sp>
-      <p:graphicFrame>
-        <p:nvGraphicFramePr>
-          <p:cNvPr id="7" name="표 7">
-            <a:extLst>
-              <a:ext uri="{FF2B5EF4-FFF2-40B4-BE49-F238E27FC236}">
-                <a16:creationId xmlns:a16="http://schemas.microsoft.com/office/drawing/2014/main" id="{6475E535-C38A-3106-29A8-75857D4F425C}"/>
-              </a:ext>
-            </a:extLst>
-          </p:cNvPr>
-          <p:cNvGraphicFramePr>
-            <a:graphicFrameLocks noGrp="1"/>
-          </p:cNvGraphicFramePr>
-          <p:nvPr>
-            <p:extLst>
-              <p:ext uri="{D42A27DB-BD31-4B8C-83A1-F6EECF244321}">
-                <p14:modId xmlns:p14="http://schemas.microsoft.com/office/powerpoint/2010/main" val="1964422754"/>
-              </p:ext>
-            </p:extLst>
-          </p:nvPr>
-        </p:nvGraphicFramePr>
-        <p:xfrm>
-          <a:off x="942387" y="2904956"/>
-          <a:ext cx="8128000" cy="370840"/>
-        </p:xfrm>
-        <a:graphic>
-          <a:graphicData uri="http://schemas.openxmlformats.org/drawingml/2006/table">
-            <a:tbl>
-              <a:tblPr firstRow="1" bandRow="1">
-                <a:tableStyleId>{BC89EF96-8CEA-46FF-86C4-4CE0E7609802}</a:tableStyleId>
-              </a:tblPr>
-              <a:tblGrid>
-                <a:gridCol w="812800">
-                  <a:extLst>
-                    <a:ext uri="{9D8B030D-6E8A-4147-A177-3AD203B41FA5}">
-                      <a16:colId xmlns:a16="http://schemas.microsoft.com/office/drawing/2014/main" val="889649261"/>
-                    </a:ext>
-                  </a:extLst>
-                </a:gridCol>
-                <a:gridCol w="812800">
-                  <a:extLst>
-                    <a:ext uri="{9D8B030D-6E8A-4147-A177-3AD203B41FA5}">
-                      <a16:colId xmlns:a16="http://schemas.microsoft.com/office/drawing/2014/main" val="2886229683"/>
-                    </a:ext>
-                  </a:extLst>
-                </a:gridCol>
-                <a:gridCol w="812800">
-                  <a:extLst>
-                    <a:ext uri="{9D8B030D-6E8A-4147-A177-3AD203B41FA5}">
-                      <a16:colId xmlns:a16="http://schemas.microsoft.com/office/drawing/2014/main" val="1484315158"/>
-                    </a:ext>
-                  </a:extLst>
-                </a:gridCol>
-                <a:gridCol w="812800">
-                  <a:extLst>
-                    <a:ext uri="{9D8B030D-6E8A-4147-A177-3AD203B41FA5}">
-                      <a16:colId xmlns:a16="http://schemas.microsoft.com/office/drawing/2014/main" val="4141392765"/>
-                    </a:ext>
-                  </a:extLst>
-                </a:gridCol>
-                <a:gridCol w="812800">
-                  <a:extLst>
-                    <a:ext uri="{9D8B030D-6E8A-4147-A177-3AD203B41FA5}">
-                      <a16:colId xmlns:a16="http://schemas.microsoft.com/office/drawing/2014/main" val="549317650"/>
-                    </a:ext>
-                  </a:extLst>
-                </a:gridCol>
-                <a:gridCol w="812800">
-                  <a:extLst>
-                    <a:ext uri="{9D8B030D-6E8A-4147-A177-3AD203B41FA5}">
-                      <a16:colId xmlns:a16="http://schemas.microsoft.com/office/drawing/2014/main" val="98612628"/>
-                    </a:ext>
-                  </a:extLst>
-                </a:gridCol>
-                <a:gridCol w="812800">
-                  <a:extLst>
-                    <a:ext uri="{9D8B030D-6E8A-4147-A177-3AD203B41FA5}">
-                      <a16:colId xmlns:a16="http://schemas.microsoft.com/office/drawing/2014/main" val="2431834233"/>
-                    </a:ext>
-                  </a:extLst>
-                </a:gridCol>
-                <a:gridCol w="812800">
-                  <a:extLst>
-                    <a:ext uri="{9D8B030D-6E8A-4147-A177-3AD203B41FA5}">
-                      <a16:colId xmlns:a16="http://schemas.microsoft.com/office/drawing/2014/main" val="3210358423"/>
-                    </a:ext>
-                  </a:extLst>
-                </a:gridCol>
-                <a:gridCol w="812800">
-                  <a:extLst>
-                    <a:ext uri="{9D8B030D-6E8A-4147-A177-3AD203B41FA5}">
-                      <a16:colId xmlns:a16="http://schemas.microsoft.com/office/drawing/2014/main" val="1806503305"/>
-                    </a:ext>
-                  </a:extLst>
-                </a:gridCol>
-                <a:gridCol w="812800">
-                  <a:extLst>
-                    <a:ext uri="{9D8B030D-6E8A-4147-A177-3AD203B41FA5}">
-                      <a16:colId xmlns:a16="http://schemas.microsoft.com/office/drawing/2014/main" val="1470456544"/>
-                    </a:ext>
-                  </a:extLst>
-                </a:gridCol>
-              </a:tblGrid>
-              <a:tr h="370840">
-                <a:tc>
-                  <a:txBody>
-                    <a:bodyPr/>
-                    <a:lstStyle/>
-                    <a:p>
-                      <a:pPr algn="ctr" latinLnBrk="1"/>
-                      <a:r>
-                        <a:rPr lang="en-US" altLang="ko-KR" b="0" dirty="0">
-                          <a:latin typeface="나눔스퀘어 Light" panose="020B0600000101010101" pitchFamily="50" charset="-127"/>
-                          <a:ea typeface="나눔스퀘어 Light" panose="020B0600000101010101" pitchFamily="50" charset="-127"/>
-                        </a:rPr>
-                        <a:t>5</a:t>
-                      </a:r>
-                      <a:endParaRPr lang="ko-KR" altLang="en-US" b="0" dirty="0">
-                        <a:latin typeface="나눔스퀘어 Light" panose="020B0600000101010101" pitchFamily="50" charset="-127"/>
-                        <a:ea typeface="나눔스퀘어 Light" panose="020B0600000101010101" pitchFamily="50" charset="-127"/>
-                      </a:endParaRPr>
-                    </a:p>
-                  </a:txBody>
-                  <a:tcPr/>
-                </a:tc>
-                <a:tc>
-                  <a:txBody>
-                    <a:bodyPr/>
-                    <a:lstStyle/>
-                    <a:p>
-                      <a:pPr algn="ctr" latinLnBrk="1"/>
-                      <a:r>
-                        <a:rPr lang="en-US" altLang="ko-KR" b="0" dirty="0">
-                          <a:latin typeface="나눔스퀘어 Light" panose="020B0600000101010101" pitchFamily="50" charset="-127"/>
-                          <a:ea typeface="나눔스퀘어 Light" panose="020B0600000101010101" pitchFamily="50" charset="-127"/>
-                        </a:rPr>
-                        <a:t>1</a:t>
-                      </a:r>
-                      <a:endParaRPr lang="ko-KR" altLang="en-US" b="0" dirty="0">
-                        <a:latin typeface="나눔스퀘어 Light" panose="020B0600000101010101" pitchFamily="50" charset="-127"/>
-                        <a:ea typeface="나눔스퀘어 Light" panose="020B0600000101010101" pitchFamily="50" charset="-127"/>
-                      </a:endParaRPr>
-                    </a:p>
-                  </a:txBody>
-                  <a:tcPr/>
-                </a:tc>
-                <a:tc>
-                  <a:txBody>
-                    <a:bodyPr/>
-                    <a:lstStyle/>
-                    <a:p>
-                      <a:pPr algn="ctr" latinLnBrk="1"/>
-                      <a:r>
-                        <a:rPr lang="en-US" altLang="ko-KR" b="0" dirty="0">
-                          <a:latin typeface="나눔스퀘어 Light" panose="020B0600000101010101" pitchFamily="50" charset="-127"/>
-                          <a:ea typeface="나눔스퀘어 Light" panose="020B0600000101010101" pitchFamily="50" charset="-127"/>
-                        </a:rPr>
-                        <a:t>3</a:t>
-                      </a:r>
-                      <a:endParaRPr lang="ko-KR" altLang="en-US" b="0" dirty="0">
-                        <a:latin typeface="나눔스퀘어 Light" panose="020B0600000101010101" pitchFamily="50" charset="-127"/>
-                        <a:ea typeface="나눔스퀘어 Light" panose="020B0600000101010101" pitchFamily="50" charset="-127"/>
-                      </a:endParaRPr>
-                    </a:p>
-                  </a:txBody>
-                  <a:tcPr/>
-                </a:tc>
-                <a:tc>
-                  <a:txBody>
-                    <a:bodyPr/>
-                    <a:lstStyle/>
-                    <a:p>
-                      <a:pPr algn="ctr" latinLnBrk="1"/>
-                      <a:r>
-                        <a:rPr lang="en-US" altLang="ko-KR" b="0" dirty="0">
-                          <a:latin typeface="나눔스퀘어 Light" panose="020B0600000101010101" pitchFamily="50" charset="-127"/>
-                          <a:ea typeface="나눔스퀘어 Light" panose="020B0600000101010101" pitchFamily="50" charset="-127"/>
-                        </a:rPr>
-                        <a:t>3</a:t>
-                      </a:r>
-                      <a:endParaRPr lang="ko-KR" altLang="en-US" b="0" dirty="0">
-                        <a:latin typeface="나눔스퀘어 Light" panose="020B0600000101010101" pitchFamily="50" charset="-127"/>
-                        <a:ea typeface="나눔스퀘어 Light" panose="020B0600000101010101" pitchFamily="50" charset="-127"/>
-                      </a:endParaRPr>
-                    </a:p>
-                  </a:txBody>
-                  <a:tcPr/>
-                </a:tc>
-                <a:tc>
-                  <a:txBody>
-                    <a:bodyPr/>
-                    <a:lstStyle/>
-                    <a:p>
-                      <a:pPr algn="ctr" latinLnBrk="1"/>
-                      <a:r>
-                        <a:rPr lang="en-US" altLang="ko-KR" b="0" dirty="0">
-                          <a:latin typeface="나눔스퀘어 Light" panose="020B0600000101010101" pitchFamily="50" charset="-127"/>
-                          <a:ea typeface="나눔스퀘어 Light" panose="020B0600000101010101" pitchFamily="50" charset="-127"/>
-                        </a:rPr>
-                        <a:t>8</a:t>
-                      </a:r>
-                      <a:endParaRPr lang="ko-KR" altLang="en-US" b="0" dirty="0">
-                        <a:latin typeface="나눔스퀘어 Light" panose="020B0600000101010101" pitchFamily="50" charset="-127"/>
-                        <a:ea typeface="나눔스퀘어 Light" panose="020B0600000101010101" pitchFamily="50" charset="-127"/>
-                      </a:endParaRPr>
-                    </a:p>
-                  </a:txBody>
-                  <a:tcPr/>
-                </a:tc>
-                <a:tc>
-                  <a:txBody>
-                    <a:bodyPr/>
-                    <a:lstStyle/>
-                    <a:p>
-                      <a:pPr algn="ctr" latinLnBrk="1"/>
-                      <a:r>
-                        <a:rPr lang="en-US" altLang="ko-KR" b="0" dirty="0">
-                          <a:latin typeface="나눔스퀘어 Light" panose="020B0600000101010101" pitchFamily="50" charset="-127"/>
-                          <a:ea typeface="나눔스퀘어 Light" panose="020B0600000101010101" pitchFamily="50" charset="-127"/>
-                        </a:rPr>
-                        <a:t>9</a:t>
-                      </a:r>
-                      <a:endParaRPr lang="ko-KR" altLang="en-US" b="0" dirty="0">
-                        <a:latin typeface="나눔스퀘어 Light" panose="020B0600000101010101" pitchFamily="50" charset="-127"/>
-                        <a:ea typeface="나눔스퀘어 Light" panose="020B0600000101010101" pitchFamily="50" charset="-127"/>
-                      </a:endParaRPr>
-                    </a:p>
-                  </a:txBody>
-                  <a:tcPr/>
-                </a:tc>
-                <a:tc>
-                  <a:txBody>
-                    <a:bodyPr/>
-                    <a:lstStyle/>
-                    <a:p>
-                      <a:pPr algn="ctr" latinLnBrk="1"/>
-                      <a:r>
-                        <a:rPr lang="en-US" altLang="ko-KR" b="0" dirty="0">
-                          <a:latin typeface="나눔스퀘어 Light" panose="020B0600000101010101" pitchFamily="50" charset="-127"/>
-                          <a:ea typeface="나눔스퀘어 Light" panose="020B0600000101010101" pitchFamily="50" charset="-127"/>
-                        </a:rPr>
-                        <a:t>3</a:t>
-                      </a:r>
-                      <a:endParaRPr lang="ko-KR" altLang="en-US" b="0" dirty="0">
-                        <a:latin typeface="나눔스퀘어 Light" panose="020B0600000101010101" pitchFamily="50" charset="-127"/>
-                        <a:ea typeface="나눔스퀘어 Light" panose="020B0600000101010101" pitchFamily="50" charset="-127"/>
-                      </a:endParaRPr>
-                    </a:p>
-                  </a:txBody>
-                  <a:tcPr/>
-                </a:tc>
-                <a:tc>
-                  <a:txBody>
-                    <a:bodyPr/>
-                    <a:lstStyle/>
-                    <a:p>
-                      <a:pPr algn="ctr" latinLnBrk="1"/>
-                      <a:r>
-                        <a:rPr lang="en-US" altLang="ko-KR" b="0" dirty="0">
-                          <a:latin typeface="나눔스퀘어 Light" panose="020B0600000101010101" pitchFamily="50" charset="-127"/>
-                          <a:ea typeface="나눔스퀘어 Light" panose="020B0600000101010101" pitchFamily="50" charset="-127"/>
-                        </a:rPr>
-                        <a:t>6</a:t>
-                      </a:r>
-                      <a:endParaRPr lang="ko-KR" altLang="en-US" b="0" dirty="0">
-                        <a:latin typeface="나눔스퀘어 Light" panose="020B0600000101010101" pitchFamily="50" charset="-127"/>
-                        <a:ea typeface="나눔스퀘어 Light" panose="020B0600000101010101" pitchFamily="50" charset="-127"/>
-                      </a:endParaRPr>
-                    </a:p>
-                  </a:txBody>
-                  <a:tcPr/>
-                </a:tc>
-                <a:tc>
-                  <a:txBody>
-                    <a:bodyPr/>
-                    <a:lstStyle/>
-                    <a:p>
-                      <a:pPr algn="ctr" latinLnBrk="1"/>
-                      <a:r>
-                        <a:rPr lang="en-US" altLang="ko-KR" b="0" dirty="0">
-                          <a:latin typeface="나눔스퀘어 Light" panose="020B0600000101010101" pitchFamily="50" charset="-127"/>
-                          <a:ea typeface="나눔스퀘어 Light" panose="020B0600000101010101" pitchFamily="50" charset="-127"/>
-                        </a:rPr>
-                        <a:t>…</a:t>
-                      </a:r>
-                      <a:endParaRPr lang="ko-KR" altLang="en-US" b="0" dirty="0">
-                        <a:latin typeface="나눔스퀘어 Light" panose="020B0600000101010101" pitchFamily="50" charset="-127"/>
-                        <a:ea typeface="나눔스퀘어 Light" panose="020B0600000101010101" pitchFamily="50" charset="-127"/>
-                      </a:endParaRPr>
-                    </a:p>
-                  </a:txBody>
-                  <a:tcPr/>
-                </a:tc>
-                <a:tc>
-                  <a:txBody>
-                    <a:bodyPr/>
-                    <a:lstStyle/>
-                    <a:p>
-                      <a:pPr algn="ctr" latinLnBrk="1"/>
-                      <a:r>
-                        <a:rPr lang="en-US" altLang="ko-KR" b="0" dirty="0">
-                          <a:latin typeface="나눔스퀘어 Light" panose="020B0600000101010101" pitchFamily="50" charset="-127"/>
-                          <a:ea typeface="나눔스퀘어 Light" panose="020B0600000101010101" pitchFamily="50" charset="-127"/>
-                        </a:rPr>
-                        <a:t>77</a:t>
-                      </a:r>
-                      <a:endParaRPr lang="ko-KR" altLang="en-US" b="0" dirty="0">
-                        <a:latin typeface="나눔스퀘어 Light" panose="020B0600000101010101" pitchFamily="50" charset="-127"/>
-                        <a:ea typeface="나눔스퀘어 Light" panose="020B0600000101010101" pitchFamily="50" charset="-127"/>
-                      </a:endParaRPr>
-                    </a:p>
-                  </a:txBody>
-                  <a:tcPr/>
-                </a:tc>
-                <a:extLst>
-                  <a:ext uri="{0D108BD9-81ED-4DB2-BD59-A6C34878D82A}">
-                    <a16:rowId xmlns:a16="http://schemas.microsoft.com/office/drawing/2014/main" val="1726825287"/>
-                  </a:ext>
-                </a:extLst>
-              </a:tr>
-            </a:tbl>
-          </a:graphicData>
-        </a:graphic>
-      </p:graphicFrame>
-      <p:sp>
-        <p:nvSpPr>
-          <p:cNvPr id="8" name="TextBox 7">
-            <a:extLst>
-              <a:ext uri="{FF2B5EF4-FFF2-40B4-BE49-F238E27FC236}">
-                <a16:creationId xmlns:a16="http://schemas.microsoft.com/office/drawing/2014/main" id="{4C116371-582C-D61C-70FC-5D3D77EEF03C}"/>
-              </a:ext>
-            </a:extLst>
-          </p:cNvPr>
-          <p:cNvSpPr txBox="1"/>
-          <p:nvPr/>
-        </p:nvSpPr>
-        <p:spPr>
-          <a:xfrm>
-            <a:off x="942387" y="3746047"/>
-            <a:ext cx="10237694" cy="369332"/>
-          </a:xfrm>
-          <a:prstGeom prst="rect">
-            <a:avLst/>
-          </a:prstGeom>
-          <a:noFill/>
-        </p:spPr>
-        <p:txBody>
-          <a:bodyPr wrap="square" rtlCol="0">
-            <a:spAutoFit/>
-          </a:bodyPr>
-          <a:lstStyle/>
-          <a:p>
-            <a:r>
-              <a:rPr lang="ko-KR" altLang="en-US" dirty="0">
-                <a:latin typeface="나눔스퀘어 Light" panose="020B0600000101010101" pitchFamily="50" charset="-127"/>
-                <a:ea typeface="나눔스퀘어 Light" panose="020B0600000101010101" pitchFamily="50" charset="-127"/>
-              </a:rPr>
-              <a:t>이 배열에서 </a:t>
-            </a:r>
-            <a:r>
-              <a:rPr lang="en-US" altLang="ko-KR" dirty="0">
-                <a:latin typeface="나눔스퀘어 Light" panose="020B0600000101010101" pitchFamily="50" charset="-127"/>
-                <a:ea typeface="나눔스퀘어 Light" panose="020B0600000101010101" pitchFamily="50" charset="-127"/>
-              </a:rPr>
-              <a:t>X</a:t>
-            </a:r>
-            <a:r>
-              <a:rPr lang="ko-KR" altLang="en-US" dirty="0">
-                <a:latin typeface="나눔스퀘어 Light" panose="020B0600000101010101" pitchFamily="50" charset="-127"/>
-                <a:ea typeface="나눔스퀘어 Light" panose="020B0600000101010101" pitchFamily="50" charset="-127"/>
-              </a:rPr>
-              <a:t>가 존재하는지 찾으려면</a:t>
-            </a:r>
-            <a:r>
-              <a:rPr lang="en-US" altLang="ko-KR" dirty="0">
-                <a:latin typeface="나눔스퀘어 Light" panose="020B0600000101010101" pitchFamily="50" charset="-127"/>
-                <a:ea typeface="나눔스퀘어 Light" panose="020B0600000101010101" pitchFamily="50" charset="-127"/>
-              </a:rPr>
-              <a:t>, </a:t>
-            </a:r>
-            <a:r>
-              <a:rPr lang="ko-KR" altLang="en-US" dirty="0">
-                <a:latin typeface="나눔스퀘어 Light" panose="020B0600000101010101" pitchFamily="50" charset="-127"/>
-                <a:ea typeface="나눔스퀘어 Light" panose="020B0600000101010101" pitchFamily="50" charset="-127"/>
-              </a:rPr>
-              <a:t>몇 번을 찾아봐야 할까요</a:t>
-            </a:r>
-            <a:r>
-              <a:rPr lang="en-US" altLang="ko-KR" dirty="0">
-                <a:latin typeface="나눔스퀘어 Light" panose="020B0600000101010101" pitchFamily="50" charset="-127"/>
-                <a:ea typeface="나눔스퀘어 Light" panose="020B0600000101010101" pitchFamily="50" charset="-127"/>
-              </a:rPr>
-              <a:t>? </a:t>
-            </a:r>
-            <a:r>
-              <a:rPr lang="ko-KR" altLang="en-US" dirty="0">
-                <a:latin typeface="나눔스퀘어 Light" panose="020B0600000101010101" pitchFamily="50" charset="-127"/>
-                <a:ea typeface="나눔스퀘어 Light" panose="020B0600000101010101" pitchFamily="50" charset="-127"/>
-              </a:rPr>
-              <a:t>그 전에</a:t>
-            </a:r>
-            <a:r>
-              <a:rPr lang="en-US" altLang="ko-KR" dirty="0">
-                <a:latin typeface="나눔스퀘어 Light" panose="020B0600000101010101" pitchFamily="50" charset="-127"/>
-                <a:ea typeface="나눔스퀘어 Light" panose="020B0600000101010101" pitchFamily="50" charset="-127"/>
-              </a:rPr>
-              <a:t>, </a:t>
-            </a:r>
-            <a:r>
-              <a:rPr lang="ko-KR" altLang="en-US" dirty="0">
-                <a:latin typeface="나눔스퀘어 Light" panose="020B0600000101010101" pitchFamily="50" charset="-127"/>
-                <a:ea typeface="나눔스퀘어 Light" panose="020B0600000101010101" pitchFamily="50" charset="-127"/>
-              </a:rPr>
-              <a:t>어떻게 찾아야 할까요</a:t>
-            </a:r>
-            <a:r>
-              <a:rPr lang="en-US" altLang="ko-KR" dirty="0">
-                <a:latin typeface="나눔스퀘어 Light" panose="020B0600000101010101" pitchFamily="50" charset="-127"/>
-                <a:ea typeface="나눔스퀘어 Light" panose="020B0600000101010101" pitchFamily="50" charset="-127"/>
-              </a:rPr>
-              <a:t>?</a:t>
-            </a:r>
-            <a:endParaRPr lang="ko-KR" altLang="en-US" dirty="0">
-              <a:latin typeface="나눔스퀘어 Light" panose="020B0600000101010101" pitchFamily="50" charset="-127"/>
-              <a:ea typeface="나눔스퀘어 Light" panose="020B0600000101010101" pitchFamily="50" charset="-127"/>
-            </a:endParaRPr>
-          </a:p>
-        </p:txBody>
-      </p:sp>
-      <p:sp>
-        <p:nvSpPr>
-          <p:cNvPr id="9" name="TextBox 8">
-            <a:extLst>
-              <a:ext uri="{FF2B5EF4-FFF2-40B4-BE49-F238E27FC236}">
-                <a16:creationId xmlns:a16="http://schemas.microsoft.com/office/drawing/2014/main" id="{66B4B6EC-1291-161A-95EB-B30178F2249F}"/>
-              </a:ext>
-            </a:extLst>
-          </p:cNvPr>
-          <p:cNvSpPr txBox="1"/>
-          <p:nvPr/>
-        </p:nvSpPr>
-        <p:spPr>
-          <a:xfrm>
-            <a:off x="942387" y="5747289"/>
-            <a:ext cx="10237694" cy="369332"/>
-          </a:xfrm>
-          <a:prstGeom prst="rect">
-            <a:avLst/>
-          </a:prstGeom>
-          <a:noFill/>
-        </p:spPr>
-        <p:txBody>
-          <a:bodyPr wrap="square" rtlCol="0">
-            <a:spAutoFit/>
-          </a:bodyPr>
-          <a:lstStyle/>
-          <a:p>
-            <a:r>
-              <a:rPr lang="ko-KR" altLang="en-US" dirty="0">
-                <a:latin typeface="나눔스퀘어 Light" panose="020B0600000101010101" pitchFamily="50" charset="-127"/>
-                <a:ea typeface="나눔스퀘어 Light" panose="020B0600000101010101" pitchFamily="50" charset="-127"/>
-              </a:rPr>
-              <a:t>이 방법은 운이 좋으면 </a:t>
-            </a:r>
-            <a:r>
-              <a:rPr lang="en-US" altLang="ko-KR" dirty="0">
-                <a:latin typeface="나눔스퀘어 Light" panose="020B0600000101010101" pitchFamily="50" charset="-127"/>
-                <a:ea typeface="나눔스퀘어 Light" panose="020B0600000101010101" pitchFamily="50" charset="-127"/>
-              </a:rPr>
-              <a:t>1</a:t>
-            </a:r>
-            <a:r>
-              <a:rPr lang="ko-KR" altLang="en-US" dirty="0">
-                <a:latin typeface="나눔스퀘어 Light" panose="020B0600000101010101" pitchFamily="50" charset="-127"/>
-                <a:ea typeface="나눔스퀘어 Light" panose="020B0600000101010101" pitchFamily="50" charset="-127"/>
-              </a:rPr>
-              <a:t>번에도 찾겠지만</a:t>
-            </a:r>
-            <a:r>
-              <a:rPr lang="en-US" altLang="ko-KR" dirty="0">
-                <a:latin typeface="나눔스퀘어 Light" panose="020B0600000101010101" pitchFamily="50" charset="-127"/>
-                <a:ea typeface="나눔스퀘어 Light" panose="020B0600000101010101" pitchFamily="50" charset="-127"/>
-              </a:rPr>
-              <a:t>, </a:t>
-            </a:r>
-            <a:r>
-              <a:rPr lang="ko-KR" altLang="en-US" dirty="0">
-                <a:latin typeface="나눔스퀘어 Light" panose="020B0600000101010101" pitchFamily="50" charset="-127"/>
-                <a:ea typeface="나눔스퀘어 Light" panose="020B0600000101010101" pitchFamily="50" charset="-127"/>
-              </a:rPr>
-              <a:t>운이 없으면 </a:t>
-            </a:r>
-            <a:r>
-              <a:rPr lang="en-US" altLang="ko-KR" dirty="0">
-                <a:latin typeface="나눔스퀘어 Light" panose="020B0600000101010101" pitchFamily="50" charset="-127"/>
-                <a:ea typeface="나눔스퀘어 Light" panose="020B0600000101010101" pitchFamily="50" charset="-127"/>
-              </a:rPr>
-              <a:t>100 (N)</a:t>
-            </a:r>
-            <a:r>
-              <a:rPr lang="ko-KR" altLang="en-US" dirty="0">
-                <a:latin typeface="나눔스퀘어 Light" panose="020B0600000101010101" pitchFamily="50" charset="-127"/>
-                <a:ea typeface="나눔스퀘어 Light" panose="020B0600000101010101" pitchFamily="50" charset="-127"/>
-              </a:rPr>
-              <a:t>번을 다 찾아봐야 할 수도 있습니다</a:t>
-            </a:r>
-            <a:r>
-              <a:rPr lang="en-US" altLang="ko-KR" dirty="0">
-                <a:latin typeface="나눔스퀘어 Light" panose="020B0600000101010101" pitchFamily="50" charset="-127"/>
-                <a:ea typeface="나눔스퀘어 Light" panose="020B0600000101010101" pitchFamily="50" charset="-127"/>
-              </a:rPr>
-              <a:t>.</a:t>
-            </a:r>
-            <a:endParaRPr lang="ko-KR" altLang="en-US" dirty="0">
-              <a:latin typeface="나눔스퀘어 Light" panose="020B0600000101010101" pitchFamily="50" charset="-127"/>
-              <a:ea typeface="나눔스퀘어 Light" panose="020B0600000101010101" pitchFamily="50" charset="-127"/>
-            </a:endParaRPr>
-          </a:p>
-        </p:txBody>
-      </p:sp>
-      <p:sp>
-        <p:nvSpPr>
-          <p:cNvPr id="10" name="TextBox 9">
-            <a:extLst>
-              <a:ext uri="{FF2B5EF4-FFF2-40B4-BE49-F238E27FC236}">
-                <a16:creationId xmlns:a16="http://schemas.microsoft.com/office/drawing/2014/main" id="{77EA3825-C5B8-02BD-D650-1ED9146F877E}"/>
-              </a:ext>
-            </a:extLst>
-          </p:cNvPr>
-          <p:cNvSpPr txBox="1"/>
-          <p:nvPr/>
-        </p:nvSpPr>
-        <p:spPr>
-          <a:xfrm>
-            <a:off x="942387" y="4115379"/>
-            <a:ext cx="10237694" cy="369332"/>
-          </a:xfrm>
-          <a:prstGeom prst="rect">
-            <a:avLst/>
-          </a:prstGeom>
-          <a:noFill/>
-        </p:spPr>
-        <p:txBody>
-          <a:bodyPr wrap="square" rtlCol="0">
-            <a:spAutoFit/>
-          </a:bodyPr>
-          <a:lstStyle/>
-          <a:p>
-            <a:r>
-              <a:rPr lang="ko-KR" altLang="en-US" dirty="0">
-                <a:latin typeface="나눔스퀘어 Light" panose="020B0600000101010101" pitchFamily="50" charset="-127"/>
-                <a:ea typeface="나눔스퀘어 Light" panose="020B0600000101010101" pitchFamily="50" charset="-127"/>
-              </a:rPr>
-              <a:t>가장 먼저 떠오르는 방법은 </a:t>
-            </a:r>
-            <a:r>
-              <a:rPr lang="en-US" altLang="ko-KR" dirty="0">
-                <a:latin typeface="나눔스퀘어 Light" panose="020B0600000101010101" pitchFamily="50" charset="-127"/>
-                <a:ea typeface="나눔스퀘어 Light" panose="020B0600000101010101" pitchFamily="50" charset="-127"/>
-              </a:rPr>
-              <a:t>Brute Force </a:t>
-            </a:r>
-            <a:r>
-              <a:rPr lang="ko-KR" altLang="en-US" dirty="0">
-                <a:latin typeface="나눔스퀘어 Light" panose="020B0600000101010101" pitchFamily="50" charset="-127"/>
-                <a:ea typeface="나눔스퀘어 Light" panose="020B0600000101010101" pitchFamily="50" charset="-127"/>
-              </a:rPr>
-              <a:t>처럼 그냥 앞에서부터</a:t>
-            </a:r>
-            <a:r>
-              <a:rPr lang="en-US" altLang="ko-KR" dirty="0">
-                <a:latin typeface="나눔스퀘어 Light" panose="020B0600000101010101" pitchFamily="50" charset="-127"/>
-                <a:ea typeface="나눔스퀘어 Light" panose="020B0600000101010101" pitchFamily="50" charset="-127"/>
-              </a:rPr>
-              <a:t>(</a:t>
-            </a:r>
-            <a:r>
-              <a:rPr lang="ko-KR" altLang="en-US" dirty="0">
-                <a:latin typeface="나눔스퀘어 Light" panose="020B0600000101010101" pitchFamily="50" charset="-127"/>
-                <a:ea typeface="나눔스퀘어 Light" panose="020B0600000101010101" pitchFamily="50" charset="-127"/>
-              </a:rPr>
-              <a:t>혹은 뒤에서부터</a:t>
-            </a:r>
-            <a:r>
-              <a:rPr lang="en-US" altLang="ko-KR" dirty="0">
-                <a:latin typeface="나눔스퀘어 Light" panose="020B0600000101010101" pitchFamily="50" charset="-127"/>
-                <a:ea typeface="나눔스퀘어 Light" panose="020B0600000101010101" pitchFamily="50" charset="-127"/>
-              </a:rPr>
-              <a:t>) </a:t>
-            </a:r>
-            <a:r>
-              <a:rPr lang="ko-KR" altLang="en-US" dirty="0">
-                <a:latin typeface="나눔스퀘어 Light" panose="020B0600000101010101" pitchFamily="50" charset="-127"/>
-                <a:ea typeface="나눔스퀘어 Light" panose="020B0600000101010101" pitchFamily="50" charset="-127"/>
-              </a:rPr>
-              <a:t>하나씩 일일이 찾아보는</a:t>
-            </a:r>
-          </a:p>
-        </p:txBody>
-      </p:sp>
-      <p:sp>
-        <p:nvSpPr>
-          <p:cNvPr id="11" name="TextBox 10">
-            <a:extLst>
-              <a:ext uri="{FF2B5EF4-FFF2-40B4-BE49-F238E27FC236}">
-                <a16:creationId xmlns:a16="http://schemas.microsoft.com/office/drawing/2014/main" id="{BE10A631-64F9-2CA0-6281-35ABF3094781}"/>
-              </a:ext>
-            </a:extLst>
-          </p:cNvPr>
-          <p:cNvSpPr txBox="1"/>
-          <p:nvPr/>
-        </p:nvSpPr>
-        <p:spPr>
-          <a:xfrm>
-            <a:off x="942387" y="4488938"/>
-            <a:ext cx="10237694" cy="369332"/>
-          </a:xfrm>
-          <a:prstGeom prst="rect">
-            <a:avLst/>
-          </a:prstGeom>
-          <a:noFill/>
-        </p:spPr>
-        <p:txBody>
-          <a:bodyPr wrap="square" rtlCol="0">
-            <a:spAutoFit/>
-          </a:bodyPr>
-          <a:lstStyle/>
-          <a:p>
-            <a:r>
-              <a:rPr lang="ko-KR" altLang="en-US" dirty="0">
-                <a:latin typeface="나눔스퀘어 Light" panose="020B0600000101010101" pitchFamily="50" charset="-127"/>
-                <a:ea typeface="나눔스퀘어 Light" panose="020B0600000101010101" pitchFamily="50" charset="-127"/>
-              </a:rPr>
-              <a:t>방법이 있겠네요</a:t>
-            </a:r>
-            <a:r>
-              <a:rPr lang="en-US" altLang="ko-KR" dirty="0">
-                <a:latin typeface="나눔스퀘어 Light" panose="020B0600000101010101" pitchFamily="50" charset="-127"/>
-                <a:ea typeface="나눔스퀘어 Light" panose="020B0600000101010101" pitchFamily="50" charset="-127"/>
-              </a:rPr>
-              <a:t>. </a:t>
-            </a:r>
-            <a:r>
-              <a:rPr lang="ko-KR" altLang="en-US" dirty="0">
-                <a:latin typeface="나눔스퀘어 Light" panose="020B0600000101010101" pitchFamily="50" charset="-127"/>
-                <a:ea typeface="나눔스퀘어 Light" panose="020B0600000101010101" pitchFamily="50" charset="-127"/>
-              </a:rPr>
-              <a:t>이를 순차 탐색</a:t>
-            </a:r>
-            <a:r>
-              <a:rPr lang="en-US" altLang="ko-KR" dirty="0">
-                <a:latin typeface="나눔스퀘어 Light" panose="020B0600000101010101" pitchFamily="50" charset="-127"/>
-                <a:ea typeface="나눔스퀘어 Light" panose="020B0600000101010101" pitchFamily="50" charset="-127"/>
-              </a:rPr>
-              <a:t>(Sequential Search)</a:t>
-            </a:r>
-            <a:r>
-              <a:rPr lang="ko-KR" altLang="en-US" dirty="0">
-                <a:latin typeface="나눔스퀘어 Light" panose="020B0600000101010101" pitchFamily="50" charset="-127"/>
-                <a:ea typeface="나눔스퀘어 Light" panose="020B0600000101010101" pitchFamily="50" charset="-127"/>
-              </a:rPr>
-              <a:t>이라고 합니다</a:t>
-            </a:r>
-            <a:r>
-              <a:rPr lang="en-US" altLang="ko-KR" dirty="0">
-                <a:latin typeface="나눔스퀘어 Light" panose="020B0600000101010101" pitchFamily="50" charset="-127"/>
-                <a:ea typeface="나눔스퀘어 Light" panose="020B0600000101010101" pitchFamily="50" charset="-127"/>
-              </a:rPr>
-              <a:t>.</a:t>
-            </a:r>
-            <a:endParaRPr lang="ko-KR" altLang="en-US" dirty="0">
-              <a:latin typeface="나눔스퀘어 Light" panose="020B0600000101010101" pitchFamily="50" charset="-127"/>
-              <a:ea typeface="나눔스퀘어 Light" panose="020B0600000101010101" pitchFamily="50" charset="-127"/>
-            </a:endParaRPr>
-          </a:p>
-        </p:txBody>
-      </p:sp>
-      <mc:AlternateContent xmlns:mc="http://schemas.openxmlformats.org/markup-compatibility/2006" xmlns:a14="http://schemas.microsoft.com/office/drawing/2010/main">
-        <mc:Choice Requires="a14">
-          <p:sp>
-            <p:nvSpPr>
-              <p:cNvPr id="12" name="TextBox 11">
-                <a:extLst>
-                  <a:ext uri="{FF2B5EF4-FFF2-40B4-BE49-F238E27FC236}">
-                    <a16:creationId xmlns:a16="http://schemas.microsoft.com/office/drawing/2014/main" id="{CBF560E2-4A5C-B104-3EFF-4154D3F8DBB0}"/>
-                  </a:ext>
-                </a:extLst>
-              </p:cNvPr>
-              <p:cNvSpPr txBox="1"/>
-              <p:nvPr/>
-            </p:nvSpPr>
-            <p:spPr>
-              <a:xfrm>
-                <a:off x="942387" y="6116621"/>
-                <a:ext cx="10237694" cy="369332"/>
-              </a:xfrm>
-              <a:prstGeom prst="rect">
-                <a:avLst/>
-              </a:prstGeom>
-              <a:noFill/>
-            </p:spPr>
-            <p:txBody>
-              <a:bodyPr wrap="square" rtlCol="0">
-                <a:spAutoFit/>
-              </a:bodyPr>
-              <a:lstStyle/>
-              <a:p>
-                <a:r>
-                  <a:rPr lang="ko-KR" altLang="en-US" dirty="0">
-                    <a:latin typeface="나눔스퀘어 Light" panose="020B0600000101010101" pitchFamily="50" charset="-127"/>
-                    <a:ea typeface="나눔스퀘어 Light" panose="020B0600000101010101" pitchFamily="50" charset="-127"/>
-                  </a:rPr>
-                  <a:t>따라서 </a:t>
-                </a:r>
-                <a14:m>
-                  <m:oMath xmlns:m="http://schemas.openxmlformats.org/officeDocument/2006/math">
-                    <m:r>
-                      <a:rPr lang="en-US" altLang="ko-KR" b="0" i="1" smtClean="0">
-                        <a:latin typeface="Cambria Math" panose="02040503050406030204" pitchFamily="18" charset="0"/>
-                        <a:ea typeface="나눔스퀘어 Light" panose="020B0600000101010101" pitchFamily="50" charset="-127"/>
-                      </a:rPr>
-                      <m:t>𝑂</m:t>
-                    </m:r>
-                    <m:r>
-                      <a:rPr lang="en-US" altLang="ko-KR" b="0" i="1" smtClean="0">
-                        <a:latin typeface="Cambria Math" panose="02040503050406030204" pitchFamily="18" charset="0"/>
-                        <a:ea typeface="나눔스퀘어 Light" panose="020B0600000101010101" pitchFamily="50" charset="-127"/>
-                      </a:rPr>
-                      <m:t>(</m:t>
-                    </m:r>
-                    <m:r>
-                      <a:rPr lang="en-US" altLang="ko-KR" b="0" i="1" smtClean="0">
-                        <a:latin typeface="Cambria Math" panose="02040503050406030204" pitchFamily="18" charset="0"/>
-                        <a:ea typeface="나눔스퀘어 Light" panose="020B0600000101010101" pitchFamily="50" charset="-127"/>
-                      </a:rPr>
-                      <m:t>𝑁</m:t>
-                    </m:r>
-                    <m:r>
-                      <a:rPr lang="en-US" altLang="ko-KR" b="0" i="1" smtClean="0">
-                        <a:latin typeface="Cambria Math" panose="02040503050406030204" pitchFamily="18" charset="0"/>
-                        <a:ea typeface="나눔스퀘어 Light" panose="020B0600000101010101" pitchFamily="50" charset="-127"/>
-                      </a:rPr>
-                      <m:t>)</m:t>
-                    </m:r>
-                  </m:oMath>
-                </a14:m>
-                <a:r>
-                  <a:rPr lang="ko-KR" altLang="en-US" dirty="0">
-                    <a:latin typeface="나눔스퀘어 Light" panose="020B0600000101010101" pitchFamily="50" charset="-127"/>
-                    <a:ea typeface="나눔스퀘어 Light" panose="020B0600000101010101" pitchFamily="50" charset="-127"/>
-                  </a:rPr>
-                  <a:t> 이 소모됩니다</a:t>
-                </a:r>
-                <a:r>
-                  <a:rPr lang="en-US" altLang="ko-KR" dirty="0">
-                    <a:latin typeface="나눔스퀘어 Light" panose="020B0600000101010101" pitchFamily="50" charset="-127"/>
-                    <a:ea typeface="나눔스퀘어 Light" panose="020B0600000101010101" pitchFamily="50" charset="-127"/>
-                  </a:rPr>
-                  <a:t>.</a:t>
-                </a:r>
-                <a:endParaRPr lang="ko-KR" altLang="en-US" dirty="0">
-                  <a:latin typeface="나눔스퀘어 Light" panose="020B0600000101010101" pitchFamily="50" charset="-127"/>
-                  <a:ea typeface="나눔스퀘어 Light" panose="020B0600000101010101" pitchFamily="50" charset="-127"/>
-                </a:endParaRPr>
-              </a:p>
-            </p:txBody>
-          </p:sp>
-        </mc:Choice>
-        <mc:Fallback xmlns="">
-          <p:sp>
-            <p:nvSpPr>
-              <p:cNvPr id="12" name="TextBox 11">
-                <a:extLst>
-                  <a:ext uri="{FF2B5EF4-FFF2-40B4-BE49-F238E27FC236}">
-                    <a16:creationId xmlns:a16="http://schemas.microsoft.com/office/drawing/2014/main" id="{CBF560E2-4A5C-B104-3EFF-4154D3F8DBB0}"/>
-                  </a:ext>
-                </a:extLst>
-              </p:cNvPr>
-              <p:cNvSpPr txBox="1">
-                <a:spLocks noRot="1" noChangeAspect="1" noMove="1" noResize="1" noEditPoints="1" noAdjustHandles="1" noChangeArrowheads="1" noChangeShapeType="1" noTextEdit="1"/>
-              </p:cNvSpPr>
-              <p:nvPr/>
-            </p:nvSpPr>
-            <p:spPr>
-              <a:xfrm>
-                <a:off x="942387" y="6116621"/>
-                <a:ext cx="10237694" cy="369332"/>
-              </a:xfrm>
-              <a:prstGeom prst="rect">
-                <a:avLst/>
-              </a:prstGeom>
-              <a:blipFill>
-                <a:blip r:embed="rId2"/>
-                <a:stretch>
-                  <a:fillRect l="-536" t="-6557" b="-26230"/>
-                </a:stretch>
-              </a:blipFill>
-            </p:spPr>
-            <p:txBody>
-              <a:bodyPr/>
-              <a:lstStyle/>
-              <a:p>
-                <a:r>
-                  <a:rPr lang="ko-KR" altLang="en-US">
-                    <a:noFill/>
-                  </a:rPr>
-                  <a:t> </a:t>
-                </a:r>
-              </a:p>
-            </p:txBody>
-          </p:sp>
-        </mc:Fallback>
-      </mc:AlternateContent>
-      <p:graphicFrame>
-        <p:nvGraphicFramePr>
-          <p:cNvPr id="13" name="표 7">
-            <a:extLst>
-              <a:ext uri="{FF2B5EF4-FFF2-40B4-BE49-F238E27FC236}">
-                <a16:creationId xmlns:a16="http://schemas.microsoft.com/office/drawing/2014/main" id="{F87A4CEA-B3DF-DC69-BDB4-DCADDA251298}"/>
-              </a:ext>
-            </a:extLst>
-          </p:cNvPr>
-          <p:cNvGraphicFramePr>
-            <a:graphicFrameLocks noGrp="1"/>
-          </p:cNvGraphicFramePr>
-          <p:nvPr>
-            <p:extLst>
-              <p:ext uri="{D42A27DB-BD31-4B8C-83A1-F6EECF244321}">
-                <p14:modId xmlns:p14="http://schemas.microsoft.com/office/powerpoint/2010/main" val="822788207"/>
-              </p:ext>
-            </p:extLst>
-          </p:nvPr>
-        </p:nvGraphicFramePr>
-        <p:xfrm>
-          <a:off x="942387" y="5117359"/>
-          <a:ext cx="2438400" cy="370840"/>
-        </p:xfrm>
-        <a:graphic>
-          <a:graphicData uri="http://schemas.openxmlformats.org/drawingml/2006/table">
-            <a:tbl>
-              <a:tblPr firstRow="1" bandRow="1">
-                <a:tableStyleId>{BC89EF96-8CEA-46FF-86C4-4CE0E7609802}</a:tableStyleId>
-              </a:tblPr>
-              <a:tblGrid>
-                <a:gridCol w="812800">
-                  <a:extLst>
-                    <a:ext uri="{9D8B030D-6E8A-4147-A177-3AD203B41FA5}">
-                      <a16:colId xmlns:a16="http://schemas.microsoft.com/office/drawing/2014/main" val="889649261"/>
-                    </a:ext>
-                  </a:extLst>
-                </a:gridCol>
-                <a:gridCol w="812800">
-                  <a:extLst>
-                    <a:ext uri="{9D8B030D-6E8A-4147-A177-3AD203B41FA5}">
-                      <a16:colId xmlns:a16="http://schemas.microsoft.com/office/drawing/2014/main" val="1806503305"/>
-                    </a:ext>
-                  </a:extLst>
-                </a:gridCol>
-                <a:gridCol w="812800">
-                  <a:extLst>
-                    <a:ext uri="{9D8B030D-6E8A-4147-A177-3AD203B41FA5}">
-                      <a16:colId xmlns:a16="http://schemas.microsoft.com/office/drawing/2014/main" val="1470456544"/>
-                    </a:ext>
-                  </a:extLst>
-                </a:gridCol>
-              </a:tblGrid>
-              <a:tr h="370840">
-                <a:tc>
-                  <a:txBody>
-                    <a:bodyPr/>
-                    <a:lstStyle/>
-                    <a:p>
-                      <a:pPr algn="ctr" latinLnBrk="1"/>
-                      <a:r>
-                        <a:rPr lang="en-US" altLang="ko-KR" b="0" dirty="0">
-                          <a:solidFill>
-                            <a:srgbClr val="FF0000"/>
-                          </a:solidFill>
-                          <a:latin typeface="나눔스퀘어 Bold" panose="020B0600000101010101" pitchFamily="50" charset="-127"/>
-                          <a:ea typeface="나눔스퀘어 Bold" panose="020B0600000101010101" pitchFamily="50" charset="-127"/>
-                        </a:rPr>
-                        <a:t>X</a:t>
-                      </a:r>
-                      <a:endParaRPr lang="ko-KR" altLang="en-US" b="0" dirty="0">
-                        <a:solidFill>
-                          <a:srgbClr val="FF0000"/>
-                        </a:solidFill>
-                        <a:latin typeface="나눔스퀘어 Bold" panose="020B0600000101010101" pitchFamily="50" charset="-127"/>
-                        <a:ea typeface="나눔스퀘어 Bold" panose="020B0600000101010101" pitchFamily="50" charset="-127"/>
-                      </a:endParaRPr>
-                    </a:p>
-                  </a:txBody>
-                  <a:tcPr/>
-                </a:tc>
-                <a:tc>
-                  <a:txBody>
-                    <a:bodyPr/>
-                    <a:lstStyle/>
-                    <a:p>
-                      <a:pPr algn="ctr" latinLnBrk="1"/>
-                      <a:r>
-                        <a:rPr lang="en-US" altLang="ko-KR" b="0" dirty="0">
-                          <a:latin typeface="나눔스퀘어 Light" panose="020B0600000101010101" pitchFamily="50" charset="-127"/>
-                          <a:ea typeface="나눔스퀘어 Light" panose="020B0600000101010101" pitchFamily="50" charset="-127"/>
-                        </a:rPr>
-                        <a:t>…</a:t>
-                      </a:r>
-                      <a:endParaRPr lang="ko-KR" altLang="en-US" b="0" dirty="0">
-                        <a:latin typeface="나눔스퀘어 Light" panose="020B0600000101010101" pitchFamily="50" charset="-127"/>
-                        <a:ea typeface="나눔스퀘어 Light" panose="020B0600000101010101" pitchFamily="50" charset="-127"/>
-                      </a:endParaRPr>
-                    </a:p>
-                  </a:txBody>
-                  <a:tcPr/>
-                </a:tc>
-                <a:tc>
-                  <a:txBody>
-                    <a:bodyPr/>
-                    <a:lstStyle/>
-                    <a:p>
-                      <a:pPr algn="ctr" latinLnBrk="1"/>
-                      <a:r>
-                        <a:rPr lang="en-US" altLang="ko-KR" b="0" dirty="0">
-                          <a:latin typeface="나눔스퀘어 Light" panose="020B0600000101010101" pitchFamily="50" charset="-127"/>
-                          <a:ea typeface="나눔스퀘어 Light" panose="020B0600000101010101" pitchFamily="50" charset="-127"/>
-                        </a:rPr>
-                        <a:t>77</a:t>
-                      </a:r>
-                      <a:endParaRPr lang="ko-KR" altLang="en-US" b="0" dirty="0">
-                        <a:latin typeface="나눔스퀘어 Light" panose="020B0600000101010101" pitchFamily="50" charset="-127"/>
-                        <a:ea typeface="나눔스퀘어 Light" panose="020B0600000101010101" pitchFamily="50" charset="-127"/>
-                      </a:endParaRPr>
-                    </a:p>
-                  </a:txBody>
-                  <a:tcPr/>
-                </a:tc>
-                <a:extLst>
-                  <a:ext uri="{0D108BD9-81ED-4DB2-BD59-A6C34878D82A}">
-                    <a16:rowId xmlns:a16="http://schemas.microsoft.com/office/drawing/2014/main" val="1726825287"/>
-                  </a:ext>
-                </a:extLst>
-              </a:tr>
-            </a:tbl>
-          </a:graphicData>
-        </a:graphic>
-      </p:graphicFrame>
-      <p:graphicFrame>
-        <p:nvGraphicFramePr>
-          <p:cNvPr id="14" name="표 7">
-            <a:extLst>
-              <a:ext uri="{FF2B5EF4-FFF2-40B4-BE49-F238E27FC236}">
-                <a16:creationId xmlns:a16="http://schemas.microsoft.com/office/drawing/2014/main" id="{C42A20D2-5F59-240E-FE35-A2334CEA28EC}"/>
-              </a:ext>
-            </a:extLst>
-          </p:cNvPr>
-          <p:cNvGraphicFramePr>
-            <a:graphicFrameLocks noGrp="1"/>
-          </p:cNvGraphicFramePr>
-          <p:nvPr>
-            <p:extLst>
-              <p:ext uri="{D42A27DB-BD31-4B8C-83A1-F6EECF244321}">
-                <p14:modId xmlns:p14="http://schemas.microsoft.com/office/powerpoint/2010/main" val="2525800161"/>
-              </p:ext>
-            </p:extLst>
-          </p:nvPr>
-        </p:nvGraphicFramePr>
-        <p:xfrm>
-          <a:off x="5006387" y="5117359"/>
-          <a:ext cx="2438400" cy="370840"/>
-        </p:xfrm>
-        <a:graphic>
-          <a:graphicData uri="http://schemas.openxmlformats.org/drawingml/2006/table">
-            <a:tbl>
-              <a:tblPr firstRow="1" bandRow="1">
-                <a:tableStyleId>{BC89EF96-8CEA-46FF-86C4-4CE0E7609802}</a:tableStyleId>
-              </a:tblPr>
-              <a:tblGrid>
-                <a:gridCol w="812800">
-                  <a:extLst>
-                    <a:ext uri="{9D8B030D-6E8A-4147-A177-3AD203B41FA5}">
-                      <a16:colId xmlns:a16="http://schemas.microsoft.com/office/drawing/2014/main" val="889649261"/>
-                    </a:ext>
-                  </a:extLst>
-                </a:gridCol>
-                <a:gridCol w="812800">
-                  <a:extLst>
-                    <a:ext uri="{9D8B030D-6E8A-4147-A177-3AD203B41FA5}">
-                      <a16:colId xmlns:a16="http://schemas.microsoft.com/office/drawing/2014/main" val="1806503305"/>
-                    </a:ext>
-                  </a:extLst>
-                </a:gridCol>
-                <a:gridCol w="812800">
-                  <a:extLst>
-                    <a:ext uri="{9D8B030D-6E8A-4147-A177-3AD203B41FA5}">
-                      <a16:colId xmlns:a16="http://schemas.microsoft.com/office/drawing/2014/main" val="1470456544"/>
-                    </a:ext>
-                  </a:extLst>
-                </a:gridCol>
-              </a:tblGrid>
-              <a:tr h="370840">
-                <a:tc>
-                  <a:txBody>
-                    <a:bodyPr/>
-                    <a:lstStyle/>
-                    <a:p>
-                      <a:pPr algn="ctr" latinLnBrk="1"/>
-                      <a:r>
-                        <a:rPr lang="en-US" altLang="ko-KR" b="0" dirty="0">
-                          <a:latin typeface="나눔스퀘어 Light" panose="020B0600000101010101" pitchFamily="50" charset="-127"/>
-                          <a:ea typeface="나눔스퀘어 Light" panose="020B0600000101010101" pitchFamily="50" charset="-127"/>
-                        </a:rPr>
-                        <a:t>1</a:t>
-                      </a:r>
-                      <a:endParaRPr lang="ko-KR" altLang="en-US" b="0" dirty="0">
-                        <a:latin typeface="나눔스퀘어 Light" panose="020B0600000101010101" pitchFamily="50" charset="-127"/>
-                        <a:ea typeface="나눔스퀘어 Light" panose="020B0600000101010101" pitchFamily="50" charset="-127"/>
-                      </a:endParaRPr>
-                    </a:p>
-                  </a:txBody>
-                  <a:tcPr/>
-                </a:tc>
-                <a:tc>
-                  <a:txBody>
-                    <a:bodyPr/>
-                    <a:lstStyle/>
-                    <a:p>
-                      <a:pPr algn="ctr" latinLnBrk="1"/>
-                      <a:r>
-                        <a:rPr lang="en-US" altLang="ko-KR" b="0" dirty="0">
-                          <a:latin typeface="나눔스퀘어 Light" panose="020B0600000101010101" pitchFamily="50" charset="-127"/>
-                          <a:ea typeface="나눔스퀘어 Light" panose="020B0600000101010101" pitchFamily="50" charset="-127"/>
-                        </a:rPr>
-                        <a:t>…</a:t>
-                      </a:r>
-                      <a:endParaRPr lang="ko-KR" altLang="en-US" b="0" dirty="0">
-                        <a:latin typeface="나눔스퀘어 Light" panose="020B0600000101010101" pitchFamily="50" charset="-127"/>
-                        <a:ea typeface="나눔스퀘어 Light" panose="020B0600000101010101" pitchFamily="50" charset="-127"/>
-                      </a:endParaRPr>
-                    </a:p>
-                  </a:txBody>
-                  <a:tcPr/>
-                </a:tc>
-                <a:tc>
-                  <a:txBody>
-                    <a:bodyPr/>
-                    <a:lstStyle/>
-                    <a:p>
-                      <a:pPr algn="ctr" latinLnBrk="1"/>
-                      <a:r>
-                        <a:rPr lang="en-US" altLang="ko-KR" b="0" dirty="0">
-                          <a:solidFill>
-                            <a:srgbClr val="FF0000"/>
-                          </a:solidFill>
-                          <a:latin typeface="나눔스퀘어 Bold" panose="020B0600000101010101" pitchFamily="50" charset="-127"/>
-                          <a:ea typeface="나눔스퀘어 Bold" panose="020B0600000101010101" pitchFamily="50" charset="-127"/>
-                        </a:rPr>
-                        <a:t>X</a:t>
-                      </a:r>
-                      <a:endParaRPr lang="ko-KR" altLang="en-US" b="0" dirty="0">
-                        <a:solidFill>
-                          <a:srgbClr val="FF0000"/>
-                        </a:solidFill>
-                        <a:latin typeface="나눔스퀘어 Bold" panose="020B0600000101010101" pitchFamily="50" charset="-127"/>
-                        <a:ea typeface="나눔스퀘어 Bold" panose="020B0600000101010101" pitchFamily="50" charset="-127"/>
-                      </a:endParaRPr>
-                    </a:p>
-                  </a:txBody>
-                  <a:tcPr/>
-                </a:tc>
-                <a:extLst>
-                  <a:ext uri="{0D108BD9-81ED-4DB2-BD59-A6C34878D82A}">
-                    <a16:rowId xmlns:a16="http://schemas.microsoft.com/office/drawing/2014/main" val="1726825287"/>
-                  </a:ext>
-                </a:extLst>
-              </a:tr>
-            </a:tbl>
-          </a:graphicData>
-        </a:graphic>
-      </p:graphicFrame>
-    </p:spTree>
-    <p:extLst>
-      <p:ext uri="{BB962C8B-B14F-4D97-AF65-F5344CB8AC3E}">
-        <p14:creationId xmlns:p14="http://schemas.microsoft.com/office/powerpoint/2010/main" val="4208818617"/>
-      </p:ext>
-    </p:extLst>
-  </p:cSld>
-  <p:clrMapOvr>
-    <a:masterClrMapping/>
-  </p:clrMapOvr>
-</p:sld>
-</file>
-
-<file path=ppt/slides/slide24.xml><?xml version="1.0" encoding="utf-8"?>
-<p:sld xmlns:a="http://schemas.openxmlformats.org/drawingml/2006/main" xmlns:r="http://schemas.openxmlformats.org/officeDocument/2006/relationships" xmlns:p="http://schemas.openxmlformats.org/presentationml/2006/main">
-  <p:cSld>
-    <p:spTree>
-      <p:nvGrpSpPr>
-        <p:cNvPr id="1" name=""/>
-        <p:cNvGrpSpPr/>
-        <p:nvPr/>
-      </p:nvGrpSpPr>
-      <p:grpSpPr>
-        <a:xfrm>
-          <a:off x="0" y="0"/>
-          <a:ext cx="0" cy="0"/>
-          <a:chOff x="0" y="0"/>
-          <a:chExt cx="0" cy="0"/>
-        </a:xfrm>
-      </p:grpSpPr>
-      <p:cxnSp>
-        <p:nvCxnSpPr>
-          <p:cNvPr id="5" name="직선 연결선 4">
-            <a:extLst>
-              <a:ext uri="{FF2B5EF4-FFF2-40B4-BE49-F238E27FC236}">
-                <a16:creationId xmlns:a16="http://schemas.microsoft.com/office/drawing/2014/main" id="{164C2827-EFCE-69A4-D037-1A218415F568}"/>
-              </a:ext>
-            </a:extLst>
-          </p:cNvPr>
-          <p:cNvCxnSpPr/>
-          <p:nvPr/>
-        </p:nvCxnSpPr>
-        <p:spPr>
-          <a:xfrm>
-            <a:off x="0" y="887505"/>
-            <a:ext cx="10237694" cy="0"/>
-          </a:xfrm>
-          <a:prstGeom prst="line">
-            <a:avLst/>
-          </a:prstGeom>
-          <a:ln w="76200">
-            <a:solidFill>
-              <a:schemeClr val="tx1">
-                <a:lumMod val="75000"/>
-                <a:lumOff val="25000"/>
-              </a:schemeClr>
-            </a:solidFill>
-          </a:ln>
-        </p:spPr>
-        <p:style>
-          <a:lnRef idx="1">
-            <a:schemeClr val="accent1"/>
-          </a:lnRef>
-          <a:fillRef idx="0">
-            <a:schemeClr val="accent1"/>
-          </a:fillRef>
-          <a:effectRef idx="0">
-            <a:schemeClr val="accent1"/>
-          </a:effectRef>
-          <a:fontRef idx="minor">
-            <a:schemeClr val="tx1"/>
-          </a:fontRef>
-        </p:style>
-      </p:cxnSp>
-      <p:sp>
-        <p:nvSpPr>
-          <p:cNvPr id="3" name="TextBox 2">
-            <a:extLst>
-              <a:ext uri="{FF2B5EF4-FFF2-40B4-BE49-F238E27FC236}">
-                <a16:creationId xmlns:a16="http://schemas.microsoft.com/office/drawing/2014/main" id="{0D1FDD07-DE53-C453-2D4F-9520D87387DF}"/>
-              </a:ext>
-            </a:extLst>
-          </p:cNvPr>
-          <p:cNvSpPr txBox="1"/>
-          <p:nvPr/>
-        </p:nvSpPr>
-        <p:spPr>
-          <a:xfrm>
-            <a:off x="331694" y="177505"/>
-            <a:ext cx="2514343" cy="523220"/>
-          </a:xfrm>
-          <a:prstGeom prst="rect">
-            <a:avLst/>
-          </a:prstGeom>
-          <a:noFill/>
-        </p:spPr>
-        <p:txBody>
-          <a:bodyPr wrap="none" rtlCol="0">
-            <a:spAutoFit/>
-          </a:bodyPr>
-          <a:lstStyle/>
-          <a:p>
-            <a:r>
-              <a:rPr lang="en-US" altLang="ko-KR" sz="2800" dirty="0">
-                <a:latin typeface="나눔스퀘어 Bold" panose="020B0600000101010101" pitchFamily="50" charset="-127"/>
-                <a:ea typeface="나눔스퀘어 Bold" panose="020B0600000101010101" pitchFamily="50" charset="-127"/>
-              </a:rPr>
-              <a:t>Binary Search</a:t>
-            </a:r>
-            <a:endParaRPr lang="ko-KR" altLang="en-US" sz="2800" dirty="0">
-              <a:latin typeface="나눔스퀘어 Bold" panose="020B0600000101010101" pitchFamily="50" charset="-127"/>
-              <a:ea typeface="나눔스퀘어 Bold" panose="020B0600000101010101" pitchFamily="50" charset="-127"/>
-            </a:endParaRPr>
-          </a:p>
-        </p:txBody>
-      </p:sp>
-      <p:sp>
-        <p:nvSpPr>
-          <p:cNvPr id="2" name="TextBox 1">
-            <a:extLst>
-              <a:ext uri="{FF2B5EF4-FFF2-40B4-BE49-F238E27FC236}">
-                <a16:creationId xmlns:a16="http://schemas.microsoft.com/office/drawing/2014/main" id="{0D5A1FED-DD55-D5B7-E313-9A0B3CB9308A}"/>
-              </a:ext>
-            </a:extLst>
-          </p:cNvPr>
-          <p:cNvSpPr txBox="1"/>
-          <p:nvPr/>
-        </p:nvSpPr>
-        <p:spPr>
-          <a:xfrm>
-            <a:off x="942387" y="1074286"/>
-            <a:ext cx="10237694" cy="369332"/>
-          </a:xfrm>
-          <a:prstGeom prst="rect">
-            <a:avLst/>
-          </a:prstGeom>
-          <a:noFill/>
-        </p:spPr>
-        <p:txBody>
-          <a:bodyPr wrap="square" rtlCol="0">
-            <a:spAutoFit/>
-          </a:bodyPr>
-          <a:lstStyle/>
-          <a:p>
-            <a:r>
-              <a:rPr lang="ko-KR" altLang="en-US" dirty="0">
-                <a:latin typeface="나눔스퀘어 Light" panose="020B0600000101010101" pitchFamily="50" charset="-127"/>
-                <a:ea typeface="나눔스퀘어 Light" panose="020B0600000101010101" pitchFamily="50" charset="-127"/>
-              </a:rPr>
-              <a:t>이번엔 가정을 조금 추가해보겠습니다</a:t>
-            </a:r>
-            <a:r>
-              <a:rPr lang="en-US" altLang="ko-KR" dirty="0">
-                <a:latin typeface="나눔스퀘어 Light" panose="020B0600000101010101" pitchFamily="50" charset="-127"/>
-                <a:ea typeface="나눔스퀘어 Light" panose="020B0600000101010101" pitchFamily="50" charset="-127"/>
-              </a:rPr>
-              <a:t>. </a:t>
-            </a:r>
-            <a:r>
-              <a:rPr lang="ko-KR" altLang="en-US" dirty="0">
-                <a:latin typeface="나눔스퀘어 Light" panose="020B0600000101010101" pitchFamily="50" charset="-127"/>
-                <a:ea typeface="나눔스퀘어 Light" panose="020B0600000101010101" pitchFamily="50" charset="-127"/>
-              </a:rPr>
-              <a:t>좀 전의 배열이 </a:t>
-            </a:r>
-            <a:r>
-              <a:rPr lang="en-US" altLang="ko-KR" dirty="0">
-                <a:latin typeface="나눔스퀘어 Bold" panose="020B0600000101010101" pitchFamily="50" charset="-127"/>
-                <a:ea typeface="나눔스퀘어 Bold" panose="020B0600000101010101" pitchFamily="50" charset="-127"/>
-              </a:rPr>
-              <a:t>“</a:t>
-            </a:r>
-            <a:r>
-              <a:rPr lang="ko-KR" altLang="en-US" dirty="0">
-                <a:latin typeface="나눔스퀘어 Bold" panose="020B0600000101010101" pitchFamily="50" charset="-127"/>
-                <a:ea typeface="나눔스퀘어 Bold" panose="020B0600000101010101" pitchFamily="50" charset="-127"/>
-              </a:rPr>
-              <a:t>정렬</a:t>
-            </a:r>
-            <a:r>
-              <a:rPr lang="en-US" altLang="ko-KR" dirty="0">
-                <a:latin typeface="나눔스퀘어 Bold" panose="020B0600000101010101" pitchFamily="50" charset="-127"/>
-                <a:ea typeface="나눔스퀘어 Bold" panose="020B0600000101010101" pitchFamily="50" charset="-127"/>
-              </a:rPr>
-              <a:t>”</a:t>
-            </a:r>
-            <a:r>
-              <a:rPr lang="en-US" altLang="ko-KR" dirty="0">
-                <a:latin typeface="나눔스퀘어 Light" panose="020B0600000101010101" pitchFamily="50" charset="-127"/>
-                <a:ea typeface="나눔스퀘어 Light" panose="020B0600000101010101" pitchFamily="50" charset="-127"/>
-              </a:rPr>
-              <a:t> </a:t>
-            </a:r>
-            <a:r>
-              <a:rPr lang="ko-KR" altLang="en-US" dirty="0">
-                <a:latin typeface="나눔스퀘어 Light" panose="020B0600000101010101" pitchFamily="50" charset="-127"/>
-                <a:ea typeface="나눔스퀘어 Light" panose="020B0600000101010101" pitchFamily="50" charset="-127"/>
-              </a:rPr>
-              <a:t>되어있다고 가정합니다</a:t>
-            </a:r>
-            <a:r>
-              <a:rPr lang="en-US" altLang="ko-KR" dirty="0">
-                <a:latin typeface="나눔스퀘어 Light" panose="020B0600000101010101" pitchFamily="50" charset="-127"/>
-                <a:ea typeface="나눔스퀘어 Light" panose="020B0600000101010101" pitchFamily="50" charset="-127"/>
-              </a:rPr>
-              <a:t>.</a:t>
-            </a:r>
-            <a:endParaRPr lang="ko-KR" altLang="en-US" dirty="0">
-              <a:latin typeface="나눔스퀘어 Light" panose="020B0600000101010101" pitchFamily="50" charset="-127"/>
-              <a:ea typeface="나눔스퀘어 Light" panose="020B0600000101010101" pitchFamily="50" charset="-127"/>
-            </a:endParaRPr>
-          </a:p>
-        </p:txBody>
-      </p:sp>
-      <p:sp>
-        <p:nvSpPr>
-          <p:cNvPr id="8" name="TextBox 7">
-            <a:extLst>
-              <a:ext uri="{FF2B5EF4-FFF2-40B4-BE49-F238E27FC236}">
-                <a16:creationId xmlns:a16="http://schemas.microsoft.com/office/drawing/2014/main" id="{4C116371-582C-D61C-70FC-5D3D77EEF03C}"/>
-              </a:ext>
-            </a:extLst>
-          </p:cNvPr>
-          <p:cNvSpPr txBox="1"/>
-          <p:nvPr/>
-        </p:nvSpPr>
-        <p:spPr>
-          <a:xfrm>
-            <a:off x="942387" y="2983310"/>
-            <a:ext cx="10237694" cy="369332"/>
-          </a:xfrm>
-          <a:prstGeom prst="rect">
-            <a:avLst/>
-          </a:prstGeom>
-          <a:noFill/>
-        </p:spPr>
-        <p:txBody>
-          <a:bodyPr wrap="square" rtlCol="0">
-            <a:spAutoFit/>
-          </a:bodyPr>
-          <a:lstStyle/>
-          <a:p>
-            <a:r>
-              <a:rPr lang="ko-KR" altLang="en-US" dirty="0">
-                <a:latin typeface="나눔스퀘어 Light" panose="020B0600000101010101" pitchFamily="50" charset="-127"/>
-                <a:ea typeface="나눔스퀘어 Light" panose="020B0600000101010101" pitchFamily="50" charset="-127"/>
-              </a:rPr>
-              <a:t>이 배열에서 </a:t>
-            </a:r>
-            <a:r>
-              <a:rPr lang="en-US" altLang="ko-KR" dirty="0">
-                <a:latin typeface="나눔스퀘어 Light" panose="020B0600000101010101" pitchFamily="50" charset="-127"/>
-                <a:ea typeface="나눔스퀘어 Light" panose="020B0600000101010101" pitchFamily="50" charset="-127"/>
-              </a:rPr>
-              <a:t>X</a:t>
-            </a:r>
-            <a:r>
-              <a:rPr lang="ko-KR" altLang="en-US" dirty="0">
-                <a:latin typeface="나눔스퀘어 Light" panose="020B0600000101010101" pitchFamily="50" charset="-127"/>
-                <a:ea typeface="나눔스퀘어 Light" panose="020B0600000101010101" pitchFamily="50" charset="-127"/>
-              </a:rPr>
-              <a:t>가 존재하는지 찾으려면</a:t>
-            </a:r>
-            <a:r>
-              <a:rPr lang="en-US" altLang="ko-KR" dirty="0">
-                <a:latin typeface="나눔스퀘어 Light" panose="020B0600000101010101" pitchFamily="50" charset="-127"/>
-                <a:ea typeface="나눔스퀘어 Light" panose="020B0600000101010101" pitchFamily="50" charset="-127"/>
-              </a:rPr>
-              <a:t>, </a:t>
-            </a:r>
-            <a:r>
-              <a:rPr lang="ko-KR" altLang="en-US" dirty="0">
-                <a:latin typeface="나눔스퀘어 Light" panose="020B0600000101010101" pitchFamily="50" charset="-127"/>
-                <a:ea typeface="나눔스퀘어 Light" panose="020B0600000101010101" pitchFamily="50" charset="-127"/>
-              </a:rPr>
-              <a:t>몇 번을 찾아봐야 할까요</a:t>
-            </a:r>
-            <a:r>
-              <a:rPr lang="en-US" altLang="ko-KR" dirty="0">
-                <a:latin typeface="나눔스퀘어 Light" panose="020B0600000101010101" pitchFamily="50" charset="-127"/>
-                <a:ea typeface="나눔스퀘어 Light" panose="020B0600000101010101" pitchFamily="50" charset="-127"/>
-              </a:rPr>
-              <a:t>? </a:t>
-            </a:r>
-            <a:r>
-              <a:rPr lang="ko-KR" altLang="en-US" dirty="0">
-                <a:latin typeface="나눔스퀘어 Light" panose="020B0600000101010101" pitchFamily="50" charset="-127"/>
-                <a:ea typeface="나눔스퀘어 Light" panose="020B0600000101010101" pitchFamily="50" charset="-127"/>
-              </a:rPr>
-              <a:t>그 전에</a:t>
-            </a:r>
-            <a:r>
-              <a:rPr lang="en-US" altLang="ko-KR" dirty="0">
-                <a:latin typeface="나눔스퀘어 Light" panose="020B0600000101010101" pitchFamily="50" charset="-127"/>
-                <a:ea typeface="나눔스퀘어 Light" panose="020B0600000101010101" pitchFamily="50" charset="-127"/>
-              </a:rPr>
-              <a:t>, </a:t>
-            </a:r>
-            <a:r>
-              <a:rPr lang="ko-KR" altLang="en-US" dirty="0">
-                <a:latin typeface="나눔스퀘어 Light" panose="020B0600000101010101" pitchFamily="50" charset="-127"/>
-                <a:ea typeface="나눔스퀘어 Light" panose="020B0600000101010101" pitchFamily="50" charset="-127"/>
-              </a:rPr>
-              <a:t>어떻게 찾아야 할까요</a:t>
-            </a:r>
-            <a:r>
-              <a:rPr lang="en-US" altLang="ko-KR" dirty="0">
-                <a:latin typeface="나눔스퀘어 Light" panose="020B0600000101010101" pitchFamily="50" charset="-127"/>
-                <a:ea typeface="나눔스퀘어 Light" panose="020B0600000101010101" pitchFamily="50" charset="-127"/>
-              </a:rPr>
-              <a:t>?</a:t>
-            </a:r>
-            <a:endParaRPr lang="ko-KR" altLang="en-US" dirty="0">
-              <a:latin typeface="나눔스퀘어 Light" panose="020B0600000101010101" pitchFamily="50" charset="-127"/>
-              <a:ea typeface="나눔스퀘어 Light" panose="020B0600000101010101" pitchFamily="50" charset="-127"/>
-            </a:endParaRPr>
-          </a:p>
-        </p:txBody>
-      </p:sp>
-      <p:sp>
-        <p:nvSpPr>
-          <p:cNvPr id="9" name="TextBox 8">
-            <a:extLst>
-              <a:ext uri="{FF2B5EF4-FFF2-40B4-BE49-F238E27FC236}">
-                <a16:creationId xmlns:a16="http://schemas.microsoft.com/office/drawing/2014/main" id="{66B4B6EC-1291-161A-95EB-B30178F2249F}"/>
-              </a:ext>
-            </a:extLst>
-          </p:cNvPr>
-          <p:cNvSpPr txBox="1"/>
-          <p:nvPr/>
-        </p:nvSpPr>
-        <p:spPr>
-          <a:xfrm>
-            <a:off x="942387" y="5186213"/>
-            <a:ext cx="10237694" cy="369332"/>
-          </a:xfrm>
-          <a:prstGeom prst="rect">
-            <a:avLst/>
-          </a:prstGeom>
-          <a:noFill/>
-        </p:spPr>
-        <p:txBody>
-          <a:bodyPr wrap="square" rtlCol="0">
-            <a:spAutoFit/>
-          </a:bodyPr>
-          <a:lstStyle/>
-          <a:p>
-            <a:pPr algn="ctr"/>
-            <a:r>
-              <a:rPr lang="en-US" altLang="ko-KR" dirty="0">
-                <a:latin typeface="나눔스퀘어 Light" panose="020B0600000101010101" pitchFamily="50" charset="-127"/>
-                <a:ea typeface="나눔스퀘어 Light" panose="020B0600000101010101" pitchFamily="50" charset="-127"/>
-              </a:rPr>
-              <a:t>…</a:t>
-            </a:r>
-            <a:endParaRPr lang="ko-KR" altLang="en-US" dirty="0">
-              <a:latin typeface="나눔스퀘어 Light" panose="020B0600000101010101" pitchFamily="50" charset="-127"/>
-              <a:ea typeface="나눔스퀘어 Light" panose="020B0600000101010101" pitchFamily="50" charset="-127"/>
-            </a:endParaRPr>
-          </a:p>
-        </p:txBody>
-      </p:sp>
-      <mc:AlternateContent xmlns:mc="http://schemas.openxmlformats.org/markup-compatibility/2006" xmlns:a14="http://schemas.microsoft.com/office/drawing/2010/main">
-        <mc:Choice Requires="a14">
-          <p:sp>
-            <p:nvSpPr>
-              <p:cNvPr id="10" name="TextBox 9">
-                <a:extLst>
-                  <a:ext uri="{FF2B5EF4-FFF2-40B4-BE49-F238E27FC236}">
-                    <a16:creationId xmlns:a16="http://schemas.microsoft.com/office/drawing/2014/main" id="{77EA3825-C5B8-02BD-D650-1ED9146F877E}"/>
-                  </a:ext>
-                </a:extLst>
-              </p:cNvPr>
-              <p:cNvSpPr txBox="1"/>
-              <p:nvPr/>
-            </p:nvSpPr>
-            <p:spPr>
-              <a:xfrm>
-                <a:off x="942387" y="3708885"/>
-                <a:ext cx="10237694" cy="369332"/>
-              </a:xfrm>
-              <a:prstGeom prst="rect">
-                <a:avLst/>
-              </a:prstGeom>
-              <a:noFill/>
-            </p:spPr>
-            <p:txBody>
-              <a:bodyPr wrap="square" rtlCol="0">
-                <a:spAutoFit/>
-              </a:bodyPr>
-              <a:lstStyle/>
-              <a:p>
-                <a:r>
-                  <a:rPr lang="ko-KR" altLang="en-US" dirty="0">
-                    <a:latin typeface="나눔스퀘어 Light" panose="020B0600000101010101" pitchFamily="50" charset="-127"/>
-                    <a:ea typeface="나눔스퀘어 Light" panose="020B0600000101010101" pitchFamily="50" charset="-127"/>
-                  </a:rPr>
-                  <a:t>정렬이 되어 있다면</a:t>
-                </a:r>
-                <a:r>
-                  <a:rPr lang="en-US" altLang="ko-KR" dirty="0">
-                    <a:latin typeface="나눔스퀘어 Light" panose="020B0600000101010101" pitchFamily="50" charset="-127"/>
-                    <a:ea typeface="나눔스퀘어 Light" panose="020B0600000101010101" pitchFamily="50" charset="-127"/>
-                  </a:rPr>
-                  <a:t>, </a:t>
-                </a:r>
-                <a14:m>
-                  <m:oMath xmlns:m="http://schemas.openxmlformats.org/officeDocument/2006/math">
-                    <m:r>
-                      <a:rPr lang="en-US" altLang="ko-KR" b="0" i="1" smtClean="0">
-                        <a:latin typeface="Cambria Math" panose="02040503050406030204" pitchFamily="18" charset="0"/>
-                        <a:ea typeface="나눔스퀘어 Light" panose="020B0600000101010101" pitchFamily="50" charset="-127"/>
-                      </a:rPr>
-                      <m:t>𝑂</m:t>
-                    </m:r>
-                    <m:r>
-                      <a:rPr lang="en-US" altLang="ko-KR" b="0" i="1" smtClean="0">
-                        <a:latin typeface="Cambria Math" panose="02040503050406030204" pitchFamily="18" charset="0"/>
-                        <a:ea typeface="나눔스퀘어 Light" panose="020B0600000101010101" pitchFamily="50" charset="-127"/>
-                      </a:rPr>
-                      <m:t>(</m:t>
-                    </m:r>
-                    <m:r>
-                      <a:rPr lang="en-US" altLang="ko-KR" b="0" i="1" smtClean="0">
-                        <a:latin typeface="Cambria Math" panose="02040503050406030204" pitchFamily="18" charset="0"/>
-                        <a:ea typeface="나눔스퀘어 Light" panose="020B0600000101010101" pitchFamily="50" charset="-127"/>
-                      </a:rPr>
-                      <m:t>𝑙𝑜𝑔𝑁</m:t>
-                    </m:r>
-                    <m:r>
-                      <a:rPr lang="en-US" altLang="ko-KR" b="0" i="1" smtClean="0">
-                        <a:latin typeface="Cambria Math" panose="02040503050406030204" pitchFamily="18" charset="0"/>
-                        <a:ea typeface="나눔스퀘어 Light" panose="020B0600000101010101" pitchFamily="50" charset="-127"/>
-                      </a:rPr>
-                      <m:t>)</m:t>
-                    </m:r>
-                  </m:oMath>
-                </a14:m>
-                <a:r>
-                  <a:rPr lang="ko-KR" altLang="en-US" dirty="0">
-                    <a:latin typeface="나눔스퀘어 Light" panose="020B0600000101010101" pitchFamily="50" charset="-127"/>
-                    <a:ea typeface="나눔스퀘어 Light" panose="020B0600000101010101" pitchFamily="50" charset="-127"/>
-                  </a:rPr>
-                  <a:t>만에 수를 찾을 수 있습니다</a:t>
-                </a:r>
-                <a:r>
-                  <a:rPr lang="en-US" altLang="ko-KR" dirty="0">
-                    <a:latin typeface="나눔스퀘어 Light" panose="020B0600000101010101" pitchFamily="50" charset="-127"/>
-                    <a:ea typeface="나눔스퀘어 Light" panose="020B0600000101010101" pitchFamily="50" charset="-127"/>
-                  </a:rPr>
-                  <a:t>.</a:t>
-                </a:r>
-                <a:endParaRPr lang="ko-KR" altLang="en-US" dirty="0">
-                  <a:latin typeface="나눔스퀘어 Light" panose="020B0600000101010101" pitchFamily="50" charset="-127"/>
-                  <a:ea typeface="나눔스퀘어 Light" panose="020B0600000101010101" pitchFamily="50" charset="-127"/>
-                </a:endParaRPr>
-              </a:p>
-            </p:txBody>
-          </p:sp>
-        </mc:Choice>
-        <mc:Fallback xmlns="">
-          <p:sp>
-            <p:nvSpPr>
-              <p:cNvPr id="10" name="TextBox 9">
-                <a:extLst>
-                  <a:ext uri="{FF2B5EF4-FFF2-40B4-BE49-F238E27FC236}">
-                    <a16:creationId xmlns:a16="http://schemas.microsoft.com/office/drawing/2014/main" id="{77EA3825-C5B8-02BD-D650-1ED9146F877E}"/>
-                  </a:ext>
-                </a:extLst>
-              </p:cNvPr>
-              <p:cNvSpPr txBox="1">
-                <a:spLocks noRot="1" noChangeAspect="1" noMove="1" noResize="1" noEditPoints="1" noAdjustHandles="1" noChangeArrowheads="1" noChangeShapeType="1" noTextEdit="1"/>
-              </p:cNvSpPr>
-              <p:nvPr/>
-            </p:nvSpPr>
-            <p:spPr>
-              <a:xfrm>
-                <a:off x="942387" y="3708885"/>
-                <a:ext cx="10237694" cy="369332"/>
-              </a:xfrm>
-              <a:prstGeom prst="rect">
-                <a:avLst/>
-              </a:prstGeom>
-              <a:blipFill>
-                <a:blip r:embed="rId2"/>
-                <a:stretch>
-                  <a:fillRect l="-536" t="-6557" b="-26230"/>
-                </a:stretch>
-              </a:blipFill>
-            </p:spPr>
-            <p:txBody>
-              <a:bodyPr/>
-              <a:lstStyle/>
-              <a:p>
-                <a:r>
-                  <a:rPr lang="ko-KR" altLang="en-US">
-                    <a:noFill/>
-                  </a:rPr>
-                  <a:t> </a:t>
-                </a:r>
-              </a:p>
-            </p:txBody>
-          </p:sp>
-        </mc:Fallback>
-      </mc:AlternateContent>
-      <p:sp>
-        <p:nvSpPr>
-          <p:cNvPr id="11" name="TextBox 10">
-            <a:extLst>
-              <a:ext uri="{FF2B5EF4-FFF2-40B4-BE49-F238E27FC236}">
-                <a16:creationId xmlns:a16="http://schemas.microsoft.com/office/drawing/2014/main" id="{BE10A631-64F9-2CA0-6281-35ABF3094781}"/>
-              </a:ext>
-            </a:extLst>
-          </p:cNvPr>
-          <p:cNvSpPr txBox="1"/>
-          <p:nvPr/>
-        </p:nvSpPr>
-        <p:spPr>
-          <a:xfrm>
-            <a:off x="942387" y="3344733"/>
-            <a:ext cx="10237694" cy="369332"/>
-          </a:xfrm>
-          <a:prstGeom prst="rect">
-            <a:avLst/>
-          </a:prstGeom>
-          <a:noFill/>
-        </p:spPr>
-        <p:txBody>
-          <a:bodyPr wrap="square" rtlCol="0">
-            <a:spAutoFit/>
-          </a:bodyPr>
-          <a:lstStyle/>
-          <a:p>
-            <a:r>
-              <a:rPr lang="ko-KR" altLang="en-US" dirty="0">
-                <a:latin typeface="나눔스퀘어 Light" panose="020B0600000101010101" pitchFamily="50" charset="-127"/>
-                <a:ea typeface="나눔스퀘어 Light" panose="020B0600000101010101" pitchFamily="50" charset="-127"/>
-              </a:rPr>
-              <a:t>탐색하는 수 들의 범위를 </a:t>
-            </a:r>
-            <a:r>
-              <a:rPr lang="ko-KR" altLang="en-US" dirty="0" err="1">
-                <a:latin typeface="나눔스퀘어 Light" panose="020B0600000101010101" pitchFamily="50" charset="-127"/>
-                <a:ea typeface="나눔스퀘어 Light" panose="020B0600000101010101" pitchFamily="50" charset="-127"/>
-              </a:rPr>
-              <a:t>반절씩</a:t>
-            </a:r>
-            <a:r>
-              <a:rPr lang="ko-KR" altLang="en-US" dirty="0">
-                <a:latin typeface="나눔스퀘어 Light" panose="020B0600000101010101" pitchFamily="50" charset="-127"/>
-                <a:ea typeface="나눔스퀘어 Light" panose="020B0600000101010101" pitchFamily="50" charset="-127"/>
-              </a:rPr>
-              <a:t> 줄여가면서 탐색할 수 있어서</a:t>
-            </a:r>
-            <a:r>
-              <a:rPr lang="en-US" altLang="ko-KR" dirty="0">
-                <a:latin typeface="나눔스퀘어 Light" panose="020B0600000101010101" pitchFamily="50" charset="-127"/>
-                <a:ea typeface="나눔스퀘어 Light" panose="020B0600000101010101" pitchFamily="50" charset="-127"/>
-              </a:rPr>
-              <a:t>,</a:t>
-            </a:r>
-            <a:endParaRPr lang="ko-KR" altLang="en-US" dirty="0">
-              <a:latin typeface="나눔스퀘어 Light" panose="020B0600000101010101" pitchFamily="50" charset="-127"/>
-              <a:ea typeface="나눔스퀘어 Light" panose="020B0600000101010101" pitchFamily="50" charset="-127"/>
-            </a:endParaRPr>
-          </a:p>
-        </p:txBody>
-      </p:sp>
-      <p:sp>
-        <p:nvSpPr>
-          <p:cNvPr id="12" name="TextBox 11">
-            <a:extLst>
-              <a:ext uri="{FF2B5EF4-FFF2-40B4-BE49-F238E27FC236}">
-                <a16:creationId xmlns:a16="http://schemas.microsoft.com/office/drawing/2014/main" id="{CBF560E2-4A5C-B104-3EFF-4154D3F8DBB0}"/>
-              </a:ext>
-            </a:extLst>
-          </p:cNvPr>
-          <p:cNvSpPr txBox="1"/>
-          <p:nvPr/>
-        </p:nvSpPr>
-        <p:spPr>
-          <a:xfrm>
-            <a:off x="942387" y="5555545"/>
-            <a:ext cx="10237694" cy="369332"/>
-          </a:xfrm>
-          <a:prstGeom prst="rect">
-            <a:avLst/>
-          </a:prstGeom>
-          <a:noFill/>
-        </p:spPr>
-        <p:txBody>
-          <a:bodyPr wrap="square" rtlCol="0">
-            <a:spAutoFit/>
-          </a:bodyPr>
-          <a:lstStyle/>
-          <a:p>
-            <a:r>
-              <a:rPr lang="ko-KR" altLang="en-US" dirty="0" err="1">
-                <a:latin typeface="나눔스퀘어 Light" panose="020B0600000101010101" pitchFamily="50" charset="-127"/>
-                <a:ea typeface="나눔스퀘어 Light" panose="020B0600000101010101" pitchFamily="50" charset="-127"/>
-              </a:rPr>
-              <a:t>를</a:t>
-            </a:r>
-            <a:r>
-              <a:rPr lang="ko-KR" altLang="en-US" dirty="0">
-                <a:latin typeface="나눔스퀘어 Light" panose="020B0600000101010101" pitchFamily="50" charset="-127"/>
-                <a:ea typeface="나눔스퀘어 Light" panose="020B0600000101010101" pitchFamily="50" charset="-127"/>
-              </a:rPr>
-              <a:t> 반복하여 범위를 좁혀가며 </a:t>
-            </a:r>
-            <a:r>
-              <a:rPr lang="en-US" altLang="ko-KR" dirty="0">
-                <a:latin typeface="나눔스퀘어 Light" panose="020B0600000101010101" pitchFamily="50" charset="-127"/>
-                <a:ea typeface="나눔스퀘어 Light" panose="020B0600000101010101" pitchFamily="50" charset="-127"/>
-              </a:rPr>
-              <a:t>X</a:t>
-            </a:r>
-            <a:r>
-              <a:rPr lang="ko-KR" altLang="en-US" dirty="0">
-                <a:latin typeface="나눔스퀘어 Light" panose="020B0600000101010101" pitchFamily="50" charset="-127"/>
-                <a:ea typeface="나눔스퀘어 Light" panose="020B0600000101010101" pitchFamily="50" charset="-127"/>
-              </a:rPr>
-              <a:t>를 찾는 방식이 이진</a:t>
-            </a:r>
-            <a:r>
-              <a:rPr lang="en-US" altLang="ko-KR" dirty="0">
-                <a:latin typeface="나눔스퀘어 Light" panose="020B0600000101010101" pitchFamily="50" charset="-127"/>
-                <a:ea typeface="나눔스퀘어 Light" panose="020B0600000101010101" pitchFamily="50" charset="-127"/>
-              </a:rPr>
-              <a:t>(</a:t>
-            </a:r>
-            <a:r>
-              <a:rPr lang="ko-KR" altLang="en-US" dirty="0">
-                <a:latin typeface="나눔스퀘어 Light" panose="020B0600000101010101" pitchFamily="50" charset="-127"/>
-                <a:ea typeface="나눔스퀘어 Light" panose="020B0600000101010101" pitchFamily="50" charset="-127"/>
-              </a:rPr>
-              <a:t>이분</a:t>
-            </a:r>
-            <a:r>
-              <a:rPr lang="en-US" altLang="ko-KR" dirty="0">
-                <a:latin typeface="나눔스퀘어 Light" panose="020B0600000101010101" pitchFamily="50" charset="-127"/>
-                <a:ea typeface="나눔스퀘어 Light" panose="020B0600000101010101" pitchFamily="50" charset="-127"/>
-              </a:rPr>
-              <a:t>)</a:t>
-            </a:r>
-            <a:r>
-              <a:rPr lang="ko-KR" altLang="en-US" dirty="0">
-                <a:latin typeface="나눔스퀘어 Light" panose="020B0600000101010101" pitchFamily="50" charset="-127"/>
-                <a:ea typeface="나눔스퀘어 Light" panose="020B0600000101010101" pitchFamily="50" charset="-127"/>
-              </a:rPr>
-              <a:t> 탐색</a:t>
-            </a:r>
-            <a:r>
-              <a:rPr lang="en-US" altLang="ko-KR" dirty="0">
-                <a:latin typeface="나눔스퀘어 Light" panose="020B0600000101010101" pitchFamily="50" charset="-127"/>
-                <a:ea typeface="나눔스퀘어 Light" panose="020B0600000101010101" pitchFamily="50" charset="-127"/>
-              </a:rPr>
-              <a:t>(Binary Search)</a:t>
-            </a:r>
-            <a:r>
-              <a:rPr lang="ko-KR" altLang="en-US" dirty="0">
-                <a:latin typeface="나눔스퀘어 Light" panose="020B0600000101010101" pitchFamily="50" charset="-127"/>
-                <a:ea typeface="나눔스퀘어 Light" panose="020B0600000101010101" pitchFamily="50" charset="-127"/>
-              </a:rPr>
-              <a:t> 입니다</a:t>
-            </a:r>
-            <a:r>
-              <a:rPr lang="en-US" altLang="ko-KR" dirty="0">
-                <a:latin typeface="나눔스퀘어 Light" panose="020B0600000101010101" pitchFamily="50" charset="-127"/>
-                <a:ea typeface="나눔스퀘어 Light" panose="020B0600000101010101" pitchFamily="50" charset="-127"/>
-              </a:rPr>
-              <a:t>.</a:t>
-            </a:r>
-            <a:endParaRPr lang="ko-KR" altLang="en-US" dirty="0">
-              <a:latin typeface="나눔스퀘어 Light" panose="020B0600000101010101" pitchFamily="50" charset="-127"/>
-              <a:ea typeface="나눔스퀘어 Light" panose="020B0600000101010101" pitchFamily="50" charset="-127"/>
-            </a:endParaRPr>
-          </a:p>
-        </p:txBody>
-      </p:sp>
-      <p:pic>
-        <p:nvPicPr>
-          <p:cNvPr id="1026" name="Picture 2" descr="Binary Search - Algorithm - TO THE INNOVATION">
-            <a:extLst>
-              <a:ext uri="{FF2B5EF4-FFF2-40B4-BE49-F238E27FC236}">
-                <a16:creationId xmlns:a16="http://schemas.microsoft.com/office/drawing/2014/main" id="{D1FA9678-6C67-BF61-8740-799B750BE384}"/>
-              </a:ext>
-            </a:extLst>
-          </p:cNvPr>
-          <p:cNvPicPr>
-            <a:picLocks noChangeAspect="1" noChangeArrowheads="1"/>
-          </p:cNvPicPr>
-          <p:nvPr/>
-        </p:nvPicPr>
-        <p:blipFill>
-          <a:blip r:embed="rId3">
-            <a:extLst>
-              <a:ext uri="{28A0092B-C50C-407E-A947-70E740481C1C}">
-                <a14:useLocalDpi xmlns:a14="http://schemas.microsoft.com/office/drawing/2010/main" val="0"/>
-              </a:ext>
-            </a:extLst>
-          </a:blip>
-          <a:srcRect/>
-          <a:stretch>
-            <a:fillRect/>
-          </a:stretch>
-        </p:blipFill>
-        <p:spPr bwMode="auto">
-          <a:xfrm>
-            <a:off x="995806" y="1637487"/>
-            <a:ext cx="3298890" cy="1399728"/>
-          </a:xfrm>
-          <a:prstGeom prst="rect">
-            <a:avLst/>
-          </a:prstGeom>
-          <a:noFill/>
-          <a:extLst>
-            <a:ext uri="{909E8E84-426E-40DD-AFC4-6F175D3DCCD1}">
-              <a14:hiddenFill xmlns:a14="http://schemas.microsoft.com/office/drawing/2010/main">
-                <a:solidFill>
-                  <a:srgbClr val="FFFFFF"/>
-                </a:solidFill>
-              </a14:hiddenFill>
-            </a:ext>
-          </a:extLst>
-        </p:spPr>
-      </p:pic>
-      <p:sp>
-        <p:nvSpPr>
-          <p:cNvPr id="15" name="TextBox 14">
-            <a:extLst>
-              <a:ext uri="{FF2B5EF4-FFF2-40B4-BE49-F238E27FC236}">
-                <a16:creationId xmlns:a16="http://schemas.microsoft.com/office/drawing/2014/main" id="{2698DD8C-A054-19A1-4F90-A812216B9B25}"/>
-              </a:ext>
-            </a:extLst>
-          </p:cNvPr>
-          <p:cNvSpPr txBox="1"/>
-          <p:nvPr/>
-        </p:nvSpPr>
-        <p:spPr>
-          <a:xfrm>
-            <a:off x="942387" y="4447549"/>
-            <a:ext cx="10237694" cy="369332"/>
-          </a:xfrm>
-          <a:prstGeom prst="rect">
-            <a:avLst/>
-          </a:prstGeom>
-          <a:noFill/>
-        </p:spPr>
-        <p:txBody>
-          <a:bodyPr wrap="square" rtlCol="0">
-            <a:spAutoFit/>
-          </a:bodyPr>
-          <a:lstStyle/>
-          <a:p>
-            <a:r>
-              <a:rPr lang="ko-KR" altLang="en-US" dirty="0">
-                <a:latin typeface="나눔스퀘어 Light" panose="020B0600000101010101" pitchFamily="50" charset="-127"/>
-                <a:ea typeface="나눔스퀘어 Light" panose="020B0600000101010101" pitchFamily="50" charset="-127"/>
-              </a:rPr>
-              <a:t>처음 가운데를 비교해봐서 </a:t>
-            </a:r>
-            <a:r>
-              <a:rPr lang="en-US" altLang="ko-KR" dirty="0">
-                <a:latin typeface="나눔스퀘어 Light" panose="020B0600000101010101" pitchFamily="50" charset="-127"/>
-                <a:ea typeface="나눔스퀘어 Light" panose="020B0600000101010101" pitchFamily="50" charset="-127"/>
-              </a:rPr>
-              <a:t>X</a:t>
-            </a:r>
-            <a:r>
-              <a:rPr lang="ko-KR" altLang="en-US" dirty="0">
-                <a:latin typeface="나눔스퀘어 Light" panose="020B0600000101010101" pitchFamily="50" charset="-127"/>
-                <a:ea typeface="나눔스퀘어 Light" panose="020B0600000101010101" pitchFamily="50" charset="-127"/>
-              </a:rPr>
-              <a:t>가 </a:t>
-            </a:r>
-            <a:r>
-              <a:rPr lang="en-US" altLang="ko-KR" dirty="0">
-                <a:latin typeface="나눔스퀘어 Light" panose="020B0600000101010101" pitchFamily="50" charset="-127"/>
-                <a:ea typeface="나눔스퀘어 Light" panose="020B0600000101010101" pitchFamily="50" charset="-127"/>
-              </a:rPr>
-              <a:t>mid</a:t>
-            </a:r>
-            <a:r>
-              <a:rPr lang="ko-KR" altLang="en-US" dirty="0">
-                <a:latin typeface="나눔스퀘어 Light" panose="020B0600000101010101" pitchFamily="50" charset="-127"/>
-                <a:ea typeface="나눔스퀘어 Light" panose="020B0600000101010101" pitchFamily="50" charset="-127"/>
-              </a:rPr>
-              <a:t>보다 작으면</a:t>
-            </a:r>
-            <a:r>
-              <a:rPr lang="en-US" altLang="ko-KR" dirty="0">
-                <a:latin typeface="나눔스퀘어 Light" panose="020B0600000101010101" pitchFamily="50" charset="-127"/>
-                <a:ea typeface="나눔스퀘어 Light" panose="020B0600000101010101" pitchFamily="50" charset="-127"/>
-              </a:rPr>
-              <a:t>, X</a:t>
-            </a:r>
-            <a:r>
-              <a:rPr lang="ko-KR" altLang="en-US" dirty="0">
-                <a:latin typeface="나눔스퀘어 Light" panose="020B0600000101010101" pitchFamily="50" charset="-127"/>
-                <a:ea typeface="나눔스퀘어 Light" panose="020B0600000101010101" pitchFamily="50" charset="-127"/>
-              </a:rPr>
-              <a:t>가 </a:t>
-            </a:r>
-            <a:r>
-              <a:rPr lang="en-US" altLang="ko-KR" dirty="0">
-                <a:latin typeface="나눔스퀘어 Light" panose="020B0600000101010101" pitchFamily="50" charset="-127"/>
-                <a:ea typeface="나눔스퀘어 Light" panose="020B0600000101010101" pitchFamily="50" charset="-127"/>
-              </a:rPr>
-              <a:t>mid </a:t>
-            </a:r>
-            <a:r>
-              <a:rPr lang="ko-KR" altLang="en-US" dirty="0">
-                <a:latin typeface="나눔스퀘어 Light" panose="020B0600000101010101" pitchFamily="50" charset="-127"/>
-                <a:ea typeface="나눔스퀘어 Light" panose="020B0600000101010101" pitchFamily="50" charset="-127"/>
-              </a:rPr>
-              <a:t>왼쪽에 있음을 알 수 있습니다</a:t>
-            </a:r>
-            <a:r>
-              <a:rPr lang="en-US" altLang="ko-KR" dirty="0">
-                <a:latin typeface="나눔스퀘어 Light" panose="020B0600000101010101" pitchFamily="50" charset="-127"/>
-                <a:ea typeface="나눔스퀘어 Light" panose="020B0600000101010101" pitchFamily="50" charset="-127"/>
-              </a:rPr>
-              <a:t>.</a:t>
-            </a:r>
-            <a:endParaRPr lang="ko-KR" altLang="en-US" dirty="0">
-              <a:latin typeface="나눔스퀘어 Light" panose="020B0600000101010101" pitchFamily="50" charset="-127"/>
-              <a:ea typeface="나눔스퀘어 Light" panose="020B0600000101010101" pitchFamily="50" charset="-127"/>
-            </a:endParaRPr>
-          </a:p>
-        </p:txBody>
-      </p:sp>
-      <p:sp>
-        <p:nvSpPr>
-          <p:cNvPr id="16" name="TextBox 15">
-            <a:extLst>
-              <a:ext uri="{FF2B5EF4-FFF2-40B4-BE49-F238E27FC236}">
-                <a16:creationId xmlns:a16="http://schemas.microsoft.com/office/drawing/2014/main" id="{5994C2A3-0DEC-7886-2DBF-9D06B60C2D8B}"/>
-              </a:ext>
-            </a:extLst>
-          </p:cNvPr>
-          <p:cNvSpPr txBox="1"/>
-          <p:nvPr/>
-        </p:nvSpPr>
-        <p:spPr>
-          <a:xfrm>
-            <a:off x="942387" y="4816881"/>
-            <a:ext cx="10237694" cy="369332"/>
-          </a:xfrm>
-          <a:prstGeom prst="rect">
-            <a:avLst/>
-          </a:prstGeom>
-          <a:noFill/>
-        </p:spPr>
-        <p:txBody>
-          <a:bodyPr wrap="square" rtlCol="0">
-            <a:spAutoFit/>
-          </a:bodyPr>
-          <a:lstStyle/>
-          <a:p>
-            <a:r>
-              <a:rPr lang="en-US" altLang="ko-KR" dirty="0">
-                <a:latin typeface="나눔스퀘어 Light" panose="020B0600000101010101" pitchFamily="50" charset="-127"/>
-                <a:ea typeface="나눔스퀘어 Light" panose="020B0600000101010101" pitchFamily="50" charset="-127"/>
-              </a:rPr>
-              <a:t>X</a:t>
-            </a:r>
-            <a:r>
-              <a:rPr lang="ko-KR" altLang="en-US" dirty="0">
-                <a:latin typeface="나눔스퀘어 Light" panose="020B0600000101010101" pitchFamily="50" charset="-127"/>
-                <a:ea typeface="나눔스퀘어 Light" panose="020B0600000101010101" pitchFamily="50" charset="-127"/>
-              </a:rPr>
-              <a:t>가 </a:t>
-            </a:r>
-            <a:r>
-              <a:rPr lang="en-US" altLang="ko-KR" dirty="0">
-                <a:latin typeface="나눔스퀘어 Light" panose="020B0600000101010101" pitchFamily="50" charset="-127"/>
-                <a:ea typeface="나눔스퀘어 Light" panose="020B0600000101010101" pitchFamily="50" charset="-127"/>
-              </a:rPr>
-              <a:t>mid</a:t>
-            </a:r>
-            <a:r>
-              <a:rPr lang="ko-KR" altLang="en-US" dirty="0">
-                <a:latin typeface="나눔스퀘어 Light" panose="020B0600000101010101" pitchFamily="50" charset="-127"/>
-                <a:ea typeface="나눔스퀘어 Light" panose="020B0600000101010101" pitchFamily="50" charset="-127"/>
-              </a:rPr>
-              <a:t>보다 크면</a:t>
-            </a:r>
-            <a:r>
-              <a:rPr lang="en-US" altLang="ko-KR" dirty="0">
-                <a:latin typeface="나눔스퀘어 Light" panose="020B0600000101010101" pitchFamily="50" charset="-127"/>
-                <a:ea typeface="나눔스퀘어 Light" panose="020B0600000101010101" pitchFamily="50" charset="-127"/>
-              </a:rPr>
-              <a:t>, X</a:t>
-            </a:r>
-            <a:r>
-              <a:rPr lang="ko-KR" altLang="en-US" dirty="0">
-                <a:latin typeface="나눔스퀘어 Light" panose="020B0600000101010101" pitchFamily="50" charset="-127"/>
-                <a:ea typeface="나눔스퀘어 Light" panose="020B0600000101010101" pitchFamily="50" charset="-127"/>
-              </a:rPr>
-              <a:t>가 </a:t>
-            </a:r>
-            <a:r>
-              <a:rPr lang="en-US" altLang="ko-KR" dirty="0">
-                <a:latin typeface="나눔스퀘어 Light" panose="020B0600000101010101" pitchFamily="50" charset="-127"/>
-                <a:ea typeface="나눔스퀘어 Light" panose="020B0600000101010101" pitchFamily="50" charset="-127"/>
-              </a:rPr>
-              <a:t>mid </a:t>
-            </a:r>
-            <a:r>
-              <a:rPr lang="ko-KR" altLang="en-US" dirty="0">
-                <a:latin typeface="나눔스퀘어 Light" panose="020B0600000101010101" pitchFamily="50" charset="-127"/>
-                <a:ea typeface="나눔스퀘어 Light" panose="020B0600000101010101" pitchFamily="50" charset="-127"/>
-              </a:rPr>
-              <a:t>오른쪽에 있음을 알 수 있습니다</a:t>
-            </a:r>
-            <a:r>
-              <a:rPr lang="en-US" altLang="ko-KR" dirty="0">
-                <a:latin typeface="나눔스퀘어 Light" panose="020B0600000101010101" pitchFamily="50" charset="-127"/>
-                <a:ea typeface="나눔스퀘어 Light" panose="020B0600000101010101" pitchFamily="50" charset="-127"/>
-              </a:rPr>
-              <a:t>.</a:t>
-            </a:r>
-            <a:endParaRPr lang="ko-KR" altLang="en-US" dirty="0">
-              <a:latin typeface="나눔스퀘어 Light" panose="020B0600000101010101" pitchFamily="50" charset="-127"/>
-              <a:ea typeface="나눔스퀘어 Light" panose="020B0600000101010101" pitchFamily="50" charset="-127"/>
-            </a:endParaRPr>
-          </a:p>
-        </p:txBody>
-      </p:sp>
-    </p:spTree>
-    <p:extLst>
-      <p:ext uri="{BB962C8B-B14F-4D97-AF65-F5344CB8AC3E}">
-        <p14:creationId xmlns:p14="http://schemas.microsoft.com/office/powerpoint/2010/main" val="2808561797"/>
-      </p:ext>
-    </p:extLst>
-  </p:cSld>
-  <p:clrMapOvr>
-    <a:masterClrMapping/>
-  </p:clrMapOvr>
-</p:sld>
-</file>
-
-<file path=ppt/slides/slide25.xml><?xml version="1.0" encoding="utf-8"?>
-<p:sld xmlns:a="http://schemas.openxmlformats.org/drawingml/2006/main" xmlns:r="http://schemas.openxmlformats.org/officeDocument/2006/relationships" xmlns:p="http://schemas.openxmlformats.org/presentationml/2006/main">
-  <p:cSld>
-    <p:spTree>
-      <p:nvGrpSpPr>
-        <p:cNvPr id="1" name=""/>
-        <p:cNvGrpSpPr/>
-        <p:nvPr/>
-      </p:nvGrpSpPr>
-      <p:grpSpPr>
-        <a:xfrm>
-          <a:off x="0" y="0"/>
-          <a:ext cx="0" cy="0"/>
-          <a:chOff x="0" y="0"/>
-          <a:chExt cx="0" cy="0"/>
-        </a:xfrm>
-      </p:grpSpPr>
-      <p:cxnSp>
-        <p:nvCxnSpPr>
-          <p:cNvPr id="5" name="직선 연결선 4">
-            <a:extLst>
-              <a:ext uri="{FF2B5EF4-FFF2-40B4-BE49-F238E27FC236}">
-                <a16:creationId xmlns:a16="http://schemas.microsoft.com/office/drawing/2014/main" id="{164C2827-EFCE-69A4-D037-1A218415F568}"/>
-              </a:ext>
-            </a:extLst>
-          </p:cNvPr>
-          <p:cNvCxnSpPr/>
-          <p:nvPr/>
-        </p:nvCxnSpPr>
-        <p:spPr>
-          <a:xfrm>
-            <a:off x="0" y="887505"/>
-            <a:ext cx="10237694" cy="0"/>
-          </a:xfrm>
-          <a:prstGeom prst="line">
-            <a:avLst/>
-          </a:prstGeom>
-          <a:ln w="76200">
-            <a:solidFill>
-              <a:schemeClr val="tx1">
-                <a:lumMod val="75000"/>
-                <a:lumOff val="25000"/>
-              </a:schemeClr>
-            </a:solidFill>
-          </a:ln>
-        </p:spPr>
-        <p:style>
-          <a:lnRef idx="1">
-            <a:schemeClr val="accent1"/>
-          </a:lnRef>
-          <a:fillRef idx="0">
-            <a:schemeClr val="accent1"/>
-          </a:fillRef>
-          <a:effectRef idx="0">
-            <a:schemeClr val="accent1"/>
-          </a:effectRef>
-          <a:fontRef idx="minor">
-            <a:schemeClr val="tx1"/>
-          </a:fontRef>
-        </p:style>
-      </p:cxnSp>
-      <p:sp>
-        <p:nvSpPr>
-          <p:cNvPr id="2" name="TextBox 1">
-            <a:extLst>
-              <a:ext uri="{FF2B5EF4-FFF2-40B4-BE49-F238E27FC236}">
-                <a16:creationId xmlns:a16="http://schemas.microsoft.com/office/drawing/2014/main" id="{42928CCE-6E6A-5C16-746E-BAD660A9BBF3}"/>
-              </a:ext>
-            </a:extLst>
-          </p:cNvPr>
-          <p:cNvSpPr txBox="1"/>
-          <p:nvPr/>
-        </p:nvSpPr>
-        <p:spPr>
-          <a:xfrm>
-            <a:off x="331694" y="177505"/>
-            <a:ext cx="2514343" cy="523220"/>
-          </a:xfrm>
-          <a:prstGeom prst="rect">
-            <a:avLst/>
-          </a:prstGeom>
-          <a:noFill/>
-        </p:spPr>
-        <p:txBody>
-          <a:bodyPr wrap="none" rtlCol="0">
-            <a:spAutoFit/>
-          </a:bodyPr>
-          <a:lstStyle/>
-          <a:p>
-            <a:r>
-              <a:rPr lang="en-US" altLang="ko-KR" sz="2800" dirty="0">
-                <a:latin typeface="나눔스퀘어 Bold" panose="020B0600000101010101" pitchFamily="50" charset="-127"/>
-                <a:ea typeface="나눔스퀘어 Bold" panose="020B0600000101010101" pitchFamily="50" charset="-127"/>
-              </a:rPr>
-              <a:t>Binary Search</a:t>
-            </a:r>
-            <a:endParaRPr lang="ko-KR" altLang="en-US" sz="2800" dirty="0">
-              <a:latin typeface="나눔스퀘어 Bold" panose="020B0600000101010101" pitchFamily="50" charset="-127"/>
-              <a:ea typeface="나눔스퀘어 Bold" panose="020B0600000101010101" pitchFamily="50" charset="-127"/>
-            </a:endParaRPr>
-          </a:p>
-        </p:txBody>
-      </p:sp>
-      <mc:AlternateContent xmlns:mc="http://schemas.openxmlformats.org/markup-compatibility/2006" xmlns:a14="http://schemas.microsoft.com/office/drawing/2010/main">
-        <mc:Choice Requires="a14">
-          <p:sp>
-            <p:nvSpPr>
-              <p:cNvPr id="6" name="TextBox 5">
-                <a:extLst>
-                  <a:ext uri="{FF2B5EF4-FFF2-40B4-BE49-F238E27FC236}">
-                    <a16:creationId xmlns:a16="http://schemas.microsoft.com/office/drawing/2014/main" id="{C6C1720A-2B64-1A8E-AB6D-662F61AB8831}"/>
-                  </a:ext>
-                </a:extLst>
-              </p:cNvPr>
-              <p:cNvSpPr txBox="1"/>
-              <p:nvPr/>
-            </p:nvSpPr>
-            <p:spPr>
-              <a:xfrm>
-                <a:off x="942387" y="1074286"/>
-                <a:ext cx="10237694" cy="369332"/>
-              </a:xfrm>
-              <a:prstGeom prst="rect">
-                <a:avLst/>
-              </a:prstGeom>
-              <a:noFill/>
-            </p:spPr>
-            <p:txBody>
-              <a:bodyPr wrap="square" rtlCol="0">
-                <a:spAutoFit/>
-              </a:bodyPr>
-              <a:lstStyle/>
-              <a:p>
-                <a:r>
-                  <a:rPr lang="ko-KR" altLang="en-US" dirty="0">
-                    <a:latin typeface="나눔스퀘어 Light" panose="020B0600000101010101" pitchFamily="50" charset="-127"/>
-                    <a:ea typeface="나눔스퀘어 Light" panose="020B0600000101010101" pitchFamily="50" charset="-127"/>
-                  </a:rPr>
-                  <a:t>이진 탐색</a:t>
-                </a:r>
-                <a:r>
-                  <a:rPr lang="en-US" altLang="ko-KR" dirty="0">
-                    <a:latin typeface="나눔스퀘어 Light" panose="020B0600000101010101" pitchFamily="50" charset="-127"/>
-                    <a:ea typeface="나눔스퀘어 Light" panose="020B0600000101010101" pitchFamily="50" charset="-127"/>
-                  </a:rPr>
-                  <a:t>(</a:t>
-                </a:r>
-                <a14:m>
-                  <m:oMath xmlns:m="http://schemas.openxmlformats.org/officeDocument/2006/math">
-                    <m:r>
-                      <a:rPr lang="en-US" altLang="ko-KR" b="0" i="1" smtClean="0">
-                        <a:latin typeface="Cambria Math" panose="02040503050406030204" pitchFamily="18" charset="0"/>
-                        <a:ea typeface="나눔스퀘어 Light" panose="020B0600000101010101" pitchFamily="50" charset="-127"/>
-                      </a:rPr>
-                      <m:t>𝑂</m:t>
-                    </m:r>
-                    <m:r>
-                      <a:rPr lang="en-US" altLang="ko-KR" b="0" i="1" smtClean="0">
-                        <a:latin typeface="Cambria Math" panose="02040503050406030204" pitchFamily="18" charset="0"/>
-                        <a:ea typeface="나눔스퀘어 Light" panose="020B0600000101010101" pitchFamily="50" charset="-127"/>
-                      </a:rPr>
-                      <m:t>(</m:t>
-                    </m:r>
-                    <m:r>
-                      <a:rPr lang="en-US" altLang="ko-KR" b="0" i="1" smtClean="0">
-                        <a:latin typeface="Cambria Math" panose="02040503050406030204" pitchFamily="18" charset="0"/>
-                        <a:ea typeface="나눔스퀘어 Light" panose="020B0600000101010101" pitchFamily="50" charset="-127"/>
-                      </a:rPr>
-                      <m:t>𝑙𝑜𝑔𝑁</m:t>
-                    </m:r>
-                    <m:r>
-                      <a:rPr lang="en-US" altLang="ko-KR" b="0" i="1" smtClean="0">
-                        <a:latin typeface="Cambria Math" panose="02040503050406030204" pitchFamily="18" charset="0"/>
-                        <a:ea typeface="나눔스퀘어 Light" panose="020B0600000101010101" pitchFamily="50" charset="-127"/>
-                      </a:rPr>
-                      <m:t>)</m:t>
-                    </m:r>
-                  </m:oMath>
-                </a14:m>
-                <a:r>
-                  <a:rPr lang="en-US" altLang="ko-KR" dirty="0">
-                    <a:latin typeface="나눔스퀘어 Light" panose="020B0600000101010101" pitchFamily="50" charset="-127"/>
-                    <a:ea typeface="나눔스퀘어 Light" panose="020B0600000101010101" pitchFamily="50" charset="-127"/>
-                  </a:rPr>
-                  <a:t>)</a:t>
-                </a:r>
-                <a:r>
-                  <a:rPr lang="ko-KR" altLang="en-US" dirty="0">
-                    <a:latin typeface="나눔스퀘어 Light" panose="020B0600000101010101" pitchFamily="50" charset="-127"/>
-                    <a:ea typeface="나눔스퀘어 Light" panose="020B0600000101010101" pitchFamily="50" charset="-127"/>
-                  </a:rPr>
-                  <a:t>이 순차 탐색</a:t>
-                </a:r>
-                <a:r>
-                  <a:rPr lang="en-US" altLang="ko-KR" dirty="0">
-                    <a:latin typeface="나눔스퀘어 Light" panose="020B0600000101010101" pitchFamily="50" charset="-127"/>
-                    <a:ea typeface="나눔스퀘어 Light" panose="020B0600000101010101" pitchFamily="50" charset="-127"/>
-                  </a:rPr>
-                  <a:t>(</a:t>
-                </a:r>
-                <a14:m>
-                  <m:oMath xmlns:m="http://schemas.openxmlformats.org/officeDocument/2006/math">
-                    <m:r>
-                      <a:rPr lang="en-US" altLang="ko-KR" i="1">
-                        <a:latin typeface="Cambria Math" panose="02040503050406030204" pitchFamily="18" charset="0"/>
-                        <a:ea typeface="나눔스퀘어 Light" panose="020B0600000101010101" pitchFamily="50" charset="-127"/>
-                      </a:rPr>
-                      <m:t>𝑂</m:t>
-                    </m:r>
-                    <m:r>
-                      <a:rPr lang="en-US" altLang="ko-KR" i="1">
-                        <a:latin typeface="Cambria Math" panose="02040503050406030204" pitchFamily="18" charset="0"/>
-                        <a:ea typeface="나눔스퀘어 Light" panose="020B0600000101010101" pitchFamily="50" charset="-127"/>
-                      </a:rPr>
-                      <m:t>(</m:t>
-                    </m:r>
-                    <m:r>
-                      <a:rPr lang="en-US" altLang="ko-KR" i="1">
-                        <a:latin typeface="Cambria Math" panose="02040503050406030204" pitchFamily="18" charset="0"/>
-                        <a:ea typeface="나눔스퀘어 Light" panose="020B0600000101010101" pitchFamily="50" charset="-127"/>
-                      </a:rPr>
-                      <m:t>𝑁</m:t>
-                    </m:r>
-                    <m:r>
-                      <a:rPr lang="en-US" altLang="ko-KR" i="1">
-                        <a:latin typeface="Cambria Math" panose="02040503050406030204" pitchFamily="18" charset="0"/>
-                        <a:ea typeface="나눔스퀘어 Light" panose="020B0600000101010101" pitchFamily="50" charset="-127"/>
-                      </a:rPr>
-                      <m:t>)</m:t>
-                    </m:r>
-                  </m:oMath>
-                </a14:m>
-                <a:r>
-                  <a:rPr lang="en-US" altLang="ko-KR" dirty="0">
-                    <a:latin typeface="나눔스퀘어 Light" panose="020B0600000101010101" pitchFamily="50" charset="-127"/>
-                    <a:ea typeface="나눔스퀘어 Light" panose="020B0600000101010101" pitchFamily="50" charset="-127"/>
-                  </a:rPr>
-                  <a:t>)</a:t>
-                </a:r>
-                <a:r>
-                  <a:rPr lang="ko-KR" altLang="en-US" dirty="0">
-                    <a:latin typeface="나눔스퀘어 Light" panose="020B0600000101010101" pitchFamily="50" charset="-127"/>
-                    <a:ea typeface="나눔스퀘어 Light" panose="020B0600000101010101" pitchFamily="50" charset="-127"/>
-                  </a:rPr>
-                  <a:t>보다 빠른 것은 알겠습니다</a:t>
-                </a:r>
-                <a:r>
-                  <a:rPr lang="en-US" altLang="ko-KR" dirty="0">
-                    <a:latin typeface="나눔스퀘어 Light" panose="020B0600000101010101" pitchFamily="50" charset="-127"/>
-                    <a:ea typeface="나눔스퀘어 Light" panose="020B0600000101010101" pitchFamily="50" charset="-127"/>
-                  </a:rPr>
-                  <a:t>.</a:t>
-                </a:r>
-                <a:endParaRPr lang="ko-KR" altLang="en-US" dirty="0">
-                  <a:latin typeface="나눔스퀘어 Light" panose="020B0600000101010101" pitchFamily="50" charset="-127"/>
-                  <a:ea typeface="나눔스퀘어 Light" panose="020B0600000101010101" pitchFamily="50" charset="-127"/>
-                </a:endParaRPr>
-              </a:p>
-            </p:txBody>
-          </p:sp>
-        </mc:Choice>
-        <mc:Fallback xmlns="">
-          <p:sp>
-            <p:nvSpPr>
-              <p:cNvPr id="6" name="TextBox 5">
-                <a:extLst>
-                  <a:ext uri="{FF2B5EF4-FFF2-40B4-BE49-F238E27FC236}">
-                    <a16:creationId xmlns:a16="http://schemas.microsoft.com/office/drawing/2014/main" id="{C6C1720A-2B64-1A8E-AB6D-662F61AB8831}"/>
-                  </a:ext>
-                </a:extLst>
-              </p:cNvPr>
-              <p:cNvSpPr txBox="1">
-                <a:spLocks noRot="1" noChangeAspect="1" noMove="1" noResize="1" noEditPoints="1" noAdjustHandles="1" noChangeArrowheads="1" noChangeShapeType="1" noTextEdit="1"/>
-              </p:cNvSpPr>
-              <p:nvPr/>
-            </p:nvSpPr>
-            <p:spPr>
-              <a:xfrm>
-                <a:off x="942387" y="1074286"/>
-                <a:ext cx="10237694" cy="369332"/>
-              </a:xfrm>
-              <a:prstGeom prst="rect">
-                <a:avLst/>
-              </a:prstGeom>
-              <a:blipFill>
-                <a:blip r:embed="rId2"/>
-                <a:stretch>
-                  <a:fillRect l="-536" t="-6557" b="-26230"/>
-                </a:stretch>
-              </a:blipFill>
-            </p:spPr>
-            <p:txBody>
-              <a:bodyPr/>
-              <a:lstStyle/>
-              <a:p>
-                <a:r>
-                  <a:rPr lang="ko-KR" altLang="en-US">
-                    <a:noFill/>
-                  </a:rPr>
-                  <a:t> </a:t>
-                </a:r>
-              </a:p>
-            </p:txBody>
-          </p:sp>
-        </mc:Fallback>
-      </mc:AlternateContent>
-      <p:sp>
-        <p:nvSpPr>
-          <p:cNvPr id="7" name="TextBox 6">
-            <a:extLst>
-              <a:ext uri="{FF2B5EF4-FFF2-40B4-BE49-F238E27FC236}">
-                <a16:creationId xmlns:a16="http://schemas.microsoft.com/office/drawing/2014/main" id="{EE519A38-439D-2B5B-75DF-590D95C75FA8}"/>
-              </a:ext>
-            </a:extLst>
-          </p:cNvPr>
-          <p:cNvSpPr txBox="1"/>
-          <p:nvPr/>
-        </p:nvSpPr>
-        <p:spPr>
-          <a:xfrm>
-            <a:off x="942387" y="1443618"/>
-            <a:ext cx="10237694" cy="369332"/>
-          </a:xfrm>
-          <a:prstGeom prst="rect">
-            <a:avLst/>
-          </a:prstGeom>
-          <a:noFill/>
-        </p:spPr>
-        <p:txBody>
-          <a:bodyPr wrap="square" rtlCol="0">
-            <a:spAutoFit/>
-          </a:bodyPr>
-          <a:lstStyle/>
-          <a:p>
-            <a:r>
-              <a:rPr lang="ko-KR" altLang="en-US" dirty="0">
-                <a:latin typeface="나눔스퀘어 Light" panose="020B0600000101010101" pitchFamily="50" charset="-127"/>
-                <a:ea typeface="나눔스퀘어 Light" panose="020B0600000101010101" pitchFamily="50" charset="-127"/>
-              </a:rPr>
-              <a:t>헌데</a:t>
-            </a:r>
-            <a:r>
-              <a:rPr lang="en-US" altLang="ko-KR" dirty="0">
-                <a:latin typeface="나눔스퀘어 Light" panose="020B0600000101010101" pitchFamily="50" charset="-127"/>
-                <a:ea typeface="나눔스퀘어 Light" panose="020B0600000101010101" pitchFamily="50" charset="-127"/>
-              </a:rPr>
-              <a:t>, </a:t>
-            </a:r>
-            <a:r>
-              <a:rPr lang="ko-KR" altLang="en-US" dirty="0">
-                <a:latin typeface="나눔스퀘어 Light" panose="020B0600000101010101" pitchFamily="50" charset="-127"/>
-                <a:ea typeface="나눔스퀘어 Light" panose="020B0600000101010101" pitchFamily="50" charset="-127"/>
-              </a:rPr>
-              <a:t>정렬되어 있지 않은 배열에서 </a:t>
-            </a:r>
-            <a:r>
-              <a:rPr lang="en-US" altLang="ko-KR" dirty="0">
-                <a:latin typeface="나눔스퀘어 Light" panose="020B0600000101010101" pitchFamily="50" charset="-127"/>
-                <a:ea typeface="나눔스퀘어 Light" panose="020B0600000101010101" pitchFamily="50" charset="-127"/>
-              </a:rPr>
-              <a:t>X</a:t>
-            </a:r>
-            <a:r>
-              <a:rPr lang="ko-KR" altLang="en-US" dirty="0">
-                <a:latin typeface="나눔스퀘어 Light" panose="020B0600000101010101" pitchFamily="50" charset="-127"/>
-                <a:ea typeface="나눔스퀘어 Light" panose="020B0600000101010101" pitchFamily="50" charset="-127"/>
-              </a:rPr>
-              <a:t>를 찾으려면</a:t>
-            </a:r>
-            <a:r>
-              <a:rPr lang="en-US" altLang="ko-KR" dirty="0">
-                <a:latin typeface="나눔스퀘어 Light" panose="020B0600000101010101" pitchFamily="50" charset="-127"/>
-                <a:ea typeface="나눔스퀘어 Light" panose="020B0600000101010101" pitchFamily="50" charset="-127"/>
-              </a:rPr>
-              <a:t>, </a:t>
-            </a:r>
-            <a:r>
-              <a:rPr lang="ko-KR" altLang="en-US" dirty="0">
-                <a:latin typeface="나눔스퀘어 Light" panose="020B0600000101010101" pitchFamily="50" charset="-127"/>
-                <a:ea typeface="나눔스퀘어 Light" panose="020B0600000101010101" pitchFamily="50" charset="-127"/>
-              </a:rPr>
-              <a:t>정렬을 하고 이진 탐색을 통해 찾는게 빠를까요</a:t>
-            </a:r>
-            <a:r>
-              <a:rPr lang="en-US" altLang="ko-KR" dirty="0">
-                <a:latin typeface="나눔스퀘어 Light" panose="020B0600000101010101" pitchFamily="50" charset="-127"/>
-                <a:ea typeface="나눔스퀘어 Light" panose="020B0600000101010101" pitchFamily="50" charset="-127"/>
-              </a:rPr>
-              <a:t>,</a:t>
-            </a:r>
-            <a:endParaRPr lang="ko-KR" altLang="en-US" dirty="0">
-              <a:latin typeface="나눔스퀘어 Light" panose="020B0600000101010101" pitchFamily="50" charset="-127"/>
-              <a:ea typeface="나눔스퀘어 Light" panose="020B0600000101010101" pitchFamily="50" charset="-127"/>
-            </a:endParaRPr>
-          </a:p>
-        </p:txBody>
-      </p:sp>
-      <p:sp>
-        <p:nvSpPr>
-          <p:cNvPr id="8" name="TextBox 7">
-            <a:extLst>
-              <a:ext uri="{FF2B5EF4-FFF2-40B4-BE49-F238E27FC236}">
-                <a16:creationId xmlns:a16="http://schemas.microsoft.com/office/drawing/2014/main" id="{B4A9DEB4-92EC-099C-A1A2-5F16C4A3AB5B}"/>
-              </a:ext>
-            </a:extLst>
-          </p:cNvPr>
-          <p:cNvSpPr txBox="1"/>
-          <p:nvPr/>
-        </p:nvSpPr>
-        <p:spPr>
-          <a:xfrm>
-            <a:off x="942387" y="1812950"/>
-            <a:ext cx="10237694" cy="369332"/>
-          </a:xfrm>
-          <a:prstGeom prst="rect">
-            <a:avLst/>
-          </a:prstGeom>
-          <a:noFill/>
-        </p:spPr>
-        <p:txBody>
-          <a:bodyPr wrap="square" rtlCol="0">
-            <a:spAutoFit/>
-          </a:bodyPr>
-          <a:lstStyle/>
-          <a:p>
-            <a:r>
-              <a:rPr lang="ko-KR" altLang="en-US" dirty="0">
-                <a:latin typeface="나눔스퀘어 Light" panose="020B0600000101010101" pitchFamily="50" charset="-127"/>
-                <a:ea typeface="나눔스퀘어 Light" panose="020B0600000101010101" pitchFamily="50" charset="-127"/>
-              </a:rPr>
-              <a:t>아니면 순차 탐색을 통해서 찾는게 빠를까요</a:t>
-            </a:r>
-            <a:r>
-              <a:rPr lang="en-US" altLang="ko-KR" dirty="0">
-                <a:latin typeface="나눔스퀘어 Light" panose="020B0600000101010101" pitchFamily="50" charset="-127"/>
-                <a:ea typeface="나눔스퀘어 Light" panose="020B0600000101010101" pitchFamily="50" charset="-127"/>
-              </a:rPr>
-              <a:t>?</a:t>
-            </a:r>
-            <a:endParaRPr lang="ko-KR" altLang="en-US" dirty="0">
-              <a:latin typeface="나눔스퀘어 Light" panose="020B0600000101010101" pitchFamily="50" charset="-127"/>
-              <a:ea typeface="나눔스퀘어 Light" panose="020B0600000101010101" pitchFamily="50" charset="-127"/>
-            </a:endParaRPr>
-          </a:p>
-        </p:txBody>
-      </p:sp>
-    </p:spTree>
-    <p:extLst>
-      <p:ext uri="{BB962C8B-B14F-4D97-AF65-F5344CB8AC3E}">
-        <p14:creationId xmlns:p14="http://schemas.microsoft.com/office/powerpoint/2010/main" val="2409707812"/>
-      </p:ext>
-    </p:extLst>
-  </p:cSld>
-  <p:clrMapOvr>
-    <a:masterClrMapping/>
-  </p:clrMapOvr>
-</p:sld>
-</file>
-
-<file path=ppt/slides/slide26.xml><?xml version="1.0" encoding="utf-8"?>
-<p:sld xmlns:a="http://schemas.openxmlformats.org/drawingml/2006/main" xmlns:r="http://schemas.openxmlformats.org/officeDocument/2006/relationships" xmlns:p="http://schemas.openxmlformats.org/presentationml/2006/main">
-  <p:cSld>
-    <p:spTree>
-      <p:nvGrpSpPr>
-        <p:cNvPr id="1" name=""/>
-        <p:cNvGrpSpPr/>
-        <p:nvPr/>
-      </p:nvGrpSpPr>
-      <p:grpSpPr>
-        <a:xfrm>
-          <a:off x="0" y="0"/>
-          <a:ext cx="0" cy="0"/>
-          <a:chOff x="0" y="0"/>
-          <a:chExt cx="0" cy="0"/>
-        </a:xfrm>
-      </p:grpSpPr>
-      <p:cxnSp>
-        <p:nvCxnSpPr>
-          <p:cNvPr id="5" name="직선 연결선 4">
-            <a:extLst>
-              <a:ext uri="{FF2B5EF4-FFF2-40B4-BE49-F238E27FC236}">
-                <a16:creationId xmlns:a16="http://schemas.microsoft.com/office/drawing/2014/main" id="{164C2827-EFCE-69A4-D037-1A218415F568}"/>
-              </a:ext>
-            </a:extLst>
-          </p:cNvPr>
-          <p:cNvCxnSpPr/>
-          <p:nvPr/>
-        </p:nvCxnSpPr>
-        <p:spPr>
-          <a:xfrm>
-            <a:off x="0" y="887505"/>
-            <a:ext cx="10237694" cy="0"/>
-          </a:xfrm>
-          <a:prstGeom prst="line">
-            <a:avLst/>
-          </a:prstGeom>
-          <a:ln w="76200">
-            <a:solidFill>
-              <a:schemeClr val="tx1">
-                <a:lumMod val="75000"/>
-                <a:lumOff val="25000"/>
-              </a:schemeClr>
-            </a:solidFill>
-          </a:ln>
-        </p:spPr>
-        <p:style>
-          <a:lnRef idx="1">
-            <a:schemeClr val="accent1"/>
-          </a:lnRef>
-          <a:fillRef idx="0">
-            <a:schemeClr val="accent1"/>
-          </a:fillRef>
-          <a:effectRef idx="0">
-            <a:schemeClr val="accent1"/>
-          </a:effectRef>
-          <a:fontRef idx="minor">
-            <a:schemeClr val="tx1"/>
-          </a:fontRef>
-        </p:style>
-      </p:cxnSp>
-      <p:sp>
-        <p:nvSpPr>
-          <p:cNvPr id="2" name="TextBox 1">
-            <a:extLst>
-              <a:ext uri="{FF2B5EF4-FFF2-40B4-BE49-F238E27FC236}">
-                <a16:creationId xmlns:a16="http://schemas.microsoft.com/office/drawing/2014/main" id="{42928CCE-6E6A-5C16-746E-BAD660A9BBF3}"/>
-              </a:ext>
-            </a:extLst>
-          </p:cNvPr>
-          <p:cNvSpPr txBox="1"/>
-          <p:nvPr/>
-        </p:nvSpPr>
-        <p:spPr>
-          <a:xfrm>
-            <a:off x="331694" y="177505"/>
-            <a:ext cx="2514343" cy="523220"/>
-          </a:xfrm>
-          <a:prstGeom prst="rect">
-            <a:avLst/>
-          </a:prstGeom>
-          <a:noFill/>
-        </p:spPr>
-        <p:txBody>
-          <a:bodyPr wrap="none" rtlCol="0">
-            <a:spAutoFit/>
-          </a:bodyPr>
-          <a:lstStyle/>
-          <a:p>
-            <a:r>
-              <a:rPr lang="en-US" altLang="ko-KR" sz="2800" dirty="0">
-                <a:latin typeface="나눔스퀘어 Bold" panose="020B0600000101010101" pitchFamily="50" charset="-127"/>
-                <a:ea typeface="나눔스퀘어 Bold" panose="020B0600000101010101" pitchFamily="50" charset="-127"/>
-              </a:rPr>
-              <a:t>Binary Search</a:t>
-            </a:r>
-            <a:endParaRPr lang="ko-KR" altLang="en-US" sz="2800" dirty="0">
-              <a:latin typeface="나눔스퀘어 Bold" panose="020B0600000101010101" pitchFamily="50" charset="-127"/>
-              <a:ea typeface="나눔스퀘어 Bold" panose="020B0600000101010101" pitchFamily="50" charset="-127"/>
-            </a:endParaRPr>
-          </a:p>
-        </p:txBody>
-      </p:sp>
-      <p:sp>
-        <p:nvSpPr>
-          <p:cNvPr id="3" name="TextBox 2">
-            <a:extLst>
-              <a:ext uri="{FF2B5EF4-FFF2-40B4-BE49-F238E27FC236}">
-                <a16:creationId xmlns:a16="http://schemas.microsoft.com/office/drawing/2014/main" id="{405C1E2A-5E8B-9374-4FB2-9976572CC222}"/>
-              </a:ext>
-            </a:extLst>
-          </p:cNvPr>
-          <p:cNvSpPr txBox="1"/>
-          <p:nvPr/>
-        </p:nvSpPr>
-        <p:spPr>
-          <a:xfrm>
-            <a:off x="942387" y="1074286"/>
-            <a:ext cx="8542272" cy="369332"/>
-          </a:xfrm>
-          <a:prstGeom prst="rect">
-            <a:avLst/>
-          </a:prstGeom>
-          <a:noFill/>
-        </p:spPr>
-        <p:txBody>
-          <a:bodyPr wrap="square" rtlCol="0">
-            <a:spAutoFit/>
-          </a:bodyPr>
-          <a:lstStyle/>
-          <a:p>
-            <a:r>
-              <a:rPr lang="ko-KR" altLang="en-US" dirty="0">
-                <a:latin typeface="나눔스퀘어 Bold" panose="020B0600000101010101" pitchFamily="50" charset="-127"/>
-                <a:ea typeface="나눔스퀘어 Bold" panose="020B0600000101010101" pitchFamily="50" charset="-127"/>
-              </a:rPr>
-              <a:t>내장 이진탐색 함수</a:t>
-            </a:r>
-          </a:p>
-        </p:txBody>
-      </p:sp>
-      <p:sp>
-        <p:nvSpPr>
-          <p:cNvPr id="4" name="TextBox 3">
-            <a:extLst>
-              <a:ext uri="{FF2B5EF4-FFF2-40B4-BE49-F238E27FC236}">
-                <a16:creationId xmlns:a16="http://schemas.microsoft.com/office/drawing/2014/main" id="{E866CD16-7CB6-E15D-46A4-64BC82AA86EC}"/>
-              </a:ext>
-            </a:extLst>
-          </p:cNvPr>
-          <p:cNvSpPr txBox="1"/>
-          <p:nvPr/>
-        </p:nvSpPr>
-        <p:spPr>
-          <a:xfrm>
-            <a:off x="942387" y="1443618"/>
-            <a:ext cx="10237694" cy="369332"/>
-          </a:xfrm>
-          <a:prstGeom prst="rect">
-            <a:avLst/>
-          </a:prstGeom>
-          <a:noFill/>
-        </p:spPr>
-        <p:txBody>
-          <a:bodyPr wrap="square" rtlCol="0">
-            <a:spAutoFit/>
-          </a:bodyPr>
-          <a:lstStyle/>
-          <a:p>
-            <a:r>
-              <a:rPr lang="ko-KR" altLang="en-US" dirty="0">
-                <a:latin typeface="나눔스퀘어 Light" panose="020B0600000101010101" pitchFamily="50" charset="-127"/>
-                <a:ea typeface="나눔스퀘어 Light" panose="020B0600000101010101" pitchFamily="50" charset="-127"/>
-              </a:rPr>
-              <a:t>정렬 함수와 마찬가지로</a:t>
-            </a:r>
-            <a:r>
-              <a:rPr lang="en-US" altLang="ko-KR" dirty="0">
-                <a:latin typeface="나눔스퀘어 Light" panose="020B0600000101010101" pitchFamily="50" charset="-127"/>
-                <a:ea typeface="나눔스퀘어 Light" panose="020B0600000101010101" pitchFamily="50" charset="-127"/>
-              </a:rPr>
-              <a:t>, </a:t>
-            </a:r>
-            <a:r>
-              <a:rPr lang="ko-KR" altLang="en-US" dirty="0">
-                <a:latin typeface="나눔스퀘어 Light" panose="020B0600000101010101" pitchFamily="50" charset="-127"/>
-                <a:ea typeface="나눔스퀘어 Light" panose="020B0600000101010101" pitchFamily="50" charset="-127"/>
-              </a:rPr>
-              <a:t>이진 탐색 함수를 직접 구현해 사용하는 것은 굉장히 비효율적입니다</a:t>
-            </a:r>
-            <a:r>
-              <a:rPr lang="en-US" altLang="ko-KR" dirty="0">
-                <a:latin typeface="나눔스퀘어 Light" panose="020B0600000101010101" pitchFamily="50" charset="-127"/>
-                <a:ea typeface="나눔스퀘어 Light" panose="020B0600000101010101" pitchFamily="50" charset="-127"/>
-              </a:rPr>
-              <a:t>.</a:t>
-            </a:r>
-            <a:endParaRPr lang="ko-KR" altLang="en-US" dirty="0">
-              <a:latin typeface="나눔스퀘어 Light" panose="020B0600000101010101" pitchFamily="50" charset="-127"/>
-              <a:ea typeface="나눔스퀘어 Light" panose="020B0600000101010101" pitchFamily="50" charset="-127"/>
-            </a:endParaRPr>
-          </a:p>
-        </p:txBody>
-      </p:sp>
-      <p:sp>
-        <p:nvSpPr>
-          <p:cNvPr id="11" name="TextBox 10">
-            <a:extLst>
-              <a:ext uri="{FF2B5EF4-FFF2-40B4-BE49-F238E27FC236}">
-                <a16:creationId xmlns:a16="http://schemas.microsoft.com/office/drawing/2014/main" id="{A0258E0C-DA7F-3C13-D12F-10E7910EE4A9}"/>
-              </a:ext>
-            </a:extLst>
-          </p:cNvPr>
-          <p:cNvSpPr txBox="1"/>
-          <p:nvPr/>
-        </p:nvSpPr>
-        <p:spPr>
-          <a:xfrm>
-            <a:off x="942387" y="1815064"/>
-            <a:ext cx="7601249" cy="369332"/>
-          </a:xfrm>
-          <a:prstGeom prst="rect">
-            <a:avLst/>
-          </a:prstGeom>
-          <a:noFill/>
-        </p:spPr>
-        <p:txBody>
-          <a:bodyPr wrap="square" rtlCol="0">
-            <a:spAutoFit/>
-          </a:bodyPr>
-          <a:lstStyle/>
-          <a:p>
-            <a:r>
-              <a:rPr lang="ko-KR" altLang="en-US" dirty="0">
-                <a:latin typeface="나눔스퀘어 Light" panose="020B0600000101010101" pitchFamily="50" charset="-127"/>
-                <a:ea typeface="나눔스퀘어 Light" panose="020B0600000101010101" pitchFamily="50" charset="-127"/>
-              </a:rPr>
-              <a:t>이에 언어별 내장 이진탐색 함수를 사용합니다</a:t>
-            </a:r>
-            <a:r>
-              <a:rPr lang="en-US" altLang="ko-KR" dirty="0">
-                <a:latin typeface="나눔스퀘어 Light" panose="020B0600000101010101" pitchFamily="50" charset="-127"/>
-                <a:ea typeface="나눔스퀘어 Light" panose="020B0600000101010101" pitchFamily="50" charset="-127"/>
-              </a:rPr>
-              <a:t>.</a:t>
-            </a:r>
-            <a:endParaRPr lang="ko-KR" altLang="en-US" dirty="0">
-              <a:latin typeface="나눔스퀘어 Light" panose="020B0600000101010101" pitchFamily="50" charset="-127"/>
-              <a:ea typeface="나눔스퀘어 Light" panose="020B0600000101010101" pitchFamily="50" charset="-127"/>
-            </a:endParaRPr>
-          </a:p>
-        </p:txBody>
-      </p:sp>
-      <p:sp>
-        <p:nvSpPr>
-          <p:cNvPr id="14" name="TextBox 13">
-            <a:extLst>
-              <a:ext uri="{FF2B5EF4-FFF2-40B4-BE49-F238E27FC236}">
-                <a16:creationId xmlns:a16="http://schemas.microsoft.com/office/drawing/2014/main" id="{1E50CBBD-0B41-9959-FE23-4646D2B64EFD}"/>
-              </a:ext>
-            </a:extLst>
-          </p:cNvPr>
-          <p:cNvSpPr txBox="1"/>
-          <p:nvPr/>
-        </p:nvSpPr>
-        <p:spPr>
-          <a:xfrm>
-            <a:off x="942387" y="3059668"/>
-            <a:ext cx="8542272" cy="369332"/>
-          </a:xfrm>
-          <a:prstGeom prst="rect">
-            <a:avLst/>
-          </a:prstGeom>
-          <a:noFill/>
-        </p:spPr>
-        <p:txBody>
-          <a:bodyPr wrap="square" rtlCol="0">
-            <a:spAutoFit/>
-          </a:bodyPr>
-          <a:lstStyle/>
-          <a:p>
-            <a:r>
-              <a:rPr lang="en-US" altLang="ko-KR" dirty="0">
-                <a:latin typeface="나눔스퀘어 Bold" panose="020B0600000101010101" pitchFamily="50" charset="-127"/>
-                <a:ea typeface="나눔스퀘어 Bold" panose="020B0600000101010101" pitchFamily="50" charset="-127"/>
-              </a:rPr>
-              <a:t>C</a:t>
-            </a:r>
-            <a:r>
-              <a:rPr lang="en-US" altLang="ko-KR" dirty="0">
-                <a:latin typeface="나눔스퀘어 Light" panose="020B0600000101010101" pitchFamily="50" charset="-127"/>
-                <a:ea typeface="나눔스퀘어 Light" panose="020B0600000101010101" pitchFamily="50" charset="-127"/>
-              </a:rPr>
-              <a:t> : </a:t>
-            </a:r>
-            <a:r>
-              <a:rPr lang="en-US" altLang="ko-KR" dirty="0" err="1">
-                <a:latin typeface="나눔스퀘어 Light" panose="020B0600000101010101" pitchFamily="50" charset="-127"/>
-                <a:ea typeface="나눔스퀘어 Light" panose="020B0600000101010101" pitchFamily="50" charset="-127"/>
-              </a:rPr>
-              <a:t>bsearch</a:t>
-            </a:r>
-            <a:r>
-              <a:rPr lang="en-US" altLang="ko-KR" dirty="0">
-                <a:latin typeface="나눔스퀘어 Light" panose="020B0600000101010101" pitchFamily="50" charset="-127"/>
-                <a:ea typeface="나눔스퀘어 Light" panose="020B0600000101010101" pitchFamily="50" charset="-127"/>
-              </a:rPr>
-              <a:t>()</a:t>
-            </a:r>
-            <a:endParaRPr lang="ko-KR" altLang="en-US" dirty="0">
-              <a:latin typeface="나눔스퀘어 Bold" panose="020B0600000101010101" pitchFamily="50" charset="-127"/>
-              <a:ea typeface="나눔스퀘어 Bold" panose="020B0600000101010101" pitchFamily="50" charset="-127"/>
-            </a:endParaRPr>
-          </a:p>
-        </p:txBody>
-      </p:sp>
-      <p:pic>
-        <p:nvPicPr>
-          <p:cNvPr id="16" name="그림 15">
-            <a:extLst>
-              <a:ext uri="{FF2B5EF4-FFF2-40B4-BE49-F238E27FC236}">
-                <a16:creationId xmlns:a16="http://schemas.microsoft.com/office/drawing/2014/main" id="{DE14884E-7978-B57E-3B28-A1B0B558851E}"/>
-              </a:ext>
-            </a:extLst>
-          </p:cNvPr>
-          <p:cNvPicPr>
-            <a:picLocks noChangeAspect="1"/>
-          </p:cNvPicPr>
-          <p:nvPr/>
-        </p:nvPicPr>
-        <p:blipFill>
-          <a:blip r:embed="rId2"/>
-          <a:stretch>
-            <a:fillRect/>
-          </a:stretch>
-        </p:blipFill>
-        <p:spPr>
-          <a:xfrm>
-            <a:off x="942387" y="3494453"/>
-            <a:ext cx="10237694" cy="1582886"/>
-          </a:xfrm>
-          <a:prstGeom prst="rect">
-            <a:avLst/>
-          </a:prstGeom>
-        </p:spPr>
-      </p:pic>
-      <p:sp>
-        <p:nvSpPr>
-          <p:cNvPr id="18" name="TextBox 17">
-            <a:extLst>
-              <a:ext uri="{FF2B5EF4-FFF2-40B4-BE49-F238E27FC236}">
-                <a16:creationId xmlns:a16="http://schemas.microsoft.com/office/drawing/2014/main" id="{5D347B0F-84F4-050D-4A52-94BEE92EBA9E}"/>
-              </a:ext>
-            </a:extLst>
-          </p:cNvPr>
-          <p:cNvSpPr txBox="1"/>
-          <p:nvPr/>
-        </p:nvSpPr>
-        <p:spPr>
-          <a:xfrm>
-            <a:off x="942387" y="5229716"/>
-            <a:ext cx="10237694" cy="369332"/>
-          </a:xfrm>
-          <a:prstGeom prst="rect">
-            <a:avLst/>
-          </a:prstGeom>
-          <a:noFill/>
-        </p:spPr>
-        <p:txBody>
-          <a:bodyPr wrap="square" rtlCol="0">
-            <a:spAutoFit/>
-          </a:bodyPr>
-          <a:lstStyle/>
-          <a:p>
-            <a:r>
-              <a:rPr lang="en-US" altLang="ko-KR" dirty="0">
-                <a:latin typeface="나눔스퀘어 Light" panose="020B0600000101010101" pitchFamily="50" charset="-127"/>
-                <a:ea typeface="나눔스퀘어 Light" panose="020B0600000101010101" pitchFamily="50" charset="-127"/>
-              </a:rPr>
-              <a:t>C</a:t>
-            </a:r>
-            <a:r>
-              <a:rPr lang="ko-KR" altLang="en-US" dirty="0">
-                <a:latin typeface="나눔스퀘어 Light" panose="020B0600000101010101" pitchFamily="50" charset="-127"/>
-                <a:ea typeface="나눔스퀘어 Light" panose="020B0600000101010101" pitchFamily="50" charset="-127"/>
-              </a:rPr>
-              <a:t>언어의 </a:t>
-            </a:r>
-            <a:r>
-              <a:rPr lang="en-US" altLang="ko-KR" dirty="0" err="1">
-                <a:latin typeface="나눔스퀘어 Light" panose="020B0600000101010101" pitchFamily="50" charset="-127"/>
-                <a:ea typeface="나눔스퀘어 Light" panose="020B0600000101010101" pitchFamily="50" charset="-127"/>
-              </a:rPr>
-              <a:t>bsearch</a:t>
-            </a:r>
-            <a:r>
-              <a:rPr lang="en-US" altLang="ko-KR" dirty="0">
-                <a:latin typeface="나눔스퀘어 Light" panose="020B0600000101010101" pitchFamily="50" charset="-127"/>
-                <a:ea typeface="나눔스퀘어 Light" panose="020B0600000101010101" pitchFamily="50" charset="-127"/>
-              </a:rPr>
-              <a:t>() </a:t>
-            </a:r>
-            <a:r>
-              <a:rPr lang="ko-KR" altLang="en-US" dirty="0">
-                <a:latin typeface="나눔스퀘어 Light" panose="020B0600000101010101" pitchFamily="50" charset="-127"/>
-                <a:ea typeface="나눔스퀘어 Light" panose="020B0600000101010101" pitchFamily="50" charset="-127"/>
-              </a:rPr>
-              <a:t>함수는 </a:t>
-            </a:r>
-            <a:r>
-              <a:rPr lang="en-US" altLang="ko-KR" dirty="0">
-                <a:latin typeface="나눔스퀘어 Light" panose="020B0600000101010101" pitchFamily="50" charset="-127"/>
-                <a:ea typeface="나눔스퀘어 Light" panose="020B0600000101010101" pitchFamily="50" charset="-127"/>
-              </a:rPr>
-              <a:t>key</a:t>
-            </a:r>
-            <a:r>
-              <a:rPr lang="ko-KR" altLang="en-US" dirty="0">
-                <a:latin typeface="나눔스퀘어 Light" panose="020B0600000101010101" pitchFamily="50" charset="-127"/>
-                <a:ea typeface="나눔스퀘어 Light" panose="020B0600000101010101" pitchFamily="50" charset="-127"/>
-              </a:rPr>
-              <a:t>로 들어간 값이 배열에 있는지 탐색하여 탐색에 성공할 경우 그 값의</a:t>
-            </a:r>
-          </a:p>
-        </p:txBody>
-      </p:sp>
-      <p:sp>
-        <p:nvSpPr>
-          <p:cNvPr id="19" name="TextBox 18">
-            <a:extLst>
-              <a:ext uri="{FF2B5EF4-FFF2-40B4-BE49-F238E27FC236}">
-                <a16:creationId xmlns:a16="http://schemas.microsoft.com/office/drawing/2014/main" id="{C498B104-4317-7CA9-1CAD-144BB832B559}"/>
-              </a:ext>
-            </a:extLst>
-          </p:cNvPr>
-          <p:cNvSpPr txBox="1"/>
-          <p:nvPr/>
-        </p:nvSpPr>
-        <p:spPr>
-          <a:xfrm>
-            <a:off x="942387" y="5610116"/>
-            <a:ext cx="10237694" cy="369332"/>
-          </a:xfrm>
-          <a:prstGeom prst="rect">
-            <a:avLst/>
-          </a:prstGeom>
-          <a:noFill/>
-        </p:spPr>
-        <p:txBody>
-          <a:bodyPr wrap="square" rtlCol="0">
-            <a:spAutoFit/>
-          </a:bodyPr>
-          <a:lstStyle/>
-          <a:p>
-            <a:r>
-              <a:rPr lang="ko-KR" altLang="en-US" dirty="0">
-                <a:latin typeface="나눔스퀘어 Light" panose="020B0600000101010101" pitchFamily="50" charset="-127"/>
-                <a:ea typeface="나눔스퀘어 Light" panose="020B0600000101010101" pitchFamily="50" charset="-127"/>
-              </a:rPr>
-              <a:t>포인터를 반환하고</a:t>
-            </a:r>
-            <a:r>
-              <a:rPr lang="en-US" altLang="ko-KR" dirty="0">
-                <a:latin typeface="나눔스퀘어 Light" panose="020B0600000101010101" pitchFamily="50" charset="-127"/>
-                <a:ea typeface="나눔스퀘어 Light" panose="020B0600000101010101" pitchFamily="50" charset="-127"/>
-              </a:rPr>
-              <a:t>, </a:t>
-            </a:r>
-            <a:r>
-              <a:rPr lang="ko-KR" altLang="en-US" dirty="0">
-                <a:latin typeface="나눔스퀘어 Light" panose="020B0600000101010101" pitchFamily="50" charset="-127"/>
-                <a:ea typeface="나눔스퀘어 Light" panose="020B0600000101010101" pitchFamily="50" charset="-127"/>
-              </a:rPr>
-              <a:t>실패할 경우 </a:t>
-            </a:r>
-            <a:r>
-              <a:rPr lang="en-US" altLang="ko-KR" dirty="0">
-                <a:latin typeface="나눔스퀘어 Light" panose="020B0600000101010101" pitchFamily="50" charset="-127"/>
-                <a:ea typeface="나눔스퀘어 Light" panose="020B0600000101010101" pitchFamily="50" charset="-127"/>
-              </a:rPr>
-              <a:t>NULL </a:t>
-            </a:r>
-            <a:r>
-              <a:rPr lang="ko-KR" altLang="en-US" dirty="0">
-                <a:latin typeface="나눔스퀘어 Light" panose="020B0600000101010101" pitchFamily="50" charset="-127"/>
-                <a:ea typeface="나눔스퀘어 Light" panose="020B0600000101010101" pitchFamily="50" charset="-127"/>
-              </a:rPr>
-              <a:t>포인터를 반환합니다</a:t>
-            </a:r>
-            <a:r>
-              <a:rPr lang="en-US" altLang="ko-KR" dirty="0">
-                <a:latin typeface="나눔스퀘어 Light" panose="020B0600000101010101" pitchFamily="50" charset="-127"/>
-                <a:ea typeface="나눔스퀘어 Light" panose="020B0600000101010101" pitchFamily="50" charset="-127"/>
-              </a:rPr>
-              <a:t>.</a:t>
-            </a:r>
-            <a:endParaRPr lang="ko-KR" altLang="en-US" dirty="0">
-              <a:latin typeface="나눔스퀘어 Light" panose="020B0600000101010101" pitchFamily="50" charset="-127"/>
-              <a:ea typeface="나눔스퀘어 Light" panose="020B0600000101010101" pitchFamily="50" charset="-127"/>
-            </a:endParaRPr>
-          </a:p>
-        </p:txBody>
-      </p:sp>
-    </p:spTree>
-    <p:extLst>
-      <p:ext uri="{BB962C8B-B14F-4D97-AF65-F5344CB8AC3E}">
-        <p14:creationId xmlns:p14="http://schemas.microsoft.com/office/powerpoint/2010/main" val="2399906574"/>
-      </p:ext>
-    </p:extLst>
-  </p:cSld>
-  <p:clrMapOvr>
-    <a:masterClrMapping/>
-  </p:clrMapOvr>
-</p:sld>
-</file>
-
-<file path=ppt/slides/slide27.xml><?xml version="1.0" encoding="utf-8"?>
-<p:sld xmlns:a="http://schemas.openxmlformats.org/drawingml/2006/main" xmlns:r="http://schemas.openxmlformats.org/officeDocument/2006/relationships" xmlns:p="http://schemas.openxmlformats.org/presentationml/2006/main">
-  <p:cSld>
-    <p:spTree>
-      <p:nvGrpSpPr>
-        <p:cNvPr id="1" name=""/>
-        <p:cNvGrpSpPr/>
-        <p:nvPr/>
-      </p:nvGrpSpPr>
-      <p:grpSpPr>
-        <a:xfrm>
-          <a:off x="0" y="0"/>
-          <a:ext cx="0" cy="0"/>
-          <a:chOff x="0" y="0"/>
-          <a:chExt cx="0" cy="0"/>
-        </a:xfrm>
-      </p:grpSpPr>
-      <p:cxnSp>
-        <p:nvCxnSpPr>
-          <p:cNvPr id="5" name="직선 연결선 4">
-            <a:extLst>
-              <a:ext uri="{FF2B5EF4-FFF2-40B4-BE49-F238E27FC236}">
-                <a16:creationId xmlns:a16="http://schemas.microsoft.com/office/drawing/2014/main" id="{164C2827-EFCE-69A4-D037-1A218415F568}"/>
-              </a:ext>
-            </a:extLst>
-          </p:cNvPr>
-          <p:cNvCxnSpPr/>
-          <p:nvPr/>
-        </p:nvCxnSpPr>
-        <p:spPr>
-          <a:xfrm>
-            <a:off x="0" y="887505"/>
-            <a:ext cx="10237694" cy="0"/>
-          </a:xfrm>
-          <a:prstGeom prst="line">
-            <a:avLst/>
-          </a:prstGeom>
-          <a:ln w="76200">
-            <a:solidFill>
-              <a:schemeClr val="tx1">
-                <a:lumMod val="75000"/>
-                <a:lumOff val="25000"/>
-              </a:schemeClr>
-            </a:solidFill>
-          </a:ln>
-        </p:spPr>
-        <p:style>
-          <a:lnRef idx="1">
-            <a:schemeClr val="accent1"/>
-          </a:lnRef>
-          <a:fillRef idx="0">
-            <a:schemeClr val="accent1"/>
-          </a:fillRef>
-          <a:effectRef idx="0">
-            <a:schemeClr val="accent1"/>
-          </a:effectRef>
-          <a:fontRef idx="minor">
-            <a:schemeClr val="tx1"/>
-          </a:fontRef>
-        </p:style>
-      </p:cxnSp>
-      <p:sp>
-        <p:nvSpPr>
-          <p:cNvPr id="2" name="TextBox 1">
-            <a:extLst>
-              <a:ext uri="{FF2B5EF4-FFF2-40B4-BE49-F238E27FC236}">
-                <a16:creationId xmlns:a16="http://schemas.microsoft.com/office/drawing/2014/main" id="{42928CCE-6E6A-5C16-746E-BAD660A9BBF3}"/>
-              </a:ext>
-            </a:extLst>
-          </p:cNvPr>
-          <p:cNvSpPr txBox="1"/>
-          <p:nvPr/>
-        </p:nvSpPr>
-        <p:spPr>
-          <a:xfrm>
-            <a:off x="331694" y="177505"/>
-            <a:ext cx="2514343" cy="523220"/>
-          </a:xfrm>
-          <a:prstGeom prst="rect">
-            <a:avLst/>
-          </a:prstGeom>
-          <a:noFill/>
-        </p:spPr>
-        <p:txBody>
-          <a:bodyPr wrap="none" rtlCol="0">
-            <a:spAutoFit/>
-          </a:bodyPr>
-          <a:lstStyle/>
-          <a:p>
-            <a:r>
-              <a:rPr lang="en-US" altLang="ko-KR" sz="2800" dirty="0">
-                <a:latin typeface="나눔스퀘어 Bold" panose="020B0600000101010101" pitchFamily="50" charset="-127"/>
-                <a:ea typeface="나눔스퀘어 Bold" panose="020B0600000101010101" pitchFamily="50" charset="-127"/>
-              </a:rPr>
-              <a:t>Binary Search</a:t>
-            </a:r>
-            <a:endParaRPr lang="ko-KR" altLang="en-US" sz="2800" dirty="0">
-              <a:latin typeface="나눔스퀘어 Bold" panose="020B0600000101010101" pitchFamily="50" charset="-127"/>
-              <a:ea typeface="나눔스퀘어 Bold" panose="020B0600000101010101" pitchFamily="50" charset="-127"/>
-            </a:endParaRPr>
-          </a:p>
-        </p:txBody>
-      </p:sp>
-      <p:sp>
-        <p:nvSpPr>
-          <p:cNvPr id="14" name="TextBox 13">
-            <a:extLst>
-              <a:ext uri="{FF2B5EF4-FFF2-40B4-BE49-F238E27FC236}">
-                <a16:creationId xmlns:a16="http://schemas.microsoft.com/office/drawing/2014/main" id="{1E50CBBD-0B41-9959-FE23-4646D2B64EFD}"/>
-              </a:ext>
-            </a:extLst>
-          </p:cNvPr>
-          <p:cNvSpPr txBox="1"/>
-          <p:nvPr/>
-        </p:nvSpPr>
-        <p:spPr>
-          <a:xfrm>
-            <a:off x="942387" y="1074286"/>
-            <a:ext cx="8542272" cy="369332"/>
-          </a:xfrm>
-          <a:prstGeom prst="rect">
-            <a:avLst/>
-          </a:prstGeom>
-          <a:noFill/>
-        </p:spPr>
-        <p:txBody>
-          <a:bodyPr wrap="square" rtlCol="0">
-            <a:spAutoFit/>
-          </a:bodyPr>
-          <a:lstStyle/>
-          <a:p>
-            <a:r>
-              <a:rPr lang="en-US" altLang="ko-KR" dirty="0">
-                <a:latin typeface="나눔스퀘어 Bold" panose="020B0600000101010101" pitchFamily="50" charset="-127"/>
-                <a:ea typeface="나눔스퀘어 Bold" panose="020B0600000101010101" pitchFamily="50" charset="-127"/>
-              </a:rPr>
-              <a:t>Java</a:t>
-            </a:r>
-            <a:r>
-              <a:rPr lang="en-US" altLang="ko-KR" dirty="0">
-                <a:latin typeface="나눔스퀘어 Light" panose="020B0600000101010101" pitchFamily="50" charset="-127"/>
-                <a:ea typeface="나눔스퀘어 Light" panose="020B0600000101010101" pitchFamily="50" charset="-127"/>
-              </a:rPr>
-              <a:t> : </a:t>
-            </a:r>
-            <a:r>
-              <a:rPr lang="en-US" altLang="ko-KR" dirty="0" err="1">
-                <a:latin typeface="나눔스퀘어 Light" panose="020B0600000101010101" pitchFamily="50" charset="-127"/>
-                <a:ea typeface="나눔스퀘어 Light" panose="020B0600000101010101" pitchFamily="50" charset="-127"/>
-              </a:rPr>
-              <a:t>Arrays.binarySearch</a:t>
-            </a:r>
-            <a:r>
-              <a:rPr lang="en-US" altLang="ko-KR" dirty="0">
-                <a:latin typeface="나눔스퀘어 Light" panose="020B0600000101010101" pitchFamily="50" charset="-127"/>
-                <a:ea typeface="나눔스퀘어 Light" panose="020B0600000101010101" pitchFamily="50" charset="-127"/>
-              </a:rPr>
-              <a:t>()</a:t>
-            </a:r>
-            <a:endParaRPr lang="ko-KR" altLang="en-US" dirty="0">
-              <a:latin typeface="나눔스퀘어 Bold" panose="020B0600000101010101" pitchFamily="50" charset="-127"/>
-              <a:ea typeface="나눔스퀘어 Bold" panose="020B0600000101010101" pitchFamily="50" charset="-127"/>
-            </a:endParaRPr>
-          </a:p>
-        </p:txBody>
-      </p:sp>
-      <p:sp>
-        <p:nvSpPr>
-          <p:cNvPr id="18" name="TextBox 17">
-            <a:extLst>
-              <a:ext uri="{FF2B5EF4-FFF2-40B4-BE49-F238E27FC236}">
-                <a16:creationId xmlns:a16="http://schemas.microsoft.com/office/drawing/2014/main" id="{5D347B0F-84F4-050D-4A52-94BEE92EBA9E}"/>
-              </a:ext>
-            </a:extLst>
-          </p:cNvPr>
-          <p:cNvSpPr txBox="1"/>
-          <p:nvPr/>
-        </p:nvSpPr>
-        <p:spPr>
-          <a:xfrm>
-            <a:off x="942387" y="3244334"/>
-            <a:ext cx="10237694" cy="369332"/>
-          </a:xfrm>
-          <a:prstGeom prst="rect">
-            <a:avLst/>
-          </a:prstGeom>
-          <a:noFill/>
-        </p:spPr>
-        <p:txBody>
-          <a:bodyPr wrap="square" rtlCol="0">
-            <a:spAutoFit/>
-          </a:bodyPr>
-          <a:lstStyle/>
-          <a:p>
-            <a:r>
-              <a:rPr lang="en-US" altLang="ko-KR" dirty="0">
-                <a:latin typeface="나눔스퀘어 Light" panose="020B0600000101010101" pitchFamily="50" charset="-127"/>
-                <a:ea typeface="나눔스퀘어 Light" panose="020B0600000101010101" pitchFamily="50" charset="-127"/>
-              </a:rPr>
-              <a:t>Java</a:t>
-            </a:r>
-            <a:r>
-              <a:rPr lang="ko-KR" altLang="en-US" dirty="0">
-                <a:latin typeface="나눔스퀘어 Light" panose="020B0600000101010101" pitchFamily="50" charset="-127"/>
-                <a:ea typeface="나눔스퀘어 Light" panose="020B0600000101010101" pitchFamily="50" charset="-127"/>
-              </a:rPr>
-              <a:t>의 </a:t>
-            </a:r>
-            <a:r>
-              <a:rPr lang="en-US" altLang="ko-KR" dirty="0" err="1">
-                <a:latin typeface="나눔스퀘어 Light" panose="020B0600000101010101" pitchFamily="50" charset="-127"/>
-                <a:ea typeface="나눔스퀘어 Light" panose="020B0600000101010101" pitchFamily="50" charset="-127"/>
-              </a:rPr>
-              <a:t>Arrays.binarySearch</a:t>
-            </a:r>
-            <a:r>
-              <a:rPr lang="en-US" altLang="ko-KR" dirty="0">
-                <a:latin typeface="나눔스퀘어 Light" panose="020B0600000101010101" pitchFamily="50" charset="-127"/>
-                <a:ea typeface="나눔스퀘어 Light" panose="020B0600000101010101" pitchFamily="50" charset="-127"/>
-              </a:rPr>
-              <a:t>() </a:t>
-            </a:r>
-            <a:r>
-              <a:rPr lang="ko-KR" altLang="en-US" dirty="0">
-                <a:latin typeface="나눔스퀘어 Light" panose="020B0600000101010101" pitchFamily="50" charset="-127"/>
-                <a:ea typeface="나눔스퀘어 Light" panose="020B0600000101010101" pitchFamily="50" charset="-127"/>
-              </a:rPr>
-              <a:t>메서드는 </a:t>
-            </a:r>
-            <a:r>
-              <a:rPr lang="en-US" altLang="ko-KR" dirty="0">
-                <a:latin typeface="나눔스퀘어 Light" panose="020B0600000101010101" pitchFamily="50" charset="-127"/>
-                <a:ea typeface="나눔스퀘어 Light" panose="020B0600000101010101" pitchFamily="50" charset="-127"/>
-              </a:rPr>
-              <a:t>key</a:t>
-            </a:r>
-            <a:r>
-              <a:rPr lang="ko-KR" altLang="en-US" dirty="0">
-                <a:latin typeface="나눔스퀘어 Light" panose="020B0600000101010101" pitchFamily="50" charset="-127"/>
-                <a:ea typeface="나눔스퀘어 Light" panose="020B0600000101010101" pitchFamily="50" charset="-127"/>
-              </a:rPr>
-              <a:t>로 들어간 값이 배열에 있는지 탐색하여 값을 찾을 경우</a:t>
-            </a:r>
-          </a:p>
-        </p:txBody>
-      </p:sp>
-      <p:sp>
-        <p:nvSpPr>
-          <p:cNvPr id="19" name="TextBox 18">
-            <a:extLst>
-              <a:ext uri="{FF2B5EF4-FFF2-40B4-BE49-F238E27FC236}">
-                <a16:creationId xmlns:a16="http://schemas.microsoft.com/office/drawing/2014/main" id="{C498B104-4317-7CA9-1CAD-144BB832B559}"/>
-              </a:ext>
-            </a:extLst>
-          </p:cNvPr>
-          <p:cNvSpPr txBox="1"/>
-          <p:nvPr/>
-        </p:nvSpPr>
-        <p:spPr>
-          <a:xfrm>
-            <a:off x="942387" y="3624734"/>
-            <a:ext cx="10237694" cy="369332"/>
-          </a:xfrm>
-          <a:prstGeom prst="rect">
-            <a:avLst/>
-          </a:prstGeom>
-          <a:noFill/>
-        </p:spPr>
-        <p:txBody>
-          <a:bodyPr wrap="square" rtlCol="0">
-            <a:spAutoFit/>
-          </a:bodyPr>
-          <a:lstStyle/>
-          <a:p>
-            <a:r>
-              <a:rPr lang="ko-KR" altLang="en-US" dirty="0">
-                <a:latin typeface="나눔스퀘어 Light" panose="020B0600000101010101" pitchFamily="50" charset="-127"/>
-                <a:ea typeface="나눔스퀘어 Light" panose="020B0600000101010101" pitchFamily="50" charset="-127"/>
-              </a:rPr>
-              <a:t>위치를 반환하고</a:t>
-            </a:r>
-            <a:r>
-              <a:rPr lang="en-US" altLang="ko-KR" dirty="0">
-                <a:latin typeface="나눔스퀘어 Light" panose="020B0600000101010101" pitchFamily="50" charset="-127"/>
-                <a:ea typeface="나눔스퀘어 Light" panose="020B0600000101010101" pitchFamily="50" charset="-127"/>
-              </a:rPr>
-              <a:t>, </a:t>
-            </a:r>
-            <a:r>
-              <a:rPr lang="ko-KR" altLang="en-US" dirty="0">
-                <a:latin typeface="나눔스퀘어 Light" panose="020B0600000101010101" pitchFamily="50" charset="-127"/>
-                <a:ea typeface="나눔스퀘어 Light" panose="020B0600000101010101" pitchFamily="50" charset="-127"/>
-              </a:rPr>
-              <a:t>찾지 못할 경우에는 </a:t>
-            </a:r>
-            <a:r>
-              <a:rPr lang="en-US" altLang="ko-KR" dirty="0">
-                <a:latin typeface="나눔스퀘어 Light" panose="020B0600000101010101" pitchFamily="50" charset="-127"/>
-                <a:ea typeface="나눔스퀘어 Light" panose="020B0600000101010101" pitchFamily="50" charset="-127"/>
-              </a:rPr>
-              <a:t>(</a:t>
-            </a:r>
-            <a:r>
-              <a:rPr lang="ko-KR" altLang="en-US" dirty="0">
-                <a:latin typeface="나눔스퀘어 Light" panose="020B0600000101010101" pitchFamily="50" charset="-127"/>
-                <a:ea typeface="나눔스퀘어 Light" panose="020B0600000101010101" pitchFamily="50" charset="-127"/>
-              </a:rPr>
-              <a:t>들어갈 자리 </a:t>
-            </a:r>
-            <a:r>
-              <a:rPr lang="en-US" altLang="ko-KR" dirty="0">
-                <a:latin typeface="나눔스퀘어 Light" panose="020B0600000101010101" pitchFamily="50" charset="-127"/>
-                <a:ea typeface="나눔스퀘어 Light" panose="020B0600000101010101" pitchFamily="50" charset="-127"/>
-              </a:rPr>
-              <a:t>× -1 – 1) (</a:t>
-            </a:r>
-            <a:r>
-              <a:rPr lang="en-US" altLang="ko-KR" dirty="0" err="1">
-                <a:latin typeface="나눔스퀘어 Light" panose="020B0600000101010101" pitchFamily="50" charset="-127"/>
-                <a:ea typeface="나눔스퀘어 Light" panose="020B0600000101010101" pitchFamily="50" charset="-127"/>
-              </a:rPr>
-              <a:t>lower_bound</a:t>
-            </a:r>
-            <a:r>
-              <a:rPr lang="en-US" altLang="ko-KR" dirty="0">
-                <a:latin typeface="나눔스퀘어 Light" panose="020B0600000101010101" pitchFamily="50" charset="-127"/>
-                <a:ea typeface="나눔스퀘어 Light" panose="020B0600000101010101" pitchFamily="50" charset="-127"/>
-              </a:rPr>
-              <a:t>) </a:t>
-            </a:r>
-            <a:r>
-              <a:rPr lang="ko-KR" altLang="en-US" dirty="0">
-                <a:latin typeface="나눔스퀘어 Light" panose="020B0600000101010101" pitchFamily="50" charset="-127"/>
-                <a:ea typeface="나눔스퀘어 Light" panose="020B0600000101010101" pitchFamily="50" charset="-127"/>
-              </a:rPr>
-              <a:t>을 반환합니다</a:t>
-            </a:r>
-            <a:r>
-              <a:rPr lang="en-US" altLang="ko-KR" dirty="0">
-                <a:latin typeface="나눔스퀘어 Light" panose="020B0600000101010101" pitchFamily="50" charset="-127"/>
-                <a:ea typeface="나눔스퀘어 Light" panose="020B0600000101010101" pitchFamily="50" charset="-127"/>
-              </a:rPr>
-              <a:t>.</a:t>
-            </a:r>
-            <a:endParaRPr lang="ko-KR" altLang="en-US" dirty="0">
-              <a:latin typeface="나눔스퀘어 Light" panose="020B0600000101010101" pitchFamily="50" charset="-127"/>
-              <a:ea typeface="나눔스퀘어 Light" panose="020B0600000101010101" pitchFamily="50" charset="-127"/>
-            </a:endParaRPr>
-          </a:p>
-        </p:txBody>
-      </p:sp>
-      <p:pic>
-        <p:nvPicPr>
-          <p:cNvPr id="7" name="그림 6">
-            <a:extLst>
-              <a:ext uri="{FF2B5EF4-FFF2-40B4-BE49-F238E27FC236}">
-                <a16:creationId xmlns:a16="http://schemas.microsoft.com/office/drawing/2014/main" id="{C63CF80A-531D-10F9-FB64-C6A4C1D31E72}"/>
-              </a:ext>
-            </a:extLst>
-          </p:cNvPr>
-          <p:cNvPicPr>
-            <a:picLocks noChangeAspect="1"/>
-          </p:cNvPicPr>
-          <p:nvPr/>
-        </p:nvPicPr>
-        <p:blipFill>
-          <a:blip r:embed="rId2"/>
-          <a:stretch>
-            <a:fillRect/>
-          </a:stretch>
-        </p:blipFill>
-        <p:spPr>
-          <a:xfrm>
-            <a:off x="942387" y="1480610"/>
-            <a:ext cx="6818392" cy="1422846"/>
-          </a:xfrm>
-          <a:prstGeom prst="rect">
-            <a:avLst/>
-          </a:prstGeom>
-        </p:spPr>
-      </p:pic>
-    </p:spTree>
-    <p:extLst>
-      <p:ext uri="{BB962C8B-B14F-4D97-AF65-F5344CB8AC3E}">
-        <p14:creationId xmlns:p14="http://schemas.microsoft.com/office/powerpoint/2010/main" val="2783726095"/>
-      </p:ext>
-    </p:extLst>
-  </p:cSld>
-  <p:clrMapOvr>
-    <a:masterClrMapping/>
-  </p:clrMapOvr>
-</p:sld>
-</file>
-
-<file path=ppt/slides/slide28.xml><?xml version="1.0" encoding="utf-8"?>
-<p:sld xmlns:a="http://schemas.openxmlformats.org/drawingml/2006/main" xmlns:r="http://schemas.openxmlformats.org/officeDocument/2006/relationships" xmlns:p="http://schemas.openxmlformats.org/presentationml/2006/main">
-  <p:cSld>
-    <p:spTree>
-      <p:nvGrpSpPr>
-        <p:cNvPr id="1" name=""/>
-        <p:cNvGrpSpPr/>
-        <p:nvPr/>
-      </p:nvGrpSpPr>
-      <p:grpSpPr>
-        <a:xfrm>
-          <a:off x="0" y="0"/>
-          <a:ext cx="0" cy="0"/>
-          <a:chOff x="0" y="0"/>
-          <a:chExt cx="0" cy="0"/>
-        </a:xfrm>
-      </p:grpSpPr>
-      <p:cxnSp>
-        <p:nvCxnSpPr>
-          <p:cNvPr id="5" name="직선 연결선 4">
-            <a:extLst>
-              <a:ext uri="{FF2B5EF4-FFF2-40B4-BE49-F238E27FC236}">
-                <a16:creationId xmlns:a16="http://schemas.microsoft.com/office/drawing/2014/main" id="{164C2827-EFCE-69A4-D037-1A218415F568}"/>
-              </a:ext>
-            </a:extLst>
-          </p:cNvPr>
-          <p:cNvCxnSpPr/>
-          <p:nvPr/>
-        </p:nvCxnSpPr>
-        <p:spPr>
-          <a:xfrm>
-            <a:off x="0" y="887505"/>
-            <a:ext cx="10237694" cy="0"/>
-          </a:xfrm>
-          <a:prstGeom prst="line">
-            <a:avLst/>
-          </a:prstGeom>
-          <a:ln w="76200">
-            <a:solidFill>
-              <a:schemeClr val="tx1">
-                <a:lumMod val="75000"/>
-                <a:lumOff val="25000"/>
-              </a:schemeClr>
-            </a:solidFill>
-          </a:ln>
-        </p:spPr>
-        <p:style>
-          <a:lnRef idx="1">
-            <a:schemeClr val="accent1"/>
-          </a:lnRef>
-          <a:fillRef idx="0">
-            <a:schemeClr val="accent1"/>
-          </a:fillRef>
-          <a:effectRef idx="0">
-            <a:schemeClr val="accent1"/>
-          </a:effectRef>
-          <a:fontRef idx="minor">
-            <a:schemeClr val="tx1"/>
-          </a:fontRef>
-        </p:style>
-      </p:cxnSp>
-      <p:sp>
-        <p:nvSpPr>
-          <p:cNvPr id="2" name="TextBox 1">
-            <a:extLst>
-              <a:ext uri="{FF2B5EF4-FFF2-40B4-BE49-F238E27FC236}">
-                <a16:creationId xmlns:a16="http://schemas.microsoft.com/office/drawing/2014/main" id="{42928CCE-6E6A-5C16-746E-BAD660A9BBF3}"/>
-              </a:ext>
-            </a:extLst>
-          </p:cNvPr>
-          <p:cNvSpPr txBox="1"/>
-          <p:nvPr/>
-        </p:nvSpPr>
-        <p:spPr>
-          <a:xfrm>
-            <a:off x="331694" y="177505"/>
-            <a:ext cx="2514343" cy="523220"/>
-          </a:xfrm>
-          <a:prstGeom prst="rect">
-            <a:avLst/>
-          </a:prstGeom>
-          <a:noFill/>
-        </p:spPr>
-        <p:txBody>
-          <a:bodyPr wrap="none" rtlCol="0">
-            <a:spAutoFit/>
-          </a:bodyPr>
-          <a:lstStyle/>
-          <a:p>
-            <a:r>
-              <a:rPr lang="en-US" altLang="ko-KR" sz="2800" dirty="0">
-                <a:latin typeface="나눔스퀘어 Bold" panose="020B0600000101010101" pitchFamily="50" charset="-127"/>
-                <a:ea typeface="나눔스퀘어 Bold" panose="020B0600000101010101" pitchFamily="50" charset="-127"/>
-              </a:rPr>
-              <a:t>Binary Search</a:t>
-            </a:r>
-            <a:endParaRPr lang="ko-KR" altLang="en-US" sz="2800" dirty="0">
-              <a:latin typeface="나눔스퀘어 Bold" panose="020B0600000101010101" pitchFamily="50" charset="-127"/>
-              <a:ea typeface="나눔스퀘어 Bold" panose="020B0600000101010101" pitchFamily="50" charset="-127"/>
-            </a:endParaRPr>
-          </a:p>
-        </p:txBody>
-      </p:sp>
-      <p:sp>
-        <p:nvSpPr>
-          <p:cNvPr id="14" name="TextBox 13">
-            <a:extLst>
-              <a:ext uri="{FF2B5EF4-FFF2-40B4-BE49-F238E27FC236}">
-                <a16:creationId xmlns:a16="http://schemas.microsoft.com/office/drawing/2014/main" id="{1E50CBBD-0B41-9959-FE23-4646D2B64EFD}"/>
-              </a:ext>
-            </a:extLst>
-          </p:cNvPr>
-          <p:cNvSpPr txBox="1"/>
-          <p:nvPr/>
-        </p:nvSpPr>
-        <p:spPr>
-          <a:xfrm>
-            <a:off x="942387" y="1074286"/>
-            <a:ext cx="8542272" cy="369332"/>
-          </a:xfrm>
-          <a:prstGeom prst="rect">
-            <a:avLst/>
-          </a:prstGeom>
-          <a:noFill/>
-        </p:spPr>
-        <p:txBody>
-          <a:bodyPr wrap="square" rtlCol="0">
-            <a:spAutoFit/>
-          </a:bodyPr>
-          <a:lstStyle/>
-          <a:p>
-            <a:r>
-              <a:rPr lang="en-US" altLang="ko-KR" dirty="0">
-                <a:latin typeface="나눔스퀘어 Bold" panose="020B0600000101010101" pitchFamily="50" charset="-127"/>
-                <a:ea typeface="나눔스퀘어 Bold" panose="020B0600000101010101" pitchFamily="50" charset="-127"/>
-              </a:rPr>
-              <a:t>Python</a:t>
-            </a:r>
-            <a:r>
-              <a:rPr lang="en-US" altLang="ko-KR" dirty="0">
-                <a:latin typeface="나눔스퀘어 Light" panose="020B0600000101010101" pitchFamily="50" charset="-127"/>
-                <a:ea typeface="나눔스퀘어 Light" panose="020B0600000101010101" pitchFamily="50" charset="-127"/>
-              </a:rPr>
-              <a:t> : </a:t>
-            </a:r>
-            <a:r>
-              <a:rPr lang="en-US" altLang="ko-KR" dirty="0" err="1">
-                <a:latin typeface="나눔스퀘어 Light" panose="020B0600000101010101" pitchFamily="50" charset="-127"/>
-                <a:ea typeface="나눔스퀘어 Light" panose="020B0600000101010101" pitchFamily="50" charset="-127"/>
-              </a:rPr>
-              <a:t>bisect.bisect_left</a:t>
-            </a:r>
-            <a:r>
-              <a:rPr lang="en-US" altLang="ko-KR" dirty="0">
-                <a:latin typeface="나눔스퀘어 Light" panose="020B0600000101010101" pitchFamily="50" charset="-127"/>
-                <a:ea typeface="나눔스퀘어 Light" panose="020B0600000101010101" pitchFamily="50" charset="-127"/>
-              </a:rPr>
-              <a:t>()</a:t>
-            </a:r>
-            <a:endParaRPr lang="ko-KR" altLang="en-US" dirty="0">
-              <a:latin typeface="나눔스퀘어 Bold" panose="020B0600000101010101" pitchFamily="50" charset="-127"/>
-              <a:ea typeface="나눔스퀘어 Bold" panose="020B0600000101010101" pitchFamily="50" charset="-127"/>
-            </a:endParaRPr>
-          </a:p>
-        </p:txBody>
-      </p:sp>
-      <p:sp>
-        <p:nvSpPr>
-          <p:cNvPr id="18" name="TextBox 17">
-            <a:extLst>
-              <a:ext uri="{FF2B5EF4-FFF2-40B4-BE49-F238E27FC236}">
-                <a16:creationId xmlns:a16="http://schemas.microsoft.com/office/drawing/2014/main" id="{5D347B0F-84F4-050D-4A52-94BEE92EBA9E}"/>
-              </a:ext>
-            </a:extLst>
-          </p:cNvPr>
-          <p:cNvSpPr txBox="1"/>
-          <p:nvPr/>
-        </p:nvSpPr>
-        <p:spPr>
-          <a:xfrm>
-            <a:off x="942387" y="4562449"/>
-            <a:ext cx="10237694" cy="369332"/>
-          </a:xfrm>
-          <a:prstGeom prst="rect">
-            <a:avLst/>
-          </a:prstGeom>
-          <a:noFill/>
-        </p:spPr>
-        <p:txBody>
-          <a:bodyPr wrap="square" rtlCol="0">
-            <a:spAutoFit/>
-          </a:bodyPr>
-          <a:lstStyle/>
-          <a:p>
-            <a:r>
-              <a:rPr lang="en-US" altLang="ko-KR" dirty="0">
-                <a:latin typeface="나눔스퀘어 Light" panose="020B0600000101010101" pitchFamily="50" charset="-127"/>
-                <a:ea typeface="나눔스퀘어 Light" panose="020B0600000101010101" pitchFamily="50" charset="-127"/>
-              </a:rPr>
-              <a:t>Python</a:t>
-            </a:r>
-            <a:r>
-              <a:rPr lang="ko-KR" altLang="en-US" dirty="0">
-                <a:latin typeface="나눔스퀘어 Light" panose="020B0600000101010101" pitchFamily="50" charset="-127"/>
-                <a:ea typeface="나눔스퀘어 Light" panose="020B0600000101010101" pitchFamily="50" charset="-127"/>
-              </a:rPr>
-              <a:t>의 </a:t>
-            </a:r>
-            <a:r>
-              <a:rPr lang="en-US" altLang="ko-KR" dirty="0" err="1">
-                <a:latin typeface="나눔스퀘어 Light" panose="020B0600000101010101" pitchFamily="50" charset="-127"/>
-                <a:ea typeface="나눔스퀘어 Light" panose="020B0600000101010101" pitchFamily="50" charset="-127"/>
-              </a:rPr>
-              <a:t>bisect.bisect_left</a:t>
-            </a:r>
-            <a:r>
-              <a:rPr lang="en-US" altLang="ko-KR" dirty="0">
-                <a:latin typeface="나눔스퀘어 Light" panose="020B0600000101010101" pitchFamily="50" charset="-127"/>
-                <a:ea typeface="나눔스퀘어 Light" panose="020B0600000101010101" pitchFamily="50" charset="-127"/>
-              </a:rPr>
-              <a:t>() </a:t>
-            </a:r>
-            <a:r>
-              <a:rPr lang="ko-KR" altLang="en-US" dirty="0">
-                <a:latin typeface="나눔스퀘어 Light" panose="020B0600000101010101" pitchFamily="50" charset="-127"/>
-                <a:ea typeface="나눔스퀘어 Light" panose="020B0600000101010101" pitchFamily="50" charset="-127"/>
-              </a:rPr>
-              <a:t>함수는 </a:t>
-            </a:r>
-            <a:r>
-              <a:rPr lang="en-US" altLang="ko-KR" dirty="0">
-                <a:latin typeface="나눔스퀘어 Light" panose="020B0600000101010101" pitchFamily="50" charset="-127"/>
-                <a:ea typeface="나눔스퀘어 Light" panose="020B0600000101010101" pitchFamily="50" charset="-127"/>
-              </a:rPr>
-              <a:t>key</a:t>
-            </a:r>
-            <a:r>
-              <a:rPr lang="ko-KR" altLang="en-US" dirty="0">
-                <a:latin typeface="나눔스퀘어 Light" panose="020B0600000101010101" pitchFamily="50" charset="-127"/>
-                <a:ea typeface="나눔스퀘어 Light" panose="020B0600000101010101" pitchFamily="50" charset="-127"/>
-              </a:rPr>
-              <a:t>로 들어간 값이 </a:t>
-            </a:r>
-            <a:r>
-              <a:rPr lang="en-US" altLang="ko-KR" dirty="0" err="1">
-                <a:latin typeface="나눔스퀘어 Light" panose="020B0600000101010101" pitchFamily="50" charset="-127"/>
-                <a:ea typeface="나눔스퀘어 Light" panose="020B0600000101010101" pitchFamily="50" charset="-127"/>
-              </a:rPr>
-              <a:t>Iterable</a:t>
-            </a:r>
-            <a:r>
-              <a:rPr lang="ko-KR" altLang="en-US" dirty="0">
-                <a:latin typeface="나눔스퀘어 Light" panose="020B0600000101010101" pitchFamily="50" charset="-127"/>
-                <a:ea typeface="나눔스퀘어 Light" panose="020B0600000101010101" pitchFamily="50" charset="-127"/>
-              </a:rPr>
-              <a:t>에 있는지 탐색하여</a:t>
-            </a:r>
-          </a:p>
-        </p:txBody>
-      </p:sp>
-      <p:sp>
-        <p:nvSpPr>
-          <p:cNvPr id="19" name="TextBox 18">
-            <a:extLst>
-              <a:ext uri="{FF2B5EF4-FFF2-40B4-BE49-F238E27FC236}">
-                <a16:creationId xmlns:a16="http://schemas.microsoft.com/office/drawing/2014/main" id="{C498B104-4317-7CA9-1CAD-144BB832B559}"/>
-              </a:ext>
-            </a:extLst>
-          </p:cNvPr>
-          <p:cNvSpPr txBox="1"/>
-          <p:nvPr/>
-        </p:nvSpPr>
-        <p:spPr>
-          <a:xfrm>
-            <a:off x="942387" y="4933894"/>
-            <a:ext cx="10237694" cy="369332"/>
-          </a:xfrm>
-          <a:prstGeom prst="rect">
-            <a:avLst/>
-          </a:prstGeom>
-          <a:noFill/>
-        </p:spPr>
-        <p:txBody>
-          <a:bodyPr wrap="square" rtlCol="0">
-            <a:spAutoFit/>
-          </a:bodyPr>
-          <a:lstStyle/>
-          <a:p>
-            <a:r>
-              <a:rPr lang="en-US" altLang="ko-KR" dirty="0">
-                <a:latin typeface="나눔스퀘어 Light" panose="020B0600000101010101" pitchFamily="50" charset="-127"/>
-                <a:ea typeface="나눔스퀘어 Light" panose="020B0600000101010101" pitchFamily="50" charset="-127"/>
-              </a:rPr>
-              <a:t>key</a:t>
-            </a:r>
-            <a:r>
-              <a:rPr lang="ko-KR" altLang="en-US" dirty="0">
-                <a:latin typeface="나눔스퀘어 Light" panose="020B0600000101010101" pitchFamily="50" charset="-127"/>
-                <a:ea typeface="나눔스퀘어 Light" panose="020B0600000101010101" pitchFamily="50" charset="-127"/>
-              </a:rPr>
-              <a:t>가 들어갈 자리를 찾습니다</a:t>
-            </a:r>
-            <a:r>
-              <a:rPr lang="en-US" altLang="ko-KR" dirty="0">
-                <a:latin typeface="나눔스퀘어 Light" panose="020B0600000101010101" pitchFamily="50" charset="-127"/>
-                <a:ea typeface="나눔스퀘어 Light" panose="020B0600000101010101" pitchFamily="50" charset="-127"/>
-              </a:rPr>
-              <a:t>.</a:t>
-            </a:r>
-            <a:endParaRPr lang="ko-KR" altLang="en-US" dirty="0">
-              <a:latin typeface="나눔스퀘어 Light" panose="020B0600000101010101" pitchFamily="50" charset="-127"/>
-              <a:ea typeface="나눔스퀘어 Light" panose="020B0600000101010101" pitchFamily="50" charset="-127"/>
-            </a:endParaRPr>
-          </a:p>
-        </p:txBody>
-      </p:sp>
-      <p:pic>
-        <p:nvPicPr>
-          <p:cNvPr id="9" name="그림 8">
-            <a:extLst>
-              <a:ext uri="{FF2B5EF4-FFF2-40B4-BE49-F238E27FC236}">
-                <a16:creationId xmlns:a16="http://schemas.microsoft.com/office/drawing/2014/main" id="{BA1B2D1C-DEF5-725B-606F-8A602E8CFB5C}"/>
-              </a:ext>
-            </a:extLst>
-          </p:cNvPr>
-          <p:cNvPicPr>
-            <a:picLocks noChangeAspect="1"/>
-          </p:cNvPicPr>
-          <p:nvPr/>
-        </p:nvPicPr>
-        <p:blipFill>
-          <a:blip r:embed="rId2"/>
-          <a:stretch>
-            <a:fillRect/>
-          </a:stretch>
-        </p:blipFill>
-        <p:spPr>
-          <a:xfrm>
-            <a:off x="942387" y="1443618"/>
-            <a:ext cx="4876522" cy="3024679"/>
-          </a:xfrm>
-          <a:prstGeom prst="rect">
-            <a:avLst/>
-          </a:prstGeom>
-        </p:spPr>
-      </p:pic>
-    </p:spTree>
-    <p:extLst>
-      <p:ext uri="{BB962C8B-B14F-4D97-AF65-F5344CB8AC3E}">
-        <p14:creationId xmlns:p14="http://schemas.microsoft.com/office/powerpoint/2010/main" val="3577711057"/>
-      </p:ext>
-    </p:extLst>
-  </p:cSld>
-  <p:clrMapOvr>
-    <a:masterClrMapping/>
-  </p:clrMapOvr>
-</p:sld>
-</file>
-
-<file path=ppt/slides/slide29.xml><?xml version="1.0" encoding="utf-8"?>
-<p:sld xmlns:a="http://schemas.openxmlformats.org/drawingml/2006/main" xmlns:r="http://schemas.openxmlformats.org/officeDocument/2006/relationships" xmlns:p="http://schemas.openxmlformats.org/presentationml/2006/main">
-  <p:cSld>
-    <p:spTree>
-      <p:nvGrpSpPr>
-        <p:cNvPr id="1" name=""/>
-        <p:cNvGrpSpPr/>
-        <p:nvPr/>
-      </p:nvGrpSpPr>
-      <p:grpSpPr>
-        <a:xfrm>
-          <a:off x="0" y="0"/>
-          <a:ext cx="0" cy="0"/>
-          <a:chOff x="0" y="0"/>
-          <a:chExt cx="0" cy="0"/>
-        </a:xfrm>
-      </p:grpSpPr>
-      <p:cxnSp>
-        <p:nvCxnSpPr>
-          <p:cNvPr id="5" name="직선 연결선 4">
-            <a:extLst>
-              <a:ext uri="{FF2B5EF4-FFF2-40B4-BE49-F238E27FC236}">
-                <a16:creationId xmlns:a16="http://schemas.microsoft.com/office/drawing/2014/main" id="{164C2827-EFCE-69A4-D037-1A218415F568}"/>
-              </a:ext>
-            </a:extLst>
-          </p:cNvPr>
-          <p:cNvCxnSpPr/>
-          <p:nvPr/>
-        </p:nvCxnSpPr>
-        <p:spPr>
-          <a:xfrm>
-            <a:off x="0" y="887505"/>
-            <a:ext cx="10237694" cy="0"/>
-          </a:xfrm>
-          <a:prstGeom prst="line">
-            <a:avLst/>
-          </a:prstGeom>
-          <a:ln w="76200">
-            <a:solidFill>
-              <a:schemeClr val="tx1">
-                <a:lumMod val="75000"/>
-                <a:lumOff val="25000"/>
-              </a:schemeClr>
-            </a:solidFill>
-          </a:ln>
-        </p:spPr>
-        <p:style>
-          <a:lnRef idx="1">
-            <a:schemeClr val="accent1"/>
-          </a:lnRef>
-          <a:fillRef idx="0">
-            <a:schemeClr val="accent1"/>
-          </a:fillRef>
-          <a:effectRef idx="0">
-            <a:schemeClr val="accent1"/>
-          </a:effectRef>
-          <a:fontRef idx="minor">
-            <a:schemeClr val="tx1"/>
-          </a:fontRef>
-        </p:style>
-      </p:cxnSp>
-      <p:sp>
-        <p:nvSpPr>
-          <p:cNvPr id="3" name="TextBox 2">
-            <a:extLst>
-              <a:ext uri="{FF2B5EF4-FFF2-40B4-BE49-F238E27FC236}">
-                <a16:creationId xmlns:a16="http://schemas.microsoft.com/office/drawing/2014/main" id="{39D56C40-050C-65E7-8922-423F859399A4}"/>
-              </a:ext>
-            </a:extLst>
-          </p:cNvPr>
-          <p:cNvSpPr txBox="1"/>
-          <p:nvPr/>
-        </p:nvSpPr>
-        <p:spPr>
-          <a:xfrm>
-            <a:off x="331694" y="177505"/>
-            <a:ext cx="4883581" cy="523220"/>
-          </a:xfrm>
-          <a:prstGeom prst="rect">
-            <a:avLst/>
-          </a:prstGeom>
-          <a:noFill/>
-        </p:spPr>
-        <p:txBody>
-          <a:bodyPr wrap="none" rtlCol="0">
-            <a:spAutoFit/>
-          </a:bodyPr>
-          <a:lstStyle/>
-          <a:p>
-            <a:r>
-              <a:rPr lang="en-US" altLang="ko-KR" sz="2800" dirty="0">
-                <a:latin typeface="나눔스퀘어 Bold" panose="020B0600000101010101" pitchFamily="50" charset="-127"/>
-                <a:ea typeface="나눔스퀘어 Bold" panose="020B0600000101010101" pitchFamily="50" charset="-127"/>
-              </a:rPr>
-              <a:t>Binary Search – 1920 </a:t>
-            </a:r>
-            <a:r>
-              <a:rPr lang="ko-KR" altLang="en-US" sz="2800" dirty="0">
-                <a:latin typeface="나눔스퀘어 Bold" panose="020B0600000101010101" pitchFamily="50" charset="-127"/>
-                <a:ea typeface="나눔스퀘어 Bold" panose="020B0600000101010101" pitchFamily="50" charset="-127"/>
-              </a:rPr>
-              <a:t>수 찾기</a:t>
-            </a:r>
-          </a:p>
-        </p:txBody>
-      </p:sp>
-      <p:pic>
-        <p:nvPicPr>
-          <p:cNvPr id="10" name="그림 9">
-            <a:extLst>
-              <a:ext uri="{FF2B5EF4-FFF2-40B4-BE49-F238E27FC236}">
-                <a16:creationId xmlns:a16="http://schemas.microsoft.com/office/drawing/2014/main" id="{2C15A06E-91A0-3F24-C1EE-9EA781E69C89}"/>
-              </a:ext>
-            </a:extLst>
-          </p:cNvPr>
-          <p:cNvPicPr>
-            <a:picLocks noChangeAspect="1"/>
-          </p:cNvPicPr>
-          <p:nvPr/>
-        </p:nvPicPr>
-        <p:blipFill>
-          <a:blip r:embed="rId2"/>
-          <a:stretch>
-            <a:fillRect/>
-          </a:stretch>
-        </p:blipFill>
-        <p:spPr>
-          <a:xfrm>
-            <a:off x="331694" y="964420"/>
-            <a:ext cx="10963373" cy="5551271"/>
-          </a:xfrm>
-          <a:prstGeom prst="rect">
-            <a:avLst/>
-          </a:prstGeom>
-        </p:spPr>
-      </p:pic>
-    </p:spTree>
-    <p:extLst>
-      <p:ext uri="{BB962C8B-B14F-4D97-AF65-F5344CB8AC3E}">
-        <p14:creationId xmlns:p14="http://schemas.microsoft.com/office/powerpoint/2010/main" val="1785005292"/>
+        <p14:creationId xmlns:p14="http://schemas.microsoft.com/office/powerpoint/2010/main" val="732558497"/>
       </p:ext>
     </p:extLst>
   </p:cSld>
@@ -14441,2171 +8973,6 @@
     <p:extLst>
       <p:ext uri="{BB962C8B-B14F-4D97-AF65-F5344CB8AC3E}">
         <p14:creationId xmlns:p14="http://schemas.microsoft.com/office/powerpoint/2010/main" val="637452048"/>
-      </p:ext>
-    </p:extLst>
-  </p:cSld>
-  <p:clrMapOvr>
-    <a:masterClrMapping/>
-  </p:clrMapOvr>
-</p:sld>
-</file>
-
-<file path=ppt/slides/slide30.xml><?xml version="1.0" encoding="utf-8"?>
-<p:sld xmlns:a="http://schemas.openxmlformats.org/drawingml/2006/main" xmlns:r="http://schemas.openxmlformats.org/officeDocument/2006/relationships" xmlns:p="http://schemas.openxmlformats.org/presentationml/2006/main">
-  <p:cSld>
-    <p:spTree>
-      <p:nvGrpSpPr>
-        <p:cNvPr id="1" name=""/>
-        <p:cNvGrpSpPr/>
-        <p:nvPr/>
-      </p:nvGrpSpPr>
-      <p:grpSpPr>
-        <a:xfrm>
-          <a:off x="0" y="0"/>
-          <a:ext cx="0" cy="0"/>
-          <a:chOff x="0" y="0"/>
-          <a:chExt cx="0" cy="0"/>
-        </a:xfrm>
-      </p:grpSpPr>
-      <p:cxnSp>
-        <p:nvCxnSpPr>
-          <p:cNvPr id="5" name="직선 연결선 4">
-            <a:extLst>
-              <a:ext uri="{FF2B5EF4-FFF2-40B4-BE49-F238E27FC236}">
-                <a16:creationId xmlns:a16="http://schemas.microsoft.com/office/drawing/2014/main" id="{164C2827-EFCE-69A4-D037-1A218415F568}"/>
-              </a:ext>
-            </a:extLst>
-          </p:cNvPr>
-          <p:cNvCxnSpPr/>
-          <p:nvPr/>
-        </p:nvCxnSpPr>
-        <p:spPr>
-          <a:xfrm>
-            <a:off x="0" y="887505"/>
-            <a:ext cx="10237694" cy="0"/>
-          </a:xfrm>
-          <a:prstGeom prst="line">
-            <a:avLst/>
-          </a:prstGeom>
-          <a:ln w="76200">
-            <a:solidFill>
-              <a:schemeClr val="tx1">
-                <a:lumMod val="75000"/>
-                <a:lumOff val="25000"/>
-              </a:schemeClr>
-            </a:solidFill>
-          </a:ln>
-        </p:spPr>
-        <p:style>
-          <a:lnRef idx="1">
-            <a:schemeClr val="accent1"/>
-          </a:lnRef>
-          <a:fillRef idx="0">
-            <a:schemeClr val="accent1"/>
-          </a:fillRef>
-          <a:effectRef idx="0">
-            <a:schemeClr val="accent1"/>
-          </a:effectRef>
-          <a:fontRef idx="minor">
-            <a:schemeClr val="tx1"/>
-          </a:fontRef>
-        </p:style>
-      </p:cxnSp>
-      <mc:AlternateContent xmlns:mc="http://schemas.openxmlformats.org/markup-compatibility/2006" xmlns:a14="http://schemas.microsoft.com/office/drawing/2010/main">
-        <mc:Choice Requires="a14">
-          <p:sp>
-            <p:nvSpPr>
-              <p:cNvPr id="7" name="TextBox 6">
-                <a:extLst>
-                  <a:ext uri="{FF2B5EF4-FFF2-40B4-BE49-F238E27FC236}">
-                    <a16:creationId xmlns:a16="http://schemas.microsoft.com/office/drawing/2014/main" id="{5B474655-BD78-E334-950C-B8C17B96E7D6}"/>
-                  </a:ext>
-                </a:extLst>
-              </p:cNvPr>
-              <p:cNvSpPr txBox="1"/>
-              <p:nvPr/>
-            </p:nvSpPr>
-            <p:spPr>
-              <a:xfrm>
-                <a:off x="942387" y="1190024"/>
-                <a:ext cx="9917291" cy="369332"/>
-              </a:xfrm>
-              <a:prstGeom prst="rect">
-                <a:avLst/>
-              </a:prstGeom>
-              <a:noFill/>
-            </p:spPr>
-            <p:txBody>
-              <a:bodyPr wrap="square" rtlCol="0">
-                <a:spAutoFit/>
-              </a:bodyPr>
-              <a:lstStyle/>
-              <a:p>
-                <a:r>
-                  <a:rPr lang="ko-KR" altLang="en-US" dirty="0">
-                    <a:latin typeface="나눔스퀘어 Light" panose="020B0600000101010101" pitchFamily="50" charset="-127"/>
-                    <a:ea typeface="나눔스퀘어 Light" panose="020B0600000101010101" pitchFamily="50" charset="-127"/>
-                  </a:rPr>
-                  <a:t>이 문제에서 순차 탐색으로 </a:t>
-                </a:r>
-                <a:r>
-                  <a:rPr lang="en-US" altLang="ko-KR" dirty="0">
-                    <a:latin typeface="나눔스퀘어 Light" panose="020B0600000101010101" pitchFamily="50" charset="-127"/>
-                    <a:ea typeface="나눔스퀘어 Light" panose="020B0600000101010101" pitchFamily="50" charset="-127"/>
-                  </a:rPr>
-                  <a:t>X</a:t>
-                </a:r>
-                <a:r>
-                  <a:rPr lang="ko-KR" altLang="en-US" dirty="0">
-                    <a:latin typeface="나눔스퀘어 Light" panose="020B0600000101010101" pitchFamily="50" charset="-127"/>
-                    <a:ea typeface="나눔스퀘어 Light" panose="020B0600000101010101" pitchFamily="50" charset="-127"/>
-                  </a:rPr>
-                  <a:t>를 찾을 때는 탐색 한 번당 </a:t>
-                </a:r>
-                <a14:m>
-                  <m:oMath xmlns:m="http://schemas.openxmlformats.org/officeDocument/2006/math">
-                    <m:r>
-                      <a:rPr lang="en-US" altLang="ko-KR" b="0" i="1" smtClean="0">
-                        <a:latin typeface="Cambria Math" panose="02040503050406030204" pitchFamily="18" charset="0"/>
-                        <a:ea typeface="나눔스퀘어 Light" panose="020B0600000101010101" pitchFamily="50" charset="-127"/>
-                      </a:rPr>
-                      <m:t>𝑂</m:t>
-                    </m:r>
-                    <m:r>
-                      <a:rPr lang="en-US" altLang="ko-KR" b="0" i="1" smtClean="0">
-                        <a:latin typeface="Cambria Math" panose="02040503050406030204" pitchFamily="18" charset="0"/>
-                        <a:ea typeface="나눔스퀘어 Light" panose="020B0600000101010101" pitchFamily="50" charset="-127"/>
-                      </a:rPr>
-                      <m:t>(</m:t>
-                    </m:r>
-                    <m:r>
-                      <a:rPr lang="en-US" altLang="ko-KR" b="0" i="1" smtClean="0">
-                        <a:latin typeface="Cambria Math" panose="02040503050406030204" pitchFamily="18" charset="0"/>
-                        <a:ea typeface="나눔스퀘어 Light" panose="020B0600000101010101" pitchFamily="50" charset="-127"/>
-                      </a:rPr>
-                      <m:t>𝑁</m:t>
-                    </m:r>
-                    <m:r>
-                      <a:rPr lang="en-US" altLang="ko-KR" b="0" i="1" smtClean="0">
-                        <a:latin typeface="Cambria Math" panose="02040503050406030204" pitchFamily="18" charset="0"/>
-                        <a:ea typeface="나눔스퀘어 Light" panose="020B0600000101010101" pitchFamily="50" charset="-127"/>
-                      </a:rPr>
-                      <m:t>)</m:t>
-                    </m:r>
-                  </m:oMath>
-                </a14:m>
-                <a:r>
-                  <a:rPr lang="ko-KR" altLang="en-US" dirty="0">
-                    <a:latin typeface="나눔스퀘어 Light" panose="020B0600000101010101" pitchFamily="50" charset="-127"/>
-                    <a:ea typeface="나눔스퀘어 Light" panose="020B0600000101010101" pitchFamily="50" charset="-127"/>
-                  </a:rPr>
-                  <a:t>의 비용이 듭니다</a:t>
-                </a:r>
-                <a:r>
-                  <a:rPr lang="en-US" altLang="ko-KR" dirty="0">
-                    <a:latin typeface="나눔스퀘어 Light" panose="020B0600000101010101" pitchFamily="50" charset="-127"/>
-                    <a:ea typeface="나눔스퀘어 Light" panose="020B0600000101010101" pitchFamily="50" charset="-127"/>
-                  </a:rPr>
-                  <a:t>.</a:t>
-                </a:r>
-                <a:endParaRPr lang="ko-KR" altLang="en-US" dirty="0">
-                  <a:latin typeface="나눔스퀘어 Light" panose="020B0600000101010101" pitchFamily="50" charset="-127"/>
-                  <a:ea typeface="나눔스퀘어 Light" panose="020B0600000101010101" pitchFamily="50" charset="-127"/>
-                </a:endParaRPr>
-              </a:p>
-            </p:txBody>
-          </p:sp>
-        </mc:Choice>
-        <mc:Fallback xmlns="">
-          <p:sp>
-            <p:nvSpPr>
-              <p:cNvPr id="7" name="TextBox 6">
-                <a:extLst>
-                  <a:ext uri="{FF2B5EF4-FFF2-40B4-BE49-F238E27FC236}">
-                    <a16:creationId xmlns:a16="http://schemas.microsoft.com/office/drawing/2014/main" id="{5B474655-BD78-E334-950C-B8C17B96E7D6}"/>
-                  </a:ext>
-                </a:extLst>
-              </p:cNvPr>
-              <p:cNvSpPr txBox="1">
-                <a:spLocks noRot="1" noChangeAspect="1" noMove="1" noResize="1" noEditPoints="1" noAdjustHandles="1" noChangeArrowheads="1" noChangeShapeType="1" noTextEdit="1"/>
-              </p:cNvSpPr>
-              <p:nvPr/>
-            </p:nvSpPr>
-            <p:spPr>
-              <a:xfrm>
-                <a:off x="942387" y="1190024"/>
-                <a:ext cx="9917291" cy="369332"/>
-              </a:xfrm>
-              <a:prstGeom prst="rect">
-                <a:avLst/>
-              </a:prstGeom>
-              <a:blipFill>
-                <a:blip r:embed="rId2"/>
-                <a:stretch>
-                  <a:fillRect l="-554" t="-6557" b="-26230"/>
-                </a:stretch>
-              </a:blipFill>
-            </p:spPr>
-            <p:txBody>
-              <a:bodyPr/>
-              <a:lstStyle/>
-              <a:p>
-                <a:r>
-                  <a:rPr lang="ko-KR" altLang="en-US">
-                    <a:noFill/>
-                  </a:rPr>
-                  <a:t> </a:t>
-                </a:r>
-              </a:p>
-            </p:txBody>
-          </p:sp>
-        </mc:Fallback>
-      </mc:AlternateContent>
-      <p:sp>
-        <p:nvSpPr>
-          <p:cNvPr id="3" name="TextBox 2">
-            <a:extLst>
-              <a:ext uri="{FF2B5EF4-FFF2-40B4-BE49-F238E27FC236}">
-                <a16:creationId xmlns:a16="http://schemas.microsoft.com/office/drawing/2014/main" id="{7306C7FE-FA39-30B6-5E05-9FBB3B4C69FE}"/>
-              </a:ext>
-            </a:extLst>
-          </p:cNvPr>
-          <p:cNvSpPr txBox="1"/>
-          <p:nvPr/>
-        </p:nvSpPr>
-        <p:spPr>
-          <a:xfrm>
-            <a:off x="331694" y="177505"/>
-            <a:ext cx="4883581" cy="523220"/>
-          </a:xfrm>
-          <a:prstGeom prst="rect">
-            <a:avLst/>
-          </a:prstGeom>
-          <a:noFill/>
-        </p:spPr>
-        <p:txBody>
-          <a:bodyPr wrap="none" rtlCol="0">
-            <a:spAutoFit/>
-          </a:bodyPr>
-          <a:lstStyle/>
-          <a:p>
-            <a:r>
-              <a:rPr lang="en-US" altLang="ko-KR" sz="2800" dirty="0">
-                <a:latin typeface="나눔스퀘어 Bold" panose="020B0600000101010101" pitchFamily="50" charset="-127"/>
-                <a:ea typeface="나눔스퀘어 Bold" panose="020B0600000101010101" pitchFamily="50" charset="-127"/>
-              </a:rPr>
-              <a:t>Binary Search – 1920 </a:t>
-            </a:r>
-            <a:r>
-              <a:rPr lang="ko-KR" altLang="en-US" sz="2800" dirty="0">
-                <a:latin typeface="나눔스퀘어 Bold" panose="020B0600000101010101" pitchFamily="50" charset="-127"/>
-                <a:ea typeface="나눔스퀘어 Bold" panose="020B0600000101010101" pitchFamily="50" charset="-127"/>
-              </a:rPr>
-              <a:t>수 찾기</a:t>
-            </a:r>
-          </a:p>
-        </p:txBody>
-      </p:sp>
-      <mc:AlternateContent xmlns:mc="http://schemas.openxmlformats.org/markup-compatibility/2006" xmlns:a14="http://schemas.microsoft.com/office/drawing/2010/main">
-        <mc:Choice Requires="a14">
-          <p:sp>
-            <p:nvSpPr>
-              <p:cNvPr id="4" name="TextBox 3">
-                <a:extLst>
-                  <a:ext uri="{FF2B5EF4-FFF2-40B4-BE49-F238E27FC236}">
-                    <a16:creationId xmlns:a16="http://schemas.microsoft.com/office/drawing/2014/main" id="{15647243-6A33-89AD-5436-F84B51E67E1E}"/>
-                  </a:ext>
-                </a:extLst>
-              </p:cNvPr>
-              <p:cNvSpPr txBox="1"/>
-              <p:nvPr/>
-            </p:nvSpPr>
-            <p:spPr>
-              <a:xfrm>
-                <a:off x="942387" y="1559356"/>
-                <a:ext cx="9917291" cy="369332"/>
-              </a:xfrm>
-              <a:prstGeom prst="rect">
-                <a:avLst/>
-              </a:prstGeom>
-              <a:noFill/>
-            </p:spPr>
-            <p:txBody>
-              <a:bodyPr wrap="square" rtlCol="0">
-                <a:spAutoFit/>
-              </a:bodyPr>
-              <a:lstStyle/>
-              <a:p>
-                <a:r>
-                  <a:rPr lang="ko-KR" altLang="en-US" dirty="0">
-                    <a:latin typeface="나눔스퀘어 Light" panose="020B0600000101010101" pitchFamily="50" charset="-127"/>
-                    <a:ea typeface="나눔스퀘어 Light" panose="020B0600000101010101" pitchFamily="50" charset="-127"/>
-                  </a:rPr>
-                  <a:t>헌데 문제의 쿼리는 </a:t>
-                </a:r>
-                <a14:m>
-                  <m:oMath xmlns:m="http://schemas.openxmlformats.org/officeDocument/2006/math">
-                    <m:r>
-                      <a:rPr lang="en-US" altLang="ko-KR" b="0" i="1" smtClean="0">
-                        <a:latin typeface="Cambria Math" panose="02040503050406030204" pitchFamily="18" charset="0"/>
-                        <a:ea typeface="나눔스퀘어 Light" panose="020B0600000101010101" pitchFamily="50" charset="-127"/>
-                      </a:rPr>
-                      <m:t>𝑀</m:t>
-                    </m:r>
-                  </m:oMath>
-                </a14:m>
-                <a:r>
-                  <a:rPr lang="ko-KR" altLang="en-US" dirty="0">
-                    <a:latin typeface="나눔스퀘어 Light" panose="020B0600000101010101" pitchFamily="50" charset="-127"/>
-                    <a:ea typeface="나눔스퀘어 Light" panose="020B0600000101010101" pitchFamily="50" charset="-127"/>
-                  </a:rPr>
-                  <a:t>번 주어진다고 했으므로</a:t>
-                </a:r>
-                <a:r>
-                  <a:rPr lang="en-US" altLang="ko-KR" dirty="0">
-                    <a:latin typeface="나눔스퀘어 Light" panose="020B0600000101010101" pitchFamily="50" charset="-127"/>
-                    <a:ea typeface="나눔스퀘어 Light" panose="020B0600000101010101" pitchFamily="50" charset="-127"/>
-                  </a:rPr>
-                  <a:t>, </a:t>
-                </a:r>
-                <a:r>
-                  <a:rPr lang="ko-KR" altLang="en-US" dirty="0">
-                    <a:latin typeface="나눔스퀘어 Light" panose="020B0600000101010101" pitchFamily="50" charset="-127"/>
-                    <a:ea typeface="나눔스퀘어 Light" panose="020B0600000101010101" pitchFamily="50" charset="-127"/>
-                  </a:rPr>
-                  <a:t>총 </a:t>
-                </a:r>
-                <a14:m>
-                  <m:oMath xmlns:m="http://schemas.openxmlformats.org/officeDocument/2006/math">
-                    <m:r>
-                      <a:rPr lang="en-US" altLang="ko-KR" b="0" i="1" smtClean="0">
-                        <a:latin typeface="Cambria Math" panose="02040503050406030204" pitchFamily="18" charset="0"/>
-                        <a:ea typeface="나눔스퀘어 Light" panose="020B0600000101010101" pitchFamily="50" charset="-127"/>
-                      </a:rPr>
-                      <m:t>𝑂</m:t>
-                    </m:r>
-                    <m:r>
-                      <a:rPr lang="en-US" altLang="ko-KR" b="0" i="1" smtClean="0">
-                        <a:latin typeface="Cambria Math" panose="02040503050406030204" pitchFamily="18" charset="0"/>
-                        <a:ea typeface="나눔스퀘어 Light" panose="020B0600000101010101" pitchFamily="50" charset="-127"/>
-                      </a:rPr>
-                      <m:t>(</m:t>
-                    </m:r>
-                    <m:r>
-                      <a:rPr lang="en-US" altLang="ko-KR" b="0" i="1" smtClean="0">
-                        <a:latin typeface="Cambria Math" panose="02040503050406030204" pitchFamily="18" charset="0"/>
-                        <a:ea typeface="나눔스퀘어 Light" panose="020B0600000101010101" pitchFamily="50" charset="-127"/>
-                      </a:rPr>
-                      <m:t>𝑁𝑀</m:t>
-                    </m:r>
-                    <m:r>
-                      <a:rPr lang="en-US" altLang="ko-KR" b="0" i="1" smtClean="0">
-                        <a:latin typeface="Cambria Math" panose="02040503050406030204" pitchFamily="18" charset="0"/>
-                        <a:ea typeface="나눔스퀘어 Light" panose="020B0600000101010101" pitchFamily="50" charset="-127"/>
-                      </a:rPr>
-                      <m:t>)</m:t>
-                    </m:r>
-                  </m:oMath>
-                </a14:m>
-                <a:r>
-                  <a:rPr lang="ko-KR" altLang="en-US" dirty="0">
-                    <a:latin typeface="나눔스퀘어 Light" panose="020B0600000101010101" pitchFamily="50" charset="-127"/>
-                    <a:ea typeface="나눔스퀘어 Light" panose="020B0600000101010101" pitchFamily="50" charset="-127"/>
-                  </a:rPr>
-                  <a:t>의</a:t>
-                </a:r>
-                <a:r>
-                  <a:rPr lang="en-US" altLang="ko-KR" dirty="0">
-                    <a:latin typeface="나눔스퀘어 Light" panose="020B0600000101010101" pitchFamily="50" charset="-127"/>
-                    <a:ea typeface="나눔스퀘어 Light" panose="020B0600000101010101" pitchFamily="50" charset="-127"/>
-                  </a:rPr>
-                  <a:t> </a:t>
-                </a:r>
-                <a:r>
-                  <a:rPr lang="ko-KR" altLang="en-US" dirty="0">
-                    <a:latin typeface="나눔스퀘어 Light" panose="020B0600000101010101" pitchFamily="50" charset="-127"/>
-                    <a:ea typeface="나눔스퀘어 Light" panose="020B0600000101010101" pitchFamily="50" charset="-127"/>
-                  </a:rPr>
-                  <a:t>비용이 듭니다</a:t>
-                </a:r>
-                <a:r>
-                  <a:rPr lang="en-US" altLang="ko-KR" dirty="0">
-                    <a:latin typeface="나눔스퀘어 Light" panose="020B0600000101010101" pitchFamily="50" charset="-127"/>
-                    <a:ea typeface="나눔스퀘어 Light" panose="020B0600000101010101" pitchFamily="50" charset="-127"/>
-                  </a:rPr>
-                  <a:t>.</a:t>
-                </a:r>
-                <a:endParaRPr lang="ko-KR" altLang="en-US" dirty="0">
-                  <a:latin typeface="나눔스퀘어 Light" panose="020B0600000101010101" pitchFamily="50" charset="-127"/>
-                  <a:ea typeface="나눔스퀘어 Light" panose="020B0600000101010101" pitchFamily="50" charset="-127"/>
-                </a:endParaRPr>
-              </a:p>
-            </p:txBody>
-          </p:sp>
-        </mc:Choice>
-        <mc:Fallback xmlns="">
-          <p:sp>
-            <p:nvSpPr>
-              <p:cNvPr id="4" name="TextBox 3">
-                <a:extLst>
-                  <a:ext uri="{FF2B5EF4-FFF2-40B4-BE49-F238E27FC236}">
-                    <a16:creationId xmlns:a16="http://schemas.microsoft.com/office/drawing/2014/main" id="{15647243-6A33-89AD-5436-F84B51E67E1E}"/>
-                  </a:ext>
-                </a:extLst>
-              </p:cNvPr>
-              <p:cNvSpPr txBox="1">
-                <a:spLocks noRot="1" noChangeAspect="1" noMove="1" noResize="1" noEditPoints="1" noAdjustHandles="1" noChangeArrowheads="1" noChangeShapeType="1" noTextEdit="1"/>
-              </p:cNvSpPr>
-              <p:nvPr/>
-            </p:nvSpPr>
-            <p:spPr>
-              <a:xfrm>
-                <a:off x="942387" y="1559356"/>
-                <a:ext cx="9917291" cy="369332"/>
-              </a:xfrm>
-              <a:prstGeom prst="rect">
-                <a:avLst/>
-              </a:prstGeom>
-              <a:blipFill>
-                <a:blip r:embed="rId3"/>
-                <a:stretch>
-                  <a:fillRect l="-554" t="-8333" b="-28333"/>
-                </a:stretch>
-              </a:blipFill>
-            </p:spPr>
-            <p:txBody>
-              <a:bodyPr/>
-              <a:lstStyle/>
-              <a:p>
-                <a:r>
-                  <a:rPr lang="ko-KR" altLang="en-US">
-                    <a:noFill/>
-                  </a:rPr>
-                  <a:t> </a:t>
-                </a:r>
-              </a:p>
-            </p:txBody>
-          </p:sp>
-        </mc:Fallback>
-      </mc:AlternateContent>
-      <mc:AlternateContent xmlns:mc="http://schemas.openxmlformats.org/markup-compatibility/2006" xmlns:a14="http://schemas.microsoft.com/office/drawing/2010/main">
-        <mc:Choice Requires="a14">
-          <p:sp>
-            <p:nvSpPr>
-              <p:cNvPr id="6" name="TextBox 5">
-                <a:extLst>
-                  <a:ext uri="{FF2B5EF4-FFF2-40B4-BE49-F238E27FC236}">
-                    <a16:creationId xmlns:a16="http://schemas.microsoft.com/office/drawing/2014/main" id="{3978C053-C0E3-6F0B-1A99-04A541070346}"/>
-                  </a:ext>
-                </a:extLst>
-              </p:cNvPr>
-              <p:cNvSpPr txBox="1"/>
-              <p:nvPr/>
-            </p:nvSpPr>
-            <p:spPr>
-              <a:xfrm>
-                <a:off x="942387" y="1928688"/>
-                <a:ext cx="9917291" cy="369332"/>
-              </a:xfrm>
-              <a:prstGeom prst="rect">
-                <a:avLst/>
-              </a:prstGeom>
-              <a:noFill/>
-            </p:spPr>
-            <p:txBody>
-              <a:bodyPr wrap="square" rtlCol="0">
-                <a:spAutoFit/>
-              </a:bodyPr>
-              <a:lstStyle/>
-              <a:p>
-                <a14:m>
-                  <m:oMath xmlns:m="http://schemas.openxmlformats.org/officeDocument/2006/math">
-                    <m:r>
-                      <a:rPr lang="en-US" altLang="ko-KR" b="0" i="1" smtClean="0">
-                        <a:latin typeface="Cambria Math" panose="02040503050406030204" pitchFamily="18" charset="0"/>
-                        <a:ea typeface="나눔스퀘어 Light" panose="020B0600000101010101" pitchFamily="50" charset="-127"/>
-                      </a:rPr>
-                      <m:t>𝑁</m:t>
-                    </m:r>
-                  </m:oMath>
-                </a14:m>
-                <a:r>
-                  <a:rPr lang="ko-KR" altLang="en-US" dirty="0">
-                    <a:latin typeface="나눔스퀘어 Light" panose="020B0600000101010101" pitchFamily="50" charset="-127"/>
-                    <a:ea typeface="나눔스퀘어 Light" panose="020B0600000101010101" pitchFamily="50" charset="-127"/>
-                  </a:rPr>
-                  <a:t>과 </a:t>
-                </a:r>
-                <a14:m>
-                  <m:oMath xmlns:m="http://schemas.openxmlformats.org/officeDocument/2006/math">
-                    <m:r>
-                      <a:rPr lang="en-US" altLang="ko-KR" i="1">
-                        <a:latin typeface="Cambria Math" panose="02040503050406030204" pitchFamily="18" charset="0"/>
-                        <a:ea typeface="나눔스퀘어 Light" panose="020B0600000101010101" pitchFamily="50" charset="-127"/>
-                      </a:rPr>
-                      <m:t>𝑀</m:t>
-                    </m:r>
-                  </m:oMath>
-                </a14:m>
-                <a:r>
-                  <a:rPr lang="ko-KR" altLang="en-US" dirty="0">
-                    <a:latin typeface="나눔스퀘어 Light" panose="020B0600000101010101" pitchFamily="50" charset="-127"/>
-                    <a:ea typeface="나눔스퀘어 Light" panose="020B0600000101010101" pitchFamily="50" charset="-127"/>
-                  </a:rPr>
-                  <a:t>의</a:t>
-                </a:r>
-                <a:r>
-                  <a:rPr lang="en-US" altLang="ko-KR" dirty="0">
-                    <a:latin typeface="나눔스퀘어 Light" panose="020B0600000101010101" pitchFamily="50" charset="-127"/>
-                    <a:ea typeface="나눔스퀘어 Light" panose="020B0600000101010101" pitchFamily="50" charset="-127"/>
-                  </a:rPr>
-                  <a:t> </a:t>
-                </a:r>
-                <a:r>
-                  <a:rPr lang="ko-KR" altLang="en-US" dirty="0">
-                    <a:latin typeface="나눔스퀘어 Light" panose="020B0600000101010101" pitchFamily="50" charset="-127"/>
-                    <a:ea typeface="나눔스퀘어 Light" panose="020B0600000101010101" pitchFamily="50" charset="-127"/>
-                  </a:rPr>
-                  <a:t>크기 제한을 봤을 땐</a:t>
-                </a:r>
-                <a:r>
-                  <a:rPr lang="en-US" altLang="ko-KR" dirty="0">
-                    <a:latin typeface="나눔스퀘어 Light" panose="020B0600000101010101" pitchFamily="50" charset="-127"/>
-                    <a:ea typeface="나눔스퀘어 Light" panose="020B0600000101010101" pitchFamily="50" charset="-127"/>
-                  </a:rPr>
-                  <a:t>, </a:t>
-                </a:r>
-                <a:r>
-                  <a:rPr lang="ko-KR" altLang="en-US" dirty="0">
-                    <a:latin typeface="나눔스퀘어 Light" panose="020B0600000101010101" pitchFamily="50" charset="-127"/>
-                    <a:ea typeface="나눔스퀘어 Light" panose="020B0600000101010101" pitchFamily="50" charset="-127"/>
-                  </a:rPr>
-                  <a:t>이 방법으론 풀 수 없어 보입니다</a:t>
-                </a:r>
-                <a:r>
-                  <a:rPr lang="en-US" altLang="ko-KR" dirty="0">
-                    <a:latin typeface="나눔스퀘어 Light" panose="020B0600000101010101" pitchFamily="50" charset="-127"/>
-                    <a:ea typeface="나눔스퀘어 Light" panose="020B0600000101010101" pitchFamily="50" charset="-127"/>
-                  </a:rPr>
-                  <a:t>.</a:t>
-                </a:r>
-                <a:endParaRPr lang="ko-KR" altLang="en-US" dirty="0">
-                  <a:latin typeface="나눔스퀘어 Light" panose="020B0600000101010101" pitchFamily="50" charset="-127"/>
-                  <a:ea typeface="나눔스퀘어 Light" panose="020B0600000101010101" pitchFamily="50" charset="-127"/>
-                </a:endParaRPr>
-              </a:p>
-            </p:txBody>
-          </p:sp>
-        </mc:Choice>
-        <mc:Fallback xmlns="">
-          <p:sp>
-            <p:nvSpPr>
-              <p:cNvPr id="6" name="TextBox 5">
-                <a:extLst>
-                  <a:ext uri="{FF2B5EF4-FFF2-40B4-BE49-F238E27FC236}">
-                    <a16:creationId xmlns:a16="http://schemas.microsoft.com/office/drawing/2014/main" id="{3978C053-C0E3-6F0B-1A99-04A541070346}"/>
-                  </a:ext>
-                </a:extLst>
-              </p:cNvPr>
-              <p:cNvSpPr txBox="1">
-                <a:spLocks noRot="1" noChangeAspect="1" noMove="1" noResize="1" noEditPoints="1" noAdjustHandles="1" noChangeArrowheads="1" noChangeShapeType="1" noTextEdit="1"/>
-              </p:cNvSpPr>
-              <p:nvPr/>
-            </p:nvSpPr>
-            <p:spPr>
-              <a:xfrm>
-                <a:off x="942387" y="1928688"/>
-                <a:ext cx="9917291" cy="369332"/>
-              </a:xfrm>
-              <a:prstGeom prst="rect">
-                <a:avLst/>
-              </a:prstGeom>
-              <a:blipFill>
-                <a:blip r:embed="rId4"/>
-                <a:stretch>
-                  <a:fillRect t="-6557" b="-26230"/>
-                </a:stretch>
-              </a:blipFill>
-            </p:spPr>
-            <p:txBody>
-              <a:bodyPr/>
-              <a:lstStyle/>
-              <a:p>
-                <a:r>
-                  <a:rPr lang="ko-KR" altLang="en-US">
-                    <a:noFill/>
-                  </a:rPr>
-                  <a:t> </a:t>
-                </a:r>
-              </a:p>
-            </p:txBody>
-          </p:sp>
-        </mc:Fallback>
-      </mc:AlternateContent>
-      <mc:AlternateContent xmlns:mc="http://schemas.openxmlformats.org/markup-compatibility/2006" xmlns:a14="http://schemas.microsoft.com/office/drawing/2010/main">
-        <mc:Choice Requires="a14">
-          <p:sp>
-            <p:nvSpPr>
-              <p:cNvPr id="9" name="TextBox 8">
-                <a:extLst>
-                  <a:ext uri="{FF2B5EF4-FFF2-40B4-BE49-F238E27FC236}">
-                    <a16:creationId xmlns:a16="http://schemas.microsoft.com/office/drawing/2014/main" id="{AB0A53B3-6560-23DE-7B25-B92E54EDA94C}"/>
-                  </a:ext>
-                </a:extLst>
-              </p:cNvPr>
-              <p:cNvSpPr txBox="1"/>
-              <p:nvPr/>
-            </p:nvSpPr>
-            <p:spPr>
-              <a:xfrm>
-                <a:off x="942387" y="2678844"/>
-                <a:ext cx="11029654" cy="369332"/>
-              </a:xfrm>
-              <a:prstGeom prst="rect">
-                <a:avLst/>
-              </a:prstGeom>
-              <a:noFill/>
-            </p:spPr>
-            <p:txBody>
-              <a:bodyPr wrap="square" rtlCol="0">
-                <a:spAutoFit/>
-              </a:bodyPr>
-              <a:lstStyle/>
-              <a:p>
-                <a14:m>
-                  <m:oMath xmlns:m="http://schemas.openxmlformats.org/officeDocument/2006/math">
-                    <m:r>
-                      <a:rPr lang="ko-KR" altLang="en-US" b="0" i="1" smtClean="0">
-                        <a:latin typeface="Cambria Math" panose="02040503050406030204" pitchFamily="18" charset="0"/>
-                        <a:ea typeface="나눔스퀘어 Light" panose="020B0600000101010101" pitchFamily="50" charset="-127"/>
-                      </a:rPr>
-                      <m:t>탐</m:t>
-                    </m:r>
-                  </m:oMath>
-                </a14:m>
-                <a:r>
-                  <a:rPr lang="ko-KR" altLang="en-US" dirty="0">
-                    <a:latin typeface="나눔스퀘어 Light" panose="020B0600000101010101" pitchFamily="50" charset="-127"/>
-                    <a:ea typeface="나눔스퀘어 Light" panose="020B0600000101010101" pitchFamily="50" charset="-127"/>
-                  </a:rPr>
-                  <a:t>색을 여러 번 </a:t>
-                </a:r>
-                <a:r>
-                  <a:rPr lang="ko-KR" altLang="en-US" dirty="0" err="1">
-                    <a:latin typeface="나눔스퀘어 Light" panose="020B0600000101010101" pitchFamily="50" charset="-127"/>
-                    <a:ea typeface="나눔스퀘어 Light" panose="020B0600000101010101" pitchFamily="50" charset="-127"/>
-                  </a:rPr>
-                  <a:t>해야하니</a:t>
-                </a:r>
-                <a:r>
-                  <a:rPr lang="en-US" altLang="ko-KR" dirty="0">
-                    <a:latin typeface="나눔스퀘어 Light" panose="020B0600000101010101" pitchFamily="50" charset="-127"/>
-                    <a:ea typeface="나눔스퀘어 Light" panose="020B0600000101010101" pitchFamily="50" charset="-127"/>
-                  </a:rPr>
-                  <a:t>, </a:t>
-                </a:r>
-                <a:r>
-                  <a:rPr lang="ko-KR" altLang="en-US" dirty="0">
-                    <a:latin typeface="나눔스퀘어 Light" panose="020B0600000101010101" pitchFamily="50" charset="-127"/>
-                    <a:ea typeface="나눔스퀘어 Light" panose="020B0600000101010101" pitchFamily="50" charset="-127"/>
-                  </a:rPr>
-                  <a:t>탐색의 비용을 줄이기 위해 순차 탐색</a:t>
-                </a:r>
-                <a:r>
-                  <a:rPr lang="en-US" altLang="ko-KR" dirty="0">
-                    <a:latin typeface="나눔스퀘어 Light" panose="020B0600000101010101" pitchFamily="50" charset="-127"/>
-                    <a:ea typeface="나눔스퀘어 Light" panose="020B0600000101010101" pitchFamily="50" charset="-127"/>
-                  </a:rPr>
-                  <a:t>(</a:t>
-                </a:r>
-                <a14:m>
-                  <m:oMath xmlns:m="http://schemas.openxmlformats.org/officeDocument/2006/math">
-                    <m:r>
-                      <a:rPr lang="en-US" altLang="ko-KR" i="1">
-                        <a:latin typeface="Cambria Math" panose="02040503050406030204" pitchFamily="18" charset="0"/>
-                        <a:ea typeface="나눔스퀘어 Light" panose="020B0600000101010101" pitchFamily="50" charset="-127"/>
-                      </a:rPr>
-                      <m:t>𝑂</m:t>
-                    </m:r>
-                    <m:r>
-                      <a:rPr lang="en-US" altLang="ko-KR" i="1">
-                        <a:latin typeface="Cambria Math" panose="02040503050406030204" pitchFamily="18" charset="0"/>
-                        <a:ea typeface="나눔스퀘어 Light" panose="020B0600000101010101" pitchFamily="50" charset="-127"/>
-                      </a:rPr>
-                      <m:t>(</m:t>
-                    </m:r>
-                    <m:r>
-                      <a:rPr lang="en-US" altLang="ko-KR" i="1">
-                        <a:latin typeface="Cambria Math" panose="02040503050406030204" pitchFamily="18" charset="0"/>
-                        <a:ea typeface="나눔스퀘어 Light" panose="020B0600000101010101" pitchFamily="50" charset="-127"/>
-                      </a:rPr>
-                      <m:t>𝑁</m:t>
-                    </m:r>
-                    <m:r>
-                      <a:rPr lang="en-US" altLang="ko-KR" i="1">
-                        <a:latin typeface="Cambria Math" panose="02040503050406030204" pitchFamily="18" charset="0"/>
-                        <a:ea typeface="나눔스퀘어 Light" panose="020B0600000101010101" pitchFamily="50" charset="-127"/>
-                      </a:rPr>
-                      <m:t>)</m:t>
-                    </m:r>
-                  </m:oMath>
-                </a14:m>
-                <a:r>
-                  <a:rPr lang="en-US" altLang="ko-KR" dirty="0">
-                    <a:latin typeface="나눔스퀘어 Light" panose="020B0600000101010101" pitchFamily="50" charset="-127"/>
-                    <a:ea typeface="나눔스퀘어 Light" panose="020B0600000101010101" pitchFamily="50" charset="-127"/>
-                  </a:rPr>
-                  <a:t>)</a:t>
-                </a:r>
-                <a:r>
-                  <a:rPr lang="ko-KR" altLang="en-US" dirty="0">
-                    <a:latin typeface="나눔스퀘어 Light" panose="020B0600000101010101" pitchFamily="50" charset="-127"/>
-                    <a:ea typeface="나눔스퀘어 Light" panose="020B0600000101010101" pitchFamily="50" charset="-127"/>
-                  </a:rPr>
-                  <a:t> → 이진 탐색</a:t>
-                </a:r>
-                <a:r>
-                  <a:rPr lang="en-US" altLang="ko-KR" dirty="0">
-                    <a:latin typeface="나눔스퀘어 Light" panose="020B0600000101010101" pitchFamily="50" charset="-127"/>
-                    <a:ea typeface="나눔스퀘어 Light" panose="020B0600000101010101" pitchFamily="50" charset="-127"/>
-                  </a:rPr>
-                  <a:t>(</a:t>
-                </a:r>
-                <a14:m>
-                  <m:oMath xmlns:m="http://schemas.openxmlformats.org/officeDocument/2006/math">
-                    <m:r>
-                      <a:rPr lang="en-US" altLang="ko-KR" i="1">
-                        <a:latin typeface="Cambria Math" panose="02040503050406030204" pitchFamily="18" charset="0"/>
-                        <a:ea typeface="나눔스퀘어 Light" panose="020B0600000101010101" pitchFamily="50" charset="-127"/>
-                      </a:rPr>
-                      <m:t>𝑂</m:t>
-                    </m:r>
-                    <m:r>
-                      <a:rPr lang="en-US" altLang="ko-KR" i="1">
-                        <a:latin typeface="Cambria Math" panose="02040503050406030204" pitchFamily="18" charset="0"/>
-                        <a:ea typeface="나눔스퀘어 Light" panose="020B0600000101010101" pitchFamily="50" charset="-127"/>
-                      </a:rPr>
-                      <m:t>(</m:t>
-                    </m:r>
-                    <m:r>
-                      <a:rPr lang="en-US" altLang="ko-KR" b="0" i="1" smtClean="0">
-                        <a:latin typeface="Cambria Math" panose="02040503050406030204" pitchFamily="18" charset="0"/>
-                        <a:ea typeface="나눔스퀘어 Light" panose="020B0600000101010101" pitchFamily="50" charset="-127"/>
-                      </a:rPr>
-                      <m:t>𝑙𝑜𝑔𝑁</m:t>
-                    </m:r>
-                    <m:r>
-                      <a:rPr lang="en-US" altLang="ko-KR" i="1">
-                        <a:latin typeface="Cambria Math" panose="02040503050406030204" pitchFamily="18" charset="0"/>
-                        <a:ea typeface="나눔스퀘어 Light" panose="020B0600000101010101" pitchFamily="50" charset="-127"/>
-                      </a:rPr>
-                      <m:t>)</m:t>
-                    </m:r>
-                  </m:oMath>
-                </a14:m>
-                <a:r>
-                  <a:rPr lang="en-US" altLang="ko-KR" dirty="0">
-                    <a:latin typeface="나눔스퀘어 Light" panose="020B0600000101010101" pitchFamily="50" charset="-127"/>
-                    <a:ea typeface="나눔스퀘어 Light" panose="020B0600000101010101" pitchFamily="50" charset="-127"/>
-                  </a:rPr>
-                  <a:t>)</a:t>
-                </a:r>
-                <a:r>
-                  <a:rPr lang="ko-KR" altLang="en-US" dirty="0">
-                    <a:latin typeface="나눔스퀘어 Light" panose="020B0600000101010101" pitchFamily="50" charset="-127"/>
-                    <a:ea typeface="나눔스퀘어 Light" panose="020B0600000101010101" pitchFamily="50" charset="-127"/>
-                  </a:rPr>
-                  <a:t>으로 바꿔봅니다</a:t>
-                </a:r>
-                <a:r>
-                  <a:rPr lang="en-US" altLang="ko-KR" dirty="0">
-                    <a:latin typeface="나눔스퀘어 Light" panose="020B0600000101010101" pitchFamily="50" charset="-127"/>
-                    <a:ea typeface="나눔스퀘어 Light" panose="020B0600000101010101" pitchFamily="50" charset="-127"/>
-                  </a:rPr>
-                  <a:t>.</a:t>
-                </a:r>
-                <a:endParaRPr lang="ko-KR" altLang="en-US" dirty="0">
-                  <a:latin typeface="나눔스퀘어 Light" panose="020B0600000101010101" pitchFamily="50" charset="-127"/>
-                  <a:ea typeface="나눔스퀘어 Light" panose="020B0600000101010101" pitchFamily="50" charset="-127"/>
-                </a:endParaRPr>
-              </a:p>
-            </p:txBody>
-          </p:sp>
-        </mc:Choice>
-        <mc:Fallback xmlns="">
-          <p:sp>
-            <p:nvSpPr>
-              <p:cNvPr id="9" name="TextBox 8">
-                <a:extLst>
-                  <a:ext uri="{FF2B5EF4-FFF2-40B4-BE49-F238E27FC236}">
-                    <a16:creationId xmlns:a16="http://schemas.microsoft.com/office/drawing/2014/main" id="{AB0A53B3-6560-23DE-7B25-B92E54EDA94C}"/>
-                  </a:ext>
-                </a:extLst>
-              </p:cNvPr>
-              <p:cNvSpPr txBox="1">
-                <a:spLocks noRot="1" noChangeAspect="1" noMove="1" noResize="1" noEditPoints="1" noAdjustHandles="1" noChangeArrowheads="1" noChangeShapeType="1" noTextEdit="1"/>
-              </p:cNvSpPr>
-              <p:nvPr/>
-            </p:nvSpPr>
-            <p:spPr>
-              <a:xfrm>
-                <a:off x="942387" y="2678844"/>
-                <a:ext cx="11029654" cy="369332"/>
-              </a:xfrm>
-              <a:prstGeom prst="rect">
-                <a:avLst/>
-              </a:prstGeom>
-              <a:blipFill>
-                <a:blip r:embed="rId5"/>
-                <a:stretch>
-                  <a:fillRect l="-166" t="-6557" b="-26230"/>
-                </a:stretch>
-              </a:blipFill>
-            </p:spPr>
-            <p:txBody>
-              <a:bodyPr/>
-              <a:lstStyle/>
-              <a:p>
-                <a:r>
-                  <a:rPr lang="ko-KR" altLang="en-US">
-                    <a:noFill/>
-                  </a:rPr>
-                  <a:t> </a:t>
-                </a:r>
-              </a:p>
-            </p:txBody>
-          </p:sp>
-        </mc:Fallback>
-      </mc:AlternateContent>
-      <p:sp>
-        <p:nvSpPr>
-          <p:cNvPr id="11" name="TextBox 10">
-            <a:extLst>
-              <a:ext uri="{FF2B5EF4-FFF2-40B4-BE49-F238E27FC236}">
-                <a16:creationId xmlns:a16="http://schemas.microsoft.com/office/drawing/2014/main" id="{CE973492-3410-DBD3-1C9C-F2621D6D6E08}"/>
-              </a:ext>
-            </a:extLst>
-          </p:cNvPr>
-          <p:cNvSpPr txBox="1"/>
-          <p:nvPr/>
-        </p:nvSpPr>
-        <p:spPr>
-          <a:xfrm>
-            <a:off x="942387" y="3048176"/>
-            <a:ext cx="9917291" cy="369332"/>
-          </a:xfrm>
-          <a:prstGeom prst="rect">
-            <a:avLst/>
-          </a:prstGeom>
-          <a:noFill/>
-        </p:spPr>
-        <p:txBody>
-          <a:bodyPr wrap="square" rtlCol="0">
-            <a:spAutoFit/>
-          </a:bodyPr>
-          <a:lstStyle/>
-          <a:p>
-            <a:r>
-              <a:rPr lang="ko-KR" altLang="en-US" dirty="0">
-                <a:latin typeface="나눔스퀘어 Light" panose="020B0600000101010101" pitchFamily="50" charset="-127"/>
-                <a:ea typeface="나눔스퀘어 Light" panose="020B0600000101010101" pitchFamily="50" charset="-127"/>
-              </a:rPr>
-              <a:t>그러기 위해선</a:t>
-            </a:r>
-            <a:r>
-              <a:rPr lang="en-US" altLang="ko-KR" dirty="0">
-                <a:latin typeface="나눔스퀘어 Light" panose="020B0600000101010101" pitchFamily="50" charset="-127"/>
-                <a:ea typeface="나눔스퀘어 Light" panose="020B0600000101010101" pitchFamily="50" charset="-127"/>
-              </a:rPr>
-              <a:t>, </a:t>
-            </a:r>
-            <a:r>
-              <a:rPr lang="ko-KR" altLang="en-US" dirty="0">
-                <a:latin typeface="나눔스퀘어 Light" panose="020B0600000101010101" pitchFamily="50" charset="-127"/>
-                <a:ea typeface="나눔스퀘어 Light" panose="020B0600000101010101" pitchFamily="50" charset="-127"/>
-              </a:rPr>
-              <a:t>배열이 정렬되어 있어야 하는데</a:t>
-            </a:r>
-            <a:r>
-              <a:rPr lang="en-US" altLang="ko-KR" dirty="0">
-                <a:latin typeface="나눔스퀘어 Light" panose="020B0600000101010101" pitchFamily="50" charset="-127"/>
-                <a:ea typeface="나눔스퀘어 Light" panose="020B0600000101010101" pitchFamily="50" charset="-127"/>
-              </a:rPr>
-              <a:t>, </a:t>
-            </a:r>
-            <a:r>
-              <a:rPr lang="ko-KR" altLang="en-US" dirty="0">
-                <a:latin typeface="나눔스퀘어 Light" panose="020B0600000101010101" pitchFamily="50" charset="-127"/>
-                <a:ea typeface="나눔스퀘어 Light" panose="020B0600000101010101" pitchFamily="50" charset="-127"/>
-              </a:rPr>
-              <a:t>배열의 정렬은 어차피 처음에 한 번만 하면 되므로</a:t>
-            </a:r>
-            <a:r>
-              <a:rPr lang="en-US" altLang="ko-KR" dirty="0">
-                <a:latin typeface="나눔스퀘어 Light" panose="020B0600000101010101" pitchFamily="50" charset="-127"/>
-                <a:ea typeface="나눔스퀘어 Light" panose="020B0600000101010101" pitchFamily="50" charset="-127"/>
-              </a:rPr>
-              <a:t>,</a:t>
-            </a:r>
-            <a:endParaRPr lang="ko-KR" altLang="en-US" dirty="0">
-              <a:latin typeface="나눔스퀘어 Light" panose="020B0600000101010101" pitchFamily="50" charset="-127"/>
-              <a:ea typeface="나눔스퀘어 Light" panose="020B0600000101010101" pitchFamily="50" charset="-127"/>
-            </a:endParaRPr>
-          </a:p>
-        </p:txBody>
-      </p:sp>
-      <p:sp>
-        <p:nvSpPr>
-          <p:cNvPr id="12" name="TextBox 11">
-            <a:extLst>
-              <a:ext uri="{FF2B5EF4-FFF2-40B4-BE49-F238E27FC236}">
-                <a16:creationId xmlns:a16="http://schemas.microsoft.com/office/drawing/2014/main" id="{A1119EDB-0B09-6589-52AC-E5D7F18E1FAE}"/>
-              </a:ext>
-            </a:extLst>
-          </p:cNvPr>
-          <p:cNvSpPr txBox="1"/>
-          <p:nvPr/>
-        </p:nvSpPr>
-        <p:spPr>
-          <a:xfrm>
-            <a:off x="942387" y="3417508"/>
-            <a:ext cx="9917291" cy="369332"/>
-          </a:xfrm>
-          <a:prstGeom prst="rect">
-            <a:avLst/>
-          </a:prstGeom>
-          <a:noFill/>
-        </p:spPr>
-        <p:txBody>
-          <a:bodyPr wrap="square" rtlCol="0">
-            <a:spAutoFit/>
-          </a:bodyPr>
-          <a:lstStyle/>
-          <a:p>
-            <a:r>
-              <a:rPr lang="ko-KR" altLang="en-US" dirty="0">
-                <a:latin typeface="나눔스퀘어 Light" panose="020B0600000101010101" pitchFamily="50" charset="-127"/>
-                <a:ea typeface="나눔스퀘어 Light" panose="020B0600000101010101" pitchFamily="50" charset="-127"/>
-              </a:rPr>
-              <a:t>배열을 정렬하는 비용은 시간 복잡도에 큰 영향을 미치지 못합니다</a:t>
-            </a:r>
-            <a:r>
-              <a:rPr lang="en-US" altLang="ko-KR" dirty="0">
-                <a:latin typeface="나눔스퀘어 Light" panose="020B0600000101010101" pitchFamily="50" charset="-127"/>
-                <a:ea typeface="나눔스퀘어 Light" panose="020B0600000101010101" pitchFamily="50" charset="-127"/>
-              </a:rPr>
-              <a:t>.</a:t>
-            </a:r>
-            <a:endParaRPr lang="ko-KR" altLang="en-US" dirty="0">
-              <a:latin typeface="나눔스퀘어 Light" panose="020B0600000101010101" pitchFamily="50" charset="-127"/>
-              <a:ea typeface="나눔스퀘어 Light" panose="020B0600000101010101" pitchFamily="50" charset="-127"/>
-            </a:endParaRPr>
-          </a:p>
-        </p:txBody>
-      </p:sp>
-      <mc:AlternateContent xmlns:mc="http://schemas.openxmlformats.org/markup-compatibility/2006" xmlns:a14="http://schemas.microsoft.com/office/drawing/2010/main">
-        <mc:Choice Requires="a14">
-          <p:sp>
-            <p:nvSpPr>
-              <p:cNvPr id="13" name="TextBox 12">
-                <a:extLst>
-                  <a:ext uri="{FF2B5EF4-FFF2-40B4-BE49-F238E27FC236}">
-                    <a16:creationId xmlns:a16="http://schemas.microsoft.com/office/drawing/2014/main" id="{353A1A48-3C6B-FB24-AF8E-FEC1DF8D10F2}"/>
-                  </a:ext>
-                </a:extLst>
-              </p:cNvPr>
-              <p:cNvSpPr txBox="1"/>
-              <p:nvPr/>
-            </p:nvSpPr>
-            <p:spPr>
-              <a:xfrm>
-                <a:off x="942387" y="3786840"/>
-                <a:ext cx="9917291" cy="369332"/>
-              </a:xfrm>
-              <a:prstGeom prst="rect">
-                <a:avLst/>
-              </a:prstGeom>
-              <a:noFill/>
-            </p:spPr>
-            <p:txBody>
-              <a:bodyPr wrap="square" rtlCol="0">
-                <a:spAutoFit/>
-              </a:bodyPr>
-              <a:lstStyle/>
-              <a:p>
-                <a:r>
-                  <a:rPr lang="ko-KR" altLang="en-US" dirty="0">
-                    <a:latin typeface="나눔스퀘어 Light" panose="020B0600000101010101" pitchFamily="50" charset="-127"/>
-                    <a:ea typeface="나눔스퀘어 Light" panose="020B0600000101010101" pitchFamily="50" charset="-127"/>
-                  </a:rPr>
-                  <a:t>탐색을 </a:t>
-                </a:r>
-                <a14:m>
-                  <m:oMath xmlns:m="http://schemas.openxmlformats.org/officeDocument/2006/math">
-                    <m:r>
-                      <a:rPr lang="en-US" altLang="ko-KR" b="0" i="1" smtClean="0">
-                        <a:latin typeface="Cambria Math" panose="02040503050406030204" pitchFamily="18" charset="0"/>
-                        <a:ea typeface="나눔스퀘어 Light" panose="020B0600000101010101" pitchFamily="50" charset="-127"/>
-                      </a:rPr>
-                      <m:t>𝑀</m:t>
-                    </m:r>
-                  </m:oMath>
-                </a14:m>
-                <a:r>
-                  <a:rPr lang="ko-KR" altLang="en-US" dirty="0">
-                    <a:latin typeface="나눔스퀘어 Light" panose="020B0600000101010101" pitchFamily="50" charset="-127"/>
-                    <a:ea typeface="나눔스퀘어 Light" panose="020B0600000101010101" pitchFamily="50" charset="-127"/>
-                  </a:rPr>
-                  <a:t>번 하므로</a:t>
-                </a:r>
-                <a:r>
-                  <a:rPr lang="en-US" altLang="ko-KR" dirty="0">
-                    <a:latin typeface="나눔스퀘어 Light" panose="020B0600000101010101" pitchFamily="50" charset="-127"/>
-                    <a:ea typeface="나눔스퀘어 Light" panose="020B0600000101010101" pitchFamily="50" charset="-127"/>
-                  </a:rPr>
-                  <a:t>, </a:t>
-                </a:r>
-                <a:r>
-                  <a:rPr lang="ko-KR" altLang="en-US" dirty="0">
-                    <a:latin typeface="나눔스퀘어 Light" panose="020B0600000101010101" pitchFamily="50" charset="-127"/>
-                    <a:ea typeface="나눔스퀘어 Light" panose="020B0600000101010101" pitchFamily="50" charset="-127"/>
-                  </a:rPr>
-                  <a:t>쿼리의 시간 복잡도는 </a:t>
-                </a:r>
-                <a14:m>
-                  <m:oMath xmlns:m="http://schemas.openxmlformats.org/officeDocument/2006/math">
-                    <m:r>
-                      <a:rPr lang="en-US" altLang="ko-KR" b="0" i="1" smtClean="0">
-                        <a:latin typeface="Cambria Math" panose="02040503050406030204" pitchFamily="18" charset="0"/>
-                        <a:ea typeface="나눔스퀘어 Light" panose="020B0600000101010101" pitchFamily="50" charset="-127"/>
-                      </a:rPr>
-                      <m:t>𝑂</m:t>
-                    </m:r>
-                    <m:r>
-                      <a:rPr lang="en-US" altLang="ko-KR" b="0" i="1" smtClean="0">
-                        <a:latin typeface="Cambria Math" panose="02040503050406030204" pitchFamily="18" charset="0"/>
-                        <a:ea typeface="나눔스퀘어 Light" panose="020B0600000101010101" pitchFamily="50" charset="-127"/>
-                      </a:rPr>
-                      <m:t>(</m:t>
-                    </m:r>
-                    <m:r>
-                      <a:rPr lang="en-US" altLang="ko-KR" b="0" i="1" smtClean="0">
-                        <a:latin typeface="Cambria Math" panose="02040503050406030204" pitchFamily="18" charset="0"/>
-                        <a:ea typeface="나눔스퀘어 Light" panose="020B0600000101010101" pitchFamily="50" charset="-127"/>
-                      </a:rPr>
-                      <m:t>𝑀𝑙𝑜𝑔𝑁</m:t>
-                    </m:r>
-                    <m:r>
-                      <a:rPr lang="en-US" altLang="ko-KR" b="0" i="1" smtClean="0">
-                        <a:latin typeface="Cambria Math" panose="02040503050406030204" pitchFamily="18" charset="0"/>
-                        <a:ea typeface="나눔스퀘어 Light" panose="020B0600000101010101" pitchFamily="50" charset="-127"/>
-                      </a:rPr>
-                      <m:t>)</m:t>
-                    </m:r>
-                  </m:oMath>
-                </a14:m>
-                <a:r>
-                  <a:rPr lang="ko-KR" altLang="en-US" dirty="0">
-                    <a:latin typeface="나눔스퀘어 Light" panose="020B0600000101010101" pitchFamily="50" charset="-127"/>
-                    <a:ea typeface="나눔스퀘어 Light" panose="020B0600000101010101" pitchFamily="50" charset="-127"/>
-                  </a:rPr>
-                  <a:t>이 되고</a:t>
-                </a:r>
-                <a:r>
-                  <a:rPr lang="en-US" altLang="ko-KR" dirty="0">
-                    <a:latin typeface="나눔스퀘어 Light" panose="020B0600000101010101" pitchFamily="50" charset="-127"/>
-                    <a:ea typeface="나눔스퀘어 Light" panose="020B0600000101010101" pitchFamily="50" charset="-127"/>
-                  </a:rPr>
-                  <a:t>, </a:t>
-                </a:r>
-                <a:r>
-                  <a:rPr lang="ko-KR" altLang="en-US" dirty="0">
-                    <a:latin typeface="나눔스퀘어 Light" panose="020B0600000101010101" pitchFamily="50" charset="-127"/>
-                    <a:ea typeface="나눔스퀘어 Light" panose="020B0600000101010101" pitchFamily="50" charset="-127"/>
-                  </a:rPr>
-                  <a:t>이 방법으론 시간 안에 해결할 수 있겠네요</a:t>
-                </a:r>
-                <a:r>
-                  <a:rPr lang="en-US" altLang="ko-KR" dirty="0">
-                    <a:latin typeface="나눔스퀘어 Light" panose="020B0600000101010101" pitchFamily="50" charset="-127"/>
-                    <a:ea typeface="나눔스퀘어 Light" panose="020B0600000101010101" pitchFamily="50" charset="-127"/>
-                  </a:rPr>
-                  <a:t>.</a:t>
-                </a:r>
-                <a:r>
-                  <a:rPr lang="ko-KR" altLang="en-US" dirty="0">
-                    <a:latin typeface="나눔스퀘어 Light" panose="020B0600000101010101" pitchFamily="50" charset="-127"/>
-                    <a:ea typeface="나눔스퀘어 Light" panose="020B0600000101010101" pitchFamily="50" charset="-127"/>
-                  </a:rPr>
-                  <a:t> </a:t>
-                </a:r>
-              </a:p>
-            </p:txBody>
-          </p:sp>
-        </mc:Choice>
-        <mc:Fallback xmlns="">
-          <p:sp>
-            <p:nvSpPr>
-              <p:cNvPr id="13" name="TextBox 12">
-                <a:extLst>
-                  <a:ext uri="{FF2B5EF4-FFF2-40B4-BE49-F238E27FC236}">
-                    <a16:creationId xmlns:a16="http://schemas.microsoft.com/office/drawing/2014/main" id="{353A1A48-3C6B-FB24-AF8E-FEC1DF8D10F2}"/>
-                  </a:ext>
-                </a:extLst>
-              </p:cNvPr>
-              <p:cNvSpPr txBox="1">
-                <a:spLocks noRot="1" noChangeAspect="1" noMove="1" noResize="1" noEditPoints="1" noAdjustHandles="1" noChangeArrowheads="1" noChangeShapeType="1" noTextEdit="1"/>
-              </p:cNvSpPr>
-              <p:nvPr/>
-            </p:nvSpPr>
-            <p:spPr>
-              <a:xfrm>
-                <a:off x="942387" y="3786840"/>
-                <a:ext cx="9917291" cy="369332"/>
-              </a:xfrm>
-              <a:prstGeom prst="rect">
-                <a:avLst/>
-              </a:prstGeom>
-              <a:blipFill>
-                <a:blip r:embed="rId6"/>
-                <a:stretch>
-                  <a:fillRect l="-554" t="-6557" r="-62" b="-26230"/>
-                </a:stretch>
-              </a:blipFill>
-            </p:spPr>
-            <p:txBody>
-              <a:bodyPr/>
-              <a:lstStyle/>
-              <a:p>
-                <a:r>
-                  <a:rPr lang="ko-KR" altLang="en-US">
-                    <a:noFill/>
-                  </a:rPr>
-                  <a:t> </a:t>
-                </a:r>
-              </a:p>
-            </p:txBody>
-          </p:sp>
-        </mc:Fallback>
-      </mc:AlternateContent>
-      <p:pic>
-        <p:nvPicPr>
-          <p:cNvPr id="8" name="그림 7">
-            <a:extLst>
-              <a:ext uri="{FF2B5EF4-FFF2-40B4-BE49-F238E27FC236}">
-                <a16:creationId xmlns:a16="http://schemas.microsoft.com/office/drawing/2014/main" id="{C5502C35-8ACF-992B-8EC5-87C815ABEE8E}"/>
-              </a:ext>
-            </a:extLst>
-          </p:cNvPr>
-          <p:cNvPicPr>
-            <a:picLocks noChangeAspect="1"/>
-          </p:cNvPicPr>
-          <p:nvPr/>
-        </p:nvPicPr>
-        <p:blipFill>
-          <a:blip r:embed="rId7"/>
-          <a:stretch>
-            <a:fillRect/>
-          </a:stretch>
-        </p:blipFill>
-        <p:spPr>
-          <a:xfrm>
-            <a:off x="1014025" y="4353343"/>
-            <a:ext cx="7851550" cy="2112112"/>
-          </a:xfrm>
-          <a:prstGeom prst="rect">
-            <a:avLst/>
-          </a:prstGeom>
-        </p:spPr>
-      </p:pic>
-    </p:spTree>
-    <p:extLst>
-      <p:ext uri="{BB962C8B-B14F-4D97-AF65-F5344CB8AC3E}">
-        <p14:creationId xmlns:p14="http://schemas.microsoft.com/office/powerpoint/2010/main" val="3545895625"/>
-      </p:ext>
-    </p:extLst>
-  </p:cSld>
-  <p:clrMapOvr>
-    <a:masterClrMapping/>
-  </p:clrMapOvr>
-</p:sld>
-</file>
-
-<file path=ppt/slides/slide31.xml><?xml version="1.0" encoding="utf-8"?>
-<p:sld xmlns:a="http://schemas.openxmlformats.org/drawingml/2006/main" xmlns:r="http://schemas.openxmlformats.org/officeDocument/2006/relationships" xmlns:p="http://schemas.openxmlformats.org/presentationml/2006/main">
-  <p:cSld>
-    <p:spTree>
-      <p:nvGrpSpPr>
-        <p:cNvPr id="1" name=""/>
-        <p:cNvGrpSpPr/>
-        <p:nvPr/>
-      </p:nvGrpSpPr>
-      <p:grpSpPr>
-        <a:xfrm>
-          <a:off x="0" y="0"/>
-          <a:ext cx="0" cy="0"/>
-          <a:chOff x="0" y="0"/>
-          <a:chExt cx="0" cy="0"/>
-        </a:xfrm>
-      </p:grpSpPr>
-      <p:cxnSp>
-        <p:nvCxnSpPr>
-          <p:cNvPr id="26" name="직선 연결선 25">
-            <a:extLst>
-              <a:ext uri="{FF2B5EF4-FFF2-40B4-BE49-F238E27FC236}">
-                <a16:creationId xmlns:a16="http://schemas.microsoft.com/office/drawing/2014/main" id="{679B38A3-B196-3741-D6D3-0CA8FB95B91A}"/>
-              </a:ext>
-            </a:extLst>
-          </p:cNvPr>
-          <p:cNvCxnSpPr/>
-          <p:nvPr/>
-        </p:nvCxnSpPr>
-        <p:spPr>
-          <a:xfrm>
-            <a:off x="0" y="887505"/>
-            <a:ext cx="10237694" cy="0"/>
-          </a:xfrm>
-          <a:prstGeom prst="line">
-            <a:avLst/>
-          </a:prstGeom>
-          <a:ln w="76200">
-            <a:solidFill>
-              <a:schemeClr val="tx1">
-                <a:lumMod val="75000"/>
-                <a:lumOff val="25000"/>
-              </a:schemeClr>
-            </a:solidFill>
-          </a:ln>
-        </p:spPr>
-        <p:style>
-          <a:lnRef idx="1">
-            <a:schemeClr val="accent1"/>
-          </a:lnRef>
-          <a:fillRef idx="0">
-            <a:schemeClr val="accent1"/>
-          </a:fillRef>
-          <a:effectRef idx="0">
-            <a:schemeClr val="accent1"/>
-          </a:effectRef>
-          <a:fontRef idx="minor">
-            <a:schemeClr val="tx1"/>
-          </a:fontRef>
-        </p:style>
-      </p:cxnSp>
-      <p:sp>
-        <p:nvSpPr>
-          <p:cNvPr id="2" name="TextBox 1">
-            <a:extLst>
-              <a:ext uri="{FF2B5EF4-FFF2-40B4-BE49-F238E27FC236}">
-                <a16:creationId xmlns:a16="http://schemas.microsoft.com/office/drawing/2014/main" id="{0BDD82D2-1A63-7327-3944-E9BC6D48A73A}"/>
-              </a:ext>
-            </a:extLst>
-          </p:cNvPr>
-          <p:cNvSpPr txBox="1"/>
-          <p:nvPr/>
-        </p:nvSpPr>
-        <p:spPr>
-          <a:xfrm>
-            <a:off x="331694" y="177505"/>
-            <a:ext cx="5431808" cy="523220"/>
-          </a:xfrm>
-          <a:prstGeom prst="rect">
-            <a:avLst/>
-          </a:prstGeom>
-          <a:noFill/>
-        </p:spPr>
-        <p:txBody>
-          <a:bodyPr wrap="none" rtlCol="0">
-            <a:spAutoFit/>
-          </a:bodyPr>
-          <a:lstStyle/>
-          <a:p>
-            <a:r>
-              <a:rPr lang="en-US" altLang="ko-KR" sz="2800" dirty="0">
-                <a:latin typeface="나눔스퀘어 Bold" panose="020B0600000101010101" pitchFamily="50" charset="-127"/>
-                <a:ea typeface="나눔스퀘어 Bold" panose="020B0600000101010101" pitchFamily="50" charset="-127"/>
-              </a:rPr>
-              <a:t>Binary Search – 10815 </a:t>
-            </a:r>
-            <a:r>
-              <a:rPr lang="ko-KR" altLang="en-US" sz="2800" dirty="0">
-                <a:latin typeface="나눔스퀘어 Bold" panose="020B0600000101010101" pitchFamily="50" charset="-127"/>
-                <a:ea typeface="나눔스퀘어 Bold" panose="020B0600000101010101" pitchFamily="50" charset="-127"/>
-              </a:rPr>
-              <a:t>숫자 카드</a:t>
-            </a:r>
-          </a:p>
-        </p:txBody>
-      </p:sp>
-      <p:pic>
-        <p:nvPicPr>
-          <p:cNvPr id="5" name="그림 4">
-            <a:extLst>
-              <a:ext uri="{FF2B5EF4-FFF2-40B4-BE49-F238E27FC236}">
-                <a16:creationId xmlns:a16="http://schemas.microsoft.com/office/drawing/2014/main" id="{CDB09F23-4E69-8C85-AEDB-87F16CFE42A5}"/>
-              </a:ext>
-            </a:extLst>
-          </p:cNvPr>
-          <p:cNvPicPr>
-            <a:picLocks noChangeAspect="1"/>
-          </p:cNvPicPr>
-          <p:nvPr/>
-        </p:nvPicPr>
-        <p:blipFill>
-          <a:blip r:embed="rId2"/>
-          <a:stretch>
-            <a:fillRect/>
-          </a:stretch>
-        </p:blipFill>
-        <p:spPr>
-          <a:xfrm>
-            <a:off x="331694" y="1000395"/>
-            <a:ext cx="10237694" cy="5770986"/>
-          </a:xfrm>
-          <a:prstGeom prst="rect">
-            <a:avLst/>
-          </a:prstGeom>
-        </p:spPr>
-      </p:pic>
-    </p:spTree>
-    <p:extLst>
-      <p:ext uri="{BB962C8B-B14F-4D97-AF65-F5344CB8AC3E}">
-        <p14:creationId xmlns:p14="http://schemas.microsoft.com/office/powerpoint/2010/main" val="4191193854"/>
-      </p:ext>
-    </p:extLst>
-  </p:cSld>
-  <p:clrMapOvr>
-    <a:masterClrMapping/>
-  </p:clrMapOvr>
-</p:sld>
-</file>
-
-<file path=ppt/slides/slide32.xml><?xml version="1.0" encoding="utf-8"?>
-<p:sld xmlns:a="http://schemas.openxmlformats.org/drawingml/2006/main" xmlns:r="http://schemas.openxmlformats.org/officeDocument/2006/relationships" xmlns:p="http://schemas.openxmlformats.org/presentationml/2006/main">
-  <p:cSld>
-    <p:spTree>
-      <p:nvGrpSpPr>
-        <p:cNvPr id="1" name=""/>
-        <p:cNvGrpSpPr/>
-        <p:nvPr/>
-      </p:nvGrpSpPr>
-      <p:grpSpPr>
-        <a:xfrm>
-          <a:off x="0" y="0"/>
-          <a:ext cx="0" cy="0"/>
-          <a:chOff x="0" y="0"/>
-          <a:chExt cx="0" cy="0"/>
-        </a:xfrm>
-      </p:grpSpPr>
-      <p:cxnSp>
-        <p:nvCxnSpPr>
-          <p:cNvPr id="5" name="직선 연결선 4">
-            <a:extLst>
-              <a:ext uri="{FF2B5EF4-FFF2-40B4-BE49-F238E27FC236}">
-                <a16:creationId xmlns:a16="http://schemas.microsoft.com/office/drawing/2014/main" id="{164C2827-EFCE-69A4-D037-1A218415F568}"/>
-              </a:ext>
-            </a:extLst>
-          </p:cNvPr>
-          <p:cNvCxnSpPr/>
-          <p:nvPr/>
-        </p:nvCxnSpPr>
-        <p:spPr>
-          <a:xfrm>
-            <a:off x="0" y="887505"/>
-            <a:ext cx="10237694" cy="0"/>
-          </a:xfrm>
-          <a:prstGeom prst="line">
-            <a:avLst/>
-          </a:prstGeom>
-          <a:ln w="76200">
-            <a:solidFill>
-              <a:schemeClr val="tx1">
-                <a:lumMod val="75000"/>
-                <a:lumOff val="25000"/>
-              </a:schemeClr>
-            </a:solidFill>
-          </a:ln>
-        </p:spPr>
-        <p:style>
-          <a:lnRef idx="1">
-            <a:schemeClr val="accent1"/>
-          </a:lnRef>
-          <a:fillRef idx="0">
-            <a:schemeClr val="accent1"/>
-          </a:fillRef>
-          <a:effectRef idx="0">
-            <a:schemeClr val="accent1"/>
-          </a:effectRef>
-          <a:fontRef idx="minor">
-            <a:schemeClr val="tx1"/>
-          </a:fontRef>
-        </p:style>
-      </p:cxnSp>
-      <p:sp>
-        <p:nvSpPr>
-          <p:cNvPr id="7" name="TextBox 6">
-            <a:extLst>
-              <a:ext uri="{FF2B5EF4-FFF2-40B4-BE49-F238E27FC236}">
-                <a16:creationId xmlns:a16="http://schemas.microsoft.com/office/drawing/2014/main" id="{CC86D852-FF78-F56B-3D83-6A37E0336D58}"/>
-              </a:ext>
-            </a:extLst>
-          </p:cNvPr>
-          <p:cNvSpPr txBox="1"/>
-          <p:nvPr/>
-        </p:nvSpPr>
-        <p:spPr>
-          <a:xfrm>
-            <a:off x="942387" y="1190024"/>
-            <a:ext cx="10237694" cy="369332"/>
-          </a:xfrm>
-          <a:prstGeom prst="rect">
-            <a:avLst/>
-          </a:prstGeom>
-          <a:noFill/>
-        </p:spPr>
-        <p:txBody>
-          <a:bodyPr wrap="square" rtlCol="0">
-            <a:spAutoFit/>
-          </a:bodyPr>
-          <a:lstStyle/>
-          <a:p>
-            <a:r>
-              <a:rPr lang="en-US" altLang="ko-KR" dirty="0">
-                <a:latin typeface="나눔스퀘어 Light" panose="020B0600000101010101" pitchFamily="50" charset="-127"/>
-                <a:ea typeface="나눔스퀘어 Light" panose="020B0600000101010101" pitchFamily="50" charset="-127"/>
-              </a:rPr>
-              <a:t>“1920 </a:t>
-            </a:r>
-            <a:r>
-              <a:rPr lang="ko-KR" altLang="en-US" dirty="0">
-                <a:latin typeface="나눔스퀘어 Light" panose="020B0600000101010101" pitchFamily="50" charset="-127"/>
-                <a:ea typeface="나눔스퀘어 Light" panose="020B0600000101010101" pitchFamily="50" charset="-127"/>
-              </a:rPr>
-              <a:t>수 찾기</a:t>
-            </a:r>
-            <a:r>
-              <a:rPr lang="en-US" altLang="ko-KR" dirty="0">
-                <a:latin typeface="나눔스퀘어 Light" panose="020B0600000101010101" pitchFamily="50" charset="-127"/>
-                <a:ea typeface="나눔스퀘어 Light" panose="020B0600000101010101" pitchFamily="50" charset="-127"/>
-              </a:rPr>
-              <a:t>” </a:t>
-            </a:r>
-            <a:r>
-              <a:rPr lang="ko-KR" altLang="en-US" dirty="0">
-                <a:latin typeface="나눔스퀘어 Light" panose="020B0600000101010101" pitchFamily="50" charset="-127"/>
-                <a:ea typeface="나눔스퀘어 Light" panose="020B0600000101010101" pitchFamily="50" charset="-127"/>
-              </a:rPr>
-              <a:t>문제와 사실상 똑같은 문제</a:t>
-            </a:r>
-          </a:p>
-        </p:txBody>
-      </p:sp>
-      <p:sp>
-        <p:nvSpPr>
-          <p:cNvPr id="6" name="TextBox 5">
-            <a:extLst>
-              <a:ext uri="{FF2B5EF4-FFF2-40B4-BE49-F238E27FC236}">
-                <a16:creationId xmlns:a16="http://schemas.microsoft.com/office/drawing/2014/main" id="{750657FF-B785-8A82-4F6E-233A280E0097}"/>
-              </a:ext>
-            </a:extLst>
-          </p:cNvPr>
-          <p:cNvSpPr txBox="1"/>
-          <p:nvPr/>
-        </p:nvSpPr>
-        <p:spPr>
-          <a:xfrm>
-            <a:off x="331694" y="177505"/>
-            <a:ext cx="5431808" cy="523220"/>
-          </a:xfrm>
-          <a:prstGeom prst="rect">
-            <a:avLst/>
-          </a:prstGeom>
-          <a:noFill/>
-        </p:spPr>
-        <p:txBody>
-          <a:bodyPr wrap="none" rtlCol="0">
-            <a:spAutoFit/>
-          </a:bodyPr>
-          <a:lstStyle/>
-          <a:p>
-            <a:r>
-              <a:rPr lang="en-US" altLang="ko-KR" sz="2800" dirty="0">
-                <a:latin typeface="나눔스퀘어 Bold" panose="020B0600000101010101" pitchFamily="50" charset="-127"/>
-                <a:ea typeface="나눔스퀘어 Bold" panose="020B0600000101010101" pitchFamily="50" charset="-127"/>
-              </a:rPr>
-              <a:t>Binary Search – 10815 </a:t>
-            </a:r>
-            <a:r>
-              <a:rPr lang="ko-KR" altLang="en-US" sz="2800" dirty="0">
-                <a:latin typeface="나눔스퀘어 Bold" panose="020B0600000101010101" pitchFamily="50" charset="-127"/>
-                <a:ea typeface="나눔스퀘어 Bold" panose="020B0600000101010101" pitchFamily="50" charset="-127"/>
-              </a:rPr>
-              <a:t>숫자 카드</a:t>
-            </a:r>
-          </a:p>
-        </p:txBody>
-      </p:sp>
-      <p:pic>
-        <p:nvPicPr>
-          <p:cNvPr id="10" name="그림 9">
-            <a:extLst>
-              <a:ext uri="{FF2B5EF4-FFF2-40B4-BE49-F238E27FC236}">
-                <a16:creationId xmlns:a16="http://schemas.microsoft.com/office/drawing/2014/main" id="{5878604E-EF4B-6F24-8E41-0444945514C3}"/>
-              </a:ext>
-            </a:extLst>
-          </p:cNvPr>
-          <p:cNvPicPr>
-            <a:picLocks noChangeAspect="1"/>
-          </p:cNvPicPr>
-          <p:nvPr/>
-        </p:nvPicPr>
-        <p:blipFill>
-          <a:blip r:embed="rId2"/>
-          <a:stretch>
-            <a:fillRect/>
-          </a:stretch>
-        </p:blipFill>
-        <p:spPr>
-          <a:xfrm>
-            <a:off x="1014025" y="1536605"/>
-            <a:ext cx="6162630" cy="1657783"/>
-          </a:xfrm>
-          <a:prstGeom prst="rect">
-            <a:avLst/>
-          </a:prstGeom>
-        </p:spPr>
-      </p:pic>
-      <p:pic>
-        <p:nvPicPr>
-          <p:cNvPr id="12" name="그림 11">
-            <a:extLst>
-              <a:ext uri="{FF2B5EF4-FFF2-40B4-BE49-F238E27FC236}">
-                <a16:creationId xmlns:a16="http://schemas.microsoft.com/office/drawing/2014/main" id="{8361EF2E-C575-4444-3455-55F1194A51DF}"/>
-              </a:ext>
-            </a:extLst>
-          </p:cNvPr>
-          <p:cNvPicPr>
-            <a:picLocks noChangeAspect="1"/>
-          </p:cNvPicPr>
-          <p:nvPr/>
-        </p:nvPicPr>
-        <p:blipFill>
-          <a:blip r:embed="rId3"/>
-          <a:stretch>
-            <a:fillRect/>
-          </a:stretch>
-        </p:blipFill>
-        <p:spPr>
-          <a:xfrm>
-            <a:off x="1014026" y="3300671"/>
-            <a:ext cx="6162630" cy="3148593"/>
-          </a:xfrm>
-          <a:prstGeom prst="rect">
-            <a:avLst/>
-          </a:prstGeom>
-        </p:spPr>
-      </p:pic>
-    </p:spTree>
-    <p:extLst>
-      <p:ext uri="{BB962C8B-B14F-4D97-AF65-F5344CB8AC3E}">
-        <p14:creationId xmlns:p14="http://schemas.microsoft.com/office/powerpoint/2010/main" val="3688170221"/>
-      </p:ext>
-    </p:extLst>
-  </p:cSld>
-  <p:clrMapOvr>
-    <a:masterClrMapping/>
-  </p:clrMapOvr>
-</p:sld>
-</file>
-
-<file path=ppt/slides/slide33.xml><?xml version="1.0" encoding="utf-8"?>
-<p:sld xmlns:a="http://schemas.openxmlformats.org/drawingml/2006/main" xmlns:r="http://schemas.openxmlformats.org/officeDocument/2006/relationships" xmlns:p="http://schemas.openxmlformats.org/presentationml/2006/main">
-  <p:cSld>
-    <p:spTree>
-      <p:nvGrpSpPr>
-        <p:cNvPr id="1" name=""/>
-        <p:cNvGrpSpPr/>
-        <p:nvPr/>
-      </p:nvGrpSpPr>
-      <p:grpSpPr>
-        <a:xfrm>
-          <a:off x="0" y="0"/>
-          <a:ext cx="0" cy="0"/>
-          <a:chOff x="0" y="0"/>
-          <a:chExt cx="0" cy="0"/>
-        </a:xfrm>
-      </p:grpSpPr>
-      <p:cxnSp>
-        <p:nvCxnSpPr>
-          <p:cNvPr id="5" name="직선 연결선 4">
-            <a:extLst>
-              <a:ext uri="{FF2B5EF4-FFF2-40B4-BE49-F238E27FC236}">
-                <a16:creationId xmlns:a16="http://schemas.microsoft.com/office/drawing/2014/main" id="{164C2827-EFCE-69A4-D037-1A218415F568}"/>
-              </a:ext>
-            </a:extLst>
-          </p:cNvPr>
-          <p:cNvCxnSpPr/>
-          <p:nvPr/>
-        </p:nvCxnSpPr>
-        <p:spPr>
-          <a:xfrm>
-            <a:off x="0" y="887505"/>
-            <a:ext cx="10237694" cy="0"/>
-          </a:xfrm>
-          <a:prstGeom prst="line">
-            <a:avLst/>
-          </a:prstGeom>
-          <a:ln w="76200">
-            <a:solidFill>
-              <a:schemeClr val="tx1">
-                <a:lumMod val="75000"/>
-                <a:lumOff val="25000"/>
-              </a:schemeClr>
-            </a:solidFill>
-          </a:ln>
-        </p:spPr>
-        <p:style>
-          <a:lnRef idx="1">
-            <a:schemeClr val="accent1"/>
-          </a:lnRef>
-          <a:fillRef idx="0">
-            <a:schemeClr val="accent1"/>
-          </a:fillRef>
-          <a:effectRef idx="0">
-            <a:schemeClr val="accent1"/>
-          </a:effectRef>
-          <a:fontRef idx="minor">
-            <a:schemeClr val="tx1"/>
-          </a:fontRef>
-        </p:style>
-      </p:cxnSp>
-      <p:sp>
-        <p:nvSpPr>
-          <p:cNvPr id="6" name="TextBox 5">
-            <a:extLst>
-              <a:ext uri="{FF2B5EF4-FFF2-40B4-BE49-F238E27FC236}">
-                <a16:creationId xmlns:a16="http://schemas.microsoft.com/office/drawing/2014/main" id="{908ED9B9-09D3-CFA8-625A-6F9BB9B6BD23}"/>
-              </a:ext>
-            </a:extLst>
-          </p:cNvPr>
-          <p:cNvSpPr txBox="1"/>
-          <p:nvPr/>
-        </p:nvSpPr>
-        <p:spPr>
-          <a:xfrm>
-            <a:off x="331694" y="177505"/>
-            <a:ext cx="2006190" cy="523220"/>
-          </a:xfrm>
-          <a:prstGeom prst="rect">
-            <a:avLst/>
-          </a:prstGeom>
-          <a:noFill/>
-        </p:spPr>
-        <p:txBody>
-          <a:bodyPr wrap="none" rtlCol="0">
-            <a:spAutoFit/>
-          </a:bodyPr>
-          <a:lstStyle/>
-          <a:p>
-            <a:r>
-              <a:rPr lang="en-US" altLang="ko-KR" sz="2800" dirty="0">
-                <a:latin typeface="나눔스퀘어 Bold" panose="020B0600000101010101" pitchFamily="50" charset="-127"/>
-                <a:ea typeface="나눔스퀘어 Bold" panose="020B0600000101010101" pitchFamily="50" charset="-127"/>
-              </a:rPr>
-              <a:t>Homework</a:t>
-            </a:r>
-            <a:endParaRPr lang="ko-KR" altLang="en-US" sz="2800" dirty="0">
-              <a:latin typeface="나눔스퀘어 Bold" panose="020B0600000101010101" pitchFamily="50" charset="-127"/>
-              <a:ea typeface="나눔스퀘어 Bold" panose="020B0600000101010101" pitchFamily="50" charset="-127"/>
-            </a:endParaRPr>
-          </a:p>
-        </p:txBody>
-      </p:sp>
-      <p:sp>
-        <p:nvSpPr>
-          <p:cNvPr id="7" name="TextBox 6">
-            <a:extLst>
-              <a:ext uri="{FF2B5EF4-FFF2-40B4-BE49-F238E27FC236}">
-                <a16:creationId xmlns:a16="http://schemas.microsoft.com/office/drawing/2014/main" id="{DD092523-43DA-0A5F-0C04-8239F4BF07FC}"/>
-              </a:ext>
-            </a:extLst>
-          </p:cNvPr>
-          <p:cNvSpPr txBox="1"/>
-          <p:nvPr/>
-        </p:nvSpPr>
-        <p:spPr>
-          <a:xfrm>
-            <a:off x="942387" y="1661364"/>
-            <a:ext cx="8553305" cy="369332"/>
-          </a:xfrm>
-          <a:prstGeom prst="rect">
-            <a:avLst/>
-          </a:prstGeom>
-          <a:noFill/>
-        </p:spPr>
-        <p:txBody>
-          <a:bodyPr wrap="square" rtlCol="0">
-            <a:spAutoFit/>
-          </a:bodyPr>
-          <a:lstStyle/>
-          <a:p>
-            <a:r>
-              <a:rPr lang="en-US" altLang="ko-KR" dirty="0">
-                <a:latin typeface="나눔스퀘어 Light" panose="020B0600000101010101" pitchFamily="50" charset="-127"/>
-                <a:ea typeface="나눔스퀘어 Light" panose="020B0600000101010101" pitchFamily="50" charset="-127"/>
-              </a:rPr>
-              <a:t>1. 1181 </a:t>
-            </a:r>
-            <a:r>
-              <a:rPr lang="ko-KR" altLang="en-US" dirty="0">
-                <a:latin typeface="나눔스퀘어 Light" panose="020B0600000101010101" pitchFamily="50" charset="-127"/>
-                <a:ea typeface="나눔스퀘어 Light" panose="020B0600000101010101" pitchFamily="50" charset="-127"/>
-              </a:rPr>
-              <a:t>단어 정렬</a:t>
-            </a:r>
-          </a:p>
-        </p:txBody>
-      </p:sp>
-      <p:sp>
-        <p:nvSpPr>
-          <p:cNvPr id="8" name="TextBox 7">
-            <a:extLst>
-              <a:ext uri="{FF2B5EF4-FFF2-40B4-BE49-F238E27FC236}">
-                <a16:creationId xmlns:a16="http://schemas.microsoft.com/office/drawing/2014/main" id="{80045CCB-6E92-45F3-05E2-D9718BBAEE86}"/>
-              </a:ext>
-            </a:extLst>
-          </p:cNvPr>
-          <p:cNvSpPr txBox="1"/>
-          <p:nvPr/>
-        </p:nvSpPr>
-        <p:spPr>
-          <a:xfrm>
-            <a:off x="942387" y="2030696"/>
-            <a:ext cx="8553305" cy="369332"/>
-          </a:xfrm>
-          <a:prstGeom prst="rect">
-            <a:avLst/>
-          </a:prstGeom>
-          <a:noFill/>
-        </p:spPr>
-        <p:txBody>
-          <a:bodyPr wrap="square" rtlCol="0">
-            <a:spAutoFit/>
-          </a:bodyPr>
-          <a:lstStyle/>
-          <a:p>
-            <a:r>
-              <a:rPr lang="en-US" altLang="ko-KR" dirty="0">
-                <a:latin typeface="나눔스퀘어 Light" panose="020B0600000101010101" pitchFamily="50" charset="-127"/>
-                <a:ea typeface="나눔스퀘어 Light" panose="020B0600000101010101" pitchFamily="50" charset="-127"/>
-              </a:rPr>
-              <a:t>2. 10814 </a:t>
-            </a:r>
-            <a:r>
-              <a:rPr lang="ko-KR" altLang="en-US" dirty="0" err="1">
-                <a:latin typeface="나눔스퀘어 Light" panose="020B0600000101010101" pitchFamily="50" charset="-127"/>
-                <a:ea typeface="나눔스퀘어 Light" panose="020B0600000101010101" pitchFamily="50" charset="-127"/>
-              </a:rPr>
-              <a:t>나이순</a:t>
-            </a:r>
-            <a:r>
-              <a:rPr lang="ko-KR" altLang="en-US" dirty="0">
-                <a:latin typeface="나눔스퀘어 Light" panose="020B0600000101010101" pitchFamily="50" charset="-127"/>
-                <a:ea typeface="나눔스퀘어 Light" panose="020B0600000101010101" pitchFamily="50" charset="-127"/>
-              </a:rPr>
-              <a:t> 정렬</a:t>
-            </a:r>
-          </a:p>
-        </p:txBody>
-      </p:sp>
-      <p:sp>
-        <p:nvSpPr>
-          <p:cNvPr id="9" name="TextBox 8">
-            <a:extLst>
-              <a:ext uri="{FF2B5EF4-FFF2-40B4-BE49-F238E27FC236}">
-                <a16:creationId xmlns:a16="http://schemas.microsoft.com/office/drawing/2014/main" id="{F3F091EF-3E70-16E8-983D-D9C14C2EAD61}"/>
-              </a:ext>
-            </a:extLst>
-          </p:cNvPr>
-          <p:cNvSpPr txBox="1"/>
-          <p:nvPr/>
-        </p:nvSpPr>
-        <p:spPr>
-          <a:xfrm>
-            <a:off x="942387" y="1190024"/>
-            <a:ext cx="8553305" cy="369332"/>
-          </a:xfrm>
-          <a:prstGeom prst="rect">
-            <a:avLst/>
-          </a:prstGeom>
-          <a:noFill/>
-        </p:spPr>
-        <p:txBody>
-          <a:bodyPr wrap="square" rtlCol="0">
-            <a:spAutoFit/>
-          </a:bodyPr>
-          <a:lstStyle/>
-          <a:p>
-            <a:r>
-              <a:rPr lang="ko-KR" altLang="en-US" dirty="0">
-                <a:latin typeface="나눔스퀘어 Bold" panose="020B0600000101010101" pitchFamily="50" charset="-127"/>
-                <a:ea typeface="나눔스퀘어 Bold" panose="020B0600000101010101" pitchFamily="50" charset="-127"/>
-              </a:rPr>
-              <a:t>아래 문제들에 대해 스스로 생각하고 풀어보세요</a:t>
-            </a:r>
-            <a:r>
-              <a:rPr lang="en-US" altLang="ko-KR" dirty="0">
-                <a:latin typeface="나눔스퀘어 Bold" panose="020B0600000101010101" pitchFamily="50" charset="-127"/>
-                <a:ea typeface="나눔스퀘어 Bold" panose="020B0600000101010101" pitchFamily="50" charset="-127"/>
-              </a:rPr>
-              <a:t>.</a:t>
-            </a:r>
-            <a:r>
-              <a:rPr lang="ko-KR" altLang="en-US" dirty="0">
-                <a:latin typeface="나눔스퀘어 Bold" panose="020B0600000101010101" pitchFamily="50" charset="-127"/>
-                <a:ea typeface="나눔스퀘어 Bold" panose="020B0600000101010101" pitchFamily="50" charset="-127"/>
-              </a:rPr>
-              <a:t> </a:t>
-            </a:r>
-            <a:r>
-              <a:rPr lang="en-US" altLang="ko-KR" dirty="0">
-                <a:latin typeface="나눔스퀘어 Bold" panose="020B0600000101010101" pitchFamily="50" charset="-127"/>
-                <a:ea typeface="나눔스퀘어 Bold" panose="020B0600000101010101" pitchFamily="50" charset="-127"/>
-              </a:rPr>
-              <a:t>(</a:t>
-            </a:r>
-            <a:r>
-              <a:rPr lang="ko-KR" altLang="en-US" dirty="0">
-                <a:latin typeface="나눔스퀘어 Bold" panose="020B0600000101010101" pitchFamily="50" charset="-127"/>
-                <a:ea typeface="나눔스퀘어 Bold" panose="020B0600000101010101" pitchFamily="50" charset="-127"/>
-              </a:rPr>
-              <a:t>해설은 따로 진행하진 않겠습니다</a:t>
-            </a:r>
-            <a:r>
-              <a:rPr lang="en-US" altLang="ko-KR" dirty="0">
-                <a:latin typeface="나눔스퀘어 Bold" panose="020B0600000101010101" pitchFamily="50" charset="-127"/>
-                <a:ea typeface="나눔스퀘어 Bold" panose="020B0600000101010101" pitchFamily="50" charset="-127"/>
-              </a:rPr>
-              <a:t>.)</a:t>
-            </a:r>
-            <a:endParaRPr lang="ko-KR" altLang="en-US" dirty="0">
-              <a:latin typeface="나눔스퀘어 Bold" panose="020B0600000101010101" pitchFamily="50" charset="-127"/>
-              <a:ea typeface="나눔스퀘어 Bold" panose="020B0600000101010101" pitchFamily="50" charset="-127"/>
-            </a:endParaRPr>
-          </a:p>
-        </p:txBody>
-      </p:sp>
-      <p:sp>
-        <p:nvSpPr>
-          <p:cNvPr id="11" name="TextBox 10">
-            <a:extLst>
-              <a:ext uri="{FF2B5EF4-FFF2-40B4-BE49-F238E27FC236}">
-                <a16:creationId xmlns:a16="http://schemas.microsoft.com/office/drawing/2014/main" id="{CDF0922C-4F6F-DB5B-EC8F-F56AF894275F}"/>
-              </a:ext>
-            </a:extLst>
-          </p:cNvPr>
-          <p:cNvSpPr txBox="1"/>
-          <p:nvPr/>
-        </p:nvSpPr>
-        <p:spPr>
-          <a:xfrm>
-            <a:off x="942387" y="5196636"/>
-            <a:ext cx="8553305" cy="369332"/>
-          </a:xfrm>
-          <a:prstGeom prst="rect">
-            <a:avLst/>
-          </a:prstGeom>
-          <a:noFill/>
-        </p:spPr>
-        <p:txBody>
-          <a:bodyPr wrap="square" rtlCol="0">
-            <a:spAutoFit/>
-          </a:bodyPr>
-          <a:lstStyle/>
-          <a:p>
-            <a:r>
-              <a:rPr lang="ko-KR" altLang="en-US" dirty="0">
-                <a:latin typeface="나눔스퀘어 Bold" panose="020B0600000101010101" pitchFamily="50" charset="-127"/>
-                <a:ea typeface="나눔스퀘어 Bold" panose="020B0600000101010101" pitchFamily="50" charset="-127"/>
-              </a:rPr>
-              <a:t>프로그래밍 언어로 피보나치 수를 구하려면 어떻게 해야 할까요</a:t>
-            </a:r>
-            <a:r>
-              <a:rPr lang="en-US" altLang="ko-KR" dirty="0">
-                <a:latin typeface="나눔스퀘어 Bold" panose="020B0600000101010101" pitchFamily="50" charset="-127"/>
-                <a:ea typeface="나눔스퀘어 Bold" panose="020B0600000101010101" pitchFamily="50" charset="-127"/>
-              </a:rPr>
-              <a:t>?</a:t>
-            </a:r>
-            <a:endParaRPr lang="ko-KR" altLang="en-US" dirty="0">
-              <a:latin typeface="나눔스퀘어 Bold" panose="020B0600000101010101" pitchFamily="50" charset="-127"/>
-              <a:ea typeface="나눔스퀘어 Bold" panose="020B0600000101010101" pitchFamily="50" charset="-127"/>
-            </a:endParaRPr>
-          </a:p>
-        </p:txBody>
-      </p:sp>
-      <p:sp>
-        <p:nvSpPr>
-          <p:cNvPr id="12" name="TextBox 11">
-            <a:extLst>
-              <a:ext uri="{FF2B5EF4-FFF2-40B4-BE49-F238E27FC236}">
-                <a16:creationId xmlns:a16="http://schemas.microsoft.com/office/drawing/2014/main" id="{1D90656A-EA8C-C93D-45FA-EC08FF6F6A51}"/>
-              </a:ext>
-            </a:extLst>
-          </p:cNvPr>
-          <p:cNvSpPr txBox="1"/>
-          <p:nvPr/>
-        </p:nvSpPr>
-        <p:spPr>
-          <a:xfrm>
-            <a:off x="942387" y="5716797"/>
-            <a:ext cx="10237694" cy="369332"/>
-          </a:xfrm>
-          <a:prstGeom prst="rect">
-            <a:avLst/>
-          </a:prstGeom>
-          <a:noFill/>
-        </p:spPr>
-        <p:txBody>
-          <a:bodyPr wrap="square" rtlCol="0">
-            <a:spAutoFit/>
-          </a:bodyPr>
-          <a:lstStyle/>
-          <a:p>
-            <a:r>
-              <a:rPr lang="en-US" altLang="ko-KR" dirty="0">
-                <a:latin typeface="나눔스퀘어 Light" panose="020B0600000101010101" pitchFamily="50" charset="-127"/>
-                <a:ea typeface="나눔스퀘어 Light" panose="020B0600000101010101" pitchFamily="50" charset="-127"/>
-              </a:rPr>
-              <a:t>2747 </a:t>
-            </a:r>
-            <a:r>
-              <a:rPr lang="ko-KR" altLang="en-US" dirty="0">
-                <a:latin typeface="나눔스퀘어 Light" panose="020B0600000101010101" pitchFamily="50" charset="-127"/>
-                <a:ea typeface="나눔스퀘어 Light" panose="020B0600000101010101" pitchFamily="50" charset="-127"/>
-              </a:rPr>
-              <a:t>피보나치 수 </a:t>
-            </a:r>
-            <a:r>
-              <a:rPr lang="en-US" altLang="ko-KR" dirty="0">
-                <a:latin typeface="나눔스퀘어 Light" panose="020B0600000101010101" pitchFamily="50" charset="-127"/>
-                <a:ea typeface="나눔스퀘어 Light" panose="020B0600000101010101" pitchFamily="50" charset="-127"/>
-              </a:rPr>
-              <a:t>/ 2748 </a:t>
-            </a:r>
-            <a:r>
-              <a:rPr lang="ko-KR" altLang="en-US" dirty="0">
-                <a:latin typeface="나눔스퀘어 Light" panose="020B0600000101010101" pitchFamily="50" charset="-127"/>
-                <a:ea typeface="나눔스퀘어 Light" panose="020B0600000101010101" pitchFamily="50" charset="-127"/>
-              </a:rPr>
-              <a:t>피보나치 수 </a:t>
-            </a:r>
-            <a:r>
-              <a:rPr lang="en-US" altLang="ko-KR" dirty="0">
-                <a:latin typeface="나눔스퀘어 Light" panose="020B0600000101010101" pitchFamily="50" charset="-127"/>
-                <a:ea typeface="나눔스퀘어 Light" panose="020B0600000101010101" pitchFamily="50" charset="-127"/>
-              </a:rPr>
-              <a:t>2 </a:t>
-            </a:r>
-            <a:r>
-              <a:rPr lang="ko-KR" altLang="en-US" dirty="0">
-                <a:latin typeface="나눔스퀘어 Light" panose="020B0600000101010101" pitchFamily="50" charset="-127"/>
-                <a:ea typeface="나눔스퀘어 Light" panose="020B0600000101010101" pitchFamily="50" charset="-127"/>
-              </a:rPr>
-              <a:t>문제를 풀며 피보나치 수를 구하는 방법을 </a:t>
-            </a:r>
-            <a:r>
-              <a:rPr lang="en-US" altLang="ko-KR" dirty="0">
-                <a:latin typeface="나눔스퀘어 Light" panose="020B0600000101010101" pitchFamily="50" charset="-127"/>
-                <a:ea typeface="나눔스퀘어 Light" panose="020B0600000101010101" pitchFamily="50" charset="-127"/>
-              </a:rPr>
-              <a:t>(</a:t>
-            </a:r>
-            <a:r>
-              <a:rPr lang="ko-KR" altLang="en-US" dirty="0">
-                <a:latin typeface="나눔스퀘어 Light" panose="020B0600000101010101" pitchFamily="50" charset="-127"/>
-                <a:ea typeface="나눔스퀘어 Light" panose="020B0600000101010101" pitchFamily="50" charset="-127"/>
-              </a:rPr>
-              <a:t>슈도</a:t>
-            </a:r>
-            <a:r>
-              <a:rPr lang="en-US" altLang="ko-KR" dirty="0">
-                <a:latin typeface="나눔스퀘어 Light" panose="020B0600000101010101" pitchFamily="50" charset="-127"/>
-                <a:ea typeface="나눔스퀘어 Light" panose="020B0600000101010101" pitchFamily="50" charset="-127"/>
-              </a:rPr>
-              <a:t>) </a:t>
-            </a:r>
-            <a:r>
-              <a:rPr lang="ko-KR" altLang="en-US" dirty="0">
-                <a:latin typeface="나눔스퀘어 Light" panose="020B0600000101010101" pitchFamily="50" charset="-127"/>
-                <a:ea typeface="나눔스퀘어 Light" panose="020B0600000101010101" pitchFamily="50" charset="-127"/>
-              </a:rPr>
-              <a:t>코드로 </a:t>
-            </a:r>
-          </a:p>
-        </p:txBody>
-      </p:sp>
-      <p:sp>
-        <p:nvSpPr>
-          <p:cNvPr id="2" name="TextBox 1">
-            <a:extLst>
-              <a:ext uri="{FF2B5EF4-FFF2-40B4-BE49-F238E27FC236}">
-                <a16:creationId xmlns:a16="http://schemas.microsoft.com/office/drawing/2014/main" id="{807C3CD1-8E1B-427F-230D-9C7C2837C1F2}"/>
-              </a:ext>
-            </a:extLst>
-          </p:cNvPr>
-          <p:cNvSpPr txBox="1"/>
-          <p:nvPr/>
-        </p:nvSpPr>
-        <p:spPr>
-          <a:xfrm>
-            <a:off x="942387" y="2400024"/>
-            <a:ext cx="8553305" cy="369332"/>
-          </a:xfrm>
-          <a:prstGeom prst="rect">
-            <a:avLst/>
-          </a:prstGeom>
-          <a:noFill/>
-        </p:spPr>
-        <p:txBody>
-          <a:bodyPr wrap="square" rtlCol="0">
-            <a:spAutoFit/>
-          </a:bodyPr>
-          <a:lstStyle/>
-          <a:p>
-            <a:r>
-              <a:rPr lang="en-US" altLang="ko-KR" dirty="0">
-                <a:latin typeface="나눔스퀘어 Light" panose="020B0600000101010101" pitchFamily="50" charset="-127"/>
-                <a:ea typeface="나눔스퀘어 Light" panose="020B0600000101010101" pitchFamily="50" charset="-127"/>
-              </a:rPr>
-              <a:t>3. 2776 </a:t>
-            </a:r>
-            <a:r>
-              <a:rPr lang="ko-KR" altLang="en-US" dirty="0" err="1">
-                <a:latin typeface="나눔스퀘어 Light" panose="020B0600000101010101" pitchFamily="50" charset="-127"/>
-                <a:ea typeface="나눔스퀘어 Light" panose="020B0600000101010101" pitchFamily="50" charset="-127"/>
-              </a:rPr>
-              <a:t>암기왕</a:t>
-            </a:r>
-            <a:endParaRPr lang="ko-KR" altLang="en-US" dirty="0">
-              <a:latin typeface="나눔스퀘어 Light" panose="020B0600000101010101" pitchFamily="50" charset="-127"/>
-              <a:ea typeface="나눔스퀘어 Light" panose="020B0600000101010101" pitchFamily="50" charset="-127"/>
-            </a:endParaRPr>
-          </a:p>
-        </p:txBody>
-      </p:sp>
-      <p:sp>
-        <p:nvSpPr>
-          <p:cNvPr id="10" name="TextBox 9">
-            <a:extLst>
-              <a:ext uri="{FF2B5EF4-FFF2-40B4-BE49-F238E27FC236}">
-                <a16:creationId xmlns:a16="http://schemas.microsoft.com/office/drawing/2014/main" id="{C572282D-23DE-9D59-D1DB-6011A80C631D}"/>
-              </a:ext>
-            </a:extLst>
-          </p:cNvPr>
-          <p:cNvSpPr txBox="1"/>
-          <p:nvPr/>
-        </p:nvSpPr>
-        <p:spPr>
-          <a:xfrm>
-            <a:off x="942387" y="6086129"/>
-            <a:ext cx="8553305" cy="369332"/>
-          </a:xfrm>
-          <a:prstGeom prst="rect">
-            <a:avLst/>
-          </a:prstGeom>
-          <a:noFill/>
-        </p:spPr>
-        <p:txBody>
-          <a:bodyPr wrap="square" rtlCol="0">
-            <a:spAutoFit/>
-          </a:bodyPr>
-          <a:lstStyle/>
-          <a:p>
-            <a:r>
-              <a:rPr lang="ko-KR" altLang="en-US" dirty="0">
-                <a:latin typeface="나눔스퀘어 Light" panose="020B0600000101010101" pitchFamily="50" charset="-127"/>
-                <a:ea typeface="나눔스퀘어 Light" panose="020B0600000101010101" pitchFamily="50" charset="-127"/>
-              </a:rPr>
-              <a:t>작성해 보시고</a:t>
-            </a:r>
-            <a:r>
-              <a:rPr lang="en-US" altLang="ko-KR" dirty="0">
-                <a:latin typeface="나눔스퀘어 Light" panose="020B0600000101010101" pitchFamily="50" charset="-127"/>
-                <a:ea typeface="나눔스퀘어 Light" panose="020B0600000101010101" pitchFamily="50" charset="-127"/>
-              </a:rPr>
-              <a:t>, </a:t>
-            </a:r>
-            <a:r>
-              <a:rPr lang="ko-KR" altLang="en-US" dirty="0">
-                <a:latin typeface="나눔스퀘어 Light" panose="020B0600000101010101" pitchFamily="50" charset="-127"/>
-                <a:ea typeface="나눔스퀘어 Light" panose="020B0600000101010101" pitchFamily="50" charset="-127"/>
-              </a:rPr>
-              <a:t>효율적인 방법에 대해서 고민해보세요</a:t>
-            </a:r>
-            <a:r>
-              <a:rPr lang="en-US" altLang="ko-KR" dirty="0">
-                <a:latin typeface="나눔스퀘어 Light" panose="020B0600000101010101" pitchFamily="50" charset="-127"/>
-                <a:ea typeface="나눔스퀘어 Light" panose="020B0600000101010101" pitchFamily="50" charset="-127"/>
-              </a:rPr>
-              <a:t>.</a:t>
-            </a:r>
-            <a:endParaRPr lang="ko-KR" altLang="en-US" dirty="0">
-              <a:latin typeface="나눔스퀘어 Light" panose="020B0600000101010101" pitchFamily="50" charset="-127"/>
-              <a:ea typeface="나눔스퀘어 Light" panose="020B0600000101010101" pitchFamily="50" charset="-127"/>
-            </a:endParaRPr>
-          </a:p>
-        </p:txBody>
-      </p:sp>
-      <p:sp>
-        <p:nvSpPr>
-          <p:cNvPr id="4" name="TextBox 3">
-            <a:extLst>
-              <a:ext uri="{FF2B5EF4-FFF2-40B4-BE49-F238E27FC236}">
-                <a16:creationId xmlns:a16="http://schemas.microsoft.com/office/drawing/2014/main" id="{1FFB0E97-045D-CAE2-D4D4-F6AFF27F568B}"/>
-              </a:ext>
-            </a:extLst>
-          </p:cNvPr>
-          <p:cNvSpPr txBox="1"/>
-          <p:nvPr/>
-        </p:nvSpPr>
-        <p:spPr>
-          <a:xfrm>
-            <a:off x="942387" y="2775391"/>
-            <a:ext cx="8553305" cy="369332"/>
-          </a:xfrm>
-          <a:prstGeom prst="rect">
-            <a:avLst/>
-          </a:prstGeom>
-          <a:noFill/>
-        </p:spPr>
-        <p:txBody>
-          <a:bodyPr wrap="square" rtlCol="0">
-            <a:spAutoFit/>
-          </a:bodyPr>
-          <a:lstStyle/>
-          <a:p>
-            <a:r>
-              <a:rPr lang="en-US" altLang="ko-KR" dirty="0">
-                <a:latin typeface="나눔스퀘어 Light" panose="020B0600000101010101" pitchFamily="50" charset="-127"/>
-                <a:ea typeface="나눔스퀘어 Light" panose="020B0600000101010101" pitchFamily="50" charset="-127"/>
-              </a:rPr>
-              <a:t>4. 11656 </a:t>
-            </a:r>
-            <a:r>
-              <a:rPr lang="ko-KR" altLang="en-US" dirty="0">
-                <a:latin typeface="나눔스퀘어 Light" panose="020B0600000101010101" pitchFamily="50" charset="-127"/>
-                <a:ea typeface="나눔스퀘어 Light" panose="020B0600000101010101" pitchFamily="50" charset="-127"/>
-              </a:rPr>
-              <a:t>접미사 배열</a:t>
-            </a:r>
-          </a:p>
-        </p:txBody>
-      </p:sp>
-    </p:spTree>
-    <p:extLst>
-      <p:ext uri="{BB962C8B-B14F-4D97-AF65-F5344CB8AC3E}">
-        <p14:creationId xmlns:p14="http://schemas.microsoft.com/office/powerpoint/2010/main" val="732558497"/>
       </p:ext>
     </p:extLst>
   </p:cSld>

--- a/study/5_Dynamic Programming.pptx
+++ b/study/5_Dynamic Programming.pptx
@@ -280,7 +280,7 @@
           <a:p>
             <a:fld id="{33C37291-AA83-40C0-9297-8F7F3693F6CC}" type="datetimeFigureOut">
               <a:rPr lang="ko-KR" altLang="en-US" smtClean="0"/>
-              <a:t>2022-09-03</a:t>
+              <a:t>2022-09-04</a:t>
             </a:fld>
             <a:endParaRPr lang="ko-KR" altLang="en-US"/>
           </a:p>
@@ -478,7 +478,7 @@
           <a:p>
             <a:fld id="{33C37291-AA83-40C0-9297-8F7F3693F6CC}" type="datetimeFigureOut">
               <a:rPr lang="ko-KR" altLang="en-US" smtClean="0"/>
-              <a:t>2022-09-03</a:t>
+              <a:t>2022-09-04</a:t>
             </a:fld>
             <a:endParaRPr lang="ko-KR" altLang="en-US"/>
           </a:p>
@@ -686,7 +686,7 @@
           <a:p>
             <a:fld id="{33C37291-AA83-40C0-9297-8F7F3693F6CC}" type="datetimeFigureOut">
               <a:rPr lang="ko-KR" altLang="en-US" smtClean="0"/>
-              <a:t>2022-09-03</a:t>
+              <a:t>2022-09-04</a:t>
             </a:fld>
             <a:endParaRPr lang="ko-KR" altLang="en-US"/>
           </a:p>
@@ -884,7 +884,7 @@
           <a:p>
             <a:fld id="{33C37291-AA83-40C0-9297-8F7F3693F6CC}" type="datetimeFigureOut">
               <a:rPr lang="ko-KR" altLang="en-US" smtClean="0"/>
-              <a:t>2022-09-03</a:t>
+              <a:t>2022-09-04</a:t>
             </a:fld>
             <a:endParaRPr lang="ko-KR" altLang="en-US"/>
           </a:p>
@@ -1159,7 +1159,7 @@
           <a:p>
             <a:fld id="{33C37291-AA83-40C0-9297-8F7F3693F6CC}" type="datetimeFigureOut">
               <a:rPr lang="ko-KR" altLang="en-US" smtClean="0"/>
-              <a:t>2022-09-03</a:t>
+              <a:t>2022-09-04</a:t>
             </a:fld>
             <a:endParaRPr lang="ko-KR" altLang="en-US"/>
           </a:p>
@@ -1424,7 +1424,7 @@
           <a:p>
             <a:fld id="{33C37291-AA83-40C0-9297-8F7F3693F6CC}" type="datetimeFigureOut">
               <a:rPr lang="ko-KR" altLang="en-US" smtClean="0"/>
-              <a:t>2022-09-03</a:t>
+              <a:t>2022-09-04</a:t>
             </a:fld>
             <a:endParaRPr lang="ko-KR" altLang="en-US"/>
           </a:p>
@@ -1836,7 +1836,7 @@
           <a:p>
             <a:fld id="{33C37291-AA83-40C0-9297-8F7F3693F6CC}" type="datetimeFigureOut">
               <a:rPr lang="ko-KR" altLang="en-US" smtClean="0"/>
-              <a:t>2022-09-03</a:t>
+              <a:t>2022-09-04</a:t>
             </a:fld>
             <a:endParaRPr lang="ko-KR" altLang="en-US"/>
           </a:p>
@@ -1977,7 +1977,7 @@
           <a:p>
             <a:fld id="{33C37291-AA83-40C0-9297-8F7F3693F6CC}" type="datetimeFigureOut">
               <a:rPr lang="ko-KR" altLang="en-US" smtClean="0"/>
-              <a:t>2022-09-03</a:t>
+              <a:t>2022-09-04</a:t>
             </a:fld>
             <a:endParaRPr lang="ko-KR" altLang="en-US"/>
           </a:p>
@@ -2090,7 +2090,7 @@
           <a:p>
             <a:fld id="{33C37291-AA83-40C0-9297-8F7F3693F6CC}" type="datetimeFigureOut">
               <a:rPr lang="ko-KR" altLang="en-US" smtClean="0"/>
-              <a:t>2022-09-03</a:t>
+              <a:t>2022-09-04</a:t>
             </a:fld>
             <a:endParaRPr lang="ko-KR" altLang="en-US"/>
           </a:p>
@@ -2401,7 +2401,7 @@
           <a:p>
             <a:fld id="{33C37291-AA83-40C0-9297-8F7F3693F6CC}" type="datetimeFigureOut">
               <a:rPr lang="ko-KR" altLang="en-US" smtClean="0"/>
-              <a:t>2022-09-03</a:t>
+              <a:t>2022-09-04</a:t>
             </a:fld>
             <a:endParaRPr lang="ko-KR" altLang="en-US"/>
           </a:p>
@@ -2689,7 +2689,7 @@
           <a:p>
             <a:fld id="{33C37291-AA83-40C0-9297-8F7F3693F6CC}" type="datetimeFigureOut">
               <a:rPr lang="ko-KR" altLang="en-US" smtClean="0"/>
-              <a:t>2022-09-03</a:t>
+              <a:t>2022-09-04</a:t>
             </a:fld>
             <a:endParaRPr lang="ko-KR" altLang="en-US"/>
           </a:p>
@@ -2930,7 +2930,7 @@
           <a:p>
             <a:fld id="{33C37291-AA83-40C0-9297-8F7F3693F6CC}" type="datetimeFigureOut">
               <a:rPr lang="ko-KR" altLang="en-US" smtClean="0"/>
-              <a:t>2022-09-03</a:t>
+              <a:t>2022-09-04</a:t>
             </a:fld>
             <a:endParaRPr lang="ko-KR" altLang="en-US"/>
           </a:p>
@@ -4888,6 +4888,194 @@
           </a:p>
         </p:txBody>
       </p:sp>
+      <p:sp>
+        <p:nvSpPr>
+          <p:cNvPr id="2" name="TextBox 1">
+            <a:extLst>
+              <a:ext uri="{FF2B5EF4-FFF2-40B4-BE49-F238E27FC236}">
+                <a16:creationId xmlns:a16="http://schemas.microsoft.com/office/drawing/2014/main" id="{32B3D4D7-BE0A-1943-4D28-AB0484694F34}"/>
+              </a:ext>
+            </a:extLst>
+          </p:cNvPr>
+          <p:cNvSpPr txBox="1"/>
+          <p:nvPr/>
+        </p:nvSpPr>
+        <p:spPr>
+          <a:xfrm>
+            <a:off x="3783977" y="4486702"/>
+            <a:ext cx="7396104" cy="369332"/>
+          </a:xfrm>
+          <a:prstGeom prst="rect">
+            <a:avLst/>
+          </a:prstGeom>
+          <a:noFill/>
+        </p:spPr>
+        <p:txBody>
+          <a:bodyPr wrap="square" rtlCol="0">
+            <a:spAutoFit/>
+          </a:bodyPr>
+          <a:lstStyle/>
+          <a:p>
+            <a:r>
+              <a:rPr lang="ko-KR" altLang="en-US" dirty="0">
+                <a:latin typeface="나눔스퀘어 Light" panose="020B0600000101010101" pitchFamily="50" charset="-127"/>
+                <a:ea typeface="나눔스퀘어 Light" panose="020B0600000101010101" pitchFamily="50" charset="-127"/>
+              </a:rPr>
+              <a:t>그림에서 직사각형의 둘레를 구하는 방법은</a:t>
+            </a:r>
+          </a:p>
+        </p:txBody>
+      </p:sp>
+      <mc:AlternateContent xmlns:mc="http://schemas.openxmlformats.org/markup-compatibility/2006">
+        <mc:Choice xmlns:a14="http://schemas.microsoft.com/office/drawing/2010/main" Requires="a14">
+          <p:sp>
+            <p:nvSpPr>
+              <p:cNvPr id="3" name="TextBox 2">
+                <a:extLst>
+                  <a:ext uri="{FF2B5EF4-FFF2-40B4-BE49-F238E27FC236}">
+                    <a16:creationId xmlns:a16="http://schemas.microsoft.com/office/drawing/2014/main" id="{47D3E208-8EBB-ED7F-2E19-5E561AD26C61}"/>
+                  </a:ext>
+                </a:extLst>
+              </p:cNvPr>
+              <p:cNvSpPr txBox="1"/>
+              <p:nvPr/>
+            </p:nvSpPr>
+            <p:spPr>
+              <a:xfrm>
+                <a:off x="3783977" y="4856034"/>
+                <a:ext cx="7396104" cy="369332"/>
+              </a:xfrm>
+              <a:prstGeom prst="rect">
+                <a:avLst/>
+              </a:prstGeom>
+              <a:noFill/>
+            </p:spPr>
+            <p:txBody>
+              <a:bodyPr wrap="square" rtlCol="0">
+                <a:spAutoFit/>
+              </a:bodyPr>
+              <a:lstStyle/>
+              <a:p>
+                <a14:m>
+                  <m:oMath xmlns:m="http://schemas.openxmlformats.org/officeDocument/2006/math">
+                    <m:r>
+                      <a:rPr lang="en-US" altLang="ko-KR" b="0" i="1" smtClean="0">
+                        <a:latin typeface="Cambria Math" panose="02040503050406030204" pitchFamily="18" charset="0"/>
+                        <a:ea typeface="나눔스퀘어 Light" panose="020B0600000101010101" pitchFamily="50" charset="-127"/>
+                      </a:rPr>
+                      <m:t>2</m:t>
+                    </m:r>
+                    <m:r>
+                      <a:rPr lang="en-US" altLang="ko-KR" b="0" i="1" smtClean="0">
+                        <a:latin typeface="Cambria Math" panose="02040503050406030204" pitchFamily="18" charset="0"/>
+                        <a:ea typeface="나눔스퀘어 Light" panose="020B0600000101010101" pitchFamily="50" charset="-127"/>
+                      </a:rPr>
+                      <m:t>𝑎</m:t>
+                    </m:r>
+                    <m:r>
+                      <a:rPr lang="en-US" altLang="ko-KR" b="0" i="1" smtClean="0">
+                        <a:latin typeface="Cambria Math" panose="02040503050406030204" pitchFamily="18" charset="0"/>
+                        <a:ea typeface="나눔스퀘어 Light" panose="020B0600000101010101" pitchFamily="50" charset="-127"/>
+                      </a:rPr>
+                      <m:t>+2(</m:t>
+                    </m:r>
+                    <m:r>
+                      <a:rPr lang="en-US" altLang="ko-KR" b="0" i="1" smtClean="0">
+                        <a:latin typeface="Cambria Math" panose="02040503050406030204" pitchFamily="18" charset="0"/>
+                        <a:ea typeface="나눔스퀘어 Light" panose="020B0600000101010101" pitchFamily="50" charset="-127"/>
+                      </a:rPr>
+                      <m:t>𝑎</m:t>
+                    </m:r>
+                    <m:r>
+                      <a:rPr lang="en-US" altLang="ko-KR" b="0" i="1" smtClean="0">
+                        <a:latin typeface="Cambria Math" panose="02040503050406030204" pitchFamily="18" charset="0"/>
+                        <a:ea typeface="나눔스퀘어 Light" panose="020B0600000101010101" pitchFamily="50" charset="-127"/>
+                      </a:rPr>
+                      <m:t>+</m:t>
+                    </m:r>
+                    <m:r>
+                      <a:rPr lang="en-US" altLang="ko-KR" b="0" i="1" smtClean="0">
+                        <a:latin typeface="Cambria Math" panose="02040503050406030204" pitchFamily="18" charset="0"/>
+                        <a:ea typeface="나눔스퀘어 Light" panose="020B0600000101010101" pitchFamily="50" charset="-127"/>
+                      </a:rPr>
+                      <m:t>𝑏</m:t>
+                    </m:r>
+                    <m:r>
+                      <a:rPr lang="en-US" altLang="ko-KR" b="0" i="1" smtClean="0">
+                        <a:latin typeface="Cambria Math" panose="02040503050406030204" pitchFamily="18" charset="0"/>
+                        <a:ea typeface="나눔스퀘어 Light" panose="020B0600000101010101" pitchFamily="50" charset="-127"/>
+                      </a:rPr>
+                      <m:t>)</m:t>
+                    </m:r>
+                  </m:oMath>
+                </a14:m>
+                <a:r>
+                  <a:rPr lang="ko-KR" altLang="en-US" dirty="0">
+                    <a:latin typeface="나눔스퀘어 Light" panose="020B0600000101010101" pitchFamily="50" charset="-127"/>
+                    <a:ea typeface="나눔스퀘어 Light" panose="020B0600000101010101" pitchFamily="50" charset="-127"/>
+                  </a:rPr>
+                  <a:t> 겠네요</a:t>
+                </a:r>
+                <a:r>
+                  <a:rPr lang="en-US" altLang="ko-KR" dirty="0">
+                    <a:latin typeface="나눔스퀘어 Light" panose="020B0600000101010101" pitchFamily="50" charset="-127"/>
+                    <a:ea typeface="나눔스퀘어 Light" panose="020B0600000101010101" pitchFamily="50" charset="-127"/>
+                  </a:rPr>
+                  <a:t>.</a:t>
+                </a:r>
+                <a:endParaRPr lang="ko-KR" altLang="en-US" dirty="0">
+                  <a:latin typeface="나눔스퀘어 Light" panose="020B0600000101010101" pitchFamily="50" charset="-127"/>
+                  <a:ea typeface="나눔스퀘어 Light" panose="020B0600000101010101" pitchFamily="50" charset="-127"/>
+                </a:endParaRPr>
+              </a:p>
+            </p:txBody>
+          </p:sp>
+        </mc:Choice>
+        <mc:Fallback>
+          <p:sp>
+            <p:nvSpPr>
+              <p:cNvPr id="3" name="TextBox 2">
+                <a:extLst>
+                  <a:ext uri="{FF2B5EF4-FFF2-40B4-BE49-F238E27FC236}">
+                    <a16:creationId xmlns:a16="http://schemas.microsoft.com/office/drawing/2014/main" id="{47D3E208-8EBB-ED7F-2E19-5E561AD26C61}"/>
+                  </a:ext>
+                </a:extLst>
+              </p:cNvPr>
+              <p:cNvSpPr txBox="1">
+                <a:spLocks noRot="1" noChangeAspect="1" noMove="1" noResize="1" noEditPoints="1" noAdjustHandles="1" noChangeArrowheads="1" noChangeShapeType="1" noTextEdit="1"/>
+              </p:cNvSpPr>
+              <p:nvPr/>
+            </p:nvSpPr>
+            <p:spPr>
+              <a:xfrm>
+                <a:off x="3783977" y="4856034"/>
+                <a:ext cx="7396104" cy="369332"/>
+              </a:xfrm>
+              <a:prstGeom prst="rect">
+                <a:avLst/>
+              </a:prstGeom>
+              <a:blipFill>
+                <a:blip r:embed="rId4"/>
+                <a:stretch>
+                  <a:fillRect t="-8333" b="-28333"/>
+                </a:stretch>
+              </a:blipFill>
+            </p:spPr>
+            <p:txBody>
+              <a:bodyPr/>
+              <a:lstStyle/>
+              <a:p>
+                <a:r>
+                  <a:rPr lang="ko-KR" altLang="en-US">
+                    <a:noFill/>
+                  </a:rPr>
+                  <a:t> </a:t>
+                </a:r>
+              </a:p>
+            </p:txBody>
+          </p:sp>
+        </mc:Fallback>
+      </mc:AlternateContent>
     </p:spTree>
     <p:extLst>
       <p:ext uri="{BB962C8B-B14F-4D97-AF65-F5344CB8AC3E}">
@@ -5007,6 +5195,238 @@
           </a:p>
         </p:txBody>
       </p:sp>
+      <p:sp>
+        <p:nvSpPr>
+          <p:cNvPr id="3" name="TextBox 2">
+            <a:extLst>
+              <a:ext uri="{FF2B5EF4-FFF2-40B4-BE49-F238E27FC236}">
+                <a16:creationId xmlns:a16="http://schemas.microsoft.com/office/drawing/2014/main" id="{22A4B75B-A2B7-A209-F464-5FE2F51DF74F}"/>
+              </a:ext>
+            </a:extLst>
+          </p:cNvPr>
+          <p:cNvSpPr txBox="1"/>
+          <p:nvPr/>
+        </p:nvSpPr>
+        <p:spPr>
+          <a:xfrm>
+            <a:off x="942387" y="1190024"/>
+            <a:ext cx="10237694" cy="369332"/>
+          </a:xfrm>
+          <a:prstGeom prst="rect">
+            <a:avLst/>
+          </a:prstGeom>
+          <a:noFill/>
+        </p:spPr>
+        <p:txBody>
+          <a:bodyPr wrap="square" rtlCol="0">
+            <a:spAutoFit/>
+          </a:bodyPr>
+          <a:lstStyle/>
+          <a:p>
+            <a:r>
+              <a:rPr lang="ko-KR" altLang="en-US" dirty="0">
+                <a:latin typeface="나눔스퀘어 Light" panose="020B0600000101010101" pitchFamily="50" charset="-127"/>
+                <a:ea typeface="나눔스퀘어 Light" panose="020B0600000101010101" pitchFamily="50" charset="-127"/>
+              </a:rPr>
+              <a:t>피보나치 항을 구하듯이 각 항을 구하고</a:t>
+            </a:r>
+            <a:r>
+              <a:rPr lang="en-US" altLang="ko-KR" dirty="0">
+                <a:latin typeface="나눔스퀘어 Light" panose="020B0600000101010101" pitchFamily="50" charset="-127"/>
+                <a:ea typeface="나눔스퀘어 Light" panose="020B0600000101010101" pitchFamily="50" charset="-127"/>
+              </a:rPr>
+              <a:t>, N == 1</a:t>
+            </a:r>
+            <a:r>
+              <a:rPr lang="ko-KR" altLang="en-US" dirty="0">
+                <a:latin typeface="나눔스퀘어 Light" panose="020B0600000101010101" pitchFamily="50" charset="-127"/>
+                <a:ea typeface="나눔스퀘어 Light" panose="020B0600000101010101" pitchFamily="50" charset="-127"/>
+              </a:rPr>
+              <a:t>인 경우를 제외하면</a:t>
+            </a:r>
+          </a:p>
+        </p:txBody>
+      </p:sp>
+      <mc:AlternateContent xmlns:mc="http://schemas.openxmlformats.org/markup-compatibility/2006">
+        <mc:Choice xmlns:a14="http://schemas.microsoft.com/office/drawing/2010/main" Requires="a14">
+          <p:sp>
+            <p:nvSpPr>
+              <p:cNvPr id="4" name="TextBox 3">
+                <a:extLst>
+                  <a:ext uri="{FF2B5EF4-FFF2-40B4-BE49-F238E27FC236}">
+                    <a16:creationId xmlns:a16="http://schemas.microsoft.com/office/drawing/2014/main" id="{33CC27CF-1A12-FC9B-8E8D-A469B140FFA8}"/>
+                  </a:ext>
+                </a:extLst>
+              </p:cNvPr>
+              <p:cNvSpPr txBox="1"/>
+              <p:nvPr/>
+            </p:nvSpPr>
+            <p:spPr>
+              <a:xfrm>
+                <a:off x="942387" y="1559356"/>
+                <a:ext cx="10237694" cy="369332"/>
+              </a:xfrm>
+              <a:prstGeom prst="rect">
+                <a:avLst/>
+              </a:prstGeom>
+              <a:noFill/>
+            </p:spPr>
+            <p:txBody>
+              <a:bodyPr wrap="square" rtlCol="0">
+                <a:spAutoFit/>
+              </a:bodyPr>
+              <a:lstStyle/>
+              <a:p>
+                <a14:m>
+                  <m:oMath xmlns:m="http://schemas.openxmlformats.org/officeDocument/2006/math">
+                    <m:r>
+                      <a:rPr lang="en-US" altLang="ko-KR" b="0" i="1" smtClean="0">
+                        <a:latin typeface="Cambria Math" panose="02040503050406030204" pitchFamily="18" charset="0"/>
+                        <a:ea typeface="나눔스퀘어 Light" panose="020B0600000101010101" pitchFamily="50" charset="-127"/>
+                      </a:rPr>
+                      <m:t>2</m:t>
+                    </m:r>
+                    <m:r>
+                      <a:rPr lang="en-US" altLang="ko-KR" b="0" i="1" smtClean="0">
+                        <a:latin typeface="Cambria Math" panose="02040503050406030204" pitchFamily="18" charset="0"/>
+                        <a:ea typeface="나눔스퀘어 Light" panose="020B0600000101010101" pitchFamily="50" charset="-127"/>
+                      </a:rPr>
+                      <m:t>𝑎</m:t>
+                    </m:r>
+                    <m:r>
+                      <a:rPr lang="en-US" altLang="ko-KR" b="0" i="1" smtClean="0">
+                        <a:latin typeface="Cambria Math" panose="02040503050406030204" pitchFamily="18" charset="0"/>
+                        <a:ea typeface="나눔스퀘어 Light" panose="020B0600000101010101" pitchFamily="50" charset="-127"/>
+                      </a:rPr>
+                      <m:t>+2(</m:t>
+                    </m:r>
+                    <m:r>
+                      <a:rPr lang="en-US" altLang="ko-KR" b="0" i="1" smtClean="0">
+                        <a:latin typeface="Cambria Math" panose="02040503050406030204" pitchFamily="18" charset="0"/>
+                        <a:ea typeface="나눔스퀘어 Light" panose="020B0600000101010101" pitchFamily="50" charset="-127"/>
+                      </a:rPr>
+                      <m:t>𝑎</m:t>
+                    </m:r>
+                    <m:r>
+                      <a:rPr lang="en-US" altLang="ko-KR" b="0" i="1" smtClean="0">
+                        <a:latin typeface="Cambria Math" panose="02040503050406030204" pitchFamily="18" charset="0"/>
+                        <a:ea typeface="나눔스퀘어 Light" panose="020B0600000101010101" pitchFamily="50" charset="-127"/>
+                      </a:rPr>
+                      <m:t>+</m:t>
+                    </m:r>
+                    <m:r>
+                      <a:rPr lang="en-US" altLang="ko-KR" b="0" i="1" smtClean="0">
+                        <a:latin typeface="Cambria Math" panose="02040503050406030204" pitchFamily="18" charset="0"/>
+                        <a:ea typeface="나눔스퀘어 Light" panose="020B0600000101010101" pitchFamily="50" charset="-127"/>
+                      </a:rPr>
+                      <m:t>𝑏</m:t>
+                    </m:r>
+                    <m:r>
+                      <a:rPr lang="en-US" altLang="ko-KR" b="0" i="1" smtClean="0">
+                        <a:latin typeface="Cambria Math" panose="02040503050406030204" pitchFamily="18" charset="0"/>
+                        <a:ea typeface="나눔스퀘어 Light" panose="020B0600000101010101" pitchFamily="50" charset="-127"/>
+                      </a:rPr>
+                      <m:t>)</m:t>
+                    </m:r>
+                  </m:oMath>
+                </a14:m>
+                <a:r>
+                  <a:rPr lang="ko-KR" altLang="en-US" dirty="0">
+                    <a:latin typeface="나눔스퀘어 Light" panose="020B0600000101010101" pitchFamily="50" charset="-127"/>
+                    <a:ea typeface="나눔스퀘어 Light" panose="020B0600000101010101" pitchFamily="50" charset="-127"/>
+                  </a:rPr>
+                  <a:t> 로 둘레를 구할 수 있습니다</a:t>
+                </a:r>
+                <a:r>
+                  <a:rPr lang="en-US" altLang="ko-KR" dirty="0">
+                    <a:latin typeface="나눔스퀘어 Light" panose="020B0600000101010101" pitchFamily="50" charset="-127"/>
+                    <a:ea typeface="나눔스퀘어 Light" panose="020B0600000101010101" pitchFamily="50" charset="-127"/>
+                  </a:rPr>
+                  <a:t>.</a:t>
+                </a:r>
+                <a:endParaRPr lang="ko-KR" altLang="en-US" dirty="0">
+                  <a:latin typeface="나눔스퀘어 Light" panose="020B0600000101010101" pitchFamily="50" charset="-127"/>
+                  <a:ea typeface="나눔스퀘어 Light" panose="020B0600000101010101" pitchFamily="50" charset="-127"/>
+                </a:endParaRPr>
+              </a:p>
+            </p:txBody>
+          </p:sp>
+        </mc:Choice>
+        <mc:Fallback>
+          <p:sp>
+            <p:nvSpPr>
+              <p:cNvPr id="4" name="TextBox 3">
+                <a:extLst>
+                  <a:ext uri="{FF2B5EF4-FFF2-40B4-BE49-F238E27FC236}">
+                    <a16:creationId xmlns:a16="http://schemas.microsoft.com/office/drawing/2014/main" id="{33CC27CF-1A12-FC9B-8E8D-A469B140FFA8}"/>
+                  </a:ext>
+                </a:extLst>
+              </p:cNvPr>
+              <p:cNvSpPr txBox="1">
+                <a:spLocks noRot="1" noChangeAspect="1" noMove="1" noResize="1" noEditPoints="1" noAdjustHandles="1" noChangeArrowheads="1" noChangeShapeType="1" noTextEdit="1"/>
+              </p:cNvSpPr>
+              <p:nvPr/>
+            </p:nvSpPr>
+            <p:spPr>
+              <a:xfrm>
+                <a:off x="942387" y="1559356"/>
+                <a:ext cx="10237694" cy="369332"/>
+              </a:xfrm>
+              <a:prstGeom prst="rect">
+                <a:avLst/>
+              </a:prstGeom>
+              <a:blipFill>
+                <a:blip r:embed="rId2"/>
+                <a:stretch>
+                  <a:fillRect t="-8333" b="-28333"/>
+                </a:stretch>
+              </a:blipFill>
+            </p:spPr>
+            <p:txBody>
+              <a:bodyPr/>
+              <a:lstStyle/>
+              <a:p>
+                <a:r>
+                  <a:rPr lang="ko-KR" altLang="en-US">
+                    <a:noFill/>
+                  </a:rPr>
+                  <a:t> </a:t>
+                </a:r>
+              </a:p>
+            </p:txBody>
+          </p:sp>
+        </mc:Fallback>
+      </mc:AlternateContent>
+      <p:pic>
+        <p:nvPicPr>
+          <p:cNvPr id="7" name="그림 6">
+            <a:extLst>
+              <a:ext uri="{FF2B5EF4-FFF2-40B4-BE49-F238E27FC236}">
+                <a16:creationId xmlns:a16="http://schemas.microsoft.com/office/drawing/2014/main" id="{5B2E7E5A-54C0-E946-B87B-F5A471A08C98}"/>
+              </a:ext>
+            </a:extLst>
+          </p:cNvPr>
+          <p:cNvPicPr>
+            <a:picLocks noChangeAspect="1"/>
+          </p:cNvPicPr>
+          <p:nvPr/>
+        </p:nvPicPr>
+        <p:blipFill>
+          <a:blip r:embed="rId3"/>
+          <a:stretch>
+            <a:fillRect/>
+          </a:stretch>
+        </p:blipFill>
+        <p:spPr>
+          <a:xfrm>
+            <a:off x="942387" y="1928687"/>
+            <a:ext cx="6574611" cy="2726439"/>
+          </a:xfrm>
+          <a:prstGeom prst="rect">
+            <a:avLst/>
+          </a:prstGeom>
+        </p:spPr>
+      </p:pic>
     </p:spTree>
     <p:extLst>
       <p:ext uri="{BB962C8B-B14F-4D97-AF65-F5344CB8AC3E}">

--- a/study/5_Dynamic Programming.pptx
+++ b/study/5_Dynamic Programming.pptx
@@ -22,11 +22,12 @@
     <p:sldId id="324" r:id="rId16"/>
     <p:sldId id="327" r:id="rId17"/>
     <p:sldId id="338" r:id="rId18"/>
-    <p:sldId id="339" r:id="rId19"/>
-    <p:sldId id="340" r:id="rId20"/>
-    <p:sldId id="341" r:id="rId21"/>
-    <p:sldId id="342" r:id="rId22"/>
-    <p:sldId id="298" r:id="rId23"/>
+    <p:sldId id="343" r:id="rId19"/>
+    <p:sldId id="339" r:id="rId20"/>
+    <p:sldId id="340" r:id="rId21"/>
+    <p:sldId id="341" r:id="rId22"/>
+    <p:sldId id="342" r:id="rId23"/>
+    <p:sldId id="298" r:id="rId24"/>
   </p:sldIdLst>
   <p:sldSz cx="12192000" cy="6858000"/>
   <p:notesSz cx="6858000" cy="9144000"/>
@@ -4263,18 +4264,18 @@
               <a:t>이제 점화식을 이용해 </a:t>
             </a:r>
             <a:r>
-              <a:rPr lang="ko-KR" altLang="en-US" dirty="0" err="1">
-                <a:latin typeface="나눔스퀘어 Light" panose="020B0600000101010101" pitchFamily="50" charset="-127"/>
-                <a:ea typeface="나눔스퀘어 Light" panose="020B0600000101010101" pitchFamily="50" charset="-127"/>
-              </a:rPr>
-              <a:t>바텀</a:t>
+              <a:rPr lang="en-US" altLang="ko-KR" dirty="0">
+                <a:latin typeface="나눔스퀘어 Light" panose="020B0600000101010101" pitchFamily="50" charset="-127"/>
+                <a:ea typeface="나눔스퀘어 Light" panose="020B0600000101010101" pitchFamily="50" charset="-127"/>
+              </a:rPr>
+              <a:t>Bottom Up</a:t>
             </a:r>
             <a:r>
               <a:rPr lang="ko-KR" altLang="en-US" dirty="0">
                 <a:latin typeface="나눔스퀘어 Light" panose="020B0600000101010101" pitchFamily="50" charset="-127"/>
                 <a:ea typeface="나눔스퀘어 Light" panose="020B0600000101010101" pitchFamily="50" charset="-127"/>
               </a:rPr>
-              <a:t> 업 방식으로 </a:t>
+              <a:t> 방식으로 </a:t>
             </a:r>
             <a:r>
               <a:rPr lang="en-US" altLang="ko-KR" dirty="0">
@@ -4926,8 +4927,8 @@
           </a:p>
         </p:txBody>
       </p:sp>
-      <mc:AlternateContent xmlns:mc="http://schemas.openxmlformats.org/markup-compatibility/2006">
-        <mc:Choice xmlns:a14="http://schemas.microsoft.com/office/drawing/2010/main" Requires="a14">
+      <mc:AlternateContent xmlns:mc="http://schemas.openxmlformats.org/markup-compatibility/2006" xmlns:a14="http://schemas.microsoft.com/office/drawing/2010/main">
+        <mc:Choice Requires="a14">
           <p:sp>
             <p:nvSpPr>
               <p:cNvPr id="3" name="TextBox 2">
@@ -5031,7 +5032,7 @@
             </p:txBody>
           </p:sp>
         </mc:Choice>
-        <mc:Fallback>
+        <mc:Fallback xmlns="">
           <p:sp>
             <p:nvSpPr>
               <p:cNvPr id="3" name="TextBox 2">
@@ -5247,8 +5248,8 @@
           </a:p>
         </p:txBody>
       </p:sp>
-      <mc:AlternateContent xmlns:mc="http://schemas.openxmlformats.org/markup-compatibility/2006">
-        <mc:Choice xmlns:a14="http://schemas.microsoft.com/office/drawing/2010/main" Requires="a14">
+      <mc:AlternateContent xmlns:mc="http://schemas.openxmlformats.org/markup-compatibility/2006" xmlns:a14="http://schemas.microsoft.com/office/drawing/2010/main">
+        <mc:Choice Requires="a14">
           <p:sp>
             <p:nvSpPr>
               <p:cNvPr id="4" name="TextBox 3">
@@ -5352,7 +5353,7 @@
             </p:txBody>
           </p:sp>
         </mc:Choice>
-        <mc:Fallback>
+        <mc:Fallback xmlns="">
           <p:sp>
             <p:nvSpPr>
               <p:cNvPr id="4" name="TextBox 3">
@@ -5798,18 +5799,18 @@
               <a:t>피보나치 문제를 풀 때 처럼 </a:t>
             </a:r>
             <a:r>
-              <a:rPr lang="ko-KR" altLang="en-US" dirty="0" err="1">
-                <a:latin typeface="나눔스퀘어 Light" panose="020B0600000101010101" pitchFamily="50" charset="-127"/>
-                <a:ea typeface="나눔스퀘어 Light" panose="020B0600000101010101" pitchFamily="50" charset="-127"/>
-              </a:rPr>
-              <a:t>바텀</a:t>
+              <a:rPr lang="en-US" altLang="ko-KR" dirty="0">
+                <a:latin typeface="나눔스퀘어 Light" panose="020B0600000101010101" pitchFamily="50" charset="-127"/>
+                <a:ea typeface="나눔스퀘어 Light" panose="020B0600000101010101" pitchFamily="50" charset="-127"/>
+              </a:rPr>
+              <a:t>Bottom Up</a:t>
             </a:r>
             <a:r>
               <a:rPr lang="ko-KR" altLang="en-US" dirty="0">
                 <a:latin typeface="나눔스퀘어 Light" panose="020B0600000101010101" pitchFamily="50" charset="-127"/>
                 <a:ea typeface="나눔스퀘어 Light" panose="020B0600000101010101" pitchFamily="50" charset="-127"/>
               </a:rPr>
-              <a:t> 업 방식으로 접근하면 됩니다</a:t>
+              <a:t> 방식으로 접근하면 됩니다</a:t>
             </a:r>
             <a:r>
               <a:rPr lang="en-US" altLang="ko-KR" dirty="0">
@@ -6175,6 +6176,1766 @@
           </a:p>
         </p:txBody>
       </p:sp>
+      <p:sp>
+        <p:nvSpPr>
+          <p:cNvPr id="3" name="TextBox 2">
+            <a:extLst>
+              <a:ext uri="{FF2B5EF4-FFF2-40B4-BE49-F238E27FC236}">
+                <a16:creationId xmlns:a16="http://schemas.microsoft.com/office/drawing/2014/main" id="{C2ED2474-9900-3800-8DE1-1B08712A00BD}"/>
+              </a:ext>
+            </a:extLst>
+          </p:cNvPr>
+          <p:cNvSpPr txBox="1"/>
+          <p:nvPr/>
+        </p:nvSpPr>
+        <p:spPr>
+          <a:xfrm>
+            <a:off x="942387" y="1190024"/>
+            <a:ext cx="10313217" cy="369332"/>
+          </a:xfrm>
+          <a:prstGeom prst="rect">
+            <a:avLst/>
+          </a:prstGeom>
+          <a:noFill/>
+        </p:spPr>
+        <p:txBody>
+          <a:bodyPr wrap="square" rtlCol="0">
+            <a:spAutoFit/>
+          </a:bodyPr>
+          <a:lstStyle/>
+          <a:p>
+            <a:r>
+              <a:rPr lang="ko-KR" altLang="en-US" dirty="0">
+                <a:latin typeface="나눔스퀘어 Light" panose="020B0600000101010101" pitchFamily="50" charset="-127"/>
+                <a:ea typeface="나눔스퀘어 Light" panose="020B0600000101010101" pitchFamily="50" charset="-127"/>
+              </a:rPr>
+              <a:t>오른쪽 </a:t>
+            </a:r>
+            <a:r>
+              <a:rPr lang="en-US" altLang="ko-KR" dirty="0">
+                <a:latin typeface="나눔스퀘어 Light" panose="020B0600000101010101" pitchFamily="50" charset="-127"/>
+                <a:ea typeface="나눔스퀘어 Light" panose="020B0600000101010101" pitchFamily="50" charset="-127"/>
+              </a:rPr>
+              <a:t>or </a:t>
+            </a:r>
+            <a:r>
+              <a:rPr lang="ko-KR" altLang="en-US" dirty="0">
+                <a:latin typeface="나눔스퀘어 Light" panose="020B0600000101010101" pitchFamily="50" charset="-127"/>
+                <a:ea typeface="나눔스퀘어 Light" panose="020B0600000101010101" pitchFamily="50" charset="-127"/>
+              </a:rPr>
+              <a:t>아래쪽으로 밖에 이동할 수 밖에 없을 때</a:t>
+            </a:r>
+            <a:r>
+              <a:rPr lang="en-US" altLang="ko-KR" dirty="0">
+                <a:latin typeface="나눔스퀘어 Light" panose="020B0600000101010101" pitchFamily="50" charset="-127"/>
+                <a:ea typeface="나눔스퀘어 Light" panose="020B0600000101010101" pitchFamily="50" charset="-127"/>
+              </a:rPr>
+              <a:t>, 1(</a:t>
+            </a:r>
+            <a:r>
+              <a:rPr lang="ko-KR" altLang="en-US" dirty="0">
+                <a:latin typeface="나눔스퀘어 Light" panose="020B0600000101010101" pitchFamily="50" charset="-127"/>
+                <a:ea typeface="나눔스퀘어 Light" panose="020B0600000101010101" pitchFamily="50" charset="-127"/>
+              </a:rPr>
+              <a:t>광석</a:t>
+            </a:r>
+            <a:r>
+              <a:rPr lang="en-US" altLang="ko-KR" dirty="0">
+                <a:latin typeface="나눔스퀘어 Light" panose="020B0600000101010101" pitchFamily="50" charset="-127"/>
+                <a:ea typeface="나눔스퀘어 Light" panose="020B0600000101010101" pitchFamily="50" charset="-127"/>
+              </a:rPr>
+              <a:t>)</a:t>
+            </a:r>
+            <a:r>
+              <a:rPr lang="ko-KR" altLang="en-US" dirty="0">
+                <a:latin typeface="나눔스퀘어 Light" panose="020B0600000101010101" pitchFamily="50" charset="-127"/>
+                <a:ea typeface="나눔스퀘어 Light" panose="020B0600000101010101" pitchFamily="50" charset="-127"/>
+              </a:rPr>
+              <a:t>을 최대한 많이 모으는 방법을 찾는 문제</a:t>
+            </a:r>
+          </a:p>
+        </p:txBody>
+      </p:sp>
+      <p:graphicFrame>
+        <p:nvGraphicFramePr>
+          <p:cNvPr id="6" name="표 6">
+            <a:extLst>
+              <a:ext uri="{FF2B5EF4-FFF2-40B4-BE49-F238E27FC236}">
+                <a16:creationId xmlns:a16="http://schemas.microsoft.com/office/drawing/2014/main" id="{1C062CAD-B8B0-3B6C-738E-BA0D9CF66C66}"/>
+              </a:ext>
+            </a:extLst>
+          </p:cNvPr>
+          <p:cNvGraphicFramePr>
+            <a:graphicFrameLocks noGrp="1"/>
+          </p:cNvGraphicFramePr>
+          <p:nvPr>
+            <p:extLst>
+              <p:ext uri="{D42A27DB-BD31-4B8C-83A1-F6EECF244321}">
+                <p14:modId xmlns:p14="http://schemas.microsoft.com/office/powerpoint/2010/main" val="3640103602"/>
+              </p:ext>
+            </p:extLst>
+          </p:nvPr>
+        </p:nvGraphicFramePr>
+        <p:xfrm>
+          <a:off x="1054846" y="2030695"/>
+          <a:ext cx="4129896" cy="3939801"/>
+        </p:xfrm>
+        <a:graphic>
+          <a:graphicData uri="http://schemas.openxmlformats.org/drawingml/2006/table">
+            <a:tbl>
+              <a:tblPr firstRow="1" bandRow="1">
+                <a:tableStyleId>{69CF1AB2-1976-4502-BF36-3FF5EA218861}</a:tableStyleId>
+              </a:tblPr>
+              <a:tblGrid>
+                <a:gridCol w="1376632">
+                  <a:extLst>
+                    <a:ext uri="{9D8B030D-6E8A-4147-A177-3AD203B41FA5}">
+                      <a16:colId xmlns:a16="http://schemas.microsoft.com/office/drawing/2014/main" val="184689733"/>
+                    </a:ext>
+                  </a:extLst>
+                </a:gridCol>
+                <a:gridCol w="1376632">
+                  <a:extLst>
+                    <a:ext uri="{9D8B030D-6E8A-4147-A177-3AD203B41FA5}">
+                      <a16:colId xmlns:a16="http://schemas.microsoft.com/office/drawing/2014/main" val="662498604"/>
+                    </a:ext>
+                  </a:extLst>
+                </a:gridCol>
+                <a:gridCol w="1376632">
+                  <a:extLst>
+                    <a:ext uri="{9D8B030D-6E8A-4147-A177-3AD203B41FA5}">
+                      <a16:colId xmlns:a16="http://schemas.microsoft.com/office/drawing/2014/main" val="3419381811"/>
+                    </a:ext>
+                  </a:extLst>
+                </a:gridCol>
+              </a:tblGrid>
+              <a:tr h="1313267">
+                <a:tc>
+                  <a:txBody>
+                    <a:bodyPr/>
+                    <a:lstStyle/>
+                    <a:p>
+                      <a:pPr algn="ctr" latinLnBrk="1"/>
+                      <a:r>
+                        <a:rPr lang="en-US" altLang="ko-KR" sz="2800" b="0" dirty="0">
+                          <a:latin typeface="나눔스퀘어 Bold" panose="020B0600000101010101" pitchFamily="50" charset="-127"/>
+                          <a:ea typeface="나눔스퀘어 Bold" panose="020B0600000101010101" pitchFamily="50" charset="-127"/>
+                        </a:rPr>
+                        <a:t>1</a:t>
+                      </a:r>
+                      <a:endParaRPr lang="ko-KR" altLang="en-US" sz="2800" b="0" dirty="0">
+                        <a:latin typeface="나눔스퀘어 Bold" panose="020B0600000101010101" pitchFamily="50" charset="-127"/>
+                        <a:ea typeface="나눔스퀘어 Bold" panose="020B0600000101010101" pitchFamily="50" charset="-127"/>
+                      </a:endParaRPr>
+                    </a:p>
+                  </a:txBody>
+                  <a:tcPr anchor="ctr"/>
+                </a:tc>
+                <a:tc>
+                  <a:txBody>
+                    <a:bodyPr/>
+                    <a:lstStyle/>
+                    <a:p>
+                      <a:pPr algn="ctr" latinLnBrk="1"/>
+                      <a:r>
+                        <a:rPr lang="en-US" altLang="ko-KR" sz="2800" b="0" dirty="0">
+                          <a:latin typeface="나눔스퀘어 Bold" panose="020B0600000101010101" pitchFamily="50" charset="-127"/>
+                          <a:ea typeface="나눔스퀘어 Bold" panose="020B0600000101010101" pitchFamily="50" charset="-127"/>
+                        </a:rPr>
+                        <a:t>1</a:t>
+                      </a:r>
+                      <a:endParaRPr lang="ko-KR" altLang="en-US" sz="2800" b="0" dirty="0">
+                        <a:latin typeface="나눔스퀘어 Bold" panose="020B0600000101010101" pitchFamily="50" charset="-127"/>
+                        <a:ea typeface="나눔스퀘어 Bold" panose="020B0600000101010101" pitchFamily="50" charset="-127"/>
+                      </a:endParaRPr>
+                    </a:p>
+                  </a:txBody>
+                  <a:tcPr anchor="ctr"/>
+                </a:tc>
+                <a:tc>
+                  <a:txBody>
+                    <a:bodyPr/>
+                    <a:lstStyle/>
+                    <a:p>
+                      <a:pPr algn="ctr" latinLnBrk="1"/>
+                      <a:r>
+                        <a:rPr lang="en-US" altLang="ko-KR" sz="2800" b="0" dirty="0">
+                          <a:latin typeface="나눔스퀘어 Bold" panose="020B0600000101010101" pitchFamily="50" charset="-127"/>
+                          <a:ea typeface="나눔스퀘어 Bold" panose="020B0600000101010101" pitchFamily="50" charset="-127"/>
+                        </a:rPr>
+                        <a:t>0</a:t>
+                      </a:r>
+                      <a:endParaRPr lang="ko-KR" altLang="en-US" sz="2800" b="0" dirty="0">
+                        <a:latin typeface="나눔스퀘어 Bold" panose="020B0600000101010101" pitchFamily="50" charset="-127"/>
+                        <a:ea typeface="나눔스퀘어 Bold" panose="020B0600000101010101" pitchFamily="50" charset="-127"/>
+                      </a:endParaRPr>
+                    </a:p>
+                  </a:txBody>
+                  <a:tcPr anchor="ctr"/>
+                </a:tc>
+                <a:extLst>
+                  <a:ext uri="{0D108BD9-81ED-4DB2-BD59-A6C34878D82A}">
+                    <a16:rowId xmlns:a16="http://schemas.microsoft.com/office/drawing/2014/main" val="889197390"/>
+                  </a:ext>
+                </a:extLst>
+              </a:tr>
+              <a:tr h="1313267">
+                <a:tc>
+                  <a:txBody>
+                    <a:bodyPr/>
+                    <a:lstStyle/>
+                    <a:p>
+                      <a:pPr algn="ctr" latinLnBrk="1"/>
+                      <a:r>
+                        <a:rPr lang="en-US" altLang="ko-KR" sz="2800" dirty="0">
+                          <a:latin typeface="나눔스퀘어 Bold" panose="020B0600000101010101" pitchFamily="50" charset="-127"/>
+                          <a:ea typeface="나눔스퀘어 Bold" panose="020B0600000101010101" pitchFamily="50" charset="-127"/>
+                        </a:rPr>
+                        <a:t>1</a:t>
+                      </a:r>
+                      <a:endParaRPr lang="ko-KR" altLang="en-US" sz="2800" dirty="0">
+                        <a:latin typeface="나눔스퀘어 Bold" panose="020B0600000101010101" pitchFamily="50" charset="-127"/>
+                        <a:ea typeface="나눔스퀘어 Bold" panose="020B0600000101010101" pitchFamily="50" charset="-127"/>
+                      </a:endParaRPr>
+                    </a:p>
+                  </a:txBody>
+                  <a:tcPr anchor="ctr"/>
+                </a:tc>
+                <a:tc>
+                  <a:txBody>
+                    <a:bodyPr/>
+                    <a:lstStyle/>
+                    <a:p>
+                      <a:pPr algn="ctr" latinLnBrk="1"/>
+                      <a:r>
+                        <a:rPr lang="en-US" altLang="ko-KR" sz="2800" dirty="0">
+                          <a:latin typeface="나눔스퀘어 Bold" panose="020B0600000101010101" pitchFamily="50" charset="-127"/>
+                          <a:ea typeface="나눔스퀘어 Bold" panose="020B0600000101010101" pitchFamily="50" charset="-127"/>
+                        </a:rPr>
+                        <a:t>0</a:t>
+                      </a:r>
+                      <a:endParaRPr lang="ko-KR" altLang="en-US" sz="2800" dirty="0">
+                        <a:latin typeface="나눔스퀘어 Bold" panose="020B0600000101010101" pitchFamily="50" charset="-127"/>
+                        <a:ea typeface="나눔스퀘어 Bold" panose="020B0600000101010101" pitchFamily="50" charset="-127"/>
+                      </a:endParaRPr>
+                    </a:p>
+                  </a:txBody>
+                  <a:tcPr anchor="ctr"/>
+                </a:tc>
+                <a:tc>
+                  <a:txBody>
+                    <a:bodyPr/>
+                    <a:lstStyle/>
+                    <a:p>
+                      <a:pPr algn="ctr" latinLnBrk="1"/>
+                      <a:r>
+                        <a:rPr lang="en-US" altLang="ko-KR" sz="2800" dirty="0">
+                          <a:latin typeface="나눔스퀘어 Bold" panose="020B0600000101010101" pitchFamily="50" charset="-127"/>
+                          <a:ea typeface="나눔스퀘어 Bold" panose="020B0600000101010101" pitchFamily="50" charset="-127"/>
+                        </a:rPr>
+                        <a:t>1</a:t>
+                      </a:r>
+                      <a:endParaRPr lang="ko-KR" altLang="en-US" sz="2800" dirty="0">
+                        <a:latin typeface="나눔스퀘어 Bold" panose="020B0600000101010101" pitchFamily="50" charset="-127"/>
+                        <a:ea typeface="나눔스퀘어 Bold" panose="020B0600000101010101" pitchFamily="50" charset="-127"/>
+                      </a:endParaRPr>
+                    </a:p>
+                  </a:txBody>
+                  <a:tcPr anchor="ctr"/>
+                </a:tc>
+                <a:extLst>
+                  <a:ext uri="{0D108BD9-81ED-4DB2-BD59-A6C34878D82A}">
+                    <a16:rowId xmlns:a16="http://schemas.microsoft.com/office/drawing/2014/main" val="3949344445"/>
+                  </a:ext>
+                </a:extLst>
+              </a:tr>
+              <a:tr h="1313267">
+                <a:tc>
+                  <a:txBody>
+                    <a:bodyPr/>
+                    <a:lstStyle/>
+                    <a:p>
+                      <a:pPr algn="ctr" latinLnBrk="1"/>
+                      <a:r>
+                        <a:rPr lang="en-US" altLang="ko-KR" sz="2800" dirty="0">
+                          <a:latin typeface="나눔스퀘어 Bold" panose="020B0600000101010101" pitchFamily="50" charset="-127"/>
+                          <a:ea typeface="나눔스퀘어 Bold" panose="020B0600000101010101" pitchFamily="50" charset="-127"/>
+                        </a:rPr>
+                        <a:t>1</a:t>
+                      </a:r>
+                      <a:endParaRPr lang="ko-KR" altLang="en-US" sz="2800" dirty="0">
+                        <a:latin typeface="나눔스퀘어 Bold" panose="020B0600000101010101" pitchFamily="50" charset="-127"/>
+                        <a:ea typeface="나눔스퀘어 Bold" panose="020B0600000101010101" pitchFamily="50" charset="-127"/>
+                      </a:endParaRPr>
+                    </a:p>
+                  </a:txBody>
+                  <a:tcPr anchor="ctr"/>
+                </a:tc>
+                <a:tc>
+                  <a:txBody>
+                    <a:bodyPr/>
+                    <a:lstStyle/>
+                    <a:p>
+                      <a:pPr algn="ctr" latinLnBrk="1"/>
+                      <a:r>
+                        <a:rPr lang="en-US" altLang="ko-KR" sz="2800" dirty="0">
+                          <a:latin typeface="나눔스퀘어 Bold" panose="020B0600000101010101" pitchFamily="50" charset="-127"/>
+                          <a:ea typeface="나눔스퀘어 Bold" panose="020B0600000101010101" pitchFamily="50" charset="-127"/>
+                        </a:rPr>
+                        <a:t>1</a:t>
+                      </a:r>
+                      <a:endParaRPr lang="ko-KR" altLang="en-US" sz="2800" dirty="0">
+                        <a:latin typeface="나눔스퀘어 Bold" panose="020B0600000101010101" pitchFamily="50" charset="-127"/>
+                        <a:ea typeface="나눔스퀘어 Bold" panose="020B0600000101010101" pitchFamily="50" charset="-127"/>
+                      </a:endParaRPr>
+                    </a:p>
+                  </a:txBody>
+                  <a:tcPr anchor="ctr"/>
+                </a:tc>
+                <a:tc>
+                  <a:txBody>
+                    <a:bodyPr/>
+                    <a:lstStyle/>
+                    <a:p>
+                      <a:pPr algn="ctr" latinLnBrk="1"/>
+                      <a:r>
+                        <a:rPr lang="en-US" altLang="ko-KR" sz="2800" dirty="0">
+                          <a:latin typeface="나눔스퀘어 Bold" panose="020B0600000101010101" pitchFamily="50" charset="-127"/>
+                          <a:ea typeface="나눔스퀘어 Bold" panose="020B0600000101010101" pitchFamily="50" charset="-127"/>
+                        </a:rPr>
+                        <a:t>0</a:t>
+                      </a:r>
+                      <a:endParaRPr lang="ko-KR" altLang="en-US" sz="2800" dirty="0">
+                        <a:latin typeface="나눔스퀘어 Bold" panose="020B0600000101010101" pitchFamily="50" charset="-127"/>
+                        <a:ea typeface="나눔스퀘어 Bold" panose="020B0600000101010101" pitchFamily="50" charset="-127"/>
+                      </a:endParaRPr>
+                    </a:p>
+                  </a:txBody>
+                  <a:tcPr anchor="ctr"/>
+                </a:tc>
+                <a:extLst>
+                  <a:ext uri="{0D108BD9-81ED-4DB2-BD59-A6C34878D82A}">
+                    <a16:rowId xmlns:a16="http://schemas.microsoft.com/office/drawing/2014/main" val="264939005"/>
+                  </a:ext>
+                </a:extLst>
+              </a:tr>
+            </a:tbl>
+          </a:graphicData>
+        </a:graphic>
+      </p:graphicFrame>
+      <p:sp>
+        <p:nvSpPr>
+          <p:cNvPr id="7" name="화살표: 오른쪽 6">
+            <a:extLst>
+              <a:ext uri="{FF2B5EF4-FFF2-40B4-BE49-F238E27FC236}">
+                <a16:creationId xmlns:a16="http://schemas.microsoft.com/office/drawing/2014/main" id="{629F8853-D534-19C1-5D6D-E1F61D3BABE9}"/>
+              </a:ext>
+            </a:extLst>
+          </p:cNvPr>
+          <p:cNvSpPr/>
+          <p:nvPr/>
+        </p:nvSpPr>
+        <p:spPr>
+          <a:xfrm>
+            <a:off x="2224726" y="2469823"/>
+            <a:ext cx="471340" cy="369332"/>
+          </a:xfrm>
+          <a:prstGeom prst="rightArrow">
+            <a:avLst/>
+          </a:prstGeom>
+        </p:spPr>
+        <p:style>
+          <a:lnRef idx="2">
+            <a:schemeClr val="accent1">
+              <a:shade val="50000"/>
+            </a:schemeClr>
+          </a:lnRef>
+          <a:fillRef idx="1">
+            <a:schemeClr val="accent1"/>
+          </a:fillRef>
+          <a:effectRef idx="0">
+            <a:schemeClr val="accent1"/>
+          </a:effectRef>
+          <a:fontRef idx="minor">
+            <a:schemeClr val="lt1"/>
+          </a:fontRef>
+        </p:style>
+        <p:txBody>
+          <a:bodyPr rtlCol="0" anchor="ctr"/>
+          <a:lstStyle/>
+          <a:p>
+            <a:pPr algn="ctr"/>
+            <a:endParaRPr lang="ko-KR" altLang="en-US"/>
+          </a:p>
+        </p:txBody>
+      </p:sp>
+      <p:sp>
+        <p:nvSpPr>
+          <p:cNvPr id="8" name="화살표: 오른쪽 7">
+            <a:extLst>
+              <a:ext uri="{FF2B5EF4-FFF2-40B4-BE49-F238E27FC236}">
+                <a16:creationId xmlns:a16="http://schemas.microsoft.com/office/drawing/2014/main" id="{21219A69-23A2-1B88-A1F8-4465E1BF8EF9}"/>
+              </a:ext>
+            </a:extLst>
+          </p:cNvPr>
+          <p:cNvSpPr/>
+          <p:nvPr/>
+        </p:nvSpPr>
+        <p:spPr>
+          <a:xfrm>
+            <a:off x="3570244" y="2469823"/>
+            <a:ext cx="471340" cy="369332"/>
+          </a:xfrm>
+          <a:prstGeom prst="rightArrow">
+            <a:avLst/>
+          </a:prstGeom>
+        </p:spPr>
+        <p:style>
+          <a:lnRef idx="2">
+            <a:schemeClr val="accent1">
+              <a:shade val="50000"/>
+            </a:schemeClr>
+          </a:lnRef>
+          <a:fillRef idx="1">
+            <a:schemeClr val="accent1"/>
+          </a:fillRef>
+          <a:effectRef idx="0">
+            <a:schemeClr val="accent1"/>
+          </a:effectRef>
+          <a:fontRef idx="minor">
+            <a:schemeClr val="lt1"/>
+          </a:fontRef>
+        </p:style>
+        <p:txBody>
+          <a:bodyPr rtlCol="0" anchor="ctr"/>
+          <a:lstStyle/>
+          <a:p>
+            <a:pPr algn="ctr"/>
+            <a:endParaRPr lang="ko-KR" altLang="en-US"/>
+          </a:p>
+        </p:txBody>
+      </p:sp>
+      <p:sp>
+        <p:nvSpPr>
+          <p:cNvPr id="9" name="화살표: 오른쪽 8">
+            <a:extLst>
+              <a:ext uri="{FF2B5EF4-FFF2-40B4-BE49-F238E27FC236}">
+                <a16:creationId xmlns:a16="http://schemas.microsoft.com/office/drawing/2014/main" id="{1E795987-DEA4-233C-861C-20A982A479FD}"/>
+              </a:ext>
+            </a:extLst>
+          </p:cNvPr>
+          <p:cNvSpPr/>
+          <p:nvPr/>
+        </p:nvSpPr>
+        <p:spPr>
+          <a:xfrm>
+            <a:off x="2224726" y="3834180"/>
+            <a:ext cx="471340" cy="369332"/>
+          </a:xfrm>
+          <a:prstGeom prst="rightArrow">
+            <a:avLst/>
+          </a:prstGeom>
+        </p:spPr>
+        <p:style>
+          <a:lnRef idx="2">
+            <a:schemeClr val="accent1">
+              <a:shade val="50000"/>
+            </a:schemeClr>
+          </a:lnRef>
+          <a:fillRef idx="1">
+            <a:schemeClr val="accent1"/>
+          </a:fillRef>
+          <a:effectRef idx="0">
+            <a:schemeClr val="accent1"/>
+          </a:effectRef>
+          <a:fontRef idx="minor">
+            <a:schemeClr val="lt1"/>
+          </a:fontRef>
+        </p:style>
+        <p:txBody>
+          <a:bodyPr rtlCol="0" anchor="ctr"/>
+          <a:lstStyle/>
+          <a:p>
+            <a:pPr algn="ctr"/>
+            <a:endParaRPr lang="ko-KR" altLang="en-US"/>
+          </a:p>
+        </p:txBody>
+      </p:sp>
+      <p:sp>
+        <p:nvSpPr>
+          <p:cNvPr id="10" name="화살표: 오른쪽 9">
+            <a:extLst>
+              <a:ext uri="{FF2B5EF4-FFF2-40B4-BE49-F238E27FC236}">
+                <a16:creationId xmlns:a16="http://schemas.microsoft.com/office/drawing/2014/main" id="{936D3889-1347-D1CF-51A4-337F62A3A345}"/>
+              </a:ext>
+            </a:extLst>
+          </p:cNvPr>
+          <p:cNvSpPr/>
+          <p:nvPr/>
+        </p:nvSpPr>
+        <p:spPr>
+          <a:xfrm>
+            <a:off x="3570244" y="3834180"/>
+            <a:ext cx="471340" cy="369332"/>
+          </a:xfrm>
+          <a:prstGeom prst="rightArrow">
+            <a:avLst/>
+          </a:prstGeom>
+        </p:spPr>
+        <p:style>
+          <a:lnRef idx="2">
+            <a:schemeClr val="accent1">
+              <a:shade val="50000"/>
+            </a:schemeClr>
+          </a:lnRef>
+          <a:fillRef idx="1">
+            <a:schemeClr val="accent1"/>
+          </a:fillRef>
+          <a:effectRef idx="0">
+            <a:schemeClr val="accent1"/>
+          </a:effectRef>
+          <a:fontRef idx="minor">
+            <a:schemeClr val="lt1"/>
+          </a:fontRef>
+        </p:style>
+        <p:txBody>
+          <a:bodyPr rtlCol="0" anchor="ctr"/>
+          <a:lstStyle/>
+          <a:p>
+            <a:pPr algn="ctr"/>
+            <a:endParaRPr lang="ko-KR" altLang="en-US"/>
+          </a:p>
+        </p:txBody>
+      </p:sp>
+      <p:sp>
+        <p:nvSpPr>
+          <p:cNvPr id="11" name="화살표: 오른쪽 10">
+            <a:extLst>
+              <a:ext uri="{FF2B5EF4-FFF2-40B4-BE49-F238E27FC236}">
+                <a16:creationId xmlns:a16="http://schemas.microsoft.com/office/drawing/2014/main" id="{38A3E947-71E4-6485-6D4D-12603262CABA}"/>
+              </a:ext>
+            </a:extLst>
+          </p:cNvPr>
+          <p:cNvSpPr/>
+          <p:nvPr/>
+        </p:nvSpPr>
+        <p:spPr>
+          <a:xfrm>
+            <a:off x="2224726" y="5087945"/>
+            <a:ext cx="471340" cy="369332"/>
+          </a:xfrm>
+          <a:prstGeom prst="rightArrow">
+            <a:avLst/>
+          </a:prstGeom>
+        </p:spPr>
+        <p:style>
+          <a:lnRef idx="2">
+            <a:schemeClr val="accent1">
+              <a:shade val="50000"/>
+            </a:schemeClr>
+          </a:lnRef>
+          <a:fillRef idx="1">
+            <a:schemeClr val="accent1"/>
+          </a:fillRef>
+          <a:effectRef idx="0">
+            <a:schemeClr val="accent1"/>
+          </a:effectRef>
+          <a:fontRef idx="minor">
+            <a:schemeClr val="lt1"/>
+          </a:fontRef>
+        </p:style>
+        <p:txBody>
+          <a:bodyPr rtlCol="0" anchor="ctr"/>
+          <a:lstStyle/>
+          <a:p>
+            <a:pPr algn="ctr"/>
+            <a:endParaRPr lang="ko-KR" altLang="en-US"/>
+          </a:p>
+        </p:txBody>
+      </p:sp>
+      <p:sp>
+        <p:nvSpPr>
+          <p:cNvPr id="12" name="화살표: 오른쪽 11">
+            <a:extLst>
+              <a:ext uri="{FF2B5EF4-FFF2-40B4-BE49-F238E27FC236}">
+                <a16:creationId xmlns:a16="http://schemas.microsoft.com/office/drawing/2014/main" id="{BAAA00C9-C780-8677-1373-99EC7D7CD541}"/>
+              </a:ext>
+            </a:extLst>
+          </p:cNvPr>
+          <p:cNvSpPr/>
+          <p:nvPr/>
+        </p:nvSpPr>
+        <p:spPr>
+          <a:xfrm>
+            <a:off x="3570244" y="5087945"/>
+            <a:ext cx="471340" cy="369332"/>
+          </a:xfrm>
+          <a:prstGeom prst="rightArrow">
+            <a:avLst/>
+          </a:prstGeom>
+        </p:spPr>
+        <p:style>
+          <a:lnRef idx="2">
+            <a:schemeClr val="accent1">
+              <a:shade val="50000"/>
+            </a:schemeClr>
+          </a:lnRef>
+          <a:fillRef idx="1">
+            <a:schemeClr val="accent1"/>
+          </a:fillRef>
+          <a:effectRef idx="0">
+            <a:schemeClr val="accent1"/>
+          </a:effectRef>
+          <a:fontRef idx="minor">
+            <a:schemeClr val="lt1"/>
+          </a:fontRef>
+        </p:style>
+        <p:txBody>
+          <a:bodyPr rtlCol="0" anchor="ctr"/>
+          <a:lstStyle/>
+          <a:p>
+            <a:pPr algn="ctr"/>
+            <a:endParaRPr lang="ko-KR" altLang="en-US"/>
+          </a:p>
+        </p:txBody>
+      </p:sp>
+      <p:sp>
+        <p:nvSpPr>
+          <p:cNvPr id="13" name="화살표: 오른쪽 12">
+            <a:extLst>
+              <a:ext uri="{FF2B5EF4-FFF2-40B4-BE49-F238E27FC236}">
+                <a16:creationId xmlns:a16="http://schemas.microsoft.com/office/drawing/2014/main" id="{F46CDC95-88C6-A535-73BF-112C053A8EAC}"/>
+              </a:ext>
+            </a:extLst>
+          </p:cNvPr>
+          <p:cNvSpPr/>
+          <p:nvPr/>
+        </p:nvSpPr>
+        <p:spPr>
+          <a:xfrm rot="5400000">
+            <a:off x="1517716" y="3148553"/>
+            <a:ext cx="471340" cy="369332"/>
+          </a:xfrm>
+          <a:prstGeom prst="rightArrow">
+            <a:avLst/>
+          </a:prstGeom>
+        </p:spPr>
+        <p:style>
+          <a:lnRef idx="2">
+            <a:schemeClr val="accent1">
+              <a:shade val="50000"/>
+            </a:schemeClr>
+          </a:lnRef>
+          <a:fillRef idx="1">
+            <a:schemeClr val="accent1"/>
+          </a:fillRef>
+          <a:effectRef idx="0">
+            <a:schemeClr val="accent1"/>
+          </a:effectRef>
+          <a:fontRef idx="minor">
+            <a:schemeClr val="lt1"/>
+          </a:fontRef>
+        </p:style>
+        <p:txBody>
+          <a:bodyPr rtlCol="0" anchor="ctr"/>
+          <a:lstStyle/>
+          <a:p>
+            <a:pPr algn="ctr"/>
+            <a:endParaRPr lang="ko-KR" altLang="en-US"/>
+          </a:p>
+        </p:txBody>
+      </p:sp>
+      <p:sp>
+        <p:nvSpPr>
+          <p:cNvPr id="14" name="화살표: 오른쪽 13">
+            <a:extLst>
+              <a:ext uri="{FF2B5EF4-FFF2-40B4-BE49-F238E27FC236}">
+                <a16:creationId xmlns:a16="http://schemas.microsoft.com/office/drawing/2014/main" id="{6F3FFA33-2540-ADE1-0780-3E31654F42E6}"/>
+              </a:ext>
+            </a:extLst>
+          </p:cNvPr>
+          <p:cNvSpPr/>
+          <p:nvPr/>
+        </p:nvSpPr>
+        <p:spPr>
+          <a:xfrm rot="5400000">
+            <a:off x="2884124" y="3148553"/>
+            <a:ext cx="471340" cy="369332"/>
+          </a:xfrm>
+          <a:prstGeom prst="rightArrow">
+            <a:avLst/>
+          </a:prstGeom>
+        </p:spPr>
+        <p:style>
+          <a:lnRef idx="2">
+            <a:schemeClr val="accent1">
+              <a:shade val="50000"/>
+            </a:schemeClr>
+          </a:lnRef>
+          <a:fillRef idx="1">
+            <a:schemeClr val="accent1"/>
+          </a:fillRef>
+          <a:effectRef idx="0">
+            <a:schemeClr val="accent1"/>
+          </a:effectRef>
+          <a:fontRef idx="minor">
+            <a:schemeClr val="lt1"/>
+          </a:fontRef>
+        </p:style>
+        <p:txBody>
+          <a:bodyPr rtlCol="0" anchor="ctr"/>
+          <a:lstStyle/>
+          <a:p>
+            <a:pPr algn="ctr"/>
+            <a:endParaRPr lang="ko-KR" altLang="en-US"/>
+          </a:p>
+        </p:txBody>
+      </p:sp>
+      <p:sp>
+        <p:nvSpPr>
+          <p:cNvPr id="15" name="화살표: 오른쪽 14">
+            <a:extLst>
+              <a:ext uri="{FF2B5EF4-FFF2-40B4-BE49-F238E27FC236}">
+                <a16:creationId xmlns:a16="http://schemas.microsoft.com/office/drawing/2014/main" id="{EAEB4A10-0620-097A-142F-236ED83BF7F7}"/>
+              </a:ext>
+            </a:extLst>
+          </p:cNvPr>
+          <p:cNvSpPr/>
+          <p:nvPr/>
+        </p:nvSpPr>
+        <p:spPr>
+          <a:xfrm rot="5400000">
+            <a:off x="4259481" y="3148553"/>
+            <a:ext cx="471340" cy="369332"/>
+          </a:xfrm>
+          <a:prstGeom prst="rightArrow">
+            <a:avLst/>
+          </a:prstGeom>
+        </p:spPr>
+        <p:style>
+          <a:lnRef idx="2">
+            <a:schemeClr val="accent1">
+              <a:shade val="50000"/>
+            </a:schemeClr>
+          </a:lnRef>
+          <a:fillRef idx="1">
+            <a:schemeClr val="accent1"/>
+          </a:fillRef>
+          <a:effectRef idx="0">
+            <a:schemeClr val="accent1"/>
+          </a:effectRef>
+          <a:fontRef idx="minor">
+            <a:schemeClr val="lt1"/>
+          </a:fontRef>
+        </p:style>
+        <p:txBody>
+          <a:bodyPr rtlCol="0" anchor="ctr"/>
+          <a:lstStyle/>
+          <a:p>
+            <a:pPr algn="ctr"/>
+            <a:endParaRPr lang="ko-KR" altLang="en-US"/>
+          </a:p>
+        </p:txBody>
+      </p:sp>
+      <p:sp>
+        <p:nvSpPr>
+          <p:cNvPr id="16" name="화살표: 오른쪽 15">
+            <a:extLst>
+              <a:ext uri="{FF2B5EF4-FFF2-40B4-BE49-F238E27FC236}">
+                <a16:creationId xmlns:a16="http://schemas.microsoft.com/office/drawing/2014/main" id="{DD2100C0-D276-DA1F-3AB3-D334C0DAC32F}"/>
+              </a:ext>
+            </a:extLst>
+          </p:cNvPr>
+          <p:cNvSpPr/>
+          <p:nvPr/>
+        </p:nvSpPr>
+        <p:spPr>
+          <a:xfrm rot="5400000">
+            <a:off x="1517716" y="4458817"/>
+            <a:ext cx="471340" cy="369332"/>
+          </a:xfrm>
+          <a:prstGeom prst="rightArrow">
+            <a:avLst/>
+          </a:prstGeom>
+        </p:spPr>
+        <p:style>
+          <a:lnRef idx="2">
+            <a:schemeClr val="accent1">
+              <a:shade val="50000"/>
+            </a:schemeClr>
+          </a:lnRef>
+          <a:fillRef idx="1">
+            <a:schemeClr val="accent1"/>
+          </a:fillRef>
+          <a:effectRef idx="0">
+            <a:schemeClr val="accent1"/>
+          </a:effectRef>
+          <a:fontRef idx="minor">
+            <a:schemeClr val="lt1"/>
+          </a:fontRef>
+        </p:style>
+        <p:txBody>
+          <a:bodyPr rtlCol="0" anchor="ctr"/>
+          <a:lstStyle/>
+          <a:p>
+            <a:pPr algn="ctr"/>
+            <a:endParaRPr lang="ko-KR" altLang="en-US"/>
+          </a:p>
+        </p:txBody>
+      </p:sp>
+      <p:sp>
+        <p:nvSpPr>
+          <p:cNvPr id="17" name="화살표: 오른쪽 16">
+            <a:extLst>
+              <a:ext uri="{FF2B5EF4-FFF2-40B4-BE49-F238E27FC236}">
+                <a16:creationId xmlns:a16="http://schemas.microsoft.com/office/drawing/2014/main" id="{8601BC88-F90F-B746-9211-D7E4E41C2646}"/>
+              </a:ext>
+            </a:extLst>
+          </p:cNvPr>
+          <p:cNvSpPr/>
+          <p:nvPr/>
+        </p:nvSpPr>
+        <p:spPr>
+          <a:xfrm rot="5400000">
+            <a:off x="2884124" y="4458817"/>
+            <a:ext cx="471340" cy="369332"/>
+          </a:xfrm>
+          <a:prstGeom prst="rightArrow">
+            <a:avLst/>
+          </a:prstGeom>
+        </p:spPr>
+        <p:style>
+          <a:lnRef idx="2">
+            <a:schemeClr val="accent1">
+              <a:shade val="50000"/>
+            </a:schemeClr>
+          </a:lnRef>
+          <a:fillRef idx="1">
+            <a:schemeClr val="accent1"/>
+          </a:fillRef>
+          <a:effectRef idx="0">
+            <a:schemeClr val="accent1"/>
+          </a:effectRef>
+          <a:fontRef idx="minor">
+            <a:schemeClr val="lt1"/>
+          </a:fontRef>
+        </p:style>
+        <p:txBody>
+          <a:bodyPr rtlCol="0" anchor="ctr"/>
+          <a:lstStyle/>
+          <a:p>
+            <a:pPr algn="ctr"/>
+            <a:endParaRPr lang="ko-KR" altLang="en-US"/>
+          </a:p>
+        </p:txBody>
+      </p:sp>
+      <p:sp>
+        <p:nvSpPr>
+          <p:cNvPr id="18" name="화살표: 오른쪽 17">
+            <a:extLst>
+              <a:ext uri="{FF2B5EF4-FFF2-40B4-BE49-F238E27FC236}">
+                <a16:creationId xmlns:a16="http://schemas.microsoft.com/office/drawing/2014/main" id="{C674F8B7-DA38-8548-1773-CAE9CC1F4797}"/>
+              </a:ext>
+            </a:extLst>
+          </p:cNvPr>
+          <p:cNvSpPr/>
+          <p:nvPr/>
+        </p:nvSpPr>
+        <p:spPr>
+          <a:xfrm rot="5400000">
+            <a:off x="4259481" y="4458817"/>
+            <a:ext cx="471340" cy="369332"/>
+          </a:xfrm>
+          <a:prstGeom prst="rightArrow">
+            <a:avLst/>
+          </a:prstGeom>
+        </p:spPr>
+        <p:style>
+          <a:lnRef idx="2">
+            <a:schemeClr val="accent1">
+              <a:shade val="50000"/>
+            </a:schemeClr>
+          </a:lnRef>
+          <a:fillRef idx="1">
+            <a:schemeClr val="accent1"/>
+          </a:fillRef>
+          <a:effectRef idx="0">
+            <a:schemeClr val="accent1"/>
+          </a:effectRef>
+          <a:fontRef idx="minor">
+            <a:schemeClr val="lt1"/>
+          </a:fontRef>
+        </p:style>
+        <p:txBody>
+          <a:bodyPr rtlCol="0" anchor="ctr"/>
+          <a:lstStyle/>
+          <a:p>
+            <a:pPr algn="ctr"/>
+            <a:endParaRPr lang="ko-KR" altLang="en-US"/>
+          </a:p>
+        </p:txBody>
+      </p:sp>
+      <p:graphicFrame>
+        <p:nvGraphicFramePr>
+          <p:cNvPr id="19" name="표 6">
+            <a:extLst>
+              <a:ext uri="{FF2B5EF4-FFF2-40B4-BE49-F238E27FC236}">
+                <a16:creationId xmlns:a16="http://schemas.microsoft.com/office/drawing/2014/main" id="{8DA7A018-BB78-721A-367E-4BD539B8EF7C}"/>
+              </a:ext>
+            </a:extLst>
+          </p:cNvPr>
+          <p:cNvGraphicFramePr>
+            <a:graphicFrameLocks noGrp="1"/>
+          </p:cNvGraphicFramePr>
+          <p:nvPr>
+            <p:extLst>
+              <p:ext uri="{D42A27DB-BD31-4B8C-83A1-F6EECF244321}">
+                <p14:modId xmlns:p14="http://schemas.microsoft.com/office/powerpoint/2010/main" val="683884777"/>
+              </p:ext>
+            </p:extLst>
+          </p:nvPr>
+        </p:nvGraphicFramePr>
+        <p:xfrm>
+          <a:off x="7125708" y="2030695"/>
+          <a:ext cx="4129896" cy="3939801"/>
+        </p:xfrm>
+        <a:graphic>
+          <a:graphicData uri="http://schemas.openxmlformats.org/drawingml/2006/table">
+            <a:tbl>
+              <a:tblPr firstRow="1" bandRow="1">
+                <a:tableStyleId>{69CF1AB2-1976-4502-BF36-3FF5EA218861}</a:tableStyleId>
+              </a:tblPr>
+              <a:tblGrid>
+                <a:gridCol w="1376632">
+                  <a:extLst>
+                    <a:ext uri="{9D8B030D-6E8A-4147-A177-3AD203B41FA5}">
+                      <a16:colId xmlns:a16="http://schemas.microsoft.com/office/drawing/2014/main" val="184689733"/>
+                    </a:ext>
+                  </a:extLst>
+                </a:gridCol>
+                <a:gridCol w="1376632">
+                  <a:extLst>
+                    <a:ext uri="{9D8B030D-6E8A-4147-A177-3AD203B41FA5}">
+                      <a16:colId xmlns:a16="http://schemas.microsoft.com/office/drawing/2014/main" val="662498604"/>
+                    </a:ext>
+                  </a:extLst>
+                </a:gridCol>
+                <a:gridCol w="1376632">
+                  <a:extLst>
+                    <a:ext uri="{9D8B030D-6E8A-4147-A177-3AD203B41FA5}">
+                      <a16:colId xmlns:a16="http://schemas.microsoft.com/office/drawing/2014/main" val="3419381811"/>
+                    </a:ext>
+                  </a:extLst>
+                </a:gridCol>
+              </a:tblGrid>
+              <a:tr h="1313267">
+                <a:tc>
+                  <a:txBody>
+                    <a:bodyPr/>
+                    <a:lstStyle/>
+                    <a:p>
+                      <a:pPr algn="ctr" latinLnBrk="1"/>
+                      <a:r>
+                        <a:rPr lang="en-US" altLang="ko-KR" sz="2800" b="0" dirty="0">
+                          <a:solidFill>
+                            <a:srgbClr val="FF0000"/>
+                          </a:solidFill>
+                          <a:latin typeface="나눔스퀘어 Bold" panose="020B0600000101010101" pitchFamily="50" charset="-127"/>
+                          <a:ea typeface="나눔스퀘어 Bold" panose="020B0600000101010101" pitchFamily="50" charset="-127"/>
+                        </a:rPr>
+                        <a:t>1</a:t>
+                      </a:r>
+                      <a:endParaRPr lang="ko-KR" altLang="en-US" sz="2800" b="0" dirty="0">
+                        <a:solidFill>
+                          <a:srgbClr val="FF0000"/>
+                        </a:solidFill>
+                        <a:latin typeface="나눔스퀘어 Bold" panose="020B0600000101010101" pitchFamily="50" charset="-127"/>
+                        <a:ea typeface="나눔스퀘어 Bold" panose="020B0600000101010101" pitchFamily="50" charset="-127"/>
+                      </a:endParaRPr>
+                    </a:p>
+                  </a:txBody>
+                  <a:tcPr anchor="ctr"/>
+                </a:tc>
+                <a:tc>
+                  <a:txBody>
+                    <a:bodyPr/>
+                    <a:lstStyle/>
+                    <a:p>
+                      <a:pPr algn="ctr" latinLnBrk="1"/>
+                      <a:r>
+                        <a:rPr lang="en-US" altLang="ko-KR" sz="2800" b="0" dirty="0">
+                          <a:latin typeface="나눔스퀘어 Bold" panose="020B0600000101010101" pitchFamily="50" charset="-127"/>
+                          <a:ea typeface="나눔스퀘어 Bold" panose="020B0600000101010101" pitchFamily="50" charset="-127"/>
+                        </a:rPr>
+                        <a:t>1</a:t>
+                      </a:r>
+                      <a:endParaRPr lang="ko-KR" altLang="en-US" sz="2800" b="0" dirty="0">
+                        <a:latin typeface="나눔스퀘어 Bold" panose="020B0600000101010101" pitchFamily="50" charset="-127"/>
+                        <a:ea typeface="나눔스퀘어 Bold" panose="020B0600000101010101" pitchFamily="50" charset="-127"/>
+                      </a:endParaRPr>
+                    </a:p>
+                  </a:txBody>
+                  <a:tcPr anchor="ctr"/>
+                </a:tc>
+                <a:tc>
+                  <a:txBody>
+                    <a:bodyPr/>
+                    <a:lstStyle/>
+                    <a:p>
+                      <a:pPr algn="ctr" latinLnBrk="1"/>
+                      <a:r>
+                        <a:rPr lang="en-US" altLang="ko-KR" sz="2800" b="0" dirty="0">
+                          <a:latin typeface="나눔스퀘어 Bold" panose="020B0600000101010101" pitchFamily="50" charset="-127"/>
+                          <a:ea typeface="나눔스퀘어 Bold" panose="020B0600000101010101" pitchFamily="50" charset="-127"/>
+                        </a:rPr>
+                        <a:t>0</a:t>
+                      </a:r>
+                      <a:endParaRPr lang="ko-KR" altLang="en-US" sz="2800" b="0" dirty="0">
+                        <a:latin typeface="나눔스퀘어 Bold" panose="020B0600000101010101" pitchFamily="50" charset="-127"/>
+                        <a:ea typeface="나눔스퀘어 Bold" panose="020B0600000101010101" pitchFamily="50" charset="-127"/>
+                      </a:endParaRPr>
+                    </a:p>
+                  </a:txBody>
+                  <a:tcPr anchor="ctr"/>
+                </a:tc>
+                <a:extLst>
+                  <a:ext uri="{0D108BD9-81ED-4DB2-BD59-A6C34878D82A}">
+                    <a16:rowId xmlns:a16="http://schemas.microsoft.com/office/drawing/2014/main" val="889197390"/>
+                  </a:ext>
+                </a:extLst>
+              </a:tr>
+              <a:tr h="1313267">
+                <a:tc>
+                  <a:txBody>
+                    <a:bodyPr/>
+                    <a:lstStyle/>
+                    <a:p>
+                      <a:pPr algn="ctr" latinLnBrk="1"/>
+                      <a:r>
+                        <a:rPr lang="en-US" altLang="ko-KR" sz="2800" dirty="0">
+                          <a:solidFill>
+                            <a:srgbClr val="FF0000"/>
+                          </a:solidFill>
+                          <a:latin typeface="나눔스퀘어 Bold" panose="020B0600000101010101" pitchFamily="50" charset="-127"/>
+                          <a:ea typeface="나눔스퀘어 Bold" panose="020B0600000101010101" pitchFamily="50" charset="-127"/>
+                        </a:rPr>
+                        <a:t>1</a:t>
+                      </a:r>
+                      <a:endParaRPr lang="ko-KR" altLang="en-US" sz="2800" dirty="0">
+                        <a:solidFill>
+                          <a:srgbClr val="FF0000"/>
+                        </a:solidFill>
+                        <a:latin typeface="나눔스퀘어 Bold" panose="020B0600000101010101" pitchFamily="50" charset="-127"/>
+                        <a:ea typeface="나눔스퀘어 Bold" panose="020B0600000101010101" pitchFamily="50" charset="-127"/>
+                      </a:endParaRPr>
+                    </a:p>
+                  </a:txBody>
+                  <a:tcPr anchor="ctr"/>
+                </a:tc>
+                <a:tc>
+                  <a:txBody>
+                    <a:bodyPr/>
+                    <a:lstStyle/>
+                    <a:p>
+                      <a:pPr algn="ctr" latinLnBrk="1"/>
+                      <a:r>
+                        <a:rPr lang="en-US" altLang="ko-KR" sz="2800" dirty="0">
+                          <a:latin typeface="나눔스퀘어 Bold" panose="020B0600000101010101" pitchFamily="50" charset="-127"/>
+                          <a:ea typeface="나눔스퀘어 Bold" panose="020B0600000101010101" pitchFamily="50" charset="-127"/>
+                        </a:rPr>
+                        <a:t>0</a:t>
+                      </a:r>
+                      <a:endParaRPr lang="ko-KR" altLang="en-US" sz="2800" dirty="0">
+                        <a:latin typeface="나눔스퀘어 Bold" panose="020B0600000101010101" pitchFamily="50" charset="-127"/>
+                        <a:ea typeface="나눔스퀘어 Bold" panose="020B0600000101010101" pitchFamily="50" charset="-127"/>
+                      </a:endParaRPr>
+                    </a:p>
+                  </a:txBody>
+                  <a:tcPr anchor="ctr"/>
+                </a:tc>
+                <a:tc>
+                  <a:txBody>
+                    <a:bodyPr/>
+                    <a:lstStyle/>
+                    <a:p>
+                      <a:pPr algn="ctr" latinLnBrk="1"/>
+                      <a:r>
+                        <a:rPr lang="en-US" altLang="ko-KR" sz="2800" dirty="0">
+                          <a:latin typeface="나눔스퀘어 Bold" panose="020B0600000101010101" pitchFamily="50" charset="-127"/>
+                          <a:ea typeface="나눔스퀘어 Bold" panose="020B0600000101010101" pitchFamily="50" charset="-127"/>
+                        </a:rPr>
+                        <a:t>1</a:t>
+                      </a:r>
+                      <a:endParaRPr lang="ko-KR" altLang="en-US" sz="2800" dirty="0">
+                        <a:latin typeface="나눔스퀘어 Bold" panose="020B0600000101010101" pitchFamily="50" charset="-127"/>
+                        <a:ea typeface="나눔스퀘어 Bold" panose="020B0600000101010101" pitchFamily="50" charset="-127"/>
+                      </a:endParaRPr>
+                    </a:p>
+                  </a:txBody>
+                  <a:tcPr anchor="ctr"/>
+                </a:tc>
+                <a:extLst>
+                  <a:ext uri="{0D108BD9-81ED-4DB2-BD59-A6C34878D82A}">
+                    <a16:rowId xmlns:a16="http://schemas.microsoft.com/office/drawing/2014/main" val="3949344445"/>
+                  </a:ext>
+                </a:extLst>
+              </a:tr>
+              <a:tr h="1313267">
+                <a:tc>
+                  <a:txBody>
+                    <a:bodyPr/>
+                    <a:lstStyle/>
+                    <a:p>
+                      <a:pPr algn="ctr" latinLnBrk="1"/>
+                      <a:r>
+                        <a:rPr lang="en-US" altLang="ko-KR" sz="2800" dirty="0">
+                          <a:solidFill>
+                            <a:srgbClr val="FF0000"/>
+                          </a:solidFill>
+                          <a:latin typeface="나눔스퀘어 Bold" panose="020B0600000101010101" pitchFamily="50" charset="-127"/>
+                          <a:ea typeface="나눔스퀘어 Bold" panose="020B0600000101010101" pitchFamily="50" charset="-127"/>
+                        </a:rPr>
+                        <a:t>1</a:t>
+                      </a:r>
+                      <a:endParaRPr lang="ko-KR" altLang="en-US" sz="2800" dirty="0">
+                        <a:solidFill>
+                          <a:srgbClr val="FF0000"/>
+                        </a:solidFill>
+                        <a:latin typeface="나눔스퀘어 Bold" panose="020B0600000101010101" pitchFamily="50" charset="-127"/>
+                        <a:ea typeface="나눔스퀘어 Bold" panose="020B0600000101010101" pitchFamily="50" charset="-127"/>
+                      </a:endParaRPr>
+                    </a:p>
+                  </a:txBody>
+                  <a:tcPr anchor="ctr"/>
+                </a:tc>
+                <a:tc>
+                  <a:txBody>
+                    <a:bodyPr/>
+                    <a:lstStyle/>
+                    <a:p>
+                      <a:pPr algn="ctr" latinLnBrk="1"/>
+                      <a:r>
+                        <a:rPr lang="en-US" altLang="ko-KR" sz="2800" dirty="0">
+                          <a:solidFill>
+                            <a:srgbClr val="FF0000"/>
+                          </a:solidFill>
+                          <a:latin typeface="나눔스퀘어 Bold" panose="020B0600000101010101" pitchFamily="50" charset="-127"/>
+                          <a:ea typeface="나눔스퀘어 Bold" panose="020B0600000101010101" pitchFamily="50" charset="-127"/>
+                        </a:rPr>
+                        <a:t>1</a:t>
+                      </a:r>
+                      <a:endParaRPr lang="ko-KR" altLang="en-US" sz="2800" dirty="0">
+                        <a:solidFill>
+                          <a:srgbClr val="FF0000"/>
+                        </a:solidFill>
+                        <a:latin typeface="나눔스퀘어 Bold" panose="020B0600000101010101" pitchFamily="50" charset="-127"/>
+                        <a:ea typeface="나눔스퀘어 Bold" panose="020B0600000101010101" pitchFamily="50" charset="-127"/>
+                      </a:endParaRPr>
+                    </a:p>
+                  </a:txBody>
+                  <a:tcPr anchor="ctr"/>
+                </a:tc>
+                <a:tc>
+                  <a:txBody>
+                    <a:bodyPr/>
+                    <a:lstStyle/>
+                    <a:p>
+                      <a:pPr algn="ctr" latinLnBrk="1"/>
+                      <a:r>
+                        <a:rPr lang="en-US" altLang="ko-KR" sz="2800" dirty="0">
+                          <a:solidFill>
+                            <a:srgbClr val="FF0000"/>
+                          </a:solidFill>
+                          <a:latin typeface="나눔스퀘어 Bold" panose="020B0600000101010101" pitchFamily="50" charset="-127"/>
+                          <a:ea typeface="나눔스퀘어 Bold" panose="020B0600000101010101" pitchFamily="50" charset="-127"/>
+                        </a:rPr>
+                        <a:t>0</a:t>
+                      </a:r>
+                      <a:endParaRPr lang="ko-KR" altLang="en-US" sz="2800" dirty="0">
+                        <a:solidFill>
+                          <a:srgbClr val="FF0000"/>
+                        </a:solidFill>
+                        <a:latin typeface="나눔스퀘어 Bold" panose="020B0600000101010101" pitchFamily="50" charset="-127"/>
+                        <a:ea typeface="나눔스퀘어 Bold" panose="020B0600000101010101" pitchFamily="50" charset="-127"/>
+                      </a:endParaRPr>
+                    </a:p>
+                  </a:txBody>
+                  <a:tcPr anchor="ctr"/>
+                </a:tc>
+                <a:extLst>
+                  <a:ext uri="{0D108BD9-81ED-4DB2-BD59-A6C34878D82A}">
+                    <a16:rowId xmlns:a16="http://schemas.microsoft.com/office/drawing/2014/main" val="264939005"/>
+                  </a:ext>
+                </a:extLst>
+              </a:tr>
+            </a:tbl>
+          </a:graphicData>
+        </a:graphic>
+      </p:graphicFrame>
+      <p:sp>
+        <p:nvSpPr>
+          <p:cNvPr id="20" name="화살표: 오른쪽 19">
+            <a:extLst>
+              <a:ext uri="{FF2B5EF4-FFF2-40B4-BE49-F238E27FC236}">
+                <a16:creationId xmlns:a16="http://schemas.microsoft.com/office/drawing/2014/main" id="{B713EE36-DF89-794F-C4E1-AC3AE019BA7E}"/>
+              </a:ext>
+            </a:extLst>
+          </p:cNvPr>
+          <p:cNvSpPr/>
+          <p:nvPr/>
+        </p:nvSpPr>
+        <p:spPr>
+          <a:xfrm>
+            <a:off x="8295588" y="2469823"/>
+            <a:ext cx="471340" cy="369332"/>
+          </a:xfrm>
+          <a:prstGeom prst="rightArrow">
+            <a:avLst/>
+          </a:prstGeom>
+        </p:spPr>
+        <p:style>
+          <a:lnRef idx="2">
+            <a:schemeClr val="accent1">
+              <a:shade val="50000"/>
+            </a:schemeClr>
+          </a:lnRef>
+          <a:fillRef idx="1">
+            <a:schemeClr val="accent1"/>
+          </a:fillRef>
+          <a:effectRef idx="0">
+            <a:schemeClr val="accent1"/>
+          </a:effectRef>
+          <a:fontRef idx="minor">
+            <a:schemeClr val="lt1"/>
+          </a:fontRef>
+        </p:style>
+        <p:txBody>
+          <a:bodyPr rtlCol="0" anchor="ctr"/>
+          <a:lstStyle/>
+          <a:p>
+            <a:pPr algn="ctr"/>
+            <a:endParaRPr lang="ko-KR" altLang="en-US"/>
+          </a:p>
+        </p:txBody>
+      </p:sp>
+      <p:sp>
+        <p:nvSpPr>
+          <p:cNvPr id="21" name="화살표: 오른쪽 20">
+            <a:extLst>
+              <a:ext uri="{FF2B5EF4-FFF2-40B4-BE49-F238E27FC236}">
+                <a16:creationId xmlns:a16="http://schemas.microsoft.com/office/drawing/2014/main" id="{335ED31B-9221-3D93-37F0-2AE7431AFA07}"/>
+              </a:ext>
+            </a:extLst>
+          </p:cNvPr>
+          <p:cNvSpPr/>
+          <p:nvPr/>
+        </p:nvSpPr>
+        <p:spPr>
+          <a:xfrm>
+            <a:off x="9641106" y="2469823"/>
+            <a:ext cx="471340" cy="369332"/>
+          </a:xfrm>
+          <a:prstGeom prst="rightArrow">
+            <a:avLst/>
+          </a:prstGeom>
+        </p:spPr>
+        <p:style>
+          <a:lnRef idx="2">
+            <a:schemeClr val="accent1">
+              <a:shade val="50000"/>
+            </a:schemeClr>
+          </a:lnRef>
+          <a:fillRef idx="1">
+            <a:schemeClr val="accent1"/>
+          </a:fillRef>
+          <a:effectRef idx="0">
+            <a:schemeClr val="accent1"/>
+          </a:effectRef>
+          <a:fontRef idx="minor">
+            <a:schemeClr val="lt1"/>
+          </a:fontRef>
+        </p:style>
+        <p:txBody>
+          <a:bodyPr rtlCol="0" anchor="ctr"/>
+          <a:lstStyle/>
+          <a:p>
+            <a:pPr algn="ctr"/>
+            <a:endParaRPr lang="ko-KR" altLang="en-US"/>
+          </a:p>
+        </p:txBody>
+      </p:sp>
+      <p:sp>
+        <p:nvSpPr>
+          <p:cNvPr id="22" name="화살표: 오른쪽 21">
+            <a:extLst>
+              <a:ext uri="{FF2B5EF4-FFF2-40B4-BE49-F238E27FC236}">
+                <a16:creationId xmlns:a16="http://schemas.microsoft.com/office/drawing/2014/main" id="{CC968A92-29A9-6770-3C45-0CF2F6B88AA9}"/>
+              </a:ext>
+            </a:extLst>
+          </p:cNvPr>
+          <p:cNvSpPr/>
+          <p:nvPr/>
+        </p:nvSpPr>
+        <p:spPr>
+          <a:xfrm>
+            <a:off x="8295588" y="3834180"/>
+            <a:ext cx="471340" cy="369332"/>
+          </a:xfrm>
+          <a:prstGeom prst="rightArrow">
+            <a:avLst/>
+          </a:prstGeom>
+        </p:spPr>
+        <p:style>
+          <a:lnRef idx="2">
+            <a:schemeClr val="accent1">
+              <a:shade val="50000"/>
+            </a:schemeClr>
+          </a:lnRef>
+          <a:fillRef idx="1">
+            <a:schemeClr val="accent1"/>
+          </a:fillRef>
+          <a:effectRef idx="0">
+            <a:schemeClr val="accent1"/>
+          </a:effectRef>
+          <a:fontRef idx="minor">
+            <a:schemeClr val="lt1"/>
+          </a:fontRef>
+        </p:style>
+        <p:txBody>
+          <a:bodyPr rtlCol="0" anchor="ctr"/>
+          <a:lstStyle/>
+          <a:p>
+            <a:pPr algn="ctr"/>
+            <a:endParaRPr lang="ko-KR" altLang="en-US"/>
+          </a:p>
+        </p:txBody>
+      </p:sp>
+      <p:sp>
+        <p:nvSpPr>
+          <p:cNvPr id="23" name="화살표: 오른쪽 22">
+            <a:extLst>
+              <a:ext uri="{FF2B5EF4-FFF2-40B4-BE49-F238E27FC236}">
+                <a16:creationId xmlns:a16="http://schemas.microsoft.com/office/drawing/2014/main" id="{1909750E-9B0F-335D-7114-EA1762466FFD}"/>
+              </a:ext>
+            </a:extLst>
+          </p:cNvPr>
+          <p:cNvSpPr/>
+          <p:nvPr/>
+        </p:nvSpPr>
+        <p:spPr>
+          <a:xfrm>
+            <a:off x="9641106" y="3834180"/>
+            <a:ext cx="471340" cy="369332"/>
+          </a:xfrm>
+          <a:prstGeom prst="rightArrow">
+            <a:avLst/>
+          </a:prstGeom>
+        </p:spPr>
+        <p:style>
+          <a:lnRef idx="2">
+            <a:schemeClr val="accent1">
+              <a:shade val="50000"/>
+            </a:schemeClr>
+          </a:lnRef>
+          <a:fillRef idx="1">
+            <a:schemeClr val="accent1"/>
+          </a:fillRef>
+          <a:effectRef idx="0">
+            <a:schemeClr val="accent1"/>
+          </a:effectRef>
+          <a:fontRef idx="minor">
+            <a:schemeClr val="lt1"/>
+          </a:fontRef>
+        </p:style>
+        <p:txBody>
+          <a:bodyPr rtlCol="0" anchor="ctr"/>
+          <a:lstStyle/>
+          <a:p>
+            <a:pPr algn="ctr"/>
+            <a:endParaRPr lang="ko-KR" altLang="en-US"/>
+          </a:p>
+        </p:txBody>
+      </p:sp>
+      <p:sp>
+        <p:nvSpPr>
+          <p:cNvPr id="24" name="화살표: 오른쪽 23">
+            <a:extLst>
+              <a:ext uri="{FF2B5EF4-FFF2-40B4-BE49-F238E27FC236}">
+                <a16:creationId xmlns:a16="http://schemas.microsoft.com/office/drawing/2014/main" id="{950D8116-F9DA-C246-7B17-57D55940558D}"/>
+              </a:ext>
+            </a:extLst>
+          </p:cNvPr>
+          <p:cNvSpPr/>
+          <p:nvPr/>
+        </p:nvSpPr>
+        <p:spPr>
+          <a:xfrm>
+            <a:off x="8295588" y="5087945"/>
+            <a:ext cx="471340" cy="369332"/>
+          </a:xfrm>
+          <a:prstGeom prst="rightArrow">
+            <a:avLst/>
+          </a:prstGeom>
+          <a:solidFill>
+            <a:srgbClr val="FF0000"/>
+          </a:solidFill>
+        </p:spPr>
+        <p:style>
+          <a:lnRef idx="2">
+            <a:schemeClr val="accent1">
+              <a:shade val="50000"/>
+            </a:schemeClr>
+          </a:lnRef>
+          <a:fillRef idx="1">
+            <a:schemeClr val="accent1"/>
+          </a:fillRef>
+          <a:effectRef idx="0">
+            <a:schemeClr val="accent1"/>
+          </a:effectRef>
+          <a:fontRef idx="minor">
+            <a:schemeClr val="lt1"/>
+          </a:fontRef>
+        </p:style>
+        <p:txBody>
+          <a:bodyPr rtlCol="0" anchor="ctr"/>
+          <a:lstStyle/>
+          <a:p>
+            <a:pPr algn="ctr"/>
+            <a:endParaRPr lang="ko-KR" altLang="en-US"/>
+          </a:p>
+        </p:txBody>
+      </p:sp>
+      <p:sp>
+        <p:nvSpPr>
+          <p:cNvPr id="25" name="화살표: 오른쪽 24">
+            <a:extLst>
+              <a:ext uri="{FF2B5EF4-FFF2-40B4-BE49-F238E27FC236}">
+                <a16:creationId xmlns:a16="http://schemas.microsoft.com/office/drawing/2014/main" id="{3731855A-0002-E1A9-CF8E-CBB7B5FC9FC7}"/>
+              </a:ext>
+            </a:extLst>
+          </p:cNvPr>
+          <p:cNvSpPr/>
+          <p:nvPr/>
+        </p:nvSpPr>
+        <p:spPr>
+          <a:xfrm>
+            <a:off x="9641106" y="5087945"/>
+            <a:ext cx="471340" cy="369332"/>
+          </a:xfrm>
+          <a:prstGeom prst="rightArrow">
+            <a:avLst/>
+          </a:prstGeom>
+          <a:solidFill>
+            <a:srgbClr val="FF0000"/>
+          </a:solidFill>
+        </p:spPr>
+        <p:style>
+          <a:lnRef idx="2">
+            <a:schemeClr val="accent1">
+              <a:shade val="50000"/>
+            </a:schemeClr>
+          </a:lnRef>
+          <a:fillRef idx="1">
+            <a:schemeClr val="accent1"/>
+          </a:fillRef>
+          <a:effectRef idx="0">
+            <a:schemeClr val="accent1"/>
+          </a:effectRef>
+          <a:fontRef idx="minor">
+            <a:schemeClr val="lt1"/>
+          </a:fontRef>
+        </p:style>
+        <p:txBody>
+          <a:bodyPr rtlCol="0" anchor="ctr"/>
+          <a:lstStyle/>
+          <a:p>
+            <a:pPr algn="ctr"/>
+            <a:endParaRPr lang="ko-KR" altLang="en-US"/>
+          </a:p>
+        </p:txBody>
+      </p:sp>
+      <p:sp>
+        <p:nvSpPr>
+          <p:cNvPr id="26" name="화살표: 오른쪽 25">
+            <a:extLst>
+              <a:ext uri="{FF2B5EF4-FFF2-40B4-BE49-F238E27FC236}">
+                <a16:creationId xmlns:a16="http://schemas.microsoft.com/office/drawing/2014/main" id="{F34FE4F9-04F4-7125-1C02-2EBBC664EFC7}"/>
+              </a:ext>
+            </a:extLst>
+          </p:cNvPr>
+          <p:cNvSpPr/>
+          <p:nvPr/>
+        </p:nvSpPr>
+        <p:spPr>
+          <a:xfrm rot="5400000">
+            <a:off x="7588578" y="3148553"/>
+            <a:ext cx="471340" cy="369332"/>
+          </a:xfrm>
+          <a:prstGeom prst="rightArrow">
+            <a:avLst/>
+          </a:prstGeom>
+          <a:solidFill>
+            <a:srgbClr val="FF0000"/>
+          </a:solidFill>
+        </p:spPr>
+        <p:style>
+          <a:lnRef idx="2">
+            <a:schemeClr val="accent1">
+              <a:shade val="50000"/>
+            </a:schemeClr>
+          </a:lnRef>
+          <a:fillRef idx="1">
+            <a:schemeClr val="accent1"/>
+          </a:fillRef>
+          <a:effectRef idx="0">
+            <a:schemeClr val="accent1"/>
+          </a:effectRef>
+          <a:fontRef idx="minor">
+            <a:schemeClr val="lt1"/>
+          </a:fontRef>
+        </p:style>
+        <p:txBody>
+          <a:bodyPr rtlCol="0" anchor="ctr"/>
+          <a:lstStyle/>
+          <a:p>
+            <a:pPr algn="ctr"/>
+            <a:endParaRPr lang="ko-KR" altLang="en-US"/>
+          </a:p>
+        </p:txBody>
+      </p:sp>
+      <p:sp>
+        <p:nvSpPr>
+          <p:cNvPr id="27" name="화살표: 오른쪽 26">
+            <a:extLst>
+              <a:ext uri="{FF2B5EF4-FFF2-40B4-BE49-F238E27FC236}">
+                <a16:creationId xmlns:a16="http://schemas.microsoft.com/office/drawing/2014/main" id="{666FC15E-EC53-BC13-D2AF-92EBEF1AECBE}"/>
+              </a:ext>
+            </a:extLst>
+          </p:cNvPr>
+          <p:cNvSpPr/>
+          <p:nvPr/>
+        </p:nvSpPr>
+        <p:spPr>
+          <a:xfrm rot="5400000">
+            <a:off x="8954986" y="3148553"/>
+            <a:ext cx="471340" cy="369332"/>
+          </a:xfrm>
+          <a:prstGeom prst="rightArrow">
+            <a:avLst/>
+          </a:prstGeom>
+        </p:spPr>
+        <p:style>
+          <a:lnRef idx="2">
+            <a:schemeClr val="accent1">
+              <a:shade val="50000"/>
+            </a:schemeClr>
+          </a:lnRef>
+          <a:fillRef idx="1">
+            <a:schemeClr val="accent1"/>
+          </a:fillRef>
+          <a:effectRef idx="0">
+            <a:schemeClr val="accent1"/>
+          </a:effectRef>
+          <a:fontRef idx="minor">
+            <a:schemeClr val="lt1"/>
+          </a:fontRef>
+        </p:style>
+        <p:txBody>
+          <a:bodyPr rtlCol="0" anchor="ctr"/>
+          <a:lstStyle/>
+          <a:p>
+            <a:pPr algn="ctr"/>
+            <a:endParaRPr lang="ko-KR" altLang="en-US"/>
+          </a:p>
+        </p:txBody>
+      </p:sp>
+      <p:sp>
+        <p:nvSpPr>
+          <p:cNvPr id="28" name="화살표: 오른쪽 27">
+            <a:extLst>
+              <a:ext uri="{FF2B5EF4-FFF2-40B4-BE49-F238E27FC236}">
+                <a16:creationId xmlns:a16="http://schemas.microsoft.com/office/drawing/2014/main" id="{83B6FB12-DA01-17B2-A4CA-68CC3CC53C0D}"/>
+              </a:ext>
+            </a:extLst>
+          </p:cNvPr>
+          <p:cNvSpPr/>
+          <p:nvPr/>
+        </p:nvSpPr>
+        <p:spPr>
+          <a:xfrm rot="5400000">
+            <a:off x="10330343" y="3148553"/>
+            <a:ext cx="471340" cy="369332"/>
+          </a:xfrm>
+          <a:prstGeom prst="rightArrow">
+            <a:avLst/>
+          </a:prstGeom>
+        </p:spPr>
+        <p:style>
+          <a:lnRef idx="2">
+            <a:schemeClr val="accent1">
+              <a:shade val="50000"/>
+            </a:schemeClr>
+          </a:lnRef>
+          <a:fillRef idx="1">
+            <a:schemeClr val="accent1"/>
+          </a:fillRef>
+          <a:effectRef idx="0">
+            <a:schemeClr val="accent1"/>
+          </a:effectRef>
+          <a:fontRef idx="minor">
+            <a:schemeClr val="lt1"/>
+          </a:fontRef>
+        </p:style>
+        <p:txBody>
+          <a:bodyPr rtlCol="0" anchor="ctr"/>
+          <a:lstStyle/>
+          <a:p>
+            <a:pPr algn="ctr"/>
+            <a:endParaRPr lang="ko-KR" altLang="en-US"/>
+          </a:p>
+        </p:txBody>
+      </p:sp>
+      <p:sp>
+        <p:nvSpPr>
+          <p:cNvPr id="29" name="화살표: 오른쪽 28">
+            <a:extLst>
+              <a:ext uri="{FF2B5EF4-FFF2-40B4-BE49-F238E27FC236}">
+                <a16:creationId xmlns:a16="http://schemas.microsoft.com/office/drawing/2014/main" id="{980E6026-E1F2-33C7-975B-D2952183D853}"/>
+              </a:ext>
+            </a:extLst>
+          </p:cNvPr>
+          <p:cNvSpPr/>
+          <p:nvPr/>
+        </p:nvSpPr>
+        <p:spPr>
+          <a:xfrm rot="5400000">
+            <a:off x="7588578" y="4458817"/>
+            <a:ext cx="471340" cy="369332"/>
+          </a:xfrm>
+          <a:prstGeom prst="rightArrow">
+            <a:avLst/>
+          </a:prstGeom>
+          <a:solidFill>
+            <a:srgbClr val="FF0000"/>
+          </a:solidFill>
+        </p:spPr>
+        <p:style>
+          <a:lnRef idx="2">
+            <a:schemeClr val="accent1">
+              <a:shade val="50000"/>
+            </a:schemeClr>
+          </a:lnRef>
+          <a:fillRef idx="1">
+            <a:schemeClr val="accent1"/>
+          </a:fillRef>
+          <a:effectRef idx="0">
+            <a:schemeClr val="accent1"/>
+          </a:effectRef>
+          <a:fontRef idx="minor">
+            <a:schemeClr val="lt1"/>
+          </a:fontRef>
+        </p:style>
+        <p:txBody>
+          <a:bodyPr rtlCol="0" anchor="ctr"/>
+          <a:lstStyle/>
+          <a:p>
+            <a:pPr algn="ctr"/>
+            <a:endParaRPr lang="ko-KR" altLang="en-US"/>
+          </a:p>
+        </p:txBody>
+      </p:sp>
+      <p:sp>
+        <p:nvSpPr>
+          <p:cNvPr id="30" name="화살표: 오른쪽 29">
+            <a:extLst>
+              <a:ext uri="{FF2B5EF4-FFF2-40B4-BE49-F238E27FC236}">
+                <a16:creationId xmlns:a16="http://schemas.microsoft.com/office/drawing/2014/main" id="{9CE61B65-B441-63B8-A74E-44E9314F8FD2}"/>
+              </a:ext>
+            </a:extLst>
+          </p:cNvPr>
+          <p:cNvSpPr/>
+          <p:nvPr/>
+        </p:nvSpPr>
+        <p:spPr>
+          <a:xfrm rot="5400000">
+            <a:off x="8954986" y="4458817"/>
+            <a:ext cx="471340" cy="369332"/>
+          </a:xfrm>
+          <a:prstGeom prst="rightArrow">
+            <a:avLst/>
+          </a:prstGeom>
+        </p:spPr>
+        <p:style>
+          <a:lnRef idx="2">
+            <a:schemeClr val="accent1">
+              <a:shade val="50000"/>
+            </a:schemeClr>
+          </a:lnRef>
+          <a:fillRef idx="1">
+            <a:schemeClr val="accent1"/>
+          </a:fillRef>
+          <a:effectRef idx="0">
+            <a:schemeClr val="accent1"/>
+          </a:effectRef>
+          <a:fontRef idx="minor">
+            <a:schemeClr val="lt1"/>
+          </a:fontRef>
+        </p:style>
+        <p:txBody>
+          <a:bodyPr rtlCol="0" anchor="ctr"/>
+          <a:lstStyle/>
+          <a:p>
+            <a:pPr algn="ctr"/>
+            <a:endParaRPr lang="ko-KR" altLang="en-US"/>
+          </a:p>
+        </p:txBody>
+      </p:sp>
+      <p:sp>
+        <p:nvSpPr>
+          <p:cNvPr id="31" name="화살표: 오른쪽 30">
+            <a:extLst>
+              <a:ext uri="{FF2B5EF4-FFF2-40B4-BE49-F238E27FC236}">
+                <a16:creationId xmlns:a16="http://schemas.microsoft.com/office/drawing/2014/main" id="{9566F64D-CDC1-6E7B-E0F7-D3606774C9C2}"/>
+              </a:ext>
+            </a:extLst>
+          </p:cNvPr>
+          <p:cNvSpPr/>
+          <p:nvPr/>
+        </p:nvSpPr>
+        <p:spPr>
+          <a:xfrm rot="5400000">
+            <a:off x="10330343" y="4458817"/>
+            <a:ext cx="471340" cy="369332"/>
+          </a:xfrm>
+          <a:prstGeom prst="rightArrow">
+            <a:avLst/>
+          </a:prstGeom>
+        </p:spPr>
+        <p:style>
+          <a:lnRef idx="2">
+            <a:schemeClr val="accent1">
+              <a:shade val="50000"/>
+            </a:schemeClr>
+          </a:lnRef>
+          <a:fillRef idx="1">
+            <a:schemeClr val="accent1"/>
+          </a:fillRef>
+          <a:effectRef idx="0">
+            <a:schemeClr val="accent1"/>
+          </a:effectRef>
+          <a:fontRef idx="minor">
+            <a:schemeClr val="lt1"/>
+          </a:fontRef>
+        </p:style>
+        <p:txBody>
+          <a:bodyPr rtlCol="0" anchor="ctr"/>
+          <a:lstStyle/>
+          <a:p>
+            <a:pPr algn="ctr"/>
+            <a:endParaRPr lang="ko-KR" altLang="en-US"/>
+          </a:p>
+        </p:txBody>
+      </p:sp>
     </p:spTree>
     <p:extLst>
       <p:ext uri="{BB962C8B-B14F-4D97-AF65-F5344CB8AC3E}">
@@ -6282,52 +8043,1909 @@
                 <a:latin typeface="나눔스퀘어 Bold" panose="020B0600000101010101" pitchFamily="50" charset="-127"/>
                 <a:ea typeface="나눔스퀘어 Bold" panose="020B0600000101010101" pitchFamily="50" charset="-127"/>
               </a:rPr>
-              <a:t>Dynamic Programming – 14916 </a:t>
+              <a:t>Dynamic Programming – 14430 </a:t>
             </a:r>
             <a:r>
               <a:rPr lang="ko-KR" altLang="en-US" sz="2800" dirty="0">
                 <a:latin typeface="나눔스퀘어 Bold" panose="020B0600000101010101" pitchFamily="50" charset="-127"/>
                 <a:ea typeface="나눔스퀘어 Bold" panose="020B0600000101010101" pitchFamily="50" charset="-127"/>
               </a:rPr>
-              <a:t>거스름돈</a:t>
-            </a:r>
-          </a:p>
-        </p:txBody>
-      </p:sp>
-      <p:pic>
-        <p:nvPicPr>
-          <p:cNvPr id="3" name="그림 2">
-            <a:extLst>
-              <a:ext uri="{FF2B5EF4-FFF2-40B4-BE49-F238E27FC236}">
-                <a16:creationId xmlns:a16="http://schemas.microsoft.com/office/drawing/2014/main" id="{AFD233B6-4CE0-4B26-7BD7-0C2D24025EA1}"/>
-              </a:ext>
-            </a:extLst>
-          </p:cNvPr>
-          <p:cNvPicPr>
-            <a:picLocks noChangeAspect="1"/>
-          </p:cNvPicPr>
-          <p:nvPr/>
-        </p:nvPicPr>
-        <p:blipFill>
-          <a:blip r:embed="rId2"/>
-          <a:stretch>
-            <a:fillRect/>
-          </a:stretch>
-        </p:blipFill>
-        <p:spPr>
-          <a:xfrm>
-            <a:off x="331694" y="963268"/>
-            <a:ext cx="9247400" cy="5894731"/>
+              <a:t>자원 캐기</a:t>
+            </a:r>
+          </a:p>
+        </p:txBody>
+      </p:sp>
+      <p:sp>
+        <p:nvSpPr>
+          <p:cNvPr id="3" name="TextBox 2">
+            <a:extLst>
+              <a:ext uri="{FF2B5EF4-FFF2-40B4-BE49-F238E27FC236}">
+                <a16:creationId xmlns:a16="http://schemas.microsoft.com/office/drawing/2014/main" id="{C2ED2474-9900-3800-8DE1-1B08712A00BD}"/>
+              </a:ext>
+            </a:extLst>
+          </p:cNvPr>
+          <p:cNvSpPr txBox="1"/>
+          <p:nvPr/>
+        </p:nvSpPr>
+        <p:spPr>
+          <a:xfrm>
+            <a:off x="942387" y="1190024"/>
+            <a:ext cx="10313217" cy="369332"/>
           </a:xfrm>
           <a:prstGeom prst="rect">
             <a:avLst/>
           </a:prstGeom>
-        </p:spPr>
-      </p:pic>
+          <a:noFill/>
+        </p:spPr>
+        <p:txBody>
+          <a:bodyPr wrap="square" rtlCol="0">
+            <a:spAutoFit/>
+          </a:bodyPr>
+          <a:lstStyle/>
+          <a:p>
+            <a:r>
+              <a:rPr lang="ko-KR" altLang="en-US" dirty="0">
+                <a:latin typeface="나눔스퀘어 Light" panose="020B0600000101010101" pitchFamily="50" charset="-127"/>
+                <a:ea typeface="나눔스퀘어 Light" panose="020B0600000101010101" pitchFamily="50" charset="-127"/>
+              </a:rPr>
+              <a:t>행을 </a:t>
+            </a:r>
+            <a:r>
+              <a:rPr lang="en-US" altLang="ko-KR" dirty="0">
+                <a:latin typeface="나눔스퀘어 Light" panose="020B0600000101010101" pitchFamily="50" charset="-127"/>
+                <a:ea typeface="나눔스퀘어 Light" panose="020B0600000101010101" pitchFamily="50" charset="-127"/>
+              </a:rPr>
+              <a:t>x, </a:t>
+            </a:r>
+            <a:r>
+              <a:rPr lang="ko-KR" altLang="en-US" dirty="0">
+                <a:latin typeface="나눔스퀘어 Light" panose="020B0600000101010101" pitchFamily="50" charset="-127"/>
+                <a:ea typeface="나눔스퀘어 Light" panose="020B0600000101010101" pitchFamily="50" charset="-127"/>
+              </a:rPr>
+              <a:t>열을 </a:t>
+            </a:r>
+            <a:r>
+              <a:rPr lang="en-US" altLang="ko-KR" dirty="0">
+                <a:latin typeface="나눔스퀘어 Light" panose="020B0600000101010101" pitchFamily="50" charset="-127"/>
+                <a:ea typeface="나눔스퀘어 Light" panose="020B0600000101010101" pitchFamily="50" charset="-127"/>
+              </a:rPr>
+              <a:t>y </a:t>
+            </a:r>
+            <a:r>
+              <a:rPr lang="ko-KR" altLang="en-US" dirty="0">
+                <a:latin typeface="나눔스퀘어 Light" panose="020B0600000101010101" pitchFamily="50" charset="-127"/>
+                <a:ea typeface="나눔스퀘어 Light" panose="020B0600000101010101" pitchFamily="50" charset="-127"/>
+              </a:rPr>
+              <a:t>라고 했을 때</a:t>
+            </a:r>
+            <a:r>
+              <a:rPr lang="en-US" altLang="ko-KR" dirty="0">
+                <a:latin typeface="나눔스퀘어 Light" panose="020B0600000101010101" pitchFamily="50" charset="-127"/>
+                <a:ea typeface="나눔스퀘어 Light" panose="020B0600000101010101" pitchFamily="50" charset="-127"/>
+              </a:rPr>
+              <a:t>, (x, y) </a:t>
+            </a:r>
+            <a:r>
+              <a:rPr lang="ko-KR" altLang="en-US" dirty="0">
+                <a:latin typeface="나눔스퀘어 Light" panose="020B0600000101010101" pitchFamily="50" charset="-127"/>
+                <a:ea typeface="나눔스퀘어 Light" panose="020B0600000101010101" pitchFamily="50" charset="-127"/>
+              </a:rPr>
+              <a:t>에 도달하는 방법은 </a:t>
+            </a:r>
+            <a:r>
+              <a:rPr lang="en-US" altLang="ko-KR" dirty="0">
+                <a:latin typeface="나눔스퀘어 Light" panose="020B0600000101010101" pitchFamily="50" charset="-127"/>
+                <a:ea typeface="나눔스퀘어 Light" panose="020B0600000101010101" pitchFamily="50" charset="-127"/>
+              </a:rPr>
+              <a:t>(x-1, y)(</a:t>
+            </a:r>
+            <a:r>
+              <a:rPr lang="ko-KR" altLang="en-US" dirty="0">
+                <a:latin typeface="나눔스퀘어 Light" panose="020B0600000101010101" pitchFamily="50" charset="-127"/>
+                <a:ea typeface="나눔스퀘어 Light" panose="020B0600000101010101" pitchFamily="50" charset="-127"/>
+              </a:rPr>
+              <a:t>위쪽</a:t>
+            </a:r>
+            <a:r>
+              <a:rPr lang="en-US" altLang="ko-KR" dirty="0">
+                <a:latin typeface="나눔스퀘어 Light" panose="020B0600000101010101" pitchFamily="50" charset="-127"/>
+                <a:ea typeface="나눔스퀘어 Light" panose="020B0600000101010101" pitchFamily="50" charset="-127"/>
+              </a:rPr>
+              <a:t>) </a:t>
+            </a:r>
+            <a:r>
+              <a:rPr lang="ko-KR" altLang="en-US" dirty="0">
+                <a:latin typeface="나눔스퀘어 Light" panose="020B0600000101010101" pitchFamily="50" charset="-127"/>
+                <a:ea typeface="나눔스퀘어 Light" panose="020B0600000101010101" pitchFamily="50" charset="-127"/>
+              </a:rPr>
+              <a:t>혹은 </a:t>
+            </a:r>
+            <a:r>
+              <a:rPr lang="en-US" altLang="ko-KR" dirty="0">
+                <a:latin typeface="나눔스퀘어 Light" panose="020B0600000101010101" pitchFamily="50" charset="-127"/>
+                <a:ea typeface="나눔스퀘어 Light" panose="020B0600000101010101" pitchFamily="50" charset="-127"/>
+              </a:rPr>
+              <a:t>(x, y-1)(</a:t>
+            </a:r>
+            <a:r>
+              <a:rPr lang="ko-KR" altLang="en-US" dirty="0">
+                <a:latin typeface="나눔스퀘어 Light" panose="020B0600000101010101" pitchFamily="50" charset="-127"/>
+                <a:ea typeface="나눔스퀘어 Light" panose="020B0600000101010101" pitchFamily="50" charset="-127"/>
+              </a:rPr>
+              <a:t>왼쪽</a:t>
+            </a:r>
+            <a:r>
+              <a:rPr lang="en-US" altLang="ko-KR" dirty="0">
+                <a:latin typeface="나눔스퀘어 Light" panose="020B0600000101010101" pitchFamily="50" charset="-127"/>
+                <a:ea typeface="나눔스퀘어 Light" panose="020B0600000101010101" pitchFamily="50" charset="-127"/>
+              </a:rPr>
+              <a:t>) </a:t>
+            </a:r>
+            <a:r>
+              <a:rPr lang="ko-KR" altLang="en-US" dirty="0">
+                <a:latin typeface="나눔스퀘어 Light" panose="020B0600000101010101" pitchFamily="50" charset="-127"/>
+                <a:ea typeface="나눔스퀘어 Light" panose="020B0600000101010101" pitchFamily="50" charset="-127"/>
+              </a:rPr>
+              <a:t>밖에 존재하지 않음</a:t>
+            </a:r>
+          </a:p>
+        </p:txBody>
+      </p:sp>
+      <p:graphicFrame>
+        <p:nvGraphicFramePr>
+          <p:cNvPr id="6" name="표 6">
+            <a:extLst>
+              <a:ext uri="{FF2B5EF4-FFF2-40B4-BE49-F238E27FC236}">
+                <a16:creationId xmlns:a16="http://schemas.microsoft.com/office/drawing/2014/main" id="{1C062CAD-B8B0-3B6C-738E-BA0D9CF66C66}"/>
+              </a:ext>
+            </a:extLst>
+          </p:cNvPr>
+          <p:cNvGraphicFramePr>
+            <a:graphicFrameLocks noGrp="1"/>
+          </p:cNvGraphicFramePr>
+          <p:nvPr>
+            <p:extLst>
+              <p:ext uri="{D42A27DB-BD31-4B8C-83A1-F6EECF244321}">
+                <p14:modId xmlns:p14="http://schemas.microsoft.com/office/powerpoint/2010/main" val="4007164443"/>
+              </p:ext>
+            </p:extLst>
+          </p:nvPr>
+        </p:nvGraphicFramePr>
+        <p:xfrm>
+          <a:off x="1054846" y="2030695"/>
+          <a:ext cx="4129896" cy="3939801"/>
+        </p:xfrm>
+        <a:graphic>
+          <a:graphicData uri="http://schemas.openxmlformats.org/drawingml/2006/table">
+            <a:tbl>
+              <a:tblPr firstRow="1" bandRow="1">
+                <a:tableStyleId>{69CF1AB2-1976-4502-BF36-3FF5EA218861}</a:tableStyleId>
+              </a:tblPr>
+              <a:tblGrid>
+                <a:gridCol w="1376632">
+                  <a:extLst>
+                    <a:ext uri="{9D8B030D-6E8A-4147-A177-3AD203B41FA5}">
+                      <a16:colId xmlns:a16="http://schemas.microsoft.com/office/drawing/2014/main" val="184689733"/>
+                    </a:ext>
+                  </a:extLst>
+                </a:gridCol>
+                <a:gridCol w="1376632">
+                  <a:extLst>
+                    <a:ext uri="{9D8B030D-6E8A-4147-A177-3AD203B41FA5}">
+                      <a16:colId xmlns:a16="http://schemas.microsoft.com/office/drawing/2014/main" val="662498604"/>
+                    </a:ext>
+                  </a:extLst>
+                </a:gridCol>
+                <a:gridCol w="1376632">
+                  <a:extLst>
+                    <a:ext uri="{9D8B030D-6E8A-4147-A177-3AD203B41FA5}">
+                      <a16:colId xmlns:a16="http://schemas.microsoft.com/office/drawing/2014/main" val="3419381811"/>
+                    </a:ext>
+                  </a:extLst>
+                </a:gridCol>
+              </a:tblGrid>
+              <a:tr h="1313267">
+                <a:tc>
+                  <a:txBody>
+                    <a:bodyPr/>
+                    <a:lstStyle/>
+                    <a:p>
+                      <a:pPr algn="ctr" latinLnBrk="1"/>
+                      <a:r>
+                        <a:rPr lang="en-US" altLang="ko-KR" sz="2800" b="0" dirty="0">
+                          <a:latin typeface="나눔스퀘어 Bold" panose="020B0600000101010101" pitchFamily="50" charset="-127"/>
+                          <a:ea typeface="나눔스퀘어 Bold" panose="020B0600000101010101" pitchFamily="50" charset="-127"/>
+                        </a:rPr>
+                        <a:t>0, 0</a:t>
+                      </a:r>
+                      <a:endParaRPr lang="ko-KR" altLang="en-US" sz="2800" b="0" dirty="0">
+                        <a:latin typeface="나눔스퀘어 Bold" panose="020B0600000101010101" pitchFamily="50" charset="-127"/>
+                        <a:ea typeface="나눔스퀘어 Bold" panose="020B0600000101010101" pitchFamily="50" charset="-127"/>
+                      </a:endParaRPr>
+                    </a:p>
+                  </a:txBody>
+                  <a:tcPr anchor="ctr"/>
+                </a:tc>
+                <a:tc>
+                  <a:txBody>
+                    <a:bodyPr/>
+                    <a:lstStyle/>
+                    <a:p>
+                      <a:pPr algn="ctr" latinLnBrk="1"/>
+                      <a:r>
+                        <a:rPr lang="en-US" altLang="ko-KR" sz="2800" b="0" dirty="0">
+                          <a:latin typeface="나눔스퀘어 Bold" panose="020B0600000101010101" pitchFamily="50" charset="-127"/>
+                          <a:ea typeface="나눔스퀘어 Bold" panose="020B0600000101010101" pitchFamily="50" charset="-127"/>
+                        </a:rPr>
+                        <a:t>0, 1</a:t>
+                      </a:r>
+                      <a:endParaRPr lang="ko-KR" altLang="en-US" sz="2800" b="0" dirty="0">
+                        <a:latin typeface="나눔스퀘어 Bold" panose="020B0600000101010101" pitchFamily="50" charset="-127"/>
+                        <a:ea typeface="나눔스퀘어 Bold" panose="020B0600000101010101" pitchFamily="50" charset="-127"/>
+                      </a:endParaRPr>
+                    </a:p>
+                  </a:txBody>
+                  <a:tcPr anchor="ctr"/>
+                </a:tc>
+                <a:tc>
+                  <a:txBody>
+                    <a:bodyPr/>
+                    <a:lstStyle/>
+                    <a:p>
+                      <a:pPr algn="ctr" latinLnBrk="1"/>
+                      <a:r>
+                        <a:rPr lang="en-US" altLang="ko-KR" sz="2800" b="0" dirty="0">
+                          <a:latin typeface="나눔스퀘어 Bold" panose="020B0600000101010101" pitchFamily="50" charset="-127"/>
+                          <a:ea typeface="나눔스퀘어 Bold" panose="020B0600000101010101" pitchFamily="50" charset="-127"/>
+                        </a:rPr>
+                        <a:t>0, 2</a:t>
+                      </a:r>
+                      <a:endParaRPr lang="ko-KR" altLang="en-US" sz="2800" b="0" dirty="0">
+                        <a:latin typeface="나눔스퀘어 Bold" panose="020B0600000101010101" pitchFamily="50" charset="-127"/>
+                        <a:ea typeface="나눔스퀘어 Bold" panose="020B0600000101010101" pitchFamily="50" charset="-127"/>
+                      </a:endParaRPr>
+                    </a:p>
+                  </a:txBody>
+                  <a:tcPr anchor="ctr"/>
+                </a:tc>
+                <a:extLst>
+                  <a:ext uri="{0D108BD9-81ED-4DB2-BD59-A6C34878D82A}">
+                    <a16:rowId xmlns:a16="http://schemas.microsoft.com/office/drawing/2014/main" val="889197390"/>
+                  </a:ext>
+                </a:extLst>
+              </a:tr>
+              <a:tr h="1313267">
+                <a:tc>
+                  <a:txBody>
+                    <a:bodyPr/>
+                    <a:lstStyle/>
+                    <a:p>
+                      <a:pPr algn="ctr" latinLnBrk="1"/>
+                      <a:r>
+                        <a:rPr lang="en-US" altLang="ko-KR" sz="2800" dirty="0">
+                          <a:latin typeface="나눔스퀘어 Bold" panose="020B0600000101010101" pitchFamily="50" charset="-127"/>
+                          <a:ea typeface="나눔스퀘어 Bold" panose="020B0600000101010101" pitchFamily="50" charset="-127"/>
+                        </a:rPr>
+                        <a:t>1, 0</a:t>
+                      </a:r>
+                      <a:endParaRPr lang="ko-KR" altLang="en-US" sz="2800" dirty="0">
+                        <a:latin typeface="나눔스퀘어 Bold" panose="020B0600000101010101" pitchFamily="50" charset="-127"/>
+                        <a:ea typeface="나눔스퀘어 Bold" panose="020B0600000101010101" pitchFamily="50" charset="-127"/>
+                      </a:endParaRPr>
+                    </a:p>
+                  </a:txBody>
+                  <a:tcPr anchor="ctr"/>
+                </a:tc>
+                <a:tc>
+                  <a:txBody>
+                    <a:bodyPr/>
+                    <a:lstStyle/>
+                    <a:p>
+                      <a:pPr algn="ctr" latinLnBrk="1"/>
+                      <a:r>
+                        <a:rPr lang="en-US" altLang="ko-KR" sz="2800" dirty="0">
+                          <a:latin typeface="나눔스퀘어 Bold" panose="020B0600000101010101" pitchFamily="50" charset="-127"/>
+                          <a:ea typeface="나눔스퀘어 Bold" panose="020B0600000101010101" pitchFamily="50" charset="-127"/>
+                        </a:rPr>
+                        <a:t>1, 1</a:t>
+                      </a:r>
+                      <a:endParaRPr lang="ko-KR" altLang="en-US" sz="2800" dirty="0">
+                        <a:latin typeface="나눔스퀘어 Bold" panose="020B0600000101010101" pitchFamily="50" charset="-127"/>
+                        <a:ea typeface="나눔스퀘어 Bold" panose="020B0600000101010101" pitchFamily="50" charset="-127"/>
+                      </a:endParaRPr>
+                    </a:p>
+                  </a:txBody>
+                  <a:tcPr anchor="ctr"/>
+                </a:tc>
+                <a:tc>
+                  <a:txBody>
+                    <a:bodyPr/>
+                    <a:lstStyle/>
+                    <a:p>
+                      <a:pPr algn="ctr" latinLnBrk="1"/>
+                      <a:r>
+                        <a:rPr lang="en-US" altLang="ko-KR" sz="2800" dirty="0">
+                          <a:latin typeface="나눔스퀘어 Bold" panose="020B0600000101010101" pitchFamily="50" charset="-127"/>
+                          <a:ea typeface="나눔스퀘어 Bold" panose="020B0600000101010101" pitchFamily="50" charset="-127"/>
+                        </a:rPr>
+                        <a:t>1, 2</a:t>
+                      </a:r>
+                      <a:endParaRPr lang="ko-KR" altLang="en-US" sz="2800" dirty="0">
+                        <a:latin typeface="나눔스퀘어 Bold" panose="020B0600000101010101" pitchFamily="50" charset="-127"/>
+                        <a:ea typeface="나눔스퀘어 Bold" panose="020B0600000101010101" pitchFamily="50" charset="-127"/>
+                      </a:endParaRPr>
+                    </a:p>
+                  </a:txBody>
+                  <a:tcPr anchor="ctr"/>
+                </a:tc>
+                <a:extLst>
+                  <a:ext uri="{0D108BD9-81ED-4DB2-BD59-A6C34878D82A}">
+                    <a16:rowId xmlns:a16="http://schemas.microsoft.com/office/drawing/2014/main" val="3949344445"/>
+                  </a:ext>
+                </a:extLst>
+              </a:tr>
+              <a:tr h="1313267">
+                <a:tc>
+                  <a:txBody>
+                    <a:bodyPr/>
+                    <a:lstStyle/>
+                    <a:p>
+                      <a:pPr algn="ctr" latinLnBrk="1"/>
+                      <a:r>
+                        <a:rPr lang="en-US" altLang="ko-KR" sz="2800" dirty="0">
+                          <a:latin typeface="나눔스퀘어 Bold" panose="020B0600000101010101" pitchFamily="50" charset="-127"/>
+                          <a:ea typeface="나눔스퀘어 Bold" panose="020B0600000101010101" pitchFamily="50" charset="-127"/>
+                        </a:rPr>
+                        <a:t>2, 0</a:t>
+                      </a:r>
+                      <a:endParaRPr lang="ko-KR" altLang="en-US" sz="2800" dirty="0">
+                        <a:latin typeface="나눔스퀘어 Bold" panose="020B0600000101010101" pitchFamily="50" charset="-127"/>
+                        <a:ea typeface="나눔스퀘어 Bold" panose="020B0600000101010101" pitchFamily="50" charset="-127"/>
+                      </a:endParaRPr>
+                    </a:p>
+                  </a:txBody>
+                  <a:tcPr anchor="ctr"/>
+                </a:tc>
+                <a:tc>
+                  <a:txBody>
+                    <a:bodyPr/>
+                    <a:lstStyle/>
+                    <a:p>
+                      <a:pPr algn="ctr" latinLnBrk="1"/>
+                      <a:r>
+                        <a:rPr lang="en-US" altLang="ko-KR" sz="2800" dirty="0">
+                          <a:latin typeface="나눔스퀘어 Bold" panose="020B0600000101010101" pitchFamily="50" charset="-127"/>
+                          <a:ea typeface="나눔스퀘어 Bold" panose="020B0600000101010101" pitchFamily="50" charset="-127"/>
+                        </a:rPr>
+                        <a:t>2, 1</a:t>
+                      </a:r>
+                      <a:endParaRPr lang="ko-KR" altLang="en-US" sz="2800" dirty="0">
+                        <a:latin typeface="나눔스퀘어 Bold" panose="020B0600000101010101" pitchFamily="50" charset="-127"/>
+                        <a:ea typeface="나눔스퀘어 Bold" panose="020B0600000101010101" pitchFamily="50" charset="-127"/>
+                      </a:endParaRPr>
+                    </a:p>
+                  </a:txBody>
+                  <a:tcPr anchor="ctr"/>
+                </a:tc>
+                <a:tc>
+                  <a:txBody>
+                    <a:bodyPr/>
+                    <a:lstStyle/>
+                    <a:p>
+                      <a:pPr algn="ctr" latinLnBrk="1"/>
+                      <a:r>
+                        <a:rPr lang="en-US" altLang="ko-KR" sz="2800" dirty="0">
+                          <a:latin typeface="나눔스퀘어 Bold" panose="020B0600000101010101" pitchFamily="50" charset="-127"/>
+                          <a:ea typeface="나눔스퀘어 Bold" panose="020B0600000101010101" pitchFamily="50" charset="-127"/>
+                        </a:rPr>
+                        <a:t>2, 2</a:t>
+                      </a:r>
+                      <a:endParaRPr lang="ko-KR" altLang="en-US" sz="2800" dirty="0">
+                        <a:latin typeface="나눔스퀘어 Bold" panose="020B0600000101010101" pitchFamily="50" charset="-127"/>
+                        <a:ea typeface="나눔스퀘어 Bold" panose="020B0600000101010101" pitchFamily="50" charset="-127"/>
+                      </a:endParaRPr>
+                    </a:p>
+                  </a:txBody>
+                  <a:tcPr anchor="ctr"/>
+                </a:tc>
+                <a:extLst>
+                  <a:ext uri="{0D108BD9-81ED-4DB2-BD59-A6C34878D82A}">
+                    <a16:rowId xmlns:a16="http://schemas.microsoft.com/office/drawing/2014/main" val="264939005"/>
+                  </a:ext>
+                </a:extLst>
+              </a:tr>
+            </a:tbl>
+          </a:graphicData>
+        </a:graphic>
+      </p:graphicFrame>
+      <p:sp>
+        <p:nvSpPr>
+          <p:cNvPr id="7" name="화살표: 오른쪽 6">
+            <a:extLst>
+              <a:ext uri="{FF2B5EF4-FFF2-40B4-BE49-F238E27FC236}">
+                <a16:creationId xmlns:a16="http://schemas.microsoft.com/office/drawing/2014/main" id="{629F8853-D534-19C1-5D6D-E1F61D3BABE9}"/>
+              </a:ext>
+            </a:extLst>
+          </p:cNvPr>
+          <p:cNvSpPr/>
+          <p:nvPr/>
+        </p:nvSpPr>
+        <p:spPr>
+          <a:xfrm>
+            <a:off x="2224726" y="2469823"/>
+            <a:ext cx="471340" cy="369332"/>
+          </a:xfrm>
+          <a:prstGeom prst="rightArrow">
+            <a:avLst/>
+          </a:prstGeom>
+        </p:spPr>
+        <p:style>
+          <a:lnRef idx="2">
+            <a:schemeClr val="accent1">
+              <a:shade val="50000"/>
+            </a:schemeClr>
+          </a:lnRef>
+          <a:fillRef idx="1">
+            <a:schemeClr val="accent1"/>
+          </a:fillRef>
+          <a:effectRef idx="0">
+            <a:schemeClr val="accent1"/>
+          </a:effectRef>
+          <a:fontRef idx="minor">
+            <a:schemeClr val="lt1"/>
+          </a:fontRef>
+        </p:style>
+        <p:txBody>
+          <a:bodyPr rtlCol="0" anchor="ctr"/>
+          <a:lstStyle/>
+          <a:p>
+            <a:pPr algn="ctr"/>
+            <a:endParaRPr lang="ko-KR" altLang="en-US"/>
+          </a:p>
+        </p:txBody>
+      </p:sp>
+      <p:sp>
+        <p:nvSpPr>
+          <p:cNvPr id="8" name="화살표: 오른쪽 7">
+            <a:extLst>
+              <a:ext uri="{FF2B5EF4-FFF2-40B4-BE49-F238E27FC236}">
+                <a16:creationId xmlns:a16="http://schemas.microsoft.com/office/drawing/2014/main" id="{21219A69-23A2-1B88-A1F8-4465E1BF8EF9}"/>
+              </a:ext>
+            </a:extLst>
+          </p:cNvPr>
+          <p:cNvSpPr/>
+          <p:nvPr/>
+        </p:nvSpPr>
+        <p:spPr>
+          <a:xfrm>
+            <a:off x="3570244" y="2469823"/>
+            <a:ext cx="471340" cy="369332"/>
+          </a:xfrm>
+          <a:prstGeom prst="rightArrow">
+            <a:avLst/>
+          </a:prstGeom>
+        </p:spPr>
+        <p:style>
+          <a:lnRef idx="2">
+            <a:schemeClr val="accent1">
+              <a:shade val="50000"/>
+            </a:schemeClr>
+          </a:lnRef>
+          <a:fillRef idx="1">
+            <a:schemeClr val="accent1"/>
+          </a:fillRef>
+          <a:effectRef idx="0">
+            <a:schemeClr val="accent1"/>
+          </a:effectRef>
+          <a:fontRef idx="minor">
+            <a:schemeClr val="lt1"/>
+          </a:fontRef>
+        </p:style>
+        <p:txBody>
+          <a:bodyPr rtlCol="0" anchor="ctr"/>
+          <a:lstStyle/>
+          <a:p>
+            <a:pPr algn="ctr"/>
+            <a:endParaRPr lang="ko-KR" altLang="en-US"/>
+          </a:p>
+        </p:txBody>
+      </p:sp>
+      <p:sp>
+        <p:nvSpPr>
+          <p:cNvPr id="9" name="화살표: 오른쪽 8">
+            <a:extLst>
+              <a:ext uri="{FF2B5EF4-FFF2-40B4-BE49-F238E27FC236}">
+                <a16:creationId xmlns:a16="http://schemas.microsoft.com/office/drawing/2014/main" id="{1E795987-DEA4-233C-861C-20A982A479FD}"/>
+              </a:ext>
+            </a:extLst>
+          </p:cNvPr>
+          <p:cNvSpPr/>
+          <p:nvPr/>
+        </p:nvSpPr>
+        <p:spPr>
+          <a:xfrm>
+            <a:off x="2224726" y="3834180"/>
+            <a:ext cx="471340" cy="369332"/>
+          </a:xfrm>
+          <a:prstGeom prst="rightArrow">
+            <a:avLst/>
+          </a:prstGeom>
+        </p:spPr>
+        <p:style>
+          <a:lnRef idx="2">
+            <a:schemeClr val="accent1">
+              <a:shade val="50000"/>
+            </a:schemeClr>
+          </a:lnRef>
+          <a:fillRef idx="1">
+            <a:schemeClr val="accent1"/>
+          </a:fillRef>
+          <a:effectRef idx="0">
+            <a:schemeClr val="accent1"/>
+          </a:effectRef>
+          <a:fontRef idx="minor">
+            <a:schemeClr val="lt1"/>
+          </a:fontRef>
+        </p:style>
+        <p:txBody>
+          <a:bodyPr rtlCol="0" anchor="ctr"/>
+          <a:lstStyle/>
+          <a:p>
+            <a:pPr algn="ctr"/>
+            <a:endParaRPr lang="ko-KR" altLang="en-US"/>
+          </a:p>
+        </p:txBody>
+      </p:sp>
+      <p:sp>
+        <p:nvSpPr>
+          <p:cNvPr id="10" name="화살표: 오른쪽 9">
+            <a:extLst>
+              <a:ext uri="{FF2B5EF4-FFF2-40B4-BE49-F238E27FC236}">
+                <a16:creationId xmlns:a16="http://schemas.microsoft.com/office/drawing/2014/main" id="{936D3889-1347-D1CF-51A4-337F62A3A345}"/>
+              </a:ext>
+            </a:extLst>
+          </p:cNvPr>
+          <p:cNvSpPr/>
+          <p:nvPr/>
+        </p:nvSpPr>
+        <p:spPr>
+          <a:xfrm>
+            <a:off x="3570244" y="3834180"/>
+            <a:ext cx="471340" cy="369332"/>
+          </a:xfrm>
+          <a:prstGeom prst="rightArrow">
+            <a:avLst/>
+          </a:prstGeom>
+        </p:spPr>
+        <p:style>
+          <a:lnRef idx="2">
+            <a:schemeClr val="accent1">
+              <a:shade val="50000"/>
+            </a:schemeClr>
+          </a:lnRef>
+          <a:fillRef idx="1">
+            <a:schemeClr val="accent1"/>
+          </a:fillRef>
+          <a:effectRef idx="0">
+            <a:schemeClr val="accent1"/>
+          </a:effectRef>
+          <a:fontRef idx="minor">
+            <a:schemeClr val="lt1"/>
+          </a:fontRef>
+        </p:style>
+        <p:txBody>
+          <a:bodyPr rtlCol="0" anchor="ctr"/>
+          <a:lstStyle/>
+          <a:p>
+            <a:pPr algn="ctr"/>
+            <a:endParaRPr lang="ko-KR" altLang="en-US"/>
+          </a:p>
+        </p:txBody>
+      </p:sp>
+      <p:sp>
+        <p:nvSpPr>
+          <p:cNvPr id="11" name="화살표: 오른쪽 10">
+            <a:extLst>
+              <a:ext uri="{FF2B5EF4-FFF2-40B4-BE49-F238E27FC236}">
+                <a16:creationId xmlns:a16="http://schemas.microsoft.com/office/drawing/2014/main" id="{38A3E947-71E4-6485-6D4D-12603262CABA}"/>
+              </a:ext>
+            </a:extLst>
+          </p:cNvPr>
+          <p:cNvSpPr/>
+          <p:nvPr/>
+        </p:nvSpPr>
+        <p:spPr>
+          <a:xfrm>
+            <a:off x="2224726" y="5087945"/>
+            <a:ext cx="471340" cy="369332"/>
+          </a:xfrm>
+          <a:prstGeom prst="rightArrow">
+            <a:avLst/>
+          </a:prstGeom>
+        </p:spPr>
+        <p:style>
+          <a:lnRef idx="2">
+            <a:schemeClr val="accent1">
+              <a:shade val="50000"/>
+            </a:schemeClr>
+          </a:lnRef>
+          <a:fillRef idx="1">
+            <a:schemeClr val="accent1"/>
+          </a:fillRef>
+          <a:effectRef idx="0">
+            <a:schemeClr val="accent1"/>
+          </a:effectRef>
+          <a:fontRef idx="minor">
+            <a:schemeClr val="lt1"/>
+          </a:fontRef>
+        </p:style>
+        <p:txBody>
+          <a:bodyPr rtlCol="0" anchor="ctr"/>
+          <a:lstStyle/>
+          <a:p>
+            <a:pPr algn="ctr"/>
+            <a:endParaRPr lang="ko-KR" altLang="en-US"/>
+          </a:p>
+        </p:txBody>
+      </p:sp>
+      <p:sp>
+        <p:nvSpPr>
+          <p:cNvPr id="12" name="화살표: 오른쪽 11">
+            <a:extLst>
+              <a:ext uri="{FF2B5EF4-FFF2-40B4-BE49-F238E27FC236}">
+                <a16:creationId xmlns:a16="http://schemas.microsoft.com/office/drawing/2014/main" id="{BAAA00C9-C780-8677-1373-99EC7D7CD541}"/>
+              </a:ext>
+            </a:extLst>
+          </p:cNvPr>
+          <p:cNvSpPr/>
+          <p:nvPr/>
+        </p:nvSpPr>
+        <p:spPr>
+          <a:xfrm>
+            <a:off x="3570244" y="5087945"/>
+            <a:ext cx="471340" cy="369332"/>
+          </a:xfrm>
+          <a:prstGeom prst="rightArrow">
+            <a:avLst/>
+          </a:prstGeom>
+        </p:spPr>
+        <p:style>
+          <a:lnRef idx="2">
+            <a:schemeClr val="accent1">
+              <a:shade val="50000"/>
+            </a:schemeClr>
+          </a:lnRef>
+          <a:fillRef idx="1">
+            <a:schemeClr val="accent1"/>
+          </a:fillRef>
+          <a:effectRef idx="0">
+            <a:schemeClr val="accent1"/>
+          </a:effectRef>
+          <a:fontRef idx="minor">
+            <a:schemeClr val="lt1"/>
+          </a:fontRef>
+        </p:style>
+        <p:txBody>
+          <a:bodyPr rtlCol="0" anchor="ctr"/>
+          <a:lstStyle/>
+          <a:p>
+            <a:pPr algn="ctr"/>
+            <a:endParaRPr lang="ko-KR" altLang="en-US"/>
+          </a:p>
+        </p:txBody>
+      </p:sp>
+      <p:sp>
+        <p:nvSpPr>
+          <p:cNvPr id="13" name="화살표: 오른쪽 12">
+            <a:extLst>
+              <a:ext uri="{FF2B5EF4-FFF2-40B4-BE49-F238E27FC236}">
+                <a16:creationId xmlns:a16="http://schemas.microsoft.com/office/drawing/2014/main" id="{F46CDC95-88C6-A535-73BF-112C053A8EAC}"/>
+              </a:ext>
+            </a:extLst>
+          </p:cNvPr>
+          <p:cNvSpPr/>
+          <p:nvPr/>
+        </p:nvSpPr>
+        <p:spPr>
+          <a:xfrm rot="5400000">
+            <a:off x="1517716" y="3148553"/>
+            <a:ext cx="471340" cy="369332"/>
+          </a:xfrm>
+          <a:prstGeom prst="rightArrow">
+            <a:avLst/>
+          </a:prstGeom>
+          <a:solidFill>
+            <a:srgbClr val="FF0000"/>
+          </a:solidFill>
+        </p:spPr>
+        <p:style>
+          <a:lnRef idx="2">
+            <a:schemeClr val="accent1">
+              <a:shade val="50000"/>
+            </a:schemeClr>
+          </a:lnRef>
+          <a:fillRef idx="1">
+            <a:schemeClr val="accent1"/>
+          </a:fillRef>
+          <a:effectRef idx="0">
+            <a:schemeClr val="accent1"/>
+          </a:effectRef>
+          <a:fontRef idx="minor">
+            <a:schemeClr val="lt1"/>
+          </a:fontRef>
+        </p:style>
+        <p:txBody>
+          <a:bodyPr rtlCol="0" anchor="ctr"/>
+          <a:lstStyle/>
+          <a:p>
+            <a:pPr algn="ctr"/>
+            <a:endParaRPr lang="ko-KR" altLang="en-US"/>
+          </a:p>
+        </p:txBody>
+      </p:sp>
+      <p:sp>
+        <p:nvSpPr>
+          <p:cNvPr id="14" name="화살표: 오른쪽 13">
+            <a:extLst>
+              <a:ext uri="{FF2B5EF4-FFF2-40B4-BE49-F238E27FC236}">
+                <a16:creationId xmlns:a16="http://schemas.microsoft.com/office/drawing/2014/main" id="{6F3FFA33-2540-ADE1-0780-3E31654F42E6}"/>
+              </a:ext>
+            </a:extLst>
+          </p:cNvPr>
+          <p:cNvSpPr/>
+          <p:nvPr/>
+        </p:nvSpPr>
+        <p:spPr>
+          <a:xfrm rot="5400000">
+            <a:off x="2884124" y="3148553"/>
+            <a:ext cx="471340" cy="369332"/>
+          </a:xfrm>
+          <a:prstGeom prst="rightArrow">
+            <a:avLst/>
+          </a:prstGeom>
+        </p:spPr>
+        <p:style>
+          <a:lnRef idx="2">
+            <a:schemeClr val="accent1">
+              <a:shade val="50000"/>
+            </a:schemeClr>
+          </a:lnRef>
+          <a:fillRef idx="1">
+            <a:schemeClr val="accent1"/>
+          </a:fillRef>
+          <a:effectRef idx="0">
+            <a:schemeClr val="accent1"/>
+          </a:effectRef>
+          <a:fontRef idx="minor">
+            <a:schemeClr val="lt1"/>
+          </a:fontRef>
+        </p:style>
+        <p:txBody>
+          <a:bodyPr rtlCol="0" anchor="ctr"/>
+          <a:lstStyle/>
+          <a:p>
+            <a:pPr algn="ctr"/>
+            <a:endParaRPr lang="ko-KR" altLang="en-US"/>
+          </a:p>
+        </p:txBody>
+      </p:sp>
+      <p:sp>
+        <p:nvSpPr>
+          <p:cNvPr id="15" name="화살표: 오른쪽 14">
+            <a:extLst>
+              <a:ext uri="{FF2B5EF4-FFF2-40B4-BE49-F238E27FC236}">
+                <a16:creationId xmlns:a16="http://schemas.microsoft.com/office/drawing/2014/main" id="{EAEB4A10-0620-097A-142F-236ED83BF7F7}"/>
+              </a:ext>
+            </a:extLst>
+          </p:cNvPr>
+          <p:cNvSpPr/>
+          <p:nvPr/>
+        </p:nvSpPr>
+        <p:spPr>
+          <a:xfrm rot="5400000">
+            <a:off x="4259481" y="3148553"/>
+            <a:ext cx="471340" cy="369332"/>
+          </a:xfrm>
+          <a:prstGeom prst="rightArrow">
+            <a:avLst/>
+          </a:prstGeom>
+        </p:spPr>
+        <p:style>
+          <a:lnRef idx="2">
+            <a:schemeClr val="accent1">
+              <a:shade val="50000"/>
+            </a:schemeClr>
+          </a:lnRef>
+          <a:fillRef idx="1">
+            <a:schemeClr val="accent1"/>
+          </a:fillRef>
+          <a:effectRef idx="0">
+            <a:schemeClr val="accent1"/>
+          </a:effectRef>
+          <a:fontRef idx="minor">
+            <a:schemeClr val="lt1"/>
+          </a:fontRef>
+        </p:style>
+        <p:txBody>
+          <a:bodyPr rtlCol="0" anchor="ctr"/>
+          <a:lstStyle/>
+          <a:p>
+            <a:pPr algn="ctr"/>
+            <a:endParaRPr lang="ko-KR" altLang="en-US"/>
+          </a:p>
+        </p:txBody>
+      </p:sp>
+      <p:sp>
+        <p:nvSpPr>
+          <p:cNvPr id="16" name="화살표: 오른쪽 15">
+            <a:extLst>
+              <a:ext uri="{FF2B5EF4-FFF2-40B4-BE49-F238E27FC236}">
+                <a16:creationId xmlns:a16="http://schemas.microsoft.com/office/drawing/2014/main" id="{DD2100C0-D276-DA1F-3AB3-D334C0DAC32F}"/>
+              </a:ext>
+            </a:extLst>
+          </p:cNvPr>
+          <p:cNvSpPr/>
+          <p:nvPr/>
+        </p:nvSpPr>
+        <p:spPr>
+          <a:xfrm rot="5400000">
+            <a:off x="1517716" y="4458817"/>
+            <a:ext cx="471340" cy="369332"/>
+          </a:xfrm>
+          <a:prstGeom prst="rightArrow">
+            <a:avLst/>
+          </a:prstGeom>
+        </p:spPr>
+        <p:style>
+          <a:lnRef idx="2">
+            <a:schemeClr val="accent1">
+              <a:shade val="50000"/>
+            </a:schemeClr>
+          </a:lnRef>
+          <a:fillRef idx="1">
+            <a:schemeClr val="accent1"/>
+          </a:fillRef>
+          <a:effectRef idx="0">
+            <a:schemeClr val="accent1"/>
+          </a:effectRef>
+          <a:fontRef idx="minor">
+            <a:schemeClr val="lt1"/>
+          </a:fontRef>
+        </p:style>
+        <p:txBody>
+          <a:bodyPr rtlCol="0" anchor="ctr"/>
+          <a:lstStyle/>
+          <a:p>
+            <a:pPr algn="ctr"/>
+            <a:endParaRPr lang="ko-KR" altLang="en-US"/>
+          </a:p>
+        </p:txBody>
+      </p:sp>
+      <p:sp>
+        <p:nvSpPr>
+          <p:cNvPr id="17" name="화살표: 오른쪽 16">
+            <a:extLst>
+              <a:ext uri="{FF2B5EF4-FFF2-40B4-BE49-F238E27FC236}">
+                <a16:creationId xmlns:a16="http://schemas.microsoft.com/office/drawing/2014/main" id="{8601BC88-F90F-B746-9211-D7E4E41C2646}"/>
+              </a:ext>
+            </a:extLst>
+          </p:cNvPr>
+          <p:cNvSpPr/>
+          <p:nvPr/>
+        </p:nvSpPr>
+        <p:spPr>
+          <a:xfrm rot="5400000">
+            <a:off x="2884124" y="4458817"/>
+            <a:ext cx="471340" cy="369332"/>
+          </a:xfrm>
+          <a:prstGeom prst="rightArrow">
+            <a:avLst/>
+          </a:prstGeom>
+        </p:spPr>
+        <p:style>
+          <a:lnRef idx="2">
+            <a:schemeClr val="accent1">
+              <a:shade val="50000"/>
+            </a:schemeClr>
+          </a:lnRef>
+          <a:fillRef idx="1">
+            <a:schemeClr val="accent1"/>
+          </a:fillRef>
+          <a:effectRef idx="0">
+            <a:schemeClr val="accent1"/>
+          </a:effectRef>
+          <a:fontRef idx="minor">
+            <a:schemeClr val="lt1"/>
+          </a:fontRef>
+        </p:style>
+        <p:txBody>
+          <a:bodyPr rtlCol="0" anchor="ctr"/>
+          <a:lstStyle/>
+          <a:p>
+            <a:pPr algn="ctr"/>
+            <a:endParaRPr lang="ko-KR" altLang="en-US"/>
+          </a:p>
+        </p:txBody>
+      </p:sp>
+      <p:sp>
+        <p:nvSpPr>
+          <p:cNvPr id="18" name="화살표: 오른쪽 17">
+            <a:extLst>
+              <a:ext uri="{FF2B5EF4-FFF2-40B4-BE49-F238E27FC236}">
+                <a16:creationId xmlns:a16="http://schemas.microsoft.com/office/drawing/2014/main" id="{C674F8B7-DA38-8548-1773-CAE9CC1F4797}"/>
+              </a:ext>
+            </a:extLst>
+          </p:cNvPr>
+          <p:cNvSpPr/>
+          <p:nvPr/>
+        </p:nvSpPr>
+        <p:spPr>
+          <a:xfrm rot="5400000">
+            <a:off x="4259481" y="4458817"/>
+            <a:ext cx="471340" cy="369332"/>
+          </a:xfrm>
+          <a:prstGeom prst="rightArrow">
+            <a:avLst/>
+          </a:prstGeom>
+        </p:spPr>
+        <p:style>
+          <a:lnRef idx="2">
+            <a:schemeClr val="accent1">
+              <a:shade val="50000"/>
+            </a:schemeClr>
+          </a:lnRef>
+          <a:fillRef idx="1">
+            <a:schemeClr val="accent1"/>
+          </a:fillRef>
+          <a:effectRef idx="0">
+            <a:schemeClr val="accent1"/>
+          </a:effectRef>
+          <a:fontRef idx="minor">
+            <a:schemeClr val="lt1"/>
+          </a:fontRef>
+        </p:style>
+        <p:txBody>
+          <a:bodyPr rtlCol="0" anchor="ctr"/>
+          <a:lstStyle/>
+          <a:p>
+            <a:pPr algn="ctr"/>
+            <a:endParaRPr lang="ko-KR" altLang="en-US"/>
+          </a:p>
+        </p:txBody>
+      </p:sp>
+      <p:graphicFrame>
+        <p:nvGraphicFramePr>
+          <p:cNvPr id="2" name="표 6">
+            <a:extLst>
+              <a:ext uri="{FF2B5EF4-FFF2-40B4-BE49-F238E27FC236}">
+                <a16:creationId xmlns:a16="http://schemas.microsoft.com/office/drawing/2014/main" id="{EB116DB5-B5C6-F47F-90C2-507B9DD8F52A}"/>
+              </a:ext>
+            </a:extLst>
+          </p:cNvPr>
+          <p:cNvGraphicFramePr>
+            <a:graphicFrameLocks noGrp="1"/>
+          </p:cNvGraphicFramePr>
+          <p:nvPr>
+            <p:extLst>
+              <p:ext uri="{D42A27DB-BD31-4B8C-83A1-F6EECF244321}">
+                <p14:modId xmlns:p14="http://schemas.microsoft.com/office/powerpoint/2010/main" val="4007164443"/>
+              </p:ext>
+            </p:extLst>
+          </p:nvPr>
+        </p:nvGraphicFramePr>
+        <p:xfrm>
+          <a:off x="7125708" y="2030695"/>
+          <a:ext cx="4129896" cy="3939801"/>
+        </p:xfrm>
+        <a:graphic>
+          <a:graphicData uri="http://schemas.openxmlformats.org/drawingml/2006/table">
+            <a:tbl>
+              <a:tblPr firstRow="1" bandRow="1">
+                <a:tableStyleId>{69CF1AB2-1976-4502-BF36-3FF5EA218861}</a:tableStyleId>
+              </a:tblPr>
+              <a:tblGrid>
+                <a:gridCol w="1376632">
+                  <a:extLst>
+                    <a:ext uri="{9D8B030D-6E8A-4147-A177-3AD203B41FA5}">
+                      <a16:colId xmlns:a16="http://schemas.microsoft.com/office/drawing/2014/main" val="184689733"/>
+                    </a:ext>
+                  </a:extLst>
+                </a:gridCol>
+                <a:gridCol w="1376632">
+                  <a:extLst>
+                    <a:ext uri="{9D8B030D-6E8A-4147-A177-3AD203B41FA5}">
+                      <a16:colId xmlns:a16="http://schemas.microsoft.com/office/drawing/2014/main" val="662498604"/>
+                    </a:ext>
+                  </a:extLst>
+                </a:gridCol>
+                <a:gridCol w="1376632">
+                  <a:extLst>
+                    <a:ext uri="{9D8B030D-6E8A-4147-A177-3AD203B41FA5}">
+                      <a16:colId xmlns:a16="http://schemas.microsoft.com/office/drawing/2014/main" val="3419381811"/>
+                    </a:ext>
+                  </a:extLst>
+                </a:gridCol>
+              </a:tblGrid>
+              <a:tr h="1313267">
+                <a:tc>
+                  <a:txBody>
+                    <a:bodyPr/>
+                    <a:lstStyle/>
+                    <a:p>
+                      <a:pPr algn="ctr" latinLnBrk="1"/>
+                      <a:r>
+                        <a:rPr lang="en-US" altLang="ko-KR" sz="2800" b="0" dirty="0">
+                          <a:latin typeface="나눔스퀘어 Bold" panose="020B0600000101010101" pitchFamily="50" charset="-127"/>
+                          <a:ea typeface="나눔스퀘어 Bold" panose="020B0600000101010101" pitchFamily="50" charset="-127"/>
+                        </a:rPr>
+                        <a:t>0, 0</a:t>
+                      </a:r>
+                      <a:endParaRPr lang="ko-KR" altLang="en-US" sz="2800" b="0" dirty="0">
+                        <a:latin typeface="나눔스퀘어 Bold" panose="020B0600000101010101" pitchFamily="50" charset="-127"/>
+                        <a:ea typeface="나눔스퀘어 Bold" panose="020B0600000101010101" pitchFamily="50" charset="-127"/>
+                      </a:endParaRPr>
+                    </a:p>
+                  </a:txBody>
+                  <a:tcPr anchor="ctr"/>
+                </a:tc>
+                <a:tc>
+                  <a:txBody>
+                    <a:bodyPr/>
+                    <a:lstStyle/>
+                    <a:p>
+                      <a:pPr algn="ctr" latinLnBrk="1"/>
+                      <a:r>
+                        <a:rPr lang="en-US" altLang="ko-KR" sz="2800" b="0" dirty="0">
+                          <a:latin typeface="나눔스퀘어 Bold" panose="020B0600000101010101" pitchFamily="50" charset="-127"/>
+                          <a:ea typeface="나눔스퀘어 Bold" panose="020B0600000101010101" pitchFamily="50" charset="-127"/>
+                        </a:rPr>
+                        <a:t>0, 1</a:t>
+                      </a:r>
+                      <a:endParaRPr lang="ko-KR" altLang="en-US" sz="2800" b="0" dirty="0">
+                        <a:latin typeface="나눔스퀘어 Bold" panose="020B0600000101010101" pitchFamily="50" charset="-127"/>
+                        <a:ea typeface="나눔스퀘어 Bold" panose="020B0600000101010101" pitchFamily="50" charset="-127"/>
+                      </a:endParaRPr>
+                    </a:p>
+                  </a:txBody>
+                  <a:tcPr anchor="ctr"/>
+                </a:tc>
+                <a:tc>
+                  <a:txBody>
+                    <a:bodyPr/>
+                    <a:lstStyle/>
+                    <a:p>
+                      <a:pPr algn="ctr" latinLnBrk="1"/>
+                      <a:r>
+                        <a:rPr lang="en-US" altLang="ko-KR" sz="2800" b="0" dirty="0">
+                          <a:latin typeface="나눔스퀘어 Bold" panose="020B0600000101010101" pitchFamily="50" charset="-127"/>
+                          <a:ea typeface="나눔스퀘어 Bold" panose="020B0600000101010101" pitchFamily="50" charset="-127"/>
+                        </a:rPr>
+                        <a:t>0, 2</a:t>
+                      </a:r>
+                      <a:endParaRPr lang="ko-KR" altLang="en-US" sz="2800" b="0" dirty="0">
+                        <a:latin typeface="나눔스퀘어 Bold" panose="020B0600000101010101" pitchFamily="50" charset="-127"/>
+                        <a:ea typeface="나눔스퀘어 Bold" panose="020B0600000101010101" pitchFamily="50" charset="-127"/>
+                      </a:endParaRPr>
+                    </a:p>
+                  </a:txBody>
+                  <a:tcPr anchor="ctr"/>
+                </a:tc>
+                <a:extLst>
+                  <a:ext uri="{0D108BD9-81ED-4DB2-BD59-A6C34878D82A}">
+                    <a16:rowId xmlns:a16="http://schemas.microsoft.com/office/drawing/2014/main" val="889197390"/>
+                  </a:ext>
+                </a:extLst>
+              </a:tr>
+              <a:tr h="1313267">
+                <a:tc>
+                  <a:txBody>
+                    <a:bodyPr/>
+                    <a:lstStyle/>
+                    <a:p>
+                      <a:pPr algn="ctr" latinLnBrk="1"/>
+                      <a:r>
+                        <a:rPr lang="en-US" altLang="ko-KR" sz="2800" dirty="0">
+                          <a:latin typeface="나눔스퀘어 Bold" panose="020B0600000101010101" pitchFamily="50" charset="-127"/>
+                          <a:ea typeface="나눔스퀘어 Bold" panose="020B0600000101010101" pitchFamily="50" charset="-127"/>
+                        </a:rPr>
+                        <a:t>1, 0</a:t>
+                      </a:r>
+                      <a:endParaRPr lang="ko-KR" altLang="en-US" sz="2800" dirty="0">
+                        <a:latin typeface="나눔스퀘어 Bold" panose="020B0600000101010101" pitchFamily="50" charset="-127"/>
+                        <a:ea typeface="나눔스퀘어 Bold" panose="020B0600000101010101" pitchFamily="50" charset="-127"/>
+                      </a:endParaRPr>
+                    </a:p>
+                  </a:txBody>
+                  <a:tcPr anchor="ctr"/>
+                </a:tc>
+                <a:tc>
+                  <a:txBody>
+                    <a:bodyPr/>
+                    <a:lstStyle/>
+                    <a:p>
+                      <a:pPr algn="ctr" latinLnBrk="1"/>
+                      <a:r>
+                        <a:rPr lang="en-US" altLang="ko-KR" sz="2800" dirty="0">
+                          <a:latin typeface="나눔스퀘어 Bold" panose="020B0600000101010101" pitchFamily="50" charset="-127"/>
+                          <a:ea typeface="나눔스퀘어 Bold" panose="020B0600000101010101" pitchFamily="50" charset="-127"/>
+                        </a:rPr>
+                        <a:t>1, 1</a:t>
+                      </a:r>
+                      <a:endParaRPr lang="ko-KR" altLang="en-US" sz="2800" dirty="0">
+                        <a:latin typeface="나눔스퀘어 Bold" panose="020B0600000101010101" pitchFamily="50" charset="-127"/>
+                        <a:ea typeface="나눔스퀘어 Bold" panose="020B0600000101010101" pitchFamily="50" charset="-127"/>
+                      </a:endParaRPr>
+                    </a:p>
+                  </a:txBody>
+                  <a:tcPr anchor="ctr"/>
+                </a:tc>
+                <a:tc>
+                  <a:txBody>
+                    <a:bodyPr/>
+                    <a:lstStyle/>
+                    <a:p>
+                      <a:pPr algn="ctr" latinLnBrk="1"/>
+                      <a:r>
+                        <a:rPr lang="en-US" altLang="ko-KR" sz="2800" dirty="0">
+                          <a:latin typeface="나눔스퀘어 Bold" panose="020B0600000101010101" pitchFamily="50" charset="-127"/>
+                          <a:ea typeface="나눔스퀘어 Bold" panose="020B0600000101010101" pitchFamily="50" charset="-127"/>
+                        </a:rPr>
+                        <a:t>1, 2</a:t>
+                      </a:r>
+                      <a:endParaRPr lang="ko-KR" altLang="en-US" sz="2800" dirty="0">
+                        <a:latin typeface="나눔스퀘어 Bold" panose="020B0600000101010101" pitchFamily="50" charset="-127"/>
+                        <a:ea typeface="나눔스퀘어 Bold" panose="020B0600000101010101" pitchFamily="50" charset="-127"/>
+                      </a:endParaRPr>
+                    </a:p>
+                  </a:txBody>
+                  <a:tcPr anchor="ctr"/>
+                </a:tc>
+                <a:extLst>
+                  <a:ext uri="{0D108BD9-81ED-4DB2-BD59-A6C34878D82A}">
+                    <a16:rowId xmlns:a16="http://schemas.microsoft.com/office/drawing/2014/main" val="3949344445"/>
+                  </a:ext>
+                </a:extLst>
+              </a:tr>
+              <a:tr h="1313267">
+                <a:tc>
+                  <a:txBody>
+                    <a:bodyPr/>
+                    <a:lstStyle/>
+                    <a:p>
+                      <a:pPr algn="ctr" latinLnBrk="1"/>
+                      <a:r>
+                        <a:rPr lang="en-US" altLang="ko-KR" sz="2800" dirty="0">
+                          <a:latin typeface="나눔스퀘어 Bold" panose="020B0600000101010101" pitchFamily="50" charset="-127"/>
+                          <a:ea typeface="나눔스퀘어 Bold" panose="020B0600000101010101" pitchFamily="50" charset="-127"/>
+                        </a:rPr>
+                        <a:t>2, 0</a:t>
+                      </a:r>
+                      <a:endParaRPr lang="ko-KR" altLang="en-US" sz="2800" dirty="0">
+                        <a:latin typeface="나눔스퀘어 Bold" panose="020B0600000101010101" pitchFamily="50" charset="-127"/>
+                        <a:ea typeface="나눔스퀘어 Bold" panose="020B0600000101010101" pitchFamily="50" charset="-127"/>
+                      </a:endParaRPr>
+                    </a:p>
+                  </a:txBody>
+                  <a:tcPr anchor="ctr"/>
+                </a:tc>
+                <a:tc>
+                  <a:txBody>
+                    <a:bodyPr/>
+                    <a:lstStyle/>
+                    <a:p>
+                      <a:pPr algn="ctr" latinLnBrk="1"/>
+                      <a:r>
+                        <a:rPr lang="en-US" altLang="ko-KR" sz="2800" dirty="0">
+                          <a:latin typeface="나눔스퀘어 Bold" panose="020B0600000101010101" pitchFamily="50" charset="-127"/>
+                          <a:ea typeface="나눔스퀘어 Bold" panose="020B0600000101010101" pitchFamily="50" charset="-127"/>
+                        </a:rPr>
+                        <a:t>2, 1</a:t>
+                      </a:r>
+                      <a:endParaRPr lang="ko-KR" altLang="en-US" sz="2800" dirty="0">
+                        <a:latin typeface="나눔스퀘어 Bold" panose="020B0600000101010101" pitchFamily="50" charset="-127"/>
+                        <a:ea typeface="나눔스퀘어 Bold" panose="020B0600000101010101" pitchFamily="50" charset="-127"/>
+                      </a:endParaRPr>
+                    </a:p>
+                  </a:txBody>
+                  <a:tcPr anchor="ctr"/>
+                </a:tc>
+                <a:tc>
+                  <a:txBody>
+                    <a:bodyPr/>
+                    <a:lstStyle/>
+                    <a:p>
+                      <a:pPr algn="ctr" latinLnBrk="1"/>
+                      <a:r>
+                        <a:rPr lang="en-US" altLang="ko-KR" sz="2800" dirty="0">
+                          <a:latin typeface="나눔스퀘어 Bold" panose="020B0600000101010101" pitchFamily="50" charset="-127"/>
+                          <a:ea typeface="나눔스퀘어 Bold" panose="020B0600000101010101" pitchFamily="50" charset="-127"/>
+                        </a:rPr>
+                        <a:t>2, 2</a:t>
+                      </a:r>
+                      <a:endParaRPr lang="ko-KR" altLang="en-US" sz="2800" dirty="0">
+                        <a:latin typeface="나눔스퀘어 Bold" panose="020B0600000101010101" pitchFamily="50" charset="-127"/>
+                        <a:ea typeface="나눔스퀘어 Bold" panose="020B0600000101010101" pitchFamily="50" charset="-127"/>
+                      </a:endParaRPr>
+                    </a:p>
+                  </a:txBody>
+                  <a:tcPr anchor="ctr"/>
+                </a:tc>
+                <a:extLst>
+                  <a:ext uri="{0D108BD9-81ED-4DB2-BD59-A6C34878D82A}">
+                    <a16:rowId xmlns:a16="http://schemas.microsoft.com/office/drawing/2014/main" val="264939005"/>
+                  </a:ext>
+                </a:extLst>
+              </a:tr>
+            </a:tbl>
+          </a:graphicData>
+        </a:graphic>
+      </p:graphicFrame>
+      <p:sp>
+        <p:nvSpPr>
+          <p:cNvPr id="32" name="화살표: 오른쪽 31">
+            <a:extLst>
+              <a:ext uri="{FF2B5EF4-FFF2-40B4-BE49-F238E27FC236}">
+                <a16:creationId xmlns:a16="http://schemas.microsoft.com/office/drawing/2014/main" id="{20323FEA-1AC4-2138-BC14-AB161C106103}"/>
+              </a:ext>
+            </a:extLst>
+          </p:cNvPr>
+          <p:cNvSpPr/>
+          <p:nvPr/>
+        </p:nvSpPr>
+        <p:spPr>
+          <a:xfrm>
+            <a:off x="8295588" y="2469823"/>
+            <a:ext cx="471340" cy="369332"/>
+          </a:xfrm>
+          <a:prstGeom prst="rightArrow">
+            <a:avLst/>
+          </a:prstGeom>
+        </p:spPr>
+        <p:style>
+          <a:lnRef idx="2">
+            <a:schemeClr val="accent1">
+              <a:shade val="50000"/>
+            </a:schemeClr>
+          </a:lnRef>
+          <a:fillRef idx="1">
+            <a:schemeClr val="accent1"/>
+          </a:fillRef>
+          <a:effectRef idx="0">
+            <a:schemeClr val="accent1"/>
+          </a:effectRef>
+          <a:fontRef idx="minor">
+            <a:schemeClr val="lt1"/>
+          </a:fontRef>
+        </p:style>
+        <p:txBody>
+          <a:bodyPr rtlCol="0" anchor="ctr"/>
+          <a:lstStyle/>
+          <a:p>
+            <a:pPr algn="ctr"/>
+            <a:endParaRPr lang="ko-KR" altLang="en-US"/>
+          </a:p>
+        </p:txBody>
+      </p:sp>
+      <p:sp>
+        <p:nvSpPr>
+          <p:cNvPr id="33" name="화살표: 오른쪽 32">
+            <a:extLst>
+              <a:ext uri="{FF2B5EF4-FFF2-40B4-BE49-F238E27FC236}">
+                <a16:creationId xmlns:a16="http://schemas.microsoft.com/office/drawing/2014/main" id="{F381F0CD-4FCE-E19A-F765-BE9DC87F9556}"/>
+              </a:ext>
+            </a:extLst>
+          </p:cNvPr>
+          <p:cNvSpPr/>
+          <p:nvPr/>
+        </p:nvSpPr>
+        <p:spPr>
+          <a:xfrm>
+            <a:off x="9641106" y="2469823"/>
+            <a:ext cx="471340" cy="369332"/>
+          </a:xfrm>
+          <a:prstGeom prst="rightArrow">
+            <a:avLst/>
+          </a:prstGeom>
+        </p:spPr>
+        <p:style>
+          <a:lnRef idx="2">
+            <a:schemeClr val="accent1">
+              <a:shade val="50000"/>
+            </a:schemeClr>
+          </a:lnRef>
+          <a:fillRef idx="1">
+            <a:schemeClr val="accent1"/>
+          </a:fillRef>
+          <a:effectRef idx="0">
+            <a:schemeClr val="accent1"/>
+          </a:effectRef>
+          <a:fontRef idx="minor">
+            <a:schemeClr val="lt1"/>
+          </a:fontRef>
+        </p:style>
+        <p:txBody>
+          <a:bodyPr rtlCol="0" anchor="ctr"/>
+          <a:lstStyle/>
+          <a:p>
+            <a:pPr algn="ctr"/>
+            <a:endParaRPr lang="ko-KR" altLang="en-US"/>
+          </a:p>
+        </p:txBody>
+      </p:sp>
+      <p:sp>
+        <p:nvSpPr>
+          <p:cNvPr id="34" name="화살표: 오른쪽 33">
+            <a:extLst>
+              <a:ext uri="{FF2B5EF4-FFF2-40B4-BE49-F238E27FC236}">
+                <a16:creationId xmlns:a16="http://schemas.microsoft.com/office/drawing/2014/main" id="{F6CEFBE8-17E2-B015-B0CA-C3CC269F23BF}"/>
+              </a:ext>
+            </a:extLst>
+          </p:cNvPr>
+          <p:cNvSpPr/>
+          <p:nvPr/>
+        </p:nvSpPr>
+        <p:spPr>
+          <a:xfrm>
+            <a:off x="8295588" y="3834180"/>
+            <a:ext cx="471340" cy="369332"/>
+          </a:xfrm>
+          <a:prstGeom prst="rightArrow">
+            <a:avLst/>
+          </a:prstGeom>
+        </p:spPr>
+        <p:style>
+          <a:lnRef idx="2">
+            <a:schemeClr val="accent1">
+              <a:shade val="50000"/>
+            </a:schemeClr>
+          </a:lnRef>
+          <a:fillRef idx="1">
+            <a:schemeClr val="accent1"/>
+          </a:fillRef>
+          <a:effectRef idx="0">
+            <a:schemeClr val="accent1"/>
+          </a:effectRef>
+          <a:fontRef idx="minor">
+            <a:schemeClr val="lt1"/>
+          </a:fontRef>
+        </p:style>
+        <p:txBody>
+          <a:bodyPr rtlCol="0" anchor="ctr"/>
+          <a:lstStyle/>
+          <a:p>
+            <a:pPr algn="ctr"/>
+            <a:endParaRPr lang="ko-KR" altLang="en-US"/>
+          </a:p>
+        </p:txBody>
+      </p:sp>
+      <p:sp>
+        <p:nvSpPr>
+          <p:cNvPr id="35" name="화살표: 오른쪽 34">
+            <a:extLst>
+              <a:ext uri="{FF2B5EF4-FFF2-40B4-BE49-F238E27FC236}">
+                <a16:creationId xmlns:a16="http://schemas.microsoft.com/office/drawing/2014/main" id="{F7980FB7-DEEE-07B9-635C-B5FE6B6A05E1}"/>
+              </a:ext>
+            </a:extLst>
+          </p:cNvPr>
+          <p:cNvSpPr/>
+          <p:nvPr/>
+        </p:nvSpPr>
+        <p:spPr>
+          <a:xfrm>
+            <a:off x="9641106" y="3834180"/>
+            <a:ext cx="471340" cy="369332"/>
+          </a:xfrm>
+          <a:prstGeom prst="rightArrow">
+            <a:avLst/>
+          </a:prstGeom>
+          <a:solidFill>
+            <a:srgbClr val="FF0000"/>
+          </a:solidFill>
+        </p:spPr>
+        <p:style>
+          <a:lnRef idx="2">
+            <a:schemeClr val="accent1">
+              <a:shade val="50000"/>
+            </a:schemeClr>
+          </a:lnRef>
+          <a:fillRef idx="1">
+            <a:schemeClr val="accent1"/>
+          </a:fillRef>
+          <a:effectRef idx="0">
+            <a:schemeClr val="accent1"/>
+          </a:effectRef>
+          <a:fontRef idx="minor">
+            <a:schemeClr val="lt1"/>
+          </a:fontRef>
+        </p:style>
+        <p:txBody>
+          <a:bodyPr rtlCol="0" anchor="ctr"/>
+          <a:lstStyle/>
+          <a:p>
+            <a:pPr algn="ctr"/>
+            <a:endParaRPr lang="ko-KR" altLang="en-US"/>
+          </a:p>
+        </p:txBody>
+      </p:sp>
+      <p:sp>
+        <p:nvSpPr>
+          <p:cNvPr id="36" name="화살표: 오른쪽 35">
+            <a:extLst>
+              <a:ext uri="{FF2B5EF4-FFF2-40B4-BE49-F238E27FC236}">
+                <a16:creationId xmlns:a16="http://schemas.microsoft.com/office/drawing/2014/main" id="{AFE67B03-F7AE-7DDE-6DF7-9C45BA787215}"/>
+              </a:ext>
+            </a:extLst>
+          </p:cNvPr>
+          <p:cNvSpPr/>
+          <p:nvPr/>
+        </p:nvSpPr>
+        <p:spPr>
+          <a:xfrm>
+            <a:off x="8295588" y="5087945"/>
+            <a:ext cx="471340" cy="369332"/>
+          </a:xfrm>
+          <a:prstGeom prst="rightArrow">
+            <a:avLst/>
+          </a:prstGeom>
+        </p:spPr>
+        <p:style>
+          <a:lnRef idx="2">
+            <a:schemeClr val="accent1">
+              <a:shade val="50000"/>
+            </a:schemeClr>
+          </a:lnRef>
+          <a:fillRef idx="1">
+            <a:schemeClr val="accent1"/>
+          </a:fillRef>
+          <a:effectRef idx="0">
+            <a:schemeClr val="accent1"/>
+          </a:effectRef>
+          <a:fontRef idx="minor">
+            <a:schemeClr val="lt1"/>
+          </a:fontRef>
+        </p:style>
+        <p:txBody>
+          <a:bodyPr rtlCol="0" anchor="ctr"/>
+          <a:lstStyle/>
+          <a:p>
+            <a:pPr algn="ctr"/>
+            <a:endParaRPr lang="ko-KR" altLang="en-US"/>
+          </a:p>
+        </p:txBody>
+      </p:sp>
+      <p:sp>
+        <p:nvSpPr>
+          <p:cNvPr id="37" name="화살표: 오른쪽 36">
+            <a:extLst>
+              <a:ext uri="{FF2B5EF4-FFF2-40B4-BE49-F238E27FC236}">
+                <a16:creationId xmlns:a16="http://schemas.microsoft.com/office/drawing/2014/main" id="{F6D30CBD-6AEA-1477-9A84-426253494C83}"/>
+              </a:ext>
+            </a:extLst>
+          </p:cNvPr>
+          <p:cNvSpPr/>
+          <p:nvPr/>
+        </p:nvSpPr>
+        <p:spPr>
+          <a:xfrm>
+            <a:off x="9641106" y="5087945"/>
+            <a:ext cx="471340" cy="369332"/>
+          </a:xfrm>
+          <a:prstGeom prst="rightArrow">
+            <a:avLst/>
+          </a:prstGeom>
+        </p:spPr>
+        <p:style>
+          <a:lnRef idx="2">
+            <a:schemeClr val="accent1">
+              <a:shade val="50000"/>
+            </a:schemeClr>
+          </a:lnRef>
+          <a:fillRef idx="1">
+            <a:schemeClr val="accent1"/>
+          </a:fillRef>
+          <a:effectRef idx="0">
+            <a:schemeClr val="accent1"/>
+          </a:effectRef>
+          <a:fontRef idx="minor">
+            <a:schemeClr val="lt1"/>
+          </a:fontRef>
+        </p:style>
+        <p:txBody>
+          <a:bodyPr rtlCol="0" anchor="ctr"/>
+          <a:lstStyle/>
+          <a:p>
+            <a:pPr algn="ctr"/>
+            <a:endParaRPr lang="ko-KR" altLang="en-US"/>
+          </a:p>
+        </p:txBody>
+      </p:sp>
+      <p:sp>
+        <p:nvSpPr>
+          <p:cNvPr id="38" name="화살표: 오른쪽 37">
+            <a:extLst>
+              <a:ext uri="{FF2B5EF4-FFF2-40B4-BE49-F238E27FC236}">
+                <a16:creationId xmlns:a16="http://schemas.microsoft.com/office/drawing/2014/main" id="{422D56DF-0D51-3706-D430-2D9A3D0BEB13}"/>
+              </a:ext>
+            </a:extLst>
+          </p:cNvPr>
+          <p:cNvSpPr/>
+          <p:nvPr/>
+        </p:nvSpPr>
+        <p:spPr>
+          <a:xfrm rot="5400000">
+            <a:off x="7588578" y="3148553"/>
+            <a:ext cx="471340" cy="369332"/>
+          </a:xfrm>
+          <a:prstGeom prst="rightArrow">
+            <a:avLst/>
+          </a:prstGeom>
+        </p:spPr>
+        <p:style>
+          <a:lnRef idx="2">
+            <a:schemeClr val="accent1">
+              <a:shade val="50000"/>
+            </a:schemeClr>
+          </a:lnRef>
+          <a:fillRef idx="1">
+            <a:schemeClr val="accent1"/>
+          </a:fillRef>
+          <a:effectRef idx="0">
+            <a:schemeClr val="accent1"/>
+          </a:effectRef>
+          <a:fontRef idx="minor">
+            <a:schemeClr val="lt1"/>
+          </a:fontRef>
+        </p:style>
+        <p:txBody>
+          <a:bodyPr rtlCol="0" anchor="ctr"/>
+          <a:lstStyle/>
+          <a:p>
+            <a:pPr algn="ctr"/>
+            <a:endParaRPr lang="ko-KR" altLang="en-US"/>
+          </a:p>
+        </p:txBody>
+      </p:sp>
+      <p:sp>
+        <p:nvSpPr>
+          <p:cNvPr id="39" name="화살표: 오른쪽 38">
+            <a:extLst>
+              <a:ext uri="{FF2B5EF4-FFF2-40B4-BE49-F238E27FC236}">
+                <a16:creationId xmlns:a16="http://schemas.microsoft.com/office/drawing/2014/main" id="{23A9FD4B-9193-B872-F26C-BB0A95E3E3E9}"/>
+              </a:ext>
+            </a:extLst>
+          </p:cNvPr>
+          <p:cNvSpPr/>
+          <p:nvPr/>
+        </p:nvSpPr>
+        <p:spPr>
+          <a:xfrm rot="5400000">
+            <a:off x="8954986" y="3148553"/>
+            <a:ext cx="471340" cy="369332"/>
+          </a:xfrm>
+          <a:prstGeom prst="rightArrow">
+            <a:avLst/>
+          </a:prstGeom>
+        </p:spPr>
+        <p:style>
+          <a:lnRef idx="2">
+            <a:schemeClr val="accent1">
+              <a:shade val="50000"/>
+            </a:schemeClr>
+          </a:lnRef>
+          <a:fillRef idx="1">
+            <a:schemeClr val="accent1"/>
+          </a:fillRef>
+          <a:effectRef idx="0">
+            <a:schemeClr val="accent1"/>
+          </a:effectRef>
+          <a:fontRef idx="minor">
+            <a:schemeClr val="lt1"/>
+          </a:fontRef>
+        </p:style>
+        <p:txBody>
+          <a:bodyPr rtlCol="0" anchor="ctr"/>
+          <a:lstStyle/>
+          <a:p>
+            <a:pPr algn="ctr"/>
+            <a:endParaRPr lang="ko-KR" altLang="en-US"/>
+          </a:p>
+        </p:txBody>
+      </p:sp>
+      <p:sp>
+        <p:nvSpPr>
+          <p:cNvPr id="40" name="화살표: 오른쪽 39">
+            <a:extLst>
+              <a:ext uri="{FF2B5EF4-FFF2-40B4-BE49-F238E27FC236}">
+                <a16:creationId xmlns:a16="http://schemas.microsoft.com/office/drawing/2014/main" id="{D75D2489-9F7A-50D2-9947-9F5D03B255BF}"/>
+              </a:ext>
+            </a:extLst>
+          </p:cNvPr>
+          <p:cNvSpPr/>
+          <p:nvPr/>
+        </p:nvSpPr>
+        <p:spPr>
+          <a:xfrm rot="5400000">
+            <a:off x="10330343" y="3148553"/>
+            <a:ext cx="471340" cy="369332"/>
+          </a:xfrm>
+          <a:prstGeom prst="rightArrow">
+            <a:avLst/>
+          </a:prstGeom>
+          <a:solidFill>
+            <a:srgbClr val="FF0000"/>
+          </a:solidFill>
+        </p:spPr>
+        <p:style>
+          <a:lnRef idx="2">
+            <a:schemeClr val="accent1">
+              <a:shade val="50000"/>
+            </a:schemeClr>
+          </a:lnRef>
+          <a:fillRef idx="1">
+            <a:schemeClr val="accent1"/>
+          </a:fillRef>
+          <a:effectRef idx="0">
+            <a:schemeClr val="accent1"/>
+          </a:effectRef>
+          <a:fontRef idx="minor">
+            <a:schemeClr val="lt1"/>
+          </a:fontRef>
+        </p:style>
+        <p:txBody>
+          <a:bodyPr rtlCol="0" anchor="ctr"/>
+          <a:lstStyle/>
+          <a:p>
+            <a:pPr algn="ctr"/>
+            <a:endParaRPr lang="ko-KR" altLang="en-US"/>
+          </a:p>
+        </p:txBody>
+      </p:sp>
+      <p:sp>
+        <p:nvSpPr>
+          <p:cNvPr id="41" name="화살표: 오른쪽 40">
+            <a:extLst>
+              <a:ext uri="{FF2B5EF4-FFF2-40B4-BE49-F238E27FC236}">
+                <a16:creationId xmlns:a16="http://schemas.microsoft.com/office/drawing/2014/main" id="{19FEF7F0-FEB6-FD7B-0CFD-4923E50BDD76}"/>
+              </a:ext>
+            </a:extLst>
+          </p:cNvPr>
+          <p:cNvSpPr/>
+          <p:nvPr/>
+        </p:nvSpPr>
+        <p:spPr>
+          <a:xfrm rot="5400000">
+            <a:off x="7588578" y="4458817"/>
+            <a:ext cx="471340" cy="369332"/>
+          </a:xfrm>
+          <a:prstGeom prst="rightArrow">
+            <a:avLst/>
+          </a:prstGeom>
+        </p:spPr>
+        <p:style>
+          <a:lnRef idx="2">
+            <a:schemeClr val="accent1">
+              <a:shade val="50000"/>
+            </a:schemeClr>
+          </a:lnRef>
+          <a:fillRef idx="1">
+            <a:schemeClr val="accent1"/>
+          </a:fillRef>
+          <a:effectRef idx="0">
+            <a:schemeClr val="accent1"/>
+          </a:effectRef>
+          <a:fontRef idx="minor">
+            <a:schemeClr val="lt1"/>
+          </a:fontRef>
+        </p:style>
+        <p:txBody>
+          <a:bodyPr rtlCol="0" anchor="ctr"/>
+          <a:lstStyle/>
+          <a:p>
+            <a:pPr algn="ctr"/>
+            <a:endParaRPr lang="ko-KR" altLang="en-US"/>
+          </a:p>
+        </p:txBody>
+      </p:sp>
+      <p:sp>
+        <p:nvSpPr>
+          <p:cNvPr id="42" name="화살표: 오른쪽 41">
+            <a:extLst>
+              <a:ext uri="{FF2B5EF4-FFF2-40B4-BE49-F238E27FC236}">
+                <a16:creationId xmlns:a16="http://schemas.microsoft.com/office/drawing/2014/main" id="{E9801158-063B-F844-7A71-F8A955CBB717}"/>
+              </a:ext>
+            </a:extLst>
+          </p:cNvPr>
+          <p:cNvSpPr/>
+          <p:nvPr/>
+        </p:nvSpPr>
+        <p:spPr>
+          <a:xfrm rot="5400000">
+            <a:off x="8954986" y="4458817"/>
+            <a:ext cx="471340" cy="369332"/>
+          </a:xfrm>
+          <a:prstGeom prst="rightArrow">
+            <a:avLst/>
+          </a:prstGeom>
+        </p:spPr>
+        <p:style>
+          <a:lnRef idx="2">
+            <a:schemeClr val="accent1">
+              <a:shade val="50000"/>
+            </a:schemeClr>
+          </a:lnRef>
+          <a:fillRef idx="1">
+            <a:schemeClr val="accent1"/>
+          </a:fillRef>
+          <a:effectRef idx="0">
+            <a:schemeClr val="accent1"/>
+          </a:effectRef>
+          <a:fontRef idx="minor">
+            <a:schemeClr val="lt1"/>
+          </a:fontRef>
+        </p:style>
+        <p:txBody>
+          <a:bodyPr rtlCol="0" anchor="ctr"/>
+          <a:lstStyle/>
+          <a:p>
+            <a:pPr algn="ctr"/>
+            <a:endParaRPr lang="ko-KR" altLang="en-US"/>
+          </a:p>
+        </p:txBody>
+      </p:sp>
+      <p:sp>
+        <p:nvSpPr>
+          <p:cNvPr id="43" name="화살표: 오른쪽 42">
+            <a:extLst>
+              <a:ext uri="{FF2B5EF4-FFF2-40B4-BE49-F238E27FC236}">
+                <a16:creationId xmlns:a16="http://schemas.microsoft.com/office/drawing/2014/main" id="{4C6B634B-7DBF-6AB7-9046-E44F0FBE3DC3}"/>
+              </a:ext>
+            </a:extLst>
+          </p:cNvPr>
+          <p:cNvSpPr/>
+          <p:nvPr/>
+        </p:nvSpPr>
+        <p:spPr>
+          <a:xfrm rot="5400000">
+            <a:off x="10330343" y="4458817"/>
+            <a:ext cx="471340" cy="369332"/>
+          </a:xfrm>
+          <a:prstGeom prst="rightArrow">
+            <a:avLst/>
+          </a:prstGeom>
+        </p:spPr>
+        <p:style>
+          <a:lnRef idx="2">
+            <a:schemeClr val="accent1">
+              <a:shade val="50000"/>
+            </a:schemeClr>
+          </a:lnRef>
+          <a:fillRef idx="1">
+            <a:schemeClr val="accent1"/>
+          </a:fillRef>
+          <a:effectRef idx="0">
+            <a:schemeClr val="accent1"/>
+          </a:effectRef>
+          <a:fontRef idx="minor">
+            <a:schemeClr val="lt1"/>
+          </a:fontRef>
+        </p:style>
+        <p:txBody>
+          <a:bodyPr rtlCol="0" anchor="ctr"/>
+          <a:lstStyle/>
+          <a:p>
+            <a:pPr algn="ctr"/>
+            <a:endParaRPr lang="ko-KR" altLang="en-US"/>
+          </a:p>
+        </p:txBody>
+      </p:sp>
+      <p:sp>
+        <p:nvSpPr>
+          <p:cNvPr id="44" name="타원 43">
+            <a:extLst>
+              <a:ext uri="{FF2B5EF4-FFF2-40B4-BE49-F238E27FC236}">
+                <a16:creationId xmlns:a16="http://schemas.microsoft.com/office/drawing/2014/main" id="{7197FFC1-05B8-C582-1435-F737F7D2FEB6}"/>
+              </a:ext>
+            </a:extLst>
+          </p:cNvPr>
+          <p:cNvSpPr/>
+          <p:nvPr/>
+        </p:nvSpPr>
+        <p:spPr>
+          <a:xfrm>
+            <a:off x="1325309" y="3685880"/>
+            <a:ext cx="810705" cy="650450"/>
+          </a:xfrm>
+          <a:prstGeom prst="ellipse">
+            <a:avLst/>
+          </a:prstGeom>
+          <a:noFill/>
+          <a:ln w="28575">
+            <a:solidFill>
+              <a:srgbClr val="FF0000"/>
+            </a:solidFill>
+          </a:ln>
+        </p:spPr>
+        <p:style>
+          <a:lnRef idx="2">
+            <a:schemeClr val="accent1">
+              <a:shade val="50000"/>
+            </a:schemeClr>
+          </a:lnRef>
+          <a:fillRef idx="1">
+            <a:schemeClr val="accent1"/>
+          </a:fillRef>
+          <a:effectRef idx="0">
+            <a:schemeClr val="accent1"/>
+          </a:effectRef>
+          <a:fontRef idx="minor">
+            <a:schemeClr val="lt1"/>
+          </a:fontRef>
+        </p:style>
+        <p:txBody>
+          <a:bodyPr rtlCol="0" anchor="ctr"/>
+          <a:lstStyle/>
+          <a:p>
+            <a:pPr algn="ctr"/>
+            <a:endParaRPr lang="ko-KR" altLang="en-US"/>
+          </a:p>
+        </p:txBody>
+      </p:sp>
+      <p:sp>
+        <p:nvSpPr>
+          <p:cNvPr id="45" name="타원 44">
+            <a:extLst>
+              <a:ext uri="{FF2B5EF4-FFF2-40B4-BE49-F238E27FC236}">
+                <a16:creationId xmlns:a16="http://schemas.microsoft.com/office/drawing/2014/main" id="{5546D9CE-AEE5-0722-856E-37C0442BF831}"/>
+              </a:ext>
+            </a:extLst>
+          </p:cNvPr>
+          <p:cNvSpPr/>
+          <p:nvPr/>
+        </p:nvSpPr>
+        <p:spPr>
+          <a:xfrm>
+            <a:off x="10160660" y="3663126"/>
+            <a:ext cx="810705" cy="650450"/>
+          </a:xfrm>
+          <a:prstGeom prst="ellipse">
+            <a:avLst/>
+          </a:prstGeom>
+          <a:noFill/>
+          <a:ln w="28575">
+            <a:solidFill>
+              <a:srgbClr val="FF0000"/>
+            </a:solidFill>
+          </a:ln>
+        </p:spPr>
+        <p:style>
+          <a:lnRef idx="2">
+            <a:schemeClr val="accent1">
+              <a:shade val="50000"/>
+            </a:schemeClr>
+          </a:lnRef>
+          <a:fillRef idx="1">
+            <a:schemeClr val="accent1"/>
+          </a:fillRef>
+          <a:effectRef idx="0">
+            <a:schemeClr val="accent1"/>
+          </a:effectRef>
+          <a:fontRef idx="minor">
+            <a:schemeClr val="lt1"/>
+          </a:fontRef>
+        </p:style>
+        <p:txBody>
+          <a:bodyPr rtlCol="0" anchor="ctr"/>
+          <a:lstStyle/>
+          <a:p>
+            <a:pPr algn="ctr"/>
+            <a:endParaRPr lang="ko-KR" altLang="en-US"/>
+          </a:p>
+        </p:txBody>
+      </p:sp>
     </p:spTree>
     <p:extLst>
       <p:ext uri="{BB962C8B-B14F-4D97-AF65-F5344CB8AC3E}">
-        <p14:creationId xmlns:p14="http://schemas.microsoft.com/office/powerpoint/2010/main" val="458905345"/>
+        <p14:creationId xmlns:p14="http://schemas.microsoft.com/office/powerpoint/2010/main" val="3355446456"/>
       </p:ext>
     </p:extLst>
   </p:cSld>
@@ -6443,10 +10061,40 @@
           </a:p>
         </p:txBody>
       </p:sp>
+      <p:pic>
+        <p:nvPicPr>
+          <p:cNvPr id="3" name="그림 2">
+            <a:extLst>
+              <a:ext uri="{FF2B5EF4-FFF2-40B4-BE49-F238E27FC236}">
+                <a16:creationId xmlns:a16="http://schemas.microsoft.com/office/drawing/2014/main" id="{AFD233B6-4CE0-4B26-7BD7-0C2D24025EA1}"/>
+              </a:ext>
+            </a:extLst>
+          </p:cNvPr>
+          <p:cNvPicPr>
+            <a:picLocks noChangeAspect="1"/>
+          </p:cNvPicPr>
+          <p:nvPr/>
+        </p:nvPicPr>
+        <p:blipFill>
+          <a:blip r:embed="rId2"/>
+          <a:stretch>
+            <a:fillRect/>
+          </a:stretch>
+        </p:blipFill>
+        <p:spPr>
+          <a:xfrm>
+            <a:off x="331694" y="963268"/>
+            <a:ext cx="9247400" cy="5894731"/>
+          </a:xfrm>
+          <a:prstGeom prst="rect">
+            <a:avLst/>
+          </a:prstGeom>
+        </p:spPr>
+      </p:pic>
     </p:spTree>
     <p:extLst>
       <p:ext uri="{BB962C8B-B14F-4D97-AF65-F5344CB8AC3E}">
-        <p14:creationId xmlns:p14="http://schemas.microsoft.com/office/powerpoint/2010/main" val="3209148614"/>
+        <p14:creationId xmlns:p14="http://schemas.microsoft.com/office/powerpoint/2010/main" val="458905345"/>
       </p:ext>
     </p:extLst>
   </p:cSld>
@@ -8354,7 +12002,7 @@
         <p:spPr>
           <a:xfrm>
             <a:off x="331694" y="179902"/>
-            <a:ext cx="9506833" cy="523220"/>
+            <a:ext cx="6948441" cy="523220"/>
           </a:xfrm>
           <a:prstGeom prst="rect">
             <a:avLst/>
@@ -8372,52 +12020,22 @@
                 <a:latin typeface="나눔스퀘어 Bold" panose="020B0600000101010101" pitchFamily="50" charset="-127"/>
                 <a:ea typeface="나눔스퀘어 Bold" panose="020B0600000101010101" pitchFamily="50" charset="-127"/>
               </a:rPr>
-              <a:t>Dynamic Programming – 11053 </a:t>
+              <a:t>Dynamic Programming – 14916 </a:t>
             </a:r>
             <a:r>
               <a:rPr lang="ko-KR" altLang="en-US" sz="2800" dirty="0">
                 <a:latin typeface="나눔스퀘어 Bold" panose="020B0600000101010101" pitchFamily="50" charset="-127"/>
                 <a:ea typeface="나눔스퀘어 Bold" panose="020B0600000101010101" pitchFamily="50" charset="-127"/>
               </a:rPr>
-              <a:t>가장 긴 증가하는 부분 수열</a:t>
-            </a:r>
-          </a:p>
-        </p:txBody>
-      </p:sp>
-      <p:pic>
-        <p:nvPicPr>
-          <p:cNvPr id="3" name="그림 2">
-            <a:extLst>
-              <a:ext uri="{FF2B5EF4-FFF2-40B4-BE49-F238E27FC236}">
-                <a16:creationId xmlns:a16="http://schemas.microsoft.com/office/drawing/2014/main" id="{169B8E43-5AC5-E906-1298-4019C3E4AB35}"/>
-              </a:ext>
-            </a:extLst>
-          </p:cNvPr>
-          <p:cNvPicPr>
-            <a:picLocks noChangeAspect="1"/>
-          </p:cNvPicPr>
-          <p:nvPr/>
-        </p:nvPicPr>
-        <p:blipFill>
-          <a:blip r:embed="rId2"/>
-          <a:stretch>
-            <a:fillRect/>
-          </a:stretch>
-        </p:blipFill>
-        <p:spPr>
-          <a:xfrm>
-            <a:off x="331694" y="971543"/>
-            <a:ext cx="9325226" cy="5715461"/>
-          </a:xfrm>
-          <a:prstGeom prst="rect">
-            <a:avLst/>
-          </a:prstGeom>
-        </p:spPr>
-      </p:pic>
+              <a:t>거스름돈</a:t>
+            </a:r>
+          </a:p>
+        </p:txBody>
+      </p:sp>
     </p:spTree>
     <p:extLst>
       <p:ext uri="{BB962C8B-B14F-4D97-AF65-F5344CB8AC3E}">
-        <p14:creationId xmlns:p14="http://schemas.microsoft.com/office/powerpoint/2010/main" val="3855707884"/>
+        <p14:creationId xmlns:p14="http://schemas.microsoft.com/office/powerpoint/2010/main" val="3209148614"/>
       </p:ext>
     </p:extLst>
   </p:cSld>
@@ -8533,6 +12151,155 @@
           </a:p>
         </p:txBody>
       </p:sp>
+      <p:pic>
+        <p:nvPicPr>
+          <p:cNvPr id="3" name="그림 2">
+            <a:extLst>
+              <a:ext uri="{FF2B5EF4-FFF2-40B4-BE49-F238E27FC236}">
+                <a16:creationId xmlns:a16="http://schemas.microsoft.com/office/drawing/2014/main" id="{169B8E43-5AC5-E906-1298-4019C3E4AB35}"/>
+              </a:ext>
+            </a:extLst>
+          </p:cNvPr>
+          <p:cNvPicPr>
+            <a:picLocks noChangeAspect="1"/>
+          </p:cNvPicPr>
+          <p:nvPr/>
+        </p:nvPicPr>
+        <p:blipFill>
+          <a:blip r:embed="rId2"/>
+          <a:stretch>
+            <a:fillRect/>
+          </a:stretch>
+        </p:blipFill>
+        <p:spPr>
+          <a:xfrm>
+            <a:off x="331694" y="971543"/>
+            <a:ext cx="9325226" cy="5715461"/>
+          </a:xfrm>
+          <a:prstGeom prst="rect">
+            <a:avLst/>
+          </a:prstGeom>
+        </p:spPr>
+      </p:pic>
+    </p:spTree>
+    <p:extLst>
+      <p:ext uri="{BB962C8B-B14F-4D97-AF65-F5344CB8AC3E}">
+        <p14:creationId xmlns:p14="http://schemas.microsoft.com/office/powerpoint/2010/main" val="3855707884"/>
+      </p:ext>
+    </p:extLst>
+  </p:cSld>
+  <p:clrMapOvr>
+    <a:masterClrMapping/>
+  </p:clrMapOvr>
+</p:sld>
+</file>
+
+<file path=ppt/slides/slide22.xml><?xml version="1.0" encoding="utf-8"?>
+<p:sld xmlns:a="http://schemas.openxmlformats.org/drawingml/2006/main" xmlns:r="http://schemas.openxmlformats.org/officeDocument/2006/relationships" xmlns:p="http://schemas.openxmlformats.org/presentationml/2006/main">
+  <p:cSld>
+    <p:spTree>
+      <p:nvGrpSpPr>
+        <p:cNvPr id="1" name=""/>
+        <p:cNvGrpSpPr/>
+        <p:nvPr/>
+      </p:nvGrpSpPr>
+      <p:grpSpPr>
+        <a:xfrm>
+          <a:off x="0" y="0"/>
+          <a:ext cx="0" cy="0"/>
+          <a:chOff x="0" y="0"/>
+          <a:chExt cx="0" cy="0"/>
+        </a:xfrm>
+      </p:grpSpPr>
+      <p:cxnSp>
+        <p:nvCxnSpPr>
+          <p:cNvPr id="5" name="직선 연결선 4">
+            <a:extLst>
+              <a:ext uri="{FF2B5EF4-FFF2-40B4-BE49-F238E27FC236}">
+                <a16:creationId xmlns:a16="http://schemas.microsoft.com/office/drawing/2014/main" id="{164C2827-EFCE-69A4-D037-1A218415F568}"/>
+              </a:ext>
+            </a:extLst>
+          </p:cNvPr>
+          <p:cNvCxnSpPr/>
+          <p:nvPr/>
+        </p:nvCxnSpPr>
+        <p:spPr>
+          <a:xfrm>
+            <a:off x="0" y="887505"/>
+            <a:ext cx="10237694" cy="0"/>
+          </a:xfrm>
+          <a:prstGeom prst="line">
+            <a:avLst/>
+          </a:prstGeom>
+          <a:ln w="76200">
+            <a:solidFill>
+              <a:schemeClr val="tx1">
+                <a:lumMod val="75000"/>
+                <a:lumOff val="25000"/>
+              </a:schemeClr>
+            </a:solidFill>
+          </a:ln>
+        </p:spPr>
+        <p:style>
+          <a:lnRef idx="1">
+            <a:schemeClr val="accent1"/>
+          </a:lnRef>
+          <a:fillRef idx="0">
+            <a:schemeClr val="accent1"/>
+          </a:fillRef>
+          <a:effectRef idx="0">
+            <a:schemeClr val="accent1"/>
+          </a:effectRef>
+          <a:fontRef idx="minor">
+            <a:schemeClr val="tx1"/>
+          </a:fontRef>
+        </p:style>
+      </p:cxnSp>
+      <p:sp>
+        <p:nvSpPr>
+          <p:cNvPr id="4" name="TextBox 3">
+            <a:extLst>
+              <a:ext uri="{FF2B5EF4-FFF2-40B4-BE49-F238E27FC236}">
+                <a16:creationId xmlns:a16="http://schemas.microsoft.com/office/drawing/2014/main" id="{59D13859-3C4A-53F0-C48F-C6B9095BD065}"/>
+              </a:ext>
+            </a:extLst>
+          </p:cNvPr>
+          <p:cNvSpPr txBox="1"/>
+          <p:nvPr/>
+        </p:nvSpPr>
+        <p:spPr>
+          <a:xfrm>
+            <a:off x="331694" y="179902"/>
+            <a:ext cx="9506833" cy="523220"/>
+          </a:xfrm>
+          <a:prstGeom prst="rect">
+            <a:avLst/>
+          </a:prstGeom>
+          <a:noFill/>
+        </p:spPr>
+        <p:txBody>
+          <a:bodyPr wrap="none" rtlCol="0">
+            <a:spAutoFit/>
+          </a:bodyPr>
+          <a:lstStyle/>
+          <a:p>
+            <a:r>
+              <a:rPr lang="en-US" altLang="ko-KR" sz="2800" dirty="0">
+                <a:latin typeface="나눔스퀘어 Bold" panose="020B0600000101010101" pitchFamily="50" charset="-127"/>
+                <a:ea typeface="나눔스퀘어 Bold" panose="020B0600000101010101" pitchFamily="50" charset="-127"/>
+              </a:rPr>
+              <a:t>Dynamic Programming – 11053 </a:t>
+            </a:r>
+            <a:r>
+              <a:rPr lang="ko-KR" altLang="en-US" sz="2800" dirty="0">
+                <a:latin typeface="나눔스퀘어 Bold" panose="020B0600000101010101" pitchFamily="50" charset="-127"/>
+                <a:ea typeface="나눔스퀘어 Bold" panose="020B0600000101010101" pitchFamily="50" charset="-127"/>
+              </a:rPr>
+              <a:t>가장 긴 증가하는 부분 수열</a:t>
+            </a:r>
+          </a:p>
+        </p:txBody>
+      </p:sp>
     </p:spTree>
     <p:extLst>
       <p:ext uri="{BB962C8B-B14F-4D97-AF65-F5344CB8AC3E}">
@@ -8546,7 +12313,7 @@
 </p:sld>
 </file>
 
-<file path=ppt/slides/slide22.xml><?xml version="1.0" encoding="utf-8"?>
+<file path=ppt/slides/slide23.xml><?xml version="1.0" encoding="utf-8"?>
 <p:sld xmlns:a="http://schemas.openxmlformats.org/drawingml/2006/main" xmlns:r="http://schemas.openxmlformats.org/officeDocument/2006/relationships" xmlns:p="http://schemas.openxmlformats.org/presentationml/2006/main">
   <p:cSld>
     <p:spTree>

--- a/study/5_Dynamic Programming.pptx
+++ b/study/5_Dynamic Programming.pptx
@@ -23,11 +23,13 @@
     <p:sldId id="327" r:id="rId17"/>
     <p:sldId id="338" r:id="rId18"/>
     <p:sldId id="343" r:id="rId19"/>
-    <p:sldId id="339" r:id="rId20"/>
-    <p:sldId id="340" r:id="rId21"/>
-    <p:sldId id="341" r:id="rId22"/>
-    <p:sldId id="342" r:id="rId23"/>
-    <p:sldId id="298" r:id="rId24"/>
+    <p:sldId id="344" r:id="rId20"/>
+    <p:sldId id="345" r:id="rId21"/>
+    <p:sldId id="339" r:id="rId22"/>
+    <p:sldId id="340" r:id="rId23"/>
+    <p:sldId id="341" r:id="rId24"/>
+    <p:sldId id="342" r:id="rId25"/>
+    <p:sldId id="298" r:id="rId26"/>
   </p:sldIdLst>
   <p:sldSz cx="12192000" cy="6858000"/>
   <p:notesSz cx="6858000" cy="9144000"/>
@@ -281,7 +283,7 @@
           <a:p>
             <a:fld id="{33C37291-AA83-40C0-9297-8F7F3693F6CC}" type="datetimeFigureOut">
               <a:rPr lang="ko-KR" altLang="en-US" smtClean="0"/>
-              <a:t>2022-09-04</a:t>
+              <a:t>2022-09-05</a:t>
             </a:fld>
             <a:endParaRPr lang="ko-KR" altLang="en-US"/>
           </a:p>
@@ -479,7 +481,7 @@
           <a:p>
             <a:fld id="{33C37291-AA83-40C0-9297-8F7F3693F6CC}" type="datetimeFigureOut">
               <a:rPr lang="ko-KR" altLang="en-US" smtClean="0"/>
-              <a:t>2022-09-04</a:t>
+              <a:t>2022-09-05</a:t>
             </a:fld>
             <a:endParaRPr lang="ko-KR" altLang="en-US"/>
           </a:p>
@@ -687,7 +689,7 @@
           <a:p>
             <a:fld id="{33C37291-AA83-40C0-9297-8F7F3693F6CC}" type="datetimeFigureOut">
               <a:rPr lang="ko-KR" altLang="en-US" smtClean="0"/>
-              <a:t>2022-09-04</a:t>
+              <a:t>2022-09-05</a:t>
             </a:fld>
             <a:endParaRPr lang="ko-KR" altLang="en-US"/>
           </a:p>
@@ -885,7 +887,7 @@
           <a:p>
             <a:fld id="{33C37291-AA83-40C0-9297-8F7F3693F6CC}" type="datetimeFigureOut">
               <a:rPr lang="ko-KR" altLang="en-US" smtClean="0"/>
-              <a:t>2022-09-04</a:t>
+              <a:t>2022-09-05</a:t>
             </a:fld>
             <a:endParaRPr lang="ko-KR" altLang="en-US"/>
           </a:p>
@@ -1160,7 +1162,7 @@
           <a:p>
             <a:fld id="{33C37291-AA83-40C0-9297-8F7F3693F6CC}" type="datetimeFigureOut">
               <a:rPr lang="ko-KR" altLang="en-US" smtClean="0"/>
-              <a:t>2022-09-04</a:t>
+              <a:t>2022-09-05</a:t>
             </a:fld>
             <a:endParaRPr lang="ko-KR" altLang="en-US"/>
           </a:p>
@@ -1425,7 +1427,7 @@
           <a:p>
             <a:fld id="{33C37291-AA83-40C0-9297-8F7F3693F6CC}" type="datetimeFigureOut">
               <a:rPr lang="ko-KR" altLang="en-US" smtClean="0"/>
-              <a:t>2022-09-04</a:t>
+              <a:t>2022-09-05</a:t>
             </a:fld>
             <a:endParaRPr lang="ko-KR" altLang="en-US"/>
           </a:p>
@@ -1837,7 +1839,7 @@
           <a:p>
             <a:fld id="{33C37291-AA83-40C0-9297-8F7F3693F6CC}" type="datetimeFigureOut">
               <a:rPr lang="ko-KR" altLang="en-US" smtClean="0"/>
-              <a:t>2022-09-04</a:t>
+              <a:t>2022-09-05</a:t>
             </a:fld>
             <a:endParaRPr lang="ko-KR" altLang="en-US"/>
           </a:p>
@@ -1978,7 +1980,7 @@
           <a:p>
             <a:fld id="{33C37291-AA83-40C0-9297-8F7F3693F6CC}" type="datetimeFigureOut">
               <a:rPr lang="ko-KR" altLang="en-US" smtClean="0"/>
-              <a:t>2022-09-04</a:t>
+              <a:t>2022-09-05</a:t>
             </a:fld>
             <a:endParaRPr lang="ko-KR" altLang="en-US"/>
           </a:p>
@@ -2091,7 +2093,7 @@
           <a:p>
             <a:fld id="{33C37291-AA83-40C0-9297-8F7F3693F6CC}" type="datetimeFigureOut">
               <a:rPr lang="ko-KR" altLang="en-US" smtClean="0"/>
-              <a:t>2022-09-04</a:t>
+              <a:t>2022-09-05</a:t>
             </a:fld>
             <a:endParaRPr lang="ko-KR" altLang="en-US"/>
           </a:p>
@@ -2402,7 +2404,7 @@
           <a:p>
             <a:fld id="{33C37291-AA83-40C0-9297-8F7F3693F6CC}" type="datetimeFigureOut">
               <a:rPr lang="ko-KR" altLang="en-US" smtClean="0"/>
-              <a:t>2022-09-04</a:t>
+              <a:t>2022-09-05</a:t>
             </a:fld>
             <a:endParaRPr lang="ko-KR" altLang="en-US"/>
           </a:p>
@@ -2690,7 +2692,7 @@
           <a:p>
             <a:fld id="{33C37291-AA83-40C0-9297-8F7F3693F6CC}" type="datetimeFigureOut">
               <a:rPr lang="ko-KR" altLang="en-US" smtClean="0"/>
-              <a:t>2022-09-04</a:t>
+              <a:t>2022-09-05</a:t>
             </a:fld>
             <a:endParaRPr lang="ko-KR" altLang="en-US"/>
           </a:p>
@@ -2931,7 +2933,7 @@
           <a:p>
             <a:fld id="{33C37291-AA83-40C0-9297-8F7F3693F6CC}" type="datetimeFigureOut">
               <a:rPr lang="ko-KR" altLang="en-US" smtClean="0"/>
-              <a:t>2022-09-04</a:t>
+              <a:t>2022-09-05</a:t>
             </a:fld>
             <a:endParaRPr lang="ko-KR" altLang="en-US"/>
           </a:p>
@@ -10049,52 +10051,1305 @@
                 <a:latin typeface="나눔스퀘어 Bold" panose="020B0600000101010101" pitchFamily="50" charset="-127"/>
                 <a:ea typeface="나눔스퀘어 Bold" panose="020B0600000101010101" pitchFamily="50" charset="-127"/>
               </a:rPr>
-              <a:t>Dynamic Programming – 14916 </a:t>
+              <a:t>Dynamic Programming – 14430 </a:t>
             </a:r>
             <a:r>
               <a:rPr lang="ko-KR" altLang="en-US" sz="2800" dirty="0">
                 <a:latin typeface="나눔스퀘어 Bold" panose="020B0600000101010101" pitchFamily="50" charset="-127"/>
                 <a:ea typeface="나눔스퀘어 Bold" panose="020B0600000101010101" pitchFamily="50" charset="-127"/>
               </a:rPr>
-              <a:t>거스름돈</a:t>
-            </a:r>
-          </a:p>
-        </p:txBody>
-      </p:sp>
-      <p:pic>
-        <p:nvPicPr>
-          <p:cNvPr id="3" name="그림 2">
-            <a:extLst>
-              <a:ext uri="{FF2B5EF4-FFF2-40B4-BE49-F238E27FC236}">
-                <a16:creationId xmlns:a16="http://schemas.microsoft.com/office/drawing/2014/main" id="{AFD233B6-4CE0-4B26-7BD7-0C2D24025EA1}"/>
-              </a:ext>
-            </a:extLst>
-          </p:cNvPr>
-          <p:cNvPicPr>
-            <a:picLocks noChangeAspect="1"/>
-          </p:cNvPicPr>
-          <p:nvPr/>
-        </p:nvPicPr>
-        <p:blipFill>
-          <a:blip r:embed="rId2"/>
-          <a:stretch>
-            <a:fillRect/>
-          </a:stretch>
-        </p:blipFill>
-        <p:spPr>
-          <a:xfrm>
-            <a:off x="331694" y="963268"/>
-            <a:ext cx="9247400" cy="5894731"/>
+              <a:t>자원 캐기</a:t>
+            </a:r>
+          </a:p>
+        </p:txBody>
+      </p:sp>
+      <p:sp>
+        <p:nvSpPr>
+          <p:cNvPr id="3" name="TextBox 2">
+            <a:extLst>
+              <a:ext uri="{FF2B5EF4-FFF2-40B4-BE49-F238E27FC236}">
+                <a16:creationId xmlns:a16="http://schemas.microsoft.com/office/drawing/2014/main" id="{C2ED2474-9900-3800-8DE1-1B08712A00BD}"/>
+              </a:ext>
+            </a:extLst>
+          </p:cNvPr>
+          <p:cNvSpPr txBox="1"/>
+          <p:nvPr/>
+        </p:nvSpPr>
+        <p:spPr>
+          <a:xfrm>
+            <a:off x="942387" y="1190024"/>
+            <a:ext cx="10313217" cy="369332"/>
           </a:xfrm>
           <a:prstGeom prst="rect">
             <a:avLst/>
           </a:prstGeom>
-        </p:spPr>
-      </p:pic>
+          <a:noFill/>
+        </p:spPr>
+        <p:txBody>
+          <a:bodyPr wrap="square" rtlCol="0">
+            <a:spAutoFit/>
+          </a:bodyPr>
+          <a:lstStyle/>
+          <a:p>
+            <a:r>
+              <a:rPr lang="ko-KR" altLang="en-US" dirty="0">
+                <a:latin typeface="나눔스퀘어 Light" panose="020B0600000101010101" pitchFamily="50" charset="-127"/>
+                <a:ea typeface="나눔스퀘어 Light" panose="020B0600000101010101" pitchFamily="50" charset="-127"/>
+              </a:rPr>
+              <a:t>즉</a:t>
+            </a:r>
+            <a:r>
+              <a:rPr lang="en-US" altLang="ko-KR" dirty="0">
+                <a:latin typeface="나눔스퀘어 Light" panose="020B0600000101010101" pitchFamily="50" charset="-127"/>
+                <a:ea typeface="나눔스퀘어 Light" panose="020B0600000101010101" pitchFamily="50" charset="-127"/>
+              </a:rPr>
+              <a:t>, (x, y)</a:t>
+            </a:r>
+            <a:r>
+              <a:rPr lang="ko-KR" altLang="en-US" dirty="0">
+                <a:latin typeface="나눔스퀘어 Light" panose="020B0600000101010101" pitchFamily="50" charset="-127"/>
+                <a:ea typeface="나눔스퀘어 Light" panose="020B0600000101010101" pitchFamily="50" charset="-127"/>
+              </a:rPr>
+              <a:t>에 도달할 때의 최대 광석은</a:t>
+            </a:r>
+          </a:p>
+        </p:txBody>
+      </p:sp>
+      <p:graphicFrame>
+        <p:nvGraphicFramePr>
+          <p:cNvPr id="6" name="표 6">
+            <a:extLst>
+              <a:ext uri="{FF2B5EF4-FFF2-40B4-BE49-F238E27FC236}">
+                <a16:creationId xmlns:a16="http://schemas.microsoft.com/office/drawing/2014/main" id="{1C062CAD-B8B0-3B6C-738E-BA0D9CF66C66}"/>
+              </a:ext>
+            </a:extLst>
+          </p:cNvPr>
+          <p:cNvGraphicFramePr>
+            <a:graphicFrameLocks noGrp="1"/>
+          </p:cNvGraphicFramePr>
+          <p:nvPr/>
+        </p:nvGraphicFramePr>
+        <p:xfrm>
+          <a:off x="1054846" y="2030695"/>
+          <a:ext cx="4129896" cy="3939801"/>
+        </p:xfrm>
+        <a:graphic>
+          <a:graphicData uri="http://schemas.openxmlformats.org/drawingml/2006/table">
+            <a:tbl>
+              <a:tblPr firstRow="1" bandRow="1">
+                <a:tableStyleId>{69CF1AB2-1976-4502-BF36-3FF5EA218861}</a:tableStyleId>
+              </a:tblPr>
+              <a:tblGrid>
+                <a:gridCol w="1376632">
+                  <a:extLst>
+                    <a:ext uri="{9D8B030D-6E8A-4147-A177-3AD203B41FA5}">
+                      <a16:colId xmlns:a16="http://schemas.microsoft.com/office/drawing/2014/main" val="184689733"/>
+                    </a:ext>
+                  </a:extLst>
+                </a:gridCol>
+                <a:gridCol w="1376632">
+                  <a:extLst>
+                    <a:ext uri="{9D8B030D-6E8A-4147-A177-3AD203B41FA5}">
+                      <a16:colId xmlns:a16="http://schemas.microsoft.com/office/drawing/2014/main" val="662498604"/>
+                    </a:ext>
+                  </a:extLst>
+                </a:gridCol>
+                <a:gridCol w="1376632">
+                  <a:extLst>
+                    <a:ext uri="{9D8B030D-6E8A-4147-A177-3AD203B41FA5}">
+                      <a16:colId xmlns:a16="http://schemas.microsoft.com/office/drawing/2014/main" val="3419381811"/>
+                    </a:ext>
+                  </a:extLst>
+                </a:gridCol>
+              </a:tblGrid>
+              <a:tr h="1313267">
+                <a:tc>
+                  <a:txBody>
+                    <a:bodyPr/>
+                    <a:lstStyle/>
+                    <a:p>
+                      <a:pPr algn="ctr" latinLnBrk="1"/>
+                      <a:r>
+                        <a:rPr lang="en-US" altLang="ko-KR" sz="2800" b="0" dirty="0">
+                          <a:latin typeface="나눔스퀘어 Bold" panose="020B0600000101010101" pitchFamily="50" charset="-127"/>
+                          <a:ea typeface="나눔스퀘어 Bold" panose="020B0600000101010101" pitchFamily="50" charset="-127"/>
+                        </a:rPr>
+                        <a:t>0, 0</a:t>
+                      </a:r>
+                      <a:endParaRPr lang="ko-KR" altLang="en-US" sz="2800" b="0" dirty="0">
+                        <a:latin typeface="나눔스퀘어 Bold" panose="020B0600000101010101" pitchFamily="50" charset="-127"/>
+                        <a:ea typeface="나눔스퀘어 Bold" panose="020B0600000101010101" pitchFamily="50" charset="-127"/>
+                      </a:endParaRPr>
+                    </a:p>
+                  </a:txBody>
+                  <a:tcPr anchor="ctr"/>
+                </a:tc>
+                <a:tc>
+                  <a:txBody>
+                    <a:bodyPr/>
+                    <a:lstStyle/>
+                    <a:p>
+                      <a:pPr algn="ctr" latinLnBrk="1"/>
+                      <a:r>
+                        <a:rPr lang="en-US" altLang="ko-KR" sz="2800" b="0" dirty="0">
+                          <a:latin typeface="나눔스퀘어 Bold" panose="020B0600000101010101" pitchFamily="50" charset="-127"/>
+                          <a:ea typeface="나눔스퀘어 Bold" panose="020B0600000101010101" pitchFamily="50" charset="-127"/>
+                        </a:rPr>
+                        <a:t>0, 1</a:t>
+                      </a:r>
+                      <a:endParaRPr lang="ko-KR" altLang="en-US" sz="2800" b="0" dirty="0">
+                        <a:latin typeface="나눔스퀘어 Bold" panose="020B0600000101010101" pitchFamily="50" charset="-127"/>
+                        <a:ea typeface="나눔스퀘어 Bold" panose="020B0600000101010101" pitchFamily="50" charset="-127"/>
+                      </a:endParaRPr>
+                    </a:p>
+                  </a:txBody>
+                  <a:tcPr anchor="ctr"/>
+                </a:tc>
+                <a:tc>
+                  <a:txBody>
+                    <a:bodyPr/>
+                    <a:lstStyle/>
+                    <a:p>
+                      <a:pPr algn="ctr" latinLnBrk="1"/>
+                      <a:r>
+                        <a:rPr lang="en-US" altLang="ko-KR" sz="2800" b="0" dirty="0">
+                          <a:latin typeface="나눔스퀘어 Bold" panose="020B0600000101010101" pitchFamily="50" charset="-127"/>
+                          <a:ea typeface="나눔스퀘어 Bold" panose="020B0600000101010101" pitchFamily="50" charset="-127"/>
+                        </a:rPr>
+                        <a:t>0, 2</a:t>
+                      </a:r>
+                      <a:endParaRPr lang="ko-KR" altLang="en-US" sz="2800" b="0" dirty="0">
+                        <a:latin typeface="나눔스퀘어 Bold" panose="020B0600000101010101" pitchFamily="50" charset="-127"/>
+                        <a:ea typeface="나눔스퀘어 Bold" panose="020B0600000101010101" pitchFamily="50" charset="-127"/>
+                      </a:endParaRPr>
+                    </a:p>
+                  </a:txBody>
+                  <a:tcPr anchor="ctr"/>
+                </a:tc>
+                <a:extLst>
+                  <a:ext uri="{0D108BD9-81ED-4DB2-BD59-A6C34878D82A}">
+                    <a16:rowId xmlns:a16="http://schemas.microsoft.com/office/drawing/2014/main" val="889197390"/>
+                  </a:ext>
+                </a:extLst>
+              </a:tr>
+              <a:tr h="1313267">
+                <a:tc>
+                  <a:txBody>
+                    <a:bodyPr/>
+                    <a:lstStyle/>
+                    <a:p>
+                      <a:pPr algn="ctr" latinLnBrk="1"/>
+                      <a:r>
+                        <a:rPr lang="en-US" altLang="ko-KR" sz="2800" dirty="0">
+                          <a:latin typeface="나눔스퀘어 Bold" panose="020B0600000101010101" pitchFamily="50" charset="-127"/>
+                          <a:ea typeface="나눔스퀘어 Bold" panose="020B0600000101010101" pitchFamily="50" charset="-127"/>
+                        </a:rPr>
+                        <a:t>1, 0</a:t>
+                      </a:r>
+                      <a:endParaRPr lang="ko-KR" altLang="en-US" sz="2800" dirty="0">
+                        <a:latin typeface="나눔스퀘어 Bold" panose="020B0600000101010101" pitchFamily="50" charset="-127"/>
+                        <a:ea typeface="나눔스퀘어 Bold" panose="020B0600000101010101" pitchFamily="50" charset="-127"/>
+                      </a:endParaRPr>
+                    </a:p>
+                  </a:txBody>
+                  <a:tcPr anchor="ctr"/>
+                </a:tc>
+                <a:tc>
+                  <a:txBody>
+                    <a:bodyPr/>
+                    <a:lstStyle/>
+                    <a:p>
+                      <a:pPr algn="ctr" latinLnBrk="1"/>
+                      <a:r>
+                        <a:rPr lang="en-US" altLang="ko-KR" sz="2800" dirty="0">
+                          <a:latin typeface="나눔스퀘어 Bold" panose="020B0600000101010101" pitchFamily="50" charset="-127"/>
+                          <a:ea typeface="나눔스퀘어 Bold" panose="020B0600000101010101" pitchFamily="50" charset="-127"/>
+                        </a:rPr>
+                        <a:t>1, 1</a:t>
+                      </a:r>
+                      <a:endParaRPr lang="ko-KR" altLang="en-US" sz="2800" dirty="0">
+                        <a:latin typeface="나눔스퀘어 Bold" panose="020B0600000101010101" pitchFamily="50" charset="-127"/>
+                        <a:ea typeface="나눔스퀘어 Bold" panose="020B0600000101010101" pitchFamily="50" charset="-127"/>
+                      </a:endParaRPr>
+                    </a:p>
+                  </a:txBody>
+                  <a:tcPr anchor="ctr"/>
+                </a:tc>
+                <a:tc>
+                  <a:txBody>
+                    <a:bodyPr/>
+                    <a:lstStyle/>
+                    <a:p>
+                      <a:pPr algn="ctr" latinLnBrk="1"/>
+                      <a:r>
+                        <a:rPr lang="en-US" altLang="ko-KR" sz="2800" dirty="0">
+                          <a:latin typeface="나눔스퀘어 Bold" panose="020B0600000101010101" pitchFamily="50" charset="-127"/>
+                          <a:ea typeface="나눔스퀘어 Bold" panose="020B0600000101010101" pitchFamily="50" charset="-127"/>
+                        </a:rPr>
+                        <a:t>1, 2</a:t>
+                      </a:r>
+                      <a:endParaRPr lang="ko-KR" altLang="en-US" sz="2800" dirty="0">
+                        <a:latin typeface="나눔스퀘어 Bold" panose="020B0600000101010101" pitchFamily="50" charset="-127"/>
+                        <a:ea typeface="나눔스퀘어 Bold" panose="020B0600000101010101" pitchFamily="50" charset="-127"/>
+                      </a:endParaRPr>
+                    </a:p>
+                  </a:txBody>
+                  <a:tcPr anchor="ctr"/>
+                </a:tc>
+                <a:extLst>
+                  <a:ext uri="{0D108BD9-81ED-4DB2-BD59-A6C34878D82A}">
+                    <a16:rowId xmlns:a16="http://schemas.microsoft.com/office/drawing/2014/main" val="3949344445"/>
+                  </a:ext>
+                </a:extLst>
+              </a:tr>
+              <a:tr h="1313267">
+                <a:tc>
+                  <a:txBody>
+                    <a:bodyPr/>
+                    <a:lstStyle/>
+                    <a:p>
+                      <a:pPr algn="ctr" latinLnBrk="1"/>
+                      <a:r>
+                        <a:rPr lang="en-US" altLang="ko-KR" sz="2800" dirty="0">
+                          <a:latin typeface="나눔스퀘어 Bold" panose="020B0600000101010101" pitchFamily="50" charset="-127"/>
+                          <a:ea typeface="나눔스퀘어 Bold" panose="020B0600000101010101" pitchFamily="50" charset="-127"/>
+                        </a:rPr>
+                        <a:t>2, 0</a:t>
+                      </a:r>
+                      <a:endParaRPr lang="ko-KR" altLang="en-US" sz="2800" dirty="0">
+                        <a:latin typeface="나눔스퀘어 Bold" panose="020B0600000101010101" pitchFamily="50" charset="-127"/>
+                        <a:ea typeface="나눔스퀘어 Bold" panose="020B0600000101010101" pitchFamily="50" charset="-127"/>
+                      </a:endParaRPr>
+                    </a:p>
+                  </a:txBody>
+                  <a:tcPr anchor="ctr"/>
+                </a:tc>
+                <a:tc>
+                  <a:txBody>
+                    <a:bodyPr/>
+                    <a:lstStyle/>
+                    <a:p>
+                      <a:pPr algn="ctr" latinLnBrk="1"/>
+                      <a:r>
+                        <a:rPr lang="en-US" altLang="ko-KR" sz="2800" dirty="0">
+                          <a:latin typeface="나눔스퀘어 Bold" panose="020B0600000101010101" pitchFamily="50" charset="-127"/>
+                          <a:ea typeface="나눔스퀘어 Bold" panose="020B0600000101010101" pitchFamily="50" charset="-127"/>
+                        </a:rPr>
+                        <a:t>2, 1</a:t>
+                      </a:r>
+                      <a:endParaRPr lang="ko-KR" altLang="en-US" sz="2800" dirty="0">
+                        <a:latin typeface="나눔스퀘어 Bold" panose="020B0600000101010101" pitchFamily="50" charset="-127"/>
+                        <a:ea typeface="나눔스퀘어 Bold" panose="020B0600000101010101" pitchFamily="50" charset="-127"/>
+                      </a:endParaRPr>
+                    </a:p>
+                  </a:txBody>
+                  <a:tcPr anchor="ctr"/>
+                </a:tc>
+                <a:tc>
+                  <a:txBody>
+                    <a:bodyPr/>
+                    <a:lstStyle/>
+                    <a:p>
+                      <a:pPr algn="ctr" latinLnBrk="1"/>
+                      <a:r>
+                        <a:rPr lang="en-US" altLang="ko-KR" sz="2800" dirty="0">
+                          <a:latin typeface="나눔스퀘어 Bold" panose="020B0600000101010101" pitchFamily="50" charset="-127"/>
+                          <a:ea typeface="나눔스퀘어 Bold" panose="020B0600000101010101" pitchFamily="50" charset="-127"/>
+                        </a:rPr>
+                        <a:t>2, 2</a:t>
+                      </a:r>
+                      <a:endParaRPr lang="ko-KR" altLang="en-US" sz="2800" dirty="0">
+                        <a:latin typeface="나눔스퀘어 Bold" panose="020B0600000101010101" pitchFamily="50" charset="-127"/>
+                        <a:ea typeface="나눔스퀘어 Bold" panose="020B0600000101010101" pitchFamily="50" charset="-127"/>
+                      </a:endParaRPr>
+                    </a:p>
+                  </a:txBody>
+                  <a:tcPr anchor="ctr"/>
+                </a:tc>
+                <a:extLst>
+                  <a:ext uri="{0D108BD9-81ED-4DB2-BD59-A6C34878D82A}">
+                    <a16:rowId xmlns:a16="http://schemas.microsoft.com/office/drawing/2014/main" val="264939005"/>
+                  </a:ext>
+                </a:extLst>
+              </a:tr>
+            </a:tbl>
+          </a:graphicData>
+        </a:graphic>
+      </p:graphicFrame>
+      <p:sp>
+        <p:nvSpPr>
+          <p:cNvPr id="7" name="화살표: 오른쪽 6">
+            <a:extLst>
+              <a:ext uri="{FF2B5EF4-FFF2-40B4-BE49-F238E27FC236}">
+                <a16:creationId xmlns:a16="http://schemas.microsoft.com/office/drawing/2014/main" id="{629F8853-D534-19C1-5D6D-E1F61D3BABE9}"/>
+              </a:ext>
+            </a:extLst>
+          </p:cNvPr>
+          <p:cNvSpPr/>
+          <p:nvPr/>
+        </p:nvSpPr>
+        <p:spPr>
+          <a:xfrm>
+            <a:off x="2224726" y="2469823"/>
+            <a:ext cx="471340" cy="369332"/>
+          </a:xfrm>
+          <a:prstGeom prst="rightArrow">
+            <a:avLst/>
+          </a:prstGeom>
+        </p:spPr>
+        <p:style>
+          <a:lnRef idx="2">
+            <a:schemeClr val="accent1">
+              <a:shade val="50000"/>
+            </a:schemeClr>
+          </a:lnRef>
+          <a:fillRef idx="1">
+            <a:schemeClr val="accent1"/>
+          </a:fillRef>
+          <a:effectRef idx="0">
+            <a:schemeClr val="accent1"/>
+          </a:effectRef>
+          <a:fontRef idx="minor">
+            <a:schemeClr val="lt1"/>
+          </a:fontRef>
+        </p:style>
+        <p:txBody>
+          <a:bodyPr rtlCol="0" anchor="ctr"/>
+          <a:lstStyle/>
+          <a:p>
+            <a:pPr algn="ctr"/>
+            <a:endParaRPr lang="ko-KR" altLang="en-US"/>
+          </a:p>
+        </p:txBody>
+      </p:sp>
+      <p:sp>
+        <p:nvSpPr>
+          <p:cNvPr id="8" name="화살표: 오른쪽 7">
+            <a:extLst>
+              <a:ext uri="{FF2B5EF4-FFF2-40B4-BE49-F238E27FC236}">
+                <a16:creationId xmlns:a16="http://schemas.microsoft.com/office/drawing/2014/main" id="{21219A69-23A2-1B88-A1F8-4465E1BF8EF9}"/>
+              </a:ext>
+            </a:extLst>
+          </p:cNvPr>
+          <p:cNvSpPr/>
+          <p:nvPr/>
+        </p:nvSpPr>
+        <p:spPr>
+          <a:xfrm>
+            <a:off x="3570244" y="2469823"/>
+            <a:ext cx="471340" cy="369332"/>
+          </a:xfrm>
+          <a:prstGeom prst="rightArrow">
+            <a:avLst/>
+          </a:prstGeom>
+        </p:spPr>
+        <p:style>
+          <a:lnRef idx="2">
+            <a:schemeClr val="accent1">
+              <a:shade val="50000"/>
+            </a:schemeClr>
+          </a:lnRef>
+          <a:fillRef idx="1">
+            <a:schemeClr val="accent1"/>
+          </a:fillRef>
+          <a:effectRef idx="0">
+            <a:schemeClr val="accent1"/>
+          </a:effectRef>
+          <a:fontRef idx="minor">
+            <a:schemeClr val="lt1"/>
+          </a:fontRef>
+        </p:style>
+        <p:txBody>
+          <a:bodyPr rtlCol="0" anchor="ctr"/>
+          <a:lstStyle/>
+          <a:p>
+            <a:pPr algn="ctr"/>
+            <a:endParaRPr lang="ko-KR" altLang="en-US"/>
+          </a:p>
+        </p:txBody>
+      </p:sp>
+      <p:sp>
+        <p:nvSpPr>
+          <p:cNvPr id="10" name="화살표: 오른쪽 9">
+            <a:extLst>
+              <a:ext uri="{FF2B5EF4-FFF2-40B4-BE49-F238E27FC236}">
+                <a16:creationId xmlns:a16="http://schemas.microsoft.com/office/drawing/2014/main" id="{936D3889-1347-D1CF-51A4-337F62A3A345}"/>
+              </a:ext>
+            </a:extLst>
+          </p:cNvPr>
+          <p:cNvSpPr/>
+          <p:nvPr/>
+        </p:nvSpPr>
+        <p:spPr>
+          <a:xfrm>
+            <a:off x="3570244" y="3834180"/>
+            <a:ext cx="471340" cy="369332"/>
+          </a:xfrm>
+          <a:prstGeom prst="rightArrow">
+            <a:avLst/>
+          </a:prstGeom>
+        </p:spPr>
+        <p:style>
+          <a:lnRef idx="2">
+            <a:schemeClr val="accent1">
+              <a:shade val="50000"/>
+            </a:schemeClr>
+          </a:lnRef>
+          <a:fillRef idx="1">
+            <a:schemeClr val="accent1"/>
+          </a:fillRef>
+          <a:effectRef idx="0">
+            <a:schemeClr val="accent1"/>
+          </a:effectRef>
+          <a:fontRef idx="minor">
+            <a:schemeClr val="lt1"/>
+          </a:fontRef>
+        </p:style>
+        <p:txBody>
+          <a:bodyPr rtlCol="0" anchor="ctr"/>
+          <a:lstStyle/>
+          <a:p>
+            <a:pPr algn="ctr"/>
+            <a:endParaRPr lang="ko-KR" altLang="en-US"/>
+          </a:p>
+        </p:txBody>
+      </p:sp>
+      <p:sp>
+        <p:nvSpPr>
+          <p:cNvPr id="11" name="화살표: 오른쪽 10">
+            <a:extLst>
+              <a:ext uri="{FF2B5EF4-FFF2-40B4-BE49-F238E27FC236}">
+                <a16:creationId xmlns:a16="http://schemas.microsoft.com/office/drawing/2014/main" id="{38A3E947-71E4-6485-6D4D-12603262CABA}"/>
+              </a:ext>
+            </a:extLst>
+          </p:cNvPr>
+          <p:cNvSpPr/>
+          <p:nvPr/>
+        </p:nvSpPr>
+        <p:spPr>
+          <a:xfrm>
+            <a:off x="2224726" y="5087945"/>
+            <a:ext cx="471340" cy="369332"/>
+          </a:xfrm>
+          <a:prstGeom prst="rightArrow">
+            <a:avLst/>
+          </a:prstGeom>
+        </p:spPr>
+        <p:style>
+          <a:lnRef idx="2">
+            <a:schemeClr val="accent1">
+              <a:shade val="50000"/>
+            </a:schemeClr>
+          </a:lnRef>
+          <a:fillRef idx="1">
+            <a:schemeClr val="accent1"/>
+          </a:fillRef>
+          <a:effectRef idx="0">
+            <a:schemeClr val="accent1"/>
+          </a:effectRef>
+          <a:fontRef idx="minor">
+            <a:schemeClr val="lt1"/>
+          </a:fontRef>
+        </p:style>
+        <p:txBody>
+          <a:bodyPr rtlCol="0" anchor="ctr"/>
+          <a:lstStyle/>
+          <a:p>
+            <a:pPr algn="ctr"/>
+            <a:endParaRPr lang="ko-KR" altLang="en-US"/>
+          </a:p>
+        </p:txBody>
+      </p:sp>
+      <p:sp>
+        <p:nvSpPr>
+          <p:cNvPr id="12" name="화살표: 오른쪽 11">
+            <a:extLst>
+              <a:ext uri="{FF2B5EF4-FFF2-40B4-BE49-F238E27FC236}">
+                <a16:creationId xmlns:a16="http://schemas.microsoft.com/office/drawing/2014/main" id="{BAAA00C9-C780-8677-1373-99EC7D7CD541}"/>
+              </a:ext>
+            </a:extLst>
+          </p:cNvPr>
+          <p:cNvSpPr/>
+          <p:nvPr/>
+        </p:nvSpPr>
+        <p:spPr>
+          <a:xfrm>
+            <a:off x="3570244" y="5087945"/>
+            <a:ext cx="471340" cy="369332"/>
+          </a:xfrm>
+          <a:prstGeom prst="rightArrow">
+            <a:avLst/>
+          </a:prstGeom>
+          <a:solidFill>
+            <a:schemeClr val="accent2"/>
+          </a:solidFill>
+        </p:spPr>
+        <p:style>
+          <a:lnRef idx="2">
+            <a:schemeClr val="accent1">
+              <a:shade val="50000"/>
+            </a:schemeClr>
+          </a:lnRef>
+          <a:fillRef idx="1">
+            <a:schemeClr val="accent1"/>
+          </a:fillRef>
+          <a:effectRef idx="0">
+            <a:schemeClr val="accent1"/>
+          </a:effectRef>
+          <a:fontRef idx="minor">
+            <a:schemeClr val="lt1"/>
+          </a:fontRef>
+        </p:style>
+        <p:txBody>
+          <a:bodyPr rtlCol="0" anchor="ctr"/>
+          <a:lstStyle/>
+          <a:p>
+            <a:pPr algn="ctr"/>
+            <a:endParaRPr lang="ko-KR" altLang="en-US"/>
+          </a:p>
+        </p:txBody>
+      </p:sp>
+      <p:sp>
+        <p:nvSpPr>
+          <p:cNvPr id="13" name="화살표: 오른쪽 12">
+            <a:extLst>
+              <a:ext uri="{FF2B5EF4-FFF2-40B4-BE49-F238E27FC236}">
+                <a16:creationId xmlns:a16="http://schemas.microsoft.com/office/drawing/2014/main" id="{F46CDC95-88C6-A535-73BF-112C053A8EAC}"/>
+              </a:ext>
+            </a:extLst>
+          </p:cNvPr>
+          <p:cNvSpPr/>
+          <p:nvPr/>
+        </p:nvSpPr>
+        <p:spPr>
+          <a:xfrm rot="5400000">
+            <a:off x="2871269" y="3148553"/>
+            <a:ext cx="471340" cy="369332"/>
+          </a:xfrm>
+          <a:prstGeom prst="rightArrow">
+            <a:avLst/>
+          </a:prstGeom>
+          <a:solidFill>
+            <a:srgbClr val="FF0000"/>
+          </a:solidFill>
+        </p:spPr>
+        <p:style>
+          <a:lnRef idx="2">
+            <a:schemeClr val="accent1">
+              <a:shade val="50000"/>
+            </a:schemeClr>
+          </a:lnRef>
+          <a:fillRef idx="1">
+            <a:schemeClr val="accent1"/>
+          </a:fillRef>
+          <a:effectRef idx="0">
+            <a:schemeClr val="accent1"/>
+          </a:effectRef>
+          <a:fontRef idx="minor">
+            <a:schemeClr val="lt1"/>
+          </a:fontRef>
+        </p:style>
+        <p:txBody>
+          <a:bodyPr rtlCol="0" anchor="ctr"/>
+          <a:lstStyle/>
+          <a:p>
+            <a:pPr algn="ctr"/>
+            <a:endParaRPr lang="ko-KR" altLang="en-US"/>
+          </a:p>
+        </p:txBody>
+      </p:sp>
+      <p:sp>
+        <p:nvSpPr>
+          <p:cNvPr id="14" name="화살표: 오른쪽 13">
+            <a:extLst>
+              <a:ext uri="{FF2B5EF4-FFF2-40B4-BE49-F238E27FC236}">
+                <a16:creationId xmlns:a16="http://schemas.microsoft.com/office/drawing/2014/main" id="{6F3FFA33-2540-ADE1-0780-3E31654F42E6}"/>
+              </a:ext>
+            </a:extLst>
+          </p:cNvPr>
+          <p:cNvSpPr/>
+          <p:nvPr/>
+        </p:nvSpPr>
+        <p:spPr>
+          <a:xfrm rot="5400000">
+            <a:off x="1517716" y="3148553"/>
+            <a:ext cx="471340" cy="369332"/>
+          </a:xfrm>
+          <a:prstGeom prst="rightArrow">
+            <a:avLst/>
+          </a:prstGeom>
+        </p:spPr>
+        <p:style>
+          <a:lnRef idx="2">
+            <a:schemeClr val="accent1">
+              <a:shade val="50000"/>
+            </a:schemeClr>
+          </a:lnRef>
+          <a:fillRef idx="1">
+            <a:schemeClr val="accent1"/>
+          </a:fillRef>
+          <a:effectRef idx="0">
+            <a:schemeClr val="accent1"/>
+          </a:effectRef>
+          <a:fontRef idx="minor">
+            <a:schemeClr val="lt1"/>
+          </a:fontRef>
+        </p:style>
+        <p:txBody>
+          <a:bodyPr rtlCol="0" anchor="ctr"/>
+          <a:lstStyle/>
+          <a:p>
+            <a:pPr algn="ctr"/>
+            <a:endParaRPr lang="ko-KR" altLang="en-US"/>
+          </a:p>
+        </p:txBody>
+      </p:sp>
+      <p:sp>
+        <p:nvSpPr>
+          <p:cNvPr id="15" name="화살표: 오른쪽 14">
+            <a:extLst>
+              <a:ext uri="{FF2B5EF4-FFF2-40B4-BE49-F238E27FC236}">
+                <a16:creationId xmlns:a16="http://schemas.microsoft.com/office/drawing/2014/main" id="{EAEB4A10-0620-097A-142F-236ED83BF7F7}"/>
+              </a:ext>
+            </a:extLst>
+          </p:cNvPr>
+          <p:cNvSpPr/>
+          <p:nvPr/>
+        </p:nvSpPr>
+        <p:spPr>
+          <a:xfrm rot="5400000">
+            <a:off x="4259481" y="3148553"/>
+            <a:ext cx="471340" cy="369332"/>
+          </a:xfrm>
+          <a:prstGeom prst="rightArrow">
+            <a:avLst/>
+          </a:prstGeom>
+        </p:spPr>
+        <p:style>
+          <a:lnRef idx="2">
+            <a:schemeClr val="accent1">
+              <a:shade val="50000"/>
+            </a:schemeClr>
+          </a:lnRef>
+          <a:fillRef idx="1">
+            <a:schemeClr val="accent1"/>
+          </a:fillRef>
+          <a:effectRef idx="0">
+            <a:schemeClr val="accent1"/>
+          </a:effectRef>
+          <a:fontRef idx="minor">
+            <a:schemeClr val="lt1"/>
+          </a:fontRef>
+        </p:style>
+        <p:txBody>
+          <a:bodyPr rtlCol="0" anchor="ctr"/>
+          <a:lstStyle/>
+          <a:p>
+            <a:pPr algn="ctr"/>
+            <a:endParaRPr lang="ko-KR" altLang="en-US"/>
+          </a:p>
+        </p:txBody>
+      </p:sp>
+      <p:sp>
+        <p:nvSpPr>
+          <p:cNvPr id="16" name="화살표: 오른쪽 15">
+            <a:extLst>
+              <a:ext uri="{FF2B5EF4-FFF2-40B4-BE49-F238E27FC236}">
+                <a16:creationId xmlns:a16="http://schemas.microsoft.com/office/drawing/2014/main" id="{DD2100C0-D276-DA1F-3AB3-D334C0DAC32F}"/>
+              </a:ext>
+            </a:extLst>
+          </p:cNvPr>
+          <p:cNvSpPr/>
+          <p:nvPr/>
+        </p:nvSpPr>
+        <p:spPr>
+          <a:xfrm rot="5400000">
+            <a:off x="1517716" y="4458817"/>
+            <a:ext cx="471340" cy="369332"/>
+          </a:xfrm>
+          <a:prstGeom prst="rightArrow">
+            <a:avLst/>
+          </a:prstGeom>
+        </p:spPr>
+        <p:style>
+          <a:lnRef idx="2">
+            <a:schemeClr val="accent1">
+              <a:shade val="50000"/>
+            </a:schemeClr>
+          </a:lnRef>
+          <a:fillRef idx="1">
+            <a:schemeClr val="accent1"/>
+          </a:fillRef>
+          <a:effectRef idx="0">
+            <a:schemeClr val="accent1"/>
+          </a:effectRef>
+          <a:fontRef idx="minor">
+            <a:schemeClr val="lt1"/>
+          </a:fontRef>
+        </p:style>
+        <p:txBody>
+          <a:bodyPr rtlCol="0" anchor="ctr"/>
+          <a:lstStyle/>
+          <a:p>
+            <a:pPr algn="ctr"/>
+            <a:endParaRPr lang="ko-KR" altLang="en-US"/>
+          </a:p>
+        </p:txBody>
+      </p:sp>
+      <p:sp>
+        <p:nvSpPr>
+          <p:cNvPr id="17" name="화살표: 오른쪽 16">
+            <a:extLst>
+              <a:ext uri="{FF2B5EF4-FFF2-40B4-BE49-F238E27FC236}">
+                <a16:creationId xmlns:a16="http://schemas.microsoft.com/office/drawing/2014/main" id="{8601BC88-F90F-B746-9211-D7E4E41C2646}"/>
+              </a:ext>
+            </a:extLst>
+          </p:cNvPr>
+          <p:cNvSpPr/>
+          <p:nvPr/>
+        </p:nvSpPr>
+        <p:spPr>
+          <a:xfrm rot="5400000">
+            <a:off x="2884124" y="4458817"/>
+            <a:ext cx="471340" cy="369332"/>
+          </a:xfrm>
+          <a:prstGeom prst="rightArrow">
+            <a:avLst/>
+          </a:prstGeom>
+        </p:spPr>
+        <p:style>
+          <a:lnRef idx="2">
+            <a:schemeClr val="accent1">
+              <a:shade val="50000"/>
+            </a:schemeClr>
+          </a:lnRef>
+          <a:fillRef idx="1">
+            <a:schemeClr val="accent1"/>
+          </a:fillRef>
+          <a:effectRef idx="0">
+            <a:schemeClr val="accent1"/>
+          </a:effectRef>
+          <a:fontRef idx="minor">
+            <a:schemeClr val="lt1"/>
+          </a:fontRef>
+        </p:style>
+        <p:txBody>
+          <a:bodyPr rtlCol="0" anchor="ctr"/>
+          <a:lstStyle/>
+          <a:p>
+            <a:pPr algn="ctr"/>
+            <a:endParaRPr lang="ko-KR" altLang="en-US"/>
+          </a:p>
+        </p:txBody>
+      </p:sp>
+      <p:sp>
+        <p:nvSpPr>
+          <p:cNvPr id="18" name="화살표: 오른쪽 17">
+            <a:extLst>
+              <a:ext uri="{FF2B5EF4-FFF2-40B4-BE49-F238E27FC236}">
+                <a16:creationId xmlns:a16="http://schemas.microsoft.com/office/drawing/2014/main" id="{C674F8B7-DA38-8548-1773-CAE9CC1F4797}"/>
+              </a:ext>
+            </a:extLst>
+          </p:cNvPr>
+          <p:cNvSpPr/>
+          <p:nvPr/>
+        </p:nvSpPr>
+        <p:spPr>
+          <a:xfrm rot="5400000">
+            <a:off x="4259481" y="4458817"/>
+            <a:ext cx="471340" cy="369332"/>
+          </a:xfrm>
+          <a:prstGeom prst="rightArrow">
+            <a:avLst/>
+          </a:prstGeom>
+          <a:solidFill>
+            <a:schemeClr val="accent2"/>
+          </a:solidFill>
+        </p:spPr>
+        <p:style>
+          <a:lnRef idx="2">
+            <a:schemeClr val="accent1">
+              <a:shade val="50000"/>
+            </a:schemeClr>
+          </a:lnRef>
+          <a:fillRef idx="1">
+            <a:schemeClr val="accent1"/>
+          </a:fillRef>
+          <a:effectRef idx="0">
+            <a:schemeClr val="accent1"/>
+          </a:effectRef>
+          <a:fontRef idx="minor">
+            <a:schemeClr val="lt1"/>
+          </a:fontRef>
+        </p:style>
+        <p:txBody>
+          <a:bodyPr rtlCol="0" anchor="ctr"/>
+          <a:lstStyle/>
+          <a:p>
+            <a:pPr algn="ctr"/>
+            <a:endParaRPr lang="ko-KR" altLang="en-US"/>
+          </a:p>
+        </p:txBody>
+      </p:sp>
+      <p:sp>
+        <p:nvSpPr>
+          <p:cNvPr id="44" name="타원 43">
+            <a:extLst>
+              <a:ext uri="{FF2B5EF4-FFF2-40B4-BE49-F238E27FC236}">
+                <a16:creationId xmlns:a16="http://schemas.microsoft.com/office/drawing/2014/main" id="{7197FFC1-05B8-C582-1435-F737F7D2FEB6}"/>
+              </a:ext>
+            </a:extLst>
+          </p:cNvPr>
+          <p:cNvSpPr/>
+          <p:nvPr/>
+        </p:nvSpPr>
+        <p:spPr>
+          <a:xfrm>
+            <a:off x="2701587" y="3685880"/>
+            <a:ext cx="810705" cy="650450"/>
+          </a:xfrm>
+          <a:prstGeom prst="ellipse">
+            <a:avLst/>
+          </a:prstGeom>
+          <a:noFill/>
+          <a:ln w="28575">
+            <a:solidFill>
+              <a:srgbClr val="FF0000"/>
+            </a:solidFill>
+          </a:ln>
+        </p:spPr>
+        <p:style>
+          <a:lnRef idx="2">
+            <a:schemeClr val="accent1">
+              <a:shade val="50000"/>
+            </a:schemeClr>
+          </a:lnRef>
+          <a:fillRef idx="1">
+            <a:schemeClr val="accent1"/>
+          </a:fillRef>
+          <a:effectRef idx="0">
+            <a:schemeClr val="accent1"/>
+          </a:effectRef>
+          <a:fontRef idx="minor">
+            <a:schemeClr val="lt1"/>
+          </a:fontRef>
+        </p:style>
+        <p:txBody>
+          <a:bodyPr rtlCol="0" anchor="ctr"/>
+          <a:lstStyle/>
+          <a:p>
+            <a:pPr algn="ctr"/>
+            <a:endParaRPr lang="ko-KR" altLang="en-US"/>
+          </a:p>
+        </p:txBody>
+      </p:sp>
+      <p:sp>
+        <p:nvSpPr>
+          <p:cNvPr id="47" name="TextBox 46">
+            <a:extLst>
+              <a:ext uri="{FF2B5EF4-FFF2-40B4-BE49-F238E27FC236}">
+                <a16:creationId xmlns:a16="http://schemas.microsoft.com/office/drawing/2014/main" id="{52408FBE-295B-44E5-8883-122C776F6562}"/>
+              </a:ext>
+            </a:extLst>
+          </p:cNvPr>
+          <p:cNvSpPr txBox="1"/>
+          <p:nvPr/>
+        </p:nvSpPr>
+        <p:spPr>
+          <a:xfrm>
+            <a:off x="942387" y="1551029"/>
+            <a:ext cx="10313217" cy="369332"/>
+          </a:xfrm>
+          <a:prstGeom prst="rect">
+            <a:avLst/>
+          </a:prstGeom>
+          <a:noFill/>
+        </p:spPr>
+        <p:txBody>
+          <a:bodyPr wrap="square" rtlCol="0">
+            <a:spAutoFit/>
+          </a:bodyPr>
+          <a:lstStyle/>
+          <a:p>
+            <a:r>
+              <a:rPr lang="ko-KR" altLang="en-US" dirty="0">
+                <a:latin typeface="나눔스퀘어 Light" panose="020B0600000101010101" pitchFamily="50" charset="-127"/>
+                <a:ea typeface="나눔스퀘어 Light" panose="020B0600000101010101" pitchFamily="50" charset="-127"/>
+              </a:rPr>
+              <a:t>위쪽</a:t>
+            </a:r>
+            <a:r>
+              <a:rPr lang="en-US" altLang="ko-KR" dirty="0">
+                <a:latin typeface="나눔스퀘어 Light" panose="020B0600000101010101" pitchFamily="50" charset="-127"/>
+                <a:ea typeface="나눔스퀘어 Light" panose="020B0600000101010101" pitchFamily="50" charset="-127"/>
+              </a:rPr>
+              <a:t>(x-1, y)</a:t>
+            </a:r>
+            <a:r>
+              <a:rPr lang="ko-KR" altLang="en-US" dirty="0">
+                <a:latin typeface="나눔스퀘어 Light" panose="020B0600000101010101" pitchFamily="50" charset="-127"/>
+                <a:ea typeface="나눔스퀘어 Light" panose="020B0600000101010101" pitchFamily="50" charset="-127"/>
+              </a:rPr>
+              <a:t>에 도달할 때의 광석 최대값</a:t>
+            </a:r>
+            <a:r>
+              <a:rPr lang="en-US" altLang="ko-KR" dirty="0">
+                <a:latin typeface="나눔스퀘어 Light" panose="020B0600000101010101" pitchFamily="50" charset="-127"/>
+                <a:ea typeface="나눔스퀘어 Light" panose="020B0600000101010101" pitchFamily="50" charset="-127"/>
+              </a:rPr>
+              <a:t>, </a:t>
+            </a:r>
+            <a:r>
+              <a:rPr lang="ko-KR" altLang="en-US" dirty="0">
+                <a:latin typeface="나눔스퀘어 Light" panose="020B0600000101010101" pitchFamily="50" charset="-127"/>
+                <a:ea typeface="나눔스퀘어 Light" panose="020B0600000101010101" pitchFamily="50" charset="-127"/>
+              </a:rPr>
+              <a:t>왼쪽</a:t>
+            </a:r>
+            <a:r>
+              <a:rPr lang="en-US" altLang="ko-KR" dirty="0">
+                <a:latin typeface="나눔스퀘어 Light" panose="020B0600000101010101" pitchFamily="50" charset="-127"/>
+                <a:ea typeface="나눔스퀘어 Light" panose="020B0600000101010101" pitchFamily="50" charset="-127"/>
+              </a:rPr>
+              <a:t>(x, y-1)</a:t>
+            </a:r>
+            <a:r>
+              <a:rPr lang="ko-KR" altLang="en-US" dirty="0">
+                <a:latin typeface="나눔스퀘어 Light" panose="020B0600000101010101" pitchFamily="50" charset="-127"/>
+                <a:ea typeface="나눔스퀘어 Light" panose="020B0600000101010101" pitchFamily="50" charset="-127"/>
+              </a:rPr>
+              <a:t>에 도달할 때의 광석 최대값 중 최대값 임을 알 수 있음</a:t>
+            </a:r>
+          </a:p>
+        </p:txBody>
+      </p:sp>
+      <p:sp>
+        <p:nvSpPr>
+          <p:cNvPr id="49" name="화살표: 오른쪽 48">
+            <a:extLst>
+              <a:ext uri="{FF2B5EF4-FFF2-40B4-BE49-F238E27FC236}">
+                <a16:creationId xmlns:a16="http://schemas.microsoft.com/office/drawing/2014/main" id="{7C057B98-642A-4B7C-B206-DFD96902BA00}"/>
+              </a:ext>
+            </a:extLst>
+          </p:cNvPr>
+          <p:cNvSpPr/>
+          <p:nvPr/>
+        </p:nvSpPr>
+        <p:spPr>
+          <a:xfrm>
+            <a:off x="2224726" y="3834180"/>
+            <a:ext cx="471340" cy="369332"/>
+          </a:xfrm>
+          <a:prstGeom prst="rightArrow">
+            <a:avLst/>
+          </a:prstGeom>
+          <a:solidFill>
+            <a:srgbClr val="FF0000"/>
+          </a:solidFill>
+        </p:spPr>
+        <p:style>
+          <a:lnRef idx="2">
+            <a:schemeClr val="accent1">
+              <a:shade val="50000"/>
+            </a:schemeClr>
+          </a:lnRef>
+          <a:fillRef idx="1">
+            <a:schemeClr val="accent1"/>
+          </a:fillRef>
+          <a:effectRef idx="0">
+            <a:schemeClr val="accent1"/>
+          </a:effectRef>
+          <a:fontRef idx="minor">
+            <a:schemeClr val="lt1"/>
+          </a:fontRef>
+        </p:style>
+        <p:txBody>
+          <a:bodyPr rtlCol="0" anchor="ctr"/>
+          <a:lstStyle/>
+          <a:p>
+            <a:pPr algn="ctr"/>
+            <a:endParaRPr lang="ko-KR" altLang="en-US"/>
+          </a:p>
+        </p:txBody>
+      </p:sp>
+      <p:sp>
+        <p:nvSpPr>
+          <p:cNvPr id="50" name="TextBox 49">
+            <a:extLst>
+              <a:ext uri="{FF2B5EF4-FFF2-40B4-BE49-F238E27FC236}">
+                <a16:creationId xmlns:a16="http://schemas.microsoft.com/office/drawing/2014/main" id="{21F00FE9-07E1-4617-A00B-D88D6F043BBD}"/>
+              </a:ext>
+            </a:extLst>
+          </p:cNvPr>
+          <p:cNvSpPr txBox="1"/>
+          <p:nvPr/>
+        </p:nvSpPr>
+        <p:spPr>
+          <a:xfrm>
+            <a:off x="5503099" y="2661272"/>
+            <a:ext cx="5752506" cy="369332"/>
+          </a:xfrm>
+          <a:prstGeom prst="rect">
+            <a:avLst/>
+          </a:prstGeom>
+          <a:noFill/>
+        </p:spPr>
+        <p:txBody>
+          <a:bodyPr wrap="square" rtlCol="0">
+            <a:spAutoFit/>
+          </a:bodyPr>
+          <a:lstStyle/>
+          <a:p>
+            <a:r>
+              <a:rPr lang="en-US" altLang="ko-KR" dirty="0">
+                <a:latin typeface="나눔스퀘어 Light" panose="020B0600000101010101" pitchFamily="50" charset="-127"/>
+                <a:ea typeface="나눔스퀘어 Light" panose="020B0600000101010101" pitchFamily="50" charset="-127"/>
+              </a:rPr>
+              <a:t>(1, 1)</a:t>
+            </a:r>
+            <a:r>
+              <a:rPr lang="ko-KR" altLang="en-US" dirty="0">
+                <a:latin typeface="나눔스퀘어 Light" panose="020B0600000101010101" pitchFamily="50" charset="-127"/>
+                <a:ea typeface="나눔스퀘어 Light" panose="020B0600000101010101" pitchFamily="50" charset="-127"/>
+              </a:rPr>
+              <a:t>에 도달할 때의 광석 최대값은</a:t>
+            </a:r>
+          </a:p>
+        </p:txBody>
+      </p:sp>
+      <p:sp>
+        <p:nvSpPr>
+          <p:cNvPr id="51" name="TextBox 50">
+            <a:extLst>
+              <a:ext uri="{FF2B5EF4-FFF2-40B4-BE49-F238E27FC236}">
+                <a16:creationId xmlns:a16="http://schemas.microsoft.com/office/drawing/2014/main" id="{22D26786-5471-4321-B246-EEACCC7E71EC}"/>
+              </a:ext>
+            </a:extLst>
+          </p:cNvPr>
+          <p:cNvSpPr txBox="1"/>
+          <p:nvPr/>
+        </p:nvSpPr>
+        <p:spPr>
+          <a:xfrm>
+            <a:off x="5503099" y="3036014"/>
+            <a:ext cx="5752506" cy="369332"/>
+          </a:xfrm>
+          <a:prstGeom prst="rect">
+            <a:avLst/>
+          </a:prstGeom>
+          <a:noFill/>
+        </p:spPr>
+        <p:txBody>
+          <a:bodyPr wrap="square" rtlCol="0">
+            <a:spAutoFit/>
+          </a:bodyPr>
+          <a:lstStyle/>
+          <a:p>
+            <a:r>
+              <a:rPr lang="en-US" altLang="ko-KR" dirty="0">
+                <a:latin typeface="나눔스퀘어 Light" panose="020B0600000101010101" pitchFamily="50" charset="-127"/>
+                <a:ea typeface="나눔스퀘어 Light" panose="020B0600000101010101" pitchFamily="50" charset="-127"/>
+              </a:rPr>
+              <a:t>(0, 1)</a:t>
+            </a:r>
+            <a:r>
+              <a:rPr lang="ko-KR" altLang="en-US" dirty="0">
+                <a:latin typeface="나눔스퀘어 Light" panose="020B0600000101010101" pitchFamily="50" charset="-127"/>
+                <a:ea typeface="나눔스퀘어 Light" panose="020B0600000101010101" pitchFamily="50" charset="-127"/>
+              </a:rPr>
+              <a:t>과 </a:t>
+            </a:r>
+            <a:r>
+              <a:rPr lang="en-US" altLang="ko-KR" dirty="0">
+                <a:latin typeface="나눔스퀘어 Light" panose="020B0600000101010101" pitchFamily="50" charset="-127"/>
+                <a:ea typeface="나눔스퀘어 Light" panose="020B0600000101010101" pitchFamily="50" charset="-127"/>
+              </a:rPr>
+              <a:t>(1, 0)</a:t>
+            </a:r>
+            <a:r>
+              <a:rPr lang="ko-KR" altLang="en-US" dirty="0">
+                <a:latin typeface="나눔스퀘어 Light" panose="020B0600000101010101" pitchFamily="50" charset="-127"/>
+                <a:ea typeface="나눔스퀘어 Light" panose="020B0600000101010101" pitchFamily="50" charset="-127"/>
+              </a:rPr>
+              <a:t>에 도달할 때의 광석 최대값 중 더 큰 값</a:t>
+            </a:r>
+          </a:p>
+        </p:txBody>
+      </p:sp>
+      <p:sp>
+        <p:nvSpPr>
+          <p:cNvPr id="52" name="TextBox 51">
+            <a:extLst>
+              <a:ext uri="{FF2B5EF4-FFF2-40B4-BE49-F238E27FC236}">
+                <a16:creationId xmlns:a16="http://schemas.microsoft.com/office/drawing/2014/main" id="{5664A2F0-67FD-4EC7-85D3-7B16B954ED31}"/>
+              </a:ext>
+            </a:extLst>
+          </p:cNvPr>
+          <p:cNvSpPr txBox="1"/>
+          <p:nvPr/>
+        </p:nvSpPr>
+        <p:spPr>
+          <a:xfrm>
+            <a:off x="5503099" y="4018846"/>
+            <a:ext cx="5752506" cy="369332"/>
+          </a:xfrm>
+          <a:prstGeom prst="rect">
+            <a:avLst/>
+          </a:prstGeom>
+          <a:noFill/>
+        </p:spPr>
+        <p:txBody>
+          <a:bodyPr wrap="square" rtlCol="0">
+            <a:spAutoFit/>
+          </a:bodyPr>
+          <a:lstStyle/>
+          <a:p>
+            <a:r>
+              <a:rPr lang="ko-KR" altLang="en-US" dirty="0">
+                <a:latin typeface="나눔스퀘어 Light" panose="020B0600000101010101" pitchFamily="50" charset="-127"/>
+                <a:ea typeface="나눔스퀘어 Light" panose="020B0600000101010101" pitchFamily="50" charset="-127"/>
+              </a:rPr>
+              <a:t>또한</a:t>
+            </a:r>
+            <a:r>
+              <a:rPr lang="en-US" altLang="ko-KR" dirty="0">
+                <a:latin typeface="나눔스퀘어 Light" panose="020B0600000101010101" pitchFamily="50" charset="-127"/>
+                <a:ea typeface="나눔스퀘어 Light" panose="020B0600000101010101" pitchFamily="50" charset="-127"/>
+              </a:rPr>
+              <a:t>, </a:t>
+            </a:r>
+            <a:r>
+              <a:rPr lang="ko-KR" altLang="en-US" dirty="0">
+                <a:latin typeface="나눔스퀘어 Light" panose="020B0600000101010101" pitchFamily="50" charset="-127"/>
+                <a:ea typeface="나눔스퀘어 Light" panose="020B0600000101010101" pitchFamily="50" charset="-127"/>
+              </a:rPr>
+              <a:t>결국 </a:t>
+            </a:r>
+            <a:r>
+              <a:rPr lang="en-US" altLang="ko-KR" dirty="0">
+                <a:latin typeface="나눔스퀘어 Light" panose="020B0600000101010101" pitchFamily="50" charset="-127"/>
+                <a:ea typeface="나눔스퀘어 Light" panose="020B0600000101010101" pitchFamily="50" charset="-127"/>
+              </a:rPr>
+              <a:t>(N, M)(</a:t>
+            </a:r>
+            <a:r>
+              <a:rPr lang="ko-KR" altLang="en-US" dirty="0">
+                <a:latin typeface="나눔스퀘어 Light" panose="020B0600000101010101" pitchFamily="50" charset="-127"/>
+                <a:ea typeface="나눔스퀘어 Light" panose="020B0600000101010101" pitchFamily="50" charset="-127"/>
+              </a:rPr>
+              <a:t>배열 크기</a:t>
+            </a:r>
+            <a:r>
+              <a:rPr lang="en-US" altLang="ko-KR" dirty="0">
+                <a:latin typeface="나눔스퀘어 Light" panose="020B0600000101010101" pitchFamily="50" charset="-127"/>
+                <a:ea typeface="나눔스퀘어 Light" panose="020B0600000101010101" pitchFamily="50" charset="-127"/>
+              </a:rPr>
+              <a:t>) </a:t>
+            </a:r>
+            <a:r>
+              <a:rPr lang="ko-KR" altLang="en-US" dirty="0">
+                <a:latin typeface="나눔스퀘어 Light" panose="020B0600000101010101" pitchFamily="50" charset="-127"/>
+                <a:ea typeface="나눔스퀘어 Light" panose="020B0600000101010101" pitchFamily="50" charset="-127"/>
+              </a:rPr>
+              <a:t>좌표가</a:t>
+            </a:r>
+          </a:p>
+        </p:txBody>
+      </p:sp>
+      <p:sp>
+        <p:nvSpPr>
+          <p:cNvPr id="53" name="TextBox 52">
+            <a:extLst>
+              <a:ext uri="{FF2B5EF4-FFF2-40B4-BE49-F238E27FC236}">
+                <a16:creationId xmlns:a16="http://schemas.microsoft.com/office/drawing/2014/main" id="{0275B8F0-86D6-4387-85C2-D0C67DF26E42}"/>
+              </a:ext>
+            </a:extLst>
+          </p:cNvPr>
+          <p:cNvSpPr txBox="1"/>
+          <p:nvPr/>
+        </p:nvSpPr>
+        <p:spPr>
+          <a:xfrm>
+            <a:off x="5503099" y="4388178"/>
+            <a:ext cx="5752506" cy="369332"/>
+          </a:xfrm>
+          <a:prstGeom prst="rect">
+            <a:avLst/>
+          </a:prstGeom>
+          <a:noFill/>
+        </p:spPr>
+        <p:txBody>
+          <a:bodyPr wrap="square" rtlCol="0">
+            <a:spAutoFit/>
+          </a:bodyPr>
+          <a:lstStyle/>
+          <a:p>
+            <a:r>
+              <a:rPr lang="ko-KR" altLang="en-US" dirty="0">
+                <a:latin typeface="나눔스퀘어 Light" panose="020B0600000101010101" pitchFamily="50" charset="-127"/>
+                <a:ea typeface="나눔스퀘어 Light" panose="020B0600000101010101" pitchFamily="50" charset="-127"/>
+              </a:rPr>
+              <a:t>결국 최대값을 찾게 되는 좌표임을 알 수 있음</a:t>
+            </a:r>
+          </a:p>
+        </p:txBody>
+      </p:sp>
+      <p:sp>
+        <p:nvSpPr>
+          <p:cNvPr id="54" name="TextBox 53">
+            <a:extLst>
+              <a:ext uri="{FF2B5EF4-FFF2-40B4-BE49-F238E27FC236}">
+                <a16:creationId xmlns:a16="http://schemas.microsoft.com/office/drawing/2014/main" id="{4EF11AF5-126D-415E-B98A-066C36ACFDD0}"/>
+              </a:ext>
+            </a:extLst>
+          </p:cNvPr>
+          <p:cNvSpPr txBox="1"/>
+          <p:nvPr/>
+        </p:nvSpPr>
+        <p:spPr>
+          <a:xfrm>
+            <a:off x="5503099" y="5126842"/>
+            <a:ext cx="5752506" cy="369332"/>
+          </a:xfrm>
+          <a:prstGeom prst="rect">
+            <a:avLst/>
+          </a:prstGeom>
+          <a:noFill/>
+        </p:spPr>
+        <p:txBody>
+          <a:bodyPr wrap="square" rtlCol="0">
+            <a:spAutoFit/>
+          </a:bodyPr>
+          <a:lstStyle/>
+          <a:p>
+            <a:r>
+              <a:rPr lang="ko-KR" altLang="en-US" dirty="0">
+                <a:latin typeface="나눔스퀘어 Light" panose="020B0600000101010101" pitchFamily="50" charset="-127"/>
+                <a:ea typeface="나눔스퀘어 Light" panose="020B0600000101010101" pitchFamily="50" charset="-127"/>
+              </a:rPr>
+              <a:t>그렇다면</a:t>
+            </a:r>
+            <a:r>
+              <a:rPr lang="en-US" altLang="ko-KR" dirty="0">
+                <a:latin typeface="나눔스퀘어 Light" panose="020B0600000101010101" pitchFamily="50" charset="-127"/>
+                <a:ea typeface="나눔스퀘어 Light" panose="020B0600000101010101" pitchFamily="50" charset="-127"/>
+              </a:rPr>
+              <a:t>, (N, M)</a:t>
+            </a:r>
+            <a:r>
+              <a:rPr lang="ko-KR" altLang="en-US" dirty="0">
+                <a:latin typeface="나눔스퀘어 Light" panose="020B0600000101010101" pitchFamily="50" charset="-127"/>
+                <a:ea typeface="나눔스퀘어 Light" panose="020B0600000101010101" pitchFamily="50" charset="-127"/>
+              </a:rPr>
+              <a:t>에 도달하는 최대 광석을 찾는 문제가 됨</a:t>
+            </a:r>
+          </a:p>
+        </p:txBody>
+      </p:sp>
     </p:spTree>
     <p:extLst>
       <p:ext uri="{BB962C8B-B14F-4D97-AF65-F5344CB8AC3E}">
-        <p14:creationId xmlns:p14="http://schemas.microsoft.com/office/powerpoint/2010/main" val="458905345"/>
+        <p14:creationId xmlns:p14="http://schemas.microsoft.com/office/powerpoint/2010/main" val="105458797"/>
       </p:ext>
     </p:extLst>
   </p:cSld>
@@ -12020,22 +13275,1026 @@
                 <a:latin typeface="나눔스퀘어 Bold" panose="020B0600000101010101" pitchFamily="50" charset="-127"/>
                 <a:ea typeface="나눔스퀘어 Bold" panose="020B0600000101010101" pitchFamily="50" charset="-127"/>
               </a:rPr>
-              <a:t>Dynamic Programming – 14916 </a:t>
+              <a:t>Dynamic Programming – 14430 </a:t>
             </a:r>
             <a:r>
               <a:rPr lang="ko-KR" altLang="en-US" sz="2800" dirty="0">
                 <a:latin typeface="나눔스퀘어 Bold" panose="020B0600000101010101" pitchFamily="50" charset="-127"/>
                 <a:ea typeface="나눔스퀘어 Bold" panose="020B0600000101010101" pitchFamily="50" charset="-127"/>
               </a:rPr>
-              <a:t>거스름돈</a:t>
-            </a:r>
+              <a:t>자원 캐기</a:t>
+            </a:r>
+          </a:p>
+        </p:txBody>
+      </p:sp>
+      <p:sp>
+        <p:nvSpPr>
+          <p:cNvPr id="3" name="TextBox 2">
+            <a:extLst>
+              <a:ext uri="{FF2B5EF4-FFF2-40B4-BE49-F238E27FC236}">
+                <a16:creationId xmlns:a16="http://schemas.microsoft.com/office/drawing/2014/main" id="{C2ED2474-9900-3800-8DE1-1B08712A00BD}"/>
+              </a:ext>
+            </a:extLst>
+          </p:cNvPr>
+          <p:cNvSpPr txBox="1"/>
+          <p:nvPr/>
+        </p:nvSpPr>
+        <p:spPr>
+          <a:xfrm>
+            <a:off x="942387" y="1190024"/>
+            <a:ext cx="10313217" cy="369332"/>
+          </a:xfrm>
+          <a:prstGeom prst="rect">
+            <a:avLst/>
+          </a:prstGeom>
+          <a:noFill/>
+        </p:spPr>
+        <p:txBody>
+          <a:bodyPr wrap="square" rtlCol="0">
+            <a:spAutoFit/>
+          </a:bodyPr>
+          <a:lstStyle/>
+          <a:p>
+            <a:r>
+              <a:rPr lang="en-US" altLang="ko-KR" dirty="0">
+                <a:latin typeface="나눔스퀘어 Light" panose="020B0600000101010101" pitchFamily="50" charset="-127"/>
+                <a:ea typeface="나눔스퀘어 Light" panose="020B0600000101010101" pitchFamily="50" charset="-127"/>
+              </a:rPr>
+              <a:t>(x, y)</a:t>
+            </a:r>
+            <a:r>
+              <a:rPr lang="ko-KR" altLang="en-US" dirty="0">
+                <a:latin typeface="나눔스퀘어 Light" panose="020B0600000101010101" pitchFamily="50" charset="-127"/>
+                <a:ea typeface="나눔스퀘어 Light" panose="020B0600000101010101" pitchFamily="50" charset="-127"/>
+              </a:rPr>
+              <a:t>에 도달하는 최대 광석을 찾는 함수를 구현해 봅시다</a:t>
+            </a:r>
+            <a:r>
+              <a:rPr lang="en-US" altLang="ko-KR" dirty="0">
+                <a:latin typeface="나눔스퀘어 Light" panose="020B0600000101010101" pitchFamily="50" charset="-127"/>
+                <a:ea typeface="나눔스퀘어 Light" panose="020B0600000101010101" pitchFamily="50" charset="-127"/>
+              </a:rPr>
+              <a:t>.</a:t>
+            </a:r>
+            <a:endParaRPr lang="ko-KR" altLang="en-US" dirty="0">
+              <a:latin typeface="나눔스퀘어 Light" panose="020B0600000101010101" pitchFamily="50" charset="-127"/>
+              <a:ea typeface="나눔스퀘어 Light" panose="020B0600000101010101" pitchFamily="50" charset="-127"/>
+            </a:endParaRPr>
+          </a:p>
+        </p:txBody>
+      </p:sp>
+      <p:graphicFrame>
+        <p:nvGraphicFramePr>
+          <p:cNvPr id="6" name="표 6">
+            <a:extLst>
+              <a:ext uri="{FF2B5EF4-FFF2-40B4-BE49-F238E27FC236}">
+                <a16:creationId xmlns:a16="http://schemas.microsoft.com/office/drawing/2014/main" id="{1C062CAD-B8B0-3B6C-738E-BA0D9CF66C66}"/>
+              </a:ext>
+            </a:extLst>
+          </p:cNvPr>
+          <p:cNvGraphicFramePr>
+            <a:graphicFrameLocks noGrp="1"/>
+          </p:cNvGraphicFramePr>
+          <p:nvPr/>
+        </p:nvGraphicFramePr>
+        <p:xfrm>
+          <a:off x="1054846" y="2030695"/>
+          <a:ext cx="4129896" cy="3939801"/>
+        </p:xfrm>
+        <a:graphic>
+          <a:graphicData uri="http://schemas.openxmlformats.org/drawingml/2006/table">
+            <a:tbl>
+              <a:tblPr firstRow="1" bandRow="1">
+                <a:tableStyleId>{69CF1AB2-1976-4502-BF36-3FF5EA218861}</a:tableStyleId>
+              </a:tblPr>
+              <a:tblGrid>
+                <a:gridCol w="1376632">
+                  <a:extLst>
+                    <a:ext uri="{9D8B030D-6E8A-4147-A177-3AD203B41FA5}">
+                      <a16:colId xmlns:a16="http://schemas.microsoft.com/office/drawing/2014/main" val="184689733"/>
+                    </a:ext>
+                  </a:extLst>
+                </a:gridCol>
+                <a:gridCol w="1376632">
+                  <a:extLst>
+                    <a:ext uri="{9D8B030D-6E8A-4147-A177-3AD203B41FA5}">
+                      <a16:colId xmlns:a16="http://schemas.microsoft.com/office/drawing/2014/main" val="662498604"/>
+                    </a:ext>
+                  </a:extLst>
+                </a:gridCol>
+                <a:gridCol w="1376632">
+                  <a:extLst>
+                    <a:ext uri="{9D8B030D-6E8A-4147-A177-3AD203B41FA5}">
+                      <a16:colId xmlns:a16="http://schemas.microsoft.com/office/drawing/2014/main" val="3419381811"/>
+                    </a:ext>
+                  </a:extLst>
+                </a:gridCol>
+              </a:tblGrid>
+              <a:tr h="1313267">
+                <a:tc>
+                  <a:txBody>
+                    <a:bodyPr/>
+                    <a:lstStyle/>
+                    <a:p>
+                      <a:pPr algn="ctr" latinLnBrk="1"/>
+                      <a:r>
+                        <a:rPr lang="en-US" altLang="ko-KR" sz="2800" b="0" dirty="0">
+                          <a:latin typeface="나눔스퀘어 Bold" panose="020B0600000101010101" pitchFamily="50" charset="-127"/>
+                          <a:ea typeface="나눔스퀘어 Bold" panose="020B0600000101010101" pitchFamily="50" charset="-127"/>
+                        </a:rPr>
+                        <a:t>0, 0</a:t>
+                      </a:r>
+                      <a:endParaRPr lang="ko-KR" altLang="en-US" sz="2800" b="0" dirty="0">
+                        <a:latin typeface="나눔스퀘어 Bold" panose="020B0600000101010101" pitchFamily="50" charset="-127"/>
+                        <a:ea typeface="나눔스퀘어 Bold" panose="020B0600000101010101" pitchFamily="50" charset="-127"/>
+                      </a:endParaRPr>
+                    </a:p>
+                  </a:txBody>
+                  <a:tcPr anchor="ctr"/>
+                </a:tc>
+                <a:tc>
+                  <a:txBody>
+                    <a:bodyPr/>
+                    <a:lstStyle/>
+                    <a:p>
+                      <a:pPr algn="ctr" latinLnBrk="1"/>
+                      <a:r>
+                        <a:rPr lang="en-US" altLang="ko-KR" sz="2800" b="0" dirty="0">
+                          <a:latin typeface="나눔스퀘어 Bold" panose="020B0600000101010101" pitchFamily="50" charset="-127"/>
+                          <a:ea typeface="나눔스퀘어 Bold" panose="020B0600000101010101" pitchFamily="50" charset="-127"/>
+                        </a:rPr>
+                        <a:t>0, 1</a:t>
+                      </a:r>
+                      <a:endParaRPr lang="ko-KR" altLang="en-US" sz="2800" b="0" dirty="0">
+                        <a:latin typeface="나눔스퀘어 Bold" panose="020B0600000101010101" pitchFamily="50" charset="-127"/>
+                        <a:ea typeface="나눔스퀘어 Bold" panose="020B0600000101010101" pitchFamily="50" charset="-127"/>
+                      </a:endParaRPr>
+                    </a:p>
+                  </a:txBody>
+                  <a:tcPr anchor="ctr"/>
+                </a:tc>
+                <a:tc>
+                  <a:txBody>
+                    <a:bodyPr/>
+                    <a:lstStyle/>
+                    <a:p>
+                      <a:pPr algn="ctr" latinLnBrk="1"/>
+                      <a:r>
+                        <a:rPr lang="en-US" altLang="ko-KR" sz="2800" b="0" dirty="0">
+                          <a:latin typeface="나눔스퀘어 Bold" panose="020B0600000101010101" pitchFamily="50" charset="-127"/>
+                          <a:ea typeface="나눔스퀘어 Bold" panose="020B0600000101010101" pitchFamily="50" charset="-127"/>
+                        </a:rPr>
+                        <a:t>0, 2</a:t>
+                      </a:r>
+                      <a:endParaRPr lang="ko-KR" altLang="en-US" sz="2800" b="0" dirty="0">
+                        <a:latin typeface="나눔스퀘어 Bold" panose="020B0600000101010101" pitchFamily="50" charset="-127"/>
+                        <a:ea typeface="나눔스퀘어 Bold" panose="020B0600000101010101" pitchFamily="50" charset="-127"/>
+                      </a:endParaRPr>
+                    </a:p>
+                  </a:txBody>
+                  <a:tcPr anchor="ctr"/>
+                </a:tc>
+                <a:extLst>
+                  <a:ext uri="{0D108BD9-81ED-4DB2-BD59-A6C34878D82A}">
+                    <a16:rowId xmlns:a16="http://schemas.microsoft.com/office/drawing/2014/main" val="889197390"/>
+                  </a:ext>
+                </a:extLst>
+              </a:tr>
+              <a:tr h="1313267">
+                <a:tc>
+                  <a:txBody>
+                    <a:bodyPr/>
+                    <a:lstStyle/>
+                    <a:p>
+                      <a:pPr algn="ctr" latinLnBrk="1"/>
+                      <a:r>
+                        <a:rPr lang="en-US" altLang="ko-KR" sz="2800" dirty="0">
+                          <a:latin typeface="나눔스퀘어 Bold" panose="020B0600000101010101" pitchFamily="50" charset="-127"/>
+                          <a:ea typeface="나눔스퀘어 Bold" panose="020B0600000101010101" pitchFamily="50" charset="-127"/>
+                        </a:rPr>
+                        <a:t>1, 0</a:t>
+                      </a:r>
+                      <a:endParaRPr lang="ko-KR" altLang="en-US" sz="2800" dirty="0">
+                        <a:latin typeface="나눔스퀘어 Bold" panose="020B0600000101010101" pitchFamily="50" charset="-127"/>
+                        <a:ea typeface="나눔스퀘어 Bold" panose="020B0600000101010101" pitchFamily="50" charset="-127"/>
+                      </a:endParaRPr>
+                    </a:p>
+                  </a:txBody>
+                  <a:tcPr anchor="ctr"/>
+                </a:tc>
+                <a:tc>
+                  <a:txBody>
+                    <a:bodyPr/>
+                    <a:lstStyle/>
+                    <a:p>
+                      <a:pPr algn="ctr" latinLnBrk="1"/>
+                      <a:r>
+                        <a:rPr lang="en-US" altLang="ko-KR" sz="2800" dirty="0">
+                          <a:latin typeface="나눔스퀘어 Bold" panose="020B0600000101010101" pitchFamily="50" charset="-127"/>
+                          <a:ea typeface="나눔스퀘어 Bold" panose="020B0600000101010101" pitchFamily="50" charset="-127"/>
+                        </a:rPr>
+                        <a:t>1, 1</a:t>
+                      </a:r>
+                      <a:endParaRPr lang="ko-KR" altLang="en-US" sz="2800" dirty="0">
+                        <a:latin typeface="나눔스퀘어 Bold" panose="020B0600000101010101" pitchFamily="50" charset="-127"/>
+                        <a:ea typeface="나눔스퀘어 Bold" panose="020B0600000101010101" pitchFamily="50" charset="-127"/>
+                      </a:endParaRPr>
+                    </a:p>
+                  </a:txBody>
+                  <a:tcPr anchor="ctr"/>
+                </a:tc>
+                <a:tc>
+                  <a:txBody>
+                    <a:bodyPr/>
+                    <a:lstStyle/>
+                    <a:p>
+                      <a:pPr algn="ctr" latinLnBrk="1"/>
+                      <a:r>
+                        <a:rPr lang="en-US" altLang="ko-KR" sz="2800" dirty="0">
+                          <a:latin typeface="나눔스퀘어 Bold" panose="020B0600000101010101" pitchFamily="50" charset="-127"/>
+                          <a:ea typeface="나눔스퀘어 Bold" panose="020B0600000101010101" pitchFamily="50" charset="-127"/>
+                        </a:rPr>
+                        <a:t>1, 2</a:t>
+                      </a:r>
+                      <a:endParaRPr lang="ko-KR" altLang="en-US" sz="2800" dirty="0">
+                        <a:latin typeface="나눔스퀘어 Bold" panose="020B0600000101010101" pitchFamily="50" charset="-127"/>
+                        <a:ea typeface="나눔스퀘어 Bold" panose="020B0600000101010101" pitchFamily="50" charset="-127"/>
+                      </a:endParaRPr>
+                    </a:p>
+                  </a:txBody>
+                  <a:tcPr anchor="ctr"/>
+                </a:tc>
+                <a:extLst>
+                  <a:ext uri="{0D108BD9-81ED-4DB2-BD59-A6C34878D82A}">
+                    <a16:rowId xmlns:a16="http://schemas.microsoft.com/office/drawing/2014/main" val="3949344445"/>
+                  </a:ext>
+                </a:extLst>
+              </a:tr>
+              <a:tr h="1313267">
+                <a:tc>
+                  <a:txBody>
+                    <a:bodyPr/>
+                    <a:lstStyle/>
+                    <a:p>
+                      <a:pPr algn="ctr" latinLnBrk="1"/>
+                      <a:r>
+                        <a:rPr lang="en-US" altLang="ko-KR" sz="2800" dirty="0">
+                          <a:latin typeface="나눔스퀘어 Bold" panose="020B0600000101010101" pitchFamily="50" charset="-127"/>
+                          <a:ea typeface="나눔스퀘어 Bold" panose="020B0600000101010101" pitchFamily="50" charset="-127"/>
+                        </a:rPr>
+                        <a:t>2, 0</a:t>
+                      </a:r>
+                      <a:endParaRPr lang="ko-KR" altLang="en-US" sz="2800" dirty="0">
+                        <a:latin typeface="나눔스퀘어 Bold" panose="020B0600000101010101" pitchFamily="50" charset="-127"/>
+                        <a:ea typeface="나눔스퀘어 Bold" panose="020B0600000101010101" pitchFamily="50" charset="-127"/>
+                      </a:endParaRPr>
+                    </a:p>
+                  </a:txBody>
+                  <a:tcPr anchor="ctr"/>
+                </a:tc>
+                <a:tc>
+                  <a:txBody>
+                    <a:bodyPr/>
+                    <a:lstStyle/>
+                    <a:p>
+                      <a:pPr algn="ctr" latinLnBrk="1"/>
+                      <a:r>
+                        <a:rPr lang="en-US" altLang="ko-KR" sz="2800" dirty="0">
+                          <a:latin typeface="나눔스퀘어 Bold" panose="020B0600000101010101" pitchFamily="50" charset="-127"/>
+                          <a:ea typeface="나눔스퀘어 Bold" panose="020B0600000101010101" pitchFamily="50" charset="-127"/>
+                        </a:rPr>
+                        <a:t>2, 1</a:t>
+                      </a:r>
+                      <a:endParaRPr lang="ko-KR" altLang="en-US" sz="2800" dirty="0">
+                        <a:latin typeface="나눔스퀘어 Bold" panose="020B0600000101010101" pitchFamily="50" charset="-127"/>
+                        <a:ea typeface="나눔스퀘어 Bold" panose="020B0600000101010101" pitchFamily="50" charset="-127"/>
+                      </a:endParaRPr>
+                    </a:p>
+                  </a:txBody>
+                  <a:tcPr anchor="ctr"/>
+                </a:tc>
+                <a:tc>
+                  <a:txBody>
+                    <a:bodyPr/>
+                    <a:lstStyle/>
+                    <a:p>
+                      <a:pPr algn="ctr" latinLnBrk="1"/>
+                      <a:r>
+                        <a:rPr lang="en-US" altLang="ko-KR" sz="2800" dirty="0">
+                          <a:latin typeface="나눔스퀘어 Bold" panose="020B0600000101010101" pitchFamily="50" charset="-127"/>
+                          <a:ea typeface="나눔스퀘어 Bold" panose="020B0600000101010101" pitchFamily="50" charset="-127"/>
+                        </a:rPr>
+                        <a:t>2, 2</a:t>
+                      </a:r>
+                      <a:endParaRPr lang="ko-KR" altLang="en-US" sz="2800" dirty="0">
+                        <a:latin typeface="나눔스퀘어 Bold" panose="020B0600000101010101" pitchFamily="50" charset="-127"/>
+                        <a:ea typeface="나눔스퀘어 Bold" panose="020B0600000101010101" pitchFamily="50" charset="-127"/>
+                      </a:endParaRPr>
+                    </a:p>
+                  </a:txBody>
+                  <a:tcPr anchor="ctr"/>
+                </a:tc>
+                <a:extLst>
+                  <a:ext uri="{0D108BD9-81ED-4DB2-BD59-A6C34878D82A}">
+                    <a16:rowId xmlns:a16="http://schemas.microsoft.com/office/drawing/2014/main" val="264939005"/>
+                  </a:ext>
+                </a:extLst>
+              </a:tr>
+            </a:tbl>
+          </a:graphicData>
+        </a:graphic>
+      </p:graphicFrame>
+      <p:sp>
+        <p:nvSpPr>
+          <p:cNvPr id="7" name="화살표: 오른쪽 6">
+            <a:extLst>
+              <a:ext uri="{FF2B5EF4-FFF2-40B4-BE49-F238E27FC236}">
+                <a16:creationId xmlns:a16="http://schemas.microsoft.com/office/drawing/2014/main" id="{629F8853-D534-19C1-5D6D-E1F61D3BABE9}"/>
+              </a:ext>
+            </a:extLst>
+          </p:cNvPr>
+          <p:cNvSpPr/>
+          <p:nvPr/>
+        </p:nvSpPr>
+        <p:spPr>
+          <a:xfrm>
+            <a:off x="2224726" y="2469823"/>
+            <a:ext cx="471340" cy="369332"/>
+          </a:xfrm>
+          <a:prstGeom prst="rightArrow">
+            <a:avLst/>
+          </a:prstGeom>
+        </p:spPr>
+        <p:style>
+          <a:lnRef idx="2">
+            <a:schemeClr val="accent1">
+              <a:shade val="50000"/>
+            </a:schemeClr>
+          </a:lnRef>
+          <a:fillRef idx="1">
+            <a:schemeClr val="accent1"/>
+          </a:fillRef>
+          <a:effectRef idx="0">
+            <a:schemeClr val="accent1"/>
+          </a:effectRef>
+          <a:fontRef idx="minor">
+            <a:schemeClr val="lt1"/>
+          </a:fontRef>
+        </p:style>
+        <p:txBody>
+          <a:bodyPr rtlCol="0" anchor="ctr"/>
+          <a:lstStyle/>
+          <a:p>
+            <a:pPr algn="ctr"/>
+            <a:endParaRPr lang="ko-KR" altLang="en-US"/>
+          </a:p>
+        </p:txBody>
+      </p:sp>
+      <p:sp>
+        <p:nvSpPr>
+          <p:cNvPr id="8" name="화살표: 오른쪽 7">
+            <a:extLst>
+              <a:ext uri="{FF2B5EF4-FFF2-40B4-BE49-F238E27FC236}">
+                <a16:creationId xmlns:a16="http://schemas.microsoft.com/office/drawing/2014/main" id="{21219A69-23A2-1B88-A1F8-4465E1BF8EF9}"/>
+              </a:ext>
+            </a:extLst>
+          </p:cNvPr>
+          <p:cNvSpPr/>
+          <p:nvPr/>
+        </p:nvSpPr>
+        <p:spPr>
+          <a:xfrm>
+            <a:off x="3570244" y="2469823"/>
+            <a:ext cx="471340" cy="369332"/>
+          </a:xfrm>
+          <a:prstGeom prst="rightArrow">
+            <a:avLst/>
+          </a:prstGeom>
+        </p:spPr>
+        <p:style>
+          <a:lnRef idx="2">
+            <a:schemeClr val="accent1">
+              <a:shade val="50000"/>
+            </a:schemeClr>
+          </a:lnRef>
+          <a:fillRef idx="1">
+            <a:schemeClr val="accent1"/>
+          </a:fillRef>
+          <a:effectRef idx="0">
+            <a:schemeClr val="accent1"/>
+          </a:effectRef>
+          <a:fontRef idx="minor">
+            <a:schemeClr val="lt1"/>
+          </a:fontRef>
+        </p:style>
+        <p:txBody>
+          <a:bodyPr rtlCol="0" anchor="ctr"/>
+          <a:lstStyle/>
+          <a:p>
+            <a:pPr algn="ctr"/>
+            <a:endParaRPr lang="ko-KR" altLang="en-US"/>
+          </a:p>
+        </p:txBody>
+      </p:sp>
+      <p:sp>
+        <p:nvSpPr>
+          <p:cNvPr id="10" name="화살표: 오른쪽 9">
+            <a:extLst>
+              <a:ext uri="{FF2B5EF4-FFF2-40B4-BE49-F238E27FC236}">
+                <a16:creationId xmlns:a16="http://schemas.microsoft.com/office/drawing/2014/main" id="{936D3889-1347-D1CF-51A4-337F62A3A345}"/>
+              </a:ext>
+            </a:extLst>
+          </p:cNvPr>
+          <p:cNvSpPr/>
+          <p:nvPr/>
+        </p:nvSpPr>
+        <p:spPr>
+          <a:xfrm>
+            <a:off x="3570244" y="3834180"/>
+            <a:ext cx="471340" cy="369332"/>
+          </a:xfrm>
+          <a:prstGeom prst="rightArrow">
+            <a:avLst/>
+          </a:prstGeom>
+        </p:spPr>
+        <p:style>
+          <a:lnRef idx="2">
+            <a:schemeClr val="accent1">
+              <a:shade val="50000"/>
+            </a:schemeClr>
+          </a:lnRef>
+          <a:fillRef idx="1">
+            <a:schemeClr val="accent1"/>
+          </a:fillRef>
+          <a:effectRef idx="0">
+            <a:schemeClr val="accent1"/>
+          </a:effectRef>
+          <a:fontRef idx="minor">
+            <a:schemeClr val="lt1"/>
+          </a:fontRef>
+        </p:style>
+        <p:txBody>
+          <a:bodyPr rtlCol="0" anchor="ctr"/>
+          <a:lstStyle/>
+          <a:p>
+            <a:pPr algn="ctr"/>
+            <a:endParaRPr lang="ko-KR" altLang="en-US"/>
+          </a:p>
+        </p:txBody>
+      </p:sp>
+      <p:sp>
+        <p:nvSpPr>
+          <p:cNvPr id="11" name="화살표: 오른쪽 10">
+            <a:extLst>
+              <a:ext uri="{FF2B5EF4-FFF2-40B4-BE49-F238E27FC236}">
+                <a16:creationId xmlns:a16="http://schemas.microsoft.com/office/drawing/2014/main" id="{38A3E947-71E4-6485-6D4D-12603262CABA}"/>
+              </a:ext>
+            </a:extLst>
+          </p:cNvPr>
+          <p:cNvSpPr/>
+          <p:nvPr/>
+        </p:nvSpPr>
+        <p:spPr>
+          <a:xfrm>
+            <a:off x="2224726" y="5087945"/>
+            <a:ext cx="471340" cy="369332"/>
+          </a:xfrm>
+          <a:prstGeom prst="rightArrow">
+            <a:avLst/>
+          </a:prstGeom>
+        </p:spPr>
+        <p:style>
+          <a:lnRef idx="2">
+            <a:schemeClr val="accent1">
+              <a:shade val="50000"/>
+            </a:schemeClr>
+          </a:lnRef>
+          <a:fillRef idx="1">
+            <a:schemeClr val="accent1"/>
+          </a:fillRef>
+          <a:effectRef idx="0">
+            <a:schemeClr val="accent1"/>
+          </a:effectRef>
+          <a:fontRef idx="minor">
+            <a:schemeClr val="lt1"/>
+          </a:fontRef>
+        </p:style>
+        <p:txBody>
+          <a:bodyPr rtlCol="0" anchor="ctr"/>
+          <a:lstStyle/>
+          <a:p>
+            <a:pPr algn="ctr"/>
+            <a:endParaRPr lang="ko-KR" altLang="en-US"/>
+          </a:p>
+        </p:txBody>
+      </p:sp>
+      <p:sp>
+        <p:nvSpPr>
+          <p:cNvPr id="12" name="화살표: 오른쪽 11">
+            <a:extLst>
+              <a:ext uri="{FF2B5EF4-FFF2-40B4-BE49-F238E27FC236}">
+                <a16:creationId xmlns:a16="http://schemas.microsoft.com/office/drawing/2014/main" id="{BAAA00C9-C780-8677-1373-99EC7D7CD541}"/>
+              </a:ext>
+            </a:extLst>
+          </p:cNvPr>
+          <p:cNvSpPr/>
+          <p:nvPr/>
+        </p:nvSpPr>
+        <p:spPr>
+          <a:xfrm>
+            <a:off x="3570244" y="5087945"/>
+            <a:ext cx="471340" cy="369332"/>
+          </a:xfrm>
+          <a:prstGeom prst="rightArrow">
+            <a:avLst/>
+          </a:prstGeom>
+          <a:solidFill>
+            <a:schemeClr val="accent2"/>
+          </a:solidFill>
+        </p:spPr>
+        <p:style>
+          <a:lnRef idx="2">
+            <a:schemeClr val="accent1">
+              <a:shade val="50000"/>
+            </a:schemeClr>
+          </a:lnRef>
+          <a:fillRef idx="1">
+            <a:schemeClr val="accent1"/>
+          </a:fillRef>
+          <a:effectRef idx="0">
+            <a:schemeClr val="accent1"/>
+          </a:effectRef>
+          <a:fontRef idx="minor">
+            <a:schemeClr val="lt1"/>
+          </a:fontRef>
+        </p:style>
+        <p:txBody>
+          <a:bodyPr rtlCol="0" anchor="ctr"/>
+          <a:lstStyle/>
+          <a:p>
+            <a:pPr algn="ctr"/>
+            <a:endParaRPr lang="ko-KR" altLang="en-US"/>
+          </a:p>
+        </p:txBody>
+      </p:sp>
+      <p:sp>
+        <p:nvSpPr>
+          <p:cNvPr id="14" name="화살표: 오른쪽 13">
+            <a:extLst>
+              <a:ext uri="{FF2B5EF4-FFF2-40B4-BE49-F238E27FC236}">
+                <a16:creationId xmlns:a16="http://schemas.microsoft.com/office/drawing/2014/main" id="{6F3FFA33-2540-ADE1-0780-3E31654F42E6}"/>
+              </a:ext>
+            </a:extLst>
+          </p:cNvPr>
+          <p:cNvSpPr/>
+          <p:nvPr/>
+        </p:nvSpPr>
+        <p:spPr>
+          <a:xfrm rot="5400000">
+            <a:off x="1517716" y="3148553"/>
+            <a:ext cx="471340" cy="369332"/>
+          </a:xfrm>
+          <a:prstGeom prst="rightArrow">
+            <a:avLst/>
+          </a:prstGeom>
+        </p:spPr>
+        <p:style>
+          <a:lnRef idx="2">
+            <a:schemeClr val="accent1">
+              <a:shade val="50000"/>
+            </a:schemeClr>
+          </a:lnRef>
+          <a:fillRef idx="1">
+            <a:schemeClr val="accent1"/>
+          </a:fillRef>
+          <a:effectRef idx="0">
+            <a:schemeClr val="accent1"/>
+          </a:effectRef>
+          <a:fontRef idx="minor">
+            <a:schemeClr val="lt1"/>
+          </a:fontRef>
+        </p:style>
+        <p:txBody>
+          <a:bodyPr rtlCol="0" anchor="ctr"/>
+          <a:lstStyle/>
+          <a:p>
+            <a:pPr algn="ctr"/>
+            <a:endParaRPr lang="ko-KR" altLang="en-US"/>
+          </a:p>
+        </p:txBody>
+      </p:sp>
+      <p:sp>
+        <p:nvSpPr>
+          <p:cNvPr id="15" name="화살표: 오른쪽 14">
+            <a:extLst>
+              <a:ext uri="{FF2B5EF4-FFF2-40B4-BE49-F238E27FC236}">
+                <a16:creationId xmlns:a16="http://schemas.microsoft.com/office/drawing/2014/main" id="{EAEB4A10-0620-097A-142F-236ED83BF7F7}"/>
+              </a:ext>
+            </a:extLst>
+          </p:cNvPr>
+          <p:cNvSpPr/>
+          <p:nvPr/>
+        </p:nvSpPr>
+        <p:spPr>
+          <a:xfrm rot="5400000">
+            <a:off x="4259481" y="3148553"/>
+            <a:ext cx="471340" cy="369332"/>
+          </a:xfrm>
+          <a:prstGeom prst="rightArrow">
+            <a:avLst/>
+          </a:prstGeom>
+        </p:spPr>
+        <p:style>
+          <a:lnRef idx="2">
+            <a:schemeClr val="accent1">
+              <a:shade val="50000"/>
+            </a:schemeClr>
+          </a:lnRef>
+          <a:fillRef idx="1">
+            <a:schemeClr val="accent1"/>
+          </a:fillRef>
+          <a:effectRef idx="0">
+            <a:schemeClr val="accent1"/>
+          </a:effectRef>
+          <a:fontRef idx="minor">
+            <a:schemeClr val="lt1"/>
+          </a:fontRef>
+        </p:style>
+        <p:txBody>
+          <a:bodyPr rtlCol="0" anchor="ctr"/>
+          <a:lstStyle/>
+          <a:p>
+            <a:pPr algn="ctr"/>
+            <a:endParaRPr lang="ko-KR" altLang="en-US"/>
+          </a:p>
+        </p:txBody>
+      </p:sp>
+      <p:sp>
+        <p:nvSpPr>
+          <p:cNvPr id="16" name="화살표: 오른쪽 15">
+            <a:extLst>
+              <a:ext uri="{FF2B5EF4-FFF2-40B4-BE49-F238E27FC236}">
+                <a16:creationId xmlns:a16="http://schemas.microsoft.com/office/drawing/2014/main" id="{DD2100C0-D276-DA1F-3AB3-D334C0DAC32F}"/>
+              </a:ext>
+            </a:extLst>
+          </p:cNvPr>
+          <p:cNvSpPr/>
+          <p:nvPr/>
+        </p:nvSpPr>
+        <p:spPr>
+          <a:xfrm rot="5400000">
+            <a:off x="1517716" y="4458817"/>
+            <a:ext cx="471340" cy="369332"/>
+          </a:xfrm>
+          <a:prstGeom prst="rightArrow">
+            <a:avLst/>
+          </a:prstGeom>
+        </p:spPr>
+        <p:style>
+          <a:lnRef idx="2">
+            <a:schemeClr val="accent1">
+              <a:shade val="50000"/>
+            </a:schemeClr>
+          </a:lnRef>
+          <a:fillRef idx="1">
+            <a:schemeClr val="accent1"/>
+          </a:fillRef>
+          <a:effectRef idx="0">
+            <a:schemeClr val="accent1"/>
+          </a:effectRef>
+          <a:fontRef idx="minor">
+            <a:schemeClr val="lt1"/>
+          </a:fontRef>
+        </p:style>
+        <p:txBody>
+          <a:bodyPr rtlCol="0" anchor="ctr"/>
+          <a:lstStyle/>
+          <a:p>
+            <a:pPr algn="ctr"/>
+            <a:endParaRPr lang="ko-KR" altLang="en-US"/>
+          </a:p>
+        </p:txBody>
+      </p:sp>
+      <p:sp>
+        <p:nvSpPr>
+          <p:cNvPr id="17" name="화살표: 오른쪽 16">
+            <a:extLst>
+              <a:ext uri="{FF2B5EF4-FFF2-40B4-BE49-F238E27FC236}">
+                <a16:creationId xmlns:a16="http://schemas.microsoft.com/office/drawing/2014/main" id="{8601BC88-F90F-B746-9211-D7E4E41C2646}"/>
+              </a:ext>
+            </a:extLst>
+          </p:cNvPr>
+          <p:cNvSpPr/>
+          <p:nvPr/>
+        </p:nvSpPr>
+        <p:spPr>
+          <a:xfrm rot="5400000">
+            <a:off x="2884124" y="4458817"/>
+            <a:ext cx="471340" cy="369332"/>
+          </a:xfrm>
+          <a:prstGeom prst="rightArrow">
+            <a:avLst/>
+          </a:prstGeom>
+        </p:spPr>
+        <p:style>
+          <a:lnRef idx="2">
+            <a:schemeClr val="accent1">
+              <a:shade val="50000"/>
+            </a:schemeClr>
+          </a:lnRef>
+          <a:fillRef idx="1">
+            <a:schemeClr val="accent1"/>
+          </a:fillRef>
+          <a:effectRef idx="0">
+            <a:schemeClr val="accent1"/>
+          </a:effectRef>
+          <a:fontRef idx="minor">
+            <a:schemeClr val="lt1"/>
+          </a:fontRef>
+        </p:style>
+        <p:txBody>
+          <a:bodyPr rtlCol="0" anchor="ctr"/>
+          <a:lstStyle/>
+          <a:p>
+            <a:pPr algn="ctr"/>
+            <a:endParaRPr lang="ko-KR" altLang="en-US"/>
+          </a:p>
+        </p:txBody>
+      </p:sp>
+      <p:sp>
+        <p:nvSpPr>
+          <p:cNvPr id="18" name="화살표: 오른쪽 17">
+            <a:extLst>
+              <a:ext uri="{FF2B5EF4-FFF2-40B4-BE49-F238E27FC236}">
+                <a16:creationId xmlns:a16="http://schemas.microsoft.com/office/drawing/2014/main" id="{C674F8B7-DA38-8548-1773-CAE9CC1F4797}"/>
+              </a:ext>
+            </a:extLst>
+          </p:cNvPr>
+          <p:cNvSpPr/>
+          <p:nvPr/>
+        </p:nvSpPr>
+        <p:spPr>
+          <a:xfrm rot="5400000">
+            <a:off x="4259481" y="4458817"/>
+            <a:ext cx="471340" cy="369332"/>
+          </a:xfrm>
+          <a:prstGeom prst="rightArrow">
+            <a:avLst/>
+          </a:prstGeom>
+          <a:solidFill>
+            <a:schemeClr val="accent2"/>
+          </a:solidFill>
+        </p:spPr>
+        <p:style>
+          <a:lnRef idx="2">
+            <a:schemeClr val="accent1">
+              <a:shade val="50000"/>
+            </a:schemeClr>
+          </a:lnRef>
+          <a:fillRef idx="1">
+            <a:schemeClr val="accent1"/>
+          </a:fillRef>
+          <a:effectRef idx="0">
+            <a:schemeClr val="accent1"/>
+          </a:effectRef>
+          <a:fontRef idx="minor">
+            <a:schemeClr val="lt1"/>
+          </a:fontRef>
+        </p:style>
+        <p:txBody>
+          <a:bodyPr rtlCol="0" anchor="ctr"/>
+          <a:lstStyle/>
+          <a:p>
+            <a:pPr algn="ctr"/>
+            <a:endParaRPr lang="ko-KR" altLang="en-US"/>
+          </a:p>
+        </p:txBody>
+      </p:sp>
+      <p:sp>
+        <p:nvSpPr>
+          <p:cNvPr id="44" name="타원 43">
+            <a:extLst>
+              <a:ext uri="{FF2B5EF4-FFF2-40B4-BE49-F238E27FC236}">
+                <a16:creationId xmlns:a16="http://schemas.microsoft.com/office/drawing/2014/main" id="{7197FFC1-05B8-C582-1435-F737F7D2FEB6}"/>
+              </a:ext>
+            </a:extLst>
+          </p:cNvPr>
+          <p:cNvSpPr/>
+          <p:nvPr/>
+        </p:nvSpPr>
+        <p:spPr>
+          <a:xfrm>
+            <a:off x="4089798" y="4947386"/>
+            <a:ext cx="810705" cy="650450"/>
+          </a:xfrm>
+          <a:prstGeom prst="ellipse">
+            <a:avLst/>
+          </a:prstGeom>
+          <a:noFill/>
+          <a:ln w="28575">
+            <a:solidFill>
+              <a:srgbClr val="FF0000"/>
+            </a:solidFill>
+          </a:ln>
+        </p:spPr>
+        <p:style>
+          <a:lnRef idx="2">
+            <a:schemeClr val="accent1">
+              <a:shade val="50000"/>
+            </a:schemeClr>
+          </a:lnRef>
+          <a:fillRef idx="1">
+            <a:schemeClr val="accent1"/>
+          </a:fillRef>
+          <a:effectRef idx="0">
+            <a:schemeClr val="accent1"/>
+          </a:effectRef>
+          <a:fontRef idx="minor">
+            <a:schemeClr val="lt1"/>
+          </a:fontRef>
+        </p:style>
+        <p:txBody>
+          <a:bodyPr rtlCol="0" anchor="ctr"/>
+          <a:lstStyle/>
+          <a:p>
+            <a:pPr algn="ctr"/>
+            <a:endParaRPr lang="ko-KR" altLang="en-US"/>
+          </a:p>
+        </p:txBody>
+      </p:sp>
+      <p:sp>
+        <p:nvSpPr>
+          <p:cNvPr id="24" name="화살표: 오른쪽 23">
+            <a:extLst>
+              <a:ext uri="{FF2B5EF4-FFF2-40B4-BE49-F238E27FC236}">
+                <a16:creationId xmlns:a16="http://schemas.microsoft.com/office/drawing/2014/main" id="{920F986C-503D-4673-9DBE-DEBAF5D8807C}"/>
+              </a:ext>
+            </a:extLst>
+          </p:cNvPr>
+          <p:cNvSpPr/>
+          <p:nvPr/>
+        </p:nvSpPr>
+        <p:spPr>
+          <a:xfrm>
+            <a:off x="2224726" y="3834180"/>
+            <a:ext cx="471340" cy="369332"/>
+          </a:xfrm>
+          <a:prstGeom prst="rightArrow">
+            <a:avLst/>
+          </a:prstGeom>
+        </p:spPr>
+        <p:style>
+          <a:lnRef idx="2">
+            <a:schemeClr val="accent1">
+              <a:shade val="50000"/>
+            </a:schemeClr>
+          </a:lnRef>
+          <a:fillRef idx="1">
+            <a:schemeClr val="accent1"/>
+          </a:fillRef>
+          <a:effectRef idx="0">
+            <a:schemeClr val="accent1"/>
+          </a:effectRef>
+          <a:fontRef idx="minor">
+            <a:schemeClr val="lt1"/>
+          </a:fontRef>
+        </p:style>
+        <p:txBody>
+          <a:bodyPr rtlCol="0" anchor="ctr"/>
+          <a:lstStyle/>
+          <a:p>
+            <a:pPr algn="ctr"/>
+            <a:endParaRPr lang="ko-KR" altLang="en-US"/>
+          </a:p>
+        </p:txBody>
+      </p:sp>
+      <p:sp>
+        <p:nvSpPr>
+          <p:cNvPr id="25" name="화살표: 오른쪽 24">
+            <a:extLst>
+              <a:ext uri="{FF2B5EF4-FFF2-40B4-BE49-F238E27FC236}">
+                <a16:creationId xmlns:a16="http://schemas.microsoft.com/office/drawing/2014/main" id="{994B3A87-FED3-4F94-AA99-CC0DC2B827BE}"/>
+              </a:ext>
+            </a:extLst>
+          </p:cNvPr>
+          <p:cNvSpPr/>
+          <p:nvPr/>
+        </p:nvSpPr>
+        <p:spPr>
+          <a:xfrm rot="5400000">
+            <a:off x="2884124" y="3148553"/>
+            <a:ext cx="471340" cy="369332"/>
+          </a:xfrm>
+          <a:prstGeom prst="rightArrow">
+            <a:avLst/>
+          </a:prstGeom>
+        </p:spPr>
+        <p:style>
+          <a:lnRef idx="2">
+            <a:schemeClr val="accent1">
+              <a:shade val="50000"/>
+            </a:schemeClr>
+          </a:lnRef>
+          <a:fillRef idx="1">
+            <a:schemeClr val="accent1"/>
+          </a:fillRef>
+          <a:effectRef idx="0">
+            <a:schemeClr val="accent1"/>
+          </a:effectRef>
+          <a:fontRef idx="minor">
+            <a:schemeClr val="lt1"/>
+          </a:fontRef>
+        </p:style>
+        <p:txBody>
+          <a:bodyPr rtlCol="0" anchor="ctr"/>
+          <a:lstStyle/>
+          <a:p>
+            <a:pPr algn="ctr"/>
+            <a:endParaRPr lang="ko-KR" altLang="en-US"/>
+          </a:p>
+        </p:txBody>
+      </p:sp>
+      <p:sp>
+        <p:nvSpPr>
+          <p:cNvPr id="26" name="TextBox 25">
+            <a:extLst>
+              <a:ext uri="{FF2B5EF4-FFF2-40B4-BE49-F238E27FC236}">
+                <a16:creationId xmlns:a16="http://schemas.microsoft.com/office/drawing/2014/main" id="{ED2693AD-BBC7-47F7-8A48-2CDE560647BD}"/>
+              </a:ext>
+            </a:extLst>
+          </p:cNvPr>
+          <p:cNvSpPr txBox="1"/>
+          <p:nvPr/>
+        </p:nvSpPr>
+        <p:spPr>
+          <a:xfrm>
+            <a:off x="942387" y="1559356"/>
+            <a:ext cx="10313217" cy="369332"/>
+          </a:xfrm>
+          <a:prstGeom prst="rect">
+            <a:avLst/>
+          </a:prstGeom>
+          <a:noFill/>
+        </p:spPr>
+        <p:txBody>
+          <a:bodyPr wrap="square" rtlCol="0">
+            <a:spAutoFit/>
+          </a:bodyPr>
+          <a:lstStyle/>
+          <a:p>
+            <a:r>
+              <a:rPr lang="ko-KR" altLang="en-US" dirty="0">
+                <a:latin typeface="나눔스퀘어 Light" panose="020B0600000101010101" pitchFamily="50" charset="-127"/>
+                <a:ea typeface="나눔스퀘어 Light" panose="020B0600000101010101" pitchFamily="50" charset="-127"/>
+              </a:rPr>
+              <a:t>앞서 찾은 규칙대로 </a:t>
+            </a:r>
+            <a:r>
+              <a:rPr lang="en-US" altLang="ko-KR" dirty="0">
+                <a:latin typeface="나눔스퀘어 Light" panose="020B0600000101010101" pitchFamily="50" charset="-127"/>
+                <a:ea typeface="나눔스퀘어 Light" panose="020B0600000101010101" pitchFamily="50" charset="-127"/>
+              </a:rPr>
+              <a:t>(x-1, y)</a:t>
+            </a:r>
+            <a:r>
+              <a:rPr lang="ko-KR" altLang="en-US" dirty="0">
+                <a:latin typeface="나눔스퀘어 Light" panose="020B0600000101010101" pitchFamily="50" charset="-127"/>
+                <a:ea typeface="나눔스퀘어 Light" panose="020B0600000101010101" pitchFamily="50" charset="-127"/>
+              </a:rPr>
+              <a:t>와 </a:t>
+            </a:r>
+            <a:r>
+              <a:rPr lang="en-US" altLang="ko-KR" dirty="0">
+                <a:latin typeface="나눔스퀘어 Light" panose="020B0600000101010101" pitchFamily="50" charset="-127"/>
+                <a:ea typeface="나눔스퀘어 Light" panose="020B0600000101010101" pitchFamily="50" charset="-127"/>
+              </a:rPr>
+              <a:t>(x, y-1)</a:t>
+            </a:r>
+            <a:r>
+              <a:rPr lang="ko-KR" altLang="en-US" dirty="0">
+                <a:latin typeface="나눔스퀘어 Light" panose="020B0600000101010101" pitchFamily="50" charset="-127"/>
+                <a:ea typeface="나눔스퀘어 Light" panose="020B0600000101010101" pitchFamily="50" charset="-127"/>
+              </a:rPr>
+              <a:t>에 도달하는 광석 최대 개수 중 더 큰 값이겠네요</a:t>
+            </a:r>
+            <a:r>
+              <a:rPr lang="en-US" altLang="ko-KR" dirty="0">
+                <a:latin typeface="나눔스퀘어 Light" panose="020B0600000101010101" pitchFamily="50" charset="-127"/>
+                <a:ea typeface="나눔스퀘어 Light" panose="020B0600000101010101" pitchFamily="50" charset="-127"/>
+              </a:rPr>
+              <a:t>.</a:t>
+            </a:r>
+            <a:endParaRPr lang="ko-KR" altLang="en-US" dirty="0">
+              <a:latin typeface="나눔스퀘어 Light" panose="020B0600000101010101" pitchFamily="50" charset="-127"/>
+              <a:ea typeface="나눔스퀘어 Light" panose="020B0600000101010101" pitchFamily="50" charset="-127"/>
+            </a:endParaRPr>
           </a:p>
         </p:txBody>
       </p:sp>
     </p:spTree>
     <p:extLst>
       <p:ext uri="{BB962C8B-B14F-4D97-AF65-F5344CB8AC3E}">
-        <p14:creationId xmlns:p14="http://schemas.microsoft.com/office/powerpoint/2010/main" val="3209148614"/>
+        <p14:creationId xmlns:p14="http://schemas.microsoft.com/office/powerpoint/2010/main" val="1031743585"/>
       </p:ext>
     </p:extLst>
   </p:cSld>
@@ -12121,7 +14380,7 @@
         <p:spPr>
           <a:xfrm>
             <a:off x="331694" y="179902"/>
-            <a:ext cx="9506833" cy="523220"/>
+            <a:ext cx="6948441" cy="523220"/>
           </a:xfrm>
           <a:prstGeom prst="rect">
             <a:avLst/>
@@ -12139,14 +14398,14 @@
                 <a:latin typeface="나눔스퀘어 Bold" panose="020B0600000101010101" pitchFamily="50" charset="-127"/>
                 <a:ea typeface="나눔스퀘어 Bold" panose="020B0600000101010101" pitchFamily="50" charset="-127"/>
               </a:rPr>
-              <a:t>Dynamic Programming – 11053 </a:t>
+              <a:t>Dynamic Programming – 14916 </a:t>
             </a:r>
             <a:r>
               <a:rPr lang="ko-KR" altLang="en-US" sz="2800" dirty="0">
                 <a:latin typeface="나눔스퀘어 Bold" panose="020B0600000101010101" pitchFamily="50" charset="-127"/>
                 <a:ea typeface="나눔스퀘어 Bold" panose="020B0600000101010101" pitchFamily="50" charset="-127"/>
               </a:rPr>
-              <a:t>가장 긴 증가하는 부분 수열</a:t>
+              <a:t>거스름돈</a:t>
             </a:r>
           </a:p>
         </p:txBody>
@@ -12156,7 +14415,7 @@
           <p:cNvPr id="3" name="그림 2">
             <a:extLst>
               <a:ext uri="{FF2B5EF4-FFF2-40B4-BE49-F238E27FC236}">
-                <a16:creationId xmlns:a16="http://schemas.microsoft.com/office/drawing/2014/main" id="{169B8E43-5AC5-E906-1298-4019C3E4AB35}"/>
+                <a16:creationId xmlns:a16="http://schemas.microsoft.com/office/drawing/2014/main" id="{AFD233B6-4CE0-4B26-7BD7-0C2D24025EA1}"/>
               </a:ext>
             </a:extLst>
           </p:cNvPr>
@@ -12173,8 +14432,8 @@
         </p:blipFill>
         <p:spPr>
           <a:xfrm>
-            <a:off x="331694" y="971543"/>
-            <a:ext cx="9325226" cy="5715461"/>
+            <a:off x="331694" y="963268"/>
+            <a:ext cx="9247400" cy="5894731"/>
           </a:xfrm>
           <a:prstGeom prst="rect">
             <a:avLst/>
@@ -12184,7 +14443,7 @@
     </p:spTree>
     <p:extLst>
       <p:ext uri="{BB962C8B-B14F-4D97-AF65-F5344CB8AC3E}">
-        <p14:creationId xmlns:p14="http://schemas.microsoft.com/office/powerpoint/2010/main" val="3855707884"/>
+        <p14:creationId xmlns:p14="http://schemas.microsoft.com/office/powerpoint/2010/main" val="458905345"/>
       </p:ext>
     </p:extLst>
   </p:cSld>
@@ -12270,6 +14529,274 @@
         <p:spPr>
           <a:xfrm>
             <a:off x="331694" y="179902"/>
+            <a:ext cx="6948441" cy="523220"/>
+          </a:xfrm>
+          <a:prstGeom prst="rect">
+            <a:avLst/>
+          </a:prstGeom>
+          <a:noFill/>
+        </p:spPr>
+        <p:txBody>
+          <a:bodyPr wrap="none" rtlCol="0">
+            <a:spAutoFit/>
+          </a:bodyPr>
+          <a:lstStyle/>
+          <a:p>
+            <a:r>
+              <a:rPr lang="en-US" altLang="ko-KR" sz="2800" dirty="0">
+                <a:latin typeface="나눔스퀘어 Bold" panose="020B0600000101010101" pitchFamily="50" charset="-127"/>
+                <a:ea typeface="나눔스퀘어 Bold" panose="020B0600000101010101" pitchFamily="50" charset="-127"/>
+              </a:rPr>
+              <a:t>Dynamic Programming – 14916 </a:t>
+            </a:r>
+            <a:r>
+              <a:rPr lang="ko-KR" altLang="en-US" sz="2800" dirty="0">
+                <a:latin typeface="나눔스퀘어 Bold" panose="020B0600000101010101" pitchFamily="50" charset="-127"/>
+                <a:ea typeface="나눔스퀘어 Bold" panose="020B0600000101010101" pitchFamily="50" charset="-127"/>
+              </a:rPr>
+              <a:t>거스름돈</a:t>
+            </a:r>
+          </a:p>
+        </p:txBody>
+      </p:sp>
+    </p:spTree>
+    <p:extLst>
+      <p:ext uri="{BB962C8B-B14F-4D97-AF65-F5344CB8AC3E}">
+        <p14:creationId xmlns:p14="http://schemas.microsoft.com/office/powerpoint/2010/main" val="3209148614"/>
+      </p:ext>
+    </p:extLst>
+  </p:cSld>
+  <p:clrMapOvr>
+    <a:masterClrMapping/>
+  </p:clrMapOvr>
+</p:sld>
+</file>
+
+<file path=ppt/slides/slide23.xml><?xml version="1.0" encoding="utf-8"?>
+<p:sld xmlns:a="http://schemas.openxmlformats.org/drawingml/2006/main" xmlns:r="http://schemas.openxmlformats.org/officeDocument/2006/relationships" xmlns:p="http://schemas.openxmlformats.org/presentationml/2006/main">
+  <p:cSld>
+    <p:spTree>
+      <p:nvGrpSpPr>
+        <p:cNvPr id="1" name=""/>
+        <p:cNvGrpSpPr/>
+        <p:nvPr/>
+      </p:nvGrpSpPr>
+      <p:grpSpPr>
+        <a:xfrm>
+          <a:off x="0" y="0"/>
+          <a:ext cx="0" cy="0"/>
+          <a:chOff x="0" y="0"/>
+          <a:chExt cx="0" cy="0"/>
+        </a:xfrm>
+      </p:grpSpPr>
+      <p:cxnSp>
+        <p:nvCxnSpPr>
+          <p:cNvPr id="5" name="직선 연결선 4">
+            <a:extLst>
+              <a:ext uri="{FF2B5EF4-FFF2-40B4-BE49-F238E27FC236}">
+                <a16:creationId xmlns:a16="http://schemas.microsoft.com/office/drawing/2014/main" id="{164C2827-EFCE-69A4-D037-1A218415F568}"/>
+              </a:ext>
+            </a:extLst>
+          </p:cNvPr>
+          <p:cNvCxnSpPr/>
+          <p:nvPr/>
+        </p:nvCxnSpPr>
+        <p:spPr>
+          <a:xfrm>
+            <a:off x="0" y="887505"/>
+            <a:ext cx="10237694" cy="0"/>
+          </a:xfrm>
+          <a:prstGeom prst="line">
+            <a:avLst/>
+          </a:prstGeom>
+          <a:ln w="76200">
+            <a:solidFill>
+              <a:schemeClr val="tx1">
+                <a:lumMod val="75000"/>
+                <a:lumOff val="25000"/>
+              </a:schemeClr>
+            </a:solidFill>
+          </a:ln>
+        </p:spPr>
+        <p:style>
+          <a:lnRef idx="1">
+            <a:schemeClr val="accent1"/>
+          </a:lnRef>
+          <a:fillRef idx="0">
+            <a:schemeClr val="accent1"/>
+          </a:fillRef>
+          <a:effectRef idx="0">
+            <a:schemeClr val="accent1"/>
+          </a:effectRef>
+          <a:fontRef idx="minor">
+            <a:schemeClr val="tx1"/>
+          </a:fontRef>
+        </p:style>
+      </p:cxnSp>
+      <p:sp>
+        <p:nvSpPr>
+          <p:cNvPr id="4" name="TextBox 3">
+            <a:extLst>
+              <a:ext uri="{FF2B5EF4-FFF2-40B4-BE49-F238E27FC236}">
+                <a16:creationId xmlns:a16="http://schemas.microsoft.com/office/drawing/2014/main" id="{59D13859-3C4A-53F0-C48F-C6B9095BD065}"/>
+              </a:ext>
+            </a:extLst>
+          </p:cNvPr>
+          <p:cNvSpPr txBox="1"/>
+          <p:nvPr/>
+        </p:nvSpPr>
+        <p:spPr>
+          <a:xfrm>
+            <a:off x="331694" y="179902"/>
+            <a:ext cx="9506833" cy="523220"/>
+          </a:xfrm>
+          <a:prstGeom prst="rect">
+            <a:avLst/>
+          </a:prstGeom>
+          <a:noFill/>
+        </p:spPr>
+        <p:txBody>
+          <a:bodyPr wrap="none" rtlCol="0">
+            <a:spAutoFit/>
+          </a:bodyPr>
+          <a:lstStyle/>
+          <a:p>
+            <a:r>
+              <a:rPr lang="en-US" altLang="ko-KR" sz="2800" dirty="0">
+                <a:latin typeface="나눔스퀘어 Bold" panose="020B0600000101010101" pitchFamily="50" charset="-127"/>
+                <a:ea typeface="나눔스퀘어 Bold" panose="020B0600000101010101" pitchFamily="50" charset="-127"/>
+              </a:rPr>
+              <a:t>Dynamic Programming – 11053 </a:t>
+            </a:r>
+            <a:r>
+              <a:rPr lang="ko-KR" altLang="en-US" sz="2800" dirty="0">
+                <a:latin typeface="나눔스퀘어 Bold" panose="020B0600000101010101" pitchFamily="50" charset="-127"/>
+                <a:ea typeface="나눔스퀘어 Bold" panose="020B0600000101010101" pitchFamily="50" charset="-127"/>
+              </a:rPr>
+              <a:t>가장 긴 증가하는 부분 수열</a:t>
+            </a:r>
+          </a:p>
+        </p:txBody>
+      </p:sp>
+      <p:pic>
+        <p:nvPicPr>
+          <p:cNvPr id="3" name="그림 2">
+            <a:extLst>
+              <a:ext uri="{FF2B5EF4-FFF2-40B4-BE49-F238E27FC236}">
+                <a16:creationId xmlns:a16="http://schemas.microsoft.com/office/drawing/2014/main" id="{169B8E43-5AC5-E906-1298-4019C3E4AB35}"/>
+              </a:ext>
+            </a:extLst>
+          </p:cNvPr>
+          <p:cNvPicPr>
+            <a:picLocks noChangeAspect="1"/>
+          </p:cNvPicPr>
+          <p:nvPr/>
+        </p:nvPicPr>
+        <p:blipFill>
+          <a:blip r:embed="rId2"/>
+          <a:stretch>
+            <a:fillRect/>
+          </a:stretch>
+        </p:blipFill>
+        <p:spPr>
+          <a:xfrm>
+            <a:off x="331694" y="971543"/>
+            <a:ext cx="9325226" cy="5715461"/>
+          </a:xfrm>
+          <a:prstGeom prst="rect">
+            <a:avLst/>
+          </a:prstGeom>
+        </p:spPr>
+      </p:pic>
+    </p:spTree>
+    <p:extLst>
+      <p:ext uri="{BB962C8B-B14F-4D97-AF65-F5344CB8AC3E}">
+        <p14:creationId xmlns:p14="http://schemas.microsoft.com/office/powerpoint/2010/main" val="3855707884"/>
+      </p:ext>
+    </p:extLst>
+  </p:cSld>
+  <p:clrMapOvr>
+    <a:masterClrMapping/>
+  </p:clrMapOvr>
+</p:sld>
+</file>
+
+<file path=ppt/slides/slide24.xml><?xml version="1.0" encoding="utf-8"?>
+<p:sld xmlns:a="http://schemas.openxmlformats.org/drawingml/2006/main" xmlns:r="http://schemas.openxmlformats.org/officeDocument/2006/relationships" xmlns:p="http://schemas.openxmlformats.org/presentationml/2006/main">
+  <p:cSld>
+    <p:spTree>
+      <p:nvGrpSpPr>
+        <p:cNvPr id="1" name=""/>
+        <p:cNvGrpSpPr/>
+        <p:nvPr/>
+      </p:nvGrpSpPr>
+      <p:grpSpPr>
+        <a:xfrm>
+          <a:off x="0" y="0"/>
+          <a:ext cx="0" cy="0"/>
+          <a:chOff x="0" y="0"/>
+          <a:chExt cx="0" cy="0"/>
+        </a:xfrm>
+      </p:grpSpPr>
+      <p:cxnSp>
+        <p:nvCxnSpPr>
+          <p:cNvPr id="5" name="직선 연결선 4">
+            <a:extLst>
+              <a:ext uri="{FF2B5EF4-FFF2-40B4-BE49-F238E27FC236}">
+                <a16:creationId xmlns:a16="http://schemas.microsoft.com/office/drawing/2014/main" id="{164C2827-EFCE-69A4-D037-1A218415F568}"/>
+              </a:ext>
+            </a:extLst>
+          </p:cNvPr>
+          <p:cNvCxnSpPr/>
+          <p:nvPr/>
+        </p:nvCxnSpPr>
+        <p:spPr>
+          <a:xfrm>
+            <a:off x="0" y="887505"/>
+            <a:ext cx="10237694" cy="0"/>
+          </a:xfrm>
+          <a:prstGeom prst="line">
+            <a:avLst/>
+          </a:prstGeom>
+          <a:ln w="76200">
+            <a:solidFill>
+              <a:schemeClr val="tx1">
+                <a:lumMod val="75000"/>
+                <a:lumOff val="25000"/>
+              </a:schemeClr>
+            </a:solidFill>
+          </a:ln>
+        </p:spPr>
+        <p:style>
+          <a:lnRef idx="1">
+            <a:schemeClr val="accent1"/>
+          </a:lnRef>
+          <a:fillRef idx="0">
+            <a:schemeClr val="accent1"/>
+          </a:fillRef>
+          <a:effectRef idx="0">
+            <a:schemeClr val="accent1"/>
+          </a:effectRef>
+          <a:fontRef idx="minor">
+            <a:schemeClr val="tx1"/>
+          </a:fontRef>
+        </p:style>
+      </p:cxnSp>
+      <p:sp>
+        <p:nvSpPr>
+          <p:cNvPr id="4" name="TextBox 3">
+            <a:extLst>
+              <a:ext uri="{FF2B5EF4-FFF2-40B4-BE49-F238E27FC236}">
+                <a16:creationId xmlns:a16="http://schemas.microsoft.com/office/drawing/2014/main" id="{59D13859-3C4A-53F0-C48F-C6B9095BD065}"/>
+              </a:ext>
+            </a:extLst>
+          </p:cNvPr>
+          <p:cNvSpPr txBox="1"/>
+          <p:nvPr/>
+        </p:nvSpPr>
+        <p:spPr>
+          <a:xfrm>
+            <a:off x="331694" y="179902"/>
             <a:ext cx="9506833" cy="523220"/>
           </a:xfrm>
           <a:prstGeom prst="rect">
@@ -12313,7 +14840,7 @@
 </p:sld>
 </file>
 
-<file path=ppt/slides/slide23.xml><?xml version="1.0" encoding="utf-8"?>
+<file path=ppt/slides/slide25.xml><?xml version="1.0" encoding="utf-8"?>
 <p:sld xmlns:a="http://schemas.openxmlformats.org/drawingml/2006/main" xmlns:r="http://schemas.openxmlformats.org/officeDocument/2006/relationships" xmlns:p="http://schemas.openxmlformats.org/presentationml/2006/main">
   <p:cSld>
     <p:spTree>

--- a/study/5_Dynamic Programming.pptx
+++ b/study/5_Dynamic Programming.pptx
@@ -25,11 +25,16 @@
     <p:sldId id="343" r:id="rId19"/>
     <p:sldId id="344" r:id="rId20"/>
     <p:sldId id="345" r:id="rId21"/>
-    <p:sldId id="339" r:id="rId22"/>
-    <p:sldId id="340" r:id="rId23"/>
-    <p:sldId id="341" r:id="rId24"/>
-    <p:sldId id="342" r:id="rId25"/>
-    <p:sldId id="298" r:id="rId26"/>
+    <p:sldId id="346" r:id="rId22"/>
+    <p:sldId id="347" r:id="rId23"/>
+    <p:sldId id="348" r:id="rId24"/>
+    <p:sldId id="349" r:id="rId25"/>
+    <p:sldId id="350" r:id="rId26"/>
+    <p:sldId id="339" r:id="rId27"/>
+    <p:sldId id="340" r:id="rId28"/>
+    <p:sldId id="341" r:id="rId29"/>
+    <p:sldId id="342" r:id="rId30"/>
+    <p:sldId id="298" r:id="rId31"/>
   </p:sldIdLst>
   <p:sldSz cx="12192000" cy="6858000"/>
   <p:notesSz cx="6858000" cy="9144000"/>
@@ -283,7 +288,7 @@
           <a:p>
             <a:fld id="{33C37291-AA83-40C0-9297-8F7F3693F6CC}" type="datetimeFigureOut">
               <a:rPr lang="ko-KR" altLang="en-US" smtClean="0"/>
-              <a:t>2022-09-05</a:t>
+              <a:t>2022-09-06</a:t>
             </a:fld>
             <a:endParaRPr lang="ko-KR" altLang="en-US"/>
           </a:p>
@@ -481,7 +486,7 @@
           <a:p>
             <a:fld id="{33C37291-AA83-40C0-9297-8F7F3693F6CC}" type="datetimeFigureOut">
               <a:rPr lang="ko-KR" altLang="en-US" smtClean="0"/>
-              <a:t>2022-09-05</a:t>
+              <a:t>2022-09-06</a:t>
             </a:fld>
             <a:endParaRPr lang="ko-KR" altLang="en-US"/>
           </a:p>
@@ -689,7 +694,7 @@
           <a:p>
             <a:fld id="{33C37291-AA83-40C0-9297-8F7F3693F6CC}" type="datetimeFigureOut">
               <a:rPr lang="ko-KR" altLang="en-US" smtClean="0"/>
-              <a:t>2022-09-05</a:t>
+              <a:t>2022-09-06</a:t>
             </a:fld>
             <a:endParaRPr lang="ko-KR" altLang="en-US"/>
           </a:p>
@@ -887,7 +892,7 @@
           <a:p>
             <a:fld id="{33C37291-AA83-40C0-9297-8F7F3693F6CC}" type="datetimeFigureOut">
               <a:rPr lang="ko-KR" altLang="en-US" smtClean="0"/>
-              <a:t>2022-09-05</a:t>
+              <a:t>2022-09-06</a:t>
             </a:fld>
             <a:endParaRPr lang="ko-KR" altLang="en-US"/>
           </a:p>
@@ -1162,7 +1167,7 @@
           <a:p>
             <a:fld id="{33C37291-AA83-40C0-9297-8F7F3693F6CC}" type="datetimeFigureOut">
               <a:rPr lang="ko-KR" altLang="en-US" smtClean="0"/>
-              <a:t>2022-09-05</a:t>
+              <a:t>2022-09-06</a:t>
             </a:fld>
             <a:endParaRPr lang="ko-KR" altLang="en-US"/>
           </a:p>
@@ -1427,7 +1432,7 @@
           <a:p>
             <a:fld id="{33C37291-AA83-40C0-9297-8F7F3693F6CC}" type="datetimeFigureOut">
               <a:rPr lang="ko-KR" altLang="en-US" smtClean="0"/>
-              <a:t>2022-09-05</a:t>
+              <a:t>2022-09-06</a:t>
             </a:fld>
             <a:endParaRPr lang="ko-KR" altLang="en-US"/>
           </a:p>
@@ -1839,7 +1844,7 @@
           <a:p>
             <a:fld id="{33C37291-AA83-40C0-9297-8F7F3693F6CC}" type="datetimeFigureOut">
               <a:rPr lang="ko-KR" altLang="en-US" smtClean="0"/>
-              <a:t>2022-09-05</a:t>
+              <a:t>2022-09-06</a:t>
             </a:fld>
             <a:endParaRPr lang="ko-KR" altLang="en-US"/>
           </a:p>
@@ -1980,7 +1985,7 @@
           <a:p>
             <a:fld id="{33C37291-AA83-40C0-9297-8F7F3693F6CC}" type="datetimeFigureOut">
               <a:rPr lang="ko-KR" altLang="en-US" smtClean="0"/>
-              <a:t>2022-09-05</a:t>
+              <a:t>2022-09-06</a:t>
             </a:fld>
             <a:endParaRPr lang="ko-KR" altLang="en-US"/>
           </a:p>
@@ -2093,7 +2098,7 @@
           <a:p>
             <a:fld id="{33C37291-AA83-40C0-9297-8F7F3693F6CC}" type="datetimeFigureOut">
               <a:rPr lang="ko-KR" altLang="en-US" smtClean="0"/>
-              <a:t>2022-09-05</a:t>
+              <a:t>2022-09-06</a:t>
             </a:fld>
             <a:endParaRPr lang="ko-KR" altLang="en-US"/>
           </a:p>
@@ -2404,7 +2409,7 @@
           <a:p>
             <a:fld id="{33C37291-AA83-40C0-9297-8F7F3693F6CC}" type="datetimeFigureOut">
               <a:rPr lang="ko-KR" altLang="en-US" smtClean="0"/>
-              <a:t>2022-09-05</a:t>
+              <a:t>2022-09-06</a:t>
             </a:fld>
             <a:endParaRPr lang="ko-KR" altLang="en-US"/>
           </a:p>
@@ -2692,7 +2697,7 @@
           <a:p>
             <a:fld id="{33C37291-AA83-40C0-9297-8F7F3693F6CC}" type="datetimeFigureOut">
               <a:rPr lang="ko-KR" altLang="en-US" smtClean="0"/>
-              <a:t>2022-09-05</a:t>
+              <a:t>2022-09-06</a:t>
             </a:fld>
             <a:endParaRPr lang="ko-KR" altLang="en-US"/>
           </a:p>
@@ -2933,7 +2938,7 @@
           <a:p>
             <a:fld id="{33C37291-AA83-40C0-9297-8F7F3693F6CC}" type="datetimeFigureOut">
               <a:rPr lang="ko-KR" altLang="en-US" smtClean="0"/>
-              <a:t>2022-09-05</a:t>
+              <a:t>2022-09-06</a:t>
             </a:fld>
             <a:endParaRPr lang="ko-KR" altLang="en-US"/>
           </a:p>
@@ -13343,877 +13348,6 @@
           </a:p>
         </p:txBody>
       </p:sp>
-      <p:graphicFrame>
-        <p:nvGraphicFramePr>
-          <p:cNvPr id="6" name="표 6">
-            <a:extLst>
-              <a:ext uri="{FF2B5EF4-FFF2-40B4-BE49-F238E27FC236}">
-                <a16:creationId xmlns:a16="http://schemas.microsoft.com/office/drawing/2014/main" id="{1C062CAD-B8B0-3B6C-738E-BA0D9CF66C66}"/>
-              </a:ext>
-            </a:extLst>
-          </p:cNvPr>
-          <p:cNvGraphicFramePr>
-            <a:graphicFrameLocks noGrp="1"/>
-          </p:cNvGraphicFramePr>
-          <p:nvPr/>
-        </p:nvGraphicFramePr>
-        <p:xfrm>
-          <a:off x="1054846" y="2030695"/>
-          <a:ext cx="4129896" cy="3939801"/>
-        </p:xfrm>
-        <a:graphic>
-          <a:graphicData uri="http://schemas.openxmlformats.org/drawingml/2006/table">
-            <a:tbl>
-              <a:tblPr firstRow="1" bandRow="1">
-                <a:tableStyleId>{69CF1AB2-1976-4502-BF36-3FF5EA218861}</a:tableStyleId>
-              </a:tblPr>
-              <a:tblGrid>
-                <a:gridCol w="1376632">
-                  <a:extLst>
-                    <a:ext uri="{9D8B030D-6E8A-4147-A177-3AD203B41FA5}">
-                      <a16:colId xmlns:a16="http://schemas.microsoft.com/office/drawing/2014/main" val="184689733"/>
-                    </a:ext>
-                  </a:extLst>
-                </a:gridCol>
-                <a:gridCol w="1376632">
-                  <a:extLst>
-                    <a:ext uri="{9D8B030D-6E8A-4147-A177-3AD203B41FA5}">
-                      <a16:colId xmlns:a16="http://schemas.microsoft.com/office/drawing/2014/main" val="662498604"/>
-                    </a:ext>
-                  </a:extLst>
-                </a:gridCol>
-                <a:gridCol w="1376632">
-                  <a:extLst>
-                    <a:ext uri="{9D8B030D-6E8A-4147-A177-3AD203B41FA5}">
-                      <a16:colId xmlns:a16="http://schemas.microsoft.com/office/drawing/2014/main" val="3419381811"/>
-                    </a:ext>
-                  </a:extLst>
-                </a:gridCol>
-              </a:tblGrid>
-              <a:tr h="1313267">
-                <a:tc>
-                  <a:txBody>
-                    <a:bodyPr/>
-                    <a:lstStyle/>
-                    <a:p>
-                      <a:pPr algn="ctr" latinLnBrk="1"/>
-                      <a:r>
-                        <a:rPr lang="en-US" altLang="ko-KR" sz="2800" b="0" dirty="0">
-                          <a:latin typeface="나눔스퀘어 Bold" panose="020B0600000101010101" pitchFamily="50" charset="-127"/>
-                          <a:ea typeface="나눔스퀘어 Bold" panose="020B0600000101010101" pitchFamily="50" charset="-127"/>
-                        </a:rPr>
-                        <a:t>0, 0</a:t>
-                      </a:r>
-                      <a:endParaRPr lang="ko-KR" altLang="en-US" sz="2800" b="0" dirty="0">
-                        <a:latin typeface="나눔스퀘어 Bold" panose="020B0600000101010101" pitchFamily="50" charset="-127"/>
-                        <a:ea typeface="나눔스퀘어 Bold" panose="020B0600000101010101" pitchFamily="50" charset="-127"/>
-                      </a:endParaRPr>
-                    </a:p>
-                  </a:txBody>
-                  <a:tcPr anchor="ctr"/>
-                </a:tc>
-                <a:tc>
-                  <a:txBody>
-                    <a:bodyPr/>
-                    <a:lstStyle/>
-                    <a:p>
-                      <a:pPr algn="ctr" latinLnBrk="1"/>
-                      <a:r>
-                        <a:rPr lang="en-US" altLang="ko-KR" sz="2800" b="0" dirty="0">
-                          <a:latin typeface="나눔스퀘어 Bold" panose="020B0600000101010101" pitchFamily="50" charset="-127"/>
-                          <a:ea typeface="나눔스퀘어 Bold" panose="020B0600000101010101" pitchFamily="50" charset="-127"/>
-                        </a:rPr>
-                        <a:t>0, 1</a:t>
-                      </a:r>
-                      <a:endParaRPr lang="ko-KR" altLang="en-US" sz="2800" b="0" dirty="0">
-                        <a:latin typeface="나눔스퀘어 Bold" panose="020B0600000101010101" pitchFamily="50" charset="-127"/>
-                        <a:ea typeface="나눔스퀘어 Bold" panose="020B0600000101010101" pitchFamily="50" charset="-127"/>
-                      </a:endParaRPr>
-                    </a:p>
-                  </a:txBody>
-                  <a:tcPr anchor="ctr"/>
-                </a:tc>
-                <a:tc>
-                  <a:txBody>
-                    <a:bodyPr/>
-                    <a:lstStyle/>
-                    <a:p>
-                      <a:pPr algn="ctr" latinLnBrk="1"/>
-                      <a:r>
-                        <a:rPr lang="en-US" altLang="ko-KR" sz="2800" b="0" dirty="0">
-                          <a:latin typeface="나눔스퀘어 Bold" panose="020B0600000101010101" pitchFamily="50" charset="-127"/>
-                          <a:ea typeface="나눔스퀘어 Bold" panose="020B0600000101010101" pitchFamily="50" charset="-127"/>
-                        </a:rPr>
-                        <a:t>0, 2</a:t>
-                      </a:r>
-                      <a:endParaRPr lang="ko-KR" altLang="en-US" sz="2800" b="0" dirty="0">
-                        <a:latin typeface="나눔스퀘어 Bold" panose="020B0600000101010101" pitchFamily="50" charset="-127"/>
-                        <a:ea typeface="나눔스퀘어 Bold" panose="020B0600000101010101" pitchFamily="50" charset="-127"/>
-                      </a:endParaRPr>
-                    </a:p>
-                  </a:txBody>
-                  <a:tcPr anchor="ctr"/>
-                </a:tc>
-                <a:extLst>
-                  <a:ext uri="{0D108BD9-81ED-4DB2-BD59-A6C34878D82A}">
-                    <a16:rowId xmlns:a16="http://schemas.microsoft.com/office/drawing/2014/main" val="889197390"/>
-                  </a:ext>
-                </a:extLst>
-              </a:tr>
-              <a:tr h="1313267">
-                <a:tc>
-                  <a:txBody>
-                    <a:bodyPr/>
-                    <a:lstStyle/>
-                    <a:p>
-                      <a:pPr algn="ctr" latinLnBrk="1"/>
-                      <a:r>
-                        <a:rPr lang="en-US" altLang="ko-KR" sz="2800" dirty="0">
-                          <a:latin typeface="나눔스퀘어 Bold" panose="020B0600000101010101" pitchFamily="50" charset="-127"/>
-                          <a:ea typeface="나눔스퀘어 Bold" panose="020B0600000101010101" pitchFamily="50" charset="-127"/>
-                        </a:rPr>
-                        <a:t>1, 0</a:t>
-                      </a:r>
-                      <a:endParaRPr lang="ko-KR" altLang="en-US" sz="2800" dirty="0">
-                        <a:latin typeface="나눔스퀘어 Bold" panose="020B0600000101010101" pitchFamily="50" charset="-127"/>
-                        <a:ea typeface="나눔스퀘어 Bold" panose="020B0600000101010101" pitchFamily="50" charset="-127"/>
-                      </a:endParaRPr>
-                    </a:p>
-                  </a:txBody>
-                  <a:tcPr anchor="ctr"/>
-                </a:tc>
-                <a:tc>
-                  <a:txBody>
-                    <a:bodyPr/>
-                    <a:lstStyle/>
-                    <a:p>
-                      <a:pPr algn="ctr" latinLnBrk="1"/>
-                      <a:r>
-                        <a:rPr lang="en-US" altLang="ko-KR" sz="2800" dirty="0">
-                          <a:latin typeface="나눔스퀘어 Bold" panose="020B0600000101010101" pitchFamily="50" charset="-127"/>
-                          <a:ea typeface="나눔스퀘어 Bold" panose="020B0600000101010101" pitchFamily="50" charset="-127"/>
-                        </a:rPr>
-                        <a:t>1, 1</a:t>
-                      </a:r>
-                      <a:endParaRPr lang="ko-KR" altLang="en-US" sz="2800" dirty="0">
-                        <a:latin typeface="나눔스퀘어 Bold" panose="020B0600000101010101" pitchFamily="50" charset="-127"/>
-                        <a:ea typeface="나눔스퀘어 Bold" panose="020B0600000101010101" pitchFamily="50" charset="-127"/>
-                      </a:endParaRPr>
-                    </a:p>
-                  </a:txBody>
-                  <a:tcPr anchor="ctr"/>
-                </a:tc>
-                <a:tc>
-                  <a:txBody>
-                    <a:bodyPr/>
-                    <a:lstStyle/>
-                    <a:p>
-                      <a:pPr algn="ctr" latinLnBrk="1"/>
-                      <a:r>
-                        <a:rPr lang="en-US" altLang="ko-KR" sz="2800" dirty="0">
-                          <a:latin typeface="나눔스퀘어 Bold" panose="020B0600000101010101" pitchFamily="50" charset="-127"/>
-                          <a:ea typeface="나눔스퀘어 Bold" panose="020B0600000101010101" pitchFamily="50" charset="-127"/>
-                        </a:rPr>
-                        <a:t>1, 2</a:t>
-                      </a:r>
-                      <a:endParaRPr lang="ko-KR" altLang="en-US" sz="2800" dirty="0">
-                        <a:latin typeface="나눔스퀘어 Bold" panose="020B0600000101010101" pitchFamily="50" charset="-127"/>
-                        <a:ea typeface="나눔스퀘어 Bold" panose="020B0600000101010101" pitchFamily="50" charset="-127"/>
-                      </a:endParaRPr>
-                    </a:p>
-                  </a:txBody>
-                  <a:tcPr anchor="ctr"/>
-                </a:tc>
-                <a:extLst>
-                  <a:ext uri="{0D108BD9-81ED-4DB2-BD59-A6C34878D82A}">
-                    <a16:rowId xmlns:a16="http://schemas.microsoft.com/office/drawing/2014/main" val="3949344445"/>
-                  </a:ext>
-                </a:extLst>
-              </a:tr>
-              <a:tr h="1313267">
-                <a:tc>
-                  <a:txBody>
-                    <a:bodyPr/>
-                    <a:lstStyle/>
-                    <a:p>
-                      <a:pPr algn="ctr" latinLnBrk="1"/>
-                      <a:r>
-                        <a:rPr lang="en-US" altLang="ko-KR" sz="2800" dirty="0">
-                          <a:latin typeface="나눔스퀘어 Bold" panose="020B0600000101010101" pitchFamily="50" charset="-127"/>
-                          <a:ea typeface="나눔스퀘어 Bold" panose="020B0600000101010101" pitchFamily="50" charset="-127"/>
-                        </a:rPr>
-                        <a:t>2, 0</a:t>
-                      </a:r>
-                      <a:endParaRPr lang="ko-KR" altLang="en-US" sz="2800" dirty="0">
-                        <a:latin typeface="나눔스퀘어 Bold" panose="020B0600000101010101" pitchFamily="50" charset="-127"/>
-                        <a:ea typeface="나눔스퀘어 Bold" panose="020B0600000101010101" pitchFamily="50" charset="-127"/>
-                      </a:endParaRPr>
-                    </a:p>
-                  </a:txBody>
-                  <a:tcPr anchor="ctr"/>
-                </a:tc>
-                <a:tc>
-                  <a:txBody>
-                    <a:bodyPr/>
-                    <a:lstStyle/>
-                    <a:p>
-                      <a:pPr algn="ctr" latinLnBrk="1"/>
-                      <a:r>
-                        <a:rPr lang="en-US" altLang="ko-KR" sz="2800" dirty="0">
-                          <a:latin typeface="나눔스퀘어 Bold" panose="020B0600000101010101" pitchFamily="50" charset="-127"/>
-                          <a:ea typeface="나눔스퀘어 Bold" panose="020B0600000101010101" pitchFamily="50" charset="-127"/>
-                        </a:rPr>
-                        <a:t>2, 1</a:t>
-                      </a:r>
-                      <a:endParaRPr lang="ko-KR" altLang="en-US" sz="2800" dirty="0">
-                        <a:latin typeface="나눔스퀘어 Bold" panose="020B0600000101010101" pitchFamily="50" charset="-127"/>
-                        <a:ea typeface="나눔스퀘어 Bold" panose="020B0600000101010101" pitchFamily="50" charset="-127"/>
-                      </a:endParaRPr>
-                    </a:p>
-                  </a:txBody>
-                  <a:tcPr anchor="ctr"/>
-                </a:tc>
-                <a:tc>
-                  <a:txBody>
-                    <a:bodyPr/>
-                    <a:lstStyle/>
-                    <a:p>
-                      <a:pPr algn="ctr" latinLnBrk="1"/>
-                      <a:r>
-                        <a:rPr lang="en-US" altLang="ko-KR" sz="2800" dirty="0">
-                          <a:latin typeface="나눔스퀘어 Bold" panose="020B0600000101010101" pitchFamily="50" charset="-127"/>
-                          <a:ea typeface="나눔스퀘어 Bold" panose="020B0600000101010101" pitchFamily="50" charset="-127"/>
-                        </a:rPr>
-                        <a:t>2, 2</a:t>
-                      </a:r>
-                      <a:endParaRPr lang="ko-KR" altLang="en-US" sz="2800" dirty="0">
-                        <a:latin typeface="나눔스퀘어 Bold" panose="020B0600000101010101" pitchFamily="50" charset="-127"/>
-                        <a:ea typeface="나눔스퀘어 Bold" panose="020B0600000101010101" pitchFamily="50" charset="-127"/>
-                      </a:endParaRPr>
-                    </a:p>
-                  </a:txBody>
-                  <a:tcPr anchor="ctr"/>
-                </a:tc>
-                <a:extLst>
-                  <a:ext uri="{0D108BD9-81ED-4DB2-BD59-A6C34878D82A}">
-                    <a16:rowId xmlns:a16="http://schemas.microsoft.com/office/drawing/2014/main" val="264939005"/>
-                  </a:ext>
-                </a:extLst>
-              </a:tr>
-            </a:tbl>
-          </a:graphicData>
-        </a:graphic>
-      </p:graphicFrame>
-      <p:sp>
-        <p:nvSpPr>
-          <p:cNvPr id="7" name="화살표: 오른쪽 6">
-            <a:extLst>
-              <a:ext uri="{FF2B5EF4-FFF2-40B4-BE49-F238E27FC236}">
-                <a16:creationId xmlns:a16="http://schemas.microsoft.com/office/drawing/2014/main" id="{629F8853-D534-19C1-5D6D-E1F61D3BABE9}"/>
-              </a:ext>
-            </a:extLst>
-          </p:cNvPr>
-          <p:cNvSpPr/>
-          <p:nvPr/>
-        </p:nvSpPr>
-        <p:spPr>
-          <a:xfrm>
-            <a:off x="2224726" y="2469823"/>
-            <a:ext cx="471340" cy="369332"/>
-          </a:xfrm>
-          <a:prstGeom prst="rightArrow">
-            <a:avLst/>
-          </a:prstGeom>
-        </p:spPr>
-        <p:style>
-          <a:lnRef idx="2">
-            <a:schemeClr val="accent1">
-              <a:shade val="50000"/>
-            </a:schemeClr>
-          </a:lnRef>
-          <a:fillRef idx="1">
-            <a:schemeClr val="accent1"/>
-          </a:fillRef>
-          <a:effectRef idx="0">
-            <a:schemeClr val="accent1"/>
-          </a:effectRef>
-          <a:fontRef idx="minor">
-            <a:schemeClr val="lt1"/>
-          </a:fontRef>
-        </p:style>
-        <p:txBody>
-          <a:bodyPr rtlCol="0" anchor="ctr"/>
-          <a:lstStyle/>
-          <a:p>
-            <a:pPr algn="ctr"/>
-            <a:endParaRPr lang="ko-KR" altLang="en-US"/>
-          </a:p>
-        </p:txBody>
-      </p:sp>
-      <p:sp>
-        <p:nvSpPr>
-          <p:cNvPr id="8" name="화살표: 오른쪽 7">
-            <a:extLst>
-              <a:ext uri="{FF2B5EF4-FFF2-40B4-BE49-F238E27FC236}">
-                <a16:creationId xmlns:a16="http://schemas.microsoft.com/office/drawing/2014/main" id="{21219A69-23A2-1B88-A1F8-4465E1BF8EF9}"/>
-              </a:ext>
-            </a:extLst>
-          </p:cNvPr>
-          <p:cNvSpPr/>
-          <p:nvPr/>
-        </p:nvSpPr>
-        <p:spPr>
-          <a:xfrm>
-            <a:off x="3570244" y="2469823"/>
-            <a:ext cx="471340" cy="369332"/>
-          </a:xfrm>
-          <a:prstGeom prst="rightArrow">
-            <a:avLst/>
-          </a:prstGeom>
-        </p:spPr>
-        <p:style>
-          <a:lnRef idx="2">
-            <a:schemeClr val="accent1">
-              <a:shade val="50000"/>
-            </a:schemeClr>
-          </a:lnRef>
-          <a:fillRef idx="1">
-            <a:schemeClr val="accent1"/>
-          </a:fillRef>
-          <a:effectRef idx="0">
-            <a:schemeClr val="accent1"/>
-          </a:effectRef>
-          <a:fontRef idx="minor">
-            <a:schemeClr val="lt1"/>
-          </a:fontRef>
-        </p:style>
-        <p:txBody>
-          <a:bodyPr rtlCol="0" anchor="ctr"/>
-          <a:lstStyle/>
-          <a:p>
-            <a:pPr algn="ctr"/>
-            <a:endParaRPr lang="ko-KR" altLang="en-US"/>
-          </a:p>
-        </p:txBody>
-      </p:sp>
-      <p:sp>
-        <p:nvSpPr>
-          <p:cNvPr id="10" name="화살표: 오른쪽 9">
-            <a:extLst>
-              <a:ext uri="{FF2B5EF4-FFF2-40B4-BE49-F238E27FC236}">
-                <a16:creationId xmlns:a16="http://schemas.microsoft.com/office/drawing/2014/main" id="{936D3889-1347-D1CF-51A4-337F62A3A345}"/>
-              </a:ext>
-            </a:extLst>
-          </p:cNvPr>
-          <p:cNvSpPr/>
-          <p:nvPr/>
-        </p:nvSpPr>
-        <p:spPr>
-          <a:xfrm>
-            <a:off x="3570244" y="3834180"/>
-            <a:ext cx="471340" cy="369332"/>
-          </a:xfrm>
-          <a:prstGeom prst="rightArrow">
-            <a:avLst/>
-          </a:prstGeom>
-        </p:spPr>
-        <p:style>
-          <a:lnRef idx="2">
-            <a:schemeClr val="accent1">
-              <a:shade val="50000"/>
-            </a:schemeClr>
-          </a:lnRef>
-          <a:fillRef idx="1">
-            <a:schemeClr val="accent1"/>
-          </a:fillRef>
-          <a:effectRef idx="0">
-            <a:schemeClr val="accent1"/>
-          </a:effectRef>
-          <a:fontRef idx="minor">
-            <a:schemeClr val="lt1"/>
-          </a:fontRef>
-        </p:style>
-        <p:txBody>
-          <a:bodyPr rtlCol="0" anchor="ctr"/>
-          <a:lstStyle/>
-          <a:p>
-            <a:pPr algn="ctr"/>
-            <a:endParaRPr lang="ko-KR" altLang="en-US"/>
-          </a:p>
-        </p:txBody>
-      </p:sp>
-      <p:sp>
-        <p:nvSpPr>
-          <p:cNvPr id="11" name="화살표: 오른쪽 10">
-            <a:extLst>
-              <a:ext uri="{FF2B5EF4-FFF2-40B4-BE49-F238E27FC236}">
-                <a16:creationId xmlns:a16="http://schemas.microsoft.com/office/drawing/2014/main" id="{38A3E947-71E4-6485-6D4D-12603262CABA}"/>
-              </a:ext>
-            </a:extLst>
-          </p:cNvPr>
-          <p:cNvSpPr/>
-          <p:nvPr/>
-        </p:nvSpPr>
-        <p:spPr>
-          <a:xfrm>
-            <a:off x="2224726" y="5087945"/>
-            <a:ext cx="471340" cy="369332"/>
-          </a:xfrm>
-          <a:prstGeom prst="rightArrow">
-            <a:avLst/>
-          </a:prstGeom>
-        </p:spPr>
-        <p:style>
-          <a:lnRef idx="2">
-            <a:schemeClr val="accent1">
-              <a:shade val="50000"/>
-            </a:schemeClr>
-          </a:lnRef>
-          <a:fillRef idx="1">
-            <a:schemeClr val="accent1"/>
-          </a:fillRef>
-          <a:effectRef idx="0">
-            <a:schemeClr val="accent1"/>
-          </a:effectRef>
-          <a:fontRef idx="minor">
-            <a:schemeClr val="lt1"/>
-          </a:fontRef>
-        </p:style>
-        <p:txBody>
-          <a:bodyPr rtlCol="0" anchor="ctr"/>
-          <a:lstStyle/>
-          <a:p>
-            <a:pPr algn="ctr"/>
-            <a:endParaRPr lang="ko-KR" altLang="en-US"/>
-          </a:p>
-        </p:txBody>
-      </p:sp>
-      <p:sp>
-        <p:nvSpPr>
-          <p:cNvPr id="12" name="화살표: 오른쪽 11">
-            <a:extLst>
-              <a:ext uri="{FF2B5EF4-FFF2-40B4-BE49-F238E27FC236}">
-                <a16:creationId xmlns:a16="http://schemas.microsoft.com/office/drawing/2014/main" id="{BAAA00C9-C780-8677-1373-99EC7D7CD541}"/>
-              </a:ext>
-            </a:extLst>
-          </p:cNvPr>
-          <p:cNvSpPr/>
-          <p:nvPr/>
-        </p:nvSpPr>
-        <p:spPr>
-          <a:xfrm>
-            <a:off x="3570244" y="5087945"/>
-            <a:ext cx="471340" cy="369332"/>
-          </a:xfrm>
-          <a:prstGeom prst="rightArrow">
-            <a:avLst/>
-          </a:prstGeom>
-          <a:solidFill>
-            <a:schemeClr val="accent2"/>
-          </a:solidFill>
-        </p:spPr>
-        <p:style>
-          <a:lnRef idx="2">
-            <a:schemeClr val="accent1">
-              <a:shade val="50000"/>
-            </a:schemeClr>
-          </a:lnRef>
-          <a:fillRef idx="1">
-            <a:schemeClr val="accent1"/>
-          </a:fillRef>
-          <a:effectRef idx="0">
-            <a:schemeClr val="accent1"/>
-          </a:effectRef>
-          <a:fontRef idx="minor">
-            <a:schemeClr val="lt1"/>
-          </a:fontRef>
-        </p:style>
-        <p:txBody>
-          <a:bodyPr rtlCol="0" anchor="ctr"/>
-          <a:lstStyle/>
-          <a:p>
-            <a:pPr algn="ctr"/>
-            <a:endParaRPr lang="ko-KR" altLang="en-US"/>
-          </a:p>
-        </p:txBody>
-      </p:sp>
-      <p:sp>
-        <p:nvSpPr>
-          <p:cNvPr id="14" name="화살표: 오른쪽 13">
-            <a:extLst>
-              <a:ext uri="{FF2B5EF4-FFF2-40B4-BE49-F238E27FC236}">
-                <a16:creationId xmlns:a16="http://schemas.microsoft.com/office/drawing/2014/main" id="{6F3FFA33-2540-ADE1-0780-3E31654F42E6}"/>
-              </a:ext>
-            </a:extLst>
-          </p:cNvPr>
-          <p:cNvSpPr/>
-          <p:nvPr/>
-        </p:nvSpPr>
-        <p:spPr>
-          <a:xfrm rot="5400000">
-            <a:off x="1517716" y="3148553"/>
-            <a:ext cx="471340" cy="369332"/>
-          </a:xfrm>
-          <a:prstGeom prst="rightArrow">
-            <a:avLst/>
-          </a:prstGeom>
-        </p:spPr>
-        <p:style>
-          <a:lnRef idx="2">
-            <a:schemeClr val="accent1">
-              <a:shade val="50000"/>
-            </a:schemeClr>
-          </a:lnRef>
-          <a:fillRef idx="1">
-            <a:schemeClr val="accent1"/>
-          </a:fillRef>
-          <a:effectRef idx="0">
-            <a:schemeClr val="accent1"/>
-          </a:effectRef>
-          <a:fontRef idx="minor">
-            <a:schemeClr val="lt1"/>
-          </a:fontRef>
-        </p:style>
-        <p:txBody>
-          <a:bodyPr rtlCol="0" anchor="ctr"/>
-          <a:lstStyle/>
-          <a:p>
-            <a:pPr algn="ctr"/>
-            <a:endParaRPr lang="ko-KR" altLang="en-US"/>
-          </a:p>
-        </p:txBody>
-      </p:sp>
-      <p:sp>
-        <p:nvSpPr>
-          <p:cNvPr id="15" name="화살표: 오른쪽 14">
-            <a:extLst>
-              <a:ext uri="{FF2B5EF4-FFF2-40B4-BE49-F238E27FC236}">
-                <a16:creationId xmlns:a16="http://schemas.microsoft.com/office/drawing/2014/main" id="{EAEB4A10-0620-097A-142F-236ED83BF7F7}"/>
-              </a:ext>
-            </a:extLst>
-          </p:cNvPr>
-          <p:cNvSpPr/>
-          <p:nvPr/>
-        </p:nvSpPr>
-        <p:spPr>
-          <a:xfrm rot="5400000">
-            <a:off x="4259481" y="3148553"/>
-            <a:ext cx="471340" cy="369332"/>
-          </a:xfrm>
-          <a:prstGeom prst="rightArrow">
-            <a:avLst/>
-          </a:prstGeom>
-        </p:spPr>
-        <p:style>
-          <a:lnRef idx="2">
-            <a:schemeClr val="accent1">
-              <a:shade val="50000"/>
-            </a:schemeClr>
-          </a:lnRef>
-          <a:fillRef idx="1">
-            <a:schemeClr val="accent1"/>
-          </a:fillRef>
-          <a:effectRef idx="0">
-            <a:schemeClr val="accent1"/>
-          </a:effectRef>
-          <a:fontRef idx="minor">
-            <a:schemeClr val="lt1"/>
-          </a:fontRef>
-        </p:style>
-        <p:txBody>
-          <a:bodyPr rtlCol="0" anchor="ctr"/>
-          <a:lstStyle/>
-          <a:p>
-            <a:pPr algn="ctr"/>
-            <a:endParaRPr lang="ko-KR" altLang="en-US"/>
-          </a:p>
-        </p:txBody>
-      </p:sp>
-      <p:sp>
-        <p:nvSpPr>
-          <p:cNvPr id="16" name="화살표: 오른쪽 15">
-            <a:extLst>
-              <a:ext uri="{FF2B5EF4-FFF2-40B4-BE49-F238E27FC236}">
-                <a16:creationId xmlns:a16="http://schemas.microsoft.com/office/drawing/2014/main" id="{DD2100C0-D276-DA1F-3AB3-D334C0DAC32F}"/>
-              </a:ext>
-            </a:extLst>
-          </p:cNvPr>
-          <p:cNvSpPr/>
-          <p:nvPr/>
-        </p:nvSpPr>
-        <p:spPr>
-          <a:xfrm rot="5400000">
-            <a:off x="1517716" y="4458817"/>
-            <a:ext cx="471340" cy="369332"/>
-          </a:xfrm>
-          <a:prstGeom prst="rightArrow">
-            <a:avLst/>
-          </a:prstGeom>
-        </p:spPr>
-        <p:style>
-          <a:lnRef idx="2">
-            <a:schemeClr val="accent1">
-              <a:shade val="50000"/>
-            </a:schemeClr>
-          </a:lnRef>
-          <a:fillRef idx="1">
-            <a:schemeClr val="accent1"/>
-          </a:fillRef>
-          <a:effectRef idx="0">
-            <a:schemeClr val="accent1"/>
-          </a:effectRef>
-          <a:fontRef idx="minor">
-            <a:schemeClr val="lt1"/>
-          </a:fontRef>
-        </p:style>
-        <p:txBody>
-          <a:bodyPr rtlCol="0" anchor="ctr"/>
-          <a:lstStyle/>
-          <a:p>
-            <a:pPr algn="ctr"/>
-            <a:endParaRPr lang="ko-KR" altLang="en-US"/>
-          </a:p>
-        </p:txBody>
-      </p:sp>
-      <p:sp>
-        <p:nvSpPr>
-          <p:cNvPr id="17" name="화살표: 오른쪽 16">
-            <a:extLst>
-              <a:ext uri="{FF2B5EF4-FFF2-40B4-BE49-F238E27FC236}">
-                <a16:creationId xmlns:a16="http://schemas.microsoft.com/office/drawing/2014/main" id="{8601BC88-F90F-B746-9211-D7E4E41C2646}"/>
-              </a:ext>
-            </a:extLst>
-          </p:cNvPr>
-          <p:cNvSpPr/>
-          <p:nvPr/>
-        </p:nvSpPr>
-        <p:spPr>
-          <a:xfrm rot="5400000">
-            <a:off x="2884124" y="4458817"/>
-            <a:ext cx="471340" cy="369332"/>
-          </a:xfrm>
-          <a:prstGeom prst="rightArrow">
-            <a:avLst/>
-          </a:prstGeom>
-        </p:spPr>
-        <p:style>
-          <a:lnRef idx="2">
-            <a:schemeClr val="accent1">
-              <a:shade val="50000"/>
-            </a:schemeClr>
-          </a:lnRef>
-          <a:fillRef idx="1">
-            <a:schemeClr val="accent1"/>
-          </a:fillRef>
-          <a:effectRef idx="0">
-            <a:schemeClr val="accent1"/>
-          </a:effectRef>
-          <a:fontRef idx="minor">
-            <a:schemeClr val="lt1"/>
-          </a:fontRef>
-        </p:style>
-        <p:txBody>
-          <a:bodyPr rtlCol="0" anchor="ctr"/>
-          <a:lstStyle/>
-          <a:p>
-            <a:pPr algn="ctr"/>
-            <a:endParaRPr lang="ko-KR" altLang="en-US"/>
-          </a:p>
-        </p:txBody>
-      </p:sp>
-      <p:sp>
-        <p:nvSpPr>
-          <p:cNvPr id="18" name="화살표: 오른쪽 17">
-            <a:extLst>
-              <a:ext uri="{FF2B5EF4-FFF2-40B4-BE49-F238E27FC236}">
-                <a16:creationId xmlns:a16="http://schemas.microsoft.com/office/drawing/2014/main" id="{C674F8B7-DA38-8548-1773-CAE9CC1F4797}"/>
-              </a:ext>
-            </a:extLst>
-          </p:cNvPr>
-          <p:cNvSpPr/>
-          <p:nvPr/>
-        </p:nvSpPr>
-        <p:spPr>
-          <a:xfrm rot="5400000">
-            <a:off x="4259481" y="4458817"/>
-            <a:ext cx="471340" cy="369332"/>
-          </a:xfrm>
-          <a:prstGeom prst="rightArrow">
-            <a:avLst/>
-          </a:prstGeom>
-          <a:solidFill>
-            <a:schemeClr val="accent2"/>
-          </a:solidFill>
-        </p:spPr>
-        <p:style>
-          <a:lnRef idx="2">
-            <a:schemeClr val="accent1">
-              <a:shade val="50000"/>
-            </a:schemeClr>
-          </a:lnRef>
-          <a:fillRef idx="1">
-            <a:schemeClr val="accent1"/>
-          </a:fillRef>
-          <a:effectRef idx="0">
-            <a:schemeClr val="accent1"/>
-          </a:effectRef>
-          <a:fontRef idx="minor">
-            <a:schemeClr val="lt1"/>
-          </a:fontRef>
-        </p:style>
-        <p:txBody>
-          <a:bodyPr rtlCol="0" anchor="ctr"/>
-          <a:lstStyle/>
-          <a:p>
-            <a:pPr algn="ctr"/>
-            <a:endParaRPr lang="ko-KR" altLang="en-US"/>
-          </a:p>
-        </p:txBody>
-      </p:sp>
-      <p:sp>
-        <p:nvSpPr>
-          <p:cNvPr id="44" name="타원 43">
-            <a:extLst>
-              <a:ext uri="{FF2B5EF4-FFF2-40B4-BE49-F238E27FC236}">
-                <a16:creationId xmlns:a16="http://schemas.microsoft.com/office/drawing/2014/main" id="{7197FFC1-05B8-C582-1435-F737F7D2FEB6}"/>
-              </a:ext>
-            </a:extLst>
-          </p:cNvPr>
-          <p:cNvSpPr/>
-          <p:nvPr/>
-        </p:nvSpPr>
-        <p:spPr>
-          <a:xfrm>
-            <a:off x="4089798" y="4947386"/>
-            <a:ext cx="810705" cy="650450"/>
-          </a:xfrm>
-          <a:prstGeom prst="ellipse">
-            <a:avLst/>
-          </a:prstGeom>
-          <a:noFill/>
-          <a:ln w="28575">
-            <a:solidFill>
-              <a:srgbClr val="FF0000"/>
-            </a:solidFill>
-          </a:ln>
-        </p:spPr>
-        <p:style>
-          <a:lnRef idx="2">
-            <a:schemeClr val="accent1">
-              <a:shade val="50000"/>
-            </a:schemeClr>
-          </a:lnRef>
-          <a:fillRef idx="1">
-            <a:schemeClr val="accent1"/>
-          </a:fillRef>
-          <a:effectRef idx="0">
-            <a:schemeClr val="accent1"/>
-          </a:effectRef>
-          <a:fontRef idx="minor">
-            <a:schemeClr val="lt1"/>
-          </a:fontRef>
-        </p:style>
-        <p:txBody>
-          <a:bodyPr rtlCol="0" anchor="ctr"/>
-          <a:lstStyle/>
-          <a:p>
-            <a:pPr algn="ctr"/>
-            <a:endParaRPr lang="ko-KR" altLang="en-US"/>
-          </a:p>
-        </p:txBody>
-      </p:sp>
-      <p:sp>
-        <p:nvSpPr>
-          <p:cNvPr id="24" name="화살표: 오른쪽 23">
-            <a:extLst>
-              <a:ext uri="{FF2B5EF4-FFF2-40B4-BE49-F238E27FC236}">
-                <a16:creationId xmlns:a16="http://schemas.microsoft.com/office/drawing/2014/main" id="{920F986C-503D-4673-9DBE-DEBAF5D8807C}"/>
-              </a:ext>
-            </a:extLst>
-          </p:cNvPr>
-          <p:cNvSpPr/>
-          <p:nvPr/>
-        </p:nvSpPr>
-        <p:spPr>
-          <a:xfrm>
-            <a:off x="2224726" y="3834180"/>
-            <a:ext cx="471340" cy="369332"/>
-          </a:xfrm>
-          <a:prstGeom prst="rightArrow">
-            <a:avLst/>
-          </a:prstGeom>
-        </p:spPr>
-        <p:style>
-          <a:lnRef idx="2">
-            <a:schemeClr val="accent1">
-              <a:shade val="50000"/>
-            </a:schemeClr>
-          </a:lnRef>
-          <a:fillRef idx="1">
-            <a:schemeClr val="accent1"/>
-          </a:fillRef>
-          <a:effectRef idx="0">
-            <a:schemeClr val="accent1"/>
-          </a:effectRef>
-          <a:fontRef idx="minor">
-            <a:schemeClr val="lt1"/>
-          </a:fontRef>
-        </p:style>
-        <p:txBody>
-          <a:bodyPr rtlCol="0" anchor="ctr"/>
-          <a:lstStyle/>
-          <a:p>
-            <a:pPr algn="ctr"/>
-            <a:endParaRPr lang="ko-KR" altLang="en-US"/>
-          </a:p>
-        </p:txBody>
-      </p:sp>
-      <p:sp>
-        <p:nvSpPr>
-          <p:cNvPr id="25" name="화살표: 오른쪽 24">
-            <a:extLst>
-              <a:ext uri="{FF2B5EF4-FFF2-40B4-BE49-F238E27FC236}">
-                <a16:creationId xmlns:a16="http://schemas.microsoft.com/office/drawing/2014/main" id="{994B3A87-FED3-4F94-AA99-CC0DC2B827BE}"/>
-              </a:ext>
-            </a:extLst>
-          </p:cNvPr>
-          <p:cNvSpPr/>
-          <p:nvPr/>
-        </p:nvSpPr>
-        <p:spPr>
-          <a:xfrm rot="5400000">
-            <a:off x="2884124" y="3148553"/>
-            <a:ext cx="471340" cy="369332"/>
-          </a:xfrm>
-          <a:prstGeom prst="rightArrow">
-            <a:avLst/>
-          </a:prstGeom>
-        </p:spPr>
-        <p:style>
-          <a:lnRef idx="2">
-            <a:schemeClr val="accent1">
-              <a:shade val="50000"/>
-            </a:schemeClr>
-          </a:lnRef>
-          <a:fillRef idx="1">
-            <a:schemeClr val="accent1"/>
-          </a:fillRef>
-          <a:effectRef idx="0">
-            <a:schemeClr val="accent1"/>
-          </a:effectRef>
-          <a:fontRef idx="minor">
-            <a:schemeClr val="lt1"/>
-          </a:fontRef>
-        </p:style>
-        <p:txBody>
-          <a:bodyPr rtlCol="0" anchor="ctr"/>
-          <a:lstStyle/>
-          <a:p>
-            <a:pPr algn="ctr"/>
-            <a:endParaRPr lang="ko-KR" altLang="en-US"/>
-          </a:p>
-        </p:txBody>
-      </p:sp>
       <p:sp>
         <p:nvSpPr>
           <p:cNvPr id="26" name="TextBox 25">
@@ -14276,6 +13410,379 @@
                 <a:ea typeface="나눔스퀘어 Light" panose="020B0600000101010101" pitchFamily="50" charset="-127"/>
               </a:rPr>
               <a:t>에 도달하는 광석 최대 개수 중 더 큰 값이겠네요</a:t>
+            </a:r>
+            <a:r>
+              <a:rPr lang="en-US" altLang="ko-KR" dirty="0">
+                <a:latin typeface="나눔스퀘어 Light" panose="020B0600000101010101" pitchFamily="50" charset="-127"/>
+                <a:ea typeface="나눔스퀘어 Light" panose="020B0600000101010101" pitchFamily="50" charset="-127"/>
+              </a:rPr>
+              <a:t>.</a:t>
+            </a:r>
+            <a:endParaRPr lang="ko-KR" altLang="en-US" dirty="0">
+              <a:latin typeface="나눔스퀘어 Light" panose="020B0600000101010101" pitchFamily="50" charset="-127"/>
+              <a:ea typeface="나눔스퀘어 Light" panose="020B0600000101010101" pitchFamily="50" charset="-127"/>
+            </a:endParaRPr>
+          </a:p>
+        </p:txBody>
+      </p:sp>
+      <p:sp>
+        <p:nvSpPr>
+          <p:cNvPr id="2" name="TextBox 1">
+            <a:extLst>
+              <a:ext uri="{FF2B5EF4-FFF2-40B4-BE49-F238E27FC236}">
+                <a16:creationId xmlns:a16="http://schemas.microsoft.com/office/drawing/2014/main" id="{72714FC5-F222-944A-70D0-3836F4593DE4}"/>
+              </a:ext>
+            </a:extLst>
+          </p:cNvPr>
+          <p:cNvSpPr txBox="1"/>
+          <p:nvPr/>
+        </p:nvSpPr>
+        <p:spPr>
+          <a:xfrm>
+            <a:off x="942387" y="1928688"/>
+            <a:ext cx="10313217" cy="369332"/>
+          </a:xfrm>
+          <a:prstGeom prst="rect">
+            <a:avLst/>
+          </a:prstGeom>
+          <a:noFill/>
+        </p:spPr>
+        <p:txBody>
+          <a:bodyPr wrap="square" rtlCol="0">
+            <a:spAutoFit/>
+          </a:bodyPr>
+          <a:lstStyle/>
+          <a:p>
+            <a:r>
+              <a:rPr lang="ko-KR" altLang="en-US" dirty="0">
+                <a:latin typeface="나눔스퀘어 Light" panose="020B0600000101010101" pitchFamily="50" charset="-127"/>
+                <a:ea typeface="나눔스퀘어 Light" panose="020B0600000101010101" pitchFamily="50" charset="-127"/>
+              </a:rPr>
+              <a:t>여기에 현재 좌표</a:t>
+            </a:r>
+            <a:r>
+              <a:rPr lang="en-US" altLang="ko-KR" dirty="0">
+                <a:latin typeface="나눔스퀘어 Light" panose="020B0600000101010101" pitchFamily="50" charset="-127"/>
+                <a:ea typeface="나눔스퀘어 Light" panose="020B0600000101010101" pitchFamily="50" charset="-127"/>
+              </a:rPr>
+              <a:t>(x, y)</a:t>
+            </a:r>
+            <a:r>
+              <a:rPr lang="ko-KR" altLang="en-US" dirty="0">
+                <a:latin typeface="나눔스퀘어 Light" panose="020B0600000101010101" pitchFamily="50" charset="-127"/>
+                <a:ea typeface="나눔스퀘어 Light" panose="020B0600000101010101" pitchFamily="50" charset="-127"/>
+              </a:rPr>
+              <a:t>에 있는 광석을 더해 </a:t>
+            </a:r>
+            <a:r>
+              <a:rPr lang="en-US" altLang="ko-KR" dirty="0">
+                <a:latin typeface="나눔스퀘어 Light" panose="020B0600000101010101" pitchFamily="50" charset="-127"/>
+                <a:ea typeface="나눔스퀘어 Light" panose="020B0600000101010101" pitchFamily="50" charset="-127"/>
+              </a:rPr>
+              <a:t>(x, y)</a:t>
+            </a:r>
+            <a:r>
+              <a:rPr lang="ko-KR" altLang="en-US" dirty="0">
+                <a:latin typeface="나눔스퀘어 Light" panose="020B0600000101010101" pitchFamily="50" charset="-127"/>
+                <a:ea typeface="나눔스퀘어 Light" panose="020B0600000101010101" pitchFamily="50" charset="-127"/>
+              </a:rPr>
+              <a:t>에 도달하는 최대 광석을 구할 수 있습니다</a:t>
+            </a:r>
+            <a:r>
+              <a:rPr lang="en-US" altLang="ko-KR" dirty="0">
+                <a:latin typeface="나눔스퀘어 Light" panose="020B0600000101010101" pitchFamily="50" charset="-127"/>
+                <a:ea typeface="나눔스퀘어 Light" panose="020B0600000101010101" pitchFamily="50" charset="-127"/>
+              </a:rPr>
+              <a:t>.</a:t>
+            </a:r>
+            <a:endParaRPr lang="ko-KR" altLang="en-US" dirty="0">
+              <a:latin typeface="나눔스퀘어 Light" panose="020B0600000101010101" pitchFamily="50" charset="-127"/>
+              <a:ea typeface="나눔스퀘어 Light" panose="020B0600000101010101" pitchFamily="50" charset="-127"/>
+            </a:endParaRPr>
+          </a:p>
+        </p:txBody>
+      </p:sp>
+      <p:sp>
+        <p:nvSpPr>
+          <p:cNvPr id="9" name="TextBox 8">
+            <a:extLst>
+              <a:ext uri="{FF2B5EF4-FFF2-40B4-BE49-F238E27FC236}">
+                <a16:creationId xmlns:a16="http://schemas.microsoft.com/office/drawing/2014/main" id="{6C8AE6F7-9881-E9B2-70C7-D3B576789948}"/>
+              </a:ext>
+            </a:extLst>
+          </p:cNvPr>
+          <p:cNvSpPr txBox="1"/>
+          <p:nvPr/>
+        </p:nvSpPr>
+        <p:spPr>
+          <a:xfrm>
+            <a:off x="6003636" y="3059668"/>
+            <a:ext cx="5251968" cy="369332"/>
+          </a:xfrm>
+          <a:prstGeom prst="rect">
+            <a:avLst/>
+          </a:prstGeom>
+          <a:noFill/>
+        </p:spPr>
+        <p:txBody>
+          <a:bodyPr wrap="square" rtlCol="0">
+            <a:spAutoFit/>
+          </a:bodyPr>
+          <a:lstStyle/>
+          <a:p>
+            <a:r>
+              <a:rPr lang="ko-KR" altLang="en-US" dirty="0">
+                <a:latin typeface="나눔스퀘어 Light" panose="020B0600000101010101" pitchFamily="50" charset="-127"/>
+                <a:ea typeface="나눔스퀘어 Light" panose="020B0600000101010101" pitchFamily="50" charset="-127"/>
+              </a:rPr>
+              <a:t>위의 규칙을 재귀 함수로 구현했고</a:t>
+            </a:r>
+            <a:r>
+              <a:rPr lang="en-US" altLang="ko-KR" dirty="0">
+                <a:latin typeface="나눔스퀘어 Light" panose="020B0600000101010101" pitchFamily="50" charset="-127"/>
+                <a:ea typeface="나눔스퀘어 Light" panose="020B0600000101010101" pitchFamily="50" charset="-127"/>
+              </a:rPr>
+              <a:t>,</a:t>
+            </a:r>
+            <a:endParaRPr lang="ko-KR" altLang="en-US" dirty="0">
+              <a:latin typeface="나눔스퀘어 Light" panose="020B0600000101010101" pitchFamily="50" charset="-127"/>
+              <a:ea typeface="나눔스퀘어 Light" panose="020B0600000101010101" pitchFamily="50" charset="-127"/>
+            </a:endParaRPr>
+          </a:p>
+        </p:txBody>
+      </p:sp>
+      <p:pic>
+        <p:nvPicPr>
+          <p:cNvPr id="19" name="그림 18">
+            <a:extLst>
+              <a:ext uri="{FF2B5EF4-FFF2-40B4-BE49-F238E27FC236}">
+                <a16:creationId xmlns:a16="http://schemas.microsoft.com/office/drawing/2014/main" id="{44D5AA37-8688-4BC7-B222-EBDDF665A845}"/>
+              </a:ext>
+            </a:extLst>
+          </p:cNvPr>
+          <p:cNvPicPr>
+            <a:picLocks noChangeAspect="1"/>
+          </p:cNvPicPr>
+          <p:nvPr/>
+        </p:nvPicPr>
+        <p:blipFill>
+          <a:blip r:embed="rId2"/>
+          <a:stretch>
+            <a:fillRect/>
+          </a:stretch>
+        </p:blipFill>
+        <p:spPr>
+          <a:xfrm>
+            <a:off x="936396" y="2595426"/>
+            <a:ext cx="4884916" cy="3840014"/>
+          </a:xfrm>
+          <a:prstGeom prst="rect">
+            <a:avLst/>
+          </a:prstGeom>
+        </p:spPr>
+      </p:pic>
+      <p:sp>
+        <p:nvSpPr>
+          <p:cNvPr id="20" name="TextBox 19">
+            <a:extLst>
+              <a:ext uri="{FF2B5EF4-FFF2-40B4-BE49-F238E27FC236}">
+                <a16:creationId xmlns:a16="http://schemas.microsoft.com/office/drawing/2014/main" id="{39472F64-3B98-C85A-4DAE-072B55479CB8}"/>
+              </a:ext>
+            </a:extLst>
+          </p:cNvPr>
+          <p:cNvSpPr txBox="1"/>
+          <p:nvPr/>
+        </p:nvSpPr>
+        <p:spPr>
+          <a:xfrm>
+            <a:off x="6003636" y="3429000"/>
+            <a:ext cx="5251968" cy="369332"/>
+          </a:xfrm>
+          <a:prstGeom prst="rect">
+            <a:avLst/>
+          </a:prstGeom>
+          <a:noFill/>
+        </p:spPr>
+        <p:txBody>
+          <a:bodyPr wrap="square" rtlCol="0">
+            <a:spAutoFit/>
+          </a:bodyPr>
+          <a:lstStyle/>
+          <a:p>
+            <a:r>
+              <a:rPr lang="ko-KR" altLang="en-US" dirty="0">
+                <a:latin typeface="나눔스퀘어 Light" panose="020B0600000101010101" pitchFamily="50" charset="-127"/>
+                <a:ea typeface="나눔스퀘어 Light" panose="020B0600000101010101" pitchFamily="50" charset="-127"/>
+              </a:rPr>
+              <a:t>이를 통해 예제의 답을 구하는 것도 확인할 수 있습니다</a:t>
+            </a:r>
+            <a:r>
+              <a:rPr lang="en-US" altLang="ko-KR" dirty="0">
+                <a:latin typeface="나눔스퀘어 Light" panose="020B0600000101010101" pitchFamily="50" charset="-127"/>
+                <a:ea typeface="나눔스퀘어 Light" panose="020B0600000101010101" pitchFamily="50" charset="-127"/>
+              </a:rPr>
+              <a:t>.</a:t>
+            </a:r>
+            <a:endParaRPr lang="ko-KR" altLang="en-US" dirty="0">
+              <a:latin typeface="나눔스퀘어 Light" panose="020B0600000101010101" pitchFamily="50" charset="-127"/>
+              <a:ea typeface="나눔스퀘어 Light" panose="020B0600000101010101" pitchFamily="50" charset="-127"/>
+            </a:endParaRPr>
+          </a:p>
+        </p:txBody>
+      </p:sp>
+      <p:sp>
+        <p:nvSpPr>
+          <p:cNvPr id="21" name="TextBox 20">
+            <a:extLst>
+              <a:ext uri="{FF2B5EF4-FFF2-40B4-BE49-F238E27FC236}">
+                <a16:creationId xmlns:a16="http://schemas.microsoft.com/office/drawing/2014/main" id="{810197F4-2E13-74F9-7B8C-A564FBAFC5E8}"/>
+              </a:ext>
+            </a:extLst>
+          </p:cNvPr>
+          <p:cNvSpPr txBox="1"/>
+          <p:nvPr/>
+        </p:nvSpPr>
+        <p:spPr>
+          <a:xfrm>
+            <a:off x="6003636" y="4330767"/>
+            <a:ext cx="5251968" cy="369332"/>
+          </a:xfrm>
+          <a:prstGeom prst="rect">
+            <a:avLst/>
+          </a:prstGeom>
+          <a:noFill/>
+        </p:spPr>
+        <p:txBody>
+          <a:bodyPr wrap="square" rtlCol="0">
+            <a:spAutoFit/>
+          </a:bodyPr>
+          <a:lstStyle/>
+          <a:p>
+            <a:r>
+              <a:rPr lang="ko-KR" altLang="en-US" dirty="0">
+                <a:latin typeface="나눔스퀘어 Light" panose="020B0600000101010101" pitchFamily="50" charset="-127"/>
+                <a:ea typeface="나눔스퀘어 Light" panose="020B0600000101010101" pitchFamily="50" charset="-127"/>
+              </a:rPr>
+              <a:t>헌데</a:t>
+            </a:r>
+            <a:r>
+              <a:rPr lang="en-US" altLang="ko-KR" dirty="0">
+                <a:latin typeface="나눔스퀘어 Light" panose="020B0600000101010101" pitchFamily="50" charset="-127"/>
+                <a:ea typeface="나눔스퀘어 Light" panose="020B0600000101010101" pitchFamily="50" charset="-127"/>
+              </a:rPr>
+              <a:t>, </a:t>
+            </a:r>
+            <a:r>
+              <a:rPr lang="ko-KR" altLang="en-US" dirty="0">
+                <a:latin typeface="나눔스퀘어 Light" panose="020B0600000101010101" pitchFamily="50" charset="-127"/>
+                <a:ea typeface="나눔스퀘어 Light" panose="020B0600000101010101" pitchFamily="50" charset="-127"/>
+              </a:rPr>
+              <a:t>이 코드는 답은 제대로 나오지만</a:t>
+            </a:r>
+            <a:r>
+              <a:rPr lang="en-US" altLang="ko-KR" dirty="0">
+                <a:latin typeface="나눔스퀘어 Light" panose="020B0600000101010101" pitchFamily="50" charset="-127"/>
+                <a:ea typeface="나눔스퀘어 Light" panose="020B0600000101010101" pitchFamily="50" charset="-127"/>
+              </a:rPr>
+              <a:t>,</a:t>
+            </a:r>
+            <a:endParaRPr lang="ko-KR" altLang="en-US" dirty="0">
+              <a:latin typeface="나눔스퀘어 Light" panose="020B0600000101010101" pitchFamily="50" charset="-127"/>
+              <a:ea typeface="나눔스퀘어 Light" panose="020B0600000101010101" pitchFamily="50" charset="-127"/>
+            </a:endParaRPr>
+          </a:p>
+        </p:txBody>
+      </p:sp>
+      <p:sp>
+        <p:nvSpPr>
+          <p:cNvPr id="22" name="TextBox 21">
+            <a:extLst>
+              <a:ext uri="{FF2B5EF4-FFF2-40B4-BE49-F238E27FC236}">
+                <a16:creationId xmlns:a16="http://schemas.microsoft.com/office/drawing/2014/main" id="{E27E05E3-1D11-5BCE-1430-6365F850B128}"/>
+              </a:ext>
+            </a:extLst>
+          </p:cNvPr>
+          <p:cNvSpPr txBox="1"/>
+          <p:nvPr/>
+        </p:nvSpPr>
+        <p:spPr>
+          <a:xfrm>
+            <a:off x="6003636" y="5069431"/>
+            <a:ext cx="5251968" cy="369332"/>
+          </a:xfrm>
+          <a:prstGeom prst="rect">
+            <a:avLst/>
+          </a:prstGeom>
+          <a:noFill/>
+        </p:spPr>
+        <p:txBody>
+          <a:bodyPr wrap="square" rtlCol="0">
+            <a:spAutoFit/>
+          </a:bodyPr>
+          <a:lstStyle/>
+          <a:p>
+            <a:r>
+              <a:rPr lang="en-US" altLang="ko-KR" dirty="0">
+                <a:latin typeface="나눔스퀘어 Light" panose="020B0600000101010101" pitchFamily="50" charset="-127"/>
+                <a:ea typeface="나눔스퀘어 Light" panose="020B0600000101010101" pitchFamily="50" charset="-127"/>
+              </a:rPr>
+              <a:t>(</a:t>
+            </a:r>
+            <a:r>
+              <a:rPr lang="ko-KR" altLang="en-US" dirty="0">
+                <a:latin typeface="나눔스퀘어 Light" panose="020B0600000101010101" pitchFamily="50" charset="-127"/>
+                <a:ea typeface="나눔스퀘어 Light" panose="020B0600000101010101" pitchFamily="50" charset="-127"/>
+              </a:rPr>
+              <a:t>어떤 문제일지 한번 예상해 보세요</a:t>
+            </a:r>
+            <a:r>
+              <a:rPr lang="en-US" altLang="ko-KR" dirty="0">
+                <a:latin typeface="나눔스퀘어 Light" panose="020B0600000101010101" pitchFamily="50" charset="-127"/>
+                <a:ea typeface="나눔스퀘어 Light" panose="020B0600000101010101" pitchFamily="50" charset="-127"/>
+              </a:rPr>
+              <a:t>.)</a:t>
+            </a:r>
+            <a:endParaRPr lang="ko-KR" altLang="en-US" dirty="0">
+              <a:latin typeface="나눔스퀘어 Light" panose="020B0600000101010101" pitchFamily="50" charset="-127"/>
+              <a:ea typeface="나눔스퀘어 Light" panose="020B0600000101010101" pitchFamily="50" charset="-127"/>
+            </a:endParaRPr>
+          </a:p>
+        </p:txBody>
+      </p:sp>
+      <p:sp>
+        <p:nvSpPr>
+          <p:cNvPr id="23" name="TextBox 22">
+            <a:extLst>
+              <a:ext uri="{FF2B5EF4-FFF2-40B4-BE49-F238E27FC236}">
+                <a16:creationId xmlns:a16="http://schemas.microsoft.com/office/drawing/2014/main" id="{05C367B4-5552-E521-854E-45C4A0901802}"/>
+              </a:ext>
+            </a:extLst>
+          </p:cNvPr>
+          <p:cNvSpPr txBox="1"/>
+          <p:nvPr/>
+        </p:nvSpPr>
+        <p:spPr>
+          <a:xfrm>
+            <a:off x="6003636" y="4700099"/>
+            <a:ext cx="5251968" cy="369332"/>
+          </a:xfrm>
+          <a:prstGeom prst="rect">
+            <a:avLst/>
+          </a:prstGeom>
+          <a:noFill/>
+        </p:spPr>
+        <p:txBody>
+          <a:bodyPr wrap="square" rtlCol="0">
+            <a:spAutoFit/>
+          </a:bodyPr>
+          <a:lstStyle/>
+          <a:p>
+            <a:r>
+              <a:rPr lang="ko-KR" altLang="en-US" dirty="0">
+                <a:latin typeface="나눔스퀘어 Light" panose="020B0600000101010101" pitchFamily="50" charset="-127"/>
+                <a:ea typeface="나눔스퀘어 Light" panose="020B0600000101010101" pitchFamily="50" charset="-127"/>
+              </a:rPr>
+              <a:t>문제가 하나 있습니다</a:t>
             </a:r>
             <a:r>
               <a:rPr lang="en-US" altLang="ko-KR" dirty="0">
@@ -14398,24 +13905,62 @@
                 <a:latin typeface="나눔스퀘어 Bold" panose="020B0600000101010101" pitchFamily="50" charset="-127"/>
                 <a:ea typeface="나눔스퀘어 Bold" panose="020B0600000101010101" pitchFamily="50" charset="-127"/>
               </a:rPr>
-              <a:t>Dynamic Programming – 14916 </a:t>
+              <a:t>Dynamic Programming – 14430 </a:t>
             </a:r>
             <a:r>
               <a:rPr lang="ko-KR" altLang="en-US" sz="2800" dirty="0">
                 <a:latin typeface="나눔스퀘어 Bold" panose="020B0600000101010101" pitchFamily="50" charset="-127"/>
                 <a:ea typeface="나눔스퀘어 Bold" panose="020B0600000101010101" pitchFamily="50" charset="-127"/>
               </a:rPr>
-              <a:t>거스름돈</a:t>
+              <a:t>자원 캐기</a:t>
+            </a:r>
+          </a:p>
+        </p:txBody>
+      </p:sp>
+      <p:sp>
+        <p:nvSpPr>
+          <p:cNvPr id="9" name="TextBox 8">
+            <a:extLst>
+              <a:ext uri="{FF2B5EF4-FFF2-40B4-BE49-F238E27FC236}">
+                <a16:creationId xmlns:a16="http://schemas.microsoft.com/office/drawing/2014/main" id="{6C8AE6F7-9881-E9B2-70C7-D3B576789948}"/>
+              </a:ext>
+            </a:extLst>
+          </p:cNvPr>
+          <p:cNvSpPr txBox="1"/>
+          <p:nvPr/>
+        </p:nvSpPr>
+        <p:spPr>
+          <a:xfrm>
+            <a:off x="6003636" y="1190024"/>
+            <a:ext cx="5251968" cy="369332"/>
+          </a:xfrm>
+          <a:prstGeom prst="rect">
+            <a:avLst/>
+          </a:prstGeom>
+          <a:noFill/>
+        </p:spPr>
+        <p:txBody>
+          <a:bodyPr wrap="square" rtlCol="0">
+            <a:spAutoFit/>
+          </a:bodyPr>
+          <a:lstStyle/>
+          <a:p>
+            <a:r>
+              <a:rPr lang="ko-KR" altLang="en-US" dirty="0">
+                <a:latin typeface="나눔스퀘어 Light" panose="020B0600000101010101" pitchFamily="50" charset="-127"/>
+                <a:ea typeface="나눔스퀘어 Light" panose="020B0600000101010101" pitchFamily="50" charset="-127"/>
+              </a:rPr>
+              <a:t>재귀적으로 전 항을 호출하는 것은</a:t>
             </a:r>
           </a:p>
         </p:txBody>
       </p:sp>
       <p:pic>
         <p:nvPicPr>
-          <p:cNvPr id="3" name="그림 2">
-            <a:extLst>
-              <a:ext uri="{FF2B5EF4-FFF2-40B4-BE49-F238E27FC236}">
-                <a16:creationId xmlns:a16="http://schemas.microsoft.com/office/drawing/2014/main" id="{AFD233B6-4CE0-4B26-7BD7-0C2D24025EA1}"/>
+          <p:cNvPr id="19" name="그림 18">
+            <a:extLst>
+              <a:ext uri="{FF2B5EF4-FFF2-40B4-BE49-F238E27FC236}">
+                <a16:creationId xmlns:a16="http://schemas.microsoft.com/office/drawing/2014/main" id="{44D5AA37-8688-4BC7-B222-EBDDF665A845}"/>
               </a:ext>
             </a:extLst>
           </p:cNvPr>
@@ -14424,26 +13969,869 @@
           </p:cNvPicPr>
           <p:nvPr/>
         </p:nvPicPr>
+        <p:blipFill rotWithShape="1">
+          <a:blip r:embed="rId2"/>
+          <a:srcRect t="33193"/>
+          <a:stretch/>
+        </p:blipFill>
+        <p:spPr>
+          <a:xfrm>
+            <a:off x="936396" y="1190024"/>
+            <a:ext cx="4884916" cy="2565403"/>
+          </a:xfrm>
+          <a:prstGeom prst="rect">
+            <a:avLst/>
+          </a:prstGeom>
+        </p:spPr>
+      </p:pic>
+      <p:sp>
+        <p:nvSpPr>
+          <p:cNvPr id="20" name="TextBox 19">
+            <a:extLst>
+              <a:ext uri="{FF2B5EF4-FFF2-40B4-BE49-F238E27FC236}">
+                <a16:creationId xmlns:a16="http://schemas.microsoft.com/office/drawing/2014/main" id="{39472F64-3B98-C85A-4DAE-072B55479CB8}"/>
+              </a:ext>
+            </a:extLst>
+          </p:cNvPr>
+          <p:cNvSpPr txBox="1"/>
+          <p:nvPr/>
+        </p:nvSpPr>
+        <p:spPr>
+          <a:xfrm>
+            <a:off x="6003636" y="1559356"/>
+            <a:ext cx="5251968" cy="369332"/>
+          </a:xfrm>
+          <a:prstGeom prst="rect">
+            <a:avLst/>
+          </a:prstGeom>
+          <a:noFill/>
+        </p:spPr>
+        <p:txBody>
+          <a:bodyPr wrap="square" rtlCol="0">
+            <a:spAutoFit/>
+          </a:bodyPr>
+          <a:lstStyle/>
+          <a:p>
+            <a:r>
+              <a:rPr lang="ko-KR" altLang="en-US" dirty="0">
+                <a:latin typeface="나눔스퀘어 Light" panose="020B0600000101010101" pitchFamily="50" charset="-127"/>
+                <a:ea typeface="나눔스퀘어 Light" panose="020B0600000101010101" pitchFamily="50" charset="-127"/>
+              </a:rPr>
+              <a:t>피보나치 수열을 재귀적으로 구하는 코드와</a:t>
+            </a:r>
+          </a:p>
+        </p:txBody>
+      </p:sp>
+      <p:sp>
+        <p:nvSpPr>
+          <p:cNvPr id="8" name="직사각형 7">
+            <a:extLst>
+              <a:ext uri="{FF2B5EF4-FFF2-40B4-BE49-F238E27FC236}">
+                <a16:creationId xmlns:a16="http://schemas.microsoft.com/office/drawing/2014/main" id="{B53612C5-03DF-5E7C-671C-325D1E7DDC3C}"/>
+              </a:ext>
+            </a:extLst>
+          </p:cNvPr>
+          <p:cNvSpPr/>
+          <p:nvPr/>
+        </p:nvSpPr>
+        <p:spPr>
+          <a:xfrm>
+            <a:off x="2225964" y="2179782"/>
+            <a:ext cx="1440872" cy="240145"/>
+          </a:xfrm>
+          <a:prstGeom prst="rect">
+            <a:avLst/>
+          </a:prstGeom>
+          <a:noFill/>
+          <a:ln w="28575">
+            <a:solidFill>
+              <a:srgbClr val="FF0000"/>
+            </a:solidFill>
+          </a:ln>
+        </p:spPr>
+        <p:style>
+          <a:lnRef idx="2">
+            <a:schemeClr val="accent1">
+              <a:shade val="50000"/>
+            </a:schemeClr>
+          </a:lnRef>
+          <a:fillRef idx="1">
+            <a:schemeClr val="accent1"/>
+          </a:fillRef>
+          <a:effectRef idx="0">
+            <a:schemeClr val="accent1"/>
+          </a:effectRef>
+          <a:fontRef idx="minor">
+            <a:schemeClr val="lt1"/>
+          </a:fontRef>
+        </p:style>
+        <p:txBody>
+          <a:bodyPr rtlCol="0" anchor="ctr"/>
+          <a:lstStyle/>
+          <a:p>
+            <a:pPr algn="ctr"/>
+            <a:endParaRPr lang="ko-KR" altLang="en-US"/>
+          </a:p>
+        </p:txBody>
+      </p:sp>
+      <p:sp>
+        <p:nvSpPr>
+          <p:cNvPr id="10" name="직사각형 9">
+            <a:extLst>
+              <a:ext uri="{FF2B5EF4-FFF2-40B4-BE49-F238E27FC236}">
+                <a16:creationId xmlns:a16="http://schemas.microsoft.com/office/drawing/2014/main" id="{330F24BA-8C4F-F167-5292-8B2FC26E4074}"/>
+              </a:ext>
+            </a:extLst>
+          </p:cNvPr>
+          <p:cNvSpPr/>
+          <p:nvPr/>
+        </p:nvSpPr>
+        <p:spPr>
+          <a:xfrm>
+            <a:off x="2438400" y="2939595"/>
+            <a:ext cx="1440872" cy="240145"/>
+          </a:xfrm>
+          <a:prstGeom prst="rect">
+            <a:avLst/>
+          </a:prstGeom>
+          <a:noFill/>
+          <a:ln w="28575">
+            <a:solidFill>
+              <a:srgbClr val="FF0000"/>
+            </a:solidFill>
+          </a:ln>
+        </p:spPr>
+        <p:style>
+          <a:lnRef idx="2">
+            <a:schemeClr val="accent1">
+              <a:shade val="50000"/>
+            </a:schemeClr>
+          </a:lnRef>
+          <a:fillRef idx="1">
+            <a:schemeClr val="accent1"/>
+          </a:fillRef>
+          <a:effectRef idx="0">
+            <a:schemeClr val="accent1"/>
+          </a:effectRef>
+          <a:fontRef idx="minor">
+            <a:schemeClr val="lt1"/>
+          </a:fontRef>
+        </p:style>
+        <p:txBody>
+          <a:bodyPr rtlCol="0" anchor="ctr"/>
+          <a:lstStyle/>
+          <a:p>
+            <a:pPr algn="ctr"/>
+            <a:endParaRPr lang="ko-KR" altLang="en-US"/>
+          </a:p>
+        </p:txBody>
+      </p:sp>
+      <p:sp>
+        <p:nvSpPr>
+          <p:cNvPr id="11" name="TextBox 10">
+            <a:extLst>
+              <a:ext uri="{FF2B5EF4-FFF2-40B4-BE49-F238E27FC236}">
+                <a16:creationId xmlns:a16="http://schemas.microsoft.com/office/drawing/2014/main" id="{7E8B1AD6-5014-69F1-3C75-5A85601A3B70}"/>
+              </a:ext>
+            </a:extLst>
+          </p:cNvPr>
+          <p:cNvSpPr txBox="1"/>
+          <p:nvPr/>
+        </p:nvSpPr>
+        <p:spPr>
+          <a:xfrm>
+            <a:off x="6003636" y="1928688"/>
+            <a:ext cx="5251968" cy="369332"/>
+          </a:xfrm>
+          <a:prstGeom prst="rect">
+            <a:avLst/>
+          </a:prstGeom>
+          <a:noFill/>
+        </p:spPr>
+        <p:txBody>
+          <a:bodyPr wrap="square" rtlCol="0">
+            <a:spAutoFit/>
+          </a:bodyPr>
+          <a:lstStyle/>
+          <a:p>
+            <a:r>
+              <a:rPr lang="ko-KR" altLang="en-US" dirty="0">
+                <a:latin typeface="나눔스퀘어 Light" panose="020B0600000101010101" pitchFamily="50" charset="-127"/>
+                <a:ea typeface="나눔스퀘어 Light" panose="020B0600000101010101" pitchFamily="50" charset="-127"/>
+              </a:rPr>
+              <a:t>비슷해 보입니다</a:t>
+            </a:r>
+            <a:r>
+              <a:rPr lang="en-US" altLang="ko-KR" dirty="0">
+                <a:latin typeface="나눔스퀘어 Light" panose="020B0600000101010101" pitchFamily="50" charset="-127"/>
+                <a:ea typeface="나눔스퀘어 Light" panose="020B0600000101010101" pitchFamily="50" charset="-127"/>
+              </a:rPr>
+              <a:t>.</a:t>
+            </a:r>
+            <a:endParaRPr lang="ko-KR" altLang="en-US" dirty="0">
+              <a:latin typeface="나눔스퀘어 Light" panose="020B0600000101010101" pitchFamily="50" charset="-127"/>
+              <a:ea typeface="나눔스퀘어 Light" panose="020B0600000101010101" pitchFamily="50" charset="-127"/>
+            </a:endParaRPr>
+          </a:p>
+        </p:txBody>
+      </p:sp>
+      <p:pic>
+        <p:nvPicPr>
+          <p:cNvPr id="13" name="그림 12">
+            <a:extLst>
+              <a:ext uri="{FF2B5EF4-FFF2-40B4-BE49-F238E27FC236}">
+                <a16:creationId xmlns:a16="http://schemas.microsoft.com/office/drawing/2014/main" id="{7AC3FDBE-D3BC-1805-1841-845EA3432B3F}"/>
+              </a:ext>
+            </a:extLst>
+          </p:cNvPr>
+          <p:cNvPicPr>
+            <a:picLocks noChangeAspect="1"/>
+          </p:cNvPicPr>
+          <p:nvPr/>
+        </p:nvPicPr>
         <p:blipFill>
-          <a:blip r:embed="rId2"/>
+          <a:blip r:embed="rId3"/>
           <a:stretch>
             <a:fillRect/>
           </a:stretch>
         </p:blipFill>
         <p:spPr>
           <a:xfrm>
-            <a:off x="331694" y="963268"/>
-            <a:ext cx="9247400" cy="5894731"/>
+            <a:off x="942387" y="4169498"/>
+            <a:ext cx="4878926" cy="2271223"/>
           </a:xfrm>
           <a:prstGeom prst="rect">
             <a:avLst/>
           </a:prstGeom>
         </p:spPr>
       </p:pic>
+      <p:sp>
+        <p:nvSpPr>
+          <p:cNvPr id="14" name="직사각형 13">
+            <a:extLst>
+              <a:ext uri="{FF2B5EF4-FFF2-40B4-BE49-F238E27FC236}">
+                <a16:creationId xmlns:a16="http://schemas.microsoft.com/office/drawing/2014/main" id="{432A1915-94AB-7829-F982-8B348F8480C0}"/>
+              </a:ext>
+            </a:extLst>
+          </p:cNvPr>
+          <p:cNvSpPr/>
+          <p:nvPr/>
+        </p:nvSpPr>
+        <p:spPr>
+          <a:xfrm>
+            <a:off x="2365042" y="5751254"/>
+            <a:ext cx="1514230" cy="344746"/>
+          </a:xfrm>
+          <a:prstGeom prst="rect">
+            <a:avLst/>
+          </a:prstGeom>
+          <a:noFill/>
+          <a:ln w="28575">
+            <a:solidFill>
+              <a:srgbClr val="FF0000"/>
+            </a:solidFill>
+          </a:ln>
+        </p:spPr>
+        <p:style>
+          <a:lnRef idx="2">
+            <a:schemeClr val="accent1">
+              <a:shade val="50000"/>
+            </a:schemeClr>
+          </a:lnRef>
+          <a:fillRef idx="1">
+            <a:schemeClr val="accent1"/>
+          </a:fillRef>
+          <a:effectRef idx="0">
+            <a:schemeClr val="accent1"/>
+          </a:effectRef>
+          <a:fontRef idx="minor">
+            <a:schemeClr val="lt1"/>
+          </a:fontRef>
+        </p:style>
+        <p:txBody>
+          <a:bodyPr rtlCol="0" anchor="ctr"/>
+          <a:lstStyle/>
+          <a:p>
+            <a:pPr algn="ctr"/>
+            <a:endParaRPr lang="ko-KR" altLang="en-US"/>
+          </a:p>
+        </p:txBody>
+      </p:sp>
+      <p:sp>
+        <p:nvSpPr>
+          <p:cNvPr id="15" name="직사각형 14">
+            <a:extLst>
+              <a:ext uri="{FF2B5EF4-FFF2-40B4-BE49-F238E27FC236}">
+                <a16:creationId xmlns:a16="http://schemas.microsoft.com/office/drawing/2014/main" id="{B1FB3681-EA35-4E04-39E4-5A38BC41F323}"/>
+              </a:ext>
+            </a:extLst>
+          </p:cNvPr>
+          <p:cNvSpPr/>
+          <p:nvPr/>
+        </p:nvSpPr>
+        <p:spPr>
+          <a:xfrm>
+            <a:off x="4175370" y="5751254"/>
+            <a:ext cx="1514230" cy="344746"/>
+          </a:xfrm>
+          <a:prstGeom prst="rect">
+            <a:avLst/>
+          </a:prstGeom>
+          <a:noFill/>
+          <a:ln w="28575">
+            <a:solidFill>
+              <a:srgbClr val="FF0000"/>
+            </a:solidFill>
+          </a:ln>
+        </p:spPr>
+        <p:style>
+          <a:lnRef idx="2">
+            <a:schemeClr val="accent1">
+              <a:shade val="50000"/>
+            </a:schemeClr>
+          </a:lnRef>
+          <a:fillRef idx="1">
+            <a:schemeClr val="accent1"/>
+          </a:fillRef>
+          <a:effectRef idx="0">
+            <a:schemeClr val="accent1"/>
+          </a:effectRef>
+          <a:fontRef idx="minor">
+            <a:schemeClr val="lt1"/>
+          </a:fontRef>
+        </p:style>
+        <p:txBody>
+          <a:bodyPr rtlCol="0" anchor="ctr"/>
+          <a:lstStyle/>
+          <a:p>
+            <a:pPr algn="ctr"/>
+            <a:endParaRPr lang="ko-KR" altLang="en-US"/>
+          </a:p>
+        </p:txBody>
+      </p:sp>
+      <p:sp>
+        <p:nvSpPr>
+          <p:cNvPr id="17" name="직사각형 16">
+            <a:extLst>
+              <a:ext uri="{FF2B5EF4-FFF2-40B4-BE49-F238E27FC236}">
+                <a16:creationId xmlns:a16="http://schemas.microsoft.com/office/drawing/2014/main" id="{E02C5CF9-258E-0D36-D218-85E037BFC5E6}"/>
+              </a:ext>
+            </a:extLst>
+          </p:cNvPr>
+          <p:cNvSpPr/>
+          <p:nvPr/>
+        </p:nvSpPr>
+        <p:spPr>
+          <a:xfrm>
+            <a:off x="1339272" y="1184937"/>
+            <a:ext cx="1921163" cy="231473"/>
+          </a:xfrm>
+          <a:prstGeom prst="rect">
+            <a:avLst/>
+          </a:prstGeom>
+          <a:noFill/>
+          <a:ln w="28575">
+            <a:solidFill>
+              <a:srgbClr val="FF0000"/>
+            </a:solidFill>
+          </a:ln>
+        </p:spPr>
+        <p:style>
+          <a:lnRef idx="2">
+            <a:schemeClr val="accent1">
+              <a:shade val="50000"/>
+            </a:schemeClr>
+          </a:lnRef>
+          <a:fillRef idx="1">
+            <a:schemeClr val="accent1"/>
+          </a:fillRef>
+          <a:effectRef idx="0">
+            <a:schemeClr val="accent1"/>
+          </a:effectRef>
+          <a:fontRef idx="minor">
+            <a:schemeClr val="lt1"/>
+          </a:fontRef>
+        </p:style>
+        <p:txBody>
+          <a:bodyPr rtlCol="0" anchor="ctr"/>
+          <a:lstStyle/>
+          <a:p>
+            <a:pPr algn="ctr"/>
+            <a:endParaRPr lang="ko-KR" altLang="en-US"/>
+          </a:p>
+        </p:txBody>
+      </p:sp>
+      <p:sp>
+        <p:nvSpPr>
+          <p:cNvPr id="18" name="직사각형 17">
+            <a:extLst>
+              <a:ext uri="{FF2B5EF4-FFF2-40B4-BE49-F238E27FC236}">
+                <a16:creationId xmlns:a16="http://schemas.microsoft.com/office/drawing/2014/main" id="{FF7AFAF6-F659-6985-8C5A-66D10E3EA649}"/>
+              </a:ext>
+            </a:extLst>
+          </p:cNvPr>
+          <p:cNvSpPr/>
+          <p:nvPr/>
+        </p:nvSpPr>
+        <p:spPr>
+          <a:xfrm>
+            <a:off x="1468849" y="4169498"/>
+            <a:ext cx="1514230" cy="344746"/>
+          </a:xfrm>
+          <a:prstGeom prst="rect">
+            <a:avLst/>
+          </a:prstGeom>
+          <a:noFill/>
+          <a:ln w="28575">
+            <a:solidFill>
+              <a:srgbClr val="FF0000"/>
+            </a:solidFill>
+          </a:ln>
+        </p:spPr>
+        <p:style>
+          <a:lnRef idx="2">
+            <a:schemeClr val="accent1">
+              <a:shade val="50000"/>
+            </a:schemeClr>
+          </a:lnRef>
+          <a:fillRef idx="1">
+            <a:schemeClr val="accent1"/>
+          </a:fillRef>
+          <a:effectRef idx="0">
+            <a:schemeClr val="accent1"/>
+          </a:effectRef>
+          <a:fontRef idx="minor">
+            <a:schemeClr val="lt1"/>
+          </a:fontRef>
+        </p:style>
+        <p:txBody>
+          <a:bodyPr rtlCol="0" anchor="ctr"/>
+          <a:lstStyle/>
+          <a:p>
+            <a:pPr algn="ctr"/>
+            <a:endParaRPr lang="ko-KR" altLang="en-US"/>
+          </a:p>
+        </p:txBody>
+      </p:sp>
+      <mc:AlternateContent xmlns:mc="http://schemas.openxmlformats.org/markup-compatibility/2006">
+        <mc:Choice xmlns:a14="http://schemas.microsoft.com/office/drawing/2010/main" Requires="a14">
+          <p:sp>
+            <p:nvSpPr>
+              <p:cNvPr id="23" name="TextBox 22">
+                <a:extLst>
+                  <a:ext uri="{FF2B5EF4-FFF2-40B4-BE49-F238E27FC236}">
+                    <a16:creationId xmlns:a16="http://schemas.microsoft.com/office/drawing/2014/main" id="{6F97E155-467A-8CBB-C8DD-D06C2FD5A9DC}"/>
+                  </a:ext>
+                </a:extLst>
+              </p:cNvPr>
+              <p:cNvSpPr txBox="1"/>
+              <p:nvPr/>
+            </p:nvSpPr>
+            <p:spPr>
+              <a:xfrm>
+                <a:off x="6003636" y="2667352"/>
+                <a:ext cx="5251968" cy="369332"/>
+              </a:xfrm>
+              <a:prstGeom prst="rect">
+                <a:avLst/>
+              </a:prstGeom>
+              <a:noFill/>
+            </p:spPr>
+            <p:txBody>
+              <a:bodyPr wrap="square" rtlCol="0">
+                <a:spAutoFit/>
+              </a:bodyPr>
+              <a:lstStyle/>
+              <a:p>
+                <a:r>
+                  <a:rPr lang="ko-KR" altLang="en-US" dirty="0">
+                    <a:latin typeface="나눔스퀘어 Light" panose="020B0600000101010101" pitchFamily="50" charset="-127"/>
+                    <a:ea typeface="나눔스퀘어 Light" panose="020B0600000101010101" pitchFamily="50" charset="-127"/>
+                  </a:rPr>
+                  <a:t>즉</a:t>
+                </a:r>
+                <a:r>
+                  <a:rPr lang="en-US" altLang="ko-KR" dirty="0">
+                    <a:latin typeface="나눔스퀘어 Light" panose="020B0600000101010101" pitchFamily="50" charset="-127"/>
+                    <a:ea typeface="나눔스퀘어 Light" panose="020B0600000101010101" pitchFamily="50" charset="-127"/>
+                  </a:rPr>
+                  <a:t>, </a:t>
+                </a:r>
+                <a:r>
+                  <a:rPr lang="ko-KR" altLang="en-US" dirty="0">
+                    <a:latin typeface="나눔스퀘어 Light" panose="020B0600000101010101" pitchFamily="50" charset="-127"/>
+                    <a:ea typeface="나눔스퀘어 Light" panose="020B0600000101010101" pitchFamily="50" charset="-127"/>
+                  </a:rPr>
+                  <a:t>이 코드의 시간 복잡도는 지수시간 복잡도</a:t>
+                </a:r>
+                <a:r>
+                  <a:rPr lang="en-US" altLang="ko-KR" dirty="0">
+                    <a:latin typeface="나눔스퀘어 Light" panose="020B0600000101010101" pitchFamily="50" charset="-127"/>
+                    <a:ea typeface="나눔스퀘어 Light" panose="020B0600000101010101" pitchFamily="50" charset="-127"/>
+                  </a:rPr>
+                  <a:t>(</a:t>
+                </a:r>
+                <a14:m>
+                  <m:oMath xmlns:m="http://schemas.openxmlformats.org/officeDocument/2006/math">
+                    <m:sSup>
+                      <m:sSupPr>
+                        <m:ctrlPr>
+                          <a:rPr lang="en-US" altLang="ko-KR" i="1" smtClean="0">
+                            <a:latin typeface="Cambria Math" panose="02040503050406030204" pitchFamily="18" charset="0"/>
+                            <a:ea typeface="나눔스퀘어 Light" panose="020B0600000101010101" pitchFamily="50" charset="-127"/>
+                          </a:rPr>
+                        </m:ctrlPr>
+                      </m:sSupPr>
+                      <m:e>
+                        <m:r>
+                          <a:rPr lang="en-US" altLang="ko-KR" b="0" i="1" smtClean="0">
+                            <a:latin typeface="Cambria Math" panose="02040503050406030204" pitchFamily="18" charset="0"/>
+                            <a:ea typeface="나눔스퀘어 Light" panose="020B0600000101010101" pitchFamily="50" charset="-127"/>
+                          </a:rPr>
+                          <m:t>2</m:t>
+                        </m:r>
+                      </m:e>
+                      <m:sup>
+                        <m:r>
+                          <a:rPr lang="en-US" altLang="ko-KR" b="0" i="1" smtClean="0">
+                            <a:latin typeface="Cambria Math" panose="02040503050406030204" pitchFamily="18" charset="0"/>
+                            <a:ea typeface="나눔스퀘어 Light" panose="020B0600000101010101" pitchFamily="50" charset="-127"/>
+                          </a:rPr>
+                          <m:t>𝑁</m:t>
+                        </m:r>
+                      </m:sup>
+                    </m:sSup>
+                  </m:oMath>
+                </a14:m>
+                <a:r>
+                  <a:rPr lang="en-US" altLang="ko-KR" dirty="0">
+                    <a:latin typeface="나눔스퀘어 Light" panose="020B0600000101010101" pitchFamily="50" charset="-127"/>
+                    <a:ea typeface="나눔스퀘어 Light" panose="020B0600000101010101" pitchFamily="50" charset="-127"/>
+                  </a:rPr>
+                  <a:t>)</a:t>
+                </a:r>
+                <a:r>
+                  <a:rPr lang="ko-KR" altLang="en-US" dirty="0">
+                    <a:latin typeface="나눔스퀘어 Light" panose="020B0600000101010101" pitchFamily="50" charset="-127"/>
+                    <a:ea typeface="나눔스퀘어 Light" panose="020B0600000101010101" pitchFamily="50" charset="-127"/>
+                  </a:rPr>
+                  <a:t>가</a:t>
+                </a:r>
+              </a:p>
+            </p:txBody>
+          </p:sp>
+        </mc:Choice>
+        <mc:Fallback>
+          <p:sp>
+            <p:nvSpPr>
+              <p:cNvPr id="23" name="TextBox 22">
+                <a:extLst>
+                  <a:ext uri="{FF2B5EF4-FFF2-40B4-BE49-F238E27FC236}">
+                    <a16:creationId xmlns:a16="http://schemas.microsoft.com/office/drawing/2014/main" id="{6F97E155-467A-8CBB-C8DD-D06C2FD5A9DC}"/>
+                  </a:ext>
+                </a:extLst>
+              </p:cNvPr>
+              <p:cNvSpPr txBox="1">
+                <a:spLocks noRot="1" noChangeAspect="1" noMove="1" noResize="1" noEditPoints="1" noAdjustHandles="1" noChangeArrowheads="1" noChangeShapeType="1" noTextEdit="1"/>
+              </p:cNvSpPr>
+              <p:nvPr/>
+            </p:nvSpPr>
+            <p:spPr>
+              <a:xfrm>
+                <a:off x="6003636" y="2667352"/>
+                <a:ext cx="5251968" cy="369332"/>
+              </a:xfrm>
+              <a:prstGeom prst="rect">
+                <a:avLst/>
+              </a:prstGeom>
+              <a:blipFill>
+                <a:blip r:embed="rId4"/>
+                <a:stretch>
+                  <a:fillRect l="-1045" t="-8333" b="-28333"/>
+                </a:stretch>
+              </a:blipFill>
+            </p:spPr>
+            <p:txBody>
+              <a:bodyPr/>
+              <a:lstStyle/>
+              <a:p>
+                <a:r>
+                  <a:rPr lang="ko-KR" altLang="en-US">
+                    <a:noFill/>
+                  </a:rPr>
+                  <a:t> </a:t>
+                </a:r>
+              </a:p>
+            </p:txBody>
+          </p:sp>
+        </mc:Fallback>
+      </mc:AlternateContent>
+      <p:sp>
+        <p:nvSpPr>
+          <p:cNvPr id="24" name="TextBox 23">
+            <a:extLst>
+              <a:ext uri="{FF2B5EF4-FFF2-40B4-BE49-F238E27FC236}">
+                <a16:creationId xmlns:a16="http://schemas.microsoft.com/office/drawing/2014/main" id="{66B098C3-938D-0DAB-33C8-3F63A2F5E309}"/>
+              </a:ext>
+            </a:extLst>
+          </p:cNvPr>
+          <p:cNvSpPr txBox="1"/>
+          <p:nvPr/>
+        </p:nvSpPr>
+        <p:spPr>
+          <a:xfrm>
+            <a:off x="6003636" y="3059667"/>
+            <a:ext cx="5251968" cy="369332"/>
+          </a:xfrm>
+          <a:prstGeom prst="rect">
+            <a:avLst/>
+          </a:prstGeom>
+          <a:noFill/>
+        </p:spPr>
+        <p:txBody>
+          <a:bodyPr wrap="square" rtlCol="0">
+            <a:spAutoFit/>
+          </a:bodyPr>
+          <a:lstStyle/>
+          <a:p>
+            <a:r>
+              <a:rPr lang="ko-KR" altLang="en-US" dirty="0">
+                <a:latin typeface="나눔스퀘어 Light" panose="020B0600000101010101" pitchFamily="50" charset="-127"/>
+                <a:ea typeface="나눔스퀘어 Light" panose="020B0600000101010101" pitchFamily="50" charset="-127"/>
+              </a:rPr>
+              <a:t>됩니다</a:t>
+            </a:r>
+            <a:r>
+              <a:rPr lang="en-US" altLang="ko-KR" dirty="0">
+                <a:latin typeface="나눔스퀘어 Light" panose="020B0600000101010101" pitchFamily="50" charset="-127"/>
+                <a:ea typeface="나눔스퀘어 Light" panose="020B0600000101010101" pitchFamily="50" charset="-127"/>
+              </a:rPr>
+              <a:t>.</a:t>
+            </a:r>
+            <a:endParaRPr lang="ko-KR" altLang="en-US" dirty="0">
+              <a:latin typeface="나눔스퀘어 Light" panose="020B0600000101010101" pitchFamily="50" charset="-127"/>
+              <a:ea typeface="나눔스퀘어 Light" panose="020B0600000101010101" pitchFamily="50" charset="-127"/>
+            </a:endParaRPr>
+          </a:p>
+        </p:txBody>
+      </p:sp>
+      <p:sp>
+        <p:nvSpPr>
+          <p:cNvPr id="27" name="TextBox 26">
+            <a:extLst>
+              <a:ext uri="{FF2B5EF4-FFF2-40B4-BE49-F238E27FC236}">
+                <a16:creationId xmlns:a16="http://schemas.microsoft.com/office/drawing/2014/main" id="{E7A8C288-2317-2335-54AB-3ADBBC05E207}"/>
+              </a:ext>
+            </a:extLst>
+          </p:cNvPr>
+          <p:cNvSpPr txBox="1"/>
+          <p:nvPr/>
+        </p:nvSpPr>
+        <p:spPr>
+          <a:xfrm>
+            <a:off x="6003636" y="3428999"/>
+            <a:ext cx="5251968" cy="369332"/>
+          </a:xfrm>
+          <a:prstGeom prst="rect">
+            <a:avLst/>
+          </a:prstGeom>
+          <a:noFill/>
+        </p:spPr>
+        <p:txBody>
+          <a:bodyPr wrap="square" rtlCol="0">
+            <a:spAutoFit/>
+          </a:bodyPr>
+          <a:lstStyle/>
+          <a:p>
+            <a:r>
+              <a:rPr lang="en-US" altLang="ko-KR" dirty="0">
+                <a:latin typeface="나눔스퀘어 Light" panose="020B0600000101010101" pitchFamily="50" charset="-127"/>
+                <a:ea typeface="나눔스퀘어 Light" panose="020B0600000101010101" pitchFamily="50" charset="-127"/>
+              </a:rPr>
+              <a:t>(</a:t>
+            </a:r>
+            <a:r>
+              <a:rPr lang="ko-KR" altLang="en-US" dirty="0">
+                <a:latin typeface="나눔스퀘어 Light" panose="020B0600000101010101" pitchFamily="50" charset="-127"/>
+                <a:ea typeface="나눔스퀘어 Light" panose="020B0600000101010101" pitchFamily="50" charset="-127"/>
+              </a:rPr>
+              <a:t>직접 재귀 호출 스택을 </a:t>
+            </a:r>
+            <a:r>
+              <a:rPr lang="ko-KR" altLang="en-US" dirty="0" err="1">
+                <a:latin typeface="나눔스퀘어 Light" panose="020B0600000101010101" pitchFamily="50" charset="-127"/>
+                <a:ea typeface="나눔스퀘어 Light" panose="020B0600000101010101" pitchFamily="50" charset="-127"/>
+              </a:rPr>
+              <a:t>그려보시면</a:t>
+            </a:r>
+            <a:endParaRPr lang="ko-KR" altLang="en-US" dirty="0">
+              <a:latin typeface="나눔스퀘어 Light" panose="020B0600000101010101" pitchFamily="50" charset="-127"/>
+              <a:ea typeface="나눔스퀘어 Light" panose="020B0600000101010101" pitchFamily="50" charset="-127"/>
+            </a:endParaRPr>
+          </a:p>
+        </p:txBody>
+      </p:sp>
+      <p:sp>
+        <p:nvSpPr>
+          <p:cNvPr id="28" name="TextBox 27">
+            <a:extLst>
+              <a:ext uri="{FF2B5EF4-FFF2-40B4-BE49-F238E27FC236}">
+                <a16:creationId xmlns:a16="http://schemas.microsoft.com/office/drawing/2014/main" id="{403EF147-0F97-297A-41A1-CCAF1E182FD3}"/>
+              </a:ext>
+            </a:extLst>
+          </p:cNvPr>
+          <p:cNvSpPr txBox="1"/>
+          <p:nvPr/>
+        </p:nvSpPr>
+        <p:spPr>
+          <a:xfrm>
+            <a:off x="6003636" y="3798331"/>
+            <a:ext cx="5251968" cy="369332"/>
+          </a:xfrm>
+          <a:prstGeom prst="rect">
+            <a:avLst/>
+          </a:prstGeom>
+          <a:noFill/>
+        </p:spPr>
+        <p:txBody>
+          <a:bodyPr wrap="square" rtlCol="0">
+            <a:spAutoFit/>
+          </a:bodyPr>
+          <a:lstStyle/>
+          <a:p>
+            <a:r>
+              <a:rPr lang="ko-KR" altLang="en-US" dirty="0">
+                <a:latin typeface="나눔스퀘어 Light" panose="020B0600000101010101" pitchFamily="50" charset="-127"/>
+                <a:ea typeface="나눔스퀘어 Light" panose="020B0600000101010101" pitchFamily="50" charset="-127"/>
+              </a:rPr>
+              <a:t>얼마나 비효율 적인지 이해하는데 도움이 </a:t>
+            </a:r>
+            <a:r>
+              <a:rPr lang="ko-KR" altLang="en-US" dirty="0" err="1">
+                <a:latin typeface="나눔스퀘어 Light" panose="020B0600000101010101" pitchFamily="50" charset="-127"/>
+                <a:ea typeface="나눔스퀘어 Light" panose="020B0600000101010101" pitchFamily="50" charset="-127"/>
+              </a:rPr>
+              <a:t>될겁니다</a:t>
+            </a:r>
+            <a:r>
+              <a:rPr lang="en-US" altLang="ko-KR" dirty="0">
+                <a:latin typeface="나눔스퀘어 Light" panose="020B0600000101010101" pitchFamily="50" charset="-127"/>
+                <a:ea typeface="나눔스퀘어 Light" panose="020B0600000101010101" pitchFamily="50" charset="-127"/>
+              </a:rPr>
+              <a:t>.)</a:t>
+            </a:r>
+            <a:endParaRPr lang="ko-KR" altLang="en-US" dirty="0">
+              <a:latin typeface="나눔스퀘어 Light" panose="020B0600000101010101" pitchFamily="50" charset="-127"/>
+              <a:ea typeface="나눔스퀘어 Light" panose="020B0600000101010101" pitchFamily="50" charset="-127"/>
+            </a:endParaRPr>
+          </a:p>
+        </p:txBody>
+      </p:sp>
+      <p:sp>
+        <p:nvSpPr>
+          <p:cNvPr id="29" name="TextBox 28">
+            <a:extLst>
+              <a:ext uri="{FF2B5EF4-FFF2-40B4-BE49-F238E27FC236}">
+                <a16:creationId xmlns:a16="http://schemas.microsoft.com/office/drawing/2014/main" id="{FF432D38-8A23-41FB-A45F-838F21759478}"/>
+              </a:ext>
+            </a:extLst>
+          </p:cNvPr>
+          <p:cNvSpPr txBox="1"/>
+          <p:nvPr/>
+        </p:nvSpPr>
+        <p:spPr>
+          <a:xfrm>
+            <a:off x="6003636" y="4539426"/>
+            <a:ext cx="5251968" cy="369332"/>
+          </a:xfrm>
+          <a:prstGeom prst="rect">
+            <a:avLst/>
+          </a:prstGeom>
+          <a:noFill/>
+        </p:spPr>
+        <p:txBody>
+          <a:bodyPr wrap="square" rtlCol="0">
+            <a:spAutoFit/>
+          </a:bodyPr>
+          <a:lstStyle/>
+          <a:p>
+            <a:r>
+              <a:rPr lang="ko-KR" altLang="en-US" dirty="0">
+                <a:latin typeface="나눔스퀘어 Light" panose="020B0600000101010101" pitchFamily="50" charset="-127"/>
+                <a:ea typeface="나눔스퀘어 Light" panose="020B0600000101010101" pitchFamily="50" charset="-127"/>
+              </a:rPr>
+              <a:t>예제 입력의 경우</a:t>
+            </a:r>
+            <a:r>
+              <a:rPr lang="en-US" altLang="ko-KR" dirty="0">
+                <a:latin typeface="나눔스퀘어 Light" panose="020B0600000101010101" pitchFamily="50" charset="-127"/>
+                <a:ea typeface="나눔스퀘어 Light" panose="020B0600000101010101" pitchFamily="50" charset="-127"/>
+              </a:rPr>
+              <a:t>, N, M</a:t>
+            </a:r>
+            <a:r>
+              <a:rPr lang="ko-KR" altLang="en-US" dirty="0">
+                <a:latin typeface="나눔스퀘어 Light" panose="020B0600000101010101" pitchFamily="50" charset="-127"/>
+                <a:ea typeface="나눔스퀘어 Light" panose="020B0600000101010101" pitchFamily="50" charset="-127"/>
+              </a:rPr>
+              <a:t>이 작은 편이라 금방 구하지만</a:t>
+            </a:r>
+          </a:p>
+        </p:txBody>
+      </p:sp>
+      <p:sp>
+        <p:nvSpPr>
+          <p:cNvPr id="30" name="TextBox 29">
+            <a:extLst>
+              <a:ext uri="{FF2B5EF4-FFF2-40B4-BE49-F238E27FC236}">
+                <a16:creationId xmlns:a16="http://schemas.microsoft.com/office/drawing/2014/main" id="{5CC21CA0-6E59-46EA-7A75-5EE44BE34A87}"/>
+              </a:ext>
+            </a:extLst>
+          </p:cNvPr>
+          <p:cNvSpPr txBox="1"/>
+          <p:nvPr/>
+        </p:nvSpPr>
+        <p:spPr>
+          <a:xfrm>
+            <a:off x="6003636" y="4908758"/>
+            <a:ext cx="5251968" cy="369332"/>
+          </a:xfrm>
+          <a:prstGeom prst="rect">
+            <a:avLst/>
+          </a:prstGeom>
+          <a:noFill/>
+        </p:spPr>
+        <p:txBody>
+          <a:bodyPr wrap="square" rtlCol="0">
+            <a:spAutoFit/>
+          </a:bodyPr>
+          <a:lstStyle/>
+          <a:p>
+            <a:r>
+              <a:rPr lang="ko-KR" altLang="en-US" dirty="0">
+                <a:latin typeface="나눔스퀘어 Light" panose="020B0600000101010101" pitchFamily="50" charset="-127"/>
+                <a:ea typeface="나눔스퀘어 Light" panose="020B0600000101010101" pitchFamily="50" charset="-127"/>
+              </a:rPr>
+              <a:t>조금만 커져도 못 구하는 것을 볼 수 있습니다</a:t>
+            </a:r>
+            <a:r>
+              <a:rPr lang="en-US" altLang="ko-KR" dirty="0">
+                <a:latin typeface="나눔스퀘어 Light" panose="020B0600000101010101" pitchFamily="50" charset="-127"/>
+                <a:ea typeface="나눔스퀘어 Light" panose="020B0600000101010101" pitchFamily="50" charset="-127"/>
+              </a:rPr>
+              <a:t>.</a:t>
+            </a:r>
+            <a:endParaRPr lang="ko-KR" altLang="en-US" dirty="0">
+              <a:latin typeface="나눔스퀘어 Light" panose="020B0600000101010101" pitchFamily="50" charset="-127"/>
+              <a:ea typeface="나눔스퀘어 Light" panose="020B0600000101010101" pitchFamily="50" charset="-127"/>
+            </a:endParaRPr>
+          </a:p>
+        </p:txBody>
+      </p:sp>
     </p:spTree>
     <p:extLst>
       <p:ext uri="{BB962C8B-B14F-4D97-AF65-F5344CB8AC3E}">
-        <p14:creationId xmlns:p14="http://schemas.microsoft.com/office/powerpoint/2010/main" val="458905345"/>
+        <p14:creationId xmlns:p14="http://schemas.microsoft.com/office/powerpoint/2010/main" val="2353304873"/>
       </p:ext>
     </p:extLst>
   </p:cSld>
@@ -14547,22 +14935,356 @@
                 <a:latin typeface="나눔스퀘어 Bold" panose="020B0600000101010101" pitchFamily="50" charset="-127"/>
                 <a:ea typeface="나눔스퀘어 Bold" panose="020B0600000101010101" pitchFamily="50" charset="-127"/>
               </a:rPr>
-              <a:t>Dynamic Programming – 14916 </a:t>
+              <a:t>Dynamic Programming – 14430 </a:t>
             </a:r>
             <a:r>
               <a:rPr lang="ko-KR" altLang="en-US" sz="2800" dirty="0">
                 <a:latin typeface="나눔스퀘어 Bold" panose="020B0600000101010101" pitchFamily="50" charset="-127"/>
                 <a:ea typeface="나눔스퀘어 Bold" panose="020B0600000101010101" pitchFamily="50" charset="-127"/>
               </a:rPr>
-              <a:t>거스름돈</a:t>
-            </a:r>
+              <a:t>자원 캐기</a:t>
+            </a:r>
+          </a:p>
+        </p:txBody>
+      </p:sp>
+      <p:sp>
+        <p:nvSpPr>
+          <p:cNvPr id="9" name="TextBox 8">
+            <a:extLst>
+              <a:ext uri="{FF2B5EF4-FFF2-40B4-BE49-F238E27FC236}">
+                <a16:creationId xmlns:a16="http://schemas.microsoft.com/office/drawing/2014/main" id="{6C8AE6F7-9881-E9B2-70C7-D3B576789948}"/>
+              </a:ext>
+            </a:extLst>
+          </p:cNvPr>
+          <p:cNvSpPr txBox="1"/>
+          <p:nvPr/>
+        </p:nvSpPr>
+        <p:spPr>
+          <a:xfrm>
+            <a:off x="6003636" y="1190024"/>
+            <a:ext cx="5251968" cy="369332"/>
+          </a:xfrm>
+          <a:prstGeom prst="rect">
+            <a:avLst/>
+          </a:prstGeom>
+          <a:noFill/>
+        </p:spPr>
+        <p:txBody>
+          <a:bodyPr wrap="square" rtlCol="0">
+            <a:spAutoFit/>
+          </a:bodyPr>
+          <a:lstStyle/>
+          <a:p>
+            <a:r>
+              <a:rPr lang="ko-KR" altLang="en-US" dirty="0">
+                <a:latin typeface="나눔스퀘어 Light" panose="020B0600000101010101" pitchFamily="50" charset="-127"/>
+                <a:ea typeface="나눔스퀘어 Light" panose="020B0600000101010101" pitchFamily="50" charset="-127"/>
+              </a:rPr>
+              <a:t>피보나치 함수도 그렇고</a:t>
+            </a:r>
+            <a:r>
+              <a:rPr lang="en-US" altLang="ko-KR" dirty="0">
+                <a:latin typeface="나눔스퀘어 Light" panose="020B0600000101010101" pitchFamily="50" charset="-127"/>
+                <a:ea typeface="나눔스퀘어 Light" panose="020B0600000101010101" pitchFamily="50" charset="-127"/>
+              </a:rPr>
+              <a:t>, </a:t>
+            </a:r>
+            <a:r>
+              <a:rPr lang="ko-KR" altLang="en-US" dirty="0">
+                <a:latin typeface="나눔스퀘어 Light" panose="020B0600000101010101" pitchFamily="50" charset="-127"/>
+                <a:ea typeface="나눔스퀘어 Light" panose="020B0600000101010101" pitchFamily="50" charset="-127"/>
+              </a:rPr>
+              <a:t>이 코드도 그렇고</a:t>
+            </a:r>
+          </a:p>
+        </p:txBody>
+      </p:sp>
+      <p:sp>
+        <p:nvSpPr>
+          <p:cNvPr id="20" name="TextBox 19">
+            <a:extLst>
+              <a:ext uri="{FF2B5EF4-FFF2-40B4-BE49-F238E27FC236}">
+                <a16:creationId xmlns:a16="http://schemas.microsoft.com/office/drawing/2014/main" id="{39472F64-3B98-C85A-4DAE-072B55479CB8}"/>
+              </a:ext>
+            </a:extLst>
+          </p:cNvPr>
+          <p:cNvSpPr txBox="1"/>
+          <p:nvPr/>
+        </p:nvSpPr>
+        <p:spPr>
+          <a:xfrm>
+            <a:off x="6003636" y="1559356"/>
+            <a:ext cx="5251968" cy="369332"/>
+          </a:xfrm>
+          <a:prstGeom prst="rect">
+            <a:avLst/>
+          </a:prstGeom>
+          <a:noFill/>
+        </p:spPr>
+        <p:txBody>
+          <a:bodyPr wrap="square" rtlCol="0">
+            <a:spAutoFit/>
+          </a:bodyPr>
+          <a:lstStyle/>
+          <a:p>
+            <a:r>
+              <a:rPr lang="ko-KR" altLang="en-US" dirty="0">
+                <a:latin typeface="나눔스퀘어 Light" panose="020B0600000101010101" pitchFamily="50" charset="-127"/>
+                <a:ea typeface="나눔스퀘어 Light" panose="020B0600000101010101" pitchFamily="50" charset="-127"/>
+              </a:rPr>
+              <a:t>비효율 적인 이유는 </a:t>
+            </a:r>
+            <a:r>
+              <a:rPr lang="ko-KR" altLang="en-US" dirty="0">
+                <a:solidFill>
+                  <a:srgbClr val="FF0000"/>
+                </a:solidFill>
+                <a:latin typeface="나눔스퀘어 Bold" panose="020B0600000101010101" pitchFamily="50" charset="-127"/>
+                <a:ea typeface="나눔스퀘어 Bold" panose="020B0600000101010101" pitchFamily="50" charset="-127"/>
+              </a:rPr>
+              <a:t>중복연산</a:t>
+            </a:r>
+            <a:r>
+              <a:rPr lang="en-US" altLang="ko-KR" dirty="0">
+                <a:solidFill>
+                  <a:srgbClr val="FF0000"/>
+                </a:solidFill>
+                <a:latin typeface="나눔스퀘어 Bold" panose="020B0600000101010101" pitchFamily="50" charset="-127"/>
+                <a:ea typeface="나눔스퀘어 Bold" panose="020B0600000101010101" pitchFamily="50" charset="-127"/>
+              </a:rPr>
+              <a:t>(</a:t>
+            </a:r>
+            <a:r>
+              <a:rPr lang="ko-KR" altLang="en-US" dirty="0">
+                <a:solidFill>
+                  <a:srgbClr val="FF0000"/>
+                </a:solidFill>
+                <a:latin typeface="나눔스퀘어 Bold" panose="020B0600000101010101" pitchFamily="50" charset="-127"/>
+                <a:ea typeface="나눔스퀘어 Bold" panose="020B0600000101010101" pitchFamily="50" charset="-127"/>
+              </a:rPr>
+              <a:t>호출</a:t>
+            </a:r>
+            <a:r>
+              <a:rPr lang="en-US" altLang="ko-KR" dirty="0">
+                <a:solidFill>
+                  <a:srgbClr val="FF0000"/>
+                </a:solidFill>
+                <a:latin typeface="나눔스퀘어 Bold" panose="020B0600000101010101" pitchFamily="50" charset="-127"/>
+                <a:ea typeface="나눔스퀘어 Bold" panose="020B0600000101010101" pitchFamily="50" charset="-127"/>
+              </a:rPr>
+              <a:t>)</a:t>
+            </a:r>
+            <a:r>
+              <a:rPr lang="en-US" altLang="ko-KR" dirty="0">
+                <a:latin typeface="나눔스퀘어 Light" panose="020B0600000101010101" pitchFamily="50" charset="-127"/>
+                <a:ea typeface="나눔스퀘어 Light" panose="020B0600000101010101" pitchFamily="50" charset="-127"/>
+              </a:rPr>
+              <a:t> </a:t>
+            </a:r>
+            <a:r>
+              <a:rPr lang="ko-KR" altLang="en-US" dirty="0">
+                <a:latin typeface="나눔스퀘어 Light" panose="020B0600000101010101" pitchFamily="50" charset="-127"/>
+                <a:ea typeface="나눔스퀘어 Light" panose="020B0600000101010101" pitchFamily="50" charset="-127"/>
+              </a:rPr>
+              <a:t>때문입니다</a:t>
+            </a:r>
+            <a:r>
+              <a:rPr lang="en-US" altLang="ko-KR" dirty="0">
+                <a:latin typeface="나눔스퀘어 Light" panose="020B0600000101010101" pitchFamily="50" charset="-127"/>
+                <a:ea typeface="나눔스퀘어 Light" panose="020B0600000101010101" pitchFamily="50" charset="-127"/>
+              </a:rPr>
+              <a:t>.</a:t>
+            </a:r>
+            <a:endParaRPr lang="ko-KR" altLang="en-US" dirty="0">
+              <a:latin typeface="나눔스퀘어 Light" panose="020B0600000101010101" pitchFamily="50" charset="-127"/>
+              <a:ea typeface="나눔스퀘어 Light" panose="020B0600000101010101" pitchFamily="50" charset="-127"/>
+            </a:endParaRPr>
+          </a:p>
+        </p:txBody>
+      </p:sp>
+      <p:sp>
+        <p:nvSpPr>
+          <p:cNvPr id="23" name="TextBox 22">
+            <a:extLst>
+              <a:ext uri="{FF2B5EF4-FFF2-40B4-BE49-F238E27FC236}">
+                <a16:creationId xmlns:a16="http://schemas.microsoft.com/office/drawing/2014/main" id="{6F97E155-467A-8CBB-C8DD-D06C2FD5A9DC}"/>
+              </a:ext>
+            </a:extLst>
+          </p:cNvPr>
+          <p:cNvSpPr txBox="1"/>
+          <p:nvPr/>
+        </p:nvSpPr>
+        <p:spPr>
+          <a:xfrm>
+            <a:off x="6003636" y="2298020"/>
+            <a:ext cx="5251968" cy="369332"/>
+          </a:xfrm>
+          <a:prstGeom prst="rect">
+            <a:avLst/>
+          </a:prstGeom>
+          <a:noFill/>
+        </p:spPr>
+        <p:txBody>
+          <a:bodyPr wrap="square" rtlCol="0">
+            <a:spAutoFit/>
+          </a:bodyPr>
+          <a:lstStyle/>
+          <a:p>
+            <a:r>
+              <a:rPr lang="ko-KR" altLang="en-US" dirty="0">
+                <a:latin typeface="나눔스퀘어 Light" panose="020B0600000101010101" pitchFamily="50" charset="-127"/>
+                <a:ea typeface="나눔스퀘어 Light" panose="020B0600000101010101" pitchFamily="50" charset="-127"/>
+              </a:rPr>
+              <a:t>그렇다면 중복을 제거하면</a:t>
+            </a:r>
+            <a:r>
+              <a:rPr lang="en-US" altLang="ko-KR" dirty="0">
+                <a:latin typeface="나눔스퀘어 Light" panose="020B0600000101010101" pitchFamily="50" charset="-127"/>
+                <a:ea typeface="나눔스퀘어 Light" panose="020B0600000101010101" pitchFamily="50" charset="-127"/>
+              </a:rPr>
+              <a:t>, </a:t>
+            </a:r>
+            <a:r>
+              <a:rPr lang="ko-KR" altLang="en-US" dirty="0">
+                <a:latin typeface="나눔스퀘어 Light" panose="020B0600000101010101" pitchFamily="50" charset="-127"/>
+                <a:ea typeface="나눔스퀘어 Light" panose="020B0600000101010101" pitchFamily="50" charset="-127"/>
+              </a:rPr>
+              <a:t>효율적으로 바꿀 수</a:t>
+            </a:r>
+          </a:p>
+        </p:txBody>
+      </p:sp>
+      <p:sp>
+        <p:nvSpPr>
+          <p:cNvPr id="24" name="TextBox 23">
+            <a:extLst>
+              <a:ext uri="{FF2B5EF4-FFF2-40B4-BE49-F238E27FC236}">
+                <a16:creationId xmlns:a16="http://schemas.microsoft.com/office/drawing/2014/main" id="{66B098C3-938D-0DAB-33C8-3F63A2F5E309}"/>
+              </a:ext>
+            </a:extLst>
+          </p:cNvPr>
+          <p:cNvSpPr txBox="1"/>
+          <p:nvPr/>
+        </p:nvSpPr>
+        <p:spPr>
+          <a:xfrm>
+            <a:off x="6003636" y="2667352"/>
+            <a:ext cx="5251968" cy="369332"/>
+          </a:xfrm>
+          <a:prstGeom prst="rect">
+            <a:avLst/>
+          </a:prstGeom>
+          <a:noFill/>
+        </p:spPr>
+        <p:txBody>
+          <a:bodyPr wrap="square" rtlCol="0">
+            <a:spAutoFit/>
+          </a:bodyPr>
+          <a:lstStyle/>
+          <a:p>
+            <a:r>
+              <a:rPr lang="ko-KR" altLang="en-US" dirty="0">
+                <a:latin typeface="나눔스퀘어 Light" panose="020B0600000101010101" pitchFamily="50" charset="-127"/>
+                <a:ea typeface="나눔스퀘어 Light" panose="020B0600000101010101" pitchFamily="50" charset="-127"/>
+              </a:rPr>
+              <a:t>있겠네요</a:t>
+            </a:r>
+            <a:r>
+              <a:rPr lang="en-US" altLang="ko-KR" dirty="0">
+                <a:latin typeface="나눔스퀘어 Light" panose="020B0600000101010101" pitchFamily="50" charset="-127"/>
+                <a:ea typeface="나눔스퀘어 Light" panose="020B0600000101010101" pitchFamily="50" charset="-127"/>
+              </a:rPr>
+              <a:t>.</a:t>
+            </a:r>
+            <a:endParaRPr lang="ko-KR" altLang="en-US" dirty="0">
+              <a:latin typeface="나눔스퀘어 Light" panose="020B0600000101010101" pitchFamily="50" charset="-127"/>
+              <a:ea typeface="나눔스퀘어 Light" panose="020B0600000101010101" pitchFamily="50" charset="-127"/>
+            </a:endParaRPr>
+          </a:p>
+        </p:txBody>
+      </p:sp>
+      <p:pic>
+        <p:nvPicPr>
+          <p:cNvPr id="3" name="그림 2">
+            <a:extLst>
+              <a:ext uri="{FF2B5EF4-FFF2-40B4-BE49-F238E27FC236}">
+                <a16:creationId xmlns:a16="http://schemas.microsoft.com/office/drawing/2014/main" id="{7ABD4418-B3EE-541A-B9C0-E248F5285DCE}"/>
+              </a:ext>
+            </a:extLst>
+          </p:cNvPr>
+          <p:cNvPicPr>
+            <a:picLocks noChangeAspect="1"/>
+          </p:cNvPicPr>
+          <p:nvPr/>
+        </p:nvPicPr>
+        <p:blipFill rotWithShape="1">
+          <a:blip r:embed="rId2"/>
+          <a:srcRect t="33193"/>
+          <a:stretch/>
+        </p:blipFill>
+        <p:spPr>
+          <a:xfrm>
+            <a:off x="936396" y="1190024"/>
+            <a:ext cx="4884916" cy="2565403"/>
+          </a:xfrm>
+          <a:prstGeom prst="rect">
+            <a:avLst/>
+          </a:prstGeom>
+        </p:spPr>
+      </p:pic>
+      <p:sp>
+        <p:nvSpPr>
+          <p:cNvPr id="6" name="TextBox 5">
+            <a:extLst>
+              <a:ext uri="{FF2B5EF4-FFF2-40B4-BE49-F238E27FC236}">
+                <a16:creationId xmlns:a16="http://schemas.microsoft.com/office/drawing/2014/main" id="{0CF2E7BB-86E8-FBC9-E999-C0C745640626}"/>
+              </a:ext>
+            </a:extLst>
+          </p:cNvPr>
+          <p:cNvSpPr txBox="1"/>
+          <p:nvPr/>
+        </p:nvSpPr>
+        <p:spPr>
+          <a:xfrm>
+            <a:off x="6003636" y="3406016"/>
+            <a:ext cx="5251968" cy="369332"/>
+          </a:xfrm>
+          <a:prstGeom prst="rect">
+            <a:avLst/>
+          </a:prstGeom>
+          <a:noFill/>
+        </p:spPr>
+        <p:txBody>
+          <a:bodyPr wrap="square" rtlCol="0">
+            <a:spAutoFit/>
+          </a:bodyPr>
+          <a:lstStyle/>
+          <a:p>
+            <a:r>
+              <a:rPr lang="ko-KR" altLang="en-US" dirty="0">
+                <a:latin typeface="나눔스퀘어 Light" panose="020B0600000101010101" pitchFamily="50" charset="-127"/>
+                <a:ea typeface="나눔스퀘어 Light" panose="020B0600000101010101" pitchFamily="50" charset="-127"/>
+              </a:rPr>
+              <a:t>어떻게 중복을 제거할 수 있을까요</a:t>
+            </a:r>
+            <a:r>
+              <a:rPr lang="en-US" altLang="ko-KR" dirty="0">
+                <a:latin typeface="나눔스퀘어 Light" panose="020B0600000101010101" pitchFamily="50" charset="-127"/>
+                <a:ea typeface="나눔스퀘어 Light" panose="020B0600000101010101" pitchFamily="50" charset="-127"/>
+              </a:rPr>
+              <a:t>?</a:t>
+            </a:r>
+            <a:endParaRPr lang="ko-KR" altLang="en-US" dirty="0">
+              <a:latin typeface="나눔스퀘어 Light" panose="020B0600000101010101" pitchFamily="50" charset="-127"/>
+              <a:ea typeface="나눔스퀘어 Light" panose="020B0600000101010101" pitchFamily="50" charset="-127"/>
+            </a:endParaRPr>
           </a:p>
         </p:txBody>
       </p:sp>
     </p:spTree>
     <p:extLst>
       <p:ext uri="{BB962C8B-B14F-4D97-AF65-F5344CB8AC3E}">
-        <p14:creationId xmlns:p14="http://schemas.microsoft.com/office/powerpoint/2010/main" val="3209148614"/>
+        <p14:creationId xmlns:p14="http://schemas.microsoft.com/office/powerpoint/2010/main" val="3775543408"/>
       </p:ext>
     </p:extLst>
   </p:cSld>
@@ -14648,7 +15370,7 @@
         <p:spPr>
           <a:xfrm>
             <a:off x="331694" y="179902"/>
-            <a:ext cx="9506833" cy="523220"/>
+            <a:ext cx="6948441" cy="523220"/>
           </a:xfrm>
           <a:prstGeom prst="rect">
             <a:avLst/>
@@ -14666,24 +15388,412 @@
                 <a:latin typeface="나눔스퀘어 Bold" panose="020B0600000101010101" pitchFamily="50" charset="-127"/>
                 <a:ea typeface="나눔스퀘어 Bold" panose="020B0600000101010101" pitchFamily="50" charset="-127"/>
               </a:rPr>
-              <a:t>Dynamic Programming – 11053 </a:t>
+              <a:t>Dynamic Programming – 14430 </a:t>
             </a:r>
             <a:r>
               <a:rPr lang="ko-KR" altLang="en-US" sz="2800" dirty="0">
                 <a:latin typeface="나눔스퀘어 Bold" panose="020B0600000101010101" pitchFamily="50" charset="-127"/>
                 <a:ea typeface="나눔스퀘어 Bold" panose="020B0600000101010101" pitchFamily="50" charset="-127"/>
               </a:rPr>
-              <a:t>가장 긴 증가하는 부분 수열</a:t>
-            </a:r>
+              <a:t>자원 캐기</a:t>
+            </a:r>
+          </a:p>
+        </p:txBody>
+      </p:sp>
+      <p:sp>
+        <p:nvSpPr>
+          <p:cNvPr id="7" name="TextBox 6">
+            <a:extLst>
+              <a:ext uri="{FF2B5EF4-FFF2-40B4-BE49-F238E27FC236}">
+                <a16:creationId xmlns:a16="http://schemas.microsoft.com/office/drawing/2014/main" id="{87BA4993-2C52-5430-44FA-325A40C0ACAB}"/>
+              </a:ext>
+            </a:extLst>
+          </p:cNvPr>
+          <p:cNvSpPr txBox="1"/>
+          <p:nvPr/>
+        </p:nvSpPr>
+        <p:spPr>
+          <a:xfrm>
+            <a:off x="942387" y="1190024"/>
+            <a:ext cx="10313217" cy="369332"/>
+          </a:xfrm>
+          <a:prstGeom prst="rect">
+            <a:avLst/>
+          </a:prstGeom>
+          <a:noFill/>
+        </p:spPr>
+        <p:txBody>
+          <a:bodyPr wrap="square" rtlCol="0">
+            <a:spAutoFit/>
+          </a:bodyPr>
+          <a:lstStyle/>
+          <a:p>
+            <a:r>
+              <a:rPr lang="ko-KR" altLang="en-US" dirty="0">
+                <a:latin typeface="나눔스퀘어 Light" panose="020B0600000101010101" pitchFamily="50" charset="-127"/>
+                <a:ea typeface="나눔스퀘어 Light" panose="020B0600000101010101" pitchFamily="50" charset="-127"/>
+              </a:rPr>
+              <a:t>피보나치에서 했던 그대로</a:t>
+            </a:r>
+            <a:r>
+              <a:rPr lang="en-US" altLang="ko-KR" dirty="0">
+                <a:latin typeface="나눔스퀘어 Light" panose="020B0600000101010101" pitchFamily="50" charset="-127"/>
+                <a:ea typeface="나눔스퀘어 Light" panose="020B0600000101010101" pitchFamily="50" charset="-127"/>
+              </a:rPr>
+              <a:t>, </a:t>
+            </a:r>
+            <a:r>
+              <a:rPr lang="ko-KR" altLang="en-US" dirty="0">
+                <a:latin typeface="나눔스퀘어 Light" panose="020B0600000101010101" pitchFamily="50" charset="-127"/>
+                <a:ea typeface="나눔스퀘어 Light" panose="020B0600000101010101" pitchFamily="50" charset="-127"/>
+              </a:rPr>
+              <a:t>연산의 결과를 </a:t>
+            </a:r>
+            <a:r>
+              <a:rPr lang="ko-KR" altLang="en-US" dirty="0" err="1">
+                <a:latin typeface="나눔스퀘어 Light" panose="020B0600000101010101" pitchFamily="50" charset="-127"/>
+                <a:ea typeface="나눔스퀘어 Light" panose="020B0600000101010101" pitchFamily="50" charset="-127"/>
+              </a:rPr>
+              <a:t>저장해놓고</a:t>
+            </a:r>
+            <a:r>
+              <a:rPr lang="en-US" altLang="ko-KR" dirty="0">
+                <a:latin typeface="나눔스퀘어 Light" panose="020B0600000101010101" pitchFamily="50" charset="-127"/>
+                <a:ea typeface="나눔스퀘어 Light" panose="020B0600000101010101" pitchFamily="50" charset="-127"/>
+              </a:rPr>
+              <a:t>(</a:t>
+            </a:r>
+            <a:r>
+              <a:rPr lang="ko-KR" altLang="en-US" dirty="0" err="1">
+                <a:latin typeface="나눔스퀘어 Light" panose="020B0600000101010101" pitchFamily="50" charset="-127"/>
+                <a:ea typeface="나눔스퀘어 Light" panose="020B0600000101010101" pitchFamily="50" charset="-127"/>
+              </a:rPr>
+              <a:t>메모이제이션</a:t>
+            </a:r>
+            <a:r>
+              <a:rPr lang="en-US" altLang="ko-KR" dirty="0">
+                <a:latin typeface="나눔스퀘어 Light" panose="020B0600000101010101" pitchFamily="50" charset="-127"/>
+                <a:ea typeface="나눔스퀘어 Light" panose="020B0600000101010101" pitchFamily="50" charset="-127"/>
+              </a:rPr>
+              <a:t>), </a:t>
+            </a:r>
+            <a:r>
+              <a:rPr lang="ko-KR" altLang="en-US" dirty="0">
+                <a:latin typeface="나눔스퀘어 Light" panose="020B0600000101010101" pitchFamily="50" charset="-127"/>
+                <a:ea typeface="나눔스퀘어 Light" panose="020B0600000101010101" pitchFamily="50" charset="-127"/>
+              </a:rPr>
+              <a:t>같은 연산이 필요할 때 </a:t>
+            </a:r>
+            <a:r>
+              <a:rPr lang="ko-KR" altLang="en-US" dirty="0" err="1">
+                <a:latin typeface="나눔스퀘어 Light" panose="020B0600000101010101" pitchFamily="50" charset="-127"/>
+                <a:ea typeface="나눔스퀘어 Light" panose="020B0600000101010101" pitchFamily="50" charset="-127"/>
+              </a:rPr>
+              <a:t>꺼내쓰면</a:t>
+            </a:r>
+            <a:r>
+              <a:rPr lang="ko-KR" altLang="en-US" dirty="0">
+                <a:latin typeface="나눔스퀘어 Light" panose="020B0600000101010101" pitchFamily="50" charset="-127"/>
+                <a:ea typeface="나눔스퀘어 Light" panose="020B0600000101010101" pitchFamily="50" charset="-127"/>
+              </a:rPr>
+              <a:t> 됩니다</a:t>
+            </a:r>
+            <a:r>
+              <a:rPr lang="en-US" altLang="ko-KR" dirty="0">
+                <a:latin typeface="나눔스퀘어 Light" panose="020B0600000101010101" pitchFamily="50" charset="-127"/>
+                <a:ea typeface="나눔스퀘어 Light" panose="020B0600000101010101" pitchFamily="50" charset="-127"/>
+              </a:rPr>
+              <a:t>.</a:t>
+            </a:r>
+            <a:endParaRPr lang="ko-KR" altLang="en-US" dirty="0">
+              <a:latin typeface="나눔스퀘어 Light" panose="020B0600000101010101" pitchFamily="50" charset="-127"/>
+              <a:ea typeface="나눔스퀘어 Light" panose="020B0600000101010101" pitchFamily="50" charset="-127"/>
+            </a:endParaRPr>
+          </a:p>
+        </p:txBody>
+      </p:sp>
+      <p:sp>
+        <p:nvSpPr>
+          <p:cNvPr id="8" name="TextBox 7">
+            <a:extLst>
+              <a:ext uri="{FF2B5EF4-FFF2-40B4-BE49-F238E27FC236}">
+                <a16:creationId xmlns:a16="http://schemas.microsoft.com/office/drawing/2014/main" id="{2F06F0BD-D2AA-33C2-009F-752CEF515EC1}"/>
+              </a:ext>
+            </a:extLst>
+          </p:cNvPr>
+          <p:cNvSpPr txBox="1"/>
+          <p:nvPr/>
+        </p:nvSpPr>
+        <p:spPr>
+          <a:xfrm>
+            <a:off x="942387" y="1559356"/>
+            <a:ext cx="10313217" cy="369332"/>
+          </a:xfrm>
+          <a:prstGeom prst="rect">
+            <a:avLst/>
+          </a:prstGeom>
+          <a:noFill/>
+        </p:spPr>
+        <p:txBody>
+          <a:bodyPr wrap="square" rtlCol="0">
+            <a:spAutoFit/>
+          </a:bodyPr>
+          <a:lstStyle/>
+          <a:p>
+            <a:r>
+              <a:rPr lang="ko-KR" altLang="en-US" dirty="0">
+                <a:latin typeface="나눔스퀘어 Light" panose="020B0600000101010101" pitchFamily="50" charset="-127"/>
+                <a:ea typeface="나눔스퀘어 Light" panose="020B0600000101010101" pitchFamily="50" charset="-127"/>
+              </a:rPr>
+              <a:t>앞의 코드에 연산의 결과</a:t>
+            </a:r>
+            <a:r>
+              <a:rPr lang="en-US" altLang="ko-KR" dirty="0">
+                <a:latin typeface="나눔스퀘어 Light" panose="020B0600000101010101" pitchFamily="50" charset="-127"/>
+                <a:ea typeface="나눔스퀘어 Light" panose="020B0600000101010101" pitchFamily="50" charset="-127"/>
+              </a:rPr>
+              <a:t>(x, y</a:t>
+            </a:r>
+            <a:r>
+              <a:rPr lang="ko-KR" altLang="en-US" dirty="0">
+                <a:latin typeface="나눔스퀘어 Light" panose="020B0600000101010101" pitchFamily="50" charset="-127"/>
+                <a:ea typeface="나눔스퀘어 Light" panose="020B0600000101010101" pitchFamily="50" charset="-127"/>
+              </a:rPr>
+              <a:t>에서의 광석 최대값</a:t>
+            </a:r>
+            <a:r>
+              <a:rPr lang="en-US" altLang="ko-KR" dirty="0">
+                <a:latin typeface="나눔스퀘어 Light" panose="020B0600000101010101" pitchFamily="50" charset="-127"/>
+                <a:ea typeface="나눔스퀘어 Light" panose="020B0600000101010101" pitchFamily="50" charset="-127"/>
+              </a:rPr>
+              <a:t>)</a:t>
+            </a:r>
+            <a:r>
+              <a:rPr lang="ko-KR" altLang="en-US" dirty="0">
+                <a:latin typeface="나눔스퀘어 Light" panose="020B0600000101010101" pitchFamily="50" charset="-127"/>
+                <a:ea typeface="나눔스퀘어 Light" panose="020B0600000101010101" pitchFamily="50" charset="-127"/>
+              </a:rPr>
+              <a:t>를 저장할 배열 </a:t>
+            </a:r>
+            <a:r>
+              <a:rPr lang="en-US" altLang="ko-KR" dirty="0" err="1">
+                <a:latin typeface="나눔스퀘어 Light" panose="020B0600000101010101" pitchFamily="50" charset="-127"/>
+                <a:ea typeface="나눔스퀘어 Light" panose="020B0600000101010101" pitchFamily="50" charset="-127"/>
+              </a:rPr>
+              <a:t>dp</a:t>
+            </a:r>
+            <a:r>
+              <a:rPr lang="en-US" altLang="ko-KR" dirty="0">
+                <a:latin typeface="나눔스퀘어 Light" panose="020B0600000101010101" pitchFamily="50" charset="-127"/>
+                <a:ea typeface="나눔스퀘어 Light" panose="020B0600000101010101" pitchFamily="50" charset="-127"/>
+              </a:rPr>
+              <a:t>[][]</a:t>
+            </a:r>
+            <a:r>
+              <a:rPr lang="ko-KR" altLang="en-US" dirty="0">
+                <a:latin typeface="나눔스퀘어 Light" panose="020B0600000101010101" pitchFamily="50" charset="-127"/>
+                <a:ea typeface="나눔스퀘어 Light" panose="020B0600000101010101" pitchFamily="50" charset="-127"/>
+              </a:rPr>
+              <a:t>를 선언하겠습니다</a:t>
+            </a:r>
+            <a:r>
+              <a:rPr lang="en-US" altLang="ko-KR" dirty="0">
+                <a:latin typeface="나눔스퀘어 Light" panose="020B0600000101010101" pitchFamily="50" charset="-127"/>
+                <a:ea typeface="나눔스퀘어 Light" panose="020B0600000101010101" pitchFamily="50" charset="-127"/>
+              </a:rPr>
+              <a:t>.</a:t>
+            </a:r>
+            <a:endParaRPr lang="ko-KR" altLang="en-US" dirty="0">
+              <a:latin typeface="나눔스퀘어 Light" panose="020B0600000101010101" pitchFamily="50" charset="-127"/>
+              <a:ea typeface="나눔스퀘어 Light" panose="020B0600000101010101" pitchFamily="50" charset="-127"/>
+            </a:endParaRPr>
+          </a:p>
+        </p:txBody>
+      </p:sp>
+      <p:sp>
+        <p:nvSpPr>
+          <p:cNvPr id="10" name="TextBox 9">
+            <a:extLst>
+              <a:ext uri="{FF2B5EF4-FFF2-40B4-BE49-F238E27FC236}">
+                <a16:creationId xmlns:a16="http://schemas.microsoft.com/office/drawing/2014/main" id="{50032181-E078-C352-01EA-804E08238F54}"/>
+              </a:ext>
+            </a:extLst>
+          </p:cNvPr>
+          <p:cNvSpPr txBox="1"/>
+          <p:nvPr/>
+        </p:nvSpPr>
+        <p:spPr>
+          <a:xfrm>
+            <a:off x="942387" y="1928688"/>
+            <a:ext cx="10313217" cy="369332"/>
+          </a:xfrm>
+          <a:prstGeom prst="rect">
+            <a:avLst/>
+          </a:prstGeom>
+          <a:noFill/>
+        </p:spPr>
+        <p:txBody>
+          <a:bodyPr wrap="square" rtlCol="0">
+            <a:spAutoFit/>
+          </a:bodyPr>
+          <a:lstStyle/>
+          <a:p>
+            <a:r>
+              <a:rPr lang="ko-KR" altLang="en-US" dirty="0">
+                <a:latin typeface="나눔스퀘어 Light" panose="020B0600000101010101" pitchFamily="50" charset="-127"/>
+                <a:ea typeface="나눔스퀘어 Light" panose="020B0600000101010101" pitchFamily="50" charset="-127"/>
+              </a:rPr>
+              <a:t>그리고</a:t>
+            </a:r>
+            <a:r>
+              <a:rPr lang="en-US" altLang="ko-KR" dirty="0">
+                <a:latin typeface="나눔스퀘어 Light" panose="020B0600000101010101" pitchFamily="50" charset="-127"/>
+                <a:ea typeface="나눔스퀘어 Light" panose="020B0600000101010101" pitchFamily="50" charset="-127"/>
+              </a:rPr>
+              <a:t>, </a:t>
+            </a:r>
+            <a:r>
+              <a:rPr lang="ko-KR" altLang="en-US" dirty="0">
+                <a:latin typeface="나눔스퀘어 Light" panose="020B0600000101010101" pitchFamily="50" charset="-127"/>
+                <a:ea typeface="나눔스퀘어 Light" panose="020B0600000101010101" pitchFamily="50" charset="-127"/>
+              </a:rPr>
+              <a:t>값이 </a:t>
+            </a:r>
+            <a:r>
+              <a:rPr lang="ko-KR" altLang="en-US" dirty="0" err="1">
+                <a:latin typeface="나눔스퀘어 Light" panose="020B0600000101010101" pitchFamily="50" charset="-127"/>
+                <a:ea typeface="나눔스퀘어 Light" panose="020B0600000101010101" pitchFamily="50" charset="-127"/>
+              </a:rPr>
+              <a:t>저장됬는지</a:t>
+            </a:r>
+            <a:r>
+              <a:rPr lang="en-US" altLang="ko-KR" dirty="0">
+                <a:latin typeface="나눔스퀘어 Light" panose="020B0600000101010101" pitchFamily="50" charset="-127"/>
+                <a:ea typeface="나눔스퀘어 Light" panose="020B0600000101010101" pitchFamily="50" charset="-127"/>
+              </a:rPr>
+              <a:t>(</a:t>
+            </a:r>
+            <a:r>
+              <a:rPr lang="ko-KR" altLang="en-US" dirty="0">
+                <a:latin typeface="나눔스퀘어 Light" panose="020B0600000101010101" pitchFamily="50" charset="-127"/>
+                <a:ea typeface="나눔스퀘어 Light" panose="020B0600000101010101" pitchFamily="50" charset="-127"/>
+              </a:rPr>
+              <a:t>이미 구했던 연산인지</a:t>
+            </a:r>
+            <a:r>
+              <a:rPr lang="en-US" altLang="ko-KR" dirty="0">
+                <a:latin typeface="나눔스퀘어 Light" panose="020B0600000101010101" pitchFamily="50" charset="-127"/>
+                <a:ea typeface="나눔스퀘어 Light" panose="020B0600000101010101" pitchFamily="50" charset="-127"/>
+              </a:rPr>
+              <a:t>)</a:t>
+            </a:r>
+            <a:r>
+              <a:rPr lang="ko-KR" altLang="en-US" dirty="0">
+                <a:latin typeface="나눔스퀘어 Light" panose="020B0600000101010101" pitchFamily="50" charset="-127"/>
+                <a:ea typeface="나눔스퀘어 Light" panose="020B0600000101010101" pitchFamily="50" charset="-127"/>
+              </a:rPr>
+              <a:t>의 여부를 알기 위해 연산의 결과로 나올 수 없는 아무런 값으로</a:t>
+            </a:r>
+          </a:p>
+        </p:txBody>
+      </p:sp>
+      <p:sp>
+        <p:nvSpPr>
+          <p:cNvPr id="11" name="TextBox 10">
+            <a:extLst>
+              <a:ext uri="{FF2B5EF4-FFF2-40B4-BE49-F238E27FC236}">
+                <a16:creationId xmlns:a16="http://schemas.microsoft.com/office/drawing/2014/main" id="{23A2D9FE-D18E-E979-417D-F39C3FBDA518}"/>
+              </a:ext>
+            </a:extLst>
+          </p:cNvPr>
+          <p:cNvSpPr txBox="1"/>
+          <p:nvPr/>
+        </p:nvSpPr>
+        <p:spPr>
+          <a:xfrm>
+            <a:off x="939391" y="2298020"/>
+            <a:ext cx="10313217" cy="369332"/>
+          </a:xfrm>
+          <a:prstGeom prst="rect">
+            <a:avLst/>
+          </a:prstGeom>
+          <a:noFill/>
+        </p:spPr>
+        <p:txBody>
+          <a:bodyPr wrap="square" rtlCol="0">
+            <a:spAutoFit/>
+          </a:bodyPr>
+          <a:lstStyle/>
+          <a:p>
+            <a:r>
+              <a:rPr lang="en-US" altLang="ko-KR" dirty="0">
+                <a:latin typeface="나눔스퀘어 Light" panose="020B0600000101010101" pitchFamily="50" charset="-127"/>
+                <a:ea typeface="나눔스퀘어 Light" panose="020B0600000101010101" pitchFamily="50" charset="-127"/>
+              </a:rPr>
+              <a:t>(</a:t>
+            </a:r>
+            <a:r>
+              <a:rPr lang="ko-KR" altLang="en-US" dirty="0">
+                <a:latin typeface="나눔스퀘어 Light" panose="020B0600000101010101" pitchFamily="50" charset="-127"/>
+                <a:ea typeface="나눔스퀘어 Light" panose="020B0600000101010101" pitchFamily="50" charset="-127"/>
+              </a:rPr>
+              <a:t>저는 </a:t>
+            </a:r>
+            <a:r>
+              <a:rPr lang="en-US" altLang="ko-KR" dirty="0">
+                <a:latin typeface="나눔스퀘어 Light" panose="020B0600000101010101" pitchFamily="50" charset="-127"/>
+                <a:ea typeface="나눔스퀘어 Light" panose="020B0600000101010101" pitchFamily="50" charset="-127"/>
+              </a:rPr>
+              <a:t>-1</a:t>
+            </a:r>
+            <a:r>
+              <a:rPr lang="ko-KR" altLang="en-US" dirty="0">
+                <a:latin typeface="나눔스퀘어 Light" panose="020B0600000101010101" pitchFamily="50" charset="-127"/>
+                <a:ea typeface="나눔스퀘어 Light" panose="020B0600000101010101" pitchFamily="50" charset="-127"/>
+              </a:rPr>
+              <a:t>로 하겠습니다</a:t>
+            </a:r>
+            <a:r>
+              <a:rPr lang="en-US" altLang="ko-KR" dirty="0">
+                <a:latin typeface="나눔스퀘어 Light" panose="020B0600000101010101" pitchFamily="50" charset="-127"/>
+                <a:ea typeface="나눔스퀘어 Light" panose="020B0600000101010101" pitchFamily="50" charset="-127"/>
+              </a:rPr>
+              <a:t>.) </a:t>
+            </a:r>
+            <a:r>
+              <a:rPr lang="ko-KR" altLang="en-US" dirty="0">
+                <a:latin typeface="나눔스퀘어 Light" panose="020B0600000101010101" pitchFamily="50" charset="-127"/>
+                <a:ea typeface="나눔스퀘어 Light" panose="020B0600000101010101" pitchFamily="50" charset="-127"/>
+              </a:rPr>
+              <a:t>초기화 </a:t>
+            </a:r>
+            <a:r>
+              <a:rPr lang="ko-KR" altLang="en-US" dirty="0" err="1">
+                <a:latin typeface="나눔스퀘어 Light" panose="020B0600000101010101" pitchFamily="50" charset="-127"/>
+                <a:ea typeface="나눔스퀘어 Light" panose="020B0600000101010101" pitchFamily="50" charset="-127"/>
+              </a:rPr>
+              <a:t>해두겠습니다</a:t>
+            </a:r>
+            <a:r>
+              <a:rPr lang="en-US" altLang="ko-KR" dirty="0">
+                <a:latin typeface="나눔스퀘어 Light" panose="020B0600000101010101" pitchFamily="50" charset="-127"/>
+                <a:ea typeface="나눔스퀘어 Light" panose="020B0600000101010101" pitchFamily="50" charset="-127"/>
+              </a:rPr>
+              <a:t>.</a:t>
+            </a:r>
+            <a:endParaRPr lang="ko-KR" altLang="en-US" dirty="0">
+              <a:latin typeface="나눔스퀘어 Light" panose="020B0600000101010101" pitchFamily="50" charset="-127"/>
+              <a:ea typeface="나눔스퀘어 Light" panose="020B0600000101010101" pitchFamily="50" charset="-127"/>
+            </a:endParaRPr>
           </a:p>
         </p:txBody>
       </p:sp>
       <p:pic>
         <p:nvPicPr>
-          <p:cNvPr id="3" name="그림 2">
-            <a:extLst>
-              <a:ext uri="{FF2B5EF4-FFF2-40B4-BE49-F238E27FC236}">
-                <a16:creationId xmlns:a16="http://schemas.microsoft.com/office/drawing/2014/main" id="{169B8E43-5AC5-E906-1298-4019C3E4AB35}"/>
+          <p:cNvPr id="15" name="그림 14">
+            <a:extLst>
+              <a:ext uri="{FF2B5EF4-FFF2-40B4-BE49-F238E27FC236}">
+                <a16:creationId xmlns:a16="http://schemas.microsoft.com/office/drawing/2014/main" id="{EE67F51B-6744-5E5D-5886-4FE969E6D8F5}"/>
               </a:ext>
             </a:extLst>
           </p:cNvPr>
@@ -14700,8 +15810,8 @@
         </p:blipFill>
         <p:spPr>
           <a:xfrm>
-            <a:off x="331694" y="971543"/>
-            <a:ext cx="9325226" cy="5715461"/>
+            <a:off x="939391" y="2969869"/>
+            <a:ext cx="4645016" cy="1371222"/>
           </a:xfrm>
           <a:prstGeom prst="rect">
             <a:avLst/>
@@ -14711,7 +15821,7 @@
     </p:spTree>
     <p:extLst>
       <p:ext uri="{BB962C8B-B14F-4D97-AF65-F5344CB8AC3E}">
-        <p14:creationId xmlns:p14="http://schemas.microsoft.com/office/powerpoint/2010/main" val="3855707884"/>
+        <p14:creationId xmlns:p14="http://schemas.microsoft.com/office/powerpoint/2010/main" val="3606816265"/>
       </p:ext>
     </p:extLst>
   </p:cSld>
@@ -14797,7 +15907,7 @@
         <p:spPr>
           <a:xfrm>
             <a:off x="331694" y="179902"/>
-            <a:ext cx="9506833" cy="523220"/>
+            <a:ext cx="6948441" cy="523220"/>
           </a:xfrm>
           <a:prstGeom prst="rect">
             <a:avLst/>
@@ -14815,22 +15925,782 @@
                 <a:latin typeface="나눔스퀘어 Bold" panose="020B0600000101010101" pitchFamily="50" charset="-127"/>
                 <a:ea typeface="나눔스퀘어 Bold" panose="020B0600000101010101" pitchFamily="50" charset="-127"/>
               </a:rPr>
-              <a:t>Dynamic Programming – 11053 </a:t>
+              <a:t>Dynamic Programming – 14430 </a:t>
             </a:r>
             <a:r>
               <a:rPr lang="ko-KR" altLang="en-US" sz="2800" dirty="0">
                 <a:latin typeface="나눔스퀘어 Bold" panose="020B0600000101010101" pitchFamily="50" charset="-127"/>
                 <a:ea typeface="나눔스퀘어 Bold" panose="020B0600000101010101" pitchFamily="50" charset="-127"/>
               </a:rPr>
-              <a:t>가장 긴 증가하는 부분 수열</a:t>
-            </a:r>
+              <a:t>자원 캐기</a:t>
+            </a:r>
+          </a:p>
+        </p:txBody>
+      </p:sp>
+      <p:sp>
+        <p:nvSpPr>
+          <p:cNvPr id="7" name="TextBox 6">
+            <a:extLst>
+              <a:ext uri="{FF2B5EF4-FFF2-40B4-BE49-F238E27FC236}">
+                <a16:creationId xmlns:a16="http://schemas.microsoft.com/office/drawing/2014/main" id="{87BA4993-2C52-5430-44FA-325A40C0ACAB}"/>
+              </a:ext>
+            </a:extLst>
+          </p:cNvPr>
+          <p:cNvSpPr txBox="1"/>
+          <p:nvPr/>
+        </p:nvSpPr>
+        <p:spPr>
+          <a:xfrm>
+            <a:off x="942387" y="1190024"/>
+            <a:ext cx="10313217" cy="369332"/>
+          </a:xfrm>
+          <a:prstGeom prst="rect">
+            <a:avLst/>
+          </a:prstGeom>
+          <a:noFill/>
+        </p:spPr>
+        <p:txBody>
+          <a:bodyPr wrap="square" rtlCol="0">
+            <a:spAutoFit/>
+          </a:bodyPr>
+          <a:lstStyle/>
+          <a:p>
+            <a:r>
+              <a:rPr lang="ko-KR" altLang="en-US" dirty="0">
+                <a:latin typeface="나눔스퀘어 Light" panose="020B0600000101010101" pitchFamily="50" charset="-127"/>
+                <a:ea typeface="나눔스퀘어 Light" panose="020B0600000101010101" pitchFamily="50" charset="-127"/>
+              </a:rPr>
+              <a:t>이제</a:t>
+            </a:r>
+            <a:r>
+              <a:rPr lang="en-US" altLang="ko-KR" dirty="0">
+                <a:latin typeface="나눔스퀘어 Light" panose="020B0600000101010101" pitchFamily="50" charset="-127"/>
+                <a:ea typeface="나눔스퀘어 Light" panose="020B0600000101010101" pitchFamily="50" charset="-127"/>
+              </a:rPr>
+              <a:t>, </a:t>
+            </a:r>
+            <a:r>
+              <a:rPr lang="ko-KR" altLang="en-US" dirty="0">
+                <a:latin typeface="나눔스퀘어 Light" panose="020B0600000101010101" pitchFamily="50" charset="-127"/>
+                <a:ea typeface="나눔스퀘어 Light" panose="020B0600000101010101" pitchFamily="50" charset="-127"/>
+              </a:rPr>
+              <a:t>앞의 코드에 연산의 결과를 저장 </a:t>
+            </a:r>
+            <a:r>
+              <a:rPr lang="en-US" altLang="ko-KR" dirty="0">
+                <a:latin typeface="나눔스퀘어 Light" panose="020B0600000101010101" pitchFamily="50" charset="-127"/>
+                <a:ea typeface="나눔스퀘어 Light" panose="020B0600000101010101" pitchFamily="50" charset="-127"/>
+              </a:rPr>
+              <a:t>/ </a:t>
+            </a:r>
+            <a:r>
+              <a:rPr lang="ko-KR" altLang="en-US" dirty="0" err="1">
+                <a:latin typeface="나눔스퀘어 Light" panose="020B0600000101010101" pitchFamily="50" charset="-127"/>
+                <a:ea typeface="나눔스퀘어 Light" panose="020B0600000101010101" pitchFamily="50" charset="-127"/>
+              </a:rPr>
+              <a:t>꺼내쓰는</a:t>
+            </a:r>
+            <a:r>
+              <a:rPr lang="ko-KR" altLang="en-US" dirty="0">
+                <a:latin typeface="나눔스퀘어 Light" panose="020B0600000101010101" pitchFamily="50" charset="-127"/>
+                <a:ea typeface="나눔스퀘어 Light" panose="020B0600000101010101" pitchFamily="50" charset="-127"/>
+              </a:rPr>
+              <a:t> 코드만 삽입하면 됩니다</a:t>
+            </a:r>
+            <a:r>
+              <a:rPr lang="en-US" altLang="ko-KR" dirty="0">
+                <a:latin typeface="나눔스퀘어 Light" panose="020B0600000101010101" pitchFamily="50" charset="-127"/>
+                <a:ea typeface="나눔스퀘어 Light" panose="020B0600000101010101" pitchFamily="50" charset="-127"/>
+              </a:rPr>
+              <a:t>.</a:t>
+            </a:r>
+            <a:endParaRPr lang="ko-KR" altLang="en-US" dirty="0">
+              <a:latin typeface="나눔스퀘어 Light" panose="020B0600000101010101" pitchFamily="50" charset="-127"/>
+              <a:ea typeface="나눔스퀘어 Light" panose="020B0600000101010101" pitchFamily="50" charset="-127"/>
+            </a:endParaRPr>
+          </a:p>
+        </p:txBody>
+      </p:sp>
+      <p:sp>
+        <p:nvSpPr>
+          <p:cNvPr id="8" name="TextBox 7">
+            <a:extLst>
+              <a:ext uri="{FF2B5EF4-FFF2-40B4-BE49-F238E27FC236}">
+                <a16:creationId xmlns:a16="http://schemas.microsoft.com/office/drawing/2014/main" id="{2F06F0BD-D2AA-33C2-009F-752CEF515EC1}"/>
+              </a:ext>
+            </a:extLst>
+          </p:cNvPr>
+          <p:cNvSpPr txBox="1"/>
+          <p:nvPr/>
+        </p:nvSpPr>
+        <p:spPr>
+          <a:xfrm>
+            <a:off x="942387" y="1559356"/>
+            <a:ext cx="10313217" cy="369332"/>
+          </a:xfrm>
+          <a:prstGeom prst="rect">
+            <a:avLst/>
+          </a:prstGeom>
+          <a:noFill/>
+        </p:spPr>
+        <p:txBody>
+          <a:bodyPr wrap="square" rtlCol="0">
+            <a:spAutoFit/>
+          </a:bodyPr>
+          <a:lstStyle/>
+          <a:p>
+            <a:r>
+              <a:rPr lang="ko-KR" altLang="en-US" dirty="0">
+                <a:latin typeface="나눔스퀘어 Light" panose="020B0600000101010101" pitchFamily="50" charset="-127"/>
+                <a:ea typeface="나눔스퀘어 Light" panose="020B0600000101010101" pitchFamily="50" charset="-127"/>
+              </a:rPr>
+              <a:t>구하려는 연산이 아직 구하지 않았던 연산이라면</a:t>
+            </a:r>
+            <a:r>
+              <a:rPr lang="en-US" altLang="ko-KR" dirty="0">
+                <a:latin typeface="나눔스퀘어 Light" panose="020B0600000101010101" pitchFamily="50" charset="-127"/>
+                <a:ea typeface="나눔스퀘어 Light" panose="020B0600000101010101" pitchFamily="50" charset="-127"/>
+              </a:rPr>
+              <a:t>(if </a:t>
+            </a:r>
+            <a:r>
+              <a:rPr lang="en-US" altLang="ko-KR" dirty="0" err="1">
+                <a:latin typeface="나눔스퀘어 Light" panose="020B0600000101010101" pitchFamily="50" charset="-127"/>
+                <a:ea typeface="나눔스퀘어 Light" panose="020B0600000101010101" pitchFamily="50" charset="-127"/>
+              </a:rPr>
+              <a:t>dp</a:t>
+            </a:r>
+            <a:r>
+              <a:rPr lang="en-US" altLang="ko-KR" dirty="0">
+                <a:latin typeface="나눔스퀘어 Light" panose="020B0600000101010101" pitchFamily="50" charset="-127"/>
+                <a:ea typeface="나눔스퀘어 Light" panose="020B0600000101010101" pitchFamily="50" charset="-127"/>
+              </a:rPr>
+              <a:t>[x][y]</a:t>
+            </a:r>
+            <a:r>
+              <a:rPr lang="ko-KR" altLang="en-US" dirty="0">
+                <a:latin typeface="나눔스퀘어 Light" panose="020B0600000101010101" pitchFamily="50" charset="-127"/>
+                <a:ea typeface="나눔스퀘어 Light" panose="020B0600000101010101" pitchFamily="50" charset="-127"/>
+              </a:rPr>
+              <a:t> </a:t>
+            </a:r>
+            <a:r>
+              <a:rPr lang="en-US" altLang="ko-KR" dirty="0">
+                <a:latin typeface="나눔스퀘어 Light" panose="020B0600000101010101" pitchFamily="50" charset="-127"/>
+                <a:ea typeface="나눔스퀘어 Light" panose="020B0600000101010101" pitchFamily="50" charset="-127"/>
+              </a:rPr>
+              <a:t>==</a:t>
+            </a:r>
+            <a:r>
+              <a:rPr lang="ko-KR" altLang="en-US" dirty="0">
+                <a:latin typeface="나눔스퀘어 Light" panose="020B0600000101010101" pitchFamily="50" charset="-127"/>
+                <a:ea typeface="나눔스퀘어 Light" panose="020B0600000101010101" pitchFamily="50" charset="-127"/>
+              </a:rPr>
+              <a:t> </a:t>
+            </a:r>
+            <a:r>
+              <a:rPr lang="en-US" altLang="ko-KR" dirty="0">
+                <a:latin typeface="나눔스퀘어 Light" panose="020B0600000101010101" pitchFamily="50" charset="-127"/>
+                <a:ea typeface="나눔스퀘어 Light" panose="020B0600000101010101" pitchFamily="50" charset="-127"/>
+              </a:rPr>
+              <a:t>-1)</a:t>
+            </a:r>
+            <a:endParaRPr lang="ko-KR" altLang="en-US" dirty="0">
+              <a:latin typeface="나눔스퀘어 Light" panose="020B0600000101010101" pitchFamily="50" charset="-127"/>
+              <a:ea typeface="나눔스퀘어 Light" panose="020B0600000101010101" pitchFamily="50" charset="-127"/>
+            </a:endParaRPr>
+          </a:p>
+        </p:txBody>
+      </p:sp>
+      <p:sp>
+        <p:nvSpPr>
+          <p:cNvPr id="10" name="TextBox 9">
+            <a:extLst>
+              <a:ext uri="{FF2B5EF4-FFF2-40B4-BE49-F238E27FC236}">
+                <a16:creationId xmlns:a16="http://schemas.microsoft.com/office/drawing/2014/main" id="{50032181-E078-C352-01EA-804E08238F54}"/>
+              </a:ext>
+            </a:extLst>
+          </p:cNvPr>
+          <p:cNvSpPr txBox="1"/>
+          <p:nvPr/>
+        </p:nvSpPr>
+        <p:spPr>
+          <a:xfrm>
+            <a:off x="1551710" y="1928688"/>
+            <a:ext cx="9697904" cy="369332"/>
+          </a:xfrm>
+          <a:prstGeom prst="rect">
+            <a:avLst/>
+          </a:prstGeom>
+          <a:noFill/>
+        </p:spPr>
+        <p:txBody>
+          <a:bodyPr wrap="square" rtlCol="0">
+            <a:spAutoFit/>
+          </a:bodyPr>
+          <a:lstStyle/>
+          <a:p>
+            <a:r>
+              <a:rPr lang="ko-KR" altLang="en-US" dirty="0">
+                <a:latin typeface="나눔스퀘어 Light" panose="020B0600000101010101" pitchFamily="50" charset="-127"/>
+                <a:ea typeface="나눔스퀘어 Light" panose="020B0600000101010101" pitchFamily="50" charset="-127"/>
+              </a:rPr>
+              <a:t>그 연산을 구하면서 </a:t>
+            </a:r>
+            <a:r>
+              <a:rPr lang="en-US" altLang="ko-KR" dirty="0" err="1">
+                <a:latin typeface="나눔스퀘어 Light" panose="020B0600000101010101" pitchFamily="50" charset="-127"/>
+                <a:ea typeface="나눔스퀘어 Light" panose="020B0600000101010101" pitchFamily="50" charset="-127"/>
+              </a:rPr>
+              <a:t>dp</a:t>
+            </a:r>
+            <a:r>
+              <a:rPr lang="en-US" altLang="ko-KR" dirty="0">
+                <a:latin typeface="나눔스퀘어 Light" panose="020B0600000101010101" pitchFamily="50" charset="-127"/>
+                <a:ea typeface="나눔스퀘어 Light" panose="020B0600000101010101" pitchFamily="50" charset="-127"/>
+              </a:rPr>
+              <a:t>[x][y]</a:t>
+            </a:r>
+            <a:r>
+              <a:rPr lang="ko-KR" altLang="en-US" dirty="0">
+                <a:latin typeface="나눔스퀘어 Light" panose="020B0600000101010101" pitchFamily="50" charset="-127"/>
+                <a:ea typeface="나눔스퀘어 Light" panose="020B0600000101010101" pitchFamily="50" charset="-127"/>
+              </a:rPr>
+              <a:t>에 값을 저장하고</a:t>
+            </a:r>
+            <a:r>
+              <a:rPr lang="en-US" altLang="ko-KR" dirty="0">
+                <a:latin typeface="나눔스퀘어 Light" panose="020B0600000101010101" pitchFamily="50" charset="-127"/>
+                <a:ea typeface="나눔스퀘어 Light" panose="020B0600000101010101" pitchFamily="50" charset="-127"/>
+              </a:rPr>
+              <a:t>,</a:t>
+            </a:r>
+            <a:endParaRPr lang="ko-KR" altLang="en-US" dirty="0">
+              <a:latin typeface="나눔스퀘어 Light" panose="020B0600000101010101" pitchFamily="50" charset="-127"/>
+              <a:ea typeface="나눔스퀘어 Light" panose="020B0600000101010101" pitchFamily="50" charset="-127"/>
+            </a:endParaRPr>
+          </a:p>
+        </p:txBody>
+      </p:sp>
+      <p:sp>
+        <p:nvSpPr>
+          <p:cNvPr id="11" name="TextBox 10">
+            <a:extLst>
+              <a:ext uri="{FF2B5EF4-FFF2-40B4-BE49-F238E27FC236}">
+                <a16:creationId xmlns:a16="http://schemas.microsoft.com/office/drawing/2014/main" id="{23A2D9FE-D18E-E979-417D-F39C3FBDA518}"/>
+              </a:ext>
+            </a:extLst>
+          </p:cNvPr>
+          <p:cNvSpPr txBox="1"/>
+          <p:nvPr/>
+        </p:nvSpPr>
+        <p:spPr>
+          <a:xfrm>
+            <a:off x="939391" y="2298020"/>
+            <a:ext cx="10313217" cy="369332"/>
+          </a:xfrm>
+          <a:prstGeom prst="rect">
+            <a:avLst/>
+          </a:prstGeom>
+          <a:noFill/>
+        </p:spPr>
+        <p:txBody>
+          <a:bodyPr wrap="square" rtlCol="0">
+            <a:spAutoFit/>
+          </a:bodyPr>
+          <a:lstStyle/>
+          <a:p>
+            <a:r>
+              <a:rPr lang="ko-KR" altLang="en-US" dirty="0">
+                <a:latin typeface="나눔스퀘어 Light" panose="020B0600000101010101" pitchFamily="50" charset="-127"/>
+                <a:ea typeface="나눔스퀘어 Light" panose="020B0600000101010101" pitchFamily="50" charset="-127"/>
+              </a:rPr>
+              <a:t>그렇지 않다면</a:t>
+            </a:r>
+            <a:r>
+              <a:rPr lang="en-US" altLang="ko-KR" dirty="0">
+                <a:latin typeface="나눔스퀘어 Light" panose="020B0600000101010101" pitchFamily="50" charset="-127"/>
+                <a:ea typeface="나눔스퀘어 Light" panose="020B0600000101010101" pitchFamily="50" charset="-127"/>
+              </a:rPr>
+              <a:t>(</a:t>
+            </a:r>
+            <a:r>
+              <a:rPr lang="ko-KR" altLang="en-US" dirty="0">
+                <a:latin typeface="나눔스퀘어 Light" panose="020B0600000101010101" pitchFamily="50" charset="-127"/>
+                <a:ea typeface="나눔스퀘어 Light" panose="020B0600000101010101" pitchFamily="50" charset="-127"/>
+              </a:rPr>
+              <a:t>이미 구했던 연산이라면</a:t>
+            </a:r>
+            <a:r>
+              <a:rPr lang="en-US" altLang="ko-KR" dirty="0">
+                <a:latin typeface="나눔스퀘어 Light" panose="020B0600000101010101" pitchFamily="50" charset="-127"/>
+                <a:ea typeface="나눔스퀘어 Light" panose="020B0600000101010101" pitchFamily="50" charset="-127"/>
+              </a:rPr>
+              <a:t>) (if </a:t>
+            </a:r>
+            <a:r>
+              <a:rPr lang="en-US" altLang="ko-KR" dirty="0" err="1">
+                <a:latin typeface="나눔스퀘어 Light" panose="020B0600000101010101" pitchFamily="50" charset="-127"/>
+                <a:ea typeface="나눔스퀘어 Light" panose="020B0600000101010101" pitchFamily="50" charset="-127"/>
+              </a:rPr>
+              <a:t>dp</a:t>
+            </a:r>
+            <a:r>
+              <a:rPr lang="en-US" altLang="ko-KR" dirty="0">
+                <a:latin typeface="나눔스퀘어 Light" panose="020B0600000101010101" pitchFamily="50" charset="-127"/>
+                <a:ea typeface="나눔스퀘어 Light" panose="020B0600000101010101" pitchFamily="50" charset="-127"/>
+              </a:rPr>
+              <a:t>[x][y]</a:t>
+            </a:r>
+            <a:r>
+              <a:rPr lang="ko-KR" altLang="en-US" dirty="0">
+                <a:latin typeface="나눔스퀘어 Light" panose="020B0600000101010101" pitchFamily="50" charset="-127"/>
+                <a:ea typeface="나눔스퀘어 Light" panose="020B0600000101010101" pitchFamily="50" charset="-127"/>
+              </a:rPr>
+              <a:t> </a:t>
+            </a:r>
+            <a:r>
+              <a:rPr lang="en-US" altLang="ko-KR" dirty="0">
+                <a:latin typeface="나눔스퀘어 Light" panose="020B0600000101010101" pitchFamily="50" charset="-127"/>
+                <a:ea typeface="나눔스퀘어 Light" panose="020B0600000101010101" pitchFamily="50" charset="-127"/>
+              </a:rPr>
+              <a:t>!=</a:t>
+            </a:r>
+            <a:r>
+              <a:rPr lang="ko-KR" altLang="en-US" dirty="0">
+                <a:latin typeface="나눔스퀘어 Light" panose="020B0600000101010101" pitchFamily="50" charset="-127"/>
+                <a:ea typeface="나눔스퀘어 Light" panose="020B0600000101010101" pitchFamily="50" charset="-127"/>
+              </a:rPr>
+              <a:t> </a:t>
+            </a:r>
+            <a:r>
+              <a:rPr lang="en-US" altLang="ko-KR" dirty="0">
+                <a:latin typeface="나눔스퀘어 Light" panose="020B0600000101010101" pitchFamily="50" charset="-127"/>
+                <a:ea typeface="나눔스퀘어 Light" panose="020B0600000101010101" pitchFamily="50" charset="-127"/>
+              </a:rPr>
+              <a:t>-1)</a:t>
+            </a:r>
+            <a:endParaRPr lang="ko-KR" altLang="en-US" dirty="0">
+              <a:latin typeface="나눔스퀘어 Light" panose="020B0600000101010101" pitchFamily="50" charset="-127"/>
+              <a:ea typeface="나눔스퀘어 Light" panose="020B0600000101010101" pitchFamily="50" charset="-127"/>
+            </a:endParaRPr>
+          </a:p>
+        </p:txBody>
+      </p:sp>
+      <p:sp>
+        <p:nvSpPr>
+          <p:cNvPr id="2" name="TextBox 1">
+            <a:extLst>
+              <a:ext uri="{FF2B5EF4-FFF2-40B4-BE49-F238E27FC236}">
+                <a16:creationId xmlns:a16="http://schemas.microsoft.com/office/drawing/2014/main" id="{25BE7644-26AD-4664-3EF0-8FE6B13A2152}"/>
+              </a:ext>
+            </a:extLst>
+          </p:cNvPr>
+          <p:cNvSpPr txBox="1"/>
+          <p:nvPr/>
+        </p:nvSpPr>
+        <p:spPr>
+          <a:xfrm>
+            <a:off x="1551710" y="2667352"/>
+            <a:ext cx="9697904" cy="369332"/>
+          </a:xfrm>
+          <a:prstGeom prst="rect">
+            <a:avLst/>
+          </a:prstGeom>
+          <a:noFill/>
+        </p:spPr>
+        <p:txBody>
+          <a:bodyPr wrap="square" rtlCol="0">
+            <a:spAutoFit/>
+          </a:bodyPr>
+          <a:lstStyle/>
+          <a:p>
+            <a:r>
+              <a:rPr lang="ko-KR" altLang="en-US" dirty="0">
+                <a:latin typeface="나눔스퀘어 Light" panose="020B0600000101010101" pitchFamily="50" charset="-127"/>
+                <a:ea typeface="나눔스퀘어 Light" panose="020B0600000101010101" pitchFamily="50" charset="-127"/>
+              </a:rPr>
+              <a:t>저장했던 값을 불러와 중복 제거를 할 수 있습니다</a:t>
+            </a:r>
+            <a:r>
+              <a:rPr lang="en-US" altLang="ko-KR" dirty="0">
+                <a:latin typeface="나눔스퀘어 Light" panose="020B0600000101010101" pitchFamily="50" charset="-127"/>
+                <a:ea typeface="나눔스퀘어 Light" panose="020B0600000101010101" pitchFamily="50" charset="-127"/>
+              </a:rPr>
+              <a:t>.</a:t>
+            </a:r>
+            <a:endParaRPr lang="ko-KR" altLang="en-US" dirty="0">
+              <a:latin typeface="나눔스퀘어 Light" panose="020B0600000101010101" pitchFamily="50" charset="-127"/>
+              <a:ea typeface="나눔스퀘어 Light" panose="020B0600000101010101" pitchFamily="50" charset="-127"/>
+            </a:endParaRPr>
+          </a:p>
+        </p:txBody>
+      </p:sp>
+      <p:pic>
+        <p:nvPicPr>
+          <p:cNvPr id="6" name="그림 5">
+            <a:extLst>
+              <a:ext uri="{FF2B5EF4-FFF2-40B4-BE49-F238E27FC236}">
+                <a16:creationId xmlns:a16="http://schemas.microsoft.com/office/drawing/2014/main" id="{35A303FC-23CB-4B2A-ECED-F7D23AD6CD32}"/>
+              </a:ext>
+            </a:extLst>
+          </p:cNvPr>
+          <p:cNvPicPr>
+            <a:picLocks noChangeAspect="1"/>
+          </p:cNvPicPr>
+          <p:nvPr/>
+        </p:nvPicPr>
+        <p:blipFill>
+          <a:blip r:embed="rId2"/>
+          <a:stretch>
+            <a:fillRect/>
+          </a:stretch>
+        </p:blipFill>
+        <p:spPr>
+          <a:xfrm>
+            <a:off x="939391" y="3036684"/>
+            <a:ext cx="7327154" cy="3609899"/>
+          </a:xfrm>
+          <a:prstGeom prst="rect">
+            <a:avLst/>
+          </a:prstGeom>
+        </p:spPr>
+      </p:pic>
+      <p:sp>
+        <p:nvSpPr>
+          <p:cNvPr id="13" name="TextBox 12">
+            <a:extLst>
+              <a:ext uri="{FF2B5EF4-FFF2-40B4-BE49-F238E27FC236}">
+                <a16:creationId xmlns:a16="http://schemas.microsoft.com/office/drawing/2014/main" id="{37CF8C51-50C7-1870-4948-F86B8AA7C710}"/>
+              </a:ext>
+            </a:extLst>
+          </p:cNvPr>
+          <p:cNvSpPr txBox="1"/>
+          <p:nvPr/>
+        </p:nvSpPr>
+        <p:spPr>
+          <a:xfrm>
+            <a:off x="8534401" y="3174986"/>
+            <a:ext cx="2715213" cy="369332"/>
+          </a:xfrm>
+          <a:prstGeom prst="rect">
+            <a:avLst/>
+          </a:prstGeom>
+          <a:noFill/>
+        </p:spPr>
+        <p:txBody>
+          <a:bodyPr wrap="square" rtlCol="0">
+            <a:spAutoFit/>
+          </a:bodyPr>
+          <a:lstStyle/>
+          <a:p>
+            <a:r>
+              <a:rPr lang="ko-KR" altLang="en-US" dirty="0" err="1">
+                <a:latin typeface="나눔스퀘어 Light" panose="020B0600000101010101" pitchFamily="50" charset="-127"/>
+                <a:ea typeface="나눔스퀘어 Light" panose="020B0600000101010101" pitchFamily="50" charset="-127"/>
+              </a:rPr>
+              <a:t>이런식으로</a:t>
+            </a:r>
+            <a:r>
+              <a:rPr lang="en-US" altLang="ko-KR" dirty="0">
+                <a:latin typeface="나눔스퀘어 Light" panose="020B0600000101010101" pitchFamily="50" charset="-127"/>
+                <a:ea typeface="나눔스퀘어 Light" panose="020B0600000101010101" pitchFamily="50" charset="-127"/>
+              </a:rPr>
+              <a:t>,</a:t>
+            </a:r>
+            <a:endParaRPr lang="ko-KR" altLang="en-US" dirty="0">
+              <a:latin typeface="나눔스퀘어 Light" panose="020B0600000101010101" pitchFamily="50" charset="-127"/>
+              <a:ea typeface="나눔스퀘어 Light" panose="020B0600000101010101" pitchFamily="50" charset="-127"/>
+            </a:endParaRPr>
+          </a:p>
+        </p:txBody>
+      </p:sp>
+      <p:sp>
+        <p:nvSpPr>
+          <p:cNvPr id="14" name="TextBox 13">
+            <a:extLst>
+              <a:ext uri="{FF2B5EF4-FFF2-40B4-BE49-F238E27FC236}">
+                <a16:creationId xmlns:a16="http://schemas.microsoft.com/office/drawing/2014/main" id="{643E3396-1209-D51E-FFF7-D18FE2C71623}"/>
+              </a:ext>
+            </a:extLst>
+          </p:cNvPr>
+          <p:cNvSpPr txBox="1"/>
+          <p:nvPr/>
+        </p:nvSpPr>
+        <p:spPr>
+          <a:xfrm>
+            <a:off x="8534401" y="3548971"/>
+            <a:ext cx="2715213" cy="369332"/>
+          </a:xfrm>
+          <a:prstGeom prst="rect">
+            <a:avLst/>
+          </a:prstGeom>
+          <a:noFill/>
+        </p:spPr>
+        <p:txBody>
+          <a:bodyPr wrap="square" rtlCol="0">
+            <a:spAutoFit/>
+          </a:bodyPr>
+          <a:lstStyle/>
+          <a:p>
+            <a:r>
+              <a:rPr lang="ko-KR" altLang="en-US" dirty="0">
+                <a:latin typeface="나눔스퀘어 Light" panose="020B0600000101010101" pitchFamily="50" charset="-127"/>
+                <a:ea typeface="나눔스퀘어 Light" panose="020B0600000101010101" pitchFamily="50" charset="-127"/>
+              </a:rPr>
+              <a:t>전체 함수</a:t>
+            </a:r>
+            <a:r>
+              <a:rPr lang="en-US" altLang="ko-KR" dirty="0">
+                <a:latin typeface="나눔스퀘어 Light" panose="020B0600000101010101" pitchFamily="50" charset="-127"/>
+                <a:ea typeface="나눔스퀘어 Light" panose="020B0600000101010101" pitchFamily="50" charset="-127"/>
+              </a:rPr>
+              <a:t>(</a:t>
+            </a:r>
+            <a:r>
+              <a:rPr lang="ko-KR" altLang="en-US" dirty="0">
+                <a:latin typeface="나눔스퀘어 Light" panose="020B0600000101010101" pitchFamily="50" charset="-127"/>
+                <a:ea typeface="나눔스퀘어 Light" panose="020B0600000101010101" pitchFamily="50" charset="-127"/>
+              </a:rPr>
+              <a:t>큰 문제</a:t>
+            </a:r>
+            <a:r>
+              <a:rPr lang="en-US" altLang="ko-KR" dirty="0">
+                <a:latin typeface="나눔스퀘어 Light" panose="020B0600000101010101" pitchFamily="50" charset="-127"/>
+                <a:ea typeface="나눔스퀘어 Light" panose="020B0600000101010101" pitchFamily="50" charset="-127"/>
+              </a:rPr>
+              <a:t>)</a:t>
+            </a:r>
+            <a:r>
+              <a:rPr lang="ko-KR" altLang="en-US" dirty="0">
+                <a:latin typeface="나눔스퀘어 Light" panose="020B0600000101010101" pitchFamily="50" charset="-127"/>
+                <a:ea typeface="나눔스퀘어 Light" panose="020B0600000101010101" pitchFamily="50" charset="-127"/>
+              </a:rPr>
+              <a:t>에서</a:t>
+            </a:r>
+          </a:p>
+        </p:txBody>
+      </p:sp>
+      <p:sp>
+        <p:nvSpPr>
+          <p:cNvPr id="16" name="TextBox 15">
+            <a:extLst>
+              <a:ext uri="{FF2B5EF4-FFF2-40B4-BE49-F238E27FC236}">
+                <a16:creationId xmlns:a16="http://schemas.microsoft.com/office/drawing/2014/main" id="{8866C875-45C5-2C37-B526-F596F1585CCA}"/>
+              </a:ext>
+            </a:extLst>
+          </p:cNvPr>
+          <p:cNvSpPr txBox="1"/>
+          <p:nvPr/>
+        </p:nvSpPr>
+        <p:spPr>
+          <a:xfrm>
+            <a:off x="8534401" y="3920388"/>
+            <a:ext cx="2715213" cy="369332"/>
+          </a:xfrm>
+          <a:prstGeom prst="rect">
+            <a:avLst/>
+          </a:prstGeom>
+          <a:noFill/>
+        </p:spPr>
+        <p:txBody>
+          <a:bodyPr wrap="square" rtlCol="0">
+            <a:spAutoFit/>
+          </a:bodyPr>
+          <a:lstStyle/>
+          <a:p>
+            <a:r>
+              <a:rPr lang="ko-KR" altLang="en-US" dirty="0" err="1">
+                <a:latin typeface="나눔스퀘어 Light" panose="020B0600000101010101" pitchFamily="50" charset="-127"/>
+                <a:ea typeface="나눔스퀘어 Light" panose="020B0600000101010101" pitchFamily="50" charset="-127"/>
+              </a:rPr>
+              <a:t>부터</a:t>
+            </a:r>
+            <a:r>
+              <a:rPr lang="ko-KR" altLang="en-US" dirty="0">
+                <a:latin typeface="나눔스퀘어 Light" panose="020B0600000101010101" pitchFamily="50" charset="-127"/>
+                <a:ea typeface="나눔스퀘어 Light" panose="020B0600000101010101" pitchFamily="50" charset="-127"/>
+              </a:rPr>
+              <a:t> 시작하여 작은 부분</a:t>
+            </a:r>
+          </a:p>
+        </p:txBody>
+      </p:sp>
+      <p:sp>
+        <p:nvSpPr>
+          <p:cNvPr id="17" name="TextBox 16">
+            <a:extLst>
+              <a:ext uri="{FF2B5EF4-FFF2-40B4-BE49-F238E27FC236}">
+                <a16:creationId xmlns:a16="http://schemas.microsoft.com/office/drawing/2014/main" id="{A593D13A-6A9F-42D1-6F97-45DCBEFA74BF}"/>
+              </a:ext>
+            </a:extLst>
+          </p:cNvPr>
+          <p:cNvSpPr txBox="1"/>
+          <p:nvPr/>
+        </p:nvSpPr>
+        <p:spPr>
+          <a:xfrm>
+            <a:off x="8534401" y="4287635"/>
+            <a:ext cx="2715213" cy="369332"/>
+          </a:xfrm>
+          <a:prstGeom prst="rect">
+            <a:avLst/>
+          </a:prstGeom>
+          <a:noFill/>
+        </p:spPr>
+        <p:txBody>
+          <a:bodyPr wrap="square" rtlCol="0">
+            <a:spAutoFit/>
+          </a:bodyPr>
+          <a:lstStyle/>
+          <a:p>
+            <a:r>
+              <a:rPr lang="ko-KR" altLang="en-US" dirty="0">
+                <a:latin typeface="나눔스퀘어 Light" panose="020B0600000101010101" pitchFamily="50" charset="-127"/>
+                <a:ea typeface="나눔스퀘어 Light" panose="020B0600000101010101" pitchFamily="50" charset="-127"/>
+              </a:rPr>
+              <a:t>문제들을 풀어나가는</a:t>
+            </a:r>
+          </a:p>
+        </p:txBody>
+      </p:sp>
+      <p:sp>
+        <p:nvSpPr>
+          <p:cNvPr id="18" name="TextBox 17">
+            <a:extLst>
+              <a:ext uri="{FF2B5EF4-FFF2-40B4-BE49-F238E27FC236}">
+                <a16:creationId xmlns:a16="http://schemas.microsoft.com/office/drawing/2014/main" id="{04555E6A-652E-80AC-519B-16E72DAAEBB6}"/>
+              </a:ext>
+            </a:extLst>
+          </p:cNvPr>
+          <p:cNvSpPr txBox="1"/>
+          <p:nvPr/>
+        </p:nvSpPr>
+        <p:spPr>
+          <a:xfrm>
+            <a:off x="8534401" y="4656967"/>
+            <a:ext cx="2715213" cy="369332"/>
+          </a:xfrm>
+          <a:prstGeom prst="rect">
+            <a:avLst/>
+          </a:prstGeom>
+          <a:noFill/>
+        </p:spPr>
+        <p:txBody>
+          <a:bodyPr wrap="square" rtlCol="0">
+            <a:spAutoFit/>
+          </a:bodyPr>
+          <a:lstStyle/>
+          <a:p>
+            <a:r>
+              <a:rPr lang="ko-KR" altLang="en-US">
+                <a:latin typeface="나눔스퀘어 Light" panose="020B0600000101010101" pitchFamily="50" charset="-127"/>
+                <a:ea typeface="나눔스퀘어 Light" panose="020B0600000101010101" pitchFamily="50" charset="-127"/>
+              </a:rPr>
+              <a:t>방식을</a:t>
+            </a:r>
+            <a:endParaRPr lang="ko-KR" altLang="en-US" dirty="0">
+              <a:latin typeface="나눔스퀘어 Light" panose="020B0600000101010101" pitchFamily="50" charset="-127"/>
+              <a:ea typeface="나눔스퀘어 Light" panose="020B0600000101010101" pitchFamily="50" charset="-127"/>
+            </a:endParaRPr>
+          </a:p>
+        </p:txBody>
+      </p:sp>
+      <p:sp>
+        <p:nvSpPr>
+          <p:cNvPr id="19" name="TextBox 18">
+            <a:extLst>
+              <a:ext uri="{FF2B5EF4-FFF2-40B4-BE49-F238E27FC236}">
+                <a16:creationId xmlns:a16="http://schemas.microsoft.com/office/drawing/2014/main" id="{AAFFA89A-56EB-15F5-B4A0-F52FD169AB07}"/>
+              </a:ext>
+            </a:extLst>
+          </p:cNvPr>
+          <p:cNvSpPr txBox="1"/>
+          <p:nvPr/>
+        </p:nvSpPr>
+        <p:spPr>
+          <a:xfrm>
+            <a:off x="8534401" y="5024214"/>
+            <a:ext cx="2715213" cy="369332"/>
+          </a:xfrm>
+          <a:prstGeom prst="rect">
+            <a:avLst/>
+          </a:prstGeom>
+          <a:noFill/>
+        </p:spPr>
+        <p:txBody>
+          <a:bodyPr wrap="square" rtlCol="0">
+            <a:spAutoFit/>
+          </a:bodyPr>
+          <a:lstStyle/>
+          <a:p>
+            <a:r>
+              <a:rPr lang="en-US" altLang="ko-KR" dirty="0">
+                <a:latin typeface="나눔스퀘어 Light" panose="020B0600000101010101" pitchFamily="50" charset="-127"/>
+                <a:ea typeface="나눔스퀘어 Light" panose="020B0600000101010101" pitchFamily="50" charset="-127"/>
+              </a:rPr>
+              <a:t>Top Down</a:t>
+            </a:r>
+            <a:endParaRPr lang="ko-KR" altLang="en-US" dirty="0">
+              <a:latin typeface="나눔스퀘어 Light" panose="020B0600000101010101" pitchFamily="50" charset="-127"/>
+              <a:ea typeface="나눔스퀘어 Light" panose="020B0600000101010101" pitchFamily="50" charset="-127"/>
+            </a:endParaRPr>
+          </a:p>
+        </p:txBody>
+      </p:sp>
+      <p:sp>
+        <p:nvSpPr>
+          <p:cNvPr id="20" name="TextBox 19">
+            <a:extLst>
+              <a:ext uri="{FF2B5EF4-FFF2-40B4-BE49-F238E27FC236}">
+                <a16:creationId xmlns:a16="http://schemas.microsoft.com/office/drawing/2014/main" id="{515BF04D-F7FA-A84C-02B9-EF299F137253}"/>
+              </a:ext>
+            </a:extLst>
+          </p:cNvPr>
+          <p:cNvSpPr txBox="1"/>
+          <p:nvPr/>
+        </p:nvSpPr>
+        <p:spPr>
+          <a:xfrm>
+            <a:off x="8534401" y="5391461"/>
+            <a:ext cx="2715213" cy="369332"/>
+          </a:xfrm>
+          <a:prstGeom prst="rect">
+            <a:avLst/>
+          </a:prstGeom>
+          <a:noFill/>
+        </p:spPr>
+        <p:txBody>
+          <a:bodyPr wrap="square" rtlCol="0">
+            <a:spAutoFit/>
+          </a:bodyPr>
+          <a:lstStyle/>
+          <a:p>
+            <a:r>
+              <a:rPr lang="ko-KR" altLang="en-US" dirty="0">
+                <a:latin typeface="나눔스퀘어 Light" panose="020B0600000101010101" pitchFamily="50" charset="-127"/>
+                <a:ea typeface="나눔스퀘어 Light" panose="020B0600000101010101" pitchFamily="50" charset="-127"/>
+              </a:rPr>
+              <a:t>이라고 합니다</a:t>
+            </a:r>
+            <a:r>
+              <a:rPr lang="en-US" altLang="ko-KR" dirty="0">
+                <a:latin typeface="나눔스퀘어 Light" panose="020B0600000101010101" pitchFamily="50" charset="-127"/>
+                <a:ea typeface="나눔스퀘어 Light" panose="020B0600000101010101" pitchFamily="50" charset="-127"/>
+              </a:rPr>
+              <a:t>.</a:t>
+            </a:r>
+            <a:endParaRPr lang="ko-KR" altLang="en-US" dirty="0">
+              <a:latin typeface="나눔스퀘어 Light" panose="020B0600000101010101" pitchFamily="50" charset="-127"/>
+              <a:ea typeface="나눔스퀘어 Light" panose="020B0600000101010101" pitchFamily="50" charset="-127"/>
+            </a:endParaRPr>
           </a:p>
         </p:txBody>
       </p:sp>
     </p:spTree>
     <p:extLst>
       <p:ext uri="{BB962C8B-B14F-4D97-AF65-F5344CB8AC3E}">
-        <p14:creationId xmlns:p14="http://schemas.microsoft.com/office/powerpoint/2010/main" val="2543614075"/>
+        <p14:creationId xmlns:p14="http://schemas.microsoft.com/office/powerpoint/2010/main" val="1760743242"/>
       </p:ext>
     </p:extLst>
   </p:cSld>
@@ -14903,10 +16773,10 @@
       </p:cxnSp>
       <p:sp>
         <p:nvSpPr>
-          <p:cNvPr id="6" name="TextBox 5">
-            <a:extLst>
-              <a:ext uri="{FF2B5EF4-FFF2-40B4-BE49-F238E27FC236}">
-                <a16:creationId xmlns:a16="http://schemas.microsoft.com/office/drawing/2014/main" id="{908ED9B9-09D3-CFA8-625A-6F9BB9B6BD23}"/>
+          <p:cNvPr id="4" name="TextBox 3">
+            <a:extLst>
+              <a:ext uri="{FF2B5EF4-FFF2-40B4-BE49-F238E27FC236}">
+                <a16:creationId xmlns:a16="http://schemas.microsoft.com/office/drawing/2014/main" id="{59D13859-3C4A-53F0-C48F-C6B9095BD065}"/>
               </a:ext>
             </a:extLst>
           </p:cNvPr>
@@ -14915,8 +16785,8 @@
         </p:nvSpPr>
         <p:spPr>
           <a:xfrm>
-            <a:off x="331694" y="177505"/>
-            <a:ext cx="2006190" cy="523220"/>
+            <a:off x="331694" y="179902"/>
+            <a:ext cx="6948441" cy="523220"/>
           </a:xfrm>
           <a:prstGeom prst="rect">
             <a:avLst/>
@@ -14934,12 +16804,15 @@
                 <a:latin typeface="나눔스퀘어 Bold" panose="020B0600000101010101" pitchFamily="50" charset="-127"/>
                 <a:ea typeface="나눔스퀘어 Bold" panose="020B0600000101010101" pitchFamily="50" charset="-127"/>
               </a:rPr>
-              <a:t>Homework</a:t>
-            </a:r>
-            <a:endParaRPr lang="ko-KR" altLang="en-US" sz="2800" dirty="0">
-              <a:latin typeface="나눔스퀘어 Bold" panose="020B0600000101010101" pitchFamily="50" charset="-127"/>
-              <a:ea typeface="나눔스퀘어 Bold" panose="020B0600000101010101" pitchFamily="50" charset="-127"/>
-            </a:endParaRPr>
+              <a:t>Dynamic Programming – 14430 </a:t>
+            </a:r>
+            <a:r>
+              <a:rPr lang="ko-KR" altLang="en-US" sz="2800" dirty="0">
+                <a:latin typeface="나눔스퀘어 Bold" panose="020B0600000101010101" pitchFamily="50" charset="-127"/>
+                <a:ea typeface="나눔스퀘어 Bold" panose="020B0600000101010101" pitchFamily="50" charset="-127"/>
+              </a:rPr>
+              <a:t>자원 캐기</a:t>
+            </a:r>
           </a:p>
         </p:txBody>
       </p:sp>
@@ -14948,7 +16821,7 @@
           <p:cNvPr id="7" name="TextBox 6">
             <a:extLst>
               <a:ext uri="{FF2B5EF4-FFF2-40B4-BE49-F238E27FC236}">
-                <a16:creationId xmlns:a16="http://schemas.microsoft.com/office/drawing/2014/main" id="{DD092523-43DA-0A5F-0C04-8239F4BF07FC}"/>
+                <a16:creationId xmlns:a16="http://schemas.microsoft.com/office/drawing/2014/main" id="{87BA4993-2C52-5430-44FA-325A40C0ACAB}"/>
               </a:ext>
             </a:extLst>
           </p:cNvPr>
@@ -14957,8 +16830,8 @@
         </p:nvSpPr>
         <p:spPr>
           <a:xfrm>
-            <a:off x="942387" y="1661364"/>
-            <a:ext cx="8553305" cy="369332"/>
+            <a:off x="942387" y="1190024"/>
+            <a:ext cx="10313217" cy="369332"/>
           </a:xfrm>
           <a:prstGeom prst="rect">
             <a:avLst/>
@@ -14976,390 +16849,63 @@
                 <a:latin typeface="나눔스퀘어 Light" panose="020B0600000101010101" pitchFamily="50" charset="-127"/>
                 <a:ea typeface="나눔스퀘어 Light" panose="020B0600000101010101" pitchFamily="50" charset="-127"/>
               </a:rPr>
-              <a:t>1. 16395 </a:t>
+              <a:t>Top</a:t>
             </a:r>
             <a:r>
               <a:rPr lang="ko-KR" altLang="en-US" dirty="0">
                 <a:latin typeface="나눔스퀘어 Light" panose="020B0600000101010101" pitchFamily="50" charset="-127"/>
                 <a:ea typeface="나눔스퀘어 Light" panose="020B0600000101010101" pitchFamily="50" charset="-127"/>
               </a:rPr>
-              <a:t>파스칼의 삼각형</a:t>
-            </a:r>
-          </a:p>
-        </p:txBody>
-      </p:sp>
-      <p:sp>
-        <p:nvSpPr>
-          <p:cNvPr id="8" name="TextBox 7">
-            <a:extLst>
-              <a:ext uri="{FF2B5EF4-FFF2-40B4-BE49-F238E27FC236}">
-                <a16:creationId xmlns:a16="http://schemas.microsoft.com/office/drawing/2014/main" id="{80045CCB-6E92-45F3-05E2-D9718BBAEE86}"/>
-              </a:ext>
-            </a:extLst>
-          </p:cNvPr>
-          <p:cNvSpPr txBox="1"/>
-          <p:nvPr/>
-        </p:nvSpPr>
-        <p:spPr>
-          <a:xfrm>
-            <a:off x="942387" y="2030696"/>
-            <a:ext cx="8553305" cy="369332"/>
-          </a:xfrm>
-          <a:prstGeom prst="rect">
-            <a:avLst/>
-          </a:prstGeom>
-          <a:noFill/>
-        </p:spPr>
-        <p:txBody>
-          <a:bodyPr wrap="square" rtlCol="0">
-            <a:spAutoFit/>
-          </a:bodyPr>
-          <a:lstStyle/>
-          <a:p>
+              <a:t> </a:t>
+            </a:r>
             <a:r>
               <a:rPr lang="en-US" altLang="ko-KR" dirty="0">
                 <a:latin typeface="나눔스퀘어 Light" panose="020B0600000101010101" pitchFamily="50" charset="-127"/>
                 <a:ea typeface="나눔스퀘어 Light" panose="020B0600000101010101" pitchFamily="50" charset="-127"/>
               </a:rPr>
-              <a:t>2. 2491 </a:t>
+              <a:t>Down</a:t>
             </a:r>
             <a:r>
               <a:rPr lang="ko-KR" altLang="en-US" dirty="0">
                 <a:latin typeface="나눔스퀘어 Light" panose="020B0600000101010101" pitchFamily="50" charset="-127"/>
                 <a:ea typeface="나눔스퀘어 Light" panose="020B0600000101010101" pitchFamily="50" charset="-127"/>
               </a:rPr>
-              <a:t>수열</a:t>
-            </a:r>
-          </a:p>
-        </p:txBody>
-      </p:sp>
-      <p:sp>
-        <p:nvSpPr>
-          <p:cNvPr id="9" name="TextBox 8">
-            <a:extLst>
-              <a:ext uri="{FF2B5EF4-FFF2-40B4-BE49-F238E27FC236}">
-                <a16:creationId xmlns:a16="http://schemas.microsoft.com/office/drawing/2014/main" id="{F3F091EF-3E70-16E8-983D-D9C14C2EAD61}"/>
-              </a:ext>
-            </a:extLst>
-          </p:cNvPr>
-          <p:cNvSpPr txBox="1"/>
-          <p:nvPr/>
-        </p:nvSpPr>
-        <p:spPr>
-          <a:xfrm>
-            <a:off x="942387" y="1190024"/>
-            <a:ext cx="8553305" cy="369332"/>
-          </a:xfrm>
-          <a:prstGeom prst="rect">
-            <a:avLst/>
-          </a:prstGeom>
-          <a:noFill/>
-        </p:spPr>
-        <p:txBody>
-          <a:bodyPr wrap="square" rtlCol="0">
-            <a:spAutoFit/>
-          </a:bodyPr>
-          <a:lstStyle/>
-          <a:p>
+              <a:t>과 </a:t>
+            </a:r>
+            <a:r>
+              <a:rPr lang="en-US" altLang="ko-KR" dirty="0">
+                <a:latin typeface="나눔스퀘어 Light" panose="020B0600000101010101" pitchFamily="50" charset="-127"/>
+                <a:ea typeface="나눔스퀘어 Light" panose="020B0600000101010101" pitchFamily="50" charset="-127"/>
+              </a:rPr>
+              <a:t>Bottom Up</a:t>
+            </a:r>
             <a:r>
               <a:rPr lang="ko-KR" altLang="en-US" dirty="0">
-                <a:latin typeface="나눔스퀘어 Bold" panose="020B0600000101010101" pitchFamily="50" charset="-127"/>
-                <a:ea typeface="나눔스퀘어 Bold" panose="020B0600000101010101" pitchFamily="50" charset="-127"/>
-              </a:rPr>
-              <a:t>아래 문제들에 대해 스스로 생각하고 풀어보세요</a:t>
+                <a:latin typeface="나눔스퀘어 Light" panose="020B0600000101010101" pitchFamily="50" charset="-127"/>
+                <a:ea typeface="나눔스퀘어 Light" panose="020B0600000101010101" pitchFamily="50" charset="-127"/>
+              </a:rPr>
+              <a:t>은 문제에 따라 구현이 쉬운 </a:t>
             </a:r>
             <a:r>
               <a:rPr lang="en-US" altLang="ko-KR" dirty="0">
-                <a:latin typeface="나눔스퀘어 Bold" panose="020B0600000101010101" pitchFamily="50" charset="-127"/>
-                <a:ea typeface="나눔스퀘어 Bold" panose="020B0600000101010101" pitchFamily="50" charset="-127"/>
-              </a:rPr>
-              <a:t>.</a:t>
+                <a:latin typeface="나눔스퀘어 Light" panose="020B0600000101010101" pitchFamily="50" charset="-127"/>
+                <a:ea typeface="나눔스퀘어 Light" panose="020B0600000101010101" pitchFamily="50" charset="-127"/>
+              </a:rPr>
+              <a:t>/ </a:t>
             </a:r>
             <a:r>
               <a:rPr lang="ko-KR" altLang="en-US" dirty="0">
-                <a:latin typeface="나눔스퀘어 Bold" panose="020B0600000101010101" pitchFamily="50" charset="-127"/>
-                <a:ea typeface="나눔스퀘어 Bold" panose="020B0600000101010101" pitchFamily="50" charset="-127"/>
-              </a:rPr>
-              <a:t> </a:t>
+                <a:latin typeface="나눔스퀘어 Light" panose="020B0600000101010101" pitchFamily="50" charset="-127"/>
+                <a:ea typeface="나눔스퀘어 Light" panose="020B0600000101010101" pitchFamily="50" charset="-127"/>
+              </a:rPr>
+              <a:t>어려운 코드가 있을 수도 있고</a:t>
             </a:r>
             <a:r>
               <a:rPr lang="en-US" altLang="ko-KR" dirty="0">
-                <a:latin typeface="나눔스퀘어 Bold" panose="020B0600000101010101" pitchFamily="50" charset="-127"/>
-                <a:ea typeface="나눔스퀘어 Bold" panose="020B0600000101010101" pitchFamily="50" charset="-127"/>
-              </a:rPr>
-              <a:t>(</a:t>
-            </a:r>
-            <a:r>
-              <a:rPr lang="ko-KR" altLang="en-US" dirty="0">
-                <a:latin typeface="나눔스퀘어 Bold" panose="020B0600000101010101" pitchFamily="50" charset="-127"/>
-                <a:ea typeface="나눔스퀘어 Bold" panose="020B0600000101010101" pitchFamily="50" charset="-127"/>
-              </a:rPr>
-              <a:t>해설은 따로 진행하진 않겠습니다</a:t>
-            </a:r>
-            <a:r>
-              <a:rPr lang="en-US" altLang="ko-KR" dirty="0">
-                <a:latin typeface="나눔스퀘어 Bold" panose="020B0600000101010101" pitchFamily="50" charset="-127"/>
-                <a:ea typeface="나눔스퀘어 Bold" panose="020B0600000101010101" pitchFamily="50" charset="-127"/>
-              </a:rPr>
-              <a:t>.)</a:t>
-            </a:r>
-            <a:endParaRPr lang="ko-KR" altLang="en-US" dirty="0">
-              <a:latin typeface="나눔스퀘어 Bold" panose="020B0600000101010101" pitchFamily="50" charset="-127"/>
-              <a:ea typeface="나눔스퀘어 Bold" panose="020B0600000101010101" pitchFamily="50" charset="-127"/>
-            </a:endParaRPr>
-          </a:p>
-        </p:txBody>
-      </p:sp>
-      <p:sp>
-        <p:nvSpPr>
-          <p:cNvPr id="11" name="TextBox 10">
-            <a:extLst>
-              <a:ext uri="{FF2B5EF4-FFF2-40B4-BE49-F238E27FC236}">
-                <a16:creationId xmlns:a16="http://schemas.microsoft.com/office/drawing/2014/main" id="{CDF0922C-4F6F-DB5B-EC8F-F56AF894275F}"/>
-              </a:ext>
-            </a:extLst>
-          </p:cNvPr>
-          <p:cNvSpPr txBox="1"/>
-          <p:nvPr/>
-        </p:nvSpPr>
-        <p:spPr>
-          <a:xfrm>
-            <a:off x="942387" y="5196636"/>
-            <a:ext cx="8553305" cy="369332"/>
-          </a:xfrm>
-          <a:prstGeom prst="rect">
-            <a:avLst/>
-          </a:prstGeom>
-          <a:noFill/>
-        </p:spPr>
-        <p:txBody>
-          <a:bodyPr wrap="square" rtlCol="0">
-            <a:spAutoFit/>
-          </a:bodyPr>
-          <a:lstStyle/>
-          <a:p>
-            <a:r>
-              <a:rPr lang="ko-KR" altLang="en-US" dirty="0">
-                <a:latin typeface="나눔스퀘어 Bold" panose="020B0600000101010101" pitchFamily="50" charset="-127"/>
-                <a:ea typeface="나눔스퀘어 Bold" panose="020B0600000101010101" pitchFamily="50" charset="-127"/>
-              </a:rPr>
-              <a:t>프로그래밍 언어로 피보나치 수를 구하려면 어떻게 해야 할까요</a:t>
-            </a:r>
-            <a:r>
-              <a:rPr lang="en-US" altLang="ko-KR" dirty="0">
-                <a:latin typeface="나눔스퀘어 Bold" panose="020B0600000101010101" pitchFamily="50" charset="-127"/>
-                <a:ea typeface="나눔스퀘어 Bold" panose="020B0600000101010101" pitchFamily="50" charset="-127"/>
-              </a:rPr>
-              <a:t>?</a:t>
-            </a:r>
-            <a:endParaRPr lang="ko-KR" altLang="en-US" dirty="0">
-              <a:latin typeface="나눔스퀘어 Bold" panose="020B0600000101010101" pitchFamily="50" charset="-127"/>
-              <a:ea typeface="나눔스퀘어 Bold" panose="020B0600000101010101" pitchFamily="50" charset="-127"/>
-            </a:endParaRPr>
-          </a:p>
-        </p:txBody>
-      </p:sp>
-      <p:sp>
-        <p:nvSpPr>
-          <p:cNvPr id="12" name="TextBox 11">
-            <a:extLst>
-              <a:ext uri="{FF2B5EF4-FFF2-40B4-BE49-F238E27FC236}">
-                <a16:creationId xmlns:a16="http://schemas.microsoft.com/office/drawing/2014/main" id="{1D90656A-EA8C-C93D-45FA-EC08FF6F6A51}"/>
-              </a:ext>
-            </a:extLst>
-          </p:cNvPr>
-          <p:cNvSpPr txBox="1"/>
-          <p:nvPr/>
-        </p:nvSpPr>
-        <p:spPr>
-          <a:xfrm>
-            <a:off x="942387" y="5716797"/>
-            <a:ext cx="10237694" cy="369332"/>
-          </a:xfrm>
-          <a:prstGeom prst="rect">
-            <a:avLst/>
-          </a:prstGeom>
-          <a:noFill/>
-        </p:spPr>
-        <p:txBody>
-          <a:bodyPr wrap="square" rtlCol="0">
-            <a:spAutoFit/>
-          </a:bodyPr>
-          <a:lstStyle/>
-          <a:p>
-            <a:r>
-              <a:rPr lang="en-US" altLang="ko-KR" dirty="0">
-                <a:latin typeface="나눔스퀘어 Light" panose="020B0600000101010101" pitchFamily="50" charset="-127"/>
-                <a:ea typeface="나눔스퀘어 Light" panose="020B0600000101010101" pitchFamily="50" charset="-127"/>
-              </a:rPr>
-              <a:t>2747 </a:t>
-            </a:r>
-            <a:r>
-              <a:rPr lang="ko-KR" altLang="en-US" dirty="0">
-                <a:latin typeface="나눔스퀘어 Light" panose="020B0600000101010101" pitchFamily="50" charset="-127"/>
-                <a:ea typeface="나눔스퀘어 Light" panose="020B0600000101010101" pitchFamily="50" charset="-127"/>
-              </a:rPr>
-              <a:t>피보나치 수 </a:t>
-            </a:r>
-            <a:r>
-              <a:rPr lang="en-US" altLang="ko-KR" dirty="0">
-                <a:latin typeface="나눔스퀘어 Light" panose="020B0600000101010101" pitchFamily="50" charset="-127"/>
-                <a:ea typeface="나눔스퀘어 Light" panose="020B0600000101010101" pitchFamily="50" charset="-127"/>
-              </a:rPr>
-              <a:t>/ 2748 </a:t>
-            </a:r>
-            <a:r>
-              <a:rPr lang="ko-KR" altLang="en-US" dirty="0">
-                <a:latin typeface="나눔스퀘어 Light" panose="020B0600000101010101" pitchFamily="50" charset="-127"/>
-                <a:ea typeface="나눔스퀘어 Light" panose="020B0600000101010101" pitchFamily="50" charset="-127"/>
-              </a:rPr>
-              <a:t>피보나치 수 </a:t>
-            </a:r>
-            <a:r>
-              <a:rPr lang="en-US" altLang="ko-KR" dirty="0">
-                <a:latin typeface="나눔스퀘어 Light" panose="020B0600000101010101" pitchFamily="50" charset="-127"/>
-                <a:ea typeface="나눔스퀘어 Light" panose="020B0600000101010101" pitchFamily="50" charset="-127"/>
-              </a:rPr>
-              <a:t>2 </a:t>
-            </a:r>
-            <a:r>
-              <a:rPr lang="ko-KR" altLang="en-US" dirty="0">
-                <a:latin typeface="나눔스퀘어 Light" panose="020B0600000101010101" pitchFamily="50" charset="-127"/>
-                <a:ea typeface="나눔스퀘어 Light" panose="020B0600000101010101" pitchFamily="50" charset="-127"/>
-              </a:rPr>
-              <a:t>문제를 풀며 피보나치 수를 구하는 방법을 </a:t>
-            </a:r>
-            <a:r>
-              <a:rPr lang="en-US" altLang="ko-KR" dirty="0">
-                <a:latin typeface="나눔스퀘어 Light" panose="020B0600000101010101" pitchFamily="50" charset="-127"/>
-                <a:ea typeface="나눔스퀘어 Light" panose="020B0600000101010101" pitchFamily="50" charset="-127"/>
-              </a:rPr>
-              <a:t>(</a:t>
-            </a:r>
-            <a:r>
-              <a:rPr lang="ko-KR" altLang="en-US" dirty="0">
-                <a:latin typeface="나눔스퀘어 Light" panose="020B0600000101010101" pitchFamily="50" charset="-127"/>
-                <a:ea typeface="나눔스퀘어 Light" panose="020B0600000101010101" pitchFamily="50" charset="-127"/>
-              </a:rPr>
-              <a:t>슈도</a:t>
-            </a:r>
-            <a:r>
-              <a:rPr lang="en-US" altLang="ko-KR" dirty="0">
-                <a:latin typeface="나눔스퀘어 Light" panose="020B0600000101010101" pitchFamily="50" charset="-127"/>
-                <a:ea typeface="나눔스퀘어 Light" panose="020B0600000101010101" pitchFamily="50" charset="-127"/>
-              </a:rPr>
-              <a:t>) </a:t>
-            </a:r>
-            <a:r>
-              <a:rPr lang="ko-KR" altLang="en-US" dirty="0">
-                <a:latin typeface="나눔스퀘어 Light" panose="020B0600000101010101" pitchFamily="50" charset="-127"/>
-                <a:ea typeface="나눔스퀘어 Light" panose="020B0600000101010101" pitchFamily="50" charset="-127"/>
-              </a:rPr>
-              <a:t>코드로 </a:t>
-            </a:r>
-          </a:p>
-        </p:txBody>
-      </p:sp>
-      <p:sp>
-        <p:nvSpPr>
-          <p:cNvPr id="2" name="TextBox 1">
-            <a:extLst>
-              <a:ext uri="{FF2B5EF4-FFF2-40B4-BE49-F238E27FC236}">
-                <a16:creationId xmlns:a16="http://schemas.microsoft.com/office/drawing/2014/main" id="{807C3CD1-8E1B-427F-230D-9C7C2837C1F2}"/>
-              </a:ext>
-            </a:extLst>
-          </p:cNvPr>
-          <p:cNvSpPr txBox="1"/>
-          <p:nvPr/>
-        </p:nvSpPr>
-        <p:spPr>
-          <a:xfrm>
-            <a:off x="942387" y="2400024"/>
-            <a:ext cx="8553305" cy="369332"/>
-          </a:xfrm>
-          <a:prstGeom prst="rect">
-            <a:avLst/>
-          </a:prstGeom>
-          <a:noFill/>
-        </p:spPr>
-        <p:txBody>
-          <a:bodyPr wrap="square" rtlCol="0">
-            <a:spAutoFit/>
-          </a:bodyPr>
-          <a:lstStyle/>
-          <a:p>
-            <a:r>
-              <a:rPr lang="en-US" altLang="ko-KR" dirty="0">
-                <a:latin typeface="나눔스퀘어 Light" panose="020B0600000101010101" pitchFamily="50" charset="-127"/>
-                <a:ea typeface="나눔스퀘어 Light" panose="020B0600000101010101" pitchFamily="50" charset="-127"/>
-              </a:rPr>
-              <a:t>3. 11048 </a:t>
-            </a:r>
-            <a:r>
-              <a:rPr lang="ko-KR" altLang="en-US" dirty="0">
-                <a:latin typeface="나눔스퀘어 Light" panose="020B0600000101010101" pitchFamily="50" charset="-127"/>
-                <a:ea typeface="나눔스퀘어 Light" panose="020B0600000101010101" pitchFamily="50" charset="-127"/>
-              </a:rPr>
-              <a:t>이동하기</a:t>
-            </a:r>
-          </a:p>
-        </p:txBody>
-      </p:sp>
-      <p:sp>
-        <p:nvSpPr>
-          <p:cNvPr id="10" name="TextBox 9">
-            <a:extLst>
-              <a:ext uri="{FF2B5EF4-FFF2-40B4-BE49-F238E27FC236}">
-                <a16:creationId xmlns:a16="http://schemas.microsoft.com/office/drawing/2014/main" id="{C572282D-23DE-9D59-D1DB-6011A80C631D}"/>
-              </a:ext>
-            </a:extLst>
-          </p:cNvPr>
-          <p:cNvSpPr txBox="1"/>
-          <p:nvPr/>
-        </p:nvSpPr>
-        <p:spPr>
-          <a:xfrm>
-            <a:off x="942387" y="6086129"/>
-            <a:ext cx="8553305" cy="369332"/>
-          </a:xfrm>
-          <a:prstGeom prst="rect">
-            <a:avLst/>
-          </a:prstGeom>
-          <a:noFill/>
-        </p:spPr>
-        <p:txBody>
-          <a:bodyPr wrap="square" rtlCol="0">
-            <a:spAutoFit/>
-          </a:bodyPr>
-          <a:lstStyle/>
-          <a:p>
-            <a:r>
-              <a:rPr lang="ko-KR" altLang="en-US" dirty="0">
-                <a:latin typeface="나눔스퀘어 Light" panose="020B0600000101010101" pitchFamily="50" charset="-127"/>
-                <a:ea typeface="나눔스퀘어 Light" panose="020B0600000101010101" pitchFamily="50" charset="-127"/>
-              </a:rPr>
-              <a:t>작성해 보시고</a:t>
-            </a:r>
-            <a:r>
-              <a:rPr lang="en-US" altLang="ko-KR" dirty="0">
-                <a:latin typeface="나눔스퀘어 Light" panose="020B0600000101010101" pitchFamily="50" charset="-127"/>
-                <a:ea typeface="나눔스퀘어 Light" panose="020B0600000101010101" pitchFamily="50" charset="-127"/>
-              </a:rPr>
-              <a:t>, </a:t>
-            </a:r>
-            <a:r>
-              <a:rPr lang="ko-KR" altLang="en-US" dirty="0">
-                <a:latin typeface="나눔스퀘어 Light" panose="020B0600000101010101" pitchFamily="50" charset="-127"/>
-                <a:ea typeface="나눔스퀘어 Light" panose="020B0600000101010101" pitchFamily="50" charset="-127"/>
-              </a:rPr>
-              <a:t>효율적인 방법에 대해서 고민해보세요</a:t>
-            </a:r>
-            <a:r>
-              <a:rPr lang="en-US" altLang="ko-KR" dirty="0">
-                <a:latin typeface="나눔스퀘어 Light" panose="020B0600000101010101" pitchFamily="50" charset="-127"/>
-                <a:ea typeface="나눔스퀘어 Light" panose="020B0600000101010101" pitchFamily="50" charset="-127"/>
-              </a:rPr>
-              <a:t>.</a:t>
+                <a:latin typeface="나눔스퀘어 Light" panose="020B0600000101010101" pitchFamily="50" charset="-127"/>
+                <a:ea typeface="나눔스퀘어 Light" panose="020B0600000101010101" pitchFamily="50" charset="-127"/>
+              </a:rPr>
+              <a:t>,</a:t>
             </a:r>
             <a:endParaRPr lang="ko-KR" altLang="en-US" dirty="0">
               <a:latin typeface="나눔스퀘어 Light" panose="020B0600000101010101" pitchFamily="50" charset="-127"/>
@@ -15370,10 +16916,10 @@
       </p:sp>
       <p:sp>
         <p:nvSpPr>
-          <p:cNvPr id="4" name="TextBox 3">
-            <a:extLst>
-              <a:ext uri="{FF2B5EF4-FFF2-40B4-BE49-F238E27FC236}">
-                <a16:creationId xmlns:a16="http://schemas.microsoft.com/office/drawing/2014/main" id="{1FFB0E97-045D-CAE2-D4D4-F6AFF27F568B}"/>
+          <p:cNvPr id="8" name="TextBox 7">
+            <a:extLst>
+              <a:ext uri="{FF2B5EF4-FFF2-40B4-BE49-F238E27FC236}">
+                <a16:creationId xmlns:a16="http://schemas.microsoft.com/office/drawing/2014/main" id="{2F06F0BD-D2AA-33C2-009F-752CEF515EC1}"/>
               </a:ext>
             </a:extLst>
           </p:cNvPr>
@@ -15382,8 +16928,8 @@
         </p:nvSpPr>
         <p:spPr>
           <a:xfrm>
-            <a:off x="942387" y="2775391"/>
-            <a:ext cx="8553305" cy="369332"/>
+            <a:off x="942387" y="1559356"/>
+            <a:ext cx="10313217" cy="369332"/>
           </a:xfrm>
           <a:prstGeom prst="rect">
             <a:avLst/>
@@ -15397,40 +16943,680 @@
           <a:lstStyle/>
           <a:p>
             <a:r>
+              <a:rPr lang="ko-KR" altLang="en-US" dirty="0">
+                <a:latin typeface="나눔스퀘어 Light" panose="020B0600000101010101" pitchFamily="50" charset="-127"/>
+                <a:ea typeface="나눔스퀘어 Light" panose="020B0600000101010101" pitchFamily="50" charset="-127"/>
+              </a:rPr>
+              <a:t>프로그래머의 취향에 따라 선택할 수도 있습니다</a:t>
+            </a:r>
+            <a:r>
               <a:rPr lang="en-US" altLang="ko-KR" dirty="0">
                 <a:latin typeface="나눔스퀘어 Light" panose="020B0600000101010101" pitchFamily="50" charset="-127"/>
                 <a:ea typeface="나눔스퀘어 Light" panose="020B0600000101010101" pitchFamily="50" charset="-127"/>
               </a:rPr>
-              <a:t>4. 14495 </a:t>
-            </a:r>
+              <a:t>.</a:t>
+            </a:r>
+            <a:endParaRPr lang="ko-KR" altLang="en-US" dirty="0">
+              <a:latin typeface="나눔스퀘어 Light" panose="020B0600000101010101" pitchFamily="50" charset="-127"/>
+              <a:ea typeface="나눔스퀘어 Light" panose="020B0600000101010101" pitchFamily="50" charset="-127"/>
+            </a:endParaRPr>
+          </a:p>
+        </p:txBody>
+      </p:sp>
+      <p:sp>
+        <p:nvSpPr>
+          <p:cNvPr id="11" name="TextBox 10">
+            <a:extLst>
+              <a:ext uri="{FF2B5EF4-FFF2-40B4-BE49-F238E27FC236}">
+                <a16:creationId xmlns:a16="http://schemas.microsoft.com/office/drawing/2014/main" id="{23A2D9FE-D18E-E979-417D-F39C3FBDA518}"/>
+              </a:ext>
+            </a:extLst>
+          </p:cNvPr>
+          <p:cNvSpPr txBox="1"/>
+          <p:nvPr/>
+        </p:nvSpPr>
+        <p:spPr>
+          <a:xfrm>
+            <a:off x="939391" y="2298020"/>
+            <a:ext cx="10313217" cy="369332"/>
+          </a:xfrm>
+          <a:prstGeom prst="rect">
+            <a:avLst/>
+          </a:prstGeom>
+          <a:noFill/>
+        </p:spPr>
+        <p:txBody>
+          <a:bodyPr wrap="square" rtlCol="0">
+            <a:spAutoFit/>
+          </a:bodyPr>
+          <a:lstStyle/>
+          <a:p>
             <a:r>
               <a:rPr lang="ko-KR" altLang="en-US" dirty="0">
                 <a:latin typeface="나눔스퀘어 Light" panose="020B0600000101010101" pitchFamily="50" charset="-127"/>
                 <a:ea typeface="나눔스퀘어 Light" panose="020B0600000101010101" pitchFamily="50" charset="-127"/>
               </a:rPr>
-              <a:t>피보나치 </a:t>
+              <a:t>이 문제의 경우에</a:t>
+            </a:r>
+            <a:r>
+              <a:rPr lang="en-US" altLang="ko-KR" dirty="0">
+                <a:latin typeface="나눔스퀘어 Light" panose="020B0600000101010101" pitchFamily="50" charset="-127"/>
+                <a:ea typeface="나눔스퀘어 Light" panose="020B0600000101010101" pitchFamily="50" charset="-127"/>
+              </a:rPr>
+              <a:t>, </a:t>
+            </a:r>
+            <a:r>
+              <a:rPr lang="ko-KR" altLang="en-US" dirty="0">
+                <a:latin typeface="나눔스퀘어 Light" panose="020B0600000101010101" pitchFamily="50" charset="-127"/>
+                <a:ea typeface="나눔스퀘어 Light" panose="020B0600000101010101" pitchFamily="50" charset="-127"/>
+              </a:rPr>
+              <a:t>개인적인 의견으론 </a:t>
+            </a:r>
+            <a:r>
+              <a:rPr lang="en-US" altLang="ko-KR" dirty="0">
+                <a:latin typeface="나눔스퀘어 Light" panose="020B0600000101010101" pitchFamily="50" charset="-127"/>
+                <a:ea typeface="나눔스퀘어 Light" panose="020B0600000101010101" pitchFamily="50" charset="-127"/>
+              </a:rPr>
+              <a:t>Top Down</a:t>
+            </a:r>
+            <a:r>
+              <a:rPr lang="ko-KR" altLang="en-US" dirty="0">
+                <a:latin typeface="나눔스퀘어 Light" panose="020B0600000101010101" pitchFamily="50" charset="-127"/>
+                <a:ea typeface="나눔스퀘어 Light" panose="020B0600000101010101" pitchFamily="50" charset="-127"/>
+              </a:rPr>
+              <a:t>이 더 </a:t>
             </a:r>
             <a:r>
               <a:rPr lang="ko-KR" altLang="en-US" dirty="0" err="1">
                 <a:latin typeface="나눔스퀘어 Light" panose="020B0600000101010101" pitchFamily="50" charset="-127"/>
                 <a:ea typeface="나눔스퀘어 Light" panose="020B0600000101010101" pitchFamily="50" charset="-127"/>
               </a:rPr>
-              <a:t>비스무리한</a:t>
-            </a:r>
-            <a:r>
-              <a:rPr lang="ko-KR" altLang="en-US" dirty="0">
-                <a:latin typeface="나눔스퀘어 Light" panose="020B0600000101010101" pitchFamily="50" charset="-127"/>
-                <a:ea typeface="나눔스퀘어 Light" panose="020B0600000101010101" pitchFamily="50" charset="-127"/>
-              </a:rPr>
-              <a:t> 수열</a:t>
-            </a:r>
-          </a:p>
-        </p:txBody>
-      </p:sp>
+              <a:t>쉬워보이네요</a:t>
+            </a:r>
+            <a:r>
+              <a:rPr lang="en-US" altLang="ko-KR" dirty="0">
+                <a:latin typeface="나눔스퀘어 Light" panose="020B0600000101010101" pitchFamily="50" charset="-127"/>
+                <a:ea typeface="나눔스퀘어 Light" panose="020B0600000101010101" pitchFamily="50" charset="-127"/>
+              </a:rPr>
+              <a:t>.</a:t>
+            </a:r>
+            <a:endParaRPr lang="ko-KR" altLang="en-US" dirty="0">
+              <a:latin typeface="나눔스퀘어 Light" panose="020B0600000101010101" pitchFamily="50" charset="-127"/>
+              <a:ea typeface="나눔스퀘어 Light" panose="020B0600000101010101" pitchFamily="50" charset="-127"/>
+            </a:endParaRPr>
+          </a:p>
+        </p:txBody>
+      </p:sp>
+      <p:pic>
+        <p:nvPicPr>
+          <p:cNvPr id="9" name="그림 8">
+            <a:extLst>
+              <a:ext uri="{FF2B5EF4-FFF2-40B4-BE49-F238E27FC236}">
+                <a16:creationId xmlns:a16="http://schemas.microsoft.com/office/drawing/2014/main" id="{76E7111A-9ACC-0A27-C0A9-C959E407C486}"/>
+              </a:ext>
+            </a:extLst>
+          </p:cNvPr>
+          <p:cNvPicPr>
+            <a:picLocks noChangeAspect="1"/>
+          </p:cNvPicPr>
+          <p:nvPr/>
+        </p:nvPicPr>
+        <p:blipFill>
+          <a:blip r:embed="rId2"/>
+          <a:stretch>
+            <a:fillRect/>
+          </a:stretch>
+        </p:blipFill>
+        <p:spPr>
+          <a:xfrm>
+            <a:off x="939391" y="2969870"/>
+            <a:ext cx="6340744" cy="2546693"/>
+          </a:xfrm>
+          <a:prstGeom prst="rect">
+            <a:avLst/>
+          </a:prstGeom>
+        </p:spPr>
+      </p:pic>
     </p:spTree>
     <p:extLst>
       <p:ext uri="{BB962C8B-B14F-4D97-AF65-F5344CB8AC3E}">
-        <p14:creationId xmlns:p14="http://schemas.microsoft.com/office/powerpoint/2010/main" val="732558497"/>
+        <p14:creationId xmlns:p14="http://schemas.microsoft.com/office/powerpoint/2010/main" val="1673630406"/>
+      </p:ext>
+    </p:extLst>
+  </p:cSld>
+  <p:clrMapOvr>
+    <a:masterClrMapping/>
+  </p:clrMapOvr>
+</p:sld>
+</file>
+
+<file path=ppt/slides/slide26.xml><?xml version="1.0" encoding="utf-8"?>
+<p:sld xmlns:a="http://schemas.openxmlformats.org/drawingml/2006/main" xmlns:r="http://schemas.openxmlformats.org/officeDocument/2006/relationships" xmlns:p="http://schemas.openxmlformats.org/presentationml/2006/main">
+  <p:cSld>
+    <p:spTree>
+      <p:nvGrpSpPr>
+        <p:cNvPr id="1" name=""/>
+        <p:cNvGrpSpPr/>
+        <p:nvPr/>
+      </p:nvGrpSpPr>
+      <p:grpSpPr>
+        <a:xfrm>
+          <a:off x="0" y="0"/>
+          <a:ext cx="0" cy="0"/>
+          <a:chOff x="0" y="0"/>
+          <a:chExt cx="0" cy="0"/>
+        </a:xfrm>
+      </p:grpSpPr>
+      <p:cxnSp>
+        <p:nvCxnSpPr>
+          <p:cNvPr id="5" name="직선 연결선 4">
+            <a:extLst>
+              <a:ext uri="{FF2B5EF4-FFF2-40B4-BE49-F238E27FC236}">
+                <a16:creationId xmlns:a16="http://schemas.microsoft.com/office/drawing/2014/main" id="{164C2827-EFCE-69A4-D037-1A218415F568}"/>
+              </a:ext>
+            </a:extLst>
+          </p:cNvPr>
+          <p:cNvCxnSpPr/>
+          <p:nvPr/>
+        </p:nvCxnSpPr>
+        <p:spPr>
+          <a:xfrm>
+            <a:off x="0" y="887505"/>
+            <a:ext cx="10237694" cy="0"/>
+          </a:xfrm>
+          <a:prstGeom prst="line">
+            <a:avLst/>
+          </a:prstGeom>
+          <a:ln w="76200">
+            <a:solidFill>
+              <a:schemeClr val="tx1">
+                <a:lumMod val="75000"/>
+                <a:lumOff val="25000"/>
+              </a:schemeClr>
+            </a:solidFill>
+          </a:ln>
+        </p:spPr>
+        <p:style>
+          <a:lnRef idx="1">
+            <a:schemeClr val="accent1"/>
+          </a:lnRef>
+          <a:fillRef idx="0">
+            <a:schemeClr val="accent1"/>
+          </a:fillRef>
+          <a:effectRef idx="0">
+            <a:schemeClr val="accent1"/>
+          </a:effectRef>
+          <a:fontRef idx="minor">
+            <a:schemeClr val="tx1"/>
+          </a:fontRef>
+        </p:style>
+      </p:cxnSp>
+      <p:sp>
+        <p:nvSpPr>
+          <p:cNvPr id="4" name="TextBox 3">
+            <a:extLst>
+              <a:ext uri="{FF2B5EF4-FFF2-40B4-BE49-F238E27FC236}">
+                <a16:creationId xmlns:a16="http://schemas.microsoft.com/office/drawing/2014/main" id="{59D13859-3C4A-53F0-C48F-C6B9095BD065}"/>
+              </a:ext>
+            </a:extLst>
+          </p:cNvPr>
+          <p:cNvSpPr txBox="1"/>
+          <p:nvPr/>
+        </p:nvSpPr>
+        <p:spPr>
+          <a:xfrm>
+            <a:off x="331694" y="179902"/>
+            <a:ext cx="6948441" cy="523220"/>
+          </a:xfrm>
+          <a:prstGeom prst="rect">
+            <a:avLst/>
+          </a:prstGeom>
+          <a:noFill/>
+        </p:spPr>
+        <p:txBody>
+          <a:bodyPr wrap="none" rtlCol="0">
+            <a:spAutoFit/>
+          </a:bodyPr>
+          <a:lstStyle/>
+          <a:p>
+            <a:r>
+              <a:rPr lang="en-US" altLang="ko-KR" sz="2800" dirty="0">
+                <a:latin typeface="나눔스퀘어 Bold" panose="020B0600000101010101" pitchFamily="50" charset="-127"/>
+                <a:ea typeface="나눔스퀘어 Bold" panose="020B0600000101010101" pitchFamily="50" charset="-127"/>
+              </a:rPr>
+              <a:t>Dynamic Programming – 14916 </a:t>
+            </a:r>
+            <a:r>
+              <a:rPr lang="ko-KR" altLang="en-US" sz="2800" dirty="0">
+                <a:latin typeface="나눔스퀘어 Bold" panose="020B0600000101010101" pitchFamily="50" charset="-127"/>
+                <a:ea typeface="나눔스퀘어 Bold" panose="020B0600000101010101" pitchFamily="50" charset="-127"/>
+              </a:rPr>
+              <a:t>거스름돈</a:t>
+            </a:r>
+          </a:p>
+        </p:txBody>
+      </p:sp>
+      <p:pic>
+        <p:nvPicPr>
+          <p:cNvPr id="3" name="그림 2">
+            <a:extLst>
+              <a:ext uri="{FF2B5EF4-FFF2-40B4-BE49-F238E27FC236}">
+                <a16:creationId xmlns:a16="http://schemas.microsoft.com/office/drawing/2014/main" id="{AFD233B6-4CE0-4B26-7BD7-0C2D24025EA1}"/>
+              </a:ext>
+            </a:extLst>
+          </p:cNvPr>
+          <p:cNvPicPr>
+            <a:picLocks noChangeAspect="1"/>
+          </p:cNvPicPr>
+          <p:nvPr/>
+        </p:nvPicPr>
+        <p:blipFill>
+          <a:blip r:embed="rId2"/>
+          <a:stretch>
+            <a:fillRect/>
+          </a:stretch>
+        </p:blipFill>
+        <p:spPr>
+          <a:xfrm>
+            <a:off x="331694" y="963268"/>
+            <a:ext cx="9247400" cy="5894731"/>
+          </a:xfrm>
+          <a:prstGeom prst="rect">
+            <a:avLst/>
+          </a:prstGeom>
+        </p:spPr>
+      </p:pic>
+    </p:spTree>
+    <p:extLst>
+      <p:ext uri="{BB962C8B-B14F-4D97-AF65-F5344CB8AC3E}">
+        <p14:creationId xmlns:p14="http://schemas.microsoft.com/office/powerpoint/2010/main" val="458905345"/>
+      </p:ext>
+    </p:extLst>
+  </p:cSld>
+  <p:clrMapOvr>
+    <a:masterClrMapping/>
+  </p:clrMapOvr>
+</p:sld>
+</file>
+
+<file path=ppt/slides/slide27.xml><?xml version="1.0" encoding="utf-8"?>
+<p:sld xmlns:a="http://schemas.openxmlformats.org/drawingml/2006/main" xmlns:r="http://schemas.openxmlformats.org/officeDocument/2006/relationships" xmlns:p="http://schemas.openxmlformats.org/presentationml/2006/main">
+  <p:cSld>
+    <p:spTree>
+      <p:nvGrpSpPr>
+        <p:cNvPr id="1" name=""/>
+        <p:cNvGrpSpPr/>
+        <p:nvPr/>
+      </p:nvGrpSpPr>
+      <p:grpSpPr>
+        <a:xfrm>
+          <a:off x="0" y="0"/>
+          <a:ext cx="0" cy="0"/>
+          <a:chOff x="0" y="0"/>
+          <a:chExt cx="0" cy="0"/>
+        </a:xfrm>
+      </p:grpSpPr>
+      <p:cxnSp>
+        <p:nvCxnSpPr>
+          <p:cNvPr id="5" name="직선 연결선 4">
+            <a:extLst>
+              <a:ext uri="{FF2B5EF4-FFF2-40B4-BE49-F238E27FC236}">
+                <a16:creationId xmlns:a16="http://schemas.microsoft.com/office/drawing/2014/main" id="{164C2827-EFCE-69A4-D037-1A218415F568}"/>
+              </a:ext>
+            </a:extLst>
+          </p:cNvPr>
+          <p:cNvCxnSpPr/>
+          <p:nvPr/>
+        </p:nvCxnSpPr>
+        <p:spPr>
+          <a:xfrm>
+            <a:off x="0" y="887505"/>
+            <a:ext cx="10237694" cy="0"/>
+          </a:xfrm>
+          <a:prstGeom prst="line">
+            <a:avLst/>
+          </a:prstGeom>
+          <a:ln w="76200">
+            <a:solidFill>
+              <a:schemeClr val="tx1">
+                <a:lumMod val="75000"/>
+                <a:lumOff val="25000"/>
+              </a:schemeClr>
+            </a:solidFill>
+          </a:ln>
+        </p:spPr>
+        <p:style>
+          <a:lnRef idx="1">
+            <a:schemeClr val="accent1"/>
+          </a:lnRef>
+          <a:fillRef idx="0">
+            <a:schemeClr val="accent1"/>
+          </a:fillRef>
+          <a:effectRef idx="0">
+            <a:schemeClr val="accent1"/>
+          </a:effectRef>
+          <a:fontRef idx="minor">
+            <a:schemeClr val="tx1"/>
+          </a:fontRef>
+        </p:style>
+      </p:cxnSp>
+      <p:sp>
+        <p:nvSpPr>
+          <p:cNvPr id="4" name="TextBox 3">
+            <a:extLst>
+              <a:ext uri="{FF2B5EF4-FFF2-40B4-BE49-F238E27FC236}">
+                <a16:creationId xmlns:a16="http://schemas.microsoft.com/office/drawing/2014/main" id="{59D13859-3C4A-53F0-C48F-C6B9095BD065}"/>
+              </a:ext>
+            </a:extLst>
+          </p:cNvPr>
+          <p:cNvSpPr txBox="1"/>
+          <p:nvPr/>
+        </p:nvSpPr>
+        <p:spPr>
+          <a:xfrm>
+            <a:off x="331694" y="179902"/>
+            <a:ext cx="6948441" cy="523220"/>
+          </a:xfrm>
+          <a:prstGeom prst="rect">
+            <a:avLst/>
+          </a:prstGeom>
+          <a:noFill/>
+        </p:spPr>
+        <p:txBody>
+          <a:bodyPr wrap="none" rtlCol="0">
+            <a:spAutoFit/>
+          </a:bodyPr>
+          <a:lstStyle/>
+          <a:p>
+            <a:r>
+              <a:rPr lang="en-US" altLang="ko-KR" sz="2800" dirty="0">
+                <a:latin typeface="나눔스퀘어 Bold" panose="020B0600000101010101" pitchFamily="50" charset="-127"/>
+                <a:ea typeface="나눔스퀘어 Bold" panose="020B0600000101010101" pitchFamily="50" charset="-127"/>
+              </a:rPr>
+              <a:t>Dynamic Programming – 14916 </a:t>
+            </a:r>
+            <a:r>
+              <a:rPr lang="ko-KR" altLang="en-US" sz="2800" dirty="0">
+                <a:latin typeface="나눔스퀘어 Bold" panose="020B0600000101010101" pitchFamily="50" charset="-127"/>
+                <a:ea typeface="나눔스퀘어 Bold" panose="020B0600000101010101" pitchFamily="50" charset="-127"/>
+              </a:rPr>
+              <a:t>거스름돈</a:t>
+            </a:r>
+          </a:p>
+        </p:txBody>
+      </p:sp>
+    </p:spTree>
+    <p:extLst>
+      <p:ext uri="{BB962C8B-B14F-4D97-AF65-F5344CB8AC3E}">
+        <p14:creationId xmlns:p14="http://schemas.microsoft.com/office/powerpoint/2010/main" val="3209148614"/>
+      </p:ext>
+    </p:extLst>
+  </p:cSld>
+  <p:clrMapOvr>
+    <a:masterClrMapping/>
+  </p:clrMapOvr>
+</p:sld>
+</file>
+
+<file path=ppt/slides/slide28.xml><?xml version="1.0" encoding="utf-8"?>
+<p:sld xmlns:a="http://schemas.openxmlformats.org/drawingml/2006/main" xmlns:r="http://schemas.openxmlformats.org/officeDocument/2006/relationships" xmlns:p="http://schemas.openxmlformats.org/presentationml/2006/main">
+  <p:cSld>
+    <p:spTree>
+      <p:nvGrpSpPr>
+        <p:cNvPr id="1" name=""/>
+        <p:cNvGrpSpPr/>
+        <p:nvPr/>
+      </p:nvGrpSpPr>
+      <p:grpSpPr>
+        <a:xfrm>
+          <a:off x="0" y="0"/>
+          <a:ext cx="0" cy="0"/>
+          <a:chOff x="0" y="0"/>
+          <a:chExt cx="0" cy="0"/>
+        </a:xfrm>
+      </p:grpSpPr>
+      <p:cxnSp>
+        <p:nvCxnSpPr>
+          <p:cNvPr id="5" name="직선 연결선 4">
+            <a:extLst>
+              <a:ext uri="{FF2B5EF4-FFF2-40B4-BE49-F238E27FC236}">
+                <a16:creationId xmlns:a16="http://schemas.microsoft.com/office/drawing/2014/main" id="{164C2827-EFCE-69A4-D037-1A218415F568}"/>
+              </a:ext>
+            </a:extLst>
+          </p:cNvPr>
+          <p:cNvCxnSpPr/>
+          <p:nvPr/>
+        </p:nvCxnSpPr>
+        <p:spPr>
+          <a:xfrm>
+            <a:off x="0" y="887505"/>
+            <a:ext cx="10237694" cy="0"/>
+          </a:xfrm>
+          <a:prstGeom prst="line">
+            <a:avLst/>
+          </a:prstGeom>
+          <a:ln w="76200">
+            <a:solidFill>
+              <a:schemeClr val="tx1">
+                <a:lumMod val="75000"/>
+                <a:lumOff val="25000"/>
+              </a:schemeClr>
+            </a:solidFill>
+          </a:ln>
+        </p:spPr>
+        <p:style>
+          <a:lnRef idx="1">
+            <a:schemeClr val="accent1"/>
+          </a:lnRef>
+          <a:fillRef idx="0">
+            <a:schemeClr val="accent1"/>
+          </a:fillRef>
+          <a:effectRef idx="0">
+            <a:schemeClr val="accent1"/>
+          </a:effectRef>
+          <a:fontRef idx="minor">
+            <a:schemeClr val="tx1"/>
+          </a:fontRef>
+        </p:style>
+      </p:cxnSp>
+      <p:sp>
+        <p:nvSpPr>
+          <p:cNvPr id="4" name="TextBox 3">
+            <a:extLst>
+              <a:ext uri="{FF2B5EF4-FFF2-40B4-BE49-F238E27FC236}">
+                <a16:creationId xmlns:a16="http://schemas.microsoft.com/office/drawing/2014/main" id="{59D13859-3C4A-53F0-C48F-C6B9095BD065}"/>
+              </a:ext>
+            </a:extLst>
+          </p:cNvPr>
+          <p:cNvSpPr txBox="1"/>
+          <p:nvPr/>
+        </p:nvSpPr>
+        <p:spPr>
+          <a:xfrm>
+            <a:off x="331694" y="179902"/>
+            <a:ext cx="9506833" cy="523220"/>
+          </a:xfrm>
+          <a:prstGeom prst="rect">
+            <a:avLst/>
+          </a:prstGeom>
+          <a:noFill/>
+        </p:spPr>
+        <p:txBody>
+          <a:bodyPr wrap="none" rtlCol="0">
+            <a:spAutoFit/>
+          </a:bodyPr>
+          <a:lstStyle/>
+          <a:p>
+            <a:r>
+              <a:rPr lang="en-US" altLang="ko-KR" sz="2800" dirty="0">
+                <a:latin typeface="나눔스퀘어 Bold" panose="020B0600000101010101" pitchFamily="50" charset="-127"/>
+                <a:ea typeface="나눔스퀘어 Bold" panose="020B0600000101010101" pitchFamily="50" charset="-127"/>
+              </a:rPr>
+              <a:t>Dynamic Programming – 11053 </a:t>
+            </a:r>
+            <a:r>
+              <a:rPr lang="ko-KR" altLang="en-US" sz="2800" dirty="0">
+                <a:latin typeface="나눔스퀘어 Bold" panose="020B0600000101010101" pitchFamily="50" charset="-127"/>
+                <a:ea typeface="나눔스퀘어 Bold" panose="020B0600000101010101" pitchFamily="50" charset="-127"/>
+              </a:rPr>
+              <a:t>가장 긴 증가하는 부분 수열</a:t>
+            </a:r>
+          </a:p>
+        </p:txBody>
+      </p:sp>
+      <p:pic>
+        <p:nvPicPr>
+          <p:cNvPr id="3" name="그림 2">
+            <a:extLst>
+              <a:ext uri="{FF2B5EF4-FFF2-40B4-BE49-F238E27FC236}">
+                <a16:creationId xmlns:a16="http://schemas.microsoft.com/office/drawing/2014/main" id="{169B8E43-5AC5-E906-1298-4019C3E4AB35}"/>
+              </a:ext>
+            </a:extLst>
+          </p:cNvPr>
+          <p:cNvPicPr>
+            <a:picLocks noChangeAspect="1"/>
+          </p:cNvPicPr>
+          <p:nvPr/>
+        </p:nvPicPr>
+        <p:blipFill>
+          <a:blip r:embed="rId2"/>
+          <a:stretch>
+            <a:fillRect/>
+          </a:stretch>
+        </p:blipFill>
+        <p:spPr>
+          <a:xfrm>
+            <a:off x="331694" y="971543"/>
+            <a:ext cx="9325226" cy="5715461"/>
+          </a:xfrm>
+          <a:prstGeom prst="rect">
+            <a:avLst/>
+          </a:prstGeom>
+        </p:spPr>
+      </p:pic>
+    </p:spTree>
+    <p:extLst>
+      <p:ext uri="{BB962C8B-B14F-4D97-AF65-F5344CB8AC3E}">
+        <p14:creationId xmlns:p14="http://schemas.microsoft.com/office/powerpoint/2010/main" val="3855707884"/>
+      </p:ext>
+    </p:extLst>
+  </p:cSld>
+  <p:clrMapOvr>
+    <a:masterClrMapping/>
+  </p:clrMapOvr>
+</p:sld>
+</file>
+
+<file path=ppt/slides/slide29.xml><?xml version="1.0" encoding="utf-8"?>
+<p:sld xmlns:a="http://schemas.openxmlformats.org/drawingml/2006/main" xmlns:r="http://schemas.openxmlformats.org/officeDocument/2006/relationships" xmlns:p="http://schemas.openxmlformats.org/presentationml/2006/main">
+  <p:cSld>
+    <p:spTree>
+      <p:nvGrpSpPr>
+        <p:cNvPr id="1" name=""/>
+        <p:cNvGrpSpPr/>
+        <p:nvPr/>
+      </p:nvGrpSpPr>
+      <p:grpSpPr>
+        <a:xfrm>
+          <a:off x="0" y="0"/>
+          <a:ext cx="0" cy="0"/>
+          <a:chOff x="0" y="0"/>
+          <a:chExt cx="0" cy="0"/>
+        </a:xfrm>
+      </p:grpSpPr>
+      <p:cxnSp>
+        <p:nvCxnSpPr>
+          <p:cNvPr id="5" name="직선 연결선 4">
+            <a:extLst>
+              <a:ext uri="{FF2B5EF4-FFF2-40B4-BE49-F238E27FC236}">
+                <a16:creationId xmlns:a16="http://schemas.microsoft.com/office/drawing/2014/main" id="{164C2827-EFCE-69A4-D037-1A218415F568}"/>
+              </a:ext>
+            </a:extLst>
+          </p:cNvPr>
+          <p:cNvCxnSpPr/>
+          <p:nvPr/>
+        </p:nvCxnSpPr>
+        <p:spPr>
+          <a:xfrm>
+            <a:off x="0" y="887505"/>
+            <a:ext cx="10237694" cy="0"/>
+          </a:xfrm>
+          <a:prstGeom prst="line">
+            <a:avLst/>
+          </a:prstGeom>
+          <a:ln w="76200">
+            <a:solidFill>
+              <a:schemeClr val="tx1">
+                <a:lumMod val="75000"/>
+                <a:lumOff val="25000"/>
+              </a:schemeClr>
+            </a:solidFill>
+          </a:ln>
+        </p:spPr>
+        <p:style>
+          <a:lnRef idx="1">
+            <a:schemeClr val="accent1"/>
+          </a:lnRef>
+          <a:fillRef idx="0">
+            <a:schemeClr val="accent1"/>
+          </a:fillRef>
+          <a:effectRef idx="0">
+            <a:schemeClr val="accent1"/>
+          </a:effectRef>
+          <a:fontRef idx="minor">
+            <a:schemeClr val="tx1"/>
+          </a:fontRef>
+        </p:style>
+      </p:cxnSp>
+      <p:sp>
+        <p:nvSpPr>
+          <p:cNvPr id="4" name="TextBox 3">
+            <a:extLst>
+              <a:ext uri="{FF2B5EF4-FFF2-40B4-BE49-F238E27FC236}">
+                <a16:creationId xmlns:a16="http://schemas.microsoft.com/office/drawing/2014/main" id="{59D13859-3C4A-53F0-C48F-C6B9095BD065}"/>
+              </a:ext>
+            </a:extLst>
+          </p:cNvPr>
+          <p:cNvSpPr txBox="1"/>
+          <p:nvPr/>
+        </p:nvSpPr>
+        <p:spPr>
+          <a:xfrm>
+            <a:off x="331694" y="179902"/>
+            <a:ext cx="9506833" cy="523220"/>
+          </a:xfrm>
+          <a:prstGeom prst="rect">
+            <a:avLst/>
+          </a:prstGeom>
+          <a:noFill/>
+        </p:spPr>
+        <p:txBody>
+          <a:bodyPr wrap="none" rtlCol="0">
+            <a:spAutoFit/>
+          </a:bodyPr>
+          <a:lstStyle/>
+          <a:p>
+            <a:r>
+              <a:rPr lang="en-US" altLang="ko-KR" sz="2800" dirty="0">
+                <a:latin typeface="나눔스퀘어 Bold" panose="020B0600000101010101" pitchFamily="50" charset="-127"/>
+                <a:ea typeface="나눔스퀘어 Bold" panose="020B0600000101010101" pitchFamily="50" charset="-127"/>
+              </a:rPr>
+              <a:t>Dynamic Programming – 11053 </a:t>
+            </a:r>
+            <a:r>
+              <a:rPr lang="ko-KR" altLang="en-US" sz="2800" dirty="0">
+                <a:latin typeface="나눔스퀘어 Bold" panose="020B0600000101010101" pitchFamily="50" charset="-127"/>
+                <a:ea typeface="나눔스퀘어 Bold" panose="020B0600000101010101" pitchFamily="50" charset="-127"/>
+              </a:rPr>
+              <a:t>가장 긴 증가하는 부분 수열</a:t>
+            </a:r>
+          </a:p>
+        </p:txBody>
+      </p:sp>
+    </p:spTree>
+    <p:extLst>
+      <p:ext uri="{BB962C8B-B14F-4D97-AF65-F5344CB8AC3E}">
+        <p14:creationId xmlns:p14="http://schemas.microsoft.com/office/powerpoint/2010/main" val="2543614075"/>
       </p:ext>
     </p:extLst>
   </p:cSld>
@@ -15687,6 +17873,606 @@
     <p:extLst>
       <p:ext uri="{BB962C8B-B14F-4D97-AF65-F5344CB8AC3E}">
         <p14:creationId xmlns:p14="http://schemas.microsoft.com/office/powerpoint/2010/main" val="637452048"/>
+      </p:ext>
+    </p:extLst>
+  </p:cSld>
+  <p:clrMapOvr>
+    <a:masterClrMapping/>
+  </p:clrMapOvr>
+</p:sld>
+</file>
+
+<file path=ppt/slides/slide30.xml><?xml version="1.0" encoding="utf-8"?>
+<p:sld xmlns:a="http://schemas.openxmlformats.org/drawingml/2006/main" xmlns:r="http://schemas.openxmlformats.org/officeDocument/2006/relationships" xmlns:p="http://schemas.openxmlformats.org/presentationml/2006/main">
+  <p:cSld>
+    <p:spTree>
+      <p:nvGrpSpPr>
+        <p:cNvPr id="1" name=""/>
+        <p:cNvGrpSpPr/>
+        <p:nvPr/>
+      </p:nvGrpSpPr>
+      <p:grpSpPr>
+        <a:xfrm>
+          <a:off x="0" y="0"/>
+          <a:ext cx="0" cy="0"/>
+          <a:chOff x="0" y="0"/>
+          <a:chExt cx="0" cy="0"/>
+        </a:xfrm>
+      </p:grpSpPr>
+      <p:cxnSp>
+        <p:nvCxnSpPr>
+          <p:cNvPr id="5" name="직선 연결선 4">
+            <a:extLst>
+              <a:ext uri="{FF2B5EF4-FFF2-40B4-BE49-F238E27FC236}">
+                <a16:creationId xmlns:a16="http://schemas.microsoft.com/office/drawing/2014/main" id="{164C2827-EFCE-69A4-D037-1A218415F568}"/>
+              </a:ext>
+            </a:extLst>
+          </p:cNvPr>
+          <p:cNvCxnSpPr/>
+          <p:nvPr/>
+        </p:nvCxnSpPr>
+        <p:spPr>
+          <a:xfrm>
+            <a:off x="0" y="887505"/>
+            <a:ext cx="10237694" cy="0"/>
+          </a:xfrm>
+          <a:prstGeom prst="line">
+            <a:avLst/>
+          </a:prstGeom>
+          <a:ln w="76200">
+            <a:solidFill>
+              <a:schemeClr val="tx1">
+                <a:lumMod val="75000"/>
+                <a:lumOff val="25000"/>
+              </a:schemeClr>
+            </a:solidFill>
+          </a:ln>
+        </p:spPr>
+        <p:style>
+          <a:lnRef idx="1">
+            <a:schemeClr val="accent1"/>
+          </a:lnRef>
+          <a:fillRef idx="0">
+            <a:schemeClr val="accent1"/>
+          </a:fillRef>
+          <a:effectRef idx="0">
+            <a:schemeClr val="accent1"/>
+          </a:effectRef>
+          <a:fontRef idx="minor">
+            <a:schemeClr val="tx1"/>
+          </a:fontRef>
+        </p:style>
+      </p:cxnSp>
+      <p:sp>
+        <p:nvSpPr>
+          <p:cNvPr id="6" name="TextBox 5">
+            <a:extLst>
+              <a:ext uri="{FF2B5EF4-FFF2-40B4-BE49-F238E27FC236}">
+                <a16:creationId xmlns:a16="http://schemas.microsoft.com/office/drawing/2014/main" id="{908ED9B9-09D3-CFA8-625A-6F9BB9B6BD23}"/>
+              </a:ext>
+            </a:extLst>
+          </p:cNvPr>
+          <p:cNvSpPr txBox="1"/>
+          <p:nvPr/>
+        </p:nvSpPr>
+        <p:spPr>
+          <a:xfrm>
+            <a:off x="331694" y="177505"/>
+            <a:ext cx="2006190" cy="523220"/>
+          </a:xfrm>
+          <a:prstGeom prst="rect">
+            <a:avLst/>
+          </a:prstGeom>
+          <a:noFill/>
+        </p:spPr>
+        <p:txBody>
+          <a:bodyPr wrap="none" rtlCol="0">
+            <a:spAutoFit/>
+          </a:bodyPr>
+          <a:lstStyle/>
+          <a:p>
+            <a:r>
+              <a:rPr lang="en-US" altLang="ko-KR" sz="2800" dirty="0">
+                <a:latin typeface="나눔스퀘어 Bold" panose="020B0600000101010101" pitchFamily="50" charset="-127"/>
+                <a:ea typeface="나눔스퀘어 Bold" panose="020B0600000101010101" pitchFamily="50" charset="-127"/>
+              </a:rPr>
+              <a:t>Homework</a:t>
+            </a:r>
+            <a:endParaRPr lang="ko-KR" altLang="en-US" sz="2800" dirty="0">
+              <a:latin typeface="나눔스퀘어 Bold" panose="020B0600000101010101" pitchFamily="50" charset="-127"/>
+              <a:ea typeface="나눔스퀘어 Bold" panose="020B0600000101010101" pitchFamily="50" charset="-127"/>
+            </a:endParaRPr>
+          </a:p>
+        </p:txBody>
+      </p:sp>
+      <p:sp>
+        <p:nvSpPr>
+          <p:cNvPr id="7" name="TextBox 6">
+            <a:extLst>
+              <a:ext uri="{FF2B5EF4-FFF2-40B4-BE49-F238E27FC236}">
+                <a16:creationId xmlns:a16="http://schemas.microsoft.com/office/drawing/2014/main" id="{DD092523-43DA-0A5F-0C04-8239F4BF07FC}"/>
+              </a:ext>
+            </a:extLst>
+          </p:cNvPr>
+          <p:cNvSpPr txBox="1"/>
+          <p:nvPr/>
+        </p:nvSpPr>
+        <p:spPr>
+          <a:xfrm>
+            <a:off x="942387" y="1661364"/>
+            <a:ext cx="8553305" cy="369332"/>
+          </a:xfrm>
+          <a:prstGeom prst="rect">
+            <a:avLst/>
+          </a:prstGeom>
+          <a:noFill/>
+        </p:spPr>
+        <p:txBody>
+          <a:bodyPr wrap="square" rtlCol="0">
+            <a:spAutoFit/>
+          </a:bodyPr>
+          <a:lstStyle/>
+          <a:p>
+            <a:r>
+              <a:rPr lang="en-US" altLang="ko-KR" dirty="0">
+                <a:latin typeface="나눔스퀘어 Light" panose="020B0600000101010101" pitchFamily="50" charset="-127"/>
+                <a:ea typeface="나눔스퀘어 Light" panose="020B0600000101010101" pitchFamily="50" charset="-127"/>
+              </a:rPr>
+              <a:t>1. 16395 </a:t>
+            </a:r>
+            <a:r>
+              <a:rPr lang="ko-KR" altLang="en-US" dirty="0">
+                <a:latin typeface="나눔스퀘어 Light" panose="020B0600000101010101" pitchFamily="50" charset="-127"/>
+                <a:ea typeface="나눔스퀘어 Light" panose="020B0600000101010101" pitchFamily="50" charset="-127"/>
+              </a:rPr>
+              <a:t>파스칼의 삼각형</a:t>
+            </a:r>
+          </a:p>
+        </p:txBody>
+      </p:sp>
+      <p:sp>
+        <p:nvSpPr>
+          <p:cNvPr id="8" name="TextBox 7">
+            <a:extLst>
+              <a:ext uri="{FF2B5EF4-FFF2-40B4-BE49-F238E27FC236}">
+                <a16:creationId xmlns:a16="http://schemas.microsoft.com/office/drawing/2014/main" id="{80045CCB-6E92-45F3-05E2-D9718BBAEE86}"/>
+              </a:ext>
+            </a:extLst>
+          </p:cNvPr>
+          <p:cNvSpPr txBox="1"/>
+          <p:nvPr/>
+        </p:nvSpPr>
+        <p:spPr>
+          <a:xfrm>
+            <a:off x="942387" y="2030696"/>
+            <a:ext cx="8553305" cy="369332"/>
+          </a:xfrm>
+          <a:prstGeom prst="rect">
+            <a:avLst/>
+          </a:prstGeom>
+          <a:noFill/>
+        </p:spPr>
+        <p:txBody>
+          <a:bodyPr wrap="square" rtlCol="0">
+            <a:spAutoFit/>
+          </a:bodyPr>
+          <a:lstStyle/>
+          <a:p>
+            <a:r>
+              <a:rPr lang="en-US" altLang="ko-KR" dirty="0">
+                <a:latin typeface="나눔스퀘어 Light" panose="020B0600000101010101" pitchFamily="50" charset="-127"/>
+                <a:ea typeface="나눔스퀘어 Light" panose="020B0600000101010101" pitchFamily="50" charset="-127"/>
+              </a:rPr>
+              <a:t>2. 2491 </a:t>
+            </a:r>
+            <a:r>
+              <a:rPr lang="ko-KR" altLang="en-US" dirty="0">
+                <a:latin typeface="나눔스퀘어 Light" panose="020B0600000101010101" pitchFamily="50" charset="-127"/>
+                <a:ea typeface="나눔스퀘어 Light" panose="020B0600000101010101" pitchFamily="50" charset="-127"/>
+              </a:rPr>
+              <a:t>수열</a:t>
+            </a:r>
+          </a:p>
+        </p:txBody>
+      </p:sp>
+      <p:sp>
+        <p:nvSpPr>
+          <p:cNvPr id="9" name="TextBox 8">
+            <a:extLst>
+              <a:ext uri="{FF2B5EF4-FFF2-40B4-BE49-F238E27FC236}">
+                <a16:creationId xmlns:a16="http://schemas.microsoft.com/office/drawing/2014/main" id="{F3F091EF-3E70-16E8-983D-D9C14C2EAD61}"/>
+              </a:ext>
+            </a:extLst>
+          </p:cNvPr>
+          <p:cNvSpPr txBox="1"/>
+          <p:nvPr/>
+        </p:nvSpPr>
+        <p:spPr>
+          <a:xfrm>
+            <a:off x="942387" y="1190024"/>
+            <a:ext cx="8553305" cy="369332"/>
+          </a:xfrm>
+          <a:prstGeom prst="rect">
+            <a:avLst/>
+          </a:prstGeom>
+          <a:noFill/>
+        </p:spPr>
+        <p:txBody>
+          <a:bodyPr wrap="square" rtlCol="0">
+            <a:spAutoFit/>
+          </a:bodyPr>
+          <a:lstStyle/>
+          <a:p>
+            <a:r>
+              <a:rPr lang="ko-KR" altLang="en-US" dirty="0">
+                <a:latin typeface="나눔스퀘어 Bold" panose="020B0600000101010101" pitchFamily="50" charset="-127"/>
+                <a:ea typeface="나눔스퀘어 Bold" panose="020B0600000101010101" pitchFamily="50" charset="-127"/>
+              </a:rPr>
+              <a:t>아래 문제들에 대해 스스로 생각하고 풀어보세요</a:t>
+            </a:r>
+            <a:r>
+              <a:rPr lang="en-US" altLang="ko-KR" dirty="0">
+                <a:latin typeface="나눔스퀘어 Bold" panose="020B0600000101010101" pitchFamily="50" charset="-127"/>
+                <a:ea typeface="나눔스퀘어 Bold" panose="020B0600000101010101" pitchFamily="50" charset="-127"/>
+              </a:rPr>
+              <a:t>.</a:t>
+            </a:r>
+            <a:r>
+              <a:rPr lang="ko-KR" altLang="en-US" dirty="0">
+                <a:latin typeface="나눔스퀘어 Bold" panose="020B0600000101010101" pitchFamily="50" charset="-127"/>
+                <a:ea typeface="나눔스퀘어 Bold" panose="020B0600000101010101" pitchFamily="50" charset="-127"/>
+              </a:rPr>
+              <a:t> </a:t>
+            </a:r>
+            <a:r>
+              <a:rPr lang="en-US" altLang="ko-KR" dirty="0">
+                <a:latin typeface="나눔스퀘어 Bold" panose="020B0600000101010101" pitchFamily="50" charset="-127"/>
+                <a:ea typeface="나눔스퀘어 Bold" panose="020B0600000101010101" pitchFamily="50" charset="-127"/>
+              </a:rPr>
+              <a:t>(</a:t>
+            </a:r>
+            <a:r>
+              <a:rPr lang="ko-KR" altLang="en-US" dirty="0">
+                <a:latin typeface="나눔스퀘어 Bold" panose="020B0600000101010101" pitchFamily="50" charset="-127"/>
+                <a:ea typeface="나눔스퀘어 Bold" panose="020B0600000101010101" pitchFamily="50" charset="-127"/>
+              </a:rPr>
+              <a:t>해설은 따로 진행하진 않겠습니다</a:t>
+            </a:r>
+            <a:r>
+              <a:rPr lang="en-US" altLang="ko-KR" dirty="0">
+                <a:latin typeface="나눔스퀘어 Bold" panose="020B0600000101010101" pitchFamily="50" charset="-127"/>
+                <a:ea typeface="나눔스퀘어 Bold" panose="020B0600000101010101" pitchFamily="50" charset="-127"/>
+              </a:rPr>
+              <a:t>.)</a:t>
+            </a:r>
+            <a:endParaRPr lang="ko-KR" altLang="en-US" dirty="0">
+              <a:latin typeface="나눔스퀘어 Bold" panose="020B0600000101010101" pitchFamily="50" charset="-127"/>
+              <a:ea typeface="나눔스퀘어 Bold" panose="020B0600000101010101" pitchFamily="50" charset="-127"/>
+            </a:endParaRPr>
+          </a:p>
+        </p:txBody>
+      </p:sp>
+      <p:sp>
+        <p:nvSpPr>
+          <p:cNvPr id="11" name="TextBox 10">
+            <a:extLst>
+              <a:ext uri="{FF2B5EF4-FFF2-40B4-BE49-F238E27FC236}">
+                <a16:creationId xmlns:a16="http://schemas.microsoft.com/office/drawing/2014/main" id="{CDF0922C-4F6F-DB5B-EC8F-F56AF894275F}"/>
+              </a:ext>
+            </a:extLst>
+          </p:cNvPr>
+          <p:cNvSpPr txBox="1"/>
+          <p:nvPr/>
+        </p:nvSpPr>
+        <p:spPr>
+          <a:xfrm>
+            <a:off x="942387" y="5196636"/>
+            <a:ext cx="8553305" cy="369332"/>
+          </a:xfrm>
+          <a:prstGeom prst="rect">
+            <a:avLst/>
+          </a:prstGeom>
+          <a:noFill/>
+        </p:spPr>
+        <p:txBody>
+          <a:bodyPr wrap="square" rtlCol="0">
+            <a:spAutoFit/>
+          </a:bodyPr>
+          <a:lstStyle/>
+          <a:p>
+            <a:r>
+              <a:rPr lang="ko-KR" altLang="en-US" dirty="0">
+                <a:latin typeface="나눔스퀘어 Bold" panose="020B0600000101010101" pitchFamily="50" charset="-127"/>
+                <a:ea typeface="나눔스퀘어 Bold" panose="020B0600000101010101" pitchFamily="50" charset="-127"/>
+              </a:rPr>
+              <a:t>프로그래밍 언어로 피보나치 수를 구하려면 어떻게 해야 할까요</a:t>
+            </a:r>
+            <a:r>
+              <a:rPr lang="en-US" altLang="ko-KR" dirty="0">
+                <a:latin typeface="나눔스퀘어 Bold" panose="020B0600000101010101" pitchFamily="50" charset="-127"/>
+                <a:ea typeface="나눔스퀘어 Bold" panose="020B0600000101010101" pitchFamily="50" charset="-127"/>
+              </a:rPr>
+              <a:t>?</a:t>
+            </a:r>
+            <a:endParaRPr lang="ko-KR" altLang="en-US" dirty="0">
+              <a:latin typeface="나눔스퀘어 Bold" panose="020B0600000101010101" pitchFamily="50" charset="-127"/>
+              <a:ea typeface="나눔스퀘어 Bold" panose="020B0600000101010101" pitchFamily="50" charset="-127"/>
+            </a:endParaRPr>
+          </a:p>
+        </p:txBody>
+      </p:sp>
+      <p:sp>
+        <p:nvSpPr>
+          <p:cNvPr id="12" name="TextBox 11">
+            <a:extLst>
+              <a:ext uri="{FF2B5EF4-FFF2-40B4-BE49-F238E27FC236}">
+                <a16:creationId xmlns:a16="http://schemas.microsoft.com/office/drawing/2014/main" id="{1D90656A-EA8C-C93D-45FA-EC08FF6F6A51}"/>
+              </a:ext>
+            </a:extLst>
+          </p:cNvPr>
+          <p:cNvSpPr txBox="1"/>
+          <p:nvPr/>
+        </p:nvSpPr>
+        <p:spPr>
+          <a:xfrm>
+            <a:off x="942387" y="5716797"/>
+            <a:ext cx="10237694" cy="369332"/>
+          </a:xfrm>
+          <a:prstGeom prst="rect">
+            <a:avLst/>
+          </a:prstGeom>
+          <a:noFill/>
+        </p:spPr>
+        <p:txBody>
+          <a:bodyPr wrap="square" rtlCol="0">
+            <a:spAutoFit/>
+          </a:bodyPr>
+          <a:lstStyle/>
+          <a:p>
+            <a:r>
+              <a:rPr lang="en-US" altLang="ko-KR" dirty="0">
+                <a:latin typeface="나눔스퀘어 Light" panose="020B0600000101010101" pitchFamily="50" charset="-127"/>
+                <a:ea typeface="나눔스퀘어 Light" panose="020B0600000101010101" pitchFamily="50" charset="-127"/>
+              </a:rPr>
+              <a:t>2747 </a:t>
+            </a:r>
+            <a:r>
+              <a:rPr lang="ko-KR" altLang="en-US" dirty="0">
+                <a:latin typeface="나눔스퀘어 Light" panose="020B0600000101010101" pitchFamily="50" charset="-127"/>
+                <a:ea typeface="나눔스퀘어 Light" panose="020B0600000101010101" pitchFamily="50" charset="-127"/>
+              </a:rPr>
+              <a:t>피보나치 수 </a:t>
+            </a:r>
+            <a:r>
+              <a:rPr lang="en-US" altLang="ko-KR" dirty="0">
+                <a:latin typeface="나눔스퀘어 Light" panose="020B0600000101010101" pitchFamily="50" charset="-127"/>
+                <a:ea typeface="나눔스퀘어 Light" panose="020B0600000101010101" pitchFamily="50" charset="-127"/>
+              </a:rPr>
+              <a:t>/ 2748 </a:t>
+            </a:r>
+            <a:r>
+              <a:rPr lang="ko-KR" altLang="en-US" dirty="0">
+                <a:latin typeface="나눔스퀘어 Light" panose="020B0600000101010101" pitchFamily="50" charset="-127"/>
+                <a:ea typeface="나눔스퀘어 Light" panose="020B0600000101010101" pitchFamily="50" charset="-127"/>
+              </a:rPr>
+              <a:t>피보나치 수 </a:t>
+            </a:r>
+            <a:r>
+              <a:rPr lang="en-US" altLang="ko-KR" dirty="0">
+                <a:latin typeface="나눔스퀘어 Light" panose="020B0600000101010101" pitchFamily="50" charset="-127"/>
+                <a:ea typeface="나눔스퀘어 Light" panose="020B0600000101010101" pitchFamily="50" charset="-127"/>
+              </a:rPr>
+              <a:t>2 </a:t>
+            </a:r>
+            <a:r>
+              <a:rPr lang="ko-KR" altLang="en-US" dirty="0">
+                <a:latin typeface="나눔스퀘어 Light" panose="020B0600000101010101" pitchFamily="50" charset="-127"/>
+                <a:ea typeface="나눔스퀘어 Light" panose="020B0600000101010101" pitchFamily="50" charset="-127"/>
+              </a:rPr>
+              <a:t>문제를 풀며 피보나치 수를 구하는 방법을 </a:t>
+            </a:r>
+            <a:r>
+              <a:rPr lang="en-US" altLang="ko-KR" dirty="0">
+                <a:latin typeface="나눔스퀘어 Light" panose="020B0600000101010101" pitchFamily="50" charset="-127"/>
+                <a:ea typeface="나눔스퀘어 Light" panose="020B0600000101010101" pitchFamily="50" charset="-127"/>
+              </a:rPr>
+              <a:t>(</a:t>
+            </a:r>
+            <a:r>
+              <a:rPr lang="ko-KR" altLang="en-US" dirty="0">
+                <a:latin typeface="나눔스퀘어 Light" panose="020B0600000101010101" pitchFamily="50" charset="-127"/>
+                <a:ea typeface="나눔스퀘어 Light" panose="020B0600000101010101" pitchFamily="50" charset="-127"/>
+              </a:rPr>
+              <a:t>슈도</a:t>
+            </a:r>
+            <a:r>
+              <a:rPr lang="en-US" altLang="ko-KR" dirty="0">
+                <a:latin typeface="나눔스퀘어 Light" panose="020B0600000101010101" pitchFamily="50" charset="-127"/>
+                <a:ea typeface="나눔스퀘어 Light" panose="020B0600000101010101" pitchFamily="50" charset="-127"/>
+              </a:rPr>
+              <a:t>) </a:t>
+            </a:r>
+            <a:r>
+              <a:rPr lang="ko-KR" altLang="en-US" dirty="0">
+                <a:latin typeface="나눔스퀘어 Light" panose="020B0600000101010101" pitchFamily="50" charset="-127"/>
+                <a:ea typeface="나눔스퀘어 Light" panose="020B0600000101010101" pitchFamily="50" charset="-127"/>
+              </a:rPr>
+              <a:t>코드로 </a:t>
+            </a:r>
+          </a:p>
+        </p:txBody>
+      </p:sp>
+      <p:sp>
+        <p:nvSpPr>
+          <p:cNvPr id="2" name="TextBox 1">
+            <a:extLst>
+              <a:ext uri="{FF2B5EF4-FFF2-40B4-BE49-F238E27FC236}">
+                <a16:creationId xmlns:a16="http://schemas.microsoft.com/office/drawing/2014/main" id="{807C3CD1-8E1B-427F-230D-9C7C2837C1F2}"/>
+              </a:ext>
+            </a:extLst>
+          </p:cNvPr>
+          <p:cNvSpPr txBox="1"/>
+          <p:nvPr/>
+        </p:nvSpPr>
+        <p:spPr>
+          <a:xfrm>
+            <a:off x="942387" y="2400024"/>
+            <a:ext cx="8553305" cy="369332"/>
+          </a:xfrm>
+          <a:prstGeom prst="rect">
+            <a:avLst/>
+          </a:prstGeom>
+          <a:noFill/>
+        </p:spPr>
+        <p:txBody>
+          <a:bodyPr wrap="square" rtlCol="0">
+            <a:spAutoFit/>
+          </a:bodyPr>
+          <a:lstStyle/>
+          <a:p>
+            <a:r>
+              <a:rPr lang="en-US" altLang="ko-KR" dirty="0">
+                <a:latin typeface="나눔스퀘어 Light" panose="020B0600000101010101" pitchFamily="50" charset="-127"/>
+                <a:ea typeface="나눔스퀘어 Light" panose="020B0600000101010101" pitchFamily="50" charset="-127"/>
+              </a:rPr>
+              <a:t>3. 11048 </a:t>
+            </a:r>
+            <a:r>
+              <a:rPr lang="ko-KR" altLang="en-US" dirty="0">
+                <a:latin typeface="나눔스퀘어 Light" panose="020B0600000101010101" pitchFamily="50" charset="-127"/>
+                <a:ea typeface="나눔스퀘어 Light" panose="020B0600000101010101" pitchFamily="50" charset="-127"/>
+              </a:rPr>
+              <a:t>이동하기</a:t>
+            </a:r>
+          </a:p>
+        </p:txBody>
+      </p:sp>
+      <p:sp>
+        <p:nvSpPr>
+          <p:cNvPr id="10" name="TextBox 9">
+            <a:extLst>
+              <a:ext uri="{FF2B5EF4-FFF2-40B4-BE49-F238E27FC236}">
+                <a16:creationId xmlns:a16="http://schemas.microsoft.com/office/drawing/2014/main" id="{C572282D-23DE-9D59-D1DB-6011A80C631D}"/>
+              </a:ext>
+            </a:extLst>
+          </p:cNvPr>
+          <p:cNvSpPr txBox="1"/>
+          <p:nvPr/>
+        </p:nvSpPr>
+        <p:spPr>
+          <a:xfrm>
+            <a:off x="942387" y="6086129"/>
+            <a:ext cx="8553305" cy="369332"/>
+          </a:xfrm>
+          <a:prstGeom prst="rect">
+            <a:avLst/>
+          </a:prstGeom>
+          <a:noFill/>
+        </p:spPr>
+        <p:txBody>
+          <a:bodyPr wrap="square" rtlCol="0">
+            <a:spAutoFit/>
+          </a:bodyPr>
+          <a:lstStyle/>
+          <a:p>
+            <a:r>
+              <a:rPr lang="ko-KR" altLang="en-US" dirty="0">
+                <a:latin typeface="나눔스퀘어 Light" panose="020B0600000101010101" pitchFamily="50" charset="-127"/>
+                <a:ea typeface="나눔스퀘어 Light" panose="020B0600000101010101" pitchFamily="50" charset="-127"/>
+              </a:rPr>
+              <a:t>작성해 보시고</a:t>
+            </a:r>
+            <a:r>
+              <a:rPr lang="en-US" altLang="ko-KR" dirty="0">
+                <a:latin typeface="나눔스퀘어 Light" panose="020B0600000101010101" pitchFamily="50" charset="-127"/>
+                <a:ea typeface="나눔스퀘어 Light" panose="020B0600000101010101" pitchFamily="50" charset="-127"/>
+              </a:rPr>
+              <a:t>, </a:t>
+            </a:r>
+            <a:r>
+              <a:rPr lang="ko-KR" altLang="en-US" dirty="0">
+                <a:latin typeface="나눔스퀘어 Light" panose="020B0600000101010101" pitchFamily="50" charset="-127"/>
+                <a:ea typeface="나눔스퀘어 Light" panose="020B0600000101010101" pitchFamily="50" charset="-127"/>
+              </a:rPr>
+              <a:t>효율적인 방법에 대해서 고민해보세요</a:t>
+            </a:r>
+            <a:r>
+              <a:rPr lang="en-US" altLang="ko-KR" dirty="0">
+                <a:latin typeface="나눔스퀘어 Light" panose="020B0600000101010101" pitchFamily="50" charset="-127"/>
+                <a:ea typeface="나눔스퀘어 Light" panose="020B0600000101010101" pitchFamily="50" charset="-127"/>
+              </a:rPr>
+              <a:t>.</a:t>
+            </a:r>
+            <a:endParaRPr lang="ko-KR" altLang="en-US" dirty="0">
+              <a:latin typeface="나눔스퀘어 Light" panose="020B0600000101010101" pitchFamily="50" charset="-127"/>
+              <a:ea typeface="나눔스퀘어 Light" panose="020B0600000101010101" pitchFamily="50" charset="-127"/>
+            </a:endParaRPr>
+          </a:p>
+        </p:txBody>
+      </p:sp>
+      <p:sp>
+        <p:nvSpPr>
+          <p:cNvPr id="4" name="TextBox 3">
+            <a:extLst>
+              <a:ext uri="{FF2B5EF4-FFF2-40B4-BE49-F238E27FC236}">
+                <a16:creationId xmlns:a16="http://schemas.microsoft.com/office/drawing/2014/main" id="{1FFB0E97-045D-CAE2-D4D4-F6AFF27F568B}"/>
+              </a:ext>
+            </a:extLst>
+          </p:cNvPr>
+          <p:cNvSpPr txBox="1"/>
+          <p:nvPr/>
+        </p:nvSpPr>
+        <p:spPr>
+          <a:xfrm>
+            <a:off x="942387" y="2775391"/>
+            <a:ext cx="8553305" cy="369332"/>
+          </a:xfrm>
+          <a:prstGeom prst="rect">
+            <a:avLst/>
+          </a:prstGeom>
+          <a:noFill/>
+        </p:spPr>
+        <p:txBody>
+          <a:bodyPr wrap="square" rtlCol="0">
+            <a:spAutoFit/>
+          </a:bodyPr>
+          <a:lstStyle/>
+          <a:p>
+            <a:r>
+              <a:rPr lang="en-US" altLang="ko-KR" dirty="0">
+                <a:latin typeface="나눔스퀘어 Light" panose="020B0600000101010101" pitchFamily="50" charset="-127"/>
+                <a:ea typeface="나눔스퀘어 Light" panose="020B0600000101010101" pitchFamily="50" charset="-127"/>
+              </a:rPr>
+              <a:t>4. 14495 </a:t>
+            </a:r>
+            <a:r>
+              <a:rPr lang="ko-KR" altLang="en-US" dirty="0">
+                <a:latin typeface="나눔스퀘어 Light" panose="020B0600000101010101" pitchFamily="50" charset="-127"/>
+                <a:ea typeface="나눔스퀘어 Light" panose="020B0600000101010101" pitchFamily="50" charset="-127"/>
+              </a:rPr>
+              <a:t>피보나치 </a:t>
+            </a:r>
+            <a:r>
+              <a:rPr lang="ko-KR" altLang="en-US" dirty="0" err="1">
+                <a:latin typeface="나눔스퀘어 Light" panose="020B0600000101010101" pitchFamily="50" charset="-127"/>
+                <a:ea typeface="나눔스퀘어 Light" panose="020B0600000101010101" pitchFamily="50" charset="-127"/>
+              </a:rPr>
+              <a:t>비스무리한</a:t>
+            </a:r>
+            <a:r>
+              <a:rPr lang="ko-KR" altLang="en-US" dirty="0">
+                <a:latin typeface="나눔스퀘어 Light" panose="020B0600000101010101" pitchFamily="50" charset="-127"/>
+                <a:ea typeface="나눔스퀘어 Light" panose="020B0600000101010101" pitchFamily="50" charset="-127"/>
+              </a:rPr>
+              <a:t> 수열</a:t>
+            </a:r>
+          </a:p>
+        </p:txBody>
+      </p:sp>
+    </p:spTree>
+    <p:extLst>
+      <p:ext uri="{BB962C8B-B14F-4D97-AF65-F5344CB8AC3E}">
+        <p14:creationId xmlns:p14="http://schemas.microsoft.com/office/powerpoint/2010/main" val="732558497"/>
       </p:ext>
     </p:extLst>
   </p:cSld>

--- a/study/5_Dynamic Programming.pptx
+++ b/study/5_Dynamic Programming.pptx
@@ -32,9 +32,10 @@
     <p:sldId id="350" r:id="rId26"/>
     <p:sldId id="339" r:id="rId27"/>
     <p:sldId id="340" r:id="rId28"/>
-    <p:sldId id="341" r:id="rId29"/>
-    <p:sldId id="342" r:id="rId30"/>
-    <p:sldId id="298" r:id="rId31"/>
+    <p:sldId id="351" r:id="rId29"/>
+    <p:sldId id="341" r:id="rId30"/>
+    <p:sldId id="342" r:id="rId31"/>
+    <p:sldId id="298" r:id="rId32"/>
   </p:sldIdLst>
   <p:sldSz cx="12192000" cy="6858000"/>
   <p:notesSz cx="6858000" cy="9144000"/>
@@ -14413,8 +14414,8 @@
           </a:p>
         </p:txBody>
       </p:sp>
-      <mc:AlternateContent xmlns:mc="http://schemas.openxmlformats.org/markup-compatibility/2006">
-        <mc:Choice xmlns:a14="http://schemas.microsoft.com/office/drawing/2010/main" Requires="a14">
+      <mc:AlternateContent xmlns:mc="http://schemas.openxmlformats.org/markup-compatibility/2006" xmlns:a14="http://schemas.microsoft.com/office/drawing/2010/main">
+        <mc:Choice Requires="a14">
           <p:sp>
             <p:nvSpPr>
               <p:cNvPr id="23" name="TextBox 22">
@@ -14521,7 +14522,7 @@
             </p:txBody>
           </p:sp>
         </mc:Choice>
-        <mc:Fallback>
+        <mc:Fallback xmlns="">
           <p:sp>
             <p:nvSpPr>
               <p:cNvPr id="23" name="TextBox 22">
@@ -17345,6 +17346,1429 @@
           </a:p>
         </p:txBody>
       </p:sp>
+      <p:sp>
+        <p:nvSpPr>
+          <p:cNvPr id="3" name="TextBox 2">
+            <a:extLst>
+              <a:ext uri="{FF2B5EF4-FFF2-40B4-BE49-F238E27FC236}">
+                <a16:creationId xmlns:a16="http://schemas.microsoft.com/office/drawing/2014/main" id="{224010AF-26B9-3DC2-1483-F55C7555A685}"/>
+              </a:ext>
+            </a:extLst>
+          </p:cNvPr>
+          <p:cNvSpPr txBox="1"/>
+          <p:nvPr/>
+        </p:nvSpPr>
+        <p:spPr>
+          <a:xfrm>
+            <a:off x="942387" y="1190024"/>
+            <a:ext cx="10313217" cy="369332"/>
+          </a:xfrm>
+          <a:prstGeom prst="rect">
+            <a:avLst/>
+          </a:prstGeom>
+          <a:noFill/>
+        </p:spPr>
+        <p:txBody>
+          <a:bodyPr wrap="square" rtlCol="0">
+            <a:spAutoFit/>
+          </a:bodyPr>
+          <a:lstStyle/>
+          <a:p>
+            <a:r>
+              <a:rPr lang="ko-KR" altLang="en-US" dirty="0">
+                <a:latin typeface="나눔스퀘어 Light" panose="020B0600000101010101" pitchFamily="50" charset="-127"/>
+                <a:ea typeface="나눔스퀘어 Light" panose="020B0600000101010101" pitchFamily="50" charset="-127"/>
+              </a:rPr>
+              <a:t>문제의 예시에도 나와 있듯이</a:t>
+            </a:r>
+            <a:r>
+              <a:rPr lang="en-US" altLang="ko-KR" dirty="0">
+                <a:latin typeface="나눔스퀘어 Light" panose="020B0600000101010101" pitchFamily="50" charset="-127"/>
+                <a:ea typeface="나눔스퀘어 Light" panose="020B0600000101010101" pitchFamily="50" charset="-127"/>
+              </a:rPr>
+              <a:t>, </a:t>
+            </a:r>
+            <a:r>
+              <a:rPr lang="ko-KR" altLang="en-US" dirty="0">
+                <a:latin typeface="나눔스퀘어 Light" panose="020B0600000101010101" pitchFamily="50" charset="-127"/>
+                <a:ea typeface="나눔스퀘어 Light" panose="020B0600000101010101" pitchFamily="50" charset="-127"/>
+              </a:rPr>
+              <a:t>무조건 액수가 큰 동전</a:t>
+            </a:r>
+            <a:r>
+              <a:rPr lang="en-US" altLang="ko-KR" dirty="0">
+                <a:latin typeface="나눔스퀘어 Light" panose="020B0600000101010101" pitchFamily="50" charset="-127"/>
+                <a:ea typeface="나눔스퀘어 Light" panose="020B0600000101010101" pitchFamily="50" charset="-127"/>
+              </a:rPr>
+              <a:t>(5</a:t>
+            </a:r>
+            <a:r>
+              <a:rPr lang="ko-KR" altLang="en-US" dirty="0">
+                <a:latin typeface="나눔스퀘어 Light" panose="020B0600000101010101" pitchFamily="50" charset="-127"/>
+                <a:ea typeface="나눔스퀘어 Light" panose="020B0600000101010101" pitchFamily="50" charset="-127"/>
+              </a:rPr>
+              <a:t>원</a:t>
+            </a:r>
+            <a:r>
+              <a:rPr lang="en-US" altLang="ko-KR" dirty="0">
+                <a:latin typeface="나눔스퀘어 Light" panose="020B0600000101010101" pitchFamily="50" charset="-127"/>
+                <a:ea typeface="나눔스퀘어 Light" panose="020B0600000101010101" pitchFamily="50" charset="-127"/>
+              </a:rPr>
+              <a:t>)</a:t>
+            </a:r>
+            <a:r>
+              <a:rPr lang="ko-KR" altLang="en-US" dirty="0">
+                <a:latin typeface="나눔스퀘어 Light" panose="020B0600000101010101" pitchFamily="50" charset="-127"/>
+                <a:ea typeface="나눔스퀘어 Light" panose="020B0600000101010101" pitchFamily="50" charset="-127"/>
+              </a:rPr>
+              <a:t>을 많이 사용하면 만들지 못하는 금액이</a:t>
+            </a:r>
+          </a:p>
+        </p:txBody>
+      </p:sp>
+      <p:sp>
+        <p:nvSpPr>
+          <p:cNvPr id="6" name="TextBox 5">
+            <a:extLst>
+              <a:ext uri="{FF2B5EF4-FFF2-40B4-BE49-F238E27FC236}">
+                <a16:creationId xmlns:a16="http://schemas.microsoft.com/office/drawing/2014/main" id="{34D05845-1BD7-6460-4E63-F3BF8832971C}"/>
+              </a:ext>
+            </a:extLst>
+          </p:cNvPr>
+          <p:cNvSpPr txBox="1"/>
+          <p:nvPr/>
+        </p:nvSpPr>
+        <p:spPr>
+          <a:xfrm>
+            <a:off x="942387" y="1559356"/>
+            <a:ext cx="10313217" cy="369332"/>
+          </a:xfrm>
+          <a:prstGeom prst="rect">
+            <a:avLst/>
+          </a:prstGeom>
+          <a:noFill/>
+        </p:spPr>
+        <p:txBody>
+          <a:bodyPr wrap="square" rtlCol="0">
+            <a:spAutoFit/>
+          </a:bodyPr>
+          <a:lstStyle/>
+          <a:p>
+            <a:r>
+              <a:rPr lang="ko-KR" altLang="en-US" dirty="0">
+                <a:latin typeface="나눔스퀘어 Light" panose="020B0600000101010101" pitchFamily="50" charset="-127"/>
+                <a:ea typeface="나눔스퀘어 Light" panose="020B0600000101010101" pitchFamily="50" charset="-127"/>
+              </a:rPr>
+              <a:t>발생할 수도 있습니다</a:t>
+            </a:r>
+            <a:r>
+              <a:rPr lang="en-US" altLang="ko-KR" dirty="0">
+                <a:latin typeface="나눔스퀘어 Light" panose="020B0600000101010101" pitchFamily="50" charset="-127"/>
+                <a:ea typeface="나눔스퀘어 Light" panose="020B0600000101010101" pitchFamily="50" charset="-127"/>
+              </a:rPr>
+              <a:t>. (13</a:t>
+            </a:r>
+            <a:r>
+              <a:rPr lang="ko-KR" altLang="en-US" dirty="0">
+                <a:latin typeface="나눔스퀘어 Light" panose="020B0600000101010101" pitchFamily="50" charset="-127"/>
+                <a:ea typeface="나눔스퀘어 Light" panose="020B0600000101010101" pitchFamily="50" charset="-127"/>
+              </a:rPr>
+              <a:t>원의 경우</a:t>
+            </a:r>
+            <a:r>
+              <a:rPr lang="en-US" altLang="ko-KR" dirty="0">
+                <a:latin typeface="나눔스퀘어 Light" panose="020B0600000101010101" pitchFamily="50" charset="-127"/>
+                <a:ea typeface="나눔스퀘어 Light" panose="020B0600000101010101" pitchFamily="50" charset="-127"/>
+              </a:rPr>
+              <a:t>, 5</a:t>
+            </a:r>
+            <a:r>
+              <a:rPr lang="ko-KR" altLang="en-US" dirty="0">
+                <a:latin typeface="나눔스퀘어 Light" panose="020B0600000101010101" pitchFamily="50" charset="-127"/>
+                <a:ea typeface="나눔스퀘어 Light" panose="020B0600000101010101" pitchFamily="50" charset="-127"/>
+              </a:rPr>
+              <a:t>원 </a:t>
+            </a:r>
+            <a:r>
+              <a:rPr lang="en-US" altLang="ko-KR" dirty="0">
+                <a:latin typeface="나눔스퀘어 Light" panose="020B0600000101010101" pitchFamily="50" charset="-127"/>
+                <a:ea typeface="나눔스퀘어 Light" panose="020B0600000101010101" pitchFamily="50" charset="-127"/>
+              </a:rPr>
+              <a:t>2</a:t>
+            </a:r>
+            <a:r>
+              <a:rPr lang="ko-KR" altLang="en-US" dirty="0">
+                <a:latin typeface="나눔스퀘어 Light" panose="020B0600000101010101" pitchFamily="50" charset="-127"/>
+                <a:ea typeface="나눔스퀘어 Light" panose="020B0600000101010101" pitchFamily="50" charset="-127"/>
+              </a:rPr>
+              <a:t>개를 사용하지 못함</a:t>
+            </a:r>
+            <a:r>
+              <a:rPr lang="en-US" altLang="ko-KR" dirty="0">
+                <a:latin typeface="나눔스퀘어 Light" panose="020B0600000101010101" pitchFamily="50" charset="-127"/>
+                <a:ea typeface="나눔스퀘어 Light" panose="020B0600000101010101" pitchFamily="50" charset="-127"/>
+              </a:rPr>
+              <a:t>)</a:t>
+            </a:r>
+            <a:endParaRPr lang="ko-KR" altLang="en-US" dirty="0">
+              <a:latin typeface="나눔스퀘어 Light" panose="020B0600000101010101" pitchFamily="50" charset="-127"/>
+              <a:ea typeface="나눔스퀘어 Light" panose="020B0600000101010101" pitchFamily="50" charset="-127"/>
+            </a:endParaRPr>
+          </a:p>
+        </p:txBody>
+      </p:sp>
+      <p:sp>
+        <p:nvSpPr>
+          <p:cNvPr id="7" name="TextBox 6">
+            <a:extLst>
+              <a:ext uri="{FF2B5EF4-FFF2-40B4-BE49-F238E27FC236}">
+                <a16:creationId xmlns:a16="http://schemas.microsoft.com/office/drawing/2014/main" id="{BC99A08C-D17F-9B86-3375-0504F5A42F7B}"/>
+              </a:ext>
+            </a:extLst>
+          </p:cNvPr>
+          <p:cNvSpPr txBox="1"/>
+          <p:nvPr/>
+        </p:nvSpPr>
+        <p:spPr>
+          <a:xfrm>
+            <a:off x="942387" y="2298020"/>
+            <a:ext cx="10313217" cy="369332"/>
+          </a:xfrm>
+          <a:prstGeom prst="rect">
+            <a:avLst/>
+          </a:prstGeom>
+          <a:noFill/>
+        </p:spPr>
+        <p:txBody>
+          <a:bodyPr wrap="square" rtlCol="0">
+            <a:spAutoFit/>
+          </a:bodyPr>
+          <a:lstStyle/>
+          <a:p>
+            <a:r>
+              <a:rPr lang="en-US" altLang="ko-KR" dirty="0">
+                <a:latin typeface="나눔스퀘어 Light" panose="020B0600000101010101" pitchFamily="50" charset="-127"/>
+                <a:ea typeface="나눔스퀘어 Light" panose="020B0600000101010101" pitchFamily="50" charset="-127"/>
+              </a:rPr>
+              <a:t>X</a:t>
+            </a:r>
+            <a:r>
+              <a:rPr lang="ko-KR" altLang="en-US" dirty="0">
+                <a:latin typeface="나눔스퀘어 Light" panose="020B0600000101010101" pitchFamily="50" charset="-127"/>
+                <a:ea typeface="나눔스퀘어 Light" panose="020B0600000101010101" pitchFamily="50" charset="-127"/>
+              </a:rPr>
+              <a:t>원을 만들 수 있는 방법은</a:t>
+            </a:r>
+          </a:p>
+        </p:txBody>
+      </p:sp>
+      <p:sp>
+        <p:nvSpPr>
+          <p:cNvPr id="8" name="TextBox 7">
+            <a:extLst>
+              <a:ext uri="{FF2B5EF4-FFF2-40B4-BE49-F238E27FC236}">
+                <a16:creationId xmlns:a16="http://schemas.microsoft.com/office/drawing/2014/main" id="{FBA847A0-F1B0-8F6E-2BBF-85F21CB41113}"/>
+              </a:ext>
+            </a:extLst>
+          </p:cNvPr>
+          <p:cNvSpPr txBox="1"/>
+          <p:nvPr/>
+        </p:nvSpPr>
+        <p:spPr>
+          <a:xfrm>
+            <a:off x="1560945" y="2667352"/>
+            <a:ext cx="9694659" cy="369332"/>
+          </a:xfrm>
+          <a:prstGeom prst="rect">
+            <a:avLst/>
+          </a:prstGeom>
+          <a:noFill/>
+        </p:spPr>
+        <p:txBody>
+          <a:bodyPr wrap="square" rtlCol="0">
+            <a:spAutoFit/>
+          </a:bodyPr>
+          <a:lstStyle/>
+          <a:p>
+            <a:r>
+              <a:rPr lang="en-US" altLang="ko-KR" dirty="0">
+                <a:latin typeface="나눔스퀘어 Light" panose="020B0600000101010101" pitchFamily="50" charset="-127"/>
+                <a:ea typeface="나눔스퀘어 Light" panose="020B0600000101010101" pitchFamily="50" charset="-127"/>
+              </a:rPr>
+              <a:t>X - 2</a:t>
+            </a:r>
+            <a:r>
+              <a:rPr lang="ko-KR" altLang="en-US" dirty="0">
+                <a:latin typeface="나눔스퀘어 Light" panose="020B0600000101010101" pitchFamily="50" charset="-127"/>
+                <a:ea typeface="나눔스퀘어 Light" panose="020B0600000101010101" pitchFamily="50" charset="-127"/>
+              </a:rPr>
+              <a:t>원을 만드는 방법 </a:t>
+            </a:r>
+            <a:r>
+              <a:rPr lang="en-US" altLang="ko-KR" dirty="0">
+                <a:latin typeface="나눔스퀘어 Light" panose="020B0600000101010101" pitchFamily="50" charset="-127"/>
+                <a:ea typeface="나눔스퀘어 Light" panose="020B0600000101010101" pitchFamily="50" charset="-127"/>
+              </a:rPr>
+              <a:t>+ 2</a:t>
+            </a:r>
+            <a:r>
+              <a:rPr lang="ko-KR" altLang="en-US" dirty="0">
+                <a:latin typeface="나눔스퀘어 Light" panose="020B0600000101010101" pitchFamily="50" charset="-127"/>
+                <a:ea typeface="나눔스퀘어 Light" panose="020B0600000101010101" pitchFamily="50" charset="-127"/>
+              </a:rPr>
+              <a:t>원</a:t>
+            </a:r>
+          </a:p>
+        </p:txBody>
+      </p:sp>
+      <p:sp>
+        <p:nvSpPr>
+          <p:cNvPr id="9" name="TextBox 8">
+            <a:extLst>
+              <a:ext uri="{FF2B5EF4-FFF2-40B4-BE49-F238E27FC236}">
+                <a16:creationId xmlns:a16="http://schemas.microsoft.com/office/drawing/2014/main" id="{69FCDD6B-3DC6-BABF-8E0B-300B532762BB}"/>
+              </a:ext>
+            </a:extLst>
+          </p:cNvPr>
+          <p:cNvSpPr txBox="1"/>
+          <p:nvPr/>
+        </p:nvSpPr>
+        <p:spPr>
+          <a:xfrm>
+            <a:off x="1560945" y="3034604"/>
+            <a:ext cx="9694659" cy="369332"/>
+          </a:xfrm>
+          <a:prstGeom prst="rect">
+            <a:avLst/>
+          </a:prstGeom>
+          <a:noFill/>
+        </p:spPr>
+        <p:txBody>
+          <a:bodyPr wrap="square" rtlCol="0">
+            <a:spAutoFit/>
+          </a:bodyPr>
+          <a:lstStyle/>
+          <a:p>
+            <a:r>
+              <a:rPr lang="en-US" altLang="ko-KR" dirty="0">
+                <a:latin typeface="나눔스퀘어 Light" panose="020B0600000101010101" pitchFamily="50" charset="-127"/>
+                <a:ea typeface="나눔스퀘어 Light" panose="020B0600000101010101" pitchFamily="50" charset="-127"/>
+              </a:rPr>
+              <a:t>X - 5</a:t>
+            </a:r>
+            <a:r>
+              <a:rPr lang="ko-KR" altLang="en-US" dirty="0">
+                <a:latin typeface="나눔스퀘어 Light" panose="020B0600000101010101" pitchFamily="50" charset="-127"/>
+                <a:ea typeface="나눔스퀘어 Light" panose="020B0600000101010101" pitchFamily="50" charset="-127"/>
+              </a:rPr>
+              <a:t>원을 만드는 방법 </a:t>
+            </a:r>
+            <a:r>
+              <a:rPr lang="en-US" altLang="ko-KR" dirty="0">
+                <a:latin typeface="나눔스퀘어 Light" panose="020B0600000101010101" pitchFamily="50" charset="-127"/>
+                <a:ea typeface="나눔스퀘어 Light" panose="020B0600000101010101" pitchFamily="50" charset="-127"/>
+              </a:rPr>
+              <a:t>+ 5</a:t>
+            </a:r>
+            <a:r>
+              <a:rPr lang="ko-KR" altLang="en-US" dirty="0">
+                <a:latin typeface="나눔스퀘어 Light" panose="020B0600000101010101" pitchFamily="50" charset="-127"/>
+                <a:ea typeface="나눔스퀘어 Light" panose="020B0600000101010101" pitchFamily="50" charset="-127"/>
+              </a:rPr>
+              <a:t>원</a:t>
+            </a:r>
+          </a:p>
+        </p:txBody>
+      </p:sp>
+      <p:sp>
+        <p:nvSpPr>
+          <p:cNvPr id="10" name="TextBox 9">
+            <a:extLst>
+              <a:ext uri="{FF2B5EF4-FFF2-40B4-BE49-F238E27FC236}">
+                <a16:creationId xmlns:a16="http://schemas.microsoft.com/office/drawing/2014/main" id="{017A33B9-997E-9988-5E70-C7B90FFBCD6D}"/>
+              </a:ext>
+            </a:extLst>
+          </p:cNvPr>
+          <p:cNvSpPr txBox="1"/>
+          <p:nvPr/>
+        </p:nvSpPr>
+        <p:spPr>
+          <a:xfrm>
+            <a:off x="942387" y="3401856"/>
+            <a:ext cx="10313217" cy="369332"/>
+          </a:xfrm>
+          <a:prstGeom prst="rect">
+            <a:avLst/>
+          </a:prstGeom>
+          <a:noFill/>
+        </p:spPr>
+        <p:txBody>
+          <a:bodyPr wrap="square" rtlCol="0">
+            <a:spAutoFit/>
+          </a:bodyPr>
+          <a:lstStyle/>
+          <a:p>
+            <a:r>
+              <a:rPr lang="en-US" altLang="ko-KR" dirty="0">
+                <a:latin typeface="나눔스퀘어 Light" panose="020B0600000101010101" pitchFamily="50" charset="-127"/>
+                <a:ea typeface="나눔스퀘어 Light" panose="020B0600000101010101" pitchFamily="50" charset="-127"/>
+              </a:rPr>
+              <a:t>2</a:t>
+            </a:r>
+            <a:r>
+              <a:rPr lang="ko-KR" altLang="en-US" dirty="0">
+                <a:latin typeface="나눔스퀘어 Light" panose="020B0600000101010101" pitchFamily="50" charset="-127"/>
+                <a:ea typeface="나눔스퀘어 Light" panose="020B0600000101010101" pitchFamily="50" charset="-127"/>
+              </a:rPr>
+              <a:t>가지 방법으로 </a:t>
+            </a:r>
+            <a:r>
+              <a:rPr lang="en-US" altLang="ko-KR" dirty="0">
+                <a:latin typeface="나눔스퀘어 Light" panose="020B0600000101010101" pitchFamily="50" charset="-127"/>
+                <a:ea typeface="나눔스퀘어 Light" panose="020B0600000101010101" pitchFamily="50" charset="-127"/>
+              </a:rPr>
+              <a:t>X</a:t>
+            </a:r>
+            <a:r>
+              <a:rPr lang="ko-KR" altLang="en-US" dirty="0">
+                <a:latin typeface="나눔스퀘어 Light" panose="020B0600000101010101" pitchFamily="50" charset="-127"/>
+                <a:ea typeface="나눔스퀘어 Light" panose="020B0600000101010101" pitchFamily="50" charset="-127"/>
+              </a:rPr>
+              <a:t>원을 만들 수 있습니다</a:t>
+            </a:r>
+            <a:r>
+              <a:rPr lang="en-US" altLang="ko-KR" dirty="0">
+                <a:latin typeface="나눔스퀘어 Light" panose="020B0600000101010101" pitchFamily="50" charset="-127"/>
+                <a:ea typeface="나눔스퀘어 Light" panose="020B0600000101010101" pitchFamily="50" charset="-127"/>
+              </a:rPr>
+              <a:t>.</a:t>
+            </a:r>
+            <a:endParaRPr lang="ko-KR" altLang="en-US" dirty="0">
+              <a:latin typeface="나눔스퀘어 Light" panose="020B0600000101010101" pitchFamily="50" charset="-127"/>
+              <a:ea typeface="나눔스퀘어 Light" panose="020B0600000101010101" pitchFamily="50" charset="-127"/>
+            </a:endParaRPr>
+          </a:p>
+        </p:txBody>
+      </p:sp>
+      <p:sp>
+        <p:nvSpPr>
+          <p:cNvPr id="11" name="TextBox 10">
+            <a:extLst>
+              <a:ext uri="{FF2B5EF4-FFF2-40B4-BE49-F238E27FC236}">
+                <a16:creationId xmlns:a16="http://schemas.microsoft.com/office/drawing/2014/main" id="{28DBAACB-FA59-56A3-38E9-D867D0F9C0C5}"/>
+              </a:ext>
+            </a:extLst>
+          </p:cNvPr>
+          <p:cNvSpPr txBox="1"/>
+          <p:nvPr/>
+        </p:nvSpPr>
+        <p:spPr>
+          <a:xfrm>
+            <a:off x="942387" y="4136360"/>
+            <a:ext cx="10313217" cy="369332"/>
+          </a:xfrm>
+          <a:prstGeom prst="rect">
+            <a:avLst/>
+          </a:prstGeom>
+          <a:noFill/>
+        </p:spPr>
+        <p:txBody>
+          <a:bodyPr wrap="square" rtlCol="0">
+            <a:spAutoFit/>
+          </a:bodyPr>
+          <a:lstStyle/>
+          <a:p>
+            <a:r>
+              <a:rPr lang="ko-KR" altLang="en-US" dirty="0">
+                <a:latin typeface="나눔스퀘어 Light" panose="020B0600000101010101" pitchFamily="50" charset="-127"/>
+                <a:ea typeface="나눔스퀘어 Light" panose="020B0600000101010101" pitchFamily="50" charset="-127"/>
+              </a:rPr>
+              <a:t>만약 </a:t>
+            </a:r>
+            <a:r>
+              <a:rPr lang="en-US" altLang="ko-KR" dirty="0">
+                <a:latin typeface="나눔스퀘어 Light" panose="020B0600000101010101" pitchFamily="50" charset="-127"/>
+                <a:ea typeface="나눔스퀘어 Light" panose="020B0600000101010101" pitchFamily="50" charset="-127"/>
+              </a:rPr>
+              <a:t>X – 2</a:t>
+            </a:r>
+            <a:r>
+              <a:rPr lang="ko-KR" altLang="en-US" dirty="0">
+                <a:latin typeface="나눔스퀘어 Light" panose="020B0600000101010101" pitchFamily="50" charset="-127"/>
+                <a:ea typeface="나눔스퀘어 Light" panose="020B0600000101010101" pitchFamily="50" charset="-127"/>
+              </a:rPr>
+              <a:t>원을 만드는데 필요한 최소 동전의 개수가 </a:t>
+            </a:r>
+            <a:r>
+              <a:rPr lang="en-US" altLang="ko-KR" dirty="0">
+                <a:latin typeface="나눔스퀘어 Light" panose="020B0600000101010101" pitchFamily="50" charset="-127"/>
+                <a:ea typeface="나눔스퀘어 Light" panose="020B0600000101010101" pitchFamily="50" charset="-127"/>
+              </a:rPr>
+              <a:t>10</a:t>
+            </a:r>
+            <a:r>
+              <a:rPr lang="ko-KR" altLang="en-US" dirty="0">
+                <a:latin typeface="나눔스퀘어 Light" panose="020B0600000101010101" pitchFamily="50" charset="-127"/>
+                <a:ea typeface="나눔스퀘어 Light" panose="020B0600000101010101" pitchFamily="50" charset="-127"/>
+              </a:rPr>
+              <a:t>개</a:t>
+            </a:r>
+            <a:r>
+              <a:rPr lang="en-US" altLang="ko-KR" dirty="0">
+                <a:latin typeface="나눔스퀘어 Light" panose="020B0600000101010101" pitchFamily="50" charset="-127"/>
+                <a:ea typeface="나눔스퀘어 Light" panose="020B0600000101010101" pitchFamily="50" charset="-127"/>
+              </a:rPr>
+              <a:t>,</a:t>
+            </a:r>
+            <a:endParaRPr lang="ko-KR" altLang="en-US" dirty="0">
+              <a:latin typeface="나눔스퀘어 Light" panose="020B0600000101010101" pitchFamily="50" charset="-127"/>
+              <a:ea typeface="나눔스퀘어 Light" panose="020B0600000101010101" pitchFamily="50" charset="-127"/>
+            </a:endParaRPr>
+          </a:p>
+        </p:txBody>
+      </p:sp>
+      <p:sp>
+        <p:nvSpPr>
+          <p:cNvPr id="12" name="TextBox 11">
+            <a:extLst>
+              <a:ext uri="{FF2B5EF4-FFF2-40B4-BE49-F238E27FC236}">
+                <a16:creationId xmlns:a16="http://schemas.microsoft.com/office/drawing/2014/main" id="{DA7FC776-6C42-EC6B-FF45-BD29B087553B}"/>
+              </a:ext>
+            </a:extLst>
+          </p:cNvPr>
+          <p:cNvSpPr txBox="1"/>
+          <p:nvPr/>
+        </p:nvSpPr>
+        <p:spPr>
+          <a:xfrm>
+            <a:off x="942387" y="4501532"/>
+            <a:ext cx="10313217" cy="369332"/>
+          </a:xfrm>
+          <a:prstGeom prst="rect">
+            <a:avLst/>
+          </a:prstGeom>
+          <a:noFill/>
+        </p:spPr>
+        <p:txBody>
+          <a:bodyPr wrap="square" rtlCol="0">
+            <a:spAutoFit/>
+          </a:bodyPr>
+          <a:lstStyle/>
+          <a:p>
+            <a:r>
+              <a:rPr lang="en-US" altLang="ko-KR" dirty="0">
+                <a:latin typeface="나눔스퀘어 Light" panose="020B0600000101010101" pitchFamily="50" charset="-127"/>
+                <a:ea typeface="나눔스퀘어 Light" panose="020B0600000101010101" pitchFamily="50" charset="-127"/>
+              </a:rPr>
+              <a:t>X - 5</a:t>
+            </a:r>
+            <a:r>
+              <a:rPr lang="ko-KR" altLang="en-US" dirty="0">
+                <a:latin typeface="나눔스퀘어 Light" panose="020B0600000101010101" pitchFamily="50" charset="-127"/>
+                <a:ea typeface="나눔스퀘어 Light" panose="020B0600000101010101" pitchFamily="50" charset="-127"/>
+              </a:rPr>
+              <a:t>원을 만드는데 필요한 최소 동전의 개수가 </a:t>
+            </a:r>
+            <a:r>
+              <a:rPr lang="en-US" altLang="ko-KR" dirty="0">
+                <a:latin typeface="나눔스퀘어 Light" panose="020B0600000101010101" pitchFamily="50" charset="-127"/>
+                <a:ea typeface="나눔스퀘어 Light" panose="020B0600000101010101" pitchFamily="50" charset="-127"/>
+              </a:rPr>
+              <a:t>12</a:t>
+            </a:r>
+            <a:r>
+              <a:rPr lang="ko-KR" altLang="en-US" dirty="0">
+                <a:latin typeface="나눔스퀘어 Light" panose="020B0600000101010101" pitchFamily="50" charset="-127"/>
+                <a:ea typeface="나눔스퀘어 Light" panose="020B0600000101010101" pitchFamily="50" charset="-127"/>
+              </a:rPr>
+              <a:t>개라 가정하면</a:t>
+            </a:r>
+          </a:p>
+        </p:txBody>
+      </p:sp>
+      <p:sp>
+        <p:nvSpPr>
+          <p:cNvPr id="13" name="TextBox 12">
+            <a:extLst>
+              <a:ext uri="{FF2B5EF4-FFF2-40B4-BE49-F238E27FC236}">
+                <a16:creationId xmlns:a16="http://schemas.microsoft.com/office/drawing/2014/main" id="{EE768510-A639-930B-07B3-85A8112024DE}"/>
+              </a:ext>
+            </a:extLst>
+          </p:cNvPr>
+          <p:cNvSpPr txBox="1"/>
+          <p:nvPr/>
+        </p:nvSpPr>
+        <p:spPr>
+          <a:xfrm>
+            <a:off x="942387" y="4866704"/>
+            <a:ext cx="10313217" cy="369332"/>
+          </a:xfrm>
+          <a:prstGeom prst="rect">
+            <a:avLst/>
+          </a:prstGeom>
+          <a:noFill/>
+        </p:spPr>
+        <p:txBody>
+          <a:bodyPr wrap="square" rtlCol="0">
+            <a:spAutoFit/>
+          </a:bodyPr>
+          <a:lstStyle/>
+          <a:p>
+            <a:r>
+              <a:rPr lang="en-US" altLang="ko-KR" dirty="0">
+                <a:latin typeface="나눔스퀘어 Light" panose="020B0600000101010101" pitchFamily="50" charset="-127"/>
+                <a:ea typeface="나눔스퀘어 Light" panose="020B0600000101010101" pitchFamily="50" charset="-127"/>
+              </a:rPr>
+              <a:t>X</a:t>
+            </a:r>
+            <a:r>
+              <a:rPr lang="ko-KR" altLang="en-US" dirty="0">
+                <a:latin typeface="나눔스퀘어 Light" panose="020B0600000101010101" pitchFamily="50" charset="-127"/>
+                <a:ea typeface="나눔스퀘어 Light" panose="020B0600000101010101" pitchFamily="50" charset="-127"/>
+              </a:rPr>
+              <a:t>원을 만드는데 필요한 최소 동전의 개수는 몇 개일까요</a:t>
+            </a:r>
+            <a:r>
+              <a:rPr lang="en-US" altLang="ko-KR" dirty="0">
+                <a:latin typeface="나눔스퀘어 Light" panose="020B0600000101010101" pitchFamily="50" charset="-127"/>
+                <a:ea typeface="나눔스퀘어 Light" panose="020B0600000101010101" pitchFamily="50" charset="-127"/>
+              </a:rPr>
+              <a:t>?</a:t>
+            </a:r>
+            <a:endParaRPr lang="ko-KR" altLang="en-US" dirty="0">
+              <a:latin typeface="나눔스퀘어 Light" panose="020B0600000101010101" pitchFamily="50" charset="-127"/>
+              <a:ea typeface="나눔스퀘어 Light" panose="020B0600000101010101" pitchFamily="50" charset="-127"/>
+            </a:endParaRPr>
+          </a:p>
+        </p:txBody>
+      </p:sp>
+      <p:sp>
+        <p:nvSpPr>
+          <p:cNvPr id="14" name="TextBox 13">
+            <a:extLst>
+              <a:ext uri="{FF2B5EF4-FFF2-40B4-BE49-F238E27FC236}">
+                <a16:creationId xmlns:a16="http://schemas.microsoft.com/office/drawing/2014/main" id="{58505199-DB8F-A048-84FC-E4A12F6A2881}"/>
+              </a:ext>
+            </a:extLst>
+          </p:cNvPr>
+          <p:cNvSpPr txBox="1"/>
+          <p:nvPr/>
+        </p:nvSpPr>
+        <p:spPr>
+          <a:xfrm>
+            <a:off x="942387" y="5601163"/>
+            <a:ext cx="10313217" cy="369332"/>
+          </a:xfrm>
+          <a:prstGeom prst="rect">
+            <a:avLst/>
+          </a:prstGeom>
+          <a:noFill/>
+        </p:spPr>
+        <p:txBody>
+          <a:bodyPr wrap="square" rtlCol="0">
+            <a:spAutoFit/>
+          </a:bodyPr>
+          <a:lstStyle/>
+          <a:p>
+            <a:r>
+              <a:rPr lang="en-US" altLang="ko-KR" dirty="0">
+                <a:latin typeface="나눔스퀘어 Light" panose="020B0600000101010101" pitchFamily="50" charset="-127"/>
+                <a:ea typeface="나눔스퀘어 Light" panose="020B0600000101010101" pitchFamily="50" charset="-127"/>
+              </a:rPr>
+              <a:t>X</a:t>
+            </a:r>
+            <a:r>
+              <a:rPr lang="ko-KR" altLang="en-US" dirty="0">
+                <a:latin typeface="나눔스퀘어 Light" panose="020B0600000101010101" pitchFamily="50" charset="-127"/>
+                <a:ea typeface="나눔스퀘어 Light" panose="020B0600000101010101" pitchFamily="50" charset="-127"/>
+              </a:rPr>
+              <a:t>원을 만드는데 필요한 최소 동전의 개수는 </a:t>
+            </a:r>
+            <a:r>
+              <a:rPr lang="en-US" altLang="ko-KR" dirty="0">
+                <a:latin typeface="나눔스퀘어 Light" panose="020B0600000101010101" pitchFamily="50" charset="-127"/>
+                <a:ea typeface="나눔스퀘어 Light" panose="020B0600000101010101" pitchFamily="50" charset="-127"/>
+              </a:rPr>
+              <a:t>X – 2</a:t>
+            </a:r>
+            <a:r>
+              <a:rPr lang="ko-KR" altLang="en-US" dirty="0">
+                <a:latin typeface="나눔스퀘어 Light" panose="020B0600000101010101" pitchFamily="50" charset="-127"/>
+                <a:ea typeface="나눔스퀘어 Light" panose="020B0600000101010101" pitchFamily="50" charset="-127"/>
+              </a:rPr>
+              <a:t>원을 만드는데 필요한 최소 동전의 개수</a:t>
+            </a:r>
+            <a:r>
+              <a:rPr lang="en-US" altLang="ko-KR" dirty="0">
+                <a:latin typeface="나눔스퀘어 Light" panose="020B0600000101010101" pitchFamily="50" charset="-127"/>
+                <a:ea typeface="나눔스퀘어 Light" panose="020B0600000101010101" pitchFamily="50" charset="-127"/>
+              </a:rPr>
+              <a:t>,</a:t>
+            </a:r>
+            <a:endParaRPr lang="ko-KR" altLang="en-US" dirty="0">
+              <a:latin typeface="나눔스퀘어 Light" panose="020B0600000101010101" pitchFamily="50" charset="-127"/>
+              <a:ea typeface="나눔스퀘어 Light" panose="020B0600000101010101" pitchFamily="50" charset="-127"/>
+            </a:endParaRPr>
+          </a:p>
+        </p:txBody>
+      </p:sp>
+      <p:sp>
+        <p:nvSpPr>
+          <p:cNvPr id="15" name="TextBox 14">
+            <a:extLst>
+              <a:ext uri="{FF2B5EF4-FFF2-40B4-BE49-F238E27FC236}">
+                <a16:creationId xmlns:a16="http://schemas.microsoft.com/office/drawing/2014/main" id="{C5C6093E-B308-6A78-76D4-8A28271E6477}"/>
+              </a:ext>
+            </a:extLst>
+          </p:cNvPr>
+          <p:cNvSpPr txBox="1"/>
+          <p:nvPr/>
+        </p:nvSpPr>
+        <p:spPr>
+          <a:xfrm>
+            <a:off x="942387" y="5974299"/>
+            <a:ext cx="10313217" cy="369332"/>
+          </a:xfrm>
+          <a:prstGeom prst="rect">
+            <a:avLst/>
+          </a:prstGeom>
+          <a:noFill/>
+        </p:spPr>
+        <p:txBody>
+          <a:bodyPr wrap="square" rtlCol="0">
+            <a:spAutoFit/>
+          </a:bodyPr>
+          <a:lstStyle/>
+          <a:p>
+            <a:r>
+              <a:rPr lang="en-US" altLang="ko-KR" dirty="0">
+                <a:latin typeface="나눔스퀘어 Light" panose="020B0600000101010101" pitchFamily="50" charset="-127"/>
+                <a:ea typeface="나눔스퀘어 Light" panose="020B0600000101010101" pitchFamily="50" charset="-127"/>
+              </a:rPr>
+              <a:t>X - 5</a:t>
+            </a:r>
+            <a:r>
+              <a:rPr lang="ko-KR" altLang="en-US" dirty="0">
+                <a:latin typeface="나눔스퀘어 Light" panose="020B0600000101010101" pitchFamily="50" charset="-127"/>
+                <a:ea typeface="나눔스퀘어 Light" panose="020B0600000101010101" pitchFamily="50" charset="-127"/>
+              </a:rPr>
+              <a:t>원을 만드는데 필요한 최소 동전의 개수 중 작은 값 </a:t>
+            </a:r>
+            <a:r>
+              <a:rPr lang="en-US" altLang="ko-KR" dirty="0">
+                <a:latin typeface="나눔스퀘어 Light" panose="020B0600000101010101" pitchFamily="50" charset="-127"/>
+                <a:ea typeface="나눔스퀘어 Light" panose="020B0600000101010101" pitchFamily="50" charset="-127"/>
+              </a:rPr>
+              <a:t>+ 1 </a:t>
+            </a:r>
+            <a:r>
+              <a:rPr lang="ko-KR" altLang="en-US" dirty="0">
+                <a:latin typeface="나눔스퀘어 Light" panose="020B0600000101010101" pitchFamily="50" charset="-127"/>
+                <a:ea typeface="나눔스퀘어 Light" panose="020B0600000101010101" pitchFamily="50" charset="-127"/>
+              </a:rPr>
+              <a:t>임을 알 수 있습니다</a:t>
+            </a:r>
+            <a:r>
+              <a:rPr lang="en-US" altLang="ko-KR" dirty="0">
+                <a:latin typeface="나눔스퀘어 Light" panose="020B0600000101010101" pitchFamily="50" charset="-127"/>
+                <a:ea typeface="나눔스퀘어 Light" panose="020B0600000101010101" pitchFamily="50" charset="-127"/>
+              </a:rPr>
+              <a:t>.</a:t>
+            </a:r>
+            <a:endParaRPr lang="ko-KR" altLang="en-US" dirty="0">
+              <a:latin typeface="나눔스퀘어 Light" panose="020B0600000101010101" pitchFamily="50" charset="-127"/>
+              <a:ea typeface="나눔스퀘어 Light" panose="020B0600000101010101" pitchFamily="50" charset="-127"/>
+            </a:endParaRPr>
+          </a:p>
+        </p:txBody>
+      </p:sp>
+      <p:graphicFrame>
+        <p:nvGraphicFramePr>
+          <p:cNvPr id="16" name="표 16">
+            <a:extLst>
+              <a:ext uri="{FF2B5EF4-FFF2-40B4-BE49-F238E27FC236}">
+                <a16:creationId xmlns:a16="http://schemas.microsoft.com/office/drawing/2014/main" id="{CFE992CD-A61C-1ECA-DA89-1E3651EEF1C4}"/>
+              </a:ext>
+            </a:extLst>
+          </p:cNvPr>
+          <p:cNvGraphicFramePr>
+            <a:graphicFrameLocks noGrp="1"/>
+          </p:cNvGraphicFramePr>
+          <p:nvPr>
+            <p:extLst>
+              <p:ext uri="{D42A27DB-BD31-4B8C-83A1-F6EECF244321}">
+                <p14:modId xmlns:p14="http://schemas.microsoft.com/office/powerpoint/2010/main" val="434060837"/>
+              </p:ext>
+            </p:extLst>
+          </p:nvPr>
+        </p:nvGraphicFramePr>
+        <p:xfrm>
+          <a:off x="5523345" y="2656372"/>
+          <a:ext cx="5726264" cy="741680"/>
+        </p:xfrm>
+        <a:graphic>
+          <a:graphicData uri="http://schemas.openxmlformats.org/drawingml/2006/table">
+            <a:tbl>
+              <a:tblPr firstRow="1" bandRow="1">
+                <a:tableStyleId>{5C22544A-7EE6-4342-B048-85BDC9FD1C3A}</a:tableStyleId>
+              </a:tblPr>
+              <a:tblGrid>
+                <a:gridCol w="715783">
+                  <a:extLst>
+                    <a:ext uri="{9D8B030D-6E8A-4147-A177-3AD203B41FA5}">
+                      <a16:colId xmlns:a16="http://schemas.microsoft.com/office/drawing/2014/main" val="1554031767"/>
+                    </a:ext>
+                  </a:extLst>
+                </a:gridCol>
+                <a:gridCol w="715783">
+                  <a:extLst>
+                    <a:ext uri="{9D8B030D-6E8A-4147-A177-3AD203B41FA5}">
+                      <a16:colId xmlns:a16="http://schemas.microsoft.com/office/drawing/2014/main" val="563681330"/>
+                    </a:ext>
+                  </a:extLst>
+                </a:gridCol>
+                <a:gridCol w="715783">
+                  <a:extLst>
+                    <a:ext uri="{9D8B030D-6E8A-4147-A177-3AD203B41FA5}">
+                      <a16:colId xmlns:a16="http://schemas.microsoft.com/office/drawing/2014/main" val="3249439179"/>
+                    </a:ext>
+                  </a:extLst>
+                </a:gridCol>
+                <a:gridCol w="715783">
+                  <a:extLst>
+                    <a:ext uri="{9D8B030D-6E8A-4147-A177-3AD203B41FA5}">
+                      <a16:colId xmlns:a16="http://schemas.microsoft.com/office/drawing/2014/main" val="1024861076"/>
+                    </a:ext>
+                  </a:extLst>
+                </a:gridCol>
+                <a:gridCol w="715783">
+                  <a:extLst>
+                    <a:ext uri="{9D8B030D-6E8A-4147-A177-3AD203B41FA5}">
+                      <a16:colId xmlns:a16="http://schemas.microsoft.com/office/drawing/2014/main" val="378338142"/>
+                    </a:ext>
+                  </a:extLst>
+                </a:gridCol>
+                <a:gridCol w="715783">
+                  <a:extLst>
+                    <a:ext uri="{9D8B030D-6E8A-4147-A177-3AD203B41FA5}">
+                      <a16:colId xmlns:a16="http://schemas.microsoft.com/office/drawing/2014/main" val="3722136506"/>
+                    </a:ext>
+                  </a:extLst>
+                </a:gridCol>
+                <a:gridCol w="715783">
+                  <a:extLst>
+                    <a:ext uri="{9D8B030D-6E8A-4147-A177-3AD203B41FA5}">
+                      <a16:colId xmlns:a16="http://schemas.microsoft.com/office/drawing/2014/main" val="2396024308"/>
+                    </a:ext>
+                  </a:extLst>
+                </a:gridCol>
+                <a:gridCol w="715783">
+                  <a:extLst>
+                    <a:ext uri="{9D8B030D-6E8A-4147-A177-3AD203B41FA5}">
+                      <a16:colId xmlns:a16="http://schemas.microsoft.com/office/drawing/2014/main" val="3938479041"/>
+                    </a:ext>
+                  </a:extLst>
+                </a:gridCol>
+              </a:tblGrid>
+              <a:tr h="370840">
+                <a:tc>
+                  <a:txBody>
+                    <a:bodyPr/>
+                    <a:lstStyle/>
+                    <a:p>
+                      <a:pPr algn="ctr" latinLnBrk="1"/>
+                      <a:r>
+                        <a:rPr lang="en-US" altLang="ko-KR" sz="1400" b="0" dirty="0">
+                          <a:latin typeface="나눔스퀘어 Light" panose="020B0600000101010101" pitchFamily="50" charset="-127"/>
+                          <a:ea typeface="나눔스퀘어 Light" panose="020B0600000101010101" pitchFamily="50" charset="-127"/>
+                        </a:rPr>
+                        <a:t>Money</a:t>
+                      </a:r>
+                      <a:endParaRPr lang="ko-KR" altLang="en-US" sz="1600" b="0" dirty="0">
+                        <a:latin typeface="나눔스퀘어 Light" panose="020B0600000101010101" pitchFamily="50" charset="-127"/>
+                        <a:ea typeface="나눔스퀘어 Light" panose="020B0600000101010101" pitchFamily="50" charset="-127"/>
+                      </a:endParaRPr>
+                    </a:p>
+                  </a:txBody>
+                  <a:tcPr/>
+                </a:tc>
+                <a:tc>
+                  <a:txBody>
+                    <a:bodyPr/>
+                    <a:lstStyle/>
+                    <a:p>
+                      <a:pPr algn="ctr" latinLnBrk="1"/>
+                      <a:r>
+                        <a:rPr lang="en-US" altLang="ko-KR" sz="1600" b="0" dirty="0">
+                          <a:latin typeface="나눔스퀘어 Light" panose="020B0600000101010101" pitchFamily="50" charset="-127"/>
+                          <a:ea typeface="나눔스퀘어 Light" panose="020B0600000101010101" pitchFamily="50" charset="-127"/>
+                        </a:rPr>
+                        <a:t>7</a:t>
+                      </a:r>
+                      <a:endParaRPr lang="ko-KR" altLang="en-US" sz="1600" b="0" dirty="0">
+                        <a:latin typeface="나눔스퀘어 Light" panose="020B0600000101010101" pitchFamily="50" charset="-127"/>
+                        <a:ea typeface="나눔스퀘어 Light" panose="020B0600000101010101" pitchFamily="50" charset="-127"/>
+                      </a:endParaRPr>
+                    </a:p>
+                  </a:txBody>
+                  <a:tcPr/>
+                </a:tc>
+                <a:tc>
+                  <a:txBody>
+                    <a:bodyPr/>
+                    <a:lstStyle/>
+                    <a:p>
+                      <a:pPr algn="ctr" latinLnBrk="1"/>
+                      <a:r>
+                        <a:rPr lang="en-US" altLang="ko-KR" sz="1600" b="0" dirty="0">
+                          <a:latin typeface="나눔스퀘어 Light" panose="020B0600000101010101" pitchFamily="50" charset="-127"/>
+                          <a:ea typeface="나눔스퀘어 Light" panose="020B0600000101010101" pitchFamily="50" charset="-127"/>
+                        </a:rPr>
+                        <a:t>8</a:t>
+                      </a:r>
+                      <a:endParaRPr lang="ko-KR" altLang="en-US" sz="1600" b="0" dirty="0">
+                        <a:latin typeface="나눔스퀘어 Light" panose="020B0600000101010101" pitchFamily="50" charset="-127"/>
+                        <a:ea typeface="나눔스퀘어 Light" panose="020B0600000101010101" pitchFamily="50" charset="-127"/>
+                      </a:endParaRPr>
+                    </a:p>
+                  </a:txBody>
+                  <a:tcPr/>
+                </a:tc>
+                <a:tc>
+                  <a:txBody>
+                    <a:bodyPr/>
+                    <a:lstStyle/>
+                    <a:p>
+                      <a:pPr algn="ctr" latinLnBrk="1"/>
+                      <a:r>
+                        <a:rPr lang="en-US" altLang="ko-KR" sz="1600" b="0" dirty="0">
+                          <a:latin typeface="나눔스퀘어 Light" panose="020B0600000101010101" pitchFamily="50" charset="-127"/>
+                          <a:ea typeface="나눔스퀘어 Light" panose="020B0600000101010101" pitchFamily="50" charset="-127"/>
+                        </a:rPr>
+                        <a:t>9</a:t>
+                      </a:r>
+                      <a:endParaRPr lang="ko-KR" altLang="en-US" sz="1600" b="0" dirty="0">
+                        <a:latin typeface="나눔스퀘어 Light" panose="020B0600000101010101" pitchFamily="50" charset="-127"/>
+                        <a:ea typeface="나눔스퀘어 Light" panose="020B0600000101010101" pitchFamily="50" charset="-127"/>
+                      </a:endParaRPr>
+                    </a:p>
+                  </a:txBody>
+                  <a:tcPr/>
+                </a:tc>
+                <a:tc>
+                  <a:txBody>
+                    <a:bodyPr/>
+                    <a:lstStyle/>
+                    <a:p>
+                      <a:pPr algn="ctr" latinLnBrk="1"/>
+                      <a:r>
+                        <a:rPr lang="en-US" altLang="ko-KR" sz="1600" b="0" dirty="0">
+                          <a:latin typeface="나눔스퀘어 Light" panose="020B0600000101010101" pitchFamily="50" charset="-127"/>
+                          <a:ea typeface="나눔스퀘어 Light" panose="020B0600000101010101" pitchFamily="50" charset="-127"/>
+                        </a:rPr>
+                        <a:t>10</a:t>
+                      </a:r>
+                      <a:endParaRPr lang="ko-KR" altLang="en-US" sz="1600" b="0" dirty="0">
+                        <a:latin typeface="나눔스퀘어 Light" panose="020B0600000101010101" pitchFamily="50" charset="-127"/>
+                        <a:ea typeface="나눔스퀘어 Light" panose="020B0600000101010101" pitchFamily="50" charset="-127"/>
+                      </a:endParaRPr>
+                    </a:p>
+                  </a:txBody>
+                  <a:tcPr/>
+                </a:tc>
+                <a:tc>
+                  <a:txBody>
+                    <a:bodyPr/>
+                    <a:lstStyle/>
+                    <a:p>
+                      <a:pPr algn="ctr" latinLnBrk="1"/>
+                      <a:r>
+                        <a:rPr lang="en-US" altLang="ko-KR" sz="1600" b="0" dirty="0">
+                          <a:latin typeface="나눔스퀘어 Light" panose="020B0600000101010101" pitchFamily="50" charset="-127"/>
+                          <a:ea typeface="나눔스퀘어 Light" panose="020B0600000101010101" pitchFamily="50" charset="-127"/>
+                        </a:rPr>
+                        <a:t>11</a:t>
+                      </a:r>
+                      <a:endParaRPr lang="ko-KR" altLang="en-US" sz="1600" b="0" dirty="0">
+                        <a:latin typeface="나눔스퀘어 Light" panose="020B0600000101010101" pitchFamily="50" charset="-127"/>
+                        <a:ea typeface="나눔스퀘어 Light" panose="020B0600000101010101" pitchFamily="50" charset="-127"/>
+                      </a:endParaRPr>
+                    </a:p>
+                  </a:txBody>
+                  <a:tcPr/>
+                </a:tc>
+                <a:tc>
+                  <a:txBody>
+                    <a:bodyPr/>
+                    <a:lstStyle/>
+                    <a:p>
+                      <a:pPr algn="ctr" latinLnBrk="1"/>
+                      <a:r>
+                        <a:rPr lang="en-US" altLang="ko-KR" sz="1600" b="0" dirty="0">
+                          <a:latin typeface="나눔스퀘어 Light" panose="020B0600000101010101" pitchFamily="50" charset="-127"/>
+                          <a:ea typeface="나눔스퀘어 Light" panose="020B0600000101010101" pitchFamily="50" charset="-127"/>
+                        </a:rPr>
+                        <a:t>12</a:t>
+                      </a:r>
+                      <a:endParaRPr lang="ko-KR" altLang="en-US" sz="1600" b="0" dirty="0">
+                        <a:latin typeface="나눔스퀘어 Light" panose="020B0600000101010101" pitchFamily="50" charset="-127"/>
+                        <a:ea typeface="나눔스퀘어 Light" panose="020B0600000101010101" pitchFamily="50" charset="-127"/>
+                      </a:endParaRPr>
+                    </a:p>
+                  </a:txBody>
+                  <a:tcPr/>
+                </a:tc>
+                <a:tc>
+                  <a:txBody>
+                    <a:bodyPr/>
+                    <a:lstStyle/>
+                    <a:p>
+                      <a:pPr algn="ctr" latinLnBrk="1"/>
+                      <a:r>
+                        <a:rPr lang="en-US" altLang="ko-KR" sz="1600" b="0" dirty="0">
+                          <a:latin typeface="나눔스퀘어 Light" panose="020B0600000101010101" pitchFamily="50" charset="-127"/>
+                          <a:ea typeface="나눔스퀘어 Light" panose="020B0600000101010101" pitchFamily="50" charset="-127"/>
+                        </a:rPr>
+                        <a:t>13</a:t>
+                      </a:r>
+                      <a:endParaRPr lang="ko-KR" altLang="en-US" sz="1600" b="0" dirty="0">
+                        <a:latin typeface="나눔스퀘어 Light" panose="020B0600000101010101" pitchFamily="50" charset="-127"/>
+                        <a:ea typeface="나눔스퀘어 Light" panose="020B0600000101010101" pitchFamily="50" charset="-127"/>
+                      </a:endParaRPr>
+                    </a:p>
+                  </a:txBody>
+                  <a:tcPr/>
+                </a:tc>
+                <a:extLst>
+                  <a:ext uri="{0D108BD9-81ED-4DB2-BD59-A6C34878D82A}">
+                    <a16:rowId xmlns:a16="http://schemas.microsoft.com/office/drawing/2014/main" val="4162518332"/>
+                  </a:ext>
+                </a:extLst>
+              </a:tr>
+              <a:tr h="370840">
+                <a:tc>
+                  <a:txBody>
+                    <a:bodyPr/>
+                    <a:lstStyle/>
+                    <a:p>
+                      <a:pPr algn="ctr" latinLnBrk="1"/>
+                      <a:r>
+                        <a:rPr lang="en-US" altLang="ko-KR" sz="1600" dirty="0">
+                          <a:latin typeface="나눔스퀘어 Light" panose="020B0600000101010101" pitchFamily="50" charset="-127"/>
+                          <a:ea typeface="나눔스퀘어 Light" panose="020B0600000101010101" pitchFamily="50" charset="-127"/>
+                        </a:rPr>
+                        <a:t>coin</a:t>
+                      </a:r>
+                      <a:endParaRPr lang="ko-KR" altLang="en-US" sz="1600" dirty="0">
+                        <a:latin typeface="나눔스퀘어 Light" panose="020B0600000101010101" pitchFamily="50" charset="-127"/>
+                        <a:ea typeface="나눔스퀘어 Light" panose="020B0600000101010101" pitchFamily="50" charset="-127"/>
+                      </a:endParaRPr>
+                    </a:p>
+                  </a:txBody>
+                  <a:tcPr/>
+                </a:tc>
+                <a:tc>
+                  <a:txBody>
+                    <a:bodyPr/>
+                    <a:lstStyle/>
+                    <a:p>
+                      <a:pPr algn="ctr" latinLnBrk="1"/>
+                      <a:r>
+                        <a:rPr lang="en-US" altLang="ko-KR" sz="1600" dirty="0">
+                          <a:latin typeface="나눔스퀘어 Light" panose="020B0600000101010101" pitchFamily="50" charset="-127"/>
+                          <a:ea typeface="나눔스퀘어 Light" panose="020B0600000101010101" pitchFamily="50" charset="-127"/>
+                        </a:rPr>
+                        <a:t>2</a:t>
+                      </a:r>
+                      <a:endParaRPr lang="ko-KR" altLang="en-US" sz="1600" dirty="0">
+                        <a:latin typeface="나눔스퀘어 Light" panose="020B0600000101010101" pitchFamily="50" charset="-127"/>
+                        <a:ea typeface="나눔스퀘어 Light" panose="020B0600000101010101" pitchFamily="50" charset="-127"/>
+                      </a:endParaRPr>
+                    </a:p>
+                  </a:txBody>
+                  <a:tcPr/>
+                </a:tc>
+                <a:tc>
+                  <a:txBody>
+                    <a:bodyPr/>
+                    <a:lstStyle/>
+                    <a:p>
+                      <a:pPr algn="ctr" latinLnBrk="1"/>
+                      <a:r>
+                        <a:rPr lang="en-US" altLang="ko-KR" sz="1600" dirty="0">
+                          <a:latin typeface="나눔스퀘어 Light" panose="020B0600000101010101" pitchFamily="50" charset="-127"/>
+                          <a:ea typeface="나눔스퀘어 Light" panose="020B0600000101010101" pitchFamily="50" charset="-127"/>
+                        </a:rPr>
+                        <a:t>4</a:t>
+                      </a:r>
+                      <a:endParaRPr lang="ko-KR" altLang="en-US" sz="1600" dirty="0">
+                        <a:latin typeface="나눔스퀘어 Light" panose="020B0600000101010101" pitchFamily="50" charset="-127"/>
+                        <a:ea typeface="나눔스퀘어 Light" panose="020B0600000101010101" pitchFamily="50" charset="-127"/>
+                      </a:endParaRPr>
+                    </a:p>
+                  </a:txBody>
+                  <a:tcPr/>
+                </a:tc>
+                <a:tc>
+                  <a:txBody>
+                    <a:bodyPr/>
+                    <a:lstStyle/>
+                    <a:p>
+                      <a:pPr algn="ctr" latinLnBrk="1"/>
+                      <a:r>
+                        <a:rPr lang="en-US" altLang="ko-KR" sz="1600" dirty="0">
+                          <a:latin typeface="나눔스퀘어 Light" panose="020B0600000101010101" pitchFamily="50" charset="-127"/>
+                          <a:ea typeface="나눔스퀘어 Light" panose="020B0600000101010101" pitchFamily="50" charset="-127"/>
+                        </a:rPr>
+                        <a:t>3</a:t>
+                      </a:r>
+                      <a:endParaRPr lang="ko-KR" altLang="en-US" sz="1600" dirty="0">
+                        <a:latin typeface="나눔스퀘어 Light" panose="020B0600000101010101" pitchFamily="50" charset="-127"/>
+                        <a:ea typeface="나눔스퀘어 Light" panose="020B0600000101010101" pitchFamily="50" charset="-127"/>
+                      </a:endParaRPr>
+                    </a:p>
+                  </a:txBody>
+                  <a:tcPr/>
+                </a:tc>
+                <a:tc>
+                  <a:txBody>
+                    <a:bodyPr/>
+                    <a:lstStyle/>
+                    <a:p>
+                      <a:pPr algn="ctr" latinLnBrk="1"/>
+                      <a:r>
+                        <a:rPr lang="en-US" altLang="ko-KR" sz="1600" dirty="0">
+                          <a:latin typeface="나눔스퀘어 Light" panose="020B0600000101010101" pitchFamily="50" charset="-127"/>
+                          <a:ea typeface="나눔스퀘어 Light" panose="020B0600000101010101" pitchFamily="50" charset="-127"/>
+                        </a:rPr>
+                        <a:t>2</a:t>
+                      </a:r>
+                      <a:endParaRPr lang="ko-KR" altLang="en-US" sz="1600" dirty="0">
+                        <a:latin typeface="나눔스퀘어 Light" panose="020B0600000101010101" pitchFamily="50" charset="-127"/>
+                        <a:ea typeface="나눔스퀘어 Light" panose="020B0600000101010101" pitchFamily="50" charset="-127"/>
+                      </a:endParaRPr>
+                    </a:p>
+                  </a:txBody>
+                  <a:tcPr/>
+                </a:tc>
+                <a:tc>
+                  <a:txBody>
+                    <a:bodyPr/>
+                    <a:lstStyle/>
+                    <a:p>
+                      <a:pPr algn="ctr" latinLnBrk="1"/>
+                      <a:r>
+                        <a:rPr lang="en-US" altLang="ko-KR" sz="1600" dirty="0">
+                          <a:latin typeface="나눔스퀘어 Light" panose="020B0600000101010101" pitchFamily="50" charset="-127"/>
+                          <a:ea typeface="나눔스퀘어 Light" panose="020B0600000101010101" pitchFamily="50" charset="-127"/>
+                        </a:rPr>
+                        <a:t>?</a:t>
+                      </a:r>
+                      <a:endParaRPr lang="ko-KR" altLang="en-US" sz="1600" dirty="0">
+                        <a:latin typeface="나눔스퀘어 Light" panose="020B0600000101010101" pitchFamily="50" charset="-127"/>
+                        <a:ea typeface="나눔스퀘어 Light" panose="020B0600000101010101" pitchFamily="50" charset="-127"/>
+                      </a:endParaRPr>
+                    </a:p>
+                  </a:txBody>
+                  <a:tcPr/>
+                </a:tc>
+                <a:tc>
+                  <a:txBody>
+                    <a:bodyPr/>
+                    <a:lstStyle/>
+                    <a:p>
+                      <a:pPr algn="ctr" latinLnBrk="1"/>
+                      <a:r>
+                        <a:rPr lang="en-US" altLang="ko-KR" sz="1600" dirty="0">
+                          <a:latin typeface="나눔스퀘어 Light" panose="020B0600000101010101" pitchFamily="50" charset="-127"/>
+                          <a:ea typeface="나눔스퀘어 Light" panose="020B0600000101010101" pitchFamily="50" charset="-127"/>
+                        </a:rPr>
+                        <a:t>?</a:t>
+                      </a:r>
+                      <a:endParaRPr lang="ko-KR" altLang="en-US" sz="1600" dirty="0">
+                        <a:latin typeface="나눔스퀘어 Light" panose="020B0600000101010101" pitchFamily="50" charset="-127"/>
+                        <a:ea typeface="나눔스퀘어 Light" panose="020B0600000101010101" pitchFamily="50" charset="-127"/>
+                      </a:endParaRPr>
+                    </a:p>
+                  </a:txBody>
+                  <a:tcPr/>
+                </a:tc>
+                <a:tc>
+                  <a:txBody>
+                    <a:bodyPr/>
+                    <a:lstStyle/>
+                    <a:p>
+                      <a:pPr algn="ctr" latinLnBrk="1"/>
+                      <a:r>
+                        <a:rPr lang="en-US" altLang="ko-KR" sz="1600" dirty="0">
+                          <a:latin typeface="나눔스퀘어 Light" panose="020B0600000101010101" pitchFamily="50" charset="-127"/>
+                          <a:ea typeface="나눔스퀘어 Light" panose="020B0600000101010101" pitchFamily="50" charset="-127"/>
+                        </a:rPr>
+                        <a:t>?</a:t>
+                      </a:r>
+                      <a:endParaRPr lang="ko-KR" altLang="en-US" sz="1600" dirty="0">
+                        <a:latin typeface="나눔스퀘어 Light" panose="020B0600000101010101" pitchFamily="50" charset="-127"/>
+                        <a:ea typeface="나눔스퀘어 Light" panose="020B0600000101010101" pitchFamily="50" charset="-127"/>
+                      </a:endParaRPr>
+                    </a:p>
+                  </a:txBody>
+                  <a:tcPr/>
+                </a:tc>
+                <a:extLst>
+                  <a:ext uri="{0D108BD9-81ED-4DB2-BD59-A6C34878D82A}">
+                    <a16:rowId xmlns:a16="http://schemas.microsoft.com/office/drawing/2014/main" val="1380700676"/>
+                  </a:ext>
+                </a:extLst>
+              </a:tr>
+            </a:tbl>
+          </a:graphicData>
+        </a:graphic>
+      </p:graphicFrame>
+      <p:sp>
+        <p:nvSpPr>
+          <p:cNvPr id="41" name="원호 40">
+            <a:extLst>
+              <a:ext uri="{FF2B5EF4-FFF2-40B4-BE49-F238E27FC236}">
+                <a16:creationId xmlns:a16="http://schemas.microsoft.com/office/drawing/2014/main" id="{DC117C84-FDAA-726F-1C31-2DD039800A3A}"/>
+              </a:ext>
+            </a:extLst>
+          </p:cNvPr>
+          <p:cNvSpPr/>
+          <p:nvPr/>
+        </p:nvSpPr>
+        <p:spPr>
+          <a:xfrm rot="18934772">
+            <a:off x="7707986" y="2345692"/>
+            <a:ext cx="2057545" cy="2062675"/>
+          </a:xfrm>
+          <a:prstGeom prst="arc">
+            <a:avLst/>
+          </a:prstGeom>
+          <a:ln w="19050">
+            <a:solidFill>
+              <a:srgbClr val="FF0000"/>
+            </a:solidFill>
+          </a:ln>
+        </p:spPr>
+        <p:style>
+          <a:lnRef idx="1">
+            <a:schemeClr val="accent1"/>
+          </a:lnRef>
+          <a:fillRef idx="0">
+            <a:schemeClr val="accent1"/>
+          </a:fillRef>
+          <a:effectRef idx="0">
+            <a:schemeClr val="accent1"/>
+          </a:effectRef>
+          <a:fontRef idx="minor">
+            <a:schemeClr val="tx1"/>
+          </a:fontRef>
+        </p:style>
+        <p:txBody>
+          <a:bodyPr rtlCol="0" anchor="ctr"/>
+          <a:lstStyle/>
+          <a:p>
+            <a:pPr algn="ctr"/>
+            <a:endParaRPr lang="ko-KR" altLang="en-US"/>
+          </a:p>
+        </p:txBody>
+      </p:sp>
+      <p:sp>
+        <p:nvSpPr>
+          <p:cNvPr id="42" name="원호 41">
+            <a:extLst>
+              <a:ext uri="{FF2B5EF4-FFF2-40B4-BE49-F238E27FC236}">
+                <a16:creationId xmlns:a16="http://schemas.microsoft.com/office/drawing/2014/main" id="{0F8D8B08-5B61-DC92-CA5C-25A8B3A8D1D2}"/>
+              </a:ext>
+            </a:extLst>
+          </p:cNvPr>
+          <p:cNvSpPr/>
+          <p:nvPr/>
+        </p:nvSpPr>
+        <p:spPr>
+          <a:xfrm rot="18934772">
+            <a:off x="8437658" y="2345692"/>
+            <a:ext cx="2057545" cy="2062675"/>
+          </a:xfrm>
+          <a:prstGeom prst="arc">
+            <a:avLst/>
+          </a:prstGeom>
+          <a:ln w="19050">
+            <a:solidFill>
+              <a:srgbClr val="FF0000"/>
+            </a:solidFill>
+          </a:ln>
+        </p:spPr>
+        <p:style>
+          <a:lnRef idx="1">
+            <a:schemeClr val="accent1"/>
+          </a:lnRef>
+          <a:fillRef idx="0">
+            <a:schemeClr val="accent1"/>
+          </a:fillRef>
+          <a:effectRef idx="0">
+            <a:schemeClr val="accent1"/>
+          </a:effectRef>
+          <a:fontRef idx="minor">
+            <a:schemeClr val="tx1"/>
+          </a:fontRef>
+        </p:style>
+        <p:txBody>
+          <a:bodyPr rtlCol="0" anchor="ctr"/>
+          <a:lstStyle/>
+          <a:p>
+            <a:pPr algn="ctr"/>
+            <a:endParaRPr lang="ko-KR" altLang="en-US"/>
+          </a:p>
+        </p:txBody>
+      </p:sp>
+      <p:sp>
+        <p:nvSpPr>
+          <p:cNvPr id="43" name="원호 42">
+            <a:extLst>
+              <a:ext uri="{FF2B5EF4-FFF2-40B4-BE49-F238E27FC236}">
+                <a16:creationId xmlns:a16="http://schemas.microsoft.com/office/drawing/2014/main" id="{B357D7A1-93FE-8620-4993-A8FC981C882D}"/>
+              </a:ext>
+            </a:extLst>
+          </p:cNvPr>
+          <p:cNvSpPr/>
+          <p:nvPr/>
+        </p:nvSpPr>
+        <p:spPr>
+          <a:xfrm rot="19276045">
+            <a:off x="4958850" y="2164228"/>
+            <a:ext cx="5932910" cy="4706273"/>
+          </a:xfrm>
+          <a:prstGeom prst="arc">
+            <a:avLst/>
+          </a:prstGeom>
+          <a:ln w="19050">
+            <a:solidFill>
+              <a:srgbClr val="FF0000"/>
+            </a:solidFill>
+          </a:ln>
+        </p:spPr>
+        <p:style>
+          <a:lnRef idx="1">
+            <a:schemeClr val="accent1"/>
+          </a:lnRef>
+          <a:fillRef idx="0">
+            <a:schemeClr val="accent1"/>
+          </a:fillRef>
+          <a:effectRef idx="0">
+            <a:schemeClr val="accent1"/>
+          </a:effectRef>
+          <a:fontRef idx="minor">
+            <a:schemeClr val="tx1"/>
+          </a:fontRef>
+        </p:style>
+        <p:txBody>
+          <a:bodyPr rtlCol="0" anchor="ctr"/>
+          <a:lstStyle/>
+          <a:p>
+            <a:pPr algn="ctr"/>
+            <a:endParaRPr lang="ko-KR" altLang="en-US"/>
+          </a:p>
+        </p:txBody>
+      </p:sp>
+      <p:sp>
+        <p:nvSpPr>
+          <p:cNvPr id="44" name="원호 43">
+            <a:extLst>
+              <a:ext uri="{FF2B5EF4-FFF2-40B4-BE49-F238E27FC236}">
+                <a16:creationId xmlns:a16="http://schemas.microsoft.com/office/drawing/2014/main" id="{9270A9EE-176F-9E42-8611-ACEA58685F1B}"/>
+              </a:ext>
+            </a:extLst>
+          </p:cNvPr>
+          <p:cNvSpPr/>
+          <p:nvPr/>
+        </p:nvSpPr>
+        <p:spPr>
+          <a:xfrm rot="18934772">
+            <a:off x="9148857" y="2345693"/>
+            <a:ext cx="2057545" cy="2062675"/>
+          </a:xfrm>
+          <a:prstGeom prst="arc">
+            <a:avLst/>
+          </a:prstGeom>
+          <a:ln w="19050">
+            <a:solidFill>
+              <a:srgbClr val="FF0000"/>
+            </a:solidFill>
+          </a:ln>
+        </p:spPr>
+        <p:style>
+          <a:lnRef idx="1">
+            <a:schemeClr val="accent1"/>
+          </a:lnRef>
+          <a:fillRef idx="0">
+            <a:schemeClr val="accent1"/>
+          </a:fillRef>
+          <a:effectRef idx="0">
+            <a:schemeClr val="accent1"/>
+          </a:effectRef>
+          <a:fontRef idx="minor">
+            <a:schemeClr val="tx1"/>
+          </a:fontRef>
+        </p:style>
+        <p:txBody>
+          <a:bodyPr rtlCol="0" anchor="ctr"/>
+          <a:lstStyle/>
+          <a:p>
+            <a:pPr algn="ctr"/>
+            <a:endParaRPr lang="ko-KR" altLang="en-US"/>
+          </a:p>
+        </p:txBody>
+      </p:sp>
+      <p:sp>
+        <p:nvSpPr>
+          <p:cNvPr id="45" name="원호 44">
+            <a:extLst>
+              <a:ext uri="{FF2B5EF4-FFF2-40B4-BE49-F238E27FC236}">
+                <a16:creationId xmlns:a16="http://schemas.microsoft.com/office/drawing/2014/main" id="{8C584746-BE6A-36E1-8519-5F3071269082}"/>
+              </a:ext>
+            </a:extLst>
+          </p:cNvPr>
+          <p:cNvSpPr/>
+          <p:nvPr/>
+        </p:nvSpPr>
+        <p:spPr>
+          <a:xfrm rot="19276045">
+            <a:off x="5670049" y="2164229"/>
+            <a:ext cx="5932910" cy="4706273"/>
+          </a:xfrm>
+          <a:prstGeom prst="arc">
+            <a:avLst/>
+          </a:prstGeom>
+          <a:ln w="19050">
+            <a:solidFill>
+              <a:srgbClr val="FF0000"/>
+            </a:solidFill>
+          </a:ln>
+        </p:spPr>
+        <p:style>
+          <a:lnRef idx="1">
+            <a:schemeClr val="accent1"/>
+          </a:lnRef>
+          <a:fillRef idx="0">
+            <a:schemeClr val="accent1"/>
+          </a:fillRef>
+          <a:effectRef idx="0">
+            <a:schemeClr val="accent1"/>
+          </a:effectRef>
+          <a:fontRef idx="minor">
+            <a:schemeClr val="tx1"/>
+          </a:fontRef>
+        </p:style>
+        <p:txBody>
+          <a:bodyPr rtlCol="0" anchor="ctr"/>
+          <a:lstStyle/>
+          <a:p>
+            <a:pPr algn="ctr"/>
+            <a:endParaRPr lang="ko-KR" altLang="en-US"/>
+          </a:p>
+        </p:txBody>
+      </p:sp>
     </p:spTree>
     <p:extLst>
       <p:ext uri="{BB962C8B-B14F-4D97-AF65-F5344CB8AC3E}">
@@ -17434,7 +18858,7 @@
         <p:spPr>
           <a:xfrm>
             <a:off x="331694" y="179902"/>
-            <a:ext cx="9506833" cy="523220"/>
+            <a:ext cx="6948441" cy="523220"/>
           </a:xfrm>
           <a:prstGeom prst="rect">
             <a:avLst/>
@@ -17452,24 +18876,164 @@
                 <a:latin typeface="나눔스퀘어 Bold" panose="020B0600000101010101" pitchFamily="50" charset="-127"/>
                 <a:ea typeface="나눔스퀘어 Bold" panose="020B0600000101010101" pitchFamily="50" charset="-127"/>
               </a:rPr>
-              <a:t>Dynamic Programming – 11053 </a:t>
+              <a:t>Dynamic Programming – 14916 </a:t>
             </a:r>
             <a:r>
               <a:rPr lang="ko-KR" altLang="en-US" sz="2800" dirty="0">
                 <a:latin typeface="나눔스퀘어 Bold" panose="020B0600000101010101" pitchFamily="50" charset="-127"/>
                 <a:ea typeface="나눔스퀘어 Bold" panose="020B0600000101010101" pitchFamily="50" charset="-127"/>
               </a:rPr>
-              <a:t>가장 긴 증가하는 부분 수열</a:t>
-            </a:r>
+              <a:t>거스름돈</a:t>
+            </a:r>
+          </a:p>
+        </p:txBody>
+      </p:sp>
+      <p:sp>
+        <p:nvSpPr>
+          <p:cNvPr id="3" name="TextBox 2">
+            <a:extLst>
+              <a:ext uri="{FF2B5EF4-FFF2-40B4-BE49-F238E27FC236}">
+                <a16:creationId xmlns:a16="http://schemas.microsoft.com/office/drawing/2014/main" id="{224010AF-26B9-3DC2-1483-F55C7555A685}"/>
+              </a:ext>
+            </a:extLst>
+          </p:cNvPr>
+          <p:cNvSpPr txBox="1"/>
+          <p:nvPr/>
+        </p:nvSpPr>
+        <p:spPr>
+          <a:xfrm>
+            <a:off x="942387" y="1190024"/>
+            <a:ext cx="10313217" cy="369332"/>
+          </a:xfrm>
+          <a:prstGeom prst="rect">
+            <a:avLst/>
+          </a:prstGeom>
+          <a:noFill/>
+        </p:spPr>
+        <p:txBody>
+          <a:bodyPr wrap="square" rtlCol="0">
+            <a:spAutoFit/>
+          </a:bodyPr>
+          <a:lstStyle/>
+          <a:p>
+            <a:r>
+              <a:rPr lang="en-US" altLang="ko-KR" dirty="0">
+                <a:latin typeface="나눔스퀘어 Light" panose="020B0600000101010101" pitchFamily="50" charset="-127"/>
+                <a:ea typeface="나눔스퀘어 Light" panose="020B0600000101010101" pitchFamily="50" charset="-127"/>
+              </a:rPr>
+              <a:t>Bottom Up </a:t>
+            </a:r>
+            <a:r>
+              <a:rPr lang="ko-KR" altLang="en-US" dirty="0">
+                <a:latin typeface="나눔스퀘어 Light" panose="020B0600000101010101" pitchFamily="50" charset="-127"/>
+                <a:ea typeface="나눔스퀘어 Light" panose="020B0600000101010101" pitchFamily="50" charset="-127"/>
+              </a:rPr>
+              <a:t>방식으로 </a:t>
+            </a:r>
+            <a:r>
+              <a:rPr lang="en-US" altLang="ko-KR" dirty="0">
+                <a:latin typeface="나눔스퀘어 Light" panose="020B0600000101010101" pitchFamily="50" charset="-127"/>
+                <a:ea typeface="나눔스퀘어 Light" panose="020B0600000101010101" pitchFamily="50" charset="-127"/>
+              </a:rPr>
+              <a:t>X </a:t>
+            </a:r>
+            <a:r>
+              <a:rPr lang="ko-KR" altLang="en-US" dirty="0">
+                <a:latin typeface="나눔스퀘어 Light" panose="020B0600000101010101" pitchFamily="50" charset="-127"/>
+                <a:ea typeface="나눔스퀘어 Light" panose="020B0600000101010101" pitchFamily="50" charset="-127"/>
+              </a:rPr>
+              <a:t>원을 구성하는 최소 동전의 개수를 구합니다</a:t>
+            </a:r>
+            <a:r>
+              <a:rPr lang="en-US" altLang="ko-KR" dirty="0">
+                <a:latin typeface="나눔스퀘어 Light" panose="020B0600000101010101" pitchFamily="50" charset="-127"/>
+                <a:ea typeface="나눔스퀘어 Light" panose="020B0600000101010101" pitchFamily="50" charset="-127"/>
+              </a:rPr>
+              <a:t>.</a:t>
+            </a:r>
+            <a:endParaRPr lang="ko-KR" altLang="en-US" dirty="0">
+              <a:latin typeface="나눔스퀘어 Light" panose="020B0600000101010101" pitchFamily="50" charset="-127"/>
+              <a:ea typeface="나눔스퀘어 Light" panose="020B0600000101010101" pitchFamily="50" charset="-127"/>
+            </a:endParaRPr>
+          </a:p>
+        </p:txBody>
+      </p:sp>
+      <p:sp>
+        <p:nvSpPr>
+          <p:cNvPr id="6" name="TextBox 5">
+            <a:extLst>
+              <a:ext uri="{FF2B5EF4-FFF2-40B4-BE49-F238E27FC236}">
+                <a16:creationId xmlns:a16="http://schemas.microsoft.com/office/drawing/2014/main" id="{34D05845-1BD7-6460-4E63-F3BF8832971C}"/>
+              </a:ext>
+            </a:extLst>
+          </p:cNvPr>
+          <p:cNvSpPr txBox="1"/>
+          <p:nvPr/>
+        </p:nvSpPr>
+        <p:spPr>
+          <a:xfrm>
+            <a:off x="942387" y="1559356"/>
+            <a:ext cx="10313217" cy="369332"/>
+          </a:xfrm>
+          <a:prstGeom prst="rect">
+            <a:avLst/>
+          </a:prstGeom>
+          <a:noFill/>
+        </p:spPr>
+        <p:txBody>
+          <a:bodyPr wrap="square" rtlCol="0">
+            <a:spAutoFit/>
+          </a:bodyPr>
+          <a:lstStyle/>
+          <a:p>
+            <a:r>
+              <a:rPr lang="ko-KR" altLang="en-US" dirty="0" err="1">
+                <a:latin typeface="나눔스퀘어 Light" panose="020B0600000101010101" pitchFamily="50" charset="-127"/>
+                <a:ea typeface="나눔스퀘어 Light" panose="020B0600000101010101" pitchFamily="50" charset="-127"/>
+              </a:rPr>
+              <a:t>못만드는</a:t>
+            </a:r>
+            <a:r>
+              <a:rPr lang="ko-KR" altLang="en-US" dirty="0">
+                <a:latin typeface="나눔스퀘어 Light" panose="020B0600000101010101" pitchFamily="50" charset="-127"/>
+                <a:ea typeface="나눔스퀘어 Light" panose="020B0600000101010101" pitchFamily="50" charset="-127"/>
+              </a:rPr>
+              <a:t> 금액은 </a:t>
+            </a:r>
+            <a:r>
+              <a:rPr lang="en-US" altLang="ko-KR" dirty="0">
+                <a:latin typeface="나눔스퀘어 Light" panose="020B0600000101010101" pitchFamily="50" charset="-127"/>
+                <a:ea typeface="나눔스퀘어 Light" panose="020B0600000101010101" pitchFamily="50" charset="-127"/>
+              </a:rPr>
+              <a:t>-1</a:t>
+            </a:r>
+            <a:r>
+              <a:rPr lang="ko-KR" altLang="en-US" dirty="0">
+                <a:latin typeface="나눔스퀘어 Light" panose="020B0600000101010101" pitchFamily="50" charset="-127"/>
+                <a:ea typeface="나눔스퀘어 Light" panose="020B0600000101010101" pitchFamily="50" charset="-127"/>
+              </a:rPr>
+              <a:t>로 하겠습니다</a:t>
+            </a:r>
+            <a:r>
+              <a:rPr lang="en-US" altLang="ko-KR" dirty="0">
+                <a:latin typeface="나눔스퀘어 Light" panose="020B0600000101010101" pitchFamily="50" charset="-127"/>
+                <a:ea typeface="나눔스퀘어 Light" panose="020B0600000101010101" pitchFamily="50" charset="-127"/>
+              </a:rPr>
+              <a:t>.</a:t>
+            </a:r>
+            <a:endParaRPr lang="ko-KR" altLang="en-US" dirty="0">
+              <a:latin typeface="나눔스퀘어 Light" panose="020B0600000101010101" pitchFamily="50" charset="-127"/>
+              <a:ea typeface="나눔스퀘어 Light" panose="020B0600000101010101" pitchFamily="50" charset="-127"/>
+            </a:endParaRPr>
           </a:p>
         </p:txBody>
       </p:sp>
       <p:pic>
         <p:nvPicPr>
-          <p:cNvPr id="3" name="그림 2">
-            <a:extLst>
-              <a:ext uri="{FF2B5EF4-FFF2-40B4-BE49-F238E27FC236}">
-                <a16:creationId xmlns:a16="http://schemas.microsoft.com/office/drawing/2014/main" id="{169B8E43-5AC5-E906-1298-4019C3E4AB35}"/>
+          <p:cNvPr id="19" name="그림 18">
+            <a:extLst>
+              <a:ext uri="{FF2B5EF4-FFF2-40B4-BE49-F238E27FC236}">
+                <a16:creationId xmlns:a16="http://schemas.microsoft.com/office/drawing/2014/main" id="{7F95BB65-E926-1BED-7017-6CC48001CFC9}"/>
               </a:ext>
             </a:extLst>
           </p:cNvPr>
@@ -17486,8 +19050,8 @@
         </p:blipFill>
         <p:spPr>
           <a:xfrm>
-            <a:off x="331694" y="971543"/>
-            <a:ext cx="9325226" cy="5715461"/>
+            <a:off x="936396" y="1928688"/>
+            <a:ext cx="5636310" cy="4527527"/>
           </a:xfrm>
           <a:prstGeom prst="rect">
             <a:avLst/>
@@ -17497,7 +19061,7 @@
     </p:spTree>
     <p:extLst>
       <p:ext uri="{BB962C8B-B14F-4D97-AF65-F5344CB8AC3E}">
-        <p14:creationId xmlns:p14="http://schemas.microsoft.com/office/powerpoint/2010/main" val="3855707884"/>
+        <p14:creationId xmlns:p14="http://schemas.microsoft.com/office/powerpoint/2010/main" val="428935694"/>
       </p:ext>
     </p:extLst>
   </p:cSld>
@@ -17613,10 +19177,40 @@
           </a:p>
         </p:txBody>
       </p:sp>
+      <p:pic>
+        <p:nvPicPr>
+          <p:cNvPr id="3" name="그림 2">
+            <a:extLst>
+              <a:ext uri="{FF2B5EF4-FFF2-40B4-BE49-F238E27FC236}">
+                <a16:creationId xmlns:a16="http://schemas.microsoft.com/office/drawing/2014/main" id="{169B8E43-5AC5-E906-1298-4019C3E4AB35}"/>
+              </a:ext>
+            </a:extLst>
+          </p:cNvPr>
+          <p:cNvPicPr>
+            <a:picLocks noChangeAspect="1"/>
+          </p:cNvPicPr>
+          <p:nvPr/>
+        </p:nvPicPr>
+        <p:blipFill>
+          <a:blip r:embed="rId2"/>
+          <a:stretch>
+            <a:fillRect/>
+          </a:stretch>
+        </p:blipFill>
+        <p:spPr>
+          <a:xfrm>
+            <a:off x="331694" y="971543"/>
+            <a:ext cx="9325226" cy="5715461"/>
+          </a:xfrm>
+          <a:prstGeom prst="rect">
+            <a:avLst/>
+          </a:prstGeom>
+        </p:spPr>
+      </p:pic>
     </p:spTree>
     <p:extLst>
       <p:ext uri="{BB962C8B-B14F-4D97-AF65-F5344CB8AC3E}">
-        <p14:creationId xmlns:p14="http://schemas.microsoft.com/office/powerpoint/2010/main" val="2543614075"/>
+        <p14:creationId xmlns:p14="http://schemas.microsoft.com/office/powerpoint/2010/main" val="3855707884"/>
       </p:ext>
     </p:extLst>
   </p:cSld>
@@ -17883,6 +19477,125 @@
 </file>
 
 <file path=ppt/slides/slide30.xml><?xml version="1.0" encoding="utf-8"?>
+<p:sld xmlns:a="http://schemas.openxmlformats.org/drawingml/2006/main" xmlns:r="http://schemas.openxmlformats.org/officeDocument/2006/relationships" xmlns:p="http://schemas.openxmlformats.org/presentationml/2006/main">
+  <p:cSld>
+    <p:spTree>
+      <p:nvGrpSpPr>
+        <p:cNvPr id="1" name=""/>
+        <p:cNvGrpSpPr/>
+        <p:nvPr/>
+      </p:nvGrpSpPr>
+      <p:grpSpPr>
+        <a:xfrm>
+          <a:off x="0" y="0"/>
+          <a:ext cx="0" cy="0"/>
+          <a:chOff x="0" y="0"/>
+          <a:chExt cx="0" cy="0"/>
+        </a:xfrm>
+      </p:grpSpPr>
+      <p:cxnSp>
+        <p:nvCxnSpPr>
+          <p:cNvPr id="5" name="직선 연결선 4">
+            <a:extLst>
+              <a:ext uri="{FF2B5EF4-FFF2-40B4-BE49-F238E27FC236}">
+                <a16:creationId xmlns:a16="http://schemas.microsoft.com/office/drawing/2014/main" id="{164C2827-EFCE-69A4-D037-1A218415F568}"/>
+              </a:ext>
+            </a:extLst>
+          </p:cNvPr>
+          <p:cNvCxnSpPr/>
+          <p:nvPr/>
+        </p:nvCxnSpPr>
+        <p:spPr>
+          <a:xfrm>
+            <a:off x="0" y="887505"/>
+            <a:ext cx="10237694" cy="0"/>
+          </a:xfrm>
+          <a:prstGeom prst="line">
+            <a:avLst/>
+          </a:prstGeom>
+          <a:ln w="76200">
+            <a:solidFill>
+              <a:schemeClr val="tx1">
+                <a:lumMod val="75000"/>
+                <a:lumOff val="25000"/>
+              </a:schemeClr>
+            </a:solidFill>
+          </a:ln>
+        </p:spPr>
+        <p:style>
+          <a:lnRef idx="1">
+            <a:schemeClr val="accent1"/>
+          </a:lnRef>
+          <a:fillRef idx="0">
+            <a:schemeClr val="accent1"/>
+          </a:fillRef>
+          <a:effectRef idx="0">
+            <a:schemeClr val="accent1"/>
+          </a:effectRef>
+          <a:fontRef idx="minor">
+            <a:schemeClr val="tx1"/>
+          </a:fontRef>
+        </p:style>
+      </p:cxnSp>
+      <p:sp>
+        <p:nvSpPr>
+          <p:cNvPr id="4" name="TextBox 3">
+            <a:extLst>
+              <a:ext uri="{FF2B5EF4-FFF2-40B4-BE49-F238E27FC236}">
+                <a16:creationId xmlns:a16="http://schemas.microsoft.com/office/drawing/2014/main" id="{59D13859-3C4A-53F0-C48F-C6B9095BD065}"/>
+              </a:ext>
+            </a:extLst>
+          </p:cNvPr>
+          <p:cNvSpPr txBox="1"/>
+          <p:nvPr/>
+        </p:nvSpPr>
+        <p:spPr>
+          <a:xfrm>
+            <a:off x="331694" y="179902"/>
+            <a:ext cx="9506833" cy="523220"/>
+          </a:xfrm>
+          <a:prstGeom prst="rect">
+            <a:avLst/>
+          </a:prstGeom>
+          <a:noFill/>
+        </p:spPr>
+        <p:txBody>
+          <a:bodyPr wrap="none" rtlCol="0">
+            <a:spAutoFit/>
+          </a:bodyPr>
+          <a:lstStyle/>
+          <a:p>
+            <a:r>
+              <a:rPr lang="en-US" altLang="ko-KR" sz="2800" dirty="0">
+                <a:latin typeface="나눔스퀘어 Bold" panose="020B0600000101010101" pitchFamily="50" charset="-127"/>
+                <a:ea typeface="나눔스퀘어 Bold" panose="020B0600000101010101" pitchFamily="50" charset="-127"/>
+              </a:rPr>
+              <a:t>Dynamic Programming – 11053 </a:t>
+            </a:r>
+            <a:r>
+              <a:rPr lang="ko-KR" altLang="en-US" sz="2800" dirty="0">
+                <a:latin typeface="나눔스퀘어 Bold" panose="020B0600000101010101" pitchFamily="50" charset="-127"/>
+                <a:ea typeface="나눔스퀘어 Bold" panose="020B0600000101010101" pitchFamily="50" charset="-127"/>
+              </a:rPr>
+              <a:t>가장 긴 증가하는 부분 수열</a:t>
+            </a:r>
+          </a:p>
+        </p:txBody>
+      </p:sp>
+    </p:spTree>
+    <p:extLst>
+      <p:ext uri="{BB962C8B-B14F-4D97-AF65-F5344CB8AC3E}">
+        <p14:creationId xmlns:p14="http://schemas.microsoft.com/office/powerpoint/2010/main" val="2543614075"/>
+      </p:ext>
+    </p:extLst>
+  </p:cSld>
+  <p:clrMapOvr>
+    <a:masterClrMapping/>
+  </p:clrMapOvr>
+</p:sld>
+</file>
+
+<file path=ppt/slides/slide31.xml><?xml version="1.0" encoding="utf-8"?>
 <p:sld xmlns:a="http://schemas.openxmlformats.org/drawingml/2006/main" xmlns:r="http://schemas.openxmlformats.org/officeDocument/2006/relationships" xmlns:p="http://schemas.openxmlformats.org/presentationml/2006/main">
   <p:cSld>
     <p:spTree>

--- a/study/5_Dynamic Programming.pptx
+++ b/study/5_Dynamic Programming.pptx
@@ -289,7 +289,7 @@
           <a:p>
             <a:fld id="{33C37291-AA83-40C0-9297-8F7F3693F6CC}" type="datetimeFigureOut">
               <a:rPr lang="ko-KR" altLang="en-US" smtClean="0"/>
-              <a:t>2022-09-06</a:t>
+              <a:t>2022-09-07</a:t>
             </a:fld>
             <a:endParaRPr lang="ko-KR" altLang="en-US"/>
           </a:p>
@@ -487,7 +487,7 @@
           <a:p>
             <a:fld id="{33C37291-AA83-40C0-9297-8F7F3693F6CC}" type="datetimeFigureOut">
               <a:rPr lang="ko-KR" altLang="en-US" smtClean="0"/>
-              <a:t>2022-09-06</a:t>
+              <a:t>2022-09-07</a:t>
             </a:fld>
             <a:endParaRPr lang="ko-KR" altLang="en-US"/>
           </a:p>
@@ -695,7 +695,7 @@
           <a:p>
             <a:fld id="{33C37291-AA83-40C0-9297-8F7F3693F6CC}" type="datetimeFigureOut">
               <a:rPr lang="ko-KR" altLang="en-US" smtClean="0"/>
-              <a:t>2022-09-06</a:t>
+              <a:t>2022-09-07</a:t>
             </a:fld>
             <a:endParaRPr lang="ko-KR" altLang="en-US"/>
           </a:p>
@@ -893,7 +893,7 @@
           <a:p>
             <a:fld id="{33C37291-AA83-40C0-9297-8F7F3693F6CC}" type="datetimeFigureOut">
               <a:rPr lang="ko-KR" altLang="en-US" smtClean="0"/>
-              <a:t>2022-09-06</a:t>
+              <a:t>2022-09-07</a:t>
             </a:fld>
             <a:endParaRPr lang="ko-KR" altLang="en-US"/>
           </a:p>
@@ -1168,7 +1168,7 @@
           <a:p>
             <a:fld id="{33C37291-AA83-40C0-9297-8F7F3693F6CC}" type="datetimeFigureOut">
               <a:rPr lang="ko-KR" altLang="en-US" smtClean="0"/>
-              <a:t>2022-09-06</a:t>
+              <a:t>2022-09-07</a:t>
             </a:fld>
             <a:endParaRPr lang="ko-KR" altLang="en-US"/>
           </a:p>
@@ -1433,7 +1433,7 @@
           <a:p>
             <a:fld id="{33C37291-AA83-40C0-9297-8F7F3693F6CC}" type="datetimeFigureOut">
               <a:rPr lang="ko-KR" altLang="en-US" smtClean="0"/>
-              <a:t>2022-09-06</a:t>
+              <a:t>2022-09-07</a:t>
             </a:fld>
             <a:endParaRPr lang="ko-KR" altLang="en-US"/>
           </a:p>
@@ -1845,7 +1845,7 @@
           <a:p>
             <a:fld id="{33C37291-AA83-40C0-9297-8F7F3693F6CC}" type="datetimeFigureOut">
               <a:rPr lang="ko-KR" altLang="en-US" smtClean="0"/>
-              <a:t>2022-09-06</a:t>
+              <a:t>2022-09-07</a:t>
             </a:fld>
             <a:endParaRPr lang="ko-KR" altLang="en-US"/>
           </a:p>
@@ -1986,7 +1986,7 @@
           <a:p>
             <a:fld id="{33C37291-AA83-40C0-9297-8F7F3693F6CC}" type="datetimeFigureOut">
               <a:rPr lang="ko-KR" altLang="en-US" smtClean="0"/>
-              <a:t>2022-09-06</a:t>
+              <a:t>2022-09-07</a:t>
             </a:fld>
             <a:endParaRPr lang="ko-KR" altLang="en-US"/>
           </a:p>
@@ -2099,7 +2099,7 @@
           <a:p>
             <a:fld id="{33C37291-AA83-40C0-9297-8F7F3693F6CC}" type="datetimeFigureOut">
               <a:rPr lang="ko-KR" altLang="en-US" smtClean="0"/>
-              <a:t>2022-09-06</a:t>
+              <a:t>2022-09-07</a:t>
             </a:fld>
             <a:endParaRPr lang="ko-KR" altLang="en-US"/>
           </a:p>
@@ -2410,7 +2410,7 @@
           <a:p>
             <a:fld id="{33C37291-AA83-40C0-9297-8F7F3693F6CC}" type="datetimeFigureOut">
               <a:rPr lang="ko-KR" altLang="en-US" smtClean="0"/>
-              <a:t>2022-09-06</a:t>
+              <a:t>2022-09-07</a:t>
             </a:fld>
             <a:endParaRPr lang="ko-KR" altLang="en-US"/>
           </a:p>
@@ -2698,7 +2698,7 @@
           <a:p>
             <a:fld id="{33C37291-AA83-40C0-9297-8F7F3693F6CC}" type="datetimeFigureOut">
               <a:rPr lang="ko-KR" altLang="en-US" smtClean="0"/>
-              <a:t>2022-09-06</a:t>
+              <a:t>2022-09-07</a:t>
             </a:fld>
             <a:endParaRPr lang="ko-KR" altLang="en-US"/>
           </a:p>
@@ -2939,7 +2939,7 @@
           <a:p>
             <a:fld id="{33C37291-AA83-40C0-9297-8F7F3693F6CC}" type="datetimeFigureOut">
               <a:rPr lang="ko-KR" altLang="en-US" smtClean="0"/>
-              <a:t>2022-09-06</a:t>
+              <a:t>2022-09-07</a:t>
             </a:fld>
             <a:endParaRPr lang="ko-KR" altLang="en-US"/>
           </a:p>
@@ -18546,7 +18546,7 @@
           </a:prstGeom>
           <a:ln w="19050">
             <a:solidFill>
-              <a:srgbClr val="FF0000"/>
+              <a:schemeClr val="tx1"/>
             </a:solidFill>
           </a:ln>
         </p:spPr>
@@ -18693,7 +18693,7 @@
           </a:prstGeom>
           <a:ln w="19050">
             <a:solidFill>
-              <a:srgbClr val="FF0000"/>
+              <a:srgbClr val="00B050"/>
             </a:solidFill>
           </a:ln>
         </p:spPr>
@@ -18742,7 +18742,7 @@
           </a:prstGeom>
           <a:ln w="19050">
             <a:solidFill>
-              <a:srgbClr val="FF0000"/>
+              <a:srgbClr val="00B050"/>
             </a:solidFill>
           </a:ln>
         </p:spPr>
@@ -19579,6 +19579,254 @@
               </a:rPr>
               <a:t>가장 긴 증가하는 부분 수열</a:t>
             </a:r>
+          </a:p>
+        </p:txBody>
+      </p:sp>
+      <p:sp>
+        <p:nvSpPr>
+          <p:cNvPr id="6" name="TextBox 5">
+            <a:extLst>
+              <a:ext uri="{FF2B5EF4-FFF2-40B4-BE49-F238E27FC236}">
+                <a16:creationId xmlns:a16="http://schemas.microsoft.com/office/drawing/2014/main" id="{4234B7FF-D1A4-45D7-A12D-0C886A99812A}"/>
+              </a:ext>
+            </a:extLst>
+          </p:cNvPr>
+          <p:cNvSpPr txBox="1"/>
+          <p:nvPr/>
+        </p:nvSpPr>
+        <p:spPr>
+          <a:xfrm>
+            <a:off x="942387" y="1190024"/>
+            <a:ext cx="10313217" cy="369332"/>
+          </a:xfrm>
+          <a:prstGeom prst="rect">
+            <a:avLst/>
+          </a:prstGeom>
+          <a:noFill/>
+        </p:spPr>
+        <p:txBody>
+          <a:bodyPr wrap="square" rtlCol="0">
+            <a:spAutoFit/>
+          </a:bodyPr>
+          <a:lstStyle/>
+          <a:p>
+            <a:r>
+              <a:rPr lang="en-US" altLang="ko-KR" dirty="0">
+                <a:latin typeface="나눔스퀘어 Light" panose="020B0600000101010101" pitchFamily="50" charset="-127"/>
+                <a:ea typeface="나눔스퀘어 Light" panose="020B0600000101010101" pitchFamily="50" charset="-127"/>
+              </a:rPr>
+              <a:t>DP </a:t>
+            </a:r>
+            <a:r>
+              <a:rPr lang="ko-KR" altLang="en-US" dirty="0">
+                <a:latin typeface="나눔스퀘어 Light" panose="020B0600000101010101" pitchFamily="50" charset="-127"/>
+                <a:ea typeface="나눔스퀘어 Light" panose="020B0600000101010101" pitchFamily="50" charset="-127"/>
+              </a:rPr>
+              <a:t>대표 문제 중 하나인 </a:t>
+            </a:r>
+            <a:r>
+              <a:rPr lang="en-US" altLang="ko-KR" dirty="0">
+                <a:latin typeface="나눔스퀘어 Light" panose="020B0600000101010101" pitchFamily="50" charset="-127"/>
+                <a:ea typeface="나눔스퀘어 Light" panose="020B0600000101010101" pitchFamily="50" charset="-127"/>
+              </a:rPr>
+              <a:t>LIS(Longest Increasing Subsequence) </a:t>
+            </a:r>
+            <a:r>
+              <a:rPr lang="ko-KR" altLang="en-US" dirty="0">
+                <a:latin typeface="나눔스퀘어 Light" panose="020B0600000101010101" pitchFamily="50" charset="-127"/>
+                <a:ea typeface="나눔스퀘어 Light" panose="020B0600000101010101" pitchFamily="50" charset="-127"/>
+              </a:rPr>
+              <a:t>문제</a:t>
+            </a:r>
+          </a:p>
+        </p:txBody>
+      </p:sp>
+      <p:sp>
+        <p:nvSpPr>
+          <p:cNvPr id="7" name="TextBox 6">
+            <a:extLst>
+              <a:ext uri="{FF2B5EF4-FFF2-40B4-BE49-F238E27FC236}">
+                <a16:creationId xmlns:a16="http://schemas.microsoft.com/office/drawing/2014/main" id="{4270AC9A-5079-4E24-9B99-6CD3A9B726A5}"/>
+              </a:ext>
+            </a:extLst>
+          </p:cNvPr>
+          <p:cNvSpPr txBox="1"/>
+          <p:nvPr/>
+        </p:nvSpPr>
+        <p:spPr>
+          <a:xfrm>
+            <a:off x="942387" y="1861874"/>
+            <a:ext cx="10313217" cy="369332"/>
+          </a:xfrm>
+          <a:prstGeom prst="rect">
+            <a:avLst/>
+          </a:prstGeom>
+          <a:noFill/>
+        </p:spPr>
+        <p:txBody>
+          <a:bodyPr wrap="square" rtlCol="0">
+            <a:spAutoFit/>
+          </a:bodyPr>
+          <a:lstStyle/>
+          <a:p>
+            <a:r>
+              <a:rPr lang="ko-KR" altLang="en-US" dirty="0">
+                <a:latin typeface="나눔스퀘어 Light" panose="020B0600000101010101" pitchFamily="50" charset="-127"/>
+                <a:ea typeface="나눔스퀘어 Light" panose="020B0600000101010101" pitchFamily="50" charset="-127"/>
+              </a:rPr>
+              <a:t>각 시점</a:t>
+            </a:r>
+            <a:r>
+              <a:rPr lang="en-US" altLang="ko-KR" dirty="0">
+                <a:latin typeface="나눔스퀘어 Light" panose="020B0600000101010101" pitchFamily="50" charset="-127"/>
+                <a:ea typeface="나눔스퀘어 Light" panose="020B0600000101010101" pitchFamily="50" charset="-127"/>
+              </a:rPr>
+              <a:t>(</a:t>
+            </a:r>
+            <a:r>
+              <a:rPr lang="ko-KR" altLang="en-US" dirty="0">
+                <a:latin typeface="나눔스퀘어 Light" panose="020B0600000101010101" pitchFamily="50" charset="-127"/>
+                <a:ea typeface="나눔스퀘어 Light" panose="020B0600000101010101" pitchFamily="50" charset="-127"/>
+              </a:rPr>
+              <a:t>배열 </a:t>
+            </a:r>
+            <a:r>
+              <a:rPr lang="en-US" altLang="ko-KR" dirty="0">
+                <a:latin typeface="나눔스퀘어 Light" panose="020B0600000101010101" pitchFamily="50" charset="-127"/>
+                <a:ea typeface="나눔스퀘어 Light" panose="020B0600000101010101" pitchFamily="50" charset="-127"/>
+              </a:rPr>
+              <a:t>index)</a:t>
+            </a:r>
+            <a:r>
+              <a:rPr lang="ko-KR" altLang="en-US" dirty="0">
+                <a:latin typeface="나눔스퀘어 Light" panose="020B0600000101010101" pitchFamily="50" charset="-127"/>
+                <a:ea typeface="나눔스퀘어 Light" panose="020B0600000101010101" pitchFamily="50" charset="-127"/>
+              </a:rPr>
+              <a:t>에서 까지의 </a:t>
+            </a:r>
+            <a:r>
+              <a:rPr lang="en-US" altLang="ko-KR" dirty="0">
+                <a:latin typeface="나눔스퀘어 Light" panose="020B0600000101010101" pitchFamily="50" charset="-127"/>
+                <a:ea typeface="나눔스퀘어 Light" panose="020B0600000101010101" pitchFamily="50" charset="-127"/>
+              </a:rPr>
+              <a:t>LIS</a:t>
+            </a:r>
+            <a:r>
+              <a:rPr lang="ko-KR" altLang="en-US" dirty="0">
+                <a:latin typeface="나눔스퀘어 Light" panose="020B0600000101010101" pitchFamily="50" charset="-127"/>
+                <a:ea typeface="나눔스퀘어 Light" panose="020B0600000101010101" pitchFamily="50" charset="-127"/>
+              </a:rPr>
+              <a:t>의 길이는 어떻게 구할 수 있을까요</a:t>
+            </a:r>
+            <a:r>
+              <a:rPr lang="en-US" altLang="ko-KR" dirty="0">
+                <a:latin typeface="나눔스퀘어 Light" panose="020B0600000101010101" pitchFamily="50" charset="-127"/>
+                <a:ea typeface="나눔스퀘어 Light" panose="020B0600000101010101" pitchFamily="50" charset="-127"/>
+              </a:rPr>
+              <a:t>?</a:t>
+            </a:r>
+            <a:endParaRPr lang="ko-KR" altLang="en-US" dirty="0">
+              <a:latin typeface="나눔스퀘어 Light" panose="020B0600000101010101" pitchFamily="50" charset="-127"/>
+              <a:ea typeface="나눔스퀘어 Light" panose="020B0600000101010101" pitchFamily="50" charset="-127"/>
+            </a:endParaRPr>
+          </a:p>
+        </p:txBody>
+      </p:sp>
+      <p:sp>
+        <p:nvSpPr>
+          <p:cNvPr id="8" name="TextBox 7">
+            <a:extLst>
+              <a:ext uri="{FF2B5EF4-FFF2-40B4-BE49-F238E27FC236}">
+                <a16:creationId xmlns:a16="http://schemas.microsoft.com/office/drawing/2014/main" id="{B9D5332D-CA4B-4CA0-8CC3-A811E8BCCB76}"/>
+              </a:ext>
+            </a:extLst>
+          </p:cNvPr>
+          <p:cNvSpPr txBox="1"/>
+          <p:nvPr/>
+        </p:nvSpPr>
+        <p:spPr>
+          <a:xfrm>
+            <a:off x="942387" y="2231206"/>
+            <a:ext cx="10313217" cy="369332"/>
+          </a:xfrm>
+          <a:prstGeom prst="rect">
+            <a:avLst/>
+          </a:prstGeom>
+          <a:noFill/>
+        </p:spPr>
+        <p:txBody>
+          <a:bodyPr wrap="square" rtlCol="0">
+            <a:spAutoFit/>
+          </a:bodyPr>
+          <a:lstStyle/>
+          <a:p>
+            <a:r>
+              <a:rPr lang="en-US" altLang="ko-KR" dirty="0">
+                <a:latin typeface="나눔스퀘어 Light" panose="020B0600000101010101" pitchFamily="50" charset="-127"/>
+                <a:ea typeface="나눔스퀘어 Light" panose="020B0600000101010101" pitchFamily="50" charset="-127"/>
+              </a:rPr>
+              <a:t>index – 1 </a:t>
+            </a:r>
+            <a:r>
+              <a:rPr lang="ko-KR" altLang="en-US" dirty="0">
+                <a:latin typeface="나눔스퀘어 Light" panose="020B0600000101010101" pitchFamily="50" charset="-127"/>
+                <a:ea typeface="나눔스퀘어 Light" panose="020B0600000101010101" pitchFamily="50" charset="-127"/>
+              </a:rPr>
+              <a:t>까지의 </a:t>
+            </a:r>
+            <a:r>
+              <a:rPr lang="en-US" altLang="ko-KR" dirty="0">
+                <a:latin typeface="나눔스퀘어 Light" panose="020B0600000101010101" pitchFamily="50" charset="-127"/>
+                <a:ea typeface="나눔스퀘어 Light" panose="020B0600000101010101" pitchFamily="50" charset="-127"/>
+              </a:rPr>
+              <a:t>LIS</a:t>
+            </a:r>
+            <a:r>
+              <a:rPr lang="ko-KR" altLang="en-US" dirty="0">
+                <a:latin typeface="나눔스퀘어 Light" panose="020B0600000101010101" pitchFamily="50" charset="-127"/>
+                <a:ea typeface="나눔스퀘어 Light" panose="020B0600000101010101" pitchFamily="50" charset="-127"/>
+              </a:rPr>
+              <a:t>의 길이와 최대값을 알고 있다면</a:t>
+            </a:r>
+            <a:r>
+              <a:rPr lang="en-US" altLang="ko-KR" dirty="0">
+                <a:latin typeface="나눔스퀘어 Light" panose="020B0600000101010101" pitchFamily="50" charset="-127"/>
+                <a:ea typeface="나눔스퀘어 Light" panose="020B0600000101010101" pitchFamily="50" charset="-127"/>
+              </a:rPr>
+              <a:t>, index</a:t>
+            </a:r>
+            <a:r>
+              <a:rPr lang="ko-KR" altLang="en-US" dirty="0">
+                <a:latin typeface="나눔스퀘어 Light" panose="020B0600000101010101" pitchFamily="50" charset="-127"/>
+                <a:ea typeface="나눔스퀘어 Light" panose="020B0600000101010101" pitchFamily="50" charset="-127"/>
+              </a:rPr>
+              <a:t> 에서의 </a:t>
+            </a:r>
+            <a:r>
+              <a:rPr lang="en-US" altLang="ko-KR" dirty="0">
+                <a:latin typeface="나눔스퀘어 Light" panose="020B0600000101010101" pitchFamily="50" charset="-127"/>
+                <a:ea typeface="나눔스퀘어 Light" panose="020B0600000101010101" pitchFamily="50" charset="-127"/>
+              </a:rPr>
+              <a:t>LIS</a:t>
+            </a:r>
+            <a:r>
+              <a:rPr lang="ko-KR" altLang="en-US" dirty="0">
+                <a:latin typeface="나눔스퀘어 Light" panose="020B0600000101010101" pitchFamily="50" charset="-127"/>
+                <a:ea typeface="나눔스퀘어 Light" panose="020B0600000101010101" pitchFamily="50" charset="-127"/>
+              </a:rPr>
+              <a:t>의 길이를 알 수 있습니다</a:t>
+            </a:r>
+            <a:r>
+              <a:rPr lang="en-US" altLang="ko-KR" dirty="0">
+                <a:latin typeface="나눔스퀘어 Light" panose="020B0600000101010101" pitchFamily="50" charset="-127"/>
+                <a:ea typeface="나눔스퀘어 Light" panose="020B0600000101010101" pitchFamily="50" charset="-127"/>
+              </a:rPr>
+              <a:t>.</a:t>
+            </a:r>
+            <a:endParaRPr lang="ko-KR" altLang="en-US" dirty="0">
+              <a:latin typeface="나눔스퀘어 Light" panose="020B0600000101010101" pitchFamily="50" charset="-127"/>
+              <a:ea typeface="나눔스퀘어 Light" panose="020B0600000101010101" pitchFamily="50" charset="-127"/>
+            </a:endParaRPr>
           </a:p>
         </p:txBody>
       </p:sp>

--- a/study/5_Dynamic Programming.pptx
+++ b/study/5_Dynamic Programming.pptx
@@ -35,7 +35,8 @@
     <p:sldId id="351" r:id="rId29"/>
     <p:sldId id="341" r:id="rId30"/>
     <p:sldId id="342" r:id="rId31"/>
-    <p:sldId id="298" r:id="rId32"/>
+    <p:sldId id="352" r:id="rId32"/>
+    <p:sldId id="298" r:id="rId33"/>
   </p:sldIdLst>
   <p:sldSz cx="12192000" cy="6858000"/>
   <p:notesSz cx="6858000" cy="9144000"/>
@@ -289,7 +290,7 @@
           <a:p>
             <a:fld id="{33C37291-AA83-40C0-9297-8F7F3693F6CC}" type="datetimeFigureOut">
               <a:rPr lang="ko-KR" altLang="en-US" smtClean="0"/>
-              <a:t>2022-09-07</a:t>
+              <a:t>2022-09-08</a:t>
             </a:fld>
             <a:endParaRPr lang="ko-KR" altLang="en-US"/>
           </a:p>
@@ -487,7 +488,7 @@
           <a:p>
             <a:fld id="{33C37291-AA83-40C0-9297-8F7F3693F6CC}" type="datetimeFigureOut">
               <a:rPr lang="ko-KR" altLang="en-US" smtClean="0"/>
-              <a:t>2022-09-07</a:t>
+              <a:t>2022-09-08</a:t>
             </a:fld>
             <a:endParaRPr lang="ko-KR" altLang="en-US"/>
           </a:p>
@@ -695,7 +696,7 @@
           <a:p>
             <a:fld id="{33C37291-AA83-40C0-9297-8F7F3693F6CC}" type="datetimeFigureOut">
               <a:rPr lang="ko-KR" altLang="en-US" smtClean="0"/>
-              <a:t>2022-09-07</a:t>
+              <a:t>2022-09-08</a:t>
             </a:fld>
             <a:endParaRPr lang="ko-KR" altLang="en-US"/>
           </a:p>
@@ -893,7 +894,7 @@
           <a:p>
             <a:fld id="{33C37291-AA83-40C0-9297-8F7F3693F6CC}" type="datetimeFigureOut">
               <a:rPr lang="ko-KR" altLang="en-US" smtClean="0"/>
-              <a:t>2022-09-07</a:t>
+              <a:t>2022-09-08</a:t>
             </a:fld>
             <a:endParaRPr lang="ko-KR" altLang="en-US"/>
           </a:p>
@@ -1168,7 +1169,7 @@
           <a:p>
             <a:fld id="{33C37291-AA83-40C0-9297-8F7F3693F6CC}" type="datetimeFigureOut">
               <a:rPr lang="ko-KR" altLang="en-US" smtClean="0"/>
-              <a:t>2022-09-07</a:t>
+              <a:t>2022-09-08</a:t>
             </a:fld>
             <a:endParaRPr lang="ko-KR" altLang="en-US"/>
           </a:p>
@@ -1433,7 +1434,7 @@
           <a:p>
             <a:fld id="{33C37291-AA83-40C0-9297-8F7F3693F6CC}" type="datetimeFigureOut">
               <a:rPr lang="ko-KR" altLang="en-US" smtClean="0"/>
-              <a:t>2022-09-07</a:t>
+              <a:t>2022-09-08</a:t>
             </a:fld>
             <a:endParaRPr lang="ko-KR" altLang="en-US"/>
           </a:p>
@@ -1845,7 +1846,7 @@
           <a:p>
             <a:fld id="{33C37291-AA83-40C0-9297-8F7F3693F6CC}" type="datetimeFigureOut">
               <a:rPr lang="ko-KR" altLang="en-US" smtClean="0"/>
-              <a:t>2022-09-07</a:t>
+              <a:t>2022-09-08</a:t>
             </a:fld>
             <a:endParaRPr lang="ko-KR" altLang="en-US"/>
           </a:p>
@@ -1986,7 +1987,7 @@
           <a:p>
             <a:fld id="{33C37291-AA83-40C0-9297-8F7F3693F6CC}" type="datetimeFigureOut">
               <a:rPr lang="ko-KR" altLang="en-US" smtClean="0"/>
-              <a:t>2022-09-07</a:t>
+              <a:t>2022-09-08</a:t>
             </a:fld>
             <a:endParaRPr lang="ko-KR" altLang="en-US"/>
           </a:p>
@@ -2099,7 +2100,7 @@
           <a:p>
             <a:fld id="{33C37291-AA83-40C0-9297-8F7F3693F6CC}" type="datetimeFigureOut">
               <a:rPr lang="ko-KR" altLang="en-US" smtClean="0"/>
-              <a:t>2022-09-07</a:t>
+              <a:t>2022-09-08</a:t>
             </a:fld>
             <a:endParaRPr lang="ko-KR" altLang="en-US"/>
           </a:p>
@@ -2410,7 +2411,7 @@
           <a:p>
             <a:fld id="{33C37291-AA83-40C0-9297-8F7F3693F6CC}" type="datetimeFigureOut">
               <a:rPr lang="ko-KR" altLang="en-US" smtClean="0"/>
-              <a:t>2022-09-07</a:t>
+              <a:t>2022-09-08</a:t>
             </a:fld>
             <a:endParaRPr lang="ko-KR" altLang="en-US"/>
           </a:p>
@@ -2698,7 +2699,7 @@
           <a:p>
             <a:fld id="{33C37291-AA83-40C0-9297-8F7F3693F6CC}" type="datetimeFigureOut">
               <a:rPr lang="ko-KR" altLang="en-US" smtClean="0"/>
-              <a:t>2022-09-07</a:t>
+              <a:t>2022-09-08</a:t>
             </a:fld>
             <a:endParaRPr lang="ko-KR" altLang="en-US"/>
           </a:p>
@@ -2939,7 +2940,7 @@
           <a:p>
             <a:fld id="{33C37291-AA83-40C0-9297-8F7F3693F6CC}" type="datetimeFigureOut">
               <a:rPr lang="ko-KR" altLang="en-US" smtClean="0"/>
-              <a:t>2022-09-07</a:t>
+              <a:t>2022-09-08</a:t>
             </a:fld>
             <a:endParaRPr lang="ko-KR" altLang="en-US"/>
           </a:p>
@@ -19762,31 +19763,369 @@
           <a:p>
             <a:r>
               <a:rPr lang="en-US" altLang="ko-KR" dirty="0">
-                <a:latin typeface="나눔스퀘어 Light" panose="020B0600000101010101" pitchFamily="50" charset="-127"/>
-                <a:ea typeface="나눔스퀘어 Light" panose="020B0600000101010101" pitchFamily="50" charset="-127"/>
+                <a:solidFill>
+                  <a:srgbClr val="FF0000"/>
+                </a:solidFill>
+                <a:latin typeface="나눔스퀘어 Bold" panose="020B0600000101010101" pitchFamily="50" charset="-127"/>
+                <a:ea typeface="나눔스퀘어 Bold" panose="020B0600000101010101" pitchFamily="50" charset="-127"/>
               </a:rPr>
               <a:t>index – 1 </a:t>
             </a:r>
             <a:r>
               <a:rPr lang="ko-KR" altLang="en-US" dirty="0">
-                <a:latin typeface="나눔스퀘어 Light" panose="020B0600000101010101" pitchFamily="50" charset="-127"/>
-                <a:ea typeface="나눔스퀘어 Light" panose="020B0600000101010101" pitchFamily="50" charset="-127"/>
+                <a:solidFill>
+                  <a:srgbClr val="FF0000"/>
+                </a:solidFill>
+                <a:latin typeface="나눔스퀘어 Bold" panose="020B0600000101010101" pitchFamily="50" charset="-127"/>
+                <a:ea typeface="나눔스퀘어 Bold" panose="020B0600000101010101" pitchFamily="50" charset="-127"/>
               </a:rPr>
               <a:t>까지의 </a:t>
             </a:r>
             <a:r>
               <a:rPr lang="en-US" altLang="ko-KR" dirty="0">
-                <a:latin typeface="나눔스퀘어 Light" panose="020B0600000101010101" pitchFamily="50" charset="-127"/>
-                <a:ea typeface="나눔스퀘어 Light" panose="020B0600000101010101" pitchFamily="50" charset="-127"/>
+                <a:solidFill>
+                  <a:srgbClr val="FF0000"/>
+                </a:solidFill>
+                <a:latin typeface="나눔스퀘어 Bold" panose="020B0600000101010101" pitchFamily="50" charset="-127"/>
+                <a:ea typeface="나눔스퀘어 Bold" panose="020B0600000101010101" pitchFamily="50" charset="-127"/>
               </a:rPr>
               <a:t>LIS</a:t>
             </a:r>
             <a:r>
               <a:rPr lang="ko-KR" altLang="en-US" dirty="0">
-                <a:latin typeface="나눔스퀘어 Light" panose="020B0600000101010101" pitchFamily="50" charset="-127"/>
-                <a:ea typeface="나눔스퀘어 Light" panose="020B0600000101010101" pitchFamily="50" charset="-127"/>
-              </a:rPr>
-              <a:t>의 길이와 최대값을 알고 있다면</a:t>
+                <a:solidFill>
+                  <a:srgbClr val="FF0000"/>
+                </a:solidFill>
+                <a:latin typeface="나눔스퀘어 Bold" panose="020B0600000101010101" pitchFamily="50" charset="-127"/>
+                <a:ea typeface="나눔스퀘어 Bold" panose="020B0600000101010101" pitchFamily="50" charset="-127"/>
+              </a:rPr>
+              <a:t>의 길이</a:t>
+            </a:r>
+            <a:r>
+              <a:rPr lang="ko-KR" altLang="en-US" dirty="0">
+                <a:latin typeface="나눔스퀘어 Light" panose="020B0600000101010101" pitchFamily="50" charset="-127"/>
+                <a:ea typeface="나눔스퀘어 Light" panose="020B0600000101010101" pitchFamily="50" charset="-127"/>
+              </a:rPr>
+              <a:t>와 최대값을 </a:t>
+            </a:r>
+            <a:r>
+              <a:rPr lang="ko-KR" altLang="en-US" dirty="0">
+                <a:solidFill>
+                  <a:srgbClr val="FF0000"/>
+                </a:solidFill>
+                <a:latin typeface="나눔스퀘어 Bold" panose="020B0600000101010101" pitchFamily="50" charset="-127"/>
+                <a:ea typeface="나눔스퀘어 Bold" panose="020B0600000101010101" pitchFamily="50" charset="-127"/>
+              </a:rPr>
+              <a:t>알고 있다면</a:t>
+            </a:r>
+            <a:r>
+              <a:rPr lang="en-US" altLang="ko-KR" dirty="0">
+                <a:latin typeface="나눔스퀘어 Light" panose="020B0600000101010101" pitchFamily="50" charset="-127"/>
+                <a:ea typeface="나눔스퀘어 Light" panose="020B0600000101010101" pitchFamily="50" charset="-127"/>
+              </a:rPr>
+              <a:t>, </a:t>
+            </a:r>
+            <a:r>
+              <a:rPr lang="en-US" altLang="ko-KR" dirty="0">
+                <a:latin typeface="나눔스퀘어 Bold" panose="020B0600000101010101" pitchFamily="50" charset="-127"/>
+                <a:ea typeface="나눔스퀘어 Bold" panose="020B0600000101010101" pitchFamily="50" charset="-127"/>
+              </a:rPr>
+              <a:t>index</a:t>
+            </a:r>
+            <a:r>
+              <a:rPr lang="ko-KR" altLang="en-US" dirty="0">
+                <a:latin typeface="나눔스퀘어 Bold" panose="020B0600000101010101" pitchFamily="50" charset="-127"/>
+                <a:ea typeface="나눔스퀘어 Bold" panose="020B0600000101010101" pitchFamily="50" charset="-127"/>
+              </a:rPr>
+              <a:t> 에서의 </a:t>
+            </a:r>
+            <a:r>
+              <a:rPr lang="en-US" altLang="ko-KR" dirty="0">
+                <a:latin typeface="나눔스퀘어 Bold" panose="020B0600000101010101" pitchFamily="50" charset="-127"/>
+                <a:ea typeface="나눔스퀘어 Bold" panose="020B0600000101010101" pitchFamily="50" charset="-127"/>
+              </a:rPr>
+              <a:t>LIS</a:t>
+            </a:r>
+            <a:r>
+              <a:rPr lang="ko-KR" altLang="en-US" dirty="0">
+                <a:latin typeface="나눔스퀘어 Bold" panose="020B0600000101010101" pitchFamily="50" charset="-127"/>
+                <a:ea typeface="나눔스퀘어 Bold" panose="020B0600000101010101" pitchFamily="50" charset="-127"/>
+              </a:rPr>
+              <a:t>의 길이를 알 수 있습니다</a:t>
+            </a:r>
+            <a:r>
+              <a:rPr lang="en-US" altLang="ko-KR" dirty="0">
+                <a:latin typeface="나눔스퀘어 Light" panose="020B0600000101010101" pitchFamily="50" charset="-127"/>
+                <a:ea typeface="나눔스퀘어 Light" panose="020B0600000101010101" pitchFamily="50" charset="-127"/>
+              </a:rPr>
+              <a:t>.</a:t>
+            </a:r>
+            <a:endParaRPr lang="ko-KR" altLang="en-US" dirty="0">
+              <a:latin typeface="나눔스퀘어 Light" panose="020B0600000101010101" pitchFamily="50" charset="-127"/>
+              <a:ea typeface="나눔스퀘어 Light" panose="020B0600000101010101" pitchFamily="50" charset="-127"/>
+            </a:endParaRPr>
+          </a:p>
+        </p:txBody>
+      </p:sp>
+      <p:graphicFrame>
+        <p:nvGraphicFramePr>
+          <p:cNvPr id="2" name="표 2">
+            <a:extLst>
+              <a:ext uri="{FF2B5EF4-FFF2-40B4-BE49-F238E27FC236}">
+                <a16:creationId xmlns:a16="http://schemas.microsoft.com/office/drawing/2014/main" id="{30F19CBA-D7B3-426E-9772-3DEB7E4EB284}"/>
+              </a:ext>
+            </a:extLst>
+          </p:cNvPr>
+          <p:cNvGraphicFramePr>
+            <a:graphicFrameLocks noGrp="1"/>
+          </p:cNvGraphicFramePr>
+          <p:nvPr>
+            <p:extLst>
+              <p:ext uri="{D42A27DB-BD31-4B8C-83A1-F6EECF244321}">
+                <p14:modId xmlns:p14="http://schemas.microsoft.com/office/powerpoint/2010/main" val="610408671"/>
+              </p:ext>
+            </p:extLst>
+          </p:nvPr>
+        </p:nvGraphicFramePr>
+        <p:xfrm>
+          <a:off x="942387" y="4166911"/>
+          <a:ext cx="3832815" cy="370840"/>
+        </p:xfrm>
+        <a:graphic>
+          <a:graphicData uri="http://schemas.openxmlformats.org/drawingml/2006/table">
+            <a:tbl>
+              <a:tblPr firstRow="1" bandRow="1">
+                <a:tableStyleId>{5C22544A-7EE6-4342-B048-85BDC9FD1C3A}</a:tableStyleId>
+              </a:tblPr>
+              <a:tblGrid>
+                <a:gridCol w="766563">
+                  <a:extLst>
+                    <a:ext uri="{9D8B030D-6E8A-4147-A177-3AD203B41FA5}">
+                      <a16:colId xmlns:a16="http://schemas.microsoft.com/office/drawing/2014/main" val="161864414"/>
+                    </a:ext>
+                  </a:extLst>
+                </a:gridCol>
+                <a:gridCol w="766563">
+                  <a:extLst>
+                    <a:ext uri="{9D8B030D-6E8A-4147-A177-3AD203B41FA5}">
+                      <a16:colId xmlns:a16="http://schemas.microsoft.com/office/drawing/2014/main" val="1564010514"/>
+                    </a:ext>
+                  </a:extLst>
+                </a:gridCol>
+                <a:gridCol w="766563">
+                  <a:extLst>
+                    <a:ext uri="{9D8B030D-6E8A-4147-A177-3AD203B41FA5}">
+                      <a16:colId xmlns:a16="http://schemas.microsoft.com/office/drawing/2014/main" val="1697722932"/>
+                    </a:ext>
+                  </a:extLst>
+                </a:gridCol>
+                <a:gridCol w="766563">
+                  <a:extLst>
+                    <a:ext uri="{9D8B030D-6E8A-4147-A177-3AD203B41FA5}">
+                      <a16:colId xmlns:a16="http://schemas.microsoft.com/office/drawing/2014/main" val="2034512798"/>
+                    </a:ext>
+                  </a:extLst>
+                </a:gridCol>
+                <a:gridCol w="766563">
+                  <a:extLst>
+                    <a:ext uri="{9D8B030D-6E8A-4147-A177-3AD203B41FA5}">
+                      <a16:colId xmlns:a16="http://schemas.microsoft.com/office/drawing/2014/main" val="38723595"/>
+                    </a:ext>
+                  </a:extLst>
+                </a:gridCol>
+              </a:tblGrid>
+              <a:tr h="370840">
+                <a:tc>
+                  <a:txBody>
+                    <a:bodyPr/>
+                    <a:lstStyle/>
+                    <a:p>
+                      <a:pPr algn="ctr" latinLnBrk="1"/>
+                      <a:r>
+                        <a:rPr lang="en-US" altLang="ko-KR" b="0" dirty="0">
+                          <a:latin typeface="나눔스퀘어 Light" panose="020B0600000101010101" pitchFamily="50" charset="-127"/>
+                          <a:ea typeface="나눔스퀘어 Light" panose="020B0600000101010101" pitchFamily="50" charset="-127"/>
+                        </a:rPr>
+                        <a:t>1</a:t>
+                      </a:r>
+                      <a:endParaRPr lang="ko-KR" altLang="en-US" b="0" dirty="0">
+                        <a:latin typeface="나눔스퀘어 Light" panose="020B0600000101010101" pitchFamily="50" charset="-127"/>
+                        <a:ea typeface="나눔스퀘어 Light" panose="020B0600000101010101" pitchFamily="50" charset="-127"/>
+                      </a:endParaRPr>
+                    </a:p>
+                  </a:txBody>
+                  <a:tcPr/>
+                </a:tc>
+                <a:tc>
+                  <a:txBody>
+                    <a:bodyPr/>
+                    <a:lstStyle/>
+                    <a:p>
+                      <a:pPr algn="ctr" latinLnBrk="1"/>
+                      <a:r>
+                        <a:rPr lang="en-US" altLang="ko-KR" b="0" dirty="0">
+                          <a:latin typeface="나눔스퀘어 Light" panose="020B0600000101010101" pitchFamily="50" charset="-127"/>
+                          <a:ea typeface="나눔스퀘어 Light" panose="020B0600000101010101" pitchFamily="50" charset="-127"/>
+                        </a:rPr>
+                        <a:t>2</a:t>
+                      </a:r>
+                      <a:endParaRPr lang="ko-KR" altLang="en-US" b="0" dirty="0">
+                        <a:latin typeface="나눔스퀘어 Light" panose="020B0600000101010101" pitchFamily="50" charset="-127"/>
+                        <a:ea typeface="나눔스퀘어 Light" panose="020B0600000101010101" pitchFamily="50" charset="-127"/>
+                      </a:endParaRPr>
+                    </a:p>
+                  </a:txBody>
+                  <a:tcPr/>
+                </a:tc>
+                <a:tc>
+                  <a:txBody>
+                    <a:bodyPr/>
+                    <a:lstStyle/>
+                    <a:p>
+                      <a:pPr algn="ctr" latinLnBrk="1"/>
+                      <a:r>
+                        <a:rPr lang="en-US" altLang="ko-KR" b="0" dirty="0">
+                          <a:latin typeface="나눔스퀘어 Light" panose="020B0600000101010101" pitchFamily="50" charset="-127"/>
+                          <a:ea typeface="나눔스퀘어 Light" panose="020B0600000101010101" pitchFamily="50" charset="-127"/>
+                        </a:rPr>
+                        <a:t>4</a:t>
+                      </a:r>
+                      <a:endParaRPr lang="ko-KR" altLang="en-US" b="0" dirty="0">
+                        <a:latin typeface="나눔스퀘어 Light" panose="020B0600000101010101" pitchFamily="50" charset="-127"/>
+                        <a:ea typeface="나눔스퀘어 Light" panose="020B0600000101010101" pitchFamily="50" charset="-127"/>
+                      </a:endParaRPr>
+                    </a:p>
+                  </a:txBody>
+                  <a:tcPr/>
+                </a:tc>
+                <a:tc>
+                  <a:txBody>
+                    <a:bodyPr/>
+                    <a:lstStyle/>
+                    <a:p>
+                      <a:pPr algn="ctr" latinLnBrk="1"/>
+                      <a:r>
+                        <a:rPr lang="en-US" altLang="ko-KR" b="0" dirty="0">
+                          <a:latin typeface="나눔스퀘어 Light" panose="020B0600000101010101" pitchFamily="50" charset="-127"/>
+                          <a:ea typeface="나눔스퀘어 Light" panose="020B0600000101010101" pitchFamily="50" charset="-127"/>
+                        </a:rPr>
+                        <a:t>…</a:t>
+                      </a:r>
+                      <a:endParaRPr lang="ko-KR" altLang="en-US" b="0" dirty="0">
+                        <a:latin typeface="나눔스퀘어 Light" panose="020B0600000101010101" pitchFamily="50" charset="-127"/>
+                        <a:ea typeface="나눔스퀘어 Light" panose="020B0600000101010101" pitchFamily="50" charset="-127"/>
+                      </a:endParaRPr>
+                    </a:p>
+                  </a:txBody>
+                  <a:tcPr/>
+                </a:tc>
+                <a:tc>
+                  <a:txBody>
+                    <a:bodyPr/>
+                    <a:lstStyle/>
+                    <a:p>
+                      <a:pPr algn="ctr" latinLnBrk="1"/>
+                      <a:r>
+                        <a:rPr lang="en-US" altLang="ko-KR" b="0" dirty="0">
+                          <a:latin typeface="나눔스퀘어 Light" panose="020B0600000101010101" pitchFamily="50" charset="-127"/>
+                          <a:ea typeface="나눔스퀘어 Light" panose="020B0600000101010101" pitchFamily="50" charset="-127"/>
+                        </a:rPr>
+                        <a:t>6</a:t>
+                      </a:r>
+                      <a:endParaRPr lang="ko-KR" altLang="en-US" b="0" dirty="0">
+                        <a:latin typeface="나눔스퀘어 Light" panose="020B0600000101010101" pitchFamily="50" charset="-127"/>
+                        <a:ea typeface="나눔스퀘어 Light" panose="020B0600000101010101" pitchFamily="50" charset="-127"/>
+                      </a:endParaRPr>
+                    </a:p>
+                  </a:txBody>
+                  <a:tcPr/>
+                </a:tc>
+                <a:extLst>
+                  <a:ext uri="{0D108BD9-81ED-4DB2-BD59-A6C34878D82A}">
+                    <a16:rowId xmlns:a16="http://schemas.microsoft.com/office/drawing/2014/main" val="2178751425"/>
+                  </a:ext>
+                </a:extLst>
+              </a:tr>
+            </a:tbl>
+          </a:graphicData>
+        </a:graphic>
+      </p:graphicFrame>
+      <p:sp>
+        <p:nvSpPr>
+          <p:cNvPr id="9" name="TextBox 8">
+            <a:extLst>
+              <a:ext uri="{FF2B5EF4-FFF2-40B4-BE49-F238E27FC236}">
+                <a16:creationId xmlns:a16="http://schemas.microsoft.com/office/drawing/2014/main" id="{ECCD1118-8AC5-4000-A2FD-A315A0272CA4}"/>
+              </a:ext>
+            </a:extLst>
+          </p:cNvPr>
+          <p:cNvSpPr txBox="1"/>
+          <p:nvPr/>
+        </p:nvSpPr>
+        <p:spPr>
+          <a:xfrm>
+            <a:off x="942387" y="5185536"/>
+            <a:ext cx="10313217" cy="369332"/>
+          </a:xfrm>
+          <a:prstGeom prst="rect">
+            <a:avLst/>
+          </a:prstGeom>
+          <a:noFill/>
+        </p:spPr>
+        <p:txBody>
+          <a:bodyPr wrap="square" rtlCol="0">
+            <a:spAutoFit/>
+          </a:bodyPr>
+          <a:lstStyle/>
+          <a:p>
+            <a:r>
+              <a:rPr lang="ko-KR" altLang="en-US" dirty="0">
+                <a:latin typeface="나눔스퀘어 Light" panose="020B0600000101010101" pitchFamily="50" charset="-127"/>
+                <a:ea typeface="나눔스퀘어 Light" panose="020B0600000101010101" pitchFamily="50" charset="-127"/>
+              </a:rPr>
+              <a:t>만약</a:t>
+            </a:r>
+            <a:r>
+              <a:rPr lang="en-US" altLang="ko-KR" dirty="0">
+                <a:latin typeface="나눔스퀘어 Light" panose="020B0600000101010101" pitchFamily="50" charset="-127"/>
+                <a:ea typeface="나눔스퀘어 Light" panose="020B0600000101010101" pitchFamily="50" charset="-127"/>
+              </a:rPr>
+              <a:t>, index – 1 </a:t>
+            </a:r>
+            <a:r>
+              <a:rPr lang="ko-KR" altLang="en-US" dirty="0">
+                <a:latin typeface="나눔스퀘어 Light" panose="020B0600000101010101" pitchFamily="50" charset="-127"/>
+                <a:ea typeface="나눔스퀘어 Light" panose="020B0600000101010101" pitchFamily="50" charset="-127"/>
+              </a:rPr>
+              <a:t>까지의 </a:t>
+            </a:r>
+            <a:r>
+              <a:rPr lang="en-US" altLang="ko-KR" dirty="0">
+                <a:latin typeface="나눔스퀘어 Light" panose="020B0600000101010101" pitchFamily="50" charset="-127"/>
+                <a:ea typeface="나눔스퀘어 Light" panose="020B0600000101010101" pitchFamily="50" charset="-127"/>
+              </a:rPr>
+              <a:t>LIS</a:t>
+            </a:r>
+            <a:r>
+              <a:rPr lang="ko-KR" altLang="en-US" dirty="0">
+                <a:latin typeface="나눔스퀘어 Light" panose="020B0600000101010101" pitchFamily="50" charset="-127"/>
+                <a:ea typeface="나눔스퀘어 Light" panose="020B0600000101010101" pitchFamily="50" charset="-127"/>
+              </a:rPr>
+              <a:t>의 길이가 </a:t>
+            </a:r>
+            <a:r>
+              <a:rPr lang="en-US" altLang="ko-KR" dirty="0">
+                <a:latin typeface="나눔스퀘어 Light" panose="020B0600000101010101" pitchFamily="50" charset="-127"/>
+                <a:ea typeface="나눔스퀘어 Light" panose="020B0600000101010101" pitchFamily="50" charset="-127"/>
+              </a:rPr>
+              <a:t>3 </a:t>
+            </a:r>
+            <a:r>
+              <a:rPr lang="ko-KR" altLang="en-US" dirty="0">
+                <a:latin typeface="나눔스퀘어 Light" panose="020B0600000101010101" pitchFamily="50" charset="-127"/>
+                <a:ea typeface="나눔스퀘어 Light" panose="020B0600000101010101" pitchFamily="50" charset="-127"/>
+              </a:rPr>
+              <a:t>임을 알고 있다면</a:t>
             </a:r>
             <a:r>
               <a:rPr lang="en-US" altLang="ko-KR" dirty="0">
@@ -19800,21 +20139,21 @@
                 <a:latin typeface="나눔스퀘어 Light" panose="020B0600000101010101" pitchFamily="50" charset="-127"/>
                 <a:ea typeface="나눔스퀘어 Light" panose="020B0600000101010101" pitchFamily="50" charset="-127"/>
               </a:rPr>
-              <a:t> 에서의 </a:t>
-            </a:r>
-            <a:r>
-              <a:rPr lang="en-US" altLang="ko-KR" dirty="0">
-                <a:latin typeface="나눔스퀘어 Light" panose="020B0600000101010101" pitchFamily="50" charset="-127"/>
-                <a:ea typeface="나눔스퀘어 Light" panose="020B0600000101010101" pitchFamily="50" charset="-127"/>
-              </a:rPr>
-              <a:t>LIS</a:t>
-            </a:r>
-            <a:r>
-              <a:rPr lang="ko-KR" altLang="en-US" dirty="0">
-                <a:latin typeface="나눔스퀘어 Light" panose="020B0600000101010101" pitchFamily="50" charset="-127"/>
-                <a:ea typeface="나눔스퀘어 Light" panose="020B0600000101010101" pitchFamily="50" charset="-127"/>
-              </a:rPr>
-              <a:t>의 길이를 알 수 있습니다</a:t>
+              <a:t>에서의 </a:t>
+            </a:r>
+            <a:r>
+              <a:rPr lang="en-US" altLang="ko-KR" dirty="0">
+                <a:latin typeface="나눔스퀘어 Light" panose="020B0600000101010101" pitchFamily="50" charset="-127"/>
+                <a:ea typeface="나눔스퀘어 Light" panose="020B0600000101010101" pitchFamily="50" charset="-127"/>
+              </a:rPr>
+              <a:t>LIS </a:t>
+            </a:r>
+            <a:r>
+              <a:rPr lang="ko-KR" altLang="en-US" dirty="0">
+                <a:latin typeface="나눔스퀘어 Light" panose="020B0600000101010101" pitchFamily="50" charset="-127"/>
+                <a:ea typeface="나눔스퀘어 Light" panose="020B0600000101010101" pitchFamily="50" charset="-127"/>
+              </a:rPr>
+              <a:t>길이를 구할 수 있습니다</a:t>
             </a:r>
             <a:r>
               <a:rPr lang="en-US" altLang="ko-KR" dirty="0">
@@ -19822,6 +20161,453 @@
                 <a:ea typeface="나눔스퀘어 Light" panose="020B0600000101010101" pitchFamily="50" charset="-127"/>
               </a:rPr>
               <a:t>.</a:t>
+            </a:r>
+            <a:endParaRPr lang="ko-KR" altLang="en-US" dirty="0">
+              <a:latin typeface="나눔스퀘어 Light" panose="020B0600000101010101" pitchFamily="50" charset="-127"/>
+              <a:ea typeface="나눔스퀘어 Light" panose="020B0600000101010101" pitchFamily="50" charset="-127"/>
+            </a:endParaRPr>
+          </a:p>
+        </p:txBody>
+      </p:sp>
+      <p:sp>
+        <p:nvSpPr>
+          <p:cNvPr id="10" name="TextBox 9">
+            <a:extLst>
+              <a:ext uri="{FF2B5EF4-FFF2-40B4-BE49-F238E27FC236}">
+                <a16:creationId xmlns:a16="http://schemas.microsoft.com/office/drawing/2014/main" id="{49E50F23-3628-427D-80DF-B5297E845953}"/>
+              </a:ext>
+            </a:extLst>
+          </p:cNvPr>
+          <p:cNvSpPr txBox="1"/>
+          <p:nvPr/>
+        </p:nvSpPr>
+        <p:spPr>
+          <a:xfrm>
+            <a:off x="4007557" y="3708534"/>
+            <a:ext cx="767646" cy="369332"/>
+          </a:xfrm>
+          <a:prstGeom prst="rect">
+            <a:avLst/>
+          </a:prstGeom>
+          <a:noFill/>
+        </p:spPr>
+        <p:txBody>
+          <a:bodyPr wrap="square" rtlCol="0">
+            <a:spAutoFit/>
+          </a:bodyPr>
+          <a:lstStyle/>
+          <a:p>
+            <a:pPr algn="ctr"/>
+            <a:r>
+              <a:rPr lang="en-US" altLang="ko-KR" dirty="0">
+                <a:latin typeface="나눔스퀘어 Light" panose="020B0600000101010101" pitchFamily="50" charset="-127"/>
+                <a:ea typeface="나눔스퀘어 Light" panose="020B0600000101010101" pitchFamily="50" charset="-127"/>
+              </a:rPr>
+              <a:t>index</a:t>
+            </a:r>
+            <a:endParaRPr lang="ko-KR" altLang="en-US" dirty="0">
+              <a:latin typeface="나눔스퀘어 Light" panose="020B0600000101010101" pitchFamily="50" charset="-127"/>
+              <a:ea typeface="나눔스퀘어 Light" panose="020B0600000101010101" pitchFamily="50" charset="-127"/>
+            </a:endParaRPr>
+          </a:p>
+        </p:txBody>
+      </p:sp>
+      <p:sp>
+        <p:nvSpPr>
+          <p:cNvPr id="3" name="화살표: 아래쪽 2">
+            <a:extLst>
+              <a:ext uri="{FF2B5EF4-FFF2-40B4-BE49-F238E27FC236}">
+                <a16:creationId xmlns:a16="http://schemas.microsoft.com/office/drawing/2014/main" id="{F0A0676D-1277-4E20-A88D-3CC0BE02F29E}"/>
+              </a:ext>
+            </a:extLst>
+          </p:cNvPr>
+          <p:cNvSpPr/>
+          <p:nvPr/>
+        </p:nvSpPr>
+        <p:spPr>
+          <a:xfrm flipV="1">
+            <a:off x="3454399" y="4753005"/>
+            <a:ext cx="338667" cy="370840"/>
+          </a:xfrm>
+          <a:prstGeom prst="downArrow">
+            <a:avLst/>
+          </a:prstGeom>
+        </p:spPr>
+        <p:style>
+          <a:lnRef idx="2">
+            <a:schemeClr val="accent1">
+              <a:shade val="50000"/>
+            </a:schemeClr>
+          </a:lnRef>
+          <a:fillRef idx="1">
+            <a:schemeClr val="accent1"/>
+          </a:fillRef>
+          <a:effectRef idx="0">
+            <a:schemeClr val="accent1"/>
+          </a:effectRef>
+          <a:fontRef idx="minor">
+            <a:schemeClr val="lt1"/>
+          </a:fontRef>
+        </p:style>
+        <p:txBody>
+          <a:bodyPr rtlCol="0" anchor="ctr"/>
+          <a:lstStyle/>
+          <a:p>
+            <a:pPr algn="ctr"/>
+            <a:endParaRPr lang="ko-KR" altLang="en-US"/>
+          </a:p>
+        </p:txBody>
+      </p:sp>
+      <p:graphicFrame>
+        <p:nvGraphicFramePr>
+          <p:cNvPr id="12" name="표 2">
+            <a:extLst>
+              <a:ext uri="{FF2B5EF4-FFF2-40B4-BE49-F238E27FC236}">
+                <a16:creationId xmlns:a16="http://schemas.microsoft.com/office/drawing/2014/main" id="{458F5590-6810-468D-BEFB-B50DE97BE70B}"/>
+              </a:ext>
+            </a:extLst>
+          </p:cNvPr>
+          <p:cNvGraphicFramePr>
+            <a:graphicFrameLocks noGrp="1"/>
+          </p:cNvGraphicFramePr>
+          <p:nvPr>
+            <p:extLst>
+              <p:ext uri="{D42A27DB-BD31-4B8C-83A1-F6EECF244321}">
+                <p14:modId xmlns:p14="http://schemas.microsoft.com/office/powerpoint/2010/main" val="657319552"/>
+              </p:ext>
+            </p:extLst>
+          </p:nvPr>
+        </p:nvGraphicFramePr>
+        <p:xfrm>
+          <a:off x="6096000" y="4166911"/>
+          <a:ext cx="3832815" cy="370840"/>
+        </p:xfrm>
+        <a:graphic>
+          <a:graphicData uri="http://schemas.openxmlformats.org/drawingml/2006/table">
+            <a:tbl>
+              <a:tblPr firstRow="1" bandRow="1">
+                <a:tableStyleId>{5C22544A-7EE6-4342-B048-85BDC9FD1C3A}</a:tableStyleId>
+              </a:tblPr>
+              <a:tblGrid>
+                <a:gridCol w="766563">
+                  <a:extLst>
+                    <a:ext uri="{9D8B030D-6E8A-4147-A177-3AD203B41FA5}">
+                      <a16:colId xmlns:a16="http://schemas.microsoft.com/office/drawing/2014/main" val="161864414"/>
+                    </a:ext>
+                  </a:extLst>
+                </a:gridCol>
+                <a:gridCol w="766563">
+                  <a:extLst>
+                    <a:ext uri="{9D8B030D-6E8A-4147-A177-3AD203B41FA5}">
+                      <a16:colId xmlns:a16="http://schemas.microsoft.com/office/drawing/2014/main" val="1564010514"/>
+                    </a:ext>
+                  </a:extLst>
+                </a:gridCol>
+                <a:gridCol w="766563">
+                  <a:extLst>
+                    <a:ext uri="{9D8B030D-6E8A-4147-A177-3AD203B41FA5}">
+                      <a16:colId xmlns:a16="http://schemas.microsoft.com/office/drawing/2014/main" val="1697722932"/>
+                    </a:ext>
+                  </a:extLst>
+                </a:gridCol>
+                <a:gridCol w="766563">
+                  <a:extLst>
+                    <a:ext uri="{9D8B030D-6E8A-4147-A177-3AD203B41FA5}">
+                      <a16:colId xmlns:a16="http://schemas.microsoft.com/office/drawing/2014/main" val="2034512798"/>
+                    </a:ext>
+                  </a:extLst>
+                </a:gridCol>
+                <a:gridCol w="766563">
+                  <a:extLst>
+                    <a:ext uri="{9D8B030D-6E8A-4147-A177-3AD203B41FA5}">
+                      <a16:colId xmlns:a16="http://schemas.microsoft.com/office/drawing/2014/main" val="38723595"/>
+                    </a:ext>
+                  </a:extLst>
+                </a:gridCol>
+              </a:tblGrid>
+              <a:tr h="370840">
+                <a:tc>
+                  <a:txBody>
+                    <a:bodyPr/>
+                    <a:lstStyle/>
+                    <a:p>
+                      <a:pPr algn="ctr" latinLnBrk="1"/>
+                      <a:r>
+                        <a:rPr lang="en-US" altLang="ko-KR" b="0" dirty="0">
+                          <a:latin typeface="나눔스퀘어 Light" panose="020B0600000101010101" pitchFamily="50" charset="-127"/>
+                          <a:ea typeface="나눔스퀘어 Light" panose="020B0600000101010101" pitchFamily="50" charset="-127"/>
+                        </a:rPr>
+                        <a:t>1</a:t>
+                      </a:r>
+                      <a:endParaRPr lang="ko-KR" altLang="en-US" b="0" dirty="0">
+                        <a:latin typeface="나눔스퀘어 Light" panose="020B0600000101010101" pitchFamily="50" charset="-127"/>
+                        <a:ea typeface="나눔스퀘어 Light" panose="020B0600000101010101" pitchFamily="50" charset="-127"/>
+                      </a:endParaRPr>
+                    </a:p>
+                  </a:txBody>
+                  <a:tcPr/>
+                </a:tc>
+                <a:tc>
+                  <a:txBody>
+                    <a:bodyPr/>
+                    <a:lstStyle/>
+                    <a:p>
+                      <a:pPr algn="ctr" latinLnBrk="1"/>
+                      <a:r>
+                        <a:rPr lang="en-US" altLang="ko-KR" b="0" dirty="0">
+                          <a:latin typeface="나눔스퀘어 Light" panose="020B0600000101010101" pitchFamily="50" charset="-127"/>
+                          <a:ea typeface="나눔스퀘어 Light" panose="020B0600000101010101" pitchFamily="50" charset="-127"/>
+                        </a:rPr>
+                        <a:t>2</a:t>
+                      </a:r>
+                      <a:endParaRPr lang="ko-KR" altLang="en-US" b="0" dirty="0">
+                        <a:latin typeface="나눔스퀘어 Light" panose="020B0600000101010101" pitchFamily="50" charset="-127"/>
+                        <a:ea typeface="나눔스퀘어 Light" panose="020B0600000101010101" pitchFamily="50" charset="-127"/>
+                      </a:endParaRPr>
+                    </a:p>
+                  </a:txBody>
+                  <a:tcPr/>
+                </a:tc>
+                <a:tc>
+                  <a:txBody>
+                    <a:bodyPr/>
+                    <a:lstStyle/>
+                    <a:p>
+                      <a:pPr algn="ctr" latinLnBrk="1"/>
+                      <a:r>
+                        <a:rPr lang="en-US" altLang="ko-KR" b="0" dirty="0">
+                          <a:latin typeface="나눔스퀘어 Light" panose="020B0600000101010101" pitchFamily="50" charset="-127"/>
+                          <a:ea typeface="나눔스퀘어 Light" panose="020B0600000101010101" pitchFamily="50" charset="-127"/>
+                        </a:rPr>
+                        <a:t>4</a:t>
+                      </a:r>
+                      <a:endParaRPr lang="ko-KR" altLang="en-US" b="0" dirty="0">
+                        <a:latin typeface="나눔스퀘어 Light" panose="020B0600000101010101" pitchFamily="50" charset="-127"/>
+                        <a:ea typeface="나눔스퀘어 Light" panose="020B0600000101010101" pitchFamily="50" charset="-127"/>
+                      </a:endParaRPr>
+                    </a:p>
+                  </a:txBody>
+                  <a:tcPr/>
+                </a:tc>
+                <a:tc>
+                  <a:txBody>
+                    <a:bodyPr/>
+                    <a:lstStyle/>
+                    <a:p>
+                      <a:pPr algn="ctr" latinLnBrk="1"/>
+                      <a:r>
+                        <a:rPr lang="en-US" altLang="ko-KR" b="0" dirty="0">
+                          <a:latin typeface="나눔스퀘어 Light" panose="020B0600000101010101" pitchFamily="50" charset="-127"/>
+                          <a:ea typeface="나눔스퀘어 Light" panose="020B0600000101010101" pitchFamily="50" charset="-127"/>
+                        </a:rPr>
+                        <a:t>…</a:t>
+                      </a:r>
+                      <a:endParaRPr lang="ko-KR" altLang="en-US" b="0" dirty="0">
+                        <a:latin typeface="나눔스퀘어 Light" panose="020B0600000101010101" pitchFamily="50" charset="-127"/>
+                        <a:ea typeface="나눔스퀘어 Light" panose="020B0600000101010101" pitchFamily="50" charset="-127"/>
+                      </a:endParaRPr>
+                    </a:p>
+                  </a:txBody>
+                  <a:tcPr/>
+                </a:tc>
+                <a:tc>
+                  <a:txBody>
+                    <a:bodyPr/>
+                    <a:lstStyle/>
+                    <a:p>
+                      <a:pPr algn="ctr" latinLnBrk="1"/>
+                      <a:r>
+                        <a:rPr lang="en-US" altLang="ko-KR" b="0" dirty="0">
+                          <a:latin typeface="나눔스퀘어 Light" panose="020B0600000101010101" pitchFamily="50" charset="-127"/>
+                          <a:ea typeface="나눔스퀘어 Light" panose="020B0600000101010101" pitchFamily="50" charset="-127"/>
+                        </a:rPr>
+                        <a:t>3</a:t>
+                      </a:r>
+                      <a:endParaRPr lang="ko-KR" altLang="en-US" b="0" dirty="0">
+                        <a:latin typeface="나눔스퀘어 Light" panose="020B0600000101010101" pitchFamily="50" charset="-127"/>
+                        <a:ea typeface="나눔스퀘어 Light" panose="020B0600000101010101" pitchFamily="50" charset="-127"/>
+                      </a:endParaRPr>
+                    </a:p>
+                  </a:txBody>
+                  <a:tcPr/>
+                </a:tc>
+                <a:extLst>
+                  <a:ext uri="{0D108BD9-81ED-4DB2-BD59-A6C34878D82A}">
+                    <a16:rowId xmlns:a16="http://schemas.microsoft.com/office/drawing/2014/main" val="2178751425"/>
+                  </a:ext>
+                </a:extLst>
+              </a:tr>
+            </a:tbl>
+          </a:graphicData>
+        </a:graphic>
+      </p:graphicFrame>
+      <p:sp>
+        <p:nvSpPr>
+          <p:cNvPr id="13" name="TextBox 12">
+            <a:extLst>
+              <a:ext uri="{FF2B5EF4-FFF2-40B4-BE49-F238E27FC236}">
+                <a16:creationId xmlns:a16="http://schemas.microsoft.com/office/drawing/2014/main" id="{A6361AE8-9953-467B-8F2E-74859EF376FE}"/>
+              </a:ext>
+            </a:extLst>
+          </p:cNvPr>
+          <p:cNvSpPr txBox="1"/>
+          <p:nvPr/>
+        </p:nvSpPr>
+        <p:spPr>
+          <a:xfrm>
+            <a:off x="9161170" y="3708534"/>
+            <a:ext cx="767646" cy="369332"/>
+          </a:xfrm>
+          <a:prstGeom prst="rect">
+            <a:avLst/>
+          </a:prstGeom>
+          <a:noFill/>
+        </p:spPr>
+        <p:txBody>
+          <a:bodyPr wrap="square" rtlCol="0">
+            <a:spAutoFit/>
+          </a:bodyPr>
+          <a:lstStyle/>
+          <a:p>
+            <a:pPr algn="ctr"/>
+            <a:r>
+              <a:rPr lang="en-US" altLang="ko-KR" dirty="0">
+                <a:latin typeface="나눔스퀘어 Light" panose="020B0600000101010101" pitchFamily="50" charset="-127"/>
+                <a:ea typeface="나눔스퀘어 Light" panose="020B0600000101010101" pitchFamily="50" charset="-127"/>
+              </a:rPr>
+              <a:t>index</a:t>
+            </a:r>
+            <a:endParaRPr lang="ko-KR" altLang="en-US" dirty="0">
+              <a:latin typeface="나눔스퀘어 Light" panose="020B0600000101010101" pitchFamily="50" charset="-127"/>
+              <a:ea typeface="나눔스퀘어 Light" panose="020B0600000101010101" pitchFamily="50" charset="-127"/>
+            </a:endParaRPr>
+          </a:p>
+        </p:txBody>
+      </p:sp>
+      <p:sp>
+        <p:nvSpPr>
+          <p:cNvPr id="14" name="화살표: 아래쪽 13">
+            <a:extLst>
+              <a:ext uri="{FF2B5EF4-FFF2-40B4-BE49-F238E27FC236}">
+                <a16:creationId xmlns:a16="http://schemas.microsoft.com/office/drawing/2014/main" id="{716C7A34-C19F-40F5-8B36-9E13F2E14599}"/>
+              </a:ext>
+            </a:extLst>
+          </p:cNvPr>
+          <p:cNvSpPr/>
+          <p:nvPr/>
+        </p:nvSpPr>
+        <p:spPr>
+          <a:xfrm flipV="1">
+            <a:off x="8608012" y="4753005"/>
+            <a:ext cx="338667" cy="370840"/>
+          </a:xfrm>
+          <a:prstGeom prst="downArrow">
+            <a:avLst/>
+          </a:prstGeom>
+        </p:spPr>
+        <p:style>
+          <a:lnRef idx="2">
+            <a:schemeClr val="accent1">
+              <a:shade val="50000"/>
+            </a:schemeClr>
+          </a:lnRef>
+          <a:fillRef idx="1">
+            <a:schemeClr val="accent1"/>
+          </a:fillRef>
+          <a:effectRef idx="0">
+            <a:schemeClr val="accent1"/>
+          </a:effectRef>
+          <a:fontRef idx="minor">
+            <a:schemeClr val="lt1"/>
+          </a:fontRef>
+        </p:style>
+        <p:txBody>
+          <a:bodyPr rtlCol="0" anchor="ctr"/>
+          <a:lstStyle/>
+          <a:p>
+            <a:pPr algn="ctr"/>
+            <a:endParaRPr lang="ko-KR" altLang="en-US"/>
+          </a:p>
+        </p:txBody>
+      </p:sp>
+      <p:sp>
+        <p:nvSpPr>
+          <p:cNvPr id="16" name="TextBox 15">
+            <a:extLst>
+              <a:ext uri="{FF2B5EF4-FFF2-40B4-BE49-F238E27FC236}">
+                <a16:creationId xmlns:a16="http://schemas.microsoft.com/office/drawing/2014/main" id="{4A8F7DE3-B1B5-42FC-9707-E4B1C068A473}"/>
+              </a:ext>
+            </a:extLst>
+          </p:cNvPr>
+          <p:cNvSpPr txBox="1"/>
+          <p:nvPr/>
+        </p:nvSpPr>
+        <p:spPr>
+          <a:xfrm>
+            <a:off x="3951116" y="4676977"/>
+            <a:ext cx="880532" cy="369332"/>
+          </a:xfrm>
+          <a:prstGeom prst="rect">
+            <a:avLst/>
+          </a:prstGeom>
+          <a:noFill/>
+        </p:spPr>
+        <p:txBody>
+          <a:bodyPr wrap="square" rtlCol="0">
+            <a:spAutoFit/>
+          </a:bodyPr>
+          <a:lstStyle/>
+          <a:p>
+            <a:pPr algn="ctr"/>
+            <a:r>
+              <a:rPr lang="en-US" altLang="ko-KR" dirty="0">
+                <a:latin typeface="나눔스퀘어 Light" panose="020B0600000101010101" pitchFamily="50" charset="-127"/>
+                <a:ea typeface="나눔스퀘어 Light" panose="020B0600000101010101" pitchFamily="50" charset="-127"/>
+              </a:rPr>
+              <a:t>LIS : 4</a:t>
+            </a:r>
+            <a:endParaRPr lang="ko-KR" altLang="en-US" dirty="0">
+              <a:latin typeface="나눔스퀘어 Light" panose="020B0600000101010101" pitchFamily="50" charset="-127"/>
+              <a:ea typeface="나눔스퀘어 Light" panose="020B0600000101010101" pitchFamily="50" charset="-127"/>
+            </a:endParaRPr>
+          </a:p>
+        </p:txBody>
+      </p:sp>
+      <p:sp>
+        <p:nvSpPr>
+          <p:cNvPr id="17" name="TextBox 16">
+            <a:extLst>
+              <a:ext uri="{FF2B5EF4-FFF2-40B4-BE49-F238E27FC236}">
+                <a16:creationId xmlns:a16="http://schemas.microsoft.com/office/drawing/2014/main" id="{1206481A-6801-4E8A-A9B5-37336384FEE9}"/>
+              </a:ext>
+            </a:extLst>
+          </p:cNvPr>
+          <p:cNvSpPr txBox="1"/>
+          <p:nvPr/>
+        </p:nvSpPr>
+        <p:spPr>
+          <a:xfrm>
+            <a:off x="9104727" y="4676977"/>
+            <a:ext cx="880532" cy="369332"/>
+          </a:xfrm>
+          <a:prstGeom prst="rect">
+            <a:avLst/>
+          </a:prstGeom>
+          <a:noFill/>
+        </p:spPr>
+        <p:txBody>
+          <a:bodyPr wrap="square" rtlCol="0">
+            <a:spAutoFit/>
+          </a:bodyPr>
+          <a:lstStyle/>
+          <a:p>
+            <a:pPr algn="ctr"/>
+            <a:r>
+              <a:rPr lang="en-US" altLang="ko-KR" dirty="0">
+                <a:latin typeface="나눔스퀘어 Light" panose="020B0600000101010101" pitchFamily="50" charset="-127"/>
+                <a:ea typeface="나눔스퀘어 Light" panose="020B0600000101010101" pitchFamily="50" charset="-127"/>
+              </a:rPr>
+              <a:t>LIS : 3</a:t>
             </a:r>
             <a:endParaRPr lang="ko-KR" altLang="en-US" dirty="0">
               <a:latin typeface="나눔스퀘어 Light" panose="020B0600000101010101" pitchFamily="50" charset="-127"/>
@@ -19844,6 +20630,1146 @@
 </file>
 
 <file path=ppt/slides/slide31.xml><?xml version="1.0" encoding="utf-8"?>
+<p:sld xmlns:a="http://schemas.openxmlformats.org/drawingml/2006/main" xmlns:r="http://schemas.openxmlformats.org/officeDocument/2006/relationships" xmlns:p="http://schemas.openxmlformats.org/presentationml/2006/main">
+  <p:cSld>
+    <p:spTree>
+      <p:nvGrpSpPr>
+        <p:cNvPr id="1" name=""/>
+        <p:cNvGrpSpPr/>
+        <p:nvPr/>
+      </p:nvGrpSpPr>
+      <p:grpSpPr>
+        <a:xfrm>
+          <a:off x="0" y="0"/>
+          <a:ext cx="0" cy="0"/>
+          <a:chOff x="0" y="0"/>
+          <a:chExt cx="0" cy="0"/>
+        </a:xfrm>
+      </p:grpSpPr>
+      <p:cxnSp>
+        <p:nvCxnSpPr>
+          <p:cNvPr id="5" name="직선 연결선 4">
+            <a:extLst>
+              <a:ext uri="{FF2B5EF4-FFF2-40B4-BE49-F238E27FC236}">
+                <a16:creationId xmlns:a16="http://schemas.microsoft.com/office/drawing/2014/main" id="{164C2827-EFCE-69A4-D037-1A218415F568}"/>
+              </a:ext>
+            </a:extLst>
+          </p:cNvPr>
+          <p:cNvCxnSpPr/>
+          <p:nvPr/>
+        </p:nvCxnSpPr>
+        <p:spPr>
+          <a:xfrm>
+            <a:off x="0" y="887505"/>
+            <a:ext cx="10237694" cy="0"/>
+          </a:xfrm>
+          <a:prstGeom prst="line">
+            <a:avLst/>
+          </a:prstGeom>
+          <a:ln w="76200">
+            <a:solidFill>
+              <a:schemeClr val="tx1">
+                <a:lumMod val="75000"/>
+                <a:lumOff val="25000"/>
+              </a:schemeClr>
+            </a:solidFill>
+          </a:ln>
+        </p:spPr>
+        <p:style>
+          <a:lnRef idx="1">
+            <a:schemeClr val="accent1"/>
+          </a:lnRef>
+          <a:fillRef idx="0">
+            <a:schemeClr val="accent1"/>
+          </a:fillRef>
+          <a:effectRef idx="0">
+            <a:schemeClr val="accent1"/>
+          </a:effectRef>
+          <a:fontRef idx="minor">
+            <a:schemeClr val="tx1"/>
+          </a:fontRef>
+        </p:style>
+      </p:cxnSp>
+      <p:sp>
+        <p:nvSpPr>
+          <p:cNvPr id="4" name="TextBox 3">
+            <a:extLst>
+              <a:ext uri="{FF2B5EF4-FFF2-40B4-BE49-F238E27FC236}">
+                <a16:creationId xmlns:a16="http://schemas.microsoft.com/office/drawing/2014/main" id="{59D13859-3C4A-53F0-C48F-C6B9095BD065}"/>
+              </a:ext>
+            </a:extLst>
+          </p:cNvPr>
+          <p:cNvSpPr txBox="1"/>
+          <p:nvPr/>
+        </p:nvSpPr>
+        <p:spPr>
+          <a:xfrm>
+            <a:off x="331694" y="179902"/>
+            <a:ext cx="9506833" cy="523220"/>
+          </a:xfrm>
+          <a:prstGeom prst="rect">
+            <a:avLst/>
+          </a:prstGeom>
+          <a:noFill/>
+        </p:spPr>
+        <p:txBody>
+          <a:bodyPr wrap="none" rtlCol="0">
+            <a:spAutoFit/>
+          </a:bodyPr>
+          <a:lstStyle/>
+          <a:p>
+            <a:r>
+              <a:rPr lang="en-US" altLang="ko-KR" sz="2800" dirty="0">
+                <a:latin typeface="나눔스퀘어 Bold" panose="020B0600000101010101" pitchFamily="50" charset="-127"/>
+                <a:ea typeface="나눔스퀘어 Bold" panose="020B0600000101010101" pitchFamily="50" charset="-127"/>
+              </a:rPr>
+              <a:t>Dynamic Programming – 11053 </a:t>
+            </a:r>
+            <a:r>
+              <a:rPr lang="ko-KR" altLang="en-US" sz="2800" dirty="0">
+                <a:latin typeface="나눔스퀘어 Bold" panose="020B0600000101010101" pitchFamily="50" charset="-127"/>
+                <a:ea typeface="나눔스퀘어 Bold" panose="020B0600000101010101" pitchFamily="50" charset="-127"/>
+              </a:rPr>
+              <a:t>가장 긴 증가하는 부분 수열</a:t>
+            </a:r>
+          </a:p>
+        </p:txBody>
+      </p:sp>
+      <p:sp>
+        <p:nvSpPr>
+          <p:cNvPr id="6" name="TextBox 5">
+            <a:extLst>
+              <a:ext uri="{FF2B5EF4-FFF2-40B4-BE49-F238E27FC236}">
+                <a16:creationId xmlns:a16="http://schemas.microsoft.com/office/drawing/2014/main" id="{4234B7FF-D1A4-45D7-A12D-0C886A99812A}"/>
+              </a:ext>
+            </a:extLst>
+          </p:cNvPr>
+          <p:cNvSpPr txBox="1"/>
+          <p:nvPr/>
+        </p:nvSpPr>
+        <p:spPr>
+          <a:xfrm>
+            <a:off x="942387" y="1190024"/>
+            <a:ext cx="10313217" cy="369332"/>
+          </a:xfrm>
+          <a:prstGeom prst="rect">
+            <a:avLst/>
+          </a:prstGeom>
+          <a:noFill/>
+        </p:spPr>
+        <p:txBody>
+          <a:bodyPr wrap="square" rtlCol="0">
+            <a:spAutoFit/>
+          </a:bodyPr>
+          <a:lstStyle/>
+          <a:p>
+            <a:r>
+              <a:rPr lang="en-US" altLang="ko-KR" dirty="0">
+                <a:latin typeface="나눔스퀘어 Light" panose="020B0600000101010101" pitchFamily="50" charset="-127"/>
+                <a:ea typeface="나눔스퀘어 Light" panose="020B0600000101010101" pitchFamily="50" charset="-127"/>
+              </a:rPr>
+              <a:t>DP </a:t>
+            </a:r>
+            <a:r>
+              <a:rPr lang="ko-KR" altLang="en-US" dirty="0">
+                <a:latin typeface="나눔스퀘어 Light" panose="020B0600000101010101" pitchFamily="50" charset="-127"/>
+                <a:ea typeface="나눔스퀘어 Light" panose="020B0600000101010101" pitchFamily="50" charset="-127"/>
+              </a:rPr>
+              <a:t>대표 문제 중 하나인 </a:t>
+            </a:r>
+            <a:r>
+              <a:rPr lang="en-US" altLang="ko-KR" dirty="0">
+                <a:latin typeface="나눔스퀘어 Light" panose="020B0600000101010101" pitchFamily="50" charset="-127"/>
+                <a:ea typeface="나눔스퀘어 Light" panose="020B0600000101010101" pitchFamily="50" charset="-127"/>
+              </a:rPr>
+              <a:t>LIS(Longest Increasing Subsequence) </a:t>
+            </a:r>
+            <a:r>
+              <a:rPr lang="ko-KR" altLang="en-US" dirty="0">
+                <a:latin typeface="나눔스퀘어 Light" panose="020B0600000101010101" pitchFamily="50" charset="-127"/>
+                <a:ea typeface="나눔스퀘어 Light" panose="020B0600000101010101" pitchFamily="50" charset="-127"/>
+              </a:rPr>
+              <a:t>문제</a:t>
+            </a:r>
+          </a:p>
+        </p:txBody>
+      </p:sp>
+      <p:sp>
+        <p:nvSpPr>
+          <p:cNvPr id="7" name="TextBox 6">
+            <a:extLst>
+              <a:ext uri="{FF2B5EF4-FFF2-40B4-BE49-F238E27FC236}">
+                <a16:creationId xmlns:a16="http://schemas.microsoft.com/office/drawing/2014/main" id="{4270AC9A-5079-4E24-9B99-6CD3A9B726A5}"/>
+              </a:ext>
+            </a:extLst>
+          </p:cNvPr>
+          <p:cNvSpPr txBox="1"/>
+          <p:nvPr/>
+        </p:nvSpPr>
+        <p:spPr>
+          <a:xfrm>
+            <a:off x="942387" y="1861874"/>
+            <a:ext cx="10313217" cy="369332"/>
+          </a:xfrm>
+          <a:prstGeom prst="rect">
+            <a:avLst/>
+          </a:prstGeom>
+          <a:noFill/>
+        </p:spPr>
+        <p:txBody>
+          <a:bodyPr wrap="square" rtlCol="0">
+            <a:spAutoFit/>
+          </a:bodyPr>
+          <a:lstStyle/>
+          <a:p>
+            <a:r>
+              <a:rPr lang="ko-KR" altLang="en-US" dirty="0">
+                <a:latin typeface="나눔스퀘어 Light" panose="020B0600000101010101" pitchFamily="50" charset="-127"/>
+                <a:ea typeface="나눔스퀘어 Light" panose="020B0600000101010101" pitchFamily="50" charset="-127"/>
+              </a:rPr>
+              <a:t>각 시점</a:t>
+            </a:r>
+            <a:r>
+              <a:rPr lang="en-US" altLang="ko-KR" dirty="0">
+                <a:latin typeface="나눔스퀘어 Light" panose="020B0600000101010101" pitchFamily="50" charset="-127"/>
+                <a:ea typeface="나눔스퀘어 Light" panose="020B0600000101010101" pitchFamily="50" charset="-127"/>
+              </a:rPr>
+              <a:t>(</a:t>
+            </a:r>
+            <a:r>
+              <a:rPr lang="ko-KR" altLang="en-US" dirty="0">
+                <a:latin typeface="나눔스퀘어 Light" panose="020B0600000101010101" pitchFamily="50" charset="-127"/>
+                <a:ea typeface="나눔스퀘어 Light" panose="020B0600000101010101" pitchFamily="50" charset="-127"/>
+              </a:rPr>
+              <a:t>배열 </a:t>
+            </a:r>
+            <a:r>
+              <a:rPr lang="en-US" altLang="ko-KR" dirty="0">
+                <a:latin typeface="나눔스퀘어 Light" panose="020B0600000101010101" pitchFamily="50" charset="-127"/>
+                <a:ea typeface="나눔스퀘어 Light" panose="020B0600000101010101" pitchFamily="50" charset="-127"/>
+              </a:rPr>
+              <a:t>index)</a:t>
+            </a:r>
+            <a:r>
+              <a:rPr lang="ko-KR" altLang="en-US" dirty="0">
+                <a:latin typeface="나눔스퀘어 Light" panose="020B0600000101010101" pitchFamily="50" charset="-127"/>
+                <a:ea typeface="나눔스퀘어 Light" panose="020B0600000101010101" pitchFamily="50" charset="-127"/>
+              </a:rPr>
+              <a:t>에서 까지의 </a:t>
+            </a:r>
+            <a:r>
+              <a:rPr lang="en-US" altLang="ko-KR" dirty="0">
+                <a:latin typeface="나눔스퀘어 Light" panose="020B0600000101010101" pitchFamily="50" charset="-127"/>
+                <a:ea typeface="나눔스퀘어 Light" panose="020B0600000101010101" pitchFamily="50" charset="-127"/>
+              </a:rPr>
+              <a:t>LIS</a:t>
+            </a:r>
+            <a:r>
+              <a:rPr lang="ko-KR" altLang="en-US" dirty="0">
+                <a:latin typeface="나눔스퀘어 Light" panose="020B0600000101010101" pitchFamily="50" charset="-127"/>
+                <a:ea typeface="나눔스퀘어 Light" panose="020B0600000101010101" pitchFamily="50" charset="-127"/>
+              </a:rPr>
+              <a:t>의 길이는 어떻게 구할 수 있을까요</a:t>
+            </a:r>
+            <a:r>
+              <a:rPr lang="en-US" altLang="ko-KR" dirty="0">
+                <a:latin typeface="나눔스퀘어 Light" panose="020B0600000101010101" pitchFamily="50" charset="-127"/>
+                <a:ea typeface="나눔스퀘어 Light" panose="020B0600000101010101" pitchFamily="50" charset="-127"/>
+              </a:rPr>
+              <a:t>?</a:t>
+            </a:r>
+            <a:endParaRPr lang="ko-KR" altLang="en-US" dirty="0">
+              <a:latin typeface="나눔스퀘어 Light" panose="020B0600000101010101" pitchFamily="50" charset="-127"/>
+              <a:ea typeface="나눔스퀘어 Light" panose="020B0600000101010101" pitchFamily="50" charset="-127"/>
+            </a:endParaRPr>
+          </a:p>
+        </p:txBody>
+      </p:sp>
+      <p:sp>
+        <p:nvSpPr>
+          <p:cNvPr id="8" name="TextBox 7">
+            <a:extLst>
+              <a:ext uri="{FF2B5EF4-FFF2-40B4-BE49-F238E27FC236}">
+                <a16:creationId xmlns:a16="http://schemas.microsoft.com/office/drawing/2014/main" id="{B9D5332D-CA4B-4CA0-8CC3-A811E8BCCB76}"/>
+              </a:ext>
+            </a:extLst>
+          </p:cNvPr>
+          <p:cNvSpPr txBox="1"/>
+          <p:nvPr/>
+        </p:nvSpPr>
+        <p:spPr>
+          <a:xfrm>
+            <a:off x="942387" y="2231206"/>
+            <a:ext cx="10313217" cy="369332"/>
+          </a:xfrm>
+          <a:prstGeom prst="rect">
+            <a:avLst/>
+          </a:prstGeom>
+          <a:noFill/>
+        </p:spPr>
+        <p:txBody>
+          <a:bodyPr wrap="square" rtlCol="0">
+            <a:spAutoFit/>
+          </a:bodyPr>
+          <a:lstStyle/>
+          <a:p>
+            <a:r>
+              <a:rPr lang="en-US" altLang="ko-KR" dirty="0">
+                <a:solidFill>
+                  <a:srgbClr val="FF0000"/>
+                </a:solidFill>
+                <a:latin typeface="나눔스퀘어 Bold" panose="020B0600000101010101" pitchFamily="50" charset="-127"/>
+                <a:ea typeface="나눔스퀘어 Bold" panose="020B0600000101010101" pitchFamily="50" charset="-127"/>
+              </a:rPr>
+              <a:t>index – 1 </a:t>
+            </a:r>
+            <a:r>
+              <a:rPr lang="ko-KR" altLang="en-US" dirty="0">
+                <a:solidFill>
+                  <a:srgbClr val="FF0000"/>
+                </a:solidFill>
+                <a:latin typeface="나눔스퀘어 Bold" panose="020B0600000101010101" pitchFamily="50" charset="-127"/>
+                <a:ea typeface="나눔스퀘어 Bold" panose="020B0600000101010101" pitchFamily="50" charset="-127"/>
+              </a:rPr>
+              <a:t>까지의 </a:t>
+            </a:r>
+            <a:r>
+              <a:rPr lang="en-US" altLang="ko-KR" dirty="0">
+                <a:solidFill>
+                  <a:srgbClr val="FF0000"/>
+                </a:solidFill>
+                <a:latin typeface="나눔스퀘어 Bold" panose="020B0600000101010101" pitchFamily="50" charset="-127"/>
+                <a:ea typeface="나눔스퀘어 Bold" panose="020B0600000101010101" pitchFamily="50" charset="-127"/>
+              </a:rPr>
+              <a:t>LIS</a:t>
+            </a:r>
+            <a:r>
+              <a:rPr lang="ko-KR" altLang="en-US" dirty="0">
+                <a:solidFill>
+                  <a:srgbClr val="FF0000"/>
+                </a:solidFill>
+                <a:latin typeface="나눔스퀘어 Bold" panose="020B0600000101010101" pitchFamily="50" charset="-127"/>
+                <a:ea typeface="나눔스퀘어 Bold" panose="020B0600000101010101" pitchFamily="50" charset="-127"/>
+              </a:rPr>
+              <a:t>의 길이</a:t>
+            </a:r>
+            <a:r>
+              <a:rPr lang="ko-KR" altLang="en-US" dirty="0">
+                <a:latin typeface="나눔스퀘어 Light" panose="020B0600000101010101" pitchFamily="50" charset="-127"/>
+                <a:ea typeface="나눔스퀘어 Light" panose="020B0600000101010101" pitchFamily="50" charset="-127"/>
+              </a:rPr>
+              <a:t>와 최대값을 </a:t>
+            </a:r>
+            <a:r>
+              <a:rPr lang="ko-KR" altLang="en-US" dirty="0">
+                <a:solidFill>
+                  <a:srgbClr val="FF0000"/>
+                </a:solidFill>
+                <a:latin typeface="나눔스퀘어 Bold" panose="020B0600000101010101" pitchFamily="50" charset="-127"/>
+                <a:ea typeface="나눔스퀘어 Bold" panose="020B0600000101010101" pitchFamily="50" charset="-127"/>
+              </a:rPr>
+              <a:t>알고 있다면</a:t>
+            </a:r>
+            <a:r>
+              <a:rPr lang="en-US" altLang="ko-KR" dirty="0">
+                <a:latin typeface="나눔스퀘어 Light" panose="020B0600000101010101" pitchFamily="50" charset="-127"/>
+                <a:ea typeface="나눔스퀘어 Light" panose="020B0600000101010101" pitchFamily="50" charset="-127"/>
+              </a:rPr>
+              <a:t>, </a:t>
+            </a:r>
+            <a:r>
+              <a:rPr lang="en-US" altLang="ko-KR" dirty="0">
+                <a:latin typeface="나눔스퀘어 Bold" panose="020B0600000101010101" pitchFamily="50" charset="-127"/>
+                <a:ea typeface="나눔스퀘어 Bold" panose="020B0600000101010101" pitchFamily="50" charset="-127"/>
+              </a:rPr>
+              <a:t>index</a:t>
+            </a:r>
+            <a:r>
+              <a:rPr lang="ko-KR" altLang="en-US" dirty="0">
+                <a:latin typeface="나눔스퀘어 Bold" panose="020B0600000101010101" pitchFamily="50" charset="-127"/>
+                <a:ea typeface="나눔스퀘어 Bold" panose="020B0600000101010101" pitchFamily="50" charset="-127"/>
+              </a:rPr>
+              <a:t> 에서의 </a:t>
+            </a:r>
+            <a:r>
+              <a:rPr lang="en-US" altLang="ko-KR" dirty="0">
+                <a:latin typeface="나눔스퀘어 Bold" panose="020B0600000101010101" pitchFamily="50" charset="-127"/>
+                <a:ea typeface="나눔스퀘어 Bold" panose="020B0600000101010101" pitchFamily="50" charset="-127"/>
+              </a:rPr>
+              <a:t>LIS</a:t>
+            </a:r>
+            <a:r>
+              <a:rPr lang="ko-KR" altLang="en-US" dirty="0">
+                <a:latin typeface="나눔스퀘어 Bold" panose="020B0600000101010101" pitchFamily="50" charset="-127"/>
+                <a:ea typeface="나눔스퀘어 Bold" panose="020B0600000101010101" pitchFamily="50" charset="-127"/>
+              </a:rPr>
+              <a:t>의 길이를 알 수 있습니다</a:t>
+            </a:r>
+            <a:r>
+              <a:rPr lang="en-US" altLang="ko-KR" dirty="0">
+                <a:latin typeface="나눔스퀘어 Light" panose="020B0600000101010101" pitchFamily="50" charset="-127"/>
+                <a:ea typeface="나눔스퀘어 Light" panose="020B0600000101010101" pitchFamily="50" charset="-127"/>
+              </a:rPr>
+              <a:t>.</a:t>
+            </a:r>
+            <a:endParaRPr lang="ko-KR" altLang="en-US" dirty="0">
+              <a:latin typeface="나눔스퀘어 Light" panose="020B0600000101010101" pitchFamily="50" charset="-127"/>
+              <a:ea typeface="나눔스퀘어 Light" panose="020B0600000101010101" pitchFamily="50" charset="-127"/>
+            </a:endParaRPr>
+          </a:p>
+        </p:txBody>
+      </p:sp>
+      <p:graphicFrame>
+        <p:nvGraphicFramePr>
+          <p:cNvPr id="2" name="표 2">
+            <a:extLst>
+              <a:ext uri="{FF2B5EF4-FFF2-40B4-BE49-F238E27FC236}">
+                <a16:creationId xmlns:a16="http://schemas.microsoft.com/office/drawing/2014/main" id="{30F19CBA-D7B3-426E-9772-3DEB7E4EB284}"/>
+              </a:ext>
+            </a:extLst>
+          </p:cNvPr>
+          <p:cNvGraphicFramePr>
+            <a:graphicFrameLocks noGrp="1"/>
+          </p:cNvGraphicFramePr>
+          <p:nvPr/>
+        </p:nvGraphicFramePr>
+        <p:xfrm>
+          <a:off x="942387" y="4166911"/>
+          <a:ext cx="3832815" cy="370840"/>
+        </p:xfrm>
+        <a:graphic>
+          <a:graphicData uri="http://schemas.openxmlformats.org/drawingml/2006/table">
+            <a:tbl>
+              <a:tblPr firstRow="1" bandRow="1">
+                <a:tableStyleId>{5C22544A-7EE6-4342-B048-85BDC9FD1C3A}</a:tableStyleId>
+              </a:tblPr>
+              <a:tblGrid>
+                <a:gridCol w="766563">
+                  <a:extLst>
+                    <a:ext uri="{9D8B030D-6E8A-4147-A177-3AD203B41FA5}">
+                      <a16:colId xmlns:a16="http://schemas.microsoft.com/office/drawing/2014/main" val="161864414"/>
+                    </a:ext>
+                  </a:extLst>
+                </a:gridCol>
+                <a:gridCol w="766563">
+                  <a:extLst>
+                    <a:ext uri="{9D8B030D-6E8A-4147-A177-3AD203B41FA5}">
+                      <a16:colId xmlns:a16="http://schemas.microsoft.com/office/drawing/2014/main" val="1564010514"/>
+                    </a:ext>
+                  </a:extLst>
+                </a:gridCol>
+                <a:gridCol w="766563">
+                  <a:extLst>
+                    <a:ext uri="{9D8B030D-6E8A-4147-A177-3AD203B41FA5}">
+                      <a16:colId xmlns:a16="http://schemas.microsoft.com/office/drawing/2014/main" val="1697722932"/>
+                    </a:ext>
+                  </a:extLst>
+                </a:gridCol>
+                <a:gridCol w="766563">
+                  <a:extLst>
+                    <a:ext uri="{9D8B030D-6E8A-4147-A177-3AD203B41FA5}">
+                      <a16:colId xmlns:a16="http://schemas.microsoft.com/office/drawing/2014/main" val="2034512798"/>
+                    </a:ext>
+                  </a:extLst>
+                </a:gridCol>
+                <a:gridCol w="766563">
+                  <a:extLst>
+                    <a:ext uri="{9D8B030D-6E8A-4147-A177-3AD203B41FA5}">
+                      <a16:colId xmlns:a16="http://schemas.microsoft.com/office/drawing/2014/main" val="38723595"/>
+                    </a:ext>
+                  </a:extLst>
+                </a:gridCol>
+              </a:tblGrid>
+              <a:tr h="370840">
+                <a:tc>
+                  <a:txBody>
+                    <a:bodyPr/>
+                    <a:lstStyle/>
+                    <a:p>
+                      <a:pPr algn="ctr" latinLnBrk="1"/>
+                      <a:r>
+                        <a:rPr lang="en-US" altLang="ko-KR" b="0" dirty="0">
+                          <a:latin typeface="나눔스퀘어 Light" panose="020B0600000101010101" pitchFamily="50" charset="-127"/>
+                          <a:ea typeface="나눔스퀘어 Light" panose="020B0600000101010101" pitchFamily="50" charset="-127"/>
+                        </a:rPr>
+                        <a:t>1</a:t>
+                      </a:r>
+                      <a:endParaRPr lang="ko-KR" altLang="en-US" b="0" dirty="0">
+                        <a:latin typeface="나눔스퀘어 Light" panose="020B0600000101010101" pitchFamily="50" charset="-127"/>
+                        <a:ea typeface="나눔스퀘어 Light" panose="020B0600000101010101" pitchFamily="50" charset="-127"/>
+                      </a:endParaRPr>
+                    </a:p>
+                  </a:txBody>
+                  <a:tcPr/>
+                </a:tc>
+                <a:tc>
+                  <a:txBody>
+                    <a:bodyPr/>
+                    <a:lstStyle/>
+                    <a:p>
+                      <a:pPr algn="ctr" latinLnBrk="1"/>
+                      <a:r>
+                        <a:rPr lang="en-US" altLang="ko-KR" b="0" dirty="0">
+                          <a:latin typeface="나눔스퀘어 Light" panose="020B0600000101010101" pitchFamily="50" charset="-127"/>
+                          <a:ea typeface="나눔스퀘어 Light" panose="020B0600000101010101" pitchFamily="50" charset="-127"/>
+                        </a:rPr>
+                        <a:t>2</a:t>
+                      </a:r>
+                      <a:endParaRPr lang="ko-KR" altLang="en-US" b="0" dirty="0">
+                        <a:latin typeface="나눔스퀘어 Light" panose="020B0600000101010101" pitchFamily="50" charset="-127"/>
+                        <a:ea typeface="나눔스퀘어 Light" panose="020B0600000101010101" pitchFamily="50" charset="-127"/>
+                      </a:endParaRPr>
+                    </a:p>
+                  </a:txBody>
+                  <a:tcPr/>
+                </a:tc>
+                <a:tc>
+                  <a:txBody>
+                    <a:bodyPr/>
+                    <a:lstStyle/>
+                    <a:p>
+                      <a:pPr algn="ctr" latinLnBrk="1"/>
+                      <a:r>
+                        <a:rPr lang="en-US" altLang="ko-KR" b="0" dirty="0">
+                          <a:latin typeface="나눔스퀘어 Light" panose="020B0600000101010101" pitchFamily="50" charset="-127"/>
+                          <a:ea typeface="나눔스퀘어 Light" panose="020B0600000101010101" pitchFamily="50" charset="-127"/>
+                        </a:rPr>
+                        <a:t>4</a:t>
+                      </a:r>
+                      <a:endParaRPr lang="ko-KR" altLang="en-US" b="0" dirty="0">
+                        <a:latin typeface="나눔스퀘어 Light" panose="020B0600000101010101" pitchFamily="50" charset="-127"/>
+                        <a:ea typeface="나눔스퀘어 Light" panose="020B0600000101010101" pitchFamily="50" charset="-127"/>
+                      </a:endParaRPr>
+                    </a:p>
+                  </a:txBody>
+                  <a:tcPr/>
+                </a:tc>
+                <a:tc>
+                  <a:txBody>
+                    <a:bodyPr/>
+                    <a:lstStyle/>
+                    <a:p>
+                      <a:pPr algn="ctr" latinLnBrk="1"/>
+                      <a:r>
+                        <a:rPr lang="en-US" altLang="ko-KR" b="0" dirty="0">
+                          <a:latin typeface="나눔스퀘어 Light" panose="020B0600000101010101" pitchFamily="50" charset="-127"/>
+                          <a:ea typeface="나눔스퀘어 Light" panose="020B0600000101010101" pitchFamily="50" charset="-127"/>
+                        </a:rPr>
+                        <a:t>…</a:t>
+                      </a:r>
+                      <a:endParaRPr lang="ko-KR" altLang="en-US" b="0" dirty="0">
+                        <a:latin typeface="나눔스퀘어 Light" panose="020B0600000101010101" pitchFamily="50" charset="-127"/>
+                        <a:ea typeface="나눔스퀘어 Light" panose="020B0600000101010101" pitchFamily="50" charset="-127"/>
+                      </a:endParaRPr>
+                    </a:p>
+                  </a:txBody>
+                  <a:tcPr/>
+                </a:tc>
+                <a:tc>
+                  <a:txBody>
+                    <a:bodyPr/>
+                    <a:lstStyle/>
+                    <a:p>
+                      <a:pPr algn="ctr" latinLnBrk="1"/>
+                      <a:r>
+                        <a:rPr lang="en-US" altLang="ko-KR" b="0" dirty="0">
+                          <a:latin typeface="나눔스퀘어 Light" panose="020B0600000101010101" pitchFamily="50" charset="-127"/>
+                          <a:ea typeface="나눔스퀘어 Light" panose="020B0600000101010101" pitchFamily="50" charset="-127"/>
+                        </a:rPr>
+                        <a:t>6</a:t>
+                      </a:r>
+                      <a:endParaRPr lang="ko-KR" altLang="en-US" b="0" dirty="0">
+                        <a:latin typeface="나눔스퀘어 Light" panose="020B0600000101010101" pitchFamily="50" charset="-127"/>
+                        <a:ea typeface="나눔스퀘어 Light" panose="020B0600000101010101" pitchFamily="50" charset="-127"/>
+                      </a:endParaRPr>
+                    </a:p>
+                  </a:txBody>
+                  <a:tcPr/>
+                </a:tc>
+                <a:extLst>
+                  <a:ext uri="{0D108BD9-81ED-4DB2-BD59-A6C34878D82A}">
+                    <a16:rowId xmlns:a16="http://schemas.microsoft.com/office/drawing/2014/main" val="2178751425"/>
+                  </a:ext>
+                </a:extLst>
+              </a:tr>
+            </a:tbl>
+          </a:graphicData>
+        </a:graphic>
+      </p:graphicFrame>
+      <p:sp>
+        <p:nvSpPr>
+          <p:cNvPr id="9" name="TextBox 8">
+            <a:extLst>
+              <a:ext uri="{FF2B5EF4-FFF2-40B4-BE49-F238E27FC236}">
+                <a16:creationId xmlns:a16="http://schemas.microsoft.com/office/drawing/2014/main" id="{ECCD1118-8AC5-4000-A2FD-A315A0272CA4}"/>
+              </a:ext>
+            </a:extLst>
+          </p:cNvPr>
+          <p:cNvSpPr txBox="1"/>
+          <p:nvPr/>
+        </p:nvSpPr>
+        <p:spPr>
+          <a:xfrm>
+            <a:off x="942387" y="5185536"/>
+            <a:ext cx="10313217" cy="369332"/>
+          </a:xfrm>
+          <a:prstGeom prst="rect">
+            <a:avLst/>
+          </a:prstGeom>
+          <a:noFill/>
+        </p:spPr>
+        <p:txBody>
+          <a:bodyPr wrap="square" rtlCol="0">
+            <a:spAutoFit/>
+          </a:bodyPr>
+          <a:lstStyle/>
+          <a:p>
+            <a:r>
+              <a:rPr lang="ko-KR" altLang="en-US" dirty="0">
+                <a:latin typeface="나눔스퀘어 Light" panose="020B0600000101010101" pitchFamily="50" charset="-127"/>
+                <a:ea typeface="나눔스퀘어 Light" panose="020B0600000101010101" pitchFamily="50" charset="-127"/>
+              </a:rPr>
+              <a:t>만약</a:t>
+            </a:r>
+            <a:r>
+              <a:rPr lang="en-US" altLang="ko-KR" dirty="0">
+                <a:latin typeface="나눔스퀘어 Light" panose="020B0600000101010101" pitchFamily="50" charset="-127"/>
+                <a:ea typeface="나눔스퀘어 Light" panose="020B0600000101010101" pitchFamily="50" charset="-127"/>
+              </a:rPr>
+              <a:t>, index – 1 </a:t>
+            </a:r>
+            <a:r>
+              <a:rPr lang="ko-KR" altLang="en-US" dirty="0">
+                <a:latin typeface="나눔스퀘어 Light" panose="020B0600000101010101" pitchFamily="50" charset="-127"/>
+                <a:ea typeface="나눔스퀘어 Light" panose="020B0600000101010101" pitchFamily="50" charset="-127"/>
+              </a:rPr>
+              <a:t>까지의 </a:t>
+            </a:r>
+            <a:r>
+              <a:rPr lang="en-US" altLang="ko-KR" dirty="0">
+                <a:latin typeface="나눔스퀘어 Light" panose="020B0600000101010101" pitchFamily="50" charset="-127"/>
+                <a:ea typeface="나눔스퀘어 Light" panose="020B0600000101010101" pitchFamily="50" charset="-127"/>
+              </a:rPr>
+              <a:t>LIS</a:t>
+            </a:r>
+            <a:r>
+              <a:rPr lang="ko-KR" altLang="en-US" dirty="0">
+                <a:latin typeface="나눔스퀘어 Light" panose="020B0600000101010101" pitchFamily="50" charset="-127"/>
+                <a:ea typeface="나눔스퀘어 Light" panose="020B0600000101010101" pitchFamily="50" charset="-127"/>
+              </a:rPr>
+              <a:t>의 길이가 </a:t>
+            </a:r>
+            <a:r>
+              <a:rPr lang="en-US" altLang="ko-KR" dirty="0">
+                <a:latin typeface="나눔스퀘어 Light" panose="020B0600000101010101" pitchFamily="50" charset="-127"/>
+                <a:ea typeface="나눔스퀘어 Light" panose="020B0600000101010101" pitchFamily="50" charset="-127"/>
+              </a:rPr>
+              <a:t>3 </a:t>
+            </a:r>
+            <a:r>
+              <a:rPr lang="ko-KR" altLang="en-US" dirty="0">
+                <a:latin typeface="나눔스퀘어 Light" panose="020B0600000101010101" pitchFamily="50" charset="-127"/>
+                <a:ea typeface="나눔스퀘어 Light" panose="020B0600000101010101" pitchFamily="50" charset="-127"/>
+              </a:rPr>
+              <a:t>임을 알고 있다면</a:t>
+            </a:r>
+            <a:r>
+              <a:rPr lang="en-US" altLang="ko-KR" dirty="0">
+                <a:latin typeface="나눔스퀘어 Light" panose="020B0600000101010101" pitchFamily="50" charset="-127"/>
+                <a:ea typeface="나눔스퀘어 Light" panose="020B0600000101010101" pitchFamily="50" charset="-127"/>
+              </a:rPr>
+              <a:t>, index</a:t>
+            </a:r>
+            <a:r>
+              <a:rPr lang="ko-KR" altLang="en-US" dirty="0">
+                <a:latin typeface="나눔스퀘어 Light" panose="020B0600000101010101" pitchFamily="50" charset="-127"/>
+                <a:ea typeface="나눔스퀘어 Light" panose="020B0600000101010101" pitchFamily="50" charset="-127"/>
+              </a:rPr>
+              <a:t>에서의 </a:t>
+            </a:r>
+            <a:r>
+              <a:rPr lang="en-US" altLang="ko-KR" dirty="0">
+                <a:latin typeface="나눔스퀘어 Light" panose="020B0600000101010101" pitchFamily="50" charset="-127"/>
+                <a:ea typeface="나눔스퀘어 Light" panose="020B0600000101010101" pitchFamily="50" charset="-127"/>
+              </a:rPr>
+              <a:t>LIS </a:t>
+            </a:r>
+            <a:r>
+              <a:rPr lang="ko-KR" altLang="en-US" dirty="0">
+                <a:latin typeface="나눔스퀘어 Light" panose="020B0600000101010101" pitchFamily="50" charset="-127"/>
+                <a:ea typeface="나눔스퀘어 Light" panose="020B0600000101010101" pitchFamily="50" charset="-127"/>
+              </a:rPr>
+              <a:t>길이를 구할 수 있습니다</a:t>
+            </a:r>
+            <a:r>
+              <a:rPr lang="en-US" altLang="ko-KR" dirty="0">
+                <a:latin typeface="나눔스퀘어 Light" panose="020B0600000101010101" pitchFamily="50" charset="-127"/>
+                <a:ea typeface="나눔스퀘어 Light" panose="020B0600000101010101" pitchFamily="50" charset="-127"/>
+              </a:rPr>
+              <a:t>.</a:t>
+            </a:r>
+            <a:endParaRPr lang="ko-KR" altLang="en-US" dirty="0">
+              <a:latin typeface="나눔스퀘어 Light" panose="020B0600000101010101" pitchFamily="50" charset="-127"/>
+              <a:ea typeface="나눔스퀘어 Light" panose="020B0600000101010101" pitchFamily="50" charset="-127"/>
+            </a:endParaRPr>
+          </a:p>
+        </p:txBody>
+      </p:sp>
+      <p:sp>
+        <p:nvSpPr>
+          <p:cNvPr id="10" name="TextBox 9">
+            <a:extLst>
+              <a:ext uri="{FF2B5EF4-FFF2-40B4-BE49-F238E27FC236}">
+                <a16:creationId xmlns:a16="http://schemas.microsoft.com/office/drawing/2014/main" id="{49E50F23-3628-427D-80DF-B5297E845953}"/>
+              </a:ext>
+            </a:extLst>
+          </p:cNvPr>
+          <p:cNvSpPr txBox="1"/>
+          <p:nvPr/>
+        </p:nvSpPr>
+        <p:spPr>
+          <a:xfrm>
+            <a:off x="4007557" y="3708534"/>
+            <a:ext cx="767646" cy="369332"/>
+          </a:xfrm>
+          <a:prstGeom prst="rect">
+            <a:avLst/>
+          </a:prstGeom>
+          <a:noFill/>
+        </p:spPr>
+        <p:txBody>
+          <a:bodyPr wrap="square" rtlCol="0">
+            <a:spAutoFit/>
+          </a:bodyPr>
+          <a:lstStyle/>
+          <a:p>
+            <a:pPr algn="ctr"/>
+            <a:r>
+              <a:rPr lang="en-US" altLang="ko-KR" dirty="0">
+                <a:latin typeface="나눔스퀘어 Light" panose="020B0600000101010101" pitchFamily="50" charset="-127"/>
+                <a:ea typeface="나눔스퀘어 Light" panose="020B0600000101010101" pitchFamily="50" charset="-127"/>
+              </a:rPr>
+              <a:t>index</a:t>
+            </a:r>
+            <a:endParaRPr lang="ko-KR" altLang="en-US" dirty="0">
+              <a:latin typeface="나눔스퀘어 Light" panose="020B0600000101010101" pitchFamily="50" charset="-127"/>
+              <a:ea typeface="나눔스퀘어 Light" panose="020B0600000101010101" pitchFamily="50" charset="-127"/>
+            </a:endParaRPr>
+          </a:p>
+        </p:txBody>
+      </p:sp>
+      <p:sp>
+        <p:nvSpPr>
+          <p:cNvPr id="3" name="화살표: 아래쪽 2">
+            <a:extLst>
+              <a:ext uri="{FF2B5EF4-FFF2-40B4-BE49-F238E27FC236}">
+                <a16:creationId xmlns:a16="http://schemas.microsoft.com/office/drawing/2014/main" id="{F0A0676D-1277-4E20-A88D-3CC0BE02F29E}"/>
+              </a:ext>
+            </a:extLst>
+          </p:cNvPr>
+          <p:cNvSpPr/>
+          <p:nvPr/>
+        </p:nvSpPr>
+        <p:spPr>
+          <a:xfrm flipV="1">
+            <a:off x="3454399" y="4753005"/>
+            <a:ext cx="338667" cy="370840"/>
+          </a:xfrm>
+          <a:prstGeom prst="downArrow">
+            <a:avLst/>
+          </a:prstGeom>
+        </p:spPr>
+        <p:style>
+          <a:lnRef idx="2">
+            <a:schemeClr val="accent1">
+              <a:shade val="50000"/>
+            </a:schemeClr>
+          </a:lnRef>
+          <a:fillRef idx="1">
+            <a:schemeClr val="accent1"/>
+          </a:fillRef>
+          <a:effectRef idx="0">
+            <a:schemeClr val="accent1"/>
+          </a:effectRef>
+          <a:fontRef idx="minor">
+            <a:schemeClr val="lt1"/>
+          </a:fontRef>
+        </p:style>
+        <p:txBody>
+          <a:bodyPr rtlCol="0" anchor="ctr"/>
+          <a:lstStyle/>
+          <a:p>
+            <a:pPr algn="ctr"/>
+            <a:endParaRPr lang="ko-KR" altLang="en-US"/>
+          </a:p>
+        </p:txBody>
+      </p:sp>
+      <p:graphicFrame>
+        <p:nvGraphicFramePr>
+          <p:cNvPr id="12" name="표 2">
+            <a:extLst>
+              <a:ext uri="{FF2B5EF4-FFF2-40B4-BE49-F238E27FC236}">
+                <a16:creationId xmlns:a16="http://schemas.microsoft.com/office/drawing/2014/main" id="{458F5590-6810-468D-BEFB-B50DE97BE70B}"/>
+              </a:ext>
+            </a:extLst>
+          </p:cNvPr>
+          <p:cNvGraphicFramePr>
+            <a:graphicFrameLocks noGrp="1"/>
+          </p:cNvGraphicFramePr>
+          <p:nvPr/>
+        </p:nvGraphicFramePr>
+        <p:xfrm>
+          <a:off x="6096000" y="4166911"/>
+          <a:ext cx="3832815" cy="370840"/>
+        </p:xfrm>
+        <a:graphic>
+          <a:graphicData uri="http://schemas.openxmlformats.org/drawingml/2006/table">
+            <a:tbl>
+              <a:tblPr firstRow="1" bandRow="1">
+                <a:tableStyleId>{5C22544A-7EE6-4342-B048-85BDC9FD1C3A}</a:tableStyleId>
+              </a:tblPr>
+              <a:tblGrid>
+                <a:gridCol w="766563">
+                  <a:extLst>
+                    <a:ext uri="{9D8B030D-6E8A-4147-A177-3AD203B41FA5}">
+                      <a16:colId xmlns:a16="http://schemas.microsoft.com/office/drawing/2014/main" val="161864414"/>
+                    </a:ext>
+                  </a:extLst>
+                </a:gridCol>
+                <a:gridCol w="766563">
+                  <a:extLst>
+                    <a:ext uri="{9D8B030D-6E8A-4147-A177-3AD203B41FA5}">
+                      <a16:colId xmlns:a16="http://schemas.microsoft.com/office/drawing/2014/main" val="1564010514"/>
+                    </a:ext>
+                  </a:extLst>
+                </a:gridCol>
+                <a:gridCol w="766563">
+                  <a:extLst>
+                    <a:ext uri="{9D8B030D-6E8A-4147-A177-3AD203B41FA5}">
+                      <a16:colId xmlns:a16="http://schemas.microsoft.com/office/drawing/2014/main" val="1697722932"/>
+                    </a:ext>
+                  </a:extLst>
+                </a:gridCol>
+                <a:gridCol w="766563">
+                  <a:extLst>
+                    <a:ext uri="{9D8B030D-6E8A-4147-A177-3AD203B41FA5}">
+                      <a16:colId xmlns:a16="http://schemas.microsoft.com/office/drawing/2014/main" val="2034512798"/>
+                    </a:ext>
+                  </a:extLst>
+                </a:gridCol>
+                <a:gridCol w="766563">
+                  <a:extLst>
+                    <a:ext uri="{9D8B030D-6E8A-4147-A177-3AD203B41FA5}">
+                      <a16:colId xmlns:a16="http://schemas.microsoft.com/office/drawing/2014/main" val="38723595"/>
+                    </a:ext>
+                  </a:extLst>
+                </a:gridCol>
+              </a:tblGrid>
+              <a:tr h="370840">
+                <a:tc>
+                  <a:txBody>
+                    <a:bodyPr/>
+                    <a:lstStyle/>
+                    <a:p>
+                      <a:pPr algn="ctr" latinLnBrk="1"/>
+                      <a:r>
+                        <a:rPr lang="en-US" altLang="ko-KR" b="0" dirty="0">
+                          <a:latin typeface="나눔스퀘어 Light" panose="020B0600000101010101" pitchFamily="50" charset="-127"/>
+                          <a:ea typeface="나눔스퀘어 Light" panose="020B0600000101010101" pitchFamily="50" charset="-127"/>
+                        </a:rPr>
+                        <a:t>1</a:t>
+                      </a:r>
+                      <a:endParaRPr lang="ko-KR" altLang="en-US" b="0" dirty="0">
+                        <a:latin typeface="나눔스퀘어 Light" panose="020B0600000101010101" pitchFamily="50" charset="-127"/>
+                        <a:ea typeface="나눔스퀘어 Light" panose="020B0600000101010101" pitchFamily="50" charset="-127"/>
+                      </a:endParaRPr>
+                    </a:p>
+                  </a:txBody>
+                  <a:tcPr/>
+                </a:tc>
+                <a:tc>
+                  <a:txBody>
+                    <a:bodyPr/>
+                    <a:lstStyle/>
+                    <a:p>
+                      <a:pPr algn="ctr" latinLnBrk="1"/>
+                      <a:r>
+                        <a:rPr lang="en-US" altLang="ko-KR" b="0" dirty="0">
+                          <a:latin typeface="나눔스퀘어 Light" panose="020B0600000101010101" pitchFamily="50" charset="-127"/>
+                          <a:ea typeface="나눔스퀘어 Light" panose="020B0600000101010101" pitchFamily="50" charset="-127"/>
+                        </a:rPr>
+                        <a:t>2</a:t>
+                      </a:r>
+                      <a:endParaRPr lang="ko-KR" altLang="en-US" b="0" dirty="0">
+                        <a:latin typeface="나눔스퀘어 Light" panose="020B0600000101010101" pitchFamily="50" charset="-127"/>
+                        <a:ea typeface="나눔스퀘어 Light" panose="020B0600000101010101" pitchFamily="50" charset="-127"/>
+                      </a:endParaRPr>
+                    </a:p>
+                  </a:txBody>
+                  <a:tcPr/>
+                </a:tc>
+                <a:tc>
+                  <a:txBody>
+                    <a:bodyPr/>
+                    <a:lstStyle/>
+                    <a:p>
+                      <a:pPr algn="ctr" latinLnBrk="1"/>
+                      <a:r>
+                        <a:rPr lang="en-US" altLang="ko-KR" b="0" dirty="0">
+                          <a:latin typeface="나눔스퀘어 Light" panose="020B0600000101010101" pitchFamily="50" charset="-127"/>
+                          <a:ea typeface="나눔스퀘어 Light" panose="020B0600000101010101" pitchFamily="50" charset="-127"/>
+                        </a:rPr>
+                        <a:t>4</a:t>
+                      </a:r>
+                      <a:endParaRPr lang="ko-KR" altLang="en-US" b="0" dirty="0">
+                        <a:latin typeface="나눔스퀘어 Light" panose="020B0600000101010101" pitchFamily="50" charset="-127"/>
+                        <a:ea typeface="나눔스퀘어 Light" panose="020B0600000101010101" pitchFamily="50" charset="-127"/>
+                      </a:endParaRPr>
+                    </a:p>
+                  </a:txBody>
+                  <a:tcPr/>
+                </a:tc>
+                <a:tc>
+                  <a:txBody>
+                    <a:bodyPr/>
+                    <a:lstStyle/>
+                    <a:p>
+                      <a:pPr algn="ctr" latinLnBrk="1"/>
+                      <a:r>
+                        <a:rPr lang="en-US" altLang="ko-KR" b="0" dirty="0">
+                          <a:latin typeface="나눔스퀘어 Light" panose="020B0600000101010101" pitchFamily="50" charset="-127"/>
+                          <a:ea typeface="나눔스퀘어 Light" panose="020B0600000101010101" pitchFamily="50" charset="-127"/>
+                        </a:rPr>
+                        <a:t>…</a:t>
+                      </a:r>
+                      <a:endParaRPr lang="ko-KR" altLang="en-US" b="0" dirty="0">
+                        <a:latin typeface="나눔스퀘어 Light" panose="020B0600000101010101" pitchFamily="50" charset="-127"/>
+                        <a:ea typeface="나눔스퀘어 Light" panose="020B0600000101010101" pitchFamily="50" charset="-127"/>
+                      </a:endParaRPr>
+                    </a:p>
+                  </a:txBody>
+                  <a:tcPr/>
+                </a:tc>
+                <a:tc>
+                  <a:txBody>
+                    <a:bodyPr/>
+                    <a:lstStyle/>
+                    <a:p>
+                      <a:pPr algn="ctr" latinLnBrk="1"/>
+                      <a:r>
+                        <a:rPr lang="en-US" altLang="ko-KR" b="0" dirty="0">
+                          <a:latin typeface="나눔스퀘어 Light" panose="020B0600000101010101" pitchFamily="50" charset="-127"/>
+                          <a:ea typeface="나눔스퀘어 Light" panose="020B0600000101010101" pitchFamily="50" charset="-127"/>
+                        </a:rPr>
+                        <a:t>3</a:t>
+                      </a:r>
+                      <a:endParaRPr lang="ko-KR" altLang="en-US" b="0" dirty="0">
+                        <a:latin typeface="나눔스퀘어 Light" panose="020B0600000101010101" pitchFamily="50" charset="-127"/>
+                        <a:ea typeface="나눔스퀘어 Light" panose="020B0600000101010101" pitchFamily="50" charset="-127"/>
+                      </a:endParaRPr>
+                    </a:p>
+                  </a:txBody>
+                  <a:tcPr/>
+                </a:tc>
+                <a:extLst>
+                  <a:ext uri="{0D108BD9-81ED-4DB2-BD59-A6C34878D82A}">
+                    <a16:rowId xmlns:a16="http://schemas.microsoft.com/office/drawing/2014/main" val="2178751425"/>
+                  </a:ext>
+                </a:extLst>
+              </a:tr>
+            </a:tbl>
+          </a:graphicData>
+        </a:graphic>
+      </p:graphicFrame>
+      <p:sp>
+        <p:nvSpPr>
+          <p:cNvPr id="13" name="TextBox 12">
+            <a:extLst>
+              <a:ext uri="{FF2B5EF4-FFF2-40B4-BE49-F238E27FC236}">
+                <a16:creationId xmlns:a16="http://schemas.microsoft.com/office/drawing/2014/main" id="{A6361AE8-9953-467B-8F2E-74859EF376FE}"/>
+              </a:ext>
+            </a:extLst>
+          </p:cNvPr>
+          <p:cNvSpPr txBox="1"/>
+          <p:nvPr/>
+        </p:nvSpPr>
+        <p:spPr>
+          <a:xfrm>
+            <a:off x="9161170" y="3708534"/>
+            <a:ext cx="767646" cy="369332"/>
+          </a:xfrm>
+          <a:prstGeom prst="rect">
+            <a:avLst/>
+          </a:prstGeom>
+          <a:noFill/>
+        </p:spPr>
+        <p:txBody>
+          <a:bodyPr wrap="square" rtlCol="0">
+            <a:spAutoFit/>
+          </a:bodyPr>
+          <a:lstStyle/>
+          <a:p>
+            <a:pPr algn="ctr"/>
+            <a:r>
+              <a:rPr lang="en-US" altLang="ko-KR" dirty="0">
+                <a:latin typeface="나눔스퀘어 Light" panose="020B0600000101010101" pitchFamily="50" charset="-127"/>
+                <a:ea typeface="나눔스퀘어 Light" panose="020B0600000101010101" pitchFamily="50" charset="-127"/>
+              </a:rPr>
+              <a:t>index</a:t>
+            </a:r>
+            <a:endParaRPr lang="ko-KR" altLang="en-US" dirty="0">
+              <a:latin typeface="나눔스퀘어 Light" panose="020B0600000101010101" pitchFamily="50" charset="-127"/>
+              <a:ea typeface="나눔스퀘어 Light" panose="020B0600000101010101" pitchFamily="50" charset="-127"/>
+            </a:endParaRPr>
+          </a:p>
+        </p:txBody>
+      </p:sp>
+      <p:sp>
+        <p:nvSpPr>
+          <p:cNvPr id="14" name="화살표: 아래쪽 13">
+            <a:extLst>
+              <a:ext uri="{FF2B5EF4-FFF2-40B4-BE49-F238E27FC236}">
+                <a16:creationId xmlns:a16="http://schemas.microsoft.com/office/drawing/2014/main" id="{716C7A34-C19F-40F5-8B36-9E13F2E14599}"/>
+              </a:ext>
+            </a:extLst>
+          </p:cNvPr>
+          <p:cNvSpPr/>
+          <p:nvPr/>
+        </p:nvSpPr>
+        <p:spPr>
+          <a:xfrm flipV="1">
+            <a:off x="8608012" y="4753005"/>
+            <a:ext cx="338667" cy="370840"/>
+          </a:xfrm>
+          <a:prstGeom prst="downArrow">
+            <a:avLst/>
+          </a:prstGeom>
+        </p:spPr>
+        <p:style>
+          <a:lnRef idx="2">
+            <a:schemeClr val="accent1">
+              <a:shade val="50000"/>
+            </a:schemeClr>
+          </a:lnRef>
+          <a:fillRef idx="1">
+            <a:schemeClr val="accent1"/>
+          </a:fillRef>
+          <a:effectRef idx="0">
+            <a:schemeClr val="accent1"/>
+          </a:effectRef>
+          <a:fontRef idx="minor">
+            <a:schemeClr val="lt1"/>
+          </a:fontRef>
+        </p:style>
+        <p:txBody>
+          <a:bodyPr rtlCol="0" anchor="ctr"/>
+          <a:lstStyle/>
+          <a:p>
+            <a:pPr algn="ctr"/>
+            <a:endParaRPr lang="ko-KR" altLang="en-US"/>
+          </a:p>
+        </p:txBody>
+      </p:sp>
+      <p:sp>
+        <p:nvSpPr>
+          <p:cNvPr id="16" name="TextBox 15">
+            <a:extLst>
+              <a:ext uri="{FF2B5EF4-FFF2-40B4-BE49-F238E27FC236}">
+                <a16:creationId xmlns:a16="http://schemas.microsoft.com/office/drawing/2014/main" id="{4A8F7DE3-B1B5-42FC-9707-E4B1C068A473}"/>
+              </a:ext>
+            </a:extLst>
+          </p:cNvPr>
+          <p:cNvSpPr txBox="1"/>
+          <p:nvPr/>
+        </p:nvSpPr>
+        <p:spPr>
+          <a:xfrm>
+            <a:off x="3951116" y="4676977"/>
+            <a:ext cx="880532" cy="369332"/>
+          </a:xfrm>
+          <a:prstGeom prst="rect">
+            <a:avLst/>
+          </a:prstGeom>
+          <a:noFill/>
+        </p:spPr>
+        <p:txBody>
+          <a:bodyPr wrap="square" rtlCol="0">
+            <a:spAutoFit/>
+          </a:bodyPr>
+          <a:lstStyle/>
+          <a:p>
+            <a:pPr algn="ctr"/>
+            <a:r>
+              <a:rPr lang="en-US" altLang="ko-KR" dirty="0">
+                <a:latin typeface="나눔스퀘어 Light" panose="020B0600000101010101" pitchFamily="50" charset="-127"/>
+                <a:ea typeface="나눔스퀘어 Light" panose="020B0600000101010101" pitchFamily="50" charset="-127"/>
+              </a:rPr>
+              <a:t>LIS : 4</a:t>
+            </a:r>
+            <a:endParaRPr lang="ko-KR" altLang="en-US" dirty="0">
+              <a:latin typeface="나눔스퀘어 Light" panose="020B0600000101010101" pitchFamily="50" charset="-127"/>
+              <a:ea typeface="나눔스퀘어 Light" panose="020B0600000101010101" pitchFamily="50" charset="-127"/>
+            </a:endParaRPr>
+          </a:p>
+        </p:txBody>
+      </p:sp>
+      <p:sp>
+        <p:nvSpPr>
+          <p:cNvPr id="17" name="TextBox 16">
+            <a:extLst>
+              <a:ext uri="{FF2B5EF4-FFF2-40B4-BE49-F238E27FC236}">
+                <a16:creationId xmlns:a16="http://schemas.microsoft.com/office/drawing/2014/main" id="{1206481A-6801-4E8A-A9B5-37336384FEE9}"/>
+              </a:ext>
+            </a:extLst>
+          </p:cNvPr>
+          <p:cNvSpPr txBox="1"/>
+          <p:nvPr/>
+        </p:nvSpPr>
+        <p:spPr>
+          <a:xfrm>
+            <a:off x="9104727" y="4676977"/>
+            <a:ext cx="880532" cy="369332"/>
+          </a:xfrm>
+          <a:prstGeom prst="rect">
+            <a:avLst/>
+          </a:prstGeom>
+          <a:noFill/>
+        </p:spPr>
+        <p:txBody>
+          <a:bodyPr wrap="square" rtlCol="0">
+            <a:spAutoFit/>
+          </a:bodyPr>
+          <a:lstStyle/>
+          <a:p>
+            <a:pPr algn="ctr"/>
+            <a:r>
+              <a:rPr lang="en-US" altLang="ko-KR" dirty="0">
+                <a:latin typeface="나눔스퀘어 Light" panose="020B0600000101010101" pitchFamily="50" charset="-127"/>
+                <a:ea typeface="나눔스퀘어 Light" panose="020B0600000101010101" pitchFamily="50" charset="-127"/>
+              </a:rPr>
+              <a:t>LIS : 3</a:t>
+            </a:r>
+            <a:endParaRPr lang="ko-KR" altLang="en-US" dirty="0">
+              <a:latin typeface="나눔스퀘어 Light" panose="020B0600000101010101" pitchFamily="50" charset="-127"/>
+              <a:ea typeface="나눔스퀘어 Light" panose="020B0600000101010101" pitchFamily="50" charset="-127"/>
+            </a:endParaRPr>
+          </a:p>
+        </p:txBody>
+      </p:sp>
+    </p:spTree>
+    <p:extLst>
+      <p:ext uri="{BB962C8B-B14F-4D97-AF65-F5344CB8AC3E}">
+        <p14:creationId xmlns:p14="http://schemas.microsoft.com/office/powerpoint/2010/main" val="805077751"/>
+      </p:ext>
+    </p:extLst>
+  </p:cSld>
+  <p:clrMapOvr>
+    <a:masterClrMapping/>
+  </p:clrMapOvr>
+</p:sld>
+</file>
+
+<file path=ppt/slides/slide32.xml><?xml version="1.0" encoding="utf-8"?>
 <p:sld xmlns:a="http://schemas.openxmlformats.org/drawingml/2006/main" xmlns:r="http://schemas.openxmlformats.org/officeDocument/2006/relationships" xmlns:p="http://schemas.openxmlformats.org/presentationml/2006/main">
   <p:cSld>
     <p:spTree>

--- a/study/5_Dynamic Programming.pptx
+++ b/study/5_Dynamic Programming.pptx
@@ -36,7 +36,8 @@
     <p:sldId id="341" r:id="rId30"/>
     <p:sldId id="342" r:id="rId31"/>
     <p:sldId id="352" r:id="rId32"/>
-    <p:sldId id="298" r:id="rId33"/>
+    <p:sldId id="353" r:id="rId33"/>
+    <p:sldId id="298" r:id="rId34"/>
   </p:sldIdLst>
   <p:sldSz cx="12192000" cy="6858000"/>
   <p:notesSz cx="6858000" cy="9144000"/>
@@ -290,7 +291,7 @@
           <a:p>
             <a:fld id="{33C37291-AA83-40C0-9297-8F7F3693F6CC}" type="datetimeFigureOut">
               <a:rPr lang="ko-KR" altLang="en-US" smtClean="0"/>
-              <a:t>2022-09-08</a:t>
+              <a:t>2022-09-10</a:t>
             </a:fld>
             <a:endParaRPr lang="ko-KR" altLang="en-US"/>
           </a:p>
@@ -488,7 +489,7 @@
           <a:p>
             <a:fld id="{33C37291-AA83-40C0-9297-8F7F3693F6CC}" type="datetimeFigureOut">
               <a:rPr lang="ko-KR" altLang="en-US" smtClean="0"/>
-              <a:t>2022-09-08</a:t>
+              <a:t>2022-09-10</a:t>
             </a:fld>
             <a:endParaRPr lang="ko-KR" altLang="en-US"/>
           </a:p>
@@ -696,7 +697,7 @@
           <a:p>
             <a:fld id="{33C37291-AA83-40C0-9297-8F7F3693F6CC}" type="datetimeFigureOut">
               <a:rPr lang="ko-KR" altLang="en-US" smtClean="0"/>
-              <a:t>2022-09-08</a:t>
+              <a:t>2022-09-10</a:t>
             </a:fld>
             <a:endParaRPr lang="ko-KR" altLang="en-US"/>
           </a:p>
@@ -894,7 +895,7 @@
           <a:p>
             <a:fld id="{33C37291-AA83-40C0-9297-8F7F3693F6CC}" type="datetimeFigureOut">
               <a:rPr lang="ko-KR" altLang="en-US" smtClean="0"/>
-              <a:t>2022-09-08</a:t>
+              <a:t>2022-09-10</a:t>
             </a:fld>
             <a:endParaRPr lang="ko-KR" altLang="en-US"/>
           </a:p>
@@ -1169,7 +1170,7 @@
           <a:p>
             <a:fld id="{33C37291-AA83-40C0-9297-8F7F3693F6CC}" type="datetimeFigureOut">
               <a:rPr lang="ko-KR" altLang="en-US" smtClean="0"/>
-              <a:t>2022-09-08</a:t>
+              <a:t>2022-09-10</a:t>
             </a:fld>
             <a:endParaRPr lang="ko-KR" altLang="en-US"/>
           </a:p>
@@ -1434,7 +1435,7 @@
           <a:p>
             <a:fld id="{33C37291-AA83-40C0-9297-8F7F3693F6CC}" type="datetimeFigureOut">
               <a:rPr lang="ko-KR" altLang="en-US" smtClean="0"/>
-              <a:t>2022-09-08</a:t>
+              <a:t>2022-09-10</a:t>
             </a:fld>
             <a:endParaRPr lang="ko-KR" altLang="en-US"/>
           </a:p>
@@ -1846,7 +1847,7 @@
           <a:p>
             <a:fld id="{33C37291-AA83-40C0-9297-8F7F3693F6CC}" type="datetimeFigureOut">
               <a:rPr lang="ko-KR" altLang="en-US" smtClean="0"/>
-              <a:t>2022-09-08</a:t>
+              <a:t>2022-09-10</a:t>
             </a:fld>
             <a:endParaRPr lang="ko-KR" altLang="en-US"/>
           </a:p>
@@ -1987,7 +1988,7 @@
           <a:p>
             <a:fld id="{33C37291-AA83-40C0-9297-8F7F3693F6CC}" type="datetimeFigureOut">
               <a:rPr lang="ko-KR" altLang="en-US" smtClean="0"/>
-              <a:t>2022-09-08</a:t>
+              <a:t>2022-09-10</a:t>
             </a:fld>
             <a:endParaRPr lang="ko-KR" altLang="en-US"/>
           </a:p>
@@ -2100,7 +2101,7 @@
           <a:p>
             <a:fld id="{33C37291-AA83-40C0-9297-8F7F3693F6CC}" type="datetimeFigureOut">
               <a:rPr lang="ko-KR" altLang="en-US" smtClean="0"/>
-              <a:t>2022-09-08</a:t>
+              <a:t>2022-09-10</a:t>
             </a:fld>
             <a:endParaRPr lang="ko-KR" altLang="en-US"/>
           </a:p>
@@ -2411,7 +2412,7 @@
           <a:p>
             <a:fld id="{33C37291-AA83-40C0-9297-8F7F3693F6CC}" type="datetimeFigureOut">
               <a:rPr lang="ko-KR" altLang="en-US" smtClean="0"/>
-              <a:t>2022-09-08</a:t>
+              <a:t>2022-09-10</a:t>
             </a:fld>
             <a:endParaRPr lang="ko-KR" altLang="en-US"/>
           </a:p>
@@ -2699,7 +2700,7 @@
           <a:p>
             <a:fld id="{33C37291-AA83-40C0-9297-8F7F3693F6CC}" type="datetimeFigureOut">
               <a:rPr lang="ko-KR" altLang="en-US" smtClean="0"/>
-              <a:t>2022-09-08</a:t>
+              <a:t>2022-09-10</a:t>
             </a:fld>
             <a:endParaRPr lang="ko-KR" altLang="en-US"/>
           </a:p>
@@ -2940,7 +2941,7 @@
           <a:p>
             <a:fld id="{33C37291-AA83-40C0-9297-8F7F3693F6CC}" type="datetimeFigureOut">
               <a:rPr lang="ko-KR" altLang="en-US" smtClean="0"/>
-              <a:t>2022-09-08</a:t>
+              <a:t>2022-09-10</a:t>
             </a:fld>
             <a:endParaRPr lang="ko-KR" altLang="en-US"/>
           </a:p>
@@ -20764,98 +20765,60 @@
           <a:lstStyle/>
           <a:p>
             <a:r>
-              <a:rPr lang="en-US" altLang="ko-KR" dirty="0">
-                <a:latin typeface="나눔스퀘어 Light" panose="020B0600000101010101" pitchFamily="50" charset="-127"/>
-                <a:ea typeface="나눔스퀘어 Light" panose="020B0600000101010101" pitchFamily="50" charset="-127"/>
-              </a:rPr>
-              <a:t>DP </a:t>
-            </a:r>
-            <a:r>
-              <a:rPr lang="ko-KR" altLang="en-US" dirty="0">
-                <a:latin typeface="나눔스퀘어 Light" panose="020B0600000101010101" pitchFamily="50" charset="-127"/>
-                <a:ea typeface="나눔스퀘어 Light" panose="020B0600000101010101" pitchFamily="50" charset="-127"/>
-              </a:rPr>
-              <a:t>대표 문제 중 하나인 </a:t>
-            </a:r>
-            <a:r>
-              <a:rPr lang="en-US" altLang="ko-KR" dirty="0">
-                <a:latin typeface="나눔스퀘어 Light" panose="020B0600000101010101" pitchFamily="50" charset="-127"/>
-                <a:ea typeface="나눔스퀘어 Light" panose="020B0600000101010101" pitchFamily="50" charset="-127"/>
-              </a:rPr>
-              <a:t>LIS(Longest Increasing Subsequence) </a:t>
-            </a:r>
-            <a:r>
-              <a:rPr lang="ko-KR" altLang="en-US" dirty="0">
-                <a:latin typeface="나눔스퀘어 Light" panose="020B0600000101010101" pitchFamily="50" charset="-127"/>
-                <a:ea typeface="나눔스퀘어 Light" panose="020B0600000101010101" pitchFamily="50" charset="-127"/>
-              </a:rPr>
-              <a:t>문제</a:t>
-            </a:r>
-          </a:p>
-        </p:txBody>
-      </p:sp>
-      <p:sp>
-        <p:nvSpPr>
-          <p:cNvPr id="7" name="TextBox 6">
-            <a:extLst>
-              <a:ext uri="{FF2B5EF4-FFF2-40B4-BE49-F238E27FC236}">
-                <a16:creationId xmlns:a16="http://schemas.microsoft.com/office/drawing/2014/main" id="{4270AC9A-5079-4E24-9B99-6CD3A9B726A5}"/>
-              </a:ext>
-            </a:extLst>
-          </p:cNvPr>
-          <p:cNvSpPr txBox="1"/>
-          <p:nvPr/>
-        </p:nvSpPr>
-        <p:spPr>
-          <a:xfrm>
-            <a:off x="942387" y="1861874"/>
-            <a:ext cx="10313217" cy="369332"/>
-          </a:xfrm>
-          <a:prstGeom prst="rect">
-            <a:avLst/>
-          </a:prstGeom>
-          <a:noFill/>
-        </p:spPr>
-        <p:txBody>
-          <a:bodyPr wrap="square" rtlCol="0">
-            <a:spAutoFit/>
-          </a:bodyPr>
-          <a:lstStyle/>
-          <a:p>
-            <a:r>
-              <a:rPr lang="ko-KR" altLang="en-US" dirty="0">
-                <a:latin typeface="나눔스퀘어 Light" panose="020B0600000101010101" pitchFamily="50" charset="-127"/>
-                <a:ea typeface="나눔스퀘어 Light" panose="020B0600000101010101" pitchFamily="50" charset="-127"/>
-              </a:rPr>
-              <a:t>각 시점</a:t>
-            </a:r>
-            <a:r>
-              <a:rPr lang="en-US" altLang="ko-KR" dirty="0">
-                <a:latin typeface="나눔스퀘어 Light" panose="020B0600000101010101" pitchFamily="50" charset="-127"/>
-                <a:ea typeface="나눔스퀘어 Light" panose="020B0600000101010101" pitchFamily="50" charset="-127"/>
-              </a:rPr>
-              <a:t>(</a:t>
-            </a:r>
-            <a:r>
-              <a:rPr lang="ko-KR" altLang="en-US" dirty="0">
-                <a:latin typeface="나눔스퀘어 Light" panose="020B0600000101010101" pitchFamily="50" charset="-127"/>
-                <a:ea typeface="나눔스퀘어 Light" panose="020B0600000101010101" pitchFamily="50" charset="-127"/>
-              </a:rPr>
-              <a:t>배열 </a:t>
-            </a:r>
-            <a:r>
-              <a:rPr lang="en-US" altLang="ko-KR" dirty="0">
-                <a:latin typeface="나눔스퀘어 Light" panose="020B0600000101010101" pitchFamily="50" charset="-127"/>
-                <a:ea typeface="나눔스퀘어 Light" panose="020B0600000101010101" pitchFamily="50" charset="-127"/>
-              </a:rPr>
-              <a:t>index)</a:t>
-            </a:r>
-            <a:r>
-              <a:rPr lang="ko-KR" altLang="en-US" dirty="0">
-                <a:latin typeface="나눔스퀘어 Light" panose="020B0600000101010101" pitchFamily="50" charset="-127"/>
-                <a:ea typeface="나눔스퀘어 Light" panose="020B0600000101010101" pitchFamily="50" charset="-127"/>
-              </a:rPr>
-              <a:t>에서 까지의 </a:t>
+              <a:rPr lang="ko-KR" altLang="en-US" dirty="0">
+                <a:latin typeface="나눔스퀘어 Light" panose="020B0600000101010101" pitchFamily="50" charset="-127"/>
+                <a:ea typeface="나눔스퀘어 Light" panose="020B0600000101010101" pitchFamily="50" charset="-127"/>
+              </a:rPr>
+              <a:t>그렇다면</a:t>
+            </a:r>
+            <a:r>
+              <a:rPr lang="en-US" altLang="ko-KR" dirty="0">
+                <a:latin typeface="나눔스퀘어 Light" panose="020B0600000101010101" pitchFamily="50" charset="-127"/>
+                <a:ea typeface="나눔스퀘어 Light" panose="020B0600000101010101" pitchFamily="50" charset="-127"/>
+              </a:rPr>
+              <a:t>, </a:t>
+            </a:r>
+            <a:r>
+              <a:rPr lang="en-US" altLang="ko-KR" dirty="0" err="1">
+                <a:latin typeface="나눔스퀘어 Light" panose="020B0600000101010101" pitchFamily="50" charset="-127"/>
+                <a:ea typeface="나눔스퀘어 Light" panose="020B0600000101010101" pitchFamily="50" charset="-127"/>
+              </a:rPr>
+              <a:t>dp</a:t>
+            </a:r>
+            <a:r>
+              <a:rPr lang="en-US" altLang="ko-KR" dirty="0">
+                <a:latin typeface="나눔스퀘어 Light" panose="020B0600000101010101" pitchFamily="50" charset="-127"/>
+                <a:ea typeface="나눔스퀘어 Light" panose="020B0600000101010101" pitchFamily="50" charset="-127"/>
+              </a:rPr>
+              <a:t>[] </a:t>
+            </a:r>
+            <a:r>
+              <a:rPr lang="ko-KR" altLang="en-US" dirty="0">
+                <a:latin typeface="나눔스퀘어 Light" panose="020B0600000101010101" pitchFamily="50" charset="-127"/>
+                <a:ea typeface="나눔스퀘어 Light" panose="020B0600000101010101" pitchFamily="50" charset="-127"/>
+              </a:rPr>
+              <a:t>테이블에 </a:t>
+            </a:r>
+            <a:r>
+              <a:rPr lang="en-US" altLang="ko-KR" dirty="0" err="1">
+                <a:latin typeface="나눔스퀘어 Light" panose="020B0600000101010101" pitchFamily="50" charset="-127"/>
+                <a:ea typeface="나눔스퀘어 Light" panose="020B0600000101010101" pitchFamily="50" charset="-127"/>
+              </a:rPr>
+              <a:t>idx</a:t>
+            </a:r>
+            <a:r>
+              <a:rPr lang="en-US" altLang="ko-KR" dirty="0">
+                <a:latin typeface="나눔스퀘어 Light" panose="020B0600000101010101" pitchFamily="50" charset="-127"/>
+                <a:ea typeface="나눔스퀘어 Light" panose="020B0600000101010101" pitchFamily="50" charset="-127"/>
+              </a:rPr>
+              <a:t> (for 1 to N) </a:t>
+            </a:r>
+            <a:r>
+              <a:rPr lang="ko-KR" altLang="en-US" dirty="0">
+                <a:latin typeface="나눔스퀘어 Light" panose="020B0600000101010101" pitchFamily="50" charset="-127"/>
+                <a:ea typeface="나눔스퀘어 Light" panose="020B0600000101010101" pitchFamily="50" charset="-127"/>
+              </a:rPr>
+              <a:t>까지의 최대 </a:t>
             </a:r>
             <a:r>
               <a:rPr lang="en-US" altLang="ko-KR" dirty="0">
@@ -20869,14 +20832,14 @@
                 <a:latin typeface="나눔스퀘어 Light" panose="020B0600000101010101" pitchFamily="50" charset="-127"/>
                 <a:ea typeface="나눔스퀘어 Light" panose="020B0600000101010101" pitchFamily="50" charset="-127"/>
               </a:rPr>
-              <a:t>의 길이는 어떻게 구할 수 있을까요</a:t>
-            </a:r>
-            <a:r>
-              <a:rPr lang="en-US" altLang="ko-KR" dirty="0">
-                <a:latin typeface="나눔스퀘어 Light" panose="020B0600000101010101" pitchFamily="50" charset="-127"/>
-                <a:ea typeface="나눔스퀘어 Light" panose="020B0600000101010101" pitchFamily="50" charset="-127"/>
-              </a:rPr>
-              <a:t>?</a:t>
+              <a:t>의 길이를 저장해보겠습니다</a:t>
+            </a:r>
+            <a:r>
+              <a:rPr lang="en-US" altLang="ko-KR" dirty="0">
+                <a:latin typeface="나눔스퀘어 Light" panose="020B0600000101010101" pitchFamily="50" charset="-127"/>
+                <a:ea typeface="나눔스퀘어 Light" panose="020B0600000101010101" pitchFamily="50" charset="-127"/>
+              </a:rPr>
+              <a:t>.</a:t>
             </a:r>
             <a:endParaRPr lang="ko-KR" altLang="en-US" dirty="0">
               <a:latin typeface="나눔스퀘어 Light" panose="020B0600000101010101" pitchFamily="50" charset="-127"/>
@@ -20887,10 +20850,10 @@
       </p:sp>
       <p:sp>
         <p:nvSpPr>
-          <p:cNvPr id="8" name="TextBox 7">
-            <a:extLst>
-              <a:ext uri="{FF2B5EF4-FFF2-40B4-BE49-F238E27FC236}">
-                <a16:creationId xmlns:a16="http://schemas.microsoft.com/office/drawing/2014/main" id="{B9D5332D-CA4B-4CA0-8CC3-A811E8BCCB76}"/>
+          <p:cNvPr id="7" name="TextBox 6">
+            <a:extLst>
+              <a:ext uri="{FF2B5EF4-FFF2-40B4-BE49-F238E27FC236}">
+                <a16:creationId xmlns:a16="http://schemas.microsoft.com/office/drawing/2014/main" id="{4270AC9A-5079-4E24-9B99-6CD3A9B726A5}"/>
               </a:ext>
             </a:extLst>
           </p:cNvPr>
@@ -20899,7 +20862,7 @@
         </p:nvSpPr>
         <p:spPr>
           <a:xfrm>
-            <a:off x="942387" y="2231206"/>
+            <a:off x="942387" y="1861874"/>
             <a:ext cx="10313217" cy="369332"/>
           </a:xfrm>
           <a:prstGeom prst="rect">
@@ -20914,108 +20877,68 @@
           <a:lstStyle/>
           <a:p>
             <a:r>
-              <a:rPr lang="en-US" altLang="ko-KR" dirty="0">
-                <a:solidFill>
-                  <a:srgbClr val="FF0000"/>
-                </a:solidFill>
-                <a:latin typeface="나눔스퀘어 Bold" panose="020B0600000101010101" pitchFamily="50" charset="-127"/>
-                <a:ea typeface="나눔스퀘어 Bold" panose="020B0600000101010101" pitchFamily="50" charset="-127"/>
-              </a:rPr>
-              <a:t>index – 1 </a:t>
-            </a:r>
-            <a:r>
-              <a:rPr lang="ko-KR" altLang="en-US" dirty="0">
-                <a:solidFill>
-                  <a:srgbClr val="FF0000"/>
-                </a:solidFill>
-                <a:latin typeface="나눔스퀘어 Bold" panose="020B0600000101010101" pitchFamily="50" charset="-127"/>
-                <a:ea typeface="나눔스퀘어 Bold" panose="020B0600000101010101" pitchFamily="50" charset="-127"/>
-              </a:rPr>
-              <a:t>까지의 </a:t>
-            </a:r>
-            <a:r>
-              <a:rPr lang="en-US" altLang="ko-KR" dirty="0">
-                <a:solidFill>
-                  <a:srgbClr val="FF0000"/>
-                </a:solidFill>
-                <a:latin typeface="나눔스퀘어 Bold" panose="020B0600000101010101" pitchFamily="50" charset="-127"/>
-                <a:ea typeface="나눔스퀘어 Bold" panose="020B0600000101010101" pitchFamily="50" charset="-127"/>
+              <a:rPr lang="ko-KR" altLang="en-US" dirty="0">
+                <a:latin typeface="나눔스퀘어 Light" panose="020B0600000101010101" pitchFamily="50" charset="-127"/>
+                <a:ea typeface="나눔스퀘어 Light" panose="020B0600000101010101" pitchFamily="50" charset="-127"/>
+              </a:rPr>
+              <a:t>우선</a:t>
+            </a:r>
+            <a:r>
+              <a:rPr lang="en-US" altLang="ko-KR" dirty="0">
+                <a:latin typeface="나눔스퀘어 Light" panose="020B0600000101010101" pitchFamily="50" charset="-127"/>
+                <a:ea typeface="나눔스퀘어 Light" panose="020B0600000101010101" pitchFamily="50" charset="-127"/>
+              </a:rPr>
+              <a:t>, A[0]</a:t>
+            </a:r>
+            <a:r>
+              <a:rPr lang="ko-KR" altLang="en-US" dirty="0">
+                <a:latin typeface="나눔스퀘어 Light" panose="020B0600000101010101" pitchFamily="50" charset="-127"/>
+                <a:ea typeface="나눔스퀘어 Light" panose="020B0600000101010101" pitchFamily="50" charset="-127"/>
+              </a:rPr>
+              <a:t>에 무엇이 들어가든</a:t>
+            </a:r>
+            <a:r>
+              <a:rPr lang="en-US" altLang="ko-KR" dirty="0">
+                <a:latin typeface="나눔스퀘어 Light" panose="020B0600000101010101" pitchFamily="50" charset="-127"/>
+                <a:ea typeface="나눔스퀘어 Light" panose="020B0600000101010101" pitchFamily="50" charset="-127"/>
+              </a:rPr>
+              <a:t>, LIS</a:t>
+            </a:r>
+            <a:r>
+              <a:rPr lang="ko-KR" altLang="en-US" dirty="0">
+                <a:latin typeface="나눔스퀘어 Light" panose="020B0600000101010101" pitchFamily="50" charset="-127"/>
+                <a:ea typeface="나눔스퀘어 Light" panose="020B0600000101010101" pitchFamily="50" charset="-127"/>
+              </a:rPr>
+              <a:t>의 길이를 최대로 하기 위해선 </a:t>
+            </a:r>
+            <a:r>
+              <a:rPr lang="en-US" altLang="ko-KR" dirty="0">
+                <a:latin typeface="나눔스퀘어 Light" panose="020B0600000101010101" pitchFamily="50" charset="-127"/>
+                <a:ea typeface="나눔스퀘어 Light" panose="020B0600000101010101" pitchFamily="50" charset="-127"/>
+              </a:rPr>
+              <a:t>A[0]</a:t>
+            </a:r>
+            <a:r>
+              <a:rPr lang="ko-KR" altLang="en-US" dirty="0">
+                <a:latin typeface="나눔스퀘어 Light" panose="020B0600000101010101" pitchFamily="50" charset="-127"/>
+                <a:ea typeface="나눔스퀘어 Light" panose="020B0600000101010101" pitchFamily="50" charset="-127"/>
+              </a:rPr>
+              <a:t>에 들어간 수를 </a:t>
+            </a:r>
+            <a:r>
+              <a:rPr lang="en-US" altLang="ko-KR" dirty="0">
+                <a:latin typeface="나눔스퀘어 Light" panose="020B0600000101010101" pitchFamily="50" charset="-127"/>
+                <a:ea typeface="나눔스퀘어 Light" panose="020B0600000101010101" pitchFamily="50" charset="-127"/>
               </a:rPr>
               <a:t>LIS</a:t>
             </a:r>
             <a:r>
               <a:rPr lang="ko-KR" altLang="en-US" dirty="0">
-                <a:solidFill>
-                  <a:srgbClr val="FF0000"/>
-                </a:solidFill>
-                <a:latin typeface="나눔스퀘어 Bold" panose="020B0600000101010101" pitchFamily="50" charset="-127"/>
-                <a:ea typeface="나눔스퀘어 Bold" panose="020B0600000101010101" pitchFamily="50" charset="-127"/>
-              </a:rPr>
-              <a:t>의 길이</a:t>
-            </a:r>
-            <a:r>
-              <a:rPr lang="ko-KR" altLang="en-US" dirty="0">
-                <a:latin typeface="나눔스퀘어 Light" panose="020B0600000101010101" pitchFamily="50" charset="-127"/>
-                <a:ea typeface="나눔스퀘어 Light" panose="020B0600000101010101" pitchFamily="50" charset="-127"/>
-              </a:rPr>
-              <a:t>와 최대값을 </a:t>
-            </a:r>
-            <a:r>
-              <a:rPr lang="ko-KR" altLang="en-US" dirty="0">
-                <a:solidFill>
-                  <a:srgbClr val="FF0000"/>
-                </a:solidFill>
-                <a:latin typeface="나눔스퀘어 Bold" panose="020B0600000101010101" pitchFamily="50" charset="-127"/>
-                <a:ea typeface="나눔스퀘어 Bold" panose="020B0600000101010101" pitchFamily="50" charset="-127"/>
-              </a:rPr>
-              <a:t>알고 있다면</a:t>
-            </a:r>
-            <a:r>
-              <a:rPr lang="en-US" altLang="ko-KR" dirty="0">
-                <a:latin typeface="나눔스퀘어 Light" panose="020B0600000101010101" pitchFamily="50" charset="-127"/>
-                <a:ea typeface="나눔스퀘어 Light" panose="020B0600000101010101" pitchFamily="50" charset="-127"/>
-              </a:rPr>
-              <a:t>, </a:t>
-            </a:r>
-            <a:r>
-              <a:rPr lang="en-US" altLang="ko-KR" dirty="0">
-                <a:latin typeface="나눔스퀘어 Bold" panose="020B0600000101010101" pitchFamily="50" charset="-127"/>
-                <a:ea typeface="나눔스퀘어 Bold" panose="020B0600000101010101" pitchFamily="50" charset="-127"/>
-              </a:rPr>
-              <a:t>index</a:t>
-            </a:r>
-            <a:r>
-              <a:rPr lang="ko-KR" altLang="en-US" dirty="0">
-                <a:latin typeface="나눔스퀘어 Bold" panose="020B0600000101010101" pitchFamily="50" charset="-127"/>
-                <a:ea typeface="나눔스퀘어 Bold" panose="020B0600000101010101" pitchFamily="50" charset="-127"/>
-              </a:rPr>
-              <a:t> 에서의 </a:t>
-            </a:r>
-            <a:r>
-              <a:rPr lang="en-US" altLang="ko-KR" dirty="0">
-                <a:latin typeface="나눔스퀘어 Bold" panose="020B0600000101010101" pitchFamily="50" charset="-127"/>
-                <a:ea typeface="나눔스퀘어 Bold" panose="020B0600000101010101" pitchFamily="50" charset="-127"/>
-              </a:rPr>
-              <a:t>LIS</a:t>
-            </a:r>
-            <a:r>
-              <a:rPr lang="ko-KR" altLang="en-US" dirty="0">
-                <a:latin typeface="나눔스퀘어 Bold" panose="020B0600000101010101" pitchFamily="50" charset="-127"/>
-                <a:ea typeface="나눔스퀘어 Bold" panose="020B0600000101010101" pitchFamily="50" charset="-127"/>
-              </a:rPr>
-              <a:t>의 길이를 알 수 있습니다</a:t>
-            </a:r>
-            <a:r>
-              <a:rPr lang="en-US" altLang="ko-KR" dirty="0">
-                <a:latin typeface="나눔스퀘어 Light" panose="020B0600000101010101" pitchFamily="50" charset="-127"/>
-                <a:ea typeface="나눔스퀘어 Light" panose="020B0600000101010101" pitchFamily="50" charset="-127"/>
-              </a:rPr>
-              <a:t>.</a:t>
-            </a:r>
-            <a:endParaRPr lang="ko-KR" altLang="en-US" dirty="0">
-              <a:latin typeface="나눔스퀘어 Light" panose="020B0600000101010101" pitchFamily="50" charset="-127"/>
-              <a:ea typeface="나눔스퀘어 Light" panose="020B0600000101010101" pitchFamily="50" charset="-127"/>
-            </a:endParaRPr>
+                <a:latin typeface="나눔스퀘어 Light" panose="020B0600000101010101" pitchFamily="50" charset="-127"/>
+                <a:ea typeface="나눔스퀘어 Light" panose="020B0600000101010101" pitchFamily="50" charset="-127"/>
+              </a:rPr>
+              <a:t>에 포함시켜야 함을</a:t>
+            </a:r>
           </a:p>
         </p:txBody>
       </p:sp>
@@ -21031,11 +20954,17 @@
           <p:cNvGraphicFramePr>
             <a:graphicFrameLocks noGrp="1"/>
           </p:cNvGraphicFramePr>
-          <p:nvPr/>
+          <p:nvPr>
+            <p:extLst>
+              <p:ext uri="{D42A27DB-BD31-4B8C-83A1-F6EECF244321}">
+                <p14:modId xmlns:p14="http://schemas.microsoft.com/office/powerpoint/2010/main" val="733680941"/>
+              </p:ext>
+            </p:extLst>
+          </p:nvPr>
         </p:nvGraphicFramePr>
         <p:xfrm>
-          <a:off x="942387" y="4166911"/>
-          <a:ext cx="3832815" cy="370840"/>
+          <a:off x="942387" y="4396123"/>
+          <a:ext cx="3832818" cy="370840"/>
         </p:xfrm>
         <a:graphic>
           <a:graphicData uri="http://schemas.openxmlformats.org/drawingml/2006/table">
@@ -21044,38 +20973,45 @@
                 <a:tableStyleId>{5C22544A-7EE6-4342-B048-85BDC9FD1C3A}</a:tableStyleId>
               </a:tblPr>
               <a:tblGrid>
-                <a:gridCol w="766563">
+                <a:gridCol w="638803">
                   <a:extLst>
                     <a:ext uri="{9D8B030D-6E8A-4147-A177-3AD203B41FA5}">
                       <a16:colId xmlns:a16="http://schemas.microsoft.com/office/drawing/2014/main" val="161864414"/>
                     </a:ext>
                   </a:extLst>
                 </a:gridCol>
-                <a:gridCol w="766563">
+                <a:gridCol w="638803">
                   <a:extLst>
                     <a:ext uri="{9D8B030D-6E8A-4147-A177-3AD203B41FA5}">
                       <a16:colId xmlns:a16="http://schemas.microsoft.com/office/drawing/2014/main" val="1564010514"/>
                     </a:ext>
                   </a:extLst>
                 </a:gridCol>
-                <a:gridCol w="766563">
+                <a:gridCol w="638803">
                   <a:extLst>
                     <a:ext uri="{9D8B030D-6E8A-4147-A177-3AD203B41FA5}">
                       <a16:colId xmlns:a16="http://schemas.microsoft.com/office/drawing/2014/main" val="1697722932"/>
                     </a:ext>
                   </a:extLst>
                 </a:gridCol>
-                <a:gridCol w="766563">
+                <a:gridCol w="638803">
                   <a:extLst>
                     <a:ext uri="{9D8B030D-6E8A-4147-A177-3AD203B41FA5}">
                       <a16:colId xmlns:a16="http://schemas.microsoft.com/office/drawing/2014/main" val="2034512798"/>
                     </a:ext>
                   </a:extLst>
                 </a:gridCol>
-                <a:gridCol w="766563">
+                <a:gridCol w="638803">
                   <a:extLst>
                     <a:ext uri="{9D8B030D-6E8A-4147-A177-3AD203B41FA5}">
                       <a16:colId xmlns:a16="http://schemas.microsoft.com/office/drawing/2014/main" val="38723595"/>
+                    </a:ext>
+                  </a:extLst>
+                </a:gridCol>
+                <a:gridCol w="638803">
+                  <a:extLst>
+                    <a:ext uri="{9D8B030D-6E8A-4147-A177-3AD203B41FA5}">
+                      <a16:colId xmlns:a16="http://schemas.microsoft.com/office/drawing/2014/main" val="1222555476"/>
                     </a:ext>
                   </a:extLst>
                 </a:gridCol>
@@ -21089,10 +21025,37 @@
                       <a:pPr algn="ctr" latinLnBrk="1"/>
                       <a:r>
                         <a:rPr lang="en-US" altLang="ko-KR" b="0" dirty="0">
+                          <a:solidFill>
+                            <a:schemeClr val="tx1"/>
+                          </a:solidFill>
+                          <a:latin typeface="나눔스퀘어 Bold" panose="020B0600000101010101" pitchFamily="50" charset="-127"/>
+                          <a:ea typeface="나눔스퀘어 Bold" panose="020B0600000101010101" pitchFamily="50" charset="-127"/>
+                        </a:rPr>
+                        <a:t>10</a:t>
+                      </a:r>
+                      <a:endParaRPr lang="ko-KR" altLang="en-US" b="0" dirty="0">
+                        <a:solidFill>
+                          <a:schemeClr val="tx1"/>
+                        </a:solidFill>
+                        <a:latin typeface="나눔스퀘어 Bold" panose="020B0600000101010101" pitchFamily="50" charset="-127"/>
+                        <a:ea typeface="나눔스퀘어 Bold" panose="020B0600000101010101" pitchFamily="50" charset="-127"/>
+                      </a:endParaRPr>
+                    </a:p>
+                  </a:txBody>
+                  <a:tcPr/>
+                </a:tc>
+                <a:tc>
+                  <a:txBody>
+                    <a:bodyPr/>
+                    <a:lstStyle/>
+                    <a:p>
+                      <a:pPr algn="ctr" latinLnBrk="1"/>
+                      <a:r>
+                        <a:rPr lang="en-US" altLang="ko-KR" b="0" dirty="0">
                           <a:latin typeface="나눔스퀘어 Light" panose="020B0600000101010101" pitchFamily="50" charset="-127"/>
                           <a:ea typeface="나눔스퀘어 Light" panose="020B0600000101010101" pitchFamily="50" charset="-127"/>
                         </a:rPr>
-                        <a:t>1</a:t>
+                        <a:t>20</a:t>
                       </a:r>
                       <a:endParaRPr lang="ko-KR" altLang="en-US" b="0" dirty="0">
                         <a:latin typeface="나눔스퀘어 Light" panose="020B0600000101010101" pitchFamily="50" charset="-127"/>
@@ -21113,7 +21076,7 @@
                           <a:latin typeface="나눔스퀘어 Light" panose="020B0600000101010101" pitchFamily="50" charset="-127"/>
                           <a:ea typeface="나눔스퀘어 Light" panose="020B0600000101010101" pitchFamily="50" charset="-127"/>
                         </a:rPr>
-                        <a:t>2</a:t>
+                        <a:t>10</a:t>
                       </a:r>
                       <a:endParaRPr lang="ko-KR" altLang="en-US" b="0" dirty="0">
                         <a:latin typeface="나눔스퀘어 Light" panose="020B0600000101010101" pitchFamily="50" charset="-127"/>
@@ -21134,7 +21097,7 @@
                           <a:latin typeface="나눔스퀘어 Light" panose="020B0600000101010101" pitchFamily="50" charset="-127"/>
                           <a:ea typeface="나눔스퀘어 Light" panose="020B0600000101010101" pitchFamily="50" charset="-127"/>
                         </a:rPr>
-                        <a:t>4</a:t>
+                        <a:t>30</a:t>
                       </a:r>
                       <a:endParaRPr lang="ko-KR" altLang="en-US" b="0" dirty="0">
                         <a:latin typeface="나눔스퀘어 Light" panose="020B0600000101010101" pitchFamily="50" charset="-127"/>
@@ -21155,7 +21118,7 @@
                           <a:latin typeface="나눔스퀘어 Light" panose="020B0600000101010101" pitchFamily="50" charset="-127"/>
                           <a:ea typeface="나눔스퀘어 Light" panose="020B0600000101010101" pitchFamily="50" charset="-127"/>
                         </a:rPr>
-                        <a:t>…</a:t>
+                        <a:t>20</a:t>
                       </a:r>
                       <a:endParaRPr lang="ko-KR" altLang="en-US" b="0" dirty="0">
                         <a:latin typeface="나눔스퀘어 Light" panose="020B0600000101010101" pitchFamily="50" charset="-127"/>
@@ -21176,7 +21139,7 @@
                           <a:latin typeface="나눔스퀘어 Light" panose="020B0600000101010101" pitchFamily="50" charset="-127"/>
                           <a:ea typeface="나눔스퀘어 Light" panose="020B0600000101010101" pitchFamily="50" charset="-127"/>
                         </a:rPr>
-                        <a:t>6</a:t>
+                        <a:t>50</a:t>
                       </a:r>
                       <a:endParaRPr lang="ko-KR" altLang="en-US" b="0" dirty="0">
                         <a:latin typeface="나눔스퀘어 Light" panose="020B0600000101010101" pitchFamily="50" charset="-127"/>
@@ -21198,10 +21161,10 @@
       </p:graphicFrame>
       <p:sp>
         <p:nvSpPr>
-          <p:cNvPr id="9" name="TextBox 8">
-            <a:extLst>
-              <a:ext uri="{FF2B5EF4-FFF2-40B4-BE49-F238E27FC236}">
-                <a16:creationId xmlns:a16="http://schemas.microsoft.com/office/drawing/2014/main" id="{ECCD1118-8AC5-4000-A2FD-A315A0272CA4}"/>
+          <p:cNvPr id="10" name="TextBox 9">
+            <a:extLst>
+              <a:ext uri="{FF2B5EF4-FFF2-40B4-BE49-F238E27FC236}">
+                <a16:creationId xmlns:a16="http://schemas.microsoft.com/office/drawing/2014/main" id="{49E50F23-3628-427D-80DF-B5297E845953}"/>
               </a:ext>
             </a:extLst>
           </p:cNvPr>
@@ -21210,8 +21173,8 @@
         </p:nvSpPr>
         <p:spPr>
           <a:xfrm>
-            <a:off x="942387" y="5185536"/>
-            <a:ext cx="10313217" cy="369332"/>
+            <a:off x="942387" y="3937746"/>
+            <a:ext cx="767646" cy="369332"/>
           </a:xfrm>
           <a:prstGeom prst="rect">
             <a:avLst/>
@@ -21224,89 +21187,13 @@
           </a:bodyPr>
           <a:lstStyle/>
           <a:p>
-            <a:r>
-              <a:rPr lang="ko-KR" altLang="en-US" dirty="0">
-                <a:latin typeface="나눔스퀘어 Light" panose="020B0600000101010101" pitchFamily="50" charset="-127"/>
-                <a:ea typeface="나눔스퀘어 Light" panose="020B0600000101010101" pitchFamily="50" charset="-127"/>
-              </a:rPr>
-              <a:t>만약</a:t>
-            </a:r>
-            <a:r>
-              <a:rPr lang="en-US" altLang="ko-KR" dirty="0">
-                <a:latin typeface="나눔스퀘어 Light" panose="020B0600000101010101" pitchFamily="50" charset="-127"/>
-                <a:ea typeface="나눔스퀘어 Light" panose="020B0600000101010101" pitchFamily="50" charset="-127"/>
-              </a:rPr>
-              <a:t>, index – 1 </a:t>
-            </a:r>
-            <a:r>
-              <a:rPr lang="ko-KR" altLang="en-US" dirty="0">
-                <a:latin typeface="나눔스퀘어 Light" panose="020B0600000101010101" pitchFamily="50" charset="-127"/>
-                <a:ea typeface="나눔스퀘어 Light" panose="020B0600000101010101" pitchFamily="50" charset="-127"/>
-              </a:rPr>
-              <a:t>까지의 </a:t>
-            </a:r>
-            <a:r>
-              <a:rPr lang="en-US" altLang="ko-KR" dirty="0">
-                <a:latin typeface="나눔스퀘어 Light" panose="020B0600000101010101" pitchFamily="50" charset="-127"/>
-                <a:ea typeface="나눔스퀘어 Light" panose="020B0600000101010101" pitchFamily="50" charset="-127"/>
-              </a:rPr>
-              <a:t>LIS</a:t>
-            </a:r>
-            <a:r>
-              <a:rPr lang="ko-KR" altLang="en-US" dirty="0">
-                <a:latin typeface="나눔스퀘어 Light" panose="020B0600000101010101" pitchFamily="50" charset="-127"/>
-                <a:ea typeface="나눔스퀘어 Light" panose="020B0600000101010101" pitchFamily="50" charset="-127"/>
-              </a:rPr>
-              <a:t>의 길이가 </a:t>
-            </a:r>
-            <a:r>
-              <a:rPr lang="en-US" altLang="ko-KR" dirty="0">
-                <a:latin typeface="나눔스퀘어 Light" panose="020B0600000101010101" pitchFamily="50" charset="-127"/>
-                <a:ea typeface="나눔스퀘어 Light" panose="020B0600000101010101" pitchFamily="50" charset="-127"/>
-              </a:rPr>
-              <a:t>3 </a:t>
-            </a:r>
-            <a:r>
-              <a:rPr lang="ko-KR" altLang="en-US" dirty="0">
-                <a:latin typeface="나눔스퀘어 Light" panose="020B0600000101010101" pitchFamily="50" charset="-127"/>
-                <a:ea typeface="나눔스퀘어 Light" panose="020B0600000101010101" pitchFamily="50" charset="-127"/>
-              </a:rPr>
-              <a:t>임을 알고 있다면</a:t>
-            </a:r>
-            <a:r>
-              <a:rPr lang="en-US" altLang="ko-KR" dirty="0">
-                <a:latin typeface="나눔스퀘어 Light" panose="020B0600000101010101" pitchFamily="50" charset="-127"/>
-                <a:ea typeface="나눔스퀘어 Light" panose="020B0600000101010101" pitchFamily="50" charset="-127"/>
-              </a:rPr>
-              <a:t>, index</a:t>
-            </a:r>
-            <a:r>
-              <a:rPr lang="ko-KR" altLang="en-US" dirty="0">
-                <a:latin typeface="나눔스퀘어 Light" panose="020B0600000101010101" pitchFamily="50" charset="-127"/>
-                <a:ea typeface="나눔스퀘어 Light" panose="020B0600000101010101" pitchFamily="50" charset="-127"/>
-              </a:rPr>
-              <a:t>에서의 </a:t>
-            </a:r>
-            <a:r>
-              <a:rPr lang="en-US" altLang="ko-KR" dirty="0">
-                <a:latin typeface="나눔스퀘어 Light" panose="020B0600000101010101" pitchFamily="50" charset="-127"/>
-                <a:ea typeface="나눔스퀘어 Light" panose="020B0600000101010101" pitchFamily="50" charset="-127"/>
-              </a:rPr>
-              <a:t>LIS </a:t>
-            </a:r>
-            <a:r>
-              <a:rPr lang="ko-KR" altLang="en-US" dirty="0">
-                <a:latin typeface="나눔스퀘어 Light" panose="020B0600000101010101" pitchFamily="50" charset="-127"/>
-                <a:ea typeface="나눔스퀘어 Light" panose="020B0600000101010101" pitchFamily="50" charset="-127"/>
-              </a:rPr>
-              <a:t>길이를 구할 수 있습니다</a:t>
-            </a:r>
-            <a:r>
-              <a:rPr lang="en-US" altLang="ko-KR" dirty="0">
-                <a:latin typeface="나눔스퀘어 Light" panose="020B0600000101010101" pitchFamily="50" charset="-127"/>
-                <a:ea typeface="나눔스퀘어 Light" panose="020B0600000101010101" pitchFamily="50" charset="-127"/>
-              </a:rPr>
-              <a:t>.</a:t>
+            <a:pPr algn="ctr"/>
+            <a:r>
+              <a:rPr lang="en-US" altLang="ko-KR" dirty="0">
+                <a:latin typeface="나눔스퀘어 Light" panose="020B0600000101010101" pitchFamily="50" charset="-127"/>
+                <a:ea typeface="나눔스퀘어 Light" panose="020B0600000101010101" pitchFamily="50" charset="-127"/>
+              </a:rPr>
+              <a:t>A[]</a:t>
             </a:r>
             <a:endParaRPr lang="ko-KR" altLang="en-US" dirty="0">
               <a:latin typeface="나눔스퀘어 Light" panose="020B0600000101010101" pitchFamily="50" charset="-127"/>
@@ -21315,95 +21202,6 @@
           </a:p>
         </p:txBody>
       </p:sp>
-      <p:sp>
-        <p:nvSpPr>
-          <p:cNvPr id="10" name="TextBox 9">
-            <a:extLst>
-              <a:ext uri="{FF2B5EF4-FFF2-40B4-BE49-F238E27FC236}">
-                <a16:creationId xmlns:a16="http://schemas.microsoft.com/office/drawing/2014/main" id="{49E50F23-3628-427D-80DF-B5297E845953}"/>
-              </a:ext>
-            </a:extLst>
-          </p:cNvPr>
-          <p:cNvSpPr txBox="1"/>
-          <p:nvPr/>
-        </p:nvSpPr>
-        <p:spPr>
-          <a:xfrm>
-            <a:off x="4007557" y="3708534"/>
-            <a:ext cx="767646" cy="369332"/>
-          </a:xfrm>
-          <a:prstGeom prst="rect">
-            <a:avLst/>
-          </a:prstGeom>
-          <a:noFill/>
-        </p:spPr>
-        <p:txBody>
-          <a:bodyPr wrap="square" rtlCol="0">
-            <a:spAutoFit/>
-          </a:bodyPr>
-          <a:lstStyle/>
-          <a:p>
-            <a:pPr algn="ctr"/>
-            <a:r>
-              <a:rPr lang="en-US" altLang="ko-KR" dirty="0">
-                <a:latin typeface="나눔스퀘어 Light" panose="020B0600000101010101" pitchFamily="50" charset="-127"/>
-                <a:ea typeface="나눔스퀘어 Light" panose="020B0600000101010101" pitchFamily="50" charset="-127"/>
-              </a:rPr>
-              <a:t>index</a:t>
-            </a:r>
-            <a:endParaRPr lang="ko-KR" altLang="en-US" dirty="0">
-              <a:latin typeface="나눔스퀘어 Light" panose="020B0600000101010101" pitchFamily="50" charset="-127"/>
-              <a:ea typeface="나눔스퀘어 Light" panose="020B0600000101010101" pitchFamily="50" charset="-127"/>
-            </a:endParaRPr>
-          </a:p>
-        </p:txBody>
-      </p:sp>
-      <p:sp>
-        <p:nvSpPr>
-          <p:cNvPr id="3" name="화살표: 아래쪽 2">
-            <a:extLst>
-              <a:ext uri="{FF2B5EF4-FFF2-40B4-BE49-F238E27FC236}">
-                <a16:creationId xmlns:a16="http://schemas.microsoft.com/office/drawing/2014/main" id="{F0A0676D-1277-4E20-A88D-3CC0BE02F29E}"/>
-              </a:ext>
-            </a:extLst>
-          </p:cNvPr>
-          <p:cNvSpPr/>
-          <p:nvPr/>
-        </p:nvSpPr>
-        <p:spPr>
-          <a:xfrm flipV="1">
-            <a:off x="3454399" y="4753005"/>
-            <a:ext cx="338667" cy="370840"/>
-          </a:xfrm>
-          <a:prstGeom prst="downArrow">
-            <a:avLst/>
-          </a:prstGeom>
-        </p:spPr>
-        <p:style>
-          <a:lnRef idx="2">
-            <a:schemeClr val="accent1">
-              <a:shade val="50000"/>
-            </a:schemeClr>
-          </a:lnRef>
-          <a:fillRef idx="1">
-            <a:schemeClr val="accent1"/>
-          </a:fillRef>
-          <a:effectRef idx="0">
-            <a:schemeClr val="accent1"/>
-          </a:effectRef>
-          <a:fontRef idx="minor">
-            <a:schemeClr val="lt1"/>
-          </a:fontRef>
-        </p:style>
-        <p:txBody>
-          <a:bodyPr rtlCol="0" anchor="ctr"/>
-          <a:lstStyle/>
-          <a:p>
-            <a:pPr algn="ctr"/>
-            <a:endParaRPr lang="ko-KR" altLang="en-US"/>
-          </a:p>
-        </p:txBody>
-      </p:sp>
       <p:graphicFrame>
         <p:nvGraphicFramePr>
           <p:cNvPr id="12" name="표 2">
@@ -21416,11 +21214,17 @@
           <p:cNvGraphicFramePr>
             <a:graphicFrameLocks noGrp="1"/>
           </p:cNvGraphicFramePr>
-          <p:nvPr/>
+          <p:nvPr>
+            <p:extLst>
+              <p:ext uri="{D42A27DB-BD31-4B8C-83A1-F6EECF244321}">
+                <p14:modId xmlns:p14="http://schemas.microsoft.com/office/powerpoint/2010/main" val="1284779571"/>
+              </p:ext>
+            </p:extLst>
+          </p:nvPr>
         </p:nvGraphicFramePr>
         <p:xfrm>
-          <a:off x="6096000" y="4166911"/>
-          <a:ext cx="3832815" cy="370840"/>
+          <a:off x="6096000" y="4396123"/>
+          <a:ext cx="3832818" cy="370840"/>
         </p:xfrm>
         <a:graphic>
           <a:graphicData uri="http://schemas.openxmlformats.org/drawingml/2006/table">
@@ -21429,38 +21233,45 @@
                 <a:tableStyleId>{5C22544A-7EE6-4342-B048-85BDC9FD1C3A}</a:tableStyleId>
               </a:tblPr>
               <a:tblGrid>
-                <a:gridCol w="766563">
+                <a:gridCol w="638803">
                   <a:extLst>
                     <a:ext uri="{9D8B030D-6E8A-4147-A177-3AD203B41FA5}">
                       <a16:colId xmlns:a16="http://schemas.microsoft.com/office/drawing/2014/main" val="161864414"/>
                     </a:ext>
                   </a:extLst>
                 </a:gridCol>
-                <a:gridCol w="766563">
+                <a:gridCol w="638803">
                   <a:extLst>
                     <a:ext uri="{9D8B030D-6E8A-4147-A177-3AD203B41FA5}">
                       <a16:colId xmlns:a16="http://schemas.microsoft.com/office/drawing/2014/main" val="1564010514"/>
                     </a:ext>
                   </a:extLst>
                 </a:gridCol>
-                <a:gridCol w="766563">
+                <a:gridCol w="638803">
                   <a:extLst>
                     <a:ext uri="{9D8B030D-6E8A-4147-A177-3AD203B41FA5}">
                       <a16:colId xmlns:a16="http://schemas.microsoft.com/office/drawing/2014/main" val="1697722932"/>
                     </a:ext>
                   </a:extLst>
                 </a:gridCol>
-                <a:gridCol w="766563">
+                <a:gridCol w="638803">
                   <a:extLst>
                     <a:ext uri="{9D8B030D-6E8A-4147-A177-3AD203B41FA5}">
                       <a16:colId xmlns:a16="http://schemas.microsoft.com/office/drawing/2014/main" val="2034512798"/>
                     </a:ext>
                   </a:extLst>
                 </a:gridCol>
-                <a:gridCol w="766563">
+                <a:gridCol w="638803">
                   <a:extLst>
                     <a:ext uri="{9D8B030D-6E8A-4147-A177-3AD203B41FA5}">
                       <a16:colId xmlns:a16="http://schemas.microsoft.com/office/drawing/2014/main" val="38723595"/>
+                    </a:ext>
+                  </a:extLst>
+                </a:gridCol>
+                <a:gridCol w="638803">
+                  <a:extLst>
+                    <a:ext uri="{9D8B030D-6E8A-4147-A177-3AD203B41FA5}">
+                      <a16:colId xmlns:a16="http://schemas.microsoft.com/office/drawing/2014/main" val="3609796615"/>
                     </a:ext>
                   </a:extLst>
                 </a:gridCol>
@@ -21474,10 +21285,850 @@
                       <a:pPr algn="ctr" latinLnBrk="1"/>
                       <a:r>
                         <a:rPr lang="en-US" altLang="ko-KR" b="0" dirty="0">
+                          <a:solidFill>
+                            <a:schemeClr val="tx1"/>
+                          </a:solidFill>
+                          <a:latin typeface="나눔스퀘어 Bold" panose="020B0600000101010101" pitchFamily="50" charset="-127"/>
+                          <a:ea typeface="나눔스퀘어 Bold" panose="020B0600000101010101" pitchFamily="50" charset="-127"/>
+                        </a:rPr>
+                        <a:t>1</a:t>
+                      </a:r>
+                      <a:endParaRPr lang="ko-KR" altLang="en-US" b="0" dirty="0">
+                        <a:solidFill>
+                          <a:schemeClr val="tx1"/>
+                        </a:solidFill>
+                        <a:latin typeface="나눔스퀘어 Bold" panose="020B0600000101010101" pitchFamily="50" charset="-127"/>
+                        <a:ea typeface="나눔스퀘어 Bold" panose="020B0600000101010101" pitchFamily="50" charset="-127"/>
+                      </a:endParaRPr>
+                    </a:p>
+                  </a:txBody>
+                  <a:tcPr/>
+                </a:tc>
+                <a:tc>
+                  <a:txBody>
+                    <a:bodyPr/>
+                    <a:lstStyle/>
+                    <a:p>
+                      <a:pPr algn="ctr" latinLnBrk="1"/>
+                      <a:endParaRPr lang="ko-KR" altLang="en-US" b="0" dirty="0">
+                        <a:latin typeface="나눔스퀘어 Light" panose="020B0600000101010101" pitchFamily="50" charset="-127"/>
+                        <a:ea typeface="나눔스퀘어 Light" panose="020B0600000101010101" pitchFamily="50" charset="-127"/>
+                      </a:endParaRPr>
+                    </a:p>
+                  </a:txBody>
+                  <a:tcPr/>
+                </a:tc>
+                <a:tc>
+                  <a:txBody>
+                    <a:bodyPr/>
+                    <a:lstStyle/>
+                    <a:p>
+                      <a:pPr algn="ctr" latinLnBrk="1"/>
+                      <a:endParaRPr lang="ko-KR" altLang="en-US" b="0" dirty="0">
+                        <a:latin typeface="나눔스퀘어 Light" panose="020B0600000101010101" pitchFamily="50" charset="-127"/>
+                        <a:ea typeface="나눔스퀘어 Light" panose="020B0600000101010101" pitchFamily="50" charset="-127"/>
+                      </a:endParaRPr>
+                    </a:p>
+                  </a:txBody>
+                  <a:tcPr/>
+                </a:tc>
+                <a:tc>
+                  <a:txBody>
+                    <a:bodyPr/>
+                    <a:lstStyle/>
+                    <a:p>
+                      <a:pPr algn="ctr" latinLnBrk="1"/>
+                      <a:endParaRPr lang="ko-KR" altLang="en-US" b="0" dirty="0">
+                        <a:latin typeface="나눔스퀘어 Light" panose="020B0600000101010101" pitchFamily="50" charset="-127"/>
+                        <a:ea typeface="나눔스퀘어 Light" panose="020B0600000101010101" pitchFamily="50" charset="-127"/>
+                      </a:endParaRPr>
+                    </a:p>
+                  </a:txBody>
+                  <a:tcPr/>
+                </a:tc>
+                <a:tc>
+                  <a:txBody>
+                    <a:bodyPr/>
+                    <a:lstStyle/>
+                    <a:p>
+                      <a:pPr algn="ctr" latinLnBrk="1"/>
+                      <a:endParaRPr lang="ko-KR" altLang="en-US" b="0" dirty="0">
+                        <a:latin typeface="나눔스퀘어 Light" panose="020B0600000101010101" pitchFamily="50" charset="-127"/>
+                        <a:ea typeface="나눔스퀘어 Light" panose="020B0600000101010101" pitchFamily="50" charset="-127"/>
+                      </a:endParaRPr>
+                    </a:p>
+                  </a:txBody>
+                  <a:tcPr/>
+                </a:tc>
+                <a:tc>
+                  <a:txBody>
+                    <a:bodyPr/>
+                    <a:lstStyle/>
+                    <a:p>
+                      <a:pPr algn="ctr" latinLnBrk="1"/>
+                      <a:endParaRPr lang="ko-KR" altLang="en-US" b="0" dirty="0">
+                        <a:latin typeface="나눔스퀘어 Light" panose="020B0600000101010101" pitchFamily="50" charset="-127"/>
+                        <a:ea typeface="나눔스퀘어 Light" panose="020B0600000101010101" pitchFamily="50" charset="-127"/>
+                      </a:endParaRPr>
+                    </a:p>
+                  </a:txBody>
+                  <a:tcPr/>
+                </a:tc>
+                <a:extLst>
+                  <a:ext uri="{0D108BD9-81ED-4DB2-BD59-A6C34878D82A}">
+                    <a16:rowId xmlns:a16="http://schemas.microsoft.com/office/drawing/2014/main" val="2178751425"/>
+                  </a:ext>
+                </a:extLst>
+              </a:tr>
+            </a:tbl>
+          </a:graphicData>
+        </a:graphic>
+      </p:graphicFrame>
+      <p:sp>
+        <p:nvSpPr>
+          <p:cNvPr id="13" name="TextBox 12">
+            <a:extLst>
+              <a:ext uri="{FF2B5EF4-FFF2-40B4-BE49-F238E27FC236}">
+                <a16:creationId xmlns:a16="http://schemas.microsoft.com/office/drawing/2014/main" id="{A6361AE8-9953-467B-8F2E-74859EF376FE}"/>
+              </a:ext>
+            </a:extLst>
+          </p:cNvPr>
+          <p:cNvSpPr txBox="1"/>
+          <p:nvPr/>
+        </p:nvSpPr>
+        <p:spPr>
+          <a:xfrm>
+            <a:off x="6096000" y="3937746"/>
+            <a:ext cx="767646" cy="369332"/>
+          </a:xfrm>
+          <a:prstGeom prst="rect">
+            <a:avLst/>
+          </a:prstGeom>
+          <a:noFill/>
+        </p:spPr>
+        <p:txBody>
+          <a:bodyPr wrap="square" rtlCol="0">
+            <a:spAutoFit/>
+          </a:bodyPr>
+          <a:lstStyle/>
+          <a:p>
+            <a:pPr algn="ctr"/>
+            <a:r>
+              <a:rPr lang="en-US" altLang="ko-KR" dirty="0" err="1">
+                <a:latin typeface="나눔스퀘어 Light" panose="020B0600000101010101" pitchFamily="50" charset="-127"/>
+                <a:ea typeface="나눔스퀘어 Light" panose="020B0600000101010101" pitchFamily="50" charset="-127"/>
+              </a:rPr>
+              <a:t>dp</a:t>
+            </a:r>
+            <a:r>
+              <a:rPr lang="en-US" altLang="ko-KR" dirty="0">
+                <a:latin typeface="나눔스퀘어 Light" panose="020B0600000101010101" pitchFamily="50" charset="-127"/>
+                <a:ea typeface="나눔스퀘어 Light" panose="020B0600000101010101" pitchFamily="50" charset="-127"/>
+              </a:rPr>
+              <a:t>[]</a:t>
+            </a:r>
+            <a:endParaRPr lang="ko-KR" altLang="en-US" dirty="0">
+              <a:latin typeface="나눔스퀘어 Light" panose="020B0600000101010101" pitchFamily="50" charset="-127"/>
+              <a:ea typeface="나눔스퀘어 Light" panose="020B0600000101010101" pitchFamily="50" charset="-127"/>
+            </a:endParaRPr>
+          </a:p>
+        </p:txBody>
+      </p:sp>
+      <p:sp>
+        <p:nvSpPr>
+          <p:cNvPr id="11" name="TextBox 10">
+            <a:extLst>
+              <a:ext uri="{FF2B5EF4-FFF2-40B4-BE49-F238E27FC236}">
+                <a16:creationId xmlns:a16="http://schemas.microsoft.com/office/drawing/2014/main" id="{F442B69B-EAB5-31B9-C9FA-B03CF2439B6D}"/>
+              </a:ext>
+            </a:extLst>
+          </p:cNvPr>
+          <p:cNvSpPr txBox="1"/>
+          <p:nvPr/>
+        </p:nvSpPr>
+        <p:spPr>
+          <a:xfrm>
+            <a:off x="942387" y="2228243"/>
+            <a:ext cx="10313217" cy="369332"/>
+          </a:xfrm>
+          <a:prstGeom prst="rect">
+            <a:avLst/>
+          </a:prstGeom>
+          <a:noFill/>
+        </p:spPr>
+        <p:txBody>
+          <a:bodyPr wrap="square" rtlCol="0">
+            <a:spAutoFit/>
+          </a:bodyPr>
+          <a:lstStyle/>
+          <a:p>
+            <a:r>
+              <a:rPr lang="ko-KR" altLang="en-US" dirty="0">
+                <a:latin typeface="나눔스퀘어 Light" panose="020B0600000101010101" pitchFamily="50" charset="-127"/>
+                <a:ea typeface="나눔스퀘어 Light" panose="020B0600000101010101" pitchFamily="50" charset="-127"/>
+              </a:rPr>
+              <a:t>알 수 있습니다</a:t>
+            </a:r>
+            <a:r>
+              <a:rPr lang="en-US" altLang="ko-KR" dirty="0">
+                <a:latin typeface="나눔스퀘어 Light" panose="020B0600000101010101" pitchFamily="50" charset="-127"/>
+                <a:ea typeface="나눔스퀘어 Light" panose="020B0600000101010101" pitchFamily="50" charset="-127"/>
+              </a:rPr>
+              <a:t>.</a:t>
+            </a:r>
+            <a:endParaRPr lang="ko-KR" altLang="en-US" dirty="0">
+              <a:latin typeface="나눔스퀘어 Light" panose="020B0600000101010101" pitchFamily="50" charset="-127"/>
+              <a:ea typeface="나눔스퀘어 Light" panose="020B0600000101010101" pitchFamily="50" charset="-127"/>
+            </a:endParaRPr>
+          </a:p>
+        </p:txBody>
+      </p:sp>
+      <p:sp>
+        <p:nvSpPr>
+          <p:cNvPr id="15" name="TextBox 14">
+            <a:extLst>
+              <a:ext uri="{FF2B5EF4-FFF2-40B4-BE49-F238E27FC236}">
+                <a16:creationId xmlns:a16="http://schemas.microsoft.com/office/drawing/2014/main" id="{730F81C5-075C-19AF-9CF2-30884C3D838B}"/>
+              </a:ext>
+            </a:extLst>
+          </p:cNvPr>
+          <p:cNvSpPr txBox="1"/>
+          <p:nvPr/>
+        </p:nvSpPr>
+        <p:spPr>
+          <a:xfrm>
+            <a:off x="942387" y="2597858"/>
+            <a:ext cx="10313217" cy="369332"/>
+          </a:xfrm>
+          <a:prstGeom prst="rect">
+            <a:avLst/>
+          </a:prstGeom>
+          <a:noFill/>
+        </p:spPr>
+        <p:txBody>
+          <a:bodyPr wrap="square" rtlCol="0">
+            <a:spAutoFit/>
+          </a:bodyPr>
+          <a:lstStyle/>
+          <a:p>
+            <a:r>
+              <a:rPr lang="en-US" altLang="ko-KR" dirty="0">
+                <a:latin typeface="나눔스퀘어 Light" panose="020B0600000101010101" pitchFamily="50" charset="-127"/>
+                <a:ea typeface="나눔스퀘어 Light" panose="020B0600000101010101" pitchFamily="50" charset="-127"/>
+              </a:rPr>
+              <a:t>ex : {</a:t>
+            </a:r>
+            <a:r>
+              <a:rPr lang="en-US" altLang="ko-KR" dirty="0">
+                <a:latin typeface="나눔스퀘어 Bold" panose="020B0600000101010101" pitchFamily="50" charset="-127"/>
+                <a:ea typeface="나눔스퀘어 Bold" panose="020B0600000101010101" pitchFamily="50" charset="-127"/>
+              </a:rPr>
+              <a:t>0</a:t>
+            </a:r>
+            <a:r>
+              <a:rPr lang="en-US" altLang="ko-KR" dirty="0">
+                <a:latin typeface="나눔스퀘어 Light" panose="020B0600000101010101" pitchFamily="50" charset="-127"/>
+                <a:ea typeface="나눔스퀘어 Light" panose="020B0600000101010101" pitchFamily="50" charset="-127"/>
+              </a:rPr>
+              <a:t>, 2}, {</a:t>
+            </a:r>
+            <a:r>
+              <a:rPr lang="en-US" altLang="ko-KR" dirty="0">
+                <a:latin typeface="나눔스퀘어 Bold" panose="020B0600000101010101" pitchFamily="50" charset="-127"/>
+                <a:ea typeface="나눔스퀘어 Bold" panose="020B0600000101010101" pitchFamily="50" charset="-127"/>
+              </a:rPr>
+              <a:t>3</a:t>
+            </a:r>
+            <a:r>
+              <a:rPr lang="en-US" altLang="ko-KR" dirty="0">
+                <a:latin typeface="나눔스퀘어 Light" panose="020B0600000101010101" pitchFamily="50" charset="-127"/>
+                <a:ea typeface="나눔스퀘어 Light" panose="020B0600000101010101" pitchFamily="50" charset="-127"/>
+              </a:rPr>
+              <a:t>, 1}, {</a:t>
+            </a:r>
+            <a:r>
+              <a:rPr lang="en-US" altLang="ko-KR" dirty="0">
+                <a:latin typeface="나눔스퀘어 Bold" panose="020B0600000101010101" pitchFamily="50" charset="-127"/>
+                <a:ea typeface="나눔스퀘어 Bold" panose="020B0600000101010101" pitchFamily="50" charset="-127"/>
+              </a:rPr>
+              <a:t>10</a:t>
+            </a:r>
+            <a:r>
+              <a:rPr lang="en-US" altLang="ko-KR" dirty="0">
+                <a:latin typeface="나눔스퀘어 Light" panose="020B0600000101010101" pitchFamily="50" charset="-127"/>
+                <a:ea typeface="나눔스퀘어 Light" panose="020B0600000101010101" pitchFamily="50" charset="-127"/>
+              </a:rPr>
+              <a:t>, 20, 10, 30, 20, 50} </a:t>
+            </a:r>
+            <a:r>
+              <a:rPr lang="ko-KR" altLang="en-US" dirty="0">
+                <a:latin typeface="나눔스퀘어 Light" panose="020B0600000101010101" pitchFamily="50" charset="-127"/>
+                <a:ea typeface="나눔스퀘어 Light" panose="020B0600000101010101" pitchFamily="50" charset="-127"/>
+              </a:rPr>
+              <a:t>의 </a:t>
+            </a:r>
+            <a:r>
+              <a:rPr lang="en-US" altLang="ko-KR" dirty="0">
+                <a:latin typeface="나눔스퀘어 Light" panose="020B0600000101010101" pitchFamily="50" charset="-127"/>
+                <a:ea typeface="나눔스퀘어 Light" panose="020B0600000101010101" pitchFamily="50" charset="-127"/>
+              </a:rPr>
+              <a:t>LIS</a:t>
+            </a:r>
+            <a:r>
+              <a:rPr lang="ko-KR" altLang="en-US" dirty="0">
+                <a:latin typeface="나눔스퀘어 Light" panose="020B0600000101010101" pitchFamily="50" charset="-127"/>
+                <a:ea typeface="나눔스퀘어 Light" panose="020B0600000101010101" pitchFamily="50" charset="-127"/>
+              </a:rPr>
+              <a:t>를 구하기 위해서는 결국 </a:t>
+            </a:r>
+            <a:r>
+              <a:rPr lang="en-US" altLang="ko-KR" dirty="0">
+                <a:latin typeface="나눔스퀘어 Light" panose="020B0600000101010101" pitchFamily="50" charset="-127"/>
+                <a:ea typeface="나눔스퀘어 Light" panose="020B0600000101010101" pitchFamily="50" charset="-127"/>
+              </a:rPr>
+              <a:t>A[0]</a:t>
+            </a:r>
+            <a:r>
+              <a:rPr lang="ko-KR" altLang="en-US" dirty="0">
+                <a:latin typeface="나눔스퀘어 Light" panose="020B0600000101010101" pitchFamily="50" charset="-127"/>
+                <a:ea typeface="나눔스퀘어 Light" panose="020B0600000101010101" pitchFamily="50" charset="-127"/>
+              </a:rPr>
+              <a:t>를</a:t>
+            </a:r>
+            <a:r>
+              <a:rPr lang="en-US" altLang="ko-KR" dirty="0">
+                <a:latin typeface="나눔스퀘어 Light" panose="020B0600000101010101" pitchFamily="50" charset="-127"/>
+                <a:ea typeface="나눔스퀘어 Light" panose="020B0600000101010101" pitchFamily="50" charset="-127"/>
+              </a:rPr>
+              <a:t> </a:t>
+            </a:r>
+            <a:r>
+              <a:rPr lang="ko-KR" altLang="en-US" dirty="0" err="1">
+                <a:latin typeface="나눔스퀘어 Light" panose="020B0600000101010101" pitchFamily="50" charset="-127"/>
+                <a:ea typeface="나눔스퀘어 Light" panose="020B0600000101010101" pitchFamily="50" charset="-127"/>
+              </a:rPr>
+              <a:t>포함시키는게</a:t>
+            </a:r>
+            <a:r>
+              <a:rPr lang="ko-KR" altLang="en-US" dirty="0">
+                <a:latin typeface="나눔스퀘어 Light" panose="020B0600000101010101" pitchFamily="50" charset="-127"/>
+                <a:ea typeface="나눔스퀘어 Light" panose="020B0600000101010101" pitchFamily="50" charset="-127"/>
+              </a:rPr>
+              <a:t> 이득</a:t>
+            </a:r>
+          </a:p>
+        </p:txBody>
+      </p:sp>
+      <p:sp>
+        <p:nvSpPr>
+          <p:cNvPr id="18" name="TextBox 17">
+            <a:extLst>
+              <a:ext uri="{FF2B5EF4-FFF2-40B4-BE49-F238E27FC236}">
+                <a16:creationId xmlns:a16="http://schemas.microsoft.com/office/drawing/2014/main" id="{889E6857-72CD-816D-C2AC-1545144D518A}"/>
+              </a:ext>
+            </a:extLst>
+          </p:cNvPr>
+          <p:cNvSpPr txBox="1"/>
+          <p:nvPr/>
+        </p:nvSpPr>
+        <p:spPr>
+          <a:xfrm>
+            <a:off x="942387" y="3267802"/>
+            <a:ext cx="10313217" cy="369332"/>
+          </a:xfrm>
+          <a:prstGeom prst="rect">
+            <a:avLst/>
+          </a:prstGeom>
+          <a:noFill/>
+        </p:spPr>
+        <p:txBody>
+          <a:bodyPr wrap="square" rtlCol="0">
+            <a:spAutoFit/>
+          </a:bodyPr>
+          <a:lstStyle/>
+          <a:p>
+            <a:r>
+              <a:rPr lang="ko-KR" altLang="en-US" dirty="0">
+                <a:latin typeface="나눔스퀘어 Light" panose="020B0600000101010101" pitchFamily="50" charset="-127"/>
+                <a:ea typeface="나눔스퀘어 Light" panose="020B0600000101010101" pitchFamily="50" charset="-127"/>
+              </a:rPr>
+              <a:t>따라서</a:t>
+            </a:r>
+            <a:r>
+              <a:rPr lang="en-US" altLang="ko-KR" dirty="0">
+                <a:latin typeface="나눔스퀘어 Light" panose="020B0600000101010101" pitchFamily="50" charset="-127"/>
+                <a:ea typeface="나눔스퀘어 Light" panose="020B0600000101010101" pitchFamily="50" charset="-127"/>
+              </a:rPr>
+              <a:t>, </a:t>
+            </a:r>
+            <a:r>
+              <a:rPr lang="en-US" altLang="ko-KR" dirty="0" err="1">
+                <a:latin typeface="나눔스퀘어 Light" panose="020B0600000101010101" pitchFamily="50" charset="-127"/>
+                <a:ea typeface="나눔스퀘어 Light" panose="020B0600000101010101" pitchFamily="50" charset="-127"/>
+              </a:rPr>
+              <a:t>dp</a:t>
+            </a:r>
+            <a:r>
+              <a:rPr lang="en-US" altLang="ko-KR" dirty="0">
+                <a:latin typeface="나눔스퀘어 Light" panose="020B0600000101010101" pitchFamily="50" charset="-127"/>
+                <a:ea typeface="나눔스퀘어 Light" panose="020B0600000101010101" pitchFamily="50" charset="-127"/>
+              </a:rPr>
+              <a:t>[0] = 1</a:t>
+            </a:r>
+            <a:r>
+              <a:rPr lang="ko-KR" altLang="en-US" dirty="0">
+                <a:latin typeface="나눔스퀘어 Light" panose="020B0600000101010101" pitchFamily="50" charset="-127"/>
+                <a:ea typeface="나눔스퀘어 Light" panose="020B0600000101010101" pitchFamily="50" charset="-127"/>
+              </a:rPr>
+              <a:t>로 초기화 할 수 있습니다</a:t>
+            </a:r>
+            <a:r>
+              <a:rPr lang="en-US" altLang="ko-KR" dirty="0">
+                <a:latin typeface="나눔스퀘어 Light" panose="020B0600000101010101" pitchFamily="50" charset="-127"/>
+                <a:ea typeface="나눔스퀘어 Light" panose="020B0600000101010101" pitchFamily="50" charset="-127"/>
+              </a:rPr>
+              <a:t>.</a:t>
+            </a:r>
+            <a:endParaRPr lang="ko-KR" altLang="en-US" dirty="0">
+              <a:latin typeface="나눔스퀘어 Light" panose="020B0600000101010101" pitchFamily="50" charset="-127"/>
+              <a:ea typeface="나눔스퀘어 Light" panose="020B0600000101010101" pitchFamily="50" charset="-127"/>
+            </a:endParaRPr>
+          </a:p>
+        </p:txBody>
+      </p:sp>
+    </p:spTree>
+    <p:extLst>
+      <p:ext uri="{BB962C8B-B14F-4D97-AF65-F5344CB8AC3E}">
+        <p14:creationId xmlns:p14="http://schemas.microsoft.com/office/powerpoint/2010/main" val="805077751"/>
+      </p:ext>
+    </p:extLst>
+  </p:cSld>
+  <p:clrMapOvr>
+    <a:masterClrMapping/>
+  </p:clrMapOvr>
+</p:sld>
+</file>
+
+<file path=ppt/slides/slide32.xml><?xml version="1.0" encoding="utf-8"?>
+<p:sld xmlns:a="http://schemas.openxmlformats.org/drawingml/2006/main" xmlns:r="http://schemas.openxmlformats.org/officeDocument/2006/relationships" xmlns:p="http://schemas.openxmlformats.org/presentationml/2006/main">
+  <p:cSld>
+    <p:spTree>
+      <p:nvGrpSpPr>
+        <p:cNvPr id="1" name=""/>
+        <p:cNvGrpSpPr/>
+        <p:nvPr/>
+      </p:nvGrpSpPr>
+      <p:grpSpPr>
+        <a:xfrm>
+          <a:off x="0" y="0"/>
+          <a:ext cx="0" cy="0"/>
+          <a:chOff x="0" y="0"/>
+          <a:chExt cx="0" cy="0"/>
+        </a:xfrm>
+      </p:grpSpPr>
+      <p:cxnSp>
+        <p:nvCxnSpPr>
+          <p:cNvPr id="5" name="직선 연결선 4">
+            <a:extLst>
+              <a:ext uri="{FF2B5EF4-FFF2-40B4-BE49-F238E27FC236}">
+                <a16:creationId xmlns:a16="http://schemas.microsoft.com/office/drawing/2014/main" id="{164C2827-EFCE-69A4-D037-1A218415F568}"/>
+              </a:ext>
+            </a:extLst>
+          </p:cNvPr>
+          <p:cNvCxnSpPr/>
+          <p:nvPr/>
+        </p:nvCxnSpPr>
+        <p:spPr>
+          <a:xfrm>
+            <a:off x="0" y="887505"/>
+            <a:ext cx="10237694" cy="0"/>
+          </a:xfrm>
+          <a:prstGeom prst="line">
+            <a:avLst/>
+          </a:prstGeom>
+          <a:ln w="76200">
+            <a:solidFill>
+              <a:schemeClr val="tx1">
+                <a:lumMod val="75000"/>
+                <a:lumOff val="25000"/>
+              </a:schemeClr>
+            </a:solidFill>
+          </a:ln>
+        </p:spPr>
+        <p:style>
+          <a:lnRef idx="1">
+            <a:schemeClr val="accent1"/>
+          </a:lnRef>
+          <a:fillRef idx="0">
+            <a:schemeClr val="accent1"/>
+          </a:fillRef>
+          <a:effectRef idx="0">
+            <a:schemeClr val="accent1"/>
+          </a:effectRef>
+          <a:fontRef idx="minor">
+            <a:schemeClr val="tx1"/>
+          </a:fontRef>
+        </p:style>
+      </p:cxnSp>
+      <p:sp>
+        <p:nvSpPr>
+          <p:cNvPr id="4" name="TextBox 3">
+            <a:extLst>
+              <a:ext uri="{FF2B5EF4-FFF2-40B4-BE49-F238E27FC236}">
+                <a16:creationId xmlns:a16="http://schemas.microsoft.com/office/drawing/2014/main" id="{59D13859-3C4A-53F0-C48F-C6B9095BD065}"/>
+              </a:ext>
+            </a:extLst>
+          </p:cNvPr>
+          <p:cNvSpPr txBox="1"/>
+          <p:nvPr/>
+        </p:nvSpPr>
+        <p:spPr>
+          <a:xfrm>
+            <a:off x="331694" y="179902"/>
+            <a:ext cx="9506833" cy="523220"/>
+          </a:xfrm>
+          <a:prstGeom prst="rect">
+            <a:avLst/>
+          </a:prstGeom>
+          <a:noFill/>
+        </p:spPr>
+        <p:txBody>
+          <a:bodyPr wrap="none" rtlCol="0">
+            <a:spAutoFit/>
+          </a:bodyPr>
+          <a:lstStyle/>
+          <a:p>
+            <a:r>
+              <a:rPr lang="en-US" altLang="ko-KR" sz="2800" dirty="0">
+                <a:latin typeface="나눔스퀘어 Bold" panose="020B0600000101010101" pitchFamily="50" charset="-127"/>
+                <a:ea typeface="나눔스퀘어 Bold" panose="020B0600000101010101" pitchFamily="50" charset="-127"/>
+              </a:rPr>
+              <a:t>Dynamic Programming – 11053 </a:t>
+            </a:r>
+            <a:r>
+              <a:rPr lang="ko-KR" altLang="en-US" sz="2800" dirty="0">
+                <a:latin typeface="나눔스퀘어 Bold" panose="020B0600000101010101" pitchFamily="50" charset="-127"/>
+                <a:ea typeface="나눔스퀘어 Bold" panose="020B0600000101010101" pitchFamily="50" charset="-127"/>
+              </a:rPr>
+              <a:t>가장 긴 증가하는 부분 수열</a:t>
+            </a:r>
+          </a:p>
+        </p:txBody>
+      </p:sp>
+      <p:sp>
+        <p:nvSpPr>
+          <p:cNvPr id="6" name="TextBox 5">
+            <a:extLst>
+              <a:ext uri="{FF2B5EF4-FFF2-40B4-BE49-F238E27FC236}">
+                <a16:creationId xmlns:a16="http://schemas.microsoft.com/office/drawing/2014/main" id="{4234B7FF-D1A4-45D7-A12D-0C886A99812A}"/>
+              </a:ext>
+            </a:extLst>
+          </p:cNvPr>
+          <p:cNvSpPr txBox="1"/>
+          <p:nvPr/>
+        </p:nvSpPr>
+        <p:spPr>
+          <a:xfrm>
+            <a:off x="942387" y="1190024"/>
+            <a:ext cx="10313217" cy="369332"/>
+          </a:xfrm>
+          <a:prstGeom prst="rect">
+            <a:avLst/>
+          </a:prstGeom>
+          <a:noFill/>
+        </p:spPr>
+        <p:txBody>
+          <a:bodyPr wrap="square" rtlCol="0">
+            <a:spAutoFit/>
+          </a:bodyPr>
+          <a:lstStyle/>
+          <a:p>
+            <a:r>
+              <a:rPr lang="ko-KR" altLang="en-US" dirty="0">
+                <a:latin typeface="나눔스퀘어 Light" panose="020B0600000101010101" pitchFamily="50" charset="-127"/>
+                <a:ea typeface="나눔스퀘어 Light" panose="020B0600000101010101" pitchFamily="50" charset="-127"/>
+              </a:rPr>
+              <a:t>그렇다면</a:t>
+            </a:r>
+            <a:r>
+              <a:rPr lang="en-US" altLang="ko-KR" dirty="0">
+                <a:latin typeface="나눔스퀘어 Light" panose="020B0600000101010101" pitchFamily="50" charset="-127"/>
+                <a:ea typeface="나눔스퀘어 Light" panose="020B0600000101010101" pitchFamily="50" charset="-127"/>
+              </a:rPr>
+              <a:t>, </a:t>
+            </a:r>
+            <a:r>
+              <a:rPr lang="en-US" altLang="ko-KR" dirty="0" err="1">
+                <a:latin typeface="나눔스퀘어 Light" panose="020B0600000101010101" pitchFamily="50" charset="-127"/>
+                <a:ea typeface="나눔스퀘어 Light" panose="020B0600000101010101" pitchFamily="50" charset="-127"/>
+              </a:rPr>
+              <a:t>dp</a:t>
+            </a:r>
+            <a:r>
+              <a:rPr lang="en-US" altLang="ko-KR" dirty="0">
+                <a:latin typeface="나눔스퀘어 Light" panose="020B0600000101010101" pitchFamily="50" charset="-127"/>
+                <a:ea typeface="나눔스퀘어 Light" panose="020B0600000101010101" pitchFamily="50" charset="-127"/>
+              </a:rPr>
+              <a:t>[] </a:t>
+            </a:r>
+            <a:r>
+              <a:rPr lang="ko-KR" altLang="en-US" dirty="0">
+                <a:latin typeface="나눔스퀘어 Light" panose="020B0600000101010101" pitchFamily="50" charset="-127"/>
+                <a:ea typeface="나눔스퀘어 Light" panose="020B0600000101010101" pitchFamily="50" charset="-127"/>
+              </a:rPr>
+              <a:t>테이블에 </a:t>
+            </a:r>
+            <a:r>
+              <a:rPr lang="en-US" altLang="ko-KR" dirty="0" err="1">
+                <a:latin typeface="나눔스퀘어 Light" panose="020B0600000101010101" pitchFamily="50" charset="-127"/>
+                <a:ea typeface="나눔스퀘어 Light" panose="020B0600000101010101" pitchFamily="50" charset="-127"/>
+              </a:rPr>
+              <a:t>idx</a:t>
+            </a:r>
+            <a:r>
+              <a:rPr lang="en-US" altLang="ko-KR" dirty="0">
+                <a:latin typeface="나눔스퀘어 Light" panose="020B0600000101010101" pitchFamily="50" charset="-127"/>
+                <a:ea typeface="나눔스퀘어 Light" panose="020B0600000101010101" pitchFamily="50" charset="-127"/>
+              </a:rPr>
+              <a:t> (for 1 to N) </a:t>
+            </a:r>
+            <a:r>
+              <a:rPr lang="ko-KR" altLang="en-US" dirty="0">
+                <a:latin typeface="나눔스퀘어 Light" panose="020B0600000101010101" pitchFamily="50" charset="-127"/>
+                <a:ea typeface="나눔스퀘어 Light" panose="020B0600000101010101" pitchFamily="50" charset="-127"/>
+              </a:rPr>
+              <a:t>까지의 최대 </a:t>
+            </a:r>
+            <a:r>
+              <a:rPr lang="en-US" altLang="ko-KR" dirty="0">
+                <a:latin typeface="나눔스퀘어 Light" panose="020B0600000101010101" pitchFamily="50" charset="-127"/>
+                <a:ea typeface="나눔스퀘어 Light" panose="020B0600000101010101" pitchFamily="50" charset="-127"/>
+              </a:rPr>
+              <a:t>LIS</a:t>
+            </a:r>
+            <a:r>
+              <a:rPr lang="ko-KR" altLang="en-US" dirty="0">
+                <a:latin typeface="나눔스퀘어 Light" panose="020B0600000101010101" pitchFamily="50" charset="-127"/>
+                <a:ea typeface="나눔스퀘어 Light" panose="020B0600000101010101" pitchFamily="50" charset="-127"/>
+              </a:rPr>
+              <a:t>의 길이를 저장해보겠습니다</a:t>
+            </a:r>
+            <a:r>
+              <a:rPr lang="en-US" altLang="ko-KR" dirty="0">
+                <a:latin typeface="나눔스퀘어 Light" panose="020B0600000101010101" pitchFamily="50" charset="-127"/>
+                <a:ea typeface="나눔스퀘어 Light" panose="020B0600000101010101" pitchFamily="50" charset="-127"/>
+              </a:rPr>
+              <a:t>.</a:t>
+            </a:r>
+            <a:endParaRPr lang="ko-KR" altLang="en-US" dirty="0">
+              <a:latin typeface="나눔스퀘어 Light" panose="020B0600000101010101" pitchFamily="50" charset="-127"/>
+              <a:ea typeface="나눔스퀘어 Light" panose="020B0600000101010101" pitchFamily="50" charset="-127"/>
+            </a:endParaRPr>
+          </a:p>
+        </p:txBody>
+      </p:sp>
+      <p:sp>
+        <p:nvSpPr>
+          <p:cNvPr id="7" name="TextBox 6">
+            <a:extLst>
+              <a:ext uri="{FF2B5EF4-FFF2-40B4-BE49-F238E27FC236}">
+                <a16:creationId xmlns:a16="http://schemas.microsoft.com/office/drawing/2014/main" id="{4270AC9A-5079-4E24-9B99-6CD3A9B726A5}"/>
+              </a:ext>
+            </a:extLst>
+          </p:cNvPr>
+          <p:cNvSpPr txBox="1"/>
+          <p:nvPr/>
+        </p:nvSpPr>
+        <p:spPr>
+          <a:xfrm>
+            <a:off x="942387" y="1861874"/>
+            <a:ext cx="10313217" cy="369332"/>
+          </a:xfrm>
+          <a:prstGeom prst="rect">
+            <a:avLst/>
+          </a:prstGeom>
+          <a:noFill/>
+        </p:spPr>
+        <p:txBody>
+          <a:bodyPr wrap="square" rtlCol="0">
+            <a:spAutoFit/>
+          </a:bodyPr>
+          <a:lstStyle/>
+          <a:p>
+            <a:r>
+              <a:rPr lang="ko-KR" altLang="en-US" dirty="0">
+                <a:latin typeface="나눔스퀘어 Light" panose="020B0600000101010101" pitchFamily="50" charset="-127"/>
+                <a:ea typeface="나눔스퀘어 Light" panose="020B0600000101010101" pitchFamily="50" charset="-127"/>
+              </a:rPr>
+              <a:t>우선</a:t>
+            </a:r>
+            <a:r>
+              <a:rPr lang="en-US" altLang="ko-KR" dirty="0">
+                <a:latin typeface="나눔스퀘어 Light" panose="020B0600000101010101" pitchFamily="50" charset="-127"/>
+                <a:ea typeface="나눔스퀘어 Light" panose="020B0600000101010101" pitchFamily="50" charset="-127"/>
+              </a:rPr>
+              <a:t>, A[0]</a:t>
+            </a:r>
+            <a:r>
+              <a:rPr lang="ko-KR" altLang="en-US" dirty="0">
+                <a:latin typeface="나눔스퀘어 Light" panose="020B0600000101010101" pitchFamily="50" charset="-127"/>
+                <a:ea typeface="나눔스퀘어 Light" panose="020B0600000101010101" pitchFamily="50" charset="-127"/>
+              </a:rPr>
+              <a:t>에 무엇이 들어가든</a:t>
+            </a:r>
+            <a:r>
+              <a:rPr lang="en-US" altLang="ko-KR" dirty="0">
+                <a:latin typeface="나눔스퀘어 Light" panose="020B0600000101010101" pitchFamily="50" charset="-127"/>
+                <a:ea typeface="나눔스퀘어 Light" panose="020B0600000101010101" pitchFamily="50" charset="-127"/>
+              </a:rPr>
+              <a:t>, LIS</a:t>
+            </a:r>
+            <a:r>
+              <a:rPr lang="ko-KR" altLang="en-US" dirty="0">
+                <a:latin typeface="나눔스퀘어 Light" panose="020B0600000101010101" pitchFamily="50" charset="-127"/>
+                <a:ea typeface="나눔스퀘어 Light" panose="020B0600000101010101" pitchFamily="50" charset="-127"/>
+              </a:rPr>
+              <a:t>의 길이를 최대로 하기 위해선 </a:t>
+            </a:r>
+            <a:r>
+              <a:rPr lang="en-US" altLang="ko-KR" dirty="0">
+                <a:latin typeface="나눔스퀘어 Light" panose="020B0600000101010101" pitchFamily="50" charset="-127"/>
+                <a:ea typeface="나눔스퀘어 Light" panose="020B0600000101010101" pitchFamily="50" charset="-127"/>
+              </a:rPr>
+              <a:t>A[0]</a:t>
+            </a:r>
+            <a:r>
+              <a:rPr lang="ko-KR" altLang="en-US" dirty="0">
+                <a:latin typeface="나눔스퀘어 Light" panose="020B0600000101010101" pitchFamily="50" charset="-127"/>
+                <a:ea typeface="나눔스퀘어 Light" panose="020B0600000101010101" pitchFamily="50" charset="-127"/>
+              </a:rPr>
+              <a:t>에 들어간 수를 </a:t>
+            </a:r>
+            <a:r>
+              <a:rPr lang="en-US" altLang="ko-KR" dirty="0">
+                <a:latin typeface="나눔스퀘어 Light" panose="020B0600000101010101" pitchFamily="50" charset="-127"/>
+                <a:ea typeface="나눔스퀘어 Light" panose="020B0600000101010101" pitchFamily="50" charset="-127"/>
+              </a:rPr>
+              <a:t>LIS</a:t>
+            </a:r>
+            <a:r>
+              <a:rPr lang="ko-KR" altLang="en-US" dirty="0">
+                <a:latin typeface="나눔스퀘어 Light" panose="020B0600000101010101" pitchFamily="50" charset="-127"/>
+                <a:ea typeface="나눔스퀘어 Light" panose="020B0600000101010101" pitchFamily="50" charset="-127"/>
+              </a:rPr>
+              <a:t>에 포함시켜야 함을</a:t>
+            </a:r>
+          </a:p>
+        </p:txBody>
+      </p:sp>
+      <p:graphicFrame>
+        <p:nvGraphicFramePr>
+          <p:cNvPr id="2" name="표 2">
+            <a:extLst>
+              <a:ext uri="{FF2B5EF4-FFF2-40B4-BE49-F238E27FC236}">
+                <a16:creationId xmlns:a16="http://schemas.microsoft.com/office/drawing/2014/main" id="{30F19CBA-D7B3-426E-9772-3DEB7E4EB284}"/>
+              </a:ext>
+            </a:extLst>
+          </p:cNvPr>
+          <p:cNvGraphicFramePr>
+            <a:graphicFrameLocks noGrp="1"/>
+          </p:cNvGraphicFramePr>
+          <p:nvPr/>
+        </p:nvGraphicFramePr>
+        <p:xfrm>
+          <a:off x="942387" y="4396123"/>
+          <a:ext cx="3832818" cy="370840"/>
+        </p:xfrm>
+        <a:graphic>
+          <a:graphicData uri="http://schemas.openxmlformats.org/drawingml/2006/table">
+            <a:tbl>
+              <a:tblPr firstRow="1" bandRow="1">
+                <a:tableStyleId>{5C22544A-7EE6-4342-B048-85BDC9FD1C3A}</a:tableStyleId>
+              </a:tblPr>
+              <a:tblGrid>
+                <a:gridCol w="638803">
+                  <a:extLst>
+                    <a:ext uri="{9D8B030D-6E8A-4147-A177-3AD203B41FA5}">
+                      <a16:colId xmlns:a16="http://schemas.microsoft.com/office/drawing/2014/main" val="161864414"/>
+                    </a:ext>
+                  </a:extLst>
+                </a:gridCol>
+                <a:gridCol w="638803">
+                  <a:extLst>
+                    <a:ext uri="{9D8B030D-6E8A-4147-A177-3AD203B41FA5}">
+                      <a16:colId xmlns:a16="http://schemas.microsoft.com/office/drawing/2014/main" val="1564010514"/>
+                    </a:ext>
+                  </a:extLst>
+                </a:gridCol>
+                <a:gridCol w="638803">
+                  <a:extLst>
+                    <a:ext uri="{9D8B030D-6E8A-4147-A177-3AD203B41FA5}">
+                      <a16:colId xmlns:a16="http://schemas.microsoft.com/office/drawing/2014/main" val="1697722932"/>
+                    </a:ext>
+                  </a:extLst>
+                </a:gridCol>
+                <a:gridCol w="638803">
+                  <a:extLst>
+                    <a:ext uri="{9D8B030D-6E8A-4147-A177-3AD203B41FA5}">
+                      <a16:colId xmlns:a16="http://schemas.microsoft.com/office/drawing/2014/main" val="2034512798"/>
+                    </a:ext>
+                  </a:extLst>
+                </a:gridCol>
+                <a:gridCol w="638803">
+                  <a:extLst>
+                    <a:ext uri="{9D8B030D-6E8A-4147-A177-3AD203B41FA5}">
+                      <a16:colId xmlns:a16="http://schemas.microsoft.com/office/drawing/2014/main" val="38723595"/>
+                    </a:ext>
+                  </a:extLst>
+                </a:gridCol>
+                <a:gridCol w="638803">
+                  <a:extLst>
+                    <a:ext uri="{9D8B030D-6E8A-4147-A177-3AD203B41FA5}">
+                      <a16:colId xmlns:a16="http://schemas.microsoft.com/office/drawing/2014/main" val="1222555476"/>
+                    </a:ext>
+                  </a:extLst>
+                </a:gridCol>
+              </a:tblGrid>
+              <a:tr h="370840">
+                <a:tc>
+                  <a:txBody>
+                    <a:bodyPr/>
+                    <a:lstStyle/>
+                    <a:p>
+                      <a:pPr algn="ctr" latinLnBrk="1"/>
+                      <a:r>
+                        <a:rPr lang="en-US" altLang="ko-KR" b="0" dirty="0">
+                          <a:solidFill>
+                            <a:schemeClr val="tx1"/>
+                          </a:solidFill>
+                          <a:latin typeface="나눔스퀘어 Bold" panose="020B0600000101010101" pitchFamily="50" charset="-127"/>
+                          <a:ea typeface="나눔스퀘어 Bold" panose="020B0600000101010101" pitchFamily="50" charset="-127"/>
+                        </a:rPr>
+                        <a:t>10</a:t>
+                      </a:r>
+                      <a:endParaRPr lang="ko-KR" altLang="en-US" b="0" dirty="0">
+                        <a:solidFill>
+                          <a:schemeClr val="tx1"/>
+                        </a:solidFill>
+                        <a:latin typeface="나눔스퀘어 Bold" panose="020B0600000101010101" pitchFamily="50" charset="-127"/>
+                        <a:ea typeface="나눔스퀘어 Bold" panose="020B0600000101010101" pitchFamily="50" charset="-127"/>
+                      </a:endParaRPr>
+                    </a:p>
+                  </a:txBody>
+                  <a:tcPr/>
+                </a:tc>
+                <a:tc>
+                  <a:txBody>
+                    <a:bodyPr/>
+                    <a:lstStyle/>
+                    <a:p>
+                      <a:pPr algn="ctr" latinLnBrk="1"/>
+                      <a:r>
+                        <a:rPr lang="en-US" altLang="ko-KR" b="0" dirty="0">
                           <a:latin typeface="나눔스퀘어 Light" panose="020B0600000101010101" pitchFamily="50" charset="-127"/>
                           <a:ea typeface="나눔스퀘어 Light" panose="020B0600000101010101" pitchFamily="50" charset="-127"/>
                         </a:rPr>
-                        <a:t>1</a:t>
+                        <a:t>20</a:t>
                       </a:r>
                       <a:endParaRPr lang="ko-KR" altLang="en-US" b="0" dirty="0">
                         <a:latin typeface="나눔스퀘어 Light" panose="020B0600000101010101" pitchFamily="50" charset="-127"/>
@@ -21498,7 +22149,7 @@
                           <a:latin typeface="나눔스퀘어 Light" panose="020B0600000101010101" pitchFamily="50" charset="-127"/>
                           <a:ea typeface="나눔스퀘어 Light" panose="020B0600000101010101" pitchFamily="50" charset="-127"/>
                         </a:rPr>
-                        <a:t>2</a:t>
+                        <a:t>10</a:t>
                       </a:r>
                       <a:endParaRPr lang="ko-KR" altLang="en-US" b="0" dirty="0">
                         <a:latin typeface="나눔스퀘어 Light" panose="020B0600000101010101" pitchFamily="50" charset="-127"/>
@@ -21519,7 +22170,7 @@
                           <a:latin typeface="나눔스퀘어 Light" panose="020B0600000101010101" pitchFamily="50" charset="-127"/>
                           <a:ea typeface="나눔스퀘어 Light" panose="020B0600000101010101" pitchFamily="50" charset="-127"/>
                         </a:rPr>
-                        <a:t>4</a:t>
+                        <a:t>30</a:t>
                       </a:r>
                       <a:endParaRPr lang="ko-KR" altLang="en-US" b="0" dirty="0">
                         <a:latin typeface="나눔스퀘어 Light" panose="020B0600000101010101" pitchFamily="50" charset="-127"/>
@@ -21540,7 +22191,7 @@
                           <a:latin typeface="나눔스퀘어 Light" panose="020B0600000101010101" pitchFamily="50" charset="-127"/>
                           <a:ea typeface="나눔스퀘어 Light" panose="020B0600000101010101" pitchFamily="50" charset="-127"/>
                         </a:rPr>
-                        <a:t>…</a:t>
+                        <a:t>20</a:t>
                       </a:r>
                       <a:endParaRPr lang="ko-KR" altLang="en-US" b="0" dirty="0">
                         <a:latin typeface="나눔스퀘어 Light" panose="020B0600000101010101" pitchFamily="50" charset="-127"/>
@@ -21561,7 +22212,7 @@
                           <a:latin typeface="나눔스퀘어 Light" panose="020B0600000101010101" pitchFamily="50" charset="-127"/>
                           <a:ea typeface="나눔스퀘어 Light" panose="020B0600000101010101" pitchFamily="50" charset="-127"/>
                         </a:rPr>
-                        <a:t>3</a:t>
+                        <a:t>50</a:t>
                       </a:r>
                       <a:endParaRPr lang="ko-KR" altLang="en-US" b="0" dirty="0">
                         <a:latin typeface="나눔스퀘어 Light" panose="020B0600000101010101" pitchFamily="50" charset="-127"/>
@@ -21583,10 +22234,10 @@
       </p:graphicFrame>
       <p:sp>
         <p:nvSpPr>
-          <p:cNvPr id="13" name="TextBox 12">
-            <a:extLst>
-              <a:ext uri="{FF2B5EF4-FFF2-40B4-BE49-F238E27FC236}">
-                <a16:creationId xmlns:a16="http://schemas.microsoft.com/office/drawing/2014/main" id="{A6361AE8-9953-467B-8F2E-74859EF376FE}"/>
+          <p:cNvPr id="10" name="TextBox 9">
+            <a:extLst>
+              <a:ext uri="{FF2B5EF4-FFF2-40B4-BE49-F238E27FC236}">
+                <a16:creationId xmlns:a16="http://schemas.microsoft.com/office/drawing/2014/main" id="{49E50F23-3628-427D-80DF-B5297E845953}"/>
               </a:ext>
             </a:extLst>
           </p:cNvPr>
@@ -21595,7 +22246,7 @@
         </p:nvSpPr>
         <p:spPr>
           <a:xfrm>
-            <a:off x="9161170" y="3708534"/>
+            <a:off x="942387" y="3937746"/>
             <a:ext cx="767646" cy="369332"/>
           </a:xfrm>
           <a:prstGeom prst="rect">
@@ -21615,7 +22266,7 @@
                 <a:latin typeface="나눔스퀘어 Light" panose="020B0600000101010101" pitchFamily="50" charset="-127"/>
                 <a:ea typeface="나눔스퀘어 Light" panose="020B0600000101010101" pitchFamily="50" charset="-127"/>
               </a:rPr>
-              <a:t>index</a:t>
+              <a:t>A[]</a:t>
             </a:r>
             <a:endParaRPr lang="ko-KR" altLang="en-US" dirty="0">
               <a:latin typeface="나눔스퀘어 Light" panose="020B0600000101010101" pitchFamily="50" charset="-127"/>
@@ -21624,58 +22275,188 @@
           </a:p>
         </p:txBody>
       </p:sp>
-      <p:sp>
-        <p:nvSpPr>
-          <p:cNvPr id="14" name="화살표: 아래쪽 13">
-            <a:extLst>
-              <a:ext uri="{FF2B5EF4-FFF2-40B4-BE49-F238E27FC236}">
-                <a16:creationId xmlns:a16="http://schemas.microsoft.com/office/drawing/2014/main" id="{716C7A34-C19F-40F5-8B36-9E13F2E14599}"/>
-              </a:ext>
-            </a:extLst>
-          </p:cNvPr>
-          <p:cNvSpPr/>
-          <p:nvPr/>
-        </p:nvSpPr>
-        <p:spPr>
-          <a:xfrm flipV="1">
-            <a:off x="8608012" y="4753005"/>
-            <a:ext cx="338667" cy="370840"/>
-          </a:xfrm>
-          <a:prstGeom prst="downArrow">
-            <a:avLst/>
-          </a:prstGeom>
-        </p:spPr>
-        <p:style>
-          <a:lnRef idx="2">
-            <a:schemeClr val="accent1">
-              <a:shade val="50000"/>
-            </a:schemeClr>
-          </a:lnRef>
-          <a:fillRef idx="1">
-            <a:schemeClr val="accent1"/>
-          </a:fillRef>
-          <a:effectRef idx="0">
-            <a:schemeClr val="accent1"/>
-          </a:effectRef>
-          <a:fontRef idx="minor">
-            <a:schemeClr val="lt1"/>
-          </a:fontRef>
-        </p:style>
-        <p:txBody>
-          <a:bodyPr rtlCol="0" anchor="ctr"/>
-          <a:lstStyle/>
-          <a:p>
-            <a:pPr algn="ctr"/>
-            <a:endParaRPr lang="ko-KR" altLang="en-US"/>
-          </a:p>
-        </p:txBody>
-      </p:sp>
-      <p:sp>
-        <p:nvSpPr>
-          <p:cNvPr id="16" name="TextBox 15">
-            <a:extLst>
-              <a:ext uri="{FF2B5EF4-FFF2-40B4-BE49-F238E27FC236}">
-                <a16:creationId xmlns:a16="http://schemas.microsoft.com/office/drawing/2014/main" id="{4A8F7DE3-B1B5-42FC-9707-E4B1C068A473}"/>
+      <p:graphicFrame>
+        <p:nvGraphicFramePr>
+          <p:cNvPr id="12" name="표 2">
+            <a:extLst>
+              <a:ext uri="{FF2B5EF4-FFF2-40B4-BE49-F238E27FC236}">
+                <a16:creationId xmlns:a16="http://schemas.microsoft.com/office/drawing/2014/main" id="{458F5590-6810-468D-BEFB-B50DE97BE70B}"/>
+              </a:ext>
+            </a:extLst>
+          </p:cNvPr>
+          <p:cNvGraphicFramePr>
+            <a:graphicFrameLocks noGrp="1"/>
+          </p:cNvGraphicFramePr>
+          <p:nvPr/>
+        </p:nvGraphicFramePr>
+        <p:xfrm>
+          <a:off x="6096000" y="4396123"/>
+          <a:ext cx="3832818" cy="370840"/>
+        </p:xfrm>
+        <a:graphic>
+          <a:graphicData uri="http://schemas.openxmlformats.org/drawingml/2006/table">
+            <a:tbl>
+              <a:tblPr firstRow="1" bandRow="1">
+                <a:tableStyleId>{5C22544A-7EE6-4342-B048-85BDC9FD1C3A}</a:tableStyleId>
+              </a:tblPr>
+              <a:tblGrid>
+                <a:gridCol w="638803">
+                  <a:extLst>
+                    <a:ext uri="{9D8B030D-6E8A-4147-A177-3AD203B41FA5}">
+                      <a16:colId xmlns:a16="http://schemas.microsoft.com/office/drawing/2014/main" val="161864414"/>
+                    </a:ext>
+                  </a:extLst>
+                </a:gridCol>
+                <a:gridCol w="638803">
+                  <a:extLst>
+                    <a:ext uri="{9D8B030D-6E8A-4147-A177-3AD203B41FA5}">
+                      <a16:colId xmlns:a16="http://schemas.microsoft.com/office/drawing/2014/main" val="1564010514"/>
+                    </a:ext>
+                  </a:extLst>
+                </a:gridCol>
+                <a:gridCol w="638803">
+                  <a:extLst>
+                    <a:ext uri="{9D8B030D-6E8A-4147-A177-3AD203B41FA5}">
+                      <a16:colId xmlns:a16="http://schemas.microsoft.com/office/drawing/2014/main" val="1697722932"/>
+                    </a:ext>
+                  </a:extLst>
+                </a:gridCol>
+                <a:gridCol w="638803">
+                  <a:extLst>
+                    <a:ext uri="{9D8B030D-6E8A-4147-A177-3AD203B41FA5}">
+                      <a16:colId xmlns:a16="http://schemas.microsoft.com/office/drawing/2014/main" val="2034512798"/>
+                    </a:ext>
+                  </a:extLst>
+                </a:gridCol>
+                <a:gridCol w="638803">
+                  <a:extLst>
+                    <a:ext uri="{9D8B030D-6E8A-4147-A177-3AD203B41FA5}">
+                      <a16:colId xmlns:a16="http://schemas.microsoft.com/office/drawing/2014/main" val="38723595"/>
+                    </a:ext>
+                  </a:extLst>
+                </a:gridCol>
+                <a:gridCol w="638803">
+                  <a:extLst>
+                    <a:ext uri="{9D8B030D-6E8A-4147-A177-3AD203B41FA5}">
+                      <a16:colId xmlns:a16="http://schemas.microsoft.com/office/drawing/2014/main" val="3609796615"/>
+                    </a:ext>
+                  </a:extLst>
+                </a:gridCol>
+              </a:tblGrid>
+              <a:tr h="370840">
+                <a:tc>
+                  <a:txBody>
+                    <a:bodyPr/>
+                    <a:lstStyle/>
+                    <a:p>
+                      <a:pPr algn="ctr" latinLnBrk="1"/>
+                      <a:r>
+                        <a:rPr lang="en-US" altLang="ko-KR" b="0" dirty="0">
+                          <a:solidFill>
+                            <a:schemeClr val="tx1"/>
+                          </a:solidFill>
+                          <a:latin typeface="나눔스퀘어 Bold" panose="020B0600000101010101" pitchFamily="50" charset="-127"/>
+                          <a:ea typeface="나눔스퀘어 Bold" panose="020B0600000101010101" pitchFamily="50" charset="-127"/>
+                        </a:rPr>
+                        <a:t>1</a:t>
+                      </a:r>
+                      <a:endParaRPr lang="ko-KR" altLang="en-US" b="0" dirty="0">
+                        <a:solidFill>
+                          <a:schemeClr val="tx1"/>
+                        </a:solidFill>
+                        <a:latin typeface="나눔스퀘어 Bold" panose="020B0600000101010101" pitchFamily="50" charset="-127"/>
+                        <a:ea typeface="나눔스퀘어 Bold" panose="020B0600000101010101" pitchFamily="50" charset="-127"/>
+                      </a:endParaRPr>
+                    </a:p>
+                  </a:txBody>
+                  <a:tcPr/>
+                </a:tc>
+                <a:tc>
+                  <a:txBody>
+                    <a:bodyPr/>
+                    <a:lstStyle/>
+                    <a:p>
+                      <a:pPr algn="ctr" latinLnBrk="1"/>
+                      <a:endParaRPr lang="ko-KR" altLang="en-US" b="0" dirty="0">
+                        <a:latin typeface="나눔스퀘어 Light" panose="020B0600000101010101" pitchFamily="50" charset="-127"/>
+                        <a:ea typeface="나눔스퀘어 Light" panose="020B0600000101010101" pitchFamily="50" charset="-127"/>
+                      </a:endParaRPr>
+                    </a:p>
+                  </a:txBody>
+                  <a:tcPr/>
+                </a:tc>
+                <a:tc>
+                  <a:txBody>
+                    <a:bodyPr/>
+                    <a:lstStyle/>
+                    <a:p>
+                      <a:pPr algn="ctr" latinLnBrk="1"/>
+                      <a:endParaRPr lang="ko-KR" altLang="en-US" b="0" dirty="0">
+                        <a:latin typeface="나눔스퀘어 Light" panose="020B0600000101010101" pitchFamily="50" charset="-127"/>
+                        <a:ea typeface="나눔스퀘어 Light" panose="020B0600000101010101" pitchFamily="50" charset="-127"/>
+                      </a:endParaRPr>
+                    </a:p>
+                  </a:txBody>
+                  <a:tcPr/>
+                </a:tc>
+                <a:tc>
+                  <a:txBody>
+                    <a:bodyPr/>
+                    <a:lstStyle/>
+                    <a:p>
+                      <a:pPr algn="ctr" latinLnBrk="1"/>
+                      <a:endParaRPr lang="ko-KR" altLang="en-US" b="0" dirty="0">
+                        <a:latin typeface="나눔스퀘어 Light" panose="020B0600000101010101" pitchFamily="50" charset="-127"/>
+                        <a:ea typeface="나눔스퀘어 Light" panose="020B0600000101010101" pitchFamily="50" charset="-127"/>
+                      </a:endParaRPr>
+                    </a:p>
+                  </a:txBody>
+                  <a:tcPr/>
+                </a:tc>
+                <a:tc>
+                  <a:txBody>
+                    <a:bodyPr/>
+                    <a:lstStyle/>
+                    <a:p>
+                      <a:pPr algn="ctr" latinLnBrk="1"/>
+                      <a:endParaRPr lang="ko-KR" altLang="en-US" b="0" dirty="0">
+                        <a:latin typeface="나눔스퀘어 Light" panose="020B0600000101010101" pitchFamily="50" charset="-127"/>
+                        <a:ea typeface="나눔스퀘어 Light" panose="020B0600000101010101" pitchFamily="50" charset="-127"/>
+                      </a:endParaRPr>
+                    </a:p>
+                  </a:txBody>
+                  <a:tcPr/>
+                </a:tc>
+                <a:tc>
+                  <a:txBody>
+                    <a:bodyPr/>
+                    <a:lstStyle/>
+                    <a:p>
+                      <a:pPr algn="ctr" latinLnBrk="1"/>
+                      <a:endParaRPr lang="ko-KR" altLang="en-US" b="0" dirty="0">
+                        <a:latin typeface="나눔스퀘어 Light" panose="020B0600000101010101" pitchFamily="50" charset="-127"/>
+                        <a:ea typeface="나눔스퀘어 Light" panose="020B0600000101010101" pitchFamily="50" charset="-127"/>
+                      </a:endParaRPr>
+                    </a:p>
+                  </a:txBody>
+                  <a:tcPr/>
+                </a:tc>
+                <a:extLst>
+                  <a:ext uri="{0D108BD9-81ED-4DB2-BD59-A6C34878D82A}">
+                    <a16:rowId xmlns:a16="http://schemas.microsoft.com/office/drawing/2014/main" val="2178751425"/>
+                  </a:ext>
+                </a:extLst>
+              </a:tr>
+            </a:tbl>
+          </a:graphicData>
+        </a:graphic>
+      </p:graphicFrame>
+      <p:sp>
+        <p:nvSpPr>
+          <p:cNvPr id="13" name="TextBox 12">
+            <a:extLst>
+              <a:ext uri="{FF2B5EF4-FFF2-40B4-BE49-F238E27FC236}">
+                <a16:creationId xmlns:a16="http://schemas.microsoft.com/office/drawing/2014/main" id="{A6361AE8-9953-467B-8F2E-74859EF376FE}"/>
               </a:ext>
             </a:extLst>
           </p:cNvPr>
@@ -21684,8 +22465,8 @@
         </p:nvSpPr>
         <p:spPr>
           <a:xfrm>
-            <a:off x="3951116" y="4676977"/>
-            <a:ext cx="880532" cy="369332"/>
+            <a:off x="6096000" y="3937746"/>
+            <a:ext cx="767646" cy="369332"/>
           </a:xfrm>
           <a:prstGeom prst="rect">
             <a:avLst/>
@@ -21700,11 +22481,18 @@
           <a:p>
             <a:pPr algn="ctr"/>
             <a:r>
-              <a:rPr lang="en-US" altLang="ko-KR" dirty="0">
-                <a:latin typeface="나눔스퀘어 Light" panose="020B0600000101010101" pitchFamily="50" charset="-127"/>
-                <a:ea typeface="나눔스퀘어 Light" panose="020B0600000101010101" pitchFamily="50" charset="-127"/>
-              </a:rPr>
-              <a:t>LIS : 4</a:t>
+              <a:rPr lang="en-US" altLang="ko-KR" dirty="0" err="1">
+                <a:latin typeface="나눔스퀘어 Light" panose="020B0600000101010101" pitchFamily="50" charset="-127"/>
+                <a:ea typeface="나눔스퀘어 Light" panose="020B0600000101010101" pitchFamily="50" charset="-127"/>
+              </a:rPr>
+              <a:t>dp</a:t>
+            </a:r>
+            <a:r>
+              <a:rPr lang="en-US" altLang="ko-KR" dirty="0">
+                <a:latin typeface="나눔스퀘어 Light" panose="020B0600000101010101" pitchFamily="50" charset="-127"/>
+                <a:ea typeface="나눔스퀘어 Light" panose="020B0600000101010101" pitchFamily="50" charset="-127"/>
+              </a:rPr>
+              <a:t>[]</a:t>
             </a:r>
             <a:endParaRPr lang="ko-KR" altLang="en-US" dirty="0">
               <a:latin typeface="나눔스퀘어 Light" panose="020B0600000101010101" pitchFamily="50" charset="-127"/>
@@ -21715,10 +22503,10 @@
       </p:sp>
       <p:sp>
         <p:nvSpPr>
-          <p:cNvPr id="17" name="TextBox 16">
-            <a:extLst>
-              <a:ext uri="{FF2B5EF4-FFF2-40B4-BE49-F238E27FC236}">
-                <a16:creationId xmlns:a16="http://schemas.microsoft.com/office/drawing/2014/main" id="{1206481A-6801-4E8A-A9B5-37336384FEE9}"/>
+          <p:cNvPr id="11" name="TextBox 10">
+            <a:extLst>
+              <a:ext uri="{FF2B5EF4-FFF2-40B4-BE49-F238E27FC236}">
+                <a16:creationId xmlns:a16="http://schemas.microsoft.com/office/drawing/2014/main" id="{F442B69B-EAB5-31B9-C9FA-B03CF2439B6D}"/>
               </a:ext>
             </a:extLst>
           </p:cNvPr>
@@ -21727,8 +22515,8 @@
         </p:nvSpPr>
         <p:spPr>
           <a:xfrm>
-            <a:off x="9104727" y="4676977"/>
-            <a:ext cx="880532" cy="369332"/>
+            <a:off x="942387" y="2228243"/>
+            <a:ext cx="10313217" cy="369332"/>
           </a:xfrm>
           <a:prstGeom prst="rect">
             <a:avLst/>
@@ -21741,13 +22529,19 @@
           </a:bodyPr>
           <a:lstStyle/>
           <a:p>
-            <a:pPr algn="ctr"/>
-            <a:r>
-              <a:rPr lang="en-US" altLang="ko-KR" dirty="0">
-                <a:latin typeface="나눔스퀘어 Light" panose="020B0600000101010101" pitchFamily="50" charset="-127"/>
-                <a:ea typeface="나눔스퀘어 Light" panose="020B0600000101010101" pitchFamily="50" charset="-127"/>
-              </a:rPr>
-              <a:t>LIS : 3</a:t>
+            <a:r>
+              <a:rPr lang="ko-KR" altLang="en-US" dirty="0">
+                <a:latin typeface="나눔스퀘어 Light" panose="020B0600000101010101" pitchFamily="50" charset="-127"/>
+                <a:ea typeface="나눔스퀘어 Light" panose="020B0600000101010101" pitchFamily="50" charset="-127"/>
+              </a:rPr>
+              <a:t>알 수 있습니다</a:t>
+            </a:r>
+            <a:r>
+              <a:rPr lang="en-US" altLang="ko-KR" dirty="0">
+                <a:latin typeface="나눔스퀘어 Light" panose="020B0600000101010101" pitchFamily="50" charset="-127"/>
+                <a:ea typeface="나눔스퀘어 Light" panose="020B0600000101010101" pitchFamily="50" charset="-127"/>
+              </a:rPr>
+              <a:t>.</a:t>
             </a:r>
             <a:endParaRPr lang="ko-KR" altLang="en-US" dirty="0">
               <a:latin typeface="나눔스퀘어 Light" panose="020B0600000101010101" pitchFamily="50" charset="-127"/>
@@ -21756,10 +22550,202 @@
           </a:p>
         </p:txBody>
       </p:sp>
+      <p:sp>
+        <p:nvSpPr>
+          <p:cNvPr id="15" name="TextBox 14">
+            <a:extLst>
+              <a:ext uri="{FF2B5EF4-FFF2-40B4-BE49-F238E27FC236}">
+                <a16:creationId xmlns:a16="http://schemas.microsoft.com/office/drawing/2014/main" id="{730F81C5-075C-19AF-9CF2-30884C3D838B}"/>
+              </a:ext>
+            </a:extLst>
+          </p:cNvPr>
+          <p:cNvSpPr txBox="1"/>
+          <p:nvPr/>
+        </p:nvSpPr>
+        <p:spPr>
+          <a:xfrm>
+            <a:off x="942387" y="2597858"/>
+            <a:ext cx="10313217" cy="369332"/>
+          </a:xfrm>
+          <a:prstGeom prst="rect">
+            <a:avLst/>
+          </a:prstGeom>
+          <a:noFill/>
+        </p:spPr>
+        <p:txBody>
+          <a:bodyPr wrap="square" rtlCol="0">
+            <a:spAutoFit/>
+          </a:bodyPr>
+          <a:lstStyle/>
+          <a:p>
+            <a:r>
+              <a:rPr lang="en-US" altLang="ko-KR" dirty="0">
+                <a:latin typeface="나눔스퀘어 Light" panose="020B0600000101010101" pitchFamily="50" charset="-127"/>
+                <a:ea typeface="나눔스퀘어 Light" panose="020B0600000101010101" pitchFamily="50" charset="-127"/>
+              </a:rPr>
+              <a:t>ex : {</a:t>
+            </a:r>
+            <a:r>
+              <a:rPr lang="en-US" altLang="ko-KR" dirty="0">
+                <a:latin typeface="나눔스퀘어 Bold" panose="020B0600000101010101" pitchFamily="50" charset="-127"/>
+                <a:ea typeface="나눔스퀘어 Bold" panose="020B0600000101010101" pitchFamily="50" charset="-127"/>
+              </a:rPr>
+              <a:t>0</a:t>
+            </a:r>
+            <a:r>
+              <a:rPr lang="en-US" altLang="ko-KR" dirty="0">
+                <a:latin typeface="나눔스퀘어 Light" panose="020B0600000101010101" pitchFamily="50" charset="-127"/>
+                <a:ea typeface="나눔스퀘어 Light" panose="020B0600000101010101" pitchFamily="50" charset="-127"/>
+              </a:rPr>
+              <a:t>, 2}, {</a:t>
+            </a:r>
+            <a:r>
+              <a:rPr lang="en-US" altLang="ko-KR" dirty="0">
+                <a:latin typeface="나눔스퀘어 Bold" panose="020B0600000101010101" pitchFamily="50" charset="-127"/>
+                <a:ea typeface="나눔스퀘어 Bold" panose="020B0600000101010101" pitchFamily="50" charset="-127"/>
+              </a:rPr>
+              <a:t>3</a:t>
+            </a:r>
+            <a:r>
+              <a:rPr lang="en-US" altLang="ko-KR" dirty="0">
+                <a:latin typeface="나눔스퀘어 Light" panose="020B0600000101010101" pitchFamily="50" charset="-127"/>
+                <a:ea typeface="나눔스퀘어 Light" panose="020B0600000101010101" pitchFamily="50" charset="-127"/>
+              </a:rPr>
+              <a:t>, 1}, {</a:t>
+            </a:r>
+            <a:r>
+              <a:rPr lang="en-US" altLang="ko-KR" dirty="0">
+                <a:latin typeface="나눔스퀘어 Bold" panose="020B0600000101010101" pitchFamily="50" charset="-127"/>
+                <a:ea typeface="나눔스퀘어 Bold" panose="020B0600000101010101" pitchFamily="50" charset="-127"/>
+              </a:rPr>
+              <a:t>10</a:t>
+            </a:r>
+            <a:r>
+              <a:rPr lang="en-US" altLang="ko-KR" dirty="0">
+                <a:latin typeface="나눔스퀘어 Light" panose="020B0600000101010101" pitchFamily="50" charset="-127"/>
+                <a:ea typeface="나눔스퀘어 Light" panose="020B0600000101010101" pitchFamily="50" charset="-127"/>
+              </a:rPr>
+              <a:t>, 20, 10, 30, 20, 50} </a:t>
+            </a:r>
+            <a:r>
+              <a:rPr lang="ko-KR" altLang="en-US" dirty="0">
+                <a:latin typeface="나눔스퀘어 Light" panose="020B0600000101010101" pitchFamily="50" charset="-127"/>
+                <a:ea typeface="나눔스퀘어 Light" panose="020B0600000101010101" pitchFamily="50" charset="-127"/>
+              </a:rPr>
+              <a:t>의 </a:t>
+            </a:r>
+            <a:r>
+              <a:rPr lang="en-US" altLang="ko-KR" dirty="0">
+                <a:latin typeface="나눔스퀘어 Light" panose="020B0600000101010101" pitchFamily="50" charset="-127"/>
+                <a:ea typeface="나눔스퀘어 Light" panose="020B0600000101010101" pitchFamily="50" charset="-127"/>
+              </a:rPr>
+              <a:t>LIS</a:t>
+            </a:r>
+            <a:r>
+              <a:rPr lang="ko-KR" altLang="en-US" dirty="0">
+                <a:latin typeface="나눔스퀘어 Light" panose="020B0600000101010101" pitchFamily="50" charset="-127"/>
+                <a:ea typeface="나눔스퀘어 Light" panose="020B0600000101010101" pitchFamily="50" charset="-127"/>
+              </a:rPr>
+              <a:t>를 구하기 위해서는 결국 </a:t>
+            </a:r>
+            <a:r>
+              <a:rPr lang="en-US" altLang="ko-KR" dirty="0">
+                <a:latin typeface="나눔스퀘어 Light" panose="020B0600000101010101" pitchFamily="50" charset="-127"/>
+                <a:ea typeface="나눔스퀘어 Light" panose="020B0600000101010101" pitchFamily="50" charset="-127"/>
+              </a:rPr>
+              <a:t>A[0]</a:t>
+            </a:r>
+            <a:r>
+              <a:rPr lang="ko-KR" altLang="en-US" dirty="0">
+                <a:latin typeface="나눔스퀘어 Light" panose="020B0600000101010101" pitchFamily="50" charset="-127"/>
+                <a:ea typeface="나눔스퀘어 Light" panose="020B0600000101010101" pitchFamily="50" charset="-127"/>
+              </a:rPr>
+              <a:t>가 포함됨</a:t>
+            </a:r>
+          </a:p>
+        </p:txBody>
+      </p:sp>
+      <p:sp>
+        <p:nvSpPr>
+          <p:cNvPr id="18" name="TextBox 17">
+            <a:extLst>
+              <a:ext uri="{FF2B5EF4-FFF2-40B4-BE49-F238E27FC236}">
+                <a16:creationId xmlns:a16="http://schemas.microsoft.com/office/drawing/2014/main" id="{889E6857-72CD-816D-C2AC-1545144D518A}"/>
+              </a:ext>
+            </a:extLst>
+          </p:cNvPr>
+          <p:cNvSpPr txBox="1"/>
+          <p:nvPr/>
+        </p:nvSpPr>
+        <p:spPr>
+          <a:xfrm>
+            <a:off x="942387" y="3267802"/>
+            <a:ext cx="10313217" cy="369332"/>
+          </a:xfrm>
+          <a:prstGeom prst="rect">
+            <a:avLst/>
+          </a:prstGeom>
+          <a:noFill/>
+        </p:spPr>
+        <p:txBody>
+          <a:bodyPr wrap="square" rtlCol="0">
+            <a:spAutoFit/>
+          </a:bodyPr>
+          <a:lstStyle/>
+          <a:p>
+            <a:r>
+              <a:rPr lang="ko-KR" altLang="en-US" dirty="0">
+                <a:latin typeface="나눔스퀘어 Light" panose="020B0600000101010101" pitchFamily="50" charset="-127"/>
+                <a:ea typeface="나눔스퀘어 Light" panose="020B0600000101010101" pitchFamily="50" charset="-127"/>
+              </a:rPr>
+              <a:t>따라서</a:t>
+            </a:r>
+            <a:r>
+              <a:rPr lang="en-US" altLang="ko-KR" dirty="0">
+                <a:latin typeface="나눔스퀘어 Light" panose="020B0600000101010101" pitchFamily="50" charset="-127"/>
+                <a:ea typeface="나눔스퀘어 Light" panose="020B0600000101010101" pitchFamily="50" charset="-127"/>
+              </a:rPr>
+              <a:t>, </a:t>
+            </a:r>
+            <a:r>
+              <a:rPr lang="en-US" altLang="ko-KR" dirty="0" err="1">
+                <a:latin typeface="나눔스퀘어 Light" panose="020B0600000101010101" pitchFamily="50" charset="-127"/>
+                <a:ea typeface="나눔스퀘어 Light" panose="020B0600000101010101" pitchFamily="50" charset="-127"/>
+              </a:rPr>
+              <a:t>dp</a:t>
+            </a:r>
+            <a:r>
+              <a:rPr lang="en-US" altLang="ko-KR" dirty="0">
+                <a:latin typeface="나눔스퀘어 Light" panose="020B0600000101010101" pitchFamily="50" charset="-127"/>
+                <a:ea typeface="나눔스퀘어 Light" panose="020B0600000101010101" pitchFamily="50" charset="-127"/>
+              </a:rPr>
+              <a:t>[0] = 1</a:t>
+            </a:r>
+            <a:r>
+              <a:rPr lang="ko-KR" altLang="en-US" dirty="0">
+                <a:latin typeface="나눔스퀘어 Light" panose="020B0600000101010101" pitchFamily="50" charset="-127"/>
+                <a:ea typeface="나눔스퀘어 Light" panose="020B0600000101010101" pitchFamily="50" charset="-127"/>
+              </a:rPr>
+              <a:t>로 초기화 할 수 있습니다</a:t>
+            </a:r>
+            <a:r>
+              <a:rPr lang="en-US" altLang="ko-KR" dirty="0">
+                <a:latin typeface="나눔스퀘어 Light" panose="020B0600000101010101" pitchFamily="50" charset="-127"/>
+                <a:ea typeface="나눔스퀘어 Light" panose="020B0600000101010101" pitchFamily="50" charset="-127"/>
+              </a:rPr>
+              <a:t>.</a:t>
+            </a:r>
+            <a:endParaRPr lang="ko-KR" altLang="en-US" dirty="0">
+              <a:latin typeface="나눔스퀘어 Light" panose="020B0600000101010101" pitchFamily="50" charset="-127"/>
+              <a:ea typeface="나눔스퀘어 Light" panose="020B0600000101010101" pitchFamily="50" charset="-127"/>
+            </a:endParaRPr>
+          </a:p>
+        </p:txBody>
+      </p:sp>
     </p:spTree>
     <p:extLst>
       <p:ext uri="{BB962C8B-B14F-4D97-AF65-F5344CB8AC3E}">
-        <p14:creationId xmlns:p14="http://schemas.microsoft.com/office/powerpoint/2010/main" val="805077751"/>
+        <p14:creationId xmlns:p14="http://schemas.microsoft.com/office/powerpoint/2010/main" val="1870321399"/>
       </p:ext>
     </p:extLst>
   </p:cSld>
@@ -21769,7 +22755,7 @@
 </p:sld>
 </file>
 
-<file path=ppt/slides/slide32.xml><?xml version="1.0" encoding="utf-8"?>
+<file path=ppt/slides/slide33.xml><?xml version="1.0" encoding="utf-8"?>
 <p:sld xmlns:a="http://schemas.openxmlformats.org/drawingml/2006/main" xmlns:r="http://schemas.openxmlformats.org/officeDocument/2006/relationships" xmlns:p="http://schemas.openxmlformats.org/presentationml/2006/main">
   <p:cSld>
     <p:spTree>
@@ -24322,12 +25308,25 @@
                 <a:latin typeface="나눔스퀘어 Light" panose="020B0600000101010101" pitchFamily="50" charset="-127"/>
                 <a:ea typeface="나눔스퀘어 Light" panose="020B0600000101010101" pitchFamily="50" charset="-127"/>
               </a:rPr>
-              <a:t>의 핵심은 무엇을 저장해서 어떻게 </a:t>
+              <a:t>의 핵심은 </a:t>
+            </a:r>
+            <a:r>
+              <a:rPr lang="ko-KR" altLang="en-US" dirty="0">
+                <a:solidFill>
+                  <a:srgbClr val="FF0000"/>
+                </a:solidFill>
+                <a:latin typeface="나눔스퀘어 Bold" panose="020B0600000101010101" pitchFamily="50" charset="-127"/>
+                <a:ea typeface="나눔스퀘어 Bold" panose="020B0600000101010101" pitchFamily="50" charset="-127"/>
+              </a:rPr>
+              <a:t>무엇을 저장해서 어떻게 </a:t>
             </a:r>
             <a:r>
               <a:rPr lang="ko-KR" altLang="en-US" dirty="0" err="1">
-                <a:latin typeface="나눔스퀘어 Light" panose="020B0600000101010101" pitchFamily="50" charset="-127"/>
-                <a:ea typeface="나눔스퀘어 Light" panose="020B0600000101010101" pitchFamily="50" charset="-127"/>
+                <a:solidFill>
+                  <a:srgbClr val="FF0000"/>
+                </a:solidFill>
+                <a:latin typeface="나눔스퀘어 Bold" panose="020B0600000101010101" pitchFamily="50" charset="-127"/>
+                <a:ea typeface="나눔스퀘어 Bold" panose="020B0600000101010101" pitchFamily="50" charset="-127"/>
               </a:rPr>
               <a:t>쓸거냐</a:t>
             </a:r>
@@ -25277,6 +26276,54 @@
               <a:latin typeface="나눔스퀘어 Light" panose="020B0600000101010101" pitchFamily="50" charset="-127"/>
               <a:ea typeface="나눔스퀘어 Light" panose="020B0600000101010101" pitchFamily="50" charset="-127"/>
             </a:endParaRPr>
+          </a:p>
+        </p:txBody>
+      </p:sp>
+      <p:sp>
+        <p:nvSpPr>
+          <p:cNvPr id="3" name="화살표: 아래쪽 2">
+            <a:extLst>
+              <a:ext uri="{FF2B5EF4-FFF2-40B4-BE49-F238E27FC236}">
+                <a16:creationId xmlns:a16="http://schemas.microsoft.com/office/drawing/2014/main" id="{8983EB3E-9E22-F3B6-3142-5189F2F2D58F}"/>
+              </a:ext>
+            </a:extLst>
+          </p:cNvPr>
+          <p:cNvSpPr/>
+          <p:nvPr/>
+        </p:nvSpPr>
+        <p:spPr>
+          <a:xfrm flipV="1">
+            <a:off x="9562946" y="2269313"/>
+            <a:ext cx="499621" cy="3987538"/>
+          </a:xfrm>
+          <a:prstGeom prst="downArrow">
+            <a:avLst/>
+          </a:prstGeom>
+          <a:noFill/>
+          <a:ln w="19050"/>
+        </p:spPr>
+        <p:style>
+          <a:lnRef idx="2">
+            <a:schemeClr val="accent1">
+              <a:shade val="50000"/>
+            </a:schemeClr>
+          </a:lnRef>
+          <a:fillRef idx="1">
+            <a:schemeClr val="accent1"/>
+          </a:fillRef>
+          <a:effectRef idx="0">
+            <a:schemeClr val="accent1"/>
+          </a:effectRef>
+          <a:fontRef idx="minor">
+            <a:schemeClr val="lt1"/>
+          </a:fontRef>
+        </p:style>
+        <p:txBody>
+          <a:bodyPr rtlCol="0" anchor="ctr"/>
+          <a:lstStyle/>
+          <a:p>
+            <a:pPr algn="ctr"/>
+            <a:endParaRPr lang="ko-KR" altLang="en-US"/>
           </a:p>
         </p:txBody>
       </p:sp>

--- a/study/5_Dynamic Programming.pptx
+++ b/study/5_Dynamic Programming.pptx
@@ -37,7 +37,13 @@
     <p:sldId id="342" r:id="rId31"/>
     <p:sldId id="352" r:id="rId32"/>
     <p:sldId id="353" r:id="rId33"/>
-    <p:sldId id="298" r:id="rId34"/>
+    <p:sldId id="354" r:id="rId34"/>
+    <p:sldId id="355" r:id="rId35"/>
+    <p:sldId id="356" r:id="rId36"/>
+    <p:sldId id="357" r:id="rId37"/>
+    <p:sldId id="358" r:id="rId38"/>
+    <p:sldId id="359" r:id="rId39"/>
+    <p:sldId id="298" r:id="rId40"/>
   </p:sldIdLst>
   <p:sldSz cx="12192000" cy="6858000"/>
   <p:notesSz cx="6858000" cy="9144000"/>
@@ -291,7 +297,7 @@
           <a:p>
             <a:fld id="{33C37291-AA83-40C0-9297-8F7F3693F6CC}" type="datetimeFigureOut">
               <a:rPr lang="ko-KR" altLang="en-US" smtClean="0"/>
-              <a:t>2022-09-10</a:t>
+              <a:t>2022-09-12</a:t>
             </a:fld>
             <a:endParaRPr lang="ko-KR" altLang="en-US"/>
           </a:p>
@@ -489,7 +495,7 @@
           <a:p>
             <a:fld id="{33C37291-AA83-40C0-9297-8F7F3693F6CC}" type="datetimeFigureOut">
               <a:rPr lang="ko-KR" altLang="en-US" smtClean="0"/>
-              <a:t>2022-09-10</a:t>
+              <a:t>2022-09-12</a:t>
             </a:fld>
             <a:endParaRPr lang="ko-KR" altLang="en-US"/>
           </a:p>
@@ -697,7 +703,7 @@
           <a:p>
             <a:fld id="{33C37291-AA83-40C0-9297-8F7F3693F6CC}" type="datetimeFigureOut">
               <a:rPr lang="ko-KR" altLang="en-US" smtClean="0"/>
-              <a:t>2022-09-10</a:t>
+              <a:t>2022-09-12</a:t>
             </a:fld>
             <a:endParaRPr lang="ko-KR" altLang="en-US"/>
           </a:p>
@@ -895,7 +901,7 @@
           <a:p>
             <a:fld id="{33C37291-AA83-40C0-9297-8F7F3693F6CC}" type="datetimeFigureOut">
               <a:rPr lang="ko-KR" altLang="en-US" smtClean="0"/>
-              <a:t>2022-09-10</a:t>
+              <a:t>2022-09-12</a:t>
             </a:fld>
             <a:endParaRPr lang="ko-KR" altLang="en-US"/>
           </a:p>
@@ -1170,7 +1176,7 @@
           <a:p>
             <a:fld id="{33C37291-AA83-40C0-9297-8F7F3693F6CC}" type="datetimeFigureOut">
               <a:rPr lang="ko-KR" altLang="en-US" smtClean="0"/>
-              <a:t>2022-09-10</a:t>
+              <a:t>2022-09-12</a:t>
             </a:fld>
             <a:endParaRPr lang="ko-KR" altLang="en-US"/>
           </a:p>
@@ -1435,7 +1441,7 @@
           <a:p>
             <a:fld id="{33C37291-AA83-40C0-9297-8F7F3693F6CC}" type="datetimeFigureOut">
               <a:rPr lang="ko-KR" altLang="en-US" smtClean="0"/>
-              <a:t>2022-09-10</a:t>
+              <a:t>2022-09-12</a:t>
             </a:fld>
             <a:endParaRPr lang="ko-KR" altLang="en-US"/>
           </a:p>
@@ -1847,7 +1853,7 @@
           <a:p>
             <a:fld id="{33C37291-AA83-40C0-9297-8F7F3693F6CC}" type="datetimeFigureOut">
               <a:rPr lang="ko-KR" altLang="en-US" smtClean="0"/>
-              <a:t>2022-09-10</a:t>
+              <a:t>2022-09-12</a:t>
             </a:fld>
             <a:endParaRPr lang="ko-KR" altLang="en-US"/>
           </a:p>
@@ -1988,7 +1994,7 @@
           <a:p>
             <a:fld id="{33C37291-AA83-40C0-9297-8F7F3693F6CC}" type="datetimeFigureOut">
               <a:rPr lang="ko-KR" altLang="en-US" smtClean="0"/>
-              <a:t>2022-09-10</a:t>
+              <a:t>2022-09-12</a:t>
             </a:fld>
             <a:endParaRPr lang="ko-KR" altLang="en-US"/>
           </a:p>
@@ -2101,7 +2107,7 @@
           <a:p>
             <a:fld id="{33C37291-AA83-40C0-9297-8F7F3693F6CC}" type="datetimeFigureOut">
               <a:rPr lang="ko-KR" altLang="en-US" smtClean="0"/>
-              <a:t>2022-09-10</a:t>
+              <a:t>2022-09-12</a:t>
             </a:fld>
             <a:endParaRPr lang="ko-KR" altLang="en-US"/>
           </a:p>
@@ -2412,7 +2418,7 @@
           <a:p>
             <a:fld id="{33C37291-AA83-40C0-9297-8F7F3693F6CC}" type="datetimeFigureOut">
               <a:rPr lang="ko-KR" altLang="en-US" smtClean="0"/>
-              <a:t>2022-09-10</a:t>
+              <a:t>2022-09-12</a:t>
             </a:fld>
             <a:endParaRPr lang="ko-KR" altLang="en-US"/>
           </a:p>
@@ -2700,7 +2706,7 @@
           <a:p>
             <a:fld id="{33C37291-AA83-40C0-9297-8F7F3693F6CC}" type="datetimeFigureOut">
               <a:rPr lang="ko-KR" altLang="en-US" smtClean="0"/>
-              <a:t>2022-09-10</a:t>
+              <a:t>2022-09-12</a:t>
             </a:fld>
             <a:endParaRPr lang="ko-KR" altLang="en-US"/>
           </a:p>
@@ -2941,7 +2947,7 @@
           <a:p>
             <a:fld id="{33C37291-AA83-40C0-9297-8F7F3693F6CC}" type="datetimeFigureOut">
               <a:rPr lang="ko-KR" altLang="en-US" smtClean="0"/>
-              <a:t>2022-09-10</a:t>
+              <a:t>2022-09-12</a:t>
             </a:fld>
             <a:endParaRPr lang="ko-KR" altLang="en-US"/>
           </a:p>
@@ -20811,7 +20817,7 @@
                 <a:latin typeface="나눔스퀘어 Light" panose="020B0600000101010101" pitchFamily="50" charset="-127"/>
                 <a:ea typeface="나눔스퀘어 Light" panose="020B0600000101010101" pitchFamily="50" charset="-127"/>
               </a:rPr>
-              <a:t> (for 1 to N) </a:t>
+              <a:t> (for 0 to N - 1) </a:t>
             </a:r>
             <a:r>
               <a:rPr lang="ko-KR" altLang="en-US" dirty="0">
@@ -21696,6 +21702,128 @@
           </a:p>
         </p:txBody>
       </p:sp>
+      <p:sp>
+        <p:nvSpPr>
+          <p:cNvPr id="3" name="TextBox 2">
+            <a:extLst>
+              <a:ext uri="{FF2B5EF4-FFF2-40B4-BE49-F238E27FC236}">
+                <a16:creationId xmlns:a16="http://schemas.microsoft.com/office/drawing/2014/main" id="{187941A9-5862-DC33-8512-E22570A6436A}"/>
+              </a:ext>
+            </a:extLst>
+          </p:cNvPr>
+          <p:cNvSpPr txBox="1"/>
+          <p:nvPr/>
+        </p:nvSpPr>
+        <p:spPr>
+          <a:xfrm>
+            <a:off x="6096000" y="5066067"/>
+            <a:ext cx="4989922" cy="369332"/>
+          </a:xfrm>
+          <a:prstGeom prst="rect">
+            <a:avLst/>
+          </a:prstGeom>
+          <a:noFill/>
+        </p:spPr>
+        <p:txBody>
+          <a:bodyPr wrap="square" rtlCol="0">
+            <a:spAutoFit/>
+          </a:bodyPr>
+          <a:lstStyle/>
+          <a:p>
+            <a:r>
+              <a:rPr lang="ko-KR" altLang="en-US" dirty="0">
+                <a:latin typeface="나눔스퀘어 Light" panose="020B0600000101010101" pitchFamily="50" charset="-127"/>
+                <a:ea typeface="나눔스퀘어 Light" panose="020B0600000101010101" pitchFamily="50" charset="-127"/>
+              </a:rPr>
+              <a:t>여기서</a:t>
+            </a:r>
+            <a:r>
+              <a:rPr lang="en-US" altLang="ko-KR" dirty="0">
+                <a:latin typeface="나눔스퀘어 Light" panose="020B0600000101010101" pitchFamily="50" charset="-127"/>
+                <a:ea typeface="나눔스퀘어 Light" panose="020B0600000101010101" pitchFamily="50" charset="-127"/>
+              </a:rPr>
+              <a:t>, </a:t>
+            </a:r>
+            <a:r>
+              <a:rPr lang="en-US" altLang="ko-KR" dirty="0" err="1">
+                <a:latin typeface="나눔스퀘어 Light" panose="020B0600000101010101" pitchFamily="50" charset="-127"/>
+                <a:ea typeface="나눔스퀘어 Light" panose="020B0600000101010101" pitchFamily="50" charset="-127"/>
+              </a:rPr>
+              <a:t>dp</a:t>
+            </a:r>
+            <a:r>
+              <a:rPr lang="en-US" altLang="ko-KR" dirty="0">
+                <a:latin typeface="나눔스퀘어 Light" panose="020B0600000101010101" pitchFamily="50" charset="-127"/>
+                <a:ea typeface="나눔스퀘어 Light" panose="020B0600000101010101" pitchFamily="50" charset="-127"/>
+              </a:rPr>
+              <a:t>[0] =</a:t>
+            </a:r>
+            <a:r>
+              <a:rPr lang="ko-KR" altLang="en-US" dirty="0">
+                <a:latin typeface="나눔스퀘어 Light" panose="020B0600000101010101" pitchFamily="50" charset="-127"/>
+                <a:ea typeface="나눔스퀘어 Light" panose="020B0600000101010101" pitchFamily="50" charset="-127"/>
+              </a:rPr>
+              <a:t> </a:t>
+            </a:r>
+            <a:r>
+              <a:rPr lang="en-US" altLang="ko-KR" dirty="0">
+                <a:latin typeface="나눔스퀘어 Light" panose="020B0600000101010101" pitchFamily="50" charset="-127"/>
+                <a:ea typeface="나눔스퀘어 Light" panose="020B0600000101010101" pitchFamily="50" charset="-127"/>
+              </a:rPr>
+              <a:t>1</a:t>
+            </a:r>
+            <a:r>
+              <a:rPr lang="ko-KR" altLang="en-US" dirty="0">
+                <a:latin typeface="나눔스퀘어 Light" panose="020B0600000101010101" pitchFamily="50" charset="-127"/>
+                <a:ea typeface="나눔스퀘어 Light" panose="020B0600000101010101" pitchFamily="50" charset="-127"/>
+              </a:rPr>
+              <a:t>은 </a:t>
+            </a:r>
+            <a:r>
+              <a:rPr lang="en-US" altLang="ko-KR" dirty="0">
+                <a:latin typeface="나눔스퀘어 Light" panose="020B0600000101010101" pitchFamily="50" charset="-127"/>
+                <a:ea typeface="나눔스퀘어 Light" panose="020B0600000101010101" pitchFamily="50" charset="-127"/>
+              </a:rPr>
+              <a:t>LIS</a:t>
+            </a:r>
+            <a:r>
+              <a:rPr lang="ko-KR" altLang="en-US" dirty="0">
+                <a:latin typeface="나눔스퀘어 Light" panose="020B0600000101010101" pitchFamily="50" charset="-127"/>
+                <a:ea typeface="나눔스퀘어 Light" panose="020B0600000101010101" pitchFamily="50" charset="-127"/>
+              </a:rPr>
+              <a:t>에 </a:t>
+            </a:r>
+            <a:r>
+              <a:rPr lang="en-US" altLang="ko-KR" dirty="0">
+                <a:latin typeface="나눔스퀘어 Light" panose="020B0600000101010101" pitchFamily="50" charset="-127"/>
+                <a:ea typeface="나눔스퀘어 Light" panose="020B0600000101010101" pitchFamily="50" charset="-127"/>
+              </a:rPr>
+              <a:t>{10} </a:t>
+            </a:r>
+            <a:r>
+              <a:rPr lang="ko-KR" altLang="en-US" dirty="0">
+                <a:latin typeface="나눔스퀘어 Light" panose="020B0600000101010101" pitchFamily="50" charset="-127"/>
+                <a:ea typeface="나눔스퀘어 Light" panose="020B0600000101010101" pitchFamily="50" charset="-127"/>
+              </a:rPr>
+              <a:t>이 </a:t>
+            </a:r>
+            <a:r>
+              <a:rPr lang="ko-KR" altLang="en-US" dirty="0" err="1">
+                <a:latin typeface="나눔스퀘어 Light" panose="020B0600000101010101" pitchFamily="50" charset="-127"/>
+                <a:ea typeface="나눔스퀘어 Light" panose="020B0600000101010101" pitchFamily="50" charset="-127"/>
+              </a:rPr>
+              <a:t>포함됬음을</a:t>
+            </a:r>
+            <a:r>
+              <a:rPr lang="ko-KR" altLang="en-US" dirty="0">
+                <a:latin typeface="나눔스퀘어 Light" panose="020B0600000101010101" pitchFamily="50" charset="-127"/>
+                <a:ea typeface="나눔스퀘어 Light" panose="020B0600000101010101" pitchFamily="50" charset="-127"/>
+              </a:rPr>
+              <a:t> 의미</a:t>
+            </a:r>
+          </a:p>
+        </p:txBody>
+      </p:sp>
     </p:spTree>
     <p:extLst>
       <p:ext uri="{BB962C8B-B14F-4D97-AF65-F5344CB8AC3E}">
@@ -21844,60 +21972,18 @@
           <a:lstStyle/>
           <a:p>
             <a:r>
-              <a:rPr lang="ko-KR" altLang="en-US" dirty="0">
-                <a:latin typeface="나눔스퀘어 Light" panose="020B0600000101010101" pitchFamily="50" charset="-127"/>
-                <a:ea typeface="나눔스퀘어 Light" panose="020B0600000101010101" pitchFamily="50" charset="-127"/>
-              </a:rPr>
-              <a:t>그렇다면</a:t>
-            </a:r>
-            <a:r>
-              <a:rPr lang="en-US" altLang="ko-KR" dirty="0">
-                <a:latin typeface="나눔스퀘어 Light" panose="020B0600000101010101" pitchFamily="50" charset="-127"/>
-                <a:ea typeface="나눔스퀘어 Light" panose="020B0600000101010101" pitchFamily="50" charset="-127"/>
-              </a:rPr>
-              <a:t>, </a:t>
-            </a:r>
-            <a:r>
-              <a:rPr lang="en-US" altLang="ko-KR" dirty="0" err="1">
-                <a:latin typeface="나눔스퀘어 Light" panose="020B0600000101010101" pitchFamily="50" charset="-127"/>
-                <a:ea typeface="나눔스퀘어 Light" panose="020B0600000101010101" pitchFamily="50" charset="-127"/>
-              </a:rPr>
-              <a:t>dp</a:t>
-            </a:r>
-            <a:r>
-              <a:rPr lang="en-US" altLang="ko-KR" dirty="0">
-                <a:latin typeface="나눔스퀘어 Light" panose="020B0600000101010101" pitchFamily="50" charset="-127"/>
-                <a:ea typeface="나눔스퀘어 Light" panose="020B0600000101010101" pitchFamily="50" charset="-127"/>
-              </a:rPr>
-              <a:t>[] </a:t>
-            </a:r>
-            <a:r>
-              <a:rPr lang="ko-KR" altLang="en-US" dirty="0">
-                <a:latin typeface="나눔스퀘어 Light" panose="020B0600000101010101" pitchFamily="50" charset="-127"/>
-                <a:ea typeface="나눔스퀘어 Light" panose="020B0600000101010101" pitchFamily="50" charset="-127"/>
-              </a:rPr>
-              <a:t>테이블에 </a:t>
-            </a:r>
-            <a:r>
-              <a:rPr lang="en-US" altLang="ko-KR" dirty="0" err="1">
-                <a:latin typeface="나눔스퀘어 Light" panose="020B0600000101010101" pitchFamily="50" charset="-127"/>
-                <a:ea typeface="나눔스퀘어 Light" panose="020B0600000101010101" pitchFamily="50" charset="-127"/>
-              </a:rPr>
-              <a:t>idx</a:t>
-            </a:r>
-            <a:r>
-              <a:rPr lang="en-US" altLang="ko-KR" dirty="0">
-                <a:latin typeface="나눔스퀘어 Light" panose="020B0600000101010101" pitchFamily="50" charset="-127"/>
-                <a:ea typeface="나눔스퀘어 Light" panose="020B0600000101010101" pitchFamily="50" charset="-127"/>
-              </a:rPr>
-              <a:t> (for 1 to N) </a:t>
-            </a:r>
-            <a:r>
-              <a:rPr lang="ko-KR" altLang="en-US" dirty="0">
-                <a:latin typeface="나눔스퀘어 Light" panose="020B0600000101010101" pitchFamily="50" charset="-127"/>
-                <a:ea typeface="나눔스퀘어 Light" panose="020B0600000101010101" pitchFamily="50" charset="-127"/>
-              </a:rPr>
-              <a:t>까지의 최대 </a:t>
+              <a:rPr lang="en-US" altLang="ko-KR" dirty="0">
+                <a:latin typeface="나눔스퀘어 Light" panose="020B0600000101010101" pitchFamily="50" charset="-127"/>
+                <a:ea typeface="나눔스퀘어 Light" panose="020B0600000101010101" pitchFamily="50" charset="-127"/>
+              </a:rPr>
+              <a:t>A[1]</a:t>
+            </a:r>
+            <a:r>
+              <a:rPr lang="ko-KR" altLang="en-US" dirty="0">
+                <a:latin typeface="나눔스퀘어 Light" panose="020B0600000101010101" pitchFamily="50" charset="-127"/>
+                <a:ea typeface="나눔스퀘어 Light" panose="020B0600000101010101" pitchFamily="50" charset="-127"/>
+              </a:rPr>
+              <a:t>에서의 </a:t>
             </a:r>
             <a:r>
               <a:rPr lang="en-US" altLang="ko-KR" dirty="0">
@@ -21911,14 +21997,42 @@
                 <a:latin typeface="나눔스퀘어 Light" panose="020B0600000101010101" pitchFamily="50" charset="-127"/>
                 <a:ea typeface="나눔스퀘어 Light" panose="020B0600000101010101" pitchFamily="50" charset="-127"/>
               </a:rPr>
-              <a:t>의 길이를 저장해보겠습니다</a:t>
-            </a:r>
-            <a:r>
-              <a:rPr lang="en-US" altLang="ko-KR" dirty="0">
-                <a:latin typeface="나눔스퀘어 Light" panose="020B0600000101010101" pitchFamily="50" charset="-127"/>
-                <a:ea typeface="나눔스퀘어 Light" panose="020B0600000101010101" pitchFamily="50" charset="-127"/>
-              </a:rPr>
-              <a:t>.</a:t>
+              <a:t>의 길이는 </a:t>
+            </a:r>
+            <a:r>
+              <a:rPr lang="en-US" altLang="ko-KR" dirty="0">
+                <a:latin typeface="나눔스퀘어 Light" panose="020B0600000101010101" pitchFamily="50" charset="-127"/>
+                <a:ea typeface="나눔스퀘어 Light" panose="020B0600000101010101" pitchFamily="50" charset="-127"/>
+              </a:rPr>
+              <a:t>A[1 – 1] </a:t>
+            </a:r>
+            <a:r>
+              <a:rPr lang="ko-KR" altLang="en-US" dirty="0">
+                <a:latin typeface="나눔스퀘어 Light" panose="020B0600000101010101" pitchFamily="50" charset="-127"/>
+                <a:ea typeface="나눔스퀘어 Light" panose="020B0600000101010101" pitchFamily="50" charset="-127"/>
+              </a:rPr>
+              <a:t>까지의 가장 긴 </a:t>
+            </a:r>
+            <a:r>
+              <a:rPr lang="en-US" altLang="ko-KR" dirty="0">
+                <a:latin typeface="나눔스퀘어 Light" panose="020B0600000101010101" pitchFamily="50" charset="-127"/>
+                <a:ea typeface="나눔스퀘어 Light" panose="020B0600000101010101" pitchFamily="50" charset="-127"/>
+              </a:rPr>
+              <a:t>LIS </a:t>
+            </a:r>
+            <a:r>
+              <a:rPr lang="ko-KR" altLang="en-US" dirty="0">
+                <a:latin typeface="나눔스퀘어 Light" panose="020B0600000101010101" pitchFamily="50" charset="-127"/>
+                <a:ea typeface="나눔스퀘어 Light" panose="020B0600000101010101" pitchFamily="50" charset="-127"/>
+              </a:rPr>
+              <a:t>길이를 살펴보면 되는데</a:t>
+            </a:r>
+            <a:r>
+              <a:rPr lang="en-US" altLang="ko-KR" dirty="0">
+                <a:latin typeface="나눔스퀘어 Light" panose="020B0600000101010101" pitchFamily="50" charset="-127"/>
+                <a:ea typeface="나눔스퀘어 Light" panose="020B0600000101010101" pitchFamily="50" charset="-127"/>
+              </a:rPr>
+              <a:t>,</a:t>
             </a:r>
             <a:endParaRPr lang="ko-KR" altLang="en-US" dirty="0">
               <a:latin typeface="나눔스퀘어 Light" panose="020B0600000101010101" pitchFamily="50" charset="-127"/>
@@ -21941,7 +22055,7 @@
         </p:nvSpPr>
         <p:spPr>
           <a:xfrm>
-            <a:off x="942387" y="1861874"/>
+            <a:off x="942387" y="1523656"/>
             <a:ext cx="10313217" cy="369332"/>
           </a:xfrm>
           <a:prstGeom prst="rect">
@@ -21960,64 +22074,47 @@
                 <a:latin typeface="나눔스퀘어 Light" panose="020B0600000101010101" pitchFamily="50" charset="-127"/>
                 <a:ea typeface="나눔스퀘어 Light" panose="020B0600000101010101" pitchFamily="50" charset="-127"/>
               </a:rPr>
-              <a:t>우선</a:t>
-            </a:r>
-            <a:r>
-              <a:rPr lang="en-US" altLang="ko-KR" dirty="0">
-                <a:latin typeface="나눔스퀘어 Light" panose="020B0600000101010101" pitchFamily="50" charset="-127"/>
-                <a:ea typeface="나눔스퀘어 Light" panose="020B0600000101010101" pitchFamily="50" charset="-127"/>
-              </a:rPr>
-              <a:t>, A[0]</a:t>
-            </a:r>
-            <a:r>
-              <a:rPr lang="ko-KR" altLang="en-US" dirty="0">
-                <a:latin typeface="나눔스퀘어 Light" panose="020B0600000101010101" pitchFamily="50" charset="-127"/>
-                <a:ea typeface="나눔스퀘어 Light" panose="020B0600000101010101" pitchFamily="50" charset="-127"/>
-              </a:rPr>
-              <a:t>에 무엇이 들어가든</a:t>
-            </a:r>
-            <a:r>
-              <a:rPr lang="en-US" altLang="ko-KR" dirty="0">
-                <a:latin typeface="나눔스퀘어 Light" panose="020B0600000101010101" pitchFamily="50" charset="-127"/>
-                <a:ea typeface="나눔스퀘어 Light" panose="020B0600000101010101" pitchFamily="50" charset="-127"/>
-              </a:rPr>
-              <a:t>, LIS</a:t>
-            </a:r>
-            <a:r>
-              <a:rPr lang="ko-KR" altLang="en-US" dirty="0">
-                <a:latin typeface="나눔스퀘어 Light" panose="020B0600000101010101" pitchFamily="50" charset="-127"/>
-                <a:ea typeface="나눔스퀘어 Light" panose="020B0600000101010101" pitchFamily="50" charset="-127"/>
-              </a:rPr>
-              <a:t>의 길이를 최대로 하기 위해선 </a:t>
-            </a:r>
-            <a:r>
-              <a:rPr lang="en-US" altLang="ko-KR" dirty="0">
-                <a:latin typeface="나눔스퀘어 Light" panose="020B0600000101010101" pitchFamily="50" charset="-127"/>
-                <a:ea typeface="나눔스퀘어 Light" panose="020B0600000101010101" pitchFamily="50" charset="-127"/>
-              </a:rPr>
-              <a:t>A[0]</a:t>
-            </a:r>
-            <a:r>
-              <a:rPr lang="ko-KR" altLang="en-US" dirty="0">
-                <a:latin typeface="나눔스퀘어 Light" panose="020B0600000101010101" pitchFamily="50" charset="-127"/>
-                <a:ea typeface="나눔스퀘어 Light" panose="020B0600000101010101" pitchFamily="50" charset="-127"/>
-              </a:rPr>
-              <a:t>에 들어간 수를 </a:t>
-            </a:r>
-            <a:r>
-              <a:rPr lang="en-US" altLang="ko-KR" dirty="0">
-                <a:latin typeface="나눔스퀘어 Light" panose="020B0600000101010101" pitchFamily="50" charset="-127"/>
-                <a:ea typeface="나눔스퀘어 Light" panose="020B0600000101010101" pitchFamily="50" charset="-127"/>
-              </a:rPr>
-              <a:t>LIS</a:t>
-            </a:r>
-            <a:r>
-              <a:rPr lang="ko-KR" altLang="en-US" dirty="0">
-                <a:latin typeface="나눔스퀘어 Light" panose="020B0600000101010101" pitchFamily="50" charset="-127"/>
-                <a:ea typeface="나눔스퀘어 Light" panose="020B0600000101010101" pitchFamily="50" charset="-127"/>
-              </a:rPr>
-              <a:t>에 포함시켜야 함을</a:t>
-            </a:r>
+              <a:t>이 값은 </a:t>
+            </a:r>
+            <a:r>
+              <a:rPr lang="en-US" altLang="ko-KR" dirty="0" err="1">
+                <a:latin typeface="나눔스퀘어 Light" panose="020B0600000101010101" pitchFamily="50" charset="-127"/>
+                <a:ea typeface="나눔스퀘어 Light" panose="020B0600000101010101" pitchFamily="50" charset="-127"/>
+              </a:rPr>
+              <a:t>dp</a:t>
+            </a:r>
+            <a:r>
+              <a:rPr lang="en-US" altLang="ko-KR" dirty="0">
+                <a:latin typeface="나눔스퀘어 Light" panose="020B0600000101010101" pitchFamily="50" charset="-127"/>
+                <a:ea typeface="나눔스퀘어 Light" panose="020B0600000101010101" pitchFamily="50" charset="-127"/>
+              </a:rPr>
+              <a:t>[]</a:t>
+            </a:r>
+            <a:r>
+              <a:rPr lang="ko-KR" altLang="en-US" dirty="0">
+                <a:latin typeface="나눔스퀘어 Light" panose="020B0600000101010101" pitchFamily="50" charset="-127"/>
+                <a:ea typeface="나눔스퀘어 Light" panose="020B0600000101010101" pitchFamily="50" charset="-127"/>
+              </a:rPr>
+              <a:t>에 </a:t>
+            </a:r>
+            <a:r>
+              <a:rPr lang="ko-KR" altLang="en-US" dirty="0" err="1">
+                <a:latin typeface="나눔스퀘어 Light" panose="020B0600000101010101" pitchFamily="50" charset="-127"/>
+                <a:ea typeface="나눔스퀘어 Light" panose="020B0600000101010101" pitchFamily="50" charset="-127"/>
+              </a:rPr>
+              <a:t>저장해뒀습니다</a:t>
+            </a:r>
+            <a:r>
+              <a:rPr lang="en-US" altLang="ko-KR" dirty="0">
+                <a:latin typeface="나눔스퀘어 Light" panose="020B0600000101010101" pitchFamily="50" charset="-127"/>
+                <a:ea typeface="나눔스퀘어 Light" panose="020B0600000101010101" pitchFamily="50" charset="-127"/>
+              </a:rPr>
+              <a:t>.</a:t>
+            </a:r>
+            <a:endParaRPr lang="ko-KR" altLang="en-US" dirty="0">
+              <a:latin typeface="나눔스퀘어 Light" panose="020B0600000101010101" pitchFamily="50" charset="-127"/>
+              <a:ea typeface="나눔스퀘어 Light" panose="020B0600000101010101" pitchFamily="50" charset="-127"/>
+            </a:endParaRPr>
           </a:p>
         </p:txBody>
       </p:sp>
@@ -22033,7 +22130,13 @@
           <p:cNvGraphicFramePr>
             <a:graphicFrameLocks noGrp="1"/>
           </p:cNvGraphicFramePr>
-          <p:nvPr/>
+          <p:nvPr>
+            <p:extLst>
+              <p:ext uri="{D42A27DB-BD31-4B8C-83A1-F6EECF244321}">
+                <p14:modId xmlns:p14="http://schemas.microsoft.com/office/powerpoint/2010/main" val="2226944488"/>
+              </p:ext>
+            </p:extLst>
+          </p:nvPr>
         </p:nvGraphicFramePr>
         <p:xfrm>
           <a:off x="942387" y="4396123"/>
@@ -22098,20 +22201,14 @@
                       <a:pPr algn="ctr" latinLnBrk="1"/>
                       <a:r>
                         <a:rPr lang="en-US" altLang="ko-KR" b="0" dirty="0">
-                          <a:solidFill>
-                            <a:schemeClr val="tx1"/>
-                          </a:solidFill>
-                          <a:latin typeface="나눔스퀘어 Bold" panose="020B0600000101010101" pitchFamily="50" charset="-127"/>
-                          <a:ea typeface="나눔스퀘어 Bold" panose="020B0600000101010101" pitchFamily="50" charset="-127"/>
+                          <a:latin typeface="나눔스퀘어 Light" panose="020B0600000101010101" pitchFamily="50" charset="-127"/>
+                          <a:ea typeface="나눔스퀘어 Light" panose="020B0600000101010101" pitchFamily="50" charset="-127"/>
                         </a:rPr>
                         <a:t>10</a:t>
                       </a:r>
                       <a:endParaRPr lang="ko-KR" altLang="en-US" b="0" dirty="0">
-                        <a:solidFill>
-                          <a:schemeClr val="tx1"/>
-                        </a:solidFill>
-                        <a:latin typeface="나눔스퀘어 Bold" panose="020B0600000101010101" pitchFamily="50" charset="-127"/>
-                        <a:ea typeface="나눔스퀘어 Bold" panose="020B0600000101010101" pitchFamily="50" charset="-127"/>
+                        <a:latin typeface="나눔스퀘어 Light" panose="020B0600000101010101" pitchFamily="50" charset="-127"/>
+                        <a:ea typeface="나눔스퀘어 Light" panose="020B0600000101010101" pitchFamily="50" charset="-127"/>
                       </a:endParaRPr>
                     </a:p>
                   </a:txBody>
@@ -22125,14 +22222,20 @@
                       <a:pPr algn="ctr" latinLnBrk="1"/>
                       <a:r>
                         <a:rPr lang="en-US" altLang="ko-KR" b="0" dirty="0">
-                          <a:latin typeface="나눔스퀘어 Light" panose="020B0600000101010101" pitchFamily="50" charset="-127"/>
-                          <a:ea typeface="나눔스퀘어 Light" panose="020B0600000101010101" pitchFamily="50" charset="-127"/>
+                          <a:solidFill>
+                            <a:schemeClr val="tx1"/>
+                          </a:solidFill>
+                          <a:latin typeface="나눔스퀘어 Bold" panose="020B0600000101010101" pitchFamily="50" charset="-127"/>
+                          <a:ea typeface="나눔스퀘어 Bold" panose="020B0600000101010101" pitchFamily="50" charset="-127"/>
                         </a:rPr>
                         <a:t>20</a:t>
                       </a:r>
                       <a:endParaRPr lang="ko-KR" altLang="en-US" b="0" dirty="0">
-                        <a:latin typeface="나눔스퀘어 Light" panose="020B0600000101010101" pitchFamily="50" charset="-127"/>
-                        <a:ea typeface="나눔스퀘어 Light" panose="020B0600000101010101" pitchFamily="50" charset="-127"/>
+                        <a:solidFill>
+                          <a:schemeClr val="tx1"/>
+                        </a:solidFill>
+                        <a:latin typeface="나눔스퀘어 Bold" panose="020B0600000101010101" pitchFamily="50" charset="-127"/>
+                        <a:ea typeface="나눔스퀘어 Bold" panose="020B0600000101010101" pitchFamily="50" charset="-127"/>
                       </a:endParaRPr>
                     </a:p>
                   </a:txBody>
@@ -22287,7 +22390,13 @@
           <p:cNvGraphicFramePr>
             <a:graphicFrameLocks noGrp="1"/>
           </p:cNvGraphicFramePr>
-          <p:nvPr/>
+          <p:nvPr>
+            <p:extLst>
+              <p:ext uri="{D42A27DB-BD31-4B8C-83A1-F6EECF244321}">
+                <p14:modId xmlns:p14="http://schemas.microsoft.com/office/powerpoint/2010/main" val="3610450385"/>
+              </p:ext>
+            </p:extLst>
+          </p:nvPr>
         </p:nvGraphicFramePr>
         <p:xfrm>
           <a:off x="6096000" y="4396123"/>
@@ -22352,11 +22461,8 @@
                       <a:pPr algn="ctr" latinLnBrk="1"/>
                       <a:r>
                         <a:rPr lang="en-US" altLang="ko-KR" b="0" dirty="0">
-                          <a:solidFill>
-                            <a:schemeClr val="tx1"/>
-                          </a:solidFill>
-                          <a:latin typeface="나눔스퀘어 Bold" panose="020B0600000101010101" pitchFamily="50" charset="-127"/>
-                          <a:ea typeface="나눔스퀘어 Bold" panose="020B0600000101010101" pitchFamily="50" charset="-127"/>
+                          <a:latin typeface="나눔스퀘어 Light" panose="020B0600000101010101" pitchFamily="50" charset="-127"/>
+                          <a:ea typeface="나눔스퀘어 Light" panose="020B0600000101010101" pitchFamily="50" charset="-127"/>
                         </a:rPr>
                         <a:t>1</a:t>
                       </a:r>
@@ -22376,10 +22482,39 @@
                     <a:bodyPr/>
                     <a:lstStyle/>
                     <a:p>
-                      <a:pPr algn="ctr" latinLnBrk="1"/>
+                      <a:pPr marL="0" marR="0" lvl="0" indent="0" algn="ctr" defTabSz="914400" rtl="0" eaLnBrk="1" fontAlgn="auto" latinLnBrk="1" hangingPunct="1">
+                        <a:lnSpc>
+                          <a:spcPct val="100000"/>
+                        </a:lnSpc>
+                        <a:spcBef>
+                          <a:spcPts val="0"/>
+                        </a:spcBef>
+                        <a:spcAft>
+                          <a:spcPts val="0"/>
+                        </a:spcAft>
+                        <a:buClrTx/>
+                        <a:buSzTx/>
+                        <a:buFontTx/>
+                        <a:buNone/>
+                        <a:tabLst/>
+                        <a:defRPr/>
+                      </a:pPr>
+                      <a:r>
+                        <a:rPr lang="en-US" altLang="ko-KR" b="0" dirty="0">
+                          <a:solidFill>
+                            <a:schemeClr val="tx1"/>
+                          </a:solidFill>
+                          <a:latin typeface="나눔스퀘어 Bold" panose="020B0600000101010101" pitchFamily="50" charset="-127"/>
+                          <a:ea typeface="나눔스퀘어 Bold" panose="020B0600000101010101" pitchFamily="50" charset="-127"/>
+                        </a:rPr>
+                        <a:t>2</a:t>
+                      </a:r>
                       <a:endParaRPr lang="ko-KR" altLang="en-US" b="0" dirty="0">
-                        <a:latin typeface="나눔스퀘어 Light" panose="020B0600000101010101" pitchFamily="50" charset="-127"/>
-                        <a:ea typeface="나눔스퀘어 Light" panose="020B0600000101010101" pitchFamily="50" charset="-127"/>
+                        <a:solidFill>
+                          <a:schemeClr val="tx1"/>
+                        </a:solidFill>
+                        <a:latin typeface="나눔스퀘어 Bold" panose="020B0600000101010101" pitchFamily="50" charset="-127"/>
+                        <a:ea typeface="나눔스퀘어 Bold" panose="020B0600000101010101" pitchFamily="50" charset="-127"/>
                       </a:endParaRPr>
                     </a:p>
                   </a:txBody>
@@ -22530,11 +22665,109 @@
           <a:lstStyle/>
           <a:p>
             <a:r>
-              <a:rPr lang="ko-KR" altLang="en-US" dirty="0">
-                <a:latin typeface="나눔스퀘어 Light" panose="020B0600000101010101" pitchFamily="50" charset="-127"/>
-                <a:ea typeface="나눔스퀘어 Light" panose="020B0600000101010101" pitchFamily="50" charset="-127"/>
-              </a:rPr>
-              <a:t>알 수 있습니다</a:t>
+              <a:rPr lang="en-US" altLang="ko-KR" dirty="0" err="1">
+                <a:latin typeface="나눔스퀘어 Light" panose="020B0600000101010101" pitchFamily="50" charset="-127"/>
+                <a:ea typeface="나눔스퀘어 Light" panose="020B0600000101010101" pitchFamily="50" charset="-127"/>
+              </a:rPr>
+              <a:t>dp</a:t>
+            </a:r>
+            <a:r>
+              <a:rPr lang="en-US" altLang="ko-KR" dirty="0">
+                <a:latin typeface="나눔스퀘어 Light" panose="020B0600000101010101" pitchFamily="50" charset="-127"/>
+                <a:ea typeface="나눔스퀘어 Light" panose="020B0600000101010101" pitchFamily="50" charset="-127"/>
+              </a:rPr>
+              <a:t>[0]</a:t>
+            </a:r>
+            <a:r>
+              <a:rPr lang="ko-KR" altLang="en-US" dirty="0">
+                <a:latin typeface="나눔스퀘어 Light" panose="020B0600000101010101" pitchFamily="50" charset="-127"/>
+                <a:ea typeface="나눔스퀘어 Light" panose="020B0600000101010101" pitchFamily="50" charset="-127"/>
+              </a:rPr>
+              <a:t>의 값이 </a:t>
+            </a:r>
+            <a:r>
+              <a:rPr lang="en-US" altLang="ko-KR" dirty="0">
+                <a:latin typeface="나눔스퀘어 Light" panose="020B0600000101010101" pitchFamily="50" charset="-127"/>
+                <a:ea typeface="나눔스퀘어 Light" panose="020B0600000101010101" pitchFamily="50" charset="-127"/>
+              </a:rPr>
+              <a:t>1</a:t>
+            </a:r>
+            <a:r>
+              <a:rPr lang="ko-KR" altLang="en-US" dirty="0">
+                <a:latin typeface="나눔스퀘어 Light" panose="020B0600000101010101" pitchFamily="50" charset="-127"/>
+                <a:ea typeface="나눔스퀘어 Light" panose="020B0600000101010101" pitchFamily="50" charset="-127"/>
+              </a:rPr>
+              <a:t>이고</a:t>
+            </a:r>
+            <a:r>
+              <a:rPr lang="en-US" altLang="ko-KR" dirty="0">
+                <a:latin typeface="나눔스퀘어 Light" panose="020B0600000101010101" pitchFamily="50" charset="-127"/>
+                <a:ea typeface="나눔스퀘어 Light" panose="020B0600000101010101" pitchFamily="50" charset="-127"/>
+              </a:rPr>
+              <a:t>, A[0]</a:t>
+            </a:r>
+            <a:r>
+              <a:rPr lang="ko-KR" altLang="en-US" dirty="0">
+                <a:latin typeface="나눔스퀘어 Light" panose="020B0600000101010101" pitchFamily="50" charset="-127"/>
+                <a:ea typeface="나눔스퀘어 Light" panose="020B0600000101010101" pitchFamily="50" charset="-127"/>
+              </a:rPr>
+              <a:t>의 값이 </a:t>
+            </a:r>
+            <a:r>
+              <a:rPr lang="en-US" altLang="ko-KR" dirty="0">
+                <a:latin typeface="나눔스퀘어 Light" panose="020B0600000101010101" pitchFamily="50" charset="-127"/>
+                <a:ea typeface="나눔스퀘어 Light" panose="020B0600000101010101" pitchFamily="50" charset="-127"/>
+              </a:rPr>
+              <a:t>10 </a:t>
+            </a:r>
+            <a:r>
+              <a:rPr lang="ko-KR" altLang="en-US" dirty="0">
+                <a:latin typeface="나눔스퀘어 Light" panose="020B0600000101010101" pitchFamily="50" charset="-127"/>
+                <a:ea typeface="나눔스퀘어 Light" panose="020B0600000101010101" pitchFamily="50" charset="-127"/>
+              </a:rPr>
+              <a:t>이므로</a:t>
+            </a:r>
+            <a:r>
+              <a:rPr lang="en-US" altLang="ko-KR" dirty="0">
+                <a:latin typeface="나눔스퀘어 Light" panose="020B0600000101010101" pitchFamily="50" charset="-127"/>
+                <a:ea typeface="나눔스퀘어 Light" panose="020B0600000101010101" pitchFamily="50" charset="-127"/>
+              </a:rPr>
+              <a:t>, A[1] </a:t>
+            </a:r>
+            <a:r>
+              <a:rPr lang="ko-KR" altLang="en-US" dirty="0">
+                <a:latin typeface="나눔스퀘어 Light" panose="020B0600000101010101" pitchFamily="50" charset="-127"/>
+                <a:ea typeface="나눔스퀘어 Light" panose="020B0600000101010101" pitchFamily="50" charset="-127"/>
+              </a:rPr>
+              <a:t>까지의 </a:t>
+            </a:r>
+            <a:r>
+              <a:rPr lang="en-US" altLang="ko-KR" dirty="0">
+                <a:latin typeface="나눔스퀘어 Light" panose="020B0600000101010101" pitchFamily="50" charset="-127"/>
+                <a:ea typeface="나눔스퀘어 Light" panose="020B0600000101010101" pitchFamily="50" charset="-127"/>
+              </a:rPr>
+              <a:t>LIS</a:t>
+            </a:r>
+            <a:r>
+              <a:rPr lang="ko-KR" altLang="en-US" dirty="0">
+                <a:latin typeface="나눔스퀘어 Light" panose="020B0600000101010101" pitchFamily="50" charset="-127"/>
+                <a:ea typeface="나눔스퀘어 Light" panose="020B0600000101010101" pitchFamily="50" charset="-127"/>
+              </a:rPr>
+              <a:t>는 </a:t>
+            </a:r>
+            <a:r>
+              <a:rPr lang="en-US" altLang="ko-KR" dirty="0">
+                <a:latin typeface="나눔스퀘어 Light" panose="020B0600000101010101" pitchFamily="50" charset="-127"/>
+                <a:ea typeface="나눔스퀘어 Light" panose="020B0600000101010101" pitchFamily="50" charset="-127"/>
+              </a:rPr>
+              <a:t>{10} </a:t>
+            </a:r>
+            <a:r>
+              <a:rPr lang="ko-KR" altLang="en-US" dirty="0">
+                <a:latin typeface="나눔스퀘어 Light" panose="020B0600000101010101" pitchFamily="50" charset="-127"/>
+                <a:ea typeface="나눔스퀘어 Light" panose="020B0600000101010101" pitchFamily="50" charset="-127"/>
+              </a:rPr>
+              <a:t>이 됩니다</a:t>
             </a:r>
             <a:r>
               <a:rPr lang="en-US" altLang="ko-KR" dirty="0">
@@ -22552,10 +22785,10 @@
       </p:sp>
       <p:sp>
         <p:nvSpPr>
-          <p:cNvPr id="15" name="TextBox 14">
-            <a:extLst>
-              <a:ext uri="{FF2B5EF4-FFF2-40B4-BE49-F238E27FC236}">
-                <a16:creationId xmlns:a16="http://schemas.microsoft.com/office/drawing/2014/main" id="{730F81C5-075C-19AF-9CF2-30884C3D838B}"/>
+          <p:cNvPr id="18" name="TextBox 17">
+            <a:extLst>
+              <a:ext uri="{FF2B5EF4-FFF2-40B4-BE49-F238E27FC236}">
+                <a16:creationId xmlns:a16="http://schemas.microsoft.com/office/drawing/2014/main" id="{889E6857-72CD-816D-C2AC-1545144D518A}"/>
               </a:ext>
             </a:extLst>
           </p:cNvPr>
@@ -22564,7 +22797,7 @@
         </p:nvSpPr>
         <p:spPr>
           <a:xfrm>
-            <a:off x="942387" y="2597858"/>
+            <a:off x="942387" y="2899527"/>
             <a:ext cx="10313217" cy="369332"/>
           </a:xfrm>
           <a:prstGeom prst="rect">
@@ -22579,60 +22812,25 @@
           <a:lstStyle/>
           <a:p>
             <a:r>
-              <a:rPr lang="en-US" altLang="ko-KR" dirty="0">
-                <a:latin typeface="나눔스퀘어 Light" panose="020B0600000101010101" pitchFamily="50" charset="-127"/>
-                <a:ea typeface="나눔스퀘어 Light" panose="020B0600000101010101" pitchFamily="50" charset="-127"/>
-              </a:rPr>
-              <a:t>ex : {</a:t>
-            </a:r>
-            <a:r>
-              <a:rPr lang="en-US" altLang="ko-KR" dirty="0">
-                <a:latin typeface="나눔스퀘어 Bold" panose="020B0600000101010101" pitchFamily="50" charset="-127"/>
-                <a:ea typeface="나눔스퀘어 Bold" panose="020B0600000101010101" pitchFamily="50" charset="-127"/>
-              </a:rPr>
-              <a:t>0</a:t>
-            </a:r>
-            <a:r>
-              <a:rPr lang="en-US" altLang="ko-KR" dirty="0">
-                <a:latin typeface="나눔스퀘어 Light" panose="020B0600000101010101" pitchFamily="50" charset="-127"/>
-                <a:ea typeface="나눔스퀘어 Light" panose="020B0600000101010101" pitchFamily="50" charset="-127"/>
-              </a:rPr>
-              <a:t>, 2}, {</a:t>
-            </a:r>
-            <a:r>
-              <a:rPr lang="en-US" altLang="ko-KR" dirty="0">
-                <a:latin typeface="나눔스퀘어 Bold" panose="020B0600000101010101" pitchFamily="50" charset="-127"/>
-                <a:ea typeface="나눔스퀘어 Bold" panose="020B0600000101010101" pitchFamily="50" charset="-127"/>
-              </a:rPr>
-              <a:t>3</a:t>
-            </a:r>
-            <a:r>
-              <a:rPr lang="en-US" altLang="ko-KR" dirty="0">
-                <a:latin typeface="나눔스퀘어 Light" panose="020B0600000101010101" pitchFamily="50" charset="-127"/>
-                <a:ea typeface="나눔스퀘어 Light" panose="020B0600000101010101" pitchFamily="50" charset="-127"/>
-              </a:rPr>
-              <a:t>, 1}, {</a:t>
-            </a:r>
-            <a:r>
-              <a:rPr lang="en-US" altLang="ko-KR" dirty="0">
-                <a:latin typeface="나눔스퀘어 Bold" panose="020B0600000101010101" pitchFamily="50" charset="-127"/>
-                <a:ea typeface="나눔스퀘어 Bold" panose="020B0600000101010101" pitchFamily="50" charset="-127"/>
-              </a:rPr>
-              <a:t>10</a:t>
-            </a:r>
-            <a:r>
-              <a:rPr lang="en-US" altLang="ko-KR" dirty="0">
-                <a:latin typeface="나눔스퀘어 Light" panose="020B0600000101010101" pitchFamily="50" charset="-127"/>
-                <a:ea typeface="나눔스퀘어 Light" panose="020B0600000101010101" pitchFamily="50" charset="-127"/>
-              </a:rPr>
-              <a:t>, 20, 10, 30, 20, 50} </a:t>
-            </a:r>
-            <a:r>
-              <a:rPr lang="ko-KR" altLang="en-US" dirty="0">
-                <a:latin typeface="나눔스퀘어 Light" panose="020B0600000101010101" pitchFamily="50" charset="-127"/>
-                <a:ea typeface="나눔스퀘어 Light" panose="020B0600000101010101" pitchFamily="50" charset="-127"/>
-              </a:rPr>
-              <a:t>의 </a:t>
+              <a:rPr lang="ko-KR" altLang="en-US" dirty="0">
+                <a:latin typeface="나눔스퀘어 Light" panose="020B0600000101010101" pitchFamily="50" charset="-127"/>
+                <a:ea typeface="나눔스퀘어 Light" panose="020B0600000101010101" pitchFamily="50" charset="-127"/>
+              </a:rPr>
+              <a:t>따라서</a:t>
+            </a:r>
+            <a:r>
+              <a:rPr lang="en-US" altLang="ko-KR" dirty="0">
+                <a:latin typeface="나눔스퀘어 Light" panose="020B0600000101010101" pitchFamily="50" charset="-127"/>
+                <a:ea typeface="나눔스퀘어 Light" panose="020B0600000101010101" pitchFamily="50" charset="-127"/>
+              </a:rPr>
+              <a:t>, A[1] </a:t>
+            </a:r>
+            <a:r>
+              <a:rPr lang="ko-KR" altLang="en-US" dirty="0">
+                <a:latin typeface="나눔스퀘어 Light" panose="020B0600000101010101" pitchFamily="50" charset="-127"/>
+                <a:ea typeface="나눔스퀘어 Light" panose="020B0600000101010101" pitchFamily="50" charset="-127"/>
+              </a:rPr>
+              <a:t>까지의 </a:t>
             </a:r>
             <a:r>
               <a:rPr lang="en-US" altLang="ko-KR" dirty="0">
@@ -22646,31 +22844,42 @@
                 <a:latin typeface="나눔스퀘어 Light" panose="020B0600000101010101" pitchFamily="50" charset="-127"/>
                 <a:ea typeface="나눔스퀘어 Light" panose="020B0600000101010101" pitchFamily="50" charset="-127"/>
               </a:rPr>
-              <a:t>를 구하기 위해서는 결국 </a:t>
-            </a:r>
-            <a:r>
-              <a:rPr lang="en-US" altLang="ko-KR" dirty="0">
-                <a:latin typeface="나눔스퀘어 Light" panose="020B0600000101010101" pitchFamily="50" charset="-127"/>
-                <a:ea typeface="나눔스퀘어 Light" panose="020B0600000101010101" pitchFamily="50" charset="-127"/>
-              </a:rPr>
-              <a:t>A[0]</a:t>
-            </a:r>
-            <a:r>
-              <a:rPr lang="ko-KR" altLang="en-US" dirty="0">
-                <a:latin typeface="나눔스퀘어 Light" panose="020B0600000101010101" pitchFamily="50" charset="-127"/>
-                <a:ea typeface="나눔스퀘어 Light" panose="020B0600000101010101" pitchFamily="50" charset="-127"/>
-              </a:rPr>
-              <a:t>가 포함됨</a:t>
-            </a:r>
-          </a:p>
-        </p:txBody>
-      </p:sp>
-      <p:sp>
-        <p:nvSpPr>
-          <p:cNvPr id="18" name="TextBox 17">
-            <a:extLst>
-              <a:ext uri="{FF2B5EF4-FFF2-40B4-BE49-F238E27FC236}">
-                <a16:creationId xmlns:a16="http://schemas.microsoft.com/office/drawing/2014/main" id="{889E6857-72CD-816D-C2AC-1545144D518A}"/>
+              <a:t>에 </a:t>
+            </a:r>
+            <a:r>
+              <a:rPr lang="en-US" altLang="ko-KR" dirty="0">
+                <a:latin typeface="나눔스퀘어 Light" panose="020B0600000101010101" pitchFamily="50" charset="-127"/>
+                <a:ea typeface="나눔스퀘어 Light" panose="020B0600000101010101" pitchFamily="50" charset="-127"/>
+              </a:rPr>
+              <a:t>20</a:t>
+            </a:r>
+            <a:r>
+              <a:rPr lang="ko-KR" altLang="en-US" dirty="0">
+                <a:latin typeface="나눔스퀘어 Light" panose="020B0600000101010101" pitchFamily="50" charset="-127"/>
+                <a:ea typeface="나눔스퀘어 Light" panose="020B0600000101010101" pitchFamily="50" charset="-127"/>
+              </a:rPr>
+              <a:t>을 포함시킬 수 있습니다</a:t>
+            </a:r>
+            <a:r>
+              <a:rPr lang="en-US" altLang="ko-KR" dirty="0">
+                <a:latin typeface="나눔스퀘어 Light" panose="020B0600000101010101" pitchFamily="50" charset="-127"/>
+                <a:ea typeface="나눔스퀘어 Light" panose="020B0600000101010101" pitchFamily="50" charset="-127"/>
+              </a:rPr>
+              <a:t>.</a:t>
+            </a:r>
+            <a:endParaRPr lang="ko-KR" altLang="en-US" dirty="0">
+              <a:latin typeface="나눔스퀘어 Light" panose="020B0600000101010101" pitchFamily="50" charset="-127"/>
+              <a:ea typeface="나눔스퀘어 Light" panose="020B0600000101010101" pitchFamily="50" charset="-127"/>
+            </a:endParaRPr>
+          </a:p>
+        </p:txBody>
+      </p:sp>
+      <p:sp>
+        <p:nvSpPr>
+          <p:cNvPr id="8" name="TextBox 7">
+            <a:extLst>
+              <a:ext uri="{FF2B5EF4-FFF2-40B4-BE49-F238E27FC236}">
+                <a16:creationId xmlns:a16="http://schemas.microsoft.com/office/drawing/2014/main" id="{ADF4A1BC-4A28-F664-91CC-D7285FE07778}"/>
               </a:ext>
             </a:extLst>
           </p:cNvPr>
@@ -22679,8 +22888,8 @@
         </p:nvSpPr>
         <p:spPr>
           <a:xfrm>
-            <a:off x="942387" y="3267802"/>
-            <a:ext cx="10313217" cy="369332"/>
+            <a:off x="6096000" y="5334344"/>
+            <a:ext cx="4989922" cy="369332"/>
           </a:xfrm>
           <a:prstGeom prst="rect">
             <a:avLst/>
@@ -22698,7 +22907,7 @@
                 <a:latin typeface="나눔스퀘어 Light" panose="020B0600000101010101" pitchFamily="50" charset="-127"/>
                 <a:ea typeface="나눔스퀘어 Light" panose="020B0600000101010101" pitchFamily="50" charset="-127"/>
               </a:rPr>
-              <a:t>따라서</a:t>
+              <a:t>여기서</a:t>
             </a:r>
             <a:r>
               <a:rPr lang="en-US" altLang="ko-KR" dirty="0">
@@ -22719,25 +22928,169 @@
                 <a:latin typeface="나눔스퀘어 Light" panose="020B0600000101010101" pitchFamily="50" charset="-127"/>
                 <a:ea typeface="나눔스퀘어 Light" panose="020B0600000101010101" pitchFamily="50" charset="-127"/>
               </a:rPr>
-              <a:t>[0] = 1</a:t>
-            </a:r>
-            <a:r>
-              <a:rPr lang="ko-KR" altLang="en-US" dirty="0">
-                <a:latin typeface="나눔스퀘어 Light" panose="020B0600000101010101" pitchFamily="50" charset="-127"/>
-                <a:ea typeface="나눔스퀘어 Light" panose="020B0600000101010101" pitchFamily="50" charset="-127"/>
-              </a:rPr>
-              <a:t>로 초기화 할 수 있습니다</a:t>
-            </a:r>
-            <a:r>
-              <a:rPr lang="en-US" altLang="ko-KR" dirty="0">
-                <a:latin typeface="나눔스퀘어 Light" panose="020B0600000101010101" pitchFamily="50" charset="-127"/>
-                <a:ea typeface="나눔스퀘어 Light" panose="020B0600000101010101" pitchFamily="50" charset="-127"/>
-              </a:rPr>
-              <a:t>.</a:t>
+              <a:t>[1] =</a:t>
+            </a:r>
+            <a:r>
+              <a:rPr lang="ko-KR" altLang="en-US" dirty="0">
+                <a:latin typeface="나눔스퀘어 Light" panose="020B0600000101010101" pitchFamily="50" charset="-127"/>
+                <a:ea typeface="나눔스퀘어 Light" panose="020B0600000101010101" pitchFamily="50" charset="-127"/>
+              </a:rPr>
+              <a:t> </a:t>
+            </a:r>
+            <a:r>
+              <a:rPr lang="en-US" altLang="ko-KR" dirty="0">
+                <a:latin typeface="나눔스퀘어 Light" panose="020B0600000101010101" pitchFamily="50" charset="-127"/>
+                <a:ea typeface="나눔스퀘어 Light" panose="020B0600000101010101" pitchFamily="50" charset="-127"/>
+              </a:rPr>
+              <a:t>2</a:t>
+            </a:r>
+            <a:r>
+              <a:rPr lang="ko-KR" altLang="en-US" dirty="0">
+                <a:latin typeface="나눔스퀘어 Light" panose="020B0600000101010101" pitchFamily="50" charset="-127"/>
+                <a:ea typeface="나눔스퀘어 Light" panose="020B0600000101010101" pitchFamily="50" charset="-127"/>
+              </a:rPr>
+              <a:t>은 </a:t>
+            </a:r>
+            <a:r>
+              <a:rPr lang="en-US" altLang="ko-KR" dirty="0">
+                <a:latin typeface="나눔스퀘어 Light" panose="020B0600000101010101" pitchFamily="50" charset="-127"/>
+                <a:ea typeface="나눔스퀘어 Light" panose="020B0600000101010101" pitchFamily="50" charset="-127"/>
+              </a:rPr>
+              <a:t>LIS</a:t>
+            </a:r>
+            <a:r>
+              <a:rPr lang="ko-KR" altLang="en-US" dirty="0">
+                <a:latin typeface="나눔스퀘어 Light" panose="020B0600000101010101" pitchFamily="50" charset="-127"/>
+                <a:ea typeface="나눔스퀘어 Light" panose="020B0600000101010101" pitchFamily="50" charset="-127"/>
+              </a:rPr>
+              <a:t>에 </a:t>
+            </a:r>
+            <a:r>
+              <a:rPr lang="en-US" altLang="ko-KR" dirty="0">
+                <a:latin typeface="나눔스퀘어 Light" panose="020B0600000101010101" pitchFamily="50" charset="-127"/>
+                <a:ea typeface="나눔스퀘어 Light" panose="020B0600000101010101" pitchFamily="50" charset="-127"/>
+              </a:rPr>
+              <a:t>{20} </a:t>
+            </a:r>
+            <a:r>
+              <a:rPr lang="ko-KR" altLang="en-US" dirty="0">
+                <a:latin typeface="나눔스퀘어 Light" panose="020B0600000101010101" pitchFamily="50" charset="-127"/>
+                <a:ea typeface="나눔스퀘어 Light" panose="020B0600000101010101" pitchFamily="50" charset="-127"/>
+              </a:rPr>
+              <a:t>이 </a:t>
+            </a:r>
+            <a:r>
+              <a:rPr lang="ko-KR" altLang="en-US" dirty="0" err="1">
+                <a:latin typeface="나눔스퀘어 Light" panose="020B0600000101010101" pitchFamily="50" charset="-127"/>
+                <a:ea typeface="나눔스퀘어 Light" panose="020B0600000101010101" pitchFamily="50" charset="-127"/>
+              </a:rPr>
+              <a:t>포함됬음을</a:t>
+            </a:r>
+            <a:r>
+              <a:rPr lang="ko-KR" altLang="en-US" dirty="0">
+                <a:latin typeface="나눔스퀘어 Light" panose="020B0600000101010101" pitchFamily="50" charset="-127"/>
+                <a:ea typeface="나눔스퀘어 Light" panose="020B0600000101010101" pitchFamily="50" charset="-127"/>
+              </a:rPr>
+              <a:t> 의미</a:t>
+            </a:r>
+          </a:p>
+        </p:txBody>
+      </p:sp>
+      <p:sp>
+        <p:nvSpPr>
+          <p:cNvPr id="17" name="원형: 비어 있음 16">
+            <a:extLst>
+              <a:ext uri="{FF2B5EF4-FFF2-40B4-BE49-F238E27FC236}">
+                <a16:creationId xmlns:a16="http://schemas.microsoft.com/office/drawing/2014/main" id="{9DD91BE4-C2C2-ED7D-5FCD-6BC999BC6C78}"/>
+              </a:ext>
+            </a:extLst>
+          </p:cNvPr>
+          <p:cNvSpPr/>
+          <p:nvPr/>
+        </p:nvSpPr>
+        <p:spPr>
+          <a:xfrm>
+            <a:off x="6268825" y="4827397"/>
+            <a:ext cx="298800" cy="299104"/>
+          </a:xfrm>
+          <a:prstGeom prst="donut">
+            <a:avLst/>
+          </a:prstGeom>
+          <a:solidFill>
+            <a:srgbClr val="FF0000"/>
+          </a:solidFill>
+          <a:ln>
+            <a:noFill/>
+          </a:ln>
+        </p:spPr>
+        <p:style>
+          <a:lnRef idx="2">
+            <a:schemeClr val="accent1">
+              <a:shade val="50000"/>
+            </a:schemeClr>
+          </a:lnRef>
+          <a:fillRef idx="1">
+            <a:schemeClr val="accent1"/>
+          </a:fillRef>
+          <a:effectRef idx="0">
+            <a:schemeClr val="accent1"/>
+          </a:effectRef>
+          <a:fontRef idx="minor">
+            <a:schemeClr val="lt1"/>
+          </a:fontRef>
+        </p:style>
+        <p:txBody>
+          <a:bodyPr rtlCol="0" anchor="ctr"/>
+          <a:lstStyle/>
+          <a:p>
+            <a:pPr algn="ctr"/>
+            <a:endParaRPr lang="ko-KR" altLang="en-US">
+              <a:solidFill>
+                <a:schemeClr val="tx1"/>
+              </a:solidFill>
+            </a:endParaRPr>
+          </a:p>
+        </p:txBody>
+      </p:sp>
+      <p:sp>
+        <p:nvSpPr>
+          <p:cNvPr id="19" name="TextBox 18">
+            <a:extLst>
+              <a:ext uri="{FF2B5EF4-FFF2-40B4-BE49-F238E27FC236}">
+                <a16:creationId xmlns:a16="http://schemas.microsoft.com/office/drawing/2014/main" id="{A1871000-7C79-387D-3C4A-4ABAEA252FCC}"/>
+              </a:ext>
+            </a:extLst>
+          </p:cNvPr>
+          <p:cNvSpPr txBox="1"/>
+          <p:nvPr/>
+        </p:nvSpPr>
+        <p:spPr>
+          <a:xfrm>
+            <a:off x="942387" y="4757169"/>
+            <a:ext cx="631889" cy="369332"/>
+          </a:xfrm>
+          <a:prstGeom prst="rect">
+            <a:avLst/>
+          </a:prstGeom>
+          <a:noFill/>
+        </p:spPr>
+        <p:txBody>
+          <a:bodyPr wrap="square" rtlCol="0">
+            <a:spAutoFit/>
+          </a:bodyPr>
+          <a:lstStyle/>
+          <a:p>
+            <a:pPr algn="ctr"/>
+            <a:r>
+              <a:rPr lang="en-US" altLang="ko-KR" dirty="0">
+                <a:latin typeface="나눔스퀘어 Bold" panose="020B0600000101010101" pitchFamily="50" charset="-127"/>
+                <a:ea typeface="나눔스퀘어 Bold" panose="020B0600000101010101" pitchFamily="50" charset="-127"/>
+              </a:rPr>
+              <a:t>&lt;</a:t>
             </a:r>
             <a:endParaRPr lang="ko-KR" altLang="en-US" dirty="0">
-              <a:latin typeface="나눔스퀘어 Light" panose="020B0600000101010101" pitchFamily="50" charset="-127"/>
-              <a:ea typeface="나눔스퀘어 Light" panose="020B0600000101010101" pitchFamily="50" charset="-127"/>
+              <a:latin typeface="나눔스퀘어 Bold" panose="020B0600000101010101" pitchFamily="50" charset="-127"/>
+              <a:ea typeface="나눔스퀘어 Bold" panose="020B0600000101010101" pitchFamily="50" charset="-127"/>
             </a:endParaRPr>
           </a:p>
         </p:txBody>
@@ -22756,6 +23109,6722 @@
 </file>
 
 <file path=ppt/slides/slide33.xml><?xml version="1.0" encoding="utf-8"?>
+<p:sld xmlns:a="http://schemas.openxmlformats.org/drawingml/2006/main" xmlns:r="http://schemas.openxmlformats.org/officeDocument/2006/relationships" xmlns:p="http://schemas.openxmlformats.org/presentationml/2006/main">
+  <p:cSld>
+    <p:spTree>
+      <p:nvGrpSpPr>
+        <p:cNvPr id="1" name=""/>
+        <p:cNvGrpSpPr/>
+        <p:nvPr/>
+      </p:nvGrpSpPr>
+      <p:grpSpPr>
+        <a:xfrm>
+          <a:off x="0" y="0"/>
+          <a:ext cx="0" cy="0"/>
+          <a:chOff x="0" y="0"/>
+          <a:chExt cx="0" cy="0"/>
+        </a:xfrm>
+      </p:grpSpPr>
+      <p:cxnSp>
+        <p:nvCxnSpPr>
+          <p:cNvPr id="5" name="직선 연결선 4">
+            <a:extLst>
+              <a:ext uri="{FF2B5EF4-FFF2-40B4-BE49-F238E27FC236}">
+                <a16:creationId xmlns:a16="http://schemas.microsoft.com/office/drawing/2014/main" id="{164C2827-EFCE-69A4-D037-1A218415F568}"/>
+              </a:ext>
+            </a:extLst>
+          </p:cNvPr>
+          <p:cNvCxnSpPr/>
+          <p:nvPr/>
+        </p:nvCxnSpPr>
+        <p:spPr>
+          <a:xfrm>
+            <a:off x="0" y="887505"/>
+            <a:ext cx="10237694" cy="0"/>
+          </a:xfrm>
+          <a:prstGeom prst="line">
+            <a:avLst/>
+          </a:prstGeom>
+          <a:ln w="76200">
+            <a:solidFill>
+              <a:schemeClr val="tx1">
+                <a:lumMod val="75000"/>
+                <a:lumOff val="25000"/>
+              </a:schemeClr>
+            </a:solidFill>
+          </a:ln>
+        </p:spPr>
+        <p:style>
+          <a:lnRef idx="1">
+            <a:schemeClr val="accent1"/>
+          </a:lnRef>
+          <a:fillRef idx="0">
+            <a:schemeClr val="accent1"/>
+          </a:fillRef>
+          <a:effectRef idx="0">
+            <a:schemeClr val="accent1"/>
+          </a:effectRef>
+          <a:fontRef idx="minor">
+            <a:schemeClr val="tx1"/>
+          </a:fontRef>
+        </p:style>
+      </p:cxnSp>
+      <p:sp>
+        <p:nvSpPr>
+          <p:cNvPr id="4" name="TextBox 3">
+            <a:extLst>
+              <a:ext uri="{FF2B5EF4-FFF2-40B4-BE49-F238E27FC236}">
+                <a16:creationId xmlns:a16="http://schemas.microsoft.com/office/drawing/2014/main" id="{59D13859-3C4A-53F0-C48F-C6B9095BD065}"/>
+              </a:ext>
+            </a:extLst>
+          </p:cNvPr>
+          <p:cNvSpPr txBox="1"/>
+          <p:nvPr/>
+        </p:nvSpPr>
+        <p:spPr>
+          <a:xfrm>
+            <a:off x="331694" y="179902"/>
+            <a:ext cx="9506833" cy="523220"/>
+          </a:xfrm>
+          <a:prstGeom prst="rect">
+            <a:avLst/>
+          </a:prstGeom>
+          <a:noFill/>
+        </p:spPr>
+        <p:txBody>
+          <a:bodyPr wrap="none" rtlCol="0">
+            <a:spAutoFit/>
+          </a:bodyPr>
+          <a:lstStyle/>
+          <a:p>
+            <a:r>
+              <a:rPr lang="en-US" altLang="ko-KR" sz="2800" dirty="0">
+                <a:latin typeface="나눔스퀘어 Bold" panose="020B0600000101010101" pitchFamily="50" charset="-127"/>
+                <a:ea typeface="나눔스퀘어 Bold" panose="020B0600000101010101" pitchFamily="50" charset="-127"/>
+              </a:rPr>
+              <a:t>Dynamic Programming – 11053 </a:t>
+            </a:r>
+            <a:r>
+              <a:rPr lang="ko-KR" altLang="en-US" sz="2800" dirty="0">
+                <a:latin typeface="나눔스퀘어 Bold" panose="020B0600000101010101" pitchFamily="50" charset="-127"/>
+                <a:ea typeface="나눔스퀘어 Bold" panose="020B0600000101010101" pitchFamily="50" charset="-127"/>
+              </a:rPr>
+              <a:t>가장 긴 증가하는 부분 수열</a:t>
+            </a:r>
+          </a:p>
+        </p:txBody>
+      </p:sp>
+      <p:sp>
+        <p:nvSpPr>
+          <p:cNvPr id="6" name="TextBox 5">
+            <a:extLst>
+              <a:ext uri="{FF2B5EF4-FFF2-40B4-BE49-F238E27FC236}">
+                <a16:creationId xmlns:a16="http://schemas.microsoft.com/office/drawing/2014/main" id="{4234B7FF-D1A4-45D7-A12D-0C886A99812A}"/>
+              </a:ext>
+            </a:extLst>
+          </p:cNvPr>
+          <p:cNvSpPr txBox="1"/>
+          <p:nvPr/>
+        </p:nvSpPr>
+        <p:spPr>
+          <a:xfrm>
+            <a:off x="942387" y="1190024"/>
+            <a:ext cx="10313217" cy="369332"/>
+          </a:xfrm>
+          <a:prstGeom prst="rect">
+            <a:avLst/>
+          </a:prstGeom>
+          <a:noFill/>
+        </p:spPr>
+        <p:txBody>
+          <a:bodyPr wrap="square" rtlCol="0">
+            <a:spAutoFit/>
+          </a:bodyPr>
+          <a:lstStyle/>
+          <a:p>
+            <a:r>
+              <a:rPr lang="en-US" altLang="ko-KR" dirty="0">
+                <a:latin typeface="나눔스퀘어 Light" panose="020B0600000101010101" pitchFamily="50" charset="-127"/>
+                <a:ea typeface="나눔스퀘어 Light" panose="020B0600000101010101" pitchFamily="50" charset="-127"/>
+              </a:rPr>
+              <a:t>A[2]</a:t>
+            </a:r>
+            <a:r>
+              <a:rPr lang="ko-KR" altLang="en-US" dirty="0">
+                <a:latin typeface="나눔스퀘어 Light" panose="020B0600000101010101" pitchFamily="50" charset="-127"/>
+                <a:ea typeface="나눔스퀘어 Light" panose="020B0600000101010101" pitchFamily="50" charset="-127"/>
+              </a:rPr>
+              <a:t>에서의 </a:t>
+            </a:r>
+            <a:r>
+              <a:rPr lang="en-US" altLang="ko-KR" dirty="0">
+                <a:latin typeface="나눔스퀘어 Light" panose="020B0600000101010101" pitchFamily="50" charset="-127"/>
+                <a:ea typeface="나눔스퀘어 Light" panose="020B0600000101010101" pitchFamily="50" charset="-127"/>
+              </a:rPr>
+              <a:t>LIS</a:t>
+            </a:r>
+            <a:r>
+              <a:rPr lang="ko-KR" altLang="en-US" dirty="0">
+                <a:latin typeface="나눔스퀘어 Light" panose="020B0600000101010101" pitchFamily="50" charset="-127"/>
+                <a:ea typeface="나눔스퀘어 Light" panose="020B0600000101010101" pitchFamily="50" charset="-127"/>
+              </a:rPr>
+              <a:t>의 길이는 </a:t>
+            </a:r>
+            <a:r>
+              <a:rPr lang="en-US" altLang="ko-KR" dirty="0">
+                <a:latin typeface="나눔스퀘어 Light" panose="020B0600000101010101" pitchFamily="50" charset="-127"/>
+                <a:ea typeface="나눔스퀘어 Light" panose="020B0600000101010101" pitchFamily="50" charset="-127"/>
+              </a:rPr>
+              <a:t>A[2 – 1] </a:t>
+            </a:r>
+            <a:r>
+              <a:rPr lang="ko-KR" altLang="en-US" dirty="0">
+                <a:latin typeface="나눔스퀘어 Light" panose="020B0600000101010101" pitchFamily="50" charset="-127"/>
+                <a:ea typeface="나눔스퀘어 Light" panose="020B0600000101010101" pitchFamily="50" charset="-127"/>
+              </a:rPr>
+              <a:t>까지의 가장 긴 </a:t>
+            </a:r>
+            <a:r>
+              <a:rPr lang="en-US" altLang="ko-KR" dirty="0">
+                <a:latin typeface="나눔스퀘어 Light" panose="020B0600000101010101" pitchFamily="50" charset="-127"/>
+                <a:ea typeface="나눔스퀘어 Light" panose="020B0600000101010101" pitchFamily="50" charset="-127"/>
+              </a:rPr>
+              <a:t>LIS </a:t>
+            </a:r>
+            <a:r>
+              <a:rPr lang="ko-KR" altLang="en-US" dirty="0">
+                <a:latin typeface="나눔스퀘어 Light" panose="020B0600000101010101" pitchFamily="50" charset="-127"/>
+                <a:ea typeface="나눔스퀘어 Light" panose="020B0600000101010101" pitchFamily="50" charset="-127"/>
+              </a:rPr>
+              <a:t>길이를 살펴보면 되는데</a:t>
+            </a:r>
+            <a:r>
+              <a:rPr lang="en-US" altLang="ko-KR" dirty="0">
+                <a:latin typeface="나눔스퀘어 Light" panose="020B0600000101010101" pitchFamily="50" charset="-127"/>
+                <a:ea typeface="나눔스퀘어 Light" panose="020B0600000101010101" pitchFamily="50" charset="-127"/>
+              </a:rPr>
+              <a:t>,</a:t>
+            </a:r>
+            <a:endParaRPr lang="ko-KR" altLang="en-US" dirty="0">
+              <a:latin typeface="나눔스퀘어 Light" panose="020B0600000101010101" pitchFamily="50" charset="-127"/>
+              <a:ea typeface="나눔스퀘어 Light" panose="020B0600000101010101" pitchFamily="50" charset="-127"/>
+            </a:endParaRPr>
+          </a:p>
+        </p:txBody>
+      </p:sp>
+      <p:sp>
+        <p:nvSpPr>
+          <p:cNvPr id="7" name="TextBox 6">
+            <a:extLst>
+              <a:ext uri="{FF2B5EF4-FFF2-40B4-BE49-F238E27FC236}">
+                <a16:creationId xmlns:a16="http://schemas.microsoft.com/office/drawing/2014/main" id="{4270AC9A-5079-4E24-9B99-6CD3A9B726A5}"/>
+              </a:ext>
+            </a:extLst>
+          </p:cNvPr>
+          <p:cNvSpPr txBox="1"/>
+          <p:nvPr/>
+        </p:nvSpPr>
+        <p:spPr>
+          <a:xfrm>
+            <a:off x="942387" y="1874185"/>
+            <a:ext cx="10313217" cy="369332"/>
+          </a:xfrm>
+          <a:prstGeom prst="rect">
+            <a:avLst/>
+          </a:prstGeom>
+          <a:noFill/>
+        </p:spPr>
+        <p:txBody>
+          <a:bodyPr wrap="square" rtlCol="0">
+            <a:spAutoFit/>
+          </a:bodyPr>
+          <a:lstStyle/>
+          <a:p>
+            <a:r>
+              <a:rPr lang="ko-KR" altLang="en-US" dirty="0">
+                <a:latin typeface="나눔스퀘어 Light" panose="020B0600000101010101" pitchFamily="50" charset="-127"/>
+                <a:ea typeface="나눔스퀘어 Light" panose="020B0600000101010101" pitchFamily="50" charset="-127"/>
+              </a:rPr>
+              <a:t>먼저 </a:t>
+            </a:r>
+            <a:r>
+              <a:rPr lang="en-US" altLang="ko-KR" dirty="0" err="1">
+                <a:latin typeface="나눔스퀘어 Light" panose="020B0600000101010101" pitchFamily="50" charset="-127"/>
+                <a:ea typeface="나눔스퀘어 Light" panose="020B0600000101010101" pitchFamily="50" charset="-127"/>
+              </a:rPr>
+              <a:t>dp</a:t>
+            </a:r>
+            <a:r>
+              <a:rPr lang="en-US" altLang="ko-KR" dirty="0">
+                <a:latin typeface="나눔스퀘어 Light" panose="020B0600000101010101" pitchFamily="50" charset="-127"/>
+                <a:ea typeface="나눔스퀘어 Light" panose="020B0600000101010101" pitchFamily="50" charset="-127"/>
+              </a:rPr>
+              <a:t>[0]</a:t>
+            </a:r>
+            <a:r>
+              <a:rPr lang="ko-KR" altLang="en-US" dirty="0">
+                <a:latin typeface="나눔스퀘어 Light" panose="020B0600000101010101" pitchFamily="50" charset="-127"/>
+                <a:ea typeface="나눔스퀘어 Light" panose="020B0600000101010101" pitchFamily="50" charset="-127"/>
+              </a:rPr>
+              <a:t>일 때의 </a:t>
+            </a:r>
+            <a:r>
+              <a:rPr lang="en-US" altLang="ko-KR" dirty="0">
+                <a:latin typeface="나눔스퀘어 Light" panose="020B0600000101010101" pitchFamily="50" charset="-127"/>
+                <a:ea typeface="나눔스퀘어 Light" panose="020B0600000101010101" pitchFamily="50" charset="-127"/>
+              </a:rPr>
+              <a:t>LIS</a:t>
+            </a:r>
+            <a:r>
+              <a:rPr lang="ko-KR" altLang="en-US" dirty="0">
+                <a:latin typeface="나눔스퀘어 Light" panose="020B0600000101010101" pitchFamily="50" charset="-127"/>
+                <a:ea typeface="나눔스퀘어 Light" panose="020B0600000101010101" pitchFamily="50" charset="-127"/>
+              </a:rPr>
+              <a:t>는 뒤에 </a:t>
+            </a:r>
+            <a:r>
+              <a:rPr lang="en-US" altLang="ko-KR" dirty="0">
+                <a:latin typeface="나눔스퀘어 Light" panose="020B0600000101010101" pitchFamily="50" charset="-127"/>
+                <a:ea typeface="나눔스퀘어 Light" panose="020B0600000101010101" pitchFamily="50" charset="-127"/>
+              </a:rPr>
+              <a:t>10</a:t>
+            </a:r>
+            <a:r>
+              <a:rPr lang="ko-KR" altLang="en-US" dirty="0">
+                <a:latin typeface="나눔스퀘어 Light" panose="020B0600000101010101" pitchFamily="50" charset="-127"/>
+                <a:ea typeface="나눔스퀘어 Light" panose="020B0600000101010101" pitchFamily="50" charset="-127"/>
+              </a:rPr>
+              <a:t>을 포함하고 있습니다</a:t>
+            </a:r>
+            <a:r>
+              <a:rPr lang="en-US" altLang="ko-KR" dirty="0">
+                <a:latin typeface="나눔스퀘어 Light" panose="020B0600000101010101" pitchFamily="50" charset="-127"/>
+                <a:ea typeface="나눔스퀘어 Light" panose="020B0600000101010101" pitchFamily="50" charset="-127"/>
+              </a:rPr>
+              <a:t>.    ( LIS : { … , 10} )    (A[0] = 10 </a:t>
+            </a:r>
+            <a:r>
+              <a:rPr lang="ko-KR" altLang="en-US" dirty="0">
+                <a:latin typeface="나눔스퀘어 Light" panose="020B0600000101010101" pitchFamily="50" charset="-127"/>
+                <a:ea typeface="나눔스퀘어 Light" panose="020B0600000101010101" pitchFamily="50" charset="-127"/>
+              </a:rPr>
+              <a:t>이므로</a:t>
+            </a:r>
+            <a:r>
+              <a:rPr lang="en-US" altLang="ko-KR" dirty="0">
+                <a:latin typeface="나눔스퀘어 Light" panose="020B0600000101010101" pitchFamily="50" charset="-127"/>
+                <a:ea typeface="나눔스퀘어 Light" panose="020B0600000101010101" pitchFamily="50" charset="-127"/>
+              </a:rPr>
+              <a:t>)</a:t>
+            </a:r>
+            <a:endParaRPr lang="ko-KR" altLang="en-US" dirty="0">
+              <a:latin typeface="나눔스퀘어 Light" panose="020B0600000101010101" pitchFamily="50" charset="-127"/>
+              <a:ea typeface="나눔스퀘어 Light" panose="020B0600000101010101" pitchFamily="50" charset="-127"/>
+            </a:endParaRPr>
+          </a:p>
+        </p:txBody>
+      </p:sp>
+      <p:graphicFrame>
+        <p:nvGraphicFramePr>
+          <p:cNvPr id="2" name="표 2">
+            <a:extLst>
+              <a:ext uri="{FF2B5EF4-FFF2-40B4-BE49-F238E27FC236}">
+                <a16:creationId xmlns:a16="http://schemas.microsoft.com/office/drawing/2014/main" id="{30F19CBA-D7B3-426E-9772-3DEB7E4EB284}"/>
+              </a:ext>
+            </a:extLst>
+          </p:cNvPr>
+          <p:cNvGraphicFramePr>
+            <a:graphicFrameLocks noGrp="1"/>
+          </p:cNvGraphicFramePr>
+          <p:nvPr>
+            <p:extLst>
+              <p:ext uri="{D42A27DB-BD31-4B8C-83A1-F6EECF244321}">
+                <p14:modId xmlns:p14="http://schemas.microsoft.com/office/powerpoint/2010/main" val="586085404"/>
+              </p:ext>
+            </p:extLst>
+          </p:nvPr>
+        </p:nvGraphicFramePr>
+        <p:xfrm>
+          <a:off x="942387" y="5032274"/>
+          <a:ext cx="3832818" cy="370840"/>
+        </p:xfrm>
+        <a:graphic>
+          <a:graphicData uri="http://schemas.openxmlformats.org/drawingml/2006/table">
+            <a:tbl>
+              <a:tblPr firstRow="1" bandRow="1">
+                <a:tableStyleId>{5C22544A-7EE6-4342-B048-85BDC9FD1C3A}</a:tableStyleId>
+              </a:tblPr>
+              <a:tblGrid>
+                <a:gridCol w="638803">
+                  <a:extLst>
+                    <a:ext uri="{9D8B030D-6E8A-4147-A177-3AD203B41FA5}">
+                      <a16:colId xmlns:a16="http://schemas.microsoft.com/office/drawing/2014/main" val="161864414"/>
+                    </a:ext>
+                  </a:extLst>
+                </a:gridCol>
+                <a:gridCol w="638803">
+                  <a:extLst>
+                    <a:ext uri="{9D8B030D-6E8A-4147-A177-3AD203B41FA5}">
+                      <a16:colId xmlns:a16="http://schemas.microsoft.com/office/drawing/2014/main" val="1564010514"/>
+                    </a:ext>
+                  </a:extLst>
+                </a:gridCol>
+                <a:gridCol w="638803">
+                  <a:extLst>
+                    <a:ext uri="{9D8B030D-6E8A-4147-A177-3AD203B41FA5}">
+                      <a16:colId xmlns:a16="http://schemas.microsoft.com/office/drawing/2014/main" val="1697722932"/>
+                    </a:ext>
+                  </a:extLst>
+                </a:gridCol>
+                <a:gridCol w="638803">
+                  <a:extLst>
+                    <a:ext uri="{9D8B030D-6E8A-4147-A177-3AD203B41FA5}">
+                      <a16:colId xmlns:a16="http://schemas.microsoft.com/office/drawing/2014/main" val="2034512798"/>
+                    </a:ext>
+                  </a:extLst>
+                </a:gridCol>
+                <a:gridCol w="638803">
+                  <a:extLst>
+                    <a:ext uri="{9D8B030D-6E8A-4147-A177-3AD203B41FA5}">
+                      <a16:colId xmlns:a16="http://schemas.microsoft.com/office/drawing/2014/main" val="38723595"/>
+                    </a:ext>
+                  </a:extLst>
+                </a:gridCol>
+                <a:gridCol w="638803">
+                  <a:extLst>
+                    <a:ext uri="{9D8B030D-6E8A-4147-A177-3AD203B41FA5}">
+                      <a16:colId xmlns:a16="http://schemas.microsoft.com/office/drawing/2014/main" val="1222555476"/>
+                    </a:ext>
+                  </a:extLst>
+                </a:gridCol>
+              </a:tblGrid>
+              <a:tr h="370840">
+                <a:tc>
+                  <a:txBody>
+                    <a:bodyPr/>
+                    <a:lstStyle/>
+                    <a:p>
+                      <a:pPr algn="ctr" latinLnBrk="1"/>
+                      <a:r>
+                        <a:rPr lang="en-US" altLang="ko-KR" b="0">
+                          <a:latin typeface="나눔스퀘어 Light" panose="020B0600000101010101" pitchFamily="50" charset="-127"/>
+                          <a:ea typeface="나눔스퀘어 Light" panose="020B0600000101010101" pitchFamily="50" charset="-127"/>
+                        </a:rPr>
+                        <a:t>10</a:t>
+                      </a:r>
+                      <a:endParaRPr lang="ko-KR" altLang="en-US" b="0" dirty="0">
+                        <a:latin typeface="나눔스퀘어 Light" panose="020B0600000101010101" pitchFamily="50" charset="-127"/>
+                        <a:ea typeface="나눔스퀘어 Light" panose="020B0600000101010101" pitchFamily="50" charset="-127"/>
+                      </a:endParaRPr>
+                    </a:p>
+                  </a:txBody>
+                  <a:tcPr/>
+                </a:tc>
+                <a:tc>
+                  <a:txBody>
+                    <a:bodyPr/>
+                    <a:lstStyle/>
+                    <a:p>
+                      <a:pPr algn="ctr" latinLnBrk="1"/>
+                      <a:r>
+                        <a:rPr lang="en-US" altLang="ko-KR" b="0" dirty="0">
+                          <a:latin typeface="나눔스퀘어 Light" panose="020B0600000101010101" pitchFamily="50" charset="-127"/>
+                          <a:ea typeface="나눔스퀘어 Light" panose="020B0600000101010101" pitchFamily="50" charset="-127"/>
+                        </a:rPr>
+                        <a:t>20</a:t>
+                      </a:r>
+                      <a:endParaRPr lang="ko-KR" altLang="en-US" b="0" dirty="0">
+                        <a:solidFill>
+                          <a:srgbClr val="404040"/>
+                        </a:solidFill>
+                        <a:latin typeface="나눔스퀘어 Bold" panose="020B0600000101010101" pitchFamily="50" charset="-127"/>
+                        <a:ea typeface="나눔스퀘어 Bold" panose="020B0600000101010101" pitchFamily="50" charset="-127"/>
+                      </a:endParaRPr>
+                    </a:p>
+                  </a:txBody>
+                  <a:tcPr/>
+                </a:tc>
+                <a:tc>
+                  <a:txBody>
+                    <a:bodyPr/>
+                    <a:lstStyle/>
+                    <a:p>
+                      <a:pPr algn="ctr" latinLnBrk="1"/>
+                      <a:r>
+                        <a:rPr lang="en-US" altLang="ko-KR" b="0">
+                          <a:solidFill>
+                            <a:schemeClr val="tx1"/>
+                          </a:solidFill>
+                          <a:latin typeface="나눔스퀘어 Bold" panose="020B0600000101010101" pitchFamily="50" charset="-127"/>
+                          <a:ea typeface="나눔스퀘어 Bold" panose="020B0600000101010101" pitchFamily="50" charset="-127"/>
+                        </a:rPr>
+                        <a:t>10</a:t>
+                      </a:r>
+                      <a:endParaRPr lang="ko-KR" altLang="en-US" b="0" dirty="0">
+                        <a:solidFill>
+                          <a:schemeClr val="tx1"/>
+                        </a:solidFill>
+                        <a:latin typeface="나눔스퀘어 Bold" panose="020B0600000101010101" pitchFamily="50" charset="-127"/>
+                        <a:ea typeface="나눔스퀘어 Bold" panose="020B0600000101010101" pitchFamily="50" charset="-127"/>
+                      </a:endParaRPr>
+                    </a:p>
+                  </a:txBody>
+                  <a:tcPr/>
+                </a:tc>
+                <a:tc>
+                  <a:txBody>
+                    <a:bodyPr/>
+                    <a:lstStyle/>
+                    <a:p>
+                      <a:pPr algn="ctr" latinLnBrk="1"/>
+                      <a:r>
+                        <a:rPr lang="en-US" altLang="ko-KR" b="0">
+                          <a:latin typeface="나눔스퀘어 Light" panose="020B0600000101010101" pitchFamily="50" charset="-127"/>
+                          <a:ea typeface="나눔스퀘어 Light" panose="020B0600000101010101" pitchFamily="50" charset="-127"/>
+                        </a:rPr>
+                        <a:t>30</a:t>
+                      </a:r>
+                      <a:endParaRPr lang="ko-KR" altLang="en-US" b="0" dirty="0">
+                        <a:latin typeface="나눔스퀘어 Light" panose="020B0600000101010101" pitchFamily="50" charset="-127"/>
+                        <a:ea typeface="나눔스퀘어 Light" panose="020B0600000101010101" pitchFamily="50" charset="-127"/>
+                      </a:endParaRPr>
+                    </a:p>
+                  </a:txBody>
+                  <a:tcPr/>
+                </a:tc>
+                <a:tc>
+                  <a:txBody>
+                    <a:bodyPr/>
+                    <a:lstStyle/>
+                    <a:p>
+                      <a:pPr algn="ctr" latinLnBrk="1"/>
+                      <a:r>
+                        <a:rPr lang="en-US" altLang="ko-KR" b="0" dirty="0">
+                          <a:latin typeface="나눔스퀘어 Light" panose="020B0600000101010101" pitchFamily="50" charset="-127"/>
+                          <a:ea typeface="나눔스퀘어 Light" panose="020B0600000101010101" pitchFamily="50" charset="-127"/>
+                        </a:rPr>
+                        <a:t>20</a:t>
+                      </a:r>
+                      <a:endParaRPr lang="ko-KR" altLang="en-US" b="0" dirty="0">
+                        <a:latin typeface="나눔스퀘어 Light" panose="020B0600000101010101" pitchFamily="50" charset="-127"/>
+                        <a:ea typeface="나눔스퀘어 Light" panose="020B0600000101010101" pitchFamily="50" charset="-127"/>
+                      </a:endParaRPr>
+                    </a:p>
+                  </a:txBody>
+                  <a:tcPr/>
+                </a:tc>
+                <a:tc>
+                  <a:txBody>
+                    <a:bodyPr/>
+                    <a:lstStyle/>
+                    <a:p>
+                      <a:pPr algn="ctr" latinLnBrk="1"/>
+                      <a:r>
+                        <a:rPr lang="en-US" altLang="ko-KR" b="0" dirty="0">
+                          <a:latin typeface="나눔스퀘어 Light" panose="020B0600000101010101" pitchFamily="50" charset="-127"/>
+                          <a:ea typeface="나눔스퀘어 Light" panose="020B0600000101010101" pitchFamily="50" charset="-127"/>
+                        </a:rPr>
+                        <a:t>50</a:t>
+                      </a:r>
+                      <a:endParaRPr lang="ko-KR" altLang="en-US" b="0" dirty="0">
+                        <a:latin typeface="나눔스퀘어 Light" panose="020B0600000101010101" pitchFamily="50" charset="-127"/>
+                        <a:ea typeface="나눔스퀘어 Light" panose="020B0600000101010101" pitchFamily="50" charset="-127"/>
+                      </a:endParaRPr>
+                    </a:p>
+                  </a:txBody>
+                  <a:tcPr/>
+                </a:tc>
+                <a:extLst>
+                  <a:ext uri="{0D108BD9-81ED-4DB2-BD59-A6C34878D82A}">
+                    <a16:rowId xmlns:a16="http://schemas.microsoft.com/office/drawing/2014/main" val="2178751425"/>
+                  </a:ext>
+                </a:extLst>
+              </a:tr>
+            </a:tbl>
+          </a:graphicData>
+        </a:graphic>
+      </p:graphicFrame>
+      <p:sp>
+        <p:nvSpPr>
+          <p:cNvPr id="10" name="TextBox 9">
+            <a:extLst>
+              <a:ext uri="{FF2B5EF4-FFF2-40B4-BE49-F238E27FC236}">
+                <a16:creationId xmlns:a16="http://schemas.microsoft.com/office/drawing/2014/main" id="{49E50F23-3628-427D-80DF-B5297E845953}"/>
+              </a:ext>
+            </a:extLst>
+          </p:cNvPr>
+          <p:cNvSpPr txBox="1"/>
+          <p:nvPr/>
+        </p:nvSpPr>
+        <p:spPr>
+          <a:xfrm>
+            <a:off x="942387" y="4573897"/>
+            <a:ext cx="767646" cy="369332"/>
+          </a:xfrm>
+          <a:prstGeom prst="rect">
+            <a:avLst/>
+          </a:prstGeom>
+          <a:noFill/>
+        </p:spPr>
+        <p:txBody>
+          <a:bodyPr wrap="square" rtlCol="0">
+            <a:spAutoFit/>
+          </a:bodyPr>
+          <a:lstStyle/>
+          <a:p>
+            <a:pPr algn="ctr"/>
+            <a:r>
+              <a:rPr lang="en-US" altLang="ko-KR" dirty="0">
+                <a:latin typeface="나눔스퀘어 Light" panose="020B0600000101010101" pitchFamily="50" charset="-127"/>
+                <a:ea typeface="나눔스퀘어 Light" panose="020B0600000101010101" pitchFamily="50" charset="-127"/>
+              </a:rPr>
+              <a:t>A[]</a:t>
+            </a:r>
+            <a:endParaRPr lang="ko-KR" altLang="en-US" dirty="0">
+              <a:latin typeface="나눔스퀘어 Light" panose="020B0600000101010101" pitchFamily="50" charset="-127"/>
+              <a:ea typeface="나눔스퀘어 Light" panose="020B0600000101010101" pitchFamily="50" charset="-127"/>
+            </a:endParaRPr>
+          </a:p>
+        </p:txBody>
+      </p:sp>
+      <p:graphicFrame>
+        <p:nvGraphicFramePr>
+          <p:cNvPr id="12" name="표 2">
+            <a:extLst>
+              <a:ext uri="{FF2B5EF4-FFF2-40B4-BE49-F238E27FC236}">
+                <a16:creationId xmlns:a16="http://schemas.microsoft.com/office/drawing/2014/main" id="{458F5590-6810-468D-BEFB-B50DE97BE70B}"/>
+              </a:ext>
+            </a:extLst>
+          </p:cNvPr>
+          <p:cNvGraphicFramePr>
+            <a:graphicFrameLocks noGrp="1"/>
+          </p:cNvGraphicFramePr>
+          <p:nvPr>
+            <p:extLst>
+              <p:ext uri="{D42A27DB-BD31-4B8C-83A1-F6EECF244321}">
+                <p14:modId xmlns:p14="http://schemas.microsoft.com/office/powerpoint/2010/main" val="3056131374"/>
+              </p:ext>
+            </p:extLst>
+          </p:nvPr>
+        </p:nvGraphicFramePr>
+        <p:xfrm>
+          <a:off x="6096000" y="5032274"/>
+          <a:ext cx="3832818" cy="370840"/>
+        </p:xfrm>
+        <a:graphic>
+          <a:graphicData uri="http://schemas.openxmlformats.org/drawingml/2006/table">
+            <a:tbl>
+              <a:tblPr firstRow="1" bandRow="1">
+                <a:tableStyleId>{5C22544A-7EE6-4342-B048-85BDC9FD1C3A}</a:tableStyleId>
+              </a:tblPr>
+              <a:tblGrid>
+                <a:gridCol w="638803">
+                  <a:extLst>
+                    <a:ext uri="{9D8B030D-6E8A-4147-A177-3AD203B41FA5}">
+                      <a16:colId xmlns:a16="http://schemas.microsoft.com/office/drawing/2014/main" val="161864414"/>
+                    </a:ext>
+                  </a:extLst>
+                </a:gridCol>
+                <a:gridCol w="638803">
+                  <a:extLst>
+                    <a:ext uri="{9D8B030D-6E8A-4147-A177-3AD203B41FA5}">
+                      <a16:colId xmlns:a16="http://schemas.microsoft.com/office/drawing/2014/main" val="1564010514"/>
+                    </a:ext>
+                  </a:extLst>
+                </a:gridCol>
+                <a:gridCol w="638803">
+                  <a:extLst>
+                    <a:ext uri="{9D8B030D-6E8A-4147-A177-3AD203B41FA5}">
+                      <a16:colId xmlns:a16="http://schemas.microsoft.com/office/drawing/2014/main" val="1697722932"/>
+                    </a:ext>
+                  </a:extLst>
+                </a:gridCol>
+                <a:gridCol w="638803">
+                  <a:extLst>
+                    <a:ext uri="{9D8B030D-6E8A-4147-A177-3AD203B41FA5}">
+                      <a16:colId xmlns:a16="http://schemas.microsoft.com/office/drawing/2014/main" val="2034512798"/>
+                    </a:ext>
+                  </a:extLst>
+                </a:gridCol>
+                <a:gridCol w="638803">
+                  <a:extLst>
+                    <a:ext uri="{9D8B030D-6E8A-4147-A177-3AD203B41FA5}">
+                      <a16:colId xmlns:a16="http://schemas.microsoft.com/office/drawing/2014/main" val="38723595"/>
+                    </a:ext>
+                  </a:extLst>
+                </a:gridCol>
+                <a:gridCol w="638803">
+                  <a:extLst>
+                    <a:ext uri="{9D8B030D-6E8A-4147-A177-3AD203B41FA5}">
+                      <a16:colId xmlns:a16="http://schemas.microsoft.com/office/drawing/2014/main" val="3609796615"/>
+                    </a:ext>
+                  </a:extLst>
+                </a:gridCol>
+              </a:tblGrid>
+              <a:tr h="370840">
+                <a:tc>
+                  <a:txBody>
+                    <a:bodyPr/>
+                    <a:lstStyle/>
+                    <a:p>
+                      <a:pPr algn="ctr" latinLnBrk="1"/>
+                      <a:r>
+                        <a:rPr lang="en-US" altLang="ko-KR" b="0" dirty="0">
+                          <a:latin typeface="나눔스퀘어 Light" panose="020B0600000101010101" pitchFamily="50" charset="-127"/>
+                          <a:ea typeface="나눔스퀘어 Light" panose="020B0600000101010101" pitchFamily="50" charset="-127"/>
+                        </a:rPr>
+                        <a:t>1</a:t>
+                      </a:r>
+                      <a:endParaRPr lang="ko-KR" altLang="en-US" b="0" dirty="0">
+                        <a:solidFill>
+                          <a:schemeClr val="tx1"/>
+                        </a:solidFill>
+                        <a:latin typeface="나눔스퀘어 Bold" panose="020B0600000101010101" pitchFamily="50" charset="-127"/>
+                        <a:ea typeface="나눔스퀘어 Bold" panose="020B0600000101010101" pitchFamily="50" charset="-127"/>
+                      </a:endParaRPr>
+                    </a:p>
+                  </a:txBody>
+                  <a:tcPr/>
+                </a:tc>
+                <a:tc>
+                  <a:txBody>
+                    <a:bodyPr/>
+                    <a:lstStyle/>
+                    <a:p>
+                      <a:pPr algn="ctr" latinLnBrk="1"/>
+                      <a:r>
+                        <a:rPr lang="en-US" altLang="ko-KR" b="0" dirty="0">
+                          <a:latin typeface="나눔스퀘어 Light" panose="020B0600000101010101" pitchFamily="50" charset="-127"/>
+                          <a:ea typeface="나눔스퀘어 Light" panose="020B0600000101010101" pitchFamily="50" charset="-127"/>
+                        </a:rPr>
+                        <a:t>2</a:t>
+                      </a:r>
+                      <a:endParaRPr lang="ko-KR" altLang="en-US" b="0" dirty="0">
+                        <a:solidFill>
+                          <a:schemeClr val="tx1"/>
+                        </a:solidFill>
+                        <a:latin typeface="나눔스퀘어 Bold" panose="020B0600000101010101" pitchFamily="50" charset="-127"/>
+                        <a:ea typeface="나눔스퀘어 Bold" panose="020B0600000101010101" pitchFamily="50" charset="-127"/>
+                      </a:endParaRPr>
+                    </a:p>
+                  </a:txBody>
+                  <a:tcPr/>
+                </a:tc>
+                <a:tc>
+                  <a:txBody>
+                    <a:bodyPr/>
+                    <a:lstStyle/>
+                    <a:p>
+                      <a:pPr marL="0" marR="0" lvl="0" indent="0" algn="ctr" defTabSz="914400" rtl="0" eaLnBrk="1" fontAlgn="auto" latinLnBrk="1" hangingPunct="1">
+                        <a:lnSpc>
+                          <a:spcPct val="100000"/>
+                        </a:lnSpc>
+                        <a:spcBef>
+                          <a:spcPts val="0"/>
+                        </a:spcBef>
+                        <a:spcAft>
+                          <a:spcPts val="0"/>
+                        </a:spcAft>
+                        <a:buClrTx/>
+                        <a:buSzTx/>
+                        <a:buFontTx/>
+                        <a:buNone/>
+                        <a:tabLst/>
+                        <a:defRPr/>
+                      </a:pPr>
+                      <a:r>
+                        <a:rPr lang="en-US" altLang="ko-KR" b="0" dirty="0">
+                          <a:solidFill>
+                            <a:schemeClr val="tx1"/>
+                          </a:solidFill>
+                          <a:latin typeface="나눔스퀘어 Bold" panose="020B0600000101010101" pitchFamily="50" charset="-127"/>
+                          <a:ea typeface="나눔스퀘어 Bold" panose="020B0600000101010101" pitchFamily="50" charset="-127"/>
+                        </a:rPr>
+                        <a:t>1</a:t>
+                      </a:r>
+                      <a:endParaRPr lang="ko-KR" altLang="en-US" b="0" dirty="0">
+                        <a:solidFill>
+                          <a:schemeClr val="tx1"/>
+                        </a:solidFill>
+                        <a:latin typeface="나눔스퀘어 Bold" panose="020B0600000101010101" pitchFamily="50" charset="-127"/>
+                        <a:ea typeface="나눔스퀘어 Bold" panose="020B0600000101010101" pitchFamily="50" charset="-127"/>
+                      </a:endParaRPr>
+                    </a:p>
+                  </a:txBody>
+                  <a:tcPr/>
+                </a:tc>
+                <a:tc>
+                  <a:txBody>
+                    <a:bodyPr/>
+                    <a:lstStyle/>
+                    <a:p>
+                      <a:pPr algn="ctr" latinLnBrk="1"/>
+                      <a:endParaRPr lang="ko-KR" altLang="en-US" b="0" dirty="0">
+                        <a:latin typeface="나눔스퀘어 Light" panose="020B0600000101010101" pitchFamily="50" charset="-127"/>
+                        <a:ea typeface="나눔스퀘어 Light" panose="020B0600000101010101" pitchFamily="50" charset="-127"/>
+                      </a:endParaRPr>
+                    </a:p>
+                  </a:txBody>
+                  <a:tcPr/>
+                </a:tc>
+                <a:tc>
+                  <a:txBody>
+                    <a:bodyPr/>
+                    <a:lstStyle/>
+                    <a:p>
+                      <a:pPr algn="ctr" latinLnBrk="1"/>
+                      <a:endParaRPr lang="ko-KR" altLang="en-US" b="0" dirty="0">
+                        <a:latin typeface="나눔스퀘어 Light" panose="020B0600000101010101" pitchFamily="50" charset="-127"/>
+                        <a:ea typeface="나눔스퀘어 Light" panose="020B0600000101010101" pitchFamily="50" charset="-127"/>
+                      </a:endParaRPr>
+                    </a:p>
+                  </a:txBody>
+                  <a:tcPr/>
+                </a:tc>
+                <a:tc>
+                  <a:txBody>
+                    <a:bodyPr/>
+                    <a:lstStyle/>
+                    <a:p>
+                      <a:pPr algn="ctr" latinLnBrk="1"/>
+                      <a:endParaRPr lang="ko-KR" altLang="en-US" b="0" dirty="0">
+                        <a:latin typeface="나눔스퀘어 Light" panose="020B0600000101010101" pitchFamily="50" charset="-127"/>
+                        <a:ea typeface="나눔스퀘어 Light" panose="020B0600000101010101" pitchFamily="50" charset="-127"/>
+                      </a:endParaRPr>
+                    </a:p>
+                  </a:txBody>
+                  <a:tcPr/>
+                </a:tc>
+                <a:extLst>
+                  <a:ext uri="{0D108BD9-81ED-4DB2-BD59-A6C34878D82A}">
+                    <a16:rowId xmlns:a16="http://schemas.microsoft.com/office/drawing/2014/main" val="2178751425"/>
+                  </a:ext>
+                </a:extLst>
+              </a:tr>
+            </a:tbl>
+          </a:graphicData>
+        </a:graphic>
+      </p:graphicFrame>
+      <p:sp>
+        <p:nvSpPr>
+          <p:cNvPr id="13" name="TextBox 12">
+            <a:extLst>
+              <a:ext uri="{FF2B5EF4-FFF2-40B4-BE49-F238E27FC236}">
+                <a16:creationId xmlns:a16="http://schemas.microsoft.com/office/drawing/2014/main" id="{A6361AE8-9953-467B-8F2E-74859EF376FE}"/>
+              </a:ext>
+            </a:extLst>
+          </p:cNvPr>
+          <p:cNvSpPr txBox="1"/>
+          <p:nvPr/>
+        </p:nvSpPr>
+        <p:spPr>
+          <a:xfrm>
+            <a:off x="6096000" y="4573897"/>
+            <a:ext cx="767646" cy="369332"/>
+          </a:xfrm>
+          <a:prstGeom prst="rect">
+            <a:avLst/>
+          </a:prstGeom>
+          <a:noFill/>
+        </p:spPr>
+        <p:txBody>
+          <a:bodyPr wrap="square" rtlCol="0">
+            <a:spAutoFit/>
+          </a:bodyPr>
+          <a:lstStyle/>
+          <a:p>
+            <a:pPr algn="ctr"/>
+            <a:r>
+              <a:rPr lang="en-US" altLang="ko-KR" dirty="0" err="1">
+                <a:latin typeface="나눔스퀘어 Light" panose="020B0600000101010101" pitchFamily="50" charset="-127"/>
+                <a:ea typeface="나눔스퀘어 Light" panose="020B0600000101010101" pitchFamily="50" charset="-127"/>
+              </a:rPr>
+              <a:t>dp</a:t>
+            </a:r>
+            <a:r>
+              <a:rPr lang="en-US" altLang="ko-KR" dirty="0">
+                <a:latin typeface="나눔스퀘어 Light" panose="020B0600000101010101" pitchFamily="50" charset="-127"/>
+                <a:ea typeface="나눔스퀘어 Light" panose="020B0600000101010101" pitchFamily="50" charset="-127"/>
+              </a:rPr>
+              <a:t>[]</a:t>
+            </a:r>
+            <a:endParaRPr lang="ko-KR" altLang="en-US" dirty="0">
+              <a:latin typeface="나눔스퀘어 Light" panose="020B0600000101010101" pitchFamily="50" charset="-127"/>
+              <a:ea typeface="나눔스퀘어 Light" panose="020B0600000101010101" pitchFamily="50" charset="-127"/>
+            </a:endParaRPr>
+          </a:p>
+        </p:txBody>
+      </p:sp>
+      <p:sp>
+        <p:nvSpPr>
+          <p:cNvPr id="11" name="TextBox 10">
+            <a:extLst>
+              <a:ext uri="{FF2B5EF4-FFF2-40B4-BE49-F238E27FC236}">
+                <a16:creationId xmlns:a16="http://schemas.microsoft.com/office/drawing/2014/main" id="{F442B69B-EAB5-31B9-C9FA-B03CF2439B6D}"/>
+              </a:ext>
+            </a:extLst>
+          </p:cNvPr>
+          <p:cNvSpPr txBox="1"/>
+          <p:nvPr/>
+        </p:nvSpPr>
+        <p:spPr>
+          <a:xfrm>
+            <a:off x="942387" y="2180140"/>
+            <a:ext cx="10313217" cy="369332"/>
+          </a:xfrm>
+          <a:prstGeom prst="rect">
+            <a:avLst/>
+          </a:prstGeom>
+          <a:noFill/>
+        </p:spPr>
+        <p:txBody>
+          <a:bodyPr wrap="square" rtlCol="0">
+            <a:spAutoFit/>
+          </a:bodyPr>
+          <a:lstStyle/>
+          <a:p>
+            <a:r>
+              <a:rPr lang="ko-KR" altLang="en-US" dirty="0">
+                <a:latin typeface="나눔스퀘어 Light" panose="020B0600000101010101" pitchFamily="50" charset="-127"/>
+                <a:ea typeface="나눔스퀘어 Light" panose="020B0600000101010101" pitchFamily="50" charset="-127"/>
+              </a:rPr>
+              <a:t>따라서</a:t>
+            </a:r>
+            <a:r>
+              <a:rPr lang="en-US" altLang="ko-KR" dirty="0">
+                <a:latin typeface="나눔스퀘어 Light" panose="020B0600000101010101" pitchFamily="50" charset="-127"/>
+                <a:ea typeface="나눔스퀘어 Light" panose="020B0600000101010101" pitchFamily="50" charset="-127"/>
+              </a:rPr>
+              <a:t>, </a:t>
+            </a:r>
+            <a:r>
+              <a:rPr lang="en-US" altLang="ko-KR" dirty="0" err="1">
+                <a:latin typeface="나눔스퀘어 Light" panose="020B0600000101010101" pitchFamily="50" charset="-127"/>
+                <a:ea typeface="나눔스퀘어 Light" panose="020B0600000101010101" pitchFamily="50" charset="-127"/>
+              </a:rPr>
+              <a:t>dp</a:t>
+            </a:r>
+            <a:r>
+              <a:rPr lang="en-US" altLang="ko-KR" dirty="0">
+                <a:latin typeface="나눔스퀘어 Light" panose="020B0600000101010101" pitchFamily="50" charset="-127"/>
+                <a:ea typeface="나눔스퀘어 Light" panose="020B0600000101010101" pitchFamily="50" charset="-127"/>
+              </a:rPr>
+              <a:t>[0]</a:t>
+            </a:r>
+            <a:r>
+              <a:rPr lang="ko-KR" altLang="en-US" dirty="0">
+                <a:latin typeface="나눔스퀘어 Light" panose="020B0600000101010101" pitchFamily="50" charset="-127"/>
+                <a:ea typeface="나눔스퀘어 Light" panose="020B0600000101010101" pitchFamily="50" charset="-127"/>
+              </a:rPr>
+              <a:t>까지의 </a:t>
+            </a:r>
+            <a:r>
+              <a:rPr lang="en-US" altLang="ko-KR" dirty="0">
+                <a:latin typeface="나눔스퀘어 Light" panose="020B0600000101010101" pitchFamily="50" charset="-127"/>
+                <a:ea typeface="나눔스퀘어 Light" panose="020B0600000101010101" pitchFamily="50" charset="-127"/>
+              </a:rPr>
+              <a:t>LIS</a:t>
+            </a:r>
+            <a:r>
+              <a:rPr lang="ko-KR" altLang="en-US" dirty="0">
+                <a:latin typeface="나눔스퀘어 Light" panose="020B0600000101010101" pitchFamily="50" charset="-127"/>
+                <a:ea typeface="나눔스퀘어 Light" panose="020B0600000101010101" pitchFamily="50" charset="-127"/>
+              </a:rPr>
+              <a:t>에 </a:t>
+            </a:r>
+            <a:r>
+              <a:rPr lang="en-US" altLang="ko-KR" dirty="0">
+                <a:latin typeface="나눔스퀘어 Light" panose="020B0600000101010101" pitchFamily="50" charset="-127"/>
+                <a:ea typeface="나눔스퀘어 Light" panose="020B0600000101010101" pitchFamily="50" charset="-127"/>
+              </a:rPr>
+              <a:t>A[2]</a:t>
+            </a:r>
+            <a:r>
+              <a:rPr lang="ko-KR" altLang="en-US" dirty="0">
+                <a:latin typeface="나눔스퀘어 Light" panose="020B0600000101010101" pitchFamily="50" charset="-127"/>
+                <a:ea typeface="나눔스퀘어 Light" panose="020B0600000101010101" pitchFamily="50" charset="-127"/>
+              </a:rPr>
+              <a:t>를 포함시킬 순 없습니다</a:t>
+            </a:r>
+            <a:r>
+              <a:rPr lang="en-US" altLang="ko-KR" dirty="0">
+                <a:latin typeface="나눔스퀘어 Light" panose="020B0600000101010101" pitchFamily="50" charset="-127"/>
+                <a:ea typeface="나눔스퀘어 Light" panose="020B0600000101010101" pitchFamily="50" charset="-127"/>
+              </a:rPr>
+              <a:t>.</a:t>
+            </a:r>
+            <a:endParaRPr lang="ko-KR" altLang="en-US" dirty="0">
+              <a:latin typeface="나눔스퀘어 Light" panose="020B0600000101010101" pitchFamily="50" charset="-127"/>
+              <a:ea typeface="나눔스퀘어 Light" panose="020B0600000101010101" pitchFamily="50" charset="-127"/>
+            </a:endParaRPr>
+          </a:p>
+        </p:txBody>
+      </p:sp>
+      <p:sp>
+        <p:nvSpPr>
+          <p:cNvPr id="18" name="TextBox 17">
+            <a:extLst>
+              <a:ext uri="{FF2B5EF4-FFF2-40B4-BE49-F238E27FC236}">
+                <a16:creationId xmlns:a16="http://schemas.microsoft.com/office/drawing/2014/main" id="{889E6857-72CD-816D-C2AC-1545144D518A}"/>
+              </a:ext>
+            </a:extLst>
+          </p:cNvPr>
+          <p:cNvSpPr txBox="1"/>
+          <p:nvPr/>
+        </p:nvSpPr>
+        <p:spPr>
+          <a:xfrm>
+            <a:off x="942387" y="2855427"/>
+            <a:ext cx="10313217" cy="369332"/>
+          </a:xfrm>
+          <a:prstGeom prst="rect">
+            <a:avLst/>
+          </a:prstGeom>
+          <a:noFill/>
+        </p:spPr>
+        <p:txBody>
+          <a:bodyPr wrap="square" rtlCol="0">
+            <a:spAutoFit/>
+          </a:bodyPr>
+          <a:lstStyle/>
+          <a:p>
+            <a:r>
+              <a:rPr lang="en-US" altLang="ko-KR" dirty="0" err="1">
+                <a:latin typeface="나눔스퀘어 Light" panose="020B0600000101010101" pitchFamily="50" charset="-127"/>
+                <a:ea typeface="나눔스퀘어 Light" panose="020B0600000101010101" pitchFamily="50" charset="-127"/>
+              </a:rPr>
+              <a:t>dp</a:t>
+            </a:r>
+            <a:r>
+              <a:rPr lang="en-US" altLang="ko-KR" dirty="0">
+                <a:latin typeface="나눔스퀘어 Light" panose="020B0600000101010101" pitchFamily="50" charset="-127"/>
+                <a:ea typeface="나눔스퀘어 Light" panose="020B0600000101010101" pitchFamily="50" charset="-127"/>
+              </a:rPr>
+              <a:t>[1]</a:t>
+            </a:r>
+            <a:r>
+              <a:rPr lang="ko-KR" altLang="en-US" dirty="0">
+                <a:latin typeface="나눔스퀘어 Light" panose="020B0600000101010101" pitchFamily="50" charset="-127"/>
+                <a:ea typeface="나눔스퀘어 Light" panose="020B0600000101010101" pitchFamily="50" charset="-127"/>
+              </a:rPr>
+              <a:t>일</a:t>
+            </a:r>
+            <a:r>
+              <a:rPr lang="en-US" altLang="ko-KR" dirty="0">
+                <a:latin typeface="나눔스퀘어 Light" panose="020B0600000101010101" pitchFamily="50" charset="-127"/>
+                <a:ea typeface="나눔스퀘어 Light" panose="020B0600000101010101" pitchFamily="50" charset="-127"/>
+              </a:rPr>
+              <a:t> </a:t>
+            </a:r>
+            <a:r>
+              <a:rPr lang="ko-KR" altLang="en-US" dirty="0">
+                <a:latin typeface="나눔스퀘어 Light" panose="020B0600000101010101" pitchFamily="50" charset="-127"/>
+                <a:ea typeface="나눔스퀘어 Light" panose="020B0600000101010101" pitchFamily="50" charset="-127"/>
+              </a:rPr>
+              <a:t>때의 </a:t>
+            </a:r>
+            <a:r>
+              <a:rPr lang="en-US" altLang="ko-KR" dirty="0">
+                <a:latin typeface="나눔스퀘어 Light" panose="020B0600000101010101" pitchFamily="50" charset="-127"/>
+                <a:ea typeface="나눔스퀘어 Light" panose="020B0600000101010101" pitchFamily="50" charset="-127"/>
+              </a:rPr>
+              <a:t>LIS</a:t>
+            </a:r>
+            <a:r>
+              <a:rPr lang="ko-KR" altLang="en-US" dirty="0">
+                <a:latin typeface="나눔스퀘어 Light" panose="020B0600000101010101" pitchFamily="50" charset="-127"/>
+                <a:ea typeface="나눔스퀘어 Light" panose="020B0600000101010101" pitchFamily="50" charset="-127"/>
+              </a:rPr>
+              <a:t>는 뒤에 </a:t>
+            </a:r>
+            <a:r>
+              <a:rPr lang="en-US" altLang="ko-KR" dirty="0">
+                <a:latin typeface="나눔스퀘어 Light" panose="020B0600000101010101" pitchFamily="50" charset="-127"/>
+                <a:ea typeface="나눔스퀘어 Light" panose="020B0600000101010101" pitchFamily="50" charset="-127"/>
+              </a:rPr>
+              <a:t>20</a:t>
+            </a:r>
+            <a:r>
+              <a:rPr lang="ko-KR" altLang="en-US" dirty="0">
+                <a:latin typeface="나눔스퀘어 Light" panose="020B0600000101010101" pitchFamily="50" charset="-127"/>
+                <a:ea typeface="나눔스퀘어 Light" panose="020B0600000101010101" pitchFamily="50" charset="-127"/>
+              </a:rPr>
+              <a:t>을 포함하고 있습니다</a:t>
+            </a:r>
+            <a:r>
+              <a:rPr lang="en-US" altLang="ko-KR" dirty="0">
+                <a:latin typeface="나눔스퀘어 Light" panose="020B0600000101010101" pitchFamily="50" charset="-127"/>
+                <a:ea typeface="나눔스퀘어 Light" panose="020B0600000101010101" pitchFamily="50" charset="-127"/>
+              </a:rPr>
+              <a:t>.    ( LIS : { … , 20} )</a:t>
+            </a:r>
+            <a:endParaRPr lang="ko-KR" altLang="en-US" dirty="0">
+              <a:latin typeface="나눔스퀘어 Light" panose="020B0600000101010101" pitchFamily="50" charset="-127"/>
+              <a:ea typeface="나눔스퀘어 Light" panose="020B0600000101010101" pitchFamily="50" charset="-127"/>
+            </a:endParaRPr>
+          </a:p>
+        </p:txBody>
+      </p:sp>
+      <p:sp>
+        <p:nvSpPr>
+          <p:cNvPr id="8" name="TextBox 7">
+            <a:extLst>
+              <a:ext uri="{FF2B5EF4-FFF2-40B4-BE49-F238E27FC236}">
+                <a16:creationId xmlns:a16="http://schemas.microsoft.com/office/drawing/2014/main" id="{ADF4A1BC-4A28-F664-91CC-D7285FE07778}"/>
+              </a:ext>
+            </a:extLst>
+          </p:cNvPr>
+          <p:cNvSpPr txBox="1"/>
+          <p:nvPr/>
+        </p:nvSpPr>
+        <p:spPr>
+          <a:xfrm>
+            <a:off x="6096000" y="5970495"/>
+            <a:ext cx="4989922" cy="369332"/>
+          </a:xfrm>
+          <a:prstGeom prst="rect">
+            <a:avLst/>
+          </a:prstGeom>
+          <a:noFill/>
+        </p:spPr>
+        <p:txBody>
+          <a:bodyPr wrap="square" rtlCol="0">
+            <a:spAutoFit/>
+          </a:bodyPr>
+          <a:lstStyle/>
+          <a:p>
+            <a:r>
+              <a:rPr lang="en-US" altLang="ko-KR" dirty="0" err="1">
+                <a:latin typeface="나눔스퀘어 Light" panose="020B0600000101010101" pitchFamily="50" charset="-127"/>
+                <a:ea typeface="나눔스퀘어 Light" panose="020B0600000101010101" pitchFamily="50" charset="-127"/>
+              </a:rPr>
+              <a:t>dp</a:t>
+            </a:r>
+            <a:r>
+              <a:rPr lang="en-US" altLang="ko-KR" dirty="0">
+                <a:latin typeface="나눔스퀘어 Light" panose="020B0600000101010101" pitchFamily="50" charset="-127"/>
+                <a:ea typeface="나눔스퀘어 Light" panose="020B0600000101010101" pitchFamily="50" charset="-127"/>
+              </a:rPr>
+              <a:t>[2] LIS : {10}</a:t>
+            </a:r>
+            <a:endParaRPr lang="ko-KR" altLang="en-US" dirty="0">
+              <a:latin typeface="나눔스퀘어 Light" panose="020B0600000101010101" pitchFamily="50" charset="-127"/>
+              <a:ea typeface="나눔스퀘어 Light" panose="020B0600000101010101" pitchFamily="50" charset="-127"/>
+            </a:endParaRPr>
+          </a:p>
+        </p:txBody>
+      </p:sp>
+      <p:sp>
+        <p:nvSpPr>
+          <p:cNvPr id="14" name="곱하기 기호 13">
+            <a:extLst>
+              <a:ext uri="{FF2B5EF4-FFF2-40B4-BE49-F238E27FC236}">
+                <a16:creationId xmlns:a16="http://schemas.microsoft.com/office/drawing/2014/main" id="{C3572D4B-3A5E-3770-736E-81650FB1ACF4}"/>
+              </a:ext>
+            </a:extLst>
+          </p:cNvPr>
+          <p:cNvSpPr/>
+          <p:nvPr/>
+        </p:nvSpPr>
+        <p:spPr>
+          <a:xfrm>
+            <a:off x="6910781" y="5463548"/>
+            <a:ext cx="298800" cy="298800"/>
+          </a:xfrm>
+          <a:prstGeom prst="mathMultiply">
+            <a:avLst/>
+          </a:prstGeom>
+          <a:solidFill>
+            <a:srgbClr val="FF0000"/>
+          </a:solidFill>
+          <a:ln>
+            <a:noFill/>
+          </a:ln>
+        </p:spPr>
+        <p:style>
+          <a:lnRef idx="2">
+            <a:schemeClr val="accent1">
+              <a:shade val="50000"/>
+            </a:schemeClr>
+          </a:lnRef>
+          <a:fillRef idx="1">
+            <a:schemeClr val="accent1"/>
+          </a:fillRef>
+          <a:effectRef idx="0">
+            <a:schemeClr val="accent1"/>
+          </a:effectRef>
+          <a:fontRef idx="minor">
+            <a:schemeClr val="lt1"/>
+          </a:fontRef>
+        </p:style>
+        <p:txBody>
+          <a:bodyPr rtlCol="0" anchor="ctr"/>
+          <a:lstStyle/>
+          <a:p>
+            <a:pPr algn="ctr"/>
+            <a:endParaRPr lang="ko-KR" altLang="en-US"/>
+          </a:p>
+        </p:txBody>
+      </p:sp>
+      <p:sp>
+        <p:nvSpPr>
+          <p:cNvPr id="15" name="곱하기 기호 14">
+            <a:extLst>
+              <a:ext uri="{FF2B5EF4-FFF2-40B4-BE49-F238E27FC236}">
+                <a16:creationId xmlns:a16="http://schemas.microsoft.com/office/drawing/2014/main" id="{8B08A8AE-E377-4A2D-824F-CAECD0C8AA5E}"/>
+              </a:ext>
+            </a:extLst>
+          </p:cNvPr>
+          <p:cNvSpPr/>
+          <p:nvPr/>
+        </p:nvSpPr>
+        <p:spPr>
+          <a:xfrm>
+            <a:off x="6292715" y="5463548"/>
+            <a:ext cx="298800" cy="298800"/>
+          </a:xfrm>
+          <a:prstGeom prst="mathMultiply">
+            <a:avLst/>
+          </a:prstGeom>
+          <a:solidFill>
+            <a:srgbClr val="FF0000"/>
+          </a:solidFill>
+          <a:ln>
+            <a:noFill/>
+          </a:ln>
+        </p:spPr>
+        <p:style>
+          <a:lnRef idx="2">
+            <a:schemeClr val="accent1">
+              <a:shade val="50000"/>
+            </a:schemeClr>
+          </a:lnRef>
+          <a:fillRef idx="1">
+            <a:schemeClr val="accent1"/>
+          </a:fillRef>
+          <a:effectRef idx="0">
+            <a:schemeClr val="accent1"/>
+          </a:effectRef>
+          <a:fontRef idx="minor">
+            <a:schemeClr val="lt1"/>
+          </a:fontRef>
+        </p:style>
+        <p:txBody>
+          <a:bodyPr rtlCol="0" anchor="ctr"/>
+          <a:lstStyle/>
+          <a:p>
+            <a:pPr algn="ctr"/>
+            <a:endParaRPr lang="ko-KR" altLang="en-US"/>
+          </a:p>
+        </p:txBody>
+      </p:sp>
+      <p:sp>
+        <p:nvSpPr>
+          <p:cNvPr id="16" name="TextBox 15">
+            <a:extLst>
+              <a:ext uri="{FF2B5EF4-FFF2-40B4-BE49-F238E27FC236}">
+                <a16:creationId xmlns:a16="http://schemas.microsoft.com/office/drawing/2014/main" id="{E4666603-6D64-EBBF-0BC2-0462895C1774}"/>
+              </a:ext>
+            </a:extLst>
+          </p:cNvPr>
+          <p:cNvSpPr txBox="1"/>
+          <p:nvPr/>
+        </p:nvSpPr>
+        <p:spPr>
+          <a:xfrm>
+            <a:off x="942387" y="3211920"/>
+            <a:ext cx="10313217" cy="369332"/>
+          </a:xfrm>
+          <a:prstGeom prst="rect">
+            <a:avLst/>
+          </a:prstGeom>
+          <a:noFill/>
+        </p:spPr>
+        <p:txBody>
+          <a:bodyPr wrap="square" rtlCol="0">
+            <a:spAutoFit/>
+          </a:bodyPr>
+          <a:lstStyle/>
+          <a:p>
+            <a:r>
+              <a:rPr lang="ko-KR" altLang="en-US" dirty="0">
+                <a:latin typeface="나눔스퀘어 Light" panose="020B0600000101010101" pitchFamily="50" charset="-127"/>
+                <a:ea typeface="나눔스퀘어 Light" panose="020B0600000101010101" pitchFamily="50" charset="-127"/>
+              </a:rPr>
+              <a:t>따라서</a:t>
+            </a:r>
+            <a:r>
+              <a:rPr lang="en-US" altLang="ko-KR" dirty="0">
+                <a:latin typeface="나눔스퀘어 Light" panose="020B0600000101010101" pitchFamily="50" charset="-127"/>
+                <a:ea typeface="나눔스퀘어 Light" panose="020B0600000101010101" pitchFamily="50" charset="-127"/>
+              </a:rPr>
+              <a:t>, </a:t>
+            </a:r>
+            <a:r>
+              <a:rPr lang="en-US" altLang="ko-KR" dirty="0" err="1">
+                <a:latin typeface="나눔스퀘어 Light" panose="020B0600000101010101" pitchFamily="50" charset="-127"/>
+                <a:ea typeface="나눔스퀘어 Light" panose="020B0600000101010101" pitchFamily="50" charset="-127"/>
+              </a:rPr>
+              <a:t>dp</a:t>
+            </a:r>
+            <a:r>
+              <a:rPr lang="en-US" altLang="ko-KR" dirty="0">
+                <a:latin typeface="나눔스퀘어 Light" panose="020B0600000101010101" pitchFamily="50" charset="-127"/>
+                <a:ea typeface="나눔스퀘어 Light" panose="020B0600000101010101" pitchFamily="50" charset="-127"/>
+              </a:rPr>
+              <a:t>[1]</a:t>
+            </a:r>
+            <a:r>
+              <a:rPr lang="ko-KR" altLang="en-US" dirty="0">
+                <a:latin typeface="나눔스퀘어 Light" panose="020B0600000101010101" pitchFamily="50" charset="-127"/>
+                <a:ea typeface="나눔스퀘어 Light" panose="020B0600000101010101" pitchFamily="50" charset="-127"/>
+              </a:rPr>
+              <a:t>까지의 </a:t>
+            </a:r>
+            <a:r>
+              <a:rPr lang="en-US" altLang="ko-KR" dirty="0">
+                <a:latin typeface="나눔스퀘어 Light" panose="020B0600000101010101" pitchFamily="50" charset="-127"/>
+                <a:ea typeface="나눔스퀘어 Light" panose="020B0600000101010101" pitchFamily="50" charset="-127"/>
+              </a:rPr>
+              <a:t>LIS</a:t>
+            </a:r>
+            <a:r>
+              <a:rPr lang="ko-KR" altLang="en-US" dirty="0">
+                <a:latin typeface="나눔스퀘어 Light" panose="020B0600000101010101" pitchFamily="50" charset="-127"/>
+                <a:ea typeface="나눔스퀘어 Light" panose="020B0600000101010101" pitchFamily="50" charset="-127"/>
+              </a:rPr>
+              <a:t>에 </a:t>
+            </a:r>
+            <a:r>
+              <a:rPr lang="en-US" altLang="ko-KR" dirty="0">
+                <a:latin typeface="나눔스퀘어 Light" panose="020B0600000101010101" pitchFamily="50" charset="-127"/>
+                <a:ea typeface="나눔스퀘어 Light" panose="020B0600000101010101" pitchFamily="50" charset="-127"/>
+              </a:rPr>
+              <a:t>A[2]</a:t>
+            </a:r>
+            <a:r>
+              <a:rPr lang="ko-KR" altLang="en-US" dirty="0">
+                <a:latin typeface="나눔스퀘어 Light" panose="020B0600000101010101" pitchFamily="50" charset="-127"/>
+                <a:ea typeface="나눔스퀘어 Light" panose="020B0600000101010101" pitchFamily="50" charset="-127"/>
+              </a:rPr>
+              <a:t>를 포함시킬 순 없습니다</a:t>
+            </a:r>
+            <a:r>
+              <a:rPr lang="en-US" altLang="ko-KR" dirty="0">
+                <a:latin typeface="나눔스퀘어 Light" panose="020B0600000101010101" pitchFamily="50" charset="-127"/>
+                <a:ea typeface="나눔스퀘어 Light" panose="020B0600000101010101" pitchFamily="50" charset="-127"/>
+              </a:rPr>
+              <a:t>.</a:t>
+            </a:r>
+            <a:endParaRPr lang="ko-KR" altLang="en-US" dirty="0">
+              <a:latin typeface="나눔스퀘어 Light" panose="020B0600000101010101" pitchFamily="50" charset="-127"/>
+              <a:ea typeface="나눔스퀘어 Light" panose="020B0600000101010101" pitchFamily="50" charset="-127"/>
+            </a:endParaRPr>
+          </a:p>
+        </p:txBody>
+      </p:sp>
+      <p:sp>
+        <p:nvSpPr>
+          <p:cNvPr id="17" name="TextBox 16">
+            <a:extLst>
+              <a:ext uri="{FF2B5EF4-FFF2-40B4-BE49-F238E27FC236}">
+                <a16:creationId xmlns:a16="http://schemas.microsoft.com/office/drawing/2014/main" id="{1A3DF088-EC89-8EA2-7FEE-EA92D240E5E5}"/>
+              </a:ext>
+            </a:extLst>
+          </p:cNvPr>
+          <p:cNvSpPr txBox="1"/>
+          <p:nvPr/>
+        </p:nvSpPr>
+        <p:spPr>
+          <a:xfrm>
+            <a:off x="942387" y="3899595"/>
+            <a:ext cx="10313217" cy="369332"/>
+          </a:xfrm>
+          <a:prstGeom prst="rect">
+            <a:avLst/>
+          </a:prstGeom>
+          <a:noFill/>
+        </p:spPr>
+        <p:txBody>
+          <a:bodyPr wrap="square" rtlCol="0">
+            <a:spAutoFit/>
+          </a:bodyPr>
+          <a:lstStyle/>
+          <a:p>
+            <a:r>
+              <a:rPr lang="ko-KR" altLang="en-US" dirty="0">
+                <a:latin typeface="나눔스퀘어 Light" panose="020B0600000101010101" pitchFamily="50" charset="-127"/>
+                <a:ea typeface="나눔스퀘어 Light" panose="020B0600000101010101" pitchFamily="50" charset="-127"/>
+              </a:rPr>
+              <a:t>결국 </a:t>
+            </a:r>
+            <a:r>
+              <a:rPr lang="en-US" altLang="ko-KR" dirty="0">
+                <a:latin typeface="나눔스퀘어 Light" panose="020B0600000101010101" pitchFamily="50" charset="-127"/>
+                <a:ea typeface="나눔스퀘어 Light" panose="020B0600000101010101" pitchFamily="50" charset="-127"/>
+              </a:rPr>
+              <a:t>A[2]</a:t>
+            </a:r>
+            <a:r>
+              <a:rPr lang="ko-KR" altLang="en-US" dirty="0">
+                <a:latin typeface="나눔스퀘어 Light" panose="020B0600000101010101" pitchFamily="50" charset="-127"/>
+                <a:ea typeface="나눔스퀘어 Light" panose="020B0600000101010101" pitchFamily="50" charset="-127"/>
+              </a:rPr>
+              <a:t>에서의 </a:t>
+            </a:r>
+            <a:r>
+              <a:rPr lang="en-US" altLang="ko-KR" dirty="0">
+                <a:latin typeface="나눔스퀘어 Light" panose="020B0600000101010101" pitchFamily="50" charset="-127"/>
+                <a:ea typeface="나눔스퀘어 Light" panose="020B0600000101010101" pitchFamily="50" charset="-127"/>
+              </a:rPr>
+              <a:t>LIS</a:t>
+            </a:r>
+            <a:r>
+              <a:rPr lang="ko-KR" altLang="en-US" dirty="0">
+                <a:latin typeface="나눔스퀘어 Light" panose="020B0600000101010101" pitchFamily="50" charset="-127"/>
+                <a:ea typeface="나눔스퀘어 Light" panose="020B0600000101010101" pitchFamily="50" charset="-127"/>
+              </a:rPr>
+              <a:t>는 자기 자신밖에 포함하지 못합니다</a:t>
+            </a:r>
+            <a:r>
+              <a:rPr lang="en-US" altLang="ko-KR" dirty="0">
+                <a:latin typeface="나눔스퀘어 Light" panose="020B0600000101010101" pitchFamily="50" charset="-127"/>
+                <a:ea typeface="나눔스퀘어 Light" panose="020B0600000101010101" pitchFamily="50" charset="-127"/>
+              </a:rPr>
+              <a:t>.    ( LIS : {10} )</a:t>
+            </a:r>
+            <a:endParaRPr lang="ko-KR" altLang="en-US" dirty="0">
+              <a:latin typeface="나눔스퀘어 Light" panose="020B0600000101010101" pitchFamily="50" charset="-127"/>
+              <a:ea typeface="나눔스퀘어 Light" panose="020B0600000101010101" pitchFamily="50" charset="-127"/>
+            </a:endParaRPr>
+          </a:p>
+        </p:txBody>
+      </p:sp>
+      <p:sp>
+        <p:nvSpPr>
+          <p:cNvPr id="20" name="TextBox 19">
+            <a:extLst>
+              <a:ext uri="{FF2B5EF4-FFF2-40B4-BE49-F238E27FC236}">
+                <a16:creationId xmlns:a16="http://schemas.microsoft.com/office/drawing/2014/main" id="{5B0FB39F-962D-A367-4931-161CC518BFA3}"/>
+              </a:ext>
+            </a:extLst>
+          </p:cNvPr>
+          <p:cNvSpPr txBox="1"/>
+          <p:nvPr/>
+        </p:nvSpPr>
+        <p:spPr>
+          <a:xfrm>
+            <a:off x="942387" y="5393016"/>
+            <a:ext cx="631889" cy="369332"/>
+          </a:xfrm>
+          <a:prstGeom prst="rect">
+            <a:avLst/>
+          </a:prstGeom>
+          <a:noFill/>
+        </p:spPr>
+        <p:txBody>
+          <a:bodyPr wrap="square" rtlCol="0">
+            <a:spAutoFit/>
+          </a:bodyPr>
+          <a:lstStyle/>
+          <a:p>
+            <a:pPr algn="ctr"/>
+            <a:r>
+              <a:rPr lang="en-US" altLang="ko-KR" dirty="0">
+                <a:latin typeface="나눔스퀘어 Bold" panose="020B0600000101010101" pitchFamily="50" charset="-127"/>
+                <a:ea typeface="나눔스퀘어 Bold" panose="020B0600000101010101" pitchFamily="50" charset="-127"/>
+              </a:rPr>
+              <a:t>&gt;=</a:t>
+            </a:r>
+            <a:endParaRPr lang="ko-KR" altLang="en-US" dirty="0">
+              <a:latin typeface="나눔스퀘어 Bold" panose="020B0600000101010101" pitchFamily="50" charset="-127"/>
+              <a:ea typeface="나눔스퀘어 Bold" panose="020B0600000101010101" pitchFamily="50" charset="-127"/>
+            </a:endParaRPr>
+          </a:p>
+        </p:txBody>
+      </p:sp>
+      <p:sp>
+        <p:nvSpPr>
+          <p:cNvPr id="21" name="TextBox 20">
+            <a:extLst>
+              <a:ext uri="{FF2B5EF4-FFF2-40B4-BE49-F238E27FC236}">
+                <a16:creationId xmlns:a16="http://schemas.microsoft.com/office/drawing/2014/main" id="{08BA47B0-7CEA-01CB-2D72-09F19FAEE433}"/>
+              </a:ext>
+            </a:extLst>
+          </p:cNvPr>
+          <p:cNvSpPr txBox="1"/>
+          <p:nvPr/>
+        </p:nvSpPr>
+        <p:spPr>
+          <a:xfrm>
+            <a:off x="1574276" y="5393016"/>
+            <a:ext cx="631889" cy="369332"/>
+          </a:xfrm>
+          <a:prstGeom prst="rect">
+            <a:avLst/>
+          </a:prstGeom>
+          <a:noFill/>
+        </p:spPr>
+        <p:txBody>
+          <a:bodyPr wrap="square" rtlCol="0">
+            <a:spAutoFit/>
+          </a:bodyPr>
+          <a:lstStyle/>
+          <a:p>
+            <a:pPr algn="ctr"/>
+            <a:r>
+              <a:rPr lang="en-US" altLang="ko-KR" dirty="0">
+                <a:latin typeface="나눔스퀘어 Bold" panose="020B0600000101010101" pitchFamily="50" charset="-127"/>
+                <a:ea typeface="나눔스퀘어 Bold" panose="020B0600000101010101" pitchFamily="50" charset="-127"/>
+              </a:rPr>
+              <a:t>&gt;=</a:t>
+            </a:r>
+            <a:endParaRPr lang="ko-KR" altLang="en-US" dirty="0">
+              <a:latin typeface="나눔스퀘어 Bold" panose="020B0600000101010101" pitchFamily="50" charset="-127"/>
+              <a:ea typeface="나눔스퀘어 Bold" panose="020B0600000101010101" pitchFamily="50" charset="-127"/>
+            </a:endParaRPr>
+          </a:p>
+        </p:txBody>
+      </p:sp>
+    </p:spTree>
+    <p:extLst>
+      <p:ext uri="{BB962C8B-B14F-4D97-AF65-F5344CB8AC3E}">
+        <p14:creationId xmlns:p14="http://schemas.microsoft.com/office/powerpoint/2010/main" val="2835208015"/>
+      </p:ext>
+    </p:extLst>
+  </p:cSld>
+  <p:clrMapOvr>
+    <a:masterClrMapping/>
+  </p:clrMapOvr>
+</p:sld>
+</file>
+
+<file path=ppt/slides/slide34.xml><?xml version="1.0" encoding="utf-8"?>
+<p:sld xmlns:a="http://schemas.openxmlformats.org/drawingml/2006/main" xmlns:r="http://schemas.openxmlformats.org/officeDocument/2006/relationships" xmlns:p="http://schemas.openxmlformats.org/presentationml/2006/main">
+  <p:cSld>
+    <p:spTree>
+      <p:nvGrpSpPr>
+        <p:cNvPr id="1" name=""/>
+        <p:cNvGrpSpPr/>
+        <p:nvPr/>
+      </p:nvGrpSpPr>
+      <p:grpSpPr>
+        <a:xfrm>
+          <a:off x="0" y="0"/>
+          <a:ext cx="0" cy="0"/>
+          <a:chOff x="0" y="0"/>
+          <a:chExt cx="0" cy="0"/>
+        </a:xfrm>
+      </p:grpSpPr>
+      <p:cxnSp>
+        <p:nvCxnSpPr>
+          <p:cNvPr id="5" name="직선 연결선 4">
+            <a:extLst>
+              <a:ext uri="{FF2B5EF4-FFF2-40B4-BE49-F238E27FC236}">
+                <a16:creationId xmlns:a16="http://schemas.microsoft.com/office/drawing/2014/main" id="{164C2827-EFCE-69A4-D037-1A218415F568}"/>
+              </a:ext>
+            </a:extLst>
+          </p:cNvPr>
+          <p:cNvCxnSpPr/>
+          <p:nvPr/>
+        </p:nvCxnSpPr>
+        <p:spPr>
+          <a:xfrm>
+            <a:off x="0" y="887505"/>
+            <a:ext cx="10237694" cy="0"/>
+          </a:xfrm>
+          <a:prstGeom prst="line">
+            <a:avLst/>
+          </a:prstGeom>
+          <a:ln w="76200">
+            <a:solidFill>
+              <a:schemeClr val="tx1">
+                <a:lumMod val="75000"/>
+                <a:lumOff val="25000"/>
+              </a:schemeClr>
+            </a:solidFill>
+          </a:ln>
+        </p:spPr>
+        <p:style>
+          <a:lnRef idx="1">
+            <a:schemeClr val="accent1"/>
+          </a:lnRef>
+          <a:fillRef idx="0">
+            <a:schemeClr val="accent1"/>
+          </a:fillRef>
+          <a:effectRef idx="0">
+            <a:schemeClr val="accent1"/>
+          </a:effectRef>
+          <a:fontRef idx="minor">
+            <a:schemeClr val="tx1"/>
+          </a:fontRef>
+        </p:style>
+      </p:cxnSp>
+      <p:sp>
+        <p:nvSpPr>
+          <p:cNvPr id="4" name="TextBox 3">
+            <a:extLst>
+              <a:ext uri="{FF2B5EF4-FFF2-40B4-BE49-F238E27FC236}">
+                <a16:creationId xmlns:a16="http://schemas.microsoft.com/office/drawing/2014/main" id="{59D13859-3C4A-53F0-C48F-C6B9095BD065}"/>
+              </a:ext>
+            </a:extLst>
+          </p:cNvPr>
+          <p:cNvSpPr txBox="1"/>
+          <p:nvPr/>
+        </p:nvSpPr>
+        <p:spPr>
+          <a:xfrm>
+            <a:off x="331694" y="179902"/>
+            <a:ext cx="9506833" cy="523220"/>
+          </a:xfrm>
+          <a:prstGeom prst="rect">
+            <a:avLst/>
+          </a:prstGeom>
+          <a:noFill/>
+        </p:spPr>
+        <p:txBody>
+          <a:bodyPr wrap="none" rtlCol="0">
+            <a:spAutoFit/>
+          </a:bodyPr>
+          <a:lstStyle/>
+          <a:p>
+            <a:r>
+              <a:rPr lang="en-US" altLang="ko-KR" sz="2800" dirty="0">
+                <a:latin typeface="나눔스퀘어 Bold" panose="020B0600000101010101" pitchFamily="50" charset="-127"/>
+                <a:ea typeface="나눔스퀘어 Bold" panose="020B0600000101010101" pitchFamily="50" charset="-127"/>
+              </a:rPr>
+              <a:t>Dynamic Programming – 11053 </a:t>
+            </a:r>
+            <a:r>
+              <a:rPr lang="ko-KR" altLang="en-US" sz="2800" dirty="0">
+                <a:latin typeface="나눔스퀘어 Bold" panose="020B0600000101010101" pitchFamily="50" charset="-127"/>
+                <a:ea typeface="나눔스퀘어 Bold" panose="020B0600000101010101" pitchFamily="50" charset="-127"/>
+              </a:rPr>
+              <a:t>가장 긴 증가하는 부분 수열</a:t>
+            </a:r>
+          </a:p>
+        </p:txBody>
+      </p:sp>
+      <p:sp>
+        <p:nvSpPr>
+          <p:cNvPr id="6" name="TextBox 5">
+            <a:extLst>
+              <a:ext uri="{FF2B5EF4-FFF2-40B4-BE49-F238E27FC236}">
+                <a16:creationId xmlns:a16="http://schemas.microsoft.com/office/drawing/2014/main" id="{4234B7FF-D1A4-45D7-A12D-0C886A99812A}"/>
+              </a:ext>
+            </a:extLst>
+          </p:cNvPr>
+          <p:cNvSpPr txBox="1"/>
+          <p:nvPr/>
+        </p:nvSpPr>
+        <p:spPr>
+          <a:xfrm>
+            <a:off x="942387" y="1190024"/>
+            <a:ext cx="10313217" cy="369332"/>
+          </a:xfrm>
+          <a:prstGeom prst="rect">
+            <a:avLst/>
+          </a:prstGeom>
+          <a:noFill/>
+        </p:spPr>
+        <p:txBody>
+          <a:bodyPr wrap="square" rtlCol="0">
+            <a:spAutoFit/>
+          </a:bodyPr>
+          <a:lstStyle/>
+          <a:p>
+            <a:r>
+              <a:rPr lang="en-US" altLang="ko-KR" dirty="0">
+                <a:latin typeface="나눔스퀘어 Light" panose="020B0600000101010101" pitchFamily="50" charset="-127"/>
+                <a:ea typeface="나눔스퀘어 Light" panose="020B0600000101010101" pitchFamily="50" charset="-127"/>
+              </a:rPr>
+              <a:t>A[3]</a:t>
+            </a:r>
+            <a:r>
+              <a:rPr lang="ko-KR" altLang="en-US" dirty="0">
+                <a:latin typeface="나눔스퀘어 Light" panose="020B0600000101010101" pitchFamily="50" charset="-127"/>
+                <a:ea typeface="나눔스퀘어 Light" panose="020B0600000101010101" pitchFamily="50" charset="-127"/>
+              </a:rPr>
+              <a:t>에서의 </a:t>
+            </a:r>
+            <a:r>
+              <a:rPr lang="en-US" altLang="ko-KR" dirty="0">
+                <a:latin typeface="나눔스퀘어 Light" panose="020B0600000101010101" pitchFamily="50" charset="-127"/>
+                <a:ea typeface="나눔스퀘어 Light" panose="020B0600000101010101" pitchFamily="50" charset="-127"/>
+              </a:rPr>
+              <a:t>LIS</a:t>
+            </a:r>
+            <a:r>
+              <a:rPr lang="ko-KR" altLang="en-US" dirty="0">
+                <a:latin typeface="나눔스퀘어 Light" panose="020B0600000101010101" pitchFamily="50" charset="-127"/>
+                <a:ea typeface="나눔스퀘어 Light" panose="020B0600000101010101" pitchFamily="50" charset="-127"/>
+              </a:rPr>
+              <a:t>의 길이는 </a:t>
+            </a:r>
+            <a:r>
+              <a:rPr lang="en-US" altLang="ko-KR" dirty="0">
+                <a:latin typeface="나눔스퀘어 Light" panose="020B0600000101010101" pitchFamily="50" charset="-127"/>
+                <a:ea typeface="나눔스퀘어 Light" panose="020B0600000101010101" pitchFamily="50" charset="-127"/>
+              </a:rPr>
+              <a:t>A[3 – 1] </a:t>
+            </a:r>
+            <a:r>
+              <a:rPr lang="ko-KR" altLang="en-US" dirty="0">
+                <a:latin typeface="나눔스퀘어 Light" panose="020B0600000101010101" pitchFamily="50" charset="-127"/>
+                <a:ea typeface="나눔스퀘어 Light" panose="020B0600000101010101" pitchFamily="50" charset="-127"/>
+              </a:rPr>
+              <a:t>까지의 가장 긴 </a:t>
+            </a:r>
+            <a:r>
+              <a:rPr lang="en-US" altLang="ko-KR" dirty="0">
+                <a:latin typeface="나눔스퀘어 Light" panose="020B0600000101010101" pitchFamily="50" charset="-127"/>
+                <a:ea typeface="나눔스퀘어 Light" panose="020B0600000101010101" pitchFamily="50" charset="-127"/>
+              </a:rPr>
+              <a:t>LIS </a:t>
+            </a:r>
+            <a:r>
+              <a:rPr lang="ko-KR" altLang="en-US" dirty="0">
+                <a:latin typeface="나눔스퀘어 Light" panose="020B0600000101010101" pitchFamily="50" charset="-127"/>
+                <a:ea typeface="나눔스퀘어 Light" panose="020B0600000101010101" pitchFamily="50" charset="-127"/>
+              </a:rPr>
+              <a:t>길이</a:t>
+            </a:r>
+            <a:r>
+              <a:rPr lang="en-US" altLang="ko-KR" dirty="0">
+                <a:latin typeface="나눔스퀘어 Light" panose="020B0600000101010101" pitchFamily="50" charset="-127"/>
+                <a:ea typeface="나눔스퀘어 Light" panose="020B0600000101010101" pitchFamily="50" charset="-127"/>
+              </a:rPr>
+              <a:t>(</a:t>
+            </a:r>
+            <a:r>
+              <a:rPr lang="en-US" altLang="ko-KR" dirty="0" err="1">
+                <a:latin typeface="나눔스퀘어 Light" panose="020B0600000101010101" pitchFamily="50" charset="-127"/>
+                <a:ea typeface="나눔스퀘어 Light" panose="020B0600000101010101" pitchFamily="50" charset="-127"/>
+              </a:rPr>
+              <a:t>dp</a:t>
+            </a:r>
+            <a:r>
+              <a:rPr lang="en-US" altLang="ko-KR" dirty="0">
+                <a:latin typeface="나눔스퀘어 Light" panose="020B0600000101010101" pitchFamily="50" charset="-127"/>
+                <a:ea typeface="나눔스퀘어 Light" panose="020B0600000101010101" pitchFamily="50" charset="-127"/>
+              </a:rPr>
+              <a:t>[])</a:t>
+            </a:r>
+            <a:r>
+              <a:rPr lang="ko-KR" altLang="en-US" dirty="0">
+                <a:latin typeface="나눔스퀘어 Light" panose="020B0600000101010101" pitchFamily="50" charset="-127"/>
+                <a:ea typeface="나눔스퀘어 Light" panose="020B0600000101010101" pitchFamily="50" charset="-127"/>
+              </a:rPr>
+              <a:t>를 살펴봐서</a:t>
+            </a:r>
+            <a:r>
+              <a:rPr lang="en-US" altLang="ko-KR" dirty="0">
+                <a:latin typeface="나눔스퀘어 Light" panose="020B0600000101010101" pitchFamily="50" charset="-127"/>
+                <a:ea typeface="나눔스퀘어 Light" panose="020B0600000101010101" pitchFamily="50" charset="-127"/>
+              </a:rPr>
+              <a:t>,</a:t>
+            </a:r>
+            <a:endParaRPr lang="ko-KR" altLang="en-US" dirty="0">
+              <a:latin typeface="나눔스퀘어 Light" panose="020B0600000101010101" pitchFamily="50" charset="-127"/>
+              <a:ea typeface="나눔스퀘어 Light" panose="020B0600000101010101" pitchFamily="50" charset="-127"/>
+            </a:endParaRPr>
+          </a:p>
+        </p:txBody>
+      </p:sp>
+      <p:sp>
+        <p:nvSpPr>
+          <p:cNvPr id="7" name="TextBox 6">
+            <a:extLst>
+              <a:ext uri="{FF2B5EF4-FFF2-40B4-BE49-F238E27FC236}">
+                <a16:creationId xmlns:a16="http://schemas.microsoft.com/office/drawing/2014/main" id="{4270AC9A-5079-4E24-9B99-6CD3A9B726A5}"/>
+              </a:ext>
+            </a:extLst>
+          </p:cNvPr>
+          <p:cNvSpPr txBox="1"/>
+          <p:nvPr/>
+        </p:nvSpPr>
+        <p:spPr>
+          <a:xfrm>
+            <a:off x="942387" y="1546517"/>
+            <a:ext cx="10313217" cy="369332"/>
+          </a:xfrm>
+          <a:prstGeom prst="rect">
+            <a:avLst/>
+          </a:prstGeom>
+          <a:noFill/>
+        </p:spPr>
+        <p:txBody>
+          <a:bodyPr wrap="square" rtlCol="0">
+            <a:spAutoFit/>
+          </a:bodyPr>
+          <a:lstStyle/>
+          <a:p>
+            <a:r>
+              <a:rPr lang="ko-KR" altLang="en-US" dirty="0">
+                <a:latin typeface="나눔스퀘어 Light" panose="020B0600000101010101" pitchFamily="50" charset="-127"/>
+                <a:ea typeface="나눔스퀘어 Light" panose="020B0600000101010101" pitchFamily="50" charset="-127"/>
+              </a:rPr>
+              <a:t>넣을 수 있는 값</a:t>
+            </a:r>
+            <a:r>
+              <a:rPr lang="en-US" altLang="ko-KR" dirty="0">
+                <a:latin typeface="나눔스퀘어 Light" panose="020B0600000101010101" pitchFamily="50" charset="-127"/>
+                <a:ea typeface="나눔스퀘어 Light" panose="020B0600000101010101" pitchFamily="50" charset="-127"/>
+              </a:rPr>
+              <a:t>(A[</a:t>
+            </a:r>
+            <a:r>
+              <a:rPr lang="en-US" altLang="ko-KR" dirty="0" err="1">
+                <a:latin typeface="나눔스퀘어 Light" panose="020B0600000101010101" pitchFamily="50" charset="-127"/>
+                <a:ea typeface="나눔스퀘어 Light" panose="020B0600000101010101" pitchFamily="50" charset="-127"/>
+              </a:rPr>
+              <a:t>idx</a:t>
+            </a:r>
+            <a:r>
+              <a:rPr lang="en-US" altLang="ko-KR" dirty="0">
+                <a:latin typeface="나눔스퀘어 Light" panose="020B0600000101010101" pitchFamily="50" charset="-127"/>
+                <a:ea typeface="나눔스퀘어 Light" panose="020B0600000101010101" pitchFamily="50" charset="-127"/>
+              </a:rPr>
+              <a:t>] &gt; A[0 ~ </a:t>
+            </a:r>
+            <a:r>
+              <a:rPr lang="en-US" altLang="ko-KR" dirty="0" err="1">
+                <a:latin typeface="나눔스퀘어 Light" panose="020B0600000101010101" pitchFamily="50" charset="-127"/>
+                <a:ea typeface="나눔스퀘어 Light" panose="020B0600000101010101" pitchFamily="50" charset="-127"/>
+              </a:rPr>
+              <a:t>idx</a:t>
+            </a:r>
+            <a:r>
+              <a:rPr lang="en-US" altLang="ko-KR" dirty="0">
+                <a:latin typeface="나눔스퀘어 Light" panose="020B0600000101010101" pitchFamily="50" charset="-127"/>
+                <a:ea typeface="나눔스퀘어 Light" panose="020B0600000101010101" pitchFamily="50" charset="-127"/>
+              </a:rPr>
+              <a:t> – 1]) </a:t>
+            </a:r>
+            <a:r>
+              <a:rPr lang="ko-KR" altLang="en-US" dirty="0">
+                <a:latin typeface="나눔스퀘어 Light" panose="020B0600000101010101" pitchFamily="50" charset="-127"/>
+                <a:ea typeface="나눔스퀘어 Light" panose="020B0600000101010101" pitchFamily="50" charset="-127"/>
+              </a:rPr>
+              <a:t>중 가장 큰 값</a:t>
+            </a:r>
+            <a:r>
+              <a:rPr lang="en-US" altLang="ko-KR" dirty="0">
+                <a:latin typeface="나눔스퀘어 Light" panose="020B0600000101010101" pitchFamily="50" charset="-127"/>
+                <a:ea typeface="나눔스퀘어 Light" panose="020B0600000101010101" pitchFamily="50" charset="-127"/>
+              </a:rPr>
+              <a:t>( max ( </a:t>
+            </a:r>
+            <a:r>
+              <a:rPr lang="en-US" altLang="ko-KR" dirty="0" err="1">
+                <a:latin typeface="나눔스퀘어 Light" panose="020B0600000101010101" pitchFamily="50" charset="-127"/>
+                <a:ea typeface="나눔스퀘어 Light" panose="020B0600000101010101" pitchFamily="50" charset="-127"/>
+              </a:rPr>
+              <a:t>dp</a:t>
+            </a:r>
+            <a:r>
+              <a:rPr lang="en-US" altLang="ko-KR" dirty="0">
+                <a:latin typeface="나눔스퀘어 Light" panose="020B0600000101010101" pitchFamily="50" charset="-127"/>
+                <a:ea typeface="나눔스퀘어 Light" panose="020B0600000101010101" pitchFamily="50" charset="-127"/>
+              </a:rPr>
+              <a:t>[0 ~ </a:t>
+            </a:r>
+            <a:r>
+              <a:rPr lang="en-US" altLang="ko-KR" dirty="0" err="1">
+                <a:latin typeface="나눔스퀘어 Light" panose="020B0600000101010101" pitchFamily="50" charset="-127"/>
+                <a:ea typeface="나눔스퀘어 Light" panose="020B0600000101010101" pitchFamily="50" charset="-127"/>
+              </a:rPr>
+              <a:t>idx</a:t>
+            </a:r>
+            <a:r>
+              <a:rPr lang="ko-KR" altLang="en-US" dirty="0">
+                <a:latin typeface="나눔스퀘어 Light" panose="020B0600000101010101" pitchFamily="50" charset="-127"/>
+                <a:ea typeface="나눔스퀘어 Light" panose="020B0600000101010101" pitchFamily="50" charset="-127"/>
+              </a:rPr>
+              <a:t> </a:t>
+            </a:r>
+            <a:r>
+              <a:rPr lang="en-US" altLang="ko-KR" dirty="0">
+                <a:latin typeface="나눔스퀘어 Light" panose="020B0600000101010101" pitchFamily="50" charset="-127"/>
+                <a:ea typeface="나눔스퀘어 Light" panose="020B0600000101010101" pitchFamily="50" charset="-127"/>
+              </a:rPr>
+              <a:t>–</a:t>
+            </a:r>
+            <a:r>
+              <a:rPr lang="ko-KR" altLang="en-US" dirty="0">
+                <a:latin typeface="나눔스퀘어 Light" panose="020B0600000101010101" pitchFamily="50" charset="-127"/>
+                <a:ea typeface="나눔스퀘어 Light" panose="020B0600000101010101" pitchFamily="50" charset="-127"/>
+              </a:rPr>
+              <a:t> </a:t>
+            </a:r>
+            <a:r>
+              <a:rPr lang="en-US" altLang="ko-KR" dirty="0">
+                <a:latin typeface="나눔스퀘어 Light" panose="020B0600000101010101" pitchFamily="50" charset="-127"/>
+                <a:ea typeface="나눔스퀘어 Light" panose="020B0600000101010101" pitchFamily="50" charset="-127"/>
+              </a:rPr>
+              <a:t>1] )</a:t>
+            </a:r>
+            <a:r>
+              <a:rPr lang="ko-KR" altLang="en-US" dirty="0">
+                <a:latin typeface="나눔스퀘어 Light" panose="020B0600000101010101" pitchFamily="50" charset="-127"/>
+                <a:ea typeface="나눔스퀘어 Light" panose="020B0600000101010101" pitchFamily="50" charset="-127"/>
+              </a:rPr>
+              <a:t>에 자신</a:t>
+            </a:r>
+            <a:r>
+              <a:rPr lang="en-US" altLang="ko-KR" dirty="0">
+                <a:latin typeface="나눔스퀘어 Light" panose="020B0600000101010101" pitchFamily="50" charset="-127"/>
+                <a:ea typeface="나눔스퀘어 Light" panose="020B0600000101010101" pitchFamily="50" charset="-127"/>
+              </a:rPr>
+              <a:t>(A[</a:t>
+            </a:r>
+            <a:r>
+              <a:rPr lang="en-US" altLang="ko-KR" dirty="0" err="1">
+                <a:latin typeface="나눔스퀘어 Light" panose="020B0600000101010101" pitchFamily="50" charset="-127"/>
+                <a:ea typeface="나눔스퀘어 Light" panose="020B0600000101010101" pitchFamily="50" charset="-127"/>
+              </a:rPr>
+              <a:t>idx</a:t>
+            </a:r>
+            <a:r>
+              <a:rPr lang="en-US" altLang="ko-KR" dirty="0">
+                <a:latin typeface="나눔스퀘어 Light" panose="020B0600000101010101" pitchFamily="50" charset="-127"/>
+                <a:ea typeface="나눔스퀘어 Light" panose="020B0600000101010101" pitchFamily="50" charset="-127"/>
+              </a:rPr>
+              <a:t>])</a:t>
+            </a:r>
+            <a:r>
+              <a:rPr lang="ko-KR" altLang="en-US" dirty="0">
+                <a:latin typeface="나눔스퀘어 Light" panose="020B0600000101010101" pitchFamily="50" charset="-127"/>
+                <a:ea typeface="나눔스퀘어 Light" panose="020B0600000101010101" pitchFamily="50" charset="-127"/>
+              </a:rPr>
+              <a:t>을</a:t>
+            </a:r>
+          </a:p>
+        </p:txBody>
+      </p:sp>
+      <p:graphicFrame>
+        <p:nvGraphicFramePr>
+          <p:cNvPr id="2" name="표 2">
+            <a:extLst>
+              <a:ext uri="{FF2B5EF4-FFF2-40B4-BE49-F238E27FC236}">
+                <a16:creationId xmlns:a16="http://schemas.microsoft.com/office/drawing/2014/main" id="{30F19CBA-D7B3-426E-9772-3DEB7E4EB284}"/>
+              </a:ext>
+            </a:extLst>
+          </p:cNvPr>
+          <p:cNvGraphicFramePr>
+            <a:graphicFrameLocks noGrp="1"/>
+          </p:cNvGraphicFramePr>
+          <p:nvPr>
+            <p:extLst>
+              <p:ext uri="{D42A27DB-BD31-4B8C-83A1-F6EECF244321}">
+                <p14:modId xmlns:p14="http://schemas.microsoft.com/office/powerpoint/2010/main" val="3394859816"/>
+              </p:ext>
+            </p:extLst>
+          </p:nvPr>
+        </p:nvGraphicFramePr>
+        <p:xfrm>
+          <a:off x="942387" y="2899268"/>
+          <a:ext cx="3832818" cy="370840"/>
+        </p:xfrm>
+        <a:graphic>
+          <a:graphicData uri="http://schemas.openxmlformats.org/drawingml/2006/table">
+            <a:tbl>
+              <a:tblPr firstRow="1" bandRow="1">
+                <a:tableStyleId>{5C22544A-7EE6-4342-B048-85BDC9FD1C3A}</a:tableStyleId>
+              </a:tblPr>
+              <a:tblGrid>
+                <a:gridCol w="638803">
+                  <a:extLst>
+                    <a:ext uri="{9D8B030D-6E8A-4147-A177-3AD203B41FA5}">
+                      <a16:colId xmlns:a16="http://schemas.microsoft.com/office/drawing/2014/main" val="161864414"/>
+                    </a:ext>
+                  </a:extLst>
+                </a:gridCol>
+                <a:gridCol w="638803">
+                  <a:extLst>
+                    <a:ext uri="{9D8B030D-6E8A-4147-A177-3AD203B41FA5}">
+                      <a16:colId xmlns:a16="http://schemas.microsoft.com/office/drawing/2014/main" val="1564010514"/>
+                    </a:ext>
+                  </a:extLst>
+                </a:gridCol>
+                <a:gridCol w="638803">
+                  <a:extLst>
+                    <a:ext uri="{9D8B030D-6E8A-4147-A177-3AD203B41FA5}">
+                      <a16:colId xmlns:a16="http://schemas.microsoft.com/office/drawing/2014/main" val="1697722932"/>
+                    </a:ext>
+                  </a:extLst>
+                </a:gridCol>
+                <a:gridCol w="638803">
+                  <a:extLst>
+                    <a:ext uri="{9D8B030D-6E8A-4147-A177-3AD203B41FA5}">
+                      <a16:colId xmlns:a16="http://schemas.microsoft.com/office/drawing/2014/main" val="2034512798"/>
+                    </a:ext>
+                  </a:extLst>
+                </a:gridCol>
+                <a:gridCol w="638803">
+                  <a:extLst>
+                    <a:ext uri="{9D8B030D-6E8A-4147-A177-3AD203B41FA5}">
+                      <a16:colId xmlns:a16="http://schemas.microsoft.com/office/drawing/2014/main" val="38723595"/>
+                    </a:ext>
+                  </a:extLst>
+                </a:gridCol>
+                <a:gridCol w="638803">
+                  <a:extLst>
+                    <a:ext uri="{9D8B030D-6E8A-4147-A177-3AD203B41FA5}">
+                      <a16:colId xmlns:a16="http://schemas.microsoft.com/office/drawing/2014/main" val="1222555476"/>
+                    </a:ext>
+                  </a:extLst>
+                </a:gridCol>
+              </a:tblGrid>
+              <a:tr h="370840">
+                <a:tc>
+                  <a:txBody>
+                    <a:bodyPr/>
+                    <a:lstStyle/>
+                    <a:p>
+                      <a:pPr algn="ctr" latinLnBrk="1"/>
+                      <a:r>
+                        <a:rPr lang="en-US" altLang="ko-KR" b="0">
+                          <a:latin typeface="나눔스퀘어 Light" panose="020B0600000101010101" pitchFamily="50" charset="-127"/>
+                          <a:ea typeface="나눔스퀘어 Light" panose="020B0600000101010101" pitchFamily="50" charset="-127"/>
+                        </a:rPr>
+                        <a:t>10</a:t>
+                      </a:r>
+                      <a:endParaRPr lang="ko-KR" altLang="en-US" b="0" dirty="0">
+                        <a:latin typeface="나눔스퀘어 Light" panose="020B0600000101010101" pitchFamily="50" charset="-127"/>
+                        <a:ea typeface="나눔스퀘어 Light" panose="020B0600000101010101" pitchFamily="50" charset="-127"/>
+                      </a:endParaRPr>
+                    </a:p>
+                  </a:txBody>
+                  <a:tcPr/>
+                </a:tc>
+                <a:tc>
+                  <a:txBody>
+                    <a:bodyPr/>
+                    <a:lstStyle/>
+                    <a:p>
+                      <a:pPr algn="ctr" latinLnBrk="1"/>
+                      <a:r>
+                        <a:rPr lang="en-US" altLang="ko-KR" b="0">
+                          <a:latin typeface="나눔스퀘어 Light" panose="020B0600000101010101" pitchFamily="50" charset="-127"/>
+                          <a:ea typeface="나눔스퀘어 Light" panose="020B0600000101010101" pitchFamily="50" charset="-127"/>
+                        </a:rPr>
+                        <a:t>20</a:t>
+                      </a:r>
+                      <a:endParaRPr lang="ko-KR" altLang="en-US" b="0" dirty="0">
+                        <a:solidFill>
+                          <a:srgbClr val="404040"/>
+                        </a:solidFill>
+                        <a:latin typeface="나눔스퀘어 Bold" panose="020B0600000101010101" pitchFamily="50" charset="-127"/>
+                        <a:ea typeface="나눔스퀘어 Bold" panose="020B0600000101010101" pitchFamily="50" charset="-127"/>
+                      </a:endParaRPr>
+                    </a:p>
+                  </a:txBody>
+                  <a:tcPr/>
+                </a:tc>
+                <a:tc>
+                  <a:txBody>
+                    <a:bodyPr/>
+                    <a:lstStyle/>
+                    <a:p>
+                      <a:pPr algn="ctr" latinLnBrk="1"/>
+                      <a:r>
+                        <a:rPr lang="en-US" altLang="ko-KR" b="0" dirty="0">
+                          <a:latin typeface="나눔스퀘어 Light" panose="020B0600000101010101" pitchFamily="50" charset="-127"/>
+                          <a:ea typeface="나눔스퀘어 Light" panose="020B0600000101010101" pitchFamily="50" charset="-127"/>
+                        </a:rPr>
+                        <a:t>10</a:t>
+                      </a:r>
+                      <a:endParaRPr lang="ko-KR" altLang="en-US" b="0" dirty="0">
+                        <a:solidFill>
+                          <a:schemeClr val="tx1"/>
+                        </a:solidFill>
+                        <a:latin typeface="나눔스퀘어 Bold" panose="020B0600000101010101" pitchFamily="50" charset="-127"/>
+                        <a:ea typeface="나눔스퀘어 Bold" panose="020B0600000101010101" pitchFamily="50" charset="-127"/>
+                      </a:endParaRPr>
+                    </a:p>
+                  </a:txBody>
+                  <a:tcPr/>
+                </a:tc>
+                <a:tc>
+                  <a:txBody>
+                    <a:bodyPr/>
+                    <a:lstStyle/>
+                    <a:p>
+                      <a:pPr algn="ctr" latinLnBrk="1"/>
+                      <a:r>
+                        <a:rPr lang="en-US" altLang="ko-KR" b="0" dirty="0">
+                          <a:solidFill>
+                            <a:schemeClr val="tx1"/>
+                          </a:solidFill>
+                          <a:latin typeface="나눔스퀘어 Bold" panose="020B0600000101010101" pitchFamily="50" charset="-127"/>
+                          <a:ea typeface="나눔스퀘어 Bold" panose="020B0600000101010101" pitchFamily="50" charset="-127"/>
+                        </a:rPr>
+                        <a:t>30</a:t>
+                      </a:r>
+                      <a:endParaRPr lang="ko-KR" altLang="en-US" b="0" dirty="0">
+                        <a:solidFill>
+                          <a:schemeClr val="tx1"/>
+                        </a:solidFill>
+                        <a:latin typeface="나눔스퀘어 Bold" panose="020B0600000101010101" pitchFamily="50" charset="-127"/>
+                        <a:ea typeface="나눔스퀘어 Bold" panose="020B0600000101010101" pitchFamily="50" charset="-127"/>
+                      </a:endParaRPr>
+                    </a:p>
+                  </a:txBody>
+                  <a:tcPr/>
+                </a:tc>
+                <a:tc>
+                  <a:txBody>
+                    <a:bodyPr/>
+                    <a:lstStyle/>
+                    <a:p>
+                      <a:pPr algn="ctr" latinLnBrk="1"/>
+                      <a:r>
+                        <a:rPr lang="en-US" altLang="ko-KR" b="0">
+                          <a:latin typeface="나눔스퀘어 Light" panose="020B0600000101010101" pitchFamily="50" charset="-127"/>
+                          <a:ea typeface="나눔스퀘어 Light" panose="020B0600000101010101" pitchFamily="50" charset="-127"/>
+                        </a:rPr>
+                        <a:t>20</a:t>
+                      </a:r>
+                      <a:endParaRPr lang="ko-KR" altLang="en-US" b="0" dirty="0">
+                        <a:latin typeface="나눔스퀘어 Light" panose="020B0600000101010101" pitchFamily="50" charset="-127"/>
+                        <a:ea typeface="나눔스퀘어 Light" panose="020B0600000101010101" pitchFamily="50" charset="-127"/>
+                      </a:endParaRPr>
+                    </a:p>
+                  </a:txBody>
+                  <a:tcPr/>
+                </a:tc>
+                <a:tc>
+                  <a:txBody>
+                    <a:bodyPr/>
+                    <a:lstStyle/>
+                    <a:p>
+                      <a:pPr algn="ctr" latinLnBrk="1"/>
+                      <a:r>
+                        <a:rPr lang="en-US" altLang="ko-KR" b="0" dirty="0">
+                          <a:latin typeface="나눔스퀘어 Light" panose="020B0600000101010101" pitchFamily="50" charset="-127"/>
+                          <a:ea typeface="나눔스퀘어 Light" panose="020B0600000101010101" pitchFamily="50" charset="-127"/>
+                        </a:rPr>
+                        <a:t>50</a:t>
+                      </a:r>
+                      <a:endParaRPr lang="ko-KR" altLang="en-US" b="0" dirty="0">
+                        <a:latin typeface="나눔스퀘어 Light" panose="020B0600000101010101" pitchFamily="50" charset="-127"/>
+                        <a:ea typeface="나눔스퀘어 Light" panose="020B0600000101010101" pitchFamily="50" charset="-127"/>
+                      </a:endParaRPr>
+                    </a:p>
+                  </a:txBody>
+                  <a:tcPr/>
+                </a:tc>
+                <a:extLst>
+                  <a:ext uri="{0D108BD9-81ED-4DB2-BD59-A6C34878D82A}">
+                    <a16:rowId xmlns:a16="http://schemas.microsoft.com/office/drawing/2014/main" val="2178751425"/>
+                  </a:ext>
+                </a:extLst>
+              </a:tr>
+            </a:tbl>
+          </a:graphicData>
+        </a:graphic>
+      </p:graphicFrame>
+      <p:sp>
+        <p:nvSpPr>
+          <p:cNvPr id="10" name="TextBox 9">
+            <a:extLst>
+              <a:ext uri="{FF2B5EF4-FFF2-40B4-BE49-F238E27FC236}">
+                <a16:creationId xmlns:a16="http://schemas.microsoft.com/office/drawing/2014/main" id="{49E50F23-3628-427D-80DF-B5297E845953}"/>
+              </a:ext>
+            </a:extLst>
+          </p:cNvPr>
+          <p:cNvSpPr txBox="1"/>
+          <p:nvPr/>
+        </p:nvSpPr>
+        <p:spPr>
+          <a:xfrm>
+            <a:off x="942387" y="2440891"/>
+            <a:ext cx="767646" cy="369332"/>
+          </a:xfrm>
+          <a:prstGeom prst="rect">
+            <a:avLst/>
+          </a:prstGeom>
+          <a:noFill/>
+        </p:spPr>
+        <p:txBody>
+          <a:bodyPr wrap="square" rtlCol="0">
+            <a:spAutoFit/>
+          </a:bodyPr>
+          <a:lstStyle/>
+          <a:p>
+            <a:pPr algn="ctr"/>
+            <a:r>
+              <a:rPr lang="en-US" altLang="ko-KR" dirty="0">
+                <a:latin typeface="나눔스퀘어 Light" panose="020B0600000101010101" pitchFamily="50" charset="-127"/>
+                <a:ea typeface="나눔스퀘어 Light" panose="020B0600000101010101" pitchFamily="50" charset="-127"/>
+              </a:rPr>
+              <a:t>A[]</a:t>
+            </a:r>
+            <a:endParaRPr lang="ko-KR" altLang="en-US" dirty="0">
+              <a:latin typeface="나눔스퀘어 Light" panose="020B0600000101010101" pitchFamily="50" charset="-127"/>
+              <a:ea typeface="나눔스퀘어 Light" panose="020B0600000101010101" pitchFamily="50" charset="-127"/>
+            </a:endParaRPr>
+          </a:p>
+        </p:txBody>
+      </p:sp>
+      <p:graphicFrame>
+        <p:nvGraphicFramePr>
+          <p:cNvPr id="12" name="표 2">
+            <a:extLst>
+              <a:ext uri="{FF2B5EF4-FFF2-40B4-BE49-F238E27FC236}">
+                <a16:creationId xmlns:a16="http://schemas.microsoft.com/office/drawing/2014/main" id="{458F5590-6810-468D-BEFB-B50DE97BE70B}"/>
+              </a:ext>
+            </a:extLst>
+          </p:cNvPr>
+          <p:cNvGraphicFramePr>
+            <a:graphicFrameLocks noGrp="1"/>
+          </p:cNvGraphicFramePr>
+          <p:nvPr>
+            <p:extLst>
+              <p:ext uri="{D42A27DB-BD31-4B8C-83A1-F6EECF244321}">
+                <p14:modId xmlns:p14="http://schemas.microsoft.com/office/powerpoint/2010/main" val="1945806806"/>
+              </p:ext>
+            </p:extLst>
+          </p:nvPr>
+        </p:nvGraphicFramePr>
+        <p:xfrm>
+          <a:off x="6096000" y="2899268"/>
+          <a:ext cx="3832818" cy="370840"/>
+        </p:xfrm>
+        <a:graphic>
+          <a:graphicData uri="http://schemas.openxmlformats.org/drawingml/2006/table">
+            <a:tbl>
+              <a:tblPr firstRow="1" bandRow="1">
+                <a:tableStyleId>{5C22544A-7EE6-4342-B048-85BDC9FD1C3A}</a:tableStyleId>
+              </a:tblPr>
+              <a:tblGrid>
+                <a:gridCol w="638803">
+                  <a:extLst>
+                    <a:ext uri="{9D8B030D-6E8A-4147-A177-3AD203B41FA5}">
+                      <a16:colId xmlns:a16="http://schemas.microsoft.com/office/drawing/2014/main" val="161864414"/>
+                    </a:ext>
+                  </a:extLst>
+                </a:gridCol>
+                <a:gridCol w="638803">
+                  <a:extLst>
+                    <a:ext uri="{9D8B030D-6E8A-4147-A177-3AD203B41FA5}">
+                      <a16:colId xmlns:a16="http://schemas.microsoft.com/office/drawing/2014/main" val="1564010514"/>
+                    </a:ext>
+                  </a:extLst>
+                </a:gridCol>
+                <a:gridCol w="638803">
+                  <a:extLst>
+                    <a:ext uri="{9D8B030D-6E8A-4147-A177-3AD203B41FA5}">
+                      <a16:colId xmlns:a16="http://schemas.microsoft.com/office/drawing/2014/main" val="1697722932"/>
+                    </a:ext>
+                  </a:extLst>
+                </a:gridCol>
+                <a:gridCol w="638803">
+                  <a:extLst>
+                    <a:ext uri="{9D8B030D-6E8A-4147-A177-3AD203B41FA5}">
+                      <a16:colId xmlns:a16="http://schemas.microsoft.com/office/drawing/2014/main" val="2034512798"/>
+                    </a:ext>
+                  </a:extLst>
+                </a:gridCol>
+                <a:gridCol w="638803">
+                  <a:extLst>
+                    <a:ext uri="{9D8B030D-6E8A-4147-A177-3AD203B41FA5}">
+                      <a16:colId xmlns:a16="http://schemas.microsoft.com/office/drawing/2014/main" val="38723595"/>
+                    </a:ext>
+                  </a:extLst>
+                </a:gridCol>
+                <a:gridCol w="638803">
+                  <a:extLst>
+                    <a:ext uri="{9D8B030D-6E8A-4147-A177-3AD203B41FA5}">
+                      <a16:colId xmlns:a16="http://schemas.microsoft.com/office/drawing/2014/main" val="3609796615"/>
+                    </a:ext>
+                  </a:extLst>
+                </a:gridCol>
+              </a:tblGrid>
+              <a:tr h="370840">
+                <a:tc>
+                  <a:txBody>
+                    <a:bodyPr/>
+                    <a:lstStyle/>
+                    <a:p>
+                      <a:pPr algn="ctr" latinLnBrk="1"/>
+                      <a:r>
+                        <a:rPr lang="en-US" altLang="ko-KR" b="0" dirty="0">
+                          <a:latin typeface="나눔스퀘어 Light" panose="020B0600000101010101" pitchFamily="50" charset="-127"/>
+                          <a:ea typeface="나눔스퀘어 Light" panose="020B0600000101010101" pitchFamily="50" charset="-127"/>
+                        </a:rPr>
+                        <a:t>1</a:t>
+                      </a:r>
+                      <a:endParaRPr lang="ko-KR" altLang="en-US" b="0" dirty="0">
+                        <a:solidFill>
+                          <a:schemeClr val="tx1"/>
+                        </a:solidFill>
+                        <a:latin typeface="나눔스퀘어 Bold" panose="020B0600000101010101" pitchFamily="50" charset="-127"/>
+                        <a:ea typeface="나눔스퀘어 Bold" panose="020B0600000101010101" pitchFamily="50" charset="-127"/>
+                      </a:endParaRPr>
+                    </a:p>
+                  </a:txBody>
+                  <a:tcPr/>
+                </a:tc>
+                <a:tc>
+                  <a:txBody>
+                    <a:bodyPr/>
+                    <a:lstStyle/>
+                    <a:p>
+                      <a:pPr algn="ctr" latinLnBrk="1"/>
+                      <a:r>
+                        <a:rPr lang="en-US" altLang="ko-KR" b="0" dirty="0">
+                          <a:latin typeface="나눔스퀘어 Light" panose="020B0600000101010101" pitchFamily="50" charset="-127"/>
+                          <a:ea typeface="나눔스퀘어 Light" panose="020B0600000101010101" pitchFamily="50" charset="-127"/>
+                        </a:rPr>
+                        <a:t>2</a:t>
+                      </a:r>
+                      <a:endParaRPr lang="ko-KR" altLang="en-US" b="0" dirty="0">
+                        <a:solidFill>
+                          <a:schemeClr val="tx1"/>
+                        </a:solidFill>
+                        <a:latin typeface="나눔스퀘어 Bold" panose="020B0600000101010101" pitchFamily="50" charset="-127"/>
+                        <a:ea typeface="나눔스퀘어 Bold" panose="020B0600000101010101" pitchFamily="50" charset="-127"/>
+                      </a:endParaRPr>
+                    </a:p>
+                  </a:txBody>
+                  <a:tcPr/>
+                </a:tc>
+                <a:tc>
+                  <a:txBody>
+                    <a:bodyPr/>
+                    <a:lstStyle/>
+                    <a:p>
+                      <a:pPr algn="ctr" latinLnBrk="1"/>
+                      <a:r>
+                        <a:rPr lang="en-US" altLang="ko-KR" b="0" dirty="0">
+                          <a:latin typeface="나눔스퀘어 Light" panose="020B0600000101010101" pitchFamily="50" charset="-127"/>
+                          <a:ea typeface="나눔스퀘어 Light" panose="020B0600000101010101" pitchFamily="50" charset="-127"/>
+                        </a:rPr>
+                        <a:t>1</a:t>
+                      </a:r>
+                      <a:endParaRPr lang="ko-KR" altLang="en-US" b="0" dirty="0">
+                        <a:solidFill>
+                          <a:schemeClr val="tx1"/>
+                        </a:solidFill>
+                        <a:latin typeface="나눔스퀘어 Bold" panose="020B0600000101010101" pitchFamily="50" charset="-127"/>
+                        <a:ea typeface="나눔스퀘어 Bold" panose="020B0600000101010101" pitchFamily="50" charset="-127"/>
+                      </a:endParaRPr>
+                    </a:p>
+                  </a:txBody>
+                  <a:tcPr/>
+                </a:tc>
+                <a:tc>
+                  <a:txBody>
+                    <a:bodyPr/>
+                    <a:lstStyle/>
+                    <a:p>
+                      <a:pPr marL="0" marR="0" lvl="0" indent="0" algn="ctr" defTabSz="914400" rtl="0" eaLnBrk="1" fontAlgn="auto" latinLnBrk="1" hangingPunct="1">
+                        <a:lnSpc>
+                          <a:spcPct val="100000"/>
+                        </a:lnSpc>
+                        <a:spcBef>
+                          <a:spcPts val="0"/>
+                        </a:spcBef>
+                        <a:spcAft>
+                          <a:spcPts val="0"/>
+                        </a:spcAft>
+                        <a:buClrTx/>
+                        <a:buSzTx/>
+                        <a:buFontTx/>
+                        <a:buNone/>
+                        <a:tabLst/>
+                        <a:defRPr/>
+                      </a:pPr>
+                      <a:r>
+                        <a:rPr lang="en-US" altLang="ko-KR" b="0" dirty="0">
+                          <a:solidFill>
+                            <a:schemeClr val="tx1"/>
+                          </a:solidFill>
+                          <a:latin typeface="나눔스퀘어 Bold" panose="020B0600000101010101" pitchFamily="50" charset="-127"/>
+                          <a:ea typeface="나눔스퀘어 Bold" panose="020B0600000101010101" pitchFamily="50" charset="-127"/>
+                        </a:rPr>
+                        <a:t>3</a:t>
+                      </a:r>
+                      <a:endParaRPr lang="ko-KR" altLang="en-US" b="0" dirty="0">
+                        <a:solidFill>
+                          <a:schemeClr val="tx1"/>
+                        </a:solidFill>
+                        <a:latin typeface="나눔스퀘어 Bold" panose="020B0600000101010101" pitchFamily="50" charset="-127"/>
+                        <a:ea typeface="나눔스퀘어 Bold" panose="020B0600000101010101" pitchFamily="50" charset="-127"/>
+                      </a:endParaRPr>
+                    </a:p>
+                  </a:txBody>
+                  <a:tcPr/>
+                </a:tc>
+                <a:tc>
+                  <a:txBody>
+                    <a:bodyPr/>
+                    <a:lstStyle/>
+                    <a:p>
+                      <a:pPr algn="ctr" latinLnBrk="1"/>
+                      <a:endParaRPr lang="ko-KR" altLang="en-US" b="0" dirty="0">
+                        <a:latin typeface="나눔스퀘어 Light" panose="020B0600000101010101" pitchFamily="50" charset="-127"/>
+                        <a:ea typeface="나눔스퀘어 Light" panose="020B0600000101010101" pitchFamily="50" charset="-127"/>
+                      </a:endParaRPr>
+                    </a:p>
+                  </a:txBody>
+                  <a:tcPr/>
+                </a:tc>
+                <a:tc>
+                  <a:txBody>
+                    <a:bodyPr/>
+                    <a:lstStyle/>
+                    <a:p>
+                      <a:pPr algn="ctr" latinLnBrk="1"/>
+                      <a:endParaRPr lang="ko-KR" altLang="en-US" b="0" dirty="0">
+                        <a:latin typeface="나눔스퀘어 Light" panose="020B0600000101010101" pitchFamily="50" charset="-127"/>
+                        <a:ea typeface="나눔스퀘어 Light" panose="020B0600000101010101" pitchFamily="50" charset="-127"/>
+                      </a:endParaRPr>
+                    </a:p>
+                  </a:txBody>
+                  <a:tcPr/>
+                </a:tc>
+                <a:extLst>
+                  <a:ext uri="{0D108BD9-81ED-4DB2-BD59-A6C34878D82A}">
+                    <a16:rowId xmlns:a16="http://schemas.microsoft.com/office/drawing/2014/main" val="2178751425"/>
+                  </a:ext>
+                </a:extLst>
+              </a:tr>
+            </a:tbl>
+          </a:graphicData>
+        </a:graphic>
+      </p:graphicFrame>
+      <p:sp>
+        <p:nvSpPr>
+          <p:cNvPr id="13" name="TextBox 12">
+            <a:extLst>
+              <a:ext uri="{FF2B5EF4-FFF2-40B4-BE49-F238E27FC236}">
+                <a16:creationId xmlns:a16="http://schemas.microsoft.com/office/drawing/2014/main" id="{A6361AE8-9953-467B-8F2E-74859EF376FE}"/>
+              </a:ext>
+            </a:extLst>
+          </p:cNvPr>
+          <p:cNvSpPr txBox="1"/>
+          <p:nvPr/>
+        </p:nvSpPr>
+        <p:spPr>
+          <a:xfrm>
+            <a:off x="6096000" y="2440891"/>
+            <a:ext cx="767646" cy="369332"/>
+          </a:xfrm>
+          <a:prstGeom prst="rect">
+            <a:avLst/>
+          </a:prstGeom>
+          <a:noFill/>
+        </p:spPr>
+        <p:txBody>
+          <a:bodyPr wrap="square" rtlCol="0">
+            <a:spAutoFit/>
+          </a:bodyPr>
+          <a:lstStyle/>
+          <a:p>
+            <a:pPr algn="ctr"/>
+            <a:r>
+              <a:rPr lang="en-US" altLang="ko-KR" dirty="0" err="1">
+                <a:latin typeface="나눔스퀘어 Light" panose="020B0600000101010101" pitchFamily="50" charset="-127"/>
+                <a:ea typeface="나눔스퀘어 Light" panose="020B0600000101010101" pitchFamily="50" charset="-127"/>
+              </a:rPr>
+              <a:t>dp</a:t>
+            </a:r>
+            <a:r>
+              <a:rPr lang="en-US" altLang="ko-KR" dirty="0">
+                <a:latin typeface="나눔스퀘어 Light" panose="020B0600000101010101" pitchFamily="50" charset="-127"/>
+                <a:ea typeface="나눔스퀘어 Light" panose="020B0600000101010101" pitchFamily="50" charset="-127"/>
+              </a:rPr>
+              <a:t>[]</a:t>
+            </a:r>
+            <a:endParaRPr lang="ko-KR" altLang="en-US" dirty="0">
+              <a:latin typeface="나눔스퀘어 Light" panose="020B0600000101010101" pitchFamily="50" charset="-127"/>
+              <a:ea typeface="나눔스퀘어 Light" panose="020B0600000101010101" pitchFamily="50" charset="-127"/>
+            </a:endParaRPr>
+          </a:p>
+        </p:txBody>
+      </p:sp>
+      <p:sp>
+        <p:nvSpPr>
+          <p:cNvPr id="8" name="TextBox 7">
+            <a:extLst>
+              <a:ext uri="{FF2B5EF4-FFF2-40B4-BE49-F238E27FC236}">
+                <a16:creationId xmlns:a16="http://schemas.microsoft.com/office/drawing/2014/main" id="{ADF4A1BC-4A28-F664-91CC-D7285FE07778}"/>
+              </a:ext>
+            </a:extLst>
+          </p:cNvPr>
+          <p:cNvSpPr txBox="1"/>
+          <p:nvPr/>
+        </p:nvSpPr>
+        <p:spPr>
+          <a:xfrm>
+            <a:off x="6096000" y="3837489"/>
+            <a:ext cx="4989922" cy="369332"/>
+          </a:xfrm>
+          <a:prstGeom prst="rect">
+            <a:avLst/>
+          </a:prstGeom>
+          <a:noFill/>
+        </p:spPr>
+        <p:txBody>
+          <a:bodyPr wrap="square" rtlCol="0">
+            <a:spAutoFit/>
+          </a:bodyPr>
+          <a:lstStyle/>
+          <a:p>
+            <a:r>
+              <a:rPr lang="en-US" altLang="ko-KR" dirty="0" err="1">
+                <a:latin typeface="나눔스퀘어 Light" panose="020B0600000101010101" pitchFamily="50" charset="-127"/>
+                <a:ea typeface="나눔스퀘어 Light" panose="020B0600000101010101" pitchFamily="50" charset="-127"/>
+              </a:rPr>
+              <a:t>dp</a:t>
+            </a:r>
+            <a:r>
+              <a:rPr lang="en-US" altLang="ko-KR" dirty="0">
+                <a:latin typeface="나눔스퀘어 Light" panose="020B0600000101010101" pitchFamily="50" charset="-127"/>
+                <a:ea typeface="나눔스퀘어 Light" panose="020B0600000101010101" pitchFamily="50" charset="-127"/>
+              </a:rPr>
+              <a:t>[3] LIS : {…, 20, 30}</a:t>
+            </a:r>
+            <a:endParaRPr lang="ko-KR" altLang="en-US" dirty="0">
+              <a:latin typeface="나눔스퀘어 Light" panose="020B0600000101010101" pitchFamily="50" charset="-127"/>
+              <a:ea typeface="나눔스퀘어 Light" panose="020B0600000101010101" pitchFamily="50" charset="-127"/>
+            </a:endParaRPr>
+          </a:p>
+        </p:txBody>
+      </p:sp>
+      <p:sp>
+        <p:nvSpPr>
+          <p:cNvPr id="20" name="TextBox 19">
+            <a:extLst>
+              <a:ext uri="{FF2B5EF4-FFF2-40B4-BE49-F238E27FC236}">
+                <a16:creationId xmlns:a16="http://schemas.microsoft.com/office/drawing/2014/main" id="{5B0FB39F-962D-A367-4931-161CC518BFA3}"/>
+              </a:ext>
+            </a:extLst>
+          </p:cNvPr>
+          <p:cNvSpPr txBox="1"/>
+          <p:nvPr/>
+        </p:nvSpPr>
+        <p:spPr>
+          <a:xfrm>
+            <a:off x="942387" y="3260010"/>
+            <a:ext cx="631889" cy="369332"/>
+          </a:xfrm>
+          <a:prstGeom prst="rect">
+            <a:avLst/>
+          </a:prstGeom>
+          <a:noFill/>
+        </p:spPr>
+        <p:txBody>
+          <a:bodyPr wrap="square" rtlCol="0">
+            <a:spAutoFit/>
+          </a:bodyPr>
+          <a:lstStyle/>
+          <a:p>
+            <a:pPr algn="ctr"/>
+            <a:r>
+              <a:rPr lang="en-US" altLang="ko-KR" dirty="0">
+                <a:latin typeface="나눔스퀘어 Bold" panose="020B0600000101010101" pitchFamily="50" charset="-127"/>
+                <a:ea typeface="나눔스퀘어 Bold" panose="020B0600000101010101" pitchFamily="50" charset="-127"/>
+              </a:rPr>
+              <a:t>&lt;</a:t>
+            </a:r>
+            <a:endParaRPr lang="ko-KR" altLang="en-US" dirty="0">
+              <a:latin typeface="나눔스퀘어 Bold" panose="020B0600000101010101" pitchFamily="50" charset="-127"/>
+              <a:ea typeface="나눔스퀘어 Bold" panose="020B0600000101010101" pitchFamily="50" charset="-127"/>
+            </a:endParaRPr>
+          </a:p>
+        </p:txBody>
+      </p:sp>
+      <p:sp>
+        <p:nvSpPr>
+          <p:cNvPr id="21" name="TextBox 20">
+            <a:extLst>
+              <a:ext uri="{FF2B5EF4-FFF2-40B4-BE49-F238E27FC236}">
+                <a16:creationId xmlns:a16="http://schemas.microsoft.com/office/drawing/2014/main" id="{08BA47B0-7CEA-01CB-2D72-09F19FAEE433}"/>
+              </a:ext>
+            </a:extLst>
+          </p:cNvPr>
+          <p:cNvSpPr txBox="1"/>
+          <p:nvPr/>
+        </p:nvSpPr>
+        <p:spPr>
+          <a:xfrm>
+            <a:off x="1574276" y="3260010"/>
+            <a:ext cx="631889" cy="369332"/>
+          </a:xfrm>
+          <a:prstGeom prst="rect">
+            <a:avLst/>
+          </a:prstGeom>
+          <a:noFill/>
+        </p:spPr>
+        <p:txBody>
+          <a:bodyPr wrap="square" rtlCol="0">
+            <a:spAutoFit/>
+          </a:bodyPr>
+          <a:lstStyle/>
+          <a:p>
+            <a:pPr algn="ctr"/>
+            <a:r>
+              <a:rPr lang="en-US" altLang="ko-KR" dirty="0">
+                <a:latin typeface="나눔스퀘어 Bold" panose="020B0600000101010101" pitchFamily="50" charset="-127"/>
+                <a:ea typeface="나눔스퀘어 Bold" panose="020B0600000101010101" pitchFamily="50" charset="-127"/>
+              </a:rPr>
+              <a:t>&lt;</a:t>
+            </a:r>
+            <a:endParaRPr lang="ko-KR" altLang="en-US" dirty="0">
+              <a:latin typeface="나눔스퀘어 Bold" panose="020B0600000101010101" pitchFamily="50" charset="-127"/>
+              <a:ea typeface="나눔스퀘어 Bold" panose="020B0600000101010101" pitchFamily="50" charset="-127"/>
+            </a:endParaRPr>
+          </a:p>
+        </p:txBody>
+      </p:sp>
+      <p:sp>
+        <p:nvSpPr>
+          <p:cNvPr id="3" name="TextBox 2">
+            <a:extLst>
+              <a:ext uri="{FF2B5EF4-FFF2-40B4-BE49-F238E27FC236}">
+                <a16:creationId xmlns:a16="http://schemas.microsoft.com/office/drawing/2014/main" id="{C3DAA95C-DE90-851D-563C-2313F4D9EBFF}"/>
+              </a:ext>
+            </a:extLst>
+          </p:cNvPr>
+          <p:cNvSpPr txBox="1"/>
+          <p:nvPr/>
+        </p:nvSpPr>
+        <p:spPr>
+          <a:xfrm>
+            <a:off x="942387" y="1913041"/>
+            <a:ext cx="10313217" cy="369332"/>
+          </a:xfrm>
+          <a:prstGeom prst="rect">
+            <a:avLst/>
+          </a:prstGeom>
+          <a:noFill/>
+        </p:spPr>
+        <p:txBody>
+          <a:bodyPr wrap="square" rtlCol="0">
+            <a:spAutoFit/>
+          </a:bodyPr>
+          <a:lstStyle/>
+          <a:p>
+            <a:r>
+              <a:rPr lang="ko-KR" altLang="en-US" dirty="0">
+                <a:latin typeface="나눔스퀘어 Light" panose="020B0600000101010101" pitchFamily="50" charset="-127"/>
+                <a:ea typeface="나눔스퀘어 Light" panose="020B0600000101010101" pitchFamily="50" charset="-127"/>
+              </a:rPr>
+              <a:t>수열에 포함시키면 </a:t>
+            </a:r>
+            <a:r>
+              <a:rPr lang="en-US" altLang="ko-KR" dirty="0">
+                <a:latin typeface="나눔스퀘어 Light" panose="020B0600000101010101" pitchFamily="50" charset="-127"/>
+                <a:ea typeface="나눔스퀘어 Light" panose="020B0600000101010101" pitchFamily="50" charset="-127"/>
+              </a:rPr>
+              <a:t>(</a:t>
+            </a:r>
+            <a:r>
+              <a:rPr lang="en-US" altLang="ko-KR" dirty="0" err="1">
+                <a:latin typeface="나눔스퀘어 Light" panose="020B0600000101010101" pitchFamily="50" charset="-127"/>
+                <a:ea typeface="나눔스퀘어 Light" panose="020B0600000101010101" pitchFamily="50" charset="-127"/>
+              </a:rPr>
+              <a:t>dp</a:t>
+            </a:r>
+            <a:r>
+              <a:rPr lang="en-US" altLang="ko-KR" dirty="0">
+                <a:latin typeface="나눔스퀘어 Light" panose="020B0600000101010101" pitchFamily="50" charset="-127"/>
+                <a:ea typeface="나눔스퀘어 Light" panose="020B0600000101010101" pitchFamily="50" charset="-127"/>
+              </a:rPr>
+              <a:t>[</a:t>
+            </a:r>
+            <a:r>
+              <a:rPr lang="en-US" altLang="ko-KR" dirty="0" err="1">
+                <a:latin typeface="나눔스퀘어 Light" panose="020B0600000101010101" pitchFamily="50" charset="-127"/>
+                <a:ea typeface="나눔스퀘어 Light" panose="020B0600000101010101" pitchFamily="50" charset="-127"/>
+              </a:rPr>
+              <a:t>idx</a:t>
+            </a:r>
+            <a:r>
+              <a:rPr lang="en-US" altLang="ko-KR" dirty="0">
+                <a:latin typeface="나눔스퀘어 Light" panose="020B0600000101010101" pitchFamily="50" charset="-127"/>
+                <a:ea typeface="나눔스퀘어 Light" panose="020B0600000101010101" pitchFamily="50" charset="-127"/>
+              </a:rPr>
+              <a:t>] + 1) </a:t>
+            </a:r>
+            <a:r>
+              <a:rPr lang="ko-KR" altLang="en-US" dirty="0">
+                <a:latin typeface="나눔스퀘어 Light" panose="020B0600000101010101" pitchFamily="50" charset="-127"/>
+                <a:ea typeface="나눔스퀘어 Light" panose="020B0600000101010101" pitchFamily="50" charset="-127"/>
+              </a:rPr>
+              <a:t>구할 수 있습니다</a:t>
+            </a:r>
+            <a:r>
+              <a:rPr lang="en-US" altLang="ko-KR" dirty="0">
+                <a:latin typeface="나눔스퀘어 Light" panose="020B0600000101010101" pitchFamily="50" charset="-127"/>
+                <a:ea typeface="나눔스퀘어 Light" panose="020B0600000101010101" pitchFamily="50" charset="-127"/>
+              </a:rPr>
+              <a:t>.</a:t>
+            </a:r>
+            <a:endParaRPr lang="ko-KR" altLang="en-US" dirty="0">
+              <a:latin typeface="나눔스퀘어 Light" panose="020B0600000101010101" pitchFamily="50" charset="-127"/>
+              <a:ea typeface="나눔스퀘어 Light" panose="020B0600000101010101" pitchFamily="50" charset="-127"/>
+            </a:endParaRPr>
+          </a:p>
+        </p:txBody>
+      </p:sp>
+      <p:sp>
+        <p:nvSpPr>
+          <p:cNvPr id="9" name="TextBox 8">
+            <a:extLst>
+              <a:ext uri="{FF2B5EF4-FFF2-40B4-BE49-F238E27FC236}">
+                <a16:creationId xmlns:a16="http://schemas.microsoft.com/office/drawing/2014/main" id="{F8A917DA-E435-BED6-D86A-57FCA5647469}"/>
+              </a:ext>
+            </a:extLst>
+          </p:cNvPr>
+          <p:cNvSpPr txBox="1"/>
+          <p:nvPr/>
+        </p:nvSpPr>
+        <p:spPr>
+          <a:xfrm>
+            <a:off x="2209486" y="3260010"/>
+            <a:ext cx="631889" cy="369332"/>
+          </a:xfrm>
+          <a:prstGeom prst="rect">
+            <a:avLst/>
+          </a:prstGeom>
+          <a:noFill/>
+        </p:spPr>
+        <p:txBody>
+          <a:bodyPr wrap="square" rtlCol="0">
+            <a:spAutoFit/>
+          </a:bodyPr>
+          <a:lstStyle/>
+          <a:p>
+            <a:pPr algn="ctr"/>
+            <a:r>
+              <a:rPr lang="en-US" altLang="ko-KR" dirty="0">
+                <a:latin typeface="나눔스퀘어 Bold" panose="020B0600000101010101" pitchFamily="50" charset="-127"/>
+                <a:ea typeface="나눔스퀘어 Bold" panose="020B0600000101010101" pitchFamily="50" charset="-127"/>
+              </a:rPr>
+              <a:t>&lt;</a:t>
+            </a:r>
+            <a:endParaRPr lang="ko-KR" altLang="en-US" dirty="0">
+              <a:latin typeface="나눔스퀘어 Bold" panose="020B0600000101010101" pitchFamily="50" charset="-127"/>
+              <a:ea typeface="나눔스퀘어 Bold" panose="020B0600000101010101" pitchFamily="50" charset="-127"/>
+            </a:endParaRPr>
+          </a:p>
+        </p:txBody>
+      </p:sp>
+      <p:sp>
+        <p:nvSpPr>
+          <p:cNvPr id="22" name="원형: 비어 있음 21">
+            <a:extLst>
+              <a:ext uri="{FF2B5EF4-FFF2-40B4-BE49-F238E27FC236}">
+                <a16:creationId xmlns:a16="http://schemas.microsoft.com/office/drawing/2014/main" id="{38A7EB71-EFA8-60BD-A7F7-794C1695352E}"/>
+              </a:ext>
+            </a:extLst>
+          </p:cNvPr>
+          <p:cNvSpPr/>
+          <p:nvPr/>
+        </p:nvSpPr>
+        <p:spPr>
+          <a:xfrm>
+            <a:off x="6268825" y="3330542"/>
+            <a:ext cx="298800" cy="299104"/>
+          </a:xfrm>
+          <a:prstGeom prst="donut">
+            <a:avLst/>
+          </a:prstGeom>
+          <a:solidFill>
+            <a:srgbClr val="FF0000"/>
+          </a:solidFill>
+          <a:ln>
+            <a:noFill/>
+          </a:ln>
+        </p:spPr>
+        <p:style>
+          <a:lnRef idx="2">
+            <a:schemeClr val="accent1">
+              <a:shade val="50000"/>
+            </a:schemeClr>
+          </a:lnRef>
+          <a:fillRef idx="1">
+            <a:schemeClr val="accent1"/>
+          </a:fillRef>
+          <a:effectRef idx="0">
+            <a:schemeClr val="accent1"/>
+          </a:effectRef>
+          <a:fontRef idx="minor">
+            <a:schemeClr val="lt1"/>
+          </a:fontRef>
+        </p:style>
+        <p:txBody>
+          <a:bodyPr rtlCol="0" anchor="ctr"/>
+          <a:lstStyle/>
+          <a:p>
+            <a:pPr algn="ctr"/>
+            <a:endParaRPr lang="ko-KR" altLang="en-US">
+              <a:solidFill>
+                <a:schemeClr val="tx1"/>
+              </a:solidFill>
+            </a:endParaRPr>
+          </a:p>
+        </p:txBody>
+      </p:sp>
+      <p:sp>
+        <p:nvSpPr>
+          <p:cNvPr id="23" name="원형: 비어 있음 22">
+            <a:extLst>
+              <a:ext uri="{FF2B5EF4-FFF2-40B4-BE49-F238E27FC236}">
+                <a16:creationId xmlns:a16="http://schemas.microsoft.com/office/drawing/2014/main" id="{45EC978B-F85B-A799-F156-3F816C7036FB}"/>
+              </a:ext>
+            </a:extLst>
+          </p:cNvPr>
+          <p:cNvSpPr/>
+          <p:nvPr/>
+        </p:nvSpPr>
+        <p:spPr>
+          <a:xfrm>
+            <a:off x="6904323" y="3330542"/>
+            <a:ext cx="298800" cy="299104"/>
+          </a:xfrm>
+          <a:prstGeom prst="donut">
+            <a:avLst/>
+          </a:prstGeom>
+          <a:solidFill>
+            <a:srgbClr val="FF0000"/>
+          </a:solidFill>
+          <a:ln>
+            <a:noFill/>
+          </a:ln>
+        </p:spPr>
+        <p:style>
+          <a:lnRef idx="2">
+            <a:schemeClr val="accent1">
+              <a:shade val="50000"/>
+            </a:schemeClr>
+          </a:lnRef>
+          <a:fillRef idx="1">
+            <a:schemeClr val="accent1"/>
+          </a:fillRef>
+          <a:effectRef idx="0">
+            <a:schemeClr val="accent1"/>
+          </a:effectRef>
+          <a:fontRef idx="minor">
+            <a:schemeClr val="lt1"/>
+          </a:fontRef>
+        </p:style>
+        <p:txBody>
+          <a:bodyPr rtlCol="0" anchor="ctr"/>
+          <a:lstStyle/>
+          <a:p>
+            <a:pPr algn="ctr"/>
+            <a:endParaRPr lang="ko-KR" altLang="en-US">
+              <a:solidFill>
+                <a:schemeClr val="tx1"/>
+              </a:solidFill>
+            </a:endParaRPr>
+          </a:p>
+        </p:txBody>
+      </p:sp>
+      <p:sp>
+        <p:nvSpPr>
+          <p:cNvPr id="24" name="원형: 비어 있음 23">
+            <a:extLst>
+              <a:ext uri="{FF2B5EF4-FFF2-40B4-BE49-F238E27FC236}">
+                <a16:creationId xmlns:a16="http://schemas.microsoft.com/office/drawing/2014/main" id="{9163DAB5-DA71-3FE0-892F-D0E9DE142514}"/>
+              </a:ext>
+            </a:extLst>
+          </p:cNvPr>
+          <p:cNvSpPr/>
+          <p:nvPr/>
+        </p:nvSpPr>
+        <p:spPr>
+          <a:xfrm>
+            <a:off x="7535924" y="3330542"/>
+            <a:ext cx="298800" cy="299104"/>
+          </a:xfrm>
+          <a:prstGeom prst="donut">
+            <a:avLst/>
+          </a:prstGeom>
+          <a:solidFill>
+            <a:srgbClr val="FF0000"/>
+          </a:solidFill>
+          <a:ln>
+            <a:noFill/>
+          </a:ln>
+        </p:spPr>
+        <p:style>
+          <a:lnRef idx="2">
+            <a:schemeClr val="accent1">
+              <a:shade val="50000"/>
+            </a:schemeClr>
+          </a:lnRef>
+          <a:fillRef idx="1">
+            <a:schemeClr val="accent1"/>
+          </a:fillRef>
+          <a:effectRef idx="0">
+            <a:schemeClr val="accent1"/>
+          </a:effectRef>
+          <a:fontRef idx="minor">
+            <a:schemeClr val="lt1"/>
+          </a:fontRef>
+        </p:style>
+        <p:txBody>
+          <a:bodyPr rtlCol="0" anchor="ctr"/>
+          <a:lstStyle/>
+          <a:p>
+            <a:pPr algn="ctr"/>
+            <a:endParaRPr lang="ko-KR" altLang="en-US">
+              <a:solidFill>
+                <a:schemeClr val="tx1"/>
+              </a:solidFill>
+            </a:endParaRPr>
+          </a:p>
+        </p:txBody>
+      </p:sp>
+      <p:sp>
+        <p:nvSpPr>
+          <p:cNvPr id="26" name="TextBox 25">
+            <a:extLst>
+              <a:ext uri="{FF2B5EF4-FFF2-40B4-BE49-F238E27FC236}">
+                <a16:creationId xmlns:a16="http://schemas.microsoft.com/office/drawing/2014/main" id="{FCA91F3E-2A26-78C1-80B8-E816C7C4A3A0}"/>
+              </a:ext>
+            </a:extLst>
+          </p:cNvPr>
+          <p:cNvSpPr txBox="1"/>
+          <p:nvPr/>
+        </p:nvSpPr>
+        <p:spPr>
+          <a:xfrm>
+            <a:off x="942387" y="4370316"/>
+            <a:ext cx="10313217" cy="369332"/>
+          </a:xfrm>
+          <a:prstGeom prst="rect">
+            <a:avLst/>
+          </a:prstGeom>
+          <a:noFill/>
+        </p:spPr>
+        <p:txBody>
+          <a:bodyPr wrap="square" rtlCol="0">
+            <a:spAutoFit/>
+          </a:bodyPr>
+          <a:lstStyle/>
+          <a:p>
+            <a:r>
+              <a:rPr lang="en-US" altLang="ko-KR" dirty="0">
+                <a:latin typeface="나눔스퀘어 Light" panose="020B0600000101010101" pitchFamily="50" charset="-127"/>
+                <a:ea typeface="나눔스퀘어 Light" panose="020B0600000101010101" pitchFamily="50" charset="-127"/>
+              </a:rPr>
+              <a:t>A[4]</a:t>
+            </a:r>
+            <a:endParaRPr lang="ko-KR" altLang="en-US" dirty="0">
+              <a:latin typeface="나눔스퀘어 Light" panose="020B0600000101010101" pitchFamily="50" charset="-127"/>
+              <a:ea typeface="나눔스퀘어 Light" panose="020B0600000101010101" pitchFamily="50" charset="-127"/>
+            </a:endParaRPr>
+          </a:p>
+        </p:txBody>
+      </p:sp>
+      <p:graphicFrame>
+        <p:nvGraphicFramePr>
+          <p:cNvPr id="28" name="표 2">
+            <a:extLst>
+              <a:ext uri="{FF2B5EF4-FFF2-40B4-BE49-F238E27FC236}">
+                <a16:creationId xmlns:a16="http://schemas.microsoft.com/office/drawing/2014/main" id="{13A7ABFF-CAB4-05AE-F9F9-82AC780DEE9E}"/>
+              </a:ext>
+            </a:extLst>
+          </p:cNvPr>
+          <p:cNvGraphicFramePr>
+            <a:graphicFrameLocks noGrp="1"/>
+          </p:cNvGraphicFramePr>
+          <p:nvPr>
+            <p:extLst>
+              <p:ext uri="{D42A27DB-BD31-4B8C-83A1-F6EECF244321}">
+                <p14:modId xmlns:p14="http://schemas.microsoft.com/office/powerpoint/2010/main" val="1696662515"/>
+              </p:ext>
+            </p:extLst>
+          </p:nvPr>
+        </p:nvGraphicFramePr>
+        <p:xfrm>
+          <a:off x="942387" y="5370545"/>
+          <a:ext cx="3832818" cy="370840"/>
+        </p:xfrm>
+        <a:graphic>
+          <a:graphicData uri="http://schemas.openxmlformats.org/drawingml/2006/table">
+            <a:tbl>
+              <a:tblPr firstRow="1" bandRow="1">
+                <a:tableStyleId>{5C22544A-7EE6-4342-B048-85BDC9FD1C3A}</a:tableStyleId>
+              </a:tblPr>
+              <a:tblGrid>
+                <a:gridCol w="638803">
+                  <a:extLst>
+                    <a:ext uri="{9D8B030D-6E8A-4147-A177-3AD203B41FA5}">
+                      <a16:colId xmlns:a16="http://schemas.microsoft.com/office/drawing/2014/main" val="161864414"/>
+                    </a:ext>
+                  </a:extLst>
+                </a:gridCol>
+                <a:gridCol w="638803">
+                  <a:extLst>
+                    <a:ext uri="{9D8B030D-6E8A-4147-A177-3AD203B41FA5}">
+                      <a16:colId xmlns:a16="http://schemas.microsoft.com/office/drawing/2014/main" val="1564010514"/>
+                    </a:ext>
+                  </a:extLst>
+                </a:gridCol>
+                <a:gridCol w="638803">
+                  <a:extLst>
+                    <a:ext uri="{9D8B030D-6E8A-4147-A177-3AD203B41FA5}">
+                      <a16:colId xmlns:a16="http://schemas.microsoft.com/office/drawing/2014/main" val="1697722932"/>
+                    </a:ext>
+                  </a:extLst>
+                </a:gridCol>
+                <a:gridCol w="638803">
+                  <a:extLst>
+                    <a:ext uri="{9D8B030D-6E8A-4147-A177-3AD203B41FA5}">
+                      <a16:colId xmlns:a16="http://schemas.microsoft.com/office/drawing/2014/main" val="2034512798"/>
+                    </a:ext>
+                  </a:extLst>
+                </a:gridCol>
+                <a:gridCol w="638803">
+                  <a:extLst>
+                    <a:ext uri="{9D8B030D-6E8A-4147-A177-3AD203B41FA5}">
+                      <a16:colId xmlns:a16="http://schemas.microsoft.com/office/drawing/2014/main" val="38723595"/>
+                    </a:ext>
+                  </a:extLst>
+                </a:gridCol>
+                <a:gridCol w="638803">
+                  <a:extLst>
+                    <a:ext uri="{9D8B030D-6E8A-4147-A177-3AD203B41FA5}">
+                      <a16:colId xmlns:a16="http://schemas.microsoft.com/office/drawing/2014/main" val="1222555476"/>
+                    </a:ext>
+                  </a:extLst>
+                </a:gridCol>
+              </a:tblGrid>
+              <a:tr h="370840">
+                <a:tc>
+                  <a:txBody>
+                    <a:bodyPr/>
+                    <a:lstStyle/>
+                    <a:p>
+                      <a:pPr algn="ctr" latinLnBrk="1"/>
+                      <a:r>
+                        <a:rPr lang="en-US" altLang="ko-KR" b="0">
+                          <a:latin typeface="나눔스퀘어 Light" panose="020B0600000101010101" pitchFamily="50" charset="-127"/>
+                          <a:ea typeface="나눔스퀘어 Light" panose="020B0600000101010101" pitchFamily="50" charset="-127"/>
+                        </a:rPr>
+                        <a:t>10</a:t>
+                      </a:r>
+                      <a:endParaRPr lang="ko-KR" altLang="en-US" b="0" dirty="0">
+                        <a:latin typeface="나눔스퀘어 Light" panose="020B0600000101010101" pitchFamily="50" charset="-127"/>
+                        <a:ea typeface="나눔스퀘어 Light" panose="020B0600000101010101" pitchFamily="50" charset="-127"/>
+                      </a:endParaRPr>
+                    </a:p>
+                  </a:txBody>
+                  <a:tcPr/>
+                </a:tc>
+                <a:tc>
+                  <a:txBody>
+                    <a:bodyPr/>
+                    <a:lstStyle/>
+                    <a:p>
+                      <a:pPr algn="ctr" latinLnBrk="1"/>
+                      <a:r>
+                        <a:rPr lang="en-US" altLang="ko-KR" b="0">
+                          <a:latin typeface="나눔스퀘어 Light" panose="020B0600000101010101" pitchFamily="50" charset="-127"/>
+                          <a:ea typeface="나눔스퀘어 Light" panose="020B0600000101010101" pitchFamily="50" charset="-127"/>
+                        </a:rPr>
+                        <a:t>20</a:t>
+                      </a:r>
+                      <a:endParaRPr lang="ko-KR" altLang="en-US" b="0" dirty="0">
+                        <a:solidFill>
+                          <a:srgbClr val="404040"/>
+                        </a:solidFill>
+                        <a:latin typeface="나눔스퀘어 Bold" panose="020B0600000101010101" pitchFamily="50" charset="-127"/>
+                        <a:ea typeface="나눔스퀘어 Bold" panose="020B0600000101010101" pitchFamily="50" charset="-127"/>
+                      </a:endParaRPr>
+                    </a:p>
+                  </a:txBody>
+                  <a:tcPr/>
+                </a:tc>
+                <a:tc>
+                  <a:txBody>
+                    <a:bodyPr/>
+                    <a:lstStyle/>
+                    <a:p>
+                      <a:pPr algn="ctr" latinLnBrk="1"/>
+                      <a:r>
+                        <a:rPr lang="en-US" altLang="ko-KR" b="0">
+                          <a:latin typeface="나눔스퀘어 Light" panose="020B0600000101010101" pitchFamily="50" charset="-127"/>
+                          <a:ea typeface="나눔스퀘어 Light" panose="020B0600000101010101" pitchFamily="50" charset="-127"/>
+                        </a:rPr>
+                        <a:t>10</a:t>
+                      </a:r>
+                      <a:endParaRPr lang="ko-KR" altLang="en-US" b="0" dirty="0">
+                        <a:solidFill>
+                          <a:schemeClr val="tx1"/>
+                        </a:solidFill>
+                        <a:latin typeface="나눔스퀘어 Bold" panose="020B0600000101010101" pitchFamily="50" charset="-127"/>
+                        <a:ea typeface="나눔스퀘어 Bold" panose="020B0600000101010101" pitchFamily="50" charset="-127"/>
+                      </a:endParaRPr>
+                    </a:p>
+                  </a:txBody>
+                  <a:tcPr/>
+                </a:tc>
+                <a:tc>
+                  <a:txBody>
+                    <a:bodyPr/>
+                    <a:lstStyle/>
+                    <a:p>
+                      <a:pPr marL="0" marR="0" lvl="0" indent="0" algn="ctr" defTabSz="914400" rtl="0" eaLnBrk="1" fontAlgn="auto" latinLnBrk="1" hangingPunct="1">
+                        <a:lnSpc>
+                          <a:spcPct val="100000"/>
+                        </a:lnSpc>
+                        <a:spcBef>
+                          <a:spcPts val="0"/>
+                        </a:spcBef>
+                        <a:spcAft>
+                          <a:spcPts val="0"/>
+                        </a:spcAft>
+                        <a:buClrTx/>
+                        <a:buSzTx/>
+                        <a:buFontTx/>
+                        <a:buNone/>
+                        <a:tabLst/>
+                        <a:defRPr/>
+                      </a:pPr>
+                      <a:r>
+                        <a:rPr lang="en-US" altLang="ko-KR" b="0" dirty="0">
+                          <a:latin typeface="나눔스퀘어 Light" panose="020B0600000101010101" pitchFamily="50" charset="-127"/>
+                          <a:ea typeface="나눔스퀘어 Light" panose="020B0600000101010101" pitchFamily="50" charset="-127"/>
+                        </a:rPr>
+                        <a:t>30</a:t>
+                      </a:r>
+                      <a:endParaRPr lang="ko-KR" altLang="en-US" b="0" dirty="0">
+                        <a:solidFill>
+                          <a:schemeClr val="tx1"/>
+                        </a:solidFill>
+                        <a:latin typeface="나눔스퀘어 Bold" panose="020B0600000101010101" pitchFamily="50" charset="-127"/>
+                        <a:ea typeface="나눔스퀘어 Bold" panose="020B0600000101010101" pitchFamily="50" charset="-127"/>
+                      </a:endParaRPr>
+                    </a:p>
+                  </a:txBody>
+                  <a:tcPr/>
+                </a:tc>
+                <a:tc>
+                  <a:txBody>
+                    <a:bodyPr/>
+                    <a:lstStyle/>
+                    <a:p>
+                      <a:pPr algn="ctr" latinLnBrk="1"/>
+                      <a:r>
+                        <a:rPr lang="en-US" altLang="ko-KR" b="0" dirty="0">
+                          <a:solidFill>
+                            <a:schemeClr val="tx1"/>
+                          </a:solidFill>
+                          <a:latin typeface="나눔스퀘어 Bold" panose="020B0600000101010101" pitchFamily="50" charset="-127"/>
+                          <a:ea typeface="나눔스퀘어 Bold" panose="020B0600000101010101" pitchFamily="50" charset="-127"/>
+                        </a:rPr>
+                        <a:t>20</a:t>
+                      </a:r>
+                      <a:endParaRPr lang="ko-KR" altLang="en-US" b="0" dirty="0">
+                        <a:latin typeface="나눔스퀘어 Light" panose="020B0600000101010101" pitchFamily="50" charset="-127"/>
+                        <a:ea typeface="나눔스퀘어 Light" panose="020B0600000101010101" pitchFamily="50" charset="-127"/>
+                      </a:endParaRPr>
+                    </a:p>
+                  </a:txBody>
+                  <a:tcPr/>
+                </a:tc>
+                <a:tc>
+                  <a:txBody>
+                    <a:bodyPr/>
+                    <a:lstStyle/>
+                    <a:p>
+                      <a:pPr algn="ctr" latinLnBrk="1"/>
+                      <a:r>
+                        <a:rPr lang="en-US" altLang="ko-KR" b="0" dirty="0">
+                          <a:latin typeface="나눔스퀘어 Light" panose="020B0600000101010101" pitchFamily="50" charset="-127"/>
+                          <a:ea typeface="나눔스퀘어 Light" panose="020B0600000101010101" pitchFamily="50" charset="-127"/>
+                        </a:rPr>
+                        <a:t>50</a:t>
+                      </a:r>
+                      <a:endParaRPr lang="ko-KR" altLang="en-US" b="0" dirty="0">
+                        <a:latin typeface="나눔스퀘어 Light" panose="020B0600000101010101" pitchFamily="50" charset="-127"/>
+                        <a:ea typeface="나눔스퀘어 Light" panose="020B0600000101010101" pitchFamily="50" charset="-127"/>
+                      </a:endParaRPr>
+                    </a:p>
+                  </a:txBody>
+                  <a:tcPr/>
+                </a:tc>
+                <a:extLst>
+                  <a:ext uri="{0D108BD9-81ED-4DB2-BD59-A6C34878D82A}">
+                    <a16:rowId xmlns:a16="http://schemas.microsoft.com/office/drawing/2014/main" val="2178751425"/>
+                  </a:ext>
+                </a:extLst>
+              </a:tr>
+            </a:tbl>
+          </a:graphicData>
+        </a:graphic>
+      </p:graphicFrame>
+      <p:sp>
+        <p:nvSpPr>
+          <p:cNvPr id="30" name="TextBox 29">
+            <a:extLst>
+              <a:ext uri="{FF2B5EF4-FFF2-40B4-BE49-F238E27FC236}">
+                <a16:creationId xmlns:a16="http://schemas.microsoft.com/office/drawing/2014/main" id="{F851666B-236B-23F3-81E9-9D599E94D739}"/>
+              </a:ext>
+            </a:extLst>
+          </p:cNvPr>
+          <p:cNvSpPr txBox="1"/>
+          <p:nvPr/>
+        </p:nvSpPr>
+        <p:spPr>
+          <a:xfrm>
+            <a:off x="942387" y="4912168"/>
+            <a:ext cx="767646" cy="369332"/>
+          </a:xfrm>
+          <a:prstGeom prst="rect">
+            <a:avLst/>
+          </a:prstGeom>
+          <a:noFill/>
+        </p:spPr>
+        <p:txBody>
+          <a:bodyPr wrap="square" rtlCol="0">
+            <a:spAutoFit/>
+          </a:bodyPr>
+          <a:lstStyle/>
+          <a:p>
+            <a:pPr algn="ctr"/>
+            <a:r>
+              <a:rPr lang="en-US" altLang="ko-KR" dirty="0">
+                <a:latin typeface="나눔스퀘어 Light" panose="020B0600000101010101" pitchFamily="50" charset="-127"/>
+                <a:ea typeface="나눔스퀘어 Light" panose="020B0600000101010101" pitchFamily="50" charset="-127"/>
+              </a:rPr>
+              <a:t>A[]</a:t>
+            </a:r>
+            <a:endParaRPr lang="ko-KR" altLang="en-US" dirty="0">
+              <a:latin typeface="나눔스퀘어 Light" panose="020B0600000101010101" pitchFamily="50" charset="-127"/>
+              <a:ea typeface="나눔스퀘어 Light" panose="020B0600000101010101" pitchFamily="50" charset="-127"/>
+            </a:endParaRPr>
+          </a:p>
+        </p:txBody>
+      </p:sp>
+      <p:graphicFrame>
+        <p:nvGraphicFramePr>
+          <p:cNvPr id="32" name="표 2">
+            <a:extLst>
+              <a:ext uri="{FF2B5EF4-FFF2-40B4-BE49-F238E27FC236}">
+                <a16:creationId xmlns:a16="http://schemas.microsoft.com/office/drawing/2014/main" id="{59225F4D-522C-B380-6A75-EB983F99805F}"/>
+              </a:ext>
+            </a:extLst>
+          </p:cNvPr>
+          <p:cNvGraphicFramePr>
+            <a:graphicFrameLocks noGrp="1"/>
+          </p:cNvGraphicFramePr>
+          <p:nvPr>
+            <p:extLst>
+              <p:ext uri="{D42A27DB-BD31-4B8C-83A1-F6EECF244321}">
+                <p14:modId xmlns:p14="http://schemas.microsoft.com/office/powerpoint/2010/main" val="748585893"/>
+              </p:ext>
+            </p:extLst>
+          </p:nvPr>
+        </p:nvGraphicFramePr>
+        <p:xfrm>
+          <a:off x="6096000" y="5370545"/>
+          <a:ext cx="3832818" cy="370840"/>
+        </p:xfrm>
+        <a:graphic>
+          <a:graphicData uri="http://schemas.openxmlformats.org/drawingml/2006/table">
+            <a:tbl>
+              <a:tblPr firstRow="1" bandRow="1">
+                <a:tableStyleId>{5C22544A-7EE6-4342-B048-85BDC9FD1C3A}</a:tableStyleId>
+              </a:tblPr>
+              <a:tblGrid>
+                <a:gridCol w="638803">
+                  <a:extLst>
+                    <a:ext uri="{9D8B030D-6E8A-4147-A177-3AD203B41FA5}">
+                      <a16:colId xmlns:a16="http://schemas.microsoft.com/office/drawing/2014/main" val="161864414"/>
+                    </a:ext>
+                  </a:extLst>
+                </a:gridCol>
+                <a:gridCol w="638803">
+                  <a:extLst>
+                    <a:ext uri="{9D8B030D-6E8A-4147-A177-3AD203B41FA5}">
+                      <a16:colId xmlns:a16="http://schemas.microsoft.com/office/drawing/2014/main" val="1564010514"/>
+                    </a:ext>
+                  </a:extLst>
+                </a:gridCol>
+                <a:gridCol w="638803">
+                  <a:extLst>
+                    <a:ext uri="{9D8B030D-6E8A-4147-A177-3AD203B41FA5}">
+                      <a16:colId xmlns:a16="http://schemas.microsoft.com/office/drawing/2014/main" val="1697722932"/>
+                    </a:ext>
+                  </a:extLst>
+                </a:gridCol>
+                <a:gridCol w="638803">
+                  <a:extLst>
+                    <a:ext uri="{9D8B030D-6E8A-4147-A177-3AD203B41FA5}">
+                      <a16:colId xmlns:a16="http://schemas.microsoft.com/office/drawing/2014/main" val="2034512798"/>
+                    </a:ext>
+                  </a:extLst>
+                </a:gridCol>
+                <a:gridCol w="638803">
+                  <a:extLst>
+                    <a:ext uri="{9D8B030D-6E8A-4147-A177-3AD203B41FA5}">
+                      <a16:colId xmlns:a16="http://schemas.microsoft.com/office/drawing/2014/main" val="38723595"/>
+                    </a:ext>
+                  </a:extLst>
+                </a:gridCol>
+                <a:gridCol w="638803">
+                  <a:extLst>
+                    <a:ext uri="{9D8B030D-6E8A-4147-A177-3AD203B41FA5}">
+                      <a16:colId xmlns:a16="http://schemas.microsoft.com/office/drawing/2014/main" val="3609796615"/>
+                    </a:ext>
+                  </a:extLst>
+                </a:gridCol>
+              </a:tblGrid>
+              <a:tr h="370840">
+                <a:tc>
+                  <a:txBody>
+                    <a:bodyPr/>
+                    <a:lstStyle/>
+                    <a:p>
+                      <a:pPr algn="ctr" latinLnBrk="1"/>
+                      <a:r>
+                        <a:rPr lang="en-US" altLang="ko-KR" b="0" dirty="0">
+                          <a:latin typeface="나눔스퀘어 Light" panose="020B0600000101010101" pitchFamily="50" charset="-127"/>
+                          <a:ea typeface="나눔스퀘어 Light" panose="020B0600000101010101" pitchFamily="50" charset="-127"/>
+                        </a:rPr>
+                        <a:t>1</a:t>
+                      </a:r>
+                      <a:endParaRPr lang="ko-KR" altLang="en-US" b="0" dirty="0">
+                        <a:solidFill>
+                          <a:schemeClr val="tx1"/>
+                        </a:solidFill>
+                        <a:latin typeface="나눔스퀘어 Bold" panose="020B0600000101010101" pitchFamily="50" charset="-127"/>
+                        <a:ea typeface="나눔스퀘어 Bold" panose="020B0600000101010101" pitchFamily="50" charset="-127"/>
+                      </a:endParaRPr>
+                    </a:p>
+                  </a:txBody>
+                  <a:tcPr/>
+                </a:tc>
+                <a:tc>
+                  <a:txBody>
+                    <a:bodyPr/>
+                    <a:lstStyle/>
+                    <a:p>
+                      <a:pPr algn="ctr" latinLnBrk="1"/>
+                      <a:r>
+                        <a:rPr lang="en-US" altLang="ko-KR" b="0" dirty="0">
+                          <a:latin typeface="나눔스퀘어 Light" panose="020B0600000101010101" pitchFamily="50" charset="-127"/>
+                          <a:ea typeface="나눔스퀘어 Light" panose="020B0600000101010101" pitchFamily="50" charset="-127"/>
+                        </a:rPr>
+                        <a:t>2</a:t>
+                      </a:r>
+                      <a:endParaRPr lang="ko-KR" altLang="en-US" b="0" dirty="0">
+                        <a:solidFill>
+                          <a:schemeClr val="tx1"/>
+                        </a:solidFill>
+                        <a:latin typeface="나눔스퀘어 Bold" panose="020B0600000101010101" pitchFamily="50" charset="-127"/>
+                        <a:ea typeface="나눔스퀘어 Bold" panose="020B0600000101010101" pitchFamily="50" charset="-127"/>
+                      </a:endParaRPr>
+                    </a:p>
+                  </a:txBody>
+                  <a:tcPr/>
+                </a:tc>
+                <a:tc>
+                  <a:txBody>
+                    <a:bodyPr/>
+                    <a:lstStyle/>
+                    <a:p>
+                      <a:pPr algn="ctr" latinLnBrk="1"/>
+                      <a:r>
+                        <a:rPr lang="en-US" altLang="ko-KR" b="0" dirty="0">
+                          <a:latin typeface="나눔스퀘어 Light" panose="020B0600000101010101" pitchFamily="50" charset="-127"/>
+                          <a:ea typeface="나눔스퀘어 Light" panose="020B0600000101010101" pitchFamily="50" charset="-127"/>
+                        </a:rPr>
+                        <a:t>1</a:t>
+                      </a:r>
+                      <a:endParaRPr lang="ko-KR" altLang="en-US" b="0" dirty="0">
+                        <a:solidFill>
+                          <a:schemeClr val="tx1"/>
+                        </a:solidFill>
+                        <a:latin typeface="나눔스퀘어 Bold" panose="020B0600000101010101" pitchFamily="50" charset="-127"/>
+                        <a:ea typeface="나눔스퀘어 Bold" panose="020B0600000101010101" pitchFamily="50" charset="-127"/>
+                      </a:endParaRPr>
+                    </a:p>
+                  </a:txBody>
+                  <a:tcPr/>
+                </a:tc>
+                <a:tc>
+                  <a:txBody>
+                    <a:bodyPr/>
+                    <a:lstStyle/>
+                    <a:p>
+                      <a:pPr marL="0" marR="0" lvl="0" indent="0" algn="ctr" defTabSz="914400" rtl="0" eaLnBrk="1" fontAlgn="auto" latinLnBrk="1" hangingPunct="1">
+                        <a:lnSpc>
+                          <a:spcPct val="100000"/>
+                        </a:lnSpc>
+                        <a:spcBef>
+                          <a:spcPts val="0"/>
+                        </a:spcBef>
+                        <a:spcAft>
+                          <a:spcPts val="0"/>
+                        </a:spcAft>
+                        <a:buClrTx/>
+                        <a:buSzTx/>
+                        <a:buFontTx/>
+                        <a:buNone/>
+                        <a:tabLst/>
+                        <a:defRPr/>
+                      </a:pPr>
+                      <a:r>
+                        <a:rPr lang="en-US" altLang="ko-KR" b="0" dirty="0">
+                          <a:latin typeface="나눔스퀘어 Light" panose="020B0600000101010101" pitchFamily="50" charset="-127"/>
+                          <a:ea typeface="나눔스퀘어 Light" panose="020B0600000101010101" pitchFamily="50" charset="-127"/>
+                        </a:rPr>
+                        <a:t>3</a:t>
+                      </a:r>
+                      <a:endParaRPr lang="ko-KR" altLang="en-US" b="0" dirty="0">
+                        <a:solidFill>
+                          <a:schemeClr val="tx1"/>
+                        </a:solidFill>
+                        <a:latin typeface="나눔스퀘어 Bold" panose="020B0600000101010101" pitchFamily="50" charset="-127"/>
+                        <a:ea typeface="나눔스퀘어 Bold" panose="020B0600000101010101" pitchFamily="50" charset="-127"/>
+                      </a:endParaRPr>
+                    </a:p>
+                  </a:txBody>
+                  <a:tcPr/>
+                </a:tc>
+                <a:tc>
+                  <a:txBody>
+                    <a:bodyPr/>
+                    <a:lstStyle/>
+                    <a:p>
+                      <a:pPr marL="0" marR="0" lvl="0" indent="0" algn="ctr" defTabSz="914400" rtl="0" eaLnBrk="1" fontAlgn="auto" latinLnBrk="1" hangingPunct="1">
+                        <a:lnSpc>
+                          <a:spcPct val="100000"/>
+                        </a:lnSpc>
+                        <a:spcBef>
+                          <a:spcPts val="0"/>
+                        </a:spcBef>
+                        <a:spcAft>
+                          <a:spcPts val="0"/>
+                        </a:spcAft>
+                        <a:buClrTx/>
+                        <a:buSzTx/>
+                        <a:buFontTx/>
+                        <a:buNone/>
+                        <a:tabLst/>
+                        <a:defRPr/>
+                      </a:pPr>
+                      <a:r>
+                        <a:rPr lang="en-US" altLang="ko-KR" b="0" dirty="0">
+                          <a:solidFill>
+                            <a:schemeClr val="tx1"/>
+                          </a:solidFill>
+                          <a:latin typeface="나눔스퀘어 Bold" panose="020B0600000101010101" pitchFamily="50" charset="-127"/>
+                          <a:ea typeface="나눔스퀘어 Bold" panose="020B0600000101010101" pitchFamily="50" charset="-127"/>
+                        </a:rPr>
+                        <a:t>2</a:t>
+                      </a:r>
+                      <a:endParaRPr lang="ko-KR" altLang="en-US" b="0" dirty="0">
+                        <a:solidFill>
+                          <a:schemeClr val="tx1"/>
+                        </a:solidFill>
+                        <a:latin typeface="나눔스퀘어 Bold" panose="020B0600000101010101" pitchFamily="50" charset="-127"/>
+                        <a:ea typeface="나눔스퀘어 Bold" panose="020B0600000101010101" pitchFamily="50" charset="-127"/>
+                      </a:endParaRPr>
+                    </a:p>
+                  </a:txBody>
+                  <a:tcPr/>
+                </a:tc>
+                <a:tc>
+                  <a:txBody>
+                    <a:bodyPr/>
+                    <a:lstStyle/>
+                    <a:p>
+                      <a:pPr algn="ctr" latinLnBrk="1"/>
+                      <a:endParaRPr lang="ko-KR" altLang="en-US" b="0" dirty="0">
+                        <a:latin typeface="나눔스퀘어 Light" panose="020B0600000101010101" pitchFamily="50" charset="-127"/>
+                        <a:ea typeface="나눔스퀘어 Light" panose="020B0600000101010101" pitchFamily="50" charset="-127"/>
+                      </a:endParaRPr>
+                    </a:p>
+                  </a:txBody>
+                  <a:tcPr/>
+                </a:tc>
+                <a:extLst>
+                  <a:ext uri="{0D108BD9-81ED-4DB2-BD59-A6C34878D82A}">
+                    <a16:rowId xmlns:a16="http://schemas.microsoft.com/office/drawing/2014/main" val="2178751425"/>
+                  </a:ext>
+                </a:extLst>
+              </a:tr>
+            </a:tbl>
+          </a:graphicData>
+        </a:graphic>
+      </p:graphicFrame>
+      <p:sp>
+        <p:nvSpPr>
+          <p:cNvPr id="34" name="TextBox 33">
+            <a:extLst>
+              <a:ext uri="{FF2B5EF4-FFF2-40B4-BE49-F238E27FC236}">
+                <a16:creationId xmlns:a16="http://schemas.microsoft.com/office/drawing/2014/main" id="{84CDE969-1E9A-F01A-108E-395D79DDA875}"/>
+              </a:ext>
+            </a:extLst>
+          </p:cNvPr>
+          <p:cNvSpPr txBox="1"/>
+          <p:nvPr/>
+        </p:nvSpPr>
+        <p:spPr>
+          <a:xfrm>
+            <a:off x="6096000" y="4912168"/>
+            <a:ext cx="767646" cy="369332"/>
+          </a:xfrm>
+          <a:prstGeom prst="rect">
+            <a:avLst/>
+          </a:prstGeom>
+          <a:noFill/>
+        </p:spPr>
+        <p:txBody>
+          <a:bodyPr wrap="square" rtlCol="0">
+            <a:spAutoFit/>
+          </a:bodyPr>
+          <a:lstStyle/>
+          <a:p>
+            <a:pPr algn="ctr"/>
+            <a:r>
+              <a:rPr lang="en-US" altLang="ko-KR" dirty="0" err="1">
+                <a:latin typeface="나눔스퀘어 Light" panose="020B0600000101010101" pitchFamily="50" charset="-127"/>
+                <a:ea typeface="나눔스퀘어 Light" panose="020B0600000101010101" pitchFamily="50" charset="-127"/>
+              </a:rPr>
+              <a:t>dp</a:t>
+            </a:r>
+            <a:r>
+              <a:rPr lang="en-US" altLang="ko-KR" dirty="0">
+                <a:latin typeface="나눔스퀘어 Light" panose="020B0600000101010101" pitchFamily="50" charset="-127"/>
+                <a:ea typeface="나눔스퀘어 Light" panose="020B0600000101010101" pitchFamily="50" charset="-127"/>
+              </a:rPr>
+              <a:t>[]</a:t>
+            </a:r>
+            <a:endParaRPr lang="ko-KR" altLang="en-US" dirty="0">
+              <a:latin typeface="나눔스퀘어 Light" panose="020B0600000101010101" pitchFamily="50" charset="-127"/>
+              <a:ea typeface="나눔스퀘어 Light" panose="020B0600000101010101" pitchFamily="50" charset="-127"/>
+            </a:endParaRPr>
+          </a:p>
+        </p:txBody>
+      </p:sp>
+      <p:sp>
+        <p:nvSpPr>
+          <p:cNvPr id="36" name="TextBox 35">
+            <a:extLst>
+              <a:ext uri="{FF2B5EF4-FFF2-40B4-BE49-F238E27FC236}">
+                <a16:creationId xmlns:a16="http://schemas.microsoft.com/office/drawing/2014/main" id="{EF288834-45CA-BC32-1ACD-BF326CBC096B}"/>
+              </a:ext>
+            </a:extLst>
+          </p:cNvPr>
+          <p:cNvSpPr txBox="1"/>
+          <p:nvPr/>
+        </p:nvSpPr>
+        <p:spPr>
+          <a:xfrm>
+            <a:off x="6096000" y="6308766"/>
+            <a:ext cx="4989922" cy="369332"/>
+          </a:xfrm>
+          <a:prstGeom prst="rect">
+            <a:avLst/>
+          </a:prstGeom>
+          <a:noFill/>
+        </p:spPr>
+        <p:txBody>
+          <a:bodyPr wrap="square" rtlCol="0">
+            <a:spAutoFit/>
+          </a:bodyPr>
+          <a:lstStyle/>
+          <a:p>
+            <a:r>
+              <a:rPr lang="en-US" altLang="ko-KR" dirty="0" err="1">
+                <a:latin typeface="나눔스퀘어 Light" panose="020B0600000101010101" pitchFamily="50" charset="-127"/>
+                <a:ea typeface="나눔스퀘어 Light" panose="020B0600000101010101" pitchFamily="50" charset="-127"/>
+              </a:rPr>
+              <a:t>dp</a:t>
+            </a:r>
+            <a:r>
+              <a:rPr lang="en-US" altLang="ko-KR" dirty="0">
+                <a:latin typeface="나눔스퀘어 Light" panose="020B0600000101010101" pitchFamily="50" charset="-127"/>
+                <a:ea typeface="나눔스퀘어 Light" panose="020B0600000101010101" pitchFamily="50" charset="-127"/>
+              </a:rPr>
+              <a:t>[4] LIS : {…, 10, 20}</a:t>
+            </a:r>
+            <a:endParaRPr lang="ko-KR" altLang="en-US" dirty="0">
+              <a:latin typeface="나눔스퀘어 Light" panose="020B0600000101010101" pitchFamily="50" charset="-127"/>
+              <a:ea typeface="나눔스퀘어 Light" panose="020B0600000101010101" pitchFamily="50" charset="-127"/>
+            </a:endParaRPr>
+          </a:p>
+        </p:txBody>
+      </p:sp>
+      <p:sp>
+        <p:nvSpPr>
+          <p:cNvPr id="38" name="TextBox 37">
+            <a:extLst>
+              <a:ext uri="{FF2B5EF4-FFF2-40B4-BE49-F238E27FC236}">
+                <a16:creationId xmlns:a16="http://schemas.microsoft.com/office/drawing/2014/main" id="{E35341EE-4677-D335-72EF-8F43ABFAE284}"/>
+              </a:ext>
+            </a:extLst>
+          </p:cNvPr>
+          <p:cNvSpPr txBox="1"/>
+          <p:nvPr/>
+        </p:nvSpPr>
+        <p:spPr>
+          <a:xfrm>
+            <a:off x="942387" y="5731287"/>
+            <a:ext cx="631889" cy="369332"/>
+          </a:xfrm>
+          <a:prstGeom prst="rect">
+            <a:avLst/>
+          </a:prstGeom>
+          <a:noFill/>
+        </p:spPr>
+        <p:txBody>
+          <a:bodyPr wrap="square" rtlCol="0">
+            <a:spAutoFit/>
+          </a:bodyPr>
+          <a:lstStyle/>
+          <a:p>
+            <a:pPr algn="ctr"/>
+            <a:r>
+              <a:rPr lang="en-US" altLang="ko-KR" dirty="0">
+                <a:latin typeface="나눔스퀘어 Bold" panose="020B0600000101010101" pitchFamily="50" charset="-127"/>
+                <a:ea typeface="나눔스퀘어 Bold" panose="020B0600000101010101" pitchFamily="50" charset="-127"/>
+              </a:rPr>
+              <a:t>&lt;</a:t>
+            </a:r>
+            <a:endParaRPr lang="ko-KR" altLang="en-US" dirty="0">
+              <a:latin typeface="나눔스퀘어 Bold" panose="020B0600000101010101" pitchFamily="50" charset="-127"/>
+              <a:ea typeface="나눔스퀘어 Bold" panose="020B0600000101010101" pitchFamily="50" charset="-127"/>
+            </a:endParaRPr>
+          </a:p>
+        </p:txBody>
+      </p:sp>
+      <p:sp>
+        <p:nvSpPr>
+          <p:cNvPr id="40" name="TextBox 39">
+            <a:extLst>
+              <a:ext uri="{FF2B5EF4-FFF2-40B4-BE49-F238E27FC236}">
+                <a16:creationId xmlns:a16="http://schemas.microsoft.com/office/drawing/2014/main" id="{183C7B33-E42E-D934-18B0-782FBC2AEF76}"/>
+              </a:ext>
+            </a:extLst>
+          </p:cNvPr>
+          <p:cNvSpPr txBox="1"/>
+          <p:nvPr/>
+        </p:nvSpPr>
+        <p:spPr>
+          <a:xfrm>
+            <a:off x="1574276" y="5731287"/>
+            <a:ext cx="631889" cy="369332"/>
+          </a:xfrm>
+          <a:prstGeom prst="rect">
+            <a:avLst/>
+          </a:prstGeom>
+          <a:noFill/>
+        </p:spPr>
+        <p:txBody>
+          <a:bodyPr wrap="square" rtlCol="0">
+            <a:spAutoFit/>
+          </a:bodyPr>
+          <a:lstStyle/>
+          <a:p>
+            <a:pPr algn="ctr"/>
+            <a:r>
+              <a:rPr lang="en-US" altLang="ko-KR" dirty="0">
+                <a:latin typeface="나눔스퀘어 Bold" panose="020B0600000101010101" pitchFamily="50" charset="-127"/>
+                <a:ea typeface="나눔스퀘어 Bold" panose="020B0600000101010101" pitchFamily="50" charset="-127"/>
+              </a:rPr>
+              <a:t>&gt;=</a:t>
+            </a:r>
+            <a:endParaRPr lang="ko-KR" altLang="en-US" dirty="0">
+              <a:latin typeface="나눔스퀘어 Bold" panose="020B0600000101010101" pitchFamily="50" charset="-127"/>
+              <a:ea typeface="나눔스퀘어 Bold" panose="020B0600000101010101" pitchFamily="50" charset="-127"/>
+            </a:endParaRPr>
+          </a:p>
+        </p:txBody>
+      </p:sp>
+      <p:sp>
+        <p:nvSpPr>
+          <p:cNvPr id="42" name="TextBox 41">
+            <a:extLst>
+              <a:ext uri="{FF2B5EF4-FFF2-40B4-BE49-F238E27FC236}">
+                <a16:creationId xmlns:a16="http://schemas.microsoft.com/office/drawing/2014/main" id="{D2547E78-FCBB-DF88-ABF6-C1C85FE63736}"/>
+              </a:ext>
+            </a:extLst>
+          </p:cNvPr>
+          <p:cNvSpPr txBox="1"/>
+          <p:nvPr/>
+        </p:nvSpPr>
+        <p:spPr>
+          <a:xfrm>
+            <a:off x="2209486" y="5731287"/>
+            <a:ext cx="631889" cy="369332"/>
+          </a:xfrm>
+          <a:prstGeom prst="rect">
+            <a:avLst/>
+          </a:prstGeom>
+          <a:noFill/>
+        </p:spPr>
+        <p:txBody>
+          <a:bodyPr wrap="square" rtlCol="0">
+            <a:spAutoFit/>
+          </a:bodyPr>
+          <a:lstStyle/>
+          <a:p>
+            <a:pPr algn="ctr"/>
+            <a:r>
+              <a:rPr lang="en-US" altLang="ko-KR" dirty="0">
+                <a:latin typeface="나눔스퀘어 Bold" panose="020B0600000101010101" pitchFamily="50" charset="-127"/>
+                <a:ea typeface="나눔스퀘어 Bold" panose="020B0600000101010101" pitchFamily="50" charset="-127"/>
+              </a:rPr>
+              <a:t>&lt;</a:t>
+            </a:r>
+            <a:endParaRPr lang="ko-KR" altLang="en-US" dirty="0">
+              <a:latin typeface="나눔스퀘어 Bold" panose="020B0600000101010101" pitchFamily="50" charset="-127"/>
+              <a:ea typeface="나눔스퀘어 Bold" panose="020B0600000101010101" pitchFamily="50" charset="-127"/>
+            </a:endParaRPr>
+          </a:p>
+        </p:txBody>
+      </p:sp>
+      <p:sp>
+        <p:nvSpPr>
+          <p:cNvPr id="44" name="원형: 비어 있음 43">
+            <a:extLst>
+              <a:ext uri="{FF2B5EF4-FFF2-40B4-BE49-F238E27FC236}">
+                <a16:creationId xmlns:a16="http://schemas.microsoft.com/office/drawing/2014/main" id="{D29E90A6-FC89-21E0-C47C-801132307354}"/>
+              </a:ext>
+            </a:extLst>
+          </p:cNvPr>
+          <p:cNvSpPr/>
+          <p:nvPr/>
+        </p:nvSpPr>
+        <p:spPr>
+          <a:xfrm>
+            <a:off x="6268825" y="5801819"/>
+            <a:ext cx="298800" cy="299104"/>
+          </a:xfrm>
+          <a:prstGeom prst="donut">
+            <a:avLst/>
+          </a:prstGeom>
+          <a:solidFill>
+            <a:srgbClr val="FF0000"/>
+          </a:solidFill>
+          <a:ln>
+            <a:noFill/>
+          </a:ln>
+        </p:spPr>
+        <p:style>
+          <a:lnRef idx="2">
+            <a:schemeClr val="accent1">
+              <a:shade val="50000"/>
+            </a:schemeClr>
+          </a:lnRef>
+          <a:fillRef idx="1">
+            <a:schemeClr val="accent1"/>
+          </a:fillRef>
+          <a:effectRef idx="0">
+            <a:schemeClr val="accent1"/>
+          </a:effectRef>
+          <a:fontRef idx="minor">
+            <a:schemeClr val="lt1"/>
+          </a:fontRef>
+        </p:style>
+        <p:txBody>
+          <a:bodyPr rtlCol="0" anchor="ctr"/>
+          <a:lstStyle/>
+          <a:p>
+            <a:pPr algn="ctr"/>
+            <a:endParaRPr lang="ko-KR" altLang="en-US">
+              <a:solidFill>
+                <a:schemeClr val="tx1"/>
+              </a:solidFill>
+            </a:endParaRPr>
+          </a:p>
+        </p:txBody>
+      </p:sp>
+      <p:sp>
+        <p:nvSpPr>
+          <p:cNvPr id="46" name="원형: 비어 있음 45">
+            <a:extLst>
+              <a:ext uri="{FF2B5EF4-FFF2-40B4-BE49-F238E27FC236}">
+                <a16:creationId xmlns:a16="http://schemas.microsoft.com/office/drawing/2014/main" id="{02AA4DF9-BC9F-9EC9-9F3A-16A72759B157}"/>
+              </a:ext>
+            </a:extLst>
+          </p:cNvPr>
+          <p:cNvSpPr/>
+          <p:nvPr/>
+        </p:nvSpPr>
+        <p:spPr>
+          <a:xfrm>
+            <a:off x="7535924" y="5801819"/>
+            <a:ext cx="298800" cy="299104"/>
+          </a:xfrm>
+          <a:prstGeom prst="donut">
+            <a:avLst/>
+          </a:prstGeom>
+          <a:solidFill>
+            <a:srgbClr val="FF0000"/>
+          </a:solidFill>
+          <a:ln>
+            <a:noFill/>
+          </a:ln>
+        </p:spPr>
+        <p:style>
+          <a:lnRef idx="2">
+            <a:schemeClr val="accent1">
+              <a:shade val="50000"/>
+            </a:schemeClr>
+          </a:lnRef>
+          <a:fillRef idx="1">
+            <a:schemeClr val="accent1"/>
+          </a:fillRef>
+          <a:effectRef idx="0">
+            <a:schemeClr val="accent1"/>
+          </a:effectRef>
+          <a:fontRef idx="minor">
+            <a:schemeClr val="lt1"/>
+          </a:fontRef>
+        </p:style>
+        <p:txBody>
+          <a:bodyPr rtlCol="0" anchor="ctr"/>
+          <a:lstStyle/>
+          <a:p>
+            <a:pPr algn="ctr"/>
+            <a:endParaRPr lang="ko-KR" altLang="en-US">
+              <a:solidFill>
+                <a:schemeClr val="tx1"/>
+              </a:solidFill>
+            </a:endParaRPr>
+          </a:p>
+        </p:txBody>
+      </p:sp>
+      <p:sp>
+        <p:nvSpPr>
+          <p:cNvPr id="48" name="TextBox 47">
+            <a:extLst>
+              <a:ext uri="{FF2B5EF4-FFF2-40B4-BE49-F238E27FC236}">
+                <a16:creationId xmlns:a16="http://schemas.microsoft.com/office/drawing/2014/main" id="{F312C430-D015-ADF9-A4CE-FC117B4A7558}"/>
+              </a:ext>
+            </a:extLst>
+          </p:cNvPr>
+          <p:cNvSpPr txBox="1"/>
+          <p:nvPr/>
+        </p:nvSpPr>
+        <p:spPr>
+          <a:xfrm>
+            <a:off x="2857135" y="5731287"/>
+            <a:ext cx="631889" cy="369332"/>
+          </a:xfrm>
+          <a:prstGeom prst="rect">
+            <a:avLst/>
+          </a:prstGeom>
+          <a:noFill/>
+        </p:spPr>
+        <p:txBody>
+          <a:bodyPr wrap="square" rtlCol="0">
+            <a:spAutoFit/>
+          </a:bodyPr>
+          <a:lstStyle/>
+          <a:p>
+            <a:pPr algn="ctr"/>
+            <a:r>
+              <a:rPr lang="en-US" altLang="ko-KR" dirty="0">
+                <a:latin typeface="나눔스퀘어 Bold" panose="020B0600000101010101" pitchFamily="50" charset="-127"/>
+                <a:ea typeface="나눔스퀘어 Bold" panose="020B0600000101010101" pitchFamily="50" charset="-127"/>
+              </a:rPr>
+              <a:t>&gt;=</a:t>
+            </a:r>
+            <a:endParaRPr lang="ko-KR" altLang="en-US" dirty="0">
+              <a:latin typeface="나눔스퀘어 Bold" panose="020B0600000101010101" pitchFamily="50" charset="-127"/>
+              <a:ea typeface="나눔스퀘어 Bold" panose="020B0600000101010101" pitchFamily="50" charset="-127"/>
+            </a:endParaRPr>
+          </a:p>
+        </p:txBody>
+      </p:sp>
+      <p:sp>
+        <p:nvSpPr>
+          <p:cNvPr id="50" name="곱하기 기호 49">
+            <a:extLst>
+              <a:ext uri="{FF2B5EF4-FFF2-40B4-BE49-F238E27FC236}">
+                <a16:creationId xmlns:a16="http://schemas.microsoft.com/office/drawing/2014/main" id="{E0914604-2D81-96AD-77DD-1A57E40FB8FA}"/>
+              </a:ext>
+            </a:extLst>
+          </p:cNvPr>
+          <p:cNvSpPr/>
+          <p:nvPr/>
+        </p:nvSpPr>
+        <p:spPr>
+          <a:xfrm>
+            <a:off x="6910781" y="5799828"/>
+            <a:ext cx="298800" cy="298800"/>
+          </a:xfrm>
+          <a:prstGeom prst="mathMultiply">
+            <a:avLst/>
+          </a:prstGeom>
+          <a:solidFill>
+            <a:srgbClr val="FF0000"/>
+          </a:solidFill>
+          <a:ln>
+            <a:noFill/>
+          </a:ln>
+        </p:spPr>
+        <p:style>
+          <a:lnRef idx="2">
+            <a:schemeClr val="accent1">
+              <a:shade val="50000"/>
+            </a:schemeClr>
+          </a:lnRef>
+          <a:fillRef idx="1">
+            <a:schemeClr val="accent1"/>
+          </a:fillRef>
+          <a:effectRef idx="0">
+            <a:schemeClr val="accent1"/>
+          </a:effectRef>
+          <a:fontRef idx="minor">
+            <a:schemeClr val="lt1"/>
+          </a:fontRef>
+        </p:style>
+        <p:txBody>
+          <a:bodyPr rtlCol="0" anchor="ctr"/>
+          <a:lstStyle/>
+          <a:p>
+            <a:pPr algn="ctr"/>
+            <a:endParaRPr lang="ko-KR" altLang="en-US"/>
+          </a:p>
+        </p:txBody>
+      </p:sp>
+      <p:sp>
+        <p:nvSpPr>
+          <p:cNvPr id="52" name="곱하기 기호 51">
+            <a:extLst>
+              <a:ext uri="{FF2B5EF4-FFF2-40B4-BE49-F238E27FC236}">
+                <a16:creationId xmlns:a16="http://schemas.microsoft.com/office/drawing/2014/main" id="{A047AB1D-3161-CCA6-0903-50AFB678F54B}"/>
+              </a:ext>
+            </a:extLst>
+          </p:cNvPr>
+          <p:cNvSpPr/>
+          <p:nvPr/>
+        </p:nvSpPr>
+        <p:spPr>
+          <a:xfrm>
+            <a:off x="8177880" y="5799828"/>
+            <a:ext cx="298800" cy="298800"/>
+          </a:xfrm>
+          <a:prstGeom prst="mathMultiply">
+            <a:avLst/>
+          </a:prstGeom>
+          <a:solidFill>
+            <a:srgbClr val="FF0000"/>
+          </a:solidFill>
+          <a:ln>
+            <a:noFill/>
+          </a:ln>
+        </p:spPr>
+        <p:style>
+          <a:lnRef idx="2">
+            <a:schemeClr val="accent1">
+              <a:shade val="50000"/>
+            </a:schemeClr>
+          </a:lnRef>
+          <a:fillRef idx="1">
+            <a:schemeClr val="accent1"/>
+          </a:fillRef>
+          <a:effectRef idx="0">
+            <a:schemeClr val="accent1"/>
+          </a:effectRef>
+          <a:fontRef idx="minor">
+            <a:schemeClr val="lt1"/>
+          </a:fontRef>
+        </p:style>
+        <p:txBody>
+          <a:bodyPr rtlCol="0" anchor="ctr"/>
+          <a:lstStyle/>
+          <a:p>
+            <a:pPr algn="ctr"/>
+            <a:endParaRPr lang="ko-KR" altLang="en-US"/>
+          </a:p>
+        </p:txBody>
+      </p:sp>
+    </p:spTree>
+    <p:extLst>
+      <p:ext uri="{BB962C8B-B14F-4D97-AF65-F5344CB8AC3E}">
+        <p14:creationId xmlns:p14="http://schemas.microsoft.com/office/powerpoint/2010/main" val="2161511536"/>
+      </p:ext>
+    </p:extLst>
+  </p:cSld>
+  <p:clrMapOvr>
+    <a:masterClrMapping/>
+  </p:clrMapOvr>
+</p:sld>
+</file>
+
+<file path=ppt/slides/slide35.xml><?xml version="1.0" encoding="utf-8"?>
+<p:sld xmlns:a="http://schemas.openxmlformats.org/drawingml/2006/main" xmlns:r="http://schemas.openxmlformats.org/officeDocument/2006/relationships" xmlns:p="http://schemas.openxmlformats.org/presentationml/2006/main">
+  <p:cSld>
+    <p:spTree>
+      <p:nvGrpSpPr>
+        <p:cNvPr id="1" name=""/>
+        <p:cNvGrpSpPr/>
+        <p:nvPr/>
+      </p:nvGrpSpPr>
+      <p:grpSpPr>
+        <a:xfrm>
+          <a:off x="0" y="0"/>
+          <a:ext cx="0" cy="0"/>
+          <a:chOff x="0" y="0"/>
+          <a:chExt cx="0" cy="0"/>
+        </a:xfrm>
+      </p:grpSpPr>
+      <p:cxnSp>
+        <p:nvCxnSpPr>
+          <p:cNvPr id="5" name="직선 연결선 4">
+            <a:extLst>
+              <a:ext uri="{FF2B5EF4-FFF2-40B4-BE49-F238E27FC236}">
+                <a16:creationId xmlns:a16="http://schemas.microsoft.com/office/drawing/2014/main" id="{164C2827-EFCE-69A4-D037-1A218415F568}"/>
+              </a:ext>
+            </a:extLst>
+          </p:cNvPr>
+          <p:cNvCxnSpPr/>
+          <p:nvPr/>
+        </p:nvCxnSpPr>
+        <p:spPr>
+          <a:xfrm>
+            <a:off x="0" y="887505"/>
+            <a:ext cx="10237694" cy="0"/>
+          </a:xfrm>
+          <a:prstGeom prst="line">
+            <a:avLst/>
+          </a:prstGeom>
+          <a:ln w="76200">
+            <a:solidFill>
+              <a:schemeClr val="tx1">
+                <a:lumMod val="75000"/>
+                <a:lumOff val="25000"/>
+              </a:schemeClr>
+            </a:solidFill>
+          </a:ln>
+        </p:spPr>
+        <p:style>
+          <a:lnRef idx="1">
+            <a:schemeClr val="accent1"/>
+          </a:lnRef>
+          <a:fillRef idx="0">
+            <a:schemeClr val="accent1"/>
+          </a:fillRef>
+          <a:effectRef idx="0">
+            <a:schemeClr val="accent1"/>
+          </a:effectRef>
+          <a:fontRef idx="minor">
+            <a:schemeClr val="tx1"/>
+          </a:fontRef>
+        </p:style>
+      </p:cxnSp>
+      <p:sp>
+        <p:nvSpPr>
+          <p:cNvPr id="4" name="TextBox 3">
+            <a:extLst>
+              <a:ext uri="{FF2B5EF4-FFF2-40B4-BE49-F238E27FC236}">
+                <a16:creationId xmlns:a16="http://schemas.microsoft.com/office/drawing/2014/main" id="{59D13859-3C4A-53F0-C48F-C6B9095BD065}"/>
+              </a:ext>
+            </a:extLst>
+          </p:cNvPr>
+          <p:cNvSpPr txBox="1"/>
+          <p:nvPr/>
+        </p:nvSpPr>
+        <p:spPr>
+          <a:xfrm>
+            <a:off x="331694" y="179902"/>
+            <a:ext cx="9506833" cy="523220"/>
+          </a:xfrm>
+          <a:prstGeom prst="rect">
+            <a:avLst/>
+          </a:prstGeom>
+          <a:noFill/>
+        </p:spPr>
+        <p:txBody>
+          <a:bodyPr wrap="none" rtlCol="0">
+            <a:spAutoFit/>
+          </a:bodyPr>
+          <a:lstStyle/>
+          <a:p>
+            <a:r>
+              <a:rPr lang="en-US" altLang="ko-KR" sz="2800" dirty="0">
+                <a:latin typeface="나눔스퀘어 Bold" panose="020B0600000101010101" pitchFamily="50" charset="-127"/>
+                <a:ea typeface="나눔스퀘어 Bold" panose="020B0600000101010101" pitchFamily="50" charset="-127"/>
+              </a:rPr>
+              <a:t>Dynamic Programming – 11053 </a:t>
+            </a:r>
+            <a:r>
+              <a:rPr lang="ko-KR" altLang="en-US" sz="2800" dirty="0">
+                <a:latin typeface="나눔스퀘어 Bold" panose="020B0600000101010101" pitchFamily="50" charset="-127"/>
+                <a:ea typeface="나눔스퀘어 Bold" panose="020B0600000101010101" pitchFamily="50" charset="-127"/>
+              </a:rPr>
+              <a:t>가장 긴 증가하는 부분 수열</a:t>
+            </a:r>
+          </a:p>
+        </p:txBody>
+      </p:sp>
+      <p:sp>
+        <p:nvSpPr>
+          <p:cNvPr id="18" name="TextBox 17">
+            <a:extLst>
+              <a:ext uri="{FF2B5EF4-FFF2-40B4-BE49-F238E27FC236}">
+                <a16:creationId xmlns:a16="http://schemas.microsoft.com/office/drawing/2014/main" id="{76EFF3A6-6D11-A287-4445-5FA5441775D1}"/>
+              </a:ext>
+            </a:extLst>
+          </p:cNvPr>
+          <p:cNvSpPr txBox="1"/>
+          <p:nvPr/>
+        </p:nvSpPr>
+        <p:spPr>
+          <a:xfrm>
+            <a:off x="942387" y="1190024"/>
+            <a:ext cx="10313217" cy="369332"/>
+          </a:xfrm>
+          <a:prstGeom prst="rect">
+            <a:avLst/>
+          </a:prstGeom>
+          <a:noFill/>
+        </p:spPr>
+        <p:txBody>
+          <a:bodyPr wrap="square" rtlCol="0">
+            <a:spAutoFit/>
+          </a:bodyPr>
+          <a:lstStyle/>
+          <a:p>
+            <a:r>
+              <a:rPr lang="en-US" altLang="ko-KR" dirty="0">
+                <a:latin typeface="나눔스퀘어 Light" panose="020B0600000101010101" pitchFamily="50" charset="-127"/>
+                <a:ea typeface="나눔스퀘어 Light" panose="020B0600000101010101" pitchFamily="50" charset="-127"/>
+              </a:rPr>
+              <a:t>A[5]</a:t>
+            </a:r>
+            <a:endParaRPr lang="ko-KR" altLang="en-US" dirty="0">
+              <a:latin typeface="나눔스퀘어 Light" panose="020B0600000101010101" pitchFamily="50" charset="-127"/>
+              <a:ea typeface="나눔스퀘어 Light" panose="020B0600000101010101" pitchFamily="50" charset="-127"/>
+            </a:endParaRPr>
+          </a:p>
+        </p:txBody>
+      </p:sp>
+      <p:graphicFrame>
+        <p:nvGraphicFramePr>
+          <p:cNvPr id="25" name="표 2">
+            <a:extLst>
+              <a:ext uri="{FF2B5EF4-FFF2-40B4-BE49-F238E27FC236}">
+                <a16:creationId xmlns:a16="http://schemas.microsoft.com/office/drawing/2014/main" id="{38A0963B-8C0C-1C3C-C82C-68253A5A64F7}"/>
+              </a:ext>
+            </a:extLst>
+          </p:cNvPr>
+          <p:cNvGraphicFramePr>
+            <a:graphicFrameLocks noGrp="1"/>
+          </p:cNvGraphicFramePr>
+          <p:nvPr>
+            <p:extLst>
+              <p:ext uri="{D42A27DB-BD31-4B8C-83A1-F6EECF244321}">
+                <p14:modId xmlns:p14="http://schemas.microsoft.com/office/powerpoint/2010/main" val="991383626"/>
+              </p:ext>
+            </p:extLst>
+          </p:nvPr>
+        </p:nvGraphicFramePr>
+        <p:xfrm>
+          <a:off x="942387" y="2190253"/>
+          <a:ext cx="3832818" cy="370840"/>
+        </p:xfrm>
+        <a:graphic>
+          <a:graphicData uri="http://schemas.openxmlformats.org/drawingml/2006/table">
+            <a:tbl>
+              <a:tblPr firstRow="1" bandRow="1">
+                <a:tableStyleId>{5C22544A-7EE6-4342-B048-85BDC9FD1C3A}</a:tableStyleId>
+              </a:tblPr>
+              <a:tblGrid>
+                <a:gridCol w="638803">
+                  <a:extLst>
+                    <a:ext uri="{9D8B030D-6E8A-4147-A177-3AD203B41FA5}">
+                      <a16:colId xmlns:a16="http://schemas.microsoft.com/office/drawing/2014/main" val="161864414"/>
+                    </a:ext>
+                  </a:extLst>
+                </a:gridCol>
+                <a:gridCol w="638803">
+                  <a:extLst>
+                    <a:ext uri="{9D8B030D-6E8A-4147-A177-3AD203B41FA5}">
+                      <a16:colId xmlns:a16="http://schemas.microsoft.com/office/drawing/2014/main" val="1564010514"/>
+                    </a:ext>
+                  </a:extLst>
+                </a:gridCol>
+                <a:gridCol w="638803">
+                  <a:extLst>
+                    <a:ext uri="{9D8B030D-6E8A-4147-A177-3AD203B41FA5}">
+                      <a16:colId xmlns:a16="http://schemas.microsoft.com/office/drawing/2014/main" val="1697722932"/>
+                    </a:ext>
+                  </a:extLst>
+                </a:gridCol>
+                <a:gridCol w="638803">
+                  <a:extLst>
+                    <a:ext uri="{9D8B030D-6E8A-4147-A177-3AD203B41FA5}">
+                      <a16:colId xmlns:a16="http://schemas.microsoft.com/office/drawing/2014/main" val="2034512798"/>
+                    </a:ext>
+                  </a:extLst>
+                </a:gridCol>
+                <a:gridCol w="638803">
+                  <a:extLst>
+                    <a:ext uri="{9D8B030D-6E8A-4147-A177-3AD203B41FA5}">
+                      <a16:colId xmlns:a16="http://schemas.microsoft.com/office/drawing/2014/main" val="38723595"/>
+                    </a:ext>
+                  </a:extLst>
+                </a:gridCol>
+                <a:gridCol w="638803">
+                  <a:extLst>
+                    <a:ext uri="{9D8B030D-6E8A-4147-A177-3AD203B41FA5}">
+                      <a16:colId xmlns:a16="http://schemas.microsoft.com/office/drawing/2014/main" val="1222555476"/>
+                    </a:ext>
+                  </a:extLst>
+                </a:gridCol>
+              </a:tblGrid>
+              <a:tr h="370840">
+                <a:tc>
+                  <a:txBody>
+                    <a:bodyPr/>
+                    <a:lstStyle/>
+                    <a:p>
+                      <a:pPr algn="ctr" latinLnBrk="1"/>
+                      <a:r>
+                        <a:rPr lang="en-US" altLang="ko-KR" b="0">
+                          <a:latin typeface="나눔스퀘어 Light" panose="020B0600000101010101" pitchFamily="50" charset="-127"/>
+                          <a:ea typeface="나눔스퀘어 Light" panose="020B0600000101010101" pitchFamily="50" charset="-127"/>
+                        </a:rPr>
+                        <a:t>10</a:t>
+                      </a:r>
+                      <a:endParaRPr lang="ko-KR" altLang="en-US" b="0" dirty="0">
+                        <a:latin typeface="나눔스퀘어 Light" panose="020B0600000101010101" pitchFamily="50" charset="-127"/>
+                        <a:ea typeface="나눔스퀘어 Light" panose="020B0600000101010101" pitchFamily="50" charset="-127"/>
+                      </a:endParaRPr>
+                    </a:p>
+                  </a:txBody>
+                  <a:tcPr/>
+                </a:tc>
+                <a:tc>
+                  <a:txBody>
+                    <a:bodyPr/>
+                    <a:lstStyle/>
+                    <a:p>
+                      <a:pPr algn="ctr" latinLnBrk="1"/>
+                      <a:r>
+                        <a:rPr lang="en-US" altLang="ko-KR" b="0" dirty="0">
+                          <a:latin typeface="나눔스퀘어 Light" panose="020B0600000101010101" pitchFamily="50" charset="-127"/>
+                          <a:ea typeface="나눔스퀘어 Light" panose="020B0600000101010101" pitchFamily="50" charset="-127"/>
+                        </a:rPr>
+                        <a:t>20</a:t>
+                      </a:r>
+                      <a:endParaRPr lang="ko-KR" altLang="en-US" b="0" dirty="0">
+                        <a:solidFill>
+                          <a:srgbClr val="404040"/>
+                        </a:solidFill>
+                        <a:latin typeface="나눔스퀘어 Bold" panose="020B0600000101010101" pitchFamily="50" charset="-127"/>
+                        <a:ea typeface="나눔스퀘어 Bold" panose="020B0600000101010101" pitchFamily="50" charset="-127"/>
+                      </a:endParaRPr>
+                    </a:p>
+                  </a:txBody>
+                  <a:tcPr/>
+                </a:tc>
+                <a:tc>
+                  <a:txBody>
+                    <a:bodyPr/>
+                    <a:lstStyle/>
+                    <a:p>
+                      <a:pPr algn="ctr" latinLnBrk="1"/>
+                      <a:r>
+                        <a:rPr lang="en-US" altLang="ko-KR" b="0">
+                          <a:latin typeface="나눔스퀘어 Light" panose="020B0600000101010101" pitchFamily="50" charset="-127"/>
+                          <a:ea typeface="나눔스퀘어 Light" panose="020B0600000101010101" pitchFamily="50" charset="-127"/>
+                        </a:rPr>
+                        <a:t>10</a:t>
+                      </a:r>
+                      <a:endParaRPr lang="ko-KR" altLang="en-US" b="0" dirty="0">
+                        <a:solidFill>
+                          <a:schemeClr val="tx1"/>
+                        </a:solidFill>
+                        <a:latin typeface="나눔스퀘어 Bold" panose="020B0600000101010101" pitchFamily="50" charset="-127"/>
+                        <a:ea typeface="나눔스퀘어 Bold" panose="020B0600000101010101" pitchFamily="50" charset="-127"/>
+                      </a:endParaRPr>
+                    </a:p>
+                  </a:txBody>
+                  <a:tcPr/>
+                </a:tc>
+                <a:tc>
+                  <a:txBody>
+                    <a:bodyPr/>
+                    <a:lstStyle/>
+                    <a:p>
+                      <a:pPr marL="0" marR="0" lvl="0" indent="0" algn="ctr" defTabSz="914400" rtl="0" eaLnBrk="1" fontAlgn="auto" latinLnBrk="1" hangingPunct="1">
+                        <a:lnSpc>
+                          <a:spcPct val="100000"/>
+                        </a:lnSpc>
+                        <a:spcBef>
+                          <a:spcPts val="0"/>
+                        </a:spcBef>
+                        <a:spcAft>
+                          <a:spcPts val="0"/>
+                        </a:spcAft>
+                        <a:buClrTx/>
+                        <a:buSzTx/>
+                        <a:buFontTx/>
+                        <a:buNone/>
+                        <a:tabLst/>
+                        <a:defRPr/>
+                      </a:pPr>
+                      <a:r>
+                        <a:rPr lang="en-US" altLang="ko-KR" b="0">
+                          <a:latin typeface="나눔스퀘어 Light" panose="020B0600000101010101" pitchFamily="50" charset="-127"/>
+                          <a:ea typeface="나눔스퀘어 Light" panose="020B0600000101010101" pitchFamily="50" charset="-127"/>
+                        </a:rPr>
+                        <a:t>30</a:t>
+                      </a:r>
+                      <a:endParaRPr lang="ko-KR" altLang="en-US" b="0" dirty="0">
+                        <a:solidFill>
+                          <a:schemeClr val="tx1"/>
+                        </a:solidFill>
+                        <a:latin typeface="나눔스퀘어 Bold" panose="020B0600000101010101" pitchFamily="50" charset="-127"/>
+                        <a:ea typeface="나눔스퀘어 Bold" panose="020B0600000101010101" pitchFamily="50" charset="-127"/>
+                      </a:endParaRPr>
+                    </a:p>
+                  </a:txBody>
+                  <a:tcPr/>
+                </a:tc>
+                <a:tc>
+                  <a:txBody>
+                    <a:bodyPr/>
+                    <a:lstStyle/>
+                    <a:p>
+                      <a:pPr algn="ctr" latinLnBrk="1"/>
+                      <a:r>
+                        <a:rPr lang="en-US" altLang="ko-KR" b="0" dirty="0">
+                          <a:latin typeface="나눔스퀘어 Light" panose="020B0600000101010101" pitchFamily="50" charset="-127"/>
+                          <a:ea typeface="나눔스퀘어 Light" panose="020B0600000101010101" pitchFamily="50" charset="-127"/>
+                        </a:rPr>
+                        <a:t>20</a:t>
+                      </a:r>
+                      <a:endParaRPr lang="ko-KR" altLang="en-US" b="0" dirty="0">
+                        <a:latin typeface="나눔스퀘어 Light" panose="020B0600000101010101" pitchFamily="50" charset="-127"/>
+                        <a:ea typeface="나눔스퀘어 Light" panose="020B0600000101010101" pitchFamily="50" charset="-127"/>
+                      </a:endParaRPr>
+                    </a:p>
+                  </a:txBody>
+                  <a:tcPr/>
+                </a:tc>
+                <a:tc>
+                  <a:txBody>
+                    <a:bodyPr/>
+                    <a:lstStyle/>
+                    <a:p>
+                      <a:pPr marL="0" marR="0" lvl="0" indent="0" algn="ctr" defTabSz="914400" rtl="0" eaLnBrk="1" fontAlgn="auto" latinLnBrk="1" hangingPunct="1">
+                        <a:lnSpc>
+                          <a:spcPct val="100000"/>
+                        </a:lnSpc>
+                        <a:spcBef>
+                          <a:spcPts val="0"/>
+                        </a:spcBef>
+                        <a:spcAft>
+                          <a:spcPts val="0"/>
+                        </a:spcAft>
+                        <a:buClrTx/>
+                        <a:buSzTx/>
+                        <a:buFontTx/>
+                        <a:buNone/>
+                        <a:tabLst/>
+                        <a:defRPr/>
+                      </a:pPr>
+                      <a:r>
+                        <a:rPr lang="en-US" altLang="ko-KR" b="0" dirty="0">
+                          <a:solidFill>
+                            <a:schemeClr val="tx1"/>
+                          </a:solidFill>
+                          <a:latin typeface="나눔스퀘어 Bold" panose="020B0600000101010101" pitchFamily="50" charset="-127"/>
+                          <a:ea typeface="나눔스퀘어 Bold" panose="020B0600000101010101" pitchFamily="50" charset="-127"/>
+                        </a:rPr>
+                        <a:t>50</a:t>
+                      </a:r>
+                      <a:endParaRPr lang="ko-KR" altLang="en-US" b="0" dirty="0">
+                        <a:latin typeface="나눔스퀘어 Light" panose="020B0600000101010101" pitchFamily="50" charset="-127"/>
+                        <a:ea typeface="나눔스퀘어 Light" panose="020B0600000101010101" pitchFamily="50" charset="-127"/>
+                      </a:endParaRPr>
+                    </a:p>
+                  </a:txBody>
+                  <a:tcPr/>
+                </a:tc>
+                <a:extLst>
+                  <a:ext uri="{0D108BD9-81ED-4DB2-BD59-A6C34878D82A}">
+                    <a16:rowId xmlns:a16="http://schemas.microsoft.com/office/drawing/2014/main" val="2178751425"/>
+                  </a:ext>
+                </a:extLst>
+              </a:tr>
+            </a:tbl>
+          </a:graphicData>
+        </a:graphic>
+      </p:graphicFrame>
+      <p:sp>
+        <p:nvSpPr>
+          <p:cNvPr id="27" name="TextBox 26">
+            <a:extLst>
+              <a:ext uri="{FF2B5EF4-FFF2-40B4-BE49-F238E27FC236}">
+                <a16:creationId xmlns:a16="http://schemas.microsoft.com/office/drawing/2014/main" id="{1A5DD85A-BD04-C1A4-31E8-CB96AADC062C}"/>
+              </a:ext>
+            </a:extLst>
+          </p:cNvPr>
+          <p:cNvSpPr txBox="1"/>
+          <p:nvPr/>
+        </p:nvSpPr>
+        <p:spPr>
+          <a:xfrm>
+            <a:off x="942387" y="1731876"/>
+            <a:ext cx="767646" cy="369332"/>
+          </a:xfrm>
+          <a:prstGeom prst="rect">
+            <a:avLst/>
+          </a:prstGeom>
+          <a:noFill/>
+        </p:spPr>
+        <p:txBody>
+          <a:bodyPr wrap="square" rtlCol="0">
+            <a:spAutoFit/>
+          </a:bodyPr>
+          <a:lstStyle/>
+          <a:p>
+            <a:pPr algn="ctr"/>
+            <a:r>
+              <a:rPr lang="en-US" altLang="ko-KR" dirty="0">
+                <a:latin typeface="나눔스퀘어 Light" panose="020B0600000101010101" pitchFamily="50" charset="-127"/>
+                <a:ea typeface="나눔스퀘어 Light" panose="020B0600000101010101" pitchFamily="50" charset="-127"/>
+              </a:rPr>
+              <a:t>A[]</a:t>
+            </a:r>
+            <a:endParaRPr lang="ko-KR" altLang="en-US" dirty="0">
+              <a:latin typeface="나눔스퀘어 Light" panose="020B0600000101010101" pitchFamily="50" charset="-127"/>
+              <a:ea typeface="나눔스퀘어 Light" panose="020B0600000101010101" pitchFamily="50" charset="-127"/>
+            </a:endParaRPr>
+          </a:p>
+        </p:txBody>
+      </p:sp>
+      <p:graphicFrame>
+        <p:nvGraphicFramePr>
+          <p:cNvPr id="29" name="표 2">
+            <a:extLst>
+              <a:ext uri="{FF2B5EF4-FFF2-40B4-BE49-F238E27FC236}">
+                <a16:creationId xmlns:a16="http://schemas.microsoft.com/office/drawing/2014/main" id="{44D7220B-92CA-8024-7BFD-95F1F890433E}"/>
+              </a:ext>
+            </a:extLst>
+          </p:cNvPr>
+          <p:cNvGraphicFramePr>
+            <a:graphicFrameLocks noGrp="1"/>
+          </p:cNvGraphicFramePr>
+          <p:nvPr>
+            <p:extLst>
+              <p:ext uri="{D42A27DB-BD31-4B8C-83A1-F6EECF244321}">
+                <p14:modId xmlns:p14="http://schemas.microsoft.com/office/powerpoint/2010/main" val="1197668497"/>
+              </p:ext>
+            </p:extLst>
+          </p:nvPr>
+        </p:nvGraphicFramePr>
+        <p:xfrm>
+          <a:off x="6096000" y="2190253"/>
+          <a:ext cx="3832818" cy="370840"/>
+        </p:xfrm>
+        <a:graphic>
+          <a:graphicData uri="http://schemas.openxmlformats.org/drawingml/2006/table">
+            <a:tbl>
+              <a:tblPr firstRow="1" bandRow="1">
+                <a:tableStyleId>{5C22544A-7EE6-4342-B048-85BDC9FD1C3A}</a:tableStyleId>
+              </a:tblPr>
+              <a:tblGrid>
+                <a:gridCol w="638803">
+                  <a:extLst>
+                    <a:ext uri="{9D8B030D-6E8A-4147-A177-3AD203B41FA5}">
+                      <a16:colId xmlns:a16="http://schemas.microsoft.com/office/drawing/2014/main" val="161864414"/>
+                    </a:ext>
+                  </a:extLst>
+                </a:gridCol>
+                <a:gridCol w="638803">
+                  <a:extLst>
+                    <a:ext uri="{9D8B030D-6E8A-4147-A177-3AD203B41FA5}">
+                      <a16:colId xmlns:a16="http://schemas.microsoft.com/office/drawing/2014/main" val="1564010514"/>
+                    </a:ext>
+                  </a:extLst>
+                </a:gridCol>
+                <a:gridCol w="638803">
+                  <a:extLst>
+                    <a:ext uri="{9D8B030D-6E8A-4147-A177-3AD203B41FA5}">
+                      <a16:colId xmlns:a16="http://schemas.microsoft.com/office/drawing/2014/main" val="1697722932"/>
+                    </a:ext>
+                  </a:extLst>
+                </a:gridCol>
+                <a:gridCol w="638803">
+                  <a:extLst>
+                    <a:ext uri="{9D8B030D-6E8A-4147-A177-3AD203B41FA5}">
+                      <a16:colId xmlns:a16="http://schemas.microsoft.com/office/drawing/2014/main" val="2034512798"/>
+                    </a:ext>
+                  </a:extLst>
+                </a:gridCol>
+                <a:gridCol w="638803">
+                  <a:extLst>
+                    <a:ext uri="{9D8B030D-6E8A-4147-A177-3AD203B41FA5}">
+                      <a16:colId xmlns:a16="http://schemas.microsoft.com/office/drawing/2014/main" val="38723595"/>
+                    </a:ext>
+                  </a:extLst>
+                </a:gridCol>
+                <a:gridCol w="638803">
+                  <a:extLst>
+                    <a:ext uri="{9D8B030D-6E8A-4147-A177-3AD203B41FA5}">
+                      <a16:colId xmlns:a16="http://schemas.microsoft.com/office/drawing/2014/main" val="3609796615"/>
+                    </a:ext>
+                  </a:extLst>
+                </a:gridCol>
+              </a:tblGrid>
+              <a:tr h="370840">
+                <a:tc>
+                  <a:txBody>
+                    <a:bodyPr/>
+                    <a:lstStyle/>
+                    <a:p>
+                      <a:pPr algn="ctr" latinLnBrk="1"/>
+                      <a:r>
+                        <a:rPr lang="en-US" altLang="ko-KR" b="0" dirty="0">
+                          <a:latin typeface="나눔스퀘어 Light" panose="020B0600000101010101" pitchFamily="50" charset="-127"/>
+                          <a:ea typeface="나눔스퀘어 Light" panose="020B0600000101010101" pitchFamily="50" charset="-127"/>
+                        </a:rPr>
+                        <a:t>1</a:t>
+                      </a:r>
+                      <a:endParaRPr lang="ko-KR" altLang="en-US" b="0" dirty="0">
+                        <a:solidFill>
+                          <a:schemeClr val="tx1"/>
+                        </a:solidFill>
+                        <a:latin typeface="나눔스퀘어 Bold" panose="020B0600000101010101" pitchFamily="50" charset="-127"/>
+                        <a:ea typeface="나눔스퀘어 Bold" panose="020B0600000101010101" pitchFamily="50" charset="-127"/>
+                      </a:endParaRPr>
+                    </a:p>
+                  </a:txBody>
+                  <a:tcPr/>
+                </a:tc>
+                <a:tc>
+                  <a:txBody>
+                    <a:bodyPr/>
+                    <a:lstStyle/>
+                    <a:p>
+                      <a:pPr algn="ctr" latinLnBrk="1"/>
+                      <a:r>
+                        <a:rPr lang="en-US" altLang="ko-KR" b="0" dirty="0">
+                          <a:latin typeface="나눔스퀘어 Light" panose="020B0600000101010101" pitchFamily="50" charset="-127"/>
+                          <a:ea typeface="나눔스퀘어 Light" panose="020B0600000101010101" pitchFamily="50" charset="-127"/>
+                        </a:rPr>
+                        <a:t>2</a:t>
+                      </a:r>
+                      <a:endParaRPr lang="ko-KR" altLang="en-US" b="0" dirty="0">
+                        <a:solidFill>
+                          <a:schemeClr val="tx1"/>
+                        </a:solidFill>
+                        <a:latin typeface="나눔스퀘어 Bold" panose="020B0600000101010101" pitchFamily="50" charset="-127"/>
+                        <a:ea typeface="나눔스퀘어 Bold" panose="020B0600000101010101" pitchFamily="50" charset="-127"/>
+                      </a:endParaRPr>
+                    </a:p>
+                  </a:txBody>
+                  <a:tcPr/>
+                </a:tc>
+                <a:tc>
+                  <a:txBody>
+                    <a:bodyPr/>
+                    <a:lstStyle/>
+                    <a:p>
+                      <a:pPr algn="ctr" latinLnBrk="1"/>
+                      <a:r>
+                        <a:rPr lang="en-US" altLang="ko-KR" b="0" dirty="0">
+                          <a:latin typeface="나눔스퀘어 Light" panose="020B0600000101010101" pitchFamily="50" charset="-127"/>
+                          <a:ea typeface="나눔스퀘어 Light" panose="020B0600000101010101" pitchFamily="50" charset="-127"/>
+                        </a:rPr>
+                        <a:t>1</a:t>
+                      </a:r>
+                      <a:endParaRPr lang="ko-KR" altLang="en-US" b="0" dirty="0">
+                        <a:solidFill>
+                          <a:schemeClr val="tx1"/>
+                        </a:solidFill>
+                        <a:latin typeface="나눔스퀘어 Bold" panose="020B0600000101010101" pitchFamily="50" charset="-127"/>
+                        <a:ea typeface="나눔스퀘어 Bold" panose="020B0600000101010101" pitchFamily="50" charset="-127"/>
+                      </a:endParaRPr>
+                    </a:p>
+                  </a:txBody>
+                  <a:tcPr/>
+                </a:tc>
+                <a:tc>
+                  <a:txBody>
+                    <a:bodyPr/>
+                    <a:lstStyle/>
+                    <a:p>
+                      <a:pPr marL="0" marR="0" lvl="0" indent="0" algn="ctr" defTabSz="914400" rtl="0" eaLnBrk="1" fontAlgn="auto" latinLnBrk="1" hangingPunct="1">
+                        <a:lnSpc>
+                          <a:spcPct val="100000"/>
+                        </a:lnSpc>
+                        <a:spcBef>
+                          <a:spcPts val="0"/>
+                        </a:spcBef>
+                        <a:spcAft>
+                          <a:spcPts val="0"/>
+                        </a:spcAft>
+                        <a:buClrTx/>
+                        <a:buSzTx/>
+                        <a:buFontTx/>
+                        <a:buNone/>
+                        <a:tabLst/>
+                        <a:defRPr/>
+                      </a:pPr>
+                      <a:r>
+                        <a:rPr lang="en-US" altLang="ko-KR" b="0" dirty="0">
+                          <a:latin typeface="나눔스퀘어 Light" panose="020B0600000101010101" pitchFamily="50" charset="-127"/>
+                          <a:ea typeface="나눔스퀘어 Light" panose="020B0600000101010101" pitchFamily="50" charset="-127"/>
+                        </a:rPr>
+                        <a:t>3</a:t>
+                      </a:r>
+                      <a:endParaRPr lang="ko-KR" altLang="en-US" b="0" dirty="0">
+                        <a:solidFill>
+                          <a:schemeClr val="tx1"/>
+                        </a:solidFill>
+                        <a:latin typeface="나눔스퀘어 Bold" panose="020B0600000101010101" pitchFamily="50" charset="-127"/>
+                        <a:ea typeface="나눔스퀘어 Bold" panose="020B0600000101010101" pitchFamily="50" charset="-127"/>
+                      </a:endParaRPr>
+                    </a:p>
+                  </a:txBody>
+                  <a:tcPr/>
+                </a:tc>
+                <a:tc>
+                  <a:txBody>
+                    <a:bodyPr/>
+                    <a:lstStyle/>
+                    <a:p>
+                      <a:pPr marL="0" marR="0" lvl="0" indent="0" algn="ctr" defTabSz="914400" rtl="0" eaLnBrk="1" fontAlgn="auto" latinLnBrk="1" hangingPunct="1">
+                        <a:lnSpc>
+                          <a:spcPct val="100000"/>
+                        </a:lnSpc>
+                        <a:spcBef>
+                          <a:spcPts val="0"/>
+                        </a:spcBef>
+                        <a:spcAft>
+                          <a:spcPts val="0"/>
+                        </a:spcAft>
+                        <a:buClrTx/>
+                        <a:buSzTx/>
+                        <a:buFontTx/>
+                        <a:buNone/>
+                        <a:tabLst/>
+                        <a:defRPr/>
+                      </a:pPr>
+                      <a:r>
+                        <a:rPr lang="en-US" altLang="ko-KR" b="0" dirty="0">
+                          <a:latin typeface="나눔스퀘어 Light" panose="020B0600000101010101" pitchFamily="50" charset="-127"/>
+                          <a:ea typeface="나눔스퀘어 Light" panose="020B0600000101010101" pitchFamily="50" charset="-127"/>
+                        </a:rPr>
+                        <a:t>2</a:t>
+                      </a:r>
+                      <a:endParaRPr lang="ko-KR" altLang="en-US" b="0" dirty="0">
+                        <a:solidFill>
+                          <a:schemeClr val="tx1"/>
+                        </a:solidFill>
+                        <a:latin typeface="나눔스퀘어 Bold" panose="020B0600000101010101" pitchFamily="50" charset="-127"/>
+                        <a:ea typeface="나눔스퀘어 Bold" panose="020B0600000101010101" pitchFamily="50" charset="-127"/>
+                      </a:endParaRPr>
+                    </a:p>
+                  </a:txBody>
+                  <a:tcPr/>
+                </a:tc>
+                <a:tc>
+                  <a:txBody>
+                    <a:bodyPr/>
+                    <a:lstStyle/>
+                    <a:p>
+                      <a:pPr marL="0" marR="0" lvl="0" indent="0" algn="ctr" defTabSz="914400" rtl="0" eaLnBrk="1" fontAlgn="auto" latinLnBrk="1" hangingPunct="1">
+                        <a:lnSpc>
+                          <a:spcPct val="100000"/>
+                        </a:lnSpc>
+                        <a:spcBef>
+                          <a:spcPts val="0"/>
+                        </a:spcBef>
+                        <a:spcAft>
+                          <a:spcPts val="0"/>
+                        </a:spcAft>
+                        <a:buClrTx/>
+                        <a:buSzTx/>
+                        <a:buFontTx/>
+                        <a:buNone/>
+                        <a:tabLst/>
+                        <a:defRPr/>
+                      </a:pPr>
+                      <a:r>
+                        <a:rPr lang="en-US" altLang="ko-KR" b="0" dirty="0">
+                          <a:solidFill>
+                            <a:schemeClr val="tx1"/>
+                          </a:solidFill>
+                          <a:latin typeface="나눔스퀘어 Bold" panose="020B0600000101010101" pitchFamily="50" charset="-127"/>
+                          <a:ea typeface="나눔스퀘어 Bold" panose="020B0600000101010101" pitchFamily="50" charset="-127"/>
+                        </a:rPr>
+                        <a:t>4</a:t>
+                      </a:r>
+                      <a:endParaRPr lang="ko-KR" altLang="en-US" b="0" dirty="0">
+                        <a:solidFill>
+                          <a:schemeClr val="tx1"/>
+                        </a:solidFill>
+                        <a:latin typeface="나눔스퀘어 Bold" panose="020B0600000101010101" pitchFamily="50" charset="-127"/>
+                        <a:ea typeface="나눔스퀘어 Bold" panose="020B0600000101010101" pitchFamily="50" charset="-127"/>
+                      </a:endParaRPr>
+                    </a:p>
+                  </a:txBody>
+                  <a:tcPr/>
+                </a:tc>
+                <a:extLst>
+                  <a:ext uri="{0D108BD9-81ED-4DB2-BD59-A6C34878D82A}">
+                    <a16:rowId xmlns:a16="http://schemas.microsoft.com/office/drawing/2014/main" val="2178751425"/>
+                  </a:ext>
+                </a:extLst>
+              </a:tr>
+            </a:tbl>
+          </a:graphicData>
+        </a:graphic>
+      </p:graphicFrame>
+      <p:sp>
+        <p:nvSpPr>
+          <p:cNvPr id="31" name="TextBox 30">
+            <a:extLst>
+              <a:ext uri="{FF2B5EF4-FFF2-40B4-BE49-F238E27FC236}">
+                <a16:creationId xmlns:a16="http://schemas.microsoft.com/office/drawing/2014/main" id="{6564ECCD-23F7-38A2-CB97-60D06219E6BD}"/>
+              </a:ext>
+            </a:extLst>
+          </p:cNvPr>
+          <p:cNvSpPr txBox="1"/>
+          <p:nvPr/>
+        </p:nvSpPr>
+        <p:spPr>
+          <a:xfrm>
+            <a:off x="6096000" y="1731876"/>
+            <a:ext cx="767646" cy="369332"/>
+          </a:xfrm>
+          <a:prstGeom prst="rect">
+            <a:avLst/>
+          </a:prstGeom>
+          <a:noFill/>
+        </p:spPr>
+        <p:txBody>
+          <a:bodyPr wrap="square" rtlCol="0">
+            <a:spAutoFit/>
+          </a:bodyPr>
+          <a:lstStyle/>
+          <a:p>
+            <a:pPr algn="ctr"/>
+            <a:r>
+              <a:rPr lang="en-US" altLang="ko-KR" dirty="0" err="1">
+                <a:latin typeface="나눔스퀘어 Light" panose="020B0600000101010101" pitchFamily="50" charset="-127"/>
+                <a:ea typeface="나눔스퀘어 Light" panose="020B0600000101010101" pitchFamily="50" charset="-127"/>
+              </a:rPr>
+              <a:t>dp</a:t>
+            </a:r>
+            <a:r>
+              <a:rPr lang="en-US" altLang="ko-KR" dirty="0">
+                <a:latin typeface="나눔스퀘어 Light" panose="020B0600000101010101" pitchFamily="50" charset="-127"/>
+                <a:ea typeface="나눔스퀘어 Light" panose="020B0600000101010101" pitchFamily="50" charset="-127"/>
+              </a:rPr>
+              <a:t>[]</a:t>
+            </a:r>
+            <a:endParaRPr lang="ko-KR" altLang="en-US" dirty="0">
+              <a:latin typeface="나눔스퀘어 Light" panose="020B0600000101010101" pitchFamily="50" charset="-127"/>
+              <a:ea typeface="나눔스퀘어 Light" panose="020B0600000101010101" pitchFamily="50" charset="-127"/>
+            </a:endParaRPr>
+          </a:p>
+        </p:txBody>
+      </p:sp>
+      <p:sp>
+        <p:nvSpPr>
+          <p:cNvPr id="33" name="TextBox 32">
+            <a:extLst>
+              <a:ext uri="{FF2B5EF4-FFF2-40B4-BE49-F238E27FC236}">
+                <a16:creationId xmlns:a16="http://schemas.microsoft.com/office/drawing/2014/main" id="{B449614F-81F8-441F-C2CB-664E6871777C}"/>
+              </a:ext>
+            </a:extLst>
+          </p:cNvPr>
+          <p:cNvSpPr txBox="1"/>
+          <p:nvPr/>
+        </p:nvSpPr>
+        <p:spPr>
+          <a:xfrm>
+            <a:off x="6096000" y="3128474"/>
+            <a:ext cx="4989922" cy="369332"/>
+          </a:xfrm>
+          <a:prstGeom prst="rect">
+            <a:avLst/>
+          </a:prstGeom>
+          <a:noFill/>
+        </p:spPr>
+        <p:txBody>
+          <a:bodyPr wrap="square" rtlCol="0">
+            <a:spAutoFit/>
+          </a:bodyPr>
+          <a:lstStyle/>
+          <a:p>
+            <a:r>
+              <a:rPr lang="en-US" altLang="ko-KR" dirty="0" err="1">
+                <a:latin typeface="나눔스퀘어 Light" panose="020B0600000101010101" pitchFamily="50" charset="-127"/>
+                <a:ea typeface="나눔스퀘어 Light" panose="020B0600000101010101" pitchFamily="50" charset="-127"/>
+              </a:rPr>
+              <a:t>dp</a:t>
+            </a:r>
+            <a:r>
+              <a:rPr lang="en-US" altLang="ko-KR" dirty="0">
+                <a:latin typeface="나눔스퀘어 Light" panose="020B0600000101010101" pitchFamily="50" charset="-127"/>
+                <a:ea typeface="나눔스퀘어 Light" panose="020B0600000101010101" pitchFamily="50" charset="-127"/>
+              </a:rPr>
+              <a:t>[5] LIS : {…, 30, 50}</a:t>
+            </a:r>
+            <a:endParaRPr lang="ko-KR" altLang="en-US" dirty="0">
+              <a:latin typeface="나눔스퀘어 Light" panose="020B0600000101010101" pitchFamily="50" charset="-127"/>
+              <a:ea typeface="나눔스퀘어 Light" panose="020B0600000101010101" pitchFamily="50" charset="-127"/>
+            </a:endParaRPr>
+          </a:p>
+        </p:txBody>
+      </p:sp>
+      <p:sp>
+        <p:nvSpPr>
+          <p:cNvPr id="35" name="TextBox 34">
+            <a:extLst>
+              <a:ext uri="{FF2B5EF4-FFF2-40B4-BE49-F238E27FC236}">
+                <a16:creationId xmlns:a16="http://schemas.microsoft.com/office/drawing/2014/main" id="{79DF4A41-72B7-3CBA-0C58-6D3594436747}"/>
+              </a:ext>
+            </a:extLst>
+          </p:cNvPr>
+          <p:cNvSpPr txBox="1"/>
+          <p:nvPr/>
+        </p:nvSpPr>
+        <p:spPr>
+          <a:xfrm>
+            <a:off x="942387" y="2550995"/>
+            <a:ext cx="631889" cy="369332"/>
+          </a:xfrm>
+          <a:prstGeom prst="rect">
+            <a:avLst/>
+          </a:prstGeom>
+          <a:noFill/>
+        </p:spPr>
+        <p:txBody>
+          <a:bodyPr wrap="square" rtlCol="0">
+            <a:spAutoFit/>
+          </a:bodyPr>
+          <a:lstStyle/>
+          <a:p>
+            <a:pPr algn="ctr"/>
+            <a:r>
+              <a:rPr lang="en-US" altLang="ko-KR" dirty="0">
+                <a:latin typeface="나눔스퀘어 Bold" panose="020B0600000101010101" pitchFamily="50" charset="-127"/>
+                <a:ea typeface="나눔스퀘어 Bold" panose="020B0600000101010101" pitchFamily="50" charset="-127"/>
+              </a:rPr>
+              <a:t>&lt;</a:t>
+            </a:r>
+            <a:endParaRPr lang="ko-KR" altLang="en-US" dirty="0">
+              <a:latin typeface="나눔스퀘어 Bold" panose="020B0600000101010101" pitchFamily="50" charset="-127"/>
+              <a:ea typeface="나눔스퀘어 Bold" panose="020B0600000101010101" pitchFamily="50" charset="-127"/>
+            </a:endParaRPr>
+          </a:p>
+        </p:txBody>
+      </p:sp>
+      <p:sp>
+        <p:nvSpPr>
+          <p:cNvPr id="39" name="TextBox 38">
+            <a:extLst>
+              <a:ext uri="{FF2B5EF4-FFF2-40B4-BE49-F238E27FC236}">
+                <a16:creationId xmlns:a16="http://schemas.microsoft.com/office/drawing/2014/main" id="{239DAA06-05F2-0334-458D-55CAA4464BC9}"/>
+              </a:ext>
+            </a:extLst>
+          </p:cNvPr>
+          <p:cNvSpPr txBox="1"/>
+          <p:nvPr/>
+        </p:nvSpPr>
+        <p:spPr>
+          <a:xfrm>
+            <a:off x="2209486" y="2550995"/>
+            <a:ext cx="631889" cy="369332"/>
+          </a:xfrm>
+          <a:prstGeom prst="rect">
+            <a:avLst/>
+          </a:prstGeom>
+          <a:noFill/>
+        </p:spPr>
+        <p:txBody>
+          <a:bodyPr wrap="square" rtlCol="0">
+            <a:spAutoFit/>
+          </a:bodyPr>
+          <a:lstStyle/>
+          <a:p>
+            <a:pPr algn="ctr"/>
+            <a:r>
+              <a:rPr lang="en-US" altLang="ko-KR" dirty="0">
+                <a:latin typeface="나눔스퀘어 Bold" panose="020B0600000101010101" pitchFamily="50" charset="-127"/>
+                <a:ea typeface="나눔스퀘어 Bold" panose="020B0600000101010101" pitchFamily="50" charset="-127"/>
+              </a:rPr>
+              <a:t>&lt;</a:t>
+            </a:r>
+            <a:endParaRPr lang="ko-KR" altLang="en-US" dirty="0">
+              <a:latin typeface="나눔스퀘어 Bold" panose="020B0600000101010101" pitchFamily="50" charset="-127"/>
+              <a:ea typeface="나눔스퀘어 Bold" panose="020B0600000101010101" pitchFamily="50" charset="-127"/>
+            </a:endParaRPr>
+          </a:p>
+        </p:txBody>
+      </p:sp>
+      <p:sp>
+        <p:nvSpPr>
+          <p:cNvPr id="41" name="원형: 비어 있음 40">
+            <a:extLst>
+              <a:ext uri="{FF2B5EF4-FFF2-40B4-BE49-F238E27FC236}">
+                <a16:creationId xmlns:a16="http://schemas.microsoft.com/office/drawing/2014/main" id="{A4D34608-5183-BA73-A8DA-65751B594136}"/>
+              </a:ext>
+            </a:extLst>
+          </p:cNvPr>
+          <p:cNvSpPr/>
+          <p:nvPr/>
+        </p:nvSpPr>
+        <p:spPr>
+          <a:xfrm>
+            <a:off x="6268825" y="2621527"/>
+            <a:ext cx="298800" cy="299104"/>
+          </a:xfrm>
+          <a:prstGeom prst="donut">
+            <a:avLst/>
+          </a:prstGeom>
+          <a:solidFill>
+            <a:srgbClr val="FF0000"/>
+          </a:solidFill>
+          <a:ln>
+            <a:noFill/>
+          </a:ln>
+        </p:spPr>
+        <p:style>
+          <a:lnRef idx="2">
+            <a:schemeClr val="accent1">
+              <a:shade val="50000"/>
+            </a:schemeClr>
+          </a:lnRef>
+          <a:fillRef idx="1">
+            <a:schemeClr val="accent1"/>
+          </a:fillRef>
+          <a:effectRef idx="0">
+            <a:schemeClr val="accent1"/>
+          </a:effectRef>
+          <a:fontRef idx="minor">
+            <a:schemeClr val="lt1"/>
+          </a:fontRef>
+        </p:style>
+        <p:txBody>
+          <a:bodyPr rtlCol="0" anchor="ctr"/>
+          <a:lstStyle/>
+          <a:p>
+            <a:pPr algn="ctr"/>
+            <a:endParaRPr lang="ko-KR" altLang="en-US">
+              <a:solidFill>
+                <a:schemeClr val="tx1"/>
+              </a:solidFill>
+            </a:endParaRPr>
+          </a:p>
+        </p:txBody>
+      </p:sp>
+      <p:sp>
+        <p:nvSpPr>
+          <p:cNvPr id="43" name="원형: 비어 있음 42">
+            <a:extLst>
+              <a:ext uri="{FF2B5EF4-FFF2-40B4-BE49-F238E27FC236}">
+                <a16:creationId xmlns:a16="http://schemas.microsoft.com/office/drawing/2014/main" id="{19F08D33-045E-CA61-4E8E-8A2A8F9C94B6}"/>
+              </a:ext>
+            </a:extLst>
+          </p:cNvPr>
+          <p:cNvSpPr/>
+          <p:nvPr/>
+        </p:nvSpPr>
+        <p:spPr>
+          <a:xfrm>
+            <a:off x="7535924" y="2621527"/>
+            <a:ext cx="298800" cy="299104"/>
+          </a:xfrm>
+          <a:prstGeom prst="donut">
+            <a:avLst/>
+          </a:prstGeom>
+          <a:solidFill>
+            <a:srgbClr val="FF0000"/>
+          </a:solidFill>
+          <a:ln>
+            <a:noFill/>
+          </a:ln>
+        </p:spPr>
+        <p:style>
+          <a:lnRef idx="2">
+            <a:schemeClr val="accent1">
+              <a:shade val="50000"/>
+            </a:schemeClr>
+          </a:lnRef>
+          <a:fillRef idx="1">
+            <a:schemeClr val="accent1"/>
+          </a:fillRef>
+          <a:effectRef idx="0">
+            <a:schemeClr val="accent1"/>
+          </a:effectRef>
+          <a:fontRef idx="minor">
+            <a:schemeClr val="lt1"/>
+          </a:fontRef>
+        </p:style>
+        <p:txBody>
+          <a:bodyPr rtlCol="0" anchor="ctr"/>
+          <a:lstStyle/>
+          <a:p>
+            <a:pPr algn="ctr"/>
+            <a:endParaRPr lang="ko-KR" altLang="en-US">
+              <a:solidFill>
+                <a:schemeClr val="tx1"/>
+              </a:solidFill>
+            </a:endParaRPr>
+          </a:p>
+        </p:txBody>
+      </p:sp>
+      <p:sp>
+        <p:nvSpPr>
+          <p:cNvPr id="52" name="TextBox 51">
+            <a:extLst>
+              <a:ext uri="{FF2B5EF4-FFF2-40B4-BE49-F238E27FC236}">
+                <a16:creationId xmlns:a16="http://schemas.microsoft.com/office/drawing/2014/main" id="{F54ECCF4-B8A6-F8ED-8E67-FDEE9861EC62}"/>
+              </a:ext>
+            </a:extLst>
+          </p:cNvPr>
+          <p:cNvSpPr txBox="1"/>
+          <p:nvPr/>
+        </p:nvSpPr>
+        <p:spPr>
+          <a:xfrm>
+            <a:off x="1574276" y="2550995"/>
+            <a:ext cx="631889" cy="369332"/>
+          </a:xfrm>
+          <a:prstGeom prst="rect">
+            <a:avLst/>
+          </a:prstGeom>
+          <a:noFill/>
+        </p:spPr>
+        <p:txBody>
+          <a:bodyPr wrap="square" rtlCol="0">
+            <a:spAutoFit/>
+          </a:bodyPr>
+          <a:lstStyle/>
+          <a:p>
+            <a:pPr algn="ctr"/>
+            <a:r>
+              <a:rPr lang="en-US" altLang="ko-KR" dirty="0">
+                <a:latin typeface="나눔스퀘어 Bold" panose="020B0600000101010101" pitchFamily="50" charset="-127"/>
+                <a:ea typeface="나눔스퀘어 Bold" panose="020B0600000101010101" pitchFamily="50" charset="-127"/>
+              </a:rPr>
+              <a:t>&lt;</a:t>
+            </a:r>
+            <a:endParaRPr lang="ko-KR" altLang="en-US" dirty="0">
+              <a:latin typeface="나눔스퀘어 Bold" panose="020B0600000101010101" pitchFamily="50" charset="-127"/>
+              <a:ea typeface="나눔스퀘어 Bold" panose="020B0600000101010101" pitchFamily="50" charset="-127"/>
+            </a:endParaRPr>
+          </a:p>
+        </p:txBody>
+      </p:sp>
+      <p:sp>
+        <p:nvSpPr>
+          <p:cNvPr id="53" name="TextBox 52">
+            <a:extLst>
+              <a:ext uri="{FF2B5EF4-FFF2-40B4-BE49-F238E27FC236}">
+                <a16:creationId xmlns:a16="http://schemas.microsoft.com/office/drawing/2014/main" id="{1D4D1798-2283-C215-0C0F-28927D87941F}"/>
+              </a:ext>
+            </a:extLst>
+          </p:cNvPr>
+          <p:cNvSpPr txBox="1"/>
+          <p:nvPr/>
+        </p:nvSpPr>
+        <p:spPr>
+          <a:xfrm>
+            <a:off x="2841375" y="2550995"/>
+            <a:ext cx="631889" cy="369332"/>
+          </a:xfrm>
+          <a:prstGeom prst="rect">
+            <a:avLst/>
+          </a:prstGeom>
+          <a:noFill/>
+        </p:spPr>
+        <p:txBody>
+          <a:bodyPr wrap="square" rtlCol="0">
+            <a:spAutoFit/>
+          </a:bodyPr>
+          <a:lstStyle/>
+          <a:p>
+            <a:pPr algn="ctr"/>
+            <a:r>
+              <a:rPr lang="en-US" altLang="ko-KR" dirty="0">
+                <a:latin typeface="나눔스퀘어 Bold" panose="020B0600000101010101" pitchFamily="50" charset="-127"/>
+                <a:ea typeface="나눔스퀘어 Bold" panose="020B0600000101010101" pitchFamily="50" charset="-127"/>
+              </a:rPr>
+              <a:t>&lt;</a:t>
+            </a:r>
+            <a:endParaRPr lang="ko-KR" altLang="en-US" dirty="0">
+              <a:latin typeface="나눔스퀘어 Bold" panose="020B0600000101010101" pitchFamily="50" charset="-127"/>
+              <a:ea typeface="나눔스퀘어 Bold" panose="020B0600000101010101" pitchFamily="50" charset="-127"/>
+            </a:endParaRPr>
+          </a:p>
+        </p:txBody>
+      </p:sp>
+      <p:sp>
+        <p:nvSpPr>
+          <p:cNvPr id="54" name="TextBox 53">
+            <a:extLst>
+              <a:ext uri="{FF2B5EF4-FFF2-40B4-BE49-F238E27FC236}">
+                <a16:creationId xmlns:a16="http://schemas.microsoft.com/office/drawing/2014/main" id="{37D6226C-FABD-9484-1343-F767D610787F}"/>
+              </a:ext>
+            </a:extLst>
+          </p:cNvPr>
+          <p:cNvSpPr txBox="1"/>
+          <p:nvPr/>
+        </p:nvSpPr>
+        <p:spPr>
+          <a:xfrm>
+            <a:off x="3483662" y="2550995"/>
+            <a:ext cx="631889" cy="369332"/>
+          </a:xfrm>
+          <a:prstGeom prst="rect">
+            <a:avLst/>
+          </a:prstGeom>
+          <a:noFill/>
+        </p:spPr>
+        <p:txBody>
+          <a:bodyPr wrap="square" rtlCol="0">
+            <a:spAutoFit/>
+          </a:bodyPr>
+          <a:lstStyle/>
+          <a:p>
+            <a:pPr algn="ctr"/>
+            <a:r>
+              <a:rPr lang="en-US" altLang="ko-KR" dirty="0">
+                <a:latin typeface="나눔스퀘어 Bold" panose="020B0600000101010101" pitchFamily="50" charset="-127"/>
+                <a:ea typeface="나눔스퀘어 Bold" panose="020B0600000101010101" pitchFamily="50" charset="-127"/>
+              </a:rPr>
+              <a:t>&lt;</a:t>
+            </a:r>
+            <a:endParaRPr lang="ko-KR" altLang="en-US" dirty="0">
+              <a:latin typeface="나눔스퀘어 Bold" panose="020B0600000101010101" pitchFamily="50" charset="-127"/>
+              <a:ea typeface="나눔스퀘어 Bold" panose="020B0600000101010101" pitchFamily="50" charset="-127"/>
+            </a:endParaRPr>
+          </a:p>
+        </p:txBody>
+      </p:sp>
+      <p:sp>
+        <p:nvSpPr>
+          <p:cNvPr id="55" name="원형: 비어 있음 54">
+            <a:extLst>
+              <a:ext uri="{FF2B5EF4-FFF2-40B4-BE49-F238E27FC236}">
+                <a16:creationId xmlns:a16="http://schemas.microsoft.com/office/drawing/2014/main" id="{73EE4F38-EE6E-C8B3-6AFA-11A5CB3FA8FC}"/>
+              </a:ext>
+            </a:extLst>
+          </p:cNvPr>
+          <p:cNvSpPr/>
+          <p:nvPr/>
+        </p:nvSpPr>
+        <p:spPr>
+          <a:xfrm>
+            <a:off x="6911112" y="2621527"/>
+            <a:ext cx="298800" cy="299104"/>
+          </a:xfrm>
+          <a:prstGeom prst="donut">
+            <a:avLst/>
+          </a:prstGeom>
+          <a:solidFill>
+            <a:srgbClr val="FF0000"/>
+          </a:solidFill>
+          <a:ln>
+            <a:noFill/>
+          </a:ln>
+        </p:spPr>
+        <p:style>
+          <a:lnRef idx="2">
+            <a:schemeClr val="accent1">
+              <a:shade val="50000"/>
+            </a:schemeClr>
+          </a:lnRef>
+          <a:fillRef idx="1">
+            <a:schemeClr val="accent1"/>
+          </a:fillRef>
+          <a:effectRef idx="0">
+            <a:schemeClr val="accent1"/>
+          </a:effectRef>
+          <a:fontRef idx="minor">
+            <a:schemeClr val="lt1"/>
+          </a:fontRef>
+        </p:style>
+        <p:txBody>
+          <a:bodyPr rtlCol="0" anchor="ctr"/>
+          <a:lstStyle/>
+          <a:p>
+            <a:pPr algn="ctr"/>
+            <a:endParaRPr lang="ko-KR" altLang="en-US">
+              <a:solidFill>
+                <a:schemeClr val="tx1"/>
+              </a:solidFill>
+            </a:endParaRPr>
+          </a:p>
+        </p:txBody>
+      </p:sp>
+      <p:sp>
+        <p:nvSpPr>
+          <p:cNvPr id="56" name="원형: 비어 있음 55">
+            <a:extLst>
+              <a:ext uri="{FF2B5EF4-FFF2-40B4-BE49-F238E27FC236}">
+                <a16:creationId xmlns:a16="http://schemas.microsoft.com/office/drawing/2014/main" id="{8967E67C-1C98-CBE9-81FB-2B455FA82413}"/>
+              </a:ext>
+            </a:extLst>
+          </p:cNvPr>
+          <p:cNvSpPr/>
+          <p:nvPr/>
+        </p:nvSpPr>
+        <p:spPr>
+          <a:xfrm>
+            <a:off x="8178211" y="2621527"/>
+            <a:ext cx="298800" cy="299104"/>
+          </a:xfrm>
+          <a:prstGeom prst="donut">
+            <a:avLst/>
+          </a:prstGeom>
+          <a:solidFill>
+            <a:srgbClr val="FF0000"/>
+          </a:solidFill>
+          <a:ln>
+            <a:noFill/>
+          </a:ln>
+        </p:spPr>
+        <p:style>
+          <a:lnRef idx="2">
+            <a:schemeClr val="accent1">
+              <a:shade val="50000"/>
+            </a:schemeClr>
+          </a:lnRef>
+          <a:fillRef idx="1">
+            <a:schemeClr val="accent1"/>
+          </a:fillRef>
+          <a:effectRef idx="0">
+            <a:schemeClr val="accent1"/>
+          </a:effectRef>
+          <a:fontRef idx="minor">
+            <a:schemeClr val="lt1"/>
+          </a:fontRef>
+        </p:style>
+        <p:txBody>
+          <a:bodyPr rtlCol="0" anchor="ctr"/>
+          <a:lstStyle/>
+          <a:p>
+            <a:pPr algn="ctr"/>
+            <a:endParaRPr lang="ko-KR" altLang="en-US">
+              <a:solidFill>
+                <a:schemeClr val="tx1"/>
+              </a:solidFill>
+            </a:endParaRPr>
+          </a:p>
+        </p:txBody>
+      </p:sp>
+      <p:sp>
+        <p:nvSpPr>
+          <p:cNvPr id="57" name="원형: 비어 있음 56">
+            <a:extLst>
+              <a:ext uri="{FF2B5EF4-FFF2-40B4-BE49-F238E27FC236}">
+                <a16:creationId xmlns:a16="http://schemas.microsoft.com/office/drawing/2014/main" id="{788CF47B-F5BF-4F39-732D-6801B7B6170E}"/>
+              </a:ext>
+            </a:extLst>
+          </p:cNvPr>
+          <p:cNvSpPr/>
+          <p:nvPr/>
+        </p:nvSpPr>
+        <p:spPr>
+          <a:xfrm>
+            <a:off x="8810100" y="2621527"/>
+            <a:ext cx="298800" cy="299104"/>
+          </a:xfrm>
+          <a:prstGeom prst="donut">
+            <a:avLst/>
+          </a:prstGeom>
+          <a:solidFill>
+            <a:srgbClr val="FF0000"/>
+          </a:solidFill>
+          <a:ln>
+            <a:noFill/>
+          </a:ln>
+        </p:spPr>
+        <p:style>
+          <a:lnRef idx="2">
+            <a:schemeClr val="accent1">
+              <a:shade val="50000"/>
+            </a:schemeClr>
+          </a:lnRef>
+          <a:fillRef idx="1">
+            <a:schemeClr val="accent1"/>
+          </a:fillRef>
+          <a:effectRef idx="0">
+            <a:schemeClr val="accent1"/>
+          </a:effectRef>
+          <a:fontRef idx="minor">
+            <a:schemeClr val="lt1"/>
+          </a:fontRef>
+        </p:style>
+        <p:txBody>
+          <a:bodyPr rtlCol="0" anchor="ctr"/>
+          <a:lstStyle/>
+          <a:p>
+            <a:pPr algn="ctr"/>
+            <a:endParaRPr lang="ko-KR" altLang="en-US">
+              <a:solidFill>
+                <a:schemeClr val="tx1"/>
+              </a:solidFill>
+            </a:endParaRPr>
+          </a:p>
+        </p:txBody>
+      </p:sp>
+      <p:sp>
+        <p:nvSpPr>
+          <p:cNvPr id="59" name="TextBox 58">
+            <a:extLst>
+              <a:ext uri="{FF2B5EF4-FFF2-40B4-BE49-F238E27FC236}">
+                <a16:creationId xmlns:a16="http://schemas.microsoft.com/office/drawing/2014/main" id="{754800F2-0EC0-05B5-189B-5AA8DF0CEB53}"/>
+              </a:ext>
+            </a:extLst>
+          </p:cNvPr>
+          <p:cNvSpPr txBox="1"/>
+          <p:nvPr/>
+        </p:nvSpPr>
+        <p:spPr>
+          <a:xfrm>
+            <a:off x="942387" y="4387461"/>
+            <a:ext cx="10313217" cy="369332"/>
+          </a:xfrm>
+          <a:prstGeom prst="rect">
+            <a:avLst/>
+          </a:prstGeom>
+          <a:noFill/>
+        </p:spPr>
+        <p:txBody>
+          <a:bodyPr wrap="square" rtlCol="0">
+            <a:spAutoFit/>
+          </a:bodyPr>
+          <a:lstStyle/>
+          <a:p>
+            <a:r>
+              <a:rPr lang="en-US" altLang="ko-KR" dirty="0" err="1">
+                <a:latin typeface="나눔스퀘어 Light" panose="020B0600000101010101" pitchFamily="50" charset="-127"/>
+                <a:ea typeface="나눔스퀘어 Light" panose="020B0600000101010101" pitchFamily="50" charset="-127"/>
+              </a:rPr>
+              <a:t>dp</a:t>
+            </a:r>
+            <a:r>
+              <a:rPr lang="en-US" altLang="ko-KR" dirty="0">
+                <a:latin typeface="나눔스퀘어 Light" panose="020B0600000101010101" pitchFamily="50" charset="-127"/>
+                <a:ea typeface="나눔스퀘어 Light" panose="020B0600000101010101" pitchFamily="50" charset="-127"/>
+              </a:rPr>
+              <a:t>[] </a:t>
+            </a:r>
+            <a:r>
+              <a:rPr lang="ko-KR" altLang="en-US" dirty="0">
+                <a:latin typeface="나눔스퀘어 Light" panose="020B0600000101010101" pitchFamily="50" charset="-127"/>
+                <a:ea typeface="나눔스퀘어 Light" panose="020B0600000101010101" pitchFamily="50" charset="-127"/>
+              </a:rPr>
+              <a:t>배열을 다 채웠다면</a:t>
+            </a:r>
+            <a:r>
+              <a:rPr lang="en-US" altLang="ko-KR" dirty="0">
+                <a:latin typeface="나눔스퀘어 Light" panose="020B0600000101010101" pitchFamily="50" charset="-127"/>
+                <a:ea typeface="나눔스퀘어 Light" panose="020B0600000101010101" pitchFamily="50" charset="-127"/>
+              </a:rPr>
+              <a:t>, </a:t>
+            </a:r>
+            <a:r>
+              <a:rPr lang="ko-KR" altLang="en-US" dirty="0">
+                <a:latin typeface="나눔스퀘어 Light" panose="020B0600000101010101" pitchFamily="50" charset="-127"/>
+                <a:ea typeface="나눔스퀘어 Light" panose="020B0600000101010101" pitchFamily="50" charset="-127"/>
+              </a:rPr>
+              <a:t>그 </a:t>
+            </a:r>
+            <a:r>
+              <a:rPr lang="ko-KR" altLang="en-US" dirty="0" err="1">
+                <a:latin typeface="나눔스퀘어 Light" panose="020B0600000101010101" pitchFamily="50" charset="-127"/>
+                <a:ea typeface="나눔스퀘어 Light" panose="020B0600000101010101" pitchFamily="50" charset="-127"/>
+              </a:rPr>
+              <a:t>안에있는</a:t>
+            </a:r>
+            <a:r>
+              <a:rPr lang="ko-KR" altLang="en-US" dirty="0">
+                <a:latin typeface="나눔스퀘어 Light" panose="020B0600000101010101" pitchFamily="50" charset="-127"/>
+                <a:ea typeface="나눔스퀘어 Light" panose="020B0600000101010101" pitchFamily="50" charset="-127"/>
+              </a:rPr>
+              <a:t> 최대값을 찾음으로써</a:t>
+            </a:r>
+            <a:r>
+              <a:rPr lang="en-US" altLang="ko-KR" dirty="0">
+                <a:latin typeface="나눔스퀘어 Light" panose="020B0600000101010101" pitchFamily="50" charset="-127"/>
+                <a:ea typeface="나눔스퀘어 Light" panose="020B0600000101010101" pitchFamily="50" charset="-127"/>
+              </a:rPr>
+              <a:t>, LIS</a:t>
+            </a:r>
+            <a:r>
+              <a:rPr lang="ko-KR" altLang="en-US" dirty="0">
+                <a:latin typeface="나눔스퀘어 Light" panose="020B0600000101010101" pitchFamily="50" charset="-127"/>
+                <a:ea typeface="나눔스퀘어 Light" panose="020B0600000101010101" pitchFamily="50" charset="-127"/>
+              </a:rPr>
+              <a:t>의 길이를 구할 수 있습니다</a:t>
+            </a:r>
+            <a:r>
+              <a:rPr lang="en-US" altLang="ko-KR" dirty="0">
+                <a:latin typeface="나눔스퀘어 Light" panose="020B0600000101010101" pitchFamily="50" charset="-127"/>
+                <a:ea typeface="나눔스퀘어 Light" panose="020B0600000101010101" pitchFamily="50" charset="-127"/>
+              </a:rPr>
+              <a:t>.</a:t>
+            </a:r>
+            <a:endParaRPr lang="ko-KR" altLang="en-US" dirty="0">
+              <a:latin typeface="나눔스퀘어 Light" panose="020B0600000101010101" pitchFamily="50" charset="-127"/>
+              <a:ea typeface="나눔스퀘어 Light" panose="020B0600000101010101" pitchFamily="50" charset="-127"/>
+            </a:endParaRPr>
+          </a:p>
+        </p:txBody>
+      </p:sp>
+      <p:graphicFrame>
+        <p:nvGraphicFramePr>
+          <p:cNvPr id="61" name="표 2">
+            <a:extLst>
+              <a:ext uri="{FF2B5EF4-FFF2-40B4-BE49-F238E27FC236}">
+                <a16:creationId xmlns:a16="http://schemas.microsoft.com/office/drawing/2014/main" id="{6D47354B-5DC6-CF14-BB3E-D9E994F88F25}"/>
+              </a:ext>
+            </a:extLst>
+          </p:cNvPr>
+          <p:cNvGraphicFramePr>
+            <a:graphicFrameLocks noGrp="1"/>
+          </p:cNvGraphicFramePr>
+          <p:nvPr>
+            <p:extLst>
+              <p:ext uri="{D42A27DB-BD31-4B8C-83A1-F6EECF244321}">
+                <p14:modId xmlns:p14="http://schemas.microsoft.com/office/powerpoint/2010/main" val="1197668497"/>
+              </p:ext>
+            </p:extLst>
+          </p:nvPr>
+        </p:nvGraphicFramePr>
+        <p:xfrm>
+          <a:off x="3861848" y="5572045"/>
+          <a:ext cx="3832818" cy="370840"/>
+        </p:xfrm>
+        <a:graphic>
+          <a:graphicData uri="http://schemas.openxmlformats.org/drawingml/2006/table">
+            <a:tbl>
+              <a:tblPr firstRow="1" bandRow="1">
+                <a:tableStyleId>{5C22544A-7EE6-4342-B048-85BDC9FD1C3A}</a:tableStyleId>
+              </a:tblPr>
+              <a:tblGrid>
+                <a:gridCol w="638803">
+                  <a:extLst>
+                    <a:ext uri="{9D8B030D-6E8A-4147-A177-3AD203B41FA5}">
+                      <a16:colId xmlns:a16="http://schemas.microsoft.com/office/drawing/2014/main" val="161864414"/>
+                    </a:ext>
+                  </a:extLst>
+                </a:gridCol>
+                <a:gridCol w="638803">
+                  <a:extLst>
+                    <a:ext uri="{9D8B030D-6E8A-4147-A177-3AD203B41FA5}">
+                      <a16:colId xmlns:a16="http://schemas.microsoft.com/office/drawing/2014/main" val="1564010514"/>
+                    </a:ext>
+                  </a:extLst>
+                </a:gridCol>
+                <a:gridCol w="638803">
+                  <a:extLst>
+                    <a:ext uri="{9D8B030D-6E8A-4147-A177-3AD203B41FA5}">
+                      <a16:colId xmlns:a16="http://schemas.microsoft.com/office/drawing/2014/main" val="1697722932"/>
+                    </a:ext>
+                  </a:extLst>
+                </a:gridCol>
+                <a:gridCol w="638803">
+                  <a:extLst>
+                    <a:ext uri="{9D8B030D-6E8A-4147-A177-3AD203B41FA5}">
+                      <a16:colId xmlns:a16="http://schemas.microsoft.com/office/drawing/2014/main" val="2034512798"/>
+                    </a:ext>
+                  </a:extLst>
+                </a:gridCol>
+                <a:gridCol w="638803">
+                  <a:extLst>
+                    <a:ext uri="{9D8B030D-6E8A-4147-A177-3AD203B41FA5}">
+                      <a16:colId xmlns:a16="http://schemas.microsoft.com/office/drawing/2014/main" val="38723595"/>
+                    </a:ext>
+                  </a:extLst>
+                </a:gridCol>
+                <a:gridCol w="638803">
+                  <a:extLst>
+                    <a:ext uri="{9D8B030D-6E8A-4147-A177-3AD203B41FA5}">
+                      <a16:colId xmlns:a16="http://schemas.microsoft.com/office/drawing/2014/main" val="3609796615"/>
+                    </a:ext>
+                  </a:extLst>
+                </a:gridCol>
+              </a:tblGrid>
+              <a:tr h="370840">
+                <a:tc>
+                  <a:txBody>
+                    <a:bodyPr/>
+                    <a:lstStyle/>
+                    <a:p>
+                      <a:pPr algn="ctr" latinLnBrk="1"/>
+                      <a:r>
+                        <a:rPr lang="en-US" altLang="ko-KR" b="0" dirty="0">
+                          <a:latin typeface="나눔스퀘어 Light" panose="020B0600000101010101" pitchFamily="50" charset="-127"/>
+                          <a:ea typeface="나눔스퀘어 Light" panose="020B0600000101010101" pitchFamily="50" charset="-127"/>
+                        </a:rPr>
+                        <a:t>1</a:t>
+                      </a:r>
+                      <a:endParaRPr lang="ko-KR" altLang="en-US" b="0" dirty="0">
+                        <a:solidFill>
+                          <a:schemeClr val="tx1"/>
+                        </a:solidFill>
+                        <a:latin typeface="나눔스퀘어 Bold" panose="020B0600000101010101" pitchFamily="50" charset="-127"/>
+                        <a:ea typeface="나눔스퀘어 Bold" panose="020B0600000101010101" pitchFamily="50" charset="-127"/>
+                      </a:endParaRPr>
+                    </a:p>
+                  </a:txBody>
+                  <a:tcPr/>
+                </a:tc>
+                <a:tc>
+                  <a:txBody>
+                    <a:bodyPr/>
+                    <a:lstStyle/>
+                    <a:p>
+                      <a:pPr algn="ctr" latinLnBrk="1"/>
+                      <a:r>
+                        <a:rPr lang="en-US" altLang="ko-KR" b="0" dirty="0">
+                          <a:latin typeface="나눔스퀘어 Light" panose="020B0600000101010101" pitchFamily="50" charset="-127"/>
+                          <a:ea typeface="나눔스퀘어 Light" panose="020B0600000101010101" pitchFamily="50" charset="-127"/>
+                        </a:rPr>
+                        <a:t>2</a:t>
+                      </a:r>
+                      <a:endParaRPr lang="ko-KR" altLang="en-US" b="0" dirty="0">
+                        <a:solidFill>
+                          <a:schemeClr val="tx1"/>
+                        </a:solidFill>
+                        <a:latin typeface="나눔스퀘어 Bold" panose="020B0600000101010101" pitchFamily="50" charset="-127"/>
+                        <a:ea typeface="나눔스퀘어 Bold" panose="020B0600000101010101" pitchFamily="50" charset="-127"/>
+                      </a:endParaRPr>
+                    </a:p>
+                  </a:txBody>
+                  <a:tcPr/>
+                </a:tc>
+                <a:tc>
+                  <a:txBody>
+                    <a:bodyPr/>
+                    <a:lstStyle/>
+                    <a:p>
+                      <a:pPr algn="ctr" latinLnBrk="1"/>
+                      <a:r>
+                        <a:rPr lang="en-US" altLang="ko-KR" b="0" dirty="0">
+                          <a:latin typeface="나눔스퀘어 Light" panose="020B0600000101010101" pitchFamily="50" charset="-127"/>
+                          <a:ea typeface="나눔스퀘어 Light" panose="020B0600000101010101" pitchFamily="50" charset="-127"/>
+                        </a:rPr>
+                        <a:t>1</a:t>
+                      </a:r>
+                      <a:endParaRPr lang="ko-KR" altLang="en-US" b="0" dirty="0">
+                        <a:solidFill>
+                          <a:schemeClr val="tx1"/>
+                        </a:solidFill>
+                        <a:latin typeface="나눔스퀘어 Bold" panose="020B0600000101010101" pitchFamily="50" charset="-127"/>
+                        <a:ea typeface="나눔스퀘어 Bold" panose="020B0600000101010101" pitchFamily="50" charset="-127"/>
+                      </a:endParaRPr>
+                    </a:p>
+                  </a:txBody>
+                  <a:tcPr/>
+                </a:tc>
+                <a:tc>
+                  <a:txBody>
+                    <a:bodyPr/>
+                    <a:lstStyle/>
+                    <a:p>
+                      <a:pPr marL="0" marR="0" lvl="0" indent="0" algn="ctr" defTabSz="914400" rtl="0" eaLnBrk="1" fontAlgn="auto" latinLnBrk="1" hangingPunct="1">
+                        <a:lnSpc>
+                          <a:spcPct val="100000"/>
+                        </a:lnSpc>
+                        <a:spcBef>
+                          <a:spcPts val="0"/>
+                        </a:spcBef>
+                        <a:spcAft>
+                          <a:spcPts val="0"/>
+                        </a:spcAft>
+                        <a:buClrTx/>
+                        <a:buSzTx/>
+                        <a:buFontTx/>
+                        <a:buNone/>
+                        <a:tabLst/>
+                        <a:defRPr/>
+                      </a:pPr>
+                      <a:r>
+                        <a:rPr lang="en-US" altLang="ko-KR" b="0" dirty="0">
+                          <a:latin typeface="나눔스퀘어 Light" panose="020B0600000101010101" pitchFamily="50" charset="-127"/>
+                          <a:ea typeface="나눔스퀘어 Light" panose="020B0600000101010101" pitchFamily="50" charset="-127"/>
+                        </a:rPr>
+                        <a:t>3</a:t>
+                      </a:r>
+                      <a:endParaRPr lang="ko-KR" altLang="en-US" b="0" dirty="0">
+                        <a:solidFill>
+                          <a:schemeClr val="tx1"/>
+                        </a:solidFill>
+                        <a:latin typeface="나눔스퀘어 Bold" panose="020B0600000101010101" pitchFamily="50" charset="-127"/>
+                        <a:ea typeface="나눔스퀘어 Bold" panose="020B0600000101010101" pitchFamily="50" charset="-127"/>
+                      </a:endParaRPr>
+                    </a:p>
+                  </a:txBody>
+                  <a:tcPr/>
+                </a:tc>
+                <a:tc>
+                  <a:txBody>
+                    <a:bodyPr/>
+                    <a:lstStyle/>
+                    <a:p>
+                      <a:pPr marL="0" marR="0" lvl="0" indent="0" algn="ctr" defTabSz="914400" rtl="0" eaLnBrk="1" fontAlgn="auto" latinLnBrk="1" hangingPunct="1">
+                        <a:lnSpc>
+                          <a:spcPct val="100000"/>
+                        </a:lnSpc>
+                        <a:spcBef>
+                          <a:spcPts val="0"/>
+                        </a:spcBef>
+                        <a:spcAft>
+                          <a:spcPts val="0"/>
+                        </a:spcAft>
+                        <a:buClrTx/>
+                        <a:buSzTx/>
+                        <a:buFontTx/>
+                        <a:buNone/>
+                        <a:tabLst/>
+                        <a:defRPr/>
+                      </a:pPr>
+                      <a:r>
+                        <a:rPr lang="en-US" altLang="ko-KR" b="0" dirty="0">
+                          <a:latin typeface="나눔스퀘어 Light" panose="020B0600000101010101" pitchFamily="50" charset="-127"/>
+                          <a:ea typeface="나눔스퀘어 Light" panose="020B0600000101010101" pitchFamily="50" charset="-127"/>
+                        </a:rPr>
+                        <a:t>2</a:t>
+                      </a:r>
+                      <a:endParaRPr lang="ko-KR" altLang="en-US" b="0" dirty="0">
+                        <a:solidFill>
+                          <a:schemeClr val="tx1"/>
+                        </a:solidFill>
+                        <a:latin typeface="나눔스퀘어 Bold" panose="020B0600000101010101" pitchFamily="50" charset="-127"/>
+                        <a:ea typeface="나눔스퀘어 Bold" panose="020B0600000101010101" pitchFamily="50" charset="-127"/>
+                      </a:endParaRPr>
+                    </a:p>
+                  </a:txBody>
+                  <a:tcPr/>
+                </a:tc>
+                <a:tc>
+                  <a:txBody>
+                    <a:bodyPr/>
+                    <a:lstStyle/>
+                    <a:p>
+                      <a:pPr marL="0" marR="0" lvl="0" indent="0" algn="ctr" defTabSz="914400" rtl="0" eaLnBrk="1" fontAlgn="auto" latinLnBrk="1" hangingPunct="1">
+                        <a:lnSpc>
+                          <a:spcPct val="100000"/>
+                        </a:lnSpc>
+                        <a:spcBef>
+                          <a:spcPts val="0"/>
+                        </a:spcBef>
+                        <a:spcAft>
+                          <a:spcPts val="0"/>
+                        </a:spcAft>
+                        <a:buClrTx/>
+                        <a:buSzTx/>
+                        <a:buFontTx/>
+                        <a:buNone/>
+                        <a:tabLst/>
+                        <a:defRPr/>
+                      </a:pPr>
+                      <a:r>
+                        <a:rPr lang="en-US" altLang="ko-KR" b="0" dirty="0">
+                          <a:solidFill>
+                            <a:schemeClr val="tx1"/>
+                          </a:solidFill>
+                          <a:latin typeface="나눔스퀘어 Bold" panose="020B0600000101010101" pitchFamily="50" charset="-127"/>
+                          <a:ea typeface="나눔스퀘어 Bold" panose="020B0600000101010101" pitchFamily="50" charset="-127"/>
+                        </a:rPr>
+                        <a:t>4</a:t>
+                      </a:r>
+                      <a:endParaRPr lang="ko-KR" altLang="en-US" b="0" dirty="0">
+                        <a:solidFill>
+                          <a:schemeClr val="tx1"/>
+                        </a:solidFill>
+                        <a:latin typeface="나눔스퀘어 Bold" panose="020B0600000101010101" pitchFamily="50" charset="-127"/>
+                        <a:ea typeface="나눔스퀘어 Bold" panose="020B0600000101010101" pitchFamily="50" charset="-127"/>
+                      </a:endParaRPr>
+                    </a:p>
+                  </a:txBody>
+                  <a:tcPr/>
+                </a:tc>
+                <a:extLst>
+                  <a:ext uri="{0D108BD9-81ED-4DB2-BD59-A6C34878D82A}">
+                    <a16:rowId xmlns:a16="http://schemas.microsoft.com/office/drawing/2014/main" val="2178751425"/>
+                  </a:ext>
+                </a:extLst>
+              </a:tr>
+            </a:tbl>
+          </a:graphicData>
+        </a:graphic>
+      </p:graphicFrame>
+      <p:sp>
+        <p:nvSpPr>
+          <p:cNvPr id="62" name="TextBox 61">
+            <a:extLst>
+              <a:ext uri="{FF2B5EF4-FFF2-40B4-BE49-F238E27FC236}">
+                <a16:creationId xmlns:a16="http://schemas.microsoft.com/office/drawing/2014/main" id="{26EC0706-6459-9495-1038-013DFC48E365}"/>
+              </a:ext>
+            </a:extLst>
+          </p:cNvPr>
+          <p:cNvSpPr txBox="1"/>
+          <p:nvPr/>
+        </p:nvSpPr>
+        <p:spPr>
+          <a:xfrm>
+            <a:off x="3861848" y="5113668"/>
+            <a:ext cx="767646" cy="369332"/>
+          </a:xfrm>
+          <a:prstGeom prst="rect">
+            <a:avLst/>
+          </a:prstGeom>
+          <a:noFill/>
+        </p:spPr>
+        <p:txBody>
+          <a:bodyPr wrap="square" rtlCol="0">
+            <a:spAutoFit/>
+          </a:bodyPr>
+          <a:lstStyle/>
+          <a:p>
+            <a:pPr algn="ctr"/>
+            <a:r>
+              <a:rPr lang="en-US" altLang="ko-KR" dirty="0" err="1">
+                <a:latin typeface="나눔스퀘어 Light" panose="020B0600000101010101" pitchFamily="50" charset="-127"/>
+                <a:ea typeface="나눔스퀘어 Light" panose="020B0600000101010101" pitchFamily="50" charset="-127"/>
+              </a:rPr>
+              <a:t>dp</a:t>
+            </a:r>
+            <a:r>
+              <a:rPr lang="en-US" altLang="ko-KR" dirty="0">
+                <a:latin typeface="나눔스퀘어 Light" panose="020B0600000101010101" pitchFamily="50" charset="-127"/>
+                <a:ea typeface="나눔스퀘어 Light" panose="020B0600000101010101" pitchFamily="50" charset="-127"/>
+              </a:rPr>
+              <a:t>[]</a:t>
+            </a:r>
+            <a:endParaRPr lang="ko-KR" altLang="en-US" dirty="0">
+              <a:latin typeface="나눔스퀘어 Light" panose="020B0600000101010101" pitchFamily="50" charset="-127"/>
+              <a:ea typeface="나눔스퀘어 Light" panose="020B0600000101010101" pitchFamily="50" charset="-127"/>
+            </a:endParaRPr>
+          </a:p>
+        </p:txBody>
+      </p:sp>
+    </p:spTree>
+    <p:extLst>
+      <p:ext uri="{BB962C8B-B14F-4D97-AF65-F5344CB8AC3E}">
+        <p14:creationId xmlns:p14="http://schemas.microsoft.com/office/powerpoint/2010/main" val="953754122"/>
+      </p:ext>
+    </p:extLst>
+  </p:cSld>
+  <p:clrMapOvr>
+    <a:masterClrMapping/>
+  </p:clrMapOvr>
+</p:sld>
+</file>
+
+<file path=ppt/slides/slide36.xml><?xml version="1.0" encoding="utf-8"?>
+<p:sld xmlns:a="http://schemas.openxmlformats.org/drawingml/2006/main" xmlns:r="http://schemas.openxmlformats.org/officeDocument/2006/relationships" xmlns:p="http://schemas.openxmlformats.org/presentationml/2006/main">
+  <p:cSld>
+    <p:spTree>
+      <p:nvGrpSpPr>
+        <p:cNvPr id="1" name=""/>
+        <p:cNvGrpSpPr/>
+        <p:nvPr/>
+      </p:nvGrpSpPr>
+      <p:grpSpPr>
+        <a:xfrm>
+          <a:off x="0" y="0"/>
+          <a:ext cx="0" cy="0"/>
+          <a:chOff x="0" y="0"/>
+          <a:chExt cx="0" cy="0"/>
+        </a:xfrm>
+      </p:grpSpPr>
+      <p:cxnSp>
+        <p:nvCxnSpPr>
+          <p:cNvPr id="5" name="직선 연결선 4">
+            <a:extLst>
+              <a:ext uri="{FF2B5EF4-FFF2-40B4-BE49-F238E27FC236}">
+                <a16:creationId xmlns:a16="http://schemas.microsoft.com/office/drawing/2014/main" id="{164C2827-EFCE-69A4-D037-1A218415F568}"/>
+              </a:ext>
+            </a:extLst>
+          </p:cNvPr>
+          <p:cNvCxnSpPr/>
+          <p:nvPr/>
+        </p:nvCxnSpPr>
+        <p:spPr>
+          <a:xfrm>
+            <a:off x="0" y="887505"/>
+            <a:ext cx="10237694" cy="0"/>
+          </a:xfrm>
+          <a:prstGeom prst="line">
+            <a:avLst/>
+          </a:prstGeom>
+          <a:ln w="76200">
+            <a:solidFill>
+              <a:schemeClr val="tx1">
+                <a:lumMod val="75000"/>
+                <a:lumOff val="25000"/>
+              </a:schemeClr>
+            </a:solidFill>
+          </a:ln>
+        </p:spPr>
+        <p:style>
+          <a:lnRef idx="1">
+            <a:schemeClr val="accent1"/>
+          </a:lnRef>
+          <a:fillRef idx="0">
+            <a:schemeClr val="accent1"/>
+          </a:fillRef>
+          <a:effectRef idx="0">
+            <a:schemeClr val="accent1"/>
+          </a:effectRef>
+          <a:fontRef idx="minor">
+            <a:schemeClr val="tx1"/>
+          </a:fontRef>
+        </p:style>
+      </p:cxnSp>
+      <p:sp>
+        <p:nvSpPr>
+          <p:cNvPr id="3" name="TextBox 2">
+            <a:extLst>
+              <a:ext uri="{FF2B5EF4-FFF2-40B4-BE49-F238E27FC236}">
+                <a16:creationId xmlns:a16="http://schemas.microsoft.com/office/drawing/2014/main" id="{224010AF-26B9-3DC2-1483-F55C7555A685}"/>
+              </a:ext>
+            </a:extLst>
+          </p:cNvPr>
+          <p:cNvSpPr txBox="1"/>
+          <p:nvPr/>
+        </p:nvSpPr>
+        <p:spPr>
+          <a:xfrm>
+            <a:off x="942387" y="1190024"/>
+            <a:ext cx="10313217" cy="369332"/>
+          </a:xfrm>
+          <a:prstGeom prst="rect">
+            <a:avLst/>
+          </a:prstGeom>
+          <a:noFill/>
+        </p:spPr>
+        <p:txBody>
+          <a:bodyPr wrap="square" rtlCol="0">
+            <a:spAutoFit/>
+          </a:bodyPr>
+          <a:lstStyle/>
+          <a:p>
+            <a:r>
+              <a:rPr lang="ko-KR" altLang="en-US" dirty="0">
+                <a:latin typeface="나눔스퀘어 Light" panose="020B0600000101010101" pitchFamily="50" charset="-127"/>
+                <a:ea typeface="나눔스퀘어 Light" panose="020B0600000101010101" pitchFamily="50" charset="-127"/>
+              </a:rPr>
+              <a:t>앞서 세운 풀이 과정들을 코드로 구현</a:t>
+            </a:r>
+          </a:p>
+        </p:txBody>
+      </p:sp>
+      <p:sp>
+        <p:nvSpPr>
+          <p:cNvPr id="7" name="TextBox 6">
+            <a:extLst>
+              <a:ext uri="{FF2B5EF4-FFF2-40B4-BE49-F238E27FC236}">
+                <a16:creationId xmlns:a16="http://schemas.microsoft.com/office/drawing/2014/main" id="{284EA9D5-0CA9-DC80-D54D-A5D61B1E9773}"/>
+              </a:ext>
+            </a:extLst>
+          </p:cNvPr>
+          <p:cNvSpPr txBox="1"/>
+          <p:nvPr/>
+        </p:nvSpPr>
+        <p:spPr>
+          <a:xfrm>
+            <a:off x="331694" y="179902"/>
+            <a:ext cx="9506833" cy="523220"/>
+          </a:xfrm>
+          <a:prstGeom prst="rect">
+            <a:avLst/>
+          </a:prstGeom>
+          <a:noFill/>
+        </p:spPr>
+        <p:txBody>
+          <a:bodyPr wrap="none" rtlCol="0">
+            <a:spAutoFit/>
+          </a:bodyPr>
+          <a:lstStyle/>
+          <a:p>
+            <a:r>
+              <a:rPr lang="en-US" altLang="ko-KR" sz="2800" dirty="0">
+                <a:latin typeface="나눔스퀘어 Bold" panose="020B0600000101010101" pitchFamily="50" charset="-127"/>
+                <a:ea typeface="나눔스퀘어 Bold" panose="020B0600000101010101" pitchFamily="50" charset="-127"/>
+              </a:rPr>
+              <a:t>Dynamic Programming – 11053 </a:t>
+            </a:r>
+            <a:r>
+              <a:rPr lang="ko-KR" altLang="en-US" sz="2800" dirty="0">
+                <a:latin typeface="나눔스퀘어 Bold" panose="020B0600000101010101" pitchFamily="50" charset="-127"/>
+                <a:ea typeface="나눔스퀘어 Bold" panose="020B0600000101010101" pitchFamily="50" charset="-127"/>
+              </a:rPr>
+              <a:t>가장 긴 증가하는 부분 수열</a:t>
+            </a:r>
+          </a:p>
+        </p:txBody>
+      </p:sp>
+      <p:sp>
+        <p:nvSpPr>
+          <p:cNvPr id="8" name="TextBox 7">
+            <a:extLst>
+              <a:ext uri="{FF2B5EF4-FFF2-40B4-BE49-F238E27FC236}">
+                <a16:creationId xmlns:a16="http://schemas.microsoft.com/office/drawing/2014/main" id="{BFDFF7E5-5E22-1511-7004-C720EFB3019C}"/>
+              </a:ext>
+            </a:extLst>
+          </p:cNvPr>
+          <p:cNvSpPr txBox="1"/>
+          <p:nvPr/>
+        </p:nvSpPr>
+        <p:spPr>
+          <a:xfrm>
+            <a:off x="942387" y="1861874"/>
+            <a:ext cx="10313217" cy="369332"/>
+          </a:xfrm>
+          <a:prstGeom prst="rect">
+            <a:avLst/>
+          </a:prstGeom>
+          <a:noFill/>
+        </p:spPr>
+        <p:txBody>
+          <a:bodyPr wrap="square" rtlCol="0">
+            <a:spAutoFit/>
+          </a:bodyPr>
+          <a:lstStyle/>
+          <a:p>
+            <a:r>
+              <a:rPr lang="ko-KR" altLang="en-US" dirty="0">
+                <a:latin typeface="나눔스퀘어 Light" panose="020B0600000101010101" pitchFamily="50" charset="-127"/>
+                <a:ea typeface="나눔스퀘어 Light" panose="020B0600000101010101" pitchFamily="50" charset="-127"/>
+              </a:rPr>
+              <a:t>문제에 주어진 수열 </a:t>
+            </a:r>
+            <a:r>
+              <a:rPr lang="en-US" altLang="ko-KR" dirty="0">
+                <a:latin typeface="나눔스퀘어 Light" panose="020B0600000101010101" pitchFamily="50" charset="-127"/>
+                <a:ea typeface="나눔스퀘어 Light" panose="020B0600000101010101" pitchFamily="50" charset="-127"/>
+              </a:rPr>
+              <a:t>A[]</a:t>
+            </a:r>
+            <a:r>
+              <a:rPr lang="ko-KR" altLang="en-US" dirty="0">
+                <a:latin typeface="나눔스퀘어 Light" panose="020B0600000101010101" pitchFamily="50" charset="-127"/>
+                <a:ea typeface="나눔스퀘어 Light" panose="020B0600000101010101" pitchFamily="50" charset="-127"/>
+              </a:rPr>
+              <a:t>를 입력</a:t>
+            </a:r>
+          </a:p>
+        </p:txBody>
+      </p:sp>
+      <p:pic>
+        <p:nvPicPr>
+          <p:cNvPr id="10" name="그림 9">
+            <a:extLst>
+              <a:ext uri="{FF2B5EF4-FFF2-40B4-BE49-F238E27FC236}">
+                <a16:creationId xmlns:a16="http://schemas.microsoft.com/office/drawing/2014/main" id="{39C1691D-3A19-3AAC-2FA4-491E5EAFAD10}"/>
+              </a:ext>
+            </a:extLst>
+          </p:cNvPr>
+          <p:cNvPicPr>
+            <a:picLocks noChangeAspect="1"/>
+          </p:cNvPicPr>
+          <p:nvPr/>
+        </p:nvPicPr>
+        <p:blipFill>
+          <a:blip r:embed="rId2"/>
+          <a:stretch>
+            <a:fillRect/>
+          </a:stretch>
+        </p:blipFill>
+        <p:spPr>
+          <a:xfrm>
+            <a:off x="942387" y="2533724"/>
+            <a:ext cx="4424739" cy="1560726"/>
+          </a:xfrm>
+          <a:prstGeom prst="rect">
+            <a:avLst/>
+          </a:prstGeom>
+        </p:spPr>
+      </p:pic>
+    </p:spTree>
+    <p:extLst>
+      <p:ext uri="{BB962C8B-B14F-4D97-AF65-F5344CB8AC3E}">
+        <p14:creationId xmlns:p14="http://schemas.microsoft.com/office/powerpoint/2010/main" val="3693503268"/>
+      </p:ext>
+    </p:extLst>
+  </p:cSld>
+  <p:clrMapOvr>
+    <a:masterClrMapping/>
+  </p:clrMapOvr>
+</p:sld>
+</file>
+
+<file path=ppt/slides/slide37.xml><?xml version="1.0" encoding="utf-8"?>
+<p:sld xmlns:a="http://schemas.openxmlformats.org/drawingml/2006/main" xmlns:r="http://schemas.openxmlformats.org/officeDocument/2006/relationships" xmlns:p="http://schemas.openxmlformats.org/presentationml/2006/main">
+  <p:cSld>
+    <p:spTree>
+      <p:nvGrpSpPr>
+        <p:cNvPr id="1" name=""/>
+        <p:cNvGrpSpPr/>
+        <p:nvPr/>
+      </p:nvGrpSpPr>
+      <p:grpSpPr>
+        <a:xfrm>
+          <a:off x="0" y="0"/>
+          <a:ext cx="0" cy="0"/>
+          <a:chOff x="0" y="0"/>
+          <a:chExt cx="0" cy="0"/>
+        </a:xfrm>
+      </p:grpSpPr>
+      <p:cxnSp>
+        <p:nvCxnSpPr>
+          <p:cNvPr id="5" name="직선 연결선 4">
+            <a:extLst>
+              <a:ext uri="{FF2B5EF4-FFF2-40B4-BE49-F238E27FC236}">
+                <a16:creationId xmlns:a16="http://schemas.microsoft.com/office/drawing/2014/main" id="{164C2827-EFCE-69A4-D037-1A218415F568}"/>
+              </a:ext>
+            </a:extLst>
+          </p:cNvPr>
+          <p:cNvCxnSpPr/>
+          <p:nvPr/>
+        </p:nvCxnSpPr>
+        <p:spPr>
+          <a:xfrm>
+            <a:off x="0" y="887505"/>
+            <a:ext cx="10237694" cy="0"/>
+          </a:xfrm>
+          <a:prstGeom prst="line">
+            <a:avLst/>
+          </a:prstGeom>
+          <a:ln w="76200">
+            <a:solidFill>
+              <a:schemeClr val="tx1">
+                <a:lumMod val="75000"/>
+                <a:lumOff val="25000"/>
+              </a:schemeClr>
+            </a:solidFill>
+          </a:ln>
+        </p:spPr>
+        <p:style>
+          <a:lnRef idx="1">
+            <a:schemeClr val="accent1"/>
+          </a:lnRef>
+          <a:fillRef idx="0">
+            <a:schemeClr val="accent1"/>
+          </a:fillRef>
+          <a:effectRef idx="0">
+            <a:schemeClr val="accent1"/>
+          </a:effectRef>
+          <a:fontRef idx="minor">
+            <a:schemeClr val="tx1"/>
+          </a:fontRef>
+        </p:style>
+      </p:cxnSp>
+      <p:sp>
+        <p:nvSpPr>
+          <p:cNvPr id="3" name="TextBox 2">
+            <a:extLst>
+              <a:ext uri="{FF2B5EF4-FFF2-40B4-BE49-F238E27FC236}">
+                <a16:creationId xmlns:a16="http://schemas.microsoft.com/office/drawing/2014/main" id="{224010AF-26B9-3DC2-1483-F55C7555A685}"/>
+              </a:ext>
+            </a:extLst>
+          </p:cNvPr>
+          <p:cNvSpPr txBox="1"/>
+          <p:nvPr/>
+        </p:nvSpPr>
+        <p:spPr>
+          <a:xfrm>
+            <a:off x="942387" y="1190024"/>
+            <a:ext cx="10313217" cy="369332"/>
+          </a:xfrm>
+          <a:prstGeom prst="rect">
+            <a:avLst/>
+          </a:prstGeom>
+          <a:noFill/>
+        </p:spPr>
+        <p:txBody>
+          <a:bodyPr wrap="square" rtlCol="0">
+            <a:spAutoFit/>
+          </a:bodyPr>
+          <a:lstStyle/>
+          <a:p>
+            <a:r>
+              <a:rPr lang="en-US" altLang="ko-KR" dirty="0" err="1">
+                <a:latin typeface="나눔스퀘어 Light" panose="020B0600000101010101" pitchFamily="50" charset="-127"/>
+                <a:ea typeface="나눔스퀘어 Light" panose="020B0600000101010101" pitchFamily="50" charset="-127"/>
+              </a:rPr>
+              <a:t>dp</a:t>
+            </a:r>
+            <a:r>
+              <a:rPr lang="en-US" altLang="ko-KR" dirty="0">
+                <a:latin typeface="나눔스퀘어 Light" panose="020B0600000101010101" pitchFamily="50" charset="-127"/>
+                <a:ea typeface="나눔스퀘어 Light" panose="020B0600000101010101" pitchFamily="50" charset="-127"/>
+              </a:rPr>
+              <a:t>[]</a:t>
+            </a:r>
+            <a:r>
+              <a:rPr lang="ko-KR" altLang="en-US" dirty="0">
+                <a:latin typeface="나눔스퀘어 Light" panose="020B0600000101010101" pitchFamily="50" charset="-127"/>
+                <a:ea typeface="나눔스퀘어 Light" panose="020B0600000101010101" pitchFamily="50" charset="-127"/>
+              </a:rPr>
+              <a:t>배열들을 </a:t>
+            </a:r>
+            <a:r>
+              <a:rPr lang="en-US" altLang="ko-KR" dirty="0">
+                <a:latin typeface="나눔스퀘어 Light" panose="020B0600000101010101" pitchFamily="50" charset="-127"/>
+                <a:ea typeface="나눔스퀘어 Light" panose="020B0600000101010101" pitchFamily="50" charset="-127"/>
+              </a:rPr>
+              <a:t>1</a:t>
+            </a:r>
+            <a:r>
+              <a:rPr lang="ko-KR" altLang="en-US" dirty="0">
+                <a:latin typeface="나눔스퀘어 Light" panose="020B0600000101010101" pitchFamily="50" charset="-127"/>
+                <a:ea typeface="나눔스퀘어 Light" panose="020B0600000101010101" pitchFamily="50" charset="-127"/>
+              </a:rPr>
+              <a:t>로 초기화    </a:t>
+            </a:r>
+            <a:r>
+              <a:rPr lang="en-US" altLang="ko-KR" dirty="0">
+                <a:latin typeface="나눔스퀘어 Light" panose="020B0600000101010101" pitchFamily="50" charset="-127"/>
+                <a:ea typeface="나눔스퀘어 Light" panose="020B0600000101010101" pitchFamily="50" charset="-127"/>
+              </a:rPr>
+              <a:t>(</a:t>
+            </a:r>
+            <a:r>
+              <a:rPr lang="ko-KR" altLang="en-US" dirty="0">
+                <a:latin typeface="나눔스퀘어 Light" panose="020B0600000101010101" pitchFamily="50" charset="-127"/>
+                <a:ea typeface="나눔스퀘어 Light" panose="020B0600000101010101" pitchFamily="50" charset="-127"/>
+              </a:rPr>
+              <a:t>앞에 있는 값들에 이어 붙이지 못해도</a:t>
+            </a:r>
+            <a:r>
+              <a:rPr lang="en-US" altLang="ko-KR" dirty="0">
+                <a:latin typeface="나눔스퀘어 Light" panose="020B0600000101010101" pitchFamily="50" charset="-127"/>
+                <a:ea typeface="나눔스퀘어 Light" panose="020B0600000101010101" pitchFamily="50" charset="-127"/>
+              </a:rPr>
+              <a:t>, </a:t>
+            </a:r>
+            <a:r>
+              <a:rPr lang="ko-KR" altLang="en-US" dirty="0">
+                <a:latin typeface="나눔스퀘어 Light" panose="020B0600000101010101" pitchFamily="50" charset="-127"/>
+                <a:ea typeface="나눔스퀘어 Light" panose="020B0600000101010101" pitchFamily="50" charset="-127"/>
+              </a:rPr>
+              <a:t>결국 본인</a:t>
+            </a:r>
+            <a:r>
+              <a:rPr lang="en-US" altLang="ko-KR" dirty="0">
+                <a:latin typeface="나눔스퀘어 Light" panose="020B0600000101010101" pitchFamily="50" charset="-127"/>
+                <a:ea typeface="나눔스퀘어 Light" panose="020B0600000101010101" pitchFamily="50" charset="-127"/>
+              </a:rPr>
+              <a:t>(A[</a:t>
+            </a:r>
+            <a:r>
+              <a:rPr lang="en-US" altLang="ko-KR" dirty="0" err="1">
+                <a:latin typeface="나눔스퀘어 Light" panose="020B0600000101010101" pitchFamily="50" charset="-127"/>
+                <a:ea typeface="나눔스퀘어 Light" panose="020B0600000101010101" pitchFamily="50" charset="-127"/>
+              </a:rPr>
+              <a:t>idx</a:t>
+            </a:r>
+            <a:r>
+              <a:rPr lang="en-US" altLang="ko-KR" dirty="0">
+                <a:latin typeface="나눔스퀘어 Light" panose="020B0600000101010101" pitchFamily="50" charset="-127"/>
+                <a:ea typeface="나눔스퀘어 Light" panose="020B0600000101010101" pitchFamily="50" charset="-127"/>
+              </a:rPr>
+              <a:t>])</a:t>
+            </a:r>
+            <a:r>
+              <a:rPr lang="ko-KR" altLang="en-US" dirty="0">
+                <a:latin typeface="나눔스퀘어 Light" panose="020B0600000101010101" pitchFamily="50" charset="-127"/>
+                <a:ea typeface="나눔스퀘어 Light" panose="020B0600000101010101" pitchFamily="50" charset="-127"/>
+              </a:rPr>
+              <a:t>을 포함시킴</a:t>
+            </a:r>
+            <a:r>
+              <a:rPr lang="en-US" altLang="ko-KR" dirty="0">
+                <a:latin typeface="나눔스퀘어 Light" panose="020B0600000101010101" pitchFamily="50" charset="-127"/>
+                <a:ea typeface="나눔스퀘어 Light" panose="020B0600000101010101" pitchFamily="50" charset="-127"/>
+              </a:rPr>
+              <a:t>)</a:t>
+            </a:r>
+            <a:endParaRPr lang="ko-KR" altLang="en-US" dirty="0">
+              <a:latin typeface="나눔스퀘어 Light" panose="020B0600000101010101" pitchFamily="50" charset="-127"/>
+              <a:ea typeface="나눔스퀘어 Light" panose="020B0600000101010101" pitchFamily="50" charset="-127"/>
+            </a:endParaRPr>
+          </a:p>
+        </p:txBody>
+      </p:sp>
+      <p:sp>
+        <p:nvSpPr>
+          <p:cNvPr id="7" name="TextBox 6">
+            <a:extLst>
+              <a:ext uri="{FF2B5EF4-FFF2-40B4-BE49-F238E27FC236}">
+                <a16:creationId xmlns:a16="http://schemas.microsoft.com/office/drawing/2014/main" id="{284EA9D5-0CA9-DC80-D54D-A5D61B1E9773}"/>
+              </a:ext>
+            </a:extLst>
+          </p:cNvPr>
+          <p:cNvSpPr txBox="1"/>
+          <p:nvPr/>
+        </p:nvSpPr>
+        <p:spPr>
+          <a:xfrm>
+            <a:off x="331694" y="179902"/>
+            <a:ext cx="9506833" cy="523220"/>
+          </a:xfrm>
+          <a:prstGeom prst="rect">
+            <a:avLst/>
+          </a:prstGeom>
+          <a:noFill/>
+        </p:spPr>
+        <p:txBody>
+          <a:bodyPr wrap="none" rtlCol="0">
+            <a:spAutoFit/>
+          </a:bodyPr>
+          <a:lstStyle/>
+          <a:p>
+            <a:r>
+              <a:rPr lang="en-US" altLang="ko-KR" sz="2800" dirty="0">
+                <a:latin typeface="나눔스퀘어 Bold" panose="020B0600000101010101" pitchFamily="50" charset="-127"/>
+                <a:ea typeface="나눔스퀘어 Bold" panose="020B0600000101010101" pitchFamily="50" charset="-127"/>
+              </a:rPr>
+              <a:t>Dynamic Programming – 11053 </a:t>
+            </a:r>
+            <a:r>
+              <a:rPr lang="ko-KR" altLang="en-US" sz="2800" dirty="0">
+                <a:latin typeface="나눔스퀘어 Bold" panose="020B0600000101010101" pitchFamily="50" charset="-127"/>
+                <a:ea typeface="나눔스퀘어 Bold" panose="020B0600000101010101" pitchFamily="50" charset="-127"/>
+              </a:rPr>
+              <a:t>가장 긴 증가하는 부분 수열</a:t>
+            </a:r>
+          </a:p>
+        </p:txBody>
+      </p:sp>
+      <p:sp>
+        <p:nvSpPr>
+          <p:cNvPr id="8" name="TextBox 7">
+            <a:extLst>
+              <a:ext uri="{FF2B5EF4-FFF2-40B4-BE49-F238E27FC236}">
+                <a16:creationId xmlns:a16="http://schemas.microsoft.com/office/drawing/2014/main" id="{BFDFF7E5-5E22-1511-7004-C720EFB3019C}"/>
+              </a:ext>
+            </a:extLst>
+          </p:cNvPr>
+          <p:cNvSpPr txBox="1"/>
+          <p:nvPr/>
+        </p:nvSpPr>
+        <p:spPr>
+          <a:xfrm>
+            <a:off x="942387" y="1861874"/>
+            <a:ext cx="10313217" cy="369332"/>
+          </a:xfrm>
+          <a:prstGeom prst="rect">
+            <a:avLst/>
+          </a:prstGeom>
+          <a:noFill/>
+        </p:spPr>
+        <p:txBody>
+          <a:bodyPr wrap="square" rtlCol="0">
+            <a:spAutoFit/>
+          </a:bodyPr>
+          <a:lstStyle/>
+          <a:p>
+            <a:r>
+              <a:rPr lang="en-US" altLang="ko-KR" dirty="0" err="1">
+                <a:latin typeface="나눔스퀘어 Light" panose="020B0600000101010101" pitchFamily="50" charset="-127"/>
+                <a:ea typeface="나눔스퀘어 Light" panose="020B0600000101010101" pitchFamily="50" charset="-127"/>
+              </a:rPr>
+              <a:t>dp</a:t>
+            </a:r>
+            <a:r>
+              <a:rPr lang="en-US" altLang="ko-KR" dirty="0">
+                <a:latin typeface="나눔스퀘어 Light" panose="020B0600000101010101" pitchFamily="50" charset="-127"/>
+                <a:ea typeface="나눔스퀘어 Light" panose="020B0600000101010101" pitchFamily="50" charset="-127"/>
+              </a:rPr>
+              <a:t>[</a:t>
+            </a:r>
+            <a:r>
+              <a:rPr lang="en-US" altLang="ko-KR" dirty="0" err="1">
+                <a:latin typeface="나눔스퀘어 Light" panose="020B0600000101010101" pitchFamily="50" charset="-127"/>
+                <a:ea typeface="나눔스퀘어 Light" panose="020B0600000101010101" pitchFamily="50" charset="-127"/>
+              </a:rPr>
+              <a:t>idx</a:t>
+            </a:r>
+            <a:r>
+              <a:rPr lang="en-US" altLang="ko-KR" dirty="0">
+                <a:latin typeface="나눔스퀘어 Light" panose="020B0600000101010101" pitchFamily="50" charset="-127"/>
+                <a:ea typeface="나눔스퀘어 Light" panose="020B0600000101010101" pitchFamily="50" charset="-127"/>
+              </a:rPr>
+              <a:t>]</a:t>
+            </a:r>
+            <a:r>
+              <a:rPr lang="ko-KR" altLang="en-US" dirty="0">
+                <a:latin typeface="나눔스퀘어 Light" panose="020B0600000101010101" pitchFamily="50" charset="-127"/>
+                <a:ea typeface="나눔스퀘어 Light" panose="020B0600000101010101" pitchFamily="50" charset="-127"/>
+              </a:rPr>
+              <a:t>는 넣을 수 있는 </a:t>
+            </a:r>
+            <a:r>
+              <a:rPr lang="en-US" altLang="ko-KR" dirty="0" err="1">
+                <a:latin typeface="나눔스퀘어 Light" panose="020B0600000101010101" pitchFamily="50" charset="-127"/>
+                <a:ea typeface="나눔스퀘어 Light" panose="020B0600000101010101" pitchFamily="50" charset="-127"/>
+              </a:rPr>
+              <a:t>dp</a:t>
+            </a:r>
+            <a:r>
+              <a:rPr lang="en-US" altLang="ko-KR" dirty="0">
+                <a:latin typeface="나눔스퀘어 Light" panose="020B0600000101010101" pitchFamily="50" charset="-127"/>
+                <a:ea typeface="나눔스퀘어 Light" panose="020B0600000101010101" pitchFamily="50" charset="-127"/>
+              </a:rPr>
+              <a:t>[0 ~ </a:t>
+            </a:r>
+            <a:r>
+              <a:rPr lang="en-US" altLang="ko-KR" dirty="0" err="1">
+                <a:latin typeface="나눔스퀘어 Light" panose="020B0600000101010101" pitchFamily="50" charset="-127"/>
+                <a:ea typeface="나눔스퀘어 Light" panose="020B0600000101010101" pitchFamily="50" charset="-127"/>
+              </a:rPr>
+              <a:t>idx</a:t>
+            </a:r>
+            <a:r>
+              <a:rPr lang="en-US" altLang="ko-KR" dirty="0">
+                <a:latin typeface="나눔스퀘어 Light" panose="020B0600000101010101" pitchFamily="50" charset="-127"/>
+                <a:ea typeface="나눔스퀘어 Light" panose="020B0600000101010101" pitchFamily="50" charset="-127"/>
+              </a:rPr>
+              <a:t> – 1] </a:t>
+            </a:r>
+            <a:r>
+              <a:rPr lang="ko-KR" altLang="en-US" dirty="0">
+                <a:latin typeface="나눔스퀘어 Light" panose="